--- a/asparagus.pptx
+++ b/asparagus.pptx
@@ -2,10 +2,18 @@
 <file path=ppt/presentation.xml><?xml version="1.0" encoding="utf-8"?>
 <p:presentation xmlns:a="http://schemas.openxmlformats.org/drawingml/2006/main" xmlns:r="http://schemas.openxmlformats.org/officeDocument/2006/relationships" xmlns:p="http://schemas.openxmlformats.org/presentationml/2006/main" saveSubsetFonts="1">
   <p:sldMasterIdLst>
-    <p:sldMasterId id="2147483648" r:id="rId1"/>
+    <p:sldMasterId id="2147483660" r:id="rId1"/>
   </p:sldMasterIdLst>
+  <p:notesMasterIdLst>
+    <p:notesMasterId r:id="rId8"/>
+  </p:notesMasterIdLst>
   <p:sldIdLst>
     <p:sldId id="256" r:id="rId2"/>
+    <p:sldId id="257" r:id="rId3"/>
+    <p:sldId id="258" r:id="rId4"/>
+    <p:sldId id="259" r:id="rId5"/>
+    <p:sldId id="260" r:id="rId6"/>
+    <p:sldId id="261" r:id="rId7"/>
   </p:sldIdLst>
   <p:sldSz cx="9144000" cy="6858000" type="screen4x3"/>
   <p:notesSz cx="6858000" cy="9144000"/>
@@ -13,7 +21,7 @@
     <a:defPPr>
       <a:defRPr lang="en-US"/>
     </a:defPPr>
-    <a:lvl1pPr marL="0" algn="l" defTabSz="914400" rtl="0" eaLnBrk="1" latinLnBrk="0" hangingPunct="1">
+    <a:lvl1pPr marL="0" algn="l" defTabSz="457200" rtl="0" eaLnBrk="1" latinLnBrk="0" hangingPunct="1">
       <a:defRPr sz="1800" kern="1200">
         <a:solidFill>
           <a:schemeClr val="tx1"/>
@@ -23,7 +31,7 @@
         <a:cs typeface="+mn-cs"/>
       </a:defRPr>
     </a:lvl1pPr>
-    <a:lvl2pPr marL="457200" algn="l" defTabSz="914400" rtl="0" eaLnBrk="1" latinLnBrk="0" hangingPunct="1">
+    <a:lvl2pPr marL="457200" algn="l" defTabSz="457200" rtl="0" eaLnBrk="1" latinLnBrk="0" hangingPunct="1">
       <a:defRPr sz="1800" kern="1200">
         <a:solidFill>
           <a:schemeClr val="tx1"/>
@@ -33,7 +41,7 @@
         <a:cs typeface="+mn-cs"/>
       </a:defRPr>
     </a:lvl2pPr>
-    <a:lvl3pPr marL="914400" algn="l" defTabSz="914400" rtl="0" eaLnBrk="1" latinLnBrk="0" hangingPunct="1">
+    <a:lvl3pPr marL="914400" algn="l" defTabSz="457200" rtl="0" eaLnBrk="1" latinLnBrk="0" hangingPunct="1">
       <a:defRPr sz="1800" kern="1200">
         <a:solidFill>
           <a:schemeClr val="tx1"/>
@@ -43,7 +51,7 @@
         <a:cs typeface="+mn-cs"/>
       </a:defRPr>
     </a:lvl3pPr>
-    <a:lvl4pPr marL="1371600" algn="l" defTabSz="914400" rtl="0" eaLnBrk="1" latinLnBrk="0" hangingPunct="1">
+    <a:lvl4pPr marL="1371600" algn="l" defTabSz="457200" rtl="0" eaLnBrk="1" latinLnBrk="0" hangingPunct="1">
       <a:defRPr sz="1800" kern="1200">
         <a:solidFill>
           <a:schemeClr val="tx1"/>
@@ -53,7 +61,7 @@
         <a:cs typeface="+mn-cs"/>
       </a:defRPr>
     </a:lvl4pPr>
-    <a:lvl5pPr marL="1828800" algn="l" defTabSz="914400" rtl="0" eaLnBrk="1" latinLnBrk="0" hangingPunct="1">
+    <a:lvl5pPr marL="1828800" algn="l" defTabSz="457200" rtl="0" eaLnBrk="1" latinLnBrk="0" hangingPunct="1">
       <a:defRPr sz="1800" kern="1200">
         <a:solidFill>
           <a:schemeClr val="tx1"/>
@@ -63,7 +71,7 @@
         <a:cs typeface="+mn-cs"/>
       </a:defRPr>
     </a:lvl5pPr>
-    <a:lvl6pPr marL="2286000" algn="l" defTabSz="914400" rtl="0" eaLnBrk="1" latinLnBrk="0" hangingPunct="1">
+    <a:lvl6pPr marL="2286000" algn="l" defTabSz="457200" rtl="0" eaLnBrk="1" latinLnBrk="0" hangingPunct="1">
       <a:defRPr sz="1800" kern="1200">
         <a:solidFill>
           <a:schemeClr val="tx1"/>
@@ -73,7 +81,7 @@
         <a:cs typeface="+mn-cs"/>
       </a:defRPr>
     </a:lvl6pPr>
-    <a:lvl7pPr marL="2743200" algn="l" defTabSz="914400" rtl="0" eaLnBrk="1" latinLnBrk="0" hangingPunct="1">
+    <a:lvl7pPr marL="2743200" algn="l" defTabSz="457200" rtl="0" eaLnBrk="1" latinLnBrk="0" hangingPunct="1">
       <a:defRPr sz="1800" kern="1200">
         <a:solidFill>
           <a:schemeClr val="tx1"/>
@@ -83,7 +91,7 @@
         <a:cs typeface="+mn-cs"/>
       </a:defRPr>
     </a:lvl7pPr>
-    <a:lvl8pPr marL="3200400" algn="l" defTabSz="914400" rtl="0" eaLnBrk="1" latinLnBrk="0" hangingPunct="1">
+    <a:lvl8pPr marL="3200400" algn="l" defTabSz="457200" rtl="0" eaLnBrk="1" latinLnBrk="0" hangingPunct="1">
       <a:defRPr sz="1800" kern="1200">
         <a:solidFill>
           <a:schemeClr val="tx1"/>
@@ -93,7 +101,7 @@
         <a:cs typeface="+mn-cs"/>
       </a:defRPr>
     </a:lvl8pPr>
-    <a:lvl9pPr marL="3657600" algn="l" defTabSz="914400" rtl="0" eaLnBrk="1" latinLnBrk="0" hangingPunct="1">
+    <a:lvl9pPr marL="3657600" algn="l" defTabSz="457200" rtl="0" eaLnBrk="1" latinLnBrk="0" hangingPunct="1">
       <a:defRPr sz="1800" kern="1200">
         <a:solidFill>
           <a:schemeClr val="tx1"/>
@@ -104,12 +112,33 @@
       </a:defRPr>
     </a:lvl9pPr>
   </p:defaultTextStyle>
+  <p:extLst>
+    <p:ext uri="{EFAFB233-063F-42B5-8137-9DF3F51BA10A}">
+      <p15:sldGuideLst xmlns:p15="http://schemas.microsoft.com/office/powerpoint/2012/main">
+        <p15:guide id="1" orient="horz" pos="2160">
+          <p15:clr>
+            <a:srgbClr val="A4A3A4"/>
+          </p15:clr>
+        </p15:guide>
+        <p15:guide id="2" pos="2880">
+          <p15:clr>
+            <a:srgbClr val="A4A3A4"/>
+          </p15:clr>
+        </p15:guide>
+      </p15:sldGuideLst>
+    </p:ext>
+  </p:extLst>
 </p:presentation>
 </file>
 
-<file path=ppt/slideLayouts/slideLayout1.xml><?xml version="1.0" encoding="utf-8"?>
-<p:sldLayout xmlns:a="http://schemas.openxmlformats.org/drawingml/2006/main" xmlns:r="http://schemas.openxmlformats.org/officeDocument/2006/relationships" xmlns:p="http://schemas.openxmlformats.org/presentationml/2006/main" type="title" preserve="1">
-  <p:cSld name="Title Slide">
+<file path=ppt/notesMasters/notesMaster1.xml><?xml version="1.0" encoding="utf-8"?>
+<p:notesMaster xmlns:a="http://schemas.openxmlformats.org/drawingml/2006/main" xmlns:r="http://schemas.openxmlformats.org/officeDocument/2006/relationships" xmlns:p="http://schemas.openxmlformats.org/presentationml/2006/main">
+  <p:cSld>
+    <p:bg>
+      <p:bgRef idx="1001">
+        <a:schemeClr val="bg1"/>
+      </p:bgRef>
+    </p:bg>
     <p:spTree>
       <p:nvGrpSpPr>
         <p:cNvPr id="1" name=""/>
@@ -126,207 +155,1033 @@
       </p:grpSpPr>
       <p:sp>
         <p:nvSpPr>
-          <p:cNvPr id="2" name="Title 1"/>
-          <p:cNvSpPr>
-            <a:spLocks noGrp="1"/>
-          </p:cNvSpPr>
-          <p:nvPr>
-            <p:ph type="ctrTitle"/>
+          <p:cNvPr id="2" name="Header Placeholder 1"/>
+          <p:cNvSpPr>
+            <a:spLocks noGrp="1"/>
+          </p:cNvSpPr>
+          <p:nvPr>
+            <p:ph type="hdr" sz="quarter"/>
           </p:nvPr>
         </p:nvSpPr>
         <p:spPr>
           <a:xfrm>
-            <a:off x="685800" y="2130425"/>
-            <a:ext cx="7772400" cy="1470025"/>
+            <a:off x="0" y="0"/>
+            <a:ext cx="2971800" cy="458788"/>
+          </a:xfrm>
+          <a:prstGeom prst="rect">
+            <a:avLst/>
+          </a:prstGeom>
+        </p:spPr>
+        <p:txBody>
+          <a:bodyPr vert="horz" lIns="91440" tIns="45720" rIns="91440" bIns="45720" rtlCol="0"/>
+          <a:lstStyle>
+            <a:lvl1pPr algn="l">
+              <a:defRPr sz="1200"/>
+            </a:lvl1pPr>
+          </a:lstStyle>
+          <a:p>
+            <a:endParaRPr lang="en-US"/>
+          </a:p>
+        </p:txBody>
+      </p:sp>
+      <p:sp>
+        <p:nvSpPr>
+          <p:cNvPr id="3" name="Date Placeholder 2"/>
+          <p:cNvSpPr>
+            <a:spLocks noGrp="1"/>
+          </p:cNvSpPr>
+          <p:nvPr>
+            <p:ph type="dt" idx="1"/>
+          </p:nvPr>
+        </p:nvSpPr>
+        <p:spPr>
+          <a:xfrm>
+            <a:off x="3884613" y="0"/>
+            <a:ext cx="2971800" cy="458788"/>
+          </a:xfrm>
+          <a:prstGeom prst="rect">
+            <a:avLst/>
+          </a:prstGeom>
+        </p:spPr>
+        <p:txBody>
+          <a:bodyPr vert="horz" lIns="91440" tIns="45720" rIns="91440" bIns="45720" rtlCol="0"/>
+          <a:lstStyle>
+            <a:lvl1pPr algn="r">
+              <a:defRPr sz="1200"/>
+            </a:lvl1pPr>
+          </a:lstStyle>
+          <a:p>
+            <a:fld id="{146B6C00-59C7-4649-A05A-DC2738C2BE3E}" type="datetimeFigureOut">
+              <a:rPr lang="en-US" smtClean="0"/>
+              <a:t>4/18/2017</a:t>
+            </a:fld>
+            <a:endParaRPr lang="en-US"/>
+          </a:p>
+        </p:txBody>
+      </p:sp>
+      <p:sp>
+        <p:nvSpPr>
+          <p:cNvPr id="4" name="Slide Image Placeholder 3"/>
+          <p:cNvSpPr>
+            <a:spLocks noGrp="1" noRot="1" noChangeAspect="1"/>
+          </p:cNvSpPr>
+          <p:nvPr>
+            <p:ph type="sldImg" idx="2"/>
+          </p:nvPr>
+        </p:nvSpPr>
+        <p:spPr>
+          <a:xfrm>
+            <a:off x="1371600" y="1143000"/>
+            <a:ext cx="4114800" cy="3086100"/>
+          </a:xfrm>
+          <a:prstGeom prst="rect">
+            <a:avLst/>
+          </a:prstGeom>
+          <a:noFill/>
+          <a:ln w="12700">
+            <a:solidFill>
+              <a:prstClr val="black"/>
+            </a:solidFill>
+          </a:ln>
+        </p:spPr>
+        <p:txBody>
+          <a:bodyPr vert="horz" lIns="91440" tIns="45720" rIns="91440" bIns="45720" rtlCol="0" anchor="ctr"/>
+          <a:lstStyle/>
+          <a:p>
+            <a:endParaRPr lang="en-US"/>
+          </a:p>
+        </p:txBody>
+      </p:sp>
+      <p:sp>
+        <p:nvSpPr>
+          <p:cNvPr id="5" name="Notes Placeholder 4"/>
+          <p:cNvSpPr>
+            <a:spLocks noGrp="1"/>
+          </p:cNvSpPr>
+          <p:nvPr>
+            <p:ph type="body" sz="quarter" idx="3"/>
+          </p:nvPr>
+        </p:nvSpPr>
+        <p:spPr>
+          <a:xfrm>
+            <a:off x="685800" y="4400550"/>
+            <a:ext cx="5486400" cy="3600450"/>
+          </a:xfrm>
+          <a:prstGeom prst="rect">
+            <a:avLst/>
+          </a:prstGeom>
+        </p:spPr>
+        <p:txBody>
+          <a:bodyPr vert="horz" lIns="91440" tIns="45720" rIns="91440" bIns="45720" rtlCol="0"/>
+          <a:lstStyle/>
+          <a:p>
+            <a:pPr lvl="0"/>
+            <a:r>
+              <a:rPr lang="en-US"/>
+              <a:t>Edit Master text styles</a:t>
+            </a:r>
+          </a:p>
+          <a:p>
+            <a:pPr lvl="1"/>
+            <a:r>
+              <a:rPr lang="en-US"/>
+              <a:t>Second level</a:t>
+            </a:r>
+          </a:p>
+          <a:p>
+            <a:pPr lvl="2"/>
+            <a:r>
+              <a:rPr lang="en-US"/>
+              <a:t>Third level</a:t>
+            </a:r>
+          </a:p>
+          <a:p>
+            <a:pPr lvl="3"/>
+            <a:r>
+              <a:rPr lang="en-US"/>
+              <a:t>Fourth level</a:t>
+            </a:r>
+          </a:p>
+          <a:p>
+            <a:pPr lvl="4"/>
+            <a:r>
+              <a:rPr lang="en-US"/>
+              <a:t>Fifth level</a:t>
+            </a:r>
+            <a:endParaRPr lang="en-US"/>
+          </a:p>
+        </p:txBody>
+      </p:sp>
+      <p:sp>
+        <p:nvSpPr>
+          <p:cNvPr id="6" name="Footer Placeholder 5"/>
+          <p:cNvSpPr>
+            <a:spLocks noGrp="1"/>
+          </p:cNvSpPr>
+          <p:nvPr>
+            <p:ph type="ftr" sz="quarter" idx="4"/>
+          </p:nvPr>
+        </p:nvSpPr>
+        <p:spPr>
+          <a:xfrm>
+            <a:off x="0" y="8685213"/>
+            <a:ext cx="2971800" cy="458787"/>
+          </a:xfrm>
+          <a:prstGeom prst="rect">
+            <a:avLst/>
+          </a:prstGeom>
+        </p:spPr>
+        <p:txBody>
+          <a:bodyPr vert="horz" lIns="91440" tIns="45720" rIns="91440" bIns="45720" rtlCol="0" anchor="b"/>
+          <a:lstStyle>
+            <a:lvl1pPr algn="l">
+              <a:defRPr sz="1200"/>
+            </a:lvl1pPr>
+          </a:lstStyle>
+          <a:p>
+            <a:endParaRPr lang="en-US"/>
+          </a:p>
+        </p:txBody>
+      </p:sp>
+      <p:sp>
+        <p:nvSpPr>
+          <p:cNvPr id="7" name="Slide Number Placeholder 6"/>
+          <p:cNvSpPr>
+            <a:spLocks noGrp="1"/>
+          </p:cNvSpPr>
+          <p:nvPr>
+            <p:ph type="sldNum" sz="quarter" idx="5"/>
+          </p:nvPr>
+        </p:nvSpPr>
+        <p:spPr>
+          <a:xfrm>
+            <a:off x="3884613" y="8685213"/>
+            <a:ext cx="2971800" cy="458787"/>
+          </a:xfrm>
+          <a:prstGeom prst="rect">
+            <a:avLst/>
+          </a:prstGeom>
+        </p:spPr>
+        <p:txBody>
+          <a:bodyPr vert="horz" lIns="91440" tIns="45720" rIns="91440" bIns="45720" rtlCol="0" anchor="b"/>
+          <a:lstStyle>
+            <a:lvl1pPr algn="r">
+              <a:defRPr sz="1200"/>
+            </a:lvl1pPr>
+          </a:lstStyle>
+          <a:p>
+            <a:fld id="{F2F879E2-5852-44F1-8CAE-5E978482BEF5}" type="slidenum">
+              <a:rPr lang="en-US" smtClean="0"/>
+              <a:t>‹#›</a:t>
+            </a:fld>
+            <a:endParaRPr lang="en-US"/>
+          </a:p>
+        </p:txBody>
+      </p:sp>
+    </p:spTree>
+    <p:extLst>
+      <p:ext uri="{BB962C8B-B14F-4D97-AF65-F5344CB8AC3E}">
+        <p14:creationId xmlns:p14="http://schemas.microsoft.com/office/powerpoint/2010/main" val="2806209270"/>
+      </p:ext>
+    </p:extLst>
+  </p:cSld>
+  <p:clrMap bg1="lt1" tx1="dk1" bg2="lt2" tx2="dk2" accent1="accent1" accent2="accent2" accent3="accent3" accent4="accent4" accent5="accent5" accent6="accent6" hlink="hlink" folHlink="folHlink"/>
+  <p:notesStyle>
+    <a:lvl1pPr marL="0" algn="l" defTabSz="914400" rtl="0" eaLnBrk="1" latinLnBrk="0" hangingPunct="1">
+      <a:defRPr sz="1200" kern="1200">
+        <a:solidFill>
+          <a:schemeClr val="tx1"/>
+        </a:solidFill>
+        <a:latin typeface="+mn-lt"/>
+        <a:ea typeface="+mn-ea"/>
+        <a:cs typeface="+mn-cs"/>
+      </a:defRPr>
+    </a:lvl1pPr>
+    <a:lvl2pPr marL="457200" algn="l" defTabSz="914400" rtl="0" eaLnBrk="1" latinLnBrk="0" hangingPunct="1">
+      <a:defRPr sz="1200" kern="1200">
+        <a:solidFill>
+          <a:schemeClr val="tx1"/>
+        </a:solidFill>
+        <a:latin typeface="+mn-lt"/>
+        <a:ea typeface="+mn-ea"/>
+        <a:cs typeface="+mn-cs"/>
+      </a:defRPr>
+    </a:lvl2pPr>
+    <a:lvl3pPr marL="914400" algn="l" defTabSz="914400" rtl="0" eaLnBrk="1" latinLnBrk="0" hangingPunct="1">
+      <a:defRPr sz="1200" kern="1200">
+        <a:solidFill>
+          <a:schemeClr val="tx1"/>
+        </a:solidFill>
+        <a:latin typeface="+mn-lt"/>
+        <a:ea typeface="+mn-ea"/>
+        <a:cs typeface="+mn-cs"/>
+      </a:defRPr>
+    </a:lvl3pPr>
+    <a:lvl4pPr marL="1371600" algn="l" defTabSz="914400" rtl="0" eaLnBrk="1" latinLnBrk="0" hangingPunct="1">
+      <a:defRPr sz="1200" kern="1200">
+        <a:solidFill>
+          <a:schemeClr val="tx1"/>
+        </a:solidFill>
+        <a:latin typeface="+mn-lt"/>
+        <a:ea typeface="+mn-ea"/>
+        <a:cs typeface="+mn-cs"/>
+      </a:defRPr>
+    </a:lvl4pPr>
+    <a:lvl5pPr marL="1828800" algn="l" defTabSz="914400" rtl="0" eaLnBrk="1" latinLnBrk="0" hangingPunct="1">
+      <a:defRPr sz="1200" kern="1200">
+        <a:solidFill>
+          <a:schemeClr val="tx1"/>
+        </a:solidFill>
+        <a:latin typeface="+mn-lt"/>
+        <a:ea typeface="+mn-ea"/>
+        <a:cs typeface="+mn-cs"/>
+      </a:defRPr>
+    </a:lvl5pPr>
+    <a:lvl6pPr marL="2286000" algn="l" defTabSz="914400" rtl="0" eaLnBrk="1" latinLnBrk="0" hangingPunct="1">
+      <a:defRPr sz="1200" kern="1200">
+        <a:solidFill>
+          <a:schemeClr val="tx1"/>
+        </a:solidFill>
+        <a:latin typeface="+mn-lt"/>
+        <a:ea typeface="+mn-ea"/>
+        <a:cs typeface="+mn-cs"/>
+      </a:defRPr>
+    </a:lvl6pPr>
+    <a:lvl7pPr marL="2743200" algn="l" defTabSz="914400" rtl="0" eaLnBrk="1" latinLnBrk="0" hangingPunct="1">
+      <a:defRPr sz="1200" kern="1200">
+        <a:solidFill>
+          <a:schemeClr val="tx1"/>
+        </a:solidFill>
+        <a:latin typeface="+mn-lt"/>
+        <a:ea typeface="+mn-ea"/>
+        <a:cs typeface="+mn-cs"/>
+      </a:defRPr>
+    </a:lvl7pPr>
+    <a:lvl8pPr marL="3200400" algn="l" defTabSz="914400" rtl="0" eaLnBrk="1" latinLnBrk="0" hangingPunct="1">
+      <a:defRPr sz="1200" kern="1200">
+        <a:solidFill>
+          <a:schemeClr val="tx1"/>
+        </a:solidFill>
+        <a:latin typeface="+mn-lt"/>
+        <a:ea typeface="+mn-ea"/>
+        <a:cs typeface="+mn-cs"/>
+      </a:defRPr>
+    </a:lvl8pPr>
+    <a:lvl9pPr marL="3657600" algn="l" defTabSz="914400" rtl="0" eaLnBrk="1" latinLnBrk="0" hangingPunct="1">
+      <a:defRPr sz="1200" kern="1200">
+        <a:solidFill>
+          <a:schemeClr val="tx1"/>
+        </a:solidFill>
+        <a:latin typeface="+mn-lt"/>
+        <a:ea typeface="+mn-ea"/>
+        <a:cs typeface="+mn-cs"/>
+      </a:defRPr>
+    </a:lvl9pPr>
+  </p:notesStyle>
+</p:notesMaster>
+</file>
+
+<file path=ppt/notesSlides/notesSlide1.xml><?xml version="1.0" encoding="utf-8"?>
+<p:notes xmlns:a="http://schemas.openxmlformats.org/drawingml/2006/main" xmlns:r="http://schemas.openxmlformats.org/officeDocument/2006/relationships" xmlns:p="http://schemas.openxmlformats.org/presentationml/2006/main">
+  <p:cSld>
+    <p:spTree>
+      <p:nvGrpSpPr>
+        <p:cNvPr id="1" name=""/>
+        <p:cNvGrpSpPr/>
+        <p:nvPr/>
+      </p:nvGrpSpPr>
+      <p:grpSpPr>
+        <a:xfrm>
+          <a:off x="0" y="0"/>
+          <a:ext cx="0" cy="0"/>
+          <a:chOff x="0" y="0"/>
+          <a:chExt cx="0" cy="0"/>
+        </a:xfrm>
+      </p:grpSpPr>
+      <p:sp>
+        <p:nvSpPr>
+          <p:cNvPr id="2" name="Slide Image Placeholder 1"/>
+          <p:cNvSpPr>
+            <a:spLocks noGrp="1" noRot="1" noChangeAspect="1"/>
+          </p:cNvSpPr>
+          <p:nvPr>
+            <p:ph type="sldImg"/>
+          </p:nvPr>
+        </p:nvSpPr>
+        <p:spPr/>
+      </p:sp>
+      <p:sp>
+        <p:nvSpPr>
+          <p:cNvPr id="3" name="Notes Placeholder 2"/>
+          <p:cNvSpPr>
+            <a:spLocks noGrp="1"/>
+          </p:cNvSpPr>
+          <p:nvPr>
+            <p:ph type="body" idx="1"/>
+          </p:nvPr>
+        </p:nvSpPr>
+        <p:spPr/>
+        <p:txBody>
+          <a:bodyPr/>
+          <a:lstStyle/>
+          <a:p>
+            <a:r>
+              <a:rPr lang="en-US" dirty="0"/>
+              <a:t>First picture= dianthus (</a:t>
+            </a:r>
+            <a:r>
+              <a:rPr lang="en-US" dirty="0"/>
+              <a:t>http://dept.ca.uky.edu/PLS220/Flowerpollinationsystems.pdf) (dichogamy)</a:t>
+            </a:r>
+            <a:endParaRPr lang="en-US" baseline="0" dirty="0"/>
+          </a:p>
+          <a:p>
+            <a:r>
+              <a:rPr lang="en-US" baseline="0" dirty="0"/>
+              <a:t>Second picture= </a:t>
+            </a:r>
+            <a:r>
+              <a:rPr lang="en-US" baseline="0" dirty="0"/>
+              <a:t>maize (example of monoecy) </a:t>
+            </a:r>
+          </a:p>
+          <a:p>
+            <a:r>
+              <a:rPr lang="en-US" baseline="0" dirty="0"/>
+              <a:t>Third and fourth picture= http://plantbreeding.coe.uga.edu/index.php?title=4._Plant_Reproductive_Systems</a:t>
+            </a:r>
+          </a:p>
+          <a:p>
+            <a:endParaRPr lang="en-US" dirty="0"/>
+          </a:p>
+        </p:txBody>
+      </p:sp>
+      <p:sp>
+        <p:nvSpPr>
+          <p:cNvPr id="4" name="Slide Number Placeholder 3"/>
+          <p:cNvSpPr>
+            <a:spLocks noGrp="1"/>
+          </p:cNvSpPr>
+          <p:nvPr>
+            <p:ph type="sldNum" sz="quarter" idx="10"/>
+          </p:nvPr>
+        </p:nvSpPr>
+        <p:spPr/>
+        <p:txBody>
+          <a:bodyPr/>
+          <a:lstStyle/>
+          <a:p>
+            <a:fld id="{F2F879E2-5852-44F1-8CAE-5E978482BEF5}" type="slidenum">
+              <a:rPr lang="en-US" smtClean="0"/>
+              <a:t>3</a:t>
+            </a:fld>
+            <a:endParaRPr lang="en-US"/>
+          </a:p>
+        </p:txBody>
+      </p:sp>
+    </p:spTree>
+    <p:extLst>
+      <p:ext uri="{BB962C8B-B14F-4D97-AF65-F5344CB8AC3E}">
+        <p14:creationId xmlns:p14="http://schemas.microsoft.com/office/powerpoint/2010/main" val="1659296425"/>
+      </p:ext>
+    </p:extLst>
+  </p:cSld>
+  <p:clrMapOvr>
+    <a:masterClrMapping/>
+  </p:clrMapOvr>
+</p:notes>
+</file>
+
+<file path=ppt/notesSlides/notesSlide2.xml><?xml version="1.0" encoding="utf-8"?>
+<p:notes xmlns:a="http://schemas.openxmlformats.org/drawingml/2006/main" xmlns:r="http://schemas.openxmlformats.org/officeDocument/2006/relationships" xmlns:p="http://schemas.openxmlformats.org/presentationml/2006/main">
+  <p:cSld>
+    <p:spTree>
+      <p:nvGrpSpPr>
+        <p:cNvPr id="1" name=""/>
+        <p:cNvGrpSpPr/>
+        <p:nvPr/>
+      </p:nvGrpSpPr>
+      <p:grpSpPr>
+        <a:xfrm>
+          <a:off x="0" y="0"/>
+          <a:ext cx="0" cy="0"/>
+          <a:chOff x="0" y="0"/>
+          <a:chExt cx="0" cy="0"/>
+        </a:xfrm>
+      </p:grpSpPr>
+      <p:sp>
+        <p:nvSpPr>
+          <p:cNvPr id="2" name="Slide Image Placeholder 1"/>
+          <p:cNvSpPr>
+            <a:spLocks noGrp="1" noRot="1" noChangeAspect="1"/>
+          </p:cNvSpPr>
+          <p:nvPr>
+            <p:ph type="sldImg"/>
+          </p:nvPr>
+        </p:nvSpPr>
+        <p:spPr/>
+      </p:sp>
+      <p:sp>
+        <p:nvSpPr>
+          <p:cNvPr id="3" name="Notes Placeholder 2"/>
+          <p:cNvSpPr>
+            <a:spLocks noGrp="1"/>
+          </p:cNvSpPr>
+          <p:nvPr>
+            <p:ph type="body" idx="1"/>
+          </p:nvPr>
+        </p:nvSpPr>
+        <p:spPr/>
+        <p:txBody>
+          <a:bodyPr/>
+          <a:lstStyle/>
+          <a:p>
+            <a:r>
+              <a:rPr lang="en-US" dirty="0"/>
+              <a:t>Asparagus is useful</a:t>
+            </a:r>
+            <a:r>
+              <a:rPr lang="en-US" baseline="0" dirty="0"/>
+              <a:t> for the study of early stages of sex chromosome evolution in plants. </a:t>
+            </a:r>
+          </a:p>
+          <a:p>
+            <a:endParaRPr lang="en-US" baseline="0" dirty="0"/>
+          </a:p>
+          <a:p>
+            <a:r>
+              <a:rPr lang="en-US" dirty="0"/>
+              <a:t>Picture:</a:t>
+            </a:r>
+            <a:r>
+              <a:rPr lang="en-US" baseline="0" dirty="0"/>
+              <a:t> </a:t>
+            </a:r>
+            <a:r>
+              <a:rPr lang="en-US" baseline="0" dirty="0"/>
+              <a:t>https://en.wikipedia.org/wiki/Asparagus</a:t>
+            </a:r>
+          </a:p>
+          <a:p>
+            <a:r>
+              <a:rPr lang="en-US" dirty="0"/>
+              <a:t>http://www.ias.ac.in/article/fulltext/jgen/091/02/0209-0212&lt;--Deng et al, 2012</a:t>
+            </a:r>
+            <a:endParaRPr lang="en-US" dirty="0"/>
+          </a:p>
+        </p:txBody>
+      </p:sp>
+      <p:sp>
+        <p:nvSpPr>
+          <p:cNvPr id="4" name="Slide Number Placeholder 3"/>
+          <p:cNvSpPr>
+            <a:spLocks noGrp="1"/>
+          </p:cNvSpPr>
+          <p:nvPr>
+            <p:ph type="sldNum" sz="quarter" idx="10"/>
+          </p:nvPr>
+        </p:nvSpPr>
+        <p:spPr/>
+        <p:txBody>
+          <a:bodyPr/>
+          <a:lstStyle/>
+          <a:p>
+            <a:fld id="{F2F879E2-5852-44F1-8CAE-5E978482BEF5}" type="slidenum">
+              <a:rPr lang="en-US" smtClean="0"/>
+              <a:t>4</a:t>
+            </a:fld>
+            <a:endParaRPr lang="en-US"/>
+          </a:p>
+        </p:txBody>
+      </p:sp>
+    </p:spTree>
+    <p:extLst>
+      <p:ext uri="{BB962C8B-B14F-4D97-AF65-F5344CB8AC3E}">
+        <p14:creationId xmlns:p14="http://schemas.microsoft.com/office/powerpoint/2010/main" val="1018553607"/>
+      </p:ext>
+    </p:extLst>
+  </p:cSld>
+  <p:clrMapOvr>
+    <a:masterClrMapping/>
+  </p:clrMapOvr>
+</p:notes>
+</file>
+
+<file path=ppt/notesSlides/notesSlide3.xml><?xml version="1.0" encoding="utf-8"?>
+<p:notes xmlns:a="http://schemas.openxmlformats.org/drawingml/2006/main" xmlns:r="http://schemas.openxmlformats.org/officeDocument/2006/relationships" xmlns:p="http://schemas.openxmlformats.org/presentationml/2006/main">
+  <p:cSld>
+    <p:spTree>
+      <p:nvGrpSpPr>
+        <p:cNvPr id="1" name=""/>
+        <p:cNvGrpSpPr/>
+        <p:nvPr/>
+      </p:nvGrpSpPr>
+      <p:grpSpPr>
+        <a:xfrm>
+          <a:off x="0" y="0"/>
+          <a:ext cx="0" cy="0"/>
+          <a:chOff x="0" y="0"/>
+          <a:chExt cx="0" cy="0"/>
+        </a:xfrm>
+      </p:grpSpPr>
+      <p:sp>
+        <p:nvSpPr>
+          <p:cNvPr id="2" name="Slide Image Placeholder 1"/>
+          <p:cNvSpPr>
+            <a:spLocks noGrp="1" noRot="1" noChangeAspect="1"/>
+          </p:cNvSpPr>
+          <p:nvPr>
+            <p:ph type="sldImg"/>
+          </p:nvPr>
+        </p:nvSpPr>
+        <p:spPr/>
+      </p:sp>
+      <p:sp>
+        <p:nvSpPr>
+          <p:cNvPr id="3" name="Notes Placeholder 2"/>
+          <p:cNvSpPr>
+            <a:spLocks noGrp="1"/>
+          </p:cNvSpPr>
+          <p:nvPr>
+            <p:ph type="body" idx="1"/>
+          </p:nvPr>
+        </p:nvSpPr>
+        <p:spPr/>
+        <p:txBody>
+          <a:bodyPr/>
+          <a:lstStyle/>
+          <a:p>
+            <a:r>
+              <a:rPr lang="en-US" dirty="0"/>
+              <a:t>Complex: hormonal controls, small RNAs, epigenetic marks all interact to</a:t>
+            </a:r>
+            <a:r>
+              <a:rPr lang="en-US" baseline="0" dirty="0"/>
+              <a:t> result in proper flower development. </a:t>
+            </a:r>
+            <a:endParaRPr lang="en-US" dirty="0"/>
+          </a:p>
+          <a:p>
+            <a:r>
+              <a:rPr lang="en-US" dirty="0"/>
+              <a:t>In nonrecombining sex determination</a:t>
+            </a:r>
+            <a:r>
+              <a:rPr lang="en-US" baseline="0" dirty="0"/>
+              <a:t> regions </a:t>
+            </a:r>
+            <a:endParaRPr lang="en-US" dirty="0"/>
+          </a:p>
+        </p:txBody>
+      </p:sp>
+      <p:sp>
+        <p:nvSpPr>
+          <p:cNvPr id="4" name="Slide Number Placeholder 3"/>
+          <p:cNvSpPr>
+            <a:spLocks noGrp="1"/>
+          </p:cNvSpPr>
+          <p:nvPr>
+            <p:ph type="sldNum" sz="quarter" idx="10"/>
+          </p:nvPr>
+        </p:nvSpPr>
+        <p:spPr/>
+        <p:txBody>
+          <a:bodyPr/>
+          <a:lstStyle/>
+          <a:p>
+            <a:fld id="{F2F879E2-5852-44F1-8CAE-5E978482BEF5}" type="slidenum">
+              <a:rPr lang="en-US" smtClean="0"/>
+              <a:t>5</a:t>
+            </a:fld>
+            <a:endParaRPr lang="en-US"/>
+          </a:p>
+        </p:txBody>
+      </p:sp>
+    </p:spTree>
+    <p:extLst>
+      <p:ext uri="{BB962C8B-B14F-4D97-AF65-F5344CB8AC3E}">
+        <p14:creationId xmlns:p14="http://schemas.microsoft.com/office/powerpoint/2010/main" val="3537919723"/>
+      </p:ext>
+    </p:extLst>
+  </p:cSld>
+  <p:clrMapOvr>
+    <a:masterClrMapping/>
+  </p:clrMapOvr>
+</p:notes>
+</file>
+
+<file path=ppt/notesSlides/notesSlide4.xml><?xml version="1.0" encoding="utf-8"?>
+<p:notes xmlns:a="http://schemas.openxmlformats.org/drawingml/2006/main" xmlns:r="http://schemas.openxmlformats.org/officeDocument/2006/relationships" xmlns:p="http://schemas.openxmlformats.org/presentationml/2006/main">
+  <p:cSld>
+    <p:spTree>
+      <p:nvGrpSpPr>
+        <p:cNvPr id="1" name=""/>
+        <p:cNvGrpSpPr/>
+        <p:nvPr/>
+      </p:nvGrpSpPr>
+      <p:grpSpPr>
+        <a:xfrm>
+          <a:off x="0" y="0"/>
+          <a:ext cx="0" cy="0"/>
+          <a:chOff x="0" y="0"/>
+          <a:chExt cx="0" cy="0"/>
+        </a:xfrm>
+      </p:grpSpPr>
+      <p:sp>
+        <p:nvSpPr>
+          <p:cNvPr id="2" name="Slide Image Placeholder 1"/>
+          <p:cNvSpPr>
+            <a:spLocks noGrp="1" noRot="1" noChangeAspect="1"/>
+          </p:cNvSpPr>
+          <p:nvPr>
+            <p:ph type="sldImg"/>
+          </p:nvPr>
+        </p:nvSpPr>
+        <p:spPr/>
+      </p:sp>
+      <p:sp>
+        <p:nvSpPr>
+          <p:cNvPr id="3" name="Notes Placeholder 2"/>
+          <p:cNvSpPr>
+            <a:spLocks noGrp="1"/>
+          </p:cNvSpPr>
+          <p:nvPr>
+            <p:ph type="body" idx="1"/>
+          </p:nvPr>
+        </p:nvSpPr>
+        <p:spPr/>
+        <p:txBody>
+          <a:bodyPr/>
+          <a:lstStyle/>
+          <a:p>
+            <a:endParaRPr lang="en-US" dirty="0"/>
+          </a:p>
+          <a:p>
+            <a:r>
+              <a:rPr lang="en-US" dirty="0"/>
+              <a:t>One approach is to do the</a:t>
+            </a:r>
+            <a:r>
+              <a:rPr lang="en-US" baseline="0" dirty="0"/>
+              <a:t> whole-genome and then to identify gender specific nonrecombining and hemizygous regions, annotate genes in these regions and experimentally test those functions. </a:t>
+            </a:r>
+            <a:r>
+              <a:rPr lang="en-US" baseline="0" dirty="0">
+                <a:sym typeface="Wingdings" panose="05000000000000000000" pitchFamily="2" charset="2"/>
+              </a:rPr>
+              <a:t> difficult because of those regions of interest are transposon rich  and repetitive</a:t>
+            </a:r>
+          </a:p>
+          <a:p>
+            <a:endParaRPr lang="en-US" baseline="0" dirty="0">
+              <a:sym typeface="Wingdings" panose="05000000000000000000" pitchFamily="2" charset="2"/>
+            </a:endParaRPr>
+          </a:p>
+          <a:p>
+            <a:r>
+              <a:rPr lang="en-US" baseline="0" dirty="0">
+                <a:sym typeface="Wingdings" panose="05000000000000000000" pitchFamily="2" charset="2"/>
+              </a:rPr>
+              <a:t>Alternative is with RNA-</a:t>
+            </a:r>
+            <a:r>
+              <a:rPr lang="en-US" baseline="0" dirty="0" err="1">
+                <a:sym typeface="Wingdings" panose="05000000000000000000" pitchFamily="2" charset="2"/>
+              </a:rPr>
+              <a:t>seq</a:t>
+            </a:r>
+            <a:endParaRPr lang="en-US" baseline="0" dirty="0">
+              <a:sym typeface="Wingdings" panose="05000000000000000000" pitchFamily="2" charset="2"/>
+            </a:endParaRPr>
+          </a:p>
+          <a:p>
+            <a:r>
+              <a:rPr lang="en-US" baseline="0" dirty="0">
+                <a:sym typeface="Wingdings" panose="05000000000000000000" pitchFamily="2" charset="2"/>
+              </a:rPr>
+              <a:t>	ID SNPs that are gender specific within coding regions and genes that are show gender expression bias.</a:t>
+            </a:r>
+          </a:p>
+          <a:p>
+            <a:r>
+              <a:rPr lang="en-US" baseline="0" dirty="0">
+                <a:sym typeface="Wingdings" panose="05000000000000000000" pitchFamily="2" charset="2"/>
+              </a:rPr>
+              <a:t>Compare genes that exhibit gender biased expression against known anther and ovule development   determine when genes act to suppress </a:t>
+            </a:r>
+          </a:p>
+        </p:txBody>
+      </p:sp>
+      <p:sp>
+        <p:nvSpPr>
+          <p:cNvPr id="4" name="Slide Number Placeholder 3"/>
+          <p:cNvSpPr>
+            <a:spLocks noGrp="1"/>
+          </p:cNvSpPr>
+          <p:nvPr>
+            <p:ph type="sldNum" sz="quarter" idx="10"/>
+          </p:nvPr>
+        </p:nvSpPr>
+        <p:spPr/>
+        <p:txBody>
+          <a:bodyPr/>
+          <a:lstStyle/>
+          <a:p>
+            <a:fld id="{F2F879E2-5852-44F1-8CAE-5E978482BEF5}" type="slidenum">
+              <a:rPr lang="en-US" smtClean="0"/>
+              <a:t>6</a:t>
+            </a:fld>
+            <a:endParaRPr lang="en-US"/>
+          </a:p>
+        </p:txBody>
+      </p:sp>
+    </p:spTree>
+    <p:extLst>
+      <p:ext uri="{BB962C8B-B14F-4D97-AF65-F5344CB8AC3E}">
+        <p14:creationId xmlns:p14="http://schemas.microsoft.com/office/powerpoint/2010/main" val="3084480330"/>
+      </p:ext>
+    </p:extLst>
+  </p:cSld>
+  <p:clrMapOvr>
+    <a:masterClrMapping/>
+  </p:clrMapOvr>
+</p:notes>
+</file>
+
+<file path=ppt/slideLayouts/slideLayout1.xml><?xml version="1.0" encoding="utf-8"?>
+<p:sldLayout xmlns:a="http://schemas.openxmlformats.org/drawingml/2006/main" xmlns:r="http://schemas.openxmlformats.org/officeDocument/2006/relationships" xmlns:p="http://schemas.openxmlformats.org/presentationml/2006/main" showMasterSp="0" type="title" preserve="1">
+  <p:cSld name="Title Slide">
+    <p:bg>
+      <p:bgPr>
+        <a:solidFill>
+          <a:schemeClr val="bg2"/>
+        </a:solidFill>
+        <a:effectLst/>
+      </p:bgPr>
+    </p:bg>
+    <p:spTree>
+      <p:nvGrpSpPr>
+        <p:cNvPr id="1" name=""/>
+        <p:cNvGrpSpPr/>
+        <p:nvPr/>
+      </p:nvGrpSpPr>
+      <p:grpSpPr>
+        <a:xfrm>
+          <a:off x="0" y="0"/>
+          <a:ext cx="0" cy="0"/>
+          <a:chOff x="0" y="0"/>
+          <a:chExt cx="0" cy="0"/>
+        </a:xfrm>
+      </p:grpSpPr>
+      <p:sp>
+        <p:nvSpPr>
+          <p:cNvPr id="2" name="Title 1"/>
+          <p:cNvSpPr>
+            <a:spLocks noGrp="1"/>
+          </p:cNvSpPr>
+          <p:nvPr>
+            <p:ph type="ctrTitle"/>
+          </p:nvPr>
+        </p:nvSpPr>
+        <p:spPr>
+          <a:xfrm>
+            <a:off x="1436346" y="1788454"/>
+            <a:ext cx="6270922" cy="2098226"/>
           </a:xfrm>
         </p:spPr>
         <p:txBody>
-          <a:bodyPr/>
-          <a:lstStyle/>
-          <a:p>
-            <a:r>
-              <a:rPr lang="en-US" smtClean="0"/>
-              <a:t>Click to edit Master title style</a:t>
-            </a:r>
-            <a:endParaRPr lang="en-US"/>
-          </a:p>
-        </p:txBody>
-      </p:sp>
-      <p:sp>
-        <p:nvSpPr>
-          <p:cNvPr id="3" name="Subtitle 2"/>
-          <p:cNvSpPr>
-            <a:spLocks noGrp="1"/>
-          </p:cNvSpPr>
-          <p:nvPr>
-            <p:ph type="subTitle" idx="1"/>
-          </p:nvPr>
-        </p:nvSpPr>
-        <p:spPr>
-          <a:xfrm>
-            <a:off x="1371600" y="3886200"/>
-            <a:ext cx="6400800" cy="1752600"/>
-          </a:xfrm>
-        </p:spPr>
-        <p:txBody>
-          <a:bodyPr/>
+          <a:bodyPr anchor="b">
+            <a:noAutofit/>
+          </a:bodyPr>
           <a:lstStyle>
-            <a:lvl1pPr marL="0" indent="0" algn="ctr">
-              <a:buNone/>
-              <a:defRPr>
+            <a:lvl1pPr algn="ctr">
+              <a:defRPr sz="6000" cap="all" baseline="0">
                 <a:solidFill>
-                  <a:schemeClr val="tx1">
-                    <a:tint val="75000"/>
-                  </a:schemeClr>
+                  <a:schemeClr val="tx2"/>
                 </a:solidFill>
               </a:defRPr>
             </a:lvl1pPr>
-            <a:lvl2pPr marL="457200" indent="0" algn="ctr">
-              <a:buNone/>
-              <a:defRPr>
+          </a:lstStyle>
+          <a:p>
+            <a:r>
+              <a:rPr lang="en-US"/>
+              <a:t>Click to edit Master title style</a:t>
+            </a:r>
+            <a:endParaRPr lang="en-US" dirty="0"/>
+          </a:p>
+        </p:txBody>
+      </p:sp>
+      <p:sp>
+        <p:nvSpPr>
+          <p:cNvPr id="3" name="Subtitle 2"/>
+          <p:cNvSpPr>
+            <a:spLocks noGrp="1"/>
+          </p:cNvSpPr>
+          <p:nvPr>
+            <p:ph type="subTitle" idx="1"/>
+          </p:nvPr>
+        </p:nvSpPr>
+        <p:spPr>
+          <a:xfrm>
+            <a:off x="2009930" y="3956280"/>
+            <a:ext cx="5123755" cy="1086237"/>
+          </a:xfrm>
+        </p:spPr>
+        <p:txBody>
+          <a:bodyPr>
+            <a:normAutofit/>
+          </a:bodyPr>
+          <a:lstStyle>
+            <a:lvl1pPr marL="0" indent="0" algn="ctr">
+              <a:lnSpc>
+                <a:spcPct val="112000"/>
+              </a:lnSpc>
+              <a:spcBef>
+                <a:spcPts val="0"/>
+              </a:spcBef>
+              <a:spcAft>
+                <a:spcPts val="0"/>
+              </a:spcAft>
+              <a:buNone/>
+              <a:defRPr sz="1800"/>
+            </a:lvl1pPr>
+            <a:lvl2pPr marL="342900" indent="0" algn="ctr">
+              <a:buNone/>
+              <a:defRPr sz="1500"/>
+            </a:lvl2pPr>
+            <a:lvl3pPr marL="685800" indent="0" algn="ctr">
+              <a:buNone/>
+              <a:defRPr sz="1350"/>
+            </a:lvl3pPr>
+            <a:lvl4pPr marL="1028700" indent="0" algn="ctr">
+              <a:buNone/>
+              <a:defRPr sz="1200"/>
+            </a:lvl4pPr>
+            <a:lvl5pPr marL="1371600" indent="0" algn="ctr">
+              <a:buNone/>
+              <a:defRPr sz="1200"/>
+            </a:lvl5pPr>
+            <a:lvl6pPr marL="1714500" indent="0" algn="ctr">
+              <a:buNone/>
+              <a:defRPr sz="1200"/>
+            </a:lvl6pPr>
+            <a:lvl7pPr marL="2057400" indent="0" algn="ctr">
+              <a:buNone/>
+              <a:defRPr sz="1200"/>
+            </a:lvl7pPr>
+            <a:lvl8pPr marL="2400300" indent="0" algn="ctr">
+              <a:buNone/>
+              <a:defRPr sz="1200"/>
+            </a:lvl8pPr>
+            <a:lvl9pPr marL="2743200" indent="0" algn="ctr">
+              <a:buNone/>
+              <a:defRPr sz="1200"/>
+            </a:lvl9pPr>
+          </a:lstStyle>
+          <a:p>
+            <a:r>
+              <a:rPr lang="en-US"/>
+              <a:t>Click to edit Master subtitle style</a:t>
+            </a:r>
+            <a:endParaRPr lang="en-US" dirty="0"/>
+          </a:p>
+        </p:txBody>
+      </p:sp>
+      <p:sp>
+        <p:nvSpPr>
+          <p:cNvPr id="4" name="Date Placeholder 3"/>
+          <p:cNvSpPr>
+            <a:spLocks noGrp="1"/>
+          </p:cNvSpPr>
+          <p:nvPr>
+            <p:ph type="dt" sz="half" idx="10"/>
+          </p:nvPr>
+        </p:nvSpPr>
+        <p:spPr>
+          <a:xfrm>
+            <a:off x="564644" y="6453386"/>
+            <a:ext cx="1205958" cy="404614"/>
+          </a:xfrm>
+        </p:spPr>
+        <p:txBody>
+          <a:bodyPr/>
+          <a:lstStyle>
+            <a:lvl1pPr>
+              <a:defRPr baseline="0">
                 <a:solidFill>
-                  <a:schemeClr val="tx1">
-                    <a:tint val="75000"/>
-                  </a:schemeClr>
+                  <a:schemeClr val="tx2"/>
                 </a:solidFill>
               </a:defRPr>
-            </a:lvl2pPr>
-            <a:lvl3pPr marL="914400" indent="0" algn="ctr">
-              <a:buNone/>
-              <a:defRPr>
+            </a:lvl1pPr>
+          </a:lstStyle>
+          <a:p>
+            <a:fld id="{AC25CB34-BB08-4399-A2CA-3CAF79EA992F}" type="datetimeFigureOut">
+              <a:rPr lang="en-US" smtClean="0"/>
+              <a:t>4/18/2017</a:t>
+            </a:fld>
+            <a:endParaRPr lang="en-US"/>
+          </a:p>
+        </p:txBody>
+      </p:sp>
+      <p:sp>
+        <p:nvSpPr>
+          <p:cNvPr id="5" name="Footer Placeholder 4"/>
+          <p:cNvSpPr>
+            <a:spLocks noGrp="1"/>
+          </p:cNvSpPr>
+          <p:nvPr>
+            <p:ph type="ftr" sz="quarter" idx="11"/>
+          </p:nvPr>
+        </p:nvSpPr>
+        <p:spPr>
+          <a:xfrm>
+            <a:off x="1938041" y="6453386"/>
+            <a:ext cx="5267533" cy="404614"/>
+          </a:xfrm>
+        </p:spPr>
+        <p:txBody>
+          <a:bodyPr/>
+          <a:lstStyle>
+            <a:lvl1pPr algn="ctr">
+              <a:defRPr baseline="0">
                 <a:solidFill>
-                  <a:schemeClr val="tx1">
-                    <a:tint val="75000"/>
-                  </a:schemeClr>
+                  <a:schemeClr val="tx2"/>
                 </a:solidFill>
               </a:defRPr>
-            </a:lvl3pPr>
-            <a:lvl4pPr marL="1371600" indent="0" algn="ctr">
-              <a:buNone/>
-              <a:defRPr>
+            </a:lvl1pPr>
+          </a:lstStyle>
+          <a:p>
+            <a:endParaRPr lang="en-US"/>
+          </a:p>
+        </p:txBody>
+      </p:sp>
+      <p:sp>
+        <p:nvSpPr>
+          <p:cNvPr id="6" name="Slide Number Placeholder 5"/>
+          <p:cNvSpPr>
+            <a:spLocks noGrp="1"/>
+          </p:cNvSpPr>
+          <p:nvPr>
+            <p:ph type="sldNum" sz="quarter" idx="12"/>
+          </p:nvPr>
+        </p:nvSpPr>
+        <p:spPr>
+          <a:xfrm>
+            <a:off x="7373012" y="6453386"/>
+            <a:ext cx="1197219" cy="404614"/>
+          </a:xfrm>
+        </p:spPr>
+        <p:txBody>
+          <a:bodyPr/>
+          <a:lstStyle>
+            <a:lvl1pPr>
+              <a:defRPr baseline="0">
                 <a:solidFill>
-                  <a:schemeClr val="tx1">
-                    <a:tint val="75000"/>
-                  </a:schemeClr>
+                  <a:schemeClr val="tx2"/>
                 </a:solidFill>
               </a:defRPr>
-            </a:lvl4pPr>
-            <a:lvl5pPr marL="1828800" indent="0" algn="ctr">
-              <a:buNone/>
-              <a:defRPr>
-                <a:solidFill>
-                  <a:schemeClr val="tx1">
-                    <a:tint val="75000"/>
-                  </a:schemeClr>
-                </a:solidFill>
-              </a:defRPr>
-            </a:lvl5pPr>
-            <a:lvl6pPr marL="2286000" indent="0" algn="ctr">
-              <a:buNone/>
-              <a:defRPr>
-                <a:solidFill>
-                  <a:schemeClr val="tx1">
-                    <a:tint val="75000"/>
-                  </a:schemeClr>
-                </a:solidFill>
-              </a:defRPr>
-            </a:lvl6pPr>
-            <a:lvl7pPr marL="2743200" indent="0" algn="ctr">
-              <a:buNone/>
-              <a:defRPr>
-                <a:solidFill>
-                  <a:schemeClr val="tx1">
-                    <a:tint val="75000"/>
-                  </a:schemeClr>
-                </a:solidFill>
-              </a:defRPr>
-            </a:lvl7pPr>
-            <a:lvl8pPr marL="3200400" indent="0" algn="ctr">
-              <a:buNone/>
-              <a:defRPr>
-                <a:solidFill>
-                  <a:schemeClr val="tx1">
-                    <a:tint val="75000"/>
-                  </a:schemeClr>
-                </a:solidFill>
-              </a:defRPr>
-            </a:lvl8pPr>
-            <a:lvl9pPr marL="3657600" indent="0" algn="ctr">
-              <a:buNone/>
-              <a:defRPr>
-                <a:solidFill>
-                  <a:schemeClr val="tx1">
-                    <a:tint val="75000"/>
-                  </a:schemeClr>
-                </a:solidFill>
-              </a:defRPr>
-            </a:lvl9pPr>
+            </a:lvl1pPr>
           </a:lstStyle>
-          <a:p>
-            <a:r>
-              <a:rPr lang="en-US" smtClean="0"/>
-              <a:t>Click to edit Master subtitle style</a:t>
-            </a:r>
-            <a:endParaRPr lang="en-US"/>
-          </a:p>
-        </p:txBody>
-      </p:sp>
-      <p:sp>
-        <p:nvSpPr>
-          <p:cNvPr id="4" name="Date Placeholder 3"/>
-          <p:cNvSpPr>
-            <a:spLocks noGrp="1"/>
-          </p:cNvSpPr>
-          <p:nvPr>
-            <p:ph type="dt" sz="half" idx="10"/>
-          </p:nvPr>
-        </p:nvSpPr>
-        <p:spPr/>
-        <p:txBody>
-          <a:bodyPr/>
-          <a:lstStyle/>
-          <a:p>
-            <a:fld id="{AC25CB34-BB08-4399-A2CA-3CAF79EA992F}" type="datetimeFigureOut">
-              <a:rPr lang="en-US" smtClean="0"/>
-              <a:t>4/4/2017</a:t>
-            </a:fld>
-            <a:endParaRPr lang="en-US"/>
-          </a:p>
-        </p:txBody>
-      </p:sp>
-      <p:sp>
-        <p:nvSpPr>
-          <p:cNvPr id="5" name="Footer Placeholder 4"/>
-          <p:cNvSpPr>
-            <a:spLocks noGrp="1"/>
-          </p:cNvSpPr>
-          <p:nvPr>
-            <p:ph type="ftr" sz="quarter" idx="11"/>
-          </p:nvPr>
-        </p:nvSpPr>
-        <p:spPr/>
-        <p:txBody>
-          <a:bodyPr/>
-          <a:lstStyle/>
-          <a:p>
-            <a:endParaRPr lang="en-US"/>
-          </a:p>
-        </p:txBody>
-      </p:sp>
-      <p:sp>
-        <p:nvSpPr>
-          <p:cNvPr id="6" name="Slide Number Placeholder 5"/>
-          <p:cNvSpPr>
-            <a:spLocks noGrp="1"/>
-          </p:cNvSpPr>
-          <p:nvPr>
-            <p:ph type="sldNum" sz="quarter" idx="12"/>
-          </p:nvPr>
-        </p:nvSpPr>
-        <p:spPr/>
-        <p:txBody>
-          <a:bodyPr/>
-          <a:lstStyle/>
           <a:p>
             <a:fld id="{B5E014E3-A4EE-484A-A75D-BE16B10F8A2C}" type="slidenum">
               <a:rPr lang="en-US" smtClean="0"/>
@@ -336,10 +1191,139 @@
           </a:p>
         </p:txBody>
       </p:sp>
+      <p:grpSp>
+        <p:nvGrpSpPr>
+          <p:cNvPr id="8" name="Group 7"/>
+          <p:cNvGrpSpPr/>
+          <p:nvPr/>
+        </p:nvGrpSpPr>
+        <p:grpSpPr>
+          <a:xfrm>
+            <a:off x="564643" y="744469"/>
+            <a:ext cx="8005589" cy="5349671"/>
+            <a:chOff x="564643" y="744469"/>
+            <a:chExt cx="8005589" cy="5349671"/>
+          </a:xfrm>
+        </p:grpSpPr>
+        <p:sp>
+          <p:nvSpPr>
+            <p:cNvPr id="11" name="Freeform 6"/>
+            <p:cNvSpPr/>
+            <p:nvPr/>
+          </p:nvSpPr>
+          <p:spPr bwMode="auto">
+            <a:xfrm>
+              <a:off x="6113972" y="1685652"/>
+              <a:ext cx="2456260" cy="4408488"/>
+            </a:xfrm>
+            <a:custGeom>
+              <a:avLst/>
+              <a:gdLst/>
+              <a:ahLst/>
+              <a:cxnLst/>
+              <a:rect l="l" t="t" r="r" b="b"/>
+              <a:pathLst>
+                <a:path w="10000" h="10000">
+                  <a:moveTo>
+                    <a:pt x="8761" y="0"/>
+                  </a:moveTo>
+                  <a:lnTo>
+                    <a:pt x="10000" y="0"/>
+                  </a:lnTo>
+                  <a:lnTo>
+                    <a:pt x="10000" y="10000"/>
+                  </a:lnTo>
+                  <a:lnTo>
+                    <a:pt x="0" y="10000"/>
+                  </a:lnTo>
+                  <a:lnTo>
+                    <a:pt x="0" y="9357"/>
+                  </a:lnTo>
+                  <a:lnTo>
+                    <a:pt x="8761" y="9357"/>
+                  </a:lnTo>
+                  <a:lnTo>
+                    <a:pt x="8761" y="0"/>
+                  </a:lnTo>
+                  <a:close/>
+                </a:path>
+              </a:pathLst>
+            </a:custGeom>
+            <a:solidFill>
+              <a:schemeClr val="tx2"/>
+            </a:solidFill>
+            <a:ln w="0">
+              <a:noFill/>
+              <a:prstDash val="solid"/>
+              <a:round/>
+              <a:headEnd/>
+              <a:tailEnd/>
+            </a:ln>
+          </p:spPr>
+        </p:sp>
+        <p:sp>
+          <p:nvSpPr>
+            <p:cNvPr id="14" name="Freeform 6"/>
+            <p:cNvSpPr/>
+            <p:nvPr/>
+          </p:nvSpPr>
+          <p:spPr bwMode="auto">
+            <a:xfrm flipH="1" flipV="1">
+              <a:off x="564643" y="744469"/>
+              <a:ext cx="2456505" cy="4408488"/>
+            </a:xfrm>
+            <a:custGeom>
+              <a:avLst/>
+              <a:gdLst/>
+              <a:ahLst/>
+              <a:cxnLst/>
+              <a:rect l="l" t="t" r="r" b="b"/>
+              <a:pathLst>
+                <a:path w="10001" h="10000">
+                  <a:moveTo>
+                    <a:pt x="8762" y="0"/>
+                  </a:moveTo>
+                  <a:lnTo>
+                    <a:pt x="10001" y="0"/>
+                  </a:lnTo>
+                  <a:lnTo>
+                    <a:pt x="10001" y="10000"/>
+                  </a:lnTo>
+                  <a:lnTo>
+                    <a:pt x="1" y="10000"/>
+                  </a:lnTo>
+                  <a:cubicBezTo>
+                    <a:pt x="-2" y="9766"/>
+                    <a:pt x="4" y="9586"/>
+                    <a:pt x="1" y="9352"/>
+                  </a:cubicBezTo>
+                  <a:lnTo>
+                    <a:pt x="8762" y="9346"/>
+                  </a:lnTo>
+                  <a:lnTo>
+                    <a:pt x="8762" y="0"/>
+                  </a:lnTo>
+                  <a:close/>
+                </a:path>
+              </a:pathLst>
+            </a:custGeom>
+            <a:solidFill>
+              <a:schemeClr val="tx2"/>
+            </a:solidFill>
+            <a:ln w="0">
+              <a:noFill/>
+              <a:prstDash val="solid"/>
+              <a:round/>
+              <a:headEnd/>
+              <a:tailEnd/>
+            </a:ln>
+          </p:spPr>
+        </p:sp>
+      </p:grpSp>
     </p:spTree>
     <p:extLst>
       <p:ext uri="{BB962C8B-B14F-4D97-AF65-F5344CB8AC3E}">
-        <p14:creationId xmlns:p14="http://schemas.microsoft.com/office/powerpoint/2010/main" val="3326437205"/>
+        <p14:creationId xmlns:p14="http://schemas.microsoft.com/office/powerpoint/2010/main" val="1534310047"/>
       </p:ext>
     </p:extLst>
   </p:cSld>
@@ -382,10 +1366,10 @@
           <a:lstStyle/>
           <a:p>
             <a:r>
-              <a:rPr lang="en-US" smtClean="0"/>
+              <a:rPr lang="en-US"/>
               <a:t>Click to edit Master title style</a:t>
             </a:r>
-            <a:endParaRPr lang="en-US"/>
+            <a:endParaRPr lang="en-US" dirty="0"/>
           </a:p>
         </p:txBody>
       </p:sp>
@@ -399,45 +1383,50 @@
             <p:ph type="body" orient="vert" idx="1"/>
           </p:nvPr>
         </p:nvSpPr>
-        <p:spPr/>
+        <p:spPr>
+          <a:xfrm>
+            <a:off x="1028700" y="2295526"/>
+            <a:ext cx="7200900" cy="3571875"/>
+          </a:xfrm>
+        </p:spPr>
         <p:txBody>
           <a:bodyPr vert="eaVert"/>
           <a:lstStyle/>
           <a:p>
             <a:pPr lvl="0"/>
             <a:r>
-              <a:rPr lang="en-US" smtClean="0"/>
-              <a:t>Click to edit Master text styles</a:t>
+              <a:rPr lang="en-US"/>
+              <a:t>Edit Master text styles</a:t>
             </a:r>
           </a:p>
           <a:p>
             <a:pPr lvl="1"/>
             <a:r>
-              <a:rPr lang="en-US" smtClean="0"/>
+              <a:rPr lang="en-US"/>
               <a:t>Second level</a:t>
             </a:r>
           </a:p>
           <a:p>
             <a:pPr lvl="2"/>
             <a:r>
-              <a:rPr lang="en-US" smtClean="0"/>
+              <a:rPr lang="en-US"/>
               <a:t>Third level</a:t>
             </a:r>
           </a:p>
           <a:p>
             <a:pPr lvl="3"/>
             <a:r>
-              <a:rPr lang="en-US" smtClean="0"/>
+              <a:rPr lang="en-US"/>
               <a:t>Fourth level</a:t>
             </a:r>
           </a:p>
           <a:p>
             <a:pPr lvl="4"/>
             <a:r>
-              <a:rPr lang="en-US" smtClean="0"/>
+              <a:rPr lang="en-US"/>
               <a:t>Fifth level</a:t>
             </a:r>
-            <a:endParaRPr lang="en-US"/>
+            <a:endParaRPr lang="en-US" dirty="0"/>
           </a:p>
         </p:txBody>
       </p:sp>
@@ -458,7 +1447,7 @@
           <a:p>
             <a:fld id="{AC25CB34-BB08-4399-A2CA-3CAF79EA992F}" type="datetimeFigureOut">
               <a:rPr lang="en-US" smtClean="0"/>
-              <a:t>4/4/2017</a:t>
+              <a:t>4/18/2017</a:t>
             </a:fld>
             <a:endParaRPr lang="en-US"/>
           </a:p>
@@ -509,7 +1498,7 @@
     </p:spTree>
     <p:extLst>
       <p:ext uri="{BB962C8B-B14F-4D97-AF65-F5344CB8AC3E}">
-        <p14:creationId xmlns:p14="http://schemas.microsoft.com/office/powerpoint/2010/main" val="1817351085"/>
+        <p14:creationId xmlns:p14="http://schemas.microsoft.com/office/powerpoint/2010/main" val="1680351659"/>
       </p:ext>
     </p:extLst>
   </p:cSld>
@@ -548,8 +1537,8 @@
         </p:nvSpPr>
         <p:spPr>
           <a:xfrm>
-            <a:off x="6629400" y="274638"/>
-            <a:ext cx="2057400" cy="5851525"/>
+            <a:off x="6880797" y="624156"/>
+            <a:ext cx="1490950" cy="5243244"/>
           </a:xfrm>
         </p:spPr>
         <p:txBody>
@@ -557,10 +1546,10 @@
           <a:lstStyle/>
           <a:p>
             <a:r>
-              <a:rPr lang="en-US" smtClean="0"/>
+              <a:rPr lang="en-US"/>
               <a:t>Click to edit Master title style</a:t>
             </a:r>
-            <a:endParaRPr lang="en-US"/>
+            <a:endParaRPr lang="en-US" dirty="0"/>
           </a:p>
         </p:txBody>
       </p:sp>
@@ -576,8 +1565,8 @@
         </p:nvSpPr>
         <p:spPr>
           <a:xfrm>
-            <a:off x="457200" y="274638"/>
-            <a:ext cx="6019800" cy="5851525"/>
+            <a:off x="1028700" y="624156"/>
+            <a:ext cx="5724525" cy="5243244"/>
           </a:xfrm>
         </p:spPr>
         <p:txBody>
@@ -586,38 +1575,38 @@
           <a:p>
             <a:pPr lvl="0"/>
             <a:r>
-              <a:rPr lang="en-US" smtClean="0"/>
-              <a:t>Click to edit Master text styles</a:t>
+              <a:rPr lang="en-US"/>
+              <a:t>Edit Master text styles</a:t>
             </a:r>
           </a:p>
           <a:p>
             <a:pPr lvl="1"/>
             <a:r>
-              <a:rPr lang="en-US" smtClean="0"/>
+              <a:rPr lang="en-US"/>
               <a:t>Second level</a:t>
             </a:r>
           </a:p>
           <a:p>
             <a:pPr lvl="2"/>
             <a:r>
-              <a:rPr lang="en-US" smtClean="0"/>
+              <a:rPr lang="en-US"/>
               <a:t>Third level</a:t>
             </a:r>
           </a:p>
           <a:p>
             <a:pPr lvl="3"/>
             <a:r>
-              <a:rPr lang="en-US" smtClean="0"/>
+              <a:rPr lang="en-US"/>
               <a:t>Fourth level</a:t>
             </a:r>
           </a:p>
           <a:p>
             <a:pPr lvl="4"/>
             <a:r>
-              <a:rPr lang="en-US" smtClean="0"/>
+              <a:rPr lang="en-US"/>
               <a:t>Fifth level</a:t>
             </a:r>
-            <a:endParaRPr lang="en-US"/>
+            <a:endParaRPr lang="en-US" dirty="0"/>
           </a:p>
         </p:txBody>
       </p:sp>
@@ -638,7 +1627,7 @@
           <a:p>
             <a:fld id="{AC25CB34-BB08-4399-A2CA-3CAF79EA992F}" type="datetimeFigureOut">
               <a:rPr lang="en-US" smtClean="0"/>
-              <a:t>4/4/2017</a:t>
+              <a:t>4/18/2017</a:t>
             </a:fld>
             <a:endParaRPr lang="en-US"/>
           </a:p>
@@ -689,7 +1678,7 @@
     </p:spTree>
     <p:extLst>
       <p:ext uri="{BB962C8B-B14F-4D97-AF65-F5344CB8AC3E}">
-        <p14:creationId xmlns:p14="http://schemas.microsoft.com/office/powerpoint/2010/main" val="3435565069"/>
+        <p14:creationId xmlns:p14="http://schemas.microsoft.com/office/powerpoint/2010/main" val="4239153907"/>
       </p:ext>
     </p:extLst>
   </p:cSld>
@@ -732,10 +1721,10 @@
           <a:lstStyle/>
           <a:p>
             <a:r>
-              <a:rPr lang="en-US" smtClean="0"/>
+              <a:rPr lang="en-US"/>
               <a:t>Click to edit Master title style</a:t>
             </a:r>
-            <a:endParaRPr lang="en-US"/>
+            <a:endParaRPr lang="en-US" dirty="0"/>
           </a:p>
         </p:txBody>
       </p:sp>
@@ -756,38 +1745,38 @@
           <a:p>
             <a:pPr lvl="0"/>
             <a:r>
-              <a:rPr lang="en-US" smtClean="0"/>
-              <a:t>Click to edit Master text styles</a:t>
+              <a:rPr lang="en-US"/>
+              <a:t>Edit Master text styles</a:t>
             </a:r>
           </a:p>
           <a:p>
             <a:pPr lvl="1"/>
             <a:r>
-              <a:rPr lang="en-US" smtClean="0"/>
+              <a:rPr lang="en-US"/>
               <a:t>Second level</a:t>
             </a:r>
           </a:p>
           <a:p>
             <a:pPr lvl="2"/>
             <a:r>
-              <a:rPr lang="en-US" smtClean="0"/>
+              <a:rPr lang="en-US"/>
               <a:t>Third level</a:t>
             </a:r>
           </a:p>
           <a:p>
             <a:pPr lvl="3"/>
             <a:r>
-              <a:rPr lang="en-US" smtClean="0"/>
+              <a:rPr lang="en-US"/>
               <a:t>Fourth level</a:t>
             </a:r>
           </a:p>
           <a:p>
             <a:pPr lvl="4"/>
             <a:r>
-              <a:rPr lang="en-US" smtClean="0"/>
+              <a:rPr lang="en-US"/>
               <a:t>Fifth level</a:t>
             </a:r>
-            <a:endParaRPr lang="en-US"/>
+            <a:endParaRPr lang="en-US" dirty="0"/>
           </a:p>
         </p:txBody>
       </p:sp>
@@ -808,7 +1797,7 @@
           <a:p>
             <a:fld id="{AC25CB34-BB08-4399-A2CA-3CAF79EA992F}" type="datetimeFigureOut">
               <a:rPr lang="en-US" smtClean="0"/>
-              <a:t>4/4/2017</a:t>
+              <a:t>4/18/2017</a:t>
             </a:fld>
             <a:endParaRPr lang="en-US"/>
           </a:p>
@@ -859,7 +1848,7 @@
     </p:spTree>
     <p:extLst>
       <p:ext uri="{BB962C8B-B14F-4D97-AF65-F5344CB8AC3E}">
-        <p14:creationId xmlns:p14="http://schemas.microsoft.com/office/powerpoint/2010/main" val="1876025219"/>
+        <p14:creationId xmlns:p14="http://schemas.microsoft.com/office/powerpoint/2010/main" val="492802710"/>
       </p:ext>
     </p:extLst>
   </p:cSld>
@@ -870,8 +1859,13 @@
 </file>
 
 <file path=ppt/slideLayouts/slideLayout3.xml><?xml version="1.0" encoding="utf-8"?>
-<p:sldLayout xmlns:a="http://schemas.openxmlformats.org/drawingml/2006/main" xmlns:r="http://schemas.openxmlformats.org/officeDocument/2006/relationships" xmlns:p="http://schemas.openxmlformats.org/presentationml/2006/main" type="secHead" preserve="1">
+<p:sldLayout xmlns:a="http://schemas.openxmlformats.org/drawingml/2006/main" xmlns:r="http://schemas.openxmlformats.org/officeDocument/2006/relationships" xmlns:p="http://schemas.openxmlformats.org/presentationml/2006/main" showMasterSp="0" type="secHead" preserve="1">
   <p:cSld name="Section Header">
+    <p:bg>
+      <p:bgRef idx="1001">
+        <a:schemeClr val="bg2"/>
+      </p:bgRef>
+    </p:bg>
     <p:spTree>
       <p:nvGrpSpPr>
         <p:cNvPr id="1" name=""/>
@@ -898,58 +1892,71 @@
         </p:nvSpPr>
         <p:spPr>
           <a:xfrm>
-            <a:off x="722313" y="4406900"/>
-            <a:ext cx="7772400" cy="1362075"/>
+            <a:off x="573769" y="1301361"/>
+            <a:ext cx="7209728" cy="2852737"/>
           </a:xfrm>
         </p:spPr>
         <p:txBody>
-          <a:bodyPr anchor="t"/>
+          <a:bodyPr anchor="b">
+            <a:normAutofit/>
+          </a:bodyPr>
           <a:lstStyle>
-            <a:lvl1pPr algn="l">
-              <a:defRPr sz="4000" b="1" cap="all"/>
-            </a:lvl1pPr>
-          </a:lstStyle>
-          <a:p>
-            <a:r>
-              <a:rPr lang="en-US" smtClean="0"/>
-              <a:t>Click to edit Master title style</a:t>
-            </a:r>
-            <a:endParaRPr lang="en-US"/>
-          </a:p>
-        </p:txBody>
-      </p:sp>
-      <p:sp>
-        <p:nvSpPr>
-          <p:cNvPr id="3" name="Text Placeholder 2"/>
-          <p:cNvSpPr>
-            <a:spLocks noGrp="1"/>
-          </p:cNvSpPr>
-          <p:nvPr>
-            <p:ph type="body" idx="1"/>
-          </p:nvPr>
-        </p:nvSpPr>
-        <p:spPr>
-          <a:xfrm>
-            <a:off x="722313" y="2906713"/>
-            <a:ext cx="7772400" cy="1500187"/>
-          </a:xfrm>
-        </p:spPr>
-        <p:txBody>
-          <a:bodyPr anchor="b"/>
-          <a:lstStyle>
-            <a:lvl1pPr marL="0" indent="0">
-              <a:buNone/>
-              <a:defRPr sz="2000">
+            <a:lvl1pPr algn="r">
+              <a:defRPr sz="6000" cap="all" baseline="0">
                 <a:solidFill>
-                  <a:schemeClr val="tx1">
-                    <a:tint val="75000"/>
-                  </a:schemeClr>
+                  <a:schemeClr val="tx2"/>
                 </a:solidFill>
               </a:defRPr>
             </a:lvl1pPr>
-            <a:lvl2pPr marL="457200" indent="0">
+          </a:lstStyle>
+          <a:p>
+            <a:r>
+              <a:rPr lang="en-US"/>
+              <a:t>Click to edit Master title style</a:t>
+            </a:r>
+            <a:endParaRPr lang="en-US" dirty="0"/>
+          </a:p>
+        </p:txBody>
+      </p:sp>
+      <p:sp>
+        <p:nvSpPr>
+          <p:cNvPr id="3" name="Text Placeholder 2"/>
+          <p:cNvSpPr>
+            <a:spLocks noGrp="1"/>
+          </p:cNvSpPr>
+          <p:nvPr>
+            <p:ph type="body" idx="1"/>
+          </p:nvPr>
+        </p:nvSpPr>
+        <p:spPr>
+          <a:xfrm>
+            <a:off x="573769" y="4216328"/>
+            <a:ext cx="7209728" cy="1143324"/>
+          </a:xfrm>
+        </p:spPr>
+        <p:txBody>
+          <a:bodyPr/>
+          <a:lstStyle>
+            <a:lvl1pPr marL="0" indent="0" algn="r">
+              <a:lnSpc>
+                <a:spcPct val="112000"/>
+              </a:lnSpc>
+              <a:spcBef>
+                <a:spcPts val="0"/>
+              </a:spcBef>
+              <a:spcAft>
+                <a:spcPts val="0"/>
+              </a:spcAft>
               <a:buNone/>
               <a:defRPr sz="1800">
+                <a:solidFill>
+                  <a:schemeClr val="tx2"/>
+                </a:solidFill>
+              </a:defRPr>
+            </a:lvl1pPr>
+            <a:lvl2pPr marL="342900" indent="0">
+              <a:buNone/>
+              <a:defRPr sz="1500">
                 <a:solidFill>
                   <a:schemeClr val="tx1">
                     <a:tint val="75000"/>
@@ -957,9 +1964,9 @@
                 </a:solidFill>
               </a:defRPr>
             </a:lvl2pPr>
-            <a:lvl3pPr marL="914400" indent="0">
-              <a:buNone/>
-              <a:defRPr sz="1600">
+            <a:lvl3pPr marL="685800" indent="0">
+              <a:buNone/>
+              <a:defRPr sz="1350">
                 <a:solidFill>
                   <a:schemeClr val="tx1">
                     <a:tint val="75000"/>
@@ -967,9 +1974,9 @@
                 </a:solidFill>
               </a:defRPr>
             </a:lvl3pPr>
-            <a:lvl4pPr marL="1371600" indent="0">
-              <a:buNone/>
-              <a:defRPr sz="1400">
+            <a:lvl4pPr marL="1028700" indent="0">
+              <a:buNone/>
+              <a:defRPr sz="1200">
                 <a:solidFill>
                   <a:schemeClr val="tx1">
                     <a:tint val="75000"/>
@@ -977,9 +1984,9 @@
                 </a:solidFill>
               </a:defRPr>
             </a:lvl4pPr>
-            <a:lvl5pPr marL="1828800" indent="0">
-              <a:buNone/>
-              <a:defRPr sz="1400">
+            <a:lvl5pPr marL="1371600" indent="0">
+              <a:buNone/>
+              <a:defRPr sz="1200">
                 <a:solidFill>
                   <a:schemeClr val="tx1">
                     <a:tint val="75000"/>
@@ -987,9 +1994,9 @@
                 </a:solidFill>
               </a:defRPr>
             </a:lvl5pPr>
-            <a:lvl6pPr marL="2286000" indent="0">
-              <a:buNone/>
-              <a:defRPr sz="1400">
+            <a:lvl6pPr marL="1714500" indent="0">
+              <a:buNone/>
+              <a:defRPr sz="1200">
                 <a:solidFill>
                   <a:schemeClr val="tx1">
                     <a:tint val="75000"/>
@@ -997,9 +2004,9 @@
                 </a:solidFill>
               </a:defRPr>
             </a:lvl6pPr>
-            <a:lvl7pPr marL="2743200" indent="0">
-              <a:buNone/>
-              <a:defRPr sz="1400">
+            <a:lvl7pPr marL="2057400" indent="0">
+              <a:buNone/>
+              <a:defRPr sz="1200">
                 <a:solidFill>
                   <a:schemeClr val="tx1">
                     <a:tint val="75000"/>
@@ -1007,9 +2014,9 @@
                 </a:solidFill>
               </a:defRPr>
             </a:lvl7pPr>
-            <a:lvl8pPr marL="3200400" indent="0">
-              <a:buNone/>
-              <a:defRPr sz="1400">
+            <a:lvl8pPr marL="2400300" indent="0">
+              <a:buNone/>
+              <a:defRPr sz="1200">
                 <a:solidFill>
                   <a:schemeClr val="tx1">
                     <a:tint val="75000"/>
@@ -1017,9 +2024,9 @@
                 </a:solidFill>
               </a:defRPr>
             </a:lvl8pPr>
-            <a:lvl9pPr marL="3657600" indent="0">
-              <a:buNone/>
-              <a:defRPr sz="1400">
+            <a:lvl9pPr marL="2743200" indent="0">
+              <a:buNone/>
+              <a:defRPr sz="1200">
                 <a:solidFill>
                   <a:schemeClr val="tx1">
                     <a:tint val="75000"/>
@@ -1031,8 +2038,8 @@
           <a:p>
             <a:pPr lvl="0"/>
             <a:r>
-              <a:rPr lang="en-US" smtClean="0"/>
-              <a:t>Click to edit Master text styles</a:t>
+              <a:rPr lang="en-US"/>
+              <a:t>Edit Master text styles</a:t>
             </a:r>
           </a:p>
         </p:txBody>
@@ -1047,14 +2054,27 @@
             <p:ph type="dt" sz="half" idx="10"/>
           </p:nvPr>
         </p:nvSpPr>
-        <p:spPr/>
+        <p:spPr>
+          <a:xfrm>
+            <a:off x="554181" y="6453386"/>
+            <a:ext cx="1216807" cy="404614"/>
+          </a:xfrm>
+        </p:spPr>
         <p:txBody>
           <a:bodyPr/>
-          <a:lstStyle/>
+          <a:lstStyle>
+            <a:lvl1pPr>
+              <a:defRPr>
+                <a:solidFill>
+                  <a:schemeClr val="tx2"/>
+                </a:solidFill>
+              </a:defRPr>
+            </a:lvl1pPr>
+          </a:lstStyle>
           <a:p>
             <a:fld id="{AC25CB34-BB08-4399-A2CA-3CAF79EA992F}" type="datetimeFigureOut">
               <a:rPr lang="en-US" smtClean="0"/>
-              <a:t>4/4/2017</a:t>
+              <a:t>4/18/2017</a:t>
             </a:fld>
             <a:endParaRPr lang="en-US"/>
           </a:p>
@@ -1070,10 +2090,23 @@
             <p:ph type="ftr" sz="quarter" idx="11"/>
           </p:nvPr>
         </p:nvSpPr>
-        <p:spPr/>
+        <p:spPr>
+          <a:xfrm>
+            <a:off x="1938234" y="6453386"/>
+            <a:ext cx="5267533" cy="404614"/>
+          </a:xfrm>
+        </p:spPr>
         <p:txBody>
           <a:bodyPr/>
-          <a:lstStyle/>
+          <a:lstStyle>
+            <a:lvl1pPr algn="ctr">
+              <a:defRPr>
+                <a:solidFill>
+                  <a:schemeClr val="tx2"/>
+                </a:solidFill>
+              </a:defRPr>
+            </a:lvl1pPr>
+          </a:lstStyle>
           <a:p>
             <a:endParaRPr lang="en-US"/>
           </a:p>
@@ -1089,10 +2122,23 @@
             <p:ph type="sldNum" sz="quarter" idx="12"/>
           </p:nvPr>
         </p:nvSpPr>
-        <p:spPr/>
+        <p:spPr>
+          <a:xfrm>
+            <a:off x="7373012" y="6453386"/>
+            <a:ext cx="1197219" cy="404614"/>
+          </a:xfrm>
+        </p:spPr>
         <p:txBody>
           <a:bodyPr/>
-          <a:lstStyle/>
+          <a:lstStyle>
+            <a:lvl1pPr>
+              <a:defRPr>
+                <a:solidFill>
+                  <a:schemeClr val="tx2"/>
+                </a:solidFill>
+              </a:defRPr>
+            </a:lvl1pPr>
+          </a:lstStyle>
           <a:p>
             <a:fld id="{B5E014E3-A4EE-484A-A75D-BE16B10F8A2C}" type="slidenum">
               <a:rPr lang="en-US" smtClean="0"/>
@@ -1102,15 +2148,127 @@
           </a:p>
         </p:txBody>
       </p:sp>
+      <p:sp>
+        <p:nvSpPr>
+          <p:cNvPr id="7" name="Freeform 6"/>
+          <p:cNvSpPr/>
+          <p:nvPr/>
+        </p:nvSpPr>
+        <p:spPr bwMode="auto">
+          <a:xfrm>
+            <a:off x="6113972" y="1685652"/>
+            <a:ext cx="2456260" cy="4408488"/>
+          </a:xfrm>
+          <a:custGeom>
+            <a:avLst/>
+            <a:gdLst/>
+            <a:ahLst/>
+            <a:cxnLst/>
+            <a:rect l="0" t="0" r="r" b="b"/>
+            <a:pathLst>
+              <a:path w="4125" h="5554">
+                <a:moveTo>
+                  <a:pt x="3614" y="0"/>
+                </a:moveTo>
+                <a:lnTo>
+                  <a:pt x="4125" y="0"/>
+                </a:lnTo>
+                <a:lnTo>
+                  <a:pt x="4125" y="5554"/>
+                </a:lnTo>
+                <a:lnTo>
+                  <a:pt x="0" y="5554"/>
+                </a:lnTo>
+                <a:lnTo>
+                  <a:pt x="0" y="5074"/>
+                </a:lnTo>
+                <a:lnTo>
+                  <a:pt x="3614" y="5074"/>
+                </a:lnTo>
+                <a:lnTo>
+                  <a:pt x="3614" y="0"/>
+                </a:lnTo>
+                <a:close/>
+              </a:path>
+            </a:pathLst>
+          </a:custGeom>
+          <a:solidFill>
+            <a:schemeClr val="bg2"/>
+          </a:solidFill>
+          <a:ln w="0">
+            <a:noFill/>
+            <a:prstDash val="solid"/>
+            <a:round/>
+            <a:headEnd/>
+            <a:tailEnd/>
+          </a:ln>
+        </p:spPr>
+      </p:sp>
+      <p:sp>
+        <p:nvSpPr>
+          <p:cNvPr id="8" name="Freeform 7" title="Crop Mark"/>
+          <p:cNvSpPr/>
+          <p:nvPr/>
+        </p:nvSpPr>
+        <p:spPr bwMode="auto">
+          <a:xfrm>
+            <a:off x="6113972" y="1685652"/>
+            <a:ext cx="2456260" cy="4408488"/>
+          </a:xfrm>
+          <a:custGeom>
+            <a:avLst/>
+            <a:gdLst/>
+            <a:ahLst/>
+            <a:cxnLst/>
+            <a:rect l="0" t="0" r="r" b="b"/>
+            <a:pathLst>
+              <a:path w="4125" h="5554">
+                <a:moveTo>
+                  <a:pt x="3614" y="0"/>
+                </a:moveTo>
+                <a:lnTo>
+                  <a:pt x="4125" y="0"/>
+                </a:lnTo>
+                <a:lnTo>
+                  <a:pt x="4125" y="5554"/>
+                </a:lnTo>
+                <a:lnTo>
+                  <a:pt x="0" y="5554"/>
+                </a:lnTo>
+                <a:lnTo>
+                  <a:pt x="0" y="5074"/>
+                </a:lnTo>
+                <a:lnTo>
+                  <a:pt x="3614" y="5074"/>
+                </a:lnTo>
+                <a:lnTo>
+                  <a:pt x="3614" y="0"/>
+                </a:lnTo>
+                <a:close/>
+              </a:path>
+            </a:pathLst>
+          </a:custGeom>
+          <a:solidFill>
+            <a:schemeClr val="tx2"/>
+          </a:solidFill>
+          <a:ln w="0">
+            <a:noFill/>
+            <a:prstDash val="solid"/>
+            <a:round/>
+            <a:headEnd/>
+            <a:tailEnd/>
+          </a:ln>
+        </p:spPr>
+      </p:sp>
     </p:spTree>
     <p:extLst>
       <p:ext uri="{BB962C8B-B14F-4D97-AF65-F5344CB8AC3E}">
-        <p14:creationId xmlns:p14="http://schemas.microsoft.com/office/powerpoint/2010/main" val="627529197"/>
+        <p14:creationId xmlns:p14="http://schemas.microsoft.com/office/powerpoint/2010/main" val="301057429"/>
       </p:ext>
     </p:extLst>
   </p:cSld>
   <p:clrMapOvr>
-    <a:masterClrMapping/>
+    <a:overrideClrMapping bg1="dk1" tx1="lt1" bg2="dk2" tx2="lt2" accent1="accent1" accent2="accent2" accent3="accent3" accent4="accent4" accent5="accent5" accent6="accent6" hlink="hlink" folHlink="folHlink"/>
   </p:clrMapOvr>
 </p:sldLayout>
 </file>
@@ -1145,13 +2303,21 @@
         <p:spPr/>
         <p:txBody>
           <a:bodyPr/>
-          <a:lstStyle/>
-          <a:p>
-            <a:r>
-              <a:rPr lang="en-US" smtClean="0"/>
+          <a:lstStyle>
+            <a:lvl1pPr>
+              <a:defRPr>
+                <a:solidFill>
+                  <a:schemeClr val="tx2"/>
+                </a:solidFill>
+              </a:defRPr>
+            </a:lvl1pPr>
+          </a:lstStyle>
+          <a:p>
+            <a:r>
+              <a:rPr lang="en-US"/>
               <a:t>Click to edit Master title style</a:t>
             </a:r>
-            <a:endParaRPr lang="en-US"/>
+            <a:endParaRPr lang="en-US" dirty="0"/>
           </a:p>
         </p:txBody>
       </p:sp>
@@ -1167,76 +2333,84 @@
         </p:nvSpPr>
         <p:spPr>
           <a:xfrm>
-            <a:off x="457200" y="1600200"/>
-            <a:ext cx="4038600" cy="4525963"/>
+            <a:off x="1028700" y="2286000"/>
+            <a:ext cx="3335840" cy="3581401"/>
           </a:xfrm>
         </p:spPr>
         <p:txBody>
           <a:bodyPr/>
           <a:lstStyle>
             <a:lvl1pPr>
-              <a:defRPr sz="2800"/>
+              <a:defRPr baseline="0">
+                <a:solidFill>
+                  <a:schemeClr val="tx2"/>
+                </a:solidFill>
+              </a:defRPr>
             </a:lvl1pPr>
             <a:lvl2pPr>
-              <a:defRPr sz="2400"/>
+              <a:defRPr baseline="0">
+                <a:solidFill>
+                  <a:schemeClr val="tx2"/>
+                </a:solidFill>
+              </a:defRPr>
             </a:lvl2pPr>
             <a:lvl3pPr>
-              <a:defRPr sz="2000"/>
+              <a:defRPr baseline="0">
+                <a:solidFill>
+                  <a:schemeClr val="tx2"/>
+                </a:solidFill>
+              </a:defRPr>
             </a:lvl3pPr>
             <a:lvl4pPr>
-              <a:defRPr sz="1800"/>
+              <a:defRPr baseline="0">
+                <a:solidFill>
+                  <a:schemeClr val="tx2"/>
+                </a:solidFill>
+              </a:defRPr>
             </a:lvl4pPr>
             <a:lvl5pPr>
-              <a:defRPr sz="1800"/>
+              <a:defRPr baseline="0">
+                <a:solidFill>
+                  <a:schemeClr val="tx2"/>
+                </a:solidFill>
+              </a:defRPr>
             </a:lvl5pPr>
-            <a:lvl6pPr>
-              <a:defRPr sz="1800"/>
-            </a:lvl6pPr>
-            <a:lvl7pPr>
-              <a:defRPr sz="1800"/>
-            </a:lvl7pPr>
-            <a:lvl8pPr>
-              <a:defRPr sz="1800"/>
-            </a:lvl8pPr>
-            <a:lvl9pPr>
-              <a:defRPr sz="1800"/>
-            </a:lvl9pPr>
           </a:lstStyle>
           <a:p>
             <a:pPr lvl="0"/>
             <a:r>
-              <a:rPr lang="en-US" smtClean="0"/>
-              <a:t>Click to edit Master text styles</a:t>
+              <a:rPr lang="en-US"/>
+              <a:t>Edit Master text styles</a:t>
             </a:r>
           </a:p>
           <a:p>
             <a:pPr lvl="1"/>
             <a:r>
-              <a:rPr lang="en-US" smtClean="0"/>
+              <a:rPr lang="en-US"/>
               <a:t>Second level</a:t>
             </a:r>
           </a:p>
           <a:p>
             <a:pPr lvl="2"/>
             <a:r>
-              <a:rPr lang="en-US" smtClean="0"/>
+              <a:rPr lang="en-US"/>
               <a:t>Third level</a:t>
             </a:r>
           </a:p>
           <a:p>
             <a:pPr lvl="3"/>
             <a:r>
-              <a:rPr lang="en-US" smtClean="0"/>
+              <a:rPr lang="en-US"/>
               <a:t>Fourth level</a:t>
             </a:r>
           </a:p>
           <a:p>
             <a:pPr lvl="4"/>
             <a:r>
-              <a:rPr lang="en-US" smtClean="0"/>
+              <a:rPr lang="en-US"/>
               <a:t>Fifth level</a:t>
             </a:r>
-            <a:endParaRPr lang="en-US"/>
+            <a:endParaRPr lang="en-US" dirty="0"/>
           </a:p>
         </p:txBody>
       </p:sp>
@@ -1252,76 +2426,84 @@
         </p:nvSpPr>
         <p:spPr>
           <a:xfrm>
-            <a:off x="4648200" y="1600200"/>
-            <a:ext cx="4038600" cy="4525963"/>
+            <a:off x="4894052" y="2286000"/>
+            <a:ext cx="3335840" cy="3581401"/>
           </a:xfrm>
         </p:spPr>
         <p:txBody>
           <a:bodyPr/>
           <a:lstStyle>
             <a:lvl1pPr>
-              <a:defRPr sz="2800"/>
+              <a:defRPr>
+                <a:solidFill>
+                  <a:schemeClr val="tx2"/>
+                </a:solidFill>
+              </a:defRPr>
             </a:lvl1pPr>
             <a:lvl2pPr>
-              <a:defRPr sz="2400"/>
+              <a:defRPr>
+                <a:solidFill>
+                  <a:schemeClr val="tx2"/>
+                </a:solidFill>
+              </a:defRPr>
             </a:lvl2pPr>
             <a:lvl3pPr>
-              <a:defRPr sz="2000"/>
+              <a:defRPr>
+                <a:solidFill>
+                  <a:schemeClr val="tx2"/>
+                </a:solidFill>
+              </a:defRPr>
             </a:lvl3pPr>
             <a:lvl4pPr>
-              <a:defRPr sz="1800"/>
+              <a:defRPr>
+                <a:solidFill>
+                  <a:schemeClr val="tx2"/>
+                </a:solidFill>
+              </a:defRPr>
             </a:lvl4pPr>
             <a:lvl5pPr>
-              <a:defRPr sz="1800"/>
+              <a:defRPr>
+                <a:solidFill>
+                  <a:schemeClr val="tx2"/>
+                </a:solidFill>
+              </a:defRPr>
             </a:lvl5pPr>
-            <a:lvl6pPr>
-              <a:defRPr sz="1800"/>
-            </a:lvl6pPr>
-            <a:lvl7pPr>
-              <a:defRPr sz="1800"/>
-            </a:lvl7pPr>
-            <a:lvl8pPr>
-              <a:defRPr sz="1800"/>
-            </a:lvl8pPr>
-            <a:lvl9pPr>
-              <a:defRPr sz="1800"/>
-            </a:lvl9pPr>
           </a:lstStyle>
           <a:p>
             <a:pPr lvl="0"/>
             <a:r>
-              <a:rPr lang="en-US" smtClean="0"/>
-              <a:t>Click to edit Master text styles</a:t>
+              <a:rPr lang="en-US"/>
+              <a:t>Edit Master text styles</a:t>
             </a:r>
           </a:p>
           <a:p>
             <a:pPr lvl="1"/>
             <a:r>
-              <a:rPr lang="en-US" smtClean="0"/>
+              <a:rPr lang="en-US"/>
               <a:t>Second level</a:t>
             </a:r>
           </a:p>
           <a:p>
             <a:pPr lvl="2"/>
             <a:r>
-              <a:rPr lang="en-US" smtClean="0"/>
+              <a:rPr lang="en-US"/>
               <a:t>Third level</a:t>
             </a:r>
           </a:p>
           <a:p>
             <a:pPr lvl="3"/>
             <a:r>
-              <a:rPr lang="en-US" smtClean="0"/>
+              <a:rPr lang="en-US"/>
               <a:t>Fourth level</a:t>
             </a:r>
           </a:p>
           <a:p>
             <a:pPr lvl="4"/>
             <a:r>
-              <a:rPr lang="en-US" smtClean="0"/>
+              <a:rPr lang="en-US"/>
               <a:t>Fifth level</a:t>
             </a:r>
-            <a:endParaRPr lang="en-US"/>
+            <a:endParaRPr lang="en-US" dirty="0"/>
           </a:p>
         </p:txBody>
       </p:sp>
@@ -1342,7 +2524,7 @@
           <a:p>
             <a:fld id="{AC25CB34-BB08-4399-A2CA-3CAF79EA992F}" type="datetimeFigureOut">
               <a:rPr lang="en-US" smtClean="0"/>
-              <a:t>4/4/2017</a:t>
+              <a:t>4/18/2017</a:t>
             </a:fld>
             <a:endParaRPr lang="en-US"/>
           </a:p>
@@ -1393,7 +2575,7 @@
     </p:spTree>
     <p:extLst>
       <p:ext uri="{BB962C8B-B14F-4D97-AF65-F5344CB8AC3E}">
-        <p14:creationId xmlns:p14="http://schemas.microsoft.com/office/powerpoint/2010/main" val="381099905"/>
+        <p14:creationId xmlns:p14="http://schemas.microsoft.com/office/powerpoint/2010/main" val="2232476148"/>
       </p:ext>
     </p:extLst>
   </p:cSld>
@@ -1430,20 +2612,29 @@
             <p:ph type="title"/>
           </p:nvPr>
         </p:nvSpPr>
-        <p:spPr/>
+        <p:spPr>
+          <a:xfrm>
+            <a:off x="1028700" y="685800"/>
+            <a:ext cx="7200900" cy="1485900"/>
+          </a:xfrm>
+        </p:spPr>
         <p:txBody>
           <a:bodyPr/>
           <a:lstStyle>
             <a:lvl1pPr>
-              <a:defRPr/>
+              <a:defRPr>
+                <a:solidFill>
+                  <a:schemeClr val="tx2"/>
+                </a:solidFill>
+              </a:defRPr>
             </a:lvl1pPr>
           </a:lstStyle>
           <a:p>
             <a:r>
-              <a:rPr lang="en-US" smtClean="0"/>
+              <a:rPr lang="en-US"/>
               <a:t>Click to edit Master title style</a:t>
             </a:r>
-            <a:endParaRPr lang="en-US"/>
+            <a:endParaRPr lang="en-US" dirty="0"/>
           </a:p>
         </p:txBody>
       </p:sp>
@@ -1459,55 +2650,70 @@
         </p:nvSpPr>
         <p:spPr>
           <a:xfrm>
-            <a:off x="457200" y="1535113"/>
-            <a:ext cx="4040188" cy="639762"/>
+            <a:off x="1028700" y="2340230"/>
+            <a:ext cx="3335840" cy="823912"/>
           </a:xfrm>
         </p:spPr>
         <p:txBody>
-          <a:bodyPr anchor="b"/>
+          <a:bodyPr anchor="b">
+            <a:noAutofit/>
+          </a:bodyPr>
           <a:lstStyle>
             <a:lvl1pPr marL="0" indent="0">
-              <a:buNone/>
-              <a:defRPr sz="2400" b="1"/>
+              <a:lnSpc>
+                <a:spcPct val="84000"/>
+              </a:lnSpc>
+              <a:spcBef>
+                <a:spcPts val="0"/>
+              </a:spcBef>
+              <a:spcAft>
+                <a:spcPts val="0"/>
+              </a:spcAft>
+              <a:buNone/>
+              <a:defRPr sz="2400" b="0" baseline="0">
+                <a:solidFill>
+                  <a:schemeClr val="tx2"/>
+                </a:solidFill>
+              </a:defRPr>
             </a:lvl1pPr>
-            <a:lvl2pPr marL="457200" indent="0">
-              <a:buNone/>
-              <a:defRPr sz="2000" b="1"/>
+            <a:lvl2pPr marL="342900" indent="0">
+              <a:buNone/>
+              <a:defRPr sz="1500" b="1"/>
             </a:lvl2pPr>
-            <a:lvl3pPr marL="914400" indent="0">
-              <a:buNone/>
-              <a:defRPr sz="1800" b="1"/>
+            <a:lvl3pPr marL="685800" indent="0">
+              <a:buNone/>
+              <a:defRPr sz="1350" b="1"/>
             </a:lvl3pPr>
-            <a:lvl4pPr marL="1371600" indent="0">
-              <a:buNone/>
-              <a:defRPr sz="1600" b="1"/>
+            <a:lvl4pPr marL="1028700" indent="0">
+              <a:buNone/>
+              <a:defRPr sz="1200" b="1"/>
             </a:lvl4pPr>
-            <a:lvl5pPr marL="1828800" indent="0">
-              <a:buNone/>
-              <a:defRPr sz="1600" b="1"/>
+            <a:lvl5pPr marL="1371600" indent="0">
+              <a:buNone/>
+              <a:defRPr sz="1200" b="1"/>
             </a:lvl5pPr>
-            <a:lvl6pPr marL="2286000" indent="0">
-              <a:buNone/>
-              <a:defRPr sz="1600" b="1"/>
+            <a:lvl6pPr marL="1714500" indent="0">
+              <a:buNone/>
+              <a:defRPr sz="1200" b="1"/>
             </a:lvl6pPr>
-            <a:lvl7pPr marL="2743200" indent="0">
-              <a:buNone/>
-              <a:defRPr sz="1600" b="1"/>
+            <a:lvl7pPr marL="2057400" indent="0">
+              <a:buNone/>
+              <a:defRPr sz="1200" b="1"/>
             </a:lvl7pPr>
-            <a:lvl8pPr marL="3200400" indent="0">
-              <a:buNone/>
-              <a:defRPr sz="1600" b="1"/>
+            <a:lvl8pPr marL="2400300" indent="0">
+              <a:buNone/>
+              <a:defRPr sz="1200" b="1"/>
             </a:lvl8pPr>
-            <a:lvl9pPr marL="3657600" indent="0">
-              <a:buNone/>
-              <a:defRPr sz="1600" b="1"/>
+            <a:lvl9pPr marL="2743200" indent="0">
+              <a:buNone/>
+              <a:defRPr sz="1200" b="1"/>
             </a:lvl9pPr>
           </a:lstStyle>
           <a:p>
             <a:pPr lvl="0"/>
             <a:r>
-              <a:rPr lang="en-US" smtClean="0"/>
-              <a:t>Click to edit Master text styles</a:t>
+              <a:rPr lang="en-US"/>
+              <a:t>Edit Master text styles</a:t>
             </a:r>
           </a:p>
         </p:txBody>
@@ -1524,226 +2730,257 @@
         </p:nvSpPr>
         <p:spPr>
           <a:xfrm>
-            <a:off x="457200" y="2174875"/>
-            <a:ext cx="4040188" cy="3951288"/>
+            <a:off x="1028700" y="3305208"/>
+            <a:ext cx="3335839" cy="2562193"/>
           </a:xfrm>
         </p:spPr>
         <p:txBody>
           <a:bodyPr/>
           <a:lstStyle>
             <a:lvl1pPr>
-              <a:defRPr sz="2400"/>
+              <a:defRPr baseline="0">
+                <a:solidFill>
+                  <a:schemeClr val="tx2"/>
+                </a:solidFill>
+              </a:defRPr>
             </a:lvl1pPr>
             <a:lvl2pPr>
-              <a:defRPr sz="2000"/>
+              <a:defRPr baseline="0">
+                <a:solidFill>
+                  <a:schemeClr val="tx2"/>
+                </a:solidFill>
+              </a:defRPr>
             </a:lvl2pPr>
             <a:lvl3pPr>
-              <a:defRPr sz="1800"/>
+              <a:defRPr baseline="0">
+                <a:solidFill>
+                  <a:schemeClr val="tx2"/>
+                </a:solidFill>
+              </a:defRPr>
             </a:lvl3pPr>
             <a:lvl4pPr>
-              <a:defRPr sz="1600"/>
+              <a:defRPr baseline="0">
+                <a:solidFill>
+                  <a:schemeClr val="tx2"/>
+                </a:solidFill>
+              </a:defRPr>
             </a:lvl4pPr>
             <a:lvl5pPr>
-              <a:defRPr sz="1600"/>
+              <a:defRPr baseline="0">
+                <a:solidFill>
+                  <a:schemeClr val="tx2"/>
+                </a:solidFill>
+              </a:defRPr>
             </a:lvl5pPr>
-            <a:lvl6pPr>
-              <a:defRPr sz="1600"/>
+          </a:lstStyle>
+          <a:p>
+            <a:pPr lvl="0"/>
+            <a:r>
+              <a:rPr lang="en-US"/>
+              <a:t>Edit Master text styles</a:t>
+            </a:r>
+          </a:p>
+          <a:p>
+            <a:pPr lvl="1"/>
+            <a:r>
+              <a:rPr lang="en-US"/>
+              <a:t>Second level</a:t>
+            </a:r>
+          </a:p>
+          <a:p>
+            <a:pPr lvl="2"/>
+            <a:r>
+              <a:rPr lang="en-US"/>
+              <a:t>Third level</a:t>
+            </a:r>
+          </a:p>
+          <a:p>
+            <a:pPr lvl="3"/>
+            <a:r>
+              <a:rPr lang="en-US"/>
+              <a:t>Fourth level</a:t>
+            </a:r>
+          </a:p>
+          <a:p>
+            <a:pPr lvl="4"/>
+            <a:r>
+              <a:rPr lang="en-US"/>
+              <a:t>Fifth level</a:t>
+            </a:r>
+            <a:endParaRPr lang="en-US" dirty="0"/>
+          </a:p>
+        </p:txBody>
+      </p:sp>
+      <p:sp>
+        <p:nvSpPr>
+          <p:cNvPr id="5" name="Text Placeholder 4"/>
+          <p:cNvSpPr>
+            <a:spLocks noGrp="1"/>
+          </p:cNvSpPr>
+          <p:nvPr>
+            <p:ph type="body" sz="quarter" idx="3"/>
+          </p:nvPr>
+        </p:nvSpPr>
+        <p:spPr>
+          <a:xfrm>
+            <a:off x="4893760" y="2349754"/>
+            <a:ext cx="3335840" cy="823912"/>
+          </a:xfrm>
+        </p:spPr>
+        <p:txBody>
+          <a:bodyPr anchor="b">
+            <a:noAutofit/>
+          </a:bodyPr>
+          <a:lstStyle>
+            <a:lvl1pPr marL="0" indent="0">
+              <a:lnSpc>
+                <a:spcPct val="84000"/>
+              </a:lnSpc>
+              <a:spcBef>
+                <a:spcPts val="0"/>
+              </a:spcBef>
+              <a:spcAft>
+                <a:spcPts val="0"/>
+              </a:spcAft>
+              <a:buNone/>
+              <a:defRPr sz="2400" b="0" baseline="0">
+                <a:solidFill>
+                  <a:schemeClr val="tx2"/>
+                </a:solidFill>
+              </a:defRPr>
+            </a:lvl1pPr>
+            <a:lvl2pPr marL="342900" indent="0">
+              <a:buNone/>
+              <a:defRPr sz="1500" b="1"/>
+            </a:lvl2pPr>
+            <a:lvl3pPr marL="685800" indent="0">
+              <a:buNone/>
+              <a:defRPr sz="1350" b="1"/>
+            </a:lvl3pPr>
+            <a:lvl4pPr marL="1028700" indent="0">
+              <a:buNone/>
+              <a:defRPr sz="1200" b="1"/>
+            </a:lvl4pPr>
+            <a:lvl5pPr marL="1371600" indent="0">
+              <a:buNone/>
+              <a:defRPr sz="1200" b="1"/>
+            </a:lvl5pPr>
+            <a:lvl6pPr marL="1714500" indent="0">
+              <a:buNone/>
+              <a:defRPr sz="1200" b="1"/>
             </a:lvl6pPr>
-            <a:lvl7pPr>
-              <a:defRPr sz="1600"/>
+            <a:lvl7pPr marL="2057400" indent="0">
+              <a:buNone/>
+              <a:defRPr sz="1200" b="1"/>
             </a:lvl7pPr>
-            <a:lvl8pPr>
-              <a:defRPr sz="1600"/>
+            <a:lvl8pPr marL="2400300" indent="0">
+              <a:buNone/>
+              <a:defRPr sz="1200" b="1"/>
             </a:lvl8pPr>
-            <a:lvl9pPr>
-              <a:defRPr sz="1600"/>
+            <a:lvl9pPr marL="2743200" indent="0">
+              <a:buNone/>
+              <a:defRPr sz="1200" b="1"/>
             </a:lvl9pPr>
           </a:lstStyle>
           <a:p>
             <a:pPr lvl="0"/>
             <a:r>
-              <a:rPr lang="en-US" smtClean="0"/>
-              <a:t>Click to edit Master text styles</a:t>
-            </a:r>
-          </a:p>
-          <a:p>
-            <a:pPr lvl="1"/>
-            <a:r>
-              <a:rPr lang="en-US" smtClean="0"/>
-              <a:t>Second level</a:t>
-            </a:r>
-          </a:p>
-          <a:p>
-            <a:pPr lvl="2"/>
-            <a:r>
-              <a:rPr lang="en-US" smtClean="0"/>
-              <a:t>Third level</a:t>
-            </a:r>
-          </a:p>
-          <a:p>
-            <a:pPr lvl="3"/>
-            <a:r>
-              <a:rPr lang="en-US" smtClean="0"/>
-              <a:t>Fourth level</a:t>
-            </a:r>
-          </a:p>
-          <a:p>
-            <a:pPr lvl="4"/>
-            <a:r>
-              <a:rPr lang="en-US" smtClean="0"/>
-              <a:t>Fifth level</a:t>
-            </a:r>
-            <a:endParaRPr lang="en-US"/>
-          </a:p>
-        </p:txBody>
-      </p:sp>
-      <p:sp>
-        <p:nvSpPr>
-          <p:cNvPr id="5" name="Text Placeholder 4"/>
-          <p:cNvSpPr>
-            <a:spLocks noGrp="1"/>
-          </p:cNvSpPr>
-          <p:nvPr>
-            <p:ph type="body" sz="quarter" idx="3"/>
+              <a:rPr lang="en-US"/>
+              <a:t>Edit Master text styles</a:t>
+            </a:r>
+          </a:p>
+        </p:txBody>
+      </p:sp>
+      <p:sp>
+        <p:nvSpPr>
+          <p:cNvPr id="6" name="Content Placeholder 5"/>
+          <p:cNvSpPr>
+            <a:spLocks noGrp="1"/>
+          </p:cNvSpPr>
+          <p:nvPr>
+            <p:ph sz="quarter" idx="4"/>
           </p:nvPr>
         </p:nvSpPr>
         <p:spPr>
           <a:xfrm>
-            <a:off x="4645025" y="1535113"/>
-            <a:ext cx="4041775" cy="639762"/>
-          </a:xfrm>
-        </p:spPr>
-        <p:txBody>
-          <a:bodyPr anchor="b"/>
-          <a:lstStyle>
-            <a:lvl1pPr marL="0" indent="0">
-              <a:buNone/>
-              <a:defRPr sz="2400" b="1"/>
-            </a:lvl1pPr>
-            <a:lvl2pPr marL="457200" indent="0">
-              <a:buNone/>
-              <a:defRPr sz="2000" b="1"/>
-            </a:lvl2pPr>
-            <a:lvl3pPr marL="914400" indent="0">
-              <a:buNone/>
-              <a:defRPr sz="1800" b="1"/>
-            </a:lvl3pPr>
-            <a:lvl4pPr marL="1371600" indent="0">
-              <a:buNone/>
-              <a:defRPr sz="1600" b="1"/>
-            </a:lvl4pPr>
-            <a:lvl5pPr marL="1828800" indent="0">
-              <a:buNone/>
-              <a:defRPr sz="1600" b="1"/>
-            </a:lvl5pPr>
-            <a:lvl6pPr marL="2286000" indent="0">
-              <a:buNone/>
-              <a:defRPr sz="1600" b="1"/>
-            </a:lvl6pPr>
-            <a:lvl7pPr marL="2743200" indent="0">
-              <a:buNone/>
-              <a:defRPr sz="1600" b="1"/>
-            </a:lvl7pPr>
-            <a:lvl8pPr marL="3200400" indent="0">
-              <a:buNone/>
-              <a:defRPr sz="1600" b="1"/>
-            </a:lvl8pPr>
-            <a:lvl9pPr marL="3657600" indent="0">
-              <a:buNone/>
-              <a:defRPr sz="1600" b="1"/>
-            </a:lvl9pPr>
-          </a:lstStyle>
-          <a:p>
-            <a:pPr lvl="0"/>
-            <a:r>
-              <a:rPr lang="en-US" smtClean="0"/>
-              <a:t>Click to edit Master text styles</a:t>
-            </a:r>
-          </a:p>
-        </p:txBody>
-      </p:sp>
-      <p:sp>
-        <p:nvSpPr>
-          <p:cNvPr id="6" name="Content Placeholder 5"/>
-          <p:cNvSpPr>
-            <a:spLocks noGrp="1"/>
-          </p:cNvSpPr>
-          <p:nvPr>
-            <p:ph sz="quarter" idx="4"/>
-          </p:nvPr>
-        </p:nvSpPr>
-        <p:spPr>
-          <a:xfrm>
-            <a:off x="4645025" y="2174875"/>
-            <a:ext cx="4041775" cy="3951288"/>
+            <a:off x="4893760" y="3305208"/>
+            <a:ext cx="3335840" cy="2562193"/>
           </a:xfrm>
         </p:spPr>
         <p:txBody>
           <a:bodyPr/>
           <a:lstStyle>
             <a:lvl1pPr>
-              <a:defRPr sz="2400"/>
+              <a:defRPr baseline="0">
+                <a:solidFill>
+                  <a:schemeClr val="tx2"/>
+                </a:solidFill>
+              </a:defRPr>
             </a:lvl1pPr>
             <a:lvl2pPr>
-              <a:defRPr sz="2000"/>
+              <a:defRPr baseline="0">
+                <a:solidFill>
+                  <a:schemeClr val="tx2"/>
+                </a:solidFill>
+              </a:defRPr>
             </a:lvl2pPr>
             <a:lvl3pPr>
-              <a:defRPr sz="1800"/>
+              <a:defRPr baseline="0">
+                <a:solidFill>
+                  <a:schemeClr val="tx2"/>
+                </a:solidFill>
+              </a:defRPr>
             </a:lvl3pPr>
             <a:lvl4pPr>
-              <a:defRPr sz="1600"/>
+              <a:defRPr baseline="0">
+                <a:solidFill>
+                  <a:schemeClr val="tx2"/>
+                </a:solidFill>
+              </a:defRPr>
             </a:lvl4pPr>
             <a:lvl5pPr>
-              <a:defRPr sz="1600"/>
+              <a:defRPr baseline="0">
+                <a:solidFill>
+                  <a:schemeClr val="tx2"/>
+                </a:solidFill>
+              </a:defRPr>
             </a:lvl5pPr>
-            <a:lvl6pPr>
-              <a:defRPr sz="1600"/>
-            </a:lvl6pPr>
-            <a:lvl7pPr>
-              <a:defRPr sz="1600"/>
-            </a:lvl7pPr>
-            <a:lvl8pPr>
-              <a:defRPr sz="1600"/>
-            </a:lvl8pPr>
-            <a:lvl9pPr>
-              <a:defRPr sz="1600"/>
-            </a:lvl9pPr>
           </a:lstStyle>
           <a:p>
             <a:pPr lvl="0"/>
             <a:r>
-              <a:rPr lang="en-US" smtClean="0"/>
-              <a:t>Click to edit Master text styles</a:t>
+              <a:rPr lang="en-US"/>
+              <a:t>Edit Master text styles</a:t>
             </a:r>
           </a:p>
           <a:p>
             <a:pPr lvl="1"/>
             <a:r>
-              <a:rPr lang="en-US" smtClean="0"/>
+              <a:rPr lang="en-US"/>
               <a:t>Second level</a:t>
             </a:r>
           </a:p>
           <a:p>
             <a:pPr lvl="2"/>
             <a:r>
-              <a:rPr lang="en-US" smtClean="0"/>
+              <a:rPr lang="en-US"/>
               <a:t>Third level</a:t>
             </a:r>
           </a:p>
           <a:p>
             <a:pPr lvl="3"/>
             <a:r>
-              <a:rPr lang="en-US" smtClean="0"/>
+              <a:rPr lang="en-US"/>
               <a:t>Fourth level</a:t>
             </a:r>
           </a:p>
           <a:p>
             <a:pPr lvl="4"/>
             <a:r>
-              <a:rPr lang="en-US" smtClean="0"/>
+              <a:rPr lang="en-US"/>
               <a:t>Fifth level</a:t>
             </a:r>
-            <a:endParaRPr lang="en-US"/>
+            <a:endParaRPr lang="en-US" dirty="0"/>
           </a:p>
         </p:txBody>
       </p:sp>
@@ -1764,7 +3001,7 @@
           <a:p>
             <a:fld id="{AC25CB34-BB08-4399-A2CA-3CAF79EA992F}" type="datetimeFigureOut">
               <a:rPr lang="en-US" smtClean="0"/>
-              <a:t>4/4/2017</a:t>
+              <a:t>4/18/2017</a:t>
             </a:fld>
             <a:endParaRPr lang="en-US"/>
           </a:p>
@@ -1815,7 +3052,7 @@
     </p:spTree>
     <p:extLst>
       <p:ext uri="{BB962C8B-B14F-4D97-AF65-F5344CB8AC3E}">
-        <p14:creationId xmlns:p14="http://schemas.microsoft.com/office/powerpoint/2010/main" val="2421702990"/>
+        <p14:creationId xmlns:p14="http://schemas.microsoft.com/office/powerpoint/2010/main" val="1759737022"/>
       </p:ext>
     </p:extLst>
   </p:cSld>
@@ -1858,10 +3095,10 @@
           <a:lstStyle/>
           <a:p>
             <a:r>
-              <a:rPr lang="en-US" smtClean="0"/>
+              <a:rPr lang="en-US"/>
               <a:t>Click to edit Master title style</a:t>
             </a:r>
-            <a:endParaRPr lang="en-US"/>
+            <a:endParaRPr lang="en-US" dirty="0"/>
           </a:p>
         </p:txBody>
       </p:sp>
@@ -1882,7 +3119,7 @@
           <a:p>
             <a:fld id="{AC25CB34-BB08-4399-A2CA-3CAF79EA992F}" type="datetimeFigureOut">
               <a:rPr lang="en-US" smtClean="0"/>
-              <a:t>4/4/2017</a:t>
+              <a:t>4/18/2017</a:t>
             </a:fld>
             <a:endParaRPr lang="en-US"/>
           </a:p>
@@ -1933,7 +3170,7 @@
     </p:spTree>
     <p:extLst>
       <p:ext uri="{BB962C8B-B14F-4D97-AF65-F5344CB8AC3E}">
-        <p14:creationId xmlns:p14="http://schemas.microsoft.com/office/powerpoint/2010/main" val="818651786"/>
+        <p14:creationId xmlns:p14="http://schemas.microsoft.com/office/powerpoint/2010/main" val="4015366508"/>
       </p:ext>
     </p:extLst>
   </p:cSld>
@@ -1977,7 +3214,7 @@
           <a:p>
             <a:fld id="{AC25CB34-BB08-4399-A2CA-3CAF79EA992F}" type="datetimeFigureOut">
               <a:rPr lang="en-US" smtClean="0"/>
-              <a:t>4/4/2017</a:t>
+              <a:t>4/18/2017</a:t>
             </a:fld>
             <a:endParaRPr lang="en-US"/>
           </a:p>
@@ -2028,7 +3265,7 @@
     </p:spTree>
     <p:extLst>
       <p:ext uri="{BB962C8B-B14F-4D97-AF65-F5344CB8AC3E}">
-        <p14:creationId xmlns:p14="http://schemas.microsoft.com/office/powerpoint/2010/main" val="3976739519"/>
+        <p14:creationId xmlns:p14="http://schemas.microsoft.com/office/powerpoint/2010/main" val="3566511217"/>
       </p:ext>
     </p:extLst>
   </p:cSld>
@@ -2039,7 +3276,7 @@
 </file>
 
 <file path=ppt/slideLayouts/slideLayout8.xml><?xml version="1.0" encoding="utf-8"?>
-<p:sldLayout xmlns:a="http://schemas.openxmlformats.org/drawingml/2006/main" xmlns:r="http://schemas.openxmlformats.org/officeDocument/2006/relationships" xmlns:p="http://schemas.openxmlformats.org/presentationml/2006/main" type="objTx" preserve="1">
+<p:sldLayout xmlns:a="http://schemas.openxmlformats.org/drawingml/2006/main" xmlns:r="http://schemas.openxmlformats.org/officeDocument/2006/relationships" xmlns:p="http://schemas.openxmlformats.org/presentationml/2006/main" showMasterSp="0" type="objTx" preserve="1">
   <p:cSld name="Content with Caption">
     <p:spTree>
       <p:nvGrpSpPr>
@@ -2057,33 +3294,80 @@
       </p:grpSpPr>
       <p:sp>
         <p:nvSpPr>
-          <p:cNvPr id="2" name="Title 1"/>
-          <p:cNvSpPr>
-            <a:spLocks noGrp="1"/>
-          </p:cNvSpPr>
-          <p:nvPr>
-            <p:ph type="title"/>
-          </p:nvPr>
+          <p:cNvPr id="8" name="Rectangle 7" title="Background Shape"/>
+          <p:cNvSpPr/>
+          <p:nvPr/>
         </p:nvSpPr>
         <p:spPr>
           <a:xfrm>
-            <a:off x="457200" y="273050"/>
-            <a:ext cx="3008313" cy="1162050"/>
+            <a:off x="0" y="376"/>
+            <a:ext cx="3977640" cy="6857624"/>
+          </a:xfrm>
+          <a:prstGeom prst="rect">
+            <a:avLst/>
+          </a:prstGeom>
+          <a:solidFill>
+            <a:schemeClr val="accent1"/>
+          </a:solidFill>
+          <a:ln>
+            <a:noFill/>
+          </a:ln>
+        </p:spPr>
+        <p:style>
+          <a:lnRef idx="2">
+            <a:schemeClr val="accent1">
+              <a:shade val="50000"/>
+            </a:schemeClr>
+          </a:lnRef>
+          <a:fillRef idx="1">
+            <a:schemeClr val="accent1"/>
+          </a:fillRef>
+          <a:effectRef idx="0">
+            <a:schemeClr val="accent1"/>
+          </a:effectRef>
+          <a:fontRef idx="minor">
+            <a:schemeClr val="lt1"/>
+          </a:fontRef>
+        </p:style>
+      </p:sp>
+      <p:sp>
+        <p:nvSpPr>
+          <p:cNvPr id="2" name="Title 1"/>
+          <p:cNvSpPr>
+            <a:spLocks noGrp="1"/>
+          </p:cNvSpPr>
+          <p:nvPr>
+            <p:ph type="title"/>
+          </p:nvPr>
+        </p:nvSpPr>
+        <p:spPr>
+          <a:xfrm>
+            <a:off x="542925" y="685800"/>
+            <a:ext cx="2891790" cy="2157884"/>
           </a:xfrm>
         </p:spPr>
         <p:txBody>
-          <a:bodyPr anchor="b"/>
+          <a:bodyPr anchor="t">
+            <a:noAutofit/>
+          </a:bodyPr>
           <a:lstStyle>
-            <a:lvl1pPr algn="l">
-              <a:defRPr sz="2000" b="1"/>
+            <a:lvl1pPr>
+              <a:lnSpc>
+                <a:spcPct val="84000"/>
+              </a:lnSpc>
+              <a:defRPr sz="4400" baseline="0">
+                <a:solidFill>
+                  <a:schemeClr val="tx2"/>
+                </a:solidFill>
+              </a:defRPr>
             </a:lvl1pPr>
           </a:lstStyle>
           <a:p>
             <a:r>
-              <a:rPr lang="en-US" smtClean="0"/>
+              <a:rPr lang="en-US"/>
               <a:t>Click to edit Master title style</a:t>
             </a:r>
-            <a:endParaRPr lang="en-US"/>
+            <a:endParaRPr lang="en-US" dirty="0"/>
           </a:p>
         </p:txBody>
       </p:sp>
@@ -2099,76 +3383,76 @@
         </p:nvSpPr>
         <p:spPr>
           <a:xfrm>
-            <a:off x="3575050" y="273050"/>
-            <a:ext cx="5111750" cy="5853113"/>
+            <a:off x="4692015" y="685801"/>
+            <a:ext cx="3909060" cy="5175250"/>
           </a:xfrm>
         </p:spPr>
         <p:txBody>
           <a:bodyPr/>
           <a:lstStyle>
             <a:lvl1pPr>
-              <a:defRPr sz="3200"/>
+              <a:defRPr sz="1500"/>
             </a:lvl1pPr>
             <a:lvl2pPr>
-              <a:defRPr sz="2800"/>
+              <a:defRPr sz="1500"/>
             </a:lvl2pPr>
             <a:lvl3pPr>
-              <a:defRPr sz="2400"/>
+              <a:defRPr sz="1350"/>
             </a:lvl3pPr>
             <a:lvl4pPr>
-              <a:defRPr sz="2000"/>
+              <a:defRPr sz="1350"/>
             </a:lvl4pPr>
             <a:lvl5pPr>
-              <a:defRPr sz="2000"/>
+              <a:defRPr sz="1200"/>
             </a:lvl5pPr>
             <a:lvl6pPr>
-              <a:defRPr sz="2000"/>
+              <a:defRPr sz="1200"/>
             </a:lvl6pPr>
             <a:lvl7pPr>
-              <a:defRPr sz="2000"/>
+              <a:defRPr sz="1200"/>
             </a:lvl7pPr>
             <a:lvl8pPr>
-              <a:defRPr sz="2000"/>
+              <a:defRPr sz="1200"/>
             </a:lvl8pPr>
             <a:lvl9pPr>
-              <a:defRPr sz="2000"/>
+              <a:defRPr sz="1200"/>
             </a:lvl9pPr>
           </a:lstStyle>
           <a:p>
             <a:pPr lvl="0"/>
             <a:r>
-              <a:rPr lang="en-US" smtClean="0"/>
-              <a:t>Click to edit Master text styles</a:t>
+              <a:rPr lang="en-US"/>
+              <a:t>Edit Master text styles</a:t>
             </a:r>
           </a:p>
           <a:p>
             <a:pPr lvl="1"/>
             <a:r>
-              <a:rPr lang="en-US" smtClean="0"/>
+              <a:rPr lang="en-US"/>
               <a:t>Second level</a:t>
             </a:r>
           </a:p>
           <a:p>
             <a:pPr lvl="2"/>
             <a:r>
-              <a:rPr lang="en-US" smtClean="0"/>
+              <a:rPr lang="en-US"/>
               <a:t>Third level</a:t>
             </a:r>
           </a:p>
           <a:p>
             <a:pPr lvl="3"/>
             <a:r>
-              <a:rPr lang="en-US" smtClean="0"/>
+              <a:rPr lang="en-US"/>
               <a:t>Fourth level</a:t>
             </a:r>
           </a:p>
           <a:p>
             <a:pPr lvl="4"/>
             <a:r>
-              <a:rPr lang="en-US" smtClean="0"/>
+              <a:rPr lang="en-US"/>
               <a:t>Fifth level</a:t>
             </a:r>
-            <a:endParaRPr lang="en-US"/>
+            <a:endParaRPr lang="en-US" dirty="0"/>
           </a:p>
         </p:txBody>
       </p:sp>
@@ -2184,77 +3468,101 @@
         </p:nvSpPr>
         <p:spPr>
           <a:xfrm>
-            <a:off x="457200" y="1435100"/>
-            <a:ext cx="3008313" cy="4691063"/>
+            <a:off x="542925" y="2856344"/>
+            <a:ext cx="2891790" cy="3011056"/>
           </a:xfrm>
         </p:spPr>
         <p:txBody>
+          <a:bodyPr>
+            <a:normAutofit/>
+          </a:bodyPr>
+          <a:lstStyle>
+            <a:lvl1pPr marL="0" indent="0">
+              <a:lnSpc>
+                <a:spcPct val="113000"/>
+              </a:lnSpc>
+              <a:spcBef>
+                <a:spcPts val="0"/>
+              </a:spcBef>
+              <a:spcAft>
+                <a:spcPts val="1500"/>
+              </a:spcAft>
+              <a:buNone/>
+              <a:defRPr sz="1600"/>
+            </a:lvl1pPr>
+            <a:lvl2pPr marL="342900" indent="0">
+              <a:buNone/>
+              <a:defRPr sz="1050"/>
+            </a:lvl2pPr>
+            <a:lvl3pPr marL="685800" indent="0">
+              <a:buNone/>
+              <a:defRPr sz="900"/>
+            </a:lvl3pPr>
+            <a:lvl4pPr marL="1028700" indent="0">
+              <a:buNone/>
+              <a:defRPr sz="750"/>
+            </a:lvl4pPr>
+            <a:lvl5pPr marL="1371600" indent="0">
+              <a:buNone/>
+              <a:defRPr sz="750"/>
+            </a:lvl5pPr>
+            <a:lvl6pPr marL="1714500" indent="0">
+              <a:buNone/>
+              <a:defRPr sz="750"/>
+            </a:lvl6pPr>
+            <a:lvl7pPr marL="2057400" indent="0">
+              <a:buNone/>
+              <a:defRPr sz="750"/>
+            </a:lvl7pPr>
+            <a:lvl8pPr marL="2400300" indent="0">
+              <a:buNone/>
+              <a:defRPr sz="750"/>
+            </a:lvl8pPr>
+            <a:lvl9pPr marL="2743200" indent="0">
+              <a:buNone/>
+              <a:defRPr sz="750"/>
+            </a:lvl9pPr>
+          </a:lstStyle>
+          <a:p>
+            <a:pPr lvl="0"/>
+            <a:r>
+              <a:rPr lang="en-US"/>
+              <a:t>Edit Master text styles</a:t>
+            </a:r>
+          </a:p>
+        </p:txBody>
+      </p:sp>
+      <p:sp>
+        <p:nvSpPr>
+          <p:cNvPr id="5" name="Date Placeholder 4"/>
+          <p:cNvSpPr>
+            <a:spLocks noGrp="1"/>
+          </p:cNvSpPr>
+          <p:nvPr>
+            <p:ph type="dt" sz="half" idx="10"/>
+          </p:nvPr>
+        </p:nvSpPr>
+        <p:spPr>
+          <a:xfrm>
+            <a:off x="542925" y="6453386"/>
+            <a:ext cx="903429" cy="404614"/>
+          </a:xfrm>
+        </p:spPr>
+        <p:txBody>
           <a:bodyPr/>
           <a:lstStyle>
-            <a:lvl1pPr marL="0" indent="0">
-              <a:buNone/>
-              <a:defRPr sz="1400"/>
+            <a:lvl1pPr>
+              <a:defRPr>
+                <a:solidFill>
+                  <a:schemeClr val="tx2"/>
+                </a:solidFill>
+              </a:defRPr>
             </a:lvl1pPr>
-            <a:lvl2pPr marL="457200" indent="0">
-              <a:buNone/>
-              <a:defRPr sz="1200"/>
-            </a:lvl2pPr>
-            <a:lvl3pPr marL="914400" indent="0">
-              <a:buNone/>
-              <a:defRPr sz="1000"/>
-            </a:lvl3pPr>
-            <a:lvl4pPr marL="1371600" indent="0">
-              <a:buNone/>
-              <a:defRPr sz="900"/>
-            </a:lvl4pPr>
-            <a:lvl5pPr marL="1828800" indent="0">
-              <a:buNone/>
-              <a:defRPr sz="900"/>
-            </a:lvl5pPr>
-            <a:lvl6pPr marL="2286000" indent="0">
-              <a:buNone/>
-              <a:defRPr sz="900"/>
-            </a:lvl6pPr>
-            <a:lvl7pPr marL="2743200" indent="0">
-              <a:buNone/>
-              <a:defRPr sz="900"/>
-            </a:lvl7pPr>
-            <a:lvl8pPr marL="3200400" indent="0">
-              <a:buNone/>
-              <a:defRPr sz="900"/>
-            </a:lvl8pPr>
-            <a:lvl9pPr marL="3657600" indent="0">
-              <a:buNone/>
-              <a:defRPr sz="900"/>
-            </a:lvl9pPr>
           </a:lstStyle>
-          <a:p>
-            <a:pPr lvl="0"/>
-            <a:r>
-              <a:rPr lang="en-US" smtClean="0"/>
-              <a:t>Click to edit Master text styles</a:t>
-            </a:r>
-          </a:p>
-        </p:txBody>
-      </p:sp>
-      <p:sp>
-        <p:nvSpPr>
-          <p:cNvPr id="5" name="Date Placeholder 4"/>
-          <p:cNvSpPr>
-            <a:spLocks noGrp="1"/>
-          </p:cNvSpPr>
-          <p:nvPr>
-            <p:ph type="dt" sz="half" idx="10"/>
-          </p:nvPr>
-        </p:nvSpPr>
-        <p:spPr/>
-        <p:txBody>
-          <a:bodyPr/>
-          <a:lstStyle/>
           <a:p>
             <a:fld id="{AC25CB34-BB08-4399-A2CA-3CAF79EA992F}" type="datetimeFigureOut">
               <a:rPr lang="en-US" smtClean="0"/>
-              <a:t>4/4/2017</a:t>
+              <a:t>4/18/2017</a:t>
             </a:fld>
             <a:endParaRPr lang="en-US"/>
           </a:p>
@@ -2270,10 +3578,23 @@
             <p:ph type="ftr" sz="quarter" idx="11"/>
           </p:nvPr>
         </p:nvSpPr>
-        <p:spPr/>
+        <p:spPr>
+          <a:xfrm>
+            <a:off x="1654459" y="6453386"/>
+            <a:ext cx="1780256" cy="404614"/>
+          </a:xfrm>
+        </p:spPr>
         <p:txBody>
           <a:bodyPr/>
-          <a:lstStyle/>
+          <a:lstStyle>
+            <a:lvl1pPr>
+              <a:defRPr>
+                <a:solidFill>
+                  <a:schemeClr val="tx2"/>
+                </a:solidFill>
+              </a:defRPr>
+            </a:lvl1pPr>
+          </a:lstStyle>
           <a:p>
             <a:endParaRPr lang="en-US"/>
           </a:p>
@@ -2289,10 +3610,23 @@
             <p:ph type="sldNum" sz="quarter" idx="12"/>
           </p:nvPr>
         </p:nvSpPr>
-        <p:spPr/>
+        <p:spPr>
+          <a:xfrm>
+            <a:off x="7412355" y="6453386"/>
+            <a:ext cx="1197219" cy="404614"/>
+          </a:xfrm>
+        </p:spPr>
         <p:txBody>
           <a:bodyPr/>
-          <a:lstStyle/>
+          <a:lstStyle>
+            <a:lvl1pPr>
+              <a:defRPr>
+                <a:solidFill>
+                  <a:schemeClr val="tx2"/>
+                </a:solidFill>
+              </a:defRPr>
+            </a:lvl1pPr>
+          </a:lstStyle>
           <a:p>
             <a:fld id="{B5E014E3-A4EE-484A-A75D-BE16B10F8A2C}" type="slidenum">
               <a:rPr lang="en-US" smtClean="0"/>
@@ -2302,10 +3636,86 @@
           </a:p>
         </p:txBody>
       </p:sp>
+      <p:sp>
+        <p:nvSpPr>
+          <p:cNvPr id="9" name="Rectangle 8"/>
+          <p:cNvSpPr/>
+          <p:nvPr/>
+        </p:nvSpPr>
+        <p:spPr>
+          <a:xfrm>
+            <a:off x="3977640" y="376"/>
+            <a:ext cx="171450" cy="6858000"/>
+          </a:xfrm>
+          <a:prstGeom prst="rect">
+            <a:avLst/>
+          </a:prstGeom>
+          <a:solidFill>
+            <a:schemeClr val="tx2"/>
+          </a:solidFill>
+          <a:ln>
+            <a:noFill/>
+          </a:ln>
+        </p:spPr>
+        <p:style>
+          <a:lnRef idx="2">
+            <a:schemeClr val="accent1">
+              <a:shade val="50000"/>
+            </a:schemeClr>
+          </a:lnRef>
+          <a:fillRef idx="1">
+            <a:schemeClr val="accent1"/>
+          </a:fillRef>
+          <a:effectRef idx="0">
+            <a:schemeClr val="accent1"/>
+          </a:effectRef>
+          <a:fontRef idx="minor">
+            <a:schemeClr val="lt1"/>
+          </a:fontRef>
+        </p:style>
+      </p:sp>
+      <p:sp>
+        <p:nvSpPr>
+          <p:cNvPr id="11" name="Rectangle 10" title="Divider Bar"/>
+          <p:cNvSpPr/>
+          <p:nvPr/>
+        </p:nvSpPr>
+        <p:spPr>
+          <a:xfrm>
+            <a:off x="3977640" y="376"/>
+            <a:ext cx="171450" cy="6858000"/>
+          </a:xfrm>
+          <a:prstGeom prst="rect">
+            <a:avLst/>
+          </a:prstGeom>
+          <a:solidFill>
+            <a:schemeClr val="tx2"/>
+          </a:solidFill>
+          <a:ln>
+            <a:noFill/>
+          </a:ln>
+        </p:spPr>
+        <p:style>
+          <a:lnRef idx="2">
+            <a:schemeClr val="accent1">
+              <a:shade val="50000"/>
+            </a:schemeClr>
+          </a:lnRef>
+          <a:fillRef idx="1">
+            <a:schemeClr val="accent1"/>
+          </a:fillRef>
+          <a:effectRef idx="0">
+            <a:schemeClr val="accent1"/>
+          </a:effectRef>
+          <a:fontRef idx="minor">
+            <a:schemeClr val="lt1"/>
+          </a:fontRef>
+        </p:style>
+      </p:sp>
     </p:spTree>
     <p:extLst>
       <p:ext uri="{BB962C8B-B14F-4D97-AF65-F5344CB8AC3E}">
-        <p14:creationId xmlns:p14="http://schemas.microsoft.com/office/powerpoint/2010/main" val="3035917160"/>
+        <p14:creationId xmlns:p14="http://schemas.microsoft.com/office/powerpoint/2010/main" val="4237746734"/>
       </p:ext>
     </p:extLst>
   </p:cSld>
@@ -2316,7 +3726,7 @@
 </file>
 
 <file path=ppt/slideLayouts/slideLayout9.xml><?xml version="1.0" encoding="utf-8"?>
-<p:sldLayout xmlns:a="http://schemas.openxmlformats.org/drawingml/2006/main" xmlns:r="http://schemas.openxmlformats.org/officeDocument/2006/relationships" xmlns:p="http://schemas.openxmlformats.org/presentationml/2006/main" type="picTx" preserve="1">
+<p:sldLayout xmlns:a="http://schemas.openxmlformats.org/drawingml/2006/main" xmlns:r="http://schemas.openxmlformats.org/officeDocument/2006/relationships" xmlns:p="http://schemas.openxmlformats.org/presentationml/2006/main" showMasterSp="0" type="picTx" preserve="1">
   <p:cSld name="Picture with Caption">
     <p:spTree>
       <p:nvGrpSpPr>
@@ -2334,33 +3744,76 @@
       </p:grpSpPr>
       <p:sp>
         <p:nvSpPr>
-          <p:cNvPr id="2" name="Title 1"/>
-          <p:cNvSpPr>
-            <a:spLocks noGrp="1"/>
-          </p:cNvSpPr>
-          <p:nvPr>
-            <p:ph type="title"/>
-          </p:nvPr>
+          <p:cNvPr id="8" name="Rectangle 7" title="Background Shape"/>
+          <p:cNvSpPr/>
+          <p:nvPr/>
         </p:nvSpPr>
         <p:spPr>
           <a:xfrm>
-            <a:off x="1792288" y="4800600"/>
-            <a:ext cx="5486400" cy="566738"/>
+            <a:off x="0" y="376"/>
+            <a:ext cx="3977640" cy="6857624"/>
+          </a:xfrm>
+          <a:prstGeom prst="rect">
+            <a:avLst/>
+          </a:prstGeom>
+          <a:solidFill>
+            <a:schemeClr val="accent1"/>
+          </a:solidFill>
+          <a:ln>
+            <a:noFill/>
+          </a:ln>
+        </p:spPr>
+        <p:style>
+          <a:lnRef idx="2">
+            <a:schemeClr val="accent1">
+              <a:shade val="50000"/>
+            </a:schemeClr>
+          </a:lnRef>
+          <a:fillRef idx="1">
+            <a:schemeClr val="accent1"/>
+          </a:fillRef>
+          <a:effectRef idx="0">
+            <a:schemeClr val="accent1"/>
+          </a:effectRef>
+          <a:fontRef idx="minor">
+            <a:schemeClr val="lt1"/>
+          </a:fontRef>
+        </p:style>
+      </p:sp>
+      <p:sp>
+        <p:nvSpPr>
+          <p:cNvPr id="2" name="Title 1"/>
+          <p:cNvSpPr>
+            <a:spLocks noGrp="1"/>
+          </p:cNvSpPr>
+          <p:nvPr>
+            <p:ph type="title"/>
+          </p:nvPr>
+        </p:nvSpPr>
+        <p:spPr>
+          <a:xfrm>
+            <a:off x="542925" y="685800"/>
+            <a:ext cx="2891790" cy="2157884"/>
           </a:xfrm>
         </p:spPr>
         <p:txBody>
-          <a:bodyPr anchor="b"/>
+          <a:bodyPr anchor="t">
+            <a:normAutofit/>
+          </a:bodyPr>
           <a:lstStyle>
-            <a:lvl1pPr algn="l">
-              <a:defRPr sz="2000" b="1"/>
+            <a:lvl1pPr>
+              <a:lnSpc>
+                <a:spcPct val="84000"/>
+              </a:lnSpc>
+              <a:defRPr sz="4400" baseline="0"/>
             </a:lvl1pPr>
           </a:lstStyle>
           <a:p>
             <a:r>
-              <a:rPr lang="en-US" smtClean="0"/>
+              <a:rPr lang="en-US"/>
               <a:t>Click to edit Master title style</a:t>
             </a:r>
-            <a:endParaRPr lang="en-US"/>
+            <a:endParaRPr lang="en-US" dirty="0"/>
           </a:p>
         </p:txBody>
       </p:sp>
@@ -2368,7 +3821,7 @@
         <p:nvSpPr>
           <p:cNvPr id="3" name="Picture Placeholder 2"/>
           <p:cNvSpPr>
-            <a:spLocks noGrp="1"/>
+            <a:spLocks noGrp="1" noChangeAspect="1"/>
           </p:cNvSpPr>
           <p:nvPr>
             <p:ph type="pic" idx="1"/>
@@ -2376,176 +3829,232 @@
         </p:nvSpPr>
         <p:spPr>
           <a:xfrm>
-            <a:off x="1792288" y="612775"/>
-            <a:ext cx="5486400" cy="4114800"/>
+            <a:off x="4149090" y="1"/>
+            <a:ext cx="4994910" cy="6857999"/>
           </a:xfrm>
         </p:spPr>
         <p:txBody>
+          <a:bodyPr anchor="t">
+            <a:normAutofit/>
+          </a:bodyPr>
+          <a:lstStyle>
+            <a:lvl1pPr marL="0" indent="0">
+              <a:buNone/>
+              <a:defRPr sz="1500"/>
+            </a:lvl1pPr>
+            <a:lvl2pPr marL="342900" indent="0">
+              <a:buNone/>
+              <a:defRPr sz="1500"/>
+            </a:lvl2pPr>
+            <a:lvl3pPr marL="685800" indent="0">
+              <a:buNone/>
+              <a:defRPr sz="1500"/>
+            </a:lvl3pPr>
+            <a:lvl4pPr marL="1028700" indent="0">
+              <a:buNone/>
+              <a:defRPr sz="1500"/>
+            </a:lvl4pPr>
+            <a:lvl5pPr marL="1371600" indent="0">
+              <a:buNone/>
+              <a:defRPr sz="1500"/>
+            </a:lvl5pPr>
+            <a:lvl6pPr marL="1714500" indent="0">
+              <a:buNone/>
+              <a:defRPr sz="1500"/>
+            </a:lvl6pPr>
+            <a:lvl7pPr marL="2057400" indent="0">
+              <a:buNone/>
+              <a:defRPr sz="1500"/>
+            </a:lvl7pPr>
+            <a:lvl8pPr marL="2400300" indent="0">
+              <a:buNone/>
+              <a:defRPr sz="1500"/>
+            </a:lvl8pPr>
+            <a:lvl9pPr marL="2743200" indent="0">
+              <a:buNone/>
+              <a:defRPr sz="1500"/>
+            </a:lvl9pPr>
+          </a:lstStyle>
+          <a:p>
+            <a:r>
+              <a:rPr lang="en-US"/>
+              <a:t>Click icon to add picture</a:t>
+            </a:r>
+            <a:endParaRPr lang="en-US" dirty="0"/>
+          </a:p>
+        </p:txBody>
+      </p:sp>
+      <p:sp>
+        <p:nvSpPr>
+          <p:cNvPr id="4" name="Text Placeholder 3"/>
+          <p:cNvSpPr>
+            <a:spLocks noGrp="1"/>
+          </p:cNvSpPr>
+          <p:nvPr>
+            <p:ph type="body" sz="half" idx="2"/>
+          </p:nvPr>
+        </p:nvSpPr>
+        <p:spPr>
+          <a:xfrm>
+            <a:off x="542925" y="2855968"/>
+            <a:ext cx="2891790" cy="3011432"/>
+          </a:xfrm>
+        </p:spPr>
+        <p:txBody>
+          <a:bodyPr>
+            <a:normAutofit/>
+          </a:bodyPr>
+          <a:lstStyle>
+            <a:lvl1pPr marL="0" indent="0">
+              <a:lnSpc>
+                <a:spcPct val="113000"/>
+              </a:lnSpc>
+              <a:spcBef>
+                <a:spcPts val="0"/>
+              </a:spcBef>
+              <a:spcAft>
+                <a:spcPts val="1500"/>
+              </a:spcAft>
+              <a:buNone/>
+              <a:defRPr sz="1600"/>
+            </a:lvl1pPr>
+            <a:lvl2pPr marL="342900" indent="0">
+              <a:buNone/>
+              <a:defRPr sz="1050"/>
+            </a:lvl2pPr>
+            <a:lvl3pPr marL="685800" indent="0">
+              <a:buNone/>
+              <a:defRPr sz="900"/>
+            </a:lvl3pPr>
+            <a:lvl4pPr marL="1028700" indent="0">
+              <a:buNone/>
+              <a:defRPr sz="750"/>
+            </a:lvl4pPr>
+            <a:lvl5pPr marL="1371600" indent="0">
+              <a:buNone/>
+              <a:defRPr sz="750"/>
+            </a:lvl5pPr>
+            <a:lvl6pPr marL="1714500" indent="0">
+              <a:buNone/>
+              <a:defRPr sz="750"/>
+            </a:lvl6pPr>
+            <a:lvl7pPr marL="2057400" indent="0">
+              <a:buNone/>
+              <a:defRPr sz="750"/>
+            </a:lvl7pPr>
+            <a:lvl8pPr marL="2400300" indent="0">
+              <a:buNone/>
+              <a:defRPr sz="750"/>
+            </a:lvl8pPr>
+            <a:lvl9pPr marL="2743200" indent="0">
+              <a:buNone/>
+              <a:defRPr sz="750"/>
+            </a:lvl9pPr>
+          </a:lstStyle>
+          <a:p>
+            <a:pPr lvl="0"/>
+            <a:r>
+              <a:rPr lang="en-US"/>
+              <a:t>Edit Master text styles</a:t>
+            </a:r>
+          </a:p>
+        </p:txBody>
+      </p:sp>
+      <p:sp>
+        <p:nvSpPr>
+          <p:cNvPr id="5" name="Date Placeholder 4"/>
+          <p:cNvSpPr>
+            <a:spLocks noGrp="1"/>
+          </p:cNvSpPr>
+          <p:nvPr>
+            <p:ph type="dt" sz="half" idx="10"/>
+          </p:nvPr>
+        </p:nvSpPr>
+        <p:spPr>
+          <a:xfrm>
+            <a:off x="542925" y="6453386"/>
+            <a:ext cx="903429" cy="404614"/>
+          </a:xfrm>
+        </p:spPr>
+        <p:txBody>
           <a:bodyPr/>
           <a:lstStyle>
-            <a:lvl1pPr marL="0" indent="0">
-              <a:buNone/>
-              <a:defRPr sz="3200"/>
+            <a:lvl1pPr>
+              <a:defRPr>
+                <a:solidFill>
+                  <a:schemeClr val="tx2"/>
+                </a:solidFill>
+              </a:defRPr>
             </a:lvl1pPr>
-            <a:lvl2pPr marL="457200" indent="0">
-              <a:buNone/>
-              <a:defRPr sz="2800"/>
-            </a:lvl2pPr>
-            <a:lvl3pPr marL="914400" indent="0">
-              <a:buNone/>
-              <a:defRPr sz="2400"/>
-            </a:lvl3pPr>
-            <a:lvl4pPr marL="1371600" indent="0">
-              <a:buNone/>
-              <a:defRPr sz="2000"/>
-            </a:lvl4pPr>
-            <a:lvl5pPr marL="1828800" indent="0">
-              <a:buNone/>
-              <a:defRPr sz="2000"/>
-            </a:lvl5pPr>
-            <a:lvl6pPr marL="2286000" indent="0">
-              <a:buNone/>
-              <a:defRPr sz="2000"/>
-            </a:lvl6pPr>
-            <a:lvl7pPr marL="2743200" indent="0">
-              <a:buNone/>
-              <a:defRPr sz="2000"/>
-            </a:lvl7pPr>
-            <a:lvl8pPr marL="3200400" indent="0">
-              <a:buNone/>
-              <a:defRPr sz="2000"/>
-            </a:lvl8pPr>
-            <a:lvl9pPr marL="3657600" indent="0">
-              <a:buNone/>
-              <a:defRPr sz="2000"/>
-            </a:lvl9pPr>
           </a:lstStyle>
           <a:p>
+            <a:fld id="{AC25CB34-BB08-4399-A2CA-3CAF79EA992F}" type="datetimeFigureOut">
+              <a:rPr lang="en-US" smtClean="0"/>
+              <a:t>4/18/2017</a:t>
+            </a:fld>
             <a:endParaRPr lang="en-US"/>
           </a:p>
         </p:txBody>
       </p:sp>
       <p:sp>
         <p:nvSpPr>
-          <p:cNvPr id="4" name="Text Placeholder 3"/>
-          <p:cNvSpPr>
-            <a:spLocks noGrp="1"/>
-          </p:cNvSpPr>
-          <p:nvPr>
-            <p:ph type="body" sz="half" idx="2"/>
+          <p:cNvPr id="6" name="Footer Placeholder 5"/>
+          <p:cNvSpPr>
+            <a:spLocks noGrp="1"/>
+          </p:cNvSpPr>
+          <p:nvPr>
+            <p:ph type="ftr" sz="quarter" idx="11"/>
           </p:nvPr>
         </p:nvSpPr>
         <p:spPr>
           <a:xfrm>
-            <a:off x="1792288" y="5367338"/>
-            <a:ext cx="5486400" cy="804862"/>
+            <a:off x="1654459" y="6453386"/>
+            <a:ext cx="1780256" cy="404614"/>
           </a:xfrm>
         </p:spPr>
         <p:txBody>
           <a:bodyPr/>
           <a:lstStyle>
-            <a:lvl1pPr marL="0" indent="0">
-              <a:buNone/>
-              <a:defRPr sz="1400"/>
+            <a:lvl1pPr>
+              <a:defRPr>
+                <a:solidFill>
+                  <a:schemeClr val="tx2"/>
+                </a:solidFill>
+              </a:defRPr>
             </a:lvl1pPr>
-            <a:lvl2pPr marL="457200" indent="0">
-              <a:buNone/>
-              <a:defRPr sz="1200"/>
-            </a:lvl2pPr>
-            <a:lvl3pPr marL="914400" indent="0">
-              <a:buNone/>
-              <a:defRPr sz="1000"/>
-            </a:lvl3pPr>
-            <a:lvl4pPr marL="1371600" indent="0">
-              <a:buNone/>
-              <a:defRPr sz="900"/>
-            </a:lvl4pPr>
-            <a:lvl5pPr marL="1828800" indent="0">
-              <a:buNone/>
-              <a:defRPr sz="900"/>
-            </a:lvl5pPr>
-            <a:lvl6pPr marL="2286000" indent="0">
-              <a:buNone/>
-              <a:defRPr sz="900"/>
-            </a:lvl6pPr>
-            <a:lvl7pPr marL="2743200" indent="0">
-              <a:buNone/>
-              <a:defRPr sz="900"/>
-            </a:lvl7pPr>
-            <a:lvl8pPr marL="3200400" indent="0">
-              <a:buNone/>
-              <a:defRPr sz="900"/>
-            </a:lvl8pPr>
-            <a:lvl9pPr marL="3657600" indent="0">
-              <a:buNone/>
-              <a:defRPr sz="900"/>
-            </a:lvl9pPr>
           </a:lstStyle>
           <a:p>
-            <a:pPr lvl="0"/>
-            <a:r>
-              <a:rPr lang="en-US" smtClean="0"/>
-              <a:t>Click to edit Master text styles</a:t>
-            </a:r>
-          </a:p>
-        </p:txBody>
-      </p:sp>
-      <p:sp>
-        <p:nvSpPr>
-          <p:cNvPr id="5" name="Date Placeholder 4"/>
-          <p:cNvSpPr>
-            <a:spLocks noGrp="1"/>
-          </p:cNvSpPr>
-          <p:nvPr>
-            <p:ph type="dt" sz="half" idx="10"/>
-          </p:nvPr>
-        </p:nvSpPr>
-        <p:spPr/>
+            <a:endParaRPr lang="en-US"/>
+          </a:p>
+        </p:txBody>
+      </p:sp>
+      <p:sp>
+        <p:nvSpPr>
+          <p:cNvPr id="7" name="Slide Number Placeholder 6"/>
+          <p:cNvSpPr>
+            <a:spLocks noGrp="1"/>
+          </p:cNvSpPr>
+          <p:nvPr>
+            <p:ph type="sldNum" sz="quarter" idx="12"/>
+          </p:nvPr>
+        </p:nvSpPr>
+        <p:spPr>
+          <a:xfrm>
+            <a:off x="7412355" y="6453386"/>
+            <a:ext cx="1197219" cy="404614"/>
+          </a:xfrm>
+        </p:spPr>
         <p:txBody>
           <a:bodyPr/>
-          <a:lstStyle/>
-          <a:p>
-            <a:fld id="{AC25CB34-BB08-4399-A2CA-3CAF79EA992F}" type="datetimeFigureOut">
-              <a:rPr lang="en-US" smtClean="0"/>
-              <a:t>4/4/2017</a:t>
-            </a:fld>
-            <a:endParaRPr lang="en-US"/>
-          </a:p>
-        </p:txBody>
-      </p:sp>
-      <p:sp>
-        <p:nvSpPr>
-          <p:cNvPr id="6" name="Footer Placeholder 5"/>
-          <p:cNvSpPr>
-            <a:spLocks noGrp="1"/>
-          </p:cNvSpPr>
-          <p:nvPr>
-            <p:ph type="ftr" sz="quarter" idx="11"/>
-          </p:nvPr>
-        </p:nvSpPr>
-        <p:spPr/>
-        <p:txBody>
-          <a:bodyPr/>
-          <a:lstStyle/>
-          <a:p>
-            <a:endParaRPr lang="en-US"/>
-          </a:p>
-        </p:txBody>
-      </p:sp>
-      <p:sp>
-        <p:nvSpPr>
-          <p:cNvPr id="7" name="Slide Number Placeholder 6"/>
-          <p:cNvSpPr>
-            <a:spLocks noGrp="1"/>
-          </p:cNvSpPr>
-          <p:nvPr>
-            <p:ph type="sldNum" sz="quarter" idx="12"/>
-          </p:nvPr>
-        </p:nvSpPr>
-        <p:spPr/>
-        <p:txBody>
-          <a:bodyPr/>
-          <a:lstStyle/>
+          <a:lstStyle>
+            <a:lvl1pPr>
+              <a:defRPr>
+                <a:solidFill>
+                  <a:schemeClr val="tx2"/>
+                </a:solidFill>
+              </a:defRPr>
+            </a:lvl1pPr>
+          </a:lstStyle>
           <a:p>
             <a:fld id="{B5E014E3-A4EE-484A-A75D-BE16B10F8A2C}" type="slidenum">
               <a:rPr lang="en-US" smtClean="0"/>
@@ -2555,10 +4064,86 @@
           </a:p>
         </p:txBody>
       </p:sp>
+      <p:sp>
+        <p:nvSpPr>
+          <p:cNvPr id="9" name="Rectangle 8"/>
+          <p:cNvSpPr/>
+          <p:nvPr/>
+        </p:nvSpPr>
+        <p:spPr>
+          <a:xfrm>
+            <a:off x="3977640" y="376"/>
+            <a:ext cx="171450" cy="6858000"/>
+          </a:xfrm>
+          <a:prstGeom prst="rect">
+            <a:avLst/>
+          </a:prstGeom>
+          <a:solidFill>
+            <a:schemeClr val="tx2"/>
+          </a:solidFill>
+          <a:ln>
+            <a:noFill/>
+          </a:ln>
+        </p:spPr>
+        <p:style>
+          <a:lnRef idx="2">
+            <a:schemeClr val="accent1">
+              <a:shade val="50000"/>
+            </a:schemeClr>
+          </a:lnRef>
+          <a:fillRef idx="1">
+            <a:schemeClr val="accent1"/>
+          </a:fillRef>
+          <a:effectRef idx="0">
+            <a:schemeClr val="accent1"/>
+          </a:effectRef>
+          <a:fontRef idx="minor">
+            <a:schemeClr val="lt1"/>
+          </a:fontRef>
+        </p:style>
+      </p:sp>
+      <p:sp>
+        <p:nvSpPr>
+          <p:cNvPr id="11" name="Rectangle 10" title="Divider Bar"/>
+          <p:cNvSpPr/>
+          <p:nvPr/>
+        </p:nvSpPr>
+        <p:spPr>
+          <a:xfrm>
+            <a:off x="3977640" y="376"/>
+            <a:ext cx="171450" cy="6858000"/>
+          </a:xfrm>
+          <a:prstGeom prst="rect">
+            <a:avLst/>
+          </a:prstGeom>
+          <a:solidFill>
+            <a:schemeClr val="tx2"/>
+          </a:solidFill>
+          <a:ln>
+            <a:noFill/>
+          </a:ln>
+        </p:spPr>
+        <p:style>
+          <a:lnRef idx="2">
+            <a:schemeClr val="accent1">
+              <a:shade val="50000"/>
+            </a:schemeClr>
+          </a:lnRef>
+          <a:fillRef idx="1">
+            <a:schemeClr val="accent1"/>
+          </a:fillRef>
+          <a:effectRef idx="0">
+            <a:schemeClr val="accent1"/>
+          </a:effectRef>
+          <a:fontRef idx="minor">
+            <a:schemeClr val="lt1"/>
+          </a:fontRef>
+        </p:style>
+      </p:sp>
     </p:spTree>
     <p:extLst>
       <p:ext uri="{BB962C8B-B14F-4D97-AF65-F5344CB8AC3E}">
-        <p14:creationId xmlns:p14="http://schemas.microsoft.com/office/powerpoint/2010/main" val="3571787625"/>
+        <p14:creationId xmlns:p14="http://schemas.microsoft.com/office/powerpoint/2010/main" val="2155639816"/>
       </p:ext>
     </p:extLst>
   </p:cSld>
@@ -2572,9 +4157,12 @@
 <p:sldMaster xmlns:a="http://schemas.openxmlformats.org/drawingml/2006/main" xmlns:r="http://schemas.openxmlformats.org/officeDocument/2006/relationships" xmlns:p="http://schemas.openxmlformats.org/presentationml/2006/main">
   <p:cSld>
     <p:bg>
-      <p:bgRef idx="1001">
-        <a:schemeClr val="bg1"/>
-      </p:bgRef>
+      <p:bgPr>
+        <a:solidFill>
+          <a:schemeClr val="bg2"/>
+        </a:solidFill>
+        <a:effectLst/>
+      </p:bgPr>
     </p:bg>
     <p:spTree>
       <p:nvGrpSpPr>
@@ -2602,24 +4190,24 @@
         </p:nvSpPr>
         <p:spPr>
           <a:xfrm>
-            <a:off x="457200" y="274638"/>
-            <a:ext cx="8229600" cy="1143000"/>
+            <a:off x="1028700" y="685800"/>
+            <a:ext cx="7200900" cy="1485900"/>
           </a:xfrm>
           <a:prstGeom prst="rect">
             <a:avLst/>
           </a:prstGeom>
         </p:spPr>
         <p:txBody>
-          <a:bodyPr vert="horz" lIns="91440" tIns="45720" rIns="91440" bIns="45720" rtlCol="0" anchor="ctr">
+          <a:bodyPr vert="horz" lIns="91440" tIns="45720" rIns="91440" bIns="45720" rtlCol="0" anchor="t">
             <a:normAutofit/>
           </a:bodyPr>
           <a:lstStyle/>
           <a:p>
             <a:r>
-              <a:rPr lang="en-US" smtClean="0"/>
+              <a:rPr lang="en-US"/>
               <a:t>Click to edit Master title style</a:t>
             </a:r>
-            <a:endParaRPr lang="en-US"/>
+            <a:endParaRPr lang="en-US" dirty="0"/>
           </a:p>
         </p:txBody>
       </p:sp>
@@ -2635,8 +4223,8 @@
         </p:nvSpPr>
         <p:spPr>
           <a:xfrm>
-            <a:off x="457200" y="1600200"/>
-            <a:ext cx="8229600" cy="4525963"/>
+            <a:off x="1028700" y="2286000"/>
+            <a:ext cx="7200900" cy="3581400"/>
           </a:xfrm>
           <a:prstGeom prst="rect">
             <a:avLst/>
@@ -2650,38 +4238,38 @@
           <a:p>
             <a:pPr lvl="0"/>
             <a:r>
-              <a:rPr lang="en-US" smtClean="0"/>
-              <a:t>Click to edit Master text styles</a:t>
+              <a:rPr lang="en-US"/>
+              <a:t>Edit Master text styles</a:t>
             </a:r>
           </a:p>
           <a:p>
             <a:pPr lvl="1"/>
             <a:r>
-              <a:rPr lang="en-US" smtClean="0"/>
+              <a:rPr lang="en-US"/>
               <a:t>Second level</a:t>
             </a:r>
           </a:p>
           <a:p>
             <a:pPr lvl="2"/>
             <a:r>
-              <a:rPr lang="en-US" smtClean="0"/>
+              <a:rPr lang="en-US"/>
               <a:t>Third level</a:t>
             </a:r>
           </a:p>
           <a:p>
             <a:pPr lvl="3"/>
             <a:r>
-              <a:rPr lang="en-US" smtClean="0"/>
+              <a:rPr lang="en-US"/>
               <a:t>Fourth level</a:t>
             </a:r>
           </a:p>
           <a:p>
             <a:pPr lvl="4"/>
             <a:r>
-              <a:rPr lang="en-US" smtClean="0"/>
+              <a:rPr lang="en-US"/>
               <a:t>Fifth level</a:t>
             </a:r>
-            <a:endParaRPr lang="en-US"/>
+            <a:endParaRPr lang="en-US" dirty="0"/>
           </a:p>
         </p:txBody>
       </p:sp>
@@ -2697,8 +4285,8 @@
         </p:nvSpPr>
         <p:spPr>
           <a:xfrm>
-            <a:off x="457200" y="6356350"/>
-            <a:ext cx="2133600" cy="365125"/>
+            <a:off x="1042987" y="6453386"/>
+            <a:ext cx="903429" cy="404614"/>
           </a:xfrm>
           <a:prstGeom prst="rect">
             <a:avLst/>
@@ -2708,11 +4296,9 @@
           <a:bodyPr vert="horz" lIns="91440" tIns="45720" rIns="91440" bIns="45720" rtlCol="0" anchor="ctr"/>
           <a:lstStyle>
             <a:lvl1pPr algn="l">
-              <a:defRPr sz="1200">
+              <a:defRPr sz="1000" baseline="0">
                 <a:solidFill>
-                  <a:schemeClr val="tx1">
-                    <a:tint val="75000"/>
-                  </a:schemeClr>
+                  <a:schemeClr val="tx2"/>
                 </a:solidFill>
               </a:defRPr>
             </a:lvl1pPr>
@@ -2720,7 +4306,7 @@
           <a:p>
             <a:fld id="{AC25CB34-BB08-4399-A2CA-3CAF79EA992F}" type="datetimeFigureOut">
               <a:rPr lang="en-US" smtClean="0"/>
-              <a:t>4/4/2017</a:t>
+              <a:t>4/18/2017</a:t>
             </a:fld>
             <a:endParaRPr lang="en-US"/>
           </a:p>
@@ -2738,8 +4324,8 @@
         </p:nvSpPr>
         <p:spPr>
           <a:xfrm>
-            <a:off x="3124200" y="6356350"/>
-            <a:ext cx="2895600" cy="365125"/>
+            <a:off x="2170173" y="6453386"/>
+            <a:ext cx="4710623" cy="404614"/>
           </a:xfrm>
           <a:prstGeom prst="rect">
             <a:avLst/>
@@ -2748,12 +4334,10 @@
         <p:txBody>
           <a:bodyPr vert="horz" lIns="91440" tIns="45720" rIns="91440" bIns="45720" rtlCol="0" anchor="ctr"/>
           <a:lstStyle>
-            <a:lvl1pPr algn="ctr">
-              <a:defRPr sz="1200">
+            <a:lvl1pPr algn="l">
+              <a:defRPr sz="1000" baseline="0">
                 <a:solidFill>
-                  <a:schemeClr val="tx1">
-                    <a:tint val="75000"/>
-                  </a:schemeClr>
+                  <a:schemeClr val="tx2"/>
                 </a:solidFill>
               </a:defRPr>
             </a:lvl1pPr>
@@ -2775,8 +4359,8 @@
         </p:nvSpPr>
         <p:spPr>
           <a:xfrm>
-            <a:off x="6553200" y="6356350"/>
-            <a:ext cx="2133600" cy="365125"/>
+            <a:off x="7104552" y="6453386"/>
+            <a:ext cx="1197219" cy="404614"/>
           </a:xfrm>
           <a:prstGeom prst="rect">
             <a:avLst/>
@@ -2786,11 +4370,9 @@
           <a:bodyPr vert="horz" lIns="91440" tIns="45720" rIns="91440" bIns="45720" rtlCol="0" anchor="ctr"/>
           <a:lstStyle>
             <a:lvl1pPr algn="r">
-              <a:defRPr sz="1200">
+              <a:defRPr sz="1000" baseline="0">
                 <a:solidFill>
-                  <a:schemeClr val="tx1">
-                    <a:tint val="75000"/>
-                  </a:schemeClr>
+                  <a:schemeClr val="tx2"/>
                 </a:solidFill>
               </a:defRPr>
             </a:lvl1pPr>
@@ -2804,37 +4386,116 @@
           </a:p>
         </p:txBody>
       </p:sp>
+      <p:sp>
+        <p:nvSpPr>
+          <p:cNvPr id="9" name="Rectangle 8"/>
+          <p:cNvSpPr/>
+          <p:nvPr/>
+        </p:nvSpPr>
+        <p:spPr>
+          <a:xfrm>
+            <a:off x="358571" y="376"/>
+            <a:ext cx="171450" cy="6858000"/>
+          </a:xfrm>
+          <a:prstGeom prst="rect">
+            <a:avLst/>
+          </a:prstGeom>
+          <a:solidFill>
+            <a:schemeClr val="tx2"/>
+          </a:solidFill>
+          <a:ln>
+            <a:noFill/>
+          </a:ln>
+        </p:spPr>
+        <p:style>
+          <a:lnRef idx="2">
+            <a:schemeClr val="accent1">
+              <a:shade val="50000"/>
+            </a:schemeClr>
+          </a:lnRef>
+          <a:fillRef idx="1">
+            <a:schemeClr val="accent1"/>
+          </a:fillRef>
+          <a:effectRef idx="0">
+            <a:schemeClr val="accent1"/>
+          </a:effectRef>
+          <a:fontRef idx="minor">
+            <a:schemeClr val="lt1"/>
+          </a:fontRef>
+        </p:style>
+      </p:sp>
+      <p:sp>
+        <p:nvSpPr>
+          <p:cNvPr id="8" name="Rectangle 7" title="Side bar"/>
+          <p:cNvSpPr/>
+          <p:nvPr/>
+        </p:nvSpPr>
+        <p:spPr>
+          <a:xfrm>
+            <a:off x="358571" y="376"/>
+            <a:ext cx="171450" cy="6858000"/>
+          </a:xfrm>
+          <a:prstGeom prst="rect">
+            <a:avLst/>
+          </a:prstGeom>
+          <a:solidFill>
+            <a:schemeClr val="tx2"/>
+          </a:solidFill>
+          <a:ln>
+            <a:noFill/>
+          </a:ln>
+        </p:spPr>
+        <p:style>
+          <a:lnRef idx="2">
+            <a:schemeClr val="accent1">
+              <a:shade val="50000"/>
+            </a:schemeClr>
+          </a:lnRef>
+          <a:fillRef idx="1">
+            <a:schemeClr val="accent1"/>
+          </a:fillRef>
+          <a:effectRef idx="0">
+            <a:schemeClr val="accent1"/>
+          </a:effectRef>
+          <a:fontRef idx="minor">
+            <a:schemeClr val="lt1"/>
+          </a:fontRef>
+        </p:style>
+      </p:sp>
     </p:spTree>
     <p:extLst>
       <p:ext uri="{BB962C8B-B14F-4D97-AF65-F5344CB8AC3E}">
-        <p14:creationId xmlns:p14="http://schemas.microsoft.com/office/powerpoint/2010/main" val="4205997042"/>
+        <p14:creationId xmlns:p14="http://schemas.microsoft.com/office/powerpoint/2010/main" val="3698817210"/>
       </p:ext>
     </p:extLst>
   </p:cSld>
   <p:clrMap bg1="lt1" tx1="dk1" bg2="lt2" tx2="dk2" accent1="accent1" accent2="accent2" accent3="accent3" accent4="accent4" accent5="accent5" accent6="accent6" hlink="hlink" folHlink="folHlink"/>
   <p:sldLayoutIdLst>
-    <p:sldLayoutId id="2147483649" r:id="rId1"/>
-    <p:sldLayoutId id="2147483650" r:id="rId2"/>
-    <p:sldLayoutId id="2147483651" r:id="rId3"/>
-    <p:sldLayoutId id="2147483652" r:id="rId4"/>
-    <p:sldLayoutId id="2147483653" r:id="rId5"/>
-    <p:sldLayoutId id="2147483654" r:id="rId6"/>
-    <p:sldLayoutId id="2147483655" r:id="rId7"/>
-    <p:sldLayoutId id="2147483656" r:id="rId8"/>
-    <p:sldLayoutId id="2147483657" r:id="rId9"/>
-    <p:sldLayoutId id="2147483658" r:id="rId10"/>
-    <p:sldLayoutId id="2147483659" r:id="rId11"/>
+    <p:sldLayoutId id="2147483661" r:id="rId1"/>
+    <p:sldLayoutId id="2147483662" r:id="rId2"/>
+    <p:sldLayoutId id="2147483663" r:id="rId3"/>
+    <p:sldLayoutId id="2147483664" r:id="rId4"/>
+    <p:sldLayoutId id="2147483665" r:id="rId5"/>
+    <p:sldLayoutId id="2147483666" r:id="rId6"/>
+    <p:sldLayoutId id="2147483667" r:id="rId7"/>
+    <p:sldLayoutId id="2147483668" r:id="rId8"/>
+    <p:sldLayoutId id="2147483669" r:id="rId9"/>
+    <p:sldLayoutId id="2147483670" r:id="rId10"/>
+    <p:sldLayoutId id="2147483671" r:id="rId11"/>
   </p:sldLayoutIdLst>
   <p:txStyles>
     <p:titleStyle>
-      <a:lvl1pPr algn="ctr" defTabSz="914400" rtl="0" eaLnBrk="1" latinLnBrk="0" hangingPunct="1">
+      <a:lvl1pPr algn="l" defTabSz="685800" rtl="0" eaLnBrk="1" latinLnBrk="0" hangingPunct="1">
+        <a:lnSpc>
+          <a:spcPct val="89000"/>
+        </a:lnSpc>
         <a:spcBef>
           <a:spcPct val="0"/>
         </a:spcBef>
         <a:buNone/>
-        <a:defRPr sz="4400" kern="1200">
+        <a:defRPr sz="4400" kern="1200" baseline="0">
           <a:solidFill>
-            <a:schemeClr val="tx1"/>
+            <a:schemeClr val="tx2"/>
           </a:solidFill>
           <a:latin typeface="+mj-lt"/>
           <a:ea typeface="+mj-ea"/>
@@ -2843,135 +4504,189 @@
       </a:lvl1pPr>
     </p:titleStyle>
     <p:bodyStyle>
-      <a:lvl1pPr marL="342900" indent="-342900" algn="l" defTabSz="914400" rtl="0" eaLnBrk="1" latinLnBrk="0" hangingPunct="1">
+      <a:lvl1pPr marL="384048" indent="-384048" algn="l" defTabSz="685800" rtl="0" eaLnBrk="1" latinLnBrk="0" hangingPunct="1">
+        <a:lnSpc>
+          <a:spcPct val="94000"/>
+        </a:lnSpc>
         <a:spcBef>
-          <a:spcPct val="20000"/>
+          <a:spcPts val="1000"/>
         </a:spcBef>
-        <a:buFont typeface="Arial" panose="020B0604020202020204" pitchFamily="34" charset="0"/>
-        <a:buChar char="•"/>
-        <a:defRPr sz="3200" kern="1200">
+        <a:spcAft>
+          <a:spcPts val="200"/>
+        </a:spcAft>
+        <a:buFont typeface="Franklin Gothic Book" panose="020B0503020102020204" pitchFamily="34" charset="0"/>
+        <a:buChar char="■"/>
+        <a:defRPr sz="2000" kern="1200" baseline="0">
           <a:solidFill>
-            <a:schemeClr val="tx1"/>
+            <a:schemeClr val="tx2"/>
           </a:solidFill>
           <a:latin typeface="+mn-lt"/>
           <a:ea typeface="+mn-ea"/>
           <a:cs typeface="+mn-cs"/>
         </a:defRPr>
       </a:lvl1pPr>
-      <a:lvl2pPr marL="742950" indent="-285750" algn="l" defTabSz="914400" rtl="0" eaLnBrk="1" latinLnBrk="0" hangingPunct="1">
+      <a:lvl2pPr marL="914400" indent="-384048" algn="l" defTabSz="685800" rtl="0" eaLnBrk="1" latinLnBrk="0" hangingPunct="1">
+        <a:lnSpc>
+          <a:spcPct val="94000"/>
+        </a:lnSpc>
         <a:spcBef>
-          <a:spcPct val="20000"/>
+          <a:spcPts val="500"/>
         </a:spcBef>
-        <a:buFont typeface="Arial" panose="020B0604020202020204" pitchFamily="34" charset="0"/>
+        <a:spcAft>
+          <a:spcPts val="200"/>
+        </a:spcAft>
+        <a:buFont typeface="Franklin Gothic Book" panose="020B0503020102020204" pitchFamily="34" charset="0"/>
         <a:buChar char="–"/>
-        <a:defRPr sz="2800" kern="1200">
+        <a:defRPr sz="2000" i="1" kern="1200" baseline="0">
           <a:solidFill>
-            <a:schemeClr val="tx1"/>
+            <a:schemeClr val="tx2"/>
           </a:solidFill>
           <a:latin typeface="+mn-lt"/>
           <a:ea typeface="+mn-ea"/>
           <a:cs typeface="+mn-cs"/>
         </a:defRPr>
       </a:lvl2pPr>
-      <a:lvl3pPr marL="1143000" indent="-228600" algn="l" defTabSz="914400" rtl="0" eaLnBrk="1" latinLnBrk="0" hangingPunct="1">
+      <a:lvl3pPr marL="1371600" indent="-384048" algn="l" defTabSz="685800" rtl="0" eaLnBrk="1" latinLnBrk="0" hangingPunct="1">
+        <a:lnSpc>
+          <a:spcPct val="94000"/>
+        </a:lnSpc>
         <a:spcBef>
-          <a:spcPct val="20000"/>
+          <a:spcPts val="500"/>
         </a:spcBef>
-        <a:buFont typeface="Arial" panose="020B0604020202020204" pitchFamily="34" charset="0"/>
-        <a:buChar char="•"/>
-        <a:defRPr sz="2400" kern="1200">
+        <a:spcAft>
+          <a:spcPts val="200"/>
+        </a:spcAft>
+        <a:buFont typeface="Franklin Gothic Book" panose="020B0503020102020204" pitchFamily="34" charset="0"/>
+        <a:buChar char="■"/>
+        <a:defRPr sz="1800" kern="1200" baseline="0">
           <a:solidFill>
-            <a:schemeClr val="tx1"/>
+            <a:schemeClr val="tx2"/>
           </a:solidFill>
           <a:latin typeface="+mn-lt"/>
           <a:ea typeface="+mn-ea"/>
           <a:cs typeface="+mn-cs"/>
         </a:defRPr>
       </a:lvl3pPr>
-      <a:lvl4pPr marL="1600200" indent="-228600" algn="l" defTabSz="914400" rtl="0" eaLnBrk="1" latinLnBrk="0" hangingPunct="1">
+      <a:lvl4pPr marL="1828800" indent="-384048" algn="l" defTabSz="685800" rtl="0" eaLnBrk="1" latinLnBrk="0" hangingPunct="1">
+        <a:lnSpc>
+          <a:spcPct val="94000"/>
+        </a:lnSpc>
         <a:spcBef>
-          <a:spcPct val="20000"/>
+          <a:spcPts val="500"/>
         </a:spcBef>
-        <a:buFont typeface="Arial" panose="020B0604020202020204" pitchFamily="34" charset="0"/>
+        <a:spcAft>
+          <a:spcPts val="200"/>
+        </a:spcAft>
+        <a:buFont typeface="Franklin Gothic Book" panose="020B0503020102020204" pitchFamily="34" charset="0"/>
         <a:buChar char="–"/>
-        <a:defRPr sz="2000" kern="1200">
+        <a:defRPr sz="1800" i="1" kern="1200" baseline="0">
           <a:solidFill>
-            <a:schemeClr val="tx1"/>
+            <a:schemeClr val="tx2"/>
           </a:solidFill>
           <a:latin typeface="+mn-lt"/>
           <a:ea typeface="+mn-ea"/>
           <a:cs typeface="+mn-cs"/>
         </a:defRPr>
       </a:lvl4pPr>
-      <a:lvl5pPr marL="2057400" indent="-228600" algn="l" defTabSz="914400" rtl="0" eaLnBrk="1" latinLnBrk="0" hangingPunct="1">
+      <a:lvl5pPr marL="2286000" indent="-384048" algn="l" defTabSz="685800" rtl="0" eaLnBrk="1" latinLnBrk="0" hangingPunct="1">
+        <a:lnSpc>
+          <a:spcPct val="94000"/>
+        </a:lnSpc>
         <a:spcBef>
-          <a:spcPct val="20000"/>
+          <a:spcPts val="500"/>
         </a:spcBef>
-        <a:buFont typeface="Arial" panose="020B0604020202020204" pitchFamily="34" charset="0"/>
-        <a:buChar char="»"/>
-        <a:defRPr sz="2000" kern="1200">
+        <a:spcAft>
+          <a:spcPts val="200"/>
+        </a:spcAft>
+        <a:buFont typeface="Franklin Gothic Book" panose="020B0503020102020204" pitchFamily="34" charset="0"/>
+        <a:buChar char="■"/>
+        <a:defRPr sz="1600" kern="1200" baseline="0">
           <a:solidFill>
-            <a:schemeClr val="tx1"/>
+            <a:schemeClr val="tx2"/>
           </a:solidFill>
           <a:latin typeface="+mn-lt"/>
           <a:ea typeface="+mn-ea"/>
           <a:cs typeface="+mn-cs"/>
         </a:defRPr>
       </a:lvl5pPr>
-      <a:lvl6pPr marL="2514600" indent="-228600" algn="l" defTabSz="914400" rtl="0" eaLnBrk="1" latinLnBrk="0" hangingPunct="1">
+      <a:lvl6pPr marL="2743200" indent="-384048" algn="l" defTabSz="685800" rtl="0" eaLnBrk="1" latinLnBrk="0" hangingPunct="1">
+        <a:lnSpc>
+          <a:spcPct val="94000"/>
+        </a:lnSpc>
         <a:spcBef>
-          <a:spcPct val="20000"/>
+          <a:spcPts val="500"/>
         </a:spcBef>
-        <a:buFont typeface="Arial" panose="020B0604020202020204" pitchFamily="34" charset="0"/>
-        <a:buChar char="•"/>
-        <a:defRPr sz="2000" kern="1200">
+        <a:spcAft>
+          <a:spcPts val="200"/>
+        </a:spcAft>
+        <a:buFont typeface="Franklin Gothic Book" panose="020B0503020102020204" pitchFamily="34" charset="0"/>
+        <a:buChar char="–"/>
+        <a:defRPr sz="1600" i="1" kern="1200" baseline="0">
           <a:solidFill>
-            <a:schemeClr val="tx1"/>
+            <a:schemeClr val="tx2"/>
           </a:solidFill>
           <a:latin typeface="+mn-lt"/>
           <a:ea typeface="+mn-ea"/>
           <a:cs typeface="+mn-cs"/>
         </a:defRPr>
       </a:lvl6pPr>
-      <a:lvl7pPr marL="2971800" indent="-228600" algn="l" defTabSz="914400" rtl="0" eaLnBrk="1" latinLnBrk="0" hangingPunct="1">
+      <a:lvl7pPr marL="3200400" indent="-384048" algn="l" defTabSz="685800" rtl="0" eaLnBrk="1" latinLnBrk="0" hangingPunct="1">
+        <a:lnSpc>
+          <a:spcPct val="94000"/>
+        </a:lnSpc>
         <a:spcBef>
-          <a:spcPct val="20000"/>
+          <a:spcPts val="500"/>
         </a:spcBef>
-        <a:buFont typeface="Arial" panose="020B0604020202020204" pitchFamily="34" charset="0"/>
-        <a:buChar char="•"/>
-        <a:defRPr sz="2000" kern="1200">
+        <a:spcAft>
+          <a:spcPts val="200"/>
+        </a:spcAft>
+        <a:buFont typeface="Franklin Gothic Book" panose="020B0503020102020204" pitchFamily="34" charset="0"/>
+        <a:buChar char="■"/>
+        <a:defRPr sz="1400" kern="1200" baseline="0">
           <a:solidFill>
-            <a:schemeClr val="tx1"/>
+            <a:schemeClr val="tx2"/>
           </a:solidFill>
           <a:latin typeface="+mn-lt"/>
           <a:ea typeface="+mn-ea"/>
           <a:cs typeface="+mn-cs"/>
         </a:defRPr>
       </a:lvl7pPr>
-      <a:lvl8pPr marL="3429000" indent="-228600" algn="l" defTabSz="914400" rtl="0" eaLnBrk="1" latinLnBrk="0" hangingPunct="1">
+      <a:lvl8pPr marL="3657600" indent="-384048" algn="l" defTabSz="685800" rtl="0" eaLnBrk="1" latinLnBrk="0" hangingPunct="1">
+        <a:lnSpc>
+          <a:spcPct val="94000"/>
+        </a:lnSpc>
         <a:spcBef>
-          <a:spcPct val="20000"/>
+          <a:spcPts val="500"/>
         </a:spcBef>
-        <a:buFont typeface="Arial" panose="020B0604020202020204" pitchFamily="34" charset="0"/>
-        <a:buChar char="•"/>
-        <a:defRPr sz="2000" kern="1200">
+        <a:spcAft>
+          <a:spcPts val="200"/>
+        </a:spcAft>
+        <a:buFont typeface="Franklin Gothic Book" panose="020B0503020102020204" pitchFamily="34" charset="0"/>
+        <a:buChar char="–"/>
+        <a:defRPr sz="1400" i="1" kern="1200" baseline="0">
           <a:solidFill>
-            <a:schemeClr val="tx1"/>
+            <a:schemeClr val="tx2"/>
           </a:solidFill>
           <a:latin typeface="+mn-lt"/>
           <a:ea typeface="+mn-ea"/>
           <a:cs typeface="+mn-cs"/>
         </a:defRPr>
       </a:lvl8pPr>
-      <a:lvl9pPr marL="3886200" indent="-228600" algn="l" defTabSz="914400" rtl="0" eaLnBrk="1" latinLnBrk="0" hangingPunct="1">
+      <a:lvl9pPr marL="4114800" indent="-384048" algn="l" defTabSz="685800" rtl="0" eaLnBrk="1" latinLnBrk="0" hangingPunct="1">
+        <a:lnSpc>
+          <a:spcPct val="94000"/>
+        </a:lnSpc>
         <a:spcBef>
-          <a:spcPct val="20000"/>
+          <a:spcPts val="500"/>
         </a:spcBef>
-        <a:buFont typeface="Arial" panose="020B0604020202020204" pitchFamily="34" charset="0"/>
-        <a:buChar char="•"/>
-        <a:defRPr sz="2000" kern="1200">
+        <a:spcAft>
+          <a:spcPts val="200"/>
+        </a:spcAft>
+        <a:buFont typeface="Franklin Gothic Book" panose="020B0503020102020204" pitchFamily="34" charset="0"/>
+        <a:buChar char="■"/>
+        <a:defRPr sz="1400" kern="1200" baseline="0">
           <a:solidFill>
-            <a:schemeClr val="tx1"/>
+            <a:schemeClr val="tx2"/>
           </a:solidFill>
           <a:latin typeface="+mn-lt"/>
           <a:ea typeface="+mn-ea"/>
@@ -2983,8 +4698,8 @@
       <a:defPPr>
         <a:defRPr lang="en-US"/>
       </a:defPPr>
-      <a:lvl1pPr marL="0" algn="l" defTabSz="914400" rtl="0" eaLnBrk="1" latinLnBrk="0" hangingPunct="1">
-        <a:defRPr sz="1800" kern="1200">
+      <a:lvl1pPr marL="0" algn="l" defTabSz="685800" rtl="0" eaLnBrk="1" latinLnBrk="0" hangingPunct="1">
+        <a:defRPr sz="1350" kern="1200">
           <a:solidFill>
             <a:schemeClr val="tx1"/>
           </a:solidFill>
@@ -2993,8 +4708,8 @@
           <a:cs typeface="+mn-cs"/>
         </a:defRPr>
       </a:lvl1pPr>
-      <a:lvl2pPr marL="457200" algn="l" defTabSz="914400" rtl="0" eaLnBrk="1" latinLnBrk="0" hangingPunct="1">
-        <a:defRPr sz="1800" kern="1200">
+      <a:lvl2pPr marL="342900" algn="l" defTabSz="685800" rtl="0" eaLnBrk="1" latinLnBrk="0" hangingPunct="1">
+        <a:defRPr sz="1350" kern="1200">
           <a:solidFill>
             <a:schemeClr val="tx1"/>
           </a:solidFill>
@@ -3003,8 +4718,8 @@
           <a:cs typeface="+mn-cs"/>
         </a:defRPr>
       </a:lvl2pPr>
-      <a:lvl3pPr marL="914400" algn="l" defTabSz="914400" rtl="0" eaLnBrk="1" latinLnBrk="0" hangingPunct="1">
-        <a:defRPr sz="1800" kern="1200">
+      <a:lvl3pPr marL="685800" algn="l" defTabSz="685800" rtl="0" eaLnBrk="1" latinLnBrk="0" hangingPunct="1">
+        <a:defRPr sz="1350" kern="1200">
           <a:solidFill>
             <a:schemeClr val="tx1"/>
           </a:solidFill>
@@ -3013,8 +4728,8 @@
           <a:cs typeface="+mn-cs"/>
         </a:defRPr>
       </a:lvl3pPr>
-      <a:lvl4pPr marL="1371600" algn="l" defTabSz="914400" rtl="0" eaLnBrk="1" latinLnBrk="0" hangingPunct="1">
-        <a:defRPr sz="1800" kern="1200">
+      <a:lvl4pPr marL="1028700" algn="l" defTabSz="685800" rtl="0" eaLnBrk="1" latinLnBrk="0" hangingPunct="1">
+        <a:defRPr sz="1350" kern="1200">
           <a:solidFill>
             <a:schemeClr val="tx1"/>
           </a:solidFill>
@@ -3023,8 +4738,8 @@
           <a:cs typeface="+mn-cs"/>
         </a:defRPr>
       </a:lvl4pPr>
-      <a:lvl5pPr marL="1828800" algn="l" defTabSz="914400" rtl="0" eaLnBrk="1" latinLnBrk="0" hangingPunct="1">
-        <a:defRPr sz="1800" kern="1200">
+      <a:lvl5pPr marL="1371600" algn="l" defTabSz="685800" rtl="0" eaLnBrk="1" latinLnBrk="0" hangingPunct="1">
+        <a:defRPr sz="1350" kern="1200">
           <a:solidFill>
             <a:schemeClr val="tx1"/>
           </a:solidFill>
@@ -3033,8 +4748,8 @@
           <a:cs typeface="+mn-cs"/>
         </a:defRPr>
       </a:lvl5pPr>
-      <a:lvl6pPr marL="2286000" algn="l" defTabSz="914400" rtl="0" eaLnBrk="1" latinLnBrk="0" hangingPunct="1">
-        <a:defRPr sz="1800" kern="1200">
+      <a:lvl6pPr marL="1714500" algn="l" defTabSz="685800" rtl="0" eaLnBrk="1" latinLnBrk="0" hangingPunct="1">
+        <a:defRPr sz="1350" kern="1200">
           <a:solidFill>
             <a:schemeClr val="tx1"/>
           </a:solidFill>
@@ -3043,8 +4758,8 @@
           <a:cs typeface="+mn-cs"/>
         </a:defRPr>
       </a:lvl6pPr>
-      <a:lvl7pPr marL="2743200" algn="l" defTabSz="914400" rtl="0" eaLnBrk="1" latinLnBrk="0" hangingPunct="1">
-        <a:defRPr sz="1800" kern="1200">
+      <a:lvl7pPr marL="2057400" algn="l" defTabSz="685800" rtl="0" eaLnBrk="1" latinLnBrk="0" hangingPunct="1">
+        <a:defRPr sz="1350" kern="1200">
           <a:solidFill>
             <a:schemeClr val="tx1"/>
           </a:solidFill>
@@ -3053,8 +4768,8 @@
           <a:cs typeface="+mn-cs"/>
         </a:defRPr>
       </a:lvl7pPr>
-      <a:lvl8pPr marL="3200400" algn="l" defTabSz="914400" rtl="0" eaLnBrk="1" latinLnBrk="0" hangingPunct="1">
-        <a:defRPr sz="1800" kern="1200">
+      <a:lvl8pPr marL="2400300" algn="l" defTabSz="685800" rtl="0" eaLnBrk="1" latinLnBrk="0" hangingPunct="1">
+        <a:defRPr sz="1350" kern="1200">
           <a:solidFill>
             <a:schemeClr val="tx1"/>
           </a:solidFill>
@@ -3063,8 +4778,8 @@
           <a:cs typeface="+mn-cs"/>
         </a:defRPr>
       </a:lvl8pPr>
-      <a:lvl9pPr marL="3657600" algn="l" defTabSz="914400" rtl="0" eaLnBrk="1" latinLnBrk="0" hangingPunct="1">
-        <a:defRPr sz="1800" kern="1200">
+      <a:lvl9pPr marL="2743200" algn="l" defTabSz="685800" rtl="0" eaLnBrk="1" latinLnBrk="0" hangingPunct="1">
+        <a:defRPr sz="1350" kern="1200">
           <a:solidFill>
             <a:schemeClr val="tx1"/>
           </a:solidFill>
@@ -3075,6 +4790,67 @@
       </a:lvl9pPr>
     </p:otherStyle>
   </p:txStyles>
+  <p:extLst mod="1">
+    <p:ext uri="{27BBF7A9-308A-43DC-89C8-2F10F3537804}">
+      <p15:sldGuideLst xmlns:p15="http://schemas.microsoft.com/office/powerpoint/2012/main">
+        <p15:guide id="1" pos="6912">
+          <p15:clr>
+            <a:srgbClr val="F26B43"/>
+          </p15:clr>
+        </p15:guide>
+        <p15:guide id="2" pos="936">
+          <p15:clr>
+            <a:srgbClr val="F26B43"/>
+          </p15:clr>
+        </p15:guide>
+        <p15:guide id="3" pos="864">
+          <p15:clr>
+            <a:srgbClr val="F26B43"/>
+          </p15:clr>
+        </p15:guide>
+        <p15:guide id="0" orient="horz" pos="1368">
+          <p15:clr>
+            <a:srgbClr val="F26B43"/>
+          </p15:clr>
+        </p15:guide>
+        <p15:guide id="4" orient="horz" pos="1440">
+          <p15:clr>
+            <a:srgbClr val="F26B43"/>
+          </p15:clr>
+        </p15:guide>
+        <p15:guide id="5" orient="horz" pos="3696">
+          <p15:clr>
+            <a:srgbClr val="F26B43"/>
+          </p15:clr>
+        </p15:guide>
+        <p15:guide id="6" orient="horz" pos="432">
+          <p15:clr>
+            <a:srgbClr val="F26B43"/>
+          </p15:clr>
+        </p15:guide>
+        <p15:guide id="7" orient="horz" pos="1512">
+          <p15:clr>
+            <a:srgbClr val="F26B43"/>
+          </p15:clr>
+        </p15:guide>
+        <p15:guide id="8" pos="5184">
+          <p15:clr>
+            <a:srgbClr val="F26B43"/>
+          </p15:clr>
+        </p15:guide>
+        <p15:guide id="9" pos="702">
+          <p15:clr>
+            <a:srgbClr val="F26B43"/>
+          </p15:clr>
+        </p15:guide>
+        <p15:guide id="10" pos="648">
+          <p15:clr>
+            <a:srgbClr val="F26B43"/>
+          </p15:clr>
+        </p15:guide>
+      </p15:sldGuideLst>
+    </p:ext>
+  </p:extLst>
 </p:sldMaster>
 </file>
 
@@ -3105,41 +4881,213 @@
             <p:ph type="ctrTitle"/>
           </p:nvPr>
         </p:nvSpPr>
+        <p:spPr>
+          <a:xfrm>
+            <a:off x="685800" y="1828800"/>
+            <a:ext cx="7772400" cy="1905000"/>
+          </a:xfrm>
+        </p:spPr>
+        <p:txBody>
+          <a:bodyPr>
+            <a:normAutofit fontScale="90000"/>
+          </a:bodyPr>
+          <a:lstStyle/>
+          <a:p>
+            <a:r>
+              <a:rPr lang="en-US" sz="4400" dirty="0"/>
+              <a:t>Sex-biased gene expression in dioecious garden asparagus </a:t>
+            </a:r>
+            <a:r>
+              <a:rPr lang="en-US" sz="4400" i="1" dirty="0"/>
+              <a:t>(Asparagus officinalis)</a:t>
+            </a:r>
+            <a:br>
+              <a:rPr lang="en-US" i="1" dirty="0"/>
+            </a:br>
+            <a:r>
+              <a:rPr lang="en-US" sz="2000" dirty="0"/>
+              <a:t>Alex </a:t>
+            </a:r>
+            <a:r>
+              <a:rPr lang="en-US" sz="2000" dirty="0" err="1"/>
+              <a:t>Harkess</a:t>
+            </a:r>
+            <a:r>
+              <a:rPr lang="en-US" sz="2000" dirty="0"/>
+              <a:t>, Francesco </a:t>
+            </a:r>
+            <a:r>
+              <a:rPr lang="en-US" sz="2000" dirty="0" err="1"/>
+              <a:t>Mercati</a:t>
+            </a:r>
+            <a:r>
+              <a:rPr lang="en-US" sz="2000" dirty="0"/>
+              <a:t>, Hong-Yan Shan, Francesco </a:t>
+            </a:r>
+            <a:r>
+              <a:rPr lang="en-US" sz="2000" dirty="0" err="1"/>
+              <a:t>Sunseri</a:t>
+            </a:r>
+            <a:r>
+              <a:rPr lang="en-US" sz="2000" dirty="0"/>
+              <a:t>, Agostino </a:t>
+            </a:r>
+            <a:r>
+              <a:rPr lang="en-US" sz="2000" dirty="0" err="1"/>
+              <a:t>Falavigna</a:t>
+            </a:r>
+            <a:r>
+              <a:rPr lang="en-US" sz="2000" dirty="0"/>
+              <a:t>, Jim </a:t>
+            </a:r>
+            <a:r>
+              <a:rPr lang="en-US" sz="2000" dirty="0" err="1"/>
+              <a:t>Leebens</a:t>
+            </a:r>
+            <a:r>
+              <a:rPr lang="en-US" sz="2000" dirty="0"/>
+              <a:t>-Mack</a:t>
+            </a:r>
+            <a:endParaRPr lang="en-US" i="1" dirty="0"/>
+          </a:p>
+        </p:txBody>
+      </p:sp>
+      <p:sp>
+        <p:nvSpPr>
+          <p:cNvPr id="3" name="Subtitle 2"/>
+          <p:cNvSpPr>
+            <a:spLocks noGrp="1"/>
+          </p:cNvSpPr>
+          <p:nvPr>
+            <p:ph type="subTitle" idx="1"/>
+          </p:nvPr>
+        </p:nvSpPr>
         <p:spPr/>
         <p:txBody>
           <a:bodyPr/>
           <a:lstStyle/>
           <a:p>
-            <a:endParaRPr lang="en-US" dirty="0"/>
-          </a:p>
-        </p:txBody>
-      </p:sp>
-      <p:sp>
-        <p:nvSpPr>
-          <p:cNvPr id="3" name="Subtitle 2"/>
-          <p:cNvSpPr>
-            <a:spLocks noGrp="1"/>
-          </p:cNvSpPr>
-          <p:nvPr>
-            <p:ph type="subTitle" idx="1"/>
-          </p:nvPr>
-        </p:nvSpPr>
-        <p:spPr/>
-        <p:txBody>
-          <a:bodyPr/>
+            <a:r>
+              <a:rPr lang="en-US" dirty="0"/>
+              <a:t>Valeria, Katerina, and Devin</a:t>
+            </a:r>
+          </a:p>
+          <a:p>
+            <a:r>
+              <a:rPr lang="en-US" dirty="0"/>
+              <a:t>BCB 546X Group Project</a:t>
+            </a:r>
+          </a:p>
+        </p:txBody>
+      </p:sp>
+      <p:sp>
+        <p:nvSpPr>
+          <p:cNvPr id="4" name="Rectangle 1"/>
+          <p:cNvSpPr>
+            <a:spLocks noChangeArrowheads="1"/>
+          </p:cNvSpPr>
+          <p:nvPr/>
+        </p:nvSpPr>
+        <p:spPr bwMode="auto">
+          <a:xfrm>
+            <a:off x="0" y="0"/>
+            <a:ext cx="9144000" cy="0"/>
+          </a:xfrm>
+          <a:prstGeom prst="rect">
+            <a:avLst/>
+          </a:prstGeom>
+          <a:solidFill>
+            <a:srgbClr val="FFFFFF"/>
+          </a:solidFill>
+          <a:ln>
+            <a:noFill/>
+          </a:ln>
+          <a:effectLst/>
+          <a:extLst>
+            <a:ext uri="{91240B29-F687-4F45-9708-019B960494DF}">
+              <a14:hiddenLine xmlns:a14="http://schemas.microsoft.com/office/drawing/2010/main" w="9525">
+                <a:solidFill>
+                  <a:schemeClr val="tx1"/>
+                </a:solidFill>
+                <a:miter lim="800000"/>
+                <a:headEnd/>
+                <a:tailEnd/>
+              </a14:hiddenLine>
+            </a:ext>
+            <a:ext uri="{AF507438-7753-43E0-B8FC-AC1667EBCBE1}">
+              <a14:hiddenEffects xmlns:a14="http://schemas.microsoft.com/office/drawing/2010/main">
+                <a:effectLst>
+                  <a:outerShdw dist="35921" dir="2700000" algn="ctr" rotWithShape="0">
+                    <a:schemeClr val="bg2"/>
+                  </a:outerShdw>
+                </a:effectLst>
+              </a14:hiddenEffects>
+            </a:ext>
+          </a:extLst>
+        </p:spPr>
+        <p:txBody>
+          <a:bodyPr vert="horz" wrap="none" lIns="0" tIns="0" rIns="0" bIns="0" numCol="1" anchor="ctr" anchorCtr="0" compatLnSpc="1">
+            <a:prstTxWarp prst="textNoShape">
+              <a:avLst/>
+            </a:prstTxWarp>
+            <a:spAutoFit/>
+          </a:bodyPr>
           <a:lstStyle/>
           <a:p>
-            <a:r>
-              <a:rPr lang="en-US" dirty="0" smtClean="0"/>
-              <a:t>Valeria, Katerina, and Devin</a:t>
-            </a:r>
-          </a:p>
-          <a:p>
-            <a:r>
-              <a:rPr lang="en-US" dirty="0" smtClean="0"/>
-              <a:t>BCB 546X Group Project</a:t>
-            </a:r>
-            <a:endParaRPr lang="en-US" dirty="0"/>
+            <a:pPr marL="0" marR="0" lvl="0" indent="0" algn="l" defTabSz="914400" rtl="0" eaLnBrk="0" fontAlgn="base" latinLnBrk="0" hangingPunct="0">
+              <a:lnSpc>
+                <a:spcPct val="100000"/>
+              </a:lnSpc>
+              <a:spcBef>
+                <a:spcPct val="0"/>
+              </a:spcBef>
+              <a:spcAft>
+                <a:spcPct val="0"/>
+              </a:spcAft>
+              <a:buClrTx/>
+              <a:buSzTx/>
+              <a:buFontTx/>
+              <a:buNone/>
+              <a:tabLst/>
+            </a:pPr>
+            <a:endParaRPr kumimoji="0" lang="en-US" altLang="en-US" sz="1800" b="0" i="0" u="none" strike="noStrike" cap="none" normalizeH="0" baseline="0">
+              <a:ln>
+                <a:noFill/>
+              </a:ln>
+              <a:solidFill>
+                <a:schemeClr val="tx1"/>
+              </a:solidFill>
+              <a:effectLst/>
+              <a:latin typeface="Arial" panose="020B0604020202020204" pitchFamily="34" charset="0"/>
+            </a:endParaRPr>
+          </a:p>
+          <a:p>
+            <a:pPr marL="0" marR="0" lvl="0" indent="0" algn="l" defTabSz="914400" rtl="0" eaLnBrk="0" fontAlgn="base" latinLnBrk="0" hangingPunct="0">
+              <a:lnSpc>
+                <a:spcPct val="100000"/>
+              </a:lnSpc>
+              <a:spcBef>
+                <a:spcPct val="0"/>
+              </a:spcBef>
+              <a:spcAft>
+                <a:spcPct val="0"/>
+              </a:spcAft>
+              <a:buClrTx/>
+              <a:buSzTx/>
+              <a:buFontTx/>
+              <a:buNone/>
+              <a:tabLst/>
+            </a:pPr>
+            <a:endParaRPr kumimoji="0" lang="en-US" altLang="en-US" sz="1800" b="0" i="0" u="none" strike="noStrike" cap="none" normalizeH="0" baseline="0">
+              <a:ln>
+                <a:noFill/>
+              </a:ln>
+              <a:solidFill>
+                <a:schemeClr val="tx1"/>
+              </a:solidFill>
+              <a:effectLst/>
+              <a:latin typeface="Arial" panose="020B0604020202020204" pitchFamily="34" charset="0"/>
+            </a:endParaRPr>
           </a:p>
         </p:txBody>
       </p:sp>
@@ -3156,7 +5104,969 @@
 </p:sld>
 </file>
 
+<file path=ppt/slides/slide2.xml><?xml version="1.0" encoding="utf-8"?>
+<p:sld xmlns:a="http://schemas.openxmlformats.org/drawingml/2006/main" xmlns:r="http://schemas.openxmlformats.org/officeDocument/2006/relationships" xmlns:p="http://schemas.openxmlformats.org/presentationml/2006/main">
+  <p:cSld>
+    <p:spTree>
+      <p:nvGrpSpPr>
+        <p:cNvPr id="1" name=""/>
+        <p:cNvGrpSpPr/>
+        <p:nvPr/>
+      </p:nvGrpSpPr>
+      <p:grpSpPr>
+        <a:xfrm>
+          <a:off x="0" y="0"/>
+          <a:ext cx="0" cy="0"/>
+          <a:chOff x="0" y="0"/>
+          <a:chExt cx="0" cy="0"/>
+        </a:xfrm>
+      </p:grpSpPr>
+      <p:sp>
+        <p:nvSpPr>
+          <p:cNvPr id="2" name="Title 1"/>
+          <p:cNvSpPr>
+            <a:spLocks noGrp="1"/>
+          </p:cNvSpPr>
+          <p:nvPr>
+            <p:ph type="title"/>
+          </p:nvPr>
+        </p:nvSpPr>
+        <p:spPr/>
+        <p:txBody>
+          <a:bodyPr>
+            <a:normAutofit/>
+          </a:bodyPr>
+          <a:lstStyle/>
+          <a:p>
+            <a:r>
+              <a:rPr lang="en-US" dirty="0"/>
+              <a:t>Why is sex determination important?</a:t>
+            </a:r>
+          </a:p>
+        </p:txBody>
+      </p:sp>
+      <p:sp>
+        <p:nvSpPr>
+          <p:cNvPr id="3" name="Content Placeholder 2"/>
+          <p:cNvSpPr>
+            <a:spLocks noGrp="1"/>
+          </p:cNvSpPr>
+          <p:nvPr>
+            <p:ph idx="1"/>
+          </p:nvPr>
+        </p:nvSpPr>
+        <p:spPr/>
+        <p:txBody>
+          <a:bodyPr/>
+          <a:lstStyle/>
+          <a:p>
+            <a:endParaRPr lang="en-US"/>
+          </a:p>
+        </p:txBody>
+      </p:sp>
+    </p:spTree>
+    <p:extLst>
+      <p:ext uri="{BB962C8B-B14F-4D97-AF65-F5344CB8AC3E}">
+        <p14:creationId xmlns:p14="http://schemas.microsoft.com/office/powerpoint/2010/main" val="1501002260"/>
+      </p:ext>
+    </p:extLst>
+  </p:cSld>
+  <p:clrMapOvr>
+    <a:masterClrMapping/>
+  </p:clrMapOvr>
+</p:sld>
+</file>
+
+<file path=ppt/slides/slide3.xml><?xml version="1.0" encoding="utf-8"?>
+<p:sld xmlns:a="http://schemas.openxmlformats.org/drawingml/2006/main" xmlns:r="http://schemas.openxmlformats.org/officeDocument/2006/relationships" xmlns:p="http://schemas.openxmlformats.org/presentationml/2006/main">
+  <p:cSld>
+    <p:spTree>
+      <p:nvGrpSpPr>
+        <p:cNvPr id="1" name=""/>
+        <p:cNvGrpSpPr/>
+        <p:nvPr/>
+      </p:nvGrpSpPr>
+      <p:grpSpPr>
+        <a:xfrm>
+          <a:off x="0" y="0"/>
+          <a:ext cx="0" cy="0"/>
+          <a:chOff x="0" y="0"/>
+          <a:chExt cx="0" cy="0"/>
+        </a:xfrm>
+      </p:grpSpPr>
+      <p:sp>
+        <p:nvSpPr>
+          <p:cNvPr id="2" name="Title 1"/>
+          <p:cNvSpPr>
+            <a:spLocks noGrp="1"/>
+          </p:cNvSpPr>
+          <p:nvPr>
+            <p:ph type="title"/>
+          </p:nvPr>
+        </p:nvSpPr>
+        <p:spPr/>
+        <p:txBody>
+          <a:bodyPr/>
+          <a:lstStyle/>
+          <a:p>
+            <a:r>
+              <a:rPr lang="en-US" dirty="0"/>
+              <a:t>Background</a:t>
+            </a:r>
+          </a:p>
+        </p:txBody>
+      </p:sp>
+      <p:sp>
+        <p:nvSpPr>
+          <p:cNvPr id="3" name="Content Placeholder 2"/>
+          <p:cNvSpPr>
+            <a:spLocks noGrp="1"/>
+          </p:cNvSpPr>
+          <p:nvPr>
+            <p:ph idx="1"/>
+          </p:nvPr>
+        </p:nvSpPr>
+        <p:spPr>
+          <a:xfrm>
+            <a:off x="521773" y="1905000"/>
+            <a:ext cx="7239000" cy="2438400"/>
+          </a:xfrm>
+        </p:spPr>
+        <p:txBody>
+          <a:bodyPr>
+            <a:normAutofit/>
+          </a:bodyPr>
+          <a:lstStyle/>
+          <a:p>
+            <a:r>
+              <a:rPr lang="en-US" dirty="0"/>
+              <a:t>90% of angiosperms are bisexual</a:t>
+            </a:r>
+          </a:p>
+          <a:p>
+            <a:r>
+              <a:rPr lang="en-US" dirty="0"/>
+              <a:t>Of the other 10%</a:t>
+            </a:r>
+          </a:p>
+          <a:p>
+            <a:pPr lvl="1"/>
+            <a:r>
+              <a:rPr lang="en-US" dirty="0"/>
+              <a:t>Dichogamy (temporally separated bisexual)</a:t>
+            </a:r>
+          </a:p>
+          <a:p>
+            <a:pPr lvl="1"/>
+            <a:r>
+              <a:rPr lang="en-US" dirty="0"/>
+              <a:t>Monoecy (spatially separated unisexual)</a:t>
+            </a:r>
+          </a:p>
+          <a:p>
+            <a:pPr lvl="1"/>
+            <a:r>
+              <a:rPr lang="en-US" dirty="0"/>
+              <a:t>Andromonoecy/</a:t>
+            </a:r>
+            <a:r>
+              <a:rPr lang="en-US" dirty="0" err="1"/>
+              <a:t>Gynomonoecy</a:t>
+            </a:r>
+            <a:r>
+              <a:rPr lang="en-US" dirty="0"/>
+              <a:t> (bisexual + unisexual)</a:t>
+            </a:r>
+          </a:p>
+          <a:p>
+            <a:pPr lvl="1"/>
+            <a:r>
+              <a:rPr lang="en-US" dirty="0"/>
+              <a:t>Dioecy (unisexual plant) </a:t>
+            </a:r>
+          </a:p>
+        </p:txBody>
+      </p:sp>
+      <p:pic>
+        <p:nvPicPr>
+          <p:cNvPr id="4" name="Picture 3"/>
+          <p:cNvPicPr>
+            <a:picLocks noChangeAspect="1"/>
+          </p:cNvPicPr>
+          <p:nvPr/>
+        </p:nvPicPr>
+        <p:blipFill>
+          <a:blip r:embed="rId3"/>
+          <a:stretch>
+            <a:fillRect/>
+          </a:stretch>
+        </p:blipFill>
+        <p:spPr>
+          <a:xfrm>
+            <a:off x="3279788" y="4706143"/>
+            <a:ext cx="1424940" cy="1943100"/>
+          </a:xfrm>
+          <a:prstGeom prst="rect">
+            <a:avLst/>
+          </a:prstGeom>
+        </p:spPr>
+      </p:pic>
+      <p:pic>
+        <p:nvPicPr>
+          <p:cNvPr id="5" name="Picture 4"/>
+          <p:cNvPicPr>
+            <a:picLocks noChangeAspect="1"/>
+          </p:cNvPicPr>
+          <p:nvPr/>
+        </p:nvPicPr>
+        <p:blipFill>
+          <a:blip r:embed="rId4"/>
+          <a:stretch>
+            <a:fillRect/>
+          </a:stretch>
+        </p:blipFill>
+        <p:spPr>
+          <a:xfrm>
+            <a:off x="521773" y="4731058"/>
+            <a:ext cx="2703340" cy="1890713"/>
+          </a:xfrm>
+          <a:prstGeom prst="rect">
+            <a:avLst/>
+          </a:prstGeom>
+        </p:spPr>
+      </p:pic>
+      <p:pic>
+        <p:nvPicPr>
+          <p:cNvPr id="6" name="Picture 5"/>
+          <p:cNvPicPr>
+            <a:picLocks noChangeAspect="1"/>
+          </p:cNvPicPr>
+          <p:nvPr/>
+        </p:nvPicPr>
+        <p:blipFill>
+          <a:blip r:embed="rId5"/>
+          <a:stretch>
+            <a:fillRect/>
+          </a:stretch>
+        </p:blipFill>
+        <p:spPr>
+          <a:xfrm>
+            <a:off x="4814079" y="4732336"/>
+            <a:ext cx="2628139" cy="2008109"/>
+          </a:xfrm>
+          <a:prstGeom prst="rect">
+            <a:avLst/>
+          </a:prstGeom>
+        </p:spPr>
+      </p:pic>
+      <p:pic>
+        <p:nvPicPr>
+          <p:cNvPr id="7" name="Picture 6"/>
+          <p:cNvPicPr>
+            <a:picLocks noChangeAspect="1"/>
+          </p:cNvPicPr>
+          <p:nvPr/>
+        </p:nvPicPr>
+        <p:blipFill>
+          <a:blip r:embed="rId6"/>
+          <a:stretch>
+            <a:fillRect/>
+          </a:stretch>
+        </p:blipFill>
+        <p:spPr>
+          <a:xfrm>
+            <a:off x="7551569" y="4732337"/>
+            <a:ext cx="1392289" cy="2008109"/>
+          </a:xfrm>
+          <a:prstGeom prst="rect">
+            <a:avLst/>
+          </a:prstGeom>
+        </p:spPr>
+      </p:pic>
+    </p:spTree>
+    <p:extLst>
+      <p:ext uri="{BB962C8B-B14F-4D97-AF65-F5344CB8AC3E}">
+        <p14:creationId xmlns:p14="http://schemas.microsoft.com/office/powerpoint/2010/main" val="3008695028"/>
+      </p:ext>
+    </p:extLst>
+  </p:cSld>
+  <p:clrMapOvr>
+    <a:masterClrMapping/>
+  </p:clrMapOvr>
+</p:sld>
+</file>
+
+<file path=ppt/slides/slide4.xml><?xml version="1.0" encoding="utf-8"?>
+<p:sld xmlns:a="http://schemas.openxmlformats.org/drawingml/2006/main" xmlns:r="http://schemas.openxmlformats.org/officeDocument/2006/relationships" xmlns:p="http://schemas.openxmlformats.org/presentationml/2006/main">
+  <p:cSld>
+    <p:spTree>
+      <p:nvGrpSpPr>
+        <p:cNvPr id="1" name=""/>
+        <p:cNvGrpSpPr/>
+        <p:nvPr/>
+      </p:nvGrpSpPr>
+      <p:grpSpPr>
+        <a:xfrm>
+          <a:off x="0" y="0"/>
+          <a:ext cx="0" cy="0"/>
+          <a:chOff x="0" y="0"/>
+          <a:chExt cx="0" cy="0"/>
+        </a:xfrm>
+      </p:grpSpPr>
+      <p:sp>
+        <p:nvSpPr>
+          <p:cNvPr id="2" name="Title 1"/>
+          <p:cNvSpPr>
+            <a:spLocks noGrp="1"/>
+          </p:cNvSpPr>
+          <p:nvPr>
+            <p:ph type="title"/>
+          </p:nvPr>
+        </p:nvSpPr>
+        <p:spPr/>
+        <p:txBody>
+          <a:bodyPr/>
+          <a:lstStyle/>
+          <a:p>
+            <a:r>
+              <a:rPr lang="en-US" dirty="0"/>
+              <a:t>Why asparagus?</a:t>
+            </a:r>
+          </a:p>
+        </p:txBody>
+      </p:sp>
+      <p:sp>
+        <p:nvSpPr>
+          <p:cNvPr id="3" name="Content Placeholder 2"/>
+          <p:cNvSpPr>
+            <a:spLocks noGrp="1"/>
+          </p:cNvSpPr>
+          <p:nvPr>
+            <p:ph idx="1"/>
+          </p:nvPr>
+        </p:nvSpPr>
+        <p:spPr>
+          <a:xfrm>
+            <a:off x="457200" y="1600200"/>
+            <a:ext cx="5791200" cy="4525963"/>
+          </a:xfrm>
+        </p:spPr>
+        <p:txBody>
+          <a:bodyPr/>
+          <a:lstStyle/>
+          <a:p>
+            <a:r>
+              <a:rPr lang="en-US" dirty="0"/>
+              <a:t>Recently evolved XX/XY sex chromosomes</a:t>
+            </a:r>
+          </a:p>
+          <a:p>
+            <a:endParaRPr lang="en-US" dirty="0"/>
+          </a:p>
+          <a:p>
+            <a:pPr lvl="1"/>
+            <a:r>
+              <a:rPr lang="en-US" dirty="0"/>
+              <a:t>Cytologically homomorphic</a:t>
+            </a:r>
+          </a:p>
+          <a:p>
+            <a:pPr lvl="1"/>
+            <a:endParaRPr lang="en-US" dirty="0"/>
+          </a:p>
+          <a:p>
+            <a:pPr lvl="1"/>
+            <a:endParaRPr lang="en-US" dirty="0"/>
+          </a:p>
+          <a:p>
+            <a:pPr lvl="1"/>
+            <a:endParaRPr lang="en-US" dirty="0"/>
+          </a:p>
+          <a:p>
+            <a:pPr lvl="6"/>
+            <a:r>
+              <a:rPr lang="en-US" dirty="0"/>
+              <a:t>Deng et al, 2012</a:t>
+            </a:r>
+          </a:p>
+          <a:p>
+            <a:pPr lvl="1"/>
+            <a:endParaRPr lang="en-US" dirty="0"/>
+          </a:p>
+          <a:p>
+            <a:pPr lvl="1"/>
+            <a:r>
+              <a:rPr lang="en-US" dirty="0"/>
+              <a:t>YY </a:t>
+            </a:r>
+            <a:r>
+              <a:rPr lang="en-US" dirty="0" err="1"/>
+              <a:t>supermale</a:t>
+            </a:r>
+            <a:r>
+              <a:rPr lang="en-US" dirty="0"/>
+              <a:t> is viable</a:t>
+            </a:r>
+          </a:p>
+        </p:txBody>
+      </p:sp>
+      <p:pic>
+        <p:nvPicPr>
+          <p:cNvPr id="5" name="Picture 4"/>
+          <p:cNvPicPr>
+            <a:picLocks noChangeAspect="1"/>
+          </p:cNvPicPr>
+          <p:nvPr/>
+        </p:nvPicPr>
+        <p:blipFill>
+          <a:blip r:embed="rId3"/>
+          <a:stretch>
+            <a:fillRect/>
+          </a:stretch>
+        </p:blipFill>
+        <p:spPr>
+          <a:xfrm>
+            <a:off x="6477000" y="1967706"/>
+            <a:ext cx="2381250" cy="3790950"/>
+          </a:xfrm>
+          <a:prstGeom prst="rect">
+            <a:avLst/>
+          </a:prstGeom>
+        </p:spPr>
+      </p:pic>
+      <p:pic>
+        <p:nvPicPr>
+          <p:cNvPr id="6" name="Picture 5"/>
+          <p:cNvPicPr>
+            <a:picLocks noChangeAspect="1"/>
+          </p:cNvPicPr>
+          <p:nvPr/>
+        </p:nvPicPr>
+        <p:blipFill>
+          <a:blip r:embed="rId4"/>
+          <a:stretch>
+            <a:fillRect/>
+          </a:stretch>
+        </p:blipFill>
+        <p:spPr>
+          <a:xfrm>
+            <a:off x="838200" y="3086100"/>
+            <a:ext cx="4448175" cy="542925"/>
+          </a:xfrm>
+          <a:prstGeom prst="rect">
+            <a:avLst/>
+          </a:prstGeom>
+        </p:spPr>
+      </p:pic>
+    </p:spTree>
+    <p:extLst>
+      <p:ext uri="{BB962C8B-B14F-4D97-AF65-F5344CB8AC3E}">
+        <p14:creationId xmlns:p14="http://schemas.microsoft.com/office/powerpoint/2010/main" val="2578924765"/>
+      </p:ext>
+    </p:extLst>
+  </p:cSld>
+  <p:clrMapOvr>
+    <a:masterClrMapping/>
+  </p:clrMapOvr>
+</p:sld>
+</file>
+
+<file path=ppt/slides/slide5.xml><?xml version="1.0" encoding="utf-8"?>
+<p:sld xmlns:a="http://schemas.openxmlformats.org/drawingml/2006/main" xmlns:r="http://schemas.openxmlformats.org/officeDocument/2006/relationships" xmlns:p="http://schemas.openxmlformats.org/presentationml/2006/main">
+  <p:cSld>
+    <p:spTree>
+      <p:nvGrpSpPr>
+        <p:cNvPr id="1" name=""/>
+        <p:cNvGrpSpPr/>
+        <p:nvPr/>
+      </p:nvGrpSpPr>
+      <p:grpSpPr>
+        <a:xfrm>
+          <a:off x="0" y="0"/>
+          <a:ext cx="0" cy="0"/>
+          <a:chOff x="0" y="0"/>
+          <a:chExt cx="0" cy="0"/>
+        </a:xfrm>
+      </p:grpSpPr>
+      <p:sp>
+        <p:nvSpPr>
+          <p:cNvPr id="2" name="Title 1"/>
+          <p:cNvSpPr>
+            <a:spLocks noGrp="1"/>
+          </p:cNvSpPr>
+          <p:nvPr>
+            <p:ph type="title"/>
+          </p:nvPr>
+        </p:nvSpPr>
+        <p:spPr/>
+        <p:txBody>
+          <a:bodyPr/>
+          <a:lstStyle/>
+          <a:p>
+            <a:r>
+              <a:rPr lang="en-US" dirty="0"/>
+              <a:t>Current thinking</a:t>
+            </a:r>
+          </a:p>
+        </p:txBody>
+      </p:sp>
+      <p:sp>
+        <p:nvSpPr>
+          <p:cNvPr id="3" name="Content Placeholder 2"/>
+          <p:cNvSpPr>
+            <a:spLocks noGrp="1"/>
+          </p:cNvSpPr>
+          <p:nvPr>
+            <p:ph idx="1"/>
+          </p:nvPr>
+        </p:nvSpPr>
+        <p:spPr/>
+        <p:txBody>
+          <a:bodyPr/>
+          <a:lstStyle/>
+          <a:p>
+            <a:r>
+              <a:rPr lang="en-US" dirty="0"/>
+              <a:t>Linkage between dominant genes that </a:t>
+            </a:r>
+          </a:p>
+          <a:p>
+            <a:pPr lvl="1"/>
+            <a:r>
+              <a:rPr lang="en-US" dirty="0"/>
+              <a:t>Suppress female organogenesis</a:t>
+            </a:r>
+          </a:p>
+          <a:p>
+            <a:pPr lvl="1"/>
+            <a:r>
+              <a:rPr lang="en-US" dirty="0"/>
+              <a:t>Promote male organogenesis</a:t>
+            </a:r>
+          </a:p>
+          <a:p>
+            <a:pPr lvl="1"/>
+            <a:endParaRPr lang="en-US" dirty="0"/>
+          </a:p>
+          <a:p>
+            <a:r>
+              <a:rPr lang="en-US" dirty="0"/>
+              <a:t>Identification difficult</a:t>
+            </a:r>
+          </a:p>
+          <a:p>
+            <a:pPr lvl="1"/>
+            <a:r>
+              <a:rPr lang="en-US" dirty="0"/>
+              <a:t>Complexity of floral development</a:t>
+            </a:r>
+          </a:p>
+          <a:p>
+            <a:pPr lvl="1"/>
+            <a:r>
+              <a:rPr lang="en-US" dirty="0"/>
+              <a:t>Highly repetitive</a:t>
+            </a:r>
+          </a:p>
+          <a:p>
+            <a:pPr lvl="1"/>
+            <a:r>
+              <a:rPr lang="en-US" dirty="0"/>
+              <a:t>Transposon rich</a:t>
+            </a:r>
+          </a:p>
+          <a:p>
+            <a:pPr lvl="1"/>
+            <a:endParaRPr lang="en-US" dirty="0"/>
+          </a:p>
+        </p:txBody>
+      </p:sp>
+    </p:spTree>
+    <p:extLst>
+      <p:ext uri="{BB962C8B-B14F-4D97-AF65-F5344CB8AC3E}">
+        <p14:creationId xmlns:p14="http://schemas.microsoft.com/office/powerpoint/2010/main" val="891837179"/>
+      </p:ext>
+    </p:extLst>
+  </p:cSld>
+  <p:clrMapOvr>
+    <a:masterClrMapping/>
+  </p:clrMapOvr>
+</p:sld>
+</file>
+
+<file path=ppt/slides/slide6.xml><?xml version="1.0" encoding="utf-8"?>
+<p:sld xmlns:a="http://schemas.openxmlformats.org/drawingml/2006/main" xmlns:r="http://schemas.openxmlformats.org/officeDocument/2006/relationships" xmlns:p="http://schemas.openxmlformats.org/presentationml/2006/main">
+  <p:cSld>
+    <p:spTree>
+      <p:nvGrpSpPr>
+        <p:cNvPr id="1" name=""/>
+        <p:cNvGrpSpPr/>
+        <p:nvPr/>
+      </p:nvGrpSpPr>
+      <p:grpSpPr>
+        <a:xfrm>
+          <a:off x="0" y="0"/>
+          <a:ext cx="0" cy="0"/>
+          <a:chOff x="0" y="0"/>
+          <a:chExt cx="0" cy="0"/>
+        </a:xfrm>
+      </p:grpSpPr>
+      <p:sp>
+        <p:nvSpPr>
+          <p:cNvPr id="2" name="Title 1"/>
+          <p:cNvSpPr>
+            <a:spLocks noGrp="1"/>
+          </p:cNvSpPr>
+          <p:nvPr>
+            <p:ph type="title"/>
+          </p:nvPr>
+        </p:nvSpPr>
+        <p:spPr/>
+        <p:txBody>
+          <a:bodyPr/>
+          <a:lstStyle/>
+          <a:p>
+            <a:r>
+              <a:rPr lang="en-US" dirty="0"/>
+              <a:t>Approach</a:t>
+            </a:r>
+          </a:p>
+        </p:txBody>
+      </p:sp>
+      <p:sp>
+        <p:nvSpPr>
+          <p:cNvPr id="3" name="Content Placeholder 2"/>
+          <p:cNvSpPr>
+            <a:spLocks noGrp="1"/>
+          </p:cNvSpPr>
+          <p:nvPr>
+            <p:ph idx="1"/>
+          </p:nvPr>
+        </p:nvSpPr>
+        <p:spPr/>
+        <p:txBody>
+          <a:bodyPr/>
+          <a:lstStyle/>
+          <a:p>
+            <a:r>
+              <a:rPr lang="en-US" dirty="0"/>
+              <a:t>RNA-</a:t>
+            </a:r>
+            <a:r>
+              <a:rPr lang="en-US" dirty="0" err="1"/>
+              <a:t>seq</a:t>
+            </a:r>
+            <a:r>
+              <a:rPr lang="en-US" dirty="0"/>
+              <a:t> </a:t>
+            </a:r>
+          </a:p>
+          <a:p>
+            <a:pPr lvl="1"/>
+            <a:r>
+              <a:rPr lang="en-US" dirty="0"/>
+              <a:t>Transcriptomes for XY, XX, and YY</a:t>
+            </a:r>
+          </a:p>
+          <a:p>
+            <a:pPr lvl="1"/>
+            <a:endParaRPr lang="en-US" dirty="0"/>
+          </a:p>
+          <a:p>
+            <a:pPr lvl="1"/>
+            <a:r>
+              <a:rPr lang="en-US" dirty="0"/>
+              <a:t>Objective:</a:t>
+            </a:r>
+          </a:p>
+          <a:p>
+            <a:pPr lvl="2"/>
+            <a:r>
+              <a:rPr lang="en-US" dirty="0"/>
+              <a:t>Identify expression differences </a:t>
+            </a:r>
+          </a:p>
+          <a:p>
+            <a:pPr lvl="2"/>
+            <a:r>
+              <a:rPr lang="en-US" dirty="0"/>
+              <a:t>Determine when genes act</a:t>
+            </a:r>
+          </a:p>
+        </p:txBody>
+      </p:sp>
+    </p:spTree>
+    <p:extLst>
+      <p:ext uri="{BB962C8B-B14F-4D97-AF65-F5344CB8AC3E}">
+        <p14:creationId xmlns:p14="http://schemas.microsoft.com/office/powerpoint/2010/main" val="1811023338"/>
+      </p:ext>
+    </p:extLst>
+  </p:cSld>
+  <p:clrMapOvr>
+    <a:masterClrMapping/>
+  </p:clrMapOvr>
+</p:sld>
+</file>
+
 <file path=ppt/theme/theme1.xml><?xml version="1.0" encoding="utf-8"?>
+<a:theme xmlns:a="http://schemas.openxmlformats.org/drawingml/2006/main" name="Crop">
+  <a:themeElements>
+    <a:clrScheme name="Median">
+      <a:dk1>
+        <a:sysClr val="windowText" lastClr="000000"/>
+      </a:dk1>
+      <a:lt1>
+        <a:sysClr val="window" lastClr="FFFFFF"/>
+      </a:lt1>
+      <a:dk2>
+        <a:srgbClr val="775F55"/>
+      </a:dk2>
+      <a:lt2>
+        <a:srgbClr val="EBDDC3"/>
+      </a:lt2>
+      <a:accent1>
+        <a:srgbClr val="94B6D2"/>
+      </a:accent1>
+      <a:accent2>
+        <a:srgbClr val="DD8047"/>
+      </a:accent2>
+      <a:accent3>
+        <a:srgbClr val="A5AB81"/>
+      </a:accent3>
+      <a:accent4>
+        <a:srgbClr val="D8B25C"/>
+      </a:accent4>
+      <a:accent5>
+        <a:srgbClr val="7BA79D"/>
+      </a:accent5>
+      <a:accent6>
+        <a:srgbClr val="968C8C"/>
+      </a:accent6>
+      <a:hlink>
+        <a:srgbClr val="F7B615"/>
+      </a:hlink>
+      <a:folHlink>
+        <a:srgbClr val="704404"/>
+      </a:folHlink>
+    </a:clrScheme>
+    <a:fontScheme name="Crop">
+      <a:majorFont>
+        <a:latin typeface="Franklin Gothic Book" panose="020B0503020102020204"/>
+        <a:ea typeface=""/>
+        <a:cs typeface=""/>
+        <a:font script="Jpan" typeface="メイリオ"/>
+        <a:font script="Hang" typeface="돋움"/>
+        <a:font script="Hans" typeface="华文楷体"/>
+        <a:font script="Hant" typeface="微軟正黑體"/>
+        <a:font script="Arab" typeface="Tahoma"/>
+        <a:font script="Hebr" typeface="Aharoni"/>
+        <a:font script="Thai" typeface="LilyUPC"/>
+        <a:font script="Ethi" typeface="Nyala"/>
+        <a:font script="Beng" typeface="Vrinda"/>
+        <a:font script="Gujr" typeface="Shruti"/>
+        <a:font script="Khmr" typeface="DaunPenh"/>
+        <a:font script="Knda" typeface="Tunga"/>
+        <a:font script="Guru" typeface="Raavi"/>
+        <a:font script="Cans" typeface="Euphemia"/>
+        <a:font script="Cher" typeface="Plantagenet Cherokee"/>
+        <a:font script="Yiii" typeface="Microsoft Yi Baiti"/>
+        <a:font script="Tibt" typeface="Microsoft Himalaya"/>
+        <a:font script="Thaa" typeface="MV Boli"/>
+        <a:font script="Deva" typeface="Mangal"/>
+        <a:font script="Telu" typeface="Gautami"/>
+        <a:font script="Taml" typeface="Latha"/>
+        <a:font script="Syrc" typeface="Estrangelo Edessa"/>
+        <a:font script="Orya" typeface="Kalinga"/>
+        <a:font script="Mlym" typeface="Kartika"/>
+        <a:font script="Laoo" typeface="DokChampa"/>
+        <a:font script="Sinh" typeface="Iskoola Pota"/>
+        <a:font script="Mong" typeface="Mongolian Baiti"/>
+        <a:font script="Viet" typeface="Tahoma"/>
+        <a:font script="Uigh" typeface="Microsoft Uighur"/>
+        <a:font script="Geor" typeface="Sylfaen"/>
+      </a:majorFont>
+      <a:minorFont>
+        <a:latin typeface="Franklin Gothic Book" panose="020B0503020102020204"/>
+        <a:ea typeface=""/>
+        <a:cs typeface=""/>
+        <a:font script="Jpan" typeface="メイリオ"/>
+        <a:font script="Hang" typeface="돋움"/>
+        <a:font script="Hans" typeface="华文楷体"/>
+        <a:font script="Hant" typeface="微軟正黑體"/>
+        <a:font script="Arab" typeface="Tahoma"/>
+        <a:font script="Hebr" typeface="Aharoni"/>
+        <a:font script="Thai" typeface="LilyUPC"/>
+        <a:font script="Ethi" typeface="Nyala"/>
+        <a:font script="Beng" typeface="Vrinda"/>
+        <a:font script="Gujr" typeface="Shruti"/>
+        <a:font script="Khmr" typeface="DaunPenh"/>
+        <a:font script="Knda" typeface="Tunga"/>
+        <a:font script="Guru" typeface="Raavi"/>
+        <a:font script="Cans" typeface="Euphemia"/>
+        <a:font script="Cher" typeface="Plantagenet Cherokee"/>
+        <a:font script="Yiii" typeface="Microsoft Yi Baiti"/>
+        <a:font script="Tibt" typeface="Microsoft Himalaya"/>
+        <a:font script="Thaa" typeface="MV Boli"/>
+        <a:font script="Deva" typeface="Mangal"/>
+        <a:font script="Telu" typeface="Gautami"/>
+        <a:font script="Taml" typeface="Latha"/>
+        <a:font script="Syrc" typeface="Estrangelo Edessa"/>
+        <a:font script="Orya" typeface="Kalinga"/>
+        <a:font script="Mlym" typeface="Kartika"/>
+        <a:font script="Laoo" typeface="DokChampa"/>
+        <a:font script="Sinh" typeface="Iskoola Pota"/>
+        <a:font script="Mong" typeface="Mongolian Baiti"/>
+        <a:font script="Viet" typeface="Tahoma"/>
+        <a:font script="Uigh" typeface="Microsoft Uighur"/>
+        <a:font script="Geor" typeface="Sylfaen"/>
+      </a:minorFont>
+    </a:fontScheme>
+    <a:fmtScheme name="Crop">
+      <a:fillStyleLst>
+        <a:solidFill>
+          <a:schemeClr val="phClr"/>
+        </a:solidFill>
+        <a:gradFill rotWithShape="1">
+          <a:gsLst>
+            <a:gs pos="0">
+              <a:schemeClr val="phClr">
+                <a:tint val="67000"/>
+                <a:satMod val="105000"/>
+                <a:lumMod val="110000"/>
+              </a:schemeClr>
+            </a:gs>
+            <a:gs pos="50000">
+              <a:schemeClr val="phClr">
+                <a:tint val="73000"/>
+                <a:satMod val="103000"/>
+                <a:lumMod val="105000"/>
+              </a:schemeClr>
+            </a:gs>
+            <a:gs pos="100000">
+              <a:schemeClr val="phClr">
+                <a:tint val="81000"/>
+                <a:satMod val="109000"/>
+                <a:lumMod val="105000"/>
+              </a:schemeClr>
+            </a:gs>
+          </a:gsLst>
+          <a:lin ang="5400000" scaled="0"/>
+        </a:gradFill>
+        <a:gradFill rotWithShape="1">
+          <a:gsLst>
+            <a:gs pos="0">
+              <a:schemeClr val="phClr">
+                <a:tint val="94000"/>
+                <a:satMod val="103000"/>
+                <a:lumMod val="102000"/>
+              </a:schemeClr>
+            </a:gs>
+            <a:gs pos="50000">
+              <a:schemeClr val="phClr">
+                <a:shade val="100000"/>
+                <a:satMod val="110000"/>
+                <a:lumMod val="100000"/>
+              </a:schemeClr>
+            </a:gs>
+            <a:gs pos="100000">
+              <a:schemeClr val="phClr">
+                <a:shade val="78000"/>
+                <a:satMod val="120000"/>
+                <a:lumMod val="99000"/>
+              </a:schemeClr>
+            </a:gs>
+          </a:gsLst>
+          <a:lin ang="5400000" scaled="0"/>
+        </a:gradFill>
+      </a:fillStyleLst>
+      <a:lnStyleLst>
+        <a:ln w="6350" cap="flat" cmpd="sng" algn="in">
+          <a:solidFill>
+            <a:schemeClr val="phClr"/>
+          </a:solidFill>
+          <a:prstDash val="solid"/>
+        </a:ln>
+        <a:ln w="34925" cap="flat" cmpd="sng" algn="in">
+          <a:solidFill>
+            <a:schemeClr val="phClr"/>
+          </a:solidFill>
+          <a:prstDash val="solid"/>
+        </a:ln>
+        <a:ln w="19050" cap="flat" cmpd="sng" algn="in">
+          <a:solidFill>
+            <a:schemeClr val="phClr"/>
+          </a:solidFill>
+          <a:prstDash val="solid"/>
+        </a:ln>
+      </a:lnStyleLst>
+      <a:effectStyleLst>
+        <a:effectStyle>
+          <a:effectLst/>
+        </a:effectStyle>
+        <a:effectStyle>
+          <a:effectLst/>
+        </a:effectStyle>
+        <a:effectStyle>
+          <a:effectLst>
+            <a:outerShdw blurRad="57150" dist="19050" dir="5400000" algn="ctr" rotWithShape="0">
+              <a:srgbClr val="000000">
+                <a:alpha val="35000"/>
+              </a:srgbClr>
+            </a:outerShdw>
+          </a:effectLst>
+        </a:effectStyle>
+      </a:effectStyleLst>
+      <a:bgFillStyleLst>
+        <a:solidFill>
+          <a:schemeClr val="phClr"/>
+        </a:solidFill>
+        <a:solidFill>
+          <a:schemeClr val="phClr">
+            <a:tint val="95000"/>
+            <a:satMod val="170000"/>
+          </a:schemeClr>
+        </a:solidFill>
+        <a:gradFill rotWithShape="1">
+          <a:gsLst>
+            <a:gs pos="0">
+              <a:schemeClr val="phClr">
+                <a:tint val="93000"/>
+                <a:shade val="98000"/>
+                <a:satMod val="150000"/>
+                <a:lumMod val="102000"/>
+              </a:schemeClr>
+            </a:gs>
+            <a:gs pos="50000">
+              <a:schemeClr val="phClr">
+                <a:tint val="98000"/>
+                <a:shade val="90000"/>
+                <a:satMod val="130000"/>
+                <a:lumMod val="103000"/>
+              </a:schemeClr>
+            </a:gs>
+            <a:gs pos="100000">
+              <a:schemeClr val="phClr">
+                <a:shade val="63000"/>
+                <a:satMod val="120000"/>
+              </a:schemeClr>
+            </a:gs>
+          </a:gsLst>
+          <a:lin ang="5400000" scaled="0"/>
+        </a:gradFill>
+      </a:bgFillStyleLst>
+    </a:fmtScheme>
+  </a:themeElements>
+  <a:objectDefaults/>
+  <a:extraClrSchemeLst/>
+  <a:extLst>
+    <a:ext uri="{05A4C25C-085E-4340-85A3-A5531E510DB2}">
+      <thm15:themeFamily xmlns:thm15="http://schemas.microsoft.com/office/thememl/2012/main" name="Crop" id="{EC9488ED-E761-4D60-9AC4-764D1FE2C171}" vid="{CE19780C-D67D-4C13-9DE9-A52BC3BA51B4}"/>
+    </a:ext>
+  </a:extLst>
+</a:theme>
+</file>
+
+<file path=ppt/theme/theme2.xml><?xml version="1.0" encoding="utf-8"?>
 <a:theme xmlns:a="http://schemas.openxmlformats.org/drawingml/2006/main" name="Office Theme">
   <a:themeElements>
     <a:clrScheme name="Office">
@@ -3167,44 +6077,44 @@
         <a:sysClr val="window" lastClr="FFFFFF"/>
       </a:lt1>
       <a:dk2>
-        <a:srgbClr val="1F497D"/>
+        <a:srgbClr val="44546A"/>
       </a:dk2>
       <a:lt2>
-        <a:srgbClr val="EEECE1"/>
+        <a:srgbClr val="E7E6E6"/>
       </a:lt2>
       <a:accent1>
-        <a:srgbClr val="4F81BD"/>
+        <a:srgbClr val="5B9BD5"/>
       </a:accent1>
       <a:accent2>
-        <a:srgbClr val="C0504D"/>
+        <a:srgbClr val="ED7D31"/>
       </a:accent2>
       <a:accent3>
-        <a:srgbClr val="9BBB59"/>
+        <a:srgbClr val="A5A5A5"/>
       </a:accent3>
       <a:accent4>
-        <a:srgbClr val="8064A2"/>
+        <a:srgbClr val="FFC000"/>
       </a:accent4>
       <a:accent5>
-        <a:srgbClr val="4BACC6"/>
+        <a:srgbClr val="4472C4"/>
       </a:accent5>
       <a:accent6>
-        <a:srgbClr val="F79646"/>
+        <a:srgbClr val="70AD47"/>
       </a:accent6>
       <a:hlink>
-        <a:srgbClr val="0000FF"/>
+        <a:srgbClr val="0563C1"/>
       </a:hlink>
       <a:folHlink>
-        <a:srgbClr val="800080"/>
+        <a:srgbClr val="954F72"/>
       </a:folHlink>
     </a:clrScheme>
     <a:fontScheme name="Office">
       <a:majorFont>
-        <a:latin typeface="Calibri"/>
+        <a:latin typeface="Calibri Light" panose="020F0302020204030204"/>
         <a:ea typeface=""/>
         <a:cs typeface=""/>
-        <a:font script="Jpan" typeface="ＭＳ Ｐゴシック"/>
+        <a:font script="Jpan" typeface="游ゴシック Light"/>
         <a:font script="Hang" typeface="맑은 고딕"/>
-        <a:font script="Hans" typeface="宋体"/>
+        <a:font script="Hans" typeface="等线 Light"/>
         <a:font script="Hant" typeface="新細明體"/>
         <a:font script="Arab" typeface="Times New Roman"/>
         <a:font script="Hebr" typeface="Times New Roman"/>
@@ -3232,14 +6142,31 @@
         <a:font script="Viet" typeface="Times New Roman"/>
         <a:font script="Uigh" typeface="Microsoft Uighur"/>
         <a:font script="Geor" typeface="Sylfaen"/>
+        <a:font script="Armn" typeface="Arial"/>
+        <a:font script="Bugi" typeface="Leelawadee UI"/>
+        <a:font script="Bopo" typeface="Microsoft JhengHei"/>
+        <a:font script="Java" typeface="Javanese Text"/>
+        <a:font script="Lisu" typeface="Segoe UI"/>
+        <a:font script="Mymr" typeface="Myanmar Text"/>
+        <a:font script="Nkoo" typeface="Ebrima"/>
+        <a:font script="Olck" typeface="Nirmala UI"/>
+        <a:font script="Osma" typeface="Ebrima"/>
+        <a:font script="Phag" typeface="Phagspa"/>
+        <a:font script="Syrn" typeface="Estrangelo Edessa"/>
+        <a:font script="Syrj" typeface="Estrangelo Edessa"/>
+        <a:font script="Syre" typeface="Estrangelo Edessa"/>
+        <a:font script="Sora" typeface="Nirmala UI"/>
+        <a:font script="Tale" typeface="Microsoft Tai Le"/>
+        <a:font script="Talu" typeface="Microsoft New Tai Lue"/>
+        <a:font script="Tfng" typeface="Ebrima"/>
       </a:majorFont>
       <a:minorFont>
-        <a:latin typeface="Calibri"/>
+        <a:latin typeface="Calibri" panose="020F0502020204030204"/>
         <a:ea typeface=""/>
         <a:cs typeface=""/>
-        <a:font script="Jpan" typeface="ＭＳ Ｐゴシック"/>
+        <a:font script="Jpan" typeface="游ゴシック"/>
         <a:font script="Hang" typeface="맑은 고딕"/>
-        <a:font script="Hans" typeface="宋体"/>
+        <a:font script="Hans" typeface="等线"/>
         <a:font script="Hant" typeface="新細明體"/>
         <a:font script="Arab" typeface="Arial"/>
         <a:font script="Hebr" typeface="Arial"/>
@@ -3267,6 +6194,23 @@
         <a:font script="Viet" typeface="Arial"/>
         <a:font script="Uigh" typeface="Microsoft Uighur"/>
         <a:font script="Geor" typeface="Sylfaen"/>
+        <a:font script="Armn" typeface="Arial"/>
+        <a:font script="Bugi" typeface="Leelawadee UI"/>
+        <a:font script="Bopo" typeface="Microsoft JhengHei"/>
+        <a:font script="Java" typeface="Javanese Text"/>
+        <a:font script="Lisu" typeface="Segoe UI"/>
+        <a:font script="Mymr" typeface="Myanmar Text"/>
+        <a:font script="Nkoo" typeface="Ebrima"/>
+        <a:font script="Olck" typeface="Nirmala UI"/>
+        <a:font script="Osma" typeface="Ebrima"/>
+        <a:font script="Phag" typeface="Phagspa"/>
+        <a:font script="Syrn" typeface="Estrangelo Edessa"/>
+        <a:font script="Syrj" typeface="Estrangelo Edessa"/>
+        <a:font script="Syre" typeface="Estrangelo Edessa"/>
+        <a:font script="Sora" typeface="Nirmala UI"/>
+        <a:font script="Tale" typeface="Microsoft Tai Le"/>
+        <a:font script="Talu" typeface="Microsoft New Tai Lue"/>
+        <a:font script="Tfng" typeface="Ebrima"/>
       </a:minorFont>
     </a:fontScheme>
     <a:fmtScheme name="Office">
@@ -3278,165 +6222,141 @@
           <a:gsLst>
             <a:gs pos="0">
               <a:schemeClr val="phClr">
-                <a:tint val="50000"/>
-                <a:satMod val="300000"/>
+                <a:lumMod val="110000"/>
+                <a:satMod val="105000"/>
+                <a:tint val="67000"/>
               </a:schemeClr>
             </a:gs>
-            <a:gs pos="35000">
+            <a:gs pos="50000">
               <a:schemeClr val="phClr">
-                <a:tint val="37000"/>
-                <a:satMod val="300000"/>
+                <a:lumMod val="105000"/>
+                <a:satMod val="103000"/>
+                <a:tint val="73000"/>
               </a:schemeClr>
             </a:gs>
             <a:gs pos="100000">
               <a:schemeClr val="phClr">
-                <a:tint val="15000"/>
-                <a:satMod val="350000"/>
+                <a:lumMod val="105000"/>
+                <a:satMod val="109000"/>
+                <a:tint val="81000"/>
               </a:schemeClr>
             </a:gs>
           </a:gsLst>
-          <a:lin ang="16200000" scaled="1"/>
+          <a:lin ang="5400000" scaled="0"/>
         </a:gradFill>
         <a:gradFill rotWithShape="1">
           <a:gsLst>
             <a:gs pos="0">
               <a:schemeClr val="phClr">
-                <a:shade val="51000"/>
-                <a:satMod val="130000"/>
+                <a:satMod val="103000"/>
+                <a:lumMod val="102000"/>
+                <a:tint val="94000"/>
               </a:schemeClr>
             </a:gs>
-            <a:gs pos="80000">
+            <a:gs pos="50000">
               <a:schemeClr val="phClr">
-                <a:shade val="93000"/>
-                <a:satMod val="130000"/>
+                <a:satMod val="110000"/>
+                <a:lumMod val="100000"/>
+                <a:shade val="100000"/>
               </a:schemeClr>
             </a:gs>
             <a:gs pos="100000">
               <a:schemeClr val="phClr">
-                <a:shade val="94000"/>
-                <a:satMod val="135000"/>
+                <a:lumMod val="99000"/>
+                <a:satMod val="120000"/>
+                <a:shade val="78000"/>
               </a:schemeClr>
             </a:gs>
           </a:gsLst>
-          <a:lin ang="16200000" scaled="0"/>
+          <a:lin ang="5400000" scaled="0"/>
         </a:gradFill>
       </a:fillStyleLst>
       <a:lnStyleLst>
-        <a:ln w="9525" cap="flat" cmpd="sng" algn="ctr">
-          <a:solidFill>
-            <a:schemeClr val="phClr">
-              <a:shade val="95000"/>
-              <a:satMod val="105000"/>
-            </a:schemeClr>
-          </a:solidFill>
-          <a:prstDash val="solid"/>
-        </a:ln>
-        <a:ln w="25400" cap="flat" cmpd="sng" algn="ctr">
+        <a:ln w="6350" cap="flat" cmpd="sng" algn="ctr">
           <a:solidFill>
             <a:schemeClr val="phClr"/>
           </a:solidFill>
           <a:prstDash val="solid"/>
+          <a:miter lim="800000"/>
         </a:ln>
-        <a:ln w="38100" cap="flat" cmpd="sng" algn="ctr">
+        <a:ln w="12700" cap="flat" cmpd="sng" algn="ctr">
           <a:solidFill>
             <a:schemeClr val="phClr"/>
           </a:solidFill>
           <a:prstDash val="solid"/>
+          <a:miter lim="800000"/>
+        </a:ln>
+        <a:ln w="19050" cap="flat" cmpd="sng" algn="ctr">
+          <a:solidFill>
+            <a:schemeClr val="phClr"/>
+          </a:solidFill>
+          <a:prstDash val="solid"/>
+          <a:miter lim="800000"/>
         </a:ln>
       </a:lnStyleLst>
       <a:effectStyleLst>
         <a:effectStyle>
+          <a:effectLst/>
+        </a:effectStyle>
+        <a:effectStyle>
+          <a:effectLst/>
+        </a:effectStyle>
+        <a:effectStyle>
           <a:effectLst>
-            <a:outerShdw blurRad="40000" dist="20000" dir="5400000" rotWithShape="0">
+            <a:outerShdw blurRad="57150" dist="19050" dir="5400000" algn="ctr" rotWithShape="0">
               <a:srgbClr val="000000">
-                <a:alpha val="38000"/>
+                <a:alpha val="63000"/>
               </a:srgbClr>
             </a:outerShdw>
           </a:effectLst>
-        </a:effectStyle>
-        <a:effectStyle>
-          <a:effectLst>
-            <a:outerShdw blurRad="40000" dist="23000" dir="5400000" rotWithShape="0">
-              <a:srgbClr val="000000">
-                <a:alpha val="35000"/>
-              </a:srgbClr>
-            </a:outerShdw>
-          </a:effectLst>
-        </a:effectStyle>
-        <a:effectStyle>
-          <a:effectLst>
-            <a:outerShdw blurRad="40000" dist="23000" dir="5400000" rotWithShape="0">
-              <a:srgbClr val="000000">
-                <a:alpha val="35000"/>
-              </a:srgbClr>
-            </a:outerShdw>
-          </a:effectLst>
-          <a:scene3d>
-            <a:camera prst="orthographicFront">
-              <a:rot lat="0" lon="0" rev="0"/>
-            </a:camera>
-            <a:lightRig rig="threePt" dir="t">
-              <a:rot lat="0" lon="0" rev="1200000"/>
-            </a:lightRig>
-          </a:scene3d>
-          <a:sp3d>
-            <a:bevelT w="63500" h="25400"/>
-          </a:sp3d>
         </a:effectStyle>
       </a:effectStyleLst>
       <a:bgFillStyleLst>
         <a:solidFill>
           <a:schemeClr val="phClr"/>
         </a:solidFill>
+        <a:solidFill>
+          <a:schemeClr val="phClr">
+            <a:tint val="95000"/>
+            <a:satMod val="170000"/>
+          </a:schemeClr>
+        </a:solidFill>
         <a:gradFill rotWithShape="1">
           <a:gsLst>
             <a:gs pos="0">
               <a:schemeClr val="phClr">
-                <a:tint val="40000"/>
-                <a:satMod val="350000"/>
+                <a:tint val="93000"/>
+                <a:satMod val="150000"/>
+                <a:shade val="98000"/>
+                <a:lumMod val="102000"/>
               </a:schemeClr>
             </a:gs>
-            <a:gs pos="40000">
+            <a:gs pos="50000">
               <a:schemeClr val="phClr">
-                <a:tint val="45000"/>
-                <a:shade val="99000"/>
-                <a:satMod val="350000"/>
+                <a:tint val="98000"/>
+                <a:satMod val="130000"/>
+                <a:shade val="90000"/>
+                <a:lumMod val="103000"/>
               </a:schemeClr>
             </a:gs>
             <a:gs pos="100000">
               <a:schemeClr val="phClr">
-                <a:shade val="20000"/>
-                <a:satMod val="255000"/>
+                <a:shade val="63000"/>
+                <a:satMod val="120000"/>
               </a:schemeClr>
             </a:gs>
           </a:gsLst>
-          <a:path path="circle">
-            <a:fillToRect l="50000" t="-80000" r="50000" b="180000"/>
-          </a:path>
-        </a:gradFill>
-        <a:gradFill rotWithShape="1">
-          <a:gsLst>
-            <a:gs pos="0">
-              <a:schemeClr val="phClr">
-                <a:tint val="80000"/>
-                <a:satMod val="300000"/>
-              </a:schemeClr>
-            </a:gs>
-            <a:gs pos="100000">
-              <a:schemeClr val="phClr">
-                <a:shade val="30000"/>
-                <a:satMod val="200000"/>
-              </a:schemeClr>
-            </a:gs>
-          </a:gsLst>
-          <a:path path="circle">
-            <a:fillToRect l="50000" t="50000" r="50000" b="50000"/>
-          </a:path>
+          <a:lin ang="5400000" scaled="0"/>
         </a:gradFill>
       </a:bgFillStyleLst>
     </a:fmtScheme>
   </a:themeElements>
   <a:objectDefaults/>
   <a:extraClrSchemeLst/>
+  <a:extLst>
+    <a:ext uri="{05A4C25C-085E-4340-85A3-A5531E510DB2}">
+      <thm15:themeFamily xmlns:thm15="http://schemas.microsoft.com/office/thememl/2012/main" name="Office Theme" id="{62F939B6-93AF-4DB8-9C6B-D6C7DFDC589F}" vid="{4A3C46E8-61CC-4603-A589-7422A47A8E4A}"/>
+    </a:ext>
+  </a:extLst>
 </a:theme>
 </file>
--- a/asparagus.pptx
+++ b/asparagus.pptx
@@ -5,7 +5,7 @@
     <p:sldMasterId id="2147483660" r:id="rId1"/>
   </p:sldMasterIdLst>
   <p:notesMasterIdLst>
-    <p:notesMasterId r:id="rId8"/>
+    <p:notesMasterId r:id="rId12"/>
   </p:notesMasterIdLst>
   <p:sldIdLst>
     <p:sldId id="256" r:id="rId2"/>
@@ -14,6 +14,10 @@
     <p:sldId id="259" r:id="rId5"/>
     <p:sldId id="260" r:id="rId6"/>
     <p:sldId id="261" r:id="rId7"/>
+    <p:sldId id="262" r:id="rId8"/>
+    <p:sldId id="263" r:id="rId9"/>
+    <p:sldId id="264" r:id="rId10"/>
+    <p:sldId id="265" r:id="rId11"/>
   </p:sldIdLst>
   <p:sldSz cx="9144000" cy="6858000" type="screen4x3"/>
   <p:notesSz cx="6858000" cy="9144000"/>
@@ -308,7 +312,6 @@
               <a:rPr lang="en-US"/>
               <a:t>Fifth level</a:t>
             </a:r>
-            <a:endParaRPr lang="en-US"/>
           </a:p>
         </p:txBody>
       </p:sp>
@@ -527,22 +530,14 @@
           <a:p>
             <a:r>
               <a:rPr lang="en-US" dirty="0"/>
-              <a:t>First picture= dianthus (</a:t>
-            </a:r>
-            <a:r>
-              <a:rPr lang="en-US" dirty="0"/>
-              <a:t>http://dept.ca.uky.edu/PLS220/Flowerpollinationsystems.pdf) (dichogamy)</a:t>
+              <a:t>First picture= dianthus (http://dept.ca.uky.edu/PLS220/Flowerpollinationsystems.pdf) (dichogamy)</a:t>
             </a:r>
             <a:endParaRPr lang="en-US" baseline="0" dirty="0"/>
           </a:p>
           <a:p>
             <a:r>
               <a:rPr lang="en-US" baseline="0" dirty="0"/>
-              <a:t>Second picture= </a:t>
-            </a:r>
-            <a:r>
-              <a:rPr lang="en-US" baseline="0" dirty="0"/>
-              <a:t>maize (example of monoecy) </a:t>
+              <a:t>Second picture= maize (example of monoecy) </a:t>
             </a:r>
           </a:p>
           <a:p>
@@ -655,11 +650,7 @@
             </a:r>
             <a:r>
               <a:rPr lang="en-US" baseline="0" dirty="0"/>
-              <a:t> </a:t>
-            </a:r>
-            <a:r>
-              <a:rPr lang="en-US" baseline="0" dirty="0"/>
-              <a:t>https://en.wikipedia.org/wiki/Asparagus</a:t>
+              <a:t> https://en.wikipedia.org/wiki/Asparagus</a:t>
             </a:r>
           </a:p>
           <a:p>
@@ -667,7 +658,6 @@
               <a:rPr lang="en-US" dirty="0"/>
               <a:t>http://www.ias.ac.in/article/fulltext/jgen/091/02/0209-0212&lt;--Deng et al, 2012</a:t>
             </a:r>
-            <a:endParaRPr lang="en-US" dirty="0"/>
           </a:p>
         </p:txBody>
       </p:sp>
@@ -5104,6 +5094,147 @@
 </p:sld>
 </file>
 
+<file path=ppt/slides/slide10.xml><?xml version="1.0" encoding="utf-8"?>
+<p:sld xmlns:a="http://schemas.openxmlformats.org/drawingml/2006/main" xmlns:r="http://schemas.openxmlformats.org/officeDocument/2006/relationships" xmlns:p="http://schemas.openxmlformats.org/presentationml/2006/main">
+  <p:cSld>
+    <p:spTree>
+      <p:nvGrpSpPr>
+        <p:cNvPr id="1" name=""/>
+        <p:cNvGrpSpPr/>
+        <p:nvPr/>
+      </p:nvGrpSpPr>
+      <p:grpSpPr>
+        <a:xfrm>
+          <a:off x="0" y="0"/>
+          <a:ext cx="0" cy="0"/>
+          <a:chOff x="0" y="0"/>
+          <a:chExt cx="0" cy="0"/>
+        </a:xfrm>
+      </p:grpSpPr>
+      <p:sp>
+        <p:nvSpPr>
+          <p:cNvPr id="2" name="Title 1"/>
+          <p:cNvSpPr>
+            <a:spLocks noGrp="1"/>
+          </p:cNvSpPr>
+          <p:nvPr>
+            <p:ph type="title"/>
+          </p:nvPr>
+        </p:nvSpPr>
+        <p:spPr/>
+        <p:txBody>
+          <a:bodyPr/>
+          <a:lstStyle/>
+          <a:p>
+            <a:r>
+              <a:rPr lang="en-US" dirty="0"/>
+              <a:t>Bibliography</a:t>
+            </a:r>
+          </a:p>
+        </p:txBody>
+      </p:sp>
+      <p:sp>
+        <p:nvSpPr>
+          <p:cNvPr id="3" name="Content Placeholder 2"/>
+          <p:cNvSpPr>
+            <a:spLocks noGrp="1"/>
+          </p:cNvSpPr>
+          <p:nvPr>
+            <p:ph idx="1"/>
+          </p:nvPr>
+        </p:nvSpPr>
+        <p:spPr/>
+        <p:txBody>
+          <a:bodyPr/>
+          <a:lstStyle/>
+          <a:p>
+            <a:r>
+              <a:rPr lang="en-US" dirty="0"/>
+              <a:t>Deng C-L, Qin R-Y, Wang N-N, Cao Y, Gao J, Gao W-J, Lu L-D. 2012. Karyotype of asparagus by physical mapping of 45S and 5S rDNA by FISH. </a:t>
+            </a:r>
+            <a:r>
+              <a:rPr lang="en-US" i="1" dirty="0"/>
+              <a:t>Journal of Genetics</a:t>
+            </a:r>
+            <a:r>
+              <a:rPr lang="en-US" dirty="0"/>
+              <a:t> </a:t>
+            </a:r>
+            <a:r>
+              <a:rPr lang="en-US" b="1" dirty="0"/>
+              <a:t>91</a:t>
+            </a:r>
+            <a:r>
+              <a:rPr lang="en-US" dirty="0"/>
+              <a:t>: 209–212.</a:t>
+            </a:r>
+          </a:p>
+          <a:p>
+            <a:r>
+              <a:rPr lang="en-US" dirty="0" err="1"/>
+              <a:t>Harkess</a:t>
+            </a:r>
+            <a:r>
+              <a:rPr lang="en-US" dirty="0"/>
+              <a:t>, A., </a:t>
+            </a:r>
+            <a:r>
+              <a:rPr lang="en-US" dirty="0" err="1"/>
+              <a:t>Mercati</a:t>
+            </a:r>
+            <a:r>
+              <a:rPr lang="en-US" dirty="0"/>
+              <a:t>, F., Shan, H.-Y., </a:t>
+            </a:r>
+            <a:r>
+              <a:rPr lang="en-US" dirty="0" err="1"/>
+              <a:t>Sunseri</a:t>
+            </a:r>
+            <a:r>
+              <a:rPr lang="en-US" dirty="0"/>
+              <a:t>, F., </a:t>
+            </a:r>
+            <a:r>
+              <a:rPr lang="en-US" dirty="0" err="1"/>
+              <a:t>Falavigna</a:t>
+            </a:r>
+            <a:r>
+              <a:rPr lang="en-US" dirty="0"/>
+              <a:t>, A. and </a:t>
+            </a:r>
+            <a:r>
+              <a:rPr lang="en-US" dirty="0" err="1"/>
+              <a:t>Leebens</a:t>
+            </a:r>
+            <a:r>
+              <a:rPr lang="en-US" dirty="0"/>
+              <a:t>-Mack, J. (2015), Sex-biased gene expression in dioecious garden asparagus (</a:t>
+            </a:r>
+            <a:r>
+              <a:rPr lang="en-US" i="1" dirty="0"/>
+              <a:t>Asparagus officinalis</a:t>
+            </a:r>
+            <a:r>
+              <a:rPr lang="en-US" dirty="0"/>
+              <a:t>). New Phytol, 207: 883–892. doi:10.1111/nph.13389</a:t>
+            </a:r>
+            <a:endParaRPr lang="en-US" dirty="0"/>
+          </a:p>
+        </p:txBody>
+      </p:sp>
+    </p:spTree>
+    <p:extLst>
+      <p:ext uri="{BB962C8B-B14F-4D97-AF65-F5344CB8AC3E}">
+        <p14:creationId xmlns:p14="http://schemas.microsoft.com/office/powerpoint/2010/main" val="1642219891"/>
+      </p:ext>
+    </p:extLst>
+  </p:cSld>
+  <p:clrMapOvr>
+    <a:masterClrMapping/>
+  </p:clrMapOvr>
+</p:sld>
+</file>
+
 <file path=ppt/slides/slide2.xml><?xml version="1.0" encoding="utf-8"?>
 <p:sld xmlns:a="http://schemas.openxmlformats.org/drawingml/2006/main" xmlns:r="http://schemas.openxmlformats.org/officeDocument/2006/relationships" xmlns:p="http://schemas.openxmlformats.org/presentationml/2006/main">
   <p:cSld>
@@ -5799,6 +5930,257 @@
     <p:extLst>
       <p:ext uri="{BB962C8B-B14F-4D97-AF65-F5344CB8AC3E}">
         <p14:creationId xmlns:p14="http://schemas.microsoft.com/office/powerpoint/2010/main" val="1811023338"/>
+      </p:ext>
+    </p:extLst>
+  </p:cSld>
+  <p:clrMapOvr>
+    <a:masterClrMapping/>
+  </p:clrMapOvr>
+</p:sld>
+</file>
+
+<file path=ppt/slides/slide7.xml><?xml version="1.0" encoding="utf-8"?>
+<p:sld xmlns:a="http://schemas.openxmlformats.org/drawingml/2006/main" xmlns:r="http://schemas.openxmlformats.org/officeDocument/2006/relationships" xmlns:p="http://schemas.openxmlformats.org/presentationml/2006/main">
+  <p:cSld>
+    <p:spTree>
+      <p:nvGrpSpPr>
+        <p:cNvPr id="1" name=""/>
+        <p:cNvGrpSpPr/>
+        <p:nvPr/>
+      </p:nvGrpSpPr>
+      <p:grpSpPr>
+        <a:xfrm>
+          <a:off x="0" y="0"/>
+          <a:ext cx="0" cy="0"/>
+          <a:chOff x="0" y="0"/>
+          <a:chExt cx="0" cy="0"/>
+        </a:xfrm>
+      </p:grpSpPr>
+      <p:sp>
+        <p:nvSpPr>
+          <p:cNvPr id="2" name="Title 1"/>
+          <p:cNvSpPr>
+            <a:spLocks noGrp="1"/>
+          </p:cNvSpPr>
+          <p:nvPr>
+            <p:ph type="title"/>
+          </p:nvPr>
+        </p:nvSpPr>
+        <p:spPr/>
+        <p:txBody>
+          <a:bodyPr/>
+          <a:lstStyle/>
+          <a:p>
+            <a:r>
+              <a:rPr lang="en-US" dirty="0"/>
+              <a:t>Workflow</a:t>
+            </a:r>
+          </a:p>
+        </p:txBody>
+      </p:sp>
+      <p:sp>
+        <p:nvSpPr>
+          <p:cNvPr id="3" name="Content Placeholder 2"/>
+          <p:cNvSpPr>
+            <a:spLocks noGrp="1"/>
+          </p:cNvSpPr>
+          <p:nvPr>
+            <p:ph idx="1"/>
+          </p:nvPr>
+        </p:nvSpPr>
+        <p:spPr/>
+        <p:txBody>
+          <a:bodyPr/>
+          <a:lstStyle/>
+          <a:p>
+            <a:endParaRPr lang="en-US"/>
+          </a:p>
+        </p:txBody>
+      </p:sp>
+    </p:spTree>
+    <p:extLst>
+      <p:ext uri="{BB962C8B-B14F-4D97-AF65-F5344CB8AC3E}">
+        <p14:creationId xmlns:p14="http://schemas.microsoft.com/office/powerpoint/2010/main" val="2670884619"/>
+      </p:ext>
+    </p:extLst>
+  </p:cSld>
+  <p:clrMapOvr>
+    <a:masterClrMapping/>
+  </p:clrMapOvr>
+</p:sld>
+</file>
+
+<file path=ppt/slides/slide8.xml><?xml version="1.0" encoding="utf-8"?>
+<p:sld xmlns:a="http://schemas.openxmlformats.org/drawingml/2006/main" xmlns:r="http://schemas.openxmlformats.org/officeDocument/2006/relationships" xmlns:p="http://schemas.openxmlformats.org/presentationml/2006/main">
+  <p:cSld>
+    <p:spTree>
+      <p:nvGrpSpPr>
+        <p:cNvPr id="1" name=""/>
+        <p:cNvGrpSpPr/>
+        <p:nvPr/>
+      </p:nvGrpSpPr>
+      <p:grpSpPr>
+        <a:xfrm>
+          <a:off x="0" y="0"/>
+          <a:ext cx="0" cy="0"/>
+          <a:chOff x="0" y="0"/>
+          <a:chExt cx="0" cy="0"/>
+        </a:xfrm>
+      </p:grpSpPr>
+      <p:sp>
+        <p:nvSpPr>
+          <p:cNvPr id="2" name="Title 1"/>
+          <p:cNvSpPr>
+            <a:spLocks noGrp="1"/>
+          </p:cNvSpPr>
+          <p:nvPr>
+            <p:ph type="title"/>
+          </p:nvPr>
+        </p:nvSpPr>
+        <p:spPr/>
+        <p:txBody>
+          <a:bodyPr/>
+          <a:lstStyle/>
+          <a:p>
+            <a:r>
+              <a:rPr lang="en-US" dirty="0"/>
+              <a:t>Overview of documentation</a:t>
+            </a:r>
+          </a:p>
+        </p:txBody>
+      </p:sp>
+      <p:sp>
+        <p:nvSpPr>
+          <p:cNvPr id="3" name="Content Placeholder 2"/>
+          <p:cNvSpPr>
+            <a:spLocks noGrp="1"/>
+          </p:cNvSpPr>
+          <p:nvPr>
+            <p:ph idx="1"/>
+          </p:nvPr>
+        </p:nvSpPr>
+        <p:spPr/>
+        <p:txBody>
+          <a:bodyPr/>
+          <a:lstStyle/>
+          <a:p>
+            <a:r>
+              <a:rPr lang="en-US" dirty="0"/>
+              <a:t>FASTQC-files</a:t>
+            </a:r>
+          </a:p>
+          <a:p>
+            <a:r>
+              <a:rPr lang="en-US" dirty="0"/>
+              <a:t>Asparagus </a:t>
+            </a:r>
+            <a:r>
+              <a:rPr lang="en-US" dirty="0" err="1"/>
+              <a:t>powerpoint</a:t>
+            </a:r>
+            <a:endParaRPr lang="en-US" dirty="0"/>
+          </a:p>
+          <a:p>
+            <a:r>
+              <a:rPr lang="en-US" dirty="0"/>
+              <a:t>Paper</a:t>
+            </a:r>
+          </a:p>
+          <a:p>
+            <a:r>
+              <a:rPr lang="en-US" dirty="0"/>
+              <a:t>README.md</a:t>
+            </a:r>
+          </a:p>
+          <a:p>
+            <a:r>
+              <a:rPr lang="en-US" dirty="0"/>
+              <a:t>Supplementary tables from paper</a:t>
+            </a:r>
+          </a:p>
+          <a:p>
+            <a:r>
+              <a:rPr lang="en-US" dirty="0"/>
+              <a:t>Gene count expression data</a:t>
+            </a:r>
+          </a:p>
+        </p:txBody>
+      </p:sp>
+    </p:spTree>
+    <p:extLst>
+      <p:ext uri="{BB962C8B-B14F-4D97-AF65-F5344CB8AC3E}">
+        <p14:creationId xmlns:p14="http://schemas.microsoft.com/office/powerpoint/2010/main" val="2038048837"/>
+      </p:ext>
+    </p:extLst>
+  </p:cSld>
+  <p:clrMapOvr>
+    <a:masterClrMapping/>
+  </p:clrMapOvr>
+</p:sld>
+</file>
+
+<file path=ppt/slides/slide9.xml><?xml version="1.0" encoding="utf-8"?>
+<p:sld xmlns:a="http://schemas.openxmlformats.org/drawingml/2006/main" xmlns:r="http://schemas.openxmlformats.org/officeDocument/2006/relationships" xmlns:p="http://schemas.openxmlformats.org/presentationml/2006/main">
+  <p:cSld>
+    <p:spTree>
+      <p:nvGrpSpPr>
+        <p:cNvPr id="1" name=""/>
+        <p:cNvGrpSpPr/>
+        <p:nvPr/>
+      </p:nvGrpSpPr>
+      <p:grpSpPr>
+        <a:xfrm>
+          <a:off x="0" y="0"/>
+          <a:ext cx="0" cy="0"/>
+          <a:chOff x="0" y="0"/>
+          <a:chExt cx="0" cy="0"/>
+        </a:xfrm>
+      </p:grpSpPr>
+      <p:sp>
+        <p:nvSpPr>
+          <p:cNvPr id="2" name="Title 1"/>
+          <p:cNvSpPr>
+            <a:spLocks noGrp="1"/>
+          </p:cNvSpPr>
+          <p:nvPr>
+            <p:ph type="title"/>
+          </p:nvPr>
+        </p:nvSpPr>
+        <p:spPr/>
+        <p:txBody>
+          <a:bodyPr/>
+          <a:lstStyle/>
+          <a:p>
+            <a:r>
+              <a:rPr lang="en-US" dirty="0"/>
+              <a:t>Results</a:t>
+            </a:r>
+          </a:p>
+        </p:txBody>
+      </p:sp>
+      <p:sp>
+        <p:nvSpPr>
+          <p:cNvPr id="3" name="Content Placeholder 2"/>
+          <p:cNvSpPr>
+            <a:spLocks noGrp="1"/>
+          </p:cNvSpPr>
+          <p:nvPr>
+            <p:ph idx="1"/>
+          </p:nvPr>
+        </p:nvSpPr>
+        <p:spPr/>
+        <p:txBody>
+          <a:bodyPr/>
+          <a:lstStyle/>
+          <a:p>
+            <a:endParaRPr lang="en-US"/>
+          </a:p>
+        </p:txBody>
+      </p:sp>
+    </p:spTree>
+    <p:extLst>
+      <p:ext uri="{BB962C8B-B14F-4D97-AF65-F5344CB8AC3E}">
+        <p14:creationId xmlns:p14="http://schemas.microsoft.com/office/powerpoint/2010/main" val="1965869171"/>
       </p:ext>
     </p:extLst>
   </p:cSld>

--- a/asparagus.pptx
+++ b/asparagus.pptx
@@ -5,7 +5,7 @@
     <p:sldMasterId id="2147483660" r:id="rId1"/>
   </p:sldMasterIdLst>
   <p:notesMasterIdLst>
-    <p:notesMasterId r:id="rId12"/>
+    <p:notesMasterId r:id="rId14"/>
   </p:notesMasterIdLst>
   <p:sldIdLst>
     <p:sldId id="256" r:id="rId2"/>
@@ -15,9 +15,11 @@
     <p:sldId id="260" r:id="rId6"/>
     <p:sldId id="261" r:id="rId7"/>
     <p:sldId id="262" r:id="rId8"/>
-    <p:sldId id="263" r:id="rId9"/>
-    <p:sldId id="264" r:id="rId10"/>
-    <p:sldId id="265" r:id="rId11"/>
+    <p:sldId id="266" r:id="rId9"/>
+    <p:sldId id="267" r:id="rId10"/>
+    <p:sldId id="263" r:id="rId11"/>
+    <p:sldId id="264" r:id="rId12"/>
+    <p:sldId id="265" r:id="rId13"/>
   </p:sldIdLst>
   <p:sldSz cx="9144000" cy="6858000" type="screen4x3"/>
   <p:notesSz cx="6858000" cy="9144000"/>
@@ -135,6 +137,7267 @@
 </p:presentation>
 </file>
 
+<file path=ppt/diagrams/colors1.xml><?xml version="1.0" encoding="utf-8"?>
+<dgm:colorsDef xmlns:dgm="http://schemas.openxmlformats.org/drawingml/2006/diagram" xmlns:a="http://schemas.openxmlformats.org/drawingml/2006/main" uniqueId="urn:microsoft.com/office/officeart/2005/8/colors/accent1_2">
+  <dgm:title val=""/>
+  <dgm:desc val=""/>
+  <dgm:catLst>
+    <dgm:cat type="accent1" pri="11200"/>
+  </dgm:catLst>
+  <dgm:styleLbl name="node0">
+    <dgm:fillClrLst meth="repeat">
+      <a:schemeClr val="accent1"/>
+    </dgm:fillClrLst>
+    <dgm:linClrLst meth="repeat">
+      <a:schemeClr val="lt1"/>
+    </dgm:linClrLst>
+    <dgm:effectClrLst/>
+    <dgm:txLinClrLst/>
+    <dgm:txFillClrLst/>
+    <dgm:txEffectClrLst/>
+  </dgm:styleLbl>
+  <dgm:styleLbl name="alignNode1">
+    <dgm:fillClrLst meth="repeat">
+      <a:schemeClr val="accent1"/>
+    </dgm:fillClrLst>
+    <dgm:linClrLst meth="repeat">
+      <a:schemeClr val="accent1"/>
+    </dgm:linClrLst>
+    <dgm:effectClrLst/>
+    <dgm:txLinClrLst/>
+    <dgm:txFillClrLst/>
+    <dgm:txEffectClrLst/>
+  </dgm:styleLbl>
+  <dgm:styleLbl name="node1">
+    <dgm:fillClrLst meth="repeat">
+      <a:schemeClr val="accent1"/>
+    </dgm:fillClrLst>
+    <dgm:linClrLst meth="repeat">
+      <a:schemeClr val="lt1"/>
+    </dgm:linClrLst>
+    <dgm:effectClrLst/>
+    <dgm:txLinClrLst/>
+    <dgm:txFillClrLst/>
+    <dgm:txEffectClrLst/>
+  </dgm:styleLbl>
+  <dgm:styleLbl name="lnNode1">
+    <dgm:fillClrLst meth="repeat">
+      <a:schemeClr val="accent1"/>
+    </dgm:fillClrLst>
+    <dgm:linClrLst meth="repeat">
+      <a:schemeClr val="lt1"/>
+    </dgm:linClrLst>
+    <dgm:effectClrLst/>
+    <dgm:txLinClrLst/>
+    <dgm:txFillClrLst/>
+    <dgm:txEffectClrLst/>
+  </dgm:styleLbl>
+  <dgm:styleLbl name="vennNode1">
+    <dgm:fillClrLst meth="repeat">
+      <a:schemeClr val="accent1">
+        <a:alpha val="50000"/>
+      </a:schemeClr>
+    </dgm:fillClrLst>
+    <dgm:linClrLst meth="repeat">
+      <a:schemeClr val="lt1"/>
+    </dgm:linClrLst>
+    <dgm:effectClrLst/>
+    <dgm:txLinClrLst/>
+    <dgm:txFillClrLst/>
+    <dgm:txEffectClrLst/>
+  </dgm:styleLbl>
+  <dgm:styleLbl name="node2">
+    <dgm:fillClrLst meth="repeat">
+      <a:schemeClr val="accent1"/>
+    </dgm:fillClrLst>
+    <dgm:linClrLst meth="repeat">
+      <a:schemeClr val="lt1"/>
+    </dgm:linClrLst>
+    <dgm:effectClrLst/>
+    <dgm:txLinClrLst/>
+    <dgm:txFillClrLst/>
+    <dgm:txEffectClrLst/>
+  </dgm:styleLbl>
+  <dgm:styleLbl name="node3">
+    <dgm:fillClrLst meth="repeat">
+      <a:schemeClr val="accent1"/>
+    </dgm:fillClrLst>
+    <dgm:linClrLst meth="repeat">
+      <a:schemeClr val="lt1"/>
+    </dgm:linClrLst>
+    <dgm:effectClrLst/>
+    <dgm:txLinClrLst/>
+    <dgm:txFillClrLst/>
+    <dgm:txEffectClrLst/>
+  </dgm:styleLbl>
+  <dgm:styleLbl name="node4">
+    <dgm:fillClrLst meth="repeat">
+      <a:schemeClr val="accent1"/>
+    </dgm:fillClrLst>
+    <dgm:linClrLst meth="repeat">
+      <a:schemeClr val="lt1"/>
+    </dgm:linClrLst>
+    <dgm:effectClrLst/>
+    <dgm:txLinClrLst/>
+    <dgm:txFillClrLst/>
+    <dgm:txEffectClrLst/>
+  </dgm:styleLbl>
+  <dgm:styleLbl name="fgImgPlace1">
+    <dgm:fillClrLst meth="repeat">
+      <a:schemeClr val="accent1">
+        <a:tint val="50000"/>
+      </a:schemeClr>
+    </dgm:fillClrLst>
+    <dgm:linClrLst meth="repeat">
+      <a:schemeClr val="lt1"/>
+    </dgm:linClrLst>
+    <dgm:effectClrLst/>
+    <dgm:txLinClrLst/>
+    <dgm:txFillClrLst meth="repeat">
+      <a:schemeClr val="lt1"/>
+    </dgm:txFillClrLst>
+    <dgm:txEffectClrLst/>
+  </dgm:styleLbl>
+  <dgm:styleLbl name="alignImgPlace1">
+    <dgm:fillClrLst meth="repeat">
+      <a:schemeClr val="accent1">
+        <a:tint val="50000"/>
+      </a:schemeClr>
+    </dgm:fillClrLst>
+    <dgm:linClrLst meth="repeat">
+      <a:schemeClr val="lt1"/>
+    </dgm:linClrLst>
+    <dgm:effectClrLst/>
+    <dgm:txLinClrLst/>
+    <dgm:txFillClrLst meth="repeat">
+      <a:schemeClr val="lt1"/>
+    </dgm:txFillClrLst>
+    <dgm:txEffectClrLst/>
+  </dgm:styleLbl>
+  <dgm:styleLbl name="bgImgPlace1">
+    <dgm:fillClrLst meth="repeat">
+      <a:schemeClr val="accent1">
+        <a:tint val="50000"/>
+      </a:schemeClr>
+    </dgm:fillClrLst>
+    <dgm:linClrLst meth="repeat">
+      <a:schemeClr val="lt1"/>
+    </dgm:linClrLst>
+    <dgm:effectClrLst/>
+    <dgm:txLinClrLst/>
+    <dgm:txFillClrLst meth="repeat">
+      <a:schemeClr val="lt1"/>
+    </dgm:txFillClrLst>
+    <dgm:txEffectClrLst/>
+  </dgm:styleLbl>
+  <dgm:styleLbl name="sibTrans2D1">
+    <dgm:fillClrLst meth="repeat">
+      <a:schemeClr val="accent1">
+        <a:tint val="60000"/>
+      </a:schemeClr>
+    </dgm:fillClrLst>
+    <dgm:linClrLst meth="repeat">
+      <a:schemeClr val="accent1">
+        <a:tint val="60000"/>
+      </a:schemeClr>
+    </dgm:linClrLst>
+    <dgm:effectClrLst/>
+    <dgm:txLinClrLst/>
+    <dgm:txFillClrLst/>
+    <dgm:txEffectClrLst/>
+  </dgm:styleLbl>
+  <dgm:styleLbl name="fgSibTrans2D1">
+    <dgm:fillClrLst meth="repeat">
+      <a:schemeClr val="accent1">
+        <a:tint val="60000"/>
+      </a:schemeClr>
+    </dgm:fillClrLst>
+    <dgm:linClrLst meth="repeat">
+      <a:schemeClr val="accent1">
+        <a:tint val="60000"/>
+      </a:schemeClr>
+    </dgm:linClrLst>
+    <dgm:effectClrLst/>
+    <dgm:txLinClrLst/>
+    <dgm:txFillClrLst/>
+    <dgm:txEffectClrLst/>
+  </dgm:styleLbl>
+  <dgm:styleLbl name="bgSibTrans2D1">
+    <dgm:fillClrLst meth="repeat">
+      <a:schemeClr val="accent1">
+        <a:tint val="60000"/>
+      </a:schemeClr>
+    </dgm:fillClrLst>
+    <dgm:linClrLst meth="repeat">
+      <a:schemeClr val="accent1">
+        <a:tint val="60000"/>
+      </a:schemeClr>
+    </dgm:linClrLst>
+    <dgm:effectClrLst/>
+    <dgm:txLinClrLst/>
+    <dgm:txFillClrLst/>
+    <dgm:txEffectClrLst/>
+  </dgm:styleLbl>
+  <dgm:styleLbl name="sibTrans1D1">
+    <dgm:fillClrLst meth="repeat">
+      <a:schemeClr val="accent1"/>
+    </dgm:fillClrLst>
+    <dgm:linClrLst meth="repeat">
+      <a:schemeClr val="accent1"/>
+    </dgm:linClrLst>
+    <dgm:effectClrLst/>
+    <dgm:txLinClrLst/>
+    <dgm:txFillClrLst meth="repeat">
+      <a:schemeClr val="tx1"/>
+    </dgm:txFillClrLst>
+    <dgm:txEffectClrLst/>
+  </dgm:styleLbl>
+  <dgm:styleLbl name="callout">
+    <dgm:fillClrLst meth="repeat">
+      <a:schemeClr val="accent1"/>
+    </dgm:fillClrLst>
+    <dgm:linClrLst meth="repeat">
+      <a:schemeClr val="accent1">
+        <a:tint val="50000"/>
+      </a:schemeClr>
+    </dgm:linClrLst>
+    <dgm:effectClrLst/>
+    <dgm:txLinClrLst/>
+    <dgm:txFillClrLst meth="repeat">
+      <a:schemeClr val="tx1"/>
+    </dgm:txFillClrLst>
+    <dgm:txEffectClrLst/>
+  </dgm:styleLbl>
+  <dgm:styleLbl name="asst0">
+    <dgm:fillClrLst meth="repeat">
+      <a:schemeClr val="accent1"/>
+    </dgm:fillClrLst>
+    <dgm:linClrLst meth="repeat">
+      <a:schemeClr val="lt1"/>
+    </dgm:linClrLst>
+    <dgm:effectClrLst/>
+    <dgm:txLinClrLst/>
+    <dgm:txFillClrLst/>
+    <dgm:txEffectClrLst/>
+  </dgm:styleLbl>
+  <dgm:styleLbl name="asst1">
+    <dgm:fillClrLst meth="repeat">
+      <a:schemeClr val="accent1"/>
+    </dgm:fillClrLst>
+    <dgm:linClrLst meth="repeat">
+      <a:schemeClr val="lt1"/>
+    </dgm:linClrLst>
+    <dgm:effectClrLst/>
+    <dgm:txLinClrLst/>
+    <dgm:txFillClrLst/>
+    <dgm:txEffectClrLst/>
+  </dgm:styleLbl>
+  <dgm:styleLbl name="asst2">
+    <dgm:fillClrLst meth="repeat">
+      <a:schemeClr val="accent1"/>
+    </dgm:fillClrLst>
+    <dgm:linClrLst meth="repeat">
+      <a:schemeClr val="lt1"/>
+    </dgm:linClrLst>
+    <dgm:effectClrLst/>
+    <dgm:txLinClrLst/>
+    <dgm:txFillClrLst/>
+    <dgm:txEffectClrLst/>
+  </dgm:styleLbl>
+  <dgm:styleLbl name="asst3">
+    <dgm:fillClrLst meth="repeat">
+      <a:schemeClr val="accent1"/>
+    </dgm:fillClrLst>
+    <dgm:linClrLst meth="repeat">
+      <a:schemeClr val="lt1"/>
+    </dgm:linClrLst>
+    <dgm:effectClrLst/>
+    <dgm:txLinClrLst/>
+    <dgm:txFillClrLst/>
+    <dgm:txEffectClrLst/>
+  </dgm:styleLbl>
+  <dgm:styleLbl name="asst4">
+    <dgm:fillClrLst meth="repeat">
+      <a:schemeClr val="accent1"/>
+    </dgm:fillClrLst>
+    <dgm:linClrLst meth="repeat">
+      <a:schemeClr val="lt1"/>
+    </dgm:linClrLst>
+    <dgm:effectClrLst/>
+    <dgm:txLinClrLst/>
+    <dgm:txFillClrLst/>
+    <dgm:txEffectClrLst/>
+  </dgm:styleLbl>
+  <dgm:styleLbl name="parChTrans2D1">
+    <dgm:fillClrLst meth="repeat">
+      <a:schemeClr val="accent1">
+        <a:tint val="60000"/>
+      </a:schemeClr>
+    </dgm:fillClrLst>
+    <dgm:linClrLst meth="repeat">
+      <a:schemeClr val="accent1">
+        <a:tint val="60000"/>
+      </a:schemeClr>
+    </dgm:linClrLst>
+    <dgm:effectClrLst/>
+    <dgm:txLinClrLst/>
+    <dgm:txFillClrLst meth="repeat">
+      <a:schemeClr val="lt1"/>
+    </dgm:txFillClrLst>
+    <dgm:txEffectClrLst/>
+  </dgm:styleLbl>
+  <dgm:styleLbl name="parChTrans2D2">
+    <dgm:fillClrLst meth="repeat">
+      <a:schemeClr val="accent1"/>
+    </dgm:fillClrLst>
+    <dgm:linClrLst meth="repeat">
+      <a:schemeClr val="accent1"/>
+    </dgm:linClrLst>
+    <dgm:effectClrLst/>
+    <dgm:txLinClrLst/>
+    <dgm:txFillClrLst meth="repeat">
+      <a:schemeClr val="lt1"/>
+    </dgm:txFillClrLst>
+    <dgm:txEffectClrLst/>
+  </dgm:styleLbl>
+  <dgm:styleLbl name="parChTrans2D3">
+    <dgm:fillClrLst meth="repeat">
+      <a:schemeClr val="accent1"/>
+    </dgm:fillClrLst>
+    <dgm:linClrLst meth="repeat">
+      <a:schemeClr val="accent1"/>
+    </dgm:linClrLst>
+    <dgm:effectClrLst/>
+    <dgm:txLinClrLst/>
+    <dgm:txFillClrLst meth="repeat">
+      <a:schemeClr val="lt1"/>
+    </dgm:txFillClrLst>
+    <dgm:txEffectClrLst/>
+  </dgm:styleLbl>
+  <dgm:styleLbl name="parChTrans2D4">
+    <dgm:fillClrLst meth="repeat">
+      <a:schemeClr val="accent1"/>
+    </dgm:fillClrLst>
+    <dgm:linClrLst meth="repeat">
+      <a:schemeClr val="accent1"/>
+    </dgm:linClrLst>
+    <dgm:effectClrLst/>
+    <dgm:txLinClrLst/>
+    <dgm:txFillClrLst meth="repeat">
+      <a:schemeClr val="lt1"/>
+    </dgm:txFillClrLst>
+    <dgm:txEffectClrLst/>
+  </dgm:styleLbl>
+  <dgm:styleLbl name="parChTrans1D1">
+    <dgm:fillClrLst meth="repeat">
+      <a:schemeClr val="accent1"/>
+    </dgm:fillClrLst>
+    <dgm:linClrLst meth="repeat">
+      <a:schemeClr val="accent1">
+        <a:shade val="60000"/>
+      </a:schemeClr>
+    </dgm:linClrLst>
+    <dgm:effectClrLst/>
+    <dgm:txLinClrLst/>
+    <dgm:txFillClrLst meth="repeat">
+      <a:schemeClr val="tx1"/>
+    </dgm:txFillClrLst>
+    <dgm:txEffectClrLst/>
+  </dgm:styleLbl>
+  <dgm:styleLbl name="parChTrans1D2">
+    <dgm:fillClrLst meth="repeat">
+      <a:schemeClr val="accent1"/>
+    </dgm:fillClrLst>
+    <dgm:linClrLst meth="repeat">
+      <a:schemeClr val="accent1">
+        <a:shade val="60000"/>
+      </a:schemeClr>
+    </dgm:linClrLst>
+    <dgm:effectClrLst/>
+    <dgm:txLinClrLst/>
+    <dgm:txFillClrLst meth="repeat">
+      <a:schemeClr val="tx1"/>
+    </dgm:txFillClrLst>
+    <dgm:txEffectClrLst/>
+  </dgm:styleLbl>
+  <dgm:styleLbl name="parChTrans1D3">
+    <dgm:fillClrLst meth="repeat">
+      <a:schemeClr val="accent1"/>
+    </dgm:fillClrLst>
+    <dgm:linClrLst meth="repeat">
+      <a:schemeClr val="accent1">
+        <a:shade val="80000"/>
+      </a:schemeClr>
+    </dgm:linClrLst>
+    <dgm:effectClrLst/>
+    <dgm:txLinClrLst/>
+    <dgm:txFillClrLst meth="repeat">
+      <a:schemeClr val="tx1"/>
+    </dgm:txFillClrLst>
+    <dgm:txEffectClrLst/>
+  </dgm:styleLbl>
+  <dgm:styleLbl name="parChTrans1D4">
+    <dgm:fillClrLst meth="repeat">
+      <a:schemeClr val="accent1"/>
+    </dgm:fillClrLst>
+    <dgm:linClrLst meth="repeat">
+      <a:schemeClr val="accent1">
+        <a:shade val="80000"/>
+      </a:schemeClr>
+    </dgm:linClrLst>
+    <dgm:effectClrLst/>
+    <dgm:txLinClrLst/>
+    <dgm:txFillClrLst meth="repeat">
+      <a:schemeClr val="tx1"/>
+    </dgm:txFillClrLst>
+    <dgm:txEffectClrLst/>
+  </dgm:styleLbl>
+  <dgm:styleLbl name="fgAcc1">
+    <dgm:fillClrLst meth="repeat">
+      <a:schemeClr val="lt1">
+        <a:alpha val="90000"/>
+      </a:schemeClr>
+    </dgm:fillClrLst>
+    <dgm:linClrLst meth="repeat">
+      <a:schemeClr val="accent1"/>
+    </dgm:linClrLst>
+    <dgm:effectClrLst/>
+    <dgm:txLinClrLst/>
+    <dgm:txFillClrLst meth="repeat">
+      <a:schemeClr val="dk1"/>
+    </dgm:txFillClrLst>
+    <dgm:txEffectClrLst/>
+  </dgm:styleLbl>
+  <dgm:styleLbl name="conFgAcc1">
+    <dgm:fillClrLst meth="repeat">
+      <a:schemeClr val="lt1">
+        <a:alpha val="90000"/>
+      </a:schemeClr>
+    </dgm:fillClrLst>
+    <dgm:linClrLst meth="repeat">
+      <a:schemeClr val="accent1"/>
+    </dgm:linClrLst>
+    <dgm:effectClrLst/>
+    <dgm:txLinClrLst/>
+    <dgm:txFillClrLst meth="repeat">
+      <a:schemeClr val="dk1"/>
+    </dgm:txFillClrLst>
+    <dgm:txEffectClrLst/>
+  </dgm:styleLbl>
+  <dgm:styleLbl name="alignAcc1">
+    <dgm:fillClrLst meth="repeat">
+      <a:schemeClr val="lt1">
+        <a:alpha val="90000"/>
+      </a:schemeClr>
+    </dgm:fillClrLst>
+    <dgm:linClrLst meth="repeat">
+      <a:schemeClr val="accent1"/>
+    </dgm:linClrLst>
+    <dgm:effectClrLst/>
+    <dgm:txLinClrLst/>
+    <dgm:txFillClrLst meth="repeat">
+      <a:schemeClr val="dk1"/>
+    </dgm:txFillClrLst>
+    <dgm:txEffectClrLst/>
+  </dgm:styleLbl>
+  <dgm:styleLbl name="trAlignAcc1">
+    <dgm:fillClrLst meth="repeat">
+      <a:schemeClr val="lt1">
+        <a:alpha val="40000"/>
+      </a:schemeClr>
+    </dgm:fillClrLst>
+    <dgm:linClrLst meth="repeat">
+      <a:schemeClr val="accent1"/>
+    </dgm:linClrLst>
+    <dgm:effectClrLst/>
+    <dgm:txLinClrLst/>
+    <dgm:txFillClrLst meth="repeat">
+      <a:schemeClr val="dk1"/>
+    </dgm:txFillClrLst>
+    <dgm:txEffectClrLst/>
+  </dgm:styleLbl>
+  <dgm:styleLbl name="bgAcc1">
+    <dgm:fillClrLst meth="repeat">
+      <a:schemeClr val="lt1">
+        <a:alpha val="90000"/>
+      </a:schemeClr>
+    </dgm:fillClrLst>
+    <dgm:linClrLst meth="repeat">
+      <a:schemeClr val="accent1"/>
+    </dgm:linClrLst>
+    <dgm:effectClrLst/>
+    <dgm:txLinClrLst/>
+    <dgm:txFillClrLst meth="repeat">
+      <a:schemeClr val="dk1"/>
+    </dgm:txFillClrLst>
+    <dgm:txEffectClrLst/>
+  </dgm:styleLbl>
+  <dgm:styleLbl name="solidFgAcc1">
+    <dgm:fillClrLst meth="repeat">
+      <a:schemeClr val="lt1"/>
+    </dgm:fillClrLst>
+    <dgm:linClrLst meth="repeat">
+      <a:schemeClr val="accent1"/>
+    </dgm:linClrLst>
+    <dgm:effectClrLst/>
+    <dgm:txLinClrLst/>
+    <dgm:txFillClrLst meth="repeat">
+      <a:schemeClr val="dk1"/>
+    </dgm:txFillClrLst>
+    <dgm:txEffectClrLst/>
+  </dgm:styleLbl>
+  <dgm:styleLbl name="solidAlignAcc1">
+    <dgm:fillClrLst meth="repeat">
+      <a:schemeClr val="lt1"/>
+    </dgm:fillClrLst>
+    <dgm:linClrLst meth="repeat">
+      <a:schemeClr val="accent1"/>
+    </dgm:linClrLst>
+    <dgm:effectClrLst/>
+    <dgm:txLinClrLst/>
+    <dgm:txFillClrLst meth="repeat">
+      <a:schemeClr val="dk1"/>
+    </dgm:txFillClrLst>
+    <dgm:txEffectClrLst/>
+  </dgm:styleLbl>
+  <dgm:styleLbl name="solidBgAcc1">
+    <dgm:fillClrLst meth="repeat">
+      <a:schemeClr val="lt1"/>
+    </dgm:fillClrLst>
+    <dgm:linClrLst meth="repeat">
+      <a:schemeClr val="accent1"/>
+    </dgm:linClrLst>
+    <dgm:effectClrLst/>
+    <dgm:txLinClrLst/>
+    <dgm:txFillClrLst meth="repeat">
+      <a:schemeClr val="dk1"/>
+    </dgm:txFillClrLst>
+    <dgm:txEffectClrLst/>
+  </dgm:styleLbl>
+  <dgm:styleLbl name="fgAccFollowNode1">
+    <dgm:fillClrLst meth="repeat">
+      <a:schemeClr val="accent1">
+        <a:alpha val="90000"/>
+        <a:tint val="40000"/>
+      </a:schemeClr>
+    </dgm:fillClrLst>
+    <dgm:linClrLst meth="repeat">
+      <a:schemeClr val="accent1">
+        <a:alpha val="90000"/>
+        <a:tint val="40000"/>
+      </a:schemeClr>
+    </dgm:linClrLst>
+    <dgm:effectClrLst/>
+    <dgm:txLinClrLst/>
+    <dgm:txFillClrLst meth="repeat">
+      <a:schemeClr val="dk1"/>
+    </dgm:txFillClrLst>
+    <dgm:txEffectClrLst/>
+  </dgm:styleLbl>
+  <dgm:styleLbl name="alignAccFollowNode1">
+    <dgm:fillClrLst meth="repeat">
+      <a:schemeClr val="accent1">
+        <a:alpha val="90000"/>
+        <a:tint val="40000"/>
+      </a:schemeClr>
+    </dgm:fillClrLst>
+    <dgm:linClrLst meth="repeat">
+      <a:schemeClr val="accent1">
+        <a:alpha val="90000"/>
+        <a:tint val="40000"/>
+      </a:schemeClr>
+    </dgm:linClrLst>
+    <dgm:effectClrLst/>
+    <dgm:txLinClrLst/>
+    <dgm:txFillClrLst meth="repeat">
+      <a:schemeClr val="dk1"/>
+    </dgm:txFillClrLst>
+    <dgm:txEffectClrLst/>
+  </dgm:styleLbl>
+  <dgm:styleLbl name="bgAccFollowNode1">
+    <dgm:fillClrLst meth="repeat">
+      <a:schemeClr val="accent1">
+        <a:alpha val="90000"/>
+        <a:tint val="40000"/>
+      </a:schemeClr>
+    </dgm:fillClrLst>
+    <dgm:linClrLst meth="repeat">
+      <a:schemeClr val="accent1">
+        <a:alpha val="90000"/>
+        <a:tint val="40000"/>
+      </a:schemeClr>
+    </dgm:linClrLst>
+    <dgm:effectClrLst/>
+    <dgm:txLinClrLst/>
+    <dgm:txFillClrLst meth="repeat">
+      <a:schemeClr val="dk1"/>
+    </dgm:txFillClrLst>
+    <dgm:txEffectClrLst/>
+  </dgm:styleLbl>
+  <dgm:styleLbl name="fgAcc0">
+    <dgm:fillClrLst meth="repeat">
+      <a:schemeClr val="lt1">
+        <a:alpha val="90000"/>
+      </a:schemeClr>
+    </dgm:fillClrLst>
+    <dgm:linClrLst meth="repeat">
+      <a:schemeClr val="accent1"/>
+    </dgm:linClrLst>
+    <dgm:effectClrLst/>
+    <dgm:txLinClrLst/>
+    <dgm:txFillClrLst meth="repeat">
+      <a:schemeClr val="dk1"/>
+    </dgm:txFillClrLst>
+    <dgm:txEffectClrLst/>
+  </dgm:styleLbl>
+  <dgm:styleLbl name="fgAcc2">
+    <dgm:fillClrLst meth="repeat">
+      <a:schemeClr val="lt1">
+        <a:alpha val="90000"/>
+      </a:schemeClr>
+    </dgm:fillClrLst>
+    <dgm:linClrLst meth="repeat">
+      <a:schemeClr val="accent1"/>
+    </dgm:linClrLst>
+    <dgm:effectClrLst/>
+    <dgm:txLinClrLst/>
+    <dgm:txFillClrLst meth="repeat">
+      <a:schemeClr val="dk1"/>
+    </dgm:txFillClrLst>
+    <dgm:txEffectClrLst/>
+  </dgm:styleLbl>
+  <dgm:styleLbl name="fgAcc3">
+    <dgm:fillClrLst meth="repeat">
+      <a:schemeClr val="lt1">
+        <a:alpha val="90000"/>
+      </a:schemeClr>
+    </dgm:fillClrLst>
+    <dgm:linClrLst meth="repeat">
+      <a:schemeClr val="accent1"/>
+    </dgm:linClrLst>
+    <dgm:effectClrLst/>
+    <dgm:txLinClrLst/>
+    <dgm:txFillClrLst meth="repeat">
+      <a:schemeClr val="dk1"/>
+    </dgm:txFillClrLst>
+    <dgm:txEffectClrLst/>
+  </dgm:styleLbl>
+  <dgm:styleLbl name="fgAcc4">
+    <dgm:fillClrLst meth="repeat">
+      <a:schemeClr val="lt1">
+        <a:alpha val="90000"/>
+      </a:schemeClr>
+    </dgm:fillClrLst>
+    <dgm:linClrLst meth="repeat">
+      <a:schemeClr val="accent1"/>
+    </dgm:linClrLst>
+    <dgm:effectClrLst/>
+    <dgm:txLinClrLst/>
+    <dgm:txFillClrLst meth="repeat">
+      <a:schemeClr val="dk1"/>
+    </dgm:txFillClrLst>
+    <dgm:txEffectClrLst/>
+  </dgm:styleLbl>
+  <dgm:styleLbl name="bgShp">
+    <dgm:fillClrLst meth="repeat">
+      <a:schemeClr val="accent1">
+        <a:tint val="40000"/>
+      </a:schemeClr>
+    </dgm:fillClrLst>
+    <dgm:linClrLst meth="repeat">
+      <a:schemeClr val="accent1"/>
+    </dgm:linClrLst>
+    <dgm:effectClrLst/>
+    <dgm:txLinClrLst/>
+    <dgm:txFillClrLst meth="repeat">
+      <a:schemeClr val="dk1"/>
+    </dgm:txFillClrLst>
+    <dgm:txEffectClrLst/>
+  </dgm:styleLbl>
+  <dgm:styleLbl name="dkBgShp">
+    <dgm:fillClrLst meth="repeat">
+      <a:schemeClr val="accent1">
+        <a:shade val="80000"/>
+      </a:schemeClr>
+    </dgm:fillClrLst>
+    <dgm:linClrLst meth="repeat">
+      <a:schemeClr val="accent1"/>
+    </dgm:linClrLst>
+    <dgm:effectClrLst/>
+    <dgm:txLinClrLst/>
+    <dgm:txFillClrLst meth="repeat">
+      <a:schemeClr val="lt1"/>
+    </dgm:txFillClrLst>
+    <dgm:txEffectClrLst/>
+  </dgm:styleLbl>
+  <dgm:styleLbl name="trBgShp">
+    <dgm:fillClrLst meth="repeat">
+      <a:schemeClr val="accent1">
+        <a:tint val="50000"/>
+        <a:alpha val="40000"/>
+      </a:schemeClr>
+    </dgm:fillClrLst>
+    <dgm:linClrLst meth="repeat">
+      <a:schemeClr val="accent1"/>
+    </dgm:linClrLst>
+    <dgm:effectClrLst/>
+    <dgm:txLinClrLst/>
+    <dgm:txFillClrLst meth="repeat">
+      <a:schemeClr val="lt1"/>
+    </dgm:txFillClrLst>
+    <dgm:txEffectClrLst/>
+  </dgm:styleLbl>
+  <dgm:styleLbl name="fgShp">
+    <dgm:fillClrLst meth="repeat">
+      <a:schemeClr val="accent1">
+        <a:tint val="60000"/>
+      </a:schemeClr>
+    </dgm:fillClrLst>
+    <dgm:linClrLst meth="repeat">
+      <a:schemeClr val="lt1"/>
+    </dgm:linClrLst>
+    <dgm:effectClrLst/>
+    <dgm:txLinClrLst/>
+    <dgm:txFillClrLst meth="repeat">
+      <a:schemeClr val="dk1"/>
+    </dgm:txFillClrLst>
+    <dgm:txEffectClrLst/>
+  </dgm:styleLbl>
+  <dgm:styleLbl name="revTx">
+    <dgm:fillClrLst meth="repeat">
+      <a:schemeClr val="lt1">
+        <a:alpha val="0"/>
+      </a:schemeClr>
+    </dgm:fillClrLst>
+    <dgm:linClrLst meth="repeat">
+      <a:schemeClr val="dk1">
+        <a:alpha val="0"/>
+      </a:schemeClr>
+    </dgm:linClrLst>
+    <dgm:effectClrLst/>
+    <dgm:txLinClrLst/>
+    <dgm:txFillClrLst meth="repeat">
+      <a:schemeClr val="tx1"/>
+    </dgm:txFillClrLst>
+    <dgm:txEffectClrLst/>
+  </dgm:styleLbl>
+</dgm:colorsDef>
+</file>
+
+<file path=ppt/diagrams/colors2.xml><?xml version="1.0" encoding="utf-8"?>
+<dgm:colorsDef xmlns:dgm="http://schemas.openxmlformats.org/drawingml/2006/diagram" xmlns:a="http://schemas.openxmlformats.org/drawingml/2006/main" uniqueId="urn:microsoft.com/office/officeart/2005/8/colors/accent1_2">
+  <dgm:title val=""/>
+  <dgm:desc val=""/>
+  <dgm:catLst>
+    <dgm:cat type="accent1" pri="11200"/>
+  </dgm:catLst>
+  <dgm:styleLbl name="node0">
+    <dgm:fillClrLst meth="repeat">
+      <a:schemeClr val="accent1"/>
+    </dgm:fillClrLst>
+    <dgm:linClrLst meth="repeat">
+      <a:schemeClr val="lt1"/>
+    </dgm:linClrLst>
+    <dgm:effectClrLst/>
+    <dgm:txLinClrLst/>
+    <dgm:txFillClrLst/>
+    <dgm:txEffectClrLst/>
+  </dgm:styleLbl>
+  <dgm:styleLbl name="alignNode1">
+    <dgm:fillClrLst meth="repeat">
+      <a:schemeClr val="accent1"/>
+    </dgm:fillClrLst>
+    <dgm:linClrLst meth="repeat">
+      <a:schemeClr val="accent1"/>
+    </dgm:linClrLst>
+    <dgm:effectClrLst/>
+    <dgm:txLinClrLst/>
+    <dgm:txFillClrLst/>
+    <dgm:txEffectClrLst/>
+  </dgm:styleLbl>
+  <dgm:styleLbl name="node1">
+    <dgm:fillClrLst meth="repeat">
+      <a:schemeClr val="accent1"/>
+    </dgm:fillClrLst>
+    <dgm:linClrLst meth="repeat">
+      <a:schemeClr val="lt1"/>
+    </dgm:linClrLst>
+    <dgm:effectClrLst/>
+    <dgm:txLinClrLst/>
+    <dgm:txFillClrLst/>
+    <dgm:txEffectClrLst/>
+  </dgm:styleLbl>
+  <dgm:styleLbl name="lnNode1">
+    <dgm:fillClrLst meth="repeat">
+      <a:schemeClr val="accent1"/>
+    </dgm:fillClrLst>
+    <dgm:linClrLst meth="repeat">
+      <a:schemeClr val="lt1"/>
+    </dgm:linClrLst>
+    <dgm:effectClrLst/>
+    <dgm:txLinClrLst/>
+    <dgm:txFillClrLst/>
+    <dgm:txEffectClrLst/>
+  </dgm:styleLbl>
+  <dgm:styleLbl name="vennNode1">
+    <dgm:fillClrLst meth="repeat">
+      <a:schemeClr val="accent1">
+        <a:alpha val="50000"/>
+      </a:schemeClr>
+    </dgm:fillClrLst>
+    <dgm:linClrLst meth="repeat">
+      <a:schemeClr val="lt1"/>
+    </dgm:linClrLst>
+    <dgm:effectClrLst/>
+    <dgm:txLinClrLst/>
+    <dgm:txFillClrLst/>
+    <dgm:txEffectClrLst/>
+  </dgm:styleLbl>
+  <dgm:styleLbl name="node2">
+    <dgm:fillClrLst meth="repeat">
+      <a:schemeClr val="accent1"/>
+    </dgm:fillClrLst>
+    <dgm:linClrLst meth="repeat">
+      <a:schemeClr val="lt1"/>
+    </dgm:linClrLst>
+    <dgm:effectClrLst/>
+    <dgm:txLinClrLst/>
+    <dgm:txFillClrLst/>
+    <dgm:txEffectClrLst/>
+  </dgm:styleLbl>
+  <dgm:styleLbl name="node3">
+    <dgm:fillClrLst meth="repeat">
+      <a:schemeClr val="accent1"/>
+    </dgm:fillClrLst>
+    <dgm:linClrLst meth="repeat">
+      <a:schemeClr val="lt1"/>
+    </dgm:linClrLst>
+    <dgm:effectClrLst/>
+    <dgm:txLinClrLst/>
+    <dgm:txFillClrLst/>
+    <dgm:txEffectClrLst/>
+  </dgm:styleLbl>
+  <dgm:styleLbl name="node4">
+    <dgm:fillClrLst meth="repeat">
+      <a:schemeClr val="accent1"/>
+    </dgm:fillClrLst>
+    <dgm:linClrLst meth="repeat">
+      <a:schemeClr val="lt1"/>
+    </dgm:linClrLst>
+    <dgm:effectClrLst/>
+    <dgm:txLinClrLst/>
+    <dgm:txFillClrLst/>
+    <dgm:txEffectClrLst/>
+  </dgm:styleLbl>
+  <dgm:styleLbl name="fgImgPlace1">
+    <dgm:fillClrLst meth="repeat">
+      <a:schemeClr val="accent1">
+        <a:tint val="50000"/>
+      </a:schemeClr>
+    </dgm:fillClrLst>
+    <dgm:linClrLst meth="repeat">
+      <a:schemeClr val="lt1"/>
+    </dgm:linClrLst>
+    <dgm:effectClrLst/>
+    <dgm:txLinClrLst/>
+    <dgm:txFillClrLst meth="repeat">
+      <a:schemeClr val="lt1"/>
+    </dgm:txFillClrLst>
+    <dgm:txEffectClrLst/>
+  </dgm:styleLbl>
+  <dgm:styleLbl name="alignImgPlace1">
+    <dgm:fillClrLst meth="repeat">
+      <a:schemeClr val="accent1">
+        <a:tint val="50000"/>
+      </a:schemeClr>
+    </dgm:fillClrLst>
+    <dgm:linClrLst meth="repeat">
+      <a:schemeClr val="lt1"/>
+    </dgm:linClrLst>
+    <dgm:effectClrLst/>
+    <dgm:txLinClrLst/>
+    <dgm:txFillClrLst meth="repeat">
+      <a:schemeClr val="lt1"/>
+    </dgm:txFillClrLst>
+    <dgm:txEffectClrLst/>
+  </dgm:styleLbl>
+  <dgm:styleLbl name="bgImgPlace1">
+    <dgm:fillClrLst meth="repeat">
+      <a:schemeClr val="accent1">
+        <a:tint val="50000"/>
+      </a:schemeClr>
+    </dgm:fillClrLst>
+    <dgm:linClrLst meth="repeat">
+      <a:schemeClr val="lt1"/>
+    </dgm:linClrLst>
+    <dgm:effectClrLst/>
+    <dgm:txLinClrLst/>
+    <dgm:txFillClrLst meth="repeat">
+      <a:schemeClr val="lt1"/>
+    </dgm:txFillClrLst>
+    <dgm:txEffectClrLst/>
+  </dgm:styleLbl>
+  <dgm:styleLbl name="sibTrans2D1">
+    <dgm:fillClrLst meth="repeat">
+      <a:schemeClr val="accent1">
+        <a:tint val="60000"/>
+      </a:schemeClr>
+    </dgm:fillClrLst>
+    <dgm:linClrLst meth="repeat">
+      <a:schemeClr val="accent1">
+        <a:tint val="60000"/>
+      </a:schemeClr>
+    </dgm:linClrLst>
+    <dgm:effectClrLst/>
+    <dgm:txLinClrLst/>
+    <dgm:txFillClrLst/>
+    <dgm:txEffectClrLst/>
+  </dgm:styleLbl>
+  <dgm:styleLbl name="fgSibTrans2D1">
+    <dgm:fillClrLst meth="repeat">
+      <a:schemeClr val="accent1">
+        <a:tint val="60000"/>
+      </a:schemeClr>
+    </dgm:fillClrLst>
+    <dgm:linClrLst meth="repeat">
+      <a:schemeClr val="accent1">
+        <a:tint val="60000"/>
+      </a:schemeClr>
+    </dgm:linClrLst>
+    <dgm:effectClrLst/>
+    <dgm:txLinClrLst/>
+    <dgm:txFillClrLst/>
+    <dgm:txEffectClrLst/>
+  </dgm:styleLbl>
+  <dgm:styleLbl name="bgSibTrans2D1">
+    <dgm:fillClrLst meth="repeat">
+      <a:schemeClr val="accent1">
+        <a:tint val="60000"/>
+      </a:schemeClr>
+    </dgm:fillClrLst>
+    <dgm:linClrLst meth="repeat">
+      <a:schemeClr val="accent1">
+        <a:tint val="60000"/>
+      </a:schemeClr>
+    </dgm:linClrLst>
+    <dgm:effectClrLst/>
+    <dgm:txLinClrLst/>
+    <dgm:txFillClrLst/>
+    <dgm:txEffectClrLst/>
+  </dgm:styleLbl>
+  <dgm:styleLbl name="sibTrans1D1">
+    <dgm:fillClrLst meth="repeat">
+      <a:schemeClr val="accent1"/>
+    </dgm:fillClrLst>
+    <dgm:linClrLst meth="repeat">
+      <a:schemeClr val="accent1"/>
+    </dgm:linClrLst>
+    <dgm:effectClrLst/>
+    <dgm:txLinClrLst/>
+    <dgm:txFillClrLst meth="repeat">
+      <a:schemeClr val="tx1"/>
+    </dgm:txFillClrLst>
+    <dgm:txEffectClrLst/>
+  </dgm:styleLbl>
+  <dgm:styleLbl name="callout">
+    <dgm:fillClrLst meth="repeat">
+      <a:schemeClr val="accent1"/>
+    </dgm:fillClrLst>
+    <dgm:linClrLst meth="repeat">
+      <a:schemeClr val="accent1">
+        <a:tint val="50000"/>
+      </a:schemeClr>
+    </dgm:linClrLst>
+    <dgm:effectClrLst/>
+    <dgm:txLinClrLst/>
+    <dgm:txFillClrLst meth="repeat">
+      <a:schemeClr val="tx1"/>
+    </dgm:txFillClrLst>
+    <dgm:txEffectClrLst/>
+  </dgm:styleLbl>
+  <dgm:styleLbl name="asst0">
+    <dgm:fillClrLst meth="repeat">
+      <a:schemeClr val="accent1"/>
+    </dgm:fillClrLst>
+    <dgm:linClrLst meth="repeat">
+      <a:schemeClr val="lt1"/>
+    </dgm:linClrLst>
+    <dgm:effectClrLst/>
+    <dgm:txLinClrLst/>
+    <dgm:txFillClrLst/>
+    <dgm:txEffectClrLst/>
+  </dgm:styleLbl>
+  <dgm:styleLbl name="asst1">
+    <dgm:fillClrLst meth="repeat">
+      <a:schemeClr val="accent1"/>
+    </dgm:fillClrLst>
+    <dgm:linClrLst meth="repeat">
+      <a:schemeClr val="lt1"/>
+    </dgm:linClrLst>
+    <dgm:effectClrLst/>
+    <dgm:txLinClrLst/>
+    <dgm:txFillClrLst/>
+    <dgm:txEffectClrLst/>
+  </dgm:styleLbl>
+  <dgm:styleLbl name="asst2">
+    <dgm:fillClrLst meth="repeat">
+      <a:schemeClr val="accent1"/>
+    </dgm:fillClrLst>
+    <dgm:linClrLst meth="repeat">
+      <a:schemeClr val="lt1"/>
+    </dgm:linClrLst>
+    <dgm:effectClrLst/>
+    <dgm:txLinClrLst/>
+    <dgm:txFillClrLst/>
+    <dgm:txEffectClrLst/>
+  </dgm:styleLbl>
+  <dgm:styleLbl name="asst3">
+    <dgm:fillClrLst meth="repeat">
+      <a:schemeClr val="accent1"/>
+    </dgm:fillClrLst>
+    <dgm:linClrLst meth="repeat">
+      <a:schemeClr val="lt1"/>
+    </dgm:linClrLst>
+    <dgm:effectClrLst/>
+    <dgm:txLinClrLst/>
+    <dgm:txFillClrLst/>
+    <dgm:txEffectClrLst/>
+  </dgm:styleLbl>
+  <dgm:styleLbl name="asst4">
+    <dgm:fillClrLst meth="repeat">
+      <a:schemeClr val="accent1"/>
+    </dgm:fillClrLst>
+    <dgm:linClrLst meth="repeat">
+      <a:schemeClr val="lt1"/>
+    </dgm:linClrLst>
+    <dgm:effectClrLst/>
+    <dgm:txLinClrLst/>
+    <dgm:txFillClrLst/>
+    <dgm:txEffectClrLst/>
+  </dgm:styleLbl>
+  <dgm:styleLbl name="parChTrans2D1">
+    <dgm:fillClrLst meth="repeat">
+      <a:schemeClr val="accent1">
+        <a:tint val="60000"/>
+      </a:schemeClr>
+    </dgm:fillClrLst>
+    <dgm:linClrLst meth="repeat">
+      <a:schemeClr val="accent1">
+        <a:tint val="60000"/>
+      </a:schemeClr>
+    </dgm:linClrLst>
+    <dgm:effectClrLst/>
+    <dgm:txLinClrLst/>
+    <dgm:txFillClrLst meth="repeat">
+      <a:schemeClr val="lt1"/>
+    </dgm:txFillClrLst>
+    <dgm:txEffectClrLst/>
+  </dgm:styleLbl>
+  <dgm:styleLbl name="parChTrans2D2">
+    <dgm:fillClrLst meth="repeat">
+      <a:schemeClr val="accent1"/>
+    </dgm:fillClrLst>
+    <dgm:linClrLst meth="repeat">
+      <a:schemeClr val="accent1"/>
+    </dgm:linClrLst>
+    <dgm:effectClrLst/>
+    <dgm:txLinClrLst/>
+    <dgm:txFillClrLst meth="repeat">
+      <a:schemeClr val="lt1"/>
+    </dgm:txFillClrLst>
+    <dgm:txEffectClrLst/>
+  </dgm:styleLbl>
+  <dgm:styleLbl name="parChTrans2D3">
+    <dgm:fillClrLst meth="repeat">
+      <a:schemeClr val="accent1"/>
+    </dgm:fillClrLst>
+    <dgm:linClrLst meth="repeat">
+      <a:schemeClr val="accent1"/>
+    </dgm:linClrLst>
+    <dgm:effectClrLst/>
+    <dgm:txLinClrLst/>
+    <dgm:txFillClrLst meth="repeat">
+      <a:schemeClr val="lt1"/>
+    </dgm:txFillClrLst>
+    <dgm:txEffectClrLst/>
+  </dgm:styleLbl>
+  <dgm:styleLbl name="parChTrans2D4">
+    <dgm:fillClrLst meth="repeat">
+      <a:schemeClr val="accent1"/>
+    </dgm:fillClrLst>
+    <dgm:linClrLst meth="repeat">
+      <a:schemeClr val="accent1"/>
+    </dgm:linClrLst>
+    <dgm:effectClrLst/>
+    <dgm:txLinClrLst/>
+    <dgm:txFillClrLst meth="repeat">
+      <a:schemeClr val="lt1"/>
+    </dgm:txFillClrLst>
+    <dgm:txEffectClrLst/>
+  </dgm:styleLbl>
+  <dgm:styleLbl name="parChTrans1D1">
+    <dgm:fillClrLst meth="repeat">
+      <a:schemeClr val="accent1"/>
+    </dgm:fillClrLst>
+    <dgm:linClrLst meth="repeat">
+      <a:schemeClr val="accent1">
+        <a:shade val="60000"/>
+      </a:schemeClr>
+    </dgm:linClrLst>
+    <dgm:effectClrLst/>
+    <dgm:txLinClrLst/>
+    <dgm:txFillClrLst meth="repeat">
+      <a:schemeClr val="tx1"/>
+    </dgm:txFillClrLst>
+    <dgm:txEffectClrLst/>
+  </dgm:styleLbl>
+  <dgm:styleLbl name="parChTrans1D2">
+    <dgm:fillClrLst meth="repeat">
+      <a:schemeClr val="accent1"/>
+    </dgm:fillClrLst>
+    <dgm:linClrLst meth="repeat">
+      <a:schemeClr val="accent1">
+        <a:shade val="60000"/>
+      </a:schemeClr>
+    </dgm:linClrLst>
+    <dgm:effectClrLst/>
+    <dgm:txLinClrLst/>
+    <dgm:txFillClrLst meth="repeat">
+      <a:schemeClr val="tx1"/>
+    </dgm:txFillClrLst>
+    <dgm:txEffectClrLst/>
+  </dgm:styleLbl>
+  <dgm:styleLbl name="parChTrans1D3">
+    <dgm:fillClrLst meth="repeat">
+      <a:schemeClr val="accent1"/>
+    </dgm:fillClrLst>
+    <dgm:linClrLst meth="repeat">
+      <a:schemeClr val="accent1">
+        <a:shade val="80000"/>
+      </a:schemeClr>
+    </dgm:linClrLst>
+    <dgm:effectClrLst/>
+    <dgm:txLinClrLst/>
+    <dgm:txFillClrLst meth="repeat">
+      <a:schemeClr val="tx1"/>
+    </dgm:txFillClrLst>
+    <dgm:txEffectClrLst/>
+  </dgm:styleLbl>
+  <dgm:styleLbl name="parChTrans1D4">
+    <dgm:fillClrLst meth="repeat">
+      <a:schemeClr val="accent1"/>
+    </dgm:fillClrLst>
+    <dgm:linClrLst meth="repeat">
+      <a:schemeClr val="accent1">
+        <a:shade val="80000"/>
+      </a:schemeClr>
+    </dgm:linClrLst>
+    <dgm:effectClrLst/>
+    <dgm:txLinClrLst/>
+    <dgm:txFillClrLst meth="repeat">
+      <a:schemeClr val="tx1"/>
+    </dgm:txFillClrLst>
+    <dgm:txEffectClrLst/>
+  </dgm:styleLbl>
+  <dgm:styleLbl name="fgAcc1">
+    <dgm:fillClrLst meth="repeat">
+      <a:schemeClr val="lt1">
+        <a:alpha val="90000"/>
+      </a:schemeClr>
+    </dgm:fillClrLst>
+    <dgm:linClrLst meth="repeat">
+      <a:schemeClr val="accent1"/>
+    </dgm:linClrLst>
+    <dgm:effectClrLst/>
+    <dgm:txLinClrLst/>
+    <dgm:txFillClrLst meth="repeat">
+      <a:schemeClr val="dk1"/>
+    </dgm:txFillClrLst>
+    <dgm:txEffectClrLst/>
+  </dgm:styleLbl>
+  <dgm:styleLbl name="conFgAcc1">
+    <dgm:fillClrLst meth="repeat">
+      <a:schemeClr val="lt1">
+        <a:alpha val="90000"/>
+      </a:schemeClr>
+    </dgm:fillClrLst>
+    <dgm:linClrLst meth="repeat">
+      <a:schemeClr val="accent1"/>
+    </dgm:linClrLst>
+    <dgm:effectClrLst/>
+    <dgm:txLinClrLst/>
+    <dgm:txFillClrLst meth="repeat">
+      <a:schemeClr val="dk1"/>
+    </dgm:txFillClrLst>
+    <dgm:txEffectClrLst/>
+  </dgm:styleLbl>
+  <dgm:styleLbl name="alignAcc1">
+    <dgm:fillClrLst meth="repeat">
+      <a:schemeClr val="lt1">
+        <a:alpha val="90000"/>
+      </a:schemeClr>
+    </dgm:fillClrLst>
+    <dgm:linClrLst meth="repeat">
+      <a:schemeClr val="accent1"/>
+    </dgm:linClrLst>
+    <dgm:effectClrLst/>
+    <dgm:txLinClrLst/>
+    <dgm:txFillClrLst meth="repeat">
+      <a:schemeClr val="dk1"/>
+    </dgm:txFillClrLst>
+    <dgm:txEffectClrLst/>
+  </dgm:styleLbl>
+  <dgm:styleLbl name="trAlignAcc1">
+    <dgm:fillClrLst meth="repeat">
+      <a:schemeClr val="lt1">
+        <a:alpha val="40000"/>
+      </a:schemeClr>
+    </dgm:fillClrLst>
+    <dgm:linClrLst meth="repeat">
+      <a:schemeClr val="accent1"/>
+    </dgm:linClrLst>
+    <dgm:effectClrLst/>
+    <dgm:txLinClrLst/>
+    <dgm:txFillClrLst meth="repeat">
+      <a:schemeClr val="dk1"/>
+    </dgm:txFillClrLst>
+    <dgm:txEffectClrLst/>
+  </dgm:styleLbl>
+  <dgm:styleLbl name="bgAcc1">
+    <dgm:fillClrLst meth="repeat">
+      <a:schemeClr val="lt1">
+        <a:alpha val="90000"/>
+      </a:schemeClr>
+    </dgm:fillClrLst>
+    <dgm:linClrLst meth="repeat">
+      <a:schemeClr val="accent1"/>
+    </dgm:linClrLst>
+    <dgm:effectClrLst/>
+    <dgm:txLinClrLst/>
+    <dgm:txFillClrLst meth="repeat">
+      <a:schemeClr val="dk1"/>
+    </dgm:txFillClrLst>
+    <dgm:txEffectClrLst/>
+  </dgm:styleLbl>
+  <dgm:styleLbl name="solidFgAcc1">
+    <dgm:fillClrLst meth="repeat">
+      <a:schemeClr val="lt1"/>
+    </dgm:fillClrLst>
+    <dgm:linClrLst meth="repeat">
+      <a:schemeClr val="accent1"/>
+    </dgm:linClrLst>
+    <dgm:effectClrLst/>
+    <dgm:txLinClrLst/>
+    <dgm:txFillClrLst meth="repeat">
+      <a:schemeClr val="dk1"/>
+    </dgm:txFillClrLst>
+    <dgm:txEffectClrLst/>
+  </dgm:styleLbl>
+  <dgm:styleLbl name="solidAlignAcc1">
+    <dgm:fillClrLst meth="repeat">
+      <a:schemeClr val="lt1"/>
+    </dgm:fillClrLst>
+    <dgm:linClrLst meth="repeat">
+      <a:schemeClr val="accent1"/>
+    </dgm:linClrLst>
+    <dgm:effectClrLst/>
+    <dgm:txLinClrLst/>
+    <dgm:txFillClrLst meth="repeat">
+      <a:schemeClr val="dk1"/>
+    </dgm:txFillClrLst>
+    <dgm:txEffectClrLst/>
+  </dgm:styleLbl>
+  <dgm:styleLbl name="solidBgAcc1">
+    <dgm:fillClrLst meth="repeat">
+      <a:schemeClr val="lt1"/>
+    </dgm:fillClrLst>
+    <dgm:linClrLst meth="repeat">
+      <a:schemeClr val="accent1"/>
+    </dgm:linClrLst>
+    <dgm:effectClrLst/>
+    <dgm:txLinClrLst/>
+    <dgm:txFillClrLst meth="repeat">
+      <a:schemeClr val="dk1"/>
+    </dgm:txFillClrLst>
+    <dgm:txEffectClrLst/>
+  </dgm:styleLbl>
+  <dgm:styleLbl name="fgAccFollowNode1">
+    <dgm:fillClrLst meth="repeat">
+      <a:schemeClr val="accent1">
+        <a:alpha val="90000"/>
+        <a:tint val="40000"/>
+      </a:schemeClr>
+    </dgm:fillClrLst>
+    <dgm:linClrLst meth="repeat">
+      <a:schemeClr val="accent1">
+        <a:alpha val="90000"/>
+        <a:tint val="40000"/>
+      </a:schemeClr>
+    </dgm:linClrLst>
+    <dgm:effectClrLst/>
+    <dgm:txLinClrLst/>
+    <dgm:txFillClrLst meth="repeat">
+      <a:schemeClr val="dk1"/>
+    </dgm:txFillClrLst>
+    <dgm:txEffectClrLst/>
+  </dgm:styleLbl>
+  <dgm:styleLbl name="alignAccFollowNode1">
+    <dgm:fillClrLst meth="repeat">
+      <a:schemeClr val="accent1">
+        <a:alpha val="90000"/>
+        <a:tint val="40000"/>
+      </a:schemeClr>
+    </dgm:fillClrLst>
+    <dgm:linClrLst meth="repeat">
+      <a:schemeClr val="accent1">
+        <a:alpha val="90000"/>
+        <a:tint val="40000"/>
+      </a:schemeClr>
+    </dgm:linClrLst>
+    <dgm:effectClrLst/>
+    <dgm:txLinClrLst/>
+    <dgm:txFillClrLst meth="repeat">
+      <a:schemeClr val="dk1"/>
+    </dgm:txFillClrLst>
+    <dgm:txEffectClrLst/>
+  </dgm:styleLbl>
+  <dgm:styleLbl name="bgAccFollowNode1">
+    <dgm:fillClrLst meth="repeat">
+      <a:schemeClr val="accent1">
+        <a:alpha val="90000"/>
+        <a:tint val="40000"/>
+      </a:schemeClr>
+    </dgm:fillClrLst>
+    <dgm:linClrLst meth="repeat">
+      <a:schemeClr val="accent1">
+        <a:alpha val="90000"/>
+        <a:tint val="40000"/>
+      </a:schemeClr>
+    </dgm:linClrLst>
+    <dgm:effectClrLst/>
+    <dgm:txLinClrLst/>
+    <dgm:txFillClrLst meth="repeat">
+      <a:schemeClr val="dk1"/>
+    </dgm:txFillClrLst>
+    <dgm:txEffectClrLst/>
+  </dgm:styleLbl>
+  <dgm:styleLbl name="fgAcc0">
+    <dgm:fillClrLst meth="repeat">
+      <a:schemeClr val="lt1">
+        <a:alpha val="90000"/>
+      </a:schemeClr>
+    </dgm:fillClrLst>
+    <dgm:linClrLst meth="repeat">
+      <a:schemeClr val="accent1"/>
+    </dgm:linClrLst>
+    <dgm:effectClrLst/>
+    <dgm:txLinClrLst/>
+    <dgm:txFillClrLst meth="repeat">
+      <a:schemeClr val="dk1"/>
+    </dgm:txFillClrLst>
+    <dgm:txEffectClrLst/>
+  </dgm:styleLbl>
+  <dgm:styleLbl name="fgAcc2">
+    <dgm:fillClrLst meth="repeat">
+      <a:schemeClr val="lt1">
+        <a:alpha val="90000"/>
+      </a:schemeClr>
+    </dgm:fillClrLst>
+    <dgm:linClrLst meth="repeat">
+      <a:schemeClr val="accent1"/>
+    </dgm:linClrLst>
+    <dgm:effectClrLst/>
+    <dgm:txLinClrLst/>
+    <dgm:txFillClrLst meth="repeat">
+      <a:schemeClr val="dk1"/>
+    </dgm:txFillClrLst>
+    <dgm:txEffectClrLst/>
+  </dgm:styleLbl>
+  <dgm:styleLbl name="fgAcc3">
+    <dgm:fillClrLst meth="repeat">
+      <a:schemeClr val="lt1">
+        <a:alpha val="90000"/>
+      </a:schemeClr>
+    </dgm:fillClrLst>
+    <dgm:linClrLst meth="repeat">
+      <a:schemeClr val="accent1"/>
+    </dgm:linClrLst>
+    <dgm:effectClrLst/>
+    <dgm:txLinClrLst/>
+    <dgm:txFillClrLst meth="repeat">
+      <a:schemeClr val="dk1"/>
+    </dgm:txFillClrLst>
+    <dgm:txEffectClrLst/>
+  </dgm:styleLbl>
+  <dgm:styleLbl name="fgAcc4">
+    <dgm:fillClrLst meth="repeat">
+      <a:schemeClr val="lt1">
+        <a:alpha val="90000"/>
+      </a:schemeClr>
+    </dgm:fillClrLst>
+    <dgm:linClrLst meth="repeat">
+      <a:schemeClr val="accent1"/>
+    </dgm:linClrLst>
+    <dgm:effectClrLst/>
+    <dgm:txLinClrLst/>
+    <dgm:txFillClrLst meth="repeat">
+      <a:schemeClr val="dk1"/>
+    </dgm:txFillClrLst>
+    <dgm:txEffectClrLst/>
+  </dgm:styleLbl>
+  <dgm:styleLbl name="bgShp">
+    <dgm:fillClrLst meth="repeat">
+      <a:schemeClr val="accent1">
+        <a:tint val="40000"/>
+      </a:schemeClr>
+    </dgm:fillClrLst>
+    <dgm:linClrLst meth="repeat">
+      <a:schemeClr val="accent1"/>
+    </dgm:linClrLst>
+    <dgm:effectClrLst/>
+    <dgm:txLinClrLst/>
+    <dgm:txFillClrLst meth="repeat">
+      <a:schemeClr val="dk1"/>
+    </dgm:txFillClrLst>
+    <dgm:txEffectClrLst/>
+  </dgm:styleLbl>
+  <dgm:styleLbl name="dkBgShp">
+    <dgm:fillClrLst meth="repeat">
+      <a:schemeClr val="accent1">
+        <a:shade val="80000"/>
+      </a:schemeClr>
+    </dgm:fillClrLst>
+    <dgm:linClrLst meth="repeat">
+      <a:schemeClr val="accent1"/>
+    </dgm:linClrLst>
+    <dgm:effectClrLst/>
+    <dgm:txLinClrLst/>
+    <dgm:txFillClrLst meth="repeat">
+      <a:schemeClr val="lt1"/>
+    </dgm:txFillClrLst>
+    <dgm:txEffectClrLst/>
+  </dgm:styleLbl>
+  <dgm:styleLbl name="trBgShp">
+    <dgm:fillClrLst meth="repeat">
+      <a:schemeClr val="accent1">
+        <a:tint val="50000"/>
+        <a:alpha val="40000"/>
+      </a:schemeClr>
+    </dgm:fillClrLst>
+    <dgm:linClrLst meth="repeat">
+      <a:schemeClr val="accent1"/>
+    </dgm:linClrLst>
+    <dgm:effectClrLst/>
+    <dgm:txLinClrLst/>
+    <dgm:txFillClrLst meth="repeat">
+      <a:schemeClr val="lt1"/>
+    </dgm:txFillClrLst>
+    <dgm:txEffectClrLst/>
+  </dgm:styleLbl>
+  <dgm:styleLbl name="fgShp">
+    <dgm:fillClrLst meth="repeat">
+      <a:schemeClr val="accent1">
+        <a:tint val="60000"/>
+      </a:schemeClr>
+    </dgm:fillClrLst>
+    <dgm:linClrLst meth="repeat">
+      <a:schemeClr val="lt1"/>
+    </dgm:linClrLst>
+    <dgm:effectClrLst/>
+    <dgm:txLinClrLst/>
+    <dgm:txFillClrLst meth="repeat">
+      <a:schemeClr val="dk1"/>
+    </dgm:txFillClrLst>
+    <dgm:txEffectClrLst/>
+  </dgm:styleLbl>
+  <dgm:styleLbl name="revTx">
+    <dgm:fillClrLst meth="repeat">
+      <a:schemeClr val="lt1">
+        <a:alpha val="0"/>
+      </a:schemeClr>
+    </dgm:fillClrLst>
+    <dgm:linClrLst meth="repeat">
+      <a:schemeClr val="dk1">
+        <a:alpha val="0"/>
+      </a:schemeClr>
+    </dgm:linClrLst>
+    <dgm:effectClrLst/>
+    <dgm:txLinClrLst/>
+    <dgm:txFillClrLst meth="repeat">
+      <a:schemeClr val="tx1"/>
+    </dgm:txFillClrLst>
+    <dgm:txEffectClrLst/>
+  </dgm:styleLbl>
+</dgm:colorsDef>
+</file>
+
+<file path=ppt/diagrams/colors3.xml><?xml version="1.0" encoding="utf-8"?>
+<dgm:colorsDef xmlns:dgm="http://schemas.openxmlformats.org/drawingml/2006/diagram" xmlns:a="http://schemas.openxmlformats.org/drawingml/2006/main" uniqueId="urn:microsoft.com/office/officeart/2005/8/colors/accent1_2">
+  <dgm:title val=""/>
+  <dgm:desc val=""/>
+  <dgm:catLst>
+    <dgm:cat type="accent1" pri="11200"/>
+  </dgm:catLst>
+  <dgm:styleLbl name="node0">
+    <dgm:fillClrLst meth="repeat">
+      <a:schemeClr val="accent1"/>
+    </dgm:fillClrLst>
+    <dgm:linClrLst meth="repeat">
+      <a:schemeClr val="lt1"/>
+    </dgm:linClrLst>
+    <dgm:effectClrLst/>
+    <dgm:txLinClrLst/>
+    <dgm:txFillClrLst/>
+    <dgm:txEffectClrLst/>
+  </dgm:styleLbl>
+  <dgm:styleLbl name="alignNode1">
+    <dgm:fillClrLst meth="repeat">
+      <a:schemeClr val="accent1"/>
+    </dgm:fillClrLst>
+    <dgm:linClrLst meth="repeat">
+      <a:schemeClr val="accent1"/>
+    </dgm:linClrLst>
+    <dgm:effectClrLst/>
+    <dgm:txLinClrLst/>
+    <dgm:txFillClrLst/>
+    <dgm:txEffectClrLst/>
+  </dgm:styleLbl>
+  <dgm:styleLbl name="node1">
+    <dgm:fillClrLst meth="repeat">
+      <a:schemeClr val="accent1"/>
+    </dgm:fillClrLst>
+    <dgm:linClrLst meth="repeat">
+      <a:schemeClr val="lt1"/>
+    </dgm:linClrLst>
+    <dgm:effectClrLst/>
+    <dgm:txLinClrLst/>
+    <dgm:txFillClrLst/>
+    <dgm:txEffectClrLst/>
+  </dgm:styleLbl>
+  <dgm:styleLbl name="lnNode1">
+    <dgm:fillClrLst meth="repeat">
+      <a:schemeClr val="accent1"/>
+    </dgm:fillClrLst>
+    <dgm:linClrLst meth="repeat">
+      <a:schemeClr val="lt1"/>
+    </dgm:linClrLst>
+    <dgm:effectClrLst/>
+    <dgm:txLinClrLst/>
+    <dgm:txFillClrLst/>
+    <dgm:txEffectClrLst/>
+  </dgm:styleLbl>
+  <dgm:styleLbl name="vennNode1">
+    <dgm:fillClrLst meth="repeat">
+      <a:schemeClr val="accent1">
+        <a:alpha val="50000"/>
+      </a:schemeClr>
+    </dgm:fillClrLst>
+    <dgm:linClrLst meth="repeat">
+      <a:schemeClr val="lt1"/>
+    </dgm:linClrLst>
+    <dgm:effectClrLst/>
+    <dgm:txLinClrLst/>
+    <dgm:txFillClrLst/>
+    <dgm:txEffectClrLst/>
+  </dgm:styleLbl>
+  <dgm:styleLbl name="node2">
+    <dgm:fillClrLst meth="repeat">
+      <a:schemeClr val="accent1"/>
+    </dgm:fillClrLst>
+    <dgm:linClrLst meth="repeat">
+      <a:schemeClr val="lt1"/>
+    </dgm:linClrLst>
+    <dgm:effectClrLst/>
+    <dgm:txLinClrLst/>
+    <dgm:txFillClrLst/>
+    <dgm:txEffectClrLst/>
+  </dgm:styleLbl>
+  <dgm:styleLbl name="node3">
+    <dgm:fillClrLst meth="repeat">
+      <a:schemeClr val="accent1"/>
+    </dgm:fillClrLst>
+    <dgm:linClrLst meth="repeat">
+      <a:schemeClr val="lt1"/>
+    </dgm:linClrLst>
+    <dgm:effectClrLst/>
+    <dgm:txLinClrLst/>
+    <dgm:txFillClrLst/>
+    <dgm:txEffectClrLst/>
+  </dgm:styleLbl>
+  <dgm:styleLbl name="node4">
+    <dgm:fillClrLst meth="repeat">
+      <a:schemeClr val="accent1"/>
+    </dgm:fillClrLst>
+    <dgm:linClrLst meth="repeat">
+      <a:schemeClr val="lt1"/>
+    </dgm:linClrLst>
+    <dgm:effectClrLst/>
+    <dgm:txLinClrLst/>
+    <dgm:txFillClrLst/>
+    <dgm:txEffectClrLst/>
+  </dgm:styleLbl>
+  <dgm:styleLbl name="fgImgPlace1">
+    <dgm:fillClrLst meth="repeat">
+      <a:schemeClr val="accent1">
+        <a:tint val="50000"/>
+      </a:schemeClr>
+    </dgm:fillClrLst>
+    <dgm:linClrLst meth="repeat">
+      <a:schemeClr val="lt1"/>
+    </dgm:linClrLst>
+    <dgm:effectClrLst/>
+    <dgm:txLinClrLst/>
+    <dgm:txFillClrLst meth="repeat">
+      <a:schemeClr val="lt1"/>
+    </dgm:txFillClrLst>
+    <dgm:txEffectClrLst/>
+  </dgm:styleLbl>
+  <dgm:styleLbl name="alignImgPlace1">
+    <dgm:fillClrLst meth="repeat">
+      <a:schemeClr val="accent1">
+        <a:tint val="50000"/>
+      </a:schemeClr>
+    </dgm:fillClrLst>
+    <dgm:linClrLst meth="repeat">
+      <a:schemeClr val="lt1"/>
+    </dgm:linClrLst>
+    <dgm:effectClrLst/>
+    <dgm:txLinClrLst/>
+    <dgm:txFillClrLst meth="repeat">
+      <a:schemeClr val="lt1"/>
+    </dgm:txFillClrLst>
+    <dgm:txEffectClrLst/>
+  </dgm:styleLbl>
+  <dgm:styleLbl name="bgImgPlace1">
+    <dgm:fillClrLst meth="repeat">
+      <a:schemeClr val="accent1">
+        <a:tint val="50000"/>
+      </a:schemeClr>
+    </dgm:fillClrLst>
+    <dgm:linClrLst meth="repeat">
+      <a:schemeClr val="lt1"/>
+    </dgm:linClrLst>
+    <dgm:effectClrLst/>
+    <dgm:txLinClrLst/>
+    <dgm:txFillClrLst meth="repeat">
+      <a:schemeClr val="lt1"/>
+    </dgm:txFillClrLst>
+    <dgm:txEffectClrLst/>
+  </dgm:styleLbl>
+  <dgm:styleLbl name="sibTrans2D1">
+    <dgm:fillClrLst meth="repeat">
+      <a:schemeClr val="accent1">
+        <a:tint val="60000"/>
+      </a:schemeClr>
+    </dgm:fillClrLst>
+    <dgm:linClrLst meth="repeat">
+      <a:schemeClr val="accent1">
+        <a:tint val="60000"/>
+      </a:schemeClr>
+    </dgm:linClrLst>
+    <dgm:effectClrLst/>
+    <dgm:txLinClrLst/>
+    <dgm:txFillClrLst/>
+    <dgm:txEffectClrLst/>
+  </dgm:styleLbl>
+  <dgm:styleLbl name="fgSibTrans2D1">
+    <dgm:fillClrLst meth="repeat">
+      <a:schemeClr val="accent1">
+        <a:tint val="60000"/>
+      </a:schemeClr>
+    </dgm:fillClrLst>
+    <dgm:linClrLst meth="repeat">
+      <a:schemeClr val="accent1">
+        <a:tint val="60000"/>
+      </a:schemeClr>
+    </dgm:linClrLst>
+    <dgm:effectClrLst/>
+    <dgm:txLinClrLst/>
+    <dgm:txFillClrLst/>
+    <dgm:txEffectClrLst/>
+  </dgm:styleLbl>
+  <dgm:styleLbl name="bgSibTrans2D1">
+    <dgm:fillClrLst meth="repeat">
+      <a:schemeClr val="accent1">
+        <a:tint val="60000"/>
+      </a:schemeClr>
+    </dgm:fillClrLst>
+    <dgm:linClrLst meth="repeat">
+      <a:schemeClr val="accent1">
+        <a:tint val="60000"/>
+      </a:schemeClr>
+    </dgm:linClrLst>
+    <dgm:effectClrLst/>
+    <dgm:txLinClrLst/>
+    <dgm:txFillClrLst/>
+    <dgm:txEffectClrLst/>
+  </dgm:styleLbl>
+  <dgm:styleLbl name="sibTrans1D1">
+    <dgm:fillClrLst meth="repeat">
+      <a:schemeClr val="accent1"/>
+    </dgm:fillClrLst>
+    <dgm:linClrLst meth="repeat">
+      <a:schemeClr val="accent1"/>
+    </dgm:linClrLst>
+    <dgm:effectClrLst/>
+    <dgm:txLinClrLst/>
+    <dgm:txFillClrLst meth="repeat">
+      <a:schemeClr val="tx1"/>
+    </dgm:txFillClrLst>
+    <dgm:txEffectClrLst/>
+  </dgm:styleLbl>
+  <dgm:styleLbl name="callout">
+    <dgm:fillClrLst meth="repeat">
+      <a:schemeClr val="accent1"/>
+    </dgm:fillClrLst>
+    <dgm:linClrLst meth="repeat">
+      <a:schemeClr val="accent1">
+        <a:tint val="50000"/>
+      </a:schemeClr>
+    </dgm:linClrLst>
+    <dgm:effectClrLst/>
+    <dgm:txLinClrLst/>
+    <dgm:txFillClrLst meth="repeat">
+      <a:schemeClr val="tx1"/>
+    </dgm:txFillClrLst>
+    <dgm:txEffectClrLst/>
+  </dgm:styleLbl>
+  <dgm:styleLbl name="asst0">
+    <dgm:fillClrLst meth="repeat">
+      <a:schemeClr val="accent1"/>
+    </dgm:fillClrLst>
+    <dgm:linClrLst meth="repeat">
+      <a:schemeClr val="lt1"/>
+    </dgm:linClrLst>
+    <dgm:effectClrLst/>
+    <dgm:txLinClrLst/>
+    <dgm:txFillClrLst/>
+    <dgm:txEffectClrLst/>
+  </dgm:styleLbl>
+  <dgm:styleLbl name="asst1">
+    <dgm:fillClrLst meth="repeat">
+      <a:schemeClr val="accent1"/>
+    </dgm:fillClrLst>
+    <dgm:linClrLst meth="repeat">
+      <a:schemeClr val="lt1"/>
+    </dgm:linClrLst>
+    <dgm:effectClrLst/>
+    <dgm:txLinClrLst/>
+    <dgm:txFillClrLst/>
+    <dgm:txEffectClrLst/>
+  </dgm:styleLbl>
+  <dgm:styleLbl name="asst2">
+    <dgm:fillClrLst meth="repeat">
+      <a:schemeClr val="accent1"/>
+    </dgm:fillClrLst>
+    <dgm:linClrLst meth="repeat">
+      <a:schemeClr val="lt1"/>
+    </dgm:linClrLst>
+    <dgm:effectClrLst/>
+    <dgm:txLinClrLst/>
+    <dgm:txFillClrLst/>
+    <dgm:txEffectClrLst/>
+  </dgm:styleLbl>
+  <dgm:styleLbl name="asst3">
+    <dgm:fillClrLst meth="repeat">
+      <a:schemeClr val="accent1"/>
+    </dgm:fillClrLst>
+    <dgm:linClrLst meth="repeat">
+      <a:schemeClr val="lt1"/>
+    </dgm:linClrLst>
+    <dgm:effectClrLst/>
+    <dgm:txLinClrLst/>
+    <dgm:txFillClrLst/>
+    <dgm:txEffectClrLst/>
+  </dgm:styleLbl>
+  <dgm:styleLbl name="asst4">
+    <dgm:fillClrLst meth="repeat">
+      <a:schemeClr val="accent1"/>
+    </dgm:fillClrLst>
+    <dgm:linClrLst meth="repeat">
+      <a:schemeClr val="lt1"/>
+    </dgm:linClrLst>
+    <dgm:effectClrLst/>
+    <dgm:txLinClrLst/>
+    <dgm:txFillClrLst/>
+    <dgm:txEffectClrLst/>
+  </dgm:styleLbl>
+  <dgm:styleLbl name="parChTrans2D1">
+    <dgm:fillClrLst meth="repeat">
+      <a:schemeClr val="accent1">
+        <a:tint val="60000"/>
+      </a:schemeClr>
+    </dgm:fillClrLst>
+    <dgm:linClrLst meth="repeat">
+      <a:schemeClr val="accent1">
+        <a:tint val="60000"/>
+      </a:schemeClr>
+    </dgm:linClrLst>
+    <dgm:effectClrLst/>
+    <dgm:txLinClrLst/>
+    <dgm:txFillClrLst meth="repeat">
+      <a:schemeClr val="lt1"/>
+    </dgm:txFillClrLst>
+    <dgm:txEffectClrLst/>
+  </dgm:styleLbl>
+  <dgm:styleLbl name="parChTrans2D2">
+    <dgm:fillClrLst meth="repeat">
+      <a:schemeClr val="accent1"/>
+    </dgm:fillClrLst>
+    <dgm:linClrLst meth="repeat">
+      <a:schemeClr val="accent1"/>
+    </dgm:linClrLst>
+    <dgm:effectClrLst/>
+    <dgm:txLinClrLst/>
+    <dgm:txFillClrLst meth="repeat">
+      <a:schemeClr val="lt1"/>
+    </dgm:txFillClrLst>
+    <dgm:txEffectClrLst/>
+  </dgm:styleLbl>
+  <dgm:styleLbl name="parChTrans2D3">
+    <dgm:fillClrLst meth="repeat">
+      <a:schemeClr val="accent1"/>
+    </dgm:fillClrLst>
+    <dgm:linClrLst meth="repeat">
+      <a:schemeClr val="accent1"/>
+    </dgm:linClrLst>
+    <dgm:effectClrLst/>
+    <dgm:txLinClrLst/>
+    <dgm:txFillClrLst meth="repeat">
+      <a:schemeClr val="lt1"/>
+    </dgm:txFillClrLst>
+    <dgm:txEffectClrLst/>
+  </dgm:styleLbl>
+  <dgm:styleLbl name="parChTrans2D4">
+    <dgm:fillClrLst meth="repeat">
+      <a:schemeClr val="accent1"/>
+    </dgm:fillClrLst>
+    <dgm:linClrLst meth="repeat">
+      <a:schemeClr val="accent1"/>
+    </dgm:linClrLst>
+    <dgm:effectClrLst/>
+    <dgm:txLinClrLst/>
+    <dgm:txFillClrLst meth="repeat">
+      <a:schemeClr val="lt1"/>
+    </dgm:txFillClrLst>
+    <dgm:txEffectClrLst/>
+  </dgm:styleLbl>
+  <dgm:styleLbl name="parChTrans1D1">
+    <dgm:fillClrLst meth="repeat">
+      <a:schemeClr val="accent1"/>
+    </dgm:fillClrLst>
+    <dgm:linClrLst meth="repeat">
+      <a:schemeClr val="accent1">
+        <a:shade val="60000"/>
+      </a:schemeClr>
+    </dgm:linClrLst>
+    <dgm:effectClrLst/>
+    <dgm:txLinClrLst/>
+    <dgm:txFillClrLst meth="repeat">
+      <a:schemeClr val="tx1"/>
+    </dgm:txFillClrLst>
+    <dgm:txEffectClrLst/>
+  </dgm:styleLbl>
+  <dgm:styleLbl name="parChTrans1D2">
+    <dgm:fillClrLst meth="repeat">
+      <a:schemeClr val="accent1"/>
+    </dgm:fillClrLst>
+    <dgm:linClrLst meth="repeat">
+      <a:schemeClr val="accent1">
+        <a:shade val="60000"/>
+      </a:schemeClr>
+    </dgm:linClrLst>
+    <dgm:effectClrLst/>
+    <dgm:txLinClrLst/>
+    <dgm:txFillClrLst meth="repeat">
+      <a:schemeClr val="tx1"/>
+    </dgm:txFillClrLst>
+    <dgm:txEffectClrLst/>
+  </dgm:styleLbl>
+  <dgm:styleLbl name="parChTrans1D3">
+    <dgm:fillClrLst meth="repeat">
+      <a:schemeClr val="accent1"/>
+    </dgm:fillClrLst>
+    <dgm:linClrLst meth="repeat">
+      <a:schemeClr val="accent1">
+        <a:shade val="80000"/>
+      </a:schemeClr>
+    </dgm:linClrLst>
+    <dgm:effectClrLst/>
+    <dgm:txLinClrLst/>
+    <dgm:txFillClrLst meth="repeat">
+      <a:schemeClr val="tx1"/>
+    </dgm:txFillClrLst>
+    <dgm:txEffectClrLst/>
+  </dgm:styleLbl>
+  <dgm:styleLbl name="parChTrans1D4">
+    <dgm:fillClrLst meth="repeat">
+      <a:schemeClr val="accent1"/>
+    </dgm:fillClrLst>
+    <dgm:linClrLst meth="repeat">
+      <a:schemeClr val="accent1">
+        <a:shade val="80000"/>
+      </a:schemeClr>
+    </dgm:linClrLst>
+    <dgm:effectClrLst/>
+    <dgm:txLinClrLst/>
+    <dgm:txFillClrLst meth="repeat">
+      <a:schemeClr val="tx1"/>
+    </dgm:txFillClrLst>
+    <dgm:txEffectClrLst/>
+  </dgm:styleLbl>
+  <dgm:styleLbl name="fgAcc1">
+    <dgm:fillClrLst meth="repeat">
+      <a:schemeClr val="lt1">
+        <a:alpha val="90000"/>
+      </a:schemeClr>
+    </dgm:fillClrLst>
+    <dgm:linClrLst meth="repeat">
+      <a:schemeClr val="accent1"/>
+    </dgm:linClrLst>
+    <dgm:effectClrLst/>
+    <dgm:txLinClrLst/>
+    <dgm:txFillClrLst meth="repeat">
+      <a:schemeClr val="dk1"/>
+    </dgm:txFillClrLst>
+    <dgm:txEffectClrLst/>
+  </dgm:styleLbl>
+  <dgm:styleLbl name="conFgAcc1">
+    <dgm:fillClrLst meth="repeat">
+      <a:schemeClr val="lt1">
+        <a:alpha val="90000"/>
+      </a:schemeClr>
+    </dgm:fillClrLst>
+    <dgm:linClrLst meth="repeat">
+      <a:schemeClr val="accent1"/>
+    </dgm:linClrLst>
+    <dgm:effectClrLst/>
+    <dgm:txLinClrLst/>
+    <dgm:txFillClrLst meth="repeat">
+      <a:schemeClr val="dk1"/>
+    </dgm:txFillClrLst>
+    <dgm:txEffectClrLst/>
+  </dgm:styleLbl>
+  <dgm:styleLbl name="alignAcc1">
+    <dgm:fillClrLst meth="repeat">
+      <a:schemeClr val="lt1">
+        <a:alpha val="90000"/>
+      </a:schemeClr>
+    </dgm:fillClrLst>
+    <dgm:linClrLst meth="repeat">
+      <a:schemeClr val="accent1"/>
+    </dgm:linClrLst>
+    <dgm:effectClrLst/>
+    <dgm:txLinClrLst/>
+    <dgm:txFillClrLst meth="repeat">
+      <a:schemeClr val="dk1"/>
+    </dgm:txFillClrLst>
+    <dgm:txEffectClrLst/>
+  </dgm:styleLbl>
+  <dgm:styleLbl name="trAlignAcc1">
+    <dgm:fillClrLst meth="repeat">
+      <a:schemeClr val="lt1">
+        <a:alpha val="40000"/>
+      </a:schemeClr>
+    </dgm:fillClrLst>
+    <dgm:linClrLst meth="repeat">
+      <a:schemeClr val="accent1"/>
+    </dgm:linClrLst>
+    <dgm:effectClrLst/>
+    <dgm:txLinClrLst/>
+    <dgm:txFillClrLst meth="repeat">
+      <a:schemeClr val="dk1"/>
+    </dgm:txFillClrLst>
+    <dgm:txEffectClrLst/>
+  </dgm:styleLbl>
+  <dgm:styleLbl name="bgAcc1">
+    <dgm:fillClrLst meth="repeat">
+      <a:schemeClr val="lt1">
+        <a:alpha val="90000"/>
+      </a:schemeClr>
+    </dgm:fillClrLst>
+    <dgm:linClrLst meth="repeat">
+      <a:schemeClr val="accent1"/>
+    </dgm:linClrLst>
+    <dgm:effectClrLst/>
+    <dgm:txLinClrLst/>
+    <dgm:txFillClrLst meth="repeat">
+      <a:schemeClr val="dk1"/>
+    </dgm:txFillClrLst>
+    <dgm:txEffectClrLst/>
+  </dgm:styleLbl>
+  <dgm:styleLbl name="solidFgAcc1">
+    <dgm:fillClrLst meth="repeat">
+      <a:schemeClr val="lt1"/>
+    </dgm:fillClrLst>
+    <dgm:linClrLst meth="repeat">
+      <a:schemeClr val="accent1"/>
+    </dgm:linClrLst>
+    <dgm:effectClrLst/>
+    <dgm:txLinClrLst/>
+    <dgm:txFillClrLst meth="repeat">
+      <a:schemeClr val="dk1"/>
+    </dgm:txFillClrLst>
+    <dgm:txEffectClrLst/>
+  </dgm:styleLbl>
+  <dgm:styleLbl name="solidAlignAcc1">
+    <dgm:fillClrLst meth="repeat">
+      <a:schemeClr val="lt1"/>
+    </dgm:fillClrLst>
+    <dgm:linClrLst meth="repeat">
+      <a:schemeClr val="accent1"/>
+    </dgm:linClrLst>
+    <dgm:effectClrLst/>
+    <dgm:txLinClrLst/>
+    <dgm:txFillClrLst meth="repeat">
+      <a:schemeClr val="dk1"/>
+    </dgm:txFillClrLst>
+    <dgm:txEffectClrLst/>
+  </dgm:styleLbl>
+  <dgm:styleLbl name="solidBgAcc1">
+    <dgm:fillClrLst meth="repeat">
+      <a:schemeClr val="lt1"/>
+    </dgm:fillClrLst>
+    <dgm:linClrLst meth="repeat">
+      <a:schemeClr val="accent1"/>
+    </dgm:linClrLst>
+    <dgm:effectClrLst/>
+    <dgm:txLinClrLst/>
+    <dgm:txFillClrLst meth="repeat">
+      <a:schemeClr val="dk1"/>
+    </dgm:txFillClrLst>
+    <dgm:txEffectClrLst/>
+  </dgm:styleLbl>
+  <dgm:styleLbl name="fgAccFollowNode1">
+    <dgm:fillClrLst meth="repeat">
+      <a:schemeClr val="accent1">
+        <a:alpha val="90000"/>
+        <a:tint val="40000"/>
+      </a:schemeClr>
+    </dgm:fillClrLst>
+    <dgm:linClrLst meth="repeat">
+      <a:schemeClr val="accent1">
+        <a:alpha val="90000"/>
+        <a:tint val="40000"/>
+      </a:schemeClr>
+    </dgm:linClrLst>
+    <dgm:effectClrLst/>
+    <dgm:txLinClrLst/>
+    <dgm:txFillClrLst meth="repeat">
+      <a:schemeClr val="dk1"/>
+    </dgm:txFillClrLst>
+    <dgm:txEffectClrLst/>
+  </dgm:styleLbl>
+  <dgm:styleLbl name="alignAccFollowNode1">
+    <dgm:fillClrLst meth="repeat">
+      <a:schemeClr val="accent1">
+        <a:alpha val="90000"/>
+        <a:tint val="40000"/>
+      </a:schemeClr>
+    </dgm:fillClrLst>
+    <dgm:linClrLst meth="repeat">
+      <a:schemeClr val="accent1">
+        <a:alpha val="90000"/>
+        <a:tint val="40000"/>
+      </a:schemeClr>
+    </dgm:linClrLst>
+    <dgm:effectClrLst/>
+    <dgm:txLinClrLst/>
+    <dgm:txFillClrLst meth="repeat">
+      <a:schemeClr val="dk1"/>
+    </dgm:txFillClrLst>
+    <dgm:txEffectClrLst/>
+  </dgm:styleLbl>
+  <dgm:styleLbl name="bgAccFollowNode1">
+    <dgm:fillClrLst meth="repeat">
+      <a:schemeClr val="accent1">
+        <a:alpha val="90000"/>
+        <a:tint val="40000"/>
+      </a:schemeClr>
+    </dgm:fillClrLst>
+    <dgm:linClrLst meth="repeat">
+      <a:schemeClr val="accent1">
+        <a:alpha val="90000"/>
+        <a:tint val="40000"/>
+      </a:schemeClr>
+    </dgm:linClrLst>
+    <dgm:effectClrLst/>
+    <dgm:txLinClrLst/>
+    <dgm:txFillClrLst meth="repeat">
+      <a:schemeClr val="dk1"/>
+    </dgm:txFillClrLst>
+    <dgm:txEffectClrLst/>
+  </dgm:styleLbl>
+  <dgm:styleLbl name="fgAcc0">
+    <dgm:fillClrLst meth="repeat">
+      <a:schemeClr val="lt1">
+        <a:alpha val="90000"/>
+      </a:schemeClr>
+    </dgm:fillClrLst>
+    <dgm:linClrLst meth="repeat">
+      <a:schemeClr val="accent1"/>
+    </dgm:linClrLst>
+    <dgm:effectClrLst/>
+    <dgm:txLinClrLst/>
+    <dgm:txFillClrLst meth="repeat">
+      <a:schemeClr val="dk1"/>
+    </dgm:txFillClrLst>
+    <dgm:txEffectClrLst/>
+  </dgm:styleLbl>
+  <dgm:styleLbl name="fgAcc2">
+    <dgm:fillClrLst meth="repeat">
+      <a:schemeClr val="lt1">
+        <a:alpha val="90000"/>
+      </a:schemeClr>
+    </dgm:fillClrLst>
+    <dgm:linClrLst meth="repeat">
+      <a:schemeClr val="accent1"/>
+    </dgm:linClrLst>
+    <dgm:effectClrLst/>
+    <dgm:txLinClrLst/>
+    <dgm:txFillClrLst meth="repeat">
+      <a:schemeClr val="dk1"/>
+    </dgm:txFillClrLst>
+    <dgm:txEffectClrLst/>
+  </dgm:styleLbl>
+  <dgm:styleLbl name="fgAcc3">
+    <dgm:fillClrLst meth="repeat">
+      <a:schemeClr val="lt1">
+        <a:alpha val="90000"/>
+      </a:schemeClr>
+    </dgm:fillClrLst>
+    <dgm:linClrLst meth="repeat">
+      <a:schemeClr val="accent1"/>
+    </dgm:linClrLst>
+    <dgm:effectClrLst/>
+    <dgm:txLinClrLst/>
+    <dgm:txFillClrLst meth="repeat">
+      <a:schemeClr val="dk1"/>
+    </dgm:txFillClrLst>
+    <dgm:txEffectClrLst/>
+  </dgm:styleLbl>
+  <dgm:styleLbl name="fgAcc4">
+    <dgm:fillClrLst meth="repeat">
+      <a:schemeClr val="lt1">
+        <a:alpha val="90000"/>
+      </a:schemeClr>
+    </dgm:fillClrLst>
+    <dgm:linClrLst meth="repeat">
+      <a:schemeClr val="accent1"/>
+    </dgm:linClrLst>
+    <dgm:effectClrLst/>
+    <dgm:txLinClrLst/>
+    <dgm:txFillClrLst meth="repeat">
+      <a:schemeClr val="dk1"/>
+    </dgm:txFillClrLst>
+    <dgm:txEffectClrLst/>
+  </dgm:styleLbl>
+  <dgm:styleLbl name="bgShp">
+    <dgm:fillClrLst meth="repeat">
+      <a:schemeClr val="accent1">
+        <a:tint val="40000"/>
+      </a:schemeClr>
+    </dgm:fillClrLst>
+    <dgm:linClrLst meth="repeat">
+      <a:schemeClr val="accent1"/>
+    </dgm:linClrLst>
+    <dgm:effectClrLst/>
+    <dgm:txLinClrLst/>
+    <dgm:txFillClrLst meth="repeat">
+      <a:schemeClr val="dk1"/>
+    </dgm:txFillClrLst>
+    <dgm:txEffectClrLst/>
+  </dgm:styleLbl>
+  <dgm:styleLbl name="dkBgShp">
+    <dgm:fillClrLst meth="repeat">
+      <a:schemeClr val="accent1">
+        <a:shade val="80000"/>
+      </a:schemeClr>
+    </dgm:fillClrLst>
+    <dgm:linClrLst meth="repeat">
+      <a:schemeClr val="accent1"/>
+    </dgm:linClrLst>
+    <dgm:effectClrLst/>
+    <dgm:txLinClrLst/>
+    <dgm:txFillClrLst meth="repeat">
+      <a:schemeClr val="lt1"/>
+    </dgm:txFillClrLst>
+    <dgm:txEffectClrLst/>
+  </dgm:styleLbl>
+  <dgm:styleLbl name="trBgShp">
+    <dgm:fillClrLst meth="repeat">
+      <a:schemeClr val="accent1">
+        <a:tint val="50000"/>
+        <a:alpha val="40000"/>
+      </a:schemeClr>
+    </dgm:fillClrLst>
+    <dgm:linClrLst meth="repeat">
+      <a:schemeClr val="accent1"/>
+    </dgm:linClrLst>
+    <dgm:effectClrLst/>
+    <dgm:txLinClrLst/>
+    <dgm:txFillClrLst meth="repeat">
+      <a:schemeClr val="lt1"/>
+    </dgm:txFillClrLst>
+    <dgm:txEffectClrLst/>
+  </dgm:styleLbl>
+  <dgm:styleLbl name="fgShp">
+    <dgm:fillClrLst meth="repeat">
+      <a:schemeClr val="accent1">
+        <a:tint val="60000"/>
+      </a:schemeClr>
+    </dgm:fillClrLst>
+    <dgm:linClrLst meth="repeat">
+      <a:schemeClr val="lt1"/>
+    </dgm:linClrLst>
+    <dgm:effectClrLst/>
+    <dgm:txLinClrLst/>
+    <dgm:txFillClrLst meth="repeat">
+      <a:schemeClr val="dk1"/>
+    </dgm:txFillClrLst>
+    <dgm:txEffectClrLst/>
+  </dgm:styleLbl>
+  <dgm:styleLbl name="revTx">
+    <dgm:fillClrLst meth="repeat">
+      <a:schemeClr val="lt1">
+        <a:alpha val="0"/>
+      </a:schemeClr>
+    </dgm:fillClrLst>
+    <dgm:linClrLst meth="repeat">
+      <a:schemeClr val="dk1">
+        <a:alpha val="0"/>
+      </a:schemeClr>
+    </dgm:linClrLst>
+    <dgm:effectClrLst/>
+    <dgm:txLinClrLst/>
+    <dgm:txFillClrLst meth="repeat">
+      <a:schemeClr val="tx1"/>
+    </dgm:txFillClrLst>
+    <dgm:txEffectClrLst/>
+  </dgm:styleLbl>
+</dgm:colorsDef>
+</file>
+
+<file path=ppt/diagrams/data1.xml><?xml version="1.0" encoding="utf-8"?>
+<dgm:dataModel xmlns:dgm="http://schemas.openxmlformats.org/drawingml/2006/diagram" xmlns:a="http://schemas.openxmlformats.org/drawingml/2006/main">
+  <dgm:ptLst>
+    <dgm:pt modelId="{A4FB6818-573E-4991-A005-42B15E4FEEDD}" type="doc">
+      <dgm:prSet loTypeId="urn:microsoft.com/office/officeart/2005/8/layout/process1" loCatId="process" qsTypeId="urn:microsoft.com/office/officeart/2005/8/quickstyle/simple1" qsCatId="simple" csTypeId="urn:microsoft.com/office/officeart/2005/8/colors/accent1_2" csCatId="accent1" phldr="1"/>
+      <dgm:spPr/>
+    </dgm:pt>
+    <dgm:pt modelId="{736A48E0-EC43-4A9C-82EE-30AD675D920C}">
+      <dgm:prSet phldrT="[Text]"/>
+      <dgm:spPr/>
+      <dgm:t>
+        <a:bodyPr/>
+        <a:lstStyle/>
+        <a:p>
+          <a:r>
+            <a:rPr lang="en-US" dirty="0"/>
+            <a:t>Transcription profiling </a:t>
+          </a:r>
+        </a:p>
+      </dgm:t>
+    </dgm:pt>
+    <dgm:pt modelId="{22D1FA52-3ABA-4F59-92B3-AFA10294FA87}" type="parTrans" cxnId="{9E6F7F14-4135-4F60-860B-7655A1108570}">
+      <dgm:prSet/>
+      <dgm:spPr/>
+      <dgm:t>
+        <a:bodyPr/>
+        <a:lstStyle/>
+        <a:p>
+          <a:endParaRPr lang="en-US"/>
+        </a:p>
+      </dgm:t>
+    </dgm:pt>
+    <dgm:pt modelId="{E892C2B4-4244-468D-917A-E776E4200961}" type="sibTrans" cxnId="{9E6F7F14-4135-4F60-860B-7655A1108570}">
+      <dgm:prSet/>
+      <dgm:spPr/>
+      <dgm:t>
+        <a:bodyPr/>
+        <a:lstStyle/>
+        <a:p>
+          <a:endParaRPr lang="en-US"/>
+        </a:p>
+      </dgm:t>
+    </dgm:pt>
+    <dgm:pt modelId="{3E86D3FA-BD3A-4833-9766-85B4B2E840DF}">
+      <dgm:prSet phldrT="[Text]"/>
+      <dgm:spPr/>
+      <dgm:t>
+        <a:bodyPr/>
+        <a:lstStyle/>
+        <a:p>
+          <a:r>
+            <a:rPr lang="en-US" dirty="0"/>
+            <a:t>Differential Expression</a:t>
+          </a:r>
+        </a:p>
+      </dgm:t>
+    </dgm:pt>
+    <dgm:pt modelId="{2789773C-B9FC-4A5D-AB68-6377848DB5E2}" type="parTrans" cxnId="{32DCE3DC-77B8-40E9-85DA-B0E3F73E85BB}">
+      <dgm:prSet/>
+      <dgm:spPr/>
+      <dgm:t>
+        <a:bodyPr/>
+        <a:lstStyle/>
+        <a:p>
+          <a:endParaRPr lang="en-US"/>
+        </a:p>
+      </dgm:t>
+    </dgm:pt>
+    <dgm:pt modelId="{498237EE-6852-4997-9B5B-A68FB5C4395C}" type="sibTrans" cxnId="{32DCE3DC-77B8-40E9-85DA-B0E3F73E85BB}">
+      <dgm:prSet/>
+      <dgm:spPr/>
+      <dgm:t>
+        <a:bodyPr/>
+        <a:lstStyle/>
+        <a:p>
+          <a:endParaRPr lang="en-US"/>
+        </a:p>
+      </dgm:t>
+    </dgm:pt>
+    <dgm:pt modelId="{8355E8D1-6496-4487-99C7-F78F64E5E014}" type="pres">
+      <dgm:prSet presAssocID="{A4FB6818-573E-4991-A005-42B15E4FEEDD}" presName="Name0" presStyleCnt="0">
+        <dgm:presLayoutVars>
+          <dgm:dir/>
+          <dgm:resizeHandles val="exact"/>
+        </dgm:presLayoutVars>
+      </dgm:prSet>
+      <dgm:spPr/>
+    </dgm:pt>
+    <dgm:pt modelId="{C25D3B41-4AF6-4031-87A8-0A10E9FCA369}" type="pres">
+      <dgm:prSet presAssocID="{736A48E0-EC43-4A9C-82EE-30AD675D920C}" presName="node" presStyleLbl="node1" presStyleIdx="0" presStyleCnt="2">
+        <dgm:presLayoutVars>
+          <dgm:bulletEnabled val="1"/>
+        </dgm:presLayoutVars>
+      </dgm:prSet>
+      <dgm:spPr/>
+    </dgm:pt>
+    <dgm:pt modelId="{88EDF64E-35BB-481B-B11A-F08915958068}" type="pres">
+      <dgm:prSet presAssocID="{E892C2B4-4244-468D-917A-E776E4200961}" presName="sibTrans" presStyleLbl="sibTrans2D1" presStyleIdx="0" presStyleCnt="1"/>
+      <dgm:spPr/>
+    </dgm:pt>
+    <dgm:pt modelId="{F3C8F6A7-EE57-4CE9-92F3-C5249F31F420}" type="pres">
+      <dgm:prSet presAssocID="{E892C2B4-4244-468D-917A-E776E4200961}" presName="connectorText" presStyleLbl="sibTrans2D1" presStyleIdx="0" presStyleCnt="1"/>
+      <dgm:spPr/>
+    </dgm:pt>
+    <dgm:pt modelId="{174F3DC6-92D1-46F3-BBD6-C834F6469487}" type="pres">
+      <dgm:prSet presAssocID="{3E86D3FA-BD3A-4833-9766-85B4B2E840DF}" presName="node" presStyleLbl="node1" presStyleIdx="1" presStyleCnt="2">
+        <dgm:presLayoutVars>
+          <dgm:bulletEnabled val="1"/>
+        </dgm:presLayoutVars>
+      </dgm:prSet>
+      <dgm:spPr/>
+    </dgm:pt>
+  </dgm:ptLst>
+  <dgm:cxnLst>
+    <dgm:cxn modelId="{9E6F7F14-4135-4F60-860B-7655A1108570}" srcId="{A4FB6818-573E-4991-A005-42B15E4FEEDD}" destId="{736A48E0-EC43-4A9C-82EE-30AD675D920C}" srcOrd="0" destOrd="0" parTransId="{22D1FA52-3ABA-4F59-92B3-AFA10294FA87}" sibTransId="{E892C2B4-4244-468D-917A-E776E4200961}"/>
+    <dgm:cxn modelId="{41E9F1C2-9A15-46F5-A5F6-76786FB5C851}" type="presOf" srcId="{E892C2B4-4244-468D-917A-E776E4200961}" destId="{F3C8F6A7-EE57-4CE9-92F3-C5249F31F420}" srcOrd="1" destOrd="0" presId="urn:microsoft.com/office/officeart/2005/8/layout/process1"/>
+    <dgm:cxn modelId="{C822B73D-56CB-4EE4-8FD7-6892AA40C1EA}" type="presOf" srcId="{736A48E0-EC43-4A9C-82EE-30AD675D920C}" destId="{C25D3B41-4AF6-4031-87A8-0A10E9FCA369}" srcOrd="0" destOrd="0" presId="urn:microsoft.com/office/officeart/2005/8/layout/process1"/>
+    <dgm:cxn modelId="{9E0E639D-96FB-47D6-8DEB-8B00A79422B3}" type="presOf" srcId="{3E86D3FA-BD3A-4833-9766-85B4B2E840DF}" destId="{174F3DC6-92D1-46F3-BBD6-C834F6469487}" srcOrd="0" destOrd="0" presId="urn:microsoft.com/office/officeart/2005/8/layout/process1"/>
+    <dgm:cxn modelId="{8A4F10CD-899E-4AC4-B2AC-E07EBF2A8E50}" type="presOf" srcId="{A4FB6818-573E-4991-A005-42B15E4FEEDD}" destId="{8355E8D1-6496-4487-99C7-F78F64E5E014}" srcOrd="0" destOrd="0" presId="urn:microsoft.com/office/officeart/2005/8/layout/process1"/>
+    <dgm:cxn modelId="{32DCE3DC-77B8-40E9-85DA-B0E3F73E85BB}" srcId="{A4FB6818-573E-4991-A005-42B15E4FEEDD}" destId="{3E86D3FA-BD3A-4833-9766-85B4B2E840DF}" srcOrd="1" destOrd="0" parTransId="{2789773C-B9FC-4A5D-AB68-6377848DB5E2}" sibTransId="{498237EE-6852-4997-9B5B-A68FB5C4395C}"/>
+    <dgm:cxn modelId="{6273B2C8-F46A-44DD-8B68-85C669D233F9}" type="presOf" srcId="{E892C2B4-4244-468D-917A-E776E4200961}" destId="{88EDF64E-35BB-481B-B11A-F08915958068}" srcOrd="0" destOrd="0" presId="urn:microsoft.com/office/officeart/2005/8/layout/process1"/>
+    <dgm:cxn modelId="{4B260333-BDB4-4EBF-AFE6-87E0D75AE238}" type="presParOf" srcId="{8355E8D1-6496-4487-99C7-F78F64E5E014}" destId="{C25D3B41-4AF6-4031-87A8-0A10E9FCA369}" srcOrd="0" destOrd="0" presId="urn:microsoft.com/office/officeart/2005/8/layout/process1"/>
+    <dgm:cxn modelId="{5B852A6E-4280-4D28-A0AC-880CD145A56A}" type="presParOf" srcId="{8355E8D1-6496-4487-99C7-F78F64E5E014}" destId="{88EDF64E-35BB-481B-B11A-F08915958068}" srcOrd="1" destOrd="0" presId="urn:microsoft.com/office/officeart/2005/8/layout/process1"/>
+    <dgm:cxn modelId="{CB9685DE-E634-4892-AB25-77C885BE2F9C}" type="presParOf" srcId="{88EDF64E-35BB-481B-B11A-F08915958068}" destId="{F3C8F6A7-EE57-4CE9-92F3-C5249F31F420}" srcOrd="0" destOrd="0" presId="urn:microsoft.com/office/officeart/2005/8/layout/process1"/>
+    <dgm:cxn modelId="{F806D597-A452-407C-A084-32F87AC6E80F}" type="presParOf" srcId="{8355E8D1-6496-4487-99C7-F78F64E5E014}" destId="{174F3DC6-92D1-46F3-BBD6-C834F6469487}" srcOrd="2" destOrd="0" presId="urn:microsoft.com/office/officeart/2005/8/layout/process1"/>
+  </dgm:cxnLst>
+  <dgm:bg/>
+  <dgm:whole/>
+  <dgm:extLst>
+    <a:ext uri="http://schemas.microsoft.com/office/drawing/2008/diagram">
+      <dsp:dataModelExt xmlns:dsp="http://schemas.microsoft.com/office/drawing/2008/diagram" relId="rId6" minVer="http://schemas.openxmlformats.org/drawingml/2006/diagram"/>
+    </a:ext>
+  </dgm:extLst>
+</dgm:dataModel>
+</file>
+
+<file path=ppt/diagrams/data2.xml><?xml version="1.0" encoding="utf-8"?>
+<dgm:dataModel xmlns:dgm="http://schemas.openxmlformats.org/drawingml/2006/diagram" xmlns:a="http://schemas.openxmlformats.org/drawingml/2006/main">
+  <dgm:ptLst>
+    <dgm:pt modelId="{B51D5227-CD8A-4A6C-9B8B-B8F90F209FFD}" type="doc">
+      <dgm:prSet loTypeId="urn:microsoft.com/office/officeart/2005/8/layout/process1" loCatId="process" qsTypeId="urn:microsoft.com/office/officeart/2005/8/quickstyle/simple1" qsCatId="simple" csTypeId="urn:microsoft.com/office/officeart/2005/8/colors/accent1_2" csCatId="accent1" phldr="0"/>
+      <dgm:spPr/>
+    </dgm:pt>
+    <dgm:pt modelId="{BF9479A6-8E44-468C-865C-A5AF6CB9B728}">
+      <dgm:prSet phldrT="[Text]" phldr="1"/>
+      <dgm:spPr/>
+      <dgm:t>
+        <a:bodyPr/>
+        <a:lstStyle/>
+        <a:p>
+          <a:endParaRPr lang="en-US"/>
+        </a:p>
+      </dgm:t>
+    </dgm:pt>
+    <dgm:pt modelId="{7AEB2F86-7C19-4AED-AE42-D9456F73BD75}" type="parTrans" cxnId="{D788F2CE-FCA9-4CE9-854D-0374B10FB1DE}">
+      <dgm:prSet/>
+      <dgm:spPr/>
+    </dgm:pt>
+    <dgm:pt modelId="{652A2CBE-7EEC-43CF-9E13-4590DEBC9582}" type="sibTrans" cxnId="{D788F2CE-FCA9-4CE9-854D-0374B10FB1DE}">
+      <dgm:prSet/>
+      <dgm:spPr/>
+      <dgm:t>
+        <a:bodyPr/>
+        <a:lstStyle/>
+        <a:p>
+          <a:endParaRPr lang="en-US"/>
+        </a:p>
+      </dgm:t>
+    </dgm:pt>
+    <dgm:pt modelId="{BF1D83B5-B3DF-493F-A256-78F574499C76}">
+      <dgm:prSet phldrT="[Text]" phldr="1"/>
+      <dgm:spPr/>
+      <dgm:t>
+        <a:bodyPr/>
+        <a:lstStyle/>
+        <a:p>
+          <a:endParaRPr lang="en-US"/>
+        </a:p>
+      </dgm:t>
+    </dgm:pt>
+    <dgm:pt modelId="{825F469F-E5E7-4227-AD16-80587CE29A33}" type="parTrans" cxnId="{D483075D-9C1C-419A-A0B1-69B8E1AB81CE}">
+      <dgm:prSet/>
+      <dgm:spPr/>
+    </dgm:pt>
+    <dgm:pt modelId="{C3C10AC9-1ADB-403C-A703-3E7E7FA57BF8}" type="sibTrans" cxnId="{D483075D-9C1C-419A-A0B1-69B8E1AB81CE}">
+      <dgm:prSet/>
+      <dgm:spPr/>
+      <dgm:t>
+        <a:bodyPr/>
+        <a:lstStyle/>
+        <a:p>
+          <a:endParaRPr lang="en-US"/>
+        </a:p>
+      </dgm:t>
+    </dgm:pt>
+    <dgm:pt modelId="{9943014D-8C6E-463D-A613-48F23D4519B7}">
+      <dgm:prSet phldrT="[Text]" phldr="1"/>
+      <dgm:spPr/>
+      <dgm:t>
+        <a:bodyPr/>
+        <a:lstStyle/>
+        <a:p>
+          <a:endParaRPr lang="en-US"/>
+        </a:p>
+      </dgm:t>
+    </dgm:pt>
+    <dgm:pt modelId="{EA722D84-3D12-4C9F-92C7-287E01409804}" type="parTrans" cxnId="{AB8509D1-5396-4647-92ED-BFC225D3CE5B}">
+      <dgm:prSet/>
+      <dgm:spPr/>
+    </dgm:pt>
+    <dgm:pt modelId="{E1FFF456-3F57-4AA5-801E-995CE96CAF64}" type="sibTrans" cxnId="{AB8509D1-5396-4647-92ED-BFC225D3CE5B}">
+      <dgm:prSet/>
+      <dgm:spPr/>
+    </dgm:pt>
+    <dgm:pt modelId="{346A8D5E-6DAC-49DF-B417-A9A1ACDC38CD}" type="pres">
+      <dgm:prSet presAssocID="{B51D5227-CD8A-4A6C-9B8B-B8F90F209FFD}" presName="Name0" presStyleCnt="0">
+        <dgm:presLayoutVars>
+          <dgm:dir/>
+          <dgm:resizeHandles val="exact"/>
+        </dgm:presLayoutVars>
+      </dgm:prSet>
+      <dgm:spPr/>
+    </dgm:pt>
+    <dgm:pt modelId="{C6C5D930-BF4B-4826-8EF5-9713E075F297}" type="pres">
+      <dgm:prSet presAssocID="{BF9479A6-8E44-468C-865C-A5AF6CB9B728}" presName="node" presStyleLbl="node1" presStyleIdx="0" presStyleCnt="3">
+        <dgm:presLayoutVars>
+          <dgm:bulletEnabled val="1"/>
+        </dgm:presLayoutVars>
+      </dgm:prSet>
+      <dgm:spPr/>
+    </dgm:pt>
+    <dgm:pt modelId="{F743BBA3-F85A-4955-B22D-74C8A453CDA2}" type="pres">
+      <dgm:prSet presAssocID="{652A2CBE-7EEC-43CF-9E13-4590DEBC9582}" presName="sibTrans" presStyleLbl="sibTrans2D1" presStyleIdx="0" presStyleCnt="2"/>
+      <dgm:spPr/>
+    </dgm:pt>
+    <dgm:pt modelId="{8B8B4377-0697-45FC-A640-F2CE0A54A7DA}" type="pres">
+      <dgm:prSet presAssocID="{652A2CBE-7EEC-43CF-9E13-4590DEBC9582}" presName="connectorText" presStyleLbl="sibTrans2D1" presStyleIdx="0" presStyleCnt="2"/>
+      <dgm:spPr/>
+    </dgm:pt>
+    <dgm:pt modelId="{34C7BCB3-04DB-45C7-9A42-320BFF7BC6DD}" type="pres">
+      <dgm:prSet presAssocID="{BF1D83B5-B3DF-493F-A256-78F574499C76}" presName="node" presStyleLbl="node1" presStyleIdx="1" presStyleCnt="3">
+        <dgm:presLayoutVars>
+          <dgm:bulletEnabled val="1"/>
+        </dgm:presLayoutVars>
+      </dgm:prSet>
+      <dgm:spPr/>
+    </dgm:pt>
+    <dgm:pt modelId="{9C101147-473E-42D2-A0E5-5ABF38B50C73}" type="pres">
+      <dgm:prSet presAssocID="{C3C10AC9-1ADB-403C-A703-3E7E7FA57BF8}" presName="sibTrans" presStyleLbl="sibTrans2D1" presStyleIdx="1" presStyleCnt="2"/>
+      <dgm:spPr/>
+    </dgm:pt>
+    <dgm:pt modelId="{8DC65580-354A-49B6-A367-B6A9A3244483}" type="pres">
+      <dgm:prSet presAssocID="{C3C10AC9-1ADB-403C-A703-3E7E7FA57BF8}" presName="connectorText" presStyleLbl="sibTrans2D1" presStyleIdx="1" presStyleCnt="2"/>
+      <dgm:spPr/>
+    </dgm:pt>
+    <dgm:pt modelId="{732646D0-614E-4567-8EB3-FE5BADE041C4}" type="pres">
+      <dgm:prSet presAssocID="{9943014D-8C6E-463D-A613-48F23D4519B7}" presName="node" presStyleLbl="node1" presStyleIdx="2" presStyleCnt="3">
+        <dgm:presLayoutVars>
+          <dgm:bulletEnabled val="1"/>
+        </dgm:presLayoutVars>
+      </dgm:prSet>
+      <dgm:spPr/>
+    </dgm:pt>
+  </dgm:ptLst>
+  <dgm:cxnLst>
+    <dgm:cxn modelId="{AB8509D1-5396-4647-92ED-BFC225D3CE5B}" srcId="{B51D5227-CD8A-4A6C-9B8B-B8F90F209FFD}" destId="{9943014D-8C6E-463D-A613-48F23D4519B7}" srcOrd="2" destOrd="0" parTransId="{EA722D84-3D12-4C9F-92C7-287E01409804}" sibTransId="{E1FFF456-3F57-4AA5-801E-995CE96CAF64}"/>
+    <dgm:cxn modelId="{D788F2CE-FCA9-4CE9-854D-0374B10FB1DE}" srcId="{B51D5227-CD8A-4A6C-9B8B-B8F90F209FFD}" destId="{BF9479A6-8E44-468C-865C-A5AF6CB9B728}" srcOrd="0" destOrd="0" parTransId="{7AEB2F86-7C19-4AED-AE42-D9456F73BD75}" sibTransId="{652A2CBE-7EEC-43CF-9E13-4590DEBC9582}"/>
+    <dgm:cxn modelId="{4C69A28B-0934-4989-9BBD-73C967167B2D}" type="presOf" srcId="{B51D5227-CD8A-4A6C-9B8B-B8F90F209FFD}" destId="{346A8D5E-6DAC-49DF-B417-A9A1ACDC38CD}" srcOrd="0" destOrd="0" presId="urn:microsoft.com/office/officeart/2005/8/layout/process1"/>
+    <dgm:cxn modelId="{F7FF024C-B249-443F-AB18-DDD868EF7310}" type="presOf" srcId="{C3C10AC9-1ADB-403C-A703-3E7E7FA57BF8}" destId="{8DC65580-354A-49B6-A367-B6A9A3244483}" srcOrd="1" destOrd="0" presId="urn:microsoft.com/office/officeart/2005/8/layout/process1"/>
+    <dgm:cxn modelId="{3BEA7B11-69F6-4F8D-9050-310BE84730BC}" type="presOf" srcId="{652A2CBE-7EEC-43CF-9E13-4590DEBC9582}" destId="{F743BBA3-F85A-4955-B22D-74C8A453CDA2}" srcOrd="0" destOrd="0" presId="urn:microsoft.com/office/officeart/2005/8/layout/process1"/>
+    <dgm:cxn modelId="{D483075D-9C1C-419A-A0B1-69B8E1AB81CE}" srcId="{B51D5227-CD8A-4A6C-9B8B-B8F90F209FFD}" destId="{BF1D83B5-B3DF-493F-A256-78F574499C76}" srcOrd="1" destOrd="0" parTransId="{825F469F-E5E7-4227-AD16-80587CE29A33}" sibTransId="{C3C10AC9-1ADB-403C-A703-3E7E7FA57BF8}"/>
+    <dgm:cxn modelId="{7F0E42AB-AC08-4F6B-B175-97515724429D}" type="presOf" srcId="{9943014D-8C6E-463D-A613-48F23D4519B7}" destId="{732646D0-614E-4567-8EB3-FE5BADE041C4}" srcOrd="0" destOrd="0" presId="urn:microsoft.com/office/officeart/2005/8/layout/process1"/>
+    <dgm:cxn modelId="{6E98B86E-EB32-49D1-9D49-04F2D3A1797C}" type="presOf" srcId="{BF9479A6-8E44-468C-865C-A5AF6CB9B728}" destId="{C6C5D930-BF4B-4826-8EF5-9713E075F297}" srcOrd="0" destOrd="0" presId="urn:microsoft.com/office/officeart/2005/8/layout/process1"/>
+    <dgm:cxn modelId="{63C212A9-7E88-4104-A098-249ADECF52B6}" type="presOf" srcId="{C3C10AC9-1ADB-403C-A703-3E7E7FA57BF8}" destId="{9C101147-473E-42D2-A0E5-5ABF38B50C73}" srcOrd="0" destOrd="0" presId="urn:microsoft.com/office/officeart/2005/8/layout/process1"/>
+    <dgm:cxn modelId="{5B953AEF-E5D9-4A2E-B1D5-81A926517769}" type="presOf" srcId="{652A2CBE-7EEC-43CF-9E13-4590DEBC9582}" destId="{8B8B4377-0697-45FC-A640-F2CE0A54A7DA}" srcOrd="1" destOrd="0" presId="urn:microsoft.com/office/officeart/2005/8/layout/process1"/>
+    <dgm:cxn modelId="{10710FDA-9FC6-4E26-9650-77012A4ECD69}" type="presOf" srcId="{BF1D83B5-B3DF-493F-A256-78F574499C76}" destId="{34C7BCB3-04DB-45C7-9A42-320BFF7BC6DD}" srcOrd="0" destOrd="0" presId="urn:microsoft.com/office/officeart/2005/8/layout/process1"/>
+    <dgm:cxn modelId="{F6C77133-5720-4D53-B315-81B807A8088A}" type="presParOf" srcId="{346A8D5E-6DAC-49DF-B417-A9A1ACDC38CD}" destId="{C6C5D930-BF4B-4826-8EF5-9713E075F297}" srcOrd="0" destOrd="0" presId="urn:microsoft.com/office/officeart/2005/8/layout/process1"/>
+    <dgm:cxn modelId="{7D1B7CEB-059E-4BEA-8E28-3A384A2DBB98}" type="presParOf" srcId="{346A8D5E-6DAC-49DF-B417-A9A1ACDC38CD}" destId="{F743BBA3-F85A-4955-B22D-74C8A453CDA2}" srcOrd="1" destOrd="0" presId="urn:microsoft.com/office/officeart/2005/8/layout/process1"/>
+    <dgm:cxn modelId="{1C4221C7-F568-4A76-A1F9-7E64BC8D7BDF}" type="presParOf" srcId="{F743BBA3-F85A-4955-B22D-74C8A453CDA2}" destId="{8B8B4377-0697-45FC-A640-F2CE0A54A7DA}" srcOrd="0" destOrd="0" presId="urn:microsoft.com/office/officeart/2005/8/layout/process1"/>
+    <dgm:cxn modelId="{7D2106E3-694C-486A-A36C-760D09CD2F10}" type="presParOf" srcId="{346A8D5E-6DAC-49DF-B417-A9A1ACDC38CD}" destId="{34C7BCB3-04DB-45C7-9A42-320BFF7BC6DD}" srcOrd="2" destOrd="0" presId="urn:microsoft.com/office/officeart/2005/8/layout/process1"/>
+    <dgm:cxn modelId="{E2D43EC2-23A1-4F03-A91F-6A004DF4A479}" type="presParOf" srcId="{346A8D5E-6DAC-49DF-B417-A9A1ACDC38CD}" destId="{9C101147-473E-42D2-A0E5-5ABF38B50C73}" srcOrd="3" destOrd="0" presId="urn:microsoft.com/office/officeart/2005/8/layout/process1"/>
+    <dgm:cxn modelId="{B9421473-B810-4C87-B1E0-7A9CC9532102}" type="presParOf" srcId="{9C101147-473E-42D2-A0E5-5ABF38B50C73}" destId="{8DC65580-354A-49B6-A367-B6A9A3244483}" srcOrd="0" destOrd="0" presId="urn:microsoft.com/office/officeart/2005/8/layout/process1"/>
+    <dgm:cxn modelId="{0E3FCF05-24E0-49E2-A4B2-73DC89146F19}" type="presParOf" srcId="{346A8D5E-6DAC-49DF-B417-A9A1ACDC38CD}" destId="{732646D0-614E-4567-8EB3-FE5BADE041C4}" srcOrd="4" destOrd="0" presId="urn:microsoft.com/office/officeart/2005/8/layout/process1"/>
+  </dgm:cxnLst>
+  <dgm:bg/>
+  <dgm:whole/>
+  <dgm:extLst>
+    <a:ext uri="http://schemas.microsoft.com/office/drawing/2008/diagram">
+      <dsp:dataModelExt xmlns:dsp="http://schemas.microsoft.com/office/drawing/2008/diagram" relId="rId6" minVer="http://schemas.openxmlformats.org/drawingml/2006/diagram"/>
+    </a:ext>
+  </dgm:extLst>
+</dgm:dataModel>
+</file>
+
+<file path=ppt/diagrams/data3.xml><?xml version="1.0" encoding="utf-8"?>
+<dgm:dataModel xmlns:dgm="http://schemas.openxmlformats.org/drawingml/2006/diagram" xmlns:a="http://schemas.openxmlformats.org/drawingml/2006/main">
+  <dgm:ptLst>
+    <dgm:pt modelId="{00957F53-1F0D-445C-BFD5-C49B852980A0}" type="doc">
+      <dgm:prSet loTypeId="urn:microsoft.com/office/officeart/2005/8/layout/process1" loCatId="process" qsTypeId="urn:microsoft.com/office/officeart/2005/8/quickstyle/simple1" qsCatId="simple" csTypeId="urn:microsoft.com/office/officeart/2005/8/colors/accent1_2" csCatId="accent1" phldr="0"/>
+      <dgm:spPr/>
+    </dgm:pt>
+    <dgm:pt modelId="{84936F8B-A588-4A51-BF05-6584529BCEF1}">
+      <dgm:prSet phldrT="[Text]" phldr="1"/>
+      <dgm:spPr/>
+      <dgm:t>
+        <a:bodyPr/>
+        <a:lstStyle/>
+        <a:p>
+          <a:endParaRPr lang="en-US"/>
+        </a:p>
+      </dgm:t>
+    </dgm:pt>
+    <dgm:pt modelId="{ADEC294F-A759-4A35-BE73-25CDDEC515CF}" type="parTrans" cxnId="{AB5814CD-3D70-4F39-B122-8112FD37FE9C}">
+      <dgm:prSet/>
+      <dgm:spPr/>
+      <dgm:t>
+        <a:bodyPr/>
+        <a:lstStyle/>
+        <a:p>
+          <a:endParaRPr lang="en-US"/>
+        </a:p>
+      </dgm:t>
+    </dgm:pt>
+    <dgm:pt modelId="{A6F7AF0B-D6F3-4BB2-BED8-D145641246F0}" type="sibTrans" cxnId="{AB5814CD-3D70-4F39-B122-8112FD37FE9C}">
+      <dgm:prSet/>
+      <dgm:spPr/>
+      <dgm:t>
+        <a:bodyPr/>
+        <a:lstStyle/>
+        <a:p>
+          <a:endParaRPr lang="en-US"/>
+        </a:p>
+      </dgm:t>
+    </dgm:pt>
+    <dgm:pt modelId="{8B4163E0-D9A4-4F25-8F85-638ACD032F1C}">
+      <dgm:prSet phldrT="[Text]" phldr="1"/>
+      <dgm:spPr/>
+      <dgm:t>
+        <a:bodyPr/>
+        <a:lstStyle/>
+        <a:p>
+          <a:endParaRPr lang="en-US"/>
+        </a:p>
+      </dgm:t>
+    </dgm:pt>
+    <dgm:pt modelId="{46DAF746-7ACC-4723-84D3-403250A6033E}" type="parTrans" cxnId="{9AFD9671-D7C0-4C69-B8D0-AC381A14490D}">
+      <dgm:prSet/>
+      <dgm:spPr/>
+      <dgm:t>
+        <a:bodyPr/>
+        <a:lstStyle/>
+        <a:p>
+          <a:endParaRPr lang="en-US"/>
+        </a:p>
+      </dgm:t>
+    </dgm:pt>
+    <dgm:pt modelId="{9F45A1D7-F201-46B9-810B-C95E71227969}" type="sibTrans" cxnId="{9AFD9671-D7C0-4C69-B8D0-AC381A14490D}">
+      <dgm:prSet/>
+      <dgm:spPr/>
+      <dgm:t>
+        <a:bodyPr/>
+        <a:lstStyle/>
+        <a:p>
+          <a:endParaRPr lang="en-US"/>
+        </a:p>
+      </dgm:t>
+    </dgm:pt>
+    <dgm:pt modelId="{15C71DBD-6CA2-4C8D-B38F-1E72A180A62A}">
+      <dgm:prSet phldrT="[Text]" phldr="1"/>
+      <dgm:spPr/>
+      <dgm:t>
+        <a:bodyPr/>
+        <a:lstStyle/>
+        <a:p>
+          <a:endParaRPr lang="en-US"/>
+        </a:p>
+      </dgm:t>
+    </dgm:pt>
+    <dgm:pt modelId="{58049BC8-B7FA-4046-947D-D2B7D2F8693E}" type="parTrans" cxnId="{6DBFC9B8-0D58-4344-8598-6C407072F97D}">
+      <dgm:prSet/>
+      <dgm:spPr/>
+      <dgm:t>
+        <a:bodyPr/>
+        <a:lstStyle/>
+        <a:p>
+          <a:endParaRPr lang="en-US"/>
+        </a:p>
+      </dgm:t>
+    </dgm:pt>
+    <dgm:pt modelId="{1EB820B4-7178-44A1-9B6F-FE43C5A80BB8}" type="sibTrans" cxnId="{6DBFC9B8-0D58-4344-8598-6C407072F97D}">
+      <dgm:prSet/>
+      <dgm:spPr/>
+      <dgm:t>
+        <a:bodyPr/>
+        <a:lstStyle/>
+        <a:p>
+          <a:endParaRPr lang="en-US"/>
+        </a:p>
+      </dgm:t>
+    </dgm:pt>
+    <dgm:pt modelId="{C7DA0DEC-49B3-4EFE-9EE9-D662C7357334}" type="pres">
+      <dgm:prSet presAssocID="{00957F53-1F0D-445C-BFD5-C49B852980A0}" presName="Name0" presStyleCnt="0">
+        <dgm:presLayoutVars>
+          <dgm:dir/>
+          <dgm:resizeHandles val="exact"/>
+        </dgm:presLayoutVars>
+      </dgm:prSet>
+      <dgm:spPr/>
+    </dgm:pt>
+    <dgm:pt modelId="{2B4487BF-4BC9-4009-AA01-1957E7F46C56}" type="pres">
+      <dgm:prSet presAssocID="{84936F8B-A588-4A51-BF05-6584529BCEF1}" presName="node" presStyleLbl="node1" presStyleIdx="0" presStyleCnt="3">
+        <dgm:presLayoutVars>
+          <dgm:bulletEnabled val="1"/>
+        </dgm:presLayoutVars>
+      </dgm:prSet>
+      <dgm:spPr/>
+    </dgm:pt>
+    <dgm:pt modelId="{9AA0144C-5539-4436-A2D7-D0076484B6A5}" type="pres">
+      <dgm:prSet presAssocID="{A6F7AF0B-D6F3-4BB2-BED8-D145641246F0}" presName="sibTrans" presStyleLbl="sibTrans2D1" presStyleIdx="0" presStyleCnt="2"/>
+      <dgm:spPr/>
+    </dgm:pt>
+    <dgm:pt modelId="{BA7124CE-A91E-4278-A8B8-483BD1B9EB53}" type="pres">
+      <dgm:prSet presAssocID="{A6F7AF0B-D6F3-4BB2-BED8-D145641246F0}" presName="connectorText" presStyleLbl="sibTrans2D1" presStyleIdx="0" presStyleCnt="2"/>
+      <dgm:spPr/>
+    </dgm:pt>
+    <dgm:pt modelId="{0144F23B-66FF-470D-9DB2-78780C3993C3}" type="pres">
+      <dgm:prSet presAssocID="{8B4163E0-D9A4-4F25-8F85-638ACD032F1C}" presName="node" presStyleLbl="node1" presStyleIdx="1" presStyleCnt="3">
+        <dgm:presLayoutVars>
+          <dgm:bulletEnabled val="1"/>
+        </dgm:presLayoutVars>
+      </dgm:prSet>
+      <dgm:spPr/>
+    </dgm:pt>
+    <dgm:pt modelId="{F5AFDAF3-FFE6-4092-BA54-9FDC13D578EC}" type="pres">
+      <dgm:prSet presAssocID="{9F45A1D7-F201-46B9-810B-C95E71227969}" presName="sibTrans" presStyleLbl="sibTrans2D1" presStyleIdx="1" presStyleCnt="2"/>
+      <dgm:spPr/>
+    </dgm:pt>
+    <dgm:pt modelId="{4C66682C-450F-4FAE-A7DE-B012CE089624}" type="pres">
+      <dgm:prSet presAssocID="{9F45A1D7-F201-46B9-810B-C95E71227969}" presName="connectorText" presStyleLbl="sibTrans2D1" presStyleIdx="1" presStyleCnt="2"/>
+      <dgm:spPr/>
+    </dgm:pt>
+    <dgm:pt modelId="{3432B14F-3020-44AB-9D24-EA53FC004441}" type="pres">
+      <dgm:prSet presAssocID="{15C71DBD-6CA2-4C8D-B38F-1E72A180A62A}" presName="node" presStyleLbl="node1" presStyleIdx="2" presStyleCnt="3">
+        <dgm:presLayoutVars>
+          <dgm:bulletEnabled val="1"/>
+        </dgm:presLayoutVars>
+      </dgm:prSet>
+      <dgm:spPr/>
+    </dgm:pt>
+  </dgm:ptLst>
+  <dgm:cxnLst>
+    <dgm:cxn modelId="{52008798-1E82-423C-B095-31E38F34BAF2}" type="presOf" srcId="{84936F8B-A588-4A51-BF05-6584529BCEF1}" destId="{2B4487BF-4BC9-4009-AA01-1957E7F46C56}" srcOrd="0" destOrd="0" presId="urn:microsoft.com/office/officeart/2005/8/layout/process1"/>
+    <dgm:cxn modelId="{014C0F53-3E91-498D-B065-FAFA852C7FE7}" type="presOf" srcId="{A6F7AF0B-D6F3-4BB2-BED8-D145641246F0}" destId="{9AA0144C-5539-4436-A2D7-D0076484B6A5}" srcOrd="0" destOrd="0" presId="urn:microsoft.com/office/officeart/2005/8/layout/process1"/>
+    <dgm:cxn modelId="{AB5814CD-3D70-4F39-B122-8112FD37FE9C}" srcId="{00957F53-1F0D-445C-BFD5-C49B852980A0}" destId="{84936F8B-A588-4A51-BF05-6584529BCEF1}" srcOrd="0" destOrd="0" parTransId="{ADEC294F-A759-4A35-BE73-25CDDEC515CF}" sibTransId="{A6F7AF0B-D6F3-4BB2-BED8-D145641246F0}"/>
+    <dgm:cxn modelId="{D10A512B-A455-40A4-8FEB-DF069E95B1A0}" type="presOf" srcId="{A6F7AF0B-D6F3-4BB2-BED8-D145641246F0}" destId="{BA7124CE-A91E-4278-A8B8-483BD1B9EB53}" srcOrd="1" destOrd="0" presId="urn:microsoft.com/office/officeart/2005/8/layout/process1"/>
+    <dgm:cxn modelId="{0A0465EC-31CB-425D-9369-9A9CA2146C82}" type="presOf" srcId="{8B4163E0-D9A4-4F25-8F85-638ACD032F1C}" destId="{0144F23B-66FF-470D-9DB2-78780C3993C3}" srcOrd="0" destOrd="0" presId="urn:microsoft.com/office/officeart/2005/8/layout/process1"/>
+    <dgm:cxn modelId="{6DBFC9B8-0D58-4344-8598-6C407072F97D}" srcId="{00957F53-1F0D-445C-BFD5-C49B852980A0}" destId="{15C71DBD-6CA2-4C8D-B38F-1E72A180A62A}" srcOrd="2" destOrd="0" parTransId="{58049BC8-B7FA-4046-947D-D2B7D2F8693E}" sibTransId="{1EB820B4-7178-44A1-9B6F-FE43C5A80BB8}"/>
+    <dgm:cxn modelId="{9AFD9671-D7C0-4C69-B8D0-AC381A14490D}" srcId="{00957F53-1F0D-445C-BFD5-C49B852980A0}" destId="{8B4163E0-D9A4-4F25-8F85-638ACD032F1C}" srcOrd="1" destOrd="0" parTransId="{46DAF746-7ACC-4723-84D3-403250A6033E}" sibTransId="{9F45A1D7-F201-46B9-810B-C95E71227969}"/>
+    <dgm:cxn modelId="{9F4246BE-2605-4D90-8D17-7BD00E7A1E6B}" type="presOf" srcId="{9F45A1D7-F201-46B9-810B-C95E71227969}" destId="{4C66682C-450F-4FAE-A7DE-B012CE089624}" srcOrd="1" destOrd="0" presId="urn:microsoft.com/office/officeart/2005/8/layout/process1"/>
+    <dgm:cxn modelId="{0E28FE6B-DF69-4F6A-88F9-34BA818D9573}" type="presOf" srcId="{9F45A1D7-F201-46B9-810B-C95E71227969}" destId="{F5AFDAF3-FFE6-4092-BA54-9FDC13D578EC}" srcOrd="0" destOrd="0" presId="urn:microsoft.com/office/officeart/2005/8/layout/process1"/>
+    <dgm:cxn modelId="{13714D42-70C7-4831-A1EC-1416C8DA1A19}" type="presOf" srcId="{00957F53-1F0D-445C-BFD5-C49B852980A0}" destId="{C7DA0DEC-49B3-4EFE-9EE9-D662C7357334}" srcOrd="0" destOrd="0" presId="urn:microsoft.com/office/officeart/2005/8/layout/process1"/>
+    <dgm:cxn modelId="{C16769DF-C7B8-4592-8218-BAA63E002388}" type="presOf" srcId="{15C71DBD-6CA2-4C8D-B38F-1E72A180A62A}" destId="{3432B14F-3020-44AB-9D24-EA53FC004441}" srcOrd="0" destOrd="0" presId="urn:microsoft.com/office/officeart/2005/8/layout/process1"/>
+    <dgm:cxn modelId="{CB41F5F5-4F84-4F3E-855F-EE4A2C6110C9}" type="presParOf" srcId="{C7DA0DEC-49B3-4EFE-9EE9-D662C7357334}" destId="{2B4487BF-4BC9-4009-AA01-1957E7F46C56}" srcOrd="0" destOrd="0" presId="urn:microsoft.com/office/officeart/2005/8/layout/process1"/>
+    <dgm:cxn modelId="{467173D0-6CD4-411E-91F2-429491DE79ED}" type="presParOf" srcId="{C7DA0DEC-49B3-4EFE-9EE9-D662C7357334}" destId="{9AA0144C-5539-4436-A2D7-D0076484B6A5}" srcOrd="1" destOrd="0" presId="urn:microsoft.com/office/officeart/2005/8/layout/process1"/>
+    <dgm:cxn modelId="{E30CBA76-A4B4-42BA-AEC6-80E40E3AFFAE}" type="presParOf" srcId="{9AA0144C-5539-4436-A2D7-D0076484B6A5}" destId="{BA7124CE-A91E-4278-A8B8-483BD1B9EB53}" srcOrd="0" destOrd="0" presId="urn:microsoft.com/office/officeart/2005/8/layout/process1"/>
+    <dgm:cxn modelId="{D47851A6-571F-491F-AEC4-0E5C5C0073DB}" type="presParOf" srcId="{C7DA0DEC-49B3-4EFE-9EE9-D662C7357334}" destId="{0144F23B-66FF-470D-9DB2-78780C3993C3}" srcOrd="2" destOrd="0" presId="urn:microsoft.com/office/officeart/2005/8/layout/process1"/>
+    <dgm:cxn modelId="{49063E77-62E4-4C69-AA88-DDC2C0A6C7F4}" type="presParOf" srcId="{C7DA0DEC-49B3-4EFE-9EE9-D662C7357334}" destId="{F5AFDAF3-FFE6-4092-BA54-9FDC13D578EC}" srcOrd="3" destOrd="0" presId="urn:microsoft.com/office/officeart/2005/8/layout/process1"/>
+    <dgm:cxn modelId="{89B46A7F-E762-4951-B65A-82444D74C75D}" type="presParOf" srcId="{F5AFDAF3-FFE6-4092-BA54-9FDC13D578EC}" destId="{4C66682C-450F-4FAE-A7DE-B012CE089624}" srcOrd="0" destOrd="0" presId="urn:microsoft.com/office/officeart/2005/8/layout/process1"/>
+    <dgm:cxn modelId="{377E4ED1-3899-40AF-A400-1F7CD302A355}" type="presParOf" srcId="{C7DA0DEC-49B3-4EFE-9EE9-D662C7357334}" destId="{3432B14F-3020-44AB-9D24-EA53FC004441}" srcOrd="4" destOrd="0" presId="urn:microsoft.com/office/officeart/2005/8/layout/process1"/>
+  </dgm:cxnLst>
+  <dgm:bg/>
+  <dgm:whole/>
+  <dgm:extLst>
+    <a:ext uri="http://schemas.microsoft.com/office/drawing/2008/diagram">
+      <dsp:dataModelExt xmlns:dsp="http://schemas.microsoft.com/office/drawing/2008/diagram" relId="rId6" minVer="http://schemas.openxmlformats.org/drawingml/2006/diagram"/>
+    </a:ext>
+  </dgm:extLst>
+</dgm:dataModel>
+</file>
+
+<file path=ppt/diagrams/drawing1.xml><?xml version="1.0" encoding="utf-8"?>
+<dsp:drawing xmlns:dgm="http://schemas.openxmlformats.org/drawingml/2006/diagram" xmlns:dsp="http://schemas.microsoft.com/office/drawing/2008/diagram" xmlns:a="http://schemas.openxmlformats.org/drawingml/2006/main">
+  <dsp:spTree>
+    <dsp:nvGrpSpPr>
+      <dsp:cNvPr id="0" name=""/>
+      <dsp:cNvGrpSpPr/>
+    </dsp:nvGrpSpPr>
+    <dsp:grpSpPr/>
+    <dsp:sp modelId="{C25D3B41-4AF6-4031-87A8-0A10E9FCA369}">
+      <dsp:nvSpPr>
+        <dsp:cNvPr id="0" name=""/>
+        <dsp:cNvSpPr/>
+      </dsp:nvSpPr>
+      <dsp:spPr>
+        <a:xfrm>
+          <a:off x="1406" y="890939"/>
+          <a:ext cx="2999202" cy="1799521"/>
+        </a:xfrm>
+        <a:prstGeom prst="roundRect">
+          <a:avLst>
+            <a:gd name="adj" fmla="val 10000"/>
+          </a:avLst>
+        </a:prstGeom>
+        <a:solidFill>
+          <a:schemeClr val="accent1">
+            <a:hueOff val="0"/>
+            <a:satOff val="0"/>
+            <a:lumOff val="0"/>
+            <a:alphaOff val="0"/>
+          </a:schemeClr>
+        </a:solidFill>
+        <a:ln w="34925" cap="flat" cmpd="sng" algn="in">
+          <a:solidFill>
+            <a:schemeClr val="lt1">
+              <a:hueOff val="0"/>
+              <a:satOff val="0"/>
+              <a:lumOff val="0"/>
+              <a:alphaOff val="0"/>
+            </a:schemeClr>
+          </a:solidFill>
+          <a:prstDash val="solid"/>
+        </a:ln>
+        <a:effectLst/>
+      </dsp:spPr>
+      <dsp:style>
+        <a:lnRef idx="2">
+          <a:scrgbClr r="0" g="0" b="0"/>
+        </a:lnRef>
+        <a:fillRef idx="1">
+          <a:scrgbClr r="0" g="0" b="0"/>
+        </a:fillRef>
+        <a:effectRef idx="0">
+          <a:scrgbClr r="0" g="0" b="0"/>
+        </a:effectRef>
+        <a:fontRef idx="minor">
+          <a:schemeClr val="lt1"/>
+        </a:fontRef>
+      </dsp:style>
+      <dsp:txBody>
+        <a:bodyPr spcFirstLastPara="0" vert="horz" wrap="square" lIns="140970" tIns="140970" rIns="140970" bIns="140970" numCol="1" spcCol="1270" anchor="ctr" anchorCtr="0">
+          <a:noAutofit/>
+        </a:bodyPr>
+        <a:lstStyle/>
+        <a:p>
+          <a:pPr marL="0" lvl="0" indent="0" algn="ctr" defTabSz="1644650">
+            <a:lnSpc>
+              <a:spcPct val="90000"/>
+            </a:lnSpc>
+            <a:spcBef>
+              <a:spcPct val="0"/>
+            </a:spcBef>
+            <a:spcAft>
+              <a:spcPct val="35000"/>
+            </a:spcAft>
+            <a:buNone/>
+          </a:pPr>
+          <a:r>
+            <a:rPr lang="en-US" sz="3700" kern="1200" dirty="0"/>
+            <a:t>Transcription profiling </a:t>
+          </a:r>
+        </a:p>
+      </dsp:txBody>
+      <dsp:txXfrm>
+        <a:off x="54112" y="943645"/>
+        <a:ext cx="2893790" cy="1694109"/>
+      </dsp:txXfrm>
+    </dsp:sp>
+    <dsp:sp modelId="{88EDF64E-35BB-481B-B11A-F08915958068}">
+      <dsp:nvSpPr>
+        <dsp:cNvPr id="0" name=""/>
+        <dsp:cNvSpPr/>
+      </dsp:nvSpPr>
+      <dsp:spPr>
+        <a:xfrm>
+          <a:off x="3300529" y="1418798"/>
+          <a:ext cx="635831" cy="743802"/>
+        </a:xfrm>
+        <a:prstGeom prst="rightArrow">
+          <a:avLst>
+            <a:gd name="adj1" fmla="val 60000"/>
+            <a:gd name="adj2" fmla="val 50000"/>
+          </a:avLst>
+        </a:prstGeom>
+        <a:solidFill>
+          <a:schemeClr val="accent1">
+            <a:tint val="60000"/>
+            <a:hueOff val="0"/>
+            <a:satOff val="0"/>
+            <a:lumOff val="0"/>
+            <a:alphaOff val="0"/>
+          </a:schemeClr>
+        </a:solidFill>
+        <a:ln>
+          <a:noFill/>
+        </a:ln>
+        <a:effectLst/>
+      </dsp:spPr>
+      <dsp:style>
+        <a:lnRef idx="0">
+          <a:scrgbClr r="0" g="0" b="0"/>
+        </a:lnRef>
+        <a:fillRef idx="1">
+          <a:scrgbClr r="0" g="0" b="0"/>
+        </a:fillRef>
+        <a:effectRef idx="0">
+          <a:scrgbClr r="0" g="0" b="0"/>
+        </a:effectRef>
+        <a:fontRef idx="minor">
+          <a:schemeClr val="lt1"/>
+        </a:fontRef>
+      </dsp:style>
+      <dsp:txBody>
+        <a:bodyPr spcFirstLastPara="0" vert="horz" wrap="square" lIns="0" tIns="0" rIns="0" bIns="0" numCol="1" spcCol="1270" anchor="ctr" anchorCtr="0">
+          <a:noAutofit/>
+        </a:bodyPr>
+        <a:lstStyle/>
+        <a:p>
+          <a:pPr marL="0" lvl="0" indent="0" algn="ctr" defTabSz="1333500">
+            <a:lnSpc>
+              <a:spcPct val="90000"/>
+            </a:lnSpc>
+            <a:spcBef>
+              <a:spcPct val="0"/>
+            </a:spcBef>
+            <a:spcAft>
+              <a:spcPct val="35000"/>
+            </a:spcAft>
+            <a:buNone/>
+          </a:pPr>
+          <a:endParaRPr lang="en-US" sz="3000" kern="1200"/>
+        </a:p>
+      </dsp:txBody>
+      <dsp:txXfrm>
+        <a:off x="3300529" y="1567558"/>
+        <a:ext cx="445082" cy="446282"/>
+      </dsp:txXfrm>
+    </dsp:sp>
+    <dsp:sp modelId="{174F3DC6-92D1-46F3-BBD6-C834F6469487}">
+      <dsp:nvSpPr>
+        <dsp:cNvPr id="0" name=""/>
+        <dsp:cNvSpPr/>
+      </dsp:nvSpPr>
+      <dsp:spPr>
+        <a:xfrm>
+          <a:off x="4200290" y="890939"/>
+          <a:ext cx="2999202" cy="1799521"/>
+        </a:xfrm>
+        <a:prstGeom prst="roundRect">
+          <a:avLst>
+            <a:gd name="adj" fmla="val 10000"/>
+          </a:avLst>
+        </a:prstGeom>
+        <a:solidFill>
+          <a:schemeClr val="accent1">
+            <a:hueOff val="0"/>
+            <a:satOff val="0"/>
+            <a:lumOff val="0"/>
+            <a:alphaOff val="0"/>
+          </a:schemeClr>
+        </a:solidFill>
+        <a:ln w="34925" cap="flat" cmpd="sng" algn="in">
+          <a:solidFill>
+            <a:schemeClr val="lt1">
+              <a:hueOff val="0"/>
+              <a:satOff val="0"/>
+              <a:lumOff val="0"/>
+              <a:alphaOff val="0"/>
+            </a:schemeClr>
+          </a:solidFill>
+          <a:prstDash val="solid"/>
+        </a:ln>
+        <a:effectLst/>
+      </dsp:spPr>
+      <dsp:style>
+        <a:lnRef idx="2">
+          <a:scrgbClr r="0" g="0" b="0"/>
+        </a:lnRef>
+        <a:fillRef idx="1">
+          <a:scrgbClr r="0" g="0" b="0"/>
+        </a:fillRef>
+        <a:effectRef idx="0">
+          <a:scrgbClr r="0" g="0" b="0"/>
+        </a:effectRef>
+        <a:fontRef idx="minor">
+          <a:schemeClr val="lt1"/>
+        </a:fontRef>
+      </dsp:style>
+      <dsp:txBody>
+        <a:bodyPr spcFirstLastPara="0" vert="horz" wrap="square" lIns="140970" tIns="140970" rIns="140970" bIns="140970" numCol="1" spcCol="1270" anchor="ctr" anchorCtr="0">
+          <a:noAutofit/>
+        </a:bodyPr>
+        <a:lstStyle/>
+        <a:p>
+          <a:pPr marL="0" lvl="0" indent="0" algn="ctr" defTabSz="1644650">
+            <a:lnSpc>
+              <a:spcPct val="90000"/>
+            </a:lnSpc>
+            <a:spcBef>
+              <a:spcPct val="0"/>
+            </a:spcBef>
+            <a:spcAft>
+              <a:spcPct val="35000"/>
+            </a:spcAft>
+            <a:buNone/>
+          </a:pPr>
+          <a:r>
+            <a:rPr lang="en-US" sz="3700" kern="1200" dirty="0"/>
+            <a:t>Differential Expression</a:t>
+          </a:r>
+        </a:p>
+      </dsp:txBody>
+      <dsp:txXfrm>
+        <a:off x="4252996" y="943645"/>
+        <a:ext cx="2893790" cy="1694109"/>
+      </dsp:txXfrm>
+    </dsp:sp>
+  </dsp:spTree>
+</dsp:drawing>
+</file>
+
+<file path=ppt/diagrams/drawing2.xml><?xml version="1.0" encoding="utf-8"?>
+<dsp:drawing xmlns:dgm="http://schemas.openxmlformats.org/drawingml/2006/diagram" xmlns:dsp="http://schemas.microsoft.com/office/drawing/2008/diagram" xmlns:a="http://schemas.openxmlformats.org/drawingml/2006/main">
+  <dsp:spTree>
+    <dsp:nvGrpSpPr>
+      <dsp:cNvPr id="0" name=""/>
+      <dsp:cNvGrpSpPr/>
+    </dsp:nvGrpSpPr>
+    <dsp:grpSpPr/>
+    <dsp:sp modelId="{C6C5D930-BF4B-4826-8EF5-9713E075F297}">
+      <dsp:nvSpPr>
+        <dsp:cNvPr id="0" name=""/>
+        <dsp:cNvSpPr/>
+      </dsp:nvSpPr>
+      <dsp:spPr>
+        <a:xfrm>
+          <a:off x="6328" y="1223207"/>
+          <a:ext cx="1891642" cy="1134985"/>
+        </a:xfrm>
+        <a:prstGeom prst="roundRect">
+          <a:avLst>
+            <a:gd name="adj" fmla="val 10000"/>
+          </a:avLst>
+        </a:prstGeom>
+        <a:solidFill>
+          <a:schemeClr val="accent1">
+            <a:hueOff val="0"/>
+            <a:satOff val="0"/>
+            <a:lumOff val="0"/>
+            <a:alphaOff val="0"/>
+          </a:schemeClr>
+        </a:solidFill>
+        <a:ln w="34925" cap="flat" cmpd="sng" algn="in">
+          <a:solidFill>
+            <a:schemeClr val="lt1">
+              <a:hueOff val="0"/>
+              <a:satOff val="0"/>
+              <a:lumOff val="0"/>
+              <a:alphaOff val="0"/>
+            </a:schemeClr>
+          </a:solidFill>
+          <a:prstDash val="solid"/>
+        </a:ln>
+        <a:effectLst/>
+      </dsp:spPr>
+      <dsp:style>
+        <a:lnRef idx="2">
+          <a:scrgbClr r="0" g="0" b="0"/>
+        </a:lnRef>
+        <a:fillRef idx="1">
+          <a:scrgbClr r="0" g="0" b="0"/>
+        </a:fillRef>
+        <a:effectRef idx="0">
+          <a:scrgbClr r="0" g="0" b="0"/>
+        </a:effectRef>
+        <a:fontRef idx="minor">
+          <a:schemeClr val="lt1"/>
+        </a:fontRef>
+      </dsp:style>
+      <dsp:txBody>
+        <a:bodyPr spcFirstLastPara="0" vert="horz" wrap="square" lIns="190500" tIns="190500" rIns="190500" bIns="190500" numCol="1" spcCol="1270" anchor="ctr" anchorCtr="0">
+          <a:noAutofit/>
+        </a:bodyPr>
+        <a:lstStyle/>
+        <a:p>
+          <a:pPr marL="0" lvl="0" indent="0" algn="ctr" defTabSz="2222500">
+            <a:lnSpc>
+              <a:spcPct val="90000"/>
+            </a:lnSpc>
+            <a:spcBef>
+              <a:spcPct val="0"/>
+            </a:spcBef>
+            <a:spcAft>
+              <a:spcPct val="35000"/>
+            </a:spcAft>
+            <a:buNone/>
+          </a:pPr>
+          <a:endParaRPr lang="en-US" sz="5000" kern="1200"/>
+        </a:p>
+      </dsp:txBody>
+      <dsp:txXfrm>
+        <a:off x="39571" y="1256450"/>
+        <a:ext cx="1825156" cy="1068499"/>
+      </dsp:txXfrm>
+    </dsp:sp>
+    <dsp:sp modelId="{F743BBA3-F85A-4955-B22D-74C8A453CDA2}">
+      <dsp:nvSpPr>
+        <dsp:cNvPr id="0" name=""/>
+        <dsp:cNvSpPr/>
+      </dsp:nvSpPr>
+      <dsp:spPr>
+        <a:xfrm>
+          <a:off x="2087135" y="1556136"/>
+          <a:ext cx="401028" cy="469127"/>
+        </a:xfrm>
+        <a:prstGeom prst="rightArrow">
+          <a:avLst>
+            <a:gd name="adj1" fmla="val 60000"/>
+            <a:gd name="adj2" fmla="val 50000"/>
+          </a:avLst>
+        </a:prstGeom>
+        <a:solidFill>
+          <a:schemeClr val="accent1">
+            <a:tint val="60000"/>
+            <a:hueOff val="0"/>
+            <a:satOff val="0"/>
+            <a:lumOff val="0"/>
+            <a:alphaOff val="0"/>
+          </a:schemeClr>
+        </a:solidFill>
+        <a:ln>
+          <a:noFill/>
+        </a:ln>
+        <a:effectLst/>
+      </dsp:spPr>
+      <dsp:style>
+        <a:lnRef idx="0">
+          <a:scrgbClr r="0" g="0" b="0"/>
+        </a:lnRef>
+        <a:fillRef idx="1">
+          <a:scrgbClr r="0" g="0" b="0"/>
+        </a:fillRef>
+        <a:effectRef idx="0">
+          <a:scrgbClr r="0" g="0" b="0"/>
+        </a:effectRef>
+        <a:fontRef idx="minor">
+          <a:schemeClr val="lt1"/>
+        </a:fontRef>
+      </dsp:style>
+      <dsp:txBody>
+        <a:bodyPr spcFirstLastPara="0" vert="horz" wrap="square" lIns="0" tIns="0" rIns="0" bIns="0" numCol="1" spcCol="1270" anchor="ctr" anchorCtr="0">
+          <a:noAutofit/>
+        </a:bodyPr>
+        <a:lstStyle/>
+        <a:p>
+          <a:pPr marL="0" lvl="0" indent="0" algn="ctr" defTabSz="933450">
+            <a:lnSpc>
+              <a:spcPct val="90000"/>
+            </a:lnSpc>
+            <a:spcBef>
+              <a:spcPct val="0"/>
+            </a:spcBef>
+            <a:spcAft>
+              <a:spcPct val="35000"/>
+            </a:spcAft>
+            <a:buNone/>
+          </a:pPr>
+          <a:endParaRPr lang="en-US" sz="2100" kern="1200"/>
+        </a:p>
+      </dsp:txBody>
+      <dsp:txXfrm>
+        <a:off x="2087135" y="1649961"/>
+        <a:ext cx="280720" cy="281477"/>
+      </dsp:txXfrm>
+    </dsp:sp>
+    <dsp:sp modelId="{34C7BCB3-04DB-45C7-9A42-320BFF7BC6DD}">
+      <dsp:nvSpPr>
+        <dsp:cNvPr id="0" name=""/>
+        <dsp:cNvSpPr/>
+      </dsp:nvSpPr>
+      <dsp:spPr>
+        <a:xfrm>
+          <a:off x="2654628" y="1223207"/>
+          <a:ext cx="1891642" cy="1134985"/>
+        </a:xfrm>
+        <a:prstGeom prst="roundRect">
+          <a:avLst>
+            <a:gd name="adj" fmla="val 10000"/>
+          </a:avLst>
+        </a:prstGeom>
+        <a:solidFill>
+          <a:schemeClr val="accent1">
+            <a:hueOff val="0"/>
+            <a:satOff val="0"/>
+            <a:lumOff val="0"/>
+            <a:alphaOff val="0"/>
+          </a:schemeClr>
+        </a:solidFill>
+        <a:ln w="34925" cap="flat" cmpd="sng" algn="in">
+          <a:solidFill>
+            <a:schemeClr val="lt1">
+              <a:hueOff val="0"/>
+              <a:satOff val="0"/>
+              <a:lumOff val="0"/>
+              <a:alphaOff val="0"/>
+            </a:schemeClr>
+          </a:solidFill>
+          <a:prstDash val="solid"/>
+        </a:ln>
+        <a:effectLst/>
+      </dsp:spPr>
+      <dsp:style>
+        <a:lnRef idx="2">
+          <a:scrgbClr r="0" g="0" b="0"/>
+        </a:lnRef>
+        <a:fillRef idx="1">
+          <a:scrgbClr r="0" g="0" b="0"/>
+        </a:fillRef>
+        <a:effectRef idx="0">
+          <a:scrgbClr r="0" g="0" b="0"/>
+        </a:effectRef>
+        <a:fontRef idx="minor">
+          <a:schemeClr val="lt1"/>
+        </a:fontRef>
+      </dsp:style>
+      <dsp:txBody>
+        <a:bodyPr spcFirstLastPara="0" vert="horz" wrap="square" lIns="190500" tIns="190500" rIns="190500" bIns="190500" numCol="1" spcCol="1270" anchor="ctr" anchorCtr="0">
+          <a:noAutofit/>
+        </a:bodyPr>
+        <a:lstStyle/>
+        <a:p>
+          <a:pPr marL="0" lvl="0" indent="0" algn="ctr" defTabSz="2222500">
+            <a:lnSpc>
+              <a:spcPct val="90000"/>
+            </a:lnSpc>
+            <a:spcBef>
+              <a:spcPct val="0"/>
+            </a:spcBef>
+            <a:spcAft>
+              <a:spcPct val="35000"/>
+            </a:spcAft>
+            <a:buNone/>
+          </a:pPr>
+          <a:endParaRPr lang="en-US" sz="5000" kern="1200"/>
+        </a:p>
+      </dsp:txBody>
+      <dsp:txXfrm>
+        <a:off x="2687871" y="1256450"/>
+        <a:ext cx="1825156" cy="1068499"/>
+      </dsp:txXfrm>
+    </dsp:sp>
+    <dsp:sp modelId="{9C101147-473E-42D2-A0E5-5ABF38B50C73}">
+      <dsp:nvSpPr>
+        <dsp:cNvPr id="0" name=""/>
+        <dsp:cNvSpPr/>
+      </dsp:nvSpPr>
+      <dsp:spPr>
+        <a:xfrm>
+          <a:off x="4735435" y="1556136"/>
+          <a:ext cx="401028" cy="469127"/>
+        </a:xfrm>
+        <a:prstGeom prst="rightArrow">
+          <a:avLst>
+            <a:gd name="adj1" fmla="val 60000"/>
+            <a:gd name="adj2" fmla="val 50000"/>
+          </a:avLst>
+        </a:prstGeom>
+        <a:solidFill>
+          <a:schemeClr val="accent1">
+            <a:tint val="60000"/>
+            <a:hueOff val="0"/>
+            <a:satOff val="0"/>
+            <a:lumOff val="0"/>
+            <a:alphaOff val="0"/>
+          </a:schemeClr>
+        </a:solidFill>
+        <a:ln>
+          <a:noFill/>
+        </a:ln>
+        <a:effectLst/>
+      </dsp:spPr>
+      <dsp:style>
+        <a:lnRef idx="0">
+          <a:scrgbClr r="0" g="0" b="0"/>
+        </a:lnRef>
+        <a:fillRef idx="1">
+          <a:scrgbClr r="0" g="0" b="0"/>
+        </a:fillRef>
+        <a:effectRef idx="0">
+          <a:scrgbClr r="0" g="0" b="0"/>
+        </a:effectRef>
+        <a:fontRef idx="minor">
+          <a:schemeClr val="lt1"/>
+        </a:fontRef>
+      </dsp:style>
+      <dsp:txBody>
+        <a:bodyPr spcFirstLastPara="0" vert="horz" wrap="square" lIns="0" tIns="0" rIns="0" bIns="0" numCol="1" spcCol="1270" anchor="ctr" anchorCtr="0">
+          <a:noAutofit/>
+        </a:bodyPr>
+        <a:lstStyle/>
+        <a:p>
+          <a:pPr marL="0" lvl="0" indent="0" algn="ctr" defTabSz="933450">
+            <a:lnSpc>
+              <a:spcPct val="90000"/>
+            </a:lnSpc>
+            <a:spcBef>
+              <a:spcPct val="0"/>
+            </a:spcBef>
+            <a:spcAft>
+              <a:spcPct val="35000"/>
+            </a:spcAft>
+            <a:buNone/>
+          </a:pPr>
+          <a:endParaRPr lang="en-US" sz="2100" kern="1200"/>
+        </a:p>
+      </dsp:txBody>
+      <dsp:txXfrm>
+        <a:off x="4735435" y="1649961"/>
+        <a:ext cx="280720" cy="281477"/>
+      </dsp:txXfrm>
+    </dsp:sp>
+    <dsp:sp modelId="{732646D0-614E-4567-8EB3-FE5BADE041C4}">
+      <dsp:nvSpPr>
+        <dsp:cNvPr id="0" name=""/>
+        <dsp:cNvSpPr/>
+      </dsp:nvSpPr>
+      <dsp:spPr>
+        <a:xfrm>
+          <a:off x="5302928" y="1223207"/>
+          <a:ext cx="1891642" cy="1134985"/>
+        </a:xfrm>
+        <a:prstGeom prst="roundRect">
+          <a:avLst>
+            <a:gd name="adj" fmla="val 10000"/>
+          </a:avLst>
+        </a:prstGeom>
+        <a:solidFill>
+          <a:schemeClr val="accent1">
+            <a:hueOff val="0"/>
+            <a:satOff val="0"/>
+            <a:lumOff val="0"/>
+            <a:alphaOff val="0"/>
+          </a:schemeClr>
+        </a:solidFill>
+        <a:ln w="34925" cap="flat" cmpd="sng" algn="in">
+          <a:solidFill>
+            <a:schemeClr val="lt1">
+              <a:hueOff val="0"/>
+              <a:satOff val="0"/>
+              <a:lumOff val="0"/>
+              <a:alphaOff val="0"/>
+            </a:schemeClr>
+          </a:solidFill>
+          <a:prstDash val="solid"/>
+        </a:ln>
+        <a:effectLst/>
+      </dsp:spPr>
+      <dsp:style>
+        <a:lnRef idx="2">
+          <a:scrgbClr r="0" g="0" b="0"/>
+        </a:lnRef>
+        <a:fillRef idx="1">
+          <a:scrgbClr r="0" g="0" b="0"/>
+        </a:fillRef>
+        <a:effectRef idx="0">
+          <a:scrgbClr r="0" g="0" b="0"/>
+        </a:effectRef>
+        <a:fontRef idx="minor">
+          <a:schemeClr val="lt1"/>
+        </a:fontRef>
+      </dsp:style>
+      <dsp:txBody>
+        <a:bodyPr spcFirstLastPara="0" vert="horz" wrap="square" lIns="190500" tIns="190500" rIns="190500" bIns="190500" numCol="1" spcCol="1270" anchor="ctr" anchorCtr="0">
+          <a:noAutofit/>
+        </a:bodyPr>
+        <a:lstStyle/>
+        <a:p>
+          <a:pPr marL="0" lvl="0" indent="0" algn="ctr" defTabSz="2222500">
+            <a:lnSpc>
+              <a:spcPct val="90000"/>
+            </a:lnSpc>
+            <a:spcBef>
+              <a:spcPct val="0"/>
+            </a:spcBef>
+            <a:spcAft>
+              <a:spcPct val="35000"/>
+            </a:spcAft>
+            <a:buNone/>
+          </a:pPr>
+          <a:endParaRPr lang="en-US" sz="5000" kern="1200"/>
+        </a:p>
+      </dsp:txBody>
+      <dsp:txXfrm>
+        <a:off x="5336171" y="1256450"/>
+        <a:ext cx="1825156" cy="1068499"/>
+      </dsp:txXfrm>
+    </dsp:sp>
+  </dsp:spTree>
+</dsp:drawing>
+</file>
+
+<file path=ppt/diagrams/drawing3.xml><?xml version="1.0" encoding="utf-8"?>
+<dsp:drawing xmlns:dgm="http://schemas.openxmlformats.org/drawingml/2006/diagram" xmlns:dsp="http://schemas.microsoft.com/office/drawing/2008/diagram" xmlns:a="http://schemas.openxmlformats.org/drawingml/2006/main">
+  <dsp:spTree>
+    <dsp:nvGrpSpPr>
+      <dsp:cNvPr id="0" name=""/>
+      <dsp:cNvGrpSpPr/>
+    </dsp:nvGrpSpPr>
+    <dsp:grpSpPr/>
+    <dsp:sp modelId="{2B4487BF-4BC9-4009-AA01-1957E7F46C56}">
+      <dsp:nvSpPr>
+        <dsp:cNvPr id="0" name=""/>
+        <dsp:cNvSpPr/>
+      </dsp:nvSpPr>
+      <dsp:spPr>
+        <a:xfrm>
+          <a:off x="6328" y="1223207"/>
+          <a:ext cx="1891642" cy="1134985"/>
+        </a:xfrm>
+        <a:prstGeom prst="roundRect">
+          <a:avLst>
+            <a:gd name="adj" fmla="val 10000"/>
+          </a:avLst>
+        </a:prstGeom>
+        <a:solidFill>
+          <a:schemeClr val="accent1">
+            <a:hueOff val="0"/>
+            <a:satOff val="0"/>
+            <a:lumOff val="0"/>
+            <a:alphaOff val="0"/>
+          </a:schemeClr>
+        </a:solidFill>
+        <a:ln w="34925" cap="flat" cmpd="sng" algn="in">
+          <a:solidFill>
+            <a:schemeClr val="lt1">
+              <a:hueOff val="0"/>
+              <a:satOff val="0"/>
+              <a:lumOff val="0"/>
+              <a:alphaOff val="0"/>
+            </a:schemeClr>
+          </a:solidFill>
+          <a:prstDash val="solid"/>
+        </a:ln>
+        <a:effectLst/>
+      </dsp:spPr>
+      <dsp:style>
+        <a:lnRef idx="2">
+          <a:scrgbClr r="0" g="0" b="0"/>
+        </a:lnRef>
+        <a:fillRef idx="1">
+          <a:scrgbClr r="0" g="0" b="0"/>
+        </a:fillRef>
+        <a:effectRef idx="0">
+          <a:scrgbClr r="0" g="0" b="0"/>
+        </a:effectRef>
+        <a:fontRef idx="minor">
+          <a:schemeClr val="lt1"/>
+        </a:fontRef>
+      </dsp:style>
+      <dsp:txBody>
+        <a:bodyPr spcFirstLastPara="0" vert="horz" wrap="square" lIns="190500" tIns="190500" rIns="190500" bIns="190500" numCol="1" spcCol="1270" anchor="ctr" anchorCtr="0">
+          <a:noAutofit/>
+        </a:bodyPr>
+        <a:lstStyle/>
+        <a:p>
+          <a:pPr marL="0" lvl="0" indent="0" algn="ctr" defTabSz="2222500">
+            <a:lnSpc>
+              <a:spcPct val="90000"/>
+            </a:lnSpc>
+            <a:spcBef>
+              <a:spcPct val="0"/>
+            </a:spcBef>
+            <a:spcAft>
+              <a:spcPct val="35000"/>
+            </a:spcAft>
+            <a:buNone/>
+          </a:pPr>
+          <a:endParaRPr lang="en-US" sz="5000" kern="1200"/>
+        </a:p>
+      </dsp:txBody>
+      <dsp:txXfrm>
+        <a:off x="39571" y="1256450"/>
+        <a:ext cx="1825156" cy="1068499"/>
+      </dsp:txXfrm>
+    </dsp:sp>
+    <dsp:sp modelId="{9AA0144C-5539-4436-A2D7-D0076484B6A5}">
+      <dsp:nvSpPr>
+        <dsp:cNvPr id="0" name=""/>
+        <dsp:cNvSpPr/>
+      </dsp:nvSpPr>
+      <dsp:spPr>
+        <a:xfrm>
+          <a:off x="2087135" y="1556136"/>
+          <a:ext cx="401028" cy="469127"/>
+        </a:xfrm>
+        <a:prstGeom prst="rightArrow">
+          <a:avLst>
+            <a:gd name="adj1" fmla="val 60000"/>
+            <a:gd name="adj2" fmla="val 50000"/>
+          </a:avLst>
+        </a:prstGeom>
+        <a:solidFill>
+          <a:schemeClr val="accent1">
+            <a:tint val="60000"/>
+            <a:hueOff val="0"/>
+            <a:satOff val="0"/>
+            <a:lumOff val="0"/>
+            <a:alphaOff val="0"/>
+          </a:schemeClr>
+        </a:solidFill>
+        <a:ln>
+          <a:noFill/>
+        </a:ln>
+        <a:effectLst/>
+      </dsp:spPr>
+      <dsp:style>
+        <a:lnRef idx="0">
+          <a:scrgbClr r="0" g="0" b="0"/>
+        </a:lnRef>
+        <a:fillRef idx="1">
+          <a:scrgbClr r="0" g="0" b="0"/>
+        </a:fillRef>
+        <a:effectRef idx="0">
+          <a:scrgbClr r="0" g="0" b="0"/>
+        </a:effectRef>
+        <a:fontRef idx="minor">
+          <a:schemeClr val="lt1"/>
+        </a:fontRef>
+      </dsp:style>
+      <dsp:txBody>
+        <a:bodyPr spcFirstLastPara="0" vert="horz" wrap="square" lIns="0" tIns="0" rIns="0" bIns="0" numCol="1" spcCol="1270" anchor="ctr" anchorCtr="0">
+          <a:noAutofit/>
+        </a:bodyPr>
+        <a:lstStyle/>
+        <a:p>
+          <a:pPr marL="0" lvl="0" indent="0" algn="ctr" defTabSz="933450">
+            <a:lnSpc>
+              <a:spcPct val="90000"/>
+            </a:lnSpc>
+            <a:spcBef>
+              <a:spcPct val="0"/>
+            </a:spcBef>
+            <a:spcAft>
+              <a:spcPct val="35000"/>
+            </a:spcAft>
+            <a:buNone/>
+          </a:pPr>
+          <a:endParaRPr lang="en-US" sz="2100" kern="1200"/>
+        </a:p>
+      </dsp:txBody>
+      <dsp:txXfrm>
+        <a:off x="2087135" y="1649961"/>
+        <a:ext cx="280720" cy="281477"/>
+      </dsp:txXfrm>
+    </dsp:sp>
+    <dsp:sp modelId="{0144F23B-66FF-470D-9DB2-78780C3993C3}">
+      <dsp:nvSpPr>
+        <dsp:cNvPr id="0" name=""/>
+        <dsp:cNvSpPr/>
+      </dsp:nvSpPr>
+      <dsp:spPr>
+        <a:xfrm>
+          <a:off x="2654628" y="1223207"/>
+          <a:ext cx="1891642" cy="1134985"/>
+        </a:xfrm>
+        <a:prstGeom prst="roundRect">
+          <a:avLst>
+            <a:gd name="adj" fmla="val 10000"/>
+          </a:avLst>
+        </a:prstGeom>
+        <a:solidFill>
+          <a:schemeClr val="accent1">
+            <a:hueOff val="0"/>
+            <a:satOff val="0"/>
+            <a:lumOff val="0"/>
+            <a:alphaOff val="0"/>
+          </a:schemeClr>
+        </a:solidFill>
+        <a:ln w="34925" cap="flat" cmpd="sng" algn="in">
+          <a:solidFill>
+            <a:schemeClr val="lt1">
+              <a:hueOff val="0"/>
+              <a:satOff val="0"/>
+              <a:lumOff val="0"/>
+              <a:alphaOff val="0"/>
+            </a:schemeClr>
+          </a:solidFill>
+          <a:prstDash val="solid"/>
+        </a:ln>
+        <a:effectLst/>
+      </dsp:spPr>
+      <dsp:style>
+        <a:lnRef idx="2">
+          <a:scrgbClr r="0" g="0" b="0"/>
+        </a:lnRef>
+        <a:fillRef idx="1">
+          <a:scrgbClr r="0" g="0" b="0"/>
+        </a:fillRef>
+        <a:effectRef idx="0">
+          <a:scrgbClr r="0" g="0" b="0"/>
+        </a:effectRef>
+        <a:fontRef idx="minor">
+          <a:schemeClr val="lt1"/>
+        </a:fontRef>
+      </dsp:style>
+      <dsp:txBody>
+        <a:bodyPr spcFirstLastPara="0" vert="horz" wrap="square" lIns="190500" tIns="190500" rIns="190500" bIns="190500" numCol="1" spcCol="1270" anchor="ctr" anchorCtr="0">
+          <a:noAutofit/>
+        </a:bodyPr>
+        <a:lstStyle/>
+        <a:p>
+          <a:pPr marL="0" lvl="0" indent="0" algn="ctr" defTabSz="2222500">
+            <a:lnSpc>
+              <a:spcPct val="90000"/>
+            </a:lnSpc>
+            <a:spcBef>
+              <a:spcPct val="0"/>
+            </a:spcBef>
+            <a:spcAft>
+              <a:spcPct val="35000"/>
+            </a:spcAft>
+            <a:buNone/>
+          </a:pPr>
+          <a:endParaRPr lang="en-US" sz="5000" kern="1200"/>
+        </a:p>
+      </dsp:txBody>
+      <dsp:txXfrm>
+        <a:off x="2687871" y="1256450"/>
+        <a:ext cx="1825156" cy="1068499"/>
+      </dsp:txXfrm>
+    </dsp:sp>
+    <dsp:sp modelId="{F5AFDAF3-FFE6-4092-BA54-9FDC13D578EC}">
+      <dsp:nvSpPr>
+        <dsp:cNvPr id="0" name=""/>
+        <dsp:cNvSpPr/>
+      </dsp:nvSpPr>
+      <dsp:spPr>
+        <a:xfrm>
+          <a:off x="4735435" y="1556136"/>
+          <a:ext cx="401028" cy="469127"/>
+        </a:xfrm>
+        <a:prstGeom prst="rightArrow">
+          <a:avLst>
+            <a:gd name="adj1" fmla="val 60000"/>
+            <a:gd name="adj2" fmla="val 50000"/>
+          </a:avLst>
+        </a:prstGeom>
+        <a:solidFill>
+          <a:schemeClr val="accent1">
+            <a:tint val="60000"/>
+            <a:hueOff val="0"/>
+            <a:satOff val="0"/>
+            <a:lumOff val="0"/>
+            <a:alphaOff val="0"/>
+          </a:schemeClr>
+        </a:solidFill>
+        <a:ln>
+          <a:noFill/>
+        </a:ln>
+        <a:effectLst/>
+      </dsp:spPr>
+      <dsp:style>
+        <a:lnRef idx="0">
+          <a:scrgbClr r="0" g="0" b="0"/>
+        </a:lnRef>
+        <a:fillRef idx="1">
+          <a:scrgbClr r="0" g="0" b="0"/>
+        </a:fillRef>
+        <a:effectRef idx="0">
+          <a:scrgbClr r="0" g="0" b="0"/>
+        </a:effectRef>
+        <a:fontRef idx="minor">
+          <a:schemeClr val="lt1"/>
+        </a:fontRef>
+      </dsp:style>
+      <dsp:txBody>
+        <a:bodyPr spcFirstLastPara="0" vert="horz" wrap="square" lIns="0" tIns="0" rIns="0" bIns="0" numCol="1" spcCol="1270" anchor="ctr" anchorCtr="0">
+          <a:noAutofit/>
+        </a:bodyPr>
+        <a:lstStyle/>
+        <a:p>
+          <a:pPr marL="0" lvl="0" indent="0" algn="ctr" defTabSz="933450">
+            <a:lnSpc>
+              <a:spcPct val="90000"/>
+            </a:lnSpc>
+            <a:spcBef>
+              <a:spcPct val="0"/>
+            </a:spcBef>
+            <a:spcAft>
+              <a:spcPct val="35000"/>
+            </a:spcAft>
+            <a:buNone/>
+          </a:pPr>
+          <a:endParaRPr lang="en-US" sz="2100" kern="1200"/>
+        </a:p>
+      </dsp:txBody>
+      <dsp:txXfrm>
+        <a:off x="4735435" y="1649961"/>
+        <a:ext cx="280720" cy="281477"/>
+      </dsp:txXfrm>
+    </dsp:sp>
+    <dsp:sp modelId="{3432B14F-3020-44AB-9D24-EA53FC004441}">
+      <dsp:nvSpPr>
+        <dsp:cNvPr id="0" name=""/>
+        <dsp:cNvSpPr/>
+      </dsp:nvSpPr>
+      <dsp:spPr>
+        <a:xfrm>
+          <a:off x="5302928" y="1223207"/>
+          <a:ext cx="1891642" cy="1134985"/>
+        </a:xfrm>
+        <a:prstGeom prst="roundRect">
+          <a:avLst>
+            <a:gd name="adj" fmla="val 10000"/>
+          </a:avLst>
+        </a:prstGeom>
+        <a:solidFill>
+          <a:schemeClr val="accent1">
+            <a:hueOff val="0"/>
+            <a:satOff val="0"/>
+            <a:lumOff val="0"/>
+            <a:alphaOff val="0"/>
+          </a:schemeClr>
+        </a:solidFill>
+        <a:ln w="34925" cap="flat" cmpd="sng" algn="in">
+          <a:solidFill>
+            <a:schemeClr val="lt1">
+              <a:hueOff val="0"/>
+              <a:satOff val="0"/>
+              <a:lumOff val="0"/>
+              <a:alphaOff val="0"/>
+            </a:schemeClr>
+          </a:solidFill>
+          <a:prstDash val="solid"/>
+        </a:ln>
+        <a:effectLst/>
+      </dsp:spPr>
+      <dsp:style>
+        <a:lnRef idx="2">
+          <a:scrgbClr r="0" g="0" b="0"/>
+        </a:lnRef>
+        <a:fillRef idx="1">
+          <a:scrgbClr r="0" g="0" b="0"/>
+        </a:fillRef>
+        <a:effectRef idx="0">
+          <a:scrgbClr r="0" g="0" b="0"/>
+        </a:effectRef>
+        <a:fontRef idx="minor">
+          <a:schemeClr val="lt1"/>
+        </a:fontRef>
+      </dsp:style>
+      <dsp:txBody>
+        <a:bodyPr spcFirstLastPara="0" vert="horz" wrap="square" lIns="190500" tIns="190500" rIns="190500" bIns="190500" numCol="1" spcCol="1270" anchor="ctr" anchorCtr="0">
+          <a:noAutofit/>
+        </a:bodyPr>
+        <a:lstStyle/>
+        <a:p>
+          <a:pPr marL="0" lvl="0" indent="0" algn="ctr" defTabSz="2222500">
+            <a:lnSpc>
+              <a:spcPct val="90000"/>
+            </a:lnSpc>
+            <a:spcBef>
+              <a:spcPct val="0"/>
+            </a:spcBef>
+            <a:spcAft>
+              <a:spcPct val="35000"/>
+            </a:spcAft>
+            <a:buNone/>
+          </a:pPr>
+          <a:endParaRPr lang="en-US" sz="5000" kern="1200"/>
+        </a:p>
+      </dsp:txBody>
+      <dsp:txXfrm>
+        <a:off x="5336171" y="1256450"/>
+        <a:ext cx="1825156" cy="1068499"/>
+      </dsp:txXfrm>
+    </dsp:sp>
+  </dsp:spTree>
+</dsp:drawing>
+</file>
+
+<file path=ppt/diagrams/layout1.xml><?xml version="1.0" encoding="utf-8"?>
+<dgm:layoutDef xmlns:dgm="http://schemas.openxmlformats.org/drawingml/2006/diagram" xmlns:a="http://schemas.openxmlformats.org/drawingml/2006/main" uniqueId="urn:microsoft.com/office/officeart/2005/8/layout/process1">
+  <dgm:title val=""/>
+  <dgm:desc val=""/>
+  <dgm:catLst>
+    <dgm:cat type="process" pri="1000"/>
+    <dgm:cat type="convert" pri="15000"/>
+  </dgm:catLst>
+  <dgm:sampData useDef="1">
+    <dgm:dataModel>
+      <dgm:ptLst/>
+      <dgm:bg/>
+      <dgm:whole/>
+    </dgm:dataModel>
+  </dgm:sampData>
+  <dgm:styleData>
+    <dgm:dataModel>
+      <dgm:ptLst>
+        <dgm:pt modelId="0" type="doc"/>
+        <dgm:pt modelId="1"/>
+        <dgm:pt modelId="2"/>
+      </dgm:ptLst>
+      <dgm:cxnLst>
+        <dgm:cxn modelId="3" srcId="0" destId="1" srcOrd="0" destOrd="0"/>
+        <dgm:cxn modelId="4" srcId="0" destId="2" srcOrd="1" destOrd="0"/>
+      </dgm:cxnLst>
+      <dgm:bg/>
+      <dgm:whole/>
+    </dgm:dataModel>
+  </dgm:styleData>
+  <dgm:clrData>
+    <dgm:dataModel>
+      <dgm:ptLst>
+        <dgm:pt modelId="0" type="doc"/>
+        <dgm:pt modelId="1"/>
+        <dgm:pt modelId="2"/>
+        <dgm:pt modelId="3"/>
+        <dgm:pt modelId="4"/>
+      </dgm:ptLst>
+      <dgm:cxnLst>
+        <dgm:cxn modelId="5" srcId="0" destId="1" srcOrd="0" destOrd="0"/>
+        <dgm:cxn modelId="6" srcId="0" destId="2" srcOrd="1" destOrd="0"/>
+        <dgm:cxn modelId="7" srcId="0" destId="3" srcOrd="2" destOrd="0"/>
+        <dgm:cxn modelId="8" srcId="0" destId="4" srcOrd="3" destOrd="0"/>
+      </dgm:cxnLst>
+      <dgm:bg/>
+      <dgm:whole/>
+    </dgm:dataModel>
+  </dgm:clrData>
+  <dgm:layoutNode name="Name0">
+    <dgm:varLst>
+      <dgm:dir/>
+      <dgm:resizeHandles val="exact"/>
+    </dgm:varLst>
+    <dgm:choose name="Name1">
+      <dgm:if name="Name2" func="var" arg="dir" op="equ" val="norm">
+        <dgm:alg type="lin"/>
+      </dgm:if>
+      <dgm:else name="Name3">
+        <dgm:alg type="lin">
+          <dgm:param type="linDir" val="fromR"/>
+        </dgm:alg>
+      </dgm:else>
+    </dgm:choose>
+    <dgm:shape xmlns:r="http://schemas.openxmlformats.org/officeDocument/2006/relationships" r:blip="">
+      <dgm:adjLst/>
+    </dgm:shape>
+    <dgm:presOf/>
+    <dgm:constrLst>
+      <dgm:constr type="w" for="ch" ptType="node" refType="w"/>
+      <dgm:constr type="h" for="ch" ptType="node" op="equ"/>
+      <dgm:constr type="primFontSz" for="ch" ptType="node" op="equ" val="65"/>
+      <dgm:constr type="w" for="ch" ptType="sibTrans" refType="w" refFor="ch" refPtType="node" op="equ" fact="0.4"/>
+      <dgm:constr type="h" for="ch" ptType="sibTrans" op="equ"/>
+      <dgm:constr type="primFontSz" for="des" forName="connectorText" op="equ" val="55"/>
+      <dgm:constr type="primFontSz" for="des" forName="connectorText" refType="primFontSz" refFor="ch" refPtType="node" op="lte" fact="0.8"/>
+    </dgm:constrLst>
+    <dgm:ruleLst/>
+    <dgm:forEach name="nodesForEach" axis="ch" ptType="node">
+      <dgm:layoutNode name="node">
+        <dgm:varLst>
+          <dgm:bulletEnabled val="1"/>
+        </dgm:varLst>
+        <dgm:alg type="tx"/>
+        <dgm:shape xmlns:r="http://schemas.openxmlformats.org/officeDocument/2006/relationships" type="roundRect" r:blip="">
+          <dgm:adjLst>
+            <dgm:adj idx="1" val="0.1"/>
+          </dgm:adjLst>
+        </dgm:shape>
+        <dgm:presOf axis="desOrSelf" ptType="node"/>
+        <dgm:constrLst>
+          <dgm:constr type="h" refType="w" fact="0.6"/>
+          <dgm:constr type="tMarg" refType="primFontSz" fact="0.3"/>
+          <dgm:constr type="bMarg" refType="primFontSz" fact="0.3"/>
+          <dgm:constr type="lMarg" refType="primFontSz" fact="0.3"/>
+          <dgm:constr type="rMarg" refType="primFontSz" fact="0.3"/>
+        </dgm:constrLst>
+        <dgm:ruleLst>
+          <dgm:rule type="primFontSz" val="18" fact="NaN" max="NaN"/>
+          <dgm:rule type="h" val="NaN" fact="1.5" max="NaN"/>
+          <dgm:rule type="primFontSz" val="5" fact="NaN" max="NaN"/>
+          <dgm:rule type="h" val="INF" fact="NaN" max="NaN"/>
+        </dgm:ruleLst>
+      </dgm:layoutNode>
+      <dgm:forEach name="sibTransForEach" axis="followSib" ptType="sibTrans" cnt="1">
+        <dgm:layoutNode name="sibTrans">
+          <dgm:alg type="conn">
+            <dgm:param type="begPts" val="auto"/>
+            <dgm:param type="endPts" val="auto"/>
+          </dgm:alg>
+          <dgm:shape xmlns:r="http://schemas.openxmlformats.org/officeDocument/2006/relationships" type="conn" r:blip="">
+            <dgm:adjLst/>
+          </dgm:shape>
+          <dgm:presOf axis="self"/>
+          <dgm:constrLst>
+            <dgm:constr type="h" refType="w" fact="0.62"/>
+            <dgm:constr type="connDist"/>
+            <dgm:constr type="begPad" refType="connDist" fact="0.25"/>
+            <dgm:constr type="endPad" refType="connDist" fact="0.22"/>
+          </dgm:constrLst>
+          <dgm:ruleLst/>
+          <dgm:layoutNode name="connectorText">
+            <dgm:alg type="tx">
+              <dgm:param type="autoTxRot" val="grav"/>
+            </dgm:alg>
+            <dgm:shape xmlns:r="http://schemas.openxmlformats.org/officeDocument/2006/relationships" type="conn" r:blip="" hideGeom="1">
+              <dgm:adjLst/>
+            </dgm:shape>
+            <dgm:presOf axis="self"/>
+            <dgm:constrLst>
+              <dgm:constr type="lMarg"/>
+              <dgm:constr type="rMarg"/>
+              <dgm:constr type="tMarg"/>
+              <dgm:constr type="bMarg"/>
+            </dgm:constrLst>
+            <dgm:ruleLst>
+              <dgm:rule type="primFontSz" val="5" fact="NaN" max="NaN"/>
+            </dgm:ruleLst>
+          </dgm:layoutNode>
+        </dgm:layoutNode>
+      </dgm:forEach>
+    </dgm:forEach>
+  </dgm:layoutNode>
+</dgm:layoutDef>
+</file>
+
+<file path=ppt/diagrams/layout2.xml><?xml version="1.0" encoding="utf-8"?>
+<dgm:layoutDef xmlns:dgm="http://schemas.openxmlformats.org/drawingml/2006/diagram" xmlns:a="http://schemas.openxmlformats.org/drawingml/2006/main" uniqueId="urn:microsoft.com/office/officeart/2005/8/layout/process1">
+  <dgm:title val=""/>
+  <dgm:desc val=""/>
+  <dgm:catLst>
+    <dgm:cat type="process" pri="1000"/>
+    <dgm:cat type="convert" pri="15000"/>
+  </dgm:catLst>
+  <dgm:sampData useDef="1">
+    <dgm:dataModel>
+      <dgm:ptLst/>
+      <dgm:bg/>
+      <dgm:whole/>
+    </dgm:dataModel>
+  </dgm:sampData>
+  <dgm:styleData>
+    <dgm:dataModel>
+      <dgm:ptLst>
+        <dgm:pt modelId="0" type="doc"/>
+        <dgm:pt modelId="1"/>
+        <dgm:pt modelId="2"/>
+      </dgm:ptLst>
+      <dgm:cxnLst>
+        <dgm:cxn modelId="3" srcId="0" destId="1" srcOrd="0" destOrd="0"/>
+        <dgm:cxn modelId="4" srcId="0" destId="2" srcOrd="1" destOrd="0"/>
+      </dgm:cxnLst>
+      <dgm:bg/>
+      <dgm:whole/>
+    </dgm:dataModel>
+  </dgm:styleData>
+  <dgm:clrData>
+    <dgm:dataModel>
+      <dgm:ptLst>
+        <dgm:pt modelId="0" type="doc"/>
+        <dgm:pt modelId="1"/>
+        <dgm:pt modelId="2"/>
+        <dgm:pt modelId="3"/>
+        <dgm:pt modelId="4"/>
+      </dgm:ptLst>
+      <dgm:cxnLst>
+        <dgm:cxn modelId="5" srcId="0" destId="1" srcOrd="0" destOrd="0"/>
+        <dgm:cxn modelId="6" srcId="0" destId="2" srcOrd="1" destOrd="0"/>
+        <dgm:cxn modelId="7" srcId="0" destId="3" srcOrd="2" destOrd="0"/>
+        <dgm:cxn modelId="8" srcId="0" destId="4" srcOrd="3" destOrd="0"/>
+      </dgm:cxnLst>
+      <dgm:bg/>
+      <dgm:whole/>
+    </dgm:dataModel>
+  </dgm:clrData>
+  <dgm:layoutNode name="Name0">
+    <dgm:varLst>
+      <dgm:dir/>
+      <dgm:resizeHandles val="exact"/>
+    </dgm:varLst>
+    <dgm:choose name="Name1">
+      <dgm:if name="Name2" func="var" arg="dir" op="equ" val="norm">
+        <dgm:alg type="lin"/>
+      </dgm:if>
+      <dgm:else name="Name3">
+        <dgm:alg type="lin">
+          <dgm:param type="linDir" val="fromR"/>
+        </dgm:alg>
+      </dgm:else>
+    </dgm:choose>
+    <dgm:shape xmlns:r="http://schemas.openxmlformats.org/officeDocument/2006/relationships" r:blip="">
+      <dgm:adjLst/>
+    </dgm:shape>
+    <dgm:presOf/>
+    <dgm:constrLst>
+      <dgm:constr type="w" for="ch" ptType="node" refType="w"/>
+      <dgm:constr type="h" for="ch" ptType="node" op="equ"/>
+      <dgm:constr type="primFontSz" for="ch" ptType="node" op="equ" val="65"/>
+      <dgm:constr type="w" for="ch" ptType="sibTrans" refType="w" refFor="ch" refPtType="node" op="equ" fact="0.4"/>
+      <dgm:constr type="h" for="ch" ptType="sibTrans" op="equ"/>
+      <dgm:constr type="primFontSz" for="des" forName="connectorText" op="equ" val="55"/>
+      <dgm:constr type="primFontSz" for="des" forName="connectorText" refType="primFontSz" refFor="ch" refPtType="node" op="lte" fact="0.8"/>
+    </dgm:constrLst>
+    <dgm:ruleLst/>
+    <dgm:forEach name="nodesForEach" axis="ch" ptType="node">
+      <dgm:layoutNode name="node">
+        <dgm:varLst>
+          <dgm:bulletEnabled val="1"/>
+        </dgm:varLst>
+        <dgm:alg type="tx"/>
+        <dgm:shape xmlns:r="http://schemas.openxmlformats.org/officeDocument/2006/relationships" type="roundRect" r:blip="">
+          <dgm:adjLst>
+            <dgm:adj idx="1" val="0.1"/>
+          </dgm:adjLst>
+        </dgm:shape>
+        <dgm:presOf axis="desOrSelf" ptType="node"/>
+        <dgm:constrLst>
+          <dgm:constr type="h" refType="w" fact="0.6"/>
+          <dgm:constr type="tMarg" refType="primFontSz" fact="0.3"/>
+          <dgm:constr type="bMarg" refType="primFontSz" fact="0.3"/>
+          <dgm:constr type="lMarg" refType="primFontSz" fact="0.3"/>
+          <dgm:constr type="rMarg" refType="primFontSz" fact="0.3"/>
+        </dgm:constrLst>
+        <dgm:ruleLst>
+          <dgm:rule type="primFontSz" val="18" fact="NaN" max="NaN"/>
+          <dgm:rule type="h" val="NaN" fact="1.5" max="NaN"/>
+          <dgm:rule type="primFontSz" val="5" fact="NaN" max="NaN"/>
+          <dgm:rule type="h" val="INF" fact="NaN" max="NaN"/>
+        </dgm:ruleLst>
+      </dgm:layoutNode>
+      <dgm:forEach name="sibTransForEach" axis="followSib" ptType="sibTrans" cnt="1">
+        <dgm:layoutNode name="sibTrans">
+          <dgm:alg type="conn">
+            <dgm:param type="begPts" val="auto"/>
+            <dgm:param type="endPts" val="auto"/>
+          </dgm:alg>
+          <dgm:shape xmlns:r="http://schemas.openxmlformats.org/officeDocument/2006/relationships" type="conn" r:blip="">
+            <dgm:adjLst/>
+          </dgm:shape>
+          <dgm:presOf axis="self"/>
+          <dgm:constrLst>
+            <dgm:constr type="h" refType="w" fact="0.62"/>
+            <dgm:constr type="connDist"/>
+            <dgm:constr type="begPad" refType="connDist" fact="0.25"/>
+            <dgm:constr type="endPad" refType="connDist" fact="0.22"/>
+          </dgm:constrLst>
+          <dgm:ruleLst/>
+          <dgm:layoutNode name="connectorText">
+            <dgm:alg type="tx">
+              <dgm:param type="autoTxRot" val="grav"/>
+            </dgm:alg>
+            <dgm:shape xmlns:r="http://schemas.openxmlformats.org/officeDocument/2006/relationships" type="conn" r:blip="" hideGeom="1">
+              <dgm:adjLst/>
+            </dgm:shape>
+            <dgm:presOf axis="self"/>
+            <dgm:constrLst>
+              <dgm:constr type="lMarg"/>
+              <dgm:constr type="rMarg"/>
+              <dgm:constr type="tMarg"/>
+              <dgm:constr type="bMarg"/>
+            </dgm:constrLst>
+            <dgm:ruleLst>
+              <dgm:rule type="primFontSz" val="5" fact="NaN" max="NaN"/>
+            </dgm:ruleLst>
+          </dgm:layoutNode>
+        </dgm:layoutNode>
+      </dgm:forEach>
+    </dgm:forEach>
+  </dgm:layoutNode>
+</dgm:layoutDef>
+</file>
+
+<file path=ppt/diagrams/layout3.xml><?xml version="1.0" encoding="utf-8"?>
+<dgm:layoutDef xmlns:dgm="http://schemas.openxmlformats.org/drawingml/2006/diagram" xmlns:a="http://schemas.openxmlformats.org/drawingml/2006/main" uniqueId="urn:microsoft.com/office/officeart/2005/8/layout/process1">
+  <dgm:title val=""/>
+  <dgm:desc val=""/>
+  <dgm:catLst>
+    <dgm:cat type="process" pri="1000"/>
+    <dgm:cat type="convert" pri="15000"/>
+  </dgm:catLst>
+  <dgm:sampData useDef="1">
+    <dgm:dataModel>
+      <dgm:ptLst/>
+      <dgm:bg/>
+      <dgm:whole/>
+    </dgm:dataModel>
+  </dgm:sampData>
+  <dgm:styleData>
+    <dgm:dataModel>
+      <dgm:ptLst>
+        <dgm:pt modelId="0" type="doc"/>
+        <dgm:pt modelId="1"/>
+        <dgm:pt modelId="2"/>
+      </dgm:ptLst>
+      <dgm:cxnLst>
+        <dgm:cxn modelId="3" srcId="0" destId="1" srcOrd="0" destOrd="0"/>
+        <dgm:cxn modelId="4" srcId="0" destId="2" srcOrd="1" destOrd="0"/>
+      </dgm:cxnLst>
+      <dgm:bg/>
+      <dgm:whole/>
+    </dgm:dataModel>
+  </dgm:styleData>
+  <dgm:clrData>
+    <dgm:dataModel>
+      <dgm:ptLst>
+        <dgm:pt modelId="0" type="doc"/>
+        <dgm:pt modelId="1"/>
+        <dgm:pt modelId="2"/>
+        <dgm:pt modelId="3"/>
+        <dgm:pt modelId="4"/>
+      </dgm:ptLst>
+      <dgm:cxnLst>
+        <dgm:cxn modelId="5" srcId="0" destId="1" srcOrd="0" destOrd="0"/>
+        <dgm:cxn modelId="6" srcId="0" destId="2" srcOrd="1" destOrd="0"/>
+        <dgm:cxn modelId="7" srcId="0" destId="3" srcOrd="2" destOrd="0"/>
+        <dgm:cxn modelId="8" srcId="0" destId="4" srcOrd="3" destOrd="0"/>
+      </dgm:cxnLst>
+      <dgm:bg/>
+      <dgm:whole/>
+    </dgm:dataModel>
+  </dgm:clrData>
+  <dgm:layoutNode name="Name0">
+    <dgm:varLst>
+      <dgm:dir/>
+      <dgm:resizeHandles val="exact"/>
+    </dgm:varLst>
+    <dgm:choose name="Name1">
+      <dgm:if name="Name2" func="var" arg="dir" op="equ" val="norm">
+        <dgm:alg type="lin"/>
+      </dgm:if>
+      <dgm:else name="Name3">
+        <dgm:alg type="lin">
+          <dgm:param type="linDir" val="fromR"/>
+        </dgm:alg>
+      </dgm:else>
+    </dgm:choose>
+    <dgm:shape xmlns:r="http://schemas.openxmlformats.org/officeDocument/2006/relationships" r:blip="">
+      <dgm:adjLst/>
+    </dgm:shape>
+    <dgm:presOf/>
+    <dgm:constrLst>
+      <dgm:constr type="w" for="ch" ptType="node" refType="w"/>
+      <dgm:constr type="h" for="ch" ptType="node" op="equ"/>
+      <dgm:constr type="primFontSz" for="ch" ptType="node" op="equ" val="65"/>
+      <dgm:constr type="w" for="ch" ptType="sibTrans" refType="w" refFor="ch" refPtType="node" op="equ" fact="0.4"/>
+      <dgm:constr type="h" for="ch" ptType="sibTrans" op="equ"/>
+      <dgm:constr type="primFontSz" for="des" forName="connectorText" op="equ" val="55"/>
+      <dgm:constr type="primFontSz" for="des" forName="connectorText" refType="primFontSz" refFor="ch" refPtType="node" op="lte" fact="0.8"/>
+    </dgm:constrLst>
+    <dgm:ruleLst/>
+    <dgm:forEach name="nodesForEach" axis="ch" ptType="node">
+      <dgm:layoutNode name="node">
+        <dgm:varLst>
+          <dgm:bulletEnabled val="1"/>
+        </dgm:varLst>
+        <dgm:alg type="tx"/>
+        <dgm:shape xmlns:r="http://schemas.openxmlformats.org/officeDocument/2006/relationships" type="roundRect" r:blip="">
+          <dgm:adjLst>
+            <dgm:adj idx="1" val="0.1"/>
+          </dgm:adjLst>
+        </dgm:shape>
+        <dgm:presOf axis="desOrSelf" ptType="node"/>
+        <dgm:constrLst>
+          <dgm:constr type="h" refType="w" fact="0.6"/>
+          <dgm:constr type="tMarg" refType="primFontSz" fact="0.3"/>
+          <dgm:constr type="bMarg" refType="primFontSz" fact="0.3"/>
+          <dgm:constr type="lMarg" refType="primFontSz" fact="0.3"/>
+          <dgm:constr type="rMarg" refType="primFontSz" fact="0.3"/>
+        </dgm:constrLst>
+        <dgm:ruleLst>
+          <dgm:rule type="primFontSz" val="18" fact="NaN" max="NaN"/>
+          <dgm:rule type="h" val="NaN" fact="1.5" max="NaN"/>
+          <dgm:rule type="primFontSz" val="5" fact="NaN" max="NaN"/>
+          <dgm:rule type="h" val="INF" fact="NaN" max="NaN"/>
+        </dgm:ruleLst>
+      </dgm:layoutNode>
+      <dgm:forEach name="sibTransForEach" axis="followSib" ptType="sibTrans" cnt="1">
+        <dgm:layoutNode name="sibTrans">
+          <dgm:alg type="conn">
+            <dgm:param type="begPts" val="auto"/>
+            <dgm:param type="endPts" val="auto"/>
+          </dgm:alg>
+          <dgm:shape xmlns:r="http://schemas.openxmlformats.org/officeDocument/2006/relationships" type="conn" r:blip="">
+            <dgm:adjLst/>
+          </dgm:shape>
+          <dgm:presOf axis="self"/>
+          <dgm:constrLst>
+            <dgm:constr type="h" refType="w" fact="0.62"/>
+            <dgm:constr type="connDist"/>
+            <dgm:constr type="begPad" refType="connDist" fact="0.25"/>
+            <dgm:constr type="endPad" refType="connDist" fact="0.22"/>
+          </dgm:constrLst>
+          <dgm:ruleLst/>
+          <dgm:layoutNode name="connectorText">
+            <dgm:alg type="tx">
+              <dgm:param type="autoTxRot" val="grav"/>
+            </dgm:alg>
+            <dgm:shape xmlns:r="http://schemas.openxmlformats.org/officeDocument/2006/relationships" type="conn" r:blip="" hideGeom="1">
+              <dgm:adjLst/>
+            </dgm:shape>
+            <dgm:presOf axis="self"/>
+            <dgm:constrLst>
+              <dgm:constr type="lMarg"/>
+              <dgm:constr type="rMarg"/>
+              <dgm:constr type="tMarg"/>
+              <dgm:constr type="bMarg"/>
+            </dgm:constrLst>
+            <dgm:ruleLst>
+              <dgm:rule type="primFontSz" val="5" fact="NaN" max="NaN"/>
+            </dgm:ruleLst>
+          </dgm:layoutNode>
+        </dgm:layoutNode>
+      </dgm:forEach>
+    </dgm:forEach>
+  </dgm:layoutNode>
+</dgm:layoutDef>
+</file>
+
+<file path=ppt/diagrams/quickStyle1.xml><?xml version="1.0" encoding="utf-8"?>
+<dgm:styleDef xmlns:dgm="http://schemas.openxmlformats.org/drawingml/2006/diagram" xmlns:a="http://schemas.openxmlformats.org/drawingml/2006/main" uniqueId="urn:microsoft.com/office/officeart/2005/8/quickstyle/simple1">
+  <dgm:title val=""/>
+  <dgm:desc val=""/>
+  <dgm:catLst>
+    <dgm:cat type="simple" pri="10100"/>
+  </dgm:catLst>
+  <dgm:scene3d>
+    <a:camera prst="orthographicFront"/>
+    <a:lightRig rig="threePt" dir="t"/>
+  </dgm:scene3d>
+  <dgm:styleLbl name="node0">
+    <dgm:scene3d>
+      <a:camera prst="orthographicFront"/>
+      <a:lightRig rig="threePt" dir="t"/>
+    </dgm:scene3d>
+    <dgm:sp3d/>
+    <dgm:txPr/>
+    <dgm:style>
+      <a:lnRef idx="2">
+        <a:scrgbClr r="0" g="0" b="0"/>
+      </a:lnRef>
+      <a:fillRef idx="1">
+        <a:scrgbClr r="0" g="0" b="0"/>
+      </a:fillRef>
+      <a:effectRef idx="0">
+        <a:scrgbClr r="0" g="0" b="0"/>
+      </a:effectRef>
+      <a:fontRef idx="minor">
+        <a:schemeClr val="lt1"/>
+      </a:fontRef>
+    </dgm:style>
+  </dgm:styleLbl>
+  <dgm:styleLbl name="lnNode1">
+    <dgm:scene3d>
+      <a:camera prst="orthographicFront"/>
+      <a:lightRig rig="threePt" dir="t"/>
+    </dgm:scene3d>
+    <dgm:sp3d/>
+    <dgm:txPr/>
+    <dgm:style>
+      <a:lnRef idx="2">
+        <a:scrgbClr r="0" g="0" b="0"/>
+      </a:lnRef>
+      <a:fillRef idx="1">
+        <a:scrgbClr r="0" g="0" b="0"/>
+      </a:fillRef>
+      <a:effectRef idx="0">
+        <a:scrgbClr r="0" g="0" b="0"/>
+      </a:effectRef>
+      <a:fontRef idx="minor">
+        <a:schemeClr val="lt1"/>
+      </a:fontRef>
+    </dgm:style>
+  </dgm:styleLbl>
+  <dgm:styleLbl name="vennNode1">
+    <dgm:scene3d>
+      <a:camera prst="orthographicFront"/>
+      <a:lightRig rig="threePt" dir="t"/>
+    </dgm:scene3d>
+    <dgm:sp3d/>
+    <dgm:txPr/>
+    <dgm:style>
+      <a:lnRef idx="2">
+        <a:scrgbClr r="0" g="0" b="0"/>
+      </a:lnRef>
+      <a:fillRef idx="1">
+        <a:scrgbClr r="0" g="0" b="0"/>
+      </a:fillRef>
+      <a:effectRef idx="0">
+        <a:scrgbClr r="0" g="0" b="0"/>
+      </a:effectRef>
+      <a:fontRef idx="minor">
+        <a:schemeClr val="tx1"/>
+      </a:fontRef>
+    </dgm:style>
+  </dgm:styleLbl>
+  <dgm:styleLbl name="alignNode1">
+    <dgm:scene3d>
+      <a:camera prst="orthographicFront"/>
+      <a:lightRig rig="threePt" dir="t"/>
+    </dgm:scene3d>
+    <dgm:sp3d/>
+    <dgm:txPr/>
+    <dgm:style>
+      <a:lnRef idx="2">
+        <a:scrgbClr r="0" g="0" b="0"/>
+      </a:lnRef>
+      <a:fillRef idx="1">
+        <a:scrgbClr r="0" g="0" b="0"/>
+      </a:fillRef>
+      <a:effectRef idx="0">
+        <a:scrgbClr r="0" g="0" b="0"/>
+      </a:effectRef>
+      <a:fontRef idx="minor">
+        <a:schemeClr val="lt1"/>
+      </a:fontRef>
+    </dgm:style>
+  </dgm:styleLbl>
+  <dgm:styleLbl name="node1">
+    <dgm:scene3d>
+      <a:camera prst="orthographicFront"/>
+      <a:lightRig rig="threePt" dir="t"/>
+    </dgm:scene3d>
+    <dgm:sp3d/>
+    <dgm:txPr/>
+    <dgm:style>
+      <a:lnRef idx="2">
+        <a:scrgbClr r="0" g="0" b="0"/>
+      </a:lnRef>
+      <a:fillRef idx="1">
+        <a:scrgbClr r="0" g="0" b="0"/>
+      </a:fillRef>
+      <a:effectRef idx="0">
+        <a:scrgbClr r="0" g="0" b="0"/>
+      </a:effectRef>
+      <a:fontRef idx="minor">
+        <a:schemeClr val="lt1"/>
+      </a:fontRef>
+    </dgm:style>
+  </dgm:styleLbl>
+  <dgm:styleLbl name="node2">
+    <dgm:scene3d>
+      <a:camera prst="orthographicFront"/>
+      <a:lightRig rig="threePt" dir="t"/>
+    </dgm:scene3d>
+    <dgm:sp3d/>
+    <dgm:txPr/>
+    <dgm:style>
+      <a:lnRef idx="2">
+        <a:scrgbClr r="0" g="0" b="0"/>
+      </a:lnRef>
+      <a:fillRef idx="1">
+        <a:scrgbClr r="0" g="0" b="0"/>
+      </a:fillRef>
+      <a:effectRef idx="0">
+        <a:scrgbClr r="0" g="0" b="0"/>
+      </a:effectRef>
+      <a:fontRef idx="minor">
+        <a:schemeClr val="lt1"/>
+      </a:fontRef>
+    </dgm:style>
+  </dgm:styleLbl>
+  <dgm:styleLbl name="node3">
+    <dgm:scene3d>
+      <a:camera prst="orthographicFront"/>
+      <a:lightRig rig="threePt" dir="t"/>
+    </dgm:scene3d>
+    <dgm:sp3d/>
+    <dgm:txPr/>
+    <dgm:style>
+      <a:lnRef idx="2">
+        <a:scrgbClr r="0" g="0" b="0"/>
+      </a:lnRef>
+      <a:fillRef idx="1">
+        <a:scrgbClr r="0" g="0" b="0"/>
+      </a:fillRef>
+      <a:effectRef idx="0">
+        <a:scrgbClr r="0" g="0" b="0"/>
+      </a:effectRef>
+      <a:fontRef idx="minor">
+        <a:schemeClr val="lt1"/>
+      </a:fontRef>
+    </dgm:style>
+  </dgm:styleLbl>
+  <dgm:styleLbl name="node4">
+    <dgm:scene3d>
+      <a:camera prst="orthographicFront"/>
+      <a:lightRig rig="threePt" dir="t"/>
+    </dgm:scene3d>
+    <dgm:sp3d/>
+    <dgm:txPr/>
+    <dgm:style>
+      <a:lnRef idx="2">
+        <a:scrgbClr r="0" g="0" b="0"/>
+      </a:lnRef>
+      <a:fillRef idx="1">
+        <a:scrgbClr r="0" g="0" b="0"/>
+      </a:fillRef>
+      <a:effectRef idx="0">
+        <a:scrgbClr r="0" g="0" b="0"/>
+      </a:effectRef>
+      <a:fontRef idx="minor">
+        <a:schemeClr val="lt1"/>
+      </a:fontRef>
+    </dgm:style>
+  </dgm:styleLbl>
+  <dgm:styleLbl name="fgImgPlace1">
+    <dgm:scene3d>
+      <a:camera prst="orthographicFront"/>
+      <a:lightRig rig="threePt" dir="t"/>
+    </dgm:scene3d>
+    <dgm:sp3d/>
+    <dgm:txPr/>
+    <dgm:style>
+      <a:lnRef idx="2">
+        <a:scrgbClr r="0" g="0" b="0"/>
+      </a:lnRef>
+      <a:fillRef idx="1">
+        <a:scrgbClr r="0" g="0" b="0"/>
+      </a:fillRef>
+      <a:effectRef idx="0">
+        <a:scrgbClr r="0" g="0" b="0"/>
+      </a:effectRef>
+      <a:fontRef idx="minor"/>
+    </dgm:style>
+  </dgm:styleLbl>
+  <dgm:styleLbl name="alignImgPlace1">
+    <dgm:scene3d>
+      <a:camera prst="orthographicFront"/>
+      <a:lightRig rig="threePt" dir="t"/>
+    </dgm:scene3d>
+    <dgm:sp3d/>
+    <dgm:txPr/>
+    <dgm:style>
+      <a:lnRef idx="2">
+        <a:scrgbClr r="0" g="0" b="0"/>
+      </a:lnRef>
+      <a:fillRef idx="1">
+        <a:scrgbClr r="0" g="0" b="0"/>
+      </a:fillRef>
+      <a:effectRef idx="0">
+        <a:scrgbClr r="0" g="0" b="0"/>
+      </a:effectRef>
+      <a:fontRef idx="minor"/>
+    </dgm:style>
+  </dgm:styleLbl>
+  <dgm:styleLbl name="bgImgPlace1">
+    <dgm:scene3d>
+      <a:camera prst="orthographicFront"/>
+      <a:lightRig rig="threePt" dir="t"/>
+    </dgm:scene3d>
+    <dgm:sp3d/>
+    <dgm:txPr/>
+    <dgm:style>
+      <a:lnRef idx="2">
+        <a:scrgbClr r="0" g="0" b="0"/>
+      </a:lnRef>
+      <a:fillRef idx="1">
+        <a:scrgbClr r="0" g="0" b="0"/>
+      </a:fillRef>
+      <a:effectRef idx="0">
+        <a:scrgbClr r="0" g="0" b="0"/>
+      </a:effectRef>
+      <a:fontRef idx="minor"/>
+    </dgm:style>
+  </dgm:styleLbl>
+  <dgm:styleLbl name="sibTrans2D1">
+    <dgm:scene3d>
+      <a:camera prst="orthographicFront"/>
+      <a:lightRig rig="threePt" dir="t"/>
+    </dgm:scene3d>
+    <dgm:sp3d/>
+    <dgm:txPr/>
+    <dgm:style>
+      <a:lnRef idx="0">
+        <a:scrgbClr r="0" g="0" b="0"/>
+      </a:lnRef>
+      <a:fillRef idx="1">
+        <a:scrgbClr r="0" g="0" b="0"/>
+      </a:fillRef>
+      <a:effectRef idx="0">
+        <a:scrgbClr r="0" g="0" b="0"/>
+      </a:effectRef>
+      <a:fontRef idx="minor">
+        <a:schemeClr val="lt1"/>
+      </a:fontRef>
+    </dgm:style>
+  </dgm:styleLbl>
+  <dgm:styleLbl name="fgSibTrans2D1">
+    <dgm:scene3d>
+      <a:camera prst="orthographicFront"/>
+      <a:lightRig rig="threePt" dir="t"/>
+    </dgm:scene3d>
+    <dgm:sp3d/>
+    <dgm:txPr/>
+    <dgm:style>
+      <a:lnRef idx="0">
+        <a:scrgbClr r="0" g="0" b="0"/>
+      </a:lnRef>
+      <a:fillRef idx="1">
+        <a:scrgbClr r="0" g="0" b="0"/>
+      </a:fillRef>
+      <a:effectRef idx="0">
+        <a:scrgbClr r="0" g="0" b="0"/>
+      </a:effectRef>
+      <a:fontRef idx="minor">
+        <a:schemeClr val="lt1"/>
+      </a:fontRef>
+    </dgm:style>
+  </dgm:styleLbl>
+  <dgm:styleLbl name="bgSibTrans2D1">
+    <dgm:scene3d>
+      <a:camera prst="orthographicFront"/>
+      <a:lightRig rig="threePt" dir="t"/>
+    </dgm:scene3d>
+    <dgm:sp3d/>
+    <dgm:txPr/>
+    <dgm:style>
+      <a:lnRef idx="0">
+        <a:scrgbClr r="0" g="0" b="0"/>
+      </a:lnRef>
+      <a:fillRef idx="1">
+        <a:scrgbClr r="0" g="0" b="0"/>
+      </a:fillRef>
+      <a:effectRef idx="0">
+        <a:scrgbClr r="0" g="0" b="0"/>
+      </a:effectRef>
+      <a:fontRef idx="minor">
+        <a:schemeClr val="lt1"/>
+      </a:fontRef>
+    </dgm:style>
+  </dgm:styleLbl>
+  <dgm:styleLbl name="sibTrans1D1">
+    <dgm:scene3d>
+      <a:camera prst="orthographicFront"/>
+      <a:lightRig rig="threePt" dir="t"/>
+    </dgm:scene3d>
+    <dgm:sp3d/>
+    <dgm:txPr/>
+    <dgm:style>
+      <a:lnRef idx="1">
+        <a:scrgbClr r="0" g="0" b="0"/>
+      </a:lnRef>
+      <a:fillRef idx="0">
+        <a:scrgbClr r="0" g="0" b="0"/>
+      </a:fillRef>
+      <a:effectRef idx="0">
+        <a:scrgbClr r="0" g="0" b="0"/>
+      </a:effectRef>
+      <a:fontRef idx="minor"/>
+    </dgm:style>
+  </dgm:styleLbl>
+  <dgm:styleLbl name="callout">
+    <dgm:scene3d>
+      <a:camera prst="orthographicFront"/>
+      <a:lightRig rig="threePt" dir="t"/>
+    </dgm:scene3d>
+    <dgm:sp3d/>
+    <dgm:txPr/>
+    <dgm:style>
+      <a:lnRef idx="2">
+        <a:scrgbClr r="0" g="0" b="0"/>
+      </a:lnRef>
+      <a:fillRef idx="1">
+        <a:scrgbClr r="0" g="0" b="0"/>
+      </a:fillRef>
+      <a:effectRef idx="0">
+        <a:scrgbClr r="0" g="0" b="0"/>
+      </a:effectRef>
+      <a:fontRef idx="minor"/>
+    </dgm:style>
+  </dgm:styleLbl>
+  <dgm:styleLbl name="asst0">
+    <dgm:scene3d>
+      <a:camera prst="orthographicFront"/>
+      <a:lightRig rig="threePt" dir="t"/>
+    </dgm:scene3d>
+    <dgm:sp3d/>
+    <dgm:txPr/>
+    <dgm:style>
+      <a:lnRef idx="2">
+        <a:scrgbClr r="0" g="0" b="0"/>
+      </a:lnRef>
+      <a:fillRef idx="1">
+        <a:scrgbClr r="0" g="0" b="0"/>
+      </a:fillRef>
+      <a:effectRef idx="0">
+        <a:scrgbClr r="0" g="0" b="0"/>
+      </a:effectRef>
+      <a:fontRef idx="minor">
+        <a:schemeClr val="lt1"/>
+      </a:fontRef>
+    </dgm:style>
+  </dgm:styleLbl>
+  <dgm:styleLbl name="asst1">
+    <dgm:scene3d>
+      <a:camera prst="orthographicFront"/>
+      <a:lightRig rig="threePt" dir="t"/>
+    </dgm:scene3d>
+    <dgm:sp3d/>
+    <dgm:txPr/>
+    <dgm:style>
+      <a:lnRef idx="2">
+        <a:scrgbClr r="0" g="0" b="0"/>
+      </a:lnRef>
+      <a:fillRef idx="1">
+        <a:scrgbClr r="0" g="0" b="0"/>
+      </a:fillRef>
+      <a:effectRef idx="0">
+        <a:scrgbClr r="0" g="0" b="0"/>
+      </a:effectRef>
+      <a:fontRef idx="minor">
+        <a:schemeClr val="lt1"/>
+      </a:fontRef>
+    </dgm:style>
+  </dgm:styleLbl>
+  <dgm:styleLbl name="asst2">
+    <dgm:scene3d>
+      <a:camera prst="orthographicFront"/>
+      <a:lightRig rig="threePt" dir="t"/>
+    </dgm:scene3d>
+    <dgm:sp3d/>
+    <dgm:txPr/>
+    <dgm:style>
+      <a:lnRef idx="2">
+        <a:scrgbClr r="0" g="0" b="0"/>
+      </a:lnRef>
+      <a:fillRef idx="1">
+        <a:scrgbClr r="0" g="0" b="0"/>
+      </a:fillRef>
+      <a:effectRef idx="0">
+        <a:scrgbClr r="0" g="0" b="0"/>
+      </a:effectRef>
+      <a:fontRef idx="minor">
+        <a:schemeClr val="lt1"/>
+      </a:fontRef>
+    </dgm:style>
+  </dgm:styleLbl>
+  <dgm:styleLbl name="asst3">
+    <dgm:scene3d>
+      <a:camera prst="orthographicFront"/>
+      <a:lightRig rig="threePt" dir="t"/>
+    </dgm:scene3d>
+    <dgm:sp3d/>
+    <dgm:txPr/>
+    <dgm:style>
+      <a:lnRef idx="2">
+        <a:scrgbClr r="0" g="0" b="0"/>
+      </a:lnRef>
+      <a:fillRef idx="1">
+        <a:scrgbClr r="0" g="0" b="0"/>
+      </a:fillRef>
+      <a:effectRef idx="0">
+        <a:scrgbClr r="0" g="0" b="0"/>
+      </a:effectRef>
+      <a:fontRef idx="minor">
+        <a:schemeClr val="lt1"/>
+      </a:fontRef>
+    </dgm:style>
+  </dgm:styleLbl>
+  <dgm:styleLbl name="asst4">
+    <dgm:scene3d>
+      <a:camera prst="orthographicFront"/>
+      <a:lightRig rig="threePt" dir="t"/>
+    </dgm:scene3d>
+    <dgm:sp3d/>
+    <dgm:txPr/>
+    <dgm:style>
+      <a:lnRef idx="2">
+        <a:scrgbClr r="0" g="0" b="0"/>
+      </a:lnRef>
+      <a:fillRef idx="1">
+        <a:scrgbClr r="0" g="0" b="0"/>
+      </a:fillRef>
+      <a:effectRef idx="0">
+        <a:scrgbClr r="0" g="0" b="0"/>
+      </a:effectRef>
+      <a:fontRef idx="minor">
+        <a:schemeClr val="lt1"/>
+      </a:fontRef>
+    </dgm:style>
+  </dgm:styleLbl>
+  <dgm:styleLbl name="parChTrans2D1">
+    <dgm:scene3d>
+      <a:camera prst="orthographicFront"/>
+      <a:lightRig rig="threePt" dir="t"/>
+    </dgm:scene3d>
+    <dgm:sp3d/>
+    <dgm:txPr/>
+    <dgm:style>
+      <a:lnRef idx="2">
+        <a:scrgbClr r="0" g="0" b="0"/>
+      </a:lnRef>
+      <a:fillRef idx="1">
+        <a:scrgbClr r="0" g="0" b="0"/>
+      </a:fillRef>
+      <a:effectRef idx="0">
+        <a:scrgbClr r="0" g="0" b="0"/>
+      </a:effectRef>
+      <a:fontRef idx="minor">
+        <a:schemeClr val="lt1"/>
+      </a:fontRef>
+    </dgm:style>
+  </dgm:styleLbl>
+  <dgm:styleLbl name="parChTrans2D2">
+    <dgm:scene3d>
+      <a:camera prst="orthographicFront"/>
+      <a:lightRig rig="threePt" dir="t"/>
+    </dgm:scene3d>
+    <dgm:sp3d/>
+    <dgm:txPr/>
+    <dgm:style>
+      <a:lnRef idx="2">
+        <a:scrgbClr r="0" g="0" b="0"/>
+      </a:lnRef>
+      <a:fillRef idx="1">
+        <a:scrgbClr r="0" g="0" b="0"/>
+      </a:fillRef>
+      <a:effectRef idx="0">
+        <a:scrgbClr r="0" g="0" b="0"/>
+      </a:effectRef>
+      <a:fontRef idx="minor">
+        <a:schemeClr val="lt1"/>
+      </a:fontRef>
+    </dgm:style>
+  </dgm:styleLbl>
+  <dgm:styleLbl name="parChTrans2D3">
+    <dgm:scene3d>
+      <a:camera prst="orthographicFront"/>
+      <a:lightRig rig="threePt" dir="t"/>
+    </dgm:scene3d>
+    <dgm:sp3d/>
+    <dgm:txPr/>
+    <dgm:style>
+      <a:lnRef idx="2">
+        <a:scrgbClr r="0" g="0" b="0"/>
+      </a:lnRef>
+      <a:fillRef idx="1">
+        <a:scrgbClr r="0" g="0" b="0"/>
+      </a:fillRef>
+      <a:effectRef idx="0">
+        <a:scrgbClr r="0" g="0" b="0"/>
+      </a:effectRef>
+      <a:fontRef idx="minor">
+        <a:schemeClr val="lt1"/>
+      </a:fontRef>
+    </dgm:style>
+  </dgm:styleLbl>
+  <dgm:styleLbl name="parChTrans2D4">
+    <dgm:scene3d>
+      <a:camera prst="orthographicFront"/>
+      <a:lightRig rig="threePt" dir="t"/>
+    </dgm:scene3d>
+    <dgm:sp3d/>
+    <dgm:txPr/>
+    <dgm:style>
+      <a:lnRef idx="2">
+        <a:scrgbClr r="0" g="0" b="0"/>
+      </a:lnRef>
+      <a:fillRef idx="1">
+        <a:scrgbClr r="0" g="0" b="0"/>
+      </a:fillRef>
+      <a:effectRef idx="0">
+        <a:scrgbClr r="0" g="0" b="0"/>
+      </a:effectRef>
+      <a:fontRef idx="minor">
+        <a:schemeClr val="lt1"/>
+      </a:fontRef>
+    </dgm:style>
+  </dgm:styleLbl>
+  <dgm:styleLbl name="parChTrans1D1">
+    <dgm:scene3d>
+      <a:camera prst="orthographicFront"/>
+      <a:lightRig rig="threePt" dir="t"/>
+    </dgm:scene3d>
+    <dgm:sp3d/>
+    <dgm:txPr/>
+    <dgm:style>
+      <a:lnRef idx="2">
+        <a:scrgbClr r="0" g="0" b="0"/>
+      </a:lnRef>
+      <a:fillRef idx="0">
+        <a:scrgbClr r="0" g="0" b="0"/>
+      </a:fillRef>
+      <a:effectRef idx="0">
+        <a:scrgbClr r="0" g="0" b="0"/>
+      </a:effectRef>
+      <a:fontRef idx="minor"/>
+    </dgm:style>
+  </dgm:styleLbl>
+  <dgm:styleLbl name="parChTrans1D2">
+    <dgm:scene3d>
+      <a:camera prst="orthographicFront"/>
+      <a:lightRig rig="threePt" dir="t"/>
+    </dgm:scene3d>
+    <dgm:sp3d/>
+    <dgm:txPr/>
+    <dgm:style>
+      <a:lnRef idx="2">
+        <a:scrgbClr r="0" g="0" b="0"/>
+      </a:lnRef>
+      <a:fillRef idx="0">
+        <a:scrgbClr r="0" g="0" b="0"/>
+      </a:fillRef>
+      <a:effectRef idx="0">
+        <a:scrgbClr r="0" g="0" b="0"/>
+      </a:effectRef>
+      <a:fontRef idx="minor"/>
+    </dgm:style>
+  </dgm:styleLbl>
+  <dgm:styleLbl name="parChTrans1D3">
+    <dgm:scene3d>
+      <a:camera prst="orthographicFront"/>
+      <a:lightRig rig="threePt" dir="t"/>
+    </dgm:scene3d>
+    <dgm:sp3d/>
+    <dgm:txPr/>
+    <dgm:style>
+      <a:lnRef idx="2">
+        <a:scrgbClr r="0" g="0" b="0"/>
+      </a:lnRef>
+      <a:fillRef idx="0">
+        <a:scrgbClr r="0" g="0" b="0"/>
+      </a:fillRef>
+      <a:effectRef idx="0">
+        <a:scrgbClr r="0" g="0" b="0"/>
+      </a:effectRef>
+      <a:fontRef idx="minor"/>
+    </dgm:style>
+  </dgm:styleLbl>
+  <dgm:styleLbl name="parChTrans1D4">
+    <dgm:scene3d>
+      <a:camera prst="orthographicFront"/>
+      <a:lightRig rig="threePt" dir="t"/>
+    </dgm:scene3d>
+    <dgm:sp3d/>
+    <dgm:txPr/>
+    <dgm:style>
+      <a:lnRef idx="2">
+        <a:scrgbClr r="0" g="0" b="0"/>
+      </a:lnRef>
+      <a:fillRef idx="0">
+        <a:scrgbClr r="0" g="0" b="0"/>
+      </a:fillRef>
+      <a:effectRef idx="0">
+        <a:scrgbClr r="0" g="0" b="0"/>
+      </a:effectRef>
+      <a:fontRef idx="minor"/>
+    </dgm:style>
+  </dgm:styleLbl>
+  <dgm:styleLbl name="fgAcc1">
+    <dgm:scene3d>
+      <a:camera prst="orthographicFront"/>
+      <a:lightRig rig="threePt" dir="t"/>
+    </dgm:scene3d>
+    <dgm:sp3d/>
+    <dgm:txPr/>
+    <dgm:style>
+      <a:lnRef idx="2">
+        <a:scrgbClr r="0" g="0" b="0"/>
+      </a:lnRef>
+      <a:fillRef idx="1">
+        <a:scrgbClr r="0" g="0" b="0"/>
+      </a:fillRef>
+      <a:effectRef idx="0">
+        <a:scrgbClr r="0" g="0" b="0"/>
+      </a:effectRef>
+      <a:fontRef idx="minor"/>
+    </dgm:style>
+  </dgm:styleLbl>
+  <dgm:styleLbl name="conFgAcc1">
+    <dgm:scene3d>
+      <a:camera prst="orthographicFront"/>
+      <a:lightRig rig="threePt" dir="t"/>
+    </dgm:scene3d>
+    <dgm:sp3d/>
+    <dgm:txPr/>
+    <dgm:style>
+      <a:lnRef idx="2">
+        <a:scrgbClr r="0" g="0" b="0"/>
+      </a:lnRef>
+      <a:fillRef idx="1">
+        <a:scrgbClr r="0" g="0" b="0"/>
+      </a:fillRef>
+      <a:effectRef idx="0">
+        <a:scrgbClr r="0" g="0" b="0"/>
+      </a:effectRef>
+      <a:fontRef idx="minor"/>
+    </dgm:style>
+  </dgm:styleLbl>
+  <dgm:styleLbl name="alignAcc1">
+    <dgm:scene3d>
+      <a:camera prst="orthographicFront"/>
+      <a:lightRig rig="threePt" dir="t"/>
+    </dgm:scene3d>
+    <dgm:sp3d/>
+    <dgm:txPr/>
+    <dgm:style>
+      <a:lnRef idx="2">
+        <a:scrgbClr r="0" g="0" b="0"/>
+      </a:lnRef>
+      <a:fillRef idx="1">
+        <a:scrgbClr r="0" g="0" b="0"/>
+      </a:fillRef>
+      <a:effectRef idx="0">
+        <a:scrgbClr r="0" g="0" b="0"/>
+      </a:effectRef>
+      <a:fontRef idx="minor"/>
+    </dgm:style>
+  </dgm:styleLbl>
+  <dgm:styleLbl name="trAlignAcc1">
+    <dgm:scene3d>
+      <a:camera prst="orthographicFront"/>
+      <a:lightRig rig="threePt" dir="t"/>
+    </dgm:scene3d>
+    <dgm:sp3d/>
+    <dgm:txPr/>
+    <dgm:style>
+      <a:lnRef idx="1">
+        <a:scrgbClr r="0" g="0" b="0"/>
+      </a:lnRef>
+      <a:fillRef idx="1">
+        <a:scrgbClr r="0" g="0" b="0"/>
+      </a:fillRef>
+      <a:effectRef idx="0">
+        <a:scrgbClr r="0" g="0" b="0"/>
+      </a:effectRef>
+      <a:fontRef idx="minor"/>
+    </dgm:style>
+  </dgm:styleLbl>
+  <dgm:styleLbl name="bgAcc1">
+    <dgm:scene3d>
+      <a:camera prst="orthographicFront"/>
+      <a:lightRig rig="threePt" dir="t"/>
+    </dgm:scene3d>
+    <dgm:sp3d/>
+    <dgm:txPr/>
+    <dgm:style>
+      <a:lnRef idx="2">
+        <a:scrgbClr r="0" g="0" b="0"/>
+      </a:lnRef>
+      <a:fillRef idx="1">
+        <a:scrgbClr r="0" g="0" b="0"/>
+      </a:fillRef>
+      <a:effectRef idx="0">
+        <a:scrgbClr r="0" g="0" b="0"/>
+      </a:effectRef>
+      <a:fontRef idx="minor"/>
+    </dgm:style>
+  </dgm:styleLbl>
+  <dgm:styleLbl name="solidFgAcc1">
+    <dgm:scene3d>
+      <a:camera prst="orthographicFront"/>
+      <a:lightRig rig="threePt" dir="t"/>
+    </dgm:scene3d>
+    <dgm:sp3d/>
+    <dgm:txPr/>
+    <dgm:style>
+      <a:lnRef idx="2">
+        <a:scrgbClr r="0" g="0" b="0"/>
+      </a:lnRef>
+      <a:fillRef idx="1">
+        <a:scrgbClr r="0" g="0" b="0"/>
+      </a:fillRef>
+      <a:effectRef idx="0">
+        <a:scrgbClr r="0" g="0" b="0"/>
+      </a:effectRef>
+      <a:fontRef idx="minor"/>
+    </dgm:style>
+  </dgm:styleLbl>
+  <dgm:styleLbl name="solidAlignAcc1">
+    <dgm:scene3d>
+      <a:camera prst="orthographicFront"/>
+      <a:lightRig rig="threePt" dir="t"/>
+    </dgm:scene3d>
+    <dgm:sp3d/>
+    <dgm:txPr/>
+    <dgm:style>
+      <a:lnRef idx="2">
+        <a:scrgbClr r="0" g="0" b="0"/>
+      </a:lnRef>
+      <a:fillRef idx="1">
+        <a:scrgbClr r="0" g="0" b="0"/>
+      </a:fillRef>
+      <a:effectRef idx="0">
+        <a:scrgbClr r="0" g="0" b="0"/>
+      </a:effectRef>
+      <a:fontRef idx="minor"/>
+    </dgm:style>
+  </dgm:styleLbl>
+  <dgm:styleLbl name="solidBgAcc1">
+    <dgm:scene3d>
+      <a:camera prst="orthographicFront"/>
+      <a:lightRig rig="threePt" dir="t"/>
+    </dgm:scene3d>
+    <dgm:sp3d/>
+    <dgm:txPr/>
+    <dgm:style>
+      <a:lnRef idx="2">
+        <a:scrgbClr r="0" g="0" b="0"/>
+      </a:lnRef>
+      <a:fillRef idx="1">
+        <a:scrgbClr r="0" g="0" b="0"/>
+      </a:fillRef>
+      <a:effectRef idx="0">
+        <a:scrgbClr r="0" g="0" b="0"/>
+      </a:effectRef>
+      <a:fontRef idx="minor"/>
+    </dgm:style>
+  </dgm:styleLbl>
+  <dgm:styleLbl name="fgAccFollowNode1">
+    <dgm:scene3d>
+      <a:camera prst="orthographicFront"/>
+      <a:lightRig rig="threePt" dir="t"/>
+    </dgm:scene3d>
+    <dgm:sp3d/>
+    <dgm:txPr/>
+    <dgm:style>
+      <a:lnRef idx="2">
+        <a:scrgbClr r="0" g="0" b="0"/>
+      </a:lnRef>
+      <a:fillRef idx="1">
+        <a:scrgbClr r="0" g="0" b="0"/>
+      </a:fillRef>
+      <a:effectRef idx="0">
+        <a:scrgbClr r="0" g="0" b="0"/>
+      </a:effectRef>
+      <a:fontRef idx="minor"/>
+    </dgm:style>
+  </dgm:styleLbl>
+  <dgm:styleLbl name="alignAccFollowNode1">
+    <dgm:scene3d>
+      <a:camera prst="orthographicFront"/>
+      <a:lightRig rig="threePt" dir="t"/>
+    </dgm:scene3d>
+    <dgm:sp3d/>
+    <dgm:txPr/>
+    <dgm:style>
+      <a:lnRef idx="2">
+        <a:scrgbClr r="0" g="0" b="0"/>
+      </a:lnRef>
+      <a:fillRef idx="1">
+        <a:scrgbClr r="0" g="0" b="0"/>
+      </a:fillRef>
+      <a:effectRef idx="0">
+        <a:scrgbClr r="0" g="0" b="0"/>
+      </a:effectRef>
+      <a:fontRef idx="minor"/>
+    </dgm:style>
+  </dgm:styleLbl>
+  <dgm:styleLbl name="bgAccFollowNode1">
+    <dgm:scene3d>
+      <a:camera prst="orthographicFront"/>
+      <a:lightRig rig="threePt" dir="t"/>
+    </dgm:scene3d>
+    <dgm:sp3d/>
+    <dgm:txPr/>
+    <dgm:style>
+      <a:lnRef idx="2">
+        <a:scrgbClr r="0" g="0" b="0"/>
+      </a:lnRef>
+      <a:fillRef idx="1">
+        <a:scrgbClr r="0" g="0" b="0"/>
+      </a:fillRef>
+      <a:effectRef idx="0">
+        <a:scrgbClr r="0" g="0" b="0"/>
+      </a:effectRef>
+      <a:fontRef idx="minor"/>
+    </dgm:style>
+  </dgm:styleLbl>
+  <dgm:styleLbl name="fgAcc0">
+    <dgm:scene3d>
+      <a:camera prst="orthographicFront"/>
+      <a:lightRig rig="threePt" dir="t"/>
+    </dgm:scene3d>
+    <dgm:sp3d/>
+    <dgm:txPr/>
+    <dgm:style>
+      <a:lnRef idx="2">
+        <a:scrgbClr r="0" g="0" b="0"/>
+      </a:lnRef>
+      <a:fillRef idx="1">
+        <a:scrgbClr r="0" g="0" b="0"/>
+      </a:fillRef>
+      <a:effectRef idx="0">
+        <a:scrgbClr r="0" g="0" b="0"/>
+      </a:effectRef>
+      <a:fontRef idx="minor"/>
+    </dgm:style>
+  </dgm:styleLbl>
+  <dgm:styleLbl name="fgAcc2">
+    <dgm:scene3d>
+      <a:camera prst="orthographicFront"/>
+      <a:lightRig rig="threePt" dir="t"/>
+    </dgm:scene3d>
+    <dgm:sp3d/>
+    <dgm:txPr/>
+    <dgm:style>
+      <a:lnRef idx="2">
+        <a:scrgbClr r="0" g="0" b="0"/>
+      </a:lnRef>
+      <a:fillRef idx="1">
+        <a:scrgbClr r="0" g="0" b="0"/>
+      </a:fillRef>
+      <a:effectRef idx="0">
+        <a:scrgbClr r="0" g="0" b="0"/>
+      </a:effectRef>
+      <a:fontRef idx="minor"/>
+    </dgm:style>
+  </dgm:styleLbl>
+  <dgm:styleLbl name="fgAcc3">
+    <dgm:scene3d>
+      <a:camera prst="orthographicFront"/>
+      <a:lightRig rig="threePt" dir="t"/>
+    </dgm:scene3d>
+    <dgm:sp3d/>
+    <dgm:txPr/>
+    <dgm:style>
+      <a:lnRef idx="2">
+        <a:scrgbClr r="0" g="0" b="0"/>
+      </a:lnRef>
+      <a:fillRef idx="1">
+        <a:scrgbClr r="0" g="0" b="0"/>
+      </a:fillRef>
+      <a:effectRef idx="0">
+        <a:scrgbClr r="0" g="0" b="0"/>
+      </a:effectRef>
+      <a:fontRef idx="minor"/>
+    </dgm:style>
+  </dgm:styleLbl>
+  <dgm:styleLbl name="fgAcc4">
+    <dgm:scene3d>
+      <a:camera prst="orthographicFront"/>
+      <a:lightRig rig="threePt" dir="t"/>
+    </dgm:scene3d>
+    <dgm:sp3d/>
+    <dgm:txPr/>
+    <dgm:style>
+      <a:lnRef idx="2">
+        <a:scrgbClr r="0" g="0" b="0"/>
+      </a:lnRef>
+      <a:fillRef idx="1">
+        <a:scrgbClr r="0" g="0" b="0"/>
+      </a:fillRef>
+      <a:effectRef idx="0">
+        <a:scrgbClr r="0" g="0" b="0"/>
+      </a:effectRef>
+      <a:fontRef idx="minor"/>
+    </dgm:style>
+  </dgm:styleLbl>
+  <dgm:styleLbl name="bgShp">
+    <dgm:scene3d>
+      <a:camera prst="orthographicFront"/>
+      <a:lightRig rig="threePt" dir="t"/>
+    </dgm:scene3d>
+    <dgm:sp3d/>
+    <dgm:txPr/>
+    <dgm:style>
+      <a:lnRef idx="0">
+        <a:scrgbClr r="0" g="0" b="0"/>
+      </a:lnRef>
+      <a:fillRef idx="1">
+        <a:scrgbClr r="0" g="0" b="0"/>
+      </a:fillRef>
+      <a:effectRef idx="0">
+        <a:scrgbClr r="0" g="0" b="0"/>
+      </a:effectRef>
+      <a:fontRef idx="minor"/>
+    </dgm:style>
+  </dgm:styleLbl>
+  <dgm:styleLbl name="dkBgShp">
+    <dgm:scene3d>
+      <a:camera prst="orthographicFront"/>
+      <a:lightRig rig="threePt" dir="t"/>
+    </dgm:scene3d>
+    <dgm:sp3d/>
+    <dgm:txPr/>
+    <dgm:style>
+      <a:lnRef idx="0">
+        <a:scrgbClr r="0" g="0" b="0"/>
+      </a:lnRef>
+      <a:fillRef idx="1">
+        <a:scrgbClr r="0" g="0" b="0"/>
+      </a:fillRef>
+      <a:effectRef idx="0">
+        <a:scrgbClr r="0" g="0" b="0"/>
+      </a:effectRef>
+      <a:fontRef idx="minor"/>
+    </dgm:style>
+  </dgm:styleLbl>
+  <dgm:styleLbl name="trBgShp">
+    <dgm:scene3d>
+      <a:camera prst="orthographicFront"/>
+      <a:lightRig rig="threePt" dir="t"/>
+    </dgm:scene3d>
+    <dgm:sp3d/>
+    <dgm:txPr/>
+    <dgm:style>
+      <a:lnRef idx="0">
+        <a:scrgbClr r="0" g="0" b="0"/>
+      </a:lnRef>
+      <a:fillRef idx="1">
+        <a:scrgbClr r="0" g="0" b="0"/>
+      </a:fillRef>
+      <a:effectRef idx="0">
+        <a:scrgbClr r="0" g="0" b="0"/>
+      </a:effectRef>
+      <a:fontRef idx="minor"/>
+    </dgm:style>
+  </dgm:styleLbl>
+  <dgm:styleLbl name="fgShp">
+    <dgm:scene3d>
+      <a:camera prst="orthographicFront"/>
+      <a:lightRig rig="threePt" dir="t"/>
+    </dgm:scene3d>
+    <dgm:sp3d/>
+    <dgm:txPr/>
+    <dgm:style>
+      <a:lnRef idx="2">
+        <a:scrgbClr r="0" g="0" b="0"/>
+      </a:lnRef>
+      <a:fillRef idx="1">
+        <a:scrgbClr r="0" g="0" b="0"/>
+      </a:fillRef>
+      <a:effectRef idx="0">
+        <a:scrgbClr r="0" g="0" b="0"/>
+      </a:effectRef>
+      <a:fontRef idx="minor"/>
+    </dgm:style>
+  </dgm:styleLbl>
+  <dgm:styleLbl name="revTx">
+    <dgm:scene3d>
+      <a:camera prst="orthographicFront"/>
+      <a:lightRig rig="threePt" dir="t"/>
+    </dgm:scene3d>
+    <dgm:sp3d/>
+    <dgm:txPr/>
+    <dgm:style>
+      <a:lnRef idx="0">
+        <a:scrgbClr r="0" g="0" b="0"/>
+      </a:lnRef>
+      <a:fillRef idx="0">
+        <a:scrgbClr r="0" g="0" b="0"/>
+      </a:fillRef>
+      <a:effectRef idx="0">
+        <a:scrgbClr r="0" g="0" b="0"/>
+      </a:effectRef>
+      <a:fontRef idx="minor"/>
+    </dgm:style>
+  </dgm:styleLbl>
+</dgm:styleDef>
+</file>
+
+<file path=ppt/diagrams/quickStyle2.xml><?xml version="1.0" encoding="utf-8"?>
+<dgm:styleDef xmlns:dgm="http://schemas.openxmlformats.org/drawingml/2006/diagram" xmlns:a="http://schemas.openxmlformats.org/drawingml/2006/main" uniqueId="urn:microsoft.com/office/officeart/2005/8/quickstyle/simple1">
+  <dgm:title val=""/>
+  <dgm:desc val=""/>
+  <dgm:catLst>
+    <dgm:cat type="simple" pri="10100"/>
+  </dgm:catLst>
+  <dgm:scene3d>
+    <a:camera prst="orthographicFront"/>
+    <a:lightRig rig="threePt" dir="t"/>
+  </dgm:scene3d>
+  <dgm:styleLbl name="node0">
+    <dgm:scene3d>
+      <a:camera prst="orthographicFront"/>
+      <a:lightRig rig="threePt" dir="t"/>
+    </dgm:scene3d>
+    <dgm:sp3d/>
+    <dgm:txPr/>
+    <dgm:style>
+      <a:lnRef idx="2">
+        <a:scrgbClr r="0" g="0" b="0"/>
+      </a:lnRef>
+      <a:fillRef idx="1">
+        <a:scrgbClr r="0" g="0" b="0"/>
+      </a:fillRef>
+      <a:effectRef idx="0">
+        <a:scrgbClr r="0" g="0" b="0"/>
+      </a:effectRef>
+      <a:fontRef idx="minor">
+        <a:schemeClr val="lt1"/>
+      </a:fontRef>
+    </dgm:style>
+  </dgm:styleLbl>
+  <dgm:styleLbl name="lnNode1">
+    <dgm:scene3d>
+      <a:camera prst="orthographicFront"/>
+      <a:lightRig rig="threePt" dir="t"/>
+    </dgm:scene3d>
+    <dgm:sp3d/>
+    <dgm:txPr/>
+    <dgm:style>
+      <a:lnRef idx="2">
+        <a:scrgbClr r="0" g="0" b="0"/>
+      </a:lnRef>
+      <a:fillRef idx="1">
+        <a:scrgbClr r="0" g="0" b="0"/>
+      </a:fillRef>
+      <a:effectRef idx="0">
+        <a:scrgbClr r="0" g="0" b="0"/>
+      </a:effectRef>
+      <a:fontRef idx="minor">
+        <a:schemeClr val="lt1"/>
+      </a:fontRef>
+    </dgm:style>
+  </dgm:styleLbl>
+  <dgm:styleLbl name="vennNode1">
+    <dgm:scene3d>
+      <a:camera prst="orthographicFront"/>
+      <a:lightRig rig="threePt" dir="t"/>
+    </dgm:scene3d>
+    <dgm:sp3d/>
+    <dgm:txPr/>
+    <dgm:style>
+      <a:lnRef idx="2">
+        <a:scrgbClr r="0" g="0" b="0"/>
+      </a:lnRef>
+      <a:fillRef idx="1">
+        <a:scrgbClr r="0" g="0" b="0"/>
+      </a:fillRef>
+      <a:effectRef idx="0">
+        <a:scrgbClr r="0" g="0" b="0"/>
+      </a:effectRef>
+      <a:fontRef idx="minor">
+        <a:schemeClr val="tx1"/>
+      </a:fontRef>
+    </dgm:style>
+  </dgm:styleLbl>
+  <dgm:styleLbl name="alignNode1">
+    <dgm:scene3d>
+      <a:camera prst="orthographicFront"/>
+      <a:lightRig rig="threePt" dir="t"/>
+    </dgm:scene3d>
+    <dgm:sp3d/>
+    <dgm:txPr/>
+    <dgm:style>
+      <a:lnRef idx="2">
+        <a:scrgbClr r="0" g="0" b="0"/>
+      </a:lnRef>
+      <a:fillRef idx="1">
+        <a:scrgbClr r="0" g="0" b="0"/>
+      </a:fillRef>
+      <a:effectRef idx="0">
+        <a:scrgbClr r="0" g="0" b="0"/>
+      </a:effectRef>
+      <a:fontRef idx="minor">
+        <a:schemeClr val="lt1"/>
+      </a:fontRef>
+    </dgm:style>
+  </dgm:styleLbl>
+  <dgm:styleLbl name="node1">
+    <dgm:scene3d>
+      <a:camera prst="orthographicFront"/>
+      <a:lightRig rig="threePt" dir="t"/>
+    </dgm:scene3d>
+    <dgm:sp3d/>
+    <dgm:txPr/>
+    <dgm:style>
+      <a:lnRef idx="2">
+        <a:scrgbClr r="0" g="0" b="0"/>
+      </a:lnRef>
+      <a:fillRef idx="1">
+        <a:scrgbClr r="0" g="0" b="0"/>
+      </a:fillRef>
+      <a:effectRef idx="0">
+        <a:scrgbClr r="0" g="0" b="0"/>
+      </a:effectRef>
+      <a:fontRef idx="minor">
+        <a:schemeClr val="lt1"/>
+      </a:fontRef>
+    </dgm:style>
+  </dgm:styleLbl>
+  <dgm:styleLbl name="node2">
+    <dgm:scene3d>
+      <a:camera prst="orthographicFront"/>
+      <a:lightRig rig="threePt" dir="t"/>
+    </dgm:scene3d>
+    <dgm:sp3d/>
+    <dgm:txPr/>
+    <dgm:style>
+      <a:lnRef idx="2">
+        <a:scrgbClr r="0" g="0" b="0"/>
+      </a:lnRef>
+      <a:fillRef idx="1">
+        <a:scrgbClr r="0" g="0" b="0"/>
+      </a:fillRef>
+      <a:effectRef idx="0">
+        <a:scrgbClr r="0" g="0" b="0"/>
+      </a:effectRef>
+      <a:fontRef idx="minor">
+        <a:schemeClr val="lt1"/>
+      </a:fontRef>
+    </dgm:style>
+  </dgm:styleLbl>
+  <dgm:styleLbl name="node3">
+    <dgm:scene3d>
+      <a:camera prst="orthographicFront"/>
+      <a:lightRig rig="threePt" dir="t"/>
+    </dgm:scene3d>
+    <dgm:sp3d/>
+    <dgm:txPr/>
+    <dgm:style>
+      <a:lnRef idx="2">
+        <a:scrgbClr r="0" g="0" b="0"/>
+      </a:lnRef>
+      <a:fillRef idx="1">
+        <a:scrgbClr r="0" g="0" b="0"/>
+      </a:fillRef>
+      <a:effectRef idx="0">
+        <a:scrgbClr r="0" g="0" b="0"/>
+      </a:effectRef>
+      <a:fontRef idx="minor">
+        <a:schemeClr val="lt1"/>
+      </a:fontRef>
+    </dgm:style>
+  </dgm:styleLbl>
+  <dgm:styleLbl name="node4">
+    <dgm:scene3d>
+      <a:camera prst="orthographicFront"/>
+      <a:lightRig rig="threePt" dir="t"/>
+    </dgm:scene3d>
+    <dgm:sp3d/>
+    <dgm:txPr/>
+    <dgm:style>
+      <a:lnRef idx="2">
+        <a:scrgbClr r="0" g="0" b="0"/>
+      </a:lnRef>
+      <a:fillRef idx="1">
+        <a:scrgbClr r="0" g="0" b="0"/>
+      </a:fillRef>
+      <a:effectRef idx="0">
+        <a:scrgbClr r="0" g="0" b="0"/>
+      </a:effectRef>
+      <a:fontRef idx="minor">
+        <a:schemeClr val="lt1"/>
+      </a:fontRef>
+    </dgm:style>
+  </dgm:styleLbl>
+  <dgm:styleLbl name="fgImgPlace1">
+    <dgm:scene3d>
+      <a:camera prst="orthographicFront"/>
+      <a:lightRig rig="threePt" dir="t"/>
+    </dgm:scene3d>
+    <dgm:sp3d/>
+    <dgm:txPr/>
+    <dgm:style>
+      <a:lnRef idx="2">
+        <a:scrgbClr r="0" g="0" b="0"/>
+      </a:lnRef>
+      <a:fillRef idx="1">
+        <a:scrgbClr r="0" g="0" b="0"/>
+      </a:fillRef>
+      <a:effectRef idx="0">
+        <a:scrgbClr r="0" g="0" b="0"/>
+      </a:effectRef>
+      <a:fontRef idx="minor"/>
+    </dgm:style>
+  </dgm:styleLbl>
+  <dgm:styleLbl name="alignImgPlace1">
+    <dgm:scene3d>
+      <a:camera prst="orthographicFront"/>
+      <a:lightRig rig="threePt" dir="t"/>
+    </dgm:scene3d>
+    <dgm:sp3d/>
+    <dgm:txPr/>
+    <dgm:style>
+      <a:lnRef idx="2">
+        <a:scrgbClr r="0" g="0" b="0"/>
+      </a:lnRef>
+      <a:fillRef idx="1">
+        <a:scrgbClr r="0" g="0" b="0"/>
+      </a:fillRef>
+      <a:effectRef idx="0">
+        <a:scrgbClr r="0" g="0" b="0"/>
+      </a:effectRef>
+      <a:fontRef idx="minor"/>
+    </dgm:style>
+  </dgm:styleLbl>
+  <dgm:styleLbl name="bgImgPlace1">
+    <dgm:scene3d>
+      <a:camera prst="orthographicFront"/>
+      <a:lightRig rig="threePt" dir="t"/>
+    </dgm:scene3d>
+    <dgm:sp3d/>
+    <dgm:txPr/>
+    <dgm:style>
+      <a:lnRef idx="2">
+        <a:scrgbClr r="0" g="0" b="0"/>
+      </a:lnRef>
+      <a:fillRef idx="1">
+        <a:scrgbClr r="0" g="0" b="0"/>
+      </a:fillRef>
+      <a:effectRef idx="0">
+        <a:scrgbClr r="0" g="0" b="0"/>
+      </a:effectRef>
+      <a:fontRef idx="minor"/>
+    </dgm:style>
+  </dgm:styleLbl>
+  <dgm:styleLbl name="sibTrans2D1">
+    <dgm:scene3d>
+      <a:camera prst="orthographicFront"/>
+      <a:lightRig rig="threePt" dir="t"/>
+    </dgm:scene3d>
+    <dgm:sp3d/>
+    <dgm:txPr/>
+    <dgm:style>
+      <a:lnRef idx="0">
+        <a:scrgbClr r="0" g="0" b="0"/>
+      </a:lnRef>
+      <a:fillRef idx="1">
+        <a:scrgbClr r="0" g="0" b="0"/>
+      </a:fillRef>
+      <a:effectRef idx="0">
+        <a:scrgbClr r="0" g="0" b="0"/>
+      </a:effectRef>
+      <a:fontRef idx="minor">
+        <a:schemeClr val="lt1"/>
+      </a:fontRef>
+    </dgm:style>
+  </dgm:styleLbl>
+  <dgm:styleLbl name="fgSibTrans2D1">
+    <dgm:scene3d>
+      <a:camera prst="orthographicFront"/>
+      <a:lightRig rig="threePt" dir="t"/>
+    </dgm:scene3d>
+    <dgm:sp3d/>
+    <dgm:txPr/>
+    <dgm:style>
+      <a:lnRef idx="0">
+        <a:scrgbClr r="0" g="0" b="0"/>
+      </a:lnRef>
+      <a:fillRef idx="1">
+        <a:scrgbClr r="0" g="0" b="0"/>
+      </a:fillRef>
+      <a:effectRef idx="0">
+        <a:scrgbClr r="0" g="0" b="0"/>
+      </a:effectRef>
+      <a:fontRef idx="minor">
+        <a:schemeClr val="lt1"/>
+      </a:fontRef>
+    </dgm:style>
+  </dgm:styleLbl>
+  <dgm:styleLbl name="bgSibTrans2D1">
+    <dgm:scene3d>
+      <a:camera prst="orthographicFront"/>
+      <a:lightRig rig="threePt" dir="t"/>
+    </dgm:scene3d>
+    <dgm:sp3d/>
+    <dgm:txPr/>
+    <dgm:style>
+      <a:lnRef idx="0">
+        <a:scrgbClr r="0" g="0" b="0"/>
+      </a:lnRef>
+      <a:fillRef idx="1">
+        <a:scrgbClr r="0" g="0" b="0"/>
+      </a:fillRef>
+      <a:effectRef idx="0">
+        <a:scrgbClr r="0" g="0" b="0"/>
+      </a:effectRef>
+      <a:fontRef idx="minor">
+        <a:schemeClr val="lt1"/>
+      </a:fontRef>
+    </dgm:style>
+  </dgm:styleLbl>
+  <dgm:styleLbl name="sibTrans1D1">
+    <dgm:scene3d>
+      <a:camera prst="orthographicFront"/>
+      <a:lightRig rig="threePt" dir="t"/>
+    </dgm:scene3d>
+    <dgm:sp3d/>
+    <dgm:txPr/>
+    <dgm:style>
+      <a:lnRef idx="1">
+        <a:scrgbClr r="0" g="0" b="0"/>
+      </a:lnRef>
+      <a:fillRef idx="0">
+        <a:scrgbClr r="0" g="0" b="0"/>
+      </a:fillRef>
+      <a:effectRef idx="0">
+        <a:scrgbClr r="0" g="0" b="0"/>
+      </a:effectRef>
+      <a:fontRef idx="minor"/>
+    </dgm:style>
+  </dgm:styleLbl>
+  <dgm:styleLbl name="callout">
+    <dgm:scene3d>
+      <a:camera prst="orthographicFront"/>
+      <a:lightRig rig="threePt" dir="t"/>
+    </dgm:scene3d>
+    <dgm:sp3d/>
+    <dgm:txPr/>
+    <dgm:style>
+      <a:lnRef idx="2">
+        <a:scrgbClr r="0" g="0" b="0"/>
+      </a:lnRef>
+      <a:fillRef idx="1">
+        <a:scrgbClr r="0" g="0" b="0"/>
+      </a:fillRef>
+      <a:effectRef idx="0">
+        <a:scrgbClr r="0" g="0" b="0"/>
+      </a:effectRef>
+      <a:fontRef idx="minor"/>
+    </dgm:style>
+  </dgm:styleLbl>
+  <dgm:styleLbl name="asst0">
+    <dgm:scene3d>
+      <a:camera prst="orthographicFront"/>
+      <a:lightRig rig="threePt" dir="t"/>
+    </dgm:scene3d>
+    <dgm:sp3d/>
+    <dgm:txPr/>
+    <dgm:style>
+      <a:lnRef idx="2">
+        <a:scrgbClr r="0" g="0" b="0"/>
+      </a:lnRef>
+      <a:fillRef idx="1">
+        <a:scrgbClr r="0" g="0" b="0"/>
+      </a:fillRef>
+      <a:effectRef idx="0">
+        <a:scrgbClr r="0" g="0" b="0"/>
+      </a:effectRef>
+      <a:fontRef idx="minor">
+        <a:schemeClr val="lt1"/>
+      </a:fontRef>
+    </dgm:style>
+  </dgm:styleLbl>
+  <dgm:styleLbl name="asst1">
+    <dgm:scene3d>
+      <a:camera prst="orthographicFront"/>
+      <a:lightRig rig="threePt" dir="t"/>
+    </dgm:scene3d>
+    <dgm:sp3d/>
+    <dgm:txPr/>
+    <dgm:style>
+      <a:lnRef idx="2">
+        <a:scrgbClr r="0" g="0" b="0"/>
+      </a:lnRef>
+      <a:fillRef idx="1">
+        <a:scrgbClr r="0" g="0" b="0"/>
+      </a:fillRef>
+      <a:effectRef idx="0">
+        <a:scrgbClr r="0" g="0" b="0"/>
+      </a:effectRef>
+      <a:fontRef idx="minor">
+        <a:schemeClr val="lt1"/>
+      </a:fontRef>
+    </dgm:style>
+  </dgm:styleLbl>
+  <dgm:styleLbl name="asst2">
+    <dgm:scene3d>
+      <a:camera prst="orthographicFront"/>
+      <a:lightRig rig="threePt" dir="t"/>
+    </dgm:scene3d>
+    <dgm:sp3d/>
+    <dgm:txPr/>
+    <dgm:style>
+      <a:lnRef idx="2">
+        <a:scrgbClr r="0" g="0" b="0"/>
+      </a:lnRef>
+      <a:fillRef idx="1">
+        <a:scrgbClr r="0" g="0" b="0"/>
+      </a:fillRef>
+      <a:effectRef idx="0">
+        <a:scrgbClr r="0" g="0" b="0"/>
+      </a:effectRef>
+      <a:fontRef idx="minor">
+        <a:schemeClr val="lt1"/>
+      </a:fontRef>
+    </dgm:style>
+  </dgm:styleLbl>
+  <dgm:styleLbl name="asst3">
+    <dgm:scene3d>
+      <a:camera prst="orthographicFront"/>
+      <a:lightRig rig="threePt" dir="t"/>
+    </dgm:scene3d>
+    <dgm:sp3d/>
+    <dgm:txPr/>
+    <dgm:style>
+      <a:lnRef idx="2">
+        <a:scrgbClr r="0" g="0" b="0"/>
+      </a:lnRef>
+      <a:fillRef idx="1">
+        <a:scrgbClr r="0" g="0" b="0"/>
+      </a:fillRef>
+      <a:effectRef idx="0">
+        <a:scrgbClr r="0" g="0" b="0"/>
+      </a:effectRef>
+      <a:fontRef idx="minor">
+        <a:schemeClr val="lt1"/>
+      </a:fontRef>
+    </dgm:style>
+  </dgm:styleLbl>
+  <dgm:styleLbl name="asst4">
+    <dgm:scene3d>
+      <a:camera prst="orthographicFront"/>
+      <a:lightRig rig="threePt" dir="t"/>
+    </dgm:scene3d>
+    <dgm:sp3d/>
+    <dgm:txPr/>
+    <dgm:style>
+      <a:lnRef idx="2">
+        <a:scrgbClr r="0" g="0" b="0"/>
+      </a:lnRef>
+      <a:fillRef idx="1">
+        <a:scrgbClr r="0" g="0" b="0"/>
+      </a:fillRef>
+      <a:effectRef idx="0">
+        <a:scrgbClr r="0" g="0" b="0"/>
+      </a:effectRef>
+      <a:fontRef idx="minor">
+        <a:schemeClr val="lt1"/>
+      </a:fontRef>
+    </dgm:style>
+  </dgm:styleLbl>
+  <dgm:styleLbl name="parChTrans2D1">
+    <dgm:scene3d>
+      <a:camera prst="orthographicFront"/>
+      <a:lightRig rig="threePt" dir="t"/>
+    </dgm:scene3d>
+    <dgm:sp3d/>
+    <dgm:txPr/>
+    <dgm:style>
+      <a:lnRef idx="2">
+        <a:scrgbClr r="0" g="0" b="0"/>
+      </a:lnRef>
+      <a:fillRef idx="1">
+        <a:scrgbClr r="0" g="0" b="0"/>
+      </a:fillRef>
+      <a:effectRef idx="0">
+        <a:scrgbClr r="0" g="0" b="0"/>
+      </a:effectRef>
+      <a:fontRef idx="minor">
+        <a:schemeClr val="lt1"/>
+      </a:fontRef>
+    </dgm:style>
+  </dgm:styleLbl>
+  <dgm:styleLbl name="parChTrans2D2">
+    <dgm:scene3d>
+      <a:camera prst="orthographicFront"/>
+      <a:lightRig rig="threePt" dir="t"/>
+    </dgm:scene3d>
+    <dgm:sp3d/>
+    <dgm:txPr/>
+    <dgm:style>
+      <a:lnRef idx="2">
+        <a:scrgbClr r="0" g="0" b="0"/>
+      </a:lnRef>
+      <a:fillRef idx="1">
+        <a:scrgbClr r="0" g="0" b="0"/>
+      </a:fillRef>
+      <a:effectRef idx="0">
+        <a:scrgbClr r="0" g="0" b="0"/>
+      </a:effectRef>
+      <a:fontRef idx="minor">
+        <a:schemeClr val="lt1"/>
+      </a:fontRef>
+    </dgm:style>
+  </dgm:styleLbl>
+  <dgm:styleLbl name="parChTrans2D3">
+    <dgm:scene3d>
+      <a:camera prst="orthographicFront"/>
+      <a:lightRig rig="threePt" dir="t"/>
+    </dgm:scene3d>
+    <dgm:sp3d/>
+    <dgm:txPr/>
+    <dgm:style>
+      <a:lnRef idx="2">
+        <a:scrgbClr r="0" g="0" b="0"/>
+      </a:lnRef>
+      <a:fillRef idx="1">
+        <a:scrgbClr r="0" g="0" b="0"/>
+      </a:fillRef>
+      <a:effectRef idx="0">
+        <a:scrgbClr r="0" g="0" b="0"/>
+      </a:effectRef>
+      <a:fontRef idx="minor">
+        <a:schemeClr val="lt1"/>
+      </a:fontRef>
+    </dgm:style>
+  </dgm:styleLbl>
+  <dgm:styleLbl name="parChTrans2D4">
+    <dgm:scene3d>
+      <a:camera prst="orthographicFront"/>
+      <a:lightRig rig="threePt" dir="t"/>
+    </dgm:scene3d>
+    <dgm:sp3d/>
+    <dgm:txPr/>
+    <dgm:style>
+      <a:lnRef idx="2">
+        <a:scrgbClr r="0" g="0" b="0"/>
+      </a:lnRef>
+      <a:fillRef idx="1">
+        <a:scrgbClr r="0" g="0" b="0"/>
+      </a:fillRef>
+      <a:effectRef idx="0">
+        <a:scrgbClr r="0" g="0" b="0"/>
+      </a:effectRef>
+      <a:fontRef idx="minor">
+        <a:schemeClr val="lt1"/>
+      </a:fontRef>
+    </dgm:style>
+  </dgm:styleLbl>
+  <dgm:styleLbl name="parChTrans1D1">
+    <dgm:scene3d>
+      <a:camera prst="orthographicFront"/>
+      <a:lightRig rig="threePt" dir="t"/>
+    </dgm:scene3d>
+    <dgm:sp3d/>
+    <dgm:txPr/>
+    <dgm:style>
+      <a:lnRef idx="2">
+        <a:scrgbClr r="0" g="0" b="0"/>
+      </a:lnRef>
+      <a:fillRef idx="0">
+        <a:scrgbClr r="0" g="0" b="0"/>
+      </a:fillRef>
+      <a:effectRef idx="0">
+        <a:scrgbClr r="0" g="0" b="0"/>
+      </a:effectRef>
+      <a:fontRef idx="minor"/>
+    </dgm:style>
+  </dgm:styleLbl>
+  <dgm:styleLbl name="parChTrans1D2">
+    <dgm:scene3d>
+      <a:camera prst="orthographicFront"/>
+      <a:lightRig rig="threePt" dir="t"/>
+    </dgm:scene3d>
+    <dgm:sp3d/>
+    <dgm:txPr/>
+    <dgm:style>
+      <a:lnRef idx="2">
+        <a:scrgbClr r="0" g="0" b="0"/>
+      </a:lnRef>
+      <a:fillRef idx="0">
+        <a:scrgbClr r="0" g="0" b="0"/>
+      </a:fillRef>
+      <a:effectRef idx="0">
+        <a:scrgbClr r="0" g="0" b="0"/>
+      </a:effectRef>
+      <a:fontRef idx="minor"/>
+    </dgm:style>
+  </dgm:styleLbl>
+  <dgm:styleLbl name="parChTrans1D3">
+    <dgm:scene3d>
+      <a:camera prst="orthographicFront"/>
+      <a:lightRig rig="threePt" dir="t"/>
+    </dgm:scene3d>
+    <dgm:sp3d/>
+    <dgm:txPr/>
+    <dgm:style>
+      <a:lnRef idx="2">
+        <a:scrgbClr r="0" g="0" b="0"/>
+      </a:lnRef>
+      <a:fillRef idx="0">
+        <a:scrgbClr r="0" g="0" b="0"/>
+      </a:fillRef>
+      <a:effectRef idx="0">
+        <a:scrgbClr r="0" g="0" b="0"/>
+      </a:effectRef>
+      <a:fontRef idx="minor"/>
+    </dgm:style>
+  </dgm:styleLbl>
+  <dgm:styleLbl name="parChTrans1D4">
+    <dgm:scene3d>
+      <a:camera prst="orthographicFront"/>
+      <a:lightRig rig="threePt" dir="t"/>
+    </dgm:scene3d>
+    <dgm:sp3d/>
+    <dgm:txPr/>
+    <dgm:style>
+      <a:lnRef idx="2">
+        <a:scrgbClr r="0" g="0" b="0"/>
+      </a:lnRef>
+      <a:fillRef idx="0">
+        <a:scrgbClr r="0" g="0" b="0"/>
+      </a:fillRef>
+      <a:effectRef idx="0">
+        <a:scrgbClr r="0" g="0" b="0"/>
+      </a:effectRef>
+      <a:fontRef idx="minor"/>
+    </dgm:style>
+  </dgm:styleLbl>
+  <dgm:styleLbl name="fgAcc1">
+    <dgm:scene3d>
+      <a:camera prst="orthographicFront"/>
+      <a:lightRig rig="threePt" dir="t"/>
+    </dgm:scene3d>
+    <dgm:sp3d/>
+    <dgm:txPr/>
+    <dgm:style>
+      <a:lnRef idx="2">
+        <a:scrgbClr r="0" g="0" b="0"/>
+      </a:lnRef>
+      <a:fillRef idx="1">
+        <a:scrgbClr r="0" g="0" b="0"/>
+      </a:fillRef>
+      <a:effectRef idx="0">
+        <a:scrgbClr r="0" g="0" b="0"/>
+      </a:effectRef>
+      <a:fontRef idx="minor"/>
+    </dgm:style>
+  </dgm:styleLbl>
+  <dgm:styleLbl name="conFgAcc1">
+    <dgm:scene3d>
+      <a:camera prst="orthographicFront"/>
+      <a:lightRig rig="threePt" dir="t"/>
+    </dgm:scene3d>
+    <dgm:sp3d/>
+    <dgm:txPr/>
+    <dgm:style>
+      <a:lnRef idx="2">
+        <a:scrgbClr r="0" g="0" b="0"/>
+      </a:lnRef>
+      <a:fillRef idx="1">
+        <a:scrgbClr r="0" g="0" b="0"/>
+      </a:fillRef>
+      <a:effectRef idx="0">
+        <a:scrgbClr r="0" g="0" b="0"/>
+      </a:effectRef>
+      <a:fontRef idx="minor"/>
+    </dgm:style>
+  </dgm:styleLbl>
+  <dgm:styleLbl name="alignAcc1">
+    <dgm:scene3d>
+      <a:camera prst="orthographicFront"/>
+      <a:lightRig rig="threePt" dir="t"/>
+    </dgm:scene3d>
+    <dgm:sp3d/>
+    <dgm:txPr/>
+    <dgm:style>
+      <a:lnRef idx="2">
+        <a:scrgbClr r="0" g="0" b="0"/>
+      </a:lnRef>
+      <a:fillRef idx="1">
+        <a:scrgbClr r="0" g="0" b="0"/>
+      </a:fillRef>
+      <a:effectRef idx="0">
+        <a:scrgbClr r="0" g="0" b="0"/>
+      </a:effectRef>
+      <a:fontRef idx="minor"/>
+    </dgm:style>
+  </dgm:styleLbl>
+  <dgm:styleLbl name="trAlignAcc1">
+    <dgm:scene3d>
+      <a:camera prst="orthographicFront"/>
+      <a:lightRig rig="threePt" dir="t"/>
+    </dgm:scene3d>
+    <dgm:sp3d/>
+    <dgm:txPr/>
+    <dgm:style>
+      <a:lnRef idx="1">
+        <a:scrgbClr r="0" g="0" b="0"/>
+      </a:lnRef>
+      <a:fillRef idx="1">
+        <a:scrgbClr r="0" g="0" b="0"/>
+      </a:fillRef>
+      <a:effectRef idx="0">
+        <a:scrgbClr r="0" g="0" b="0"/>
+      </a:effectRef>
+      <a:fontRef idx="minor"/>
+    </dgm:style>
+  </dgm:styleLbl>
+  <dgm:styleLbl name="bgAcc1">
+    <dgm:scene3d>
+      <a:camera prst="orthographicFront"/>
+      <a:lightRig rig="threePt" dir="t"/>
+    </dgm:scene3d>
+    <dgm:sp3d/>
+    <dgm:txPr/>
+    <dgm:style>
+      <a:lnRef idx="2">
+        <a:scrgbClr r="0" g="0" b="0"/>
+      </a:lnRef>
+      <a:fillRef idx="1">
+        <a:scrgbClr r="0" g="0" b="0"/>
+      </a:fillRef>
+      <a:effectRef idx="0">
+        <a:scrgbClr r="0" g="0" b="0"/>
+      </a:effectRef>
+      <a:fontRef idx="minor"/>
+    </dgm:style>
+  </dgm:styleLbl>
+  <dgm:styleLbl name="solidFgAcc1">
+    <dgm:scene3d>
+      <a:camera prst="orthographicFront"/>
+      <a:lightRig rig="threePt" dir="t"/>
+    </dgm:scene3d>
+    <dgm:sp3d/>
+    <dgm:txPr/>
+    <dgm:style>
+      <a:lnRef idx="2">
+        <a:scrgbClr r="0" g="0" b="0"/>
+      </a:lnRef>
+      <a:fillRef idx="1">
+        <a:scrgbClr r="0" g="0" b="0"/>
+      </a:fillRef>
+      <a:effectRef idx="0">
+        <a:scrgbClr r="0" g="0" b="0"/>
+      </a:effectRef>
+      <a:fontRef idx="minor"/>
+    </dgm:style>
+  </dgm:styleLbl>
+  <dgm:styleLbl name="solidAlignAcc1">
+    <dgm:scene3d>
+      <a:camera prst="orthographicFront"/>
+      <a:lightRig rig="threePt" dir="t"/>
+    </dgm:scene3d>
+    <dgm:sp3d/>
+    <dgm:txPr/>
+    <dgm:style>
+      <a:lnRef idx="2">
+        <a:scrgbClr r="0" g="0" b="0"/>
+      </a:lnRef>
+      <a:fillRef idx="1">
+        <a:scrgbClr r="0" g="0" b="0"/>
+      </a:fillRef>
+      <a:effectRef idx="0">
+        <a:scrgbClr r="0" g="0" b="0"/>
+      </a:effectRef>
+      <a:fontRef idx="minor"/>
+    </dgm:style>
+  </dgm:styleLbl>
+  <dgm:styleLbl name="solidBgAcc1">
+    <dgm:scene3d>
+      <a:camera prst="orthographicFront"/>
+      <a:lightRig rig="threePt" dir="t"/>
+    </dgm:scene3d>
+    <dgm:sp3d/>
+    <dgm:txPr/>
+    <dgm:style>
+      <a:lnRef idx="2">
+        <a:scrgbClr r="0" g="0" b="0"/>
+      </a:lnRef>
+      <a:fillRef idx="1">
+        <a:scrgbClr r="0" g="0" b="0"/>
+      </a:fillRef>
+      <a:effectRef idx="0">
+        <a:scrgbClr r="0" g="0" b="0"/>
+      </a:effectRef>
+      <a:fontRef idx="minor"/>
+    </dgm:style>
+  </dgm:styleLbl>
+  <dgm:styleLbl name="fgAccFollowNode1">
+    <dgm:scene3d>
+      <a:camera prst="orthographicFront"/>
+      <a:lightRig rig="threePt" dir="t"/>
+    </dgm:scene3d>
+    <dgm:sp3d/>
+    <dgm:txPr/>
+    <dgm:style>
+      <a:lnRef idx="2">
+        <a:scrgbClr r="0" g="0" b="0"/>
+      </a:lnRef>
+      <a:fillRef idx="1">
+        <a:scrgbClr r="0" g="0" b="0"/>
+      </a:fillRef>
+      <a:effectRef idx="0">
+        <a:scrgbClr r="0" g="0" b="0"/>
+      </a:effectRef>
+      <a:fontRef idx="minor"/>
+    </dgm:style>
+  </dgm:styleLbl>
+  <dgm:styleLbl name="alignAccFollowNode1">
+    <dgm:scene3d>
+      <a:camera prst="orthographicFront"/>
+      <a:lightRig rig="threePt" dir="t"/>
+    </dgm:scene3d>
+    <dgm:sp3d/>
+    <dgm:txPr/>
+    <dgm:style>
+      <a:lnRef idx="2">
+        <a:scrgbClr r="0" g="0" b="0"/>
+      </a:lnRef>
+      <a:fillRef idx="1">
+        <a:scrgbClr r="0" g="0" b="0"/>
+      </a:fillRef>
+      <a:effectRef idx="0">
+        <a:scrgbClr r="0" g="0" b="0"/>
+      </a:effectRef>
+      <a:fontRef idx="minor"/>
+    </dgm:style>
+  </dgm:styleLbl>
+  <dgm:styleLbl name="bgAccFollowNode1">
+    <dgm:scene3d>
+      <a:camera prst="orthographicFront"/>
+      <a:lightRig rig="threePt" dir="t"/>
+    </dgm:scene3d>
+    <dgm:sp3d/>
+    <dgm:txPr/>
+    <dgm:style>
+      <a:lnRef idx="2">
+        <a:scrgbClr r="0" g="0" b="0"/>
+      </a:lnRef>
+      <a:fillRef idx="1">
+        <a:scrgbClr r="0" g="0" b="0"/>
+      </a:fillRef>
+      <a:effectRef idx="0">
+        <a:scrgbClr r="0" g="0" b="0"/>
+      </a:effectRef>
+      <a:fontRef idx="minor"/>
+    </dgm:style>
+  </dgm:styleLbl>
+  <dgm:styleLbl name="fgAcc0">
+    <dgm:scene3d>
+      <a:camera prst="orthographicFront"/>
+      <a:lightRig rig="threePt" dir="t"/>
+    </dgm:scene3d>
+    <dgm:sp3d/>
+    <dgm:txPr/>
+    <dgm:style>
+      <a:lnRef idx="2">
+        <a:scrgbClr r="0" g="0" b="0"/>
+      </a:lnRef>
+      <a:fillRef idx="1">
+        <a:scrgbClr r="0" g="0" b="0"/>
+      </a:fillRef>
+      <a:effectRef idx="0">
+        <a:scrgbClr r="0" g="0" b="0"/>
+      </a:effectRef>
+      <a:fontRef idx="minor"/>
+    </dgm:style>
+  </dgm:styleLbl>
+  <dgm:styleLbl name="fgAcc2">
+    <dgm:scene3d>
+      <a:camera prst="orthographicFront"/>
+      <a:lightRig rig="threePt" dir="t"/>
+    </dgm:scene3d>
+    <dgm:sp3d/>
+    <dgm:txPr/>
+    <dgm:style>
+      <a:lnRef idx="2">
+        <a:scrgbClr r="0" g="0" b="0"/>
+      </a:lnRef>
+      <a:fillRef idx="1">
+        <a:scrgbClr r="0" g="0" b="0"/>
+      </a:fillRef>
+      <a:effectRef idx="0">
+        <a:scrgbClr r="0" g="0" b="0"/>
+      </a:effectRef>
+      <a:fontRef idx="minor"/>
+    </dgm:style>
+  </dgm:styleLbl>
+  <dgm:styleLbl name="fgAcc3">
+    <dgm:scene3d>
+      <a:camera prst="orthographicFront"/>
+      <a:lightRig rig="threePt" dir="t"/>
+    </dgm:scene3d>
+    <dgm:sp3d/>
+    <dgm:txPr/>
+    <dgm:style>
+      <a:lnRef idx="2">
+        <a:scrgbClr r="0" g="0" b="0"/>
+      </a:lnRef>
+      <a:fillRef idx="1">
+        <a:scrgbClr r="0" g="0" b="0"/>
+      </a:fillRef>
+      <a:effectRef idx="0">
+        <a:scrgbClr r="0" g="0" b="0"/>
+      </a:effectRef>
+      <a:fontRef idx="minor"/>
+    </dgm:style>
+  </dgm:styleLbl>
+  <dgm:styleLbl name="fgAcc4">
+    <dgm:scene3d>
+      <a:camera prst="orthographicFront"/>
+      <a:lightRig rig="threePt" dir="t"/>
+    </dgm:scene3d>
+    <dgm:sp3d/>
+    <dgm:txPr/>
+    <dgm:style>
+      <a:lnRef idx="2">
+        <a:scrgbClr r="0" g="0" b="0"/>
+      </a:lnRef>
+      <a:fillRef idx="1">
+        <a:scrgbClr r="0" g="0" b="0"/>
+      </a:fillRef>
+      <a:effectRef idx="0">
+        <a:scrgbClr r="0" g="0" b="0"/>
+      </a:effectRef>
+      <a:fontRef idx="minor"/>
+    </dgm:style>
+  </dgm:styleLbl>
+  <dgm:styleLbl name="bgShp">
+    <dgm:scene3d>
+      <a:camera prst="orthographicFront"/>
+      <a:lightRig rig="threePt" dir="t"/>
+    </dgm:scene3d>
+    <dgm:sp3d/>
+    <dgm:txPr/>
+    <dgm:style>
+      <a:lnRef idx="0">
+        <a:scrgbClr r="0" g="0" b="0"/>
+      </a:lnRef>
+      <a:fillRef idx="1">
+        <a:scrgbClr r="0" g="0" b="0"/>
+      </a:fillRef>
+      <a:effectRef idx="0">
+        <a:scrgbClr r="0" g="0" b="0"/>
+      </a:effectRef>
+      <a:fontRef idx="minor"/>
+    </dgm:style>
+  </dgm:styleLbl>
+  <dgm:styleLbl name="dkBgShp">
+    <dgm:scene3d>
+      <a:camera prst="orthographicFront"/>
+      <a:lightRig rig="threePt" dir="t"/>
+    </dgm:scene3d>
+    <dgm:sp3d/>
+    <dgm:txPr/>
+    <dgm:style>
+      <a:lnRef idx="0">
+        <a:scrgbClr r="0" g="0" b="0"/>
+      </a:lnRef>
+      <a:fillRef idx="1">
+        <a:scrgbClr r="0" g="0" b="0"/>
+      </a:fillRef>
+      <a:effectRef idx="0">
+        <a:scrgbClr r="0" g="0" b="0"/>
+      </a:effectRef>
+      <a:fontRef idx="minor"/>
+    </dgm:style>
+  </dgm:styleLbl>
+  <dgm:styleLbl name="trBgShp">
+    <dgm:scene3d>
+      <a:camera prst="orthographicFront"/>
+      <a:lightRig rig="threePt" dir="t"/>
+    </dgm:scene3d>
+    <dgm:sp3d/>
+    <dgm:txPr/>
+    <dgm:style>
+      <a:lnRef idx="0">
+        <a:scrgbClr r="0" g="0" b="0"/>
+      </a:lnRef>
+      <a:fillRef idx="1">
+        <a:scrgbClr r="0" g="0" b="0"/>
+      </a:fillRef>
+      <a:effectRef idx="0">
+        <a:scrgbClr r="0" g="0" b="0"/>
+      </a:effectRef>
+      <a:fontRef idx="minor"/>
+    </dgm:style>
+  </dgm:styleLbl>
+  <dgm:styleLbl name="fgShp">
+    <dgm:scene3d>
+      <a:camera prst="orthographicFront"/>
+      <a:lightRig rig="threePt" dir="t"/>
+    </dgm:scene3d>
+    <dgm:sp3d/>
+    <dgm:txPr/>
+    <dgm:style>
+      <a:lnRef idx="2">
+        <a:scrgbClr r="0" g="0" b="0"/>
+      </a:lnRef>
+      <a:fillRef idx="1">
+        <a:scrgbClr r="0" g="0" b="0"/>
+      </a:fillRef>
+      <a:effectRef idx="0">
+        <a:scrgbClr r="0" g="0" b="0"/>
+      </a:effectRef>
+      <a:fontRef idx="minor"/>
+    </dgm:style>
+  </dgm:styleLbl>
+  <dgm:styleLbl name="revTx">
+    <dgm:scene3d>
+      <a:camera prst="orthographicFront"/>
+      <a:lightRig rig="threePt" dir="t"/>
+    </dgm:scene3d>
+    <dgm:sp3d/>
+    <dgm:txPr/>
+    <dgm:style>
+      <a:lnRef idx="0">
+        <a:scrgbClr r="0" g="0" b="0"/>
+      </a:lnRef>
+      <a:fillRef idx="0">
+        <a:scrgbClr r="0" g="0" b="0"/>
+      </a:fillRef>
+      <a:effectRef idx="0">
+        <a:scrgbClr r="0" g="0" b="0"/>
+      </a:effectRef>
+      <a:fontRef idx="minor"/>
+    </dgm:style>
+  </dgm:styleLbl>
+</dgm:styleDef>
+</file>
+
+<file path=ppt/diagrams/quickStyle3.xml><?xml version="1.0" encoding="utf-8"?>
+<dgm:styleDef xmlns:dgm="http://schemas.openxmlformats.org/drawingml/2006/diagram" xmlns:a="http://schemas.openxmlformats.org/drawingml/2006/main" uniqueId="urn:microsoft.com/office/officeart/2005/8/quickstyle/simple1">
+  <dgm:title val=""/>
+  <dgm:desc val=""/>
+  <dgm:catLst>
+    <dgm:cat type="simple" pri="10100"/>
+  </dgm:catLst>
+  <dgm:scene3d>
+    <a:camera prst="orthographicFront"/>
+    <a:lightRig rig="threePt" dir="t"/>
+  </dgm:scene3d>
+  <dgm:styleLbl name="node0">
+    <dgm:scene3d>
+      <a:camera prst="orthographicFront"/>
+      <a:lightRig rig="threePt" dir="t"/>
+    </dgm:scene3d>
+    <dgm:sp3d/>
+    <dgm:txPr/>
+    <dgm:style>
+      <a:lnRef idx="2">
+        <a:scrgbClr r="0" g="0" b="0"/>
+      </a:lnRef>
+      <a:fillRef idx="1">
+        <a:scrgbClr r="0" g="0" b="0"/>
+      </a:fillRef>
+      <a:effectRef idx="0">
+        <a:scrgbClr r="0" g="0" b="0"/>
+      </a:effectRef>
+      <a:fontRef idx="minor">
+        <a:schemeClr val="lt1"/>
+      </a:fontRef>
+    </dgm:style>
+  </dgm:styleLbl>
+  <dgm:styleLbl name="lnNode1">
+    <dgm:scene3d>
+      <a:camera prst="orthographicFront"/>
+      <a:lightRig rig="threePt" dir="t"/>
+    </dgm:scene3d>
+    <dgm:sp3d/>
+    <dgm:txPr/>
+    <dgm:style>
+      <a:lnRef idx="2">
+        <a:scrgbClr r="0" g="0" b="0"/>
+      </a:lnRef>
+      <a:fillRef idx="1">
+        <a:scrgbClr r="0" g="0" b="0"/>
+      </a:fillRef>
+      <a:effectRef idx="0">
+        <a:scrgbClr r="0" g="0" b="0"/>
+      </a:effectRef>
+      <a:fontRef idx="minor">
+        <a:schemeClr val="lt1"/>
+      </a:fontRef>
+    </dgm:style>
+  </dgm:styleLbl>
+  <dgm:styleLbl name="vennNode1">
+    <dgm:scene3d>
+      <a:camera prst="orthographicFront"/>
+      <a:lightRig rig="threePt" dir="t"/>
+    </dgm:scene3d>
+    <dgm:sp3d/>
+    <dgm:txPr/>
+    <dgm:style>
+      <a:lnRef idx="2">
+        <a:scrgbClr r="0" g="0" b="0"/>
+      </a:lnRef>
+      <a:fillRef idx="1">
+        <a:scrgbClr r="0" g="0" b="0"/>
+      </a:fillRef>
+      <a:effectRef idx="0">
+        <a:scrgbClr r="0" g="0" b="0"/>
+      </a:effectRef>
+      <a:fontRef idx="minor">
+        <a:schemeClr val="tx1"/>
+      </a:fontRef>
+    </dgm:style>
+  </dgm:styleLbl>
+  <dgm:styleLbl name="alignNode1">
+    <dgm:scene3d>
+      <a:camera prst="orthographicFront"/>
+      <a:lightRig rig="threePt" dir="t"/>
+    </dgm:scene3d>
+    <dgm:sp3d/>
+    <dgm:txPr/>
+    <dgm:style>
+      <a:lnRef idx="2">
+        <a:scrgbClr r="0" g="0" b="0"/>
+      </a:lnRef>
+      <a:fillRef idx="1">
+        <a:scrgbClr r="0" g="0" b="0"/>
+      </a:fillRef>
+      <a:effectRef idx="0">
+        <a:scrgbClr r="0" g="0" b="0"/>
+      </a:effectRef>
+      <a:fontRef idx="minor">
+        <a:schemeClr val="lt1"/>
+      </a:fontRef>
+    </dgm:style>
+  </dgm:styleLbl>
+  <dgm:styleLbl name="node1">
+    <dgm:scene3d>
+      <a:camera prst="orthographicFront"/>
+      <a:lightRig rig="threePt" dir="t"/>
+    </dgm:scene3d>
+    <dgm:sp3d/>
+    <dgm:txPr/>
+    <dgm:style>
+      <a:lnRef idx="2">
+        <a:scrgbClr r="0" g="0" b="0"/>
+      </a:lnRef>
+      <a:fillRef idx="1">
+        <a:scrgbClr r="0" g="0" b="0"/>
+      </a:fillRef>
+      <a:effectRef idx="0">
+        <a:scrgbClr r="0" g="0" b="0"/>
+      </a:effectRef>
+      <a:fontRef idx="minor">
+        <a:schemeClr val="lt1"/>
+      </a:fontRef>
+    </dgm:style>
+  </dgm:styleLbl>
+  <dgm:styleLbl name="node2">
+    <dgm:scene3d>
+      <a:camera prst="orthographicFront"/>
+      <a:lightRig rig="threePt" dir="t"/>
+    </dgm:scene3d>
+    <dgm:sp3d/>
+    <dgm:txPr/>
+    <dgm:style>
+      <a:lnRef idx="2">
+        <a:scrgbClr r="0" g="0" b="0"/>
+      </a:lnRef>
+      <a:fillRef idx="1">
+        <a:scrgbClr r="0" g="0" b="0"/>
+      </a:fillRef>
+      <a:effectRef idx="0">
+        <a:scrgbClr r="0" g="0" b="0"/>
+      </a:effectRef>
+      <a:fontRef idx="minor">
+        <a:schemeClr val="lt1"/>
+      </a:fontRef>
+    </dgm:style>
+  </dgm:styleLbl>
+  <dgm:styleLbl name="node3">
+    <dgm:scene3d>
+      <a:camera prst="orthographicFront"/>
+      <a:lightRig rig="threePt" dir="t"/>
+    </dgm:scene3d>
+    <dgm:sp3d/>
+    <dgm:txPr/>
+    <dgm:style>
+      <a:lnRef idx="2">
+        <a:scrgbClr r="0" g="0" b="0"/>
+      </a:lnRef>
+      <a:fillRef idx="1">
+        <a:scrgbClr r="0" g="0" b="0"/>
+      </a:fillRef>
+      <a:effectRef idx="0">
+        <a:scrgbClr r="0" g="0" b="0"/>
+      </a:effectRef>
+      <a:fontRef idx="minor">
+        <a:schemeClr val="lt1"/>
+      </a:fontRef>
+    </dgm:style>
+  </dgm:styleLbl>
+  <dgm:styleLbl name="node4">
+    <dgm:scene3d>
+      <a:camera prst="orthographicFront"/>
+      <a:lightRig rig="threePt" dir="t"/>
+    </dgm:scene3d>
+    <dgm:sp3d/>
+    <dgm:txPr/>
+    <dgm:style>
+      <a:lnRef idx="2">
+        <a:scrgbClr r="0" g="0" b="0"/>
+      </a:lnRef>
+      <a:fillRef idx="1">
+        <a:scrgbClr r="0" g="0" b="0"/>
+      </a:fillRef>
+      <a:effectRef idx="0">
+        <a:scrgbClr r="0" g="0" b="0"/>
+      </a:effectRef>
+      <a:fontRef idx="minor">
+        <a:schemeClr val="lt1"/>
+      </a:fontRef>
+    </dgm:style>
+  </dgm:styleLbl>
+  <dgm:styleLbl name="fgImgPlace1">
+    <dgm:scene3d>
+      <a:camera prst="orthographicFront"/>
+      <a:lightRig rig="threePt" dir="t"/>
+    </dgm:scene3d>
+    <dgm:sp3d/>
+    <dgm:txPr/>
+    <dgm:style>
+      <a:lnRef idx="2">
+        <a:scrgbClr r="0" g="0" b="0"/>
+      </a:lnRef>
+      <a:fillRef idx="1">
+        <a:scrgbClr r="0" g="0" b="0"/>
+      </a:fillRef>
+      <a:effectRef idx="0">
+        <a:scrgbClr r="0" g="0" b="0"/>
+      </a:effectRef>
+      <a:fontRef idx="minor"/>
+    </dgm:style>
+  </dgm:styleLbl>
+  <dgm:styleLbl name="alignImgPlace1">
+    <dgm:scene3d>
+      <a:camera prst="orthographicFront"/>
+      <a:lightRig rig="threePt" dir="t"/>
+    </dgm:scene3d>
+    <dgm:sp3d/>
+    <dgm:txPr/>
+    <dgm:style>
+      <a:lnRef idx="2">
+        <a:scrgbClr r="0" g="0" b="0"/>
+      </a:lnRef>
+      <a:fillRef idx="1">
+        <a:scrgbClr r="0" g="0" b="0"/>
+      </a:fillRef>
+      <a:effectRef idx="0">
+        <a:scrgbClr r="0" g="0" b="0"/>
+      </a:effectRef>
+      <a:fontRef idx="minor"/>
+    </dgm:style>
+  </dgm:styleLbl>
+  <dgm:styleLbl name="bgImgPlace1">
+    <dgm:scene3d>
+      <a:camera prst="orthographicFront"/>
+      <a:lightRig rig="threePt" dir="t"/>
+    </dgm:scene3d>
+    <dgm:sp3d/>
+    <dgm:txPr/>
+    <dgm:style>
+      <a:lnRef idx="2">
+        <a:scrgbClr r="0" g="0" b="0"/>
+      </a:lnRef>
+      <a:fillRef idx="1">
+        <a:scrgbClr r="0" g="0" b="0"/>
+      </a:fillRef>
+      <a:effectRef idx="0">
+        <a:scrgbClr r="0" g="0" b="0"/>
+      </a:effectRef>
+      <a:fontRef idx="minor"/>
+    </dgm:style>
+  </dgm:styleLbl>
+  <dgm:styleLbl name="sibTrans2D1">
+    <dgm:scene3d>
+      <a:camera prst="orthographicFront"/>
+      <a:lightRig rig="threePt" dir="t"/>
+    </dgm:scene3d>
+    <dgm:sp3d/>
+    <dgm:txPr/>
+    <dgm:style>
+      <a:lnRef idx="0">
+        <a:scrgbClr r="0" g="0" b="0"/>
+      </a:lnRef>
+      <a:fillRef idx="1">
+        <a:scrgbClr r="0" g="0" b="0"/>
+      </a:fillRef>
+      <a:effectRef idx="0">
+        <a:scrgbClr r="0" g="0" b="0"/>
+      </a:effectRef>
+      <a:fontRef idx="minor">
+        <a:schemeClr val="lt1"/>
+      </a:fontRef>
+    </dgm:style>
+  </dgm:styleLbl>
+  <dgm:styleLbl name="fgSibTrans2D1">
+    <dgm:scene3d>
+      <a:camera prst="orthographicFront"/>
+      <a:lightRig rig="threePt" dir="t"/>
+    </dgm:scene3d>
+    <dgm:sp3d/>
+    <dgm:txPr/>
+    <dgm:style>
+      <a:lnRef idx="0">
+        <a:scrgbClr r="0" g="0" b="0"/>
+      </a:lnRef>
+      <a:fillRef idx="1">
+        <a:scrgbClr r="0" g="0" b="0"/>
+      </a:fillRef>
+      <a:effectRef idx="0">
+        <a:scrgbClr r="0" g="0" b="0"/>
+      </a:effectRef>
+      <a:fontRef idx="minor">
+        <a:schemeClr val="lt1"/>
+      </a:fontRef>
+    </dgm:style>
+  </dgm:styleLbl>
+  <dgm:styleLbl name="bgSibTrans2D1">
+    <dgm:scene3d>
+      <a:camera prst="orthographicFront"/>
+      <a:lightRig rig="threePt" dir="t"/>
+    </dgm:scene3d>
+    <dgm:sp3d/>
+    <dgm:txPr/>
+    <dgm:style>
+      <a:lnRef idx="0">
+        <a:scrgbClr r="0" g="0" b="0"/>
+      </a:lnRef>
+      <a:fillRef idx="1">
+        <a:scrgbClr r="0" g="0" b="0"/>
+      </a:fillRef>
+      <a:effectRef idx="0">
+        <a:scrgbClr r="0" g="0" b="0"/>
+      </a:effectRef>
+      <a:fontRef idx="minor">
+        <a:schemeClr val="lt1"/>
+      </a:fontRef>
+    </dgm:style>
+  </dgm:styleLbl>
+  <dgm:styleLbl name="sibTrans1D1">
+    <dgm:scene3d>
+      <a:camera prst="orthographicFront"/>
+      <a:lightRig rig="threePt" dir="t"/>
+    </dgm:scene3d>
+    <dgm:sp3d/>
+    <dgm:txPr/>
+    <dgm:style>
+      <a:lnRef idx="1">
+        <a:scrgbClr r="0" g="0" b="0"/>
+      </a:lnRef>
+      <a:fillRef idx="0">
+        <a:scrgbClr r="0" g="0" b="0"/>
+      </a:fillRef>
+      <a:effectRef idx="0">
+        <a:scrgbClr r="0" g="0" b="0"/>
+      </a:effectRef>
+      <a:fontRef idx="minor"/>
+    </dgm:style>
+  </dgm:styleLbl>
+  <dgm:styleLbl name="callout">
+    <dgm:scene3d>
+      <a:camera prst="orthographicFront"/>
+      <a:lightRig rig="threePt" dir="t"/>
+    </dgm:scene3d>
+    <dgm:sp3d/>
+    <dgm:txPr/>
+    <dgm:style>
+      <a:lnRef idx="2">
+        <a:scrgbClr r="0" g="0" b="0"/>
+      </a:lnRef>
+      <a:fillRef idx="1">
+        <a:scrgbClr r="0" g="0" b="0"/>
+      </a:fillRef>
+      <a:effectRef idx="0">
+        <a:scrgbClr r="0" g="0" b="0"/>
+      </a:effectRef>
+      <a:fontRef idx="minor"/>
+    </dgm:style>
+  </dgm:styleLbl>
+  <dgm:styleLbl name="asst0">
+    <dgm:scene3d>
+      <a:camera prst="orthographicFront"/>
+      <a:lightRig rig="threePt" dir="t"/>
+    </dgm:scene3d>
+    <dgm:sp3d/>
+    <dgm:txPr/>
+    <dgm:style>
+      <a:lnRef idx="2">
+        <a:scrgbClr r="0" g="0" b="0"/>
+      </a:lnRef>
+      <a:fillRef idx="1">
+        <a:scrgbClr r="0" g="0" b="0"/>
+      </a:fillRef>
+      <a:effectRef idx="0">
+        <a:scrgbClr r="0" g="0" b="0"/>
+      </a:effectRef>
+      <a:fontRef idx="minor">
+        <a:schemeClr val="lt1"/>
+      </a:fontRef>
+    </dgm:style>
+  </dgm:styleLbl>
+  <dgm:styleLbl name="asst1">
+    <dgm:scene3d>
+      <a:camera prst="orthographicFront"/>
+      <a:lightRig rig="threePt" dir="t"/>
+    </dgm:scene3d>
+    <dgm:sp3d/>
+    <dgm:txPr/>
+    <dgm:style>
+      <a:lnRef idx="2">
+        <a:scrgbClr r="0" g="0" b="0"/>
+      </a:lnRef>
+      <a:fillRef idx="1">
+        <a:scrgbClr r="0" g="0" b="0"/>
+      </a:fillRef>
+      <a:effectRef idx="0">
+        <a:scrgbClr r="0" g="0" b="0"/>
+      </a:effectRef>
+      <a:fontRef idx="minor">
+        <a:schemeClr val="lt1"/>
+      </a:fontRef>
+    </dgm:style>
+  </dgm:styleLbl>
+  <dgm:styleLbl name="asst2">
+    <dgm:scene3d>
+      <a:camera prst="orthographicFront"/>
+      <a:lightRig rig="threePt" dir="t"/>
+    </dgm:scene3d>
+    <dgm:sp3d/>
+    <dgm:txPr/>
+    <dgm:style>
+      <a:lnRef idx="2">
+        <a:scrgbClr r="0" g="0" b="0"/>
+      </a:lnRef>
+      <a:fillRef idx="1">
+        <a:scrgbClr r="0" g="0" b="0"/>
+      </a:fillRef>
+      <a:effectRef idx="0">
+        <a:scrgbClr r="0" g="0" b="0"/>
+      </a:effectRef>
+      <a:fontRef idx="minor">
+        <a:schemeClr val="lt1"/>
+      </a:fontRef>
+    </dgm:style>
+  </dgm:styleLbl>
+  <dgm:styleLbl name="asst3">
+    <dgm:scene3d>
+      <a:camera prst="orthographicFront"/>
+      <a:lightRig rig="threePt" dir="t"/>
+    </dgm:scene3d>
+    <dgm:sp3d/>
+    <dgm:txPr/>
+    <dgm:style>
+      <a:lnRef idx="2">
+        <a:scrgbClr r="0" g="0" b="0"/>
+      </a:lnRef>
+      <a:fillRef idx="1">
+        <a:scrgbClr r="0" g="0" b="0"/>
+      </a:fillRef>
+      <a:effectRef idx="0">
+        <a:scrgbClr r="0" g="0" b="0"/>
+      </a:effectRef>
+      <a:fontRef idx="minor">
+        <a:schemeClr val="lt1"/>
+      </a:fontRef>
+    </dgm:style>
+  </dgm:styleLbl>
+  <dgm:styleLbl name="asst4">
+    <dgm:scene3d>
+      <a:camera prst="orthographicFront"/>
+      <a:lightRig rig="threePt" dir="t"/>
+    </dgm:scene3d>
+    <dgm:sp3d/>
+    <dgm:txPr/>
+    <dgm:style>
+      <a:lnRef idx="2">
+        <a:scrgbClr r="0" g="0" b="0"/>
+      </a:lnRef>
+      <a:fillRef idx="1">
+        <a:scrgbClr r="0" g="0" b="0"/>
+      </a:fillRef>
+      <a:effectRef idx="0">
+        <a:scrgbClr r="0" g="0" b="0"/>
+      </a:effectRef>
+      <a:fontRef idx="minor">
+        <a:schemeClr val="lt1"/>
+      </a:fontRef>
+    </dgm:style>
+  </dgm:styleLbl>
+  <dgm:styleLbl name="parChTrans2D1">
+    <dgm:scene3d>
+      <a:camera prst="orthographicFront"/>
+      <a:lightRig rig="threePt" dir="t"/>
+    </dgm:scene3d>
+    <dgm:sp3d/>
+    <dgm:txPr/>
+    <dgm:style>
+      <a:lnRef idx="2">
+        <a:scrgbClr r="0" g="0" b="0"/>
+      </a:lnRef>
+      <a:fillRef idx="1">
+        <a:scrgbClr r="0" g="0" b="0"/>
+      </a:fillRef>
+      <a:effectRef idx="0">
+        <a:scrgbClr r="0" g="0" b="0"/>
+      </a:effectRef>
+      <a:fontRef idx="minor">
+        <a:schemeClr val="lt1"/>
+      </a:fontRef>
+    </dgm:style>
+  </dgm:styleLbl>
+  <dgm:styleLbl name="parChTrans2D2">
+    <dgm:scene3d>
+      <a:camera prst="orthographicFront"/>
+      <a:lightRig rig="threePt" dir="t"/>
+    </dgm:scene3d>
+    <dgm:sp3d/>
+    <dgm:txPr/>
+    <dgm:style>
+      <a:lnRef idx="2">
+        <a:scrgbClr r="0" g="0" b="0"/>
+      </a:lnRef>
+      <a:fillRef idx="1">
+        <a:scrgbClr r="0" g="0" b="0"/>
+      </a:fillRef>
+      <a:effectRef idx="0">
+        <a:scrgbClr r="0" g="0" b="0"/>
+      </a:effectRef>
+      <a:fontRef idx="minor">
+        <a:schemeClr val="lt1"/>
+      </a:fontRef>
+    </dgm:style>
+  </dgm:styleLbl>
+  <dgm:styleLbl name="parChTrans2D3">
+    <dgm:scene3d>
+      <a:camera prst="orthographicFront"/>
+      <a:lightRig rig="threePt" dir="t"/>
+    </dgm:scene3d>
+    <dgm:sp3d/>
+    <dgm:txPr/>
+    <dgm:style>
+      <a:lnRef idx="2">
+        <a:scrgbClr r="0" g="0" b="0"/>
+      </a:lnRef>
+      <a:fillRef idx="1">
+        <a:scrgbClr r="0" g="0" b="0"/>
+      </a:fillRef>
+      <a:effectRef idx="0">
+        <a:scrgbClr r="0" g="0" b="0"/>
+      </a:effectRef>
+      <a:fontRef idx="minor">
+        <a:schemeClr val="lt1"/>
+      </a:fontRef>
+    </dgm:style>
+  </dgm:styleLbl>
+  <dgm:styleLbl name="parChTrans2D4">
+    <dgm:scene3d>
+      <a:camera prst="orthographicFront"/>
+      <a:lightRig rig="threePt" dir="t"/>
+    </dgm:scene3d>
+    <dgm:sp3d/>
+    <dgm:txPr/>
+    <dgm:style>
+      <a:lnRef idx="2">
+        <a:scrgbClr r="0" g="0" b="0"/>
+      </a:lnRef>
+      <a:fillRef idx="1">
+        <a:scrgbClr r="0" g="0" b="0"/>
+      </a:fillRef>
+      <a:effectRef idx="0">
+        <a:scrgbClr r="0" g="0" b="0"/>
+      </a:effectRef>
+      <a:fontRef idx="minor">
+        <a:schemeClr val="lt1"/>
+      </a:fontRef>
+    </dgm:style>
+  </dgm:styleLbl>
+  <dgm:styleLbl name="parChTrans1D1">
+    <dgm:scene3d>
+      <a:camera prst="orthographicFront"/>
+      <a:lightRig rig="threePt" dir="t"/>
+    </dgm:scene3d>
+    <dgm:sp3d/>
+    <dgm:txPr/>
+    <dgm:style>
+      <a:lnRef idx="2">
+        <a:scrgbClr r="0" g="0" b="0"/>
+      </a:lnRef>
+      <a:fillRef idx="0">
+        <a:scrgbClr r="0" g="0" b="0"/>
+      </a:fillRef>
+      <a:effectRef idx="0">
+        <a:scrgbClr r="0" g="0" b="0"/>
+      </a:effectRef>
+      <a:fontRef idx="minor"/>
+    </dgm:style>
+  </dgm:styleLbl>
+  <dgm:styleLbl name="parChTrans1D2">
+    <dgm:scene3d>
+      <a:camera prst="orthographicFront"/>
+      <a:lightRig rig="threePt" dir="t"/>
+    </dgm:scene3d>
+    <dgm:sp3d/>
+    <dgm:txPr/>
+    <dgm:style>
+      <a:lnRef idx="2">
+        <a:scrgbClr r="0" g="0" b="0"/>
+      </a:lnRef>
+      <a:fillRef idx="0">
+        <a:scrgbClr r="0" g="0" b="0"/>
+      </a:fillRef>
+      <a:effectRef idx="0">
+        <a:scrgbClr r="0" g="0" b="0"/>
+      </a:effectRef>
+      <a:fontRef idx="minor"/>
+    </dgm:style>
+  </dgm:styleLbl>
+  <dgm:styleLbl name="parChTrans1D3">
+    <dgm:scene3d>
+      <a:camera prst="orthographicFront"/>
+      <a:lightRig rig="threePt" dir="t"/>
+    </dgm:scene3d>
+    <dgm:sp3d/>
+    <dgm:txPr/>
+    <dgm:style>
+      <a:lnRef idx="2">
+        <a:scrgbClr r="0" g="0" b="0"/>
+      </a:lnRef>
+      <a:fillRef idx="0">
+        <a:scrgbClr r="0" g="0" b="0"/>
+      </a:fillRef>
+      <a:effectRef idx="0">
+        <a:scrgbClr r="0" g="0" b="0"/>
+      </a:effectRef>
+      <a:fontRef idx="minor"/>
+    </dgm:style>
+  </dgm:styleLbl>
+  <dgm:styleLbl name="parChTrans1D4">
+    <dgm:scene3d>
+      <a:camera prst="orthographicFront"/>
+      <a:lightRig rig="threePt" dir="t"/>
+    </dgm:scene3d>
+    <dgm:sp3d/>
+    <dgm:txPr/>
+    <dgm:style>
+      <a:lnRef idx="2">
+        <a:scrgbClr r="0" g="0" b="0"/>
+      </a:lnRef>
+      <a:fillRef idx="0">
+        <a:scrgbClr r="0" g="0" b="0"/>
+      </a:fillRef>
+      <a:effectRef idx="0">
+        <a:scrgbClr r="0" g="0" b="0"/>
+      </a:effectRef>
+      <a:fontRef idx="minor"/>
+    </dgm:style>
+  </dgm:styleLbl>
+  <dgm:styleLbl name="fgAcc1">
+    <dgm:scene3d>
+      <a:camera prst="orthographicFront"/>
+      <a:lightRig rig="threePt" dir="t"/>
+    </dgm:scene3d>
+    <dgm:sp3d/>
+    <dgm:txPr/>
+    <dgm:style>
+      <a:lnRef idx="2">
+        <a:scrgbClr r="0" g="0" b="0"/>
+      </a:lnRef>
+      <a:fillRef idx="1">
+        <a:scrgbClr r="0" g="0" b="0"/>
+      </a:fillRef>
+      <a:effectRef idx="0">
+        <a:scrgbClr r="0" g="0" b="0"/>
+      </a:effectRef>
+      <a:fontRef idx="minor"/>
+    </dgm:style>
+  </dgm:styleLbl>
+  <dgm:styleLbl name="conFgAcc1">
+    <dgm:scene3d>
+      <a:camera prst="orthographicFront"/>
+      <a:lightRig rig="threePt" dir="t"/>
+    </dgm:scene3d>
+    <dgm:sp3d/>
+    <dgm:txPr/>
+    <dgm:style>
+      <a:lnRef idx="2">
+        <a:scrgbClr r="0" g="0" b="0"/>
+      </a:lnRef>
+      <a:fillRef idx="1">
+        <a:scrgbClr r="0" g="0" b="0"/>
+      </a:fillRef>
+      <a:effectRef idx="0">
+        <a:scrgbClr r="0" g="0" b="0"/>
+      </a:effectRef>
+      <a:fontRef idx="minor"/>
+    </dgm:style>
+  </dgm:styleLbl>
+  <dgm:styleLbl name="alignAcc1">
+    <dgm:scene3d>
+      <a:camera prst="orthographicFront"/>
+      <a:lightRig rig="threePt" dir="t"/>
+    </dgm:scene3d>
+    <dgm:sp3d/>
+    <dgm:txPr/>
+    <dgm:style>
+      <a:lnRef idx="2">
+        <a:scrgbClr r="0" g="0" b="0"/>
+      </a:lnRef>
+      <a:fillRef idx="1">
+        <a:scrgbClr r="0" g="0" b="0"/>
+      </a:fillRef>
+      <a:effectRef idx="0">
+        <a:scrgbClr r="0" g="0" b="0"/>
+      </a:effectRef>
+      <a:fontRef idx="minor"/>
+    </dgm:style>
+  </dgm:styleLbl>
+  <dgm:styleLbl name="trAlignAcc1">
+    <dgm:scene3d>
+      <a:camera prst="orthographicFront"/>
+      <a:lightRig rig="threePt" dir="t"/>
+    </dgm:scene3d>
+    <dgm:sp3d/>
+    <dgm:txPr/>
+    <dgm:style>
+      <a:lnRef idx="1">
+        <a:scrgbClr r="0" g="0" b="0"/>
+      </a:lnRef>
+      <a:fillRef idx="1">
+        <a:scrgbClr r="0" g="0" b="0"/>
+      </a:fillRef>
+      <a:effectRef idx="0">
+        <a:scrgbClr r="0" g="0" b="0"/>
+      </a:effectRef>
+      <a:fontRef idx="minor"/>
+    </dgm:style>
+  </dgm:styleLbl>
+  <dgm:styleLbl name="bgAcc1">
+    <dgm:scene3d>
+      <a:camera prst="orthographicFront"/>
+      <a:lightRig rig="threePt" dir="t"/>
+    </dgm:scene3d>
+    <dgm:sp3d/>
+    <dgm:txPr/>
+    <dgm:style>
+      <a:lnRef idx="2">
+        <a:scrgbClr r="0" g="0" b="0"/>
+      </a:lnRef>
+      <a:fillRef idx="1">
+        <a:scrgbClr r="0" g="0" b="0"/>
+      </a:fillRef>
+      <a:effectRef idx="0">
+        <a:scrgbClr r="0" g="0" b="0"/>
+      </a:effectRef>
+      <a:fontRef idx="minor"/>
+    </dgm:style>
+  </dgm:styleLbl>
+  <dgm:styleLbl name="solidFgAcc1">
+    <dgm:scene3d>
+      <a:camera prst="orthographicFront"/>
+      <a:lightRig rig="threePt" dir="t"/>
+    </dgm:scene3d>
+    <dgm:sp3d/>
+    <dgm:txPr/>
+    <dgm:style>
+      <a:lnRef idx="2">
+        <a:scrgbClr r="0" g="0" b="0"/>
+      </a:lnRef>
+      <a:fillRef idx="1">
+        <a:scrgbClr r="0" g="0" b="0"/>
+      </a:fillRef>
+      <a:effectRef idx="0">
+        <a:scrgbClr r="0" g="0" b="0"/>
+      </a:effectRef>
+      <a:fontRef idx="minor"/>
+    </dgm:style>
+  </dgm:styleLbl>
+  <dgm:styleLbl name="solidAlignAcc1">
+    <dgm:scene3d>
+      <a:camera prst="orthographicFront"/>
+      <a:lightRig rig="threePt" dir="t"/>
+    </dgm:scene3d>
+    <dgm:sp3d/>
+    <dgm:txPr/>
+    <dgm:style>
+      <a:lnRef idx="2">
+        <a:scrgbClr r="0" g="0" b="0"/>
+      </a:lnRef>
+      <a:fillRef idx="1">
+        <a:scrgbClr r="0" g="0" b="0"/>
+      </a:fillRef>
+      <a:effectRef idx="0">
+        <a:scrgbClr r="0" g="0" b="0"/>
+      </a:effectRef>
+      <a:fontRef idx="minor"/>
+    </dgm:style>
+  </dgm:styleLbl>
+  <dgm:styleLbl name="solidBgAcc1">
+    <dgm:scene3d>
+      <a:camera prst="orthographicFront"/>
+      <a:lightRig rig="threePt" dir="t"/>
+    </dgm:scene3d>
+    <dgm:sp3d/>
+    <dgm:txPr/>
+    <dgm:style>
+      <a:lnRef idx="2">
+        <a:scrgbClr r="0" g="0" b="0"/>
+      </a:lnRef>
+      <a:fillRef idx="1">
+        <a:scrgbClr r="0" g="0" b="0"/>
+      </a:fillRef>
+      <a:effectRef idx="0">
+        <a:scrgbClr r="0" g="0" b="0"/>
+      </a:effectRef>
+      <a:fontRef idx="minor"/>
+    </dgm:style>
+  </dgm:styleLbl>
+  <dgm:styleLbl name="fgAccFollowNode1">
+    <dgm:scene3d>
+      <a:camera prst="orthographicFront"/>
+      <a:lightRig rig="threePt" dir="t"/>
+    </dgm:scene3d>
+    <dgm:sp3d/>
+    <dgm:txPr/>
+    <dgm:style>
+      <a:lnRef idx="2">
+        <a:scrgbClr r="0" g="0" b="0"/>
+      </a:lnRef>
+      <a:fillRef idx="1">
+        <a:scrgbClr r="0" g="0" b="0"/>
+      </a:fillRef>
+      <a:effectRef idx="0">
+        <a:scrgbClr r="0" g="0" b="0"/>
+      </a:effectRef>
+      <a:fontRef idx="minor"/>
+    </dgm:style>
+  </dgm:styleLbl>
+  <dgm:styleLbl name="alignAccFollowNode1">
+    <dgm:scene3d>
+      <a:camera prst="orthographicFront"/>
+      <a:lightRig rig="threePt" dir="t"/>
+    </dgm:scene3d>
+    <dgm:sp3d/>
+    <dgm:txPr/>
+    <dgm:style>
+      <a:lnRef idx="2">
+        <a:scrgbClr r="0" g="0" b="0"/>
+      </a:lnRef>
+      <a:fillRef idx="1">
+        <a:scrgbClr r="0" g="0" b="0"/>
+      </a:fillRef>
+      <a:effectRef idx="0">
+        <a:scrgbClr r="0" g="0" b="0"/>
+      </a:effectRef>
+      <a:fontRef idx="minor"/>
+    </dgm:style>
+  </dgm:styleLbl>
+  <dgm:styleLbl name="bgAccFollowNode1">
+    <dgm:scene3d>
+      <a:camera prst="orthographicFront"/>
+      <a:lightRig rig="threePt" dir="t"/>
+    </dgm:scene3d>
+    <dgm:sp3d/>
+    <dgm:txPr/>
+    <dgm:style>
+      <a:lnRef idx="2">
+        <a:scrgbClr r="0" g="0" b="0"/>
+      </a:lnRef>
+      <a:fillRef idx="1">
+        <a:scrgbClr r="0" g="0" b="0"/>
+      </a:fillRef>
+      <a:effectRef idx="0">
+        <a:scrgbClr r="0" g="0" b="0"/>
+      </a:effectRef>
+      <a:fontRef idx="minor"/>
+    </dgm:style>
+  </dgm:styleLbl>
+  <dgm:styleLbl name="fgAcc0">
+    <dgm:scene3d>
+      <a:camera prst="orthographicFront"/>
+      <a:lightRig rig="threePt" dir="t"/>
+    </dgm:scene3d>
+    <dgm:sp3d/>
+    <dgm:txPr/>
+    <dgm:style>
+      <a:lnRef idx="2">
+        <a:scrgbClr r="0" g="0" b="0"/>
+      </a:lnRef>
+      <a:fillRef idx="1">
+        <a:scrgbClr r="0" g="0" b="0"/>
+      </a:fillRef>
+      <a:effectRef idx="0">
+        <a:scrgbClr r="0" g="0" b="0"/>
+      </a:effectRef>
+      <a:fontRef idx="minor"/>
+    </dgm:style>
+  </dgm:styleLbl>
+  <dgm:styleLbl name="fgAcc2">
+    <dgm:scene3d>
+      <a:camera prst="orthographicFront"/>
+      <a:lightRig rig="threePt" dir="t"/>
+    </dgm:scene3d>
+    <dgm:sp3d/>
+    <dgm:txPr/>
+    <dgm:style>
+      <a:lnRef idx="2">
+        <a:scrgbClr r="0" g="0" b="0"/>
+      </a:lnRef>
+      <a:fillRef idx="1">
+        <a:scrgbClr r="0" g="0" b="0"/>
+      </a:fillRef>
+      <a:effectRef idx="0">
+        <a:scrgbClr r="0" g="0" b="0"/>
+      </a:effectRef>
+      <a:fontRef idx="minor"/>
+    </dgm:style>
+  </dgm:styleLbl>
+  <dgm:styleLbl name="fgAcc3">
+    <dgm:scene3d>
+      <a:camera prst="orthographicFront"/>
+      <a:lightRig rig="threePt" dir="t"/>
+    </dgm:scene3d>
+    <dgm:sp3d/>
+    <dgm:txPr/>
+    <dgm:style>
+      <a:lnRef idx="2">
+        <a:scrgbClr r="0" g="0" b="0"/>
+      </a:lnRef>
+      <a:fillRef idx="1">
+        <a:scrgbClr r="0" g="0" b="0"/>
+      </a:fillRef>
+      <a:effectRef idx="0">
+        <a:scrgbClr r="0" g="0" b="0"/>
+      </a:effectRef>
+      <a:fontRef idx="minor"/>
+    </dgm:style>
+  </dgm:styleLbl>
+  <dgm:styleLbl name="fgAcc4">
+    <dgm:scene3d>
+      <a:camera prst="orthographicFront"/>
+      <a:lightRig rig="threePt" dir="t"/>
+    </dgm:scene3d>
+    <dgm:sp3d/>
+    <dgm:txPr/>
+    <dgm:style>
+      <a:lnRef idx="2">
+        <a:scrgbClr r="0" g="0" b="0"/>
+      </a:lnRef>
+      <a:fillRef idx="1">
+        <a:scrgbClr r="0" g="0" b="0"/>
+      </a:fillRef>
+      <a:effectRef idx="0">
+        <a:scrgbClr r="0" g="0" b="0"/>
+      </a:effectRef>
+      <a:fontRef idx="minor"/>
+    </dgm:style>
+  </dgm:styleLbl>
+  <dgm:styleLbl name="bgShp">
+    <dgm:scene3d>
+      <a:camera prst="orthographicFront"/>
+      <a:lightRig rig="threePt" dir="t"/>
+    </dgm:scene3d>
+    <dgm:sp3d/>
+    <dgm:txPr/>
+    <dgm:style>
+      <a:lnRef idx="0">
+        <a:scrgbClr r="0" g="0" b="0"/>
+      </a:lnRef>
+      <a:fillRef idx="1">
+        <a:scrgbClr r="0" g="0" b="0"/>
+      </a:fillRef>
+      <a:effectRef idx="0">
+        <a:scrgbClr r="0" g="0" b="0"/>
+      </a:effectRef>
+      <a:fontRef idx="minor"/>
+    </dgm:style>
+  </dgm:styleLbl>
+  <dgm:styleLbl name="dkBgShp">
+    <dgm:scene3d>
+      <a:camera prst="orthographicFront"/>
+      <a:lightRig rig="threePt" dir="t"/>
+    </dgm:scene3d>
+    <dgm:sp3d/>
+    <dgm:txPr/>
+    <dgm:style>
+      <a:lnRef idx="0">
+        <a:scrgbClr r="0" g="0" b="0"/>
+      </a:lnRef>
+      <a:fillRef idx="1">
+        <a:scrgbClr r="0" g="0" b="0"/>
+      </a:fillRef>
+      <a:effectRef idx="0">
+        <a:scrgbClr r="0" g="0" b="0"/>
+      </a:effectRef>
+      <a:fontRef idx="minor"/>
+    </dgm:style>
+  </dgm:styleLbl>
+  <dgm:styleLbl name="trBgShp">
+    <dgm:scene3d>
+      <a:camera prst="orthographicFront"/>
+      <a:lightRig rig="threePt" dir="t"/>
+    </dgm:scene3d>
+    <dgm:sp3d/>
+    <dgm:txPr/>
+    <dgm:style>
+      <a:lnRef idx="0">
+        <a:scrgbClr r="0" g="0" b="0"/>
+      </a:lnRef>
+      <a:fillRef idx="1">
+        <a:scrgbClr r="0" g="0" b="0"/>
+      </a:fillRef>
+      <a:effectRef idx="0">
+        <a:scrgbClr r="0" g="0" b="0"/>
+      </a:effectRef>
+      <a:fontRef idx="minor"/>
+    </dgm:style>
+  </dgm:styleLbl>
+  <dgm:styleLbl name="fgShp">
+    <dgm:scene3d>
+      <a:camera prst="orthographicFront"/>
+      <a:lightRig rig="threePt" dir="t"/>
+    </dgm:scene3d>
+    <dgm:sp3d/>
+    <dgm:txPr/>
+    <dgm:style>
+      <a:lnRef idx="2">
+        <a:scrgbClr r="0" g="0" b="0"/>
+      </a:lnRef>
+      <a:fillRef idx="1">
+        <a:scrgbClr r="0" g="0" b="0"/>
+      </a:fillRef>
+      <a:effectRef idx="0">
+        <a:scrgbClr r="0" g="0" b="0"/>
+      </a:effectRef>
+      <a:fontRef idx="minor"/>
+    </dgm:style>
+  </dgm:styleLbl>
+  <dgm:styleLbl name="revTx">
+    <dgm:scene3d>
+      <a:camera prst="orthographicFront"/>
+      <a:lightRig rig="threePt" dir="t"/>
+    </dgm:scene3d>
+    <dgm:sp3d/>
+    <dgm:txPr/>
+    <dgm:style>
+      <a:lnRef idx="0">
+        <a:scrgbClr r="0" g="0" b="0"/>
+      </a:lnRef>
+      <a:fillRef idx="0">
+        <a:scrgbClr r="0" g="0" b="0"/>
+      </a:fillRef>
+      <a:effectRef idx="0">
+        <a:scrgbClr r="0" g="0" b="0"/>
+      </a:effectRef>
+      <a:fontRef idx="minor"/>
+    </dgm:style>
+  </dgm:styleLbl>
+</dgm:styleDef>
+</file>
+
 <file path=ppt/notesMasters/notesMaster1.xml><?xml version="1.0" encoding="utf-8"?>
 <p:notesMaster xmlns:a="http://schemas.openxmlformats.org/drawingml/2006/main" xmlns:r="http://schemas.openxmlformats.org/officeDocument/2006/relationships" xmlns:p="http://schemas.openxmlformats.org/presentationml/2006/main">
   <p:cSld>
@@ -217,7 +7480,7 @@
           <a:p>
             <a:fld id="{146B6C00-59C7-4649-A05A-DC2738C2BE3E}" type="datetimeFigureOut">
               <a:rPr lang="en-US" smtClean="0"/>
-              <a:t>4/18/2017</a:t>
+              <a:t>4/24/2017</a:t>
             </a:fld>
             <a:endParaRPr lang="en-US"/>
           </a:p>
@@ -1107,7 +8370,7 @@
           <a:p>
             <a:fld id="{AC25CB34-BB08-4399-A2CA-3CAF79EA992F}" type="datetimeFigureOut">
               <a:rPr lang="en-US" smtClean="0"/>
-              <a:t>4/18/2017</a:t>
+              <a:t>4/24/2017</a:t>
             </a:fld>
             <a:endParaRPr lang="en-US"/>
           </a:p>
@@ -1437,7 +8700,7 @@
           <a:p>
             <a:fld id="{AC25CB34-BB08-4399-A2CA-3CAF79EA992F}" type="datetimeFigureOut">
               <a:rPr lang="en-US" smtClean="0"/>
-              <a:t>4/18/2017</a:t>
+              <a:t>4/24/2017</a:t>
             </a:fld>
             <a:endParaRPr lang="en-US"/>
           </a:p>
@@ -1617,7 +8880,7 @@
           <a:p>
             <a:fld id="{AC25CB34-BB08-4399-A2CA-3CAF79EA992F}" type="datetimeFigureOut">
               <a:rPr lang="en-US" smtClean="0"/>
-              <a:t>4/18/2017</a:t>
+              <a:t>4/24/2017</a:t>
             </a:fld>
             <a:endParaRPr lang="en-US"/>
           </a:p>
@@ -1787,7 +9050,7 @@
           <a:p>
             <a:fld id="{AC25CB34-BB08-4399-A2CA-3CAF79EA992F}" type="datetimeFigureOut">
               <a:rPr lang="en-US" smtClean="0"/>
-              <a:t>4/18/2017</a:t>
+              <a:t>4/24/2017</a:t>
             </a:fld>
             <a:endParaRPr lang="en-US"/>
           </a:p>
@@ -2064,7 +9327,7 @@
           <a:p>
             <a:fld id="{AC25CB34-BB08-4399-A2CA-3CAF79EA992F}" type="datetimeFigureOut">
               <a:rPr lang="en-US" smtClean="0"/>
-              <a:t>4/18/2017</a:t>
+              <a:t>4/24/2017</a:t>
             </a:fld>
             <a:endParaRPr lang="en-US"/>
           </a:p>
@@ -2514,7 +9777,7 @@
           <a:p>
             <a:fld id="{AC25CB34-BB08-4399-A2CA-3CAF79EA992F}" type="datetimeFigureOut">
               <a:rPr lang="en-US" smtClean="0"/>
-              <a:t>4/18/2017</a:t>
+              <a:t>4/24/2017</a:t>
             </a:fld>
             <a:endParaRPr lang="en-US"/>
           </a:p>
@@ -2991,7 +10254,7 @@
           <a:p>
             <a:fld id="{AC25CB34-BB08-4399-A2CA-3CAF79EA992F}" type="datetimeFigureOut">
               <a:rPr lang="en-US" smtClean="0"/>
-              <a:t>4/18/2017</a:t>
+              <a:t>4/24/2017</a:t>
             </a:fld>
             <a:endParaRPr lang="en-US"/>
           </a:p>
@@ -3109,7 +10372,7 @@
           <a:p>
             <a:fld id="{AC25CB34-BB08-4399-A2CA-3CAF79EA992F}" type="datetimeFigureOut">
               <a:rPr lang="en-US" smtClean="0"/>
-              <a:t>4/18/2017</a:t>
+              <a:t>4/24/2017</a:t>
             </a:fld>
             <a:endParaRPr lang="en-US"/>
           </a:p>
@@ -3204,7 +10467,7 @@
           <a:p>
             <a:fld id="{AC25CB34-BB08-4399-A2CA-3CAF79EA992F}" type="datetimeFigureOut">
               <a:rPr lang="en-US" smtClean="0"/>
-              <a:t>4/18/2017</a:t>
+              <a:t>4/24/2017</a:t>
             </a:fld>
             <a:endParaRPr lang="en-US"/>
           </a:p>
@@ -3552,7 +10815,7 @@
           <a:p>
             <a:fld id="{AC25CB34-BB08-4399-A2CA-3CAF79EA992F}" type="datetimeFigureOut">
               <a:rPr lang="en-US" smtClean="0"/>
-              <a:t>4/18/2017</a:t>
+              <a:t>4/24/2017</a:t>
             </a:fld>
             <a:endParaRPr lang="en-US"/>
           </a:p>
@@ -3980,7 +11243,7 @@
           <a:p>
             <a:fld id="{AC25CB34-BB08-4399-A2CA-3CAF79EA992F}" type="datetimeFigureOut">
               <a:rPr lang="en-US" smtClean="0"/>
-              <a:t>4/18/2017</a:t>
+              <a:t>4/24/2017</a:t>
             </a:fld>
             <a:endParaRPr lang="en-US"/>
           </a:p>
@@ -4296,7 +11559,7 @@
           <a:p>
             <a:fld id="{AC25CB34-BB08-4399-A2CA-3CAF79EA992F}" type="datetimeFigureOut">
               <a:rPr lang="en-US" smtClean="0"/>
-              <a:t>4/18/2017</a:t>
+              <a:t>4/24/2017</a:t>
             </a:fld>
             <a:endParaRPr lang="en-US"/>
           </a:p>
@@ -5128,7 +12391,7 @@
           <a:p>
             <a:r>
               <a:rPr lang="en-US" dirty="0"/>
-              <a:t>Bibliography</a:t>
+              <a:t>Overview of documentation</a:t>
             </a:r>
           </a:p>
         </p:txBody>
@@ -5150,6 +12413,186 @@
           <a:p>
             <a:r>
               <a:rPr lang="en-US" dirty="0"/>
+              <a:t>FASTQC-files</a:t>
+            </a:r>
+          </a:p>
+          <a:p>
+            <a:r>
+              <a:rPr lang="en-US" dirty="0"/>
+              <a:t>Asparagus </a:t>
+            </a:r>
+            <a:r>
+              <a:rPr lang="en-US" dirty="0" err="1"/>
+              <a:t>powerpoint</a:t>
+            </a:r>
+            <a:endParaRPr lang="en-US" dirty="0"/>
+          </a:p>
+          <a:p>
+            <a:r>
+              <a:rPr lang="en-US" dirty="0"/>
+              <a:t>Paper</a:t>
+            </a:r>
+          </a:p>
+          <a:p>
+            <a:r>
+              <a:rPr lang="en-US" dirty="0"/>
+              <a:t>README.md</a:t>
+            </a:r>
+          </a:p>
+          <a:p>
+            <a:r>
+              <a:rPr lang="en-US" dirty="0"/>
+              <a:t>Supplementary tables from paper</a:t>
+            </a:r>
+          </a:p>
+          <a:p>
+            <a:r>
+              <a:rPr lang="en-US" dirty="0"/>
+              <a:t>Gene count expression data</a:t>
+            </a:r>
+          </a:p>
+        </p:txBody>
+      </p:sp>
+    </p:spTree>
+    <p:extLst>
+      <p:ext uri="{BB962C8B-B14F-4D97-AF65-F5344CB8AC3E}">
+        <p14:creationId xmlns:p14="http://schemas.microsoft.com/office/powerpoint/2010/main" val="2038048837"/>
+      </p:ext>
+    </p:extLst>
+  </p:cSld>
+  <p:clrMapOvr>
+    <a:masterClrMapping/>
+  </p:clrMapOvr>
+</p:sld>
+</file>
+
+<file path=ppt/slides/slide11.xml><?xml version="1.0" encoding="utf-8"?>
+<p:sld xmlns:a="http://schemas.openxmlformats.org/drawingml/2006/main" xmlns:r="http://schemas.openxmlformats.org/officeDocument/2006/relationships" xmlns:p="http://schemas.openxmlformats.org/presentationml/2006/main">
+  <p:cSld>
+    <p:spTree>
+      <p:nvGrpSpPr>
+        <p:cNvPr id="1" name=""/>
+        <p:cNvGrpSpPr/>
+        <p:nvPr/>
+      </p:nvGrpSpPr>
+      <p:grpSpPr>
+        <a:xfrm>
+          <a:off x="0" y="0"/>
+          <a:ext cx="0" cy="0"/>
+          <a:chOff x="0" y="0"/>
+          <a:chExt cx="0" cy="0"/>
+        </a:xfrm>
+      </p:grpSpPr>
+      <p:sp>
+        <p:nvSpPr>
+          <p:cNvPr id="2" name="Title 1"/>
+          <p:cNvSpPr>
+            <a:spLocks noGrp="1"/>
+          </p:cNvSpPr>
+          <p:nvPr>
+            <p:ph type="title"/>
+          </p:nvPr>
+        </p:nvSpPr>
+        <p:spPr/>
+        <p:txBody>
+          <a:bodyPr/>
+          <a:lstStyle/>
+          <a:p>
+            <a:r>
+              <a:rPr lang="en-US" dirty="0"/>
+              <a:t>Results</a:t>
+            </a:r>
+          </a:p>
+        </p:txBody>
+      </p:sp>
+      <p:sp>
+        <p:nvSpPr>
+          <p:cNvPr id="3" name="Content Placeholder 2"/>
+          <p:cNvSpPr>
+            <a:spLocks noGrp="1"/>
+          </p:cNvSpPr>
+          <p:nvPr>
+            <p:ph idx="1"/>
+          </p:nvPr>
+        </p:nvSpPr>
+        <p:spPr/>
+        <p:txBody>
+          <a:bodyPr/>
+          <a:lstStyle/>
+          <a:p>
+            <a:endParaRPr lang="en-US"/>
+          </a:p>
+        </p:txBody>
+      </p:sp>
+    </p:spTree>
+    <p:extLst>
+      <p:ext uri="{BB962C8B-B14F-4D97-AF65-F5344CB8AC3E}">
+        <p14:creationId xmlns:p14="http://schemas.microsoft.com/office/powerpoint/2010/main" val="1965869171"/>
+      </p:ext>
+    </p:extLst>
+  </p:cSld>
+  <p:clrMapOvr>
+    <a:masterClrMapping/>
+  </p:clrMapOvr>
+</p:sld>
+</file>
+
+<file path=ppt/slides/slide12.xml><?xml version="1.0" encoding="utf-8"?>
+<p:sld xmlns:a="http://schemas.openxmlformats.org/drawingml/2006/main" xmlns:r="http://schemas.openxmlformats.org/officeDocument/2006/relationships" xmlns:p="http://schemas.openxmlformats.org/presentationml/2006/main">
+  <p:cSld>
+    <p:spTree>
+      <p:nvGrpSpPr>
+        <p:cNvPr id="1" name=""/>
+        <p:cNvGrpSpPr/>
+        <p:nvPr/>
+      </p:nvGrpSpPr>
+      <p:grpSpPr>
+        <a:xfrm>
+          <a:off x="0" y="0"/>
+          <a:ext cx="0" cy="0"/>
+          <a:chOff x="0" y="0"/>
+          <a:chExt cx="0" cy="0"/>
+        </a:xfrm>
+      </p:grpSpPr>
+      <p:sp>
+        <p:nvSpPr>
+          <p:cNvPr id="2" name="Title 1"/>
+          <p:cNvSpPr>
+            <a:spLocks noGrp="1"/>
+          </p:cNvSpPr>
+          <p:nvPr>
+            <p:ph type="title"/>
+          </p:nvPr>
+        </p:nvSpPr>
+        <p:spPr/>
+        <p:txBody>
+          <a:bodyPr/>
+          <a:lstStyle/>
+          <a:p>
+            <a:r>
+              <a:rPr lang="en-US" dirty="0"/>
+              <a:t>Bibliography</a:t>
+            </a:r>
+          </a:p>
+        </p:txBody>
+      </p:sp>
+      <p:sp>
+        <p:nvSpPr>
+          <p:cNvPr id="3" name="Content Placeholder 2"/>
+          <p:cNvSpPr>
+            <a:spLocks noGrp="1"/>
+          </p:cNvSpPr>
+          <p:nvPr>
+            <p:ph idx="1"/>
+          </p:nvPr>
+        </p:nvSpPr>
+        <p:spPr/>
+        <p:txBody>
+          <a:bodyPr/>
+          <a:lstStyle/>
+          <a:p>
+            <a:r>
+              <a:rPr lang="en-US" dirty="0"/>
               <a:t>Deng C-L, Qin R-Y, Wang N-N, Cao Y, Gao J, Gao W-J, Lu L-D. 2012. Karyotype of asparagus by physical mapping of 45S and 5S rDNA by FISH. </a:t>
             </a:r>
             <a:r>
@@ -5218,7 +12661,6 @@
               <a:rPr lang="en-US" dirty="0"/>
               <a:t>). New Phytol, 207: 883–892. doi:10.1111/nph.13389</a:t>
             </a:r>
-            <a:endParaRPr lang="en-US" dirty="0"/>
           </a:p>
         </p:txBody>
       </p:sp>
@@ -5736,7 +13178,7 @@
           <a:p>
             <a:r>
               <a:rPr lang="en-US" dirty="0"/>
-              <a:t>Current thinking</a:t>
+              <a:t>Current thinking for sex determination</a:t>
             </a:r>
           </a:p>
         </p:txBody>
@@ -5978,25 +13420,31 @@
           </a:p>
         </p:txBody>
       </p:sp>
-      <p:sp>
-        <p:nvSpPr>
-          <p:cNvPr id="3" name="Content Placeholder 2"/>
-          <p:cNvSpPr>
-            <a:spLocks noGrp="1"/>
-          </p:cNvSpPr>
+      <p:graphicFrame>
+        <p:nvGraphicFramePr>
+          <p:cNvPr id="4" name="Content Placeholder 3"/>
+          <p:cNvGraphicFramePr>
+            <a:graphicFrameLocks noGrp="1"/>
+          </p:cNvGraphicFramePr>
           <p:nvPr>
             <p:ph idx="1"/>
+            <p:extLst>
+              <p:ext uri="{D42A27DB-BD31-4B8C-83A1-F6EECF244321}">
+                <p14:modId xmlns:p14="http://schemas.microsoft.com/office/powerpoint/2010/main" val="933914017"/>
+              </p:ext>
+            </p:extLst>
           </p:nvPr>
-        </p:nvSpPr>
-        <p:spPr/>
-        <p:txBody>
-          <a:bodyPr/>
-          <a:lstStyle/>
-          <a:p>
-            <a:endParaRPr lang="en-US"/>
-          </a:p>
-        </p:txBody>
-      </p:sp>
+        </p:nvGraphicFramePr>
+        <p:xfrm>
+          <a:off x="1028700" y="2286000"/>
+          <a:ext cx="7200900" cy="3581400"/>
+        </p:xfrm>
+        <a:graphic>
+          <a:graphicData uri="http://schemas.openxmlformats.org/drawingml/2006/diagram">
+            <dgm:relIds xmlns:dgm="http://schemas.openxmlformats.org/drawingml/2006/diagram" xmlns:r="http://schemas.openxmlformats.org/officeDocument/2006/relationships" r:dm="rId2" r:lo="rId3" r:qs="rId4" r:cs="rId5"/>
+          </a:graphicData>
+        </a:graphic>
+      </p:graphicFrame>
     </p:spTree>
     <p:extLst>
       <p:ext uri="{BB962C8B-B14F-4D97-AF65-F5344CB8AC3E}">
@@ -6044,72 +13492,40 @@
           <a:p>
             <a:r>
               <a:rPr lang="en-US" dirty="0"/>
-              <a:t>Overview of documentation</a:t>
+              <a:t>Transcription Profiling</a:t>
             </a:r>
           </a:p>
         </p:txBody>
       </p:sp>
-      <p:sp>
-        <p:nvSpPr>
-          <p:cNvPr id="3" name="Content Placeholder 2"/>
-          <p:cNvSpPr>
-            <a:spLocks noGrp="1"/>
-          </p:cNvSpPr>
+      <p:graphicFrame>
+        <p:nvGraphicFramePr>
+          <p:cNvPr id="4" name="Content Placeholder 3"/>
+          <p:cNvGraphicFramePr>
+            <a:graphicFrameLocks noGrp="1"/>
+          </p:cNvGraphicFramePr>
           <p:nvPr>
             <p:ph idx="1"/>
+            <p:extLst>
+              <p:ext uri="{D42A27DB-BD31-4B8C-83A1-F6EECF244321}">
+                <p14:modId xmlns:p14="http://schemas.microsoft.com/office/powerpoint/2010/main" val="578491193"/>
+              </p:ext>
+            </p:extLst>
           </p:nvPr>
-        </p:nvSpPr>
-        <p:spPr/>
-        <p:txBody>
-          <a:bodyPr/>
-          <a:lstStyle/>
-          <a:p>
-            <a:r>
-              <a:rPr lang="en-US" dirty="0"/>
-              <a:t>FASTQC-files</a:t>
-            </a:r>
-          </a:p>
-          <a:p>
-            <a:r>
-              <a:rPr lang="en-US" dirty="0"/>
-              <a:t>Asparagus </a:t>
-            </a:r>
-            <a:r>
-              <a:rPr lang="en-US" dirty="0" err="1"/>
-              <a:t>powerpoint</a:t>
-            </a:r>
-            <a:endParaRPr lang="en-US" dirty="0"/>
-          </a:p>
-          <a:p>
-            <a:r>
-              <a:rPr lang="en-US" dirty="0"/>
-              <a:t>Paper</a:t>
-            </a:r>
-          </a:p>
-          <a:p>
-            <a:r>
-              <a:rPr lang="en-US" dirty="0"/>
-              <a:t>README.md</a:t>
-            </a:r>
-          </a:p>
-          <a:p>
-            <a:r>
-              <a:rPr lang="en-US" dirty="0"/>
-              <a:t>Supplementary tables from paper</a:t>
-            </a:r>
-          </a:p>
-          <a:p>
-            <a:r>
-              <a:rPr lang="en-US" dirty="0"/>
-              <a:t>Gene count expression data</a:t>
-            </a:r>
-          </a:p>
-        </p:txBody>
-      </p:sp>
+        </p:nvGraphicFramePr>
+        <p:xfrm>
+          <a:off x="1028700" y="2286000"/>
+          <a:ext cx="7200900" cy="3581400"/>
+        </p:xfrm>
+        <a:graphic>
+          <a:graphicData uri="http://schemas.openxmlformats.org/drawingml/2006/diagram">
+            <dgm:relIds xmlns:dgm="http://schemas.openxmlformats.org/drawingml/2006/diagram" xmlns:r="http://schemas.openxmlformats.org/officeDocument/2006/relationships" r:dm="rId2" r:lo="rId3" r:qs="rId4" r:cs="rId5"/>
+          </a:graphicData>
+        </a:graphic>
+      </p:graphicFrame>
     </p:spTree>
     <p:extLst>
       <p:ext uri="{BB962C8B-B14F-4D97-AF65-F5344CB8AC3E}">
-        <p14:creationId xmlns:p14="http://schemas.microsoft.com/office/powerpoint/2010/main" val="2038048837"/>
+        <p14:creationId xmlns:p14="http://schemas.microsoft.com/office/powerpoint/2010/main" val="539841936"/>
       </p:ext>
     </p:extLst>
   </p:cSld>
@@ -6153,34 +13569,40 @@
           <a:p>
             <a:r>
               <a:rPr lang="en-US" dirty="0"/>
-              <a:t>Results</a:t>
+              <a:t>Differential Expression</a:t>
             </a:r>
           </a:p>
         </p:txBody>
       </p:sp>
-      <p:sp>
-        <p:nvSpPr>
-          <p:cNvPr id="3" name="Content Placeholder 2"/>
-          <p:cNvSpPr>
-            <a:spLocks noGrp="1"/>
-          </p:cNvSpPr>
+      <p:graphicFrame>
+        <p:nvGraphicFramePr>
+          <p:cNvPr id="4" name="Content Placeholder 3"/>
+          <p:cNvGraphicFramePr>
+            <a:graphicFrameLocks noGrp="1"/>
+          </p:cNvGraphicFramePr>
           <p:nvPr>
             <p:ph idx="1"/>
+            <p:extLst>
+              <p:ext uri="{D42A27DB-BD31-4B8C-83A1-F6EECF244321}">
+                <p14:modId xmlns:p14="http://schemas.microsoft.com/office/powerpoint/2010/main" val="2280023539"/>
+              </p:ext>
+            </p:extLst>
           </p:nvPr>
-        </p:nvSpPr>
-        <p:spPr/>
-        <p:txBody>
-          <a:bodyPr/>
-          <a:lstStyle/>
-          <a:p>
-            <a:endParaRPr lang="en-US"/>
-          </a:p>
-        </p:txBody>
-      </p:sp>
+        </p:nvGraphicFramePr>
+        <p:xfrm>
+          <a:off x="1028700" y="2286000"/>
+          <a:ext cx="7200900" cy="3581400"/>
+        </p:xfrm>
+        <a:graphic>
+          <a:graphicData uri="http://schemas.openxmlformats.org/drawingml/2006/diagram">
+            <dgm:relIds xmlns:dgm="http://schemas.openxmlformats.org/drawingml/2006/diagram" xmlns:r="http://schemas.openxmlformats.org/officeDocument/2006/relationships" r:dm="rId2" r:lo="rId3" r:qs="rId4" r:cs="rId5"/>
+          </a:graphicData>
+        </a:graphic>
+      </p:graphicFrame>
     </p:spTree>
     <p:extLst>
       <p:ext uri="{BB962C8B-B14F-4D97-AF65-F5344CB8AC3E}">
-        <p14:creationId xmlns:p14="http://schemas.microsoft.com/office/powerpoint/2010/main" val="1965869171"/>
+        <p14:creationId xmlns:p14="http://schemas.microsoft.com/office/powerpoint/2010/main" val="380992816"/>
       </p:ext>
     </p:extLst>
   </p:cSld>

--- a/asparagus.pptx
+++ b/asparagus.pptx
@@ -5,7 +5,7 @@
     <p:sldMasterId id="2147483660" r:id="rId1"/>
   </p:sldMasterIdLst>
   <p:notesMasterIdLst>
-    <p:notesMasterId r:id="rId14"/>
+    <p:notesMasterId r:id="rId17"/>
   </p:notesMasterIdLst>
   <p:sldIdLst>
     <p:sldId id="256" r:id="rId2"/>
@@ -16,10 +16,13 @@
     <p:sldId id="261" r:id="rId7"/>
     <p:sldId id="262" r:id="rId8"/>
     <p:sldId id="266" r:id="rId9"/>
-    <p:sldId id="267" r:id="rId10"/>
-    <p:sldId id="263" r:id="rId11"/>
-    <p:sldId id="264" r:id="rId12"/>
-    <p:sldId id="265" r:id="rId13"/>
+    <p:sldId id="271" r:id="rId10"/>
+    <p:sldId id="267" r:id="rId11"/>
+    <p:sldId id="263" r:id="rId12"/>
+    <p:sldId id="264" r:id="rId13"/>
+    <p:sldId id="268" r:id="rId14"/>
+    <p:sldId id="270" r:id="rId15"/>
+    <p:sldId id="265" r:id="rId16"/>
   </p:sldIdLst>
   <p:sldSz cx="9144000" cy="6858000" type="screen4x3"/>
   <p:notesSz cx="6858000" cy="9144000"/>
@@ -2393,8 +2396,16 @@
         <a:lstStyle/>
         <a:p>
           <a:r>
+            <a:rPr lang="en-US" dirty="0" err="1" smtClean="0"/>
+            <a:t>Transcriptome</a:t>
+          </a:r>
+          <a:r>
+            <a:rPr lang="en-US" dirty="0" smtClean="0"/>
+            <a:t> </a:t>
+          </a:r>
+          <a:r>
             <a:rPr lang="en-US" dirty="0"/>
-            <a:t>Transcription profiling </a:t>
+            <a:t>profiling </a:t>
           </a:r>
         </a:p>
       </dgm:t>
@@ -2430,8 +2441,13 @@
         <a:p>
           <a:r>
             <a:rPr lang="en-US" dirty="0"/>
-            <a:t>Differential Expression</a:t>
+            <a:t>Differential </a:t>
           </a:r>
+          <a:r>
+            <a:rPr lang="en-US" dirty="0" smtClean="0"/>
+            <a:t>Expression analysis</a:t>
+          </a:r>
+          <a:endParaRPr lang="en-US" dirty="0"/>
         </a:p>
       </dgm:t>
     </dgm:pt>
@@ -2473,14 +2489,35 @@
         </dgm:presLayoutVars>
       </dgm:prSet>
       <dgm:spPr/>
+      <dgm:t>
+        <a:bodyPr/>
+        <a:lstStyle/>
+        <a:p>
+          <a:endParaRPr lang="en-US"/>
+        </a:p>
+      </dgm:t>
     </dgm:pt>
     <dgm:pt modelId="{88EDF64E-35BB-481B-B11A-F08915958068}" type="pres">
       <dgm:prSet presAssocID="{E892C2B4-4244-468D-917A-E776E4200961}" presName="sibTrans" presStyleLbl="sibTrans2D1" presStyleIdx="0" presStyleCnt="1"/>
       <dgm:spPr/>
+      <dgm:t>
+        <a:bodyPr/>
+        <a:lstStyle/>
+        <a:p>
+          <a:endParaRPr lang="en-US"/>
+        </a:p>
+      </dgm:t>
     </dgm:pt>
     <dgm:pt modelId="{F3C8F6A7-EE57-4CE9-92F3-C5249F31F420}" type="pres">
       <dgm:prSet presAssocID="{E892C2B4-4244-468D-917A-E776E4200961}" presName="connectorText" presStyleLbl="sibTrans2D1" presStyleIdx="0" presStyleCnt="1"/>
       <dgm:spPr/>
+      <dgm:t>
+        <a:bodyPr/>
+        <a:lstStyle/>
+        <a:p>
+          <a:endParaRPr lang="en-US"/>
+        </a:p>
+      </dgm:t>
     </dgm:pt>
     <dgm:pt modelId="{174F3DC6-92D1-46F3-BBD6-C834F6469487}" type="pres">
       <dgm:prSet presAssocID="{3E86D3FA-BD3A-4833-9766-85B4B2E840DF}" presName="node" presStyleLbl="node1" presStyleIdx="1" presStyleCnt="2">
@@ -2489,15 +2526,22 @@
         </dgm:presLayoutVars>
       </dgm:prSet>
       <dgm:spPr/>
+      <dgm:t>
+        <a:bodyPr/>
+        <a:lstStyle/>
+        <a:p>
+          <a:endParaRPr lang="en-US"/>
+        </a:p>
+      </dgm:t>
     </dgm:pt>
   </dgm:ptLst>
   <dgm:cxnLst>
+    <dgm:cxn modelId="{9E0E639D-96FB-47D6-8DEB-8B00A79422B3}" type="presOf" srcId="{3E86D3FA-BD3A-4833-9766-85B4B2E840DF}" destId="{174F3DC6-92D1-46F3-BBD6-C834F6469487}" srcOrd="0" destOrd="0" presId="urn:microsoft.com/office/officeart/2005/8/layout/process1"/>
     <dgm:cxn modelId="{9E6F7F14-4135-4F60-860B-7655A1108570}" srcId="{A4FB6818-573E-4991-A005-42B15E4FEEDD}" destId="{736A48E0-EC43-4A9C-82EE-30AD675D920C}" srcOrd="0" destOrd="0" parTransId="{22D1FA52-3ABA-4F59-92B3-AFA10294FA87}" sibTransId="{E892C2B4-4244-468D-917A-E776E4200961}"/>
+    <dgm:cxn modelId="{32DCE3DC-77B8-40E9-85DA-B0E3F73E85BB}" srcId="{A4FB6818-573E-4991-A005-42B15E4FEEDD}" destId="{3E86D3FA-BD3A-4833-9766-85B4B2E840DF}" srcOrd="1" destOrd="0" parTransId="{2789773C-B9FC-4A5D-AB68-6377848DB5E2}" sibTransId="{498237EE-6852-4997-9B5B-A68FB5C4395C}"/>
+    <dgm:cxn modelId="{8A4F10CD-899E-4AC4-B2AC-E07EBF2A8E50}" type="presOf" srcId="{A4FB6818-573E-4991-A005-42B15E4FEEDD}" destId="{8355E8D1-6496-4487-99C7-F78F64E5E014}" srcOrd="0" destOrd="0" presId="urn:microsoft.com/office/officeart/2005/8/layout/process1"/>
+    <dgm:cxn modelId="{C822B73D-56CB-4EE4-8FD7-6892AA40C1EA}" type="presOf" srcId="{736A48E0-EC43-4A9C-82EE-30AD675D920C}" destId="{C25D3B41-4AF6-4031-87A8-0A10E9FCA369}" srcOrd="0" destOrd="0" presId="urn:microsoft.com/office/officeart/2005/8/layout/process1"/>
     <dgm:cxn modelId="{41E9F1C2-9A15-46F5-A5F6-76786FB5C851}" type="presOf" srcId="{E892C2B4-4244-468D-917A-E776E4200961}" destId="{F3C8F6A7-EE57-4CE9-92F3-C5249F31F420}" srcOrd="1" destOrd="0" presId="urn:microsoft.com/office/officeart/2005/8/layout/process1"/>
-    <dgm:cxn modelId="{C822B73D-56CB-4EE4-8FD7-6892AA40C1EA}" type="presOf" srcId="{736A48E0-EC43-4A9C-82EE-30AD675D920C}" destId="{C25D3B41-4AF6-4031-87A8-0A10E9FCA369}" srcOrd="0" destOrd="0" presId="urn:microsoft.com/office/officeart/2005/8/layout/process1"/>
-    <dgm:cxn modelId="{9E0E639D-96FB-47D6-8DEB-8B00A79422B3}" type="presOf" srcId="{3E86D3FA-BD3A-4833-9766-85B4B2E840DF}" destId="{174F3DC6-92D1-46F3-BBD6-C834F6469487}" srcOrd="0" destOrd="0" presId="urn:microsoft.com/office/officeart/2005/8/layout/process1"/>
-    <dgm:cxn modelId="{8A4F10CD-899E-4AC4-B2AC-E07EBF2A8E50}" type="presOf" srcId="{A4FB6818-573E-4991-A005-42B15E4FEEDD}" destId="{8355E8D1-6496-4487-99C7-F78F64E5E014}" srcOrd="0" destOrd="0" presId="urn:microsoft.com/office/officeart/2005/8/layout/process1"/>
-    <dgm:cxn modelId="{32DCE3DC-77B8-40E9-85DA-B0E3F73E85BB}" srcId="{A4FB6818-573E-4991-A005-42B15E4FEEDD}" destId="{3E86D3FA-BD3A-4833-9766-85B4B2E840DF}" srcOrd="1" destOrd="0" parTransId="{2789773C-B9FC-4A5D-AB68-6377848DB5E2}" sibTransId="{498237EE-6852-4997-9B5B-A68FB5C4395C}"/>
     <dgm:cxn modelId="{6273B2C8-F46A-44DD-8B68-85C669D233F9}" type="presOf" srcId="{E892C2B4-4244-468D-917A-E776E4200961}" destId="{88EDF64E-35BB-481B-B11A-F08915958068}" srcOrd="0" destOrd="0" presId="urn:microsoft.com/office/officeart/2005/8/layout/process1"/>
     <dgm:cxn modelId="{4B260333-BDB4-4EBF-AFE6-87E0D75AE238}" type="presParOf" srcId="{8355E8D1-6496-4487-99C7-F78F64E5E014}" destId="{C25D3B41-4AF6-4031-87A8-0A10E9FCA369}" srcOrd="0" destOrd="0" presId="urn:microsoft.com/office/officeart/2005/8/layout/process1"/>
     <dgm:cxn modelId="{5B852A6E-4280-4D28-A0AC-880CD145A56A}" type="presParOf" srcId="{8355E8D1-6496-4487-99C7-F78F64E5E014}" destId="{88EDF64E-35BB-481B-B11A-F08915958068}" srcOrd="1" destOrd="0" presId="urn:microsoft.com/office/officeart/2005/8/layout/process1"/>
@@ -2518,79 +2562,164 @@
 <dgm:dataModel xmlns:dgm="http://schemas.openxmlformats.org/drawingml/2006/diagram" xmlns:a="http://schemas.openxmlformats.org/drawingml/2006/main">
   <dgm:ptLst>
     <dgm:pt modelId="{B51D5227-CD8A-4A6C-9B8B-B8F90F209FFD}" type="doc">
-      <dgm:prSet loTypeId="urn:microsoft.com/office/officeart/2005/8/layout/process1" loCatId="process" qsTypeId="urn:microsoft.com/office/officeart/2005/8/quickstyle/simple1" qsCatId="simple" csTypeId="urn:microsoft.com/office/officeart/2005/8/colors/accent1_2" csCatId="accent1" phldr="0"/>
+      <dgm:prSet loTypeId="urn:microsoft.com/office/officeart/2005/8/layout/process1" loCatId="process" qsTypeId="urn:microsoft.com/office/officeart/2005/8/quickstyle/simple1" qsCatId="simple" csTypeId="urn:microsoft.com/office/officeart/2005/8/colors/accent1_2" csCatId="accent1" phldr="1"/>
       <dgm:spPr/>
     </dgm:pt>
     <dgm:pt modelId="{BF9479A6-8E44-468C-865C-A5AF6CB9B728}">
-      <dgm:prSet phldrT="[Text]" phldr="1"/>
+      <dgm:prSet phldrT="[Text]" custT="1"/>
       <dgm:spPr/>
       <dgm:t>
         <a:bodyPr/>
         <a:lstStyle/>
         <a:p>
-          <a:endParaRPr lang="en-US"/>
+          <a:r>
+            <a:rPr lang="en-US" sz="2000" noProof="0" dirty="0" smtClean="0"/>
+            <a:t>Quality assessment</a:t>
+          </a:r>
+          <a:endParaRPr lang="en-US" sz="2000" noProof="0" dirty="0"/>
         </a:p>
       </dgm:t>
     </dgm:pt>
     <dgm:pt modelId="{7AEB2F86-7C19-4AED-AE42-D9456F73BD75}" type="parTrans" cxnId="{D788F2CE-FCA9-4CE9-854D-0374B10FB1DE}">
       <dgm:prSet/>
       <dgm:spPr/>
+      <dgm:t>
+        <a:bodyPr/>
+        <a:lstStyle/>
+        <a:p>
+          <a:endParaRPr lang="en-US" sz="2000"/>
+        </a:p>
+      </dgm:t>
     </dgm:pt>
     <dgm:pt modelId="{652A2CBE-7EEC-43CF-9E13-4590DEBC9582}" type="sibTrans" cxnId="{D788F2CE-FCA9-4CE9-854D-0374B10FB1DE}">
+      <dgm:prSet custT="1"/>
+      <dgm:spPr/>
+      <dgm:t>
+        <a:bodyPr/>
+        <a:lstStyle/>
+        <a:p>
+          <a:endParaRPr lang="en-US" sz="2000"/>
+        </a:p>
+      </dgm:t>
+    </dgm:pt>
+    <dgm:pt modelId="{BF1D83B5-B3DF-493F-A256-78F574499C76}">
+      <dgm:prSet phldrT="[Text]" custT="1"/>
+      <dgm:spPr/>
+      <dgm:t>
+        <a:bodyPr/>
+        <a:lstStyle/>
+        <a:p>
+          <a:r>
+            <a:rPr lang="en-US" sz="2000" noProof="0" dirty="0" smtClean="0"/>
+            <a:t>Trimming reads</a:t>
+          </a:r>
+          <a:endParaRPr lang="en-US" sz="2000" noProof="0" dirty="0"/>
+        </a:p>
+      </dgm:t>
+    </dgm:pt>
+    <dgm:pt modelId="{825F469F-E5E7-4227-AD16-80587CE29A33}" type="parTrans" cxnId="{D483075D-9C1C-419A-A0B1-69B8E1AB81CE}">
       <dgm:prSet/>
       <dgm:spPr/>
       <dgm:t>
         <a:bodyPr/>
         <a:lstStyle/>
         <a:p>
-          <a:endParaRPr lang="en-US"/>
+          <a:endParaRPr lang="en-US" sz="2000"/>
         </a:p>
       </dgm:t>
     </dgm:pt>
-    <dgm:pt modelId="{BF1D83B5-B3DF-493F-A256-78F574499C76}">
-      <dgm:prSet phldrT="[Text]" phldr="1"/>
+    <dgm:pt modelId="{C3C10AC9-1ADB-403C-A703-3E7E7FA57BF8}" type="sibTrans" cxnId="{D483075D-9C1C-419A-A0B1-69B8E1AB81CE}">
+      <dgm:prSet custT="1"/>
       <dgm:spPr/>
       <dgm:t>
         <a:bodyPr/>
         <a:lstStyle/>
         <a:p>
-          <a:endParaRPr lang="en-US"/>
+          <a:endParaRPr lang="en-US" sz="2000"/>
         </a:p>
       </dgm:t>
     </dgm:pt>
-    <dgm:pt modelId="{825F469F-E5E7-4227-AD16-80587CE29A33}" type="parTrans" cxnId="{D483075D-9C1C-419A-A0B1-69B8E1AB81CE}">
-      <dgm:prSet/>
+    <dgm:pt modelId="{9943014D-8C6E-463D-A613-48F23D4519B7}">
+      <dgm:prSet phldrT="[Text]" custT="1"/>
       <dgm:spPr/>
+      <dgm:t>
+        <a:bodyPr/>
+        <a:lstStyle/>
+        <a:p>
+          <a:r>
+            <a:rPr lang="en-US" sz="2000" noProof="0" dirty="0" smtClean="0"/>
+            <a:t>Alignment</a:t>
+          </a:r>
+          <a:endParaRPr lang="en-US" sz="2000" noProof="0" dirty="0"/>
+        </a:p>
+      </dgm:t>
     </dgm:pt>
-    <dgm:pt modelId="{C3C10AC9-1ADB-403C-A703-3E7E7FA57BF8}" type="sibTrans" cxnId="{D483075D-9C1C-419A-A0B1-69B8E1AB81CE}">
+    <dgm:pt modelId="{EA722D84-3D12-4C9F-92C7-287E01409804}" type="parTrans" cxnId="{AB8509D1-5396-4647-92ED-BFC225D3CE5B}">
       <dgm:prSet/>
       <dgm:spPr/>
       <dgm:t>
         <a:bodyPr/>
         <a:lstStyle/>
         <a:p>
-          <a:endParaRPr lang="en-US"/>
+          <a:endParaRPr lang="en-US" sz="2000"/>
         </a:p>
       </dgm:t>
     </dgm:pt>
-    <dgm:pt modelId="{9943014D-8C6E-463D-A613-48F23D4519B7}">
-      <dgm:prSet phldrT="[Text]" phldr="1"/>
+    <dgm:pt modelId="{E1FFF456-3F57-4AA5-801E-995CE96CAF64}" type="sibTrans" cxnId="{AB8509D1-5396-4647-92ED-BFC225D3CE5B}">
+      <dgm:prSet custT="1"/>
       <dgm:spPr/>
       <dgm:t>
         <a:bodyPr/>
         <a:lstStyle/>
         <a:p>
-          <a:endParaRPr lang="en-US"/>
+          <a:endParaRPr lang="en-US" sz="2000"/>
         </a:p>
       </dgm:t>
     </dgm:pt>
-    <dgm:pt modelId="{EA722D84-3D12-4C9F-92C7-287E01409804}" type="parTrans" cxnId="{AB8509D1-5396-4647-92ED-BFC225D3CE5B}">
+    <dgm:pt modelId="{727CD113-AE2A-4DE5-BC4F-9A72EB55259C}">
+      <dgm:prSet phldrT="[Text]" custT="1"/>
+      <dgm:spPr/>
+      <dgm:t>
+        <a:bodyPr/>
+        <a:lstStyle/>
+        <a:p>
+          <a:r>
+            <a:rPr lang="en-US" sz="2000" noProof="0" dirty="0" smtClean="0"/>
+            <a:t>Expression</a:t>
+          </a:r>
+          <a:r>
+            <a:rPr lang="es-ES" sz="2000" dirty="0" smtClean="0"/>
+            <a:t> </a:t>
+          </a:r>
+          <a:r>
+            <a:rPr lang="en-US" sz="2000" noProof="0" dirty="0" smtClean="0"/>
+            <a:t>counting calculation</a:t>
+          </a:r>
+          <a:endParaRPr lang="en-US" sz="2000" noProof="0" dirty="0"/>
+        </a:p>
+      </dgm:t>
+    </dgm:pt>
+    <dgm:pt modelId="{85FD5930-820A-4ECE-AD41-416B82BCAA08}" type="parTrans" cxnId="{2E0CBE54-9787-40E4-99D7-3F30550F1B91}">
       <dgm:prSet/>
       <dgm:spPr/>
+      <dgm:t>
+        <a:bodyPr/>
+        <a:lstStyle/>
+        <a:p>
+          <a:endParaRPr lang="en-US" sz="2000"/>
+        </a:p>
+      </dgm:t>
     </dgm:pt>
-    <dgm:pt modelId="{E1FFF456-3F57-4AA5-801E-995CE96CAF64}" type="sibTrans" cxnId="{AB8509D1-5396-4647-92ED-BFC225D3CE5B}">
+    <dgm:pt modelId="{9B988E74-03A2-46F3-9C91-A75E7FE2468F}" type="sibTrans" cxnId="{2E0CBE54-9787-40E4-99D7-3F30550F1B91}">
       <dgm:prSet/>
       <dgm:spPr/>
+      <dgm:t>
+        <a:bodyPr/>
+        <a:lstStyle/>
+        <a:p>
+          <a:endParaRPr lang="en-US" sz="2000"/>
+        </a:p>
+      </dgm:t>
     </dgm:pt>
     <dgm:pt modelId="{346A8D5E-6DAC-49DF-B417-A9A1ACDC38CD}" type="pres">
       <dgm:prSet presAssocID="{B51D5227-CD8A-4A6C-9B8B-B8F90F209FFD}" presName="Name0" presStyleCnt="0">
@@ -2602,58 +2731,134 @@
       <dgm:spPr/>
     </dgm:pt>
     <dgm:pt modelId="{C6C5D930-BF4B-4826-8EF5-9713E075F297}" type="pres">
-      <dgm:prSet presAssocID="{BF9479A6-8E44-468C-865C-A5AF6CB9B728}" presName="node" presStyleLbl="node1" presStyleIdx="0" presStyleCnt="3">
+      <dgm:prSet presAssocID="{BF9479A6-8E44-468C-865C-A5AF6CB9B728}" presName="node" presStyleLbl="node1" presStyleIdx="0" presStyleCnt="4">
         <dgm:presLayoutVars>
           <dgm:bulletEnabled val="1"/>
         </dgm:presLayoutVars>
       </dgm:prSet>
       <dgm:spPr/>
+      <dgm:t>
+        <a:bodyPr/>
+        <a:lstStyle/>
+        <a:p>
+          <a:endParaRPr lang="en-US"/>
+        </a:p>
+      </dgm:t>
     </dgm:pt>
     <dgm:pt modelId="{F743BBA3-F85A-4955-B22D-74C8A453CDA2}" type="pres">
-      <dgm:prSet presAssocID="{652A2CBE-7EEC-43CF-9E13-4590DEBC9582}" presName="sibTrans" presStyleLbl="sibTrans2D1" presStyleIdx="0" presStyleCnt="2"/>
+      <dgm:prSet presAssocID="{652A2CBE-7EEC-43CF-9E13-4590DEBC9582}" presName="sibTrans" presStyleLbl="sibTrans2D1" presStyleIdx="0" presStyleCnt="3"/>
       <dgm:spPr/>
+      <dgm:t>
+        <a:bodyPr/>
+        <a:lstStyle/>
+        <a:p>
+          <a:endParaRPr lang="en-US"/>
+        </a:p>
+      </dgm:t>
     </dgm:pt>
     <dgm:pt modelId="{8B8B4377-0697-45FC-A640-F2CE0A54A7DA}" type="pres">
-      <dgm:prSet presAssocID="{652A2CBE-7EEC-43CF-9E13-4590DEBC9582}" presName="connectorText" presStyleLbl="sibTrans2D1" presStyleIdx="0" presStyleCnt="2"/>
+      <dgm:prSet presAssocID="{652A2CBE-7EEC-43CF-9E13-4590DEBC9582}" presName="connectorText" presStyleLbl="sibTrans2D1" presStyleIdx="0" presStyleCnt="3"/>
       <dgm:spPr/>
+      <dgm:t>
+        <a:bodyPr/>
+        <a:lstStyle/>
+        <a:p>
+          <a:endParaRPr lang="en-US"/>
+        </a:p>
+      </dgm:t>
     </dgm:pt>
     <dgm:pt modelId="{34C7BCB3-04DB-45C7-9A42-320BFF7BC6DD}" type="pres">
-      <dgm:prSet presAssocID="{BF1D83B5-B3DF-493F-A256-78F574499C76}" presName="node" presStyleLbl="node1" presStyleIdx="1" presStyleCnt="3">
+      <dgm:prSet presAssocID="{BF1D83B5-B3DF-493F-A256-78F574499C76}" presName="node" presStyleLbl="node1" presStyleIdx="1" presStyleCnt="4">
         <dgm:presLayoutVars>
           <dgm:bulletEnabled val="1"/>
         </dgm:presLayoutVars>
       </dgm:prSet>
       <dgm:spPr/>
+      <dgm:t>
+        <a:bodyPr/>
+        <a:lstStyle/>
+        <a:p>
+          <a:endParaRPr lang="en-US"/>
+        </a:p>
+      </dgm:t>
     </dgm:pt>
     <dgm:pt modelId="{9C101147-473E-42D2-A0E5-5ABF38B50C73}" type="pres">
-      <dgm:prSet presAssocID="{C3C10AC9-1ADB-403C-A703-3E7E7FA57BF8}" presName="sibTrans" presStyleLbl="sibTrans2D1" presStyleIdx="1" presStyleCnt="2"/>
+      <dgm:prSet presAssocID="{C3C10AC9-1ADB-403C-A703-3E7E7FA57BF8}" presName="sibTrans" presStyleLbl="sibTrans2D1" presStyleIdx="1" presStyleCnt="3"/>
       <dgm:spPr/>
+      <dgm:t>
+        <a:bodyPr/>
+        <a:lstStyle/>
+        <a:p>
+          <a:endParaRPr lang="en-US"/>
+        </a:p>
+      </dgm:t>
     </dgm:pt>
     <dgm:pt modelId="{8DC65580-354A-49B6-A367-B6A9A3244483}" type="pres">
-      <dgm:prSet presAssocID="{C3C10AC9-1ADB-403C-A703-3E7E7FA57BF8}" presName="connectorText" presStyleLbl="sibTrans2D1" presStyleIdx="1" presStyleCnt="2"/>
+      <dgm:prSet presAssocID="{C3C10AC9-1ADB-403C-A703-3E7E7FA57BF8}" presName="connectorText" presStyleLbl="sibTrans2D1" presStyleIdx="1" presStyleCnt="3"/>
       <dgm:spPr/>
+      <dgm:t>
+        <a:bodyPr/>
+        <a:lstStyle/>
+        <a:p>
+          <a:endParaRPr lang="en-US"/>
+        </a:p>
+      </dgm:t>
     </dgm:pt>
     <dgm:pt modelId="{732646D0-614E-4567-8EB3-FE5BADE041C4}" type="pres">
-      <dgm:prSet presAssocID="{9943014D-8C6E-463D-A613-48F23D4519B7}" presName="node" presStyleLbl="node1" presStyleIdx="2" presStyleCnt="3">
+      <dgm:prSet presAssocID="{9943014D-8C6E-463D-A613-48F23D4519B7}" presName="node" presStyleLbl="node1" presStyleIdx="2" presStyleCnt="4">
         <dgm:presLayoutVars>
           <dgm:bulletEnabled val="1"/>
         </dgm:presLayoutVars>
       </dgm:prSet>
       <dgm:spPr/>
+      <dgm:t>
+        <a:bodyPr/>
+        <a:lstStyle/>
+        <a:p>
+          <a:endParaRPr lang="en-US"/>
+        </a:p>
+      </dgm:t>
+    </dgm:pt>
+    <dgm:pt modelId="{C450CEE9-1A94-4A67-8B6D-B4519DBA50F0}" type="pres">
+      <dgm:prSet presAssocID="{E1FFF456-3F57-4AA5-801E-995CE96CAF64}" presName="sibTrans" presStyleLbl="sibTrans2D1" presStyleIdx="2" presStyleCnt="3"/>
+      <dgm:spPr/>
+    </dgm:pt>
+    <dgm:pt modelId="{42481493-BF49-4D21-914E-E49B566E00C1}" type="pres">
+      <dgm:prSet presAssocID="{E1FFF456-3F57-4AA5-801E-995CE96CAF64}" presName="connectorText" presStyleLbl="sibTrans2D1" presStyleIdx="2" presStyleCnt="3"/>
+      <dgm:spPr/>
+    </dgm:pt>
+    <dgm:pt modelId="{E1A97CE5-89F8-4DCF-B4DC-A0ABABE32E9B}" type="pres">
+      <dgm:prSet presAssocID="{727CD113-AE2A-4DE5-BC4F-9A72EB55259C}" presName="node" presStyleLbl="node1" presStyleIdx="3" presStyleCnt="4">
+        <dgm:presLayoutVars>
+          <dgm:bulletEnabled val="1"/>
+        </dgm:presLayoutVars>
+      </dgm:prSet>
+      <dgm:spPr/>
+      <dgm:t>
+        <a:bodyPr/>
+        <a:lstStyle/>
+        <a:p>
+          <a:endParaRPr lang="en-US"/>
+        </a:p>
+      </dgm:t>
     </dgm:pt>
   </dgm:ptLst>
   <dgm:cxnLst>
-    <dgm:cxn modelId="{AB8509D1-5396-4647-92ED-BFC225D3CE5B}" srcId="{B51D5227-CD8A-4A6C-9B8B-B8F90F209FFD}" destId="{9943014D-8C6E-463D-A613-48F23D4519B7}" srcOrd="2" destOrd="0" parTransId="{EA722D84-3D12-4C9F-92C7-287E01409804}" sibTransId="{E1FFF456-3F57-4AA5-801E-995CE96CAF64}"/>
+    <dgm:cxn modelId="{6E98B86E-EB32-49D1-9D49-04F2D3A1797C}" type="presOf" srcId="{BF9479A6-8E44-468C-865C-A5AF6CB9B728}" destId="{C6C5D930-BF4B-4826-8EF5-9713E075F297}" srcOrd="0" destOrd="0" presId="urn:microsoft.com/office/officeart/2005/8/layout/process1"/>
+    <dgm:cxn modelId="{10710FDA-9FC6-4E26-9650-77012A4ECD69}" type="presOf" srcId="{BF1D83B5-B3DF-493F-A256-78F574499C76}" destId="{34C7BCB3-04DB-45C7-9A42-320BFF7BC6DD}" srcOrd="0" destOrd="0" presId="urn:microsoft.com/office/officeart/2005/8/layout/process1"/>
+    <dgm:cxn modelId="{4C69A28B-0934-4989-9BBD-73C967167B2D}" type="presOf" srcId="{B51D5227-CD8A-4A6C-9B8B-B8F90F209FFD}" destId="{346A8D5E-6DAC-49DF-B417-A9A1ACDC38CD}" srcOrd="0" destOrd="0" presId="urn:microsoft.com/office/officeart/2005/8/layout/process1"/>
+    <dgm:cxn modelId="{9158C5C2-11FB-43E8-A674-137303ADBD32}" type="presOf" srcId="{E1FFF456-3F57-4AA5-801E-995CE96CAF64}" destId="{C450CEE9-1A94-4A67-8B6D-B4519DBA50F0}" srcOrd="0" destOrd="0" presId="urn:microsoft.com/office/officeart/2005/8/layout/process1"/>
     <dgm:cxn modelId="{D788F2CE-FCA9-4CE9-854D-0374B10FB1DE}" srcId="{B51D5227-CD8A-4A6C-9B8B-B8F90F209FFD}" destId="{BF9479A6-8E44-468C-865C-A5AF6CB9B728}" srcOrd="0" destOrd="0" parTransId="{7AEB2F86-7C19-4AED-AE42-D9456F73BD75}" sibTransId="{652A2CBE-7EEC-43CF-9E13-4590DEBC9582}"/>
-    <dgm:cxn modelId="{4C69A28B-0934-4989-9BBD-73C967167B2D}" type="presOf" srcId="{B51D5227-CD8A-4A6C-9B8B-B8F90F209FFD}" destId="{346A8D5E-6DAC-49DF-B417-A9A1ACDC38CD}" srcOrd="0" destOrd="0" presId="urn:microsoft.com/office/officeart/2005/8/layout/process1"/>
     <dgm:cxn modelId="{F7FF024C-B249-443F-AB18-DDD868EF7310}" type="presOf" srcId="{C3C10AC9-1ADB-403C-A703-3E7E7FA57BF8}" destId="{8DC65580-354A-49B6-A367-B6A9A3244483}" srcOrd="1" destOrd="0" presId="urn:microsoft.com/office/officeart/2005/8/layout/process1"/>
     <dgm:cxn modelId="{3BEA7B11-69F6-4F8D-9050-310BE84730BC}" type="presOf" srcId="{652A2CBE-7EEC-43CF-9E13-4590DEBC9582}" destId="{F743BBA3-F85A-4955-B22D-74C8A453CDA2}" srcOrd="0" destOrd="0" presId="urn:microsoft.com/office/officeart/2005/8/layout/process1"/>
+    <dgm:cxn modelId="{7F0E42AB-AC08-4F6B-B175-97515724429D}" type="presOf" srcId="{9943014D-8C6E-463D-A613-48F23D4519B7}" destId="{732646D0-614E-4567-8EB3-FE5BADE041C4}" srcOrd="0" destOrd="0" presId="urn:microsoft.com/office/officeart/2005/8/layout/process1"/>
+    <dgm:cxn modelId="{AB8509D1-5396-4647-92ED-BFC225D3CE5B}" srcId="{B51D5227-CD8A-4A6C-9B8B-B8F90F209FFD}" destId="{9943014D-8C6E-463D-A613-48F23D4519B7}" srcOrd="2" destOrd="0" parTransId="{EA722D84-3D12-4C9F-92C7-287E01409804}" sibTransId="{E1FFF456-3F57-4AA5-801E-995CE96CAF64}"/>
+    <dgm:cxn modelId="{5B953AEF-E5D9-4A2E-B1D5-81A926517769}" type="presOf" srcId="{652A2CBE-7EEC-43CF-9E13-4590DEBC9582}" destId="{8B8B4377-0697-45FC-A640-F2CE0A54A7DA}" srcOrd="1" destOrd="0" presId="urn:microsoft.com/office/officeart/2005/8/layout/process1"/>
     <dgm:cxn modelId="{D483075D-9C1C-419A-A0B1-69B8E1AB81CE}" srcId="{B51D5227-CD8A-4A6C-9B8B-B8F90F209FFD}" destId="{BF1D83B5-B3DF-493F-A256-78F574499C76}" srcOrd="1" destOrd="0" parTransId="{825F469F-E5E7-4227-AD16-80587CE29A33}" sibTransId="{C3C10AC9-1ADB-403C-A703-3E7E7FA57BF8}"/>
-    <dgm:cxn modelId="{7F0E42AB-AC08-4F6B-B175-97515724429D}" type="presOf" srcId="{9943014D-8C6E-463D-A613-48F23D4519B7}" destId="{732646D0-614E-4567-8EB3-FE5BADE041C4}" srcOrd="0" destOrd="0" presId="urn:microsoft.com/office/officeart/2005/8/layout/process1"/>
-    <dgm:cxn modelId="{6E98B86E-EB32-49D1-9D49-04F2D3A1797C}" type="presOf" srcId="{BF9479A6-8E44-468C-865C-A5AF6CB9B728}" destId="{C6C5D930-BF4B-4826-8EF5-9713E075F297}" srcOrd="0" destOrd="0" presId="urn:microsoft.com/office/officeart/2005/8/layout/process1"/>
+    <dgm:cxn modelId="{BA6E218F-1B49-40F6-AD3C-A061D2CFEE28}" type="presOf" srcId="{727CD113-AE2A-4DE5-BC4F-9A72EB55259C}" destId="{E1A97CE5-89F8-4DCF-B4DC-A0ABABE32E9B}" srcOrd="0" destOrd="0" presId="urn:microsoft.com/office/officeart/2005/8/layout/process1"/>
     <dgm:cxn modelId="{63C212A9-7E88-4104-A098-249ADECF52B6}" type="presOf" srcId="{C3C10AC9-1ADB-403C-A703-3E7E7FA57BF8}" destId="{9C101147-473E-42D2-A0E5-5ABF38B50C73}" srcOrd="0" destOrd="0" presId="urn:microsoft.com/office/officeart/2005/8/layout/process1"/>
-    <dgm:cxn modelId="{5B953AEF-E5D9-4A2E-B1D5-81A926517769}" type="presOf" srcId="{652A2CBE-7EEC-43CF-9E13-4590DEBC9582}" destId="{8B8B4377-0697-45FC-A640-F2CE0A54A7DA}" srcOrd="1" destOrd="0" presId="urn:microsoft.com/office/officeart/2005/8/layout/process1"/>
-    <dgm:cxn modelId="{10710FDA-9FC6-4E26-9650-77012A4ECD69}" type="presOf" srcId="{BF1D83B5-B3DF-493F-A256-78F574499C76}" destId="{34C7BCB3-04DB-45C7-9A42-320BFF7BC6DD}" srcOrd="0" destOrd="0" presId="urn:microsoft.com/office/officeart/2005/8/layout/process1"/>
+    <dgm:cxn modelId="{2E0CBE54-9787-40E4-99D7-3F30550F1B91}" srcId="{B51D5227-CD8A-4A6C-9B8B-B8F90F209FFD}" destId="{727CD113-AE2A-4DE5-BC4F-9A72EB55259C}" srcOrd="3" destOrd="0" parTransId="{85FD5930-820A-4ECE-AD41-416B82BCAA08}" sibTransId="{9B988E74-03A2-46F3-9C91-A75E7FE2468F}"/>
+    <dgm:cxn modelId="{AEC80795-DAB2-4DA3-977F-47AA1CC331C6}" type="presOf" srcId="{E1FFF456-3F57-4AA5-801E-995CE96CAF64}" destId="{42481493-BF49-4D21-914E-E49B566E00C1}" srcOrd="1" destOrd="0" presId="urn:microsoft.com/office/officeart/2005/8/layout/process1"/>
     <dgm:cxn modelId="{F6C77133-5720-4D53-B315-81B807A8088A}" type="presParOf" srcId="{346A8D5E-6DAC-49DF-B417-A9A1ACDC38CD}" destId="{C6C5D930-BF4B-4826-8EF5-9713E075F297}" srcOrd="0" destOrd="0" presId="urn:microsoft.com/office/officeart/2005/8/layout/process1"/>
     <dgm:cxn modelId="{7D1B7CEB-059E-4BEA-8E28-3A384A2DBB98}" type="presParOf" srcId="{346A8D5E-6DAC-49DF-B417-A9A1ACDC38CD}" destId="{F743BBA3-F85A-4955-B22D-74C8A453CDA2}" srcOrd="1" destOrd="0" presId="urn:microsoft.com/office/officeart/2005/8/layout/process1"/>
     <dgm:cxn modelId="{1C4221C7-F568-4A76-A1F9-7E64BC8D7BDF}" type="presParOf" srcId="{F743BBA3-F85A-4955-B22D-74C8A453CDA2}" destId="{8B8B4377-0697-45FC-A640-F2CE0A54A7DA}" srcOrd="0" destOrd="0" presId="urn:microsoft.com/office/officeart/2005/8/layout/process1"/>
@@ -2661,6 +2866,9 @@
     <dgm:cxn modelId="{E2D43EC2-23A1-4F03-A91F-6A004DF4A479}" type="presParOf" srcId="{346A8D5E-6DAC-49DF-B417-A9A1ACDC38CD}" destId="{9C101147-473E-42D2-A0E5-5ABF38B50C73}" srcOrd="3" destOrd="0" presId="urn:microsoft.com/office/officeart/2005/8/layout/process1"/>
     <dgm:cxn modelId="{B9421473-B810-4C87-B1E0-7A9CC9532102}" type="presParOf" srcId="{9C101147-473E-42D2-A0E5-5ABF38B50C73}" destId="{8DC65580-354A-49B6-A367-B6A9A3244483}" srcOrd="0" destOrd="0" presId="urn:microsoft.com/office/officeart/2005/8/layout/process1"/>
     <dgm:cxn modelId="{0E3FCF05-24E0-49E2-A4B2-73DC89146F19}" type="presParOf" srcId="{346A8D5E-6DAC-49DF-B417-A9A1ACDC38CD}" destId="{732646D0-614E-4567-8EB3-FE5BADE041C4}" srcOrd="4" destOrd="0" presId="urn:microsoft.com/office/officeart/2005/8/layout/process1"/>
+    <dgm:cxn modelId="{BF04BC68-8573-422F-BFFF-F4056D2552BA}" type="presParOf" srcId="{346A8D5E-6DAC-49DF-B417-A9A1ACDC38CD}" destId="{C450CEE9-1A94-4A67-8B6D-B4519DBA50F0}" srcOrd="5" destOrd="0" presId="urn:microsoft.com/office/officeart/2005/8/layout/process1"/>
+    <dgm:cxn modelId="{9B398DD2-3461-46E5-84AA-A5FD6C837B5B}" type="presParOf" srcId="{C450CEE9-1A94-4A67-8B6D-B4519DBA50F0}" destId="{42481493-BF49-4D21-914E-E49B566E00C1}" srcOrd="0" destOrd="0" presId="urn:microsoft.com/office/officeart/2005/8/layout/process1"/>
+    <dgm:cxn modelId="{42CB4098-9043-4277-AF4B-B12DBA482034}" type="presParOf" srcId="{346A8D5E-6DAC-49DF-B417-A9A1ACDC38CD}" destId="{E1A97CE5-89F8-4DCF-B4DC-A0ABABE32E9B}" srcOrd="6" destOrd="0" presId="urn:microsoft.com/office/officeart/2005/8/layout/process1"/>
   </dgm:cxnLst>
   <dgm:bg/>
   <dgm:whole/>
@@ -2794,14 +3002,35 @@
         </dgm:presLayoutVars>
       </dgm:prSet>
       <dgm:spPr/>
+      <dgm:t>
+        <a:bodyPr/>
+        <a:lstStyle/>
+        <a:p>
+          <a:endParaRPr lang="en-US"/>
+        </a:p>
+      </dgm:t>
     </dgm:pt>
     <dgm:pt modelId="{9AA0144C-5539-4436-A2D7-D0076484B6A5}" type="pres">
       <dgm:prSet presAssocID="{A6F7AF0B-D6F3-4BB2-BED8-D145641246F0}" presName="sibTrans" presStyleLbl="sibTrans2D1" presStyleIdx="0" presStyleCnt="2"/>
       <dgm:spPr/>
+      <dgm:t>
+        <a:bodyPr/>
+        <a:lstStyle/>
+        <a:p>
+          <a:endParaRPr lang="en-US"/>
+        </a:p>
+      </dgm:t>
     </dgm:pt>
     <dgm:pt modelId="{BA7124CE-A91E-4278-A8B8-483BD1B9EB53}" type="pres">
       <dgm:prSet presAssocID="{A6F7AF0B-D6F3-4BB2-BED8-D145641246F0}" presName="connectorText" presStyleLbl="sibTrans2D1" presStyleIdx="0" presStyleCnt="2"/>
       <dgm:spPr/>
+      <dgm:t>
+        <a:bodyPr/>
+        <a:lstStyle/>
+        <a:p>
+          <a:endParaRPr lang="en-US"/>
+        </a:p>
+      </dgm:t>
     </dgm:pt>
     <dgm:pt modelId="{0144F23B-66FF-470D-9DB2-78780C3993C3}" type="pres">
       <dgm:prSet presAssocID="{8B4163E0-D9A4-4F25-8F85-638ACD032F1C}" presName="node" presStyleLbl="node1" presStyleIdx="1" presStyleCnt="3">
@@ -2810,14 +3039,35 @@
         </dgm:presLayoutVars>
       </dgm:prSet>
       <dgm:spPr/>
+      <dgm:t>
+        <a:bodyPr/>
+        <a:lstStyle/>
+        <a:p>
+          <a:endParaRPr lang="en-US"/>
+        </a:p>
+      </dgm:t>
     </dgm:pt>
     <dgm:pt modelId="{F5AFDAF3-FFE6-4092-BA54-9FDC13D578EC}" type="pres">
       <dgm:prSet presAssocID="{9F45A1D7-F201-46B9-810B-C95E71227969}" presName="sibTrans" presStyleLbl="sibTrans2D1" presStyleIdx="1" presStyleCnt="2"/>
       <dgm:spPr/>
+      <dgm:t>
+        <a:bodyPr/>
+        <a:lstStyle/>
+        <a:p>
+          <a:endParaRPr lang="en-US"/>
+        </a:p>
+      </dgm:t>
     </dgm:pt>
     <dgm:pt modelId="{4C66682C-450F-4FAE-A7DE-B012CE089624}" type="pres">
       <dgm:prSet presAssocID="{9F45A1D7-F201-46B9-810B-C95E71227969}" presName="connectorText" presStyleLbl="sibTrans2D1" presStyleIdx="1" presStyleCnt="2"/>
       <dgm:spPr/>
+      <dgm:t>
+        <a:bodyPr/>
+        <a:lstStyle/>
+        <a:p>
+          <a:endParaRPr lang="en-US"/>
+        </a:p>
+      </dgm:t>
     </dgm:pt>
     <dgm:pt modelId="{3432B14F-3020-44AB-9D24-EA53FC004441}" type="pres">
       <dgm:prSet presAssocID="{15C71DBD-6CA2-4C8D-B38F-1E72A180A62A}" presName="node" presStyleLbl="node1" presStyleIdx="2" presStyleCnt="3">
@@ -2826,20 +3076,27 @@
         </dgm:presLayoutVars>
       </dgm:prSet>
       <dgm:spPr/>
+      <dgm:t>
+        <a:bodyPr/>
+        <a:lstStyle/>
+        <a:p>
+          <a:endParaRPr lang="en-US"/>
+        </a:p>
+      </dgm:t>
     </dgm:pt>
   </dgm:ptLst>
   <dgm:cxnLst>
-    <dgm:cxn modelId="{52008798-1E82-423C-B095-31E38F34BAF2}" type="presOf" srcId="{84936F8B-A588-4A51-BF05-6584529BCEF1}" destId="{2B4487BF-4BC9-4009-AA01-1957E7F46C56}" srcOrd="0" destOrd="0" presId="urn:microsoft.com/office/officeart/2005/8/layout/process1"/>
-    <dgm:cxn modelId="{014C0F53-3E91-498D-B065-FAFA852C7FE7}" type="presOf" srcId="{A6F7AF0B-D6F3-4BB2-BED8-D145641246F0}" destId="{9AA0144C-5539-4436-A2D7-D0076484B6A5}" srcOrd="0" destOrd="0" presId="urn:microsoft.com/office/officeart/2005/8/layout/process1"/>
-    <dgm:cxn modelId="{AB5814CD-3D70-4F39-B122-8112FD37FE9C}" srcId="{00957F53-1F0D-445C-BFD5-C49B852980A0}" destId="{84936F8B-A588-4A51-BF05-6584529BCEF1}" srcOrd="0" destOrd="0" parTransId="{ADEC294F-A759-4A35-BE73-25CDDEC515CF}" sibTransId="{A6F7AF0B-D6F3-4BB2-BED8-D145641246F0}"/>
-    <dgm:cxn modelId="{D10A512B-A455-40A4-8FEB-DF069E95B1A0}" type="presOf" srcId="{A6F7AF0B-D6F3-4BB2-BED8-D145641246F0}" destId="{BA7124CE-A91E-4278-A8B8-483BD1B9EB53}" srcOrd="1" destOrd="0" presId="urn:microsoft.com/office/officeart/2005/8/layout/process1"/>
-    <dgm:cxn modelId="{0A0465EC-31CB-425D-9369-9A9CA2146C82}" type="presOf" srcId="{8B4163E0-D9A4-4F25-8F85-638ACD032F1C}" destId="{0144F23B-66FF-470D-9DB2-78780C3993C3}" srcOrd="0" destOrd="0" presId="urn:microsoft.com/office/officeart/2005/8/layout/process1"/>
-    <dgm:cxn modelId="{6DBFC9B8-0D58-4344-8598-6C407072F97D}" srcId="{00957F53-1F0D-445C-BFD5-C49B852980A0}" destId="{15C71DBD-6CA2-4C8D-B38F-1E72A180A62A}" srcOrd="2" destOrd="0" parTransId="{58049BC8-B7FA-4046-947D-D2B7D2F8693E}" sibTransId="{1EB820B4-7178-44A1-9B6F-FE43C5A80BB8}"/>
-    <dgm:cxn modelId="{9AFD9671-D7C0-4C69-B8D0-AC381A14490D}" srcId="{00957F53-1F0D-445C-BFD5-C49B852980A0}" destId="{8B4163E0-D9A4-4F25-8F85-638ACD032F1C}" srcOrd="1" destOrd="0" parTransId="{46DAF746-7ACC-4723-84D3-403250A6033E}" sibTransId="{9F45A1D7-F201-46B9-810B-C95E71227969}"/>
     <dgm:cxn modelId="{9F4246BE-2605-4D90-8D17-7BD00E7A1E6B}" type="presOf" srcId="{9F45A1D7-F201-46B9-810B-C95E71227969}" destId="{4C66682C-450F-4FAE-A7DE-B012CE089624}" srcOrd="1" destOrd="0" presId="urn:microsoft.com/office/officeart/2005/8/layout/process1"/>
     <dgm:cxn modelId="{0E28FE6B-DF69-4F6A-88F9-34BA818D9573}" type="presOf" srcId="{9F45A1D7-F201-46B9-810B-C95E71227969}" destId="{F5AFDAF3-FFE6-4092-BA54-9FDC13D578EC}" srcOrd="0" destOrd="0" presId="urn:microsoft.com/office/officeart/2005/8/layout/process1"/>
+    <dgm:cxn modelId="{0A0465EC-31CB-425D-9369-9A9CA2146C82}" type="presOf" srcId="{8B4163E0-D9A4-4F25-8F85-638ACD032F1C}" destId="{0144F23B-66FF-470D-9DB2-78780C3993C3}" srcOrd="0" destOrd="0" presId="urn:microsoft.com/office/officeart/2005/8/layout/process1"/>
+    <dgm:cxn modelId="{D10A512B-A455-40A4-8FEB-DF069E95B1A0}" type="presOf" srcId="{A6F7AF0B-D6F3-4BB2-BED8-D145641246F0}" destId="{BA7124CE-A91E-4278-A8B8-483BD1B9EB53}" srcOrd="1" destOrd="0" presId="urn:microsoft.com/office/officeart/2005/8/layout/process1"/>
+    <dgm:cxn modelId="{9AFD9671-D7C0-4C69-B8D0-AC381A14490D}" srcId="{00957F53-1F0D-445C-BFD5-C49B852980A0}" destId="{8B4163E0-D9A4-4F25-8F85-638ACD032F1C}" srcOrd="1" destOrd="0" parTransId="{46DAF746-7ACC-4723-84D3-403250A6033E}" sibTransId="{9F45A1D7-F201-46B9-810B-C95E71227969}"/>
+    <dgm:cxn modelId="{AB5814CD-3D70-4F39-B122-8112FD37FE9C}" srcId="{00957F53-1F0D-445C-BFD5-C49B852980A0}" destId="{84936F8B-A588-4A51-BF05-6584529BCEF1}" srcOrd="0" destOrd="0" parTransId="{ADEC294F-A759-4A35-BE73-25CDDEC515CF}" sibTransId="{A6F7AF0B-D6F3-4BB2-BED8-D145641246F0}"/>
+    <dgm:cxn modelId="{014C0F53-3E91-498D-B065-FAFA852C7FE7}" type="presOf" srcId="{A6F7AF0B-D6F3-4BB2-BED8-D145641246F0}" destId="{9AA0144C-5539-4436-A2D7-D0076484B6A5}" srcOrd="0" destOrd="0" presId="urn:microsoft.com/office/officeart/2005/8/layout/process1"/>
+    <dgm:cxn modelId="{C16769DF-C7B8-4592-8218-BAA63E002388}" type="presOf" srcId="{15C71DBD-6CA2-4C8D-B38F-1E72A180A62A}" destId="{3432B14F-3020-44AB-9D24-EA53FC004441}" srcOrd="0" destOrd="0" presId="urn:microsoft.com/office/officeart/2005/8/layout/process1"/>
+    <dgm:cxn modelId="{6DBFC9B8-0D58-4344-8598-6C407072F97D}" srcId="{00957F53-1F0D-445C-BFD5-C49B852980A0}" destId="{15C71DBD-6CA2-4C8D-B38F-1E72A180A62A}" srcOrd="2" destOrd="0" parTransId="{58049BC8-B7FA-4046-947D-D2B7D2F8693E}" sibTransId="{1EB820B4-7178-44A1-9B6F-FE43C5A80BB8}"/>
+    <dgm:cxn modelId="{52008798-1E82-423C-B095-31E38F34BAF2}" type="presOf" srcId="{84936F8B-A588-4A51-BF05-6584529BCEF1}" destId="{2B4487BF-4BC9-4009-AA01-1957E7F46C56}" srcOrd="0" destOrd="0" presId="urn:microsoft.com/office/officeart/2005/8/layout/process1"/>
     <dgm:cxn modelId="{13714D42-70C7-4831-A1EC-1416C8DA1A19}" type="presOf" srcId="{00957F53-1F0D-445C-BFD5-C49B852980A0}" destId="{C7DA0DEC-49B3-4EFE-9EE9-D662C7357334}" srcOrd="0" destOrd="0" presId="urn:microsoft.com/office/officeart/2005/8/layout/process1"/>
-    <dgm:cxn modelId="{C16769DF-C7B8-4592-8218-BAA63E002388}" type="presOf" srcId="{15C71DBD-6CA2-4C8D-B38F-1E72A180A62A}" destId="{3432B14F-3020-44AB-9D24-EA53FC004441}" srcOrd="0" destOrd="0" presId="urn:microsoft.com/office/officeart/2005/8/layout/process1"/>
     <dgm:cxn modelId="{CB41F5F5-4F84-4F3E-855F-EE4A2C6110C9}" type="presParOf" srcId="{C7DA0DEC-49B3-4EFE-9EE9-D662C7357334}" destId="{2B4487BF-4BC9-4009-AA01-1957E7F46C56}" srcOrd="0" destOrd="0" presId="urn:microsoft.com/office/officeart/2005/8/layout/process1"/>
     <dgm:cxn modelId="{467173D0-6CD4-411E-91F2-429491DE79ED}" type="presParOf" srcId="{C7DA0DEC-49B3-4EFE-9EE9-D662C7357334}" destId="{9AA0144C-5539-4436-A2D7-D0076484B6A5}" srcOrd="1" destOrd="0" presId="urn:microsoft.com/office/officeart/2005/8/layout/process1"/>
     <dgm:cxn modelId="{E30CBA76-A4B4-42BA-AEC6-80E40E3AFFAE}" type="presParOf" srcId="{9AA0144C-5539-4436-A2D7-D0076484B6A5}" destId="{BA7124CE-A91E-4278-A8B8-483BD1B9EB53}" srcOrd="0" destOrd="0" presId="urn:microsoft.com/office/officeart/2005/8/layout/process1"/>
@@ -2917,12 +3174,12 @@
         </a:fontRef>
       </dsp:style>
       <dsp:txBody>
-        <a:bodyPr spcFirstLastPara="0" vert="horz" wrap="square" lIns="140970" tIns="140970" rIns="140970" bIns="140970" numCol="1" spcCol="1270" anchor="ctr" anchorCtr="0">
+        <a:bodyPr spcFirstLastPara="0" vert="horz" wrap="square" lIns="129540" tIns="129540" rIns="129540" bIns="129540" numCol="1" spcCol="1270" anchor="ctr" anchorCtr="0">
           <a:noAutofit/>
         </a:bodyPr>
         <a:lstStyle/>
         <a:p>
-          <a:pPr marL="0" lvl="0" indent="0" algn="ctr" defTabSz="1644650">
+          <a:pPr lvl="0" algn="ctr" defTabSz="1511300">
             <a:lnSpc>
               <a:spcPct val="90000"/>
             </a:lnSpc>
@@ -2932,11 +3189,18 @@
             <a:spcAft>
               <a:spcPct val="35000"/>
             </a:spcAft>
-            <a:buNone/>
           </a:pPr>
           <a:r>
-            <a:rPr lang="en-US" sz="3700" kern="1200" dirty="0"/>
-            <a:t>Transcription profiling </a:t>
+            <a:rPr lang="en-US" sz="3400" kern="1200" dirty="0" err="1" smtClean="0"/>
+            <a:t>Transcriptome</a:t>
+          </a:r>
+          <a:r>
+            <a:rPr lang="en-US" sz="3400" kern="1200" dirty="0" smtClean="0"/>
+            <a:t> </a:t>
+          </a:r>
+          <a:r>
+            <a:rPr lang="en-US" sz="3400" kern="1200" dirty="0"/>
+            <a:t>profiling </a:t>
           </a:r>
         </a:p>
       </dsp:txBody>
@@ -2995,7 +3259,7 @@
         </a:bodyPr>
         <a:lstStyle/>
         <a:p>
-          <a:pPr marL="0" lvl="0" indent="0" algn="ctr" defTabSz="1333500">
+          <a:pPr lvl="0" algn="ctr" defTabSz="1200150">
             <a:lnSpc>
               <a:spcPct val="90000"/>
             </a:lnSpc>
@@ -3005,9 +3269,8 @@
             <a:spcAft>
               <a:spcPct val="35000"/>
             </a:spcAft>
-            <a:buNone/>
           </a:pPr>
-          <a:endParaRPr lang="en-US" sz="3000" kern="1200"/>
+          <a:endParaRPr lang="en-US" sz="2700" kern="1200"/>
         </a:p>
       </dsp:txBody>
       <dsp:txXfrm>
@@ -3066,12 +3329,12 @@
         </a:fontRef>
       </dsp:style>
       <dsp:txBody>
-        <a:bodyPr spcFirstLastPara="0" vert="horz" wrap="square" lIns="140970" tIns="140970" rIns="140970" bIns="140970" numCol="1" spcCol="1270" anchor="ctr" anchorCtr="0">
+        <a:bodyPr spcFirstLastPara="0" vert="horz" wrap="square" lIns="129540" tIns="129540" rIns="129540" bIns="129540" numCol="1" spcCol="1270" anchor="ctr" anchorCtr="0">
           <a:noAutofit/>
         </a:bodyPr>
         <a:lstStyle/>
         <a:p>
-          <a:pPr marL="0" lvl="0" indent="0" algn="ctr" defTabSz="1644650">
+          <a:pPr lvl="0" algn="ctr" defTabSz="1511300">
             <a:lnSpc>
               <a:spcPct val="90000"/>
             </a:lnSpc>
@@ -3081,12 +3344,16 @@
             <a:spcAft>
               <a:spcPct val="35000"/>
             </a:spcAft>
-            <a:buNone/>
           </a:pPr>
           <a:r>
-            <a:rPr lang="en-US" sz="3700" kern="1200" dirty="0"/>
-            <a:t>Differential Expression</a:t>
+            <a:rPr lang="en-US" sz="3400" kern="1200" dirty="0"/>
+            <a:t>Differential </a:t>
           </a:r>
+          <a:r>
+            <a:rPr lang="en-US" sz="3400" kern="1200" dirty="0" smtClean="0"/>
+            <a:t>Expression analysis</a:t>
+          </a:r>
+          <a:endParaRPr lang="en-US" sz="3400" kern="1200" dirty="0"/>
         </a:p>
       </dsp:txBody>
       <dsp:txXfrm>
@@ -3113,8 +3380,8 @@
       </dsp:nvSpPr>
       <dsp:spPr>
         <a:xfrm>
-          <a:off x="6328" y="1223207"/>
-          <a:ext cx="1891642" cy="1134985"/>
+          <a:off x="3566" y="136066"/>
+          <a:ext cx="1559262" cy="1023266"/>
         </a:xfrm>
         <a:prstGeom prst="roundRect">
           <a:avLst>
@@ -3157,12 +3424,12 @@
         </a:fontRef>
       </dsp:style>
       <dsp:txBody>
-        <a:bodyPr spcFirstLastPara="0" vert="horz" wrap="square" lIns="190500" tIns="190500" rIns="190500" bIns="190500" numCol="1" spcCol="1270" anchor="ctr" anchorCtr="0">
+        <a:bodyPr spcFirstLastPara="0" vert="horz" wrap="square" lIns="76200" tIns="76200" rIns="76200" bIns="76200" numCol="1" spcCol="1270" anchor="ctr" anchorCtr="0">
           <a:noAutofit/>
         </a:bodyPr>
         <a:lstStyle/>
         <a:p>
-          <a:pPr marL="0" lvl="0" indent="0" algn="ctr" defTabSz="2222500">
+          <a:pPr lvl="0" algn="ctr" defTabSz="889000">
             <a:lnSpc>
               <a:spcPct val="90000"/>
             </a:lnSpc>
@@ -3172,14 +3439,17 @@
             <a:spcAft>
               <a:spcPct val="35000"/>
             </a:spcAft>
-            <a:buNone/>
           </a:pPr>
-          <a:endParaRPr lang="en-US" sz="5000" kern="1200"/>
+          <a:r>
+            <a:rPr lang="en-US" sz="2000" kern="1200" noProof="0" dirty="0" smtClean="0"/>
+            <a:t>Quality assessment</a:t>
+          </a:r>
+          <a:endParaRPr lang="en-US" sz="2000" kern="1200" noProof="0" dirty="0"/>
         </a:p>
       </dsp:txBody>
       <dsp:txXfrm>
-        <a:off x="39571" y="1256450"/>
-        <a:ext cx="1825156" cy="1068499"/>
+        <a:off x="33536" y="166036"/>
+        <a:ext cx="1499322" cy="963326"/>
       </dsp:txXfrm>
     </dsp:sp>
     <dsp:sp modelId="{F743BBA3-F85A-4955-B22D-74C8A453CDA2}">
@@ -3189,8 +3459,8 @@
       </dsp:nvSpPr>
       <dsp:spPr>
         <a:xfrm>
-          <a:off x="2087135" y="1556136"/>
-          <a:ext cx="401028" cy="469127"/>
+          <a:off x="1718755" y="454350"/>
+          <a:ext cx="330563" cy="386697"/>
         </a:xfrm>
         <a:prstGeom prst="rightArrow">
           <a:avLst>
@@ -3232,7 +3502,7 @@
         </a:bodyPr>
         <a:lstStyle/>
         <a:p>
-          <a:pPr marL="0" lvl="0" indent="0" algn="ctr" defTabSz="933450">
+          <a:pPr lvl="0" algn="ctr" defTabSz="889000">
             <a:lnSpc>
               <a:spcPct val="90000"/>
             </a:lnSpc>
@@ -3242,14 +3512,13 @@
             <a:spcAft>
               <a:spcPct val="35000"/>
             </a:spcAft>
-            <a:buNone/>
           </a:pPr>
-          <a:endParaRPr lang="en-US" sz="2100" kern="1200"/>
+          <a:endParaRPr lang="en-US" sz="2000" kern="1200"/>
         </a:p>
       </dsp:txBody>
       <dsp:txXfrm>
-        <a:off x="2087135" y="1649961"/>
-        <a:ext cx="280720" cy="281477"/>
+        <a:off x="1718755" y="531689"/>
+        <a:ext cx="231394" cy="232019"/>
       </dsp:txXfrm>
     </dsp:sp>
     <dsp:sp modelId="{34C7BCB3-04DB-45C7-9A42-320BFF7BC6DD}">
@@ -3259,8 +3528,8 @@
       </dsp:nvSpPr>
       <dsp:spPr>
         <a:xfrm>
-          <a:off x="2654628" y="1223207"/>
-          <a:ext cx="1891642" cy="1134985"/>
+          <a:off x="2186534" y="136066"/>
+          <a:ext cx="1559262" cy="1023266"/>
         </a:xfrm>
         <a:prstGeom prst="roundRect">
           <a:avLst>
@@ -3303,12 +3572,12 @@
         </a:fontRef>
       </dsp:style>
       <dsp:txBody>
-        <a:bodyPr spcFirstLastPara="0" vert="horz" wrap="square" lIns="190500" tIns="190500" rIns="190500" bIns="190500" numCol="1" spcCol="1270" anchor="ctr" anchorCtr="0">
+        <a:bodyPr spcFirstLastPara="0" vert="horz" wrap="square" lIns="76200" tIns="76200" rIns="76200" bIns="76200" numCol="1" spcCol="1270" anchor="ctr" anchorCtr="0">
           <a:noAutofit/>
         </a:bodyPr>
         <a:lstStyle/>
         <a:p>
-          <a:pPr marL="0" lvl="0" indent="0" algn="ctr" defTabSz="2222500">
+          <a:pPr lvl="0" algn="ctr" defTabSz="889000">
             <a:lnSpc>
               <a:spcPct val="90000"/>
             </a:lnSpc>
@@ -3318,14 +3587,17 @@
             <a:spcAft>
               <a:spcPct val="35000"/>
             </a:spcAft>
-            <a:buNone/>
           </a:pPr>
-          <a:endParaRPr lang="en-US" sz="5000" kern="1200"/>
+          <a:r>
+            <a:rPr lang="en-US" sz="2000" kern="1200" noProof="0" dirty="0" smtClean="0"/>
+            <a:t>Trimming reads</a:t>
+          </a:r>
+          <a:endParaRPr lang="en-US" sz="2000" kern="1200" noProof="0" dirty="0"/>
         </a:p>
       </dsp:txBody>
       <dsp:txXfrm>
-        <a:off x="2687871" y="1256450"/>
-        <a:ext cx="1825156" cy="1068499"/>
+        <a:off x="2216504" y="166036"/>
+        <a:ext cx="1499322" cy="963326"/>
       </dsp:txXfrm>
     </dsp:sp>
     <dsp:sp modelId="{9C101147-473E-42D2-A0E5-5ABF38B50C73}">
@@ -3335,8 +3607,8 @@
       </dsp:nvSpPr>
       <dsp:spPr>
         <a:xfrm>
-          <a:off x="4735435" y="1556136"/>
-          <a:ext cx="401028" cy="469127"/>
+          <a:off x="3901723" y="454350"/>
+          <a:ext cx="330563" cy="386697"/>
         </a:xfrm>
         <a:prstGeom prst="rightArrow">
           <a:avLst>
@@ -3378,7 +3650,7 @@
         </a:bodyPr>
         <a:lstStyle/>
         <a:p>
-          <a:pPr marL="0" lvl="0" indent="0" algn="ctr" defTabSz="933450">
+          <a:pPr lvl="0" algn="ctr" defTabSz="889000">
             <a:lnSpc>
               <a:spcPct val="90000"/>
             </a:lnSpc>
@@ -3388,14 +3660,13 @@
             <a:spcAft>
               <a:spcPct val="35000"/>
             </a:spcAft>
-            <a:buNone/>
           </a:pPr>
-          <a:endParaRPr lang="en-US" sz="2100" kern="1200"/>
+          <a:endParaRPr lang="en-US" sz="2000" kern="1200"/>
         </a:p>
       </dsp:txBody>
       <dsp:txXfrm>
-        <a:off x="4735435" y="1649961"/>
-        <a:ext cx="280720" cy="281477"/>
+        <a:off x="3901723" y="531689"/>
+        <a:ext cx="231394" cy="232019"/>
       </dsp:txXfrm>
     </dsp:sp>
     <dsp:sp modelId="{732646D0-614E-4567-8EB3-FE5BADE041C4}">
@@ -3405,8 +3676,8 @@
       </dsp:nvSpPr>
       <dsp:spPr>
         <a:xfrm>
-          <a:off x="5302928" y="1223207"/>
-          <a:ext cx="1891642" cy="1134985"/>
+          <a:off x="4369502" y="136066"/>
+          <a:ext cx="1559262" cy="1023266"/>
         </a:xfrm>
         <a:prstGeom prst="roundRect">
           <a:avLst>
@@ -3449,12 +3720,12 @@
         </a:fontRef>
       </dsp:style>
       <dsp:txBody>
-        <a:bodyPr spcFirstLastPara="0" vert="horz" wrap="square" lIns="190500" tIns="190500" rIns="190500" bIns="190500" numCol="1" spcCol="1270" anchor="ctr" anchorCtr="0">
+        <a:bodyPr spcFirstLastPara="0" vert="horz" wrap="square" lIns="76200" tIns="76200" rIns="76200" bIns="76200" numCol="1" spcCol="1270" anchor="ctr" anchorCtr="0">
           <a:noAutofit/>
         </a:bodyPr>
         <a:lstStyle/>
         <a:p>
-          <a:pPr marL="0" lvl="0" indent="0" algn="ctr" defTabSz="2222500">
+          <a:pPr lvl="0" algn="ctr" defTabSz="889000">
             <a:lnSpc>
               <a:spcPct val="90000"/>
             </a:lnSpc>
@@ -3464,14 +3735,173 @@
             <a:spcAft>
               <a:spcPct val="35000"/>
             </a:spcAft>
-            <a:buNone/>
           </a:pPr>
-          <a:endParaRPr lang="en-US" sz="5000" kern="1200"/>
+          <a:r>
+            <a:rPr lang="en-US" sz="2000" kern="1200" noProof="0" dirty="0" smtClean="0"/>
+            <a:t>Alignment</a:t>
+          </a:r>
+          <a:endParaRPr lang="en-US" sz="2000" kern="1200" noProof="0" dirty="0"/>
         </a:p>
       </dsp:txBody>
       <dsp:txXfrm>
-        <a:off x="5336171" y="1256450"/>
-        <a:ext cx="1825156" cy="1068499"/>
+        <a:off x="4399472" y="166036"/>
+        <a:ext cx="1499322" cy="963326"/>
+      </dsp:txXfrm>
+    </dsp:sp>
+    <dsp:sp modelId="{C450CEE9-1A94-4A67-8B6D-B4519DBA50F0}">
+      <dsp:nvSpPr>
+        <dsp:cNvPr id="0" name=""/>
+        <dsp:cNvSpPr/>
+      </dsp:nvSpPr>
+      <dsp:spPr>
+        <a:xfrm>
+          <a:off x="6084691" y="454350"/>
+          <a:ext cx="330563" cy="386697"/>
+        </a:xfrm>
+        <a:prstGeom prst="rightArrow">
+          <a:avLst>
+            <a:gd name="adj1" fmla="val 60000"/>
+            <a:gd name="adj2" fmla="val 50000"/>
+          </a:avLst>
+        </a:prstGeom>
+        <a:solidFill>
+          <a:schemeClr val="accent1">
+            <a:tint val="60000"/>
+            <a:hueOff val="0"/>
+            <a:satOff val="0"/>
+            <a:lumOff val="0"/>
+            <a:alphaOff val="0"/>
+          </a:schemeClr>
+        </a:solidFill>
+        <a:ln>
+          <a:noFill/>
+        </a:ln>
+        <a:effectLst/>
+      </dsp:spPr>
+      <dsp:style>
+        <a:lnRef idx="0">
+          <a:scrgbClr r="0" g="0" b="0"/>
+        </a:lnRef>
+        <a:fillRef idx="1">
+          <a:scrgbClr r="0" g="0" b="0"/>
+        </a:fillRef>
+        <a:effectRef idx="0">
+          <a:scrgbClr r="0" g="0" b="0"/>
+        </a:effectRef>
+        <a:fontRef idx="minor">
+          <a:schemeClr val="lt1"/>
+        </a:fontRef>
+      </dsp:style>
+      <dsp:txBody>
+        <a:bodyPr spcFirstLastPara="0" vert="horz" wrap="square" lIns="0" tIns="0" rIns="0" bIns="0" numCol="1" spcCol="1270" anchor="ctr" anchorCtr="0">
+          <a:noAutofit/>
+        </a:bodyPr>
+        <a:lstStyle/>
+        <a:p>
+          <a:pPr lvl="0" algn="ctr" defTabSz="889000">
+            <a:lnSpc>
+              <a:spcPct val="90000"/>
+            </a:lnSpc>
+            <a:spcBef>
+              <a:spcPct val="0"/>
+            </a:spcBef>
+            <a:spcAft>
+              <a:spcPct val="35000"/>
+            </a:spcAft>
+          </a:pPr>
+          <a:endParaRPr lang="en-US" sz="2000" kern="1200"/>
+        </a:p>
+      </dsp:txBody>
+      <dsp:txXfrm>
+        <a:off x="6084691" y="531689"/>
+        <a:ext cx="231394" cy="232019"/>
+      </dsp:txXfrm>
+    </dsp:sp>
+    <dsp:sp modelId="{E1A97CE5-89F8-4DCF-B4DC-A0ABABE32E9B}">
+      <dsp:nvSpPr>
+        <dsp:cNvPr id="0" name=""/>
+        <dsp:cNvSpPr/>
+      </dsp:nvSpPr>
+      <dsp:spPr>
+        <a:xfrm>
+          <a:off x="6552470" y="136066"/>
+          <a:ext cx="1559262" cy="1023266"/>
+        </a:xfrm>
+        <a:prstGeom prst="roundRect">
+          <a:avLst>
+            <a:gd name="adj" fmla="val 10000"/>
+          </a:avLst>
+        </a:prstGeom>
+        <a:solidFill>
+          <a:schemeClr val="accent1">
+            <a:hueOff val="0"/>
+            <a:satOff val="0"/>
+            <a:lumOff val="0"/>
+            <a:alphaOff val="0"/>
+          </a:schemeClr>
+        </a:solidFill>
+        <a:ln w="34925" cap="flat" cmpd="sng" algn="in">
+          <a:solidFill>
+            <a:schemeClr val="lt1">
+              <a:hueOff val="0"/>
+              <a:satOff val="0"/>
+              <a:lumOff val="0"/>
+              <a:alphaOff val="0"/>
+            </a:schemeClr>
+          </a:solidFill>
+          <a:prstDash val="solid"/>
+        </a:ln>
+        <a:effectLst/>
+      </dsp:spPr>
+      <dsp:style>
+        <a:lnRef idx="2">
+          <a:scrgbClr r="0" g="0" b="0"/>
+        </a:lnRef>
+        <a:fillRef idx="1">
+          <a:scrgbClr r="0" g="0" b="0"/>
+        </a:fillRef>
+        <a:effectRef idx="0">
+          <a:scrgbClr r="0" g="0" b="0"/>
+        </a:effectRef>
+        <a:fontRef idx="minor">
+          <a:schemeClr val="lt1"/>
+        </a:fontRef>
+      </dsp:style>
+      <dsp:txBody>
+        <a:bodyPr spcFirstLastPara="0" vert="horz" wrap="square" lIns="76200" tIns="76200" rIns="76200" bIns="76200" numCol="1" spcCol="1270" anchor="ctr" anchorCtr="0">
+          <a:noAutofit/>
+        </a:bodyPr>
+        <a:lstStyle/>
+        <a:p>
+          <a:pPr lvl="0" algn="ctr" defTabSz="889000">
+            <a:lnSpc>
+              <a:spcPct val="90000"/>
+            </a:lnSpc>
+            <a:spcBef>
+              <a:spcPct val="0"/>
+            </a:spcBef>
+            <a:spcAft>
+              <a:spcPct val="35000"/>
+            </a:spcAft>
+          </a:pPr>
+          <a:r>
+            <a:rPr lang="en-US" sz="2000" kern="1200" noProof="0" dirty="0" smtClean="0"/>
+            <a:t>Expression</a:t>
+          </a:r>
+          <a:r>
+            <a:rPr lang="es-ES" sz="2000" kern="1200" dirty="0" smtClean="0"/>
+            <a:t> </a:t>
+          </a:r>
+          <a:r>
+            <a:rPr lang="en-US" sz="2000" kern="1200" noProof="0" dirty="0" smtClean="0"/>
+            <a:t>counting calculation</a:t>
+          </a:r>
+          <a:endParaRPr lang="en-US" sz="2000" kern="1200" noProof="0" dirty="0"/>
+        </a:p>
+      </dsp:txBody>
+      <dsp:txXfrm>
+        <a:off x="6582440" y="166036"/>
+        <a:ext cx="1499322" cy="963326"/>
       </dsp:txXfrm>
     </dsp:sp>
   </dsp:spTree>
@@ -3542,7 +3972,7 @@
         </a:bodyPr>
         <a:lstStyle/>
         <a:p>
-          <a:pPr marL="0" lvl="0" indent="0" algn="ctr" defTabSz="2222500">
+          <a:pPr lvl="0" algn="ctr" defTabSz="2222500">
             <a:lnSpc>
               <a:spcPct val="90000"/>
             </a:lnSpc>
@@ -3552,7 +3982,6 @@
             <a:spcAft>
               <a:spcPct val="35000"/>
             </a:spcAft>
-            <a:buNone/>
           </a:pPr>
           <a:endParaRPr lang="en-US" sz="5000" kern="1200"/>
         </a:p>
@@ -3612,7 +4041,7 @@
         </a:bodyPr>
         <a:lstStyle/>
         <a:p>
-          <a:pPr marL="0" lvl="0" indent="0" algn="ctr" defTabSz="933450">
+          <a:pPr lvl="0" algn="ctr" defTabSz="933450">
             <a:lnSpc>
               <a:spcPct val="90000"/>
             </a:lnSpc>
@@ -3622,7 +4051,6 @@
             <a:spcAft>
               <a:spcPct val="35000"/>
             </a:spcAft>
-            <a:buNone/>
           </a:pPr>
           <a:endParaRPr lang="en-US" sz="2100" kern="1200"/>
         </a:p>
@@ -3688,7 +4116,7 @@
         </a:bodyPr>
         <a:lstStyle/>
         <a:p>
-          <a:pPr marL="0" lvl="0" indent="0" algn="ctr" defTabSz="2222500">
+          <a:pPr lvl="0" algn="ctr" defTabSz="2222500">
             <a:lnSpc>
               <a:spcPct val="90000"/>
             </a:lnSpc>
@@ -3698,7 +4126,6 @@
             <a:spcAft>
               <a:spcPct val="35000"/>
             </a:spcAft>
-            <a:buNone/>
           </a:pPr>
           <a:endParaRPr lang="en-US" sz="5000" kern="1200"/>
         </a:p>
@@ -3758,7 +4185,7 @@
         </a:bodyPr>
         <a:lstStyle/>
         <a:p>
-          <a:pPr marL="0" lvl="0" indent="0" algn="ctr" defTabSz="933450">
+          <a:pPr lvl="0" algn="ctr" defTabSz="933450">
             <a:lnSpc>
               <a:spcPct val="90000"/>
             </a:lnSpc>
@@ -3768,7 +4195,6 @@
             <a:spcAft>
               <a:spcPct val="35000"/>
             </a:spcAft>
-            <a:buNone/>
           </a:pPr>
           <a:endParaRPr lang="en-US" sz="2100" kern="1200"/>
         </a:p>
@@ -3834,7 +4260,7 @@
         </a:bodyPr>
         <a:lstStyle/>
         <a:p>
-          <a:pPr marL="0" lvl="0" indent="0" algn="ctr" defTabSz="2222500">
+          <a:pPr lvl="0" algn="ctr" defTabSz="2222500">
             <a:lnSpc>
               <a:spcPct val="90000"/>
             </a:lnSpc>
@@ -3844,7 +4270,6 @@
             <a:spcAft>
               <a:spcPct val="35000"/>
             </a:spcAft>
-            <a:buNone/>
           </a:pPr>
           <a:endParaRPr lang="en-US" sz="5000" kern="1200"/>
         </a:p>
@@ -7638,7 +8063,7 @@
           <a:p>
             <a:fld id="{F2F879E2-5852-44F1-8CAE-5E978482BEF5}" type="slidenum">
               <a:rPr lang="en-US" smtClean="0"/>
-              <a:t>‹#›</a:t>
+              <a:t>‹Nº›</a:t>
             </a:fld>
             <a:endParaRPr lang="en-US"/>
           </a:p>
@@ -8438,7 +8863,7 @@
           <a:p>
             <a:fld id="{B5E014E3-A4EE-484A-A75D-BE16B10F8A2C}" type="slidenum">
               <a:rPr lang="en-US" smtClean="0"/>
-              <a:t>‹#›</a:t>
+              <a:t>‹Nº›</a:t>
             </a:fld>
             <a:endParaRPr lang="en-US"/>
           </a:p>
@@ -8742,7 +9167,7 @@
           <a:p>
             <a:fld id="{B5E014E3-A4EE-484A-A75D-BE16B10F8A2C}" type="slidenum">
               <a:rPr lang="en-US" smtClean="0"/>
-              <a:t>‹#›</a:t>
+              <a:t>‹Nº›</a:t>
             </a:fld>
             <a:endParaRPr lang="en-US"/>
           </a:p>
@@ -8922,7 +9347,7 @@
           <a:p>
             <a:fld id="{B5E014E3-A4EE-484A-A75D-BE16B10F8A2C}" type="slidenum">
               <a:rPr lang="en-US" smtClean="0"/>
-              <a:t>‹#›</a:t>
+              <a:t>‹Nº›</a:t>
             </a:fld>
             <a:endParaRPr lang="en-US"/>
           </a:p>
@@ -9092,7 +9517,7 @@
           <a:p>
             <a:fld id="{B5E014E3-A4EE-484A-A75D-BE16B10F8A2C}" type="slidenum">
               <a:rPr lang="en-US" smtClean="0"/>
-              <a:t>‹#›</a:t>
+              <a:t>‹Nº›</a:t>
             </a:fld>
             <a:endParaRPr lang="en-US"/>
           </a:p>
@@ -9395,7 +9820,7 @@
           <a:p>
             <a:fld id="{B5E014E3-A4EE-484A-A75D-BE16B10F8A2C}" type="slidenum">
               <a:rPr lang="en-US" smtClean="0"/>
-              <a:t>‹#›</a:t>
+              <a:t>‹Nº›</a:t>
             </a:fld>
             <a:endParaRPr lang="en-US"/>
           </a:p>
@@ -9819,7 +10244,7 @@
           <a:p>
             <a:fld id="{B5E014E3-A4EE-484A-A75D-BE16B10F8A2C}" type="slidenum">
               <a:rPr lang="en-US" smtClean="0"/>
-              <a:t>‹#›</a:t>
+              <a:t>‹Nº›</a:t>
             </a:fld>
             <a:endParaRPr lang="en-US"/>
           </a:p>
@@ -10296,7 +10721,7 @@
           <a:p>
             <a:fld id="{B5E014E3-A4EE-484A-A75D-BE16B10F8A2C}" type="slidenum">
               <a:rPr lang="en-US" smtClean="0"/>
-              <a:t>‹#›</a:t>
+              <a:t>‹Nº›</a:t>
             </a:fld>
             <a:endParaRPr lang="en-US"/>
           </a:p>
@@ -10414,7 +10839,7 @@
           <a:p>
             <a:fld id="{B5E014E3-A4EE-484A-A75D-BE16B10F8A2C}" type="slidenum">
               <a:rPr lang="en-US" smtClean="0"/>
-              <a:t>‹#›</a:t>
+              <a:t>‹Nº›</a:t>
             </a:fld>
             <a:endParaRPr lang="en-US"/>
           </a:p>
@@ -10509,7 +10934,7 @@
           <a:p>
             <a:fld id="{B5E014E3-A4EE-484A-A75D-BE16B10F8A2C}" type="slidenum">
               <a:rPr lang="en-US" smtClean="0"/>
-              <a:t>‹#›</a:t>
+              <a:t>‹Nº›</a:t>
             </a:fld>
             <a:endParaRPr lang="en-US"/>
           </a:p>
@@ -10883,7 +11308,7 @@
           <a:p>
             <a:fld id="{B5E014E3-A4EE-484A-A75D-BE16B10F8A2C}" type="slidenum">
               <a:rPr lang="en-US" smtClean="0"/>
-              <a:t>‹#›</a:t>
+              <a:t>‹Nº›</a:t>
             </a:fld>
             <a:endParaRPr lang="en-US"/>
           </a:p>
@@ -11311,7 +11736,7 @@
           <a:p>
             <a:fld id="{B5E014E3-A4EE-484A-A75D-BE16B10F8A2C}" type="slidenum">
               <a:rPr lang="en-US" smtClean="0"/>
-              <a:t>‹#›</a:t>
+              <a:t>‹Nº›</a:t>
             </a:fld>
             <a:endParaRPr lang="en-US"/>
           </a:p>
@@ -11633,7 +12058,7 @@
           <a:p>
             <a:fld id="{B5E014E3-A4EE-484A-A75D-BE16B10F8A2C}" type="slidenum">
               <a:rPr lang="en-US" smtClean="0"/>
-              <a:t>‹#›</a:t>
+              <a:t>‹Nº›</a:t>
             </a:fld>
             <a:endParaRPr lang="en-US"/>
           </a:p>
@@ -12154,6 +12579,10 @@
               <a:rPr lang="en-US" sz="4400" i="1" dirty="0"/>
               <a:t>(Asparagus officinalis)</a:t>
             </a:r>
+            <a:r>
+              <a:rPr lang="en-US" i="1" dirty="0"/>
+              <a:t/>
+            </a:r>
             <a:br>
               <a:rPr lang="en-US" i="1" dirty="0"/>
             </a:br>
@@ -12384,79 +12813,57 @@
             <p:ph type="title"/>
           </p:nvPr>
         </p:nvSpPr>
-        <p:spPr/>
+        <p:spPr>
+          <a:xfrm>
+            <a:off x="1028700" y="685800"/>
+            <a:ext cx="7886700" cy="762000"/>
+          </a:xfrm>
+        </p:spPr>
         <p:txBody>
           <a:bodyPr/>
           <a:lstStyle/>
           <a:p>
             <a:r>
               <a:rPr lang="en-US" dirty="0"/>
-              <a:t>Overview of documentation</a:t>
-            </a:r>
+              <a:t>Differential </a:t>
+            </a:r>
+            <a:r>
+              <a:rPr lang="en-US" dirty="0" smtClean="0"/>
+              <a:t>Expression Analysis</a:t>
+            </a:r>
+            <a:endParaRPr lang="en-US" dirty="0"/>
           </a:p>
         </p:txBody>
       </p:sp>
-      <p:sp>
-        <p:nvSpPr>
-          <p:cNvPr id="3" name="Content Placeholder 2"/>
-          <p:cNvSpPr>
-            <a:spLocks noGrp="1"/>
-          </p:cNvSpPr>
+      <p:graphicFrame>
+        <p:nvGraphicFramePr>
+          <p:cNvPr id="4" name="Content Placeholder 3"/>
+          <p:cNvGraphicFramePr>
+            <a:graphicFrameLocks noGrp="1"/>
+          </p:cNvGraphicFramePr>
           <p:nvPr>
             <p:ph idx="1"/>
+            <p:extLst>
+              <p:ext uri="{D42A27DB-BD31-4B8C-83A1-F6EECF244321}">
+                <p14:modId xmlns:p14="http://schemas.microsoft.com/office/powerpoint/2010/main" val="2280023539"/>
+              </p:ext>
+            </p:extLst>
           </p:nvPr>
-        </p:nvSpPr>
-        <p:spPr/>
-        <p:txBody>
-          <a:bodyPr/>
-          <a:lstStyle/>
-          <a:p>
-            <a:r>
-              <a:rPr lang="en-US" dirty="0"/>
-              <a:t>FASTQC-files</a:t>
-            </a:r>
-          </a:p>
-          <a:p>
-            <a:r>
-              <a:rPr lang="en-US" dirty="0"/>
-              <a:t>Asparagus </a:t>
-            </a:r>
-            <a:r>
-              <a:rPr lang="en-US" dirty="0" err="1"/>
-              <a:t>powerpoint</a:t>
-            </a:r>
-            <a:endParaRPr lang="en-US" dirty="0"/>
-          </a:p>
-          <a:p>
-            <a:r>
-              <a:rPr lang="en-US" dirty="0"/>
-              <a:t>Paper</a:t>
-            </a:r>
-          </a:p>
-          <a:p>
-            <a:r>
-              <a:rPr lang="en-US" dirty="0"/>
-              <a:t>README.md</a:t>
-            </a:r>
-          </a:p>
-          <a:p>
-            <a:r>
-              <a:rPr lang="en-US" dirty="0"/>
-              <a:t>Supplementary tables from paper</a:t>
-            </a:r>
-          </a:p>
-          <a:p>
-            <a:r>
-              <a:rPr lang="en-US" dirty="0"/>
-              <a:t>Gene count expression data</a:t>
-            </a:r>
-          </a:p>
-        </p:txBody>
-      </p:sp>
+        </p:nvGraphicFramePr>
+        <p:xfrm>
+          <a:off x="1028700" y="2286000"/>
+          <a:ext cx="7200900" cy="3581400"/>
+        </p:xfrm>
+        <a:graphic>
+          <a:graphicData uri="http://schemas.openxmlformats.org/drawingml/2006/diagram">
+            <dgm:relIds xmlns:dgm="http://schemas.openxmlformats.org/drawingml/2006/diagram" xmlns:r="http://schemas.openxmlformats.org/officeDocument/2006/relationships" r:dm="rId2" r:lo="rId3" r:qs="rId4" r:cs="rId5"/>
+          </a:graphicData>
+        </a:graphic>
+      </p:graphicFrame>
     </p:spTree>
     <p:extLst>
       <p:ext uri="{BB962C8B-B14F-4D97-AF65-F5344CB8AC3E}">
-        <p14:creationId xmlns:p14="http://schemas.microsoft.com/office/powerpoint/2010/main" val="2038048837"/>
+        <p14:creationId xmlns:p14="http://schemas.microsoft.com/office/powerpoint/2010/main" val="380992816"/>
       </p:ext>
     </p:extLst>
   </p:cSld>
@@ -12500,7 +12907,7 @@
           <a:p>
             <a:r>
               <a:rPr lang="en-US" dirty="0"/>
-              <a:t>Results</a:t>
+              <a:t>Overview of documentation</a:t>
             </a:r>
           </a:p>
         </p:txBody>
@@ -12520,7 +12927,293 @@
           <a:bodyPr/>
           <a:lstStyle/>
           <a:p>
-            <a:endParaRPr lang="en-US"/>
+            <a:r>
+              <a:rPr lang="en-US" dirty="0"/>
+              <a:t>FASTQC-files</a:t>
+            </a:r>
+          </a:p>
+          <a:p>
+            <a:r>
+              <a:rPr lang="en-US" dirty="0"/>
+              <a:t>Asparagus </a:t>
+            </a:r>
+            <a:r>
+              <a:rPr lang="en-US" dirty="0" err="1"/>
+              <a:t>powerpoint</a:t>
+            </a:r>
+            <a:endParaRPr lang="en-US" dirty="0"/>
+          </a:p>
+          <a:p>
+            <a:r>
+              <a:rPr lang="en-US" dirty="0"/>
+              <a:t>Paper</a:t>
+            </a:r>
+          </a:p>
+          <a:p>
+            <a:r>
+              <a:rPr lang="en-US" dirty="0"/>
+              <a:t>README.md</a:t>
+            </a:r>
+          </a:p>
+          <a:p>
+            <a:r>
+              <a:rPr lang="en-US" dirty="0"/>
+              <a:t>Supplementary tables from paper</a:t>
+            </a:r>
+          </a:p>
+          <a:p>
+            <a:r>
+              <a:rPr lang="en-US" dirty="0"/>
+              <a:t>Gene count expression data</a:t>
+            </a:r>
+          </a:p>
+        </p:txBody>
+      </p:sp>
+    </p:spTree>
+    <p:extLst>
+      <p:ext uri="{BB962C8B-B14F-4D97-AF65-F5344CB8AC3E}">
+        <p14:creationId xmlns:p14="http://schemas.microsoft.com/office/powerpoint/2010/main" val="2038048837"/>
+      </p:ext>
+    </p:extLst>
+  </p:cSld>
+  <p:clrMapOvr>
+    <a:masterClrMapping/>
+  </p:clrMapOvr>
+</p:sld>
+</file>
+
+<file path=ppt/slides/slide12.xml><?xml version="1.0" encoding="utf-8"?>
+<p:sld xmlns:a="http://schemas.openxmlformats.org/drawingml/2006/main" xmlns:r="http://schemas.openxmlformats.org/officeDocument/2006/relationships" xmlns:p="http://schemas.openxmlformats.org/presentationml/2006/main">
+  <p:cSld>
+    <p:spTree>
+      <p:nvGrpSpPr>
+        <p:cNvPr id="1" name=""/>
+        <p:cNvGrpSpPr/>
+        <p:nvPr/>
+      </p:nvGrpSpPr>
+      <p:grpSpPr>
+        <a:xfrm>
+          <a:off x="0" y="0"/>
+          <a:ext cx="0" cy="0"/>
+          <a:chOff x="0" y="0"/>
+          <a:chExt cx="0" cy="0"/>
+        </a:xfrm>
+      </p:grpSpPr>
+      <p:sp>
+        <p:nvSpPr>
+          <p:cNvPr id="2" name="Title 1"/>
+          <p:cNvSpPr>
+            <a:spLocks noGrp="1"/>
+          </p:cNvSpPr>
+          <p:nvPr>
+            <p:ph type="title"/>
+          </p:nvPr>
+        </p:nvSpPr>
+        <p:spPr>
+          <a:xfrm>
+            <a:off x="914400" y="225924"/>
+            <a:ext cx="7200900" cy="762000"/>
+          </a:xfrm>
+        </p:spPr>
+        <p:txBody>
+          <a:bodyPr>
+            <a:normAutofit/>
+          </a:bodyPr>
+          <a:lstStyle/>
+          <a:p>
+            <a:r>
+              <a:rPr lang="en-US" dirty="0"/>
+              <a:t>Results</a:t>
+            </a:r>
+          </a:p>
+        </p:txBody>
+      </p:sp>
+      <p:sp>
+        <p:nvSpPr>
+          <p:cNvPr id="3" name="Content Placeholder 2"/>
+          <p:cNvSpPr>
+            <a:spLocks noGrp="1"/>
+          </p:cNvSpPr>
+          <p:nvPr>
+            <p:ph idx="1"/>
+          </p:nvPr>
+        </p:nvSpPr>
+        <p:spPr>
+          <a:xfrm>
+            <a:off x="762000" y="1256262"/>
+            <a:ext cx="7200900" cy="533400"/>
+          </a:xfrm>
+        </p:spPr>
+        <p:txBody>
+          <a:bodyPr/>
+          <a:lstStyle/>
+          <a:p>
+            <a:r>
+              <a:rPr lang="es-ES" dirty="0" err="1" smtClean="0"/>
+              <a:t>Transcriptome</a:t>
+            </a:r>
+            <a:r>
+              <a:rPr lang="es-ES" dirty="0" smtClean="0"/>
+              <a:t> </a:t>
+            </a:r>
+            <a:r>
+              <a:rPr lang="es-ES" dirty="0" err="1" smtClean="0"/>
+              <a:t>profiling</a:t>
+            </a:r>
+            <a:r>
+              <a:rPr lang="es-ES" dirty="0" smtClean="0"/>
+              <a:t>: </a:t>
+            </a:r>
+            <a:r>
+              <a:rPr lang="es-ES" dirty="0" err="1" smtClean="0"/>
+              <a:t>trimming</a:t>
+            </a:r>
+            <a:endParaRPr lang="en-US" dirty="0"/>
+          </a:p>
+        </p:txBody>
+      </p:sp>
+      <p:sp>
+        <p:nvSpPr>
+          <p:cNvPr id="4" name="Rectángulo 3"/>
+          <p:cNvSpPr/>
+          <p:nvPr/>
+        </p:nvSpPr>
+        <p:spPr>
+          <a:xfrm>
+            <a:off x="768439" y="2066739"/>
+            <a:ext cx="7086600" cy="369332"/>
+          </a:xfrm>
+          <a:prstGeom prst="rect">
+            <a:avLst/>
+          </a:prstGeom>
+        </p:spPr>
+        <p:txBody>
+          <a:bodyPr wrap="square">
+            <a:spAutoFit/>
+          </a:bodyPr>
+          <a:lstStyle/>
+          <a:p>
+            <a:r>
+              <a:rPr lang="en-US" i="1" dirty="0"/>
+              <a:t>Asparagus </a:t>
+            </a:r>
+            <a:r>
+              <a:rPr lang="en-US" i="1" dirty="0" err="1"/>
+              <a:t>officinalis</a:t>
+            </a:r>
+            <a:r>
+              <a:rPr lang="en-US" i="1" dirty="0"/>
+              <a:t> </a:t>
+            </a:r>
+            <a:r>
+              <a:rPr lang="en-US" dirty="0"/>
+              <a:t>line 2 XX female </a:t>
+            </a:r>
+            <a:r>
+              <a:rPr lang="en-US" dirty="0" err="1"/>
+              <a:t>postmeiotic</a:t>
+            </a:r>
+            <a:r>
+              <a:rPr lang="en-US" dirty="0"/>
+              <a:t> </a:t>
+            </a:r>
+            <a:r>
+              <a:rPr lang="en-US" dirty="0" smtClean="0"/>
+              <a:t>bud (SRR1642915</a:t>
+            </a:r>
+            <a:r>
+              <a:rPr lang="en-US" dirty="0"/>
+              <a:t>)</a:t>
+            </a:r>
+          </a:p>
+        </p:txBody>
+      </p:sp>
+      <p:pic>
+        <p:nvPicPr>
+          <p:cNvPr id="5" name="Imagen 4"/>
+          <p:cNvPicPr>
+            <a:picLocks noChangeAspect="1"/>
+          </p:cNvPicPr>
+          <p:nvPr/>
+        </p:nvPicPr>
+        <p:blipFill>
+          <a:blip r:embed="rId2">
+            <a:extLst>
+              <a:ext uri="{28A0092B-C50C-407E-A947-70E740481C1C}">
+                <a14:useLocalDpi xmlns:a14="http://schemas.microsoft.com/office/drawing/2010/main" val="0"/>
+              </a:ext>
+            </a:extLst>
+          </a:blip>
+          <a:stretch>
+            <a:fillRect/>
+          </a:stretch>
+        </p:blipFill>
+        <p:spPr>
+          <a:xfrm>
+            <a:off x="233511" y="2713149"/>
+            <a:ext cx="4254508" cy="3190881"/>
+          </a:xfrm>
+          <a:prstGeom prst="rect">
+            <a:avLst/>
+          </a:prstGeom>
+        </p:spPr>
+      </p:pic>
+      <p:pic>
+        <p:nvPicPr>
+          <p:cNvPr id="7" name="Imagen 6"/>
+          <p:cNvPicPr>
+            <a:picLocks noChangeAspect="1"/>
+          </p:cNvPicPr>
+          <p:nvPr/>
+        </p:nvPicPr>
+        <p:blipFill>
+          <a:blip r:embed="rId3">
+            <a:extLst>
+              <a:ext uri="{28A0092B-C50C-407E-A947-70E740481C1C}">
+                <a14:useLocalDpi xmlns:a14="http://schemas.microsoft.com/office/drawing/2010/main" val="0"/>
+              </a:ext>
+            </a:extLst>
+          </a:blip>
+          <a:stretch>
+            <a:fillRect/>
+          </a:stretch>
+        </p:blipFill>
+        <p:spPr>
+          <a:xfrm>
+            <a:off x="4724400" y="2691196"/>
+            <a:ext cx="4313048" cy="3234786"/>
+          </a:xfrm>
+          <a:prstGeom prst="rect">
+            <a:avLst/>
+          </a:prstGeom>
+        </p:spPr>
+      </p:pic>
+      <p:sp>
+        <p:nvSpPr>
+          <p:cNvPr id="8" name="Rectángulo 7"/>
+          <p:cNvSpPr/>
+          <p:nvPr/>
+        </p:nvSpPr>
+        <p:spPr>
+          <a:xfrm>
+            <a:off x="1009382" y="6136199"/>
+            <a:ext cx="7086600" cy="369332"/>
+          </a:xfrm>
+          <a:prstGeom prst="rect">
+            <a:avLst/>
+          </a:prstGeom>
+        </p:spPr>
+        <p:txBody>
+          <a:bodyPr wrap="square">
+            <a:spAutoFit/>
+          </a:bodyPr>
+          <a:lstStyle/>
+          <a:p>
+            <a:r>
+              <a:rPr lang="en-US" dirty="0" smtClean="0"/>
+              <a:t>Removing adapters before align to a reference</a:t>
+            </a:r>
+            <a:endParaRPr lang="en-US" dirty="0"/>
           </a:p>
         </p:txBody>
       </p:sp>
@@ -12537,7 +13230,347 @@
 </p:sld>
 </file>
 
-<file path=ppt/slides/slide12.xml><?xml version="1.0" encoding="utf-8"?>
+<file path=ppt/slides/slide13.xml><?xml version="1.0" encoding="utf-8"?>
+<p:sld xmlns:a="http://schemas.openxmlformats.org/drawingml/2006/main" xmlns:r="http://schemas.openxmlformats.org/officeDocument/2006/relationships" xmlns:p="http://schemas.openxmlformats.org/presentationml/2006/main">
+  <p:cSld>
+    <p:spTree>
+      <p:nvGrpSpPr>
+        <p:cNvPr id="1" name=""/>
+        <p:cNvGrpSpPr/>
+        <p:nvPr/>
+      </p:nvGrpSpPr>
+      <p:grpSpPr>
+        <a:xfrm>
+          <a:off x="0" y="0"/>
+          <a:ext cx="0" cy="0"/>
+          <a:chOff x="0" y="0"/>
+          <a:chExt cx="0" cy="0"/>
+        </a:xfrm>
+      </p:grpSpPr>
+      <p:sp>
+        <p:nvSpPr>
+          <p:cNvPr id="2" name="Title 1"/>
+          <p:cNvSpPr>
+            <a:spLocks noGrp="1"/>
+          </p:cNvSpPr>
+          <p:nvPr>
+            <p:ph type="title"/>
+          </p:nvPr>
+        </p:nvSpPr>
+        <p:spPr>
+          <a:xfrm>
+            <a:off x="914400" y="225924"/>
+            <a:ext cx="7200900" cy="762000"/>
+          </a:xfrm>
+        </p:spPr>
+        <p:txBody>
+          <a:bodyPr>
+            <a:normAutofit/>
+          </a:bodyPr>
+          <a:lstStyle/>
+          <a:p>
+            <a:r>
+              <a:rPr lang="en-US" dirty="0"/>
+              <a:t>Results</a:t>
+            </a:r>
+          </a:p>
+        </p:txBody>
+      </p:sp>
+      <p:pic>
+        <p:nvPicPr>
+          <p:cNvPr id="6" name="Imagen 5"/>
+          <p:cNvPicPr>
+            <a:picLocks noChangeAspect="1"/>
+          </p:cNvPicPr>
+          <p:nvPr/>
+        </p:nvPicPr>
+        <p:blipFill rotWithShape="1">
+          <a:blip r:embed="rId2"/>
+          <a:srcRect l="24658" t="22917" r="38729" b="41666"/>
+          <a:stretch/>
+        </p:blipFill>
+        <p:spPr>
+          <a:xfrm>
+            <a:off x="304800" y="1524000"/>
+            <a:ext cx="4817135" cy="2357919"/>
+          </a:xfrm>
+          <a:prstGeom prst="rect">
+            <a:avLst/>
+          </a:prstGeom>
+        </p:spPr>
+      </p:pic>
+      <p:grpSp>
+        <p:nvGrpSpPr>
+          <p:cNvPr id="12" name="Grupo 11"/>
+          <p:cNvGrpSpPr/>
+          <p:nvPr/>
+        </p:nvGrpSpPr>
+        <p:grpSpPr>
+          <a:xfrm>
+            <a:off x="4446867" y="2807509"/>
+            <a:ext cx="4697133" cy="4047271"/>
+            <a:chOff x="4699933" y="2133600"/>
+            <a:chExt cx="4697133" cy="4047271"/>
+          </a:xfrm>
+        </p:grpSpPr>
+        <p:pic>
+          <p:nvPicPr>
+            <p:cNvPr id="9" name="Imagen 8"/>
+            <p:cNvPicPr>
+              <a:picLocks noChangeAspect="1"/>
+            </p:cNvPicPr>
+            <p:nvPr/>
+          </p:nvPicPr>
+          <p:blipFill rotWithShape="1">
+            <a:blip r:embed="rId3"/>
+            <a:srcRect b="13090"/>
+            <a:stretch/>
+          </p:blipFill>
+          <p:spPr>
+            <a:xfrm>
+              <a:off x="4699933" y="2133600"/>
+              <a:ext cx="4697133" cy="4047271"/>
+            </a:xfrm>
+            <a:prstGeom prst="rect">
+              <a:avLst/>
+            </a:prstGeom>
+          </p:spPr>
+        </p:pic>
+        <p:sp>
+          <p:nvSpPr>
+            <p:cNvPr id="11" name="Rectángulo 10"/>
+            <p:cNvSpPr/>
+            <p:nvPr/>
+          </p:nvSpPr>
+          <p:spPr>
+            <a:xfrm>
+              <a:off x="5029200" y="5867400"/>
+              <a:ext cx="4038600" cy="228600"/>
+            </a:xfrm>
+            <a:prstGeom prst="rect">
+              <a:avLst/>
+            </a:prstGeom>
+            <a:noFill/>
+            <a:ln>
+              <a:solidFill>
+                <a:srgbClr val="C00000"/>
+              </a:solidFill>
+            </a:ln>
+          </p:spPr>
+          <p:style>
+            <a:lnRef idx="2">
+              <a:schemeClr val="accent1">
+                <a:shade val="50000"/>
+              </a:schemeClr>
+            </a:lnRef>
+            <a:fillRef idx="1">
+              <a:schemeClr val="accent1"/>
+            </a:fillRef>
+            <a:effectRef idx="0">
+              <a:schemeClr val="accent1"/>
+            </a:effectRef>
+            <a:fontRef idx="minor">
+              <a:schemeClr val="lt1"/>
+            </a:fontRef>
+          </p:style>
+          <p:txBody>
+            <a:bodyPr rtlCol="0" anchor="ctr"/>
+            <a:lstStyle/>
+            <a:p>
+              <a:pPr algn="ctr"/>
+              <a:endParaRPr lang="en-US"/>
+            </a:p>
+          </p:txBody>
+        </p:sp>
+      </p:grpSp>
+      <p:sp>
+        <p:nvSpPr>
+          <p:cNvPr id="13" name="Content Placeholder 2"/>
+          <p:cNvSpPr>
+            <a:spLocks noGrp="1"/>
+          </p:cNvSpPr>
+          <p:nvPr>
+            <p:ph idx="1"/>
+          </p:nvPr>
+        </p:nvSpPr>
+        <p:spPr>
+          <a:xfrm>
+            <a:off x="685800" y="905729"/>
+            <a:ext cx="7200900" cy="533400"/>
+          </a:xfrm>
+        </p:spPr>
+        <p:txBody>
+          <a:bodyPr/>
+          <a:lstStyle/>
+          <a:p>
+            <a:r>
+              <a:rPr lang="es-ES" dirty="0" err="1" smtClean="0"/>
+              <a:t>Transcriptome</a:t>
+            </a:r>
+            <a:r>
+              <a:rPr lang="es-ES" dirty="0" smtClean="0"/>
+              <a:t> </a:t>
+            </a:r>
+            <a:r>
+              <a:rPr lang="es-ES" dirty="0" err="1" smtClean="0"/>
+              <a:t>profiling</a:t>
+            </a:r>
+            <a:r>
+              <a:rPr lang="es-ES" dirty="0" smtClean="0"/>
+              <a:t>: </a:t>
+            </a:r>
+            <a:r>
+              <a:rPr lang="es-ES" dirty="0" err="1" smtClean="0"/>
+              <a:t>Trimming</a:t>
+            </a:r>
+            <a:endParaRPr lang="en-US" dirty="0"/>
+          </a:p>
+        </p:txBody>
+      </p:sp>
+    </p:spTree>
+    <p:extLst>
+      <p:ext uri="{BB962C8B-B14F-4D97-AF65-F5344CB8AC3E}">
+        <p14:creationId xmlns:p14="http://schemas.microsoft.com/office/powerpoint/2010/main" val="1146761371"/>
+      </p:ext>
+    </p:extLst>
+  </p:cSld>
+  <p:clrMapOvr>
+    <a:masterClrMapping/>
+  </p:clrMapOvr>
+</p:sld>
+</file>
+
+<file path=ppt/slides/slide14.xml><?xml version="1.0" encoding="utf-8"?>
+<p:sld xmlns:a="http://schemas.openxmlformats.org/drawingml/2006/main" xmlns:r="http://schemas.openxmlformats.org/officeDocument/2006/relationships" xmlns:p="http://schemas.openxmlformats.org/presentationml/2006/main">
+  <p:cSld>
+    <p:spTree>
+      <p:nvGrpSpPr>
+        <p:cNvPr id="1" name=""/>
+        <p:cNvGrpSpPr/>
+        <p:nvPr/>
+      </p:nvGrpSpPr>
+      <p:grpSpPr>
+        <a:xfrm>
+          <a:off x="0" y="0"/>
+          <a:ext cx="0" cy="0"/>
+          <a:chOff x="0" y="0"/>
+          <a:chExt cx="0" cy="0"/>
+        </a:xfrm>
+      </p:grpSpPr>
+      <p:sp>
+        <p:nvSpPr>
+          <p:cNvPr id="2" name="Title 1"/>
+          <p:cNvSpPr>
+            <a:spLocks noGrp="1"/>
+          </p:cNvSpPr>
+          <p:nvPr>
+            <p:ph type="title"/>
+          </p:nvPr>
+        </p:nvSpPr>
+        <p:spPr>
+          <a:xfrm>
+            <a:off x="914400" y="225924"/>
+            <a:ext cx="7200900" cy="762000"/>
+          </a:xfrm>
+        </p:spPr>
+        <p:txBody>
+          <a:bodyPr>
+            <a:normAutofit/>
+          </a:bodyPr>
+          <a:lstStyle/>
+          <a:p>
+            <a:r>
+              <a:rPr lang="en-US" dirty="0"/>
+              <a:t>Results</a:t>
+            </a:r>
+          </a:p>
+        </p:txBody>
+      </p:sp>
+      <p:sp>
+        <p:nvSpPr>
+          <p:cNvPr id="13" name="Content Placeholder 2"/>
+          <p:cNvSpPr>
+            <a:spLocks noGrp="1"/>
+          </p:cNvSpPr>
+          <p:nvPr>
+            <p:ph idx="1"/>
+          </p:nvPr>
+        </p:nvSpPr>
+        <p:spPr>
+          <a:xfrm>
+            <a:off x="774342" y="1446462"/>
+            <a:ext cx="7200900" cy="533400"/>
+          </a:xfrm>
+        </p:spPr>
+        <p:txBody>
+          <a:bodyPr/>
+          <a:lstStyle/>
+          <a:p>
+            <a:r>
+              <a:rPr lang="es-ES" dirty="0" err="1" smtClean="0"/>
+              <a:t>Transcriptome</a:t>
+            </a:r>
+            <a:r>
+              <a:rPr lang="es-ES" dirty="0" smtClean="0"/>
+              <a:t> </a:t>
+            </a:r>
+            <a:r>
+              <a:rPr lang="es-ES" dirty="0" err="1" smtClean="0"/>
+              <a:t>profiling</a:t>
+            </a:r>
+            <a:r>
+              <a:rPr lang="es-ES" dirty="0" smtClean="0"/>
+              <a:t>: </a:t>
+            </a:r>
+            <a:r>
+              <a:rPr lang="es-ES" dirty="0" err="1" smtClean="0"/>
+              <a:t>counting</a:t>
+            </a:r>
+            <a:r>
+              <a:rPr lang="es-ES" dirty="0" smtClean="0"/>
+              <a:t> data</a:t>
+            </a:r>
+            <a:endParaRPr lang="en-US" dirty="0"/>
+          </a:p>
+        </p:txBody>
+      </p:sp>
+      <p:pic>
+        <p:nvPicPr>
+          <p:cNvPr id="3" name="Imagen 2"/>
+          <p:cNvPicPr>
+            <a:picLocks noChangeAspect="1"/>
+          </p:cNvPicPr>
+          <p:nvPr/>
+        </p:nvPicPr>
+        <p:blipFill rotWithShape="1">
+          <a:blip r:embed="rId2"/>
+          <a:srcRect t="2722" r="43777" b="59778"/>
+          <a:stretch/>
+        </p:blipFill>
+        <p:spPr>
+          <a:xfrm>
+            <a:off x="609600" y="2209800"/>
+            <a:ext cx="7924800" cy="2971800"/>
+          </a:xfrm>
+          <a:prstGeom prst="rect">
+            <a:avLst/>
+          </a:prstGeom>
+        </p:spPr>
+      </p:pic>
+    </p:spTree>
+    <p:extLst>
+      <p:ext uri="{BB962C8B-B14F-4D97-AF65-F5344CB8AC3E}">
+        <p14:creationId xmlns:p14="http://schemas.microsoft.com/office/powerpoint/2010/main" val="2980881513"/>
+      </p:ext>
+    </p:extLst>
+  </p:cSld>
+  <p:clrMapOvr>
+    <a:masterClrMapping/>
+  </p:clrMapOvr>
+</p:sld>
+</file>
+
+<file path=ppt/slides/slide15.xml><?xml version="1.0" encoding="utf-8"?>
 <p:sld xmlns:a="http://schemas.openxmlformats.org/drawingml/2006/main" xmlns:r="http://schemas.openxmlformats.org/officeDocument/2006/relationships" xmlns:p="http://schemas.openxmlformats.org/presentationml/2006/main">
   <p:cSld>
     <p:spTree>
@@ -12713,7 +13746,19 @@
           <a:p>
             <a:r>
               <a:rPr lang="en-US" dirty="0"/>
-              <a:t>Why is sex determination important?</a:t>
+              <a:t>Why </a:t>
+            </a:r>
+            <a:r>
+              <a:rPr lang="en-US" dirty="0" smtClean="0"/>
+              <a:t>studying</a:t>
+            </a:r>
+            <a:r>
+              <a:rPr lang="en-US" dirty="0" smtClean="0"/>
+              <a:t> </a:t>
+            </a:r>
+            <a:r>
+              <a:rPr lang="en-US" dirty="0"/>
+              <a:t>sex determination important?</a:t>
             </a:r>
           </a:p>
         </p:txBody>
@@ -12733,7 +13778,232 @@
           <a:bodyPr/>
           <a:lstStyle/>
           <a:p>
-            <a:endParaRPr lang="en-US"/>
+            <a:endParaRPr lang="es-ES" dirty="0" smtClean="0"/>
+          </a:p>
+          <a:p>
+            <a:r>
+              <a:rPr lang="es-ES" dirty="0" err="1" smtClean="0"/>
+              <a:t>Understand</a:t>
+            </a:r>
+            <a:r>
+              <a:rPr lang="es-ES" dirty="0" smtClean="0"/>
+              <a:t> </a:t>
+            </a:r>
+            <a:r>
+              <a:rPr lang="es-ES" dirty="0" err="1" smtClean="0"/>
+              <a:t>the</a:t>
+            </a:r>
+            <a:r>
+              <a:rPr lang="es-ES" dirty="0" smtClean="0"/>
+              <a:t> </a:t>
+            </a:r>
+            <a:r>
+              <a:rPr lang="es-ES" dirty="0" err="1" smtClean="0"/>
+              <a:t>evolutionary</a:t>
+            </a:r>
+            <a:r>
+              <a:rPr lang="es-ES" dirty="0" smtClean="0"/>
+              <a:t> </a:t>
+            </a:r>
+            <a:r>
+              <a:rPr lang="es-ES" dirty="0" err="1" smtClean="0"/>
+              <a:t>mechanisms</a:t>
+            </a:r>
+            <a:r>
+              <a:rPr lang="es-ES" dirty="0" smtClean="0"/>
+              <a:t> </a:t>
+            </a:r>
+            <a:r>
+              <a:rPr lang="es-ES" dirty="0" err="1" smtClean="0"/>
+              <a:t>that</a:t>
+            </a:r>
+            <a:r>
+              <a:rPr lang="es-ES" dirty="0" smtClean="0"/>
+              <a:t> </a:t>
+            </a:r>
+            <a:r>
+              <a:rPr lang="es-ES" dirty="0" err="1" smtClean="0"/>
+              <a:t>undelie</a:t>
+            </a:r>
+            <a:r>
+              <a:rPr lang="es-ES" dirty="0" smtClean="0"/>
+              <a:t> sexual </a:t>
+            </a:r>
+            <a:r>
+              <a:rPr lang="es-ES" dirty="0" err="1" smtClean="0"/>
+              <a:t>reproduction</a:t>
+            </a:r>
+            <a:r>
+              <a:rPr lang="es-ES" dirty="0" smtClean="0"/>
+              <a:t> as </a:t>
+            </a:r>
+            <a:r>
+              <a:rPr lang="es-ES" dirty="0" err="1" smtClean="0"/>
+              <a:t>source</a:t>
+            </a:r>
+            <a:r>
+              <a:rPr lang="es-ES" dirty="0" smtClean="0"/>
+              <a:t> of </a:t>
+            </a:r>
+            <a:r>
+              <a:rPr lang="es-ES" dirty="0" err="1" smtClean="0"/>
+              <a:t>genetic</a:t>
+            </a:r>
+            <a:r>
+              <a:rPr lang="es-ES" dirty="0" smtClean="0"/>
+              <a:t> </a:t>
+            </a:r>
+            <a:r>
+              <a:rPr lang="es-ES" dirty="0" err="1" smtClean="0"/>
+              <a:t>diversity</a:t>
+            </a:r>
+            <a:endParaRPr lang="es-ES" dirty="0" smtClean="0"/>
+          </a:p>
+          <a:p>
+            <a:r>
+              <a:rPr lang="es-ES" dirty="0" err="1" smtClean="0"/>
+              <a:t>Contrary</a:t>
+            </a:r>
+            <a:r>
+              <a:rPr lang="es-ES" dirty="0" smtClean="0"/>
+              <a:t> </a:t>
+            </a:r>
+            <a:r>
+              <a:rPr lang="es-ES" dirty="0" err="1" smtClean="0"/>
+              <a:t>to</a:t>
+            </a:r>
+            <a:r>
+              <a:rPr lang="es-ES" dirty="0" smtClean="0"/>
+              <a:t> </a:t>
+            </a:r>
+            <a:r>
+              <a:rPr lang="es-ES" dirty="0" err="1" smtClean="0"/>
+              <a:t>most</a:t>
+            </a:r>
+            <a:r>
+              <a:rPr lang="es-ES" dirty="0" smtClean="0"/>
+              <a:t> of </a:t>
+            </a:r>
+            <a:r>
+              <a:rPr lang="es-ES" dirty="0" err="1" smtClean="0"/>
+              <a:t>animals</a:t>
+            </a:r>
+            <a:r>
+              <a:rPr lang="es-ES" dirty="0"/>
+              <a:t>, </a:t>
+            </a:r>
+            <a:r>
+              <a:rPr lang="es-ES" dirty="0" err="1"/>
+              <a:t>dioecious</a:t>
+            </a:r>
+            <a:r>
+              <a:rPr lang="es-ES" dirty="0"/>
+              <a:t> </a:t>
+            </a:r>
+            <a:r>
+              <a:rPr lang="es-ES" dirty="0" err="1" smtClean="0"/>
+              <a:t>plants</a:t>
+            </a:r>
+            <a:r>
+              <a:rPr lang="es-ES" dirty="0" smtClean="0"/>
+              <a:t> are quite </a:t>
+            </a:r>
+            <a:r>
+              <a:rPr lang="es-ES" dirty="0" err="1" smtClean="0"/>
+              <a:t>rare</a:t>
+            </a:r>
+            <a:endParaRPr lang="es-ES" dirty="0" smtClean="0"/>
+          </a:p>
+          <a:p>
+            <a:r>
+              <a:rPr lang="es-ES" dirty="0" err="1" smtClean="0"/>
+              <a:t>Improve</a:t>
+            </a:r>
+            <a:r>
+              <a:rPr lang="es-ES" dirty="0" smtClean="0"/>
+              <a:t> </a:t>
+            </a:r>
+            <a:r>
+              <a:rPr lang="es-ES" dirty="0" err="1" smtClean="0"/>
+              <a:t>our</a:t>
+            </a:r>
+            <a:r>
+              <a:rPr lang="es-ES" dirty="0" smtClean="0"/>
+              <a:t> </a:t>
+            </a:r>
+            <a:r>
+              <a:rPr lang="es-ES" dirty="0" err="1" smtClean="0"/>
+              <a:t>understanding</a:t>
+            </a:r>
+            <a:r>
+              <a:rPr lang="es-ES" dirty="0" smtClean="0"/>
+              <a:t> of </a:t>
+            </a:r>
+            <a:r>
+              <a:rPr lang="es-ES" dirty="0" err="1" smtClean="0"/>
+              <a:t>the</a:t>
+            </a:r>
+            <a:r>
+              <a:rPr lang="es-ES" dirty="0" smtClean="0"/>
+              <a:t> molecular </a:t>
+            </a:r>
+            <a:r>
+              <a:rPr lang="es-ES" dirty="0" err="1" smtClean="0"/>
+              <a:t>events</a:t>
+            </a:r>
+            <a:r>
+              <a:rPr lang="es-ES" dirty="0" smtClean="0"/>
+              <a:t> </a:t>
+            </a:r>
+            <a:r>
+              <a:rPr lang="es-ES" dirty="0" err="1" smtClean="0"/>
+              <a:t>that</a:t>
+            </a:r>
+            <a:r>
+              <a:rPr lang="es-ES" dirty="0" smtClean="0"/>
+              <a:t> </a:t>
+            </a:r>
+            <a:r>
+              <a:rPr lang="es-ES" dirty="0" err="1" smtClean="0"/>
+              <a:t>give</a:t>
+            </a:r>
+            <a:r>
+              <a:rPr lang="es-ES" dirty="0" smtClean="0"/>
+              <a:t> </a:t>
+            </a:r>
+            <a:r>
+              <a:rPr lang="es-ES" dirty="0" err="1" smtClean="0"/>
+              <a:t>rise</a:t>
+            </a:r>
+            <a:r>
+              <a:rPr lang="es-ES" dirty="0" smtClean="0"/>
+              <a:t> </a:t>
+            </a:r>
+            <a:r>
+              <a:rPr lang="es-ES" dirty="0" err="1" smtClean="0"/>
+              <a:t>to</a:t>
+            </a:r>
+            <a:r>
+              <a:rPr lang="es-ES" dirty="0" smtClean="0"/>
+              <a:t> </a:t>
+            </a:r>
+            <a:r>
+              <a:rPr lang="es-ES" dirty="0" err="1" smtClean="0"/>
+              <a:t>the</a:t>
+            </a:r>
+            <a:r>
+              <a:rPr lang="es-ES" dirty="0" smtClean="0"/>
+              <a:t> sexual </a:t>
+            </a:r>
+            <a:r>
+              <a:rPr lang="es-ES" dirty="0" err="1" smtClean="0"/>
+              <a:t>differentiation</a:t>
+            </a:r>
+            <a:r>
+              <a:rPr lang="es-ES" dirty="0" smtClean="0"/>
+              <a:t> </a:t>
+            </a:r>
+            <a:endParaRPr lang="en-US" dirty="0"/>
           </a:p>
         </p:txBody>
       </p:sp>
@@ -13363,8 +14633,49 @@
             <a:pPr lvl="2"/>
             <a:r>
               <a:rPr lang="en-US" dirty="0"/>
-              <a:t>Determine when genes act</a:t>
-            </a:r>
+              <a:t>Determine when genes </a:t>
+            </a:r>
+            <a:r>
+              <a:rPr lang="en-US" dirty="0" smtClean="0"/>
+              <a:t>act</a:t>
+            </a:r>
+            <a:endParaRPr lang="es-ES" dirty="0"/>
+          </a:p>
+          <a:p>
+            <a:pPr lvl="2"/>
+            <a:r>
+              <a:rPr lang="es-ES" dirty="0" smtClean="0"/>
+              <a:t>Describe experimental </a:t>
+            </a:r>
+            <a:r>
+              <a:rPr lang="es-ES" dirty="0" err="1" smtClean="0"/>
+              <a:t>design</a:t>
+            </a:r>
+            <a:r>
+              <a:rPr lang="es-ES" dirty="0" smtClean="0"/>
+              <a:t> and </a:t>
+            </a:r>
+            <a:r>
+              <a:rPr lang="es-ES" dirty="0" err="1" smtClean="0"/>
+              <a:t>procedure</a:t>
+            </a:r>
+            <a:r>
+              <a:rPr lang="es-ES" dirty="0" smtClean="0"/>
+              <a:t>: </a:t>
+            </a:r>
+            <a:r>
+              <a:rPr lang="es-ES" dirty="0" err="1" smtClean="0"/>
+              <a:t>samples</a:t>
+            </a:r>
+            <a:r>
+              <a:rPr lang="es-ES" dirty="0" smtClean="0"/>
+              <a:t>, </a:t>
+            </a:r>
+            <a:r>
+              <a:rPr lang="es-ES" dirty="0" err="1" smtClean="0"/>
+              <a:t>etc</a:t>
+            </a:r>
+            <a:endParaRPr lang="en-US" dirty="0"/>
           </a:p>
         </p:txBody>
       </p:sp>
@@ -13430,7 +14741,7 @@
             <p:ph idx="1"/>
             <p:extLst>
               <p:ext uri="{D42A27DB-BD31-4B8C-83A1-F6EECF244321}">
-                <p14:modId xmlns:p14="http://schemas.microsoft.com/office/powerpoint/2010/main" val="933914017"/>
+                <p14:modId xmlns:p14="http://schemas.microsoft.com/office/powerpoint/2010/main" val="1297284272"/>
               </p:ext>
             </p:extLst>
           </p:nvPr>
@@ -13475,6 +14786,39 @@
           <a:chExt cx="0" cy="0"/>
         </a:xfrm>
       </p:grpSpPr>
+      <p:cxnSp>
+        <p:nvCxnSpPr>
+          <p:cNvPr id="11" name="Conector recto de flecha 10"/>
+          <p:cNvCxnSpPr/>
+          <p:nvPr/>
+        </p:nvCxnSpPr>
+        <p:spPr>
+          <a:xfrm>
+            <a:off x="2895600" y="2438400"/>
+            <a:ext cx="7666" cy="908425"/>
+          </a:xfrm>
+          <a:prstGeom prst="straightConnector1">
+            <a:avLst/>
+          </a:prstGeom>
+          <a:ln>
+            <a:tailEnd type="triangle"/>
+          </a:ln>
+        </p:spPr>
+        <p:style>
+          <a:lnRef idx="2">
+            <a:schemeClr val="dk1"/>
+          </a:lnRef>
+          <a:fillRef idx="0">
+            <a:schemeClr val="dk1"/>
+          </a:fillRef>
+          <a:effectRef idx="1">
+            <a:schemeClr val="dk1"/>
+          </a:effectRef>
+          <a:fontRef idx="minor">
+            <a:schemeClr val="tx1"/>
+          </a:fontRef>
+        </p:style>
+      </p:cxnSp>
       <p:sp>
         <p:nvSpPr>
           <p:cNvPr id="2" name="Title 1"/>
@@ -13485,14 +14829,27 @@
             <p:ph type="title"/>
           </p:nvPr>
         </p:nvSpPr>
-        <p:spPr/>
+        <p:spPr>
+          <a:xfrm>
+            <a:off x="998635" y="244793"/>
+            <a:ext cx="7200900" cy="963483"/>
+          </a:xfrm>
+        </p:spPr>
         <p:txBody>
           <a:bodyPr/>
           <a:lstStyle/>
           <a:p>
             <a:r>
+              <a:rPr lang="en-US" dirty="0" err="1" smtClean="0"/>
+              <a:t>Transcriptome</a:t>
+            </a:r>
+            <a:r>
+              <a:rPr lang="en-US" dirty="0" smtClean="0"/>
+              <a:t> </a:t>
+            </a:r>
+            <a:r>
               <a:rPr lang="en-US" dirty="0"/>
-              <a:t>Transcription Profiling</a:t>
+              <a:t>Profiling</a:t>
             </a:r>
           </a:p>
         </p:txBody>
@@ -13507,14 +14864,14 @@
             <p:ph idx="1"/>
             <p:extLst>
               <p:ext uri="{D42A27DB-BD31-4B8C-83A1-F6EECF244321}">
-                <p14:modId xmlns:p14="http://schemas.microsoft.com/office/powerpoint/2010/main" val="578491193"/>
+                <p14:modId xmlns:p14="http://schemas.microsoft.com/office/powerpoint/2010/main" val="1716075429"/>
               </p:ext>
             </p:extLst>
           </p:nvPr>
         </p:nvGraphicFramePr>
         <p:xfrm>
-          <a:off x="1028700" y="2286000"/>
-          <a:ext cx="7200900" cy="3581400"/>
+          <a:off x="533400" y="3276600"/>
+          <a:ext cx="8115300" cy="1295399"/>
         </p:xfrm>
         <a:graphic>
           <a:graphicData uri="http://schemas.openxmlformats.org/drawingml/2006/diagram">
@@ -13522,6 +14879,770 @@
           </a:graphicData>
         </a:graphic>
       </p:graphicFrame>
+      <p:sp>
+        <p:nvSpPr>
+          <p:cNvPr id="3" name="CuadroTexto 2"/>
+          <p:cNvSpPr txBox="1"/>
+          <p:nvPr/>
+        </p:nvSpPr>
+        <p:spPr>
+          <a:xfrm>
+            <a:off x="617635" y="2104311"/>
+            <a:ext cx="1119730" cy="523220"/>
+          </a:xfrm>
+          <a:prstGeom prst="rect">
+            <a:avLst/>
+          </a:prstGeom>
+        </p:spPr>
+        <p:style>
+          <a:lnRef idx="2">
+            <a:schemeClr val="dk1"/>
+          </a:lnRef>
+          <a:fillRef idx="1">
+            <a:schemeClr val="lt1"/>
+          </a:fillRef>
+          <a:effectRef idx="0">
+            <a:schemeClr val="dk1"/>
+          </a:effectRef>
+          <a:fontRef idx="minor">
+            <a:schemeClr val="dk1"/>
+          </a:fontRef>
+        </p:style>
+        <p:txBody>
+          <a:bodyPr wrap="none" rtlCol="0">
+            <a:spAutoFit/>
+          </a:bodyPr>
+          <a:lstStyle/>
+          <a:p>
+            <a:r>
+              <a:rPr lang="es-ES" sz="1400" dirty="0" err="1" smtClean="0"/>
+              <a:t>raw</a:t>
+            </a:r>
+            <a:r>
+              <a:rPr lang="es-ES" sz="1400" dirty="0" smtClean="0"/>
+              <a:t> </a:t>
+            </a:r>
+            <a:r>
+              <a:rPr lang="es-ES" sz="1400" dirty="0" err="1" smtClean="0"/>
+              <a:t>reads</a:t>
+            </a:r>
+            <a:endParaRPr lang="es-ES" sz="1400" dirty="0" smtClean="0"/>
+          </a:p>
+          <a:p>
+            <a:r>
+              <a:rPr lang="es-ES" sz="1400" dirty="0" err="1" smtClean="0"/>
+              <a:t>Source</a:t>
+            </a:r>
+            <a:r>
+              <a:rPr lang="es-ES" sz="1400" dirty="0" smtClean="0"/>
+              <a:t>: </a:t>
+            </a:r>
+            <a:r>
+              <a:rPr lang="es-ES" sz="1400" dirty="0" err="1" smtClean="0"/>
+              <a:t>ncbi</a:t>
+            </a:r>
+            <a:endParaRPr lang="en-US" sz="1400" dirty="0"/>
+          </a:p>
+        </p:txBody>
+      </p:sp>
+      <p:sp>
+        <p:nvSpPr>
+          <p:cNvPr id="5" name="CuadroTexto 4"/>
+          <p:cNvSpPr txBox="1"/>
+          <p:nvPr/>
+        </p:nvSpPr>
+        <p:spPr>
+          <a:xfrm>
+            <a:off x="617635" y="5186065"/>
+            <a:ext cx="767518" cy="307777"/>
+          </a:xfrm>
+          <a:prstGeom prst="rect">
+            <a:avLst/>
+          </a:prstGeom>
+        </p:spPr>
+        <p:style>
+          <a:lnRef idx="2">
+            <a:schemeClr val="dk1"/>
+          </a:lnRef>
+          <a:fillRef idx="1">
+            <a:schemeClr val="lt1"/>
+          </a:fillRef>
+          <a:effectRef idx="0">
+            <a:schemeClr val="dk1"/>
+          </a:effectRef>
+          <a:fontRef idx="minor">
+            <a:schemeClr val="dk1"/>
+          </a:fontRef>
+        </p:style>
+        <p:txBody>
+          <a:bodyPr wrap="none" rtlCol="0">
+            <a:spAutoFit/>
+          </a:bodyPr>
+          <a:lstStyle/>
+          <a:p>
+            <a:r>
+              <a:rPr lang="es-ES" sz="1400" dirty="0" smtClean="0"/>
+              <a:t>FASTQC</a:t>
+            </a:r>
+            <a:endParaRPr lang="en-US" sz="1400" dirty="0"/>
+          </a:p>
+        </p:txBody>
+      </p:sp>
+      <p:cxnSp>
+        <p:nvCxnSpPr>
+          <p:cNvPr id="7" name="Conector recto de flecha 6"/>
+          <p:cNvCxnSpPr/>
+          <p:nvPr/>
+        </p:nvCxnSpPr>
+        <p:spPr>
+          <a:xfrm>
+            <a:off x="838200" y="2627531"/>
+            <a:ext cx="0" cy="725269"/>
+          </a:xfrm>
+          <a:prstGeom prst="straightConnector1">
+            <a:avLst/>
+          </a:prstGeom>
+          <a:ln>
+            <a:tailEnd type="triangle"/>
+          </a:ln>
+        </p:spPr>
+        <p:style>
+          <a:lnRef idx="2">
+            <a:schemeClr val="dk1"/>
+          </a:lnRef>
+          <a:fillRef idx="0">
+            <a:schemeClr val="dk1"/>
+          </a:fillRef>
+          <a:effectRef idx="1">
+            <a:schemeClr val="dk1"/>
+          </a:effectRef>
+          <a:fontRef idx="minor">
+            <a:schemeClr val="tx1"/>
+          </a:fontRef>
+        </p:style>
+      </p:cxnSp>
+      <p:cxnSp>
+        <p:nvCxnSpPr>
+          <p:cNvPr id="8" name="Conector recto de flecha 7"/>
+          <p:cNvCxnSpPr/>
+          <p:nvPr/>
+        </p:nvCxnSpPr>
+        <p:spPr>
+          <a:xfrm flipV="1">
+            <a:off x="998635" y="4419600"/>
+            <a:ext cx="0" cy="766465"/>
+          </a:xfrm>
+          <a:prstGeom prst="straightConnector1">
+            <a:avLst/>
+          </a:prstGeom>
+          <a:ln>
+            <a:tailEnd type="triangle"/>
+          </a:ln>
+        </p:spPr>
+        <p:style>
+          <a:lnRef idx="2">
+            <a:schemeClr val="dk1"/>
+          </a:lnRef>
+          <a:fillRef idx="0">
+            <a:schemeClr val="dk1"/>
+          </a:fillRef>
+          <a:effectRef idx="1">
+            <a:schemeClr val="dk1"/>
+          </a:effectRef>
+          <a:fontRef idx="minor">
+            <a:schemeClr val="tx1"/>
+          </a:fontRef>
+        </p:style>
+      </p:cxnSp>
+      <p:sp>
+        <p:nvSpPr>
+          <p:cNvPr id="10" name="CuadroTexto 9"/>
+          <p:cNvSpPr txBox="1"/>
+          <p:nvPr/>
+        </p:nvSpPr>
+        <p:spPr>
+          <a:xfrm>
+            <a:off x="2589162" y="2104311"/>
+            <a:ext cx="1524000" cy="523220"/>
+          </a:xfrm>
+          <a:prstGeom prst="rect">
+            <a:avLst/>
+          </a:prstGeom>
+        </p:spPr>
+        <p:style>
+          <a:lnRef idx="2">
+            <a:schemeClr val="dk1"/>
+          </a:lnRef>
+          <a:fillRef idx="1">
+            <a:schemeClr val="lt1"/>
+          </a:fillRef>
+          <a:effectRef idx="0">
+            <a:schemeClr val="dk1"/>
+          </a:effectRef>
+          <a:fontRef idx="minor">
+            <a:schemeClr val="dk1"/>
+          </a:fontRef>
+        </p:style>
+        <p:txBody>
+          <a:bodyPr wrap="square" rtlCol="0">
+            <a:spAutoFit/>
+          </a:bodyPr>
+          <a:lstStyle/>
+          <a:p>
+            <a:r>
+              <a:rPr lang="es-ES" sz="1400" dirty="0" err="1" smtClean="0"/>
+              <a:t>raw</a:t>
+            </a:r>
+            <a:r>
+              <a:rPr lang="es-ES" sz="1400" dirty="0" smtClean="0"/>
+              <a:t> </a:t>
+            </a:r>
+            <a:r>
+              <a:rPr lang="es-ES" sz="1400" dirty="0" err="1" smtClean="0"/>
+              <a:t>reads</a:t>
+            </a:r>
+            <a:r>
+              <a:rPr lang="es-ES" sz="1400" dirty="0"/>
+              <a:t> </a:t>
+            </a:r>
+            <a:r>
+              <a:rPr lang="es-ES" sz="1400" dirty="0" err="1" smtClean="0"/>
+              <a:t>Based</a:t>
+            </a:r>
+            <a:r>
+              <a:rPr lang="es-ES" sz="1400" dirty="0" smtClean="0"/>
+              <a:t> </a:t>
+            </a:r>
+          </a:p>
+          <a:p>
+            <a:r>
+              <a:rPr lang="es-ES" sz="1400" dirty="0" err="1"/>
+              <a:t>o</a:t>
+            </a:r>
+            <a:r>
+              <a:rPr lang="es-ES" sz="1400" dirty="0" err="1" smtClean="0"/>
+              <a:t>n</a:t>
+            </a:r>
+            <a:r>
+              <a:rPr lang="es-ES" sz="1400" dirty="0" smtClean="0"/>
+              <a:t> FASTQC</a:t>
+            </a:r>
+            <a:endParaRPr lang="en-US" sz="1400" dirty="0"/>
+          </a:p>
+        </p:txBody>
+      </p:sp>
+      <p:sp>
+        <p:nvSpPr>
+          <p:cNvPr id="13" name="CuadroTexto 12"/>
+          <p:cNvSpPr txBox="1"/>
+          <p:nvPr/>
+        </p:nvSpPr>
+        <p:spPr>
+          <a:xfrm>
+            <a:off x="2743200" y="5186065"/>
+            <a:ext cx="856325" cy="307777"/>
+          </a:xfrm>
+          <a:prstGeom prst="rect">
+            <a:avLst/>
+          </a:prstGeom>
+        </p:spPr>
+        <p:style>
+          <a:lnRef idx="2">
+            <a:schemeClr val="dk1"/>
+          </a:lnRef>
+          <a:fillRef idx="1">
+            <a:schemeClr val="lt1"/>
+          </a:fillRef>
+          <a:effectRef idx="0">
+            <a:schemeClr val="dk1"/>
+          </a:effectRef>
+          <a:fontRef idx="minor">
+            <a:schemeClr val="dk1"/>
+          </a:fontRef>
+        </p:style>
+        <p:txBody>
+          <a:bodyPr wrap="none" rtlCol="0">
+            <a:spAutoFit/>
+          </a:bodyPr>
+          <a:lstStyle/>
+          <a:p>
+            <a:r>
+              <a:rPr lang="es-ES" sz="1400" dirty="0" err="1" smtClean="0"/>
+              <a:t>cutadapt</a:t>
+            </a:r>
+            <a:endParaRPr lang="en-US" sz="1400" dirty="0"/>
+          </a:p>
+        </p:txBody>
+      </p:sp>
+      <p:cxnSp>
+        <p:nvCxnSpPr>
+          <p:cNvPr id="14" name="Conector recto de flecha 13"/>
+          <p:cNvCxnSpPr/>
+          <p:nvPr/>
+        </p:nvCxnSpPr>
+        <p:spPr>
+          <a:xfrm flipV="1">
+            <a:off x="3124200" y="4419600"/>
+            <a:ext cx="0" cy="766465"/>
+          </a:xfrm>
+          <a:prstGeom prst="straightConnector1">
+            <a:avLst/>
+          </a:prstGeom>
+          <a:ln>
+            <a:tailEnd type="triangle"/>
+          </a:ln>
+        </p:spPr>
+        <p:style>
+          <a:lnRef idx="2">
+            <a:schemeClr val="dk1"/>
+          </a:lnRef>
+          <a:fillRef idx="0">
+            <a:schemeClr val="dk1"/>
+          </a:fillRef>
+          <a:effectRef idx="1">
+            <a:schemeClr val="dk1"/>
+          </a:effectRef>
+          <a:fontRef idx="minor">
+            <a:schemeClr val="tx1"/>
+          </a:fontRef>
+        </p:style>
+      </p:cxnSp>
+      <p:sp>
+        <p:nvSpPr>
+          <p:cNvPr id="15" name="CuadroTexto 14"/>
+          <p:cNvSpPr txBox="1"/>
+          <p:nvPr/>
+        </p:nvSpPr>
+        <p:spPr>
+          <a:xfrm>
+            <a:off x="3825871" y="5943600"/>
+            <a:ext cx="1050929" cy="369332"/>
+          </a:xfrm>
+          <a:prstGeom prst="rect">
+            <a:avLst/>
+          </a:prstGeom>
+        </p:spPr>
+        <p:style>
+          <a:lnRef idx="2">
+            <a:schemeClr val="dk1"/>
+          </a:lnRef>
+          <a:fillRef idx="1">
+            <a:schemeClr val="lt1"/>
+          </a:fillRef>
+          <a:effectRef idx="0">
+            <a:schemeClr val="dk1"/>
+          </a:effectRef>
+          <a:fontRef idx="minor">
+            <a:schemeClr val="dk1"/>
+          </a:fontRef>
+        </p:style>
+        <p:txBody>
+          <a:bodyPr wrap="none" rtlCol="0">
+            <a:spAutoFit/>
+          </a:bodyPr>
+          <a:lstStyle/>
+          <a:p>
+            <a:r>
+              <a:rPr lang="es-ES" dirty="0" smtClean="0"/>
+              <a:t>Software</a:t>
+            </a:r>
+            <a:endParaRPr lang="en-US" dirty="0"/>
+          </a:p>
+        </p:txBody>
+      </p:sp>
+      <p:sp>
+        <p:nvSpPr>
+          <p:cNvPr id="16" name="CuadroTexto 15"/>
+          <p:cNvSpPr txBox="1"/>
+          <p:nvPr/>
+        </p:nvSpPr>
+        <p:spPr>
+          <a:xfrm>
+            <a:off x="4257004" y="1324930"/>
+            <a:ext cx="684162" cy="369332"/>
+          </a:xfrm>
+          <a:prstGeom prst="rect">
+            <a:avLst/>
+          </a:prstGeom>
+        </p:spPr>
+        <p:style>
+          <a:lnRef idx="2">
+            <a:schemeClr val="dk1"/>
+          </a:lnRef>
+          <a:fillRef idx="1">
+            <a:schemeClr val="lt1"/>
+          </a:fillRef>
+          <a:effectRef idx="0">
+            <a:schemeClr val="dk1"/>
+          </a:effectRef>
+          <a:fontRef idx="minor">
+            <a:schemeClr val="dk1"/>
+          </a:fontRef>
+        </p:style>
+        <p:txBody>
+          <a:bodyPr wrap="none" rtlCol="0">
+            <a:spAutoFit/>
+          </a:bodyPr>
+          <a:lstStyle/>
+          <a:p>
+            <a:r>
+              <a:rPr lang="es-ES" dirty="0" smtClean="0"/>
+              <a:t>Input</a:t>
+            </a:r>
+            <a:endParaRPr lang="en-US" dirty="0"/>
+          </a:p>
+        </p:txBody>
+      </p:sp>
+      <p:cxnSp>
+        <p:nvCxnSpPr>
+          <p:cNvPr id="20" name="Conector recto de flecha 19"/>
+          <p:cNvCxnSpPr/>
+          <p:nvPr/>
+        </p:nvCxnSpPr>
+        <p:spPr>
+          <a:xfrm>
+            <a:off x="5183238" y="2438400"/>
+            <a:ext cx="7666" cy="908425"/>
+          </a:xfrm>
+          <a:prstGeom prst="straightConnector1">
+            <a:avLst/>
+          </a:prstGeom>
+          <a:ln>
+            <a:tailEnd type="triangle"/>
+          </a:ln>
+        </p:spPr>
+        <p:style>
+          <a:lnRef idx="2">
+            <a:schemeClr val="dk1"/>
+          </a:lnRef>
+          <a:fillRef idx="0">
+            <a:schemeClr val="dk1"/>
+          </a:fillRef>
+          <a:effectRef idx="1">
+            <a:schemeClr val="dk1"/>
+          </a:effectRef>
+          <a:fontRef idx="minor">
+            <a:schemeClr val="tx1"/>
+          </a:fontRef>
+        </p:style>
+      </p:cxnSp>
+      <p:sp>
+        <p:nvSpPr>
+          <p:cNvPr id="21" name="CuadroTexto 20"/>
+          <p:cNvSpPr txBox="1"/>
+          <p:nvPr/>
+        </p:nvSpPr>
+        <p:spPr>
+          <a:xfrm>
+            <a:off x="4876800" y="2104311"/>
+            <a:ext cx="1524000" cy="523220"/>
+          </a:xfrm>
+          <a:prstGeom prst="rect">
+            <a:avLst/>
+          </a:prstGeom>
+        </p:spPr>
+        <p:style>
+          <a:lnRef idx="2">
+            <a:schemeClr val="dk1"/>
+          </a:lnRef>
+          <a:fillRef idx="1">
+            <a:schemeClr val="lt1"/>
+          </a:fillRef>
+          <a:effectRef idx="0">
+            <a:schemeClr val="dk1"/>
+          </a:effectRef>
+          <a:fontRef idx="minor">
+            <a:schemeClr val="dk1"/>
+          </a:fontRef>
+        </p:style>
+        <p:txBody>
+          <a:bodyPr wrap="square" rtlCol="0">
+            <a:spAutoFit/>
+          </a:bodyPr>
+          <a:lstStyle/>
+          <a:p>
+            <a:r>
+              <a:rPr lang="es-ES" sz="1400" dirty="0" err="1" smtClean="0"/>
+              <a:t>Trimmed</a:t>
+            </a:r>
+            <a:r>
+              <a:rPr lang="es-ES" sz="1400" dirty="0" smtClean="0"/>
+              <a:t> </a:t>
+            </a:r>
+            <a:r>
+              <a:rPr lang="es-ES" sz="1400" dirty="0" err="1" smtClean="0"/>
+              <a:t>reads</a:t>
+            </a:r>
+            <a:endParaRPr lang="es-ES" sz="1400" dirty="0" smtClean="0"/>
+          </a:p>
+          <a:p>
+            <a:r>
+              <a:rPr lang="es-ES" sz="1400" dirty="0" err="1" smtClean="0"/>
+              <a:t>Transcriptome</a:t>
+            </a:r>
+            <a:r>
+              <a:rPr lang="es-ES" sz="1400" dirty="0" smtClean="0"/>
+              <a:t> file</a:t>
+            </a:r>
+            <a:endParaRPr lang="en-US" sz="1400" dirty="0"/>
+          </a:p>
+        </p:txBody>
+      </p:sp>
+      <p:sp>
+        <p:nvSpPr>
+          <p:cNvPr id="22" name="CuadroTexto 21"/>
+          <p:cNvSpPr txBox="1"/>
+          <p:nvPr/>
+        </p:nvSpPr>
+        <p:spPr>
+          <a:xfrm>
+            <a:off x="4876800" y="5196797"/>
+            <a:ext cx="1225848" cy="307777"/>
+          </a:xfrm>
+          <a:prstGeom prst="rect">
+            <a:avLst/>
+          </a:prstGeom>
+        </p:spPr>
+        <p:style>
+          <a:lnRef idx="2">
+            <a:schemeClr val="dk1"/>
+          </a:lnRef>
+          <a:fillRef idx="1">
+            <a:schemeClr val="lt1"/>
+          </a:fillRef>
+          <a:effectRef idx="0">
+            <a:schemeClr val="dk1"/>
+          </a:effectRef>
+          <a:fontRef idx="minor">
+            <a:schemeClr val="dk1"/>
+          </a:fontRef>
+        </p:style>
+        <p:txBody>
+          <a:bodyPr wrap="none" rtlCol="0">
+            <a:spAutoFit/>
+          </a:bodyPr>
+          <a:lstStyle/>
+          <a:p>
+            <a:r>
+              <a:rPr lang="es-ES" sz="1400" dirty="0" smtClean="0"/>
+              <a:t>RSEM, </a:t>
+            </a:r>
+            <a:r>
+              <a:rPr lang="es-ES" sz="1400" dirty="0" err="1" smtClean="0"/>
+              <a:t>bowtie</a:t>
+            </a:r>
+            <a:endParaRPr lang="en-US" sz="1400" dirty="0"/>
+          </a:p>
+        </p:txBody>
+      </p:sp>
+      <p:cxnSp>
+        <p:nvCxnSpPr>
+          <p:cNvPr id="23" name="Conector recto de flecha 22"/>
+          <p:cNvCxnSpPr/>
+          <p:nvPr/>
+        </p:nvCxnSpPr>
+        <p:spPr>
+          <a:xfrm flipV="1">
+            <a:off x="5257800" y="4430332"/>
+            <a:ext cx="0" cy="766465"/>
+          </a:xfrm>
+          <a:prstGeom prst="straightConnector1">
+            <a:avLst/>
+          </a:prstGeom>
+          <a:ln>
+            <a:tailEnd type="triangle"/>
+          </a:ln>
+        </p:spPr>
+        <p:style>
+          <a:lnRef idx="2">
+            <a:schemeClr val="dk1"/>
+          </a:lnRef>
+          <a:fillRef idx="0">
+            <a:schemeClr val="dk1"/>
+          </a:fillRef>
+          <a:effectRef idx="1">
+            <a:schemeClr val="dk1"/>
+          </a:effectRef>
+          <a:fontRef idx="minor">
+            <a:schemeClr val="tx1"/>
+          </a:fontRef>
+        </p:style>
+      </p:cxnSp>
+      <p:sp>
+        <p:nvSpPr>
+          <p:cNvPr id="24" name="CuadroTexto 23"/>
+          <p:cNvSpPr txBox="1"/>
+          <p:nvPr/>
+        </p:nvSpPr>
+        <p:spPr>
+          <a:xfrm>
+            <a:off x="7091172" y="5198943"/>
+            <a:ext cx="641522" cy="307777"/>
+          </a:xfrm>
+          <a:prstGeom prst="rect">
+            <a:avLst/>
+          </a:prstGeom>
+        </p:spPr>
+        <p:style>
+          <a:lnRef idx="2">
+            <a:schemeClr val="dk1"/>
+          </a:lnRef>
+          <a:fillRef idx="1">
+            <a:schemeClr val="lt1"/>
+          </a:fillRef>
+          <a:effectRef idx="0">
+            <a:schemeClr val="dk1"/>
+          </a:effectRef>
+          <a:fontRef idx="minor">
+            <a:schemeClr val="dk1"/>
+          </a:fontRef>
+        </p:style>
+        <p:txBody>
+          <a:bodyPr wrap="none" rtlCol="0">
+            <a:spAutoFit/>
+          </a:bodyPr>
+          <a:lstStyle/>
+          <a:p>
+            <a:r>
+              <a:rPr lang="es-ES" sz="1400" dirty="0" smtClean="0"/>
+              <a:t>RSEM</a:t>
+            </a:r>
+            <a:endParaRPr lang="en-US" sz="1400" dirty="0"/>
+          </a:p>
+        </p:txBody>
+      </p:sp>
+      <p:cxnSp>
+        <p:nvCxnSpPr>
+          <p:cNvPr id="25" name="Conector recto de flecha 24"/>
+          <p:cNvCxnSpPr/>
+          <p:nvPr/>
+        </p:nvCxnSpPr>
+        <p:spPr>
+          <a:xfrm flipV="1">
+            <a:off x="7472172" y="4432478"/>
+            <a:ext cx="0" cy="766465"/>
+          </a:xfrm>
+          <a:prstGeom prst="straightConnector1">
+            <a:avLst/>
+          </a:prstGeom>
+          <a:ln>
+            <a:tailEnd type="triangle"/>
+          </a:ln>
+        </p:spPr>
+        <p:style>
+          <a:lnRef idx="2">
+            <a:schemeClr val="dk1"/>
+          </a:lnRef>
+          <a:fillRef idx="0">
+            <a:schemeClr val="dk1"/>
+          </a:fillRef>
+          <a:effectRef idx="1">
+            <a:schemeClr val="dk1"/>
+          </a:effectRef>
+          <a:fontRef idx="minor">
+            <a:schemeClr val="tx1"/>
+          </a:fontRef>
+        </p:style>
+      </p:cxnSp>
+      <p:cxnSp>
+        <p:nvCxnSpPr>
+          <p:cNvPr id="26" name="Conector recto de flecha 25"/>
+          <p:cNvCxnSpPr/>
+          <p:nvPr/>
+        </p:nvCxnSpPr>
+        <p:spPr>
+          <a:xfrm>
+            <a:off x="7397610" y="2438400"/>
+            <a:ext cx="7666" cy="908425"/>
+          </a:xfrm>
+          <a:prstGeom prst="straightConnector1">
+            <a:avLst/>
+          </a:prstGeom>
+          <a:ln>
+            <a:tailEnd type="triangle"/>
+          </a:ln>
+        </p:spPr>
+        <p:style>
+          <a:lnRef idx="2">
+            <a:schemeClr val="dk1"/>
+          </a:lnRef>
+          <a:fillRef idx="0">
+            <a:schemeClr val="dk1"/>
+          </a:fillRef>
+          <a:effectRef idx="1">
+            <a:schemeClr val="dk1"/>
+          </a:effectRef>
+          <a:fontRef idx="minor">
+            <a:schemeClr val="tx1"/>
+          </a:fontRef>
+        </p:style>
+      </p:cxnSp>
+      <p:sp>
+        <p:nvSpPr>
+          <p:cNvPr id="27" name="CuadroTexto 26"/>
+          <p:cNvSpPr txBox="1"/>
+          <p:nvPr/>
+        </p:nvSpPr>
+        <p:spPr>
+          <a:xfrm>
+            <a:off x="7091172" y="2104311"/>
+            <a:ext cx="1524000" cy="738664"/>
+          </a:xfrm>
+          <a:prstGeom prst="rect">
+            <a:avLst/>
+          </a:prstGeom>
+        </p:spPr>
+        <p:style>
+          <a:lnRef idx="2">
+            <a:schemeClr val="dk1"/>
+          </a:lnRef>
+          <a:fillRef idx="1">
+            <a:schemeClr val="lt1"/>
+          </a:fillRef>
+          <a:effectRef idx="0">
+            <a:schemeClr val="dk1"/>
+          </a:effectRef>
+          <a:fontRef idx="minor">
+            <a:schemeClr val="dk1"/>
+          </a:fontRef>
+        </p:style>
+        <p:txBody>
+          <a:bodyPr wrap="square" rtlCol="0">
+            <a:spAutoFit/>
+          </a:bodyPr>
+          <a:lstStyle/>
+          <a:p>
+            <a:r>
+              <a:rPr lang="es-ES" sz="1400" dirty="0" err="1" smtClean="0"/>
+              <a:t>Trimmed</a:t>
+            </a:r>
+            <a:r>
+              <a:rPr lang="es-ES" sz="1400" dirty="0" smtClean="0"/>
+              <a:t> </a:t>
+            </a:r>
+            <a:r>
+              <a:rPr lang="es-ES" sz="1400" dirty="0" err="1" smtClean="0"/>
+              <a:t>reads</a:t>
+            </a:r>
+            <a:endParaRPr lang="es-ES" sz="1400" dirty="0" smtClean="0"/>
+          </a:p>
+          <a:p>
+            <a:r>
+              <a:rPr lang="es-ES" sz="1400" dirty="0" err="1" smtClean="0"/>
+              <a:t>Transcriptome</a:t>
+            </a:r>
+            <a:r>
+              <a:rPr lang="es-ES" sz="1400" dirty="0" smtClean="0"/>
+              <a:t> </a:t>
+            </a:r>
+            <a:r>
+              <a:rPr lang="es-ES" sz="1400" dirty="0" err="1" smtClean="0"/>
+              <a:t>references</a:t>
+            </a:r>
+            <a:endParaRPr lang="en-US" sz="1400" dirty="0"/>
+          </a:p>
+        </p:txBody>
+      </p:sp>
     </p:spTree>
     <p:extLst>
       <p:ext uri="{BB962C8B-B14F-4D97-AF65-F5344CB8AC3E}">
@@ -13554,7 +15675,7 @@
       </p:grpSpPr>
       <p:sp>
         <p:nvSpPr>
-          <p:cNvPr id="2" name="Title 1"/>
+          <p:cNvPr id="2" name="Título 1"/>
           <p:cNvSpPr>
             <a:spLocks noGrp="1"/>
           </p:cNvSpPr>
@@ -13568,41 +15689,87 @@
           <a:lstStyle/>
           <a:p>
             <a:r>
+              <a:rPr lang="en-US" dirty="0" err="1"/>
+              <a:t>Transcriptome</a:t>
+            </a:r>
+            <a:r>
               <a:rPr lang="en-US" dirty="0"/>
-              <a:t>Differential Expression</a:t>
+              <a:t> Profiling</a:t>
             </a:r>
           </a:p>
         </p:txBody>
       </p:sp>
-      <p:graphicFrame>
-        <p:nvGraphicFramePr>
-          <p:cNvPr id="4" name="Content Placeholder 3"/>
-          <p:cNvGraphicFramePr>
-            <a:graphicFrameLocks noGrp="1"/>
-          </p:cNvGraphicFramePr>
+      <p:pic>
+        <p:nvPicPr>
+          <p:cNvPr id="1026" name="Picture 2" descr="Resultado de imagen para read alignment RNA seq"/>
+          <p:cNvPicPr>
+            <a:picLocks noGrp="1" noChangeAspect="1" noChangeArrowheads="1"/>
+          </p:cNvPicPr>
           <p:nvPr>
             <p:ph idx="1"/>
-            <p:extLst>
-              <p:ext uri="{D42A27DB-BD31-4B8C-83A1-F6EECF244321}">
-                <p14:modId xmlns:p14="http://schemas.microsoft.com/office/powerpoint/2010/main" val="2280023539"/>
-              </p:ext>
-            </p:extLst>
           </p:nvPr>
-        </p:nvGraphicFramePr>
-        <p:xfrm>
-          <a:off x="1028700" y="2286000"/>
-          <a:ext cx="7200900" cy="3581400"/>
-        </p:xfrm>
-        <a:graphic>
-          <a:graphicData uri="http://schemas.openxmlformats.org/drawingml/2006/diagram">
-            <dgm:relIds xmlns:dgm="http://schemas.openxmlformats.org/drawingml/2006/diagram" xmlns:r="http://schemas.openxmlformats.org/officeDocument/2006/relationships" r:dm="rId2" r:lo="rId3" r:qs="rId4" r:cs="rId5"/>
-          </a:graphicData>
-        </a:graphic>
-      </p:graphicFrame>
+        </p:nvPicPr>
+        <p:blipFill>
+          <a:blip r:embed="rId2">
+            <a:extLst>
+              <a:ext uri="{28A0092B-C50C-407E-A947-70E740481C1C}">
+                <a14:useLocalDpi xmlns:a14="http://schemas.microsoft.com/office/drawing/2010/main" val="0"/>
+              </a:ext>
+            </a:extLst>
+          </a:blip>
+          <a:srcRect/>
+          <a:stretch>
+            <a:fillRect/>
+          </a:stretch>
+        </p:blipFill>
+        <p:spPr bwMode="auto">
+          <a:xfrm>
+            <a:off x="1752600" y="1752600"/>
+            <a:ext cx="6190141" cy="4724400"/>
+          </a:xfrm>
+          <a:prstGeom prst="rect">
+            <a:avLst/>
+          </a:prstGeom>
+          <a:noFill/>
+          <a:extLst>
+            <a:ext uri="{909E8E84-426E-40DD-AFC4-6F175D3DCCD1}">
+              <a14:hiddenFill xmlns:a14="http://schemas.microsoft.com/office/drawing/2010/main">
+                <a:solidFill>
+                  <a:srgbClr val="FFFFFF"/>
+                </a:solidFill>
+              </a14:hiddenFill>
+            </a:ext>
+          </a:extLst>
+        </p:spPr>
+      </p:pic>
+      <p:pic>
+        <p:nvPicPr>
+          <p:cNvPr id="4" name="Imagen 3"/>
+          <p:cNvPicPr>
+            <a:picLocks noChangeAspect="1"/>
+          </p:cNvPicPr>
+          <p:nvPr/>
+        </p:nvPicPr>
+        <p:blipFill>
+          <a:blip r:embed="rId3"/>
+          <a:stretch>
+            <a:fillRect/>
+          </a:stretch>
+        </p:blipFill>
+        <p:spPr>
+          <a:xfrm>
+            <a:off x="1752600" y="6603508"/>
+            <a:ext cx="4848225" cy="219075"/>
+          </a:xfrm>
+          <a:prstGeom prst="rect">
+            <a:avLst/>
+          </a:prstGeom>
+        </p:spPr>
+      </p:pic>
     </p:spTree>
     <p:extLst>
       <p:ext uri="{BB962C8B-B14F-4D97-AF65-F5344CB8AC3E}">
-        <p14:creationId xmlns:p14="http://schemas.microsoft.com/office/powerpoint/2010/main" val="380992816"/>
+        <p14:creationId xmlns:p14="http://schemas.microsoft.com/office/powerpoint/2010/main" val="4166759524"/>
       </p:ext>
     </p:extLst>
   </p:cSld>

--- a/asparagus.pptx
+++ b/asparagus.pptx
@@ -5,7 +5,7 @@
     <p:sldMasterId id="2147483660" r:id="rId1"/>
   </p:sldMasterIdLst>
   <p:notesMasterIdLst>
-    <p:notesMasterId r:id="rId17"/>
+    <p:notesMasterId r:id="rId21"/>
   </p:notesMasterIdLst>
   <p:sldIdLst>
     <p:sldId id="256" r:id="rId2"/>
@@ -22,7 +22,11 @@
     <p:sldId id="264" r:id="rId13"/>
     <p:sldId id="268" r:id="rId14"/>
     <p:sldId id="270" r:id="rId15"/>
-    <p:sldId id="265" r:id="rId16"/>
+    <p:sldId id="272" r:id="rId16"/>
+    <p:sldId id="273" r:id="rId17"/>
+    <p:sldId id="274" r:id="rId18"/>
+    <p:sldId id="275" r:id="rId19"/>
+    <p:sldId id="265" r:id="rId20"/>
   </p:sldIdLst>
   <p:sldSz cx="9144000" cy="6858000" type="screen4x3"/>
   <p:notesSz cx="6858000" cy="9144000"/>
@@ -2396,16 +2400,12 @@
         <a:lstStyle/>
         <a:p>
           <a:r>
-            <a:rPr lang="en-US" dirty="0" err="1" smtClean="0"/>
+            <a:rPr lang="en-US" dirty="0" err="1"/>
             <a:t>Transcriptome</a:t>
           </a:r>
           <a:r>
-            <a:rPr lang="en-US" dirty="0" smtClean="0"/>
-            <a:t> </a:t>
-          </a:r>
-          <a:r>
             <a:rPr lang="en-US" dirty="0"/>
-            <a:t>profiling </a:t>
+            <a:t> profiling </a:t>
           </a:r>
         </a:p>
       </dgm:t>
@@ -2441,13 +2441,8 @@
         <a:p>
           <a:r>
             <a:rPr lang="en-US" dirty="0"/>
-            <a:t>Differential </a:t>
+            <a:t>Differential Expression analysis</a:t>
           </a:r>
-          <a:r>
-            <a:rPr lang="en-US" dirty="0" smtClean="0"/>
-            <a:t>Expression analysis</a:t>
-          </a:r>
-          <a:endParaRPr lang="en-US" dirty="0"/>
         </a:p>
       </dgm:t>
     </dgm:pt>
@@ -2489,35 +2484,14 @@
         </dgm:presLayoutVars>
       </dgm:prSet>
       <dgm:spPr/>
-      <dgm:t>
-        <a:bodyPr/>
-        <a:lstStyle/>
-        <a:p>
-          <a:endParaRPr lang="en-US"/>
-        </a:p>
-      </dgm:t>
     </dgm:pt>
     <dgm:pt modelId="{88EDF64E-35BB-481B-B11A-F08915958068}" type="pres">
       <dgm:prSet presAssocID="{E892C2B4-4244-468D-917A-E776E4200961}" presName="sibTrans" presStyleLbl="sibTrans2D1" presStyleIdx="0" presStyleCnt="1"/>
       <dgm:spPr/>
-      <dgm:t>
-        <a:bodyPr/>
-        <a:lstStyle/>
-        <a:p>
-          <a:endParaRPr lang="en-US"/>
-        </a:p>
-      </dgm:t>
     </dgm:pt>
     <dgm:pt modelId="{F3C8F6A7-EE57-4CE9-92F3-C5249F31F420}" type="pres">
       <dgm:prSet presAssocID="{E892C2B4-4244-468D-917A-E776E4200961}" presName="connectorText" presStyleLbl="sibTrans2D1" presStyleIdx="0" presStyleCnt="1"/>
       <dgm:spPr/>
-      <dgm:t>
-        <a:bodyPr/>
-        <a:lstStyle/>
-        <a:p>
-          <a:endParaRPr lang="en-US"/>
-        </a:p>
-      </dgm:t>
     </dgm:pt>
     <dgm:pt modelId="{174F3DC6-92D1-46F3-BBD6-C834F6469487}" type="pres">
       <dgm:prSet presAssocID="{3E86D3FA-BD3A-4833-9766-85B4B2E840DF}" presName="node" presStyleLbl="node1" presStyleIdx="1" presStyleCnt="2">
@@ -2526,13 +2500,6 @@
         </dgm:presLayoutVars>
       </dgm:prSet>
       <dgm:spPr/>
-      <dgm:t>
-        <a:bodyPr/>
-        <a:lstStyle/>
-        <a:p>
-          <a:endParaRPr lang="en-US"/>
-        </a:p>
-      </dgm:t>
     </dgm:pt>
   </dgm:ptLst>
   <dgm:cxnLst>
@@ -2573,10 +2540,9 @@
         <a:lstStyle/>
         <a:p>
           <a:r>
-            <a:rPr lang="en-US" sz="2000" noProof="0" dirty="0" smtClean="0"/>
+            <a:rPr lang="en-US" sz="2000" noProof="0" dirty="0"/>
             <a:t>Quality assessment</a:t>
           </a:r>
-          <a:endParaRPr lang="en-US" sz="2000" noProof="0" dirty="0"/>
         </a:p>
       </dgm:t>
     </dgm:pt>
@@ -2610,10 +2576,9 @@
         <a:lstStyle/>
         <a:p>
           <a:r>
-            <a:rPr lang="en-US" sz="2000" noProof="0" dirty="0" smtClean="0"/>
+            <a:rPr lang="en-US" sz="2000" noProof="0" dirty="0"/>
             <a:t>Trimming reads</a:t>
           </a:r>
-          <a:endParaRPr lang="en-US" sz="2000" noProof="0" dirty="0"/>
         </a:p>
       </dgm:t>
     </dgm:pt>
@@ -2647,10 +2612,9 @@
         <a:lstStyle/>
         <a:p>
           <a:r>
-            <a:rPr lang="en-US" sz="2000" noProof="0" dirty="0" smtClean="0"/>
+            <a:rPr lang="en-US" sz="2000" noProof="0" dirty="0"/>
             <a:t>Alignment</a:t>
           </a:r>
-          <a:endParaRPr lang="en-US" sz="2000" noProof="0" dirty="0"/>
         </a:p>
       </dgm:t>
     </dgm:pt>
@@ -2684,18 +2648,17 @@
         <a:lstStyle/>
         <a:p>
           <a:r>
-            <a:rPr lang="en-US" sz="2000" noProof="0" dirty="0" smtClean="0"/>
+            <a:rPr lang="en-US" sz="2000" noProof="0" dirty="0"/>
             <a:t>Expression</a:t>
           </a:r>
           <a:r>
-            <a:rPr lang="es-ES" sz="2000" dirty="0" smtClean="0"/>
+            <a:rPr lang="es-ES" sz="2000" dirty="0"/>
             <a:t> </a:t>
           </a:r>
           <a:r>
-            <a:rPr lang="en-US" sz="2000" noProof="0" dirty="0" smtClean="0"/>
+            <a:rPr lang="en-US" sz="2000" noProof="0" dirty="0"/>
             <a:t>counting calculation</a:t>
           </a:r>
-          <a:endParaRPr lang="en-US" sz="2000" noProof="0" dirty="0"/>
         </a:p>
       </dgm:t>
     </dgm:pt>
@@ -2737,35 +2700,14 @@
         </dgm:presLayoutVars>
       </dgm:prSet>
       <dgm:spPr/>
-      <dgm:t>
-        <a:bodyPr/>
-        <a:lstStyle/>
-        <a:p>
-          <a:endParaRPr lang="en-US"/>
-        </a:p>
-      </dgm:t>
     </dgm:pt>
     <dgm:pt modelId="{F743BBA3-F85A-4955-B22D-74C8A453CDA2}" type="pres">
       <dgm:prSet presAssocID="{652A2CBE-7EEC-43CF-9E13-4590DEBC9582}" presName="sibTrans" presStyleLbl="sibTrans2D1" presStyleIdx="0" presStyleCnt="3"/>
       <dgm:spPr/>
-      <dgm:t>
-        <a:bodyPr/>
-        <a:lstStyle/>
-        <a:p>
-          <a:endParaRPr lang="en-US"/>
-        </a:p>
-      </dgm:t>
     </dgm:pt>
     <dgm:pt modelId="{8B8B4377-0697-45FC-A640-F2CE0A54A7DA}" type="pres">
       <dgm:prSet presAssocID="{652A2CBE-7EEC-43CF-9E13-4590DEBC9582}" presName="connectorText" presStyleLbl="sibTrans2D1" presStyleIdx="0" presStyleCnt="3"/>
       <dgm:spPr/>
-      <dgm:t>
-        <a:bodyPr/>
-        <a:lstStyle/>
-        <a:p>
-          <a:endParaRPr lang="en-US"/>
-        </a:p>
-      </dgm:t>
     </dgm:pt>
     <dgm:pt modelId="{34C7BCB3-04DB-45C7-9A42-320BFF7BC6DD}" type="pres">
       <dgm:prSet presAssocID="{BF1D83B5-B3DF-493F-A256-78F574499C76}" presName="node" presStyleLbl="node1" presStyleIdx="1" presStyleCnt="4">
@@ -2774,35 +2716,14 @@
         </dgm:presLayoutVars>
       </dgm:prSet>
       <dgm:spPr/>
-      <dgm:t>
-        <a:bodyPr/>
-        <a:lstStyle/>
-        <a:p>
-          <a:endParaRPr lang="en-US"/>
-        </a:p>
-      </dgm:t>
     </dgm:pt>
     <dgm:pt modelId="{9C101147-473E-42D2-A0E5-5ABF38B50C73}" type="pres">
       <dgm:prSet presAssocID="{C3C10AC9-1ADB-403C-A703-3E7E7FA57BF8}" presName="sibTrans" presStyleLbl="sibTrans2D1" presStyleIdx="1" presStyleCnt="3"/>
       <dgm:spPr/>
-      <dgm:t>
-        <a:bodyPr/>
-        <a:lstStyle/>
-        <a:p>
-          <a:endParaRPr lang="en-US"/>
-        </a:p>
-      </dgm:t>
     </dgm:pt>
     <dgm:pt modelId="{8DC65580-354A-49B6-A367-B6A9A3244483}" type="pres">
       <dgm:prSet presAssocID="{C3C10AC9-1ADB-403C-A703-3E7E7FA57BF8}" presName="connectorText" presStyleLbl="sibTrans2D1" presStyleIdx="1" presStyleCnt="3"/>
       <dgm:spPr/>
-      <dgm:t>
-        <a:bodyPr/>
-        <a:lstStyle/>
-        <a:p>
-          <a:endParaRPr lang="en-US"/>
-        </a:p>
-      </dgm:t>
     </dgm:pt>
     <dgm:pt modelId="{732646D0-614E-4567-8EB3-FE5BADE041C4}" type="pres">
       <dgm:prSet presAssocID="{9943014D-8C6E-463D-A613-48F23D4519B7}" presName="node" presStyleLbl="node1" presStyleIdx="2" presStyleCnt="4">
@@ -2811,13 +2732,6 @@
         </dgm:presLayoutVars>
       </dgm:prSet>
       <dgm:spPr/>
-      <dgm:t>
-        <a:bodyPr/>
-        <a:lstStyle/>
-        <a:p>
-          <a:endParaRPr lang="en-US"/>
-        </a:p>
-      </dgm:t>
     </dgm:pt>
     <dgm:pt modelId="{C450CEE9-1A94-4A67-8B6D-B4519DBA50F0}" type="pres">
       <dgm:prSet presAssocID="{E1FFF456-3F57-4AA5-801E-995CE96CAF64}" presName="sibTrans" presStyleLbl="sibTrans2D1" presStyleIdx="2" presStyleCnt="3"/>
@@ -2834,31 +2748,24 @@
         </dgm:presLayoutVars>
       </dgm:prSet>
       <dgm:spPr/>
-      <dgm:t>
-        <a:bodyPr/>
-        <a:lstStyle/>
-        <a:p>
-          <a:endParaRPr lang="en-US"/>
-        </a:p>
-      </dgm:t>
     </dgm:pt>
   </dgm:ptLst>
   <dgm:cxnLst>
-    <dgm:cxn modelId="{6E98B86E-EB32-49D1-9D49-04F2D3A1797C}" type="presOf" srcId="{BF9479A6-8E44-468C-865C-A5AF6CB9B728}" destId="{C6C5D930-BF4B-4826-8EF5-9713E075F297}" srcOrd="0" destOrd="0" presId="urn:microsoft.com/office/officeart/2005/8/layout/process1"/>
-    <dgm:cxn modelId="{10710FDA-9FC6-4E26-9650-77012A4ECD69}" type="presOf" srcId="{BF1D83B5-B3DF-493F-A256-78F574499C76}" destId="{34C7BCB3-04DB-45C7-9A42-320BFF7BC6DD}" srcOrd="0" destOrd="0" presId="urn:microsoft.com/office/officeart/2005/8/layout/process1"/>
+    <dgm:cxn modelId="{AB8509D1-5396-4647-92ED-BFC225D3CE5B}" srcId="{B51D5227-CD8A-4A6C-9B8B-B8F90F209FFD}" destId="{9943014D-8C6E-463D-A613-48F23D4519B7}" srcOrd="2" destOrd="0" parTransId="{EA722D84-3D12-4C9F-92C7-287E01409804}" sibTransId="{E1FFF456-3F57-4AA5-801E-995CE96CAF64}"/>
+    <dgm:cxn modelId="{D788F2CE-FCA9-4CE9-854D-0374B10FB1DE}" srcId="{B51D5227-CD8A-4A6C-9B8B-B8F90F209FFD}" destId="{BF9479A6-8E44-468C-865C-A5AF6CB9B728}" srcOrd="0" destOrd="0" parTransId="{7AEB2F86-7C19-4AED-AE42-D9456F73BD75}" sibTransId="{652A2CBE-7EEC-43CF-9E13-4590DEBC9582}"/>
     <dgm:cxn modelId="{4C69A28B-0934-4989-9BBD-73C967167B2D}" type="presOf" srcId="{B51D5227-CD8A-4A6C-9B8B-B8F90F209FFD}" destId="{346A8D5E-6DAC-49DF-B417-A9A1ACDC38CD}" srcOrd="0" destOrd="0" presId="urn:microsoft.com/office/officeart/2005/8/layout/process1"/>
-    <dgm:cxn modelId="{9158C5C2-11FB-43E8-A674-137303ADBD32}" type="presOf" srcId="{E1FFF456-3F57-4AA5-801E-995CE96CAF64}" destId="{C450CEE9-1A94-4A67-8B6D-B4519DBA50F0}" srcOrd="0" destOrd="0" presId="urn:microsoft.com/office/officeart/2005/8/layout/process1"/>
-    <dgm:cxn modelId="{D788F2CE-FCA9-4CE9-854D-0374B10FB1DE}" srcId="{B51D5227-CD8A-4A6C-9B8B-B8F90F209FFD}" destId="{BF9479A6-8E44-468C-865C-A5AF6CB9B728}" srcOrd="0" destOrd="0" parTransId="{7AEB2F86-7C19-4AED-AE42-D9456F73BD75}" sibTransId="{652A2CBE-7EEC-43CF-9E13-4590DEBC9582}"/>
+    <dgm:cxn modelId="{AEC80795-DAB2-4DA3-977F-47AA1CC331C6}" type="presOf" srcId="{E1FFF456-3F57-4AA5-801E-995CE96CAF64}" destId="{42481493-BF49-4D21-914E-E49B566E00C1}" srcOrd="1" destOrd="0" presId="urn:microsoft.com/office/officeart/2005/8/layout/process1"/>
+    <dgm:cxn modelId="{BA6E218F-1B49-40F6-AD3C-A061D2CFEE28}" type="presOf" srcId="{727CD113-AE2A-4DE5-BC4F-9A72EB55259C}" destId="{E1A97CE5-89F8-4DCF-B4DC-A0ABABE32E9B}" srcOrd="0" destOrd="0" presId="urn:microsoft.com/office/officeart/2005/8/layout/process1"/>
     <dgm:cxn modelId="{F7FF024C-B249-443F-AB18-DDD868EF7310}" type="presOf" srcId="{C3C10AC9-1ADB-403C-A703-3E7E7FA57BF8}" destId="{8DC65580-354A-49B6-A367-B6A9A3244483}" srcOrd="1" destOrd="0" presId="urn:microsoft.com/office/officeart/2005/8/layout/process1"/>
     <dgm:cxn modelId="{3BEA7B11-69F6-4F8D-9050-310BE84730BC}" type="presOf" srcId="{652A2CBE-7EEC-43CF-9E13-4590DEBC9582}" destId="{F743BBA3-F85A-4955-B22D-74C8A453CDA2}" srcOrd="0" destOrd="0" presId="urn:microsoft.com/office/officeart/2005/8/layout/process1"/>
+    <dgm:cxn modelId="{9158C5C2-11FB-43E8-A674-137303ADBD32}" type="presOf" srcId="{E1FFF456-3F57-4AA5-801E-995CE96CAF64}" destId="{C450CEE9-1A94-4A67-8B6D-B4519DBA50F0}" srcOrd="0" destOrd="0" presId="urn:microsoft.com/office/officeart/2005/8/layout/process1"/>
+    <dgm:cxn modelId="{D483075D-9C1C-419A-A0B1-69B8E1AB81CE}" srcId="{B51D5227-CD8A-4A6C-9B8B-B8F90F209FFD}" destId="{BF1D83B5-B3DF-493F-A256-78F574499C76}" srcOrd="1" destOrd="0" parTransId="{825F469F-E5E7-4227-AD16-80587CE29A33}" sibTransId="{C3C10AC9-1ADB-403C-A703-3E7E7FA57BF8}"/>
     <dgm:cxn modelId="{7F0E42AB-AC08-4F6B-B175-97515724429D}" type="presOf" srcId="{9943014D-8C6E-463D-A613-48F23D4519B7}" destId="{732646D0-614E-4567-8EB3-FE5BADE041C4}" srcOrd="0" destOrd="0" presId="urn:microsoft.com/office/officeart/2005/8/layout/process1"/>
-    <dgm:cxn modelId="{AB8509D1-5396-4647-92ED-BFC225D3CE5B}" srcId="{B51D5227-CD8A-4A6C-9B8B-B8F90F209FFD}" destId="{9943014D-8C6E-463D-A613-48F23D4519B7}" srcOrd="2" destOrd="0" parTransId="{EA722D84-3D12-4C9F-92C7-287E01409804}" sibTransId="{E1FFF456-3F57-4AA5-801E-995CE96CAF64}"/>
+    <dgm:cxn modelId="{2E0CBE54-9787-40E4-99D7-3F30550F1B91}" srcId="{B51D5227-CD8A-4A6C-9B8B-B8F90F209FFD}" destId="{727CD113-AE2A-4DE5-BC4F-9A72EB55259C}" srcOrd="3" destOrd="0" parTransId="{85FD5930-820A-4ECE-AD41-416B82BCAA08}" sibTransId="{9B988E74-03A2-46F3-9C91-A75E7FE2468F}"/>
+    <dgm:cxn modelId="{6E98B86E-EB32-49D1-9D49-04F2D3A1797C}" type="presOf" srcId="{BF9479A6-8E44-468C-865C-A5AF6CB9B728}" destId="{C6C5D930-BF4B-4826-8EF5-9713E075F297}" srcOrd="0" destOrd="0" presId="urn:microsoft.com/office/officeart/2005/8/layout/process1"/>
+    <dgm:cxn modelId="{63C212A9-7E88-4104-A098-249ADECF52B6}" type="presOf" srcId="{C3C10AC9-1ADB-403C-A703-3E7E7FA57BF8}" destId="{9C101147-473E-42D2-A0E5-5ABF38B50C73}" srcOrd="0" destOrd="0" presId="urn:microsoft.com/office/officeart/2005/8/layout/process1"/>
     <dgm:cxn modelId="{5B953AEF-E5D9-4A2E-B1D5-81A926517769}" type="presOf" srcId="{652A2CBE-7EEC-43CF-9E13-4590DEBC9582}" destId="{8B8B4377-0697-45FC-A640-F2CE0A54A7DA}" srcOrd="1" destOrd="0" presId="urn:microsoft.com/office/officeart/2005/8/layout/process1"/>
-    <dgm:cxn modelId="{D483075D-9C1C-419A-A0B1-69B8E1AB81CE}" srcId="{B51D5227-CD8A-4A6C-9B8B-B8F90F209FFD}" destId="{BF1D83B5-B3DF-493F-A256-78F574499C76}" srcOrd="1" destOrd="0" parTransId="{825F469F-E5E7-4227-AD16-80587CE29A33}" sibTransId="{C3C10AC9-1ADB-403C-A703-3E7E7FA57BF8}"/>
-    <dgm:cxn modelId="{BA6E218F-1B49-40F6-AD3C-A061D2CFEE28}" type="presOf" srcId="{727CD113-AE2A-4DE5-BC4F-9A72EB55259C}" destId="{E1A97CE5-89F8-4DCF-B4DC-A0ABABE32E9B}" srcOrd="0" destOrd="0" presId="urn:microsoft.com/office/officeart/2005/8/layout/process1"/>
-    <dgm:cxn modelId="{63C212A9-7E88-4104-A098-249ADECF52B6}" type="presOf" srcId="{C3C10AC9-1ADB-403C-A703-3E7E7FA57BF8}" destId="{9C101147-473E-42D2-A0E5-5ABF38B50C73}" srcOrd="0" destOrd="0" presId="urn:microsoft.com/office/officeart/2005/8/layout/process1"/>
-    <dgm:cxn modelId="{2E0CBE54-9787-40E4-99D7-3F30550F1B91}" srcId="{B51D5227-CD8A-4A6C-9B8B-B8F90F209FFD}" destId="{727CD113-AE2A-4DE5-BC4F-9A72EB55259C}" srcOrd="3" destOrd="0" parTransId="{85FD5930-820A-4ECE-AD41-416B82BCAA08}" sibTransId="{9B988E74-03A2-46F3-9C91-A75E7FE2468F}"/>
-    <dgm:cxn modelId="{AEC80795-DAB2-4DA3-977F-47AA1CC331C6}" type="presOf" srcId="{E1FFF456-3F57-4AA5-801E-995CE96CAF64}" destId="{42481493-BF49-4D21-914E-E49B566E00C1}" srcOrd="1" destOrd="0" presId="urn:microsoft.com/office/officeart/2005/8/layout/process1"/>
+    <dgm:cxn modelId="{10710FDA-9FC6-4E26-9650-77012A4ECD69}" type="presOf" srcId="{BF1D83B5-B3DF-493F-A256-78F574499C76}" destId="{34C7BCB3-04DB-45C7-9A42-320BFF7BC6DD}" srcOrd="0" destOrd="0" presId="urn:microsoft.com/office/officeart/2005/8/layout/process1"/>
     <dgm:cxn modelId="{F6C77133-5720-4D53-B315-81B807A8088A}" type="presParOf" srcId="{346A8D5E-6DAC-49DF-B417-A9A1ACDC38CD}" destId="{C6C5D930-BF4B-4826-8EF5-9713E075F297}" srcOrd="0" destOrd="0" presId="urn:microsoft.com/office/officeart/2005/8/layout/process1"/>
     <dgm:cxn modelId="{7D1B7CEB-059E-4BEA-8E28-3A384A2DBB98}" type="presParOf" srcId="{346A8D5E-6DAC-49DF-B417-A9A1ACDC38CD}" destId="{F743BBA3-F85A-4955-B22D-74C8A453CDA2}" srcOrd="1" destOrd="0" presId="urn:microsoft.com/office/officeart/2005/8/layout/process1"/>
     <dgm:cxn modelId="{1C4221C7-F568-4A76-A1F9-7E64BC8D7BDF}" type="presParOf" srcId="{F743BBA3-F85A-4955-B22D-74C8A453CDA2}" destId="{8B8B4377-0697-45FC-A640-F2CE0A54A7DA}" srcOrd="0" destOrd="0" presId="urn:microsoft.com/office/officeart/2005/8/layout/process1"/>
@@ -2894,7 +2801,7 @@
         <a:bodyPr/>
         <a:lstStyle/>
         <a:p>
-          <a:endParaRPr lang="en-US"/>
+          <a:endParaRPr lang="en-US" dirty="0"/>
         </a:p>
       </dgm:t>
     </dgm:pt>
@@ -3002,35 +2909,14 @@
         </dgm:presLayoutVars>
       </dgm:prSet>
       <dgm:spPr/>
-      <dgm:t>
-        <a:bodyPr/>
-        <a:lstStyle/>
-        <a:p>
-          <a:endParaRPr lang="en-US"/>
-        </a:p>
-      </dgm:t>
     </dgm:pt>
     <dgm:pt modelId="{9AA0144C-5539-4436-A2D7-D0076484B6A5}" type="pres">
       <dgm:prSet presAssocID="{A6F7AF0B-D6F3-4BB2-BED8-D145641246F0}" presName="sibTrans" presStyleLbl="sibTrans2D1" presStyleIdx="0" presStyleCnt="2"/>
       <dgm:spPr/>
-      <dgm:t>
-        <a:bodyPr/>
-        <a:lstStyle/>
-        <a:p>
-          <a:endParaRPr lang="en-US"/>
-        </a:p>
-      </dgm:t>
     </dgm:pt>
     <dgm:pt modelId="{BA7124CE-A91E-4278-A8B8-483BD1B9EB53}" type="pres">
       <dgm:prSet presAssocID="{A6F7AF0B-D6F3-4BB2-BED8-D145641246F0}" presName="connectorText" presStyleLbl="sibTrans2D1" presStyleIdx="0" presStyleCnt="2"/>
       <dgm:spPr/>
-      <dgm:t>
-        <a:bodyPr/>
-        <a:lstStyle/>
-        <a:p>
-          <a:endParaRPr lang="en-US"/>
-        </a:p>
-      </dgm:t>
     </dgm:pt>
     <dgm:pt modelId="{0144F23B-66FF-470D-9DB2-78780C3993C3}" type="pres">
       <dgm:prSet presAssocID="{8B4163E0-D9A4-4F25-8F85-638ACD032F1C}" presName="node" presStyleLbl="node1" presStyleIdx="1" presStyleCnt="3">
@@ -3039,35 +2925,14 @@
         </dgm:presLayoutVars>
       </dgm:prSet>
       <dgm:spPr/>
-      <dgm:t>
-        <a:bodyPr/>
-        <a:lstStyle/>
-        <a:p>
-          <a:endParaRPr lang="en-US"/>
-        </a:p>
-      </dgm:t>
     </dgm:pt>
     <dgm:pt modelId="{F5AFDAF3-FFE6-4092-BA54-9FDC13D578EC}" type="pres">
       <dgm:prSet presAssocID="{9F45A1D7-F201-46B9-810B-C95E71227969}" presName="sibTrans" presStyleLbl="sibTrans2D1" presStyleIdx="1" presStyleCnt="2"/>
       <dgm:spPr/>
-      <dgm:t>
-        <a:bodyPr/>
-        <a:lstStyle/>
-        <a:p>
-          <a:endParaRPr lang="en-US"/>
-        </a:p>
-      </dgm:t>
     </dgm:pt>
     <dgm:pt modelId="{4C66682C-450F-4FAE-A7DE-B012CE089624}" type="pres">
       <dgm:prSet presAssocID="{9F45A1D7-F201-46B9-810B-C95E71227969}" presName="connectorText" presStyleLbl="sibTrans2D1" presStyleIdx="1" presStyleCnt="2"/>
       <dgm:spPr/>
-      <dgm:t>
-        <a:bodyPr/>
-        <a:lstStyle/>
-        <a:p>
-          <a:endParaRPr lang="en-US"/>
-        </a:p>
-      </dgm:t>
     </dgm:pt>
     <dgm:pt modelId="{3432B14F-3020-44AB-9D24-EA53FC004441}" type="pres">
       <dgm:prSet presAssocID="{15C71DBD-6CA2-4C8D-B38F-1E72A180A62A}" presName="node" presStyleLbl="node1" presStyleIdx="2" presStyleCnt="3">
@@ -3076,13 +2941,6 @@
         </dgm:presLayoutVars>
       </dgm:prSet>
       <dgm:spPr/>
-      <dgm:t>
-        <a:bodyPr/>
-        <a:lstStyle/>
-        <a:p>
-          <a:endParaRPr lang="en-US"/>
-        </a:p>
-      </dgm:t>
     </dgm:pt>
   </dgm:ptLst>
   <dgm:cxnLst>
@@ -3179,7 +3037,7 @@
         </a:bodyPr>
         <a:lstStyle/>
         <a:p>
-          <a:pPr lvl="0" algn="ctr" defTabSz="1511300">
+          <a:pPr marL="0" lvl="0" indent="0" algn="ctr" defTabSz="1511300">
             <a:lnSpc>
               <a:spcPct val="90000"/>
             </a:lnSpc>
@@ -3189,18 +3047,15 @@
             <a:spcAft>
               <a:spcPct val="35000"/>
             </a:spcAft>
+            <a:buNone/>
           </a:pPr>
           <a:r>
-            <a:rPr lang="en-US" sz="3400" kern="1200" dirty="0" err="1" smtClean="0"/>
+            <a:rPr lang="en-US" sz="3400" kern="1200" dirty="0" err="1"/>
             <a:t>Transcriptome</a:t>
           </a:r>
           <a:r>
-            <a:rPr lang="en-US" sz="3400" kern="1200" dirty="0" smtClean="0"/>
-            <a:t> </a:t>
-          </a:r>
-          <a:r>
             <a:rPr lang="en-US" sz="3400" kern="1200" dirty="0"/>
-            <a:t>profiling </a:t>
+            <a:t> profiling </a:t>
           </a:r>
         </a:p>
       </dsp:txBody>
@@ -3259,7 +3114,7 @@
         </a:bodyPr>
         <a:lstStyle/>
         <a:p>
-          <a:pPr lvl="0" algn="ctr" defTabSz="1200150">
+          <a:pPr marL="0" lvl="0" indent="0" algn="ctr" defTabSz="1200150">
             <a:lnSpc>
               <a:spcPct val="90000"/>
             </a:lnSpc>
@@ -3269,6 +3124,7 @@
             <a:spcAft>
               <a:spcPct val="35000"/>
             </a:spcAft>
+            <a:buNone/>
           </a:pPr>
           <a:endParaRPr lang="en-US" sz="2700" kern="1200"/>
         </a:p>
@@ -3334,7 +3190,7 @@
         </a:bodyPr>
         <a:lstStyle/>
         <a:p>
-          <a:pPr lvl="0" algn="ctr" defTabSz="1511300">
+          <a:pPr marL="0" lvl="0" indent="0" algn="ctr" defTabSz="1511300">
             <a:lnSpc>
               <a:spcPct val="90000"/>
             </a:lnSpc>
@@ -3344,16 +3200,12 @@
             <a:spcAft>
               <a:spcPct val="35000"/>
             </a:spcAft>
+            <a:buNone/>
           </a:pPr>
           <a:r>
             <a:rPr lang="en-US" sz="3400" kern="1200" dirty="0"/>
-            <a:t>Differential </a:t>
+            <a:t>Differential Expression analysis</a:t>
           </a:r>
-          <a:r>
-            <a:rPr lang="en-US" sz="3400" kern="1200" dirty="0" smtClean="0"/>
-            <a:t>Expression analysis</a:t>
-          </a:r>
-          <a:endParaRPr lang="en-US" sz="3400" kern="1200" dirty="0"/>
         </a:p>
       </dsp:txBody>
       <dsp:txXfrm>
@@ -3429,7 +3281,7 @@
         </a:bodyPr>
         <a:lstStyle/>
         <a:p>
-          <a:pPr lvl="0" algn="ctr" defTabSz="889000">
+          <a:pPr marL="0" lvl="0" indent="0" algn="ctr" defTabSz="889000">
             <a:lnSpc>
               <a:spcPct val="90000"/>
             </a:lnSpc>
@@ -3439,12 +3291,12 @@
             <a:spcAft>
               <a:spcPct val="35000"/>
             </a:spcAft>
+            <a:buNone/>
           </a:pPr>
           <a:r>
-            <a:rPr lang="en-US" sz="2000" kern="1200" noProof="0" dirty="0" smtClean="0"/>
+            <a:rPr lang="en-US" sz="2000" kern="1200" noProof="0" dirty="0"/>
             <a:t>Quality assessment</a:t>
           </a:r>
-          <a:endParaRPr lang="en-US" sz="2000" kern="1200" noProof="0" dirty="0"/>
         </a:p>
       </dsp:txBody>
       <dsp:txXfrm>
@@ -3502,7 +3354,7 @@
         </a:bodyPr>
         <a:lstStyle/>
         <a:p>
-          <a:pPr lvl="0" algn="ctr" defTabSz="889000">
+          <a:pPr marL="0" lvl="0" indent="0" algn="ctr" defTabSz="889000">
             <a:lnSpc>
               <a:spcPct val="90000"/>
             </a:lnSpc>
@@ -3512,6 +3364,7 @@
             <a:spcAft>
               <a:spcPct val="35000"/>
             </a:spcAft>
+            <a:buNone/>
           </a:pPr>
           <a:endParaRPr lang="en-US" sz="2000" kern="1200"/>
         </a:p>
@@ -3577,7 +3430,7 @@
         </a:bodyPr>
         <a:lstStyle/>
         <a:p>
-          <a:pPr lvl="0" algn="ctr" defTabSz="889000">
+          <a:pPr marL="0" lvl="0" indent="0" algn="ctr" defTabSz="889000">
             <a:lnSpc>
               <a:spcPct val="90000"/>
             </a:lnSpc>
@@ -3587,12 +3440,12 @@
             <a:spcAft>
               <a:spcPct val="35000"/>
             </a:spcAft>
+            <a:buNone/>
           </a:pPr>
           <a:r>
-            <a:rPr lang="en-US" sz="2000" kern="1200" noProof="0" dirty="0" smtClean="0"/>
+            <a:rPr lang="en-US" sz="2000" kern="1200" noProof="0" dirty="0"/>
             <a:t>Trimming reads</a:t>
           </a:r>
-          <a:endParaRPr lang="en-US" sz="2000" kern="1200" noProof="0" dirty="0"/>
         </a:p>
       </dsp:txBody>
       <dsp:txXfrm>
@@ -3650,7 +3503,7 @@
         </a:bodyPr>
         <a:lstStyle/>
         <a:p>
-          <a:pPr lvl="0" algn="ctr" defTabSz="889000">
+          <a:pPr marL="0" lvl="0" indent="0" algn="ctr" defTabSz="889000">
             <a:lnSpc>
               <a:spcPct val="90000"/>
             </a:lnSpc>
@@ -3660,6 +3513,7 @@
             <a:spcAft>
               <a:spcPct val="35000"/>
             </a:spcAft>
+            <a:buNone/>
           </a:pPr>
           <a:endParaRPr lang="en-US" sz="2000" kern="1200"/>
         </a:p>
@@ -3725,7 +3579,7 @@
         </a:bodyPr>
         <a:lstStyle/>
         <a:p>
-          <a:pPr lvl="0" algn="ctr" defTabSz="889000">
+          <a:pPr marL="0" lvl="0" indent="0" algn="ctr" defTabSz="889000">
             <a:lnSpc>
               <a:spcPct val="90000"/>
             </a:lnSpc>
@@ -3735,12 +3589,12 @@
             <a:spcAft>
               <a:spcPct val="35000"/>
             </a:spcAft>
+            <a:buNone/>
           </a:pPr>
           <a:r>
-            <a:rPr lang="en-US" sz="2000" kern="1200" noProof="0" dirty="0" smtClean="0"/>
+            <a:rPr lang="en-US" sz="2000" kern="1200" noProof="0" dirty="0"/>
             <a:t>Alignment</a:t>
           </a:r>
-          <a:endParaRPr lang="en-US" sz="2000" kern="1200" noProof="0" dirty="0"/>
         </a:p>
       </dsp:txBody>
       <dsp:txXfrm>
@@ -3798,7 +3652,7 @@
         </a:bodyPr>
         <a:lstStyle/>
         <a:p>
-          <a:pPr lvl="0" algn="ctr" defTabSz="889000">
+          <a:pPr marL="0" lvl="0" indent="0" algn="ctr" defTabSz="889000">
             <a:lnSpc>
               <a:spcPct val="90000"/>
             </a:lnSpc>
@@ -3808,6 +3662,7 @@
             <a:spcAft>
               <a:spcPct val="35000"/>
             </a:spcAft>
+            <a:buNone/>
           </a:pPr>
           <a:endParaRPr lang="en-US" sz="2000" kern="1200"/>
         </a:p>
@@ -3873,7 +3728,7 @@
         </a:bodyPr>
         <a:lstStyle/>
         <a:p>
-          <a:pPr lvl="0" algn="ctr" defTabSz="889000">
+          <a:pPr marL="0" lvl="0" indent="0" algn="ctr" defTabSz="889000">
             <a:lnSpc>
               <a:spcPct val="90000"/>
             </a:lnSpc>
@@ -3883,20 +3738,20 @@
             <a:spcAft>
               <a:spcPct val="35000"/>
             </a:spcAft>
+            <a:buNone/>
           </a:pPr>
           <a:r>
-            <a:rPr lang="en-US" sz="2000" kern="1200" noProof="0" dirty="0" smtClean="0"/>
+            <a:rPr lang="en-US" sz="2000" kern="1200" noProof="0" dirty="0"/>
             <a:t>Expression</a:t>
           </a:r>
           <a:r>
-            <a:rPr lang="es-ES" sz="2000" kern="1200" dirty="0" smtClean="0"/>
+            <a:rPr lang="es-ES" sz="2000" kern="1200" dirty="0"/>
             <a:t> </a:t>
           </a:r>
           <a:r>
-            <a:rPr lang="en-US" sz="2000" kern="1200" noProof="0" dirty="0" smtClean="0"/>
+            <a:rPr lang="en-US" sz="2000" kern="1200" noProof="0" dirty="0"/>
             <a:t>counting calculation</a:t>
           </a:r>
-          <a:endParaRPr lang="en-US" sz="2000" kern="1200" noProof="0" dirty="0"/>
         </a:p>
       </dsp:txBody>
       <dsp:txXfrm>
@@ -3972,7 +3827,7 @@
         </a:bodyPr>
         <a:lstStyle/>
         <a:p>
-          <a:pPr lvl="0" algn="ctr" defTabSz="2222500">
+          <a:pPr marL="0" lvl="0" indent="0" algn="ctr" defTabSz="2222500">
             <a:lnSpc>
               <a:spcPct val="90000"/>
             </a:lnSpc>
@@ -3982,6 +3837,7 @@
             <a:spcAft>
               <a:spcPct val="35000"/>
             </a:spcAft>
+            <a:buNone/>
           </a:pPr>
           <a:endParaRPr lang="en-US" sz="5000" kern="1200"/>
         </a:p>
@@ -4041,7 +3897,7 @@
         </a:bodyPr>
         <a:lstStyle/>
         <a:p>
-          <a:pPr lvl="0" algn="ctr" defTabSz="933450">
+          <a:pPr marL="0" lvl="0" indent="0" algn="ctr" defTabSz="933450">
             <a:lnSpc>
               <a:spcPct val="90000"/>
             </a:lnSpc>
@@ -4051,6 +3907,7 @@
             <a:spcAft>
               <a:spcPct val="35000"/>
             </a:spcAft>
+            <a:buNone/>
           </a:pPr>
           <a:endParaRPr lang="en-US" sz="2100" kern="1200"/>
         </a:p>
@@ -4116,7 +3973,7 @@
         </a:bodyPr>
         <a:lstStyle/>
         <a:p>
-          <a:pPr lvl="0" algn="ctr" defTabSz="2222500">
+          <a:pPr marL="0" lvl="0" indent="0" algn="ctr" defTabSz="2222500">
             <a:lnSpc>
               <a:spcPct val="90000"/>
             </a:lnSpc>
@@ -4126,6 +3983,7 @@
             <a:spcAft>
               <a:spcPct val="35000"/>
             </a:spcAft>
+            <a:buNone/>
           </a:pPr>
           <a:endParaRPr lang="en-US" sz="5000" kern="1200"/>
         </a:p>
@@ -4185,7 +4043,7 @@
         </a:bodyPr>
         <a:lstStyle/>
         <a:p>
-          <a:pPr lvl="0" algn="ctr" defTabSz="933450">
+          <a:pPr marL="0" lvl="0" indent="0" algn="ctr" defTabSz="933450">
             <a:lnSpc>
               <a:spcPct val="90000"/>
             </a:lnSpc>
@@ -4195,6 +4053,7 @@
             <a:spcAft>
               <a:spcPct val="35000"/>
             </a:spcAft>
+            <a:buNone/>
           </a:pPr>
           <a:endParaRPr lang="en-US" sz="2100" kern="1200"/>
         </a:p>
@@ -4260,7 +4119,7 @@
         </a:bodyPr>
         <a:lstStyle/>
         <a:p>
-          <a:pPr lvl="0" algn="ctr" defTabSz="2222500">
+          <a:pPr marL="0" lvl="0" indent="0" algn="ctr" defTabSz="2222500">
             <a:lnSpc>
               <a:spcPct val="90000"/>
             </a:lnSpc>
@@ -4270,6 +4129,7 @@
             <a:spcAft>
               <a:spcPct val="35000"/>
             </a:spcAft>
+            <a:buNone/>
           </a:pPr>
           <a:endParaRPr lang="en-US" sz="5000" kern="1200"/>
         </a:p>
@@ -7905,7 +7765,7 @@
           <a:p>
             <a:fld id="{146B6C00-59C7-4649-A05A-DC2738C2BE3E}" type="datetimeFigureOut">
               <a:rPr lang="en-US" smtClean="0"/>
-              <a:t>4/24/2017</a:t>
+              <a:t>4/25/2017</a:t>
             </a:fld>
             <a:endParaRPr lang="en-US"/>
           </a:p>
@@ -8063,7 +7923,7 @@
           <a:p>
             <a:fld id="{F2F879E2-5852-44F1-8CAE-5E978482BEF5}" type="slidenum">
               <a:rPr lang="en-US" smtClean="0"/>
-              <a:t>‹Nº›</a:t>
+              <a:t>‹#›</a:t>
             </a:fld>
             <a:endParaRPr lang="en-US"/>
           </a:p>
@@ -8795,7 +8655,7 @@
           <a:p>
             <a:fld id="{AC25CB34-BB08-4399-A2CA-3CAF79EA992F}" type="datetimeFigureOut">
               <a:rPr lang="en-US" smtClean="0"/>
-              <a:t>4/24/2017</a:t>
+              <a:t>4/25/2017</a:t>
             </a:fld>
             <a:endParaRPr lang="en-US"/>
           </a:p>
@@ -8863,7 +8723,7 @@
           <a:p>
             <a:fld id="{B5E014E3-A4EE-484A-A75D-BE16B10F8A2C}" type="slidenum">
               <a:rPr lang="en-US" smtClean="0"/>
-              <a:t>‹Nº›</a:t>
+              <a:t>‹#›</a:t>
             </a:fld>
             <a:endParaRPr lang="en-US"/>
           </a:p>
@@ -9125,7 +8985,7 @@
           <a:p>
             <a:fld id="{AC25CB34-BB08-4399-A2CA-3CAF79EA992F}" type="datetimeFigureOut">
               <a:rPr lang="en-US" smtClean="0"/>
-              <a:t>4/24/2017</a:t>
+              <a:t>4/25/2017</a:t>
             </a:fld>
             <a:endParaRPr lang="en-US"/>
           </a:p>
@@ -9167,7 +9027,7 @@
           <a:p>
             <a:fld id="{B5E014E3-A4EE-484A-A75D-BE16B10F8A2C}" type="slidenum">
               <a:rPr lang="en-US" smtClean="0"/>
-              <a:t>‹Nº›</a:t>
+              <a:t>‹#›</a:t>
             </a:fld>
             <a:endParaRPr lang="en-US"/>
           </a:p>
@@ -9305,7 +9165,7 @@
           <a:p>
             <a:fld id="{AC25CB34-BB08-4399-A2CA-3CAF79EA992F}" type="datetimeFigureOut">
               <a:rPr lang="en-US" smtClean="0"/>
-              <a:t>4/24/2017</a:t>
+              <a:t>4/25/2017</a:t>
             </a:fld>
             <a:endParaRPr lang="en-US"/>
           </a:p>
@@ -9347,7 +9207,7 @@
           <a:p>
             <a:fld id="{B5E014E3-A4EE-484A-A75D-BE16B10F8A2C}" type="slidenum">
               <a:rPr lang="en-US" smtClean="0"/>
-              <a:t>‹Nº›</a:t>
+              <a:t>‹#›</a:t>
             </a:fld>
             <a:endParaRPr lang="en-US"/>
           </a:p>
@@ -9475,7 +9335,7 @@
           <a:p>
             <a:fld id="{AC25CB34-BB08-4399-A2CA-3CAF79EA992F}" type="datetimeFigureOut">
               <a:rPr lang="en-US" smtClean="0"/>
-              <a:t>4/24/2017</a:t>
+              <a:t>4/25/2017</a:t>
             </a:fld>
             <a:endParaRPr lang="en-US"/>
           </a:p>
@@ -9517,7 +9377,7 @@
           <a:p>
             <a:fld id="{B5E014E3-A4EE-484A-A75D-BE16B10F8A2C}" type="slidenum">
               <a:rPr lang="en-US" smtClean="0"/>
-              <a:t>‹Nº›</a:t>
+              <a:t>‹#›</a:t>
             </a:fld>
             <a:endParaRPr lang="en-US"/>
           </a:p>
@@ -9752,7 +9612,7 @@
           <a:p>
             <a:fld id="{AC25CB34-BB08-4399-A2CA-3CAF79EA992F}" type="datetimeFigureOut">
               <a:rPr lang="en-US" smtClean="0"/>
-              <a:t>4/24/2017</a:t>
+              <a:t>4/25/2017</a:t>
             </a:fld>
             <a:endParaRPr lang="en-US"/>
           </a:p>
@@ -9820,7 +9680,7 @@
           <a:p>
             <a:fld id="{B5E014E3-A4EE-484A-A75D-BE16B10F8A2C}" type="slidenum">
               <a:rPr lang="en-US" smtClean="0"/>
-              <a:t>‹Nº›</a:t>
+              <a:t>‹#›</a:t>
             </a:fld>
             <a:endParaRPr lang="en-US"/>
           </a:p>
@@ -10202,7 +10062,7 @@
           <a:p>
             <a:fld id="{AC25CB34-BB08-4399-A2CA-3CAF79EA992F}" type="datetimeFigureOut">
               <a:rPr lang="en-US" smtClean="0"/>
-              <a:t>4/24/2017</a:t>
+              <a:t>4/25/2017</a:t>
             </a:fld>
             <a:endParaRPr lang="en-US"/>
           </a:p>
@@ -10244,7 +10104,7 @@
           <a:p>
             <a:fld id="{B5E014E3-A4EE-484A-A75D-BE16B10F8A2C}" type="slidenum">
               <a:rPr lang="en-US" smtClean="0"/>
-              <a:t>‹Nº›</a:t>
+              <a:t>‹#›</a:t>
             </a:fld>
             <a:endParaRPr lang="en-US"/>
           </a:p>
@@ -10679,7 +10539,7 @@
           <a:p>
             <a:fld id="{AC25CB34-BB08-4399-A2CA-3CAF79EA992F}" type="datetimeFigureOut">
               <a:rPr lang="en-US" smtClean="0"/>
-              <a:t>4/24/2017</a:t>
+              <a:t>4/25/2017</a:t>
             </a:fld>
             <a:endParaRPr lang="en-US"/>
           </a:p>
@@ -10721,7 +10581,7 @@
           <a:p>
             <a:fld id="{B5E014E3-A4EE-484A-A75D-BE16B10F8A2C}" type="slidenum">
               <a:rPr lang="en-US" smtClean="0"/>
-              <a:t>‹Nº›</a:t>
+              <a:t>‹#›</a:t>
             </a:fld>
             <a:endParaRPr lang="en-US"/>
           </a:p>
@@ -10797,7 +10657,7 @@
           <a:p>
             <a:fld id="{AC25CB34-BB08-4399-A2CA-3CAF79EA992F}" type="datetimeFigureOut">
               <a:rPr lang="en-US" smtClean="0"/>
-              <a:t>4/24/2017</a:t>
+              <a:t>4/25/2017</a:t>
             </a:fld>
             <a:endParaRPr lang="en-US"/>
           </a:p>
@@ -10839,7 +10699,7 @@
           <a:p>
             <a:fld id="{B5E014E3-A4EE-484A-A75D-BE16B10F8A2C}" type="slidenum">
               <a:rPr lang="en-US" smtClean="0"/>
-              <a:t>‹Nº›</a:t>
+              <a:t>‹#›</a:t>
             </a:fld>
             <a:endParaRPr lang="en-US"/>
           </a:p>
@@ -10892,7 +10752,7 @@
           <a:p>
             <a:fld id="{AC25CB34-BB08-4399-A2CA-3CAF79EA992F}" type="datetimeFigureOut">
               <a:rPr lang="en-US" smtClean="0"/>
-              <a:t>4/24/2017</a:t>
+              <a:t>4/25/2017</a:t>
             </a:fld>
             <a:endParaRPr lang="en-US"/>
           </a:p>
@@ -10934,7 +10794,7 @@
           <a:p>
             <a:fld id="{B5E014E3-A4EE-484A-A75D-BE16B10F8A2C}" type="slidenum">
               <a:rPr lang="en-US" smtClean="0"/>
-              <a:t>‹Nº›</a:t>
+              <a:t>‹#›</a:t>
             </a:fld>
             <a:endParaRPr lang="en-US"/>
           </a:p>
@@ -11240,7 +11100,7 @@
           <a:p>
             <a:fld id="{AC25CB34-BB08-4399-A2CA-3CAF79EA992F}" type="datetimeFigureOut">
               <a:rPr lang="en-US" smtClean="0"/>
-              <a:t>4/24/2017</a:t>
+              <a:t>4/25/2017</a:t>
             </a:fld>
             <a:endParaRPr lang="en-US"/>
           </a:p>
@@ -11308,7 +11168,7 @@
           <a:p>
             <a:fld id="{B5E014E3-A4EE-484A-A75D-BE16B10F8A2C}" type="slidenum">
               <a:rPr lang="en-US" smtClean="0"/>
-              <a:t>‹Nº›</a:t>
+              <a:t>‹#›</a:t>
             </a:fld>
             <a:endParaRPr lang="en-US"/>
           </a:p>
@@ -11668,7 +11528,7 @@
           <a:p>
             <a:fld id="{AC25CB34-BB08-4399-A2CA-3CAF79EA992F}" type="datetimeFigureOut">
               <a:rPr lang="en-US" smtClean="0"/>
-              <a:t>4/24/2017</a:t>
+              <a:t>4/25/2017</a:t>
             </a:fld>
             <a:endParaRPr lang="en-US"/>
           </a:p>
@@ -11736,7 +11596,7 @@
           <a:p>
             <a:fld id="{B5E014E3-A4EE-484A-A75D-BE16B10F8A2C}" type="slidenum">
               <a:rPr lang="en-US" smtClean="0"/>
-              <a:t>‹Nº›</a:t>
+              <a:t>‹#›</a:t>
             </a:fld>
             <a:endParaRPr lang="en-US"/>
           </a:p>
@@ -11984,7 +11844,7 @@
           <a:p>
             <a:fld id="{AC25CB34-BB08-4399-A2CA-3CAF79EA992F}" type="datetimeFigureOut">
               <a:rPr lang="en-US" smtClean="0"/>
-              <a:t>4/24/2017</a:t>
+              <a:t>4/25/2017</a:t>
             </a:fld>
             <a:endParaRPr lang="en-US"/>
           </a:p>
@@ -12058,7 +11918,7 @@
           <a:p>
             <a:fld id="{B5E014E3-A4EE-484A-A75D-BE16B10F8A2C}" type="slidenum">
               <a:rPr lang="en-US" smtClean="0"/>
-              <a:t>‹Nº›</a:t>
+              <a:t>‹#›</a:t>
             </a:fld>
             <a:endParaRPr lang="en-US"/>
           </a:p>
@@ -12579,10 +12439,6 @@
               <a:rPr lang="en-US" sz="4400" i="1" dirty="0"/>
               <a:t>(Asparagus officinalis)</a:t>
             </a:r>
-            <a:r>
-              <a:rPr lang="en-US" i="1" dirty="0"/>
-              <a:t/>
-            </a:r>
             <a:br>
               <a:rPr lang="en-US" i="1" dirty="0"/>
             </a:br>
@@ -12825,13 +12681,8 @@
           <a:p>
             <a:r>
               <a:rPr lang="en-US" dirty="0"/>
-              <a:t>Differential </a:t>
-            </a:r>
-            <a:r>
-              <a:rPr lang="en-US" dirty="0" smtClean="0"/>
-              <a:t>Expression Analysis</a:t>
-            </a:r>
-            <a:endParaRPr lang="en-US" dirty="0"/>
+              <a:t>Differential Expression Analysis</a:t>
+            </a:r>
           </a:p>
         </p:txBody>
       </p:sp>
@@ -13049,23 +12900,23 @@
           <a:lstStyle/>
           <a:p>
             <a:r>
-              <a:rPr lang="es-ES" dirty="0" err="1" smtClean="0"/>
+              <a:rPr lang="es-ES" dirty="0" err="1"/>
               <a:t>Transcriptome</a:t>
             </a:r>
             <a:r>
-              <a:rPr lang="es-ES" dirty="0" smtClean="0"/>
+              <a:rPr lang="es-ES" dirty="0"/>
               <a:t> </a:t>
             </a:r>
             <a:r>
-              <a:rPr lang="es-ES" dirty="0" err="1" smtClean="0"/>
+              <a:rPr lang="es-ES" dirty="0" err="1"/>
               <a:t>profiling</a:t>
             </a:r>
             <a:r>
-              <a:rPr lang="es-ES" dirty="0" smtClean="0"/>
+              <a:rPr lang="es-ES" dirty="0"/>
               <a:t>: </a:t>
             </a:r>
             <a:r>
-              <a:rPr lang="es-ES" dirty="0" err="1" smtClean="0"/>
+              <a:rPr lang="es-ES" dirty="0" err="1"/>
               <a:t>trimming</a:t>
             </a:r>
             <a:endParaRPr lang="en-US" dirty="0"/>
@@ -13115,15 +12966,7 @@
             </a:r>
             <a:r>
               <a:rPr lang="en-US" dirty="0"/>
-              <a:t> </a:t>
-            </a:r>
-            <a:r>
-              <a:rPr lang="en-US" dirty="0" smtClean="0"/>
-              <a:t>bud (SRR1642915</a:t>
-            </a:r>
-            <a:r>
-              <a:rPr lang="en-US" dirty="0"/>
-              <a:t>)</a:t>
+              <a:t> bud (SRR1642915)</a:t>
             </a:r>
           </a:p>
         </p:txBody>
@@ -13210,10 +13053,9 @@
           <a:lstStyle/>
           <a:p>
             <a:r>
-              <a:rPr lang="en-US" dirty="0" smtClean="0"/>
+              <a:rPr lang="en-US" dirty="0"/>
               <a:t>Removing adapters before align to a reference</a:t>
             </a:r>
-            <a:endParaRPr lang="en-US" dirty="0"/>
           </a:p>
         </p:txBody>
       </p:sp>
@@ -13404,23 +13246,23 @@
           <a:lstStyle/>
           <a:p>
             <a:r>
-              <a:rPr lang="es-ES" dirty="0" err="1" smtClean="0"/>
+              <a:rPr lang="es-ES" dirty="0" err="1"/>
               <a:t>Transcriptome</a:t>
             </a:r>
             <a:r>
-              <a:rPr lang="es-ES" dirty="0" smtClean="0"/>
+              <a:rPr lang="es-ES" dirty="0"/>
               <a:t> </a:t>
             </a:r>
             <a:r>
-              <a:rPr lang="es-ES" dirty="0" err="1" smtClean="0"/>
+              <a:rPr lang="es-ES" dirty="0" err="1"/>
               <a:t>profiling</a:t>
             </a:r>
             <a:r>
-              <a:rPr lang="es-ES" dirty="0" smtClean="0"/>
+              <a:rPr lang="es-ES" dirty="0"/>
               <a:t>: </a:t>
             </a:r>
             <a:r>
-              <a:rPr lang="es-ES" dirty="0" err="1" smtClean="0"/>
+              <a:rPr lang="es-ES" dirty="0" err="1"/>
               <a:t>Trimming</a:t>
             </a:r>
             <a:endParaRPr lang="en-US" dirty="0"/>
@@ -13507,27 +13349,27 @@
           <a:lstStyle/>
           <a:p>
             <a:r>
-              <a:rPr lang="es-ES" dirty="0" err="1" smtClean="0"/>
+              <a:rPr lang="es-ES" dirty="0" err="1"/>
               <a:t>Transcriptome</a:t>
             </a:r>
             <a:r>
-              <a:rPr lang="es-ES" dirty="0" smtClean="0"/>
+              <a:rPr lang="es-ES" dirty="0"/>
               <a:t> </a:t>
             </a:r>
             <a:r>
-              <a:rPr lang="es-ES" dirty="0" err="1" smtClean="0"/>
+              <a:rPr lang="es-ES" dirty="0" err="1"/>
               <a:t>profiling</a:t>
             </a:r>
             <a:r>
-              <a:rPr lang="es-ES" dirty="0" smtClean="0"/>
+              <a:rPr lang="es-ES" dirty="0"/>
               <a:t>: </a:t>
             </a:r>
             <a:r>
-              <a:rPr lang="es-ES" dirty="0" err="1" smtClean="0"/>
+              <a:rPr lang="es-ES" dirty="0" err="1"/>
               <a:t>counting</a:t>
             </a:r>
             <a:r>
-              <a:rPr lang="es-ES" dirty="0" smtClean="0"/>
+              <a:rPr lang="es-ES" dirty="0"/>
               <a:t> data</a:t>
             </a:r>
             <a:endParaRPr lang="en-US" dirty="0"/>
@@ -13604,6 +13446,527 @@
           <a:p>
             <a:r>
               <a:rPr lang="en-US" dirty="0"/>
+              <a:t>Results</a:t>
+            </a:r>
+          </a:p>
+        </p:txBody>
+      </p:sp>
+      <p:sp>
+        <p:nvSpPr>
+          <p:cNvPr id="3" name="Content Placeholder 2"/>
+          <p:cNvSpPr>
+            <a:spLocks noGrp="1"/>
+          </p:cNvSpPr>
+          <p:nvPr>
+            <p:ph idx="1"/>
+          </p:nvPr>
+        </p:nvSpPr>
+        <p:spPr>
+          <a:xfrm>
+            <a:off x="1028700" y="1562928"/>
+            <a:ext cx="7200900" cy="685800"/>
+          </a:xfrm>
+        </p:spPr>
+        <p:txBody>
+          <a:bodyPr/>
+          <a:lstStyle/>
+          <a:p>
+            <a:r>
+              <a:rPr lang="en-US" dirty="0"/>
+              <a:t>Figure 1: Multidimensional scaling (MDS) plot</a:t>
+            </a:r>
+            <a:endParaRPr lang="en-US" dirty="0"/>
+          </a:p>
+        </p:txBody>
+      </p:sp>
+      <p:pic>
+        <p:nvPicPr>
+          <p:cNvPr id="4" name="Picture 3"/>
+          <p:cNvPicPr>
+            <a:picLocks noChangeAspect="1"/>
+          </p:cNvPicPr>
+          <p:nvPr/>
+        </p:nvPicPr>
+        <p:blipFill>
+          <a:blip r:embed="rId2"/>
+          <a:stretch>
+            <a:fillRect/>
+          </a:stretch>
+        </p:blipFill>
+        <p:spPr>
+          <a:xfrm>
+            <a:off x="1028700" y="2141883"/>
+            <a:ext cx="3257550" cy="3638550"/>
+          </a:xfrm>
+          <a:prstGeom prst="rect">
+            <a:avLst/>
+          </a:prstGeom>
+        </p:spPr>
+      </p:pic>
+    </p:spTree>
+    <p:extLst>
+      <p:ext uri="{BB962C8B-B14F-4D97-AF65-F5344CB8AC3E}">
+        <p14:creationId xmlns:p14="http://schemas.microsoft.com/office/powerpoint/2010/main" val="417011282"/>
+      </p:ext>
+    </p:extLst>
+  </p:cSld>
+  <p:clrMapOvr>
+    <a:masterClrMapping/>
+  </p:clrMapOvr>
+</p:sld>
+</file>
+
+<file path=ppt/slides/slide16.xml><?xml version="1.0" encoding="utf-8"?>
+<p:sld xmlns:a="http://schemas.openxmlformats.org/drawingml/2006/main" xmlns:r="http://schemas.openxmlformats.org/officeDocument/2006/relationships" xmlns:p="http://schemas.openxmlformats.org/presentationml/2006/main">
+  <p:cSld>
+    <p:spTree>
+      <p:nvGrpSpPr>
+        <p:cNvPr id="1" name=""/>
+        <p:cNvGrpSpPr/>
+        <p:nvPr/>
+      </p:nvGrpSpPr>
+      <p:grpSpPr>
+        <a:xfrm>
+          <a:off x="0" y="0"/>
+          <a:ext cx="0" cy="0"/>
+          <a:chOff x="0" y="0"/>
+          <a:chExt cx="0" cy="0"/>
+        </a:xfrm>
+      </p:grpSpPr>
+      <p:sp>
+        <p:nvSpPr>
+          <p:cNvPr id="2" name="Title 1"/>
+          <p:cNvSpPr>
+            <a:spLocks noGrp="1"/>
+          </p:cNvSpPr>
+          <p:nvPr>
+            <p:ph type="title"/>
+          </p:nvPr>
+        </p:nvSpPr>
+        <p:spPr>
+          <a:xfrm>
+            <a:off x="1028700" y="685800"/>
+            <a:ext cx="7200900" cy="762000"/>
+          </a:xfrm>
+        </p:spPr>
+        <p:txBody>
+          <a:bodyPr/>
+          <a:lstStyle/>
+          <a:p>
+            <a:r>
+              <a:rPr lang="en-US" dirty="0"/>
+              <a:t>Results</a:t>
+            </a:r>
+          </a:p>
+        </p:txBody>
+      </p:sp>
+      <p:sp>
+        <p:nvSpPr>
+          <p:cNvPr id="3" name="Content Placeholder 2"/>
+          <p:cNvSpPr>
+            <a:spLocks noGrp="1"/>
+          </p:cNvSpPr>
+          <p:nvPr>
+            <p:ph idx="1"/>
+          </p:nvPr>
+        </p:nvSpPr>
+        <p:spPr>
+          <a:xfrm>
+            <a:off x="1028700" y="1447800"/>
+            <a:ext cx="7200900" cy="914400"/>
+          </a:xfrm>
+        </p:spPr>
+        <p:txBody>
+          <a:bodyPr>
+            <a:normAutofit lnSpcReduction="10000"/>
+          </a:bodyPr>
+          <a:lstStyle/>
+          <a:p>
+            <a:r>
+              <a:rPr lang="en-US" dirty="0"/>
+              <a:t>Figure 2: </a:t>
+            </a:r>
+            <a:r>
+              <a:rPr lang="en-US" dirty="0"/>
+              <a:t>Pairwise comparisons of gene expression among female, male and </a:t>
+            </a:r>
+            <a:r>
+              <a:rPr lang="en-US" dirty="0" err="1"/>
+              <a:t>supermale</a:t>
+            </a:r>
+            <a:r>
+              <a:rPr lang="en-US" dirty="0"/>
+              <a:t> garden asparagus (</a:t>
+            </a:r>
+            <a:r>
+              <a:rPr lang="en-US" i="1" dirty="0"/>
+              <a:t>Asparagus officinalis</a:t>
+            </a:r>
+            <a:r>
+              <a:rPr lang="en-US" dirty="0"/>
+              <a:t>) genes across line replicates</a:t>
+            </a:r>
+            <a:endParaRPr lang="en-US" dirty="0"/>
+          </a:p>
+        </p:txBody>
+      </p:sp>
+      <p:pic>
+        <p:nvPicPr>
+          <p:cNvPr id="4" name="Picture 3"/>
+          <p:cNvPicPr>
+            <a:picLocks noChangeAspect="1"/>
+          </p:cNvPicPr>
+          <p:nvPr/>
+        </p:nvPicPr>
+        <p:blipFill>
+          <a:blip r:embed="rId2"/>
+          <a:stretch>
+            <a:fillRect/>
+          </a:stretch>
+        </p:blipFill>
+        <p:spPr>
+          <a:xfrm>
+            <a:off x="1143000" y="2514600"/>
+            <a:ext cx="3276600" cy="1606826"/>
+          </a:xfrm>
+          <a:prstGeom prst="rect">
+            <a:avLst/>
+          </a:prstGeom>
+        </p:spPr>
+      </p:pic>
+    </p:spTree>
+    <p:extLst>
+      <p:ext uri="{BB962C8B-B14F-4D97-AF65-F5344CB8AC3E}">
+        <p14:creationId xmlns:p14="http://schemas.microsoft.com/office/powerpoint/2010/main" val="4229321659"/>
+      </p:ext>
+    </p:extLst>
+  </p:cSld>
+  <p:clrMapOvr>
+    <a:masterClrMapping/>
+  </p:clrMapOvr>
+</p:sld>
+</file>
+
+<file path=ppt/slides/slide17.xml><?xml version="1.0" encoding="utf-8"?>
+<p:sld xmlns:a="http://schemas.openxmlformats.org/drawingml/2006/main" xmlns:r="http://schemas.openxmlformats.org/officeDocument/2006/relationships" xmlns:p="http://schemas.openxmlformats.org/presentationml/2006/main">
+  <p:cSld>
+    <p:spTree>
+      <p:nvGrpSpPr>
+        <p:cNvPr id="1" name=""/>
+        <p:cNvGrpSpPr/>
+        <p:nvPr/>
+      </p:nvGrpSpPr>
+      <p:grpSpPr>
+        <a:xfrm>
+          <a:off x="0" y="0"/>
+          <a:ext cx="0" cy="0"/>
+          <a:chOff x="0" y="0"/>
+          <a:chExt cx="0" cy="0"/>
+        </a:xfrm>
+      </p:grpSpPr>
+      <p:sp>
+        <p:nvSpPr>
+          <p:cNvPr id="2" name="Title 1"/>
+          <p:cNvSpPr>
+            <a:spLocks noGrp="1"/>
+          </p:cNvSpPr>
+          <p:nvPr>
+            <p:ph type="title"/>
+          </p:nvPr>
+        </p:nvSpPr>
+        <p:spPr>
+          <a:xfrm>
+            <a:off x="1028700" y="685800"/>
+            <a:ext cx="7200900" cy="762000"/>
+          </a:xfrm>
+        </p:spPr>
+        <p:txBody>
+          <a:bodyPr/>
+          <a:lstStyle/>
+          <a:p>
+            <a:r>
+              <a:rPr lang="en-US" dirty="0"/>
+              <a:t>Results</a:t>
+            </a:r>
+          </a:p>
+        </p:txBody>
+      </p:sp>
+      <p:sp>
+        <p:nvSpPr>
+          <p:cNvPr id="4" name="Content Placeholder 3"/>
+          <p:cNvSpPr>
+            <a:spLocks noGrp="1"/>
+          </p:cNvSpPr>
+          <p:nvPr>
+            <p:ph idx="1"/>
+          </p:nvPr>
+        </p:nvSpPr>
+        <p:spPr>
+          <a:xfrm>
+            <a:off x="1028700" y="1480930"/>
+            <a:ext cx="7200900" cy="838200"/>
+          </a:xfrm>
+        </p:spPr>
+        <p:txBody>
+          <a:bodyPr>
+            <a:normAutofit fontScale="92500" lnSpcReduction="10000"/>
+          </a:bodyPr>
+          <a:lstStyle/>
+          <a:p>
+            <a:r>
+              <a:rPr lang="en-US" dirty="0"/>
+              <a:t>Figure 3: </a:t>
+            </a:r>
+            <a:r>
+              <a:rPr lang="en-US" dirty="0"/>
+              <a:t>Venn diagram showing the overlap of differentially expressed garden asparagus genes (</a:t>
+            </a:r>
+            <a:r>
+              <a:rPr lang="en-US" i="1" dirty="0"/>
+              <a:t>Asparagus officinalis</a:t>
+            </a:r>
+            <a:r>
+              <a:rPr lang="en-US" dirty="0"/>
+              <a:t>) between the three pairwise comparisons</a:t>
+            </a:r>
+            <a:endParaRPr lang="en-US" dirty="0"/>
+          </a:p>
+        </p:txBody>
+      </p:sp>
+      <p:pic>
+        <p:nvPicPr>
+          <p:cNvPr id="5" name="Picture 4"/>
+          <p:cNvPicPr>
+            <a:picLocks noChangeAspect="1"/>
+          </p:cNvPicPr>
+          <p:nvPr/>
+        </p:nvPicPr>
+        <p:blipFill>
+          <a:blip r:embed="rId2"/>
+          <a:stretch>
+            <a:fillRect/>
+          </a:stretch>
+        </p:blipFill>
+        <p:spPr>
+          <a:xfrm>
+            <a:off x="1295400" y="2319130"/>
+            <a:ext cx="1828800" cy="2407534"/>
+          </a:xfrm>
+          <a:prstGeom prst="rect">
+            <a:avLst/>
+          </a:prstGeom>
+        </p:spPr>
+      </p:pic>
+      <p:pic>
+        <p:nvPicPr>
+          <p:cNvPr id="6" name="Picture 5"/>
+          <p:cNvPicPr>
+            <a:picLocks noChangeAspect="1"/>
+          </p:cNvPicPr>
+          <p:nvPr/>
+        </p:nvPicPr>
+        <p:blipFill>
+          <a:blip r:embed="rId3"/>
+          <a:stretch>
+            <a:fillRect/>
+          </a:stretch>
+        </p:blipFill>
+        <p:spPr>
+          <a:xfrm>
+            <a:off x="3622813" y="3124200"/>
+            <a:ext cx="4606787" cy="3380952"/>
+          </a:xfrm>
+          <a:prstGeom prst="rect">
+            <a:avLst/>
+          </a:prstGeom>
+        </p:spPr>
+      </p:pic>
+    </p:spTree>
+    <p:extLst>
+      <p:ext uri="{BB962C8B-B14F-4D97-AF65-F5344CB8AC3E}">
+        <p14:creationId xmlns:p14="http://schemas.microsoft.com/office/powerpoint/2010/main" val="3252347790"/>
+      </p:ext>
+    </p:extLst>
+  </p:cSld>
+  <p:clrMapOvr>
+    <a:masterClrMapping/>
+  </p:clrMapOvr>
+</p:sld>
+</file>
+
+<file path=ppt/slides/slide18.xml><?xml version="1.0" encoding="utf-8"?>
+<p:sld xmlns:a="http://schemas.openxmlformats.org/drawingml/2006/main" xmlns:r="http://schemas.openxmlformats.org/officeDocument/2006/relationships" xmlns:p="http://schemas.openxmlformats.org/presentationml/2006/main">
+  <p:cSld>
+    <p:spTree>
+      <p:nvGrpSpPr>
+        <p:cNvPr id="1" name=""/>
+        <p:cNvGrpSpPr/>
+        <p:nvPr/>
+      </p:nvGrpSpPr>
+      <p:grpSpPr>
+        <a:xfrm>
+          <a:off x="0" y="0"/>
+          <a:ext cx="0" cy="0"/>
+          <a:chOff x="0" y="0"/>
+          <a:chExt cx="0" cy="0"/>
+        </a:xfrm>
+      </p:grpSpPr>
+      <p:sp>
+        <p:nvSpPr>
+          <p:cNvPr id="2" name="Title 1"/>
+          <p:cNvSpPr>
+            <a:spLocks noGrp="1"/>
+          </p:cNvSpPr>
+          <p:nvPr>
+            <p:ph type="title"/>
+          </p:nvPr>
+        </p:nvSpPr>
+        <p:spPr>
+          <a:xfrm>
+            <a:off x="1028700" y="685800"/>
+            <a:ext cx="7200900" cy="914400"/>
+          </a:xfrm>
+        </p:spPr>
+        <p:txBody>
+          <a:bodyPr/>
+          <a:lstStyle/>
+          <a:p>
+            <a:r>
+              <a:rPr lang="en-US" dirty="0"/>
+              <a:t>Results</a:t>
+            </a:r>
+          </a:p>
+        </p:txBody>
+      </p:sp>
+      <p:sp>
+        <p:nvSpPr>
+          <p:cNvPr id="4" name="AutoShape 2" descr="Figure 4"/>
+          <p:cNvSpPr>
+            <a:spLocks noGrp="1" noChangeAspect="1" noChangeArrowheads="1"/>
+          </p:cNvSpPr>
+          <p:nvPr>
+            <p:ph idx="1"/>
+          </p:nvPr>
+        </p:nvSpPr>
+        <p:spPr bwMode="auto">
+          <a:xfrm>
+            <a:off x="1025387" y="1447800"/>
+            <a:ext cx="7200900" cy="914400"/>
+          </a:xfrm>
+          <a:prstGeom prst="rect">
+            <a:avLst/>
+          </a:prstGeom>
+          <a:noFill/>
+          <a:extLst>
+            <a:ext uri="{909E8E84-426E-40DD-AFC4-6F175D3DCCD1}">
+              <a14:hiddenFill xmlns:a14="http://schemas.microsoft.com/office/drawing/2010/main">
+                <a:solidFill>
+                  <a:srgbClr val="FFFFFF"/>
+                </a:solidFill>
+              </a14:hiddenFill>
+            </a:ext>
+          </a:extLst>
+        </p:spPr>
+        <p:txBody>
+          <a:bodyPr vert="horz" wrap="square" lIns="91440" tIns="45720" rIns="91440" bIns="45720" numCol="1" anchor="t" anchorCtr="0" compatLnSpc="1">
+            <a:prstTxWarp prst="textNoShape">
+              <a:avLst/>
+            </a:prstTxWarp>
+            <a:normAutofit lnSpcReduction="10000"/>
+          </a:bodyPr>
+          <a:lstStyle/>
+          <a:p>
+            <a:r>
+              <a:rPr lang="en-US" dirty="0"/>
+              <a:t>Figure 4:</a:t>
+            </a:r>
+            <a:r>
+              <a:rPr lang="en-US" dirty="0"/>
+              <a:t>Heatmap clustering of the 570 differentially expressed garden asparagus (</a:t>
+            </a:r>
+            <a:r>
+              <a:rPr lang="en-US" i="1" dirty="0"/>
+              <a:t>Asparagus officinalis</a:t>
+            </a:r>
+            <a:r>
+              <a:rPr lang="en-US" dirty="0"/>
+              <a:t>) genes in all spear tip tissues</a:t>
+            </a:r>
+            <a:endParaRPr lang="en-US" dirty="0"/>
+          </a:p>
+        </p:txBody>
+      </p:sp>
+      <p:pic>
+        <p:nvPicPr>
+          <p:cNvPr id="5" name="Picture 4"/>
+          <p:cNvPicPr>
+            <a:picLocks noChangeAspect="1"/>
+          </p:cNvPicPr>
+          <p:nvPr/>
+        </p:nvPicPr>
+        <p:blipFill>
+          <a:blip r:embed="rId2"/>
+          <a:stretch>
+            <a:fillRect/>
+          </a:stretch>
+        </p:blipFill>
+        <p:spPr>
+          <a:xfrm>
+            <a:off x="1143000" y="2362200"/>
+            <a:ext cx="3257550" cy="2390775"/>
+          </a:xfrm>
+          <a:prstGeom prst="rect">
+            <a:avLst/>
+          </a:prstGeom>
+        </p:spPr>
+      </p:pic>
+    </p:spTree>
+    <p:extLst>
+      <p:ext uri="{BB962C8B-B14F-4D97-AF65-F5344CB8AC3E}">
+        <p14:creationId xmlns:p14="http://schemas.microsoft.com/office/powerpoint/2010/main" val="897698656"/>
+      </p:ext>
+    </p:extLst>
+  </p:cSld>
+  <p:clrMapOvr>
+    <a:masterClrMapping/>
+  </p:clrMapOvr>
+</p:sld>
+</file>
+
+<file path=ppt/slides/slide19.xml><?xml version="1.0" encoding="utf-8"?>
+<p:sld xmlns:a="http://schemas.openxmlformats.org/drawingml/2006/main" xmlns:r="http://schemas.openxmlformats.org/officeDocument/2006/relationships" xmlns:p="http://schemas.openxmlformats.org/presentationml/2006/main">
+  <p:cSld>
+    <p:spTree>
+      <p:nvGrpSpPr>
+        <p:cNvPr id="1" name=""/>
+        <p:cNvGrpSpPr/>
+        <p:nvPr/>
+      </p:nvGrpSpPr>
+      <p:grpSpPr>
+        <a:xfrm>
+          <a:off x="0" y="0"/>
+          <a:ext cx="0" cy="0"/>
+          <a:chOff x="0" y="0"/>
+          <a:chExt cx="0" cy="0"/>
+        </a:xfrm>
+      </p:grpSpPr>
+      <p:sp>
+        <p:nvSpPr>
+          <p:cNvPr id="2" name="Title 1"/>
+          <p:cNvSpPr>
+            <a:spLocks noGrp="1"/>
+          </p:cNvSpPr>
+          <p:nvPr>
+            <p:ph type="title"/>
+          </p:nvPr>
+        </p:nvSpPr>
+        <p:spPr/>
+        <p:txBody>
+          <a:bodyPr/>
+          <a:lstStyle/>
+          <a:p>
+            <a:r>
+              <a:rPr lang="en-US" dirty="0"/>
               <a:t>Bibliography</a:t>
             </a:r>
           </a:p>
@@ -13746,19 +14109,7 @@
           <a:p>
             <a:r>
               <a:rPr lang="en-US" dirty="0"/>
-              <a:t>Why </a:t>
-            </a:r>
-            <a:r>
-              <a:rPr lang="en-US" dirty="0" smtClean="0"/>
-              <a:t>studying</a:t>
-            </a:r>
-            <a:r>
-              <a:rPr lang="en-US" dirty="0" smtClean="0"/>
-              <a:t> </a:t>
-            </a:r>
-            <a:r>
-              <a:rPr lang="en-US" dirty="0"/>
-              <a:t>sex determination important?</a:t>
+              <a:t>Why studying sex determination important?</a:t>
             </a:r>
           </a:p>
         </p:txBody>
@@ -13778,114 +14129,114 @@
           <a:bodyPr/>
           <a:lstStyle/>
           <a:p>
-            <a:endParaRPr lang="es-ES" dirty="0" smtClean="0"/>
-          </a:p>
-          <a:p>
-            <a:r>
-              <a:rPr lang="es-ES" dirty="0" err="1" smtClean="0"/>
+            <a:endParaRPr lang="es-ES" dirty="0"/>
+          </a:p>
+          <a:p>
+            <a:r>
+              <a:rPr lang="es-ES" dirty="0" err="1"/>
               <a:t>Understand</a:t>
             </a:r>
             <a:r>
-              <a:rPr lang="es-ES" dirty="0" smtClean="0"/>
+              <a:rPr lang="es-ES" dirty="0"/>
               <a:t> </a:t>
             </a:r>
             <a:r>
-              <a:rPr lang="es-ES" dirty="0" err="1" smtClean="0"/>
+              <a:rPr lang="es-ES" dirty="0" err="1"/>
               <a:t>the</a:t>
             </a:r>
             <a:r>
-              <a:rPr lang="es-ES" dirty="0" smtClean="0"/>
+              <a:rPr lang="es-ES" dirty="0"/>
               <a:t> </a:t>
             </a:r>
             <a:r>
-              <a:rPr lang="es-ES" dirty="0" err="1" smtClean="0"/>
+              <a:rPr lang="es-ES" dirty="0" err="1"/>
               <a:t>evolutionary</a:t>
             </a:r>
             <a:r>
-              <a:rPr lang="es-ES" dirty="0" smtClean="0"/>
+              <a:rPr lang="es-ES" dirty="0"/>
               <a:t> </a:t>
             </a:r>
             <a:r>
-              <a:rPr lang="es-ES" dirty="0" err="1" smtClean="0"/>
+              <a:rPr lang="es-ES" dirty="0" err="1"/>
               <a:t>mechanisms</a:t>
             </a:r>
             <a:r>
-              <a:rPr lang="es-ES" dirty="0" smtClean="0"/>
+              <a:rPr lang="es-ES" dirty="0"/>
               <a:t> </a:t>
             </a:r>
             <a:r>
-              <a:rPr lang="es-ES" dirty="0" err="1" smtClean="0"/>
+              <a:rPr lang="es-ES" dirty="0" err="1"/>
               <a:t>that</a:t>
             </a:r>
             <a:r>
-              <a:rPr lang="es-ES" dirty="0" smtClean="0"/>
+              <a:rPr lang="es-ES" dirty="0"/>
               <a:t> </a:t>
             </a:r>
             <a:r>
-              <a:rPr lang="es-ES" dirty="0" err="1" smtClean="0"/>
+              <a:rPr lang="es-ES" dirty="0" err="1"/>
               <a:t>undelie</a:t>
             </a:r>
             <a:r>
-              <a:rPr lang="es-ES" dirty="0" smtClean="0"/>
+              <a:rPr lang="es-ES" dirty="0"/>
               <a:t> sexual </a:t>
             </a:r>
             <a:r>
-              <a:rPr lang="es-ES" dirty="0" err="1" smtClean="0"/>
+              <a:rPr lang="es-ES" dirty="0" err="1"/>
               <a:t>reproduction</a:t>
             </a:r>
             <a:r>
-              <a:rPr lang="es-ES" dirty="0" smtClean="0"/>
+              <a:rPr lang="es-ES" dirty="0"/>
               <a:t> as </a:t>
             </a:r>
             <a:r>
-              <a:rPr lang="es-ES" dirty="0" err="1" smtClean="0"/>
+              <a:rPr lang="es-ES" dirty="0" err="1"/>
               <a:t>source</a:t>
             </a:r>
             <a:r>
-              <a:rPr lang="es-ES" dirty="0" smtClean="0"/>
+              <a:rPr lang="es-ES" dirty="0"/>
               <a:t> of </a:t>
             </a:r>
             <a:r>
-              <a:rPr lang="es-ES" dirty="0" err="1" smtClean="0"/>
+              <a:rPr lang="es-ES" dirty="0" err="1"/>
               <a:t>genetic</a:t>
             </a:r>
             <a:r>
-              <a:rPr lang="es-ES" dirty="0" smtClean="0"/>
+              <a:rPr lang="es-ES" dirty="0"/>
               <a:t> </a:t>
             </a:r>
             <a:r>
-              <a:rPr lang="es-ES" dirty="0" err="1" smtClean="0"/>
+              <a:rPr lang="es-ES" dirty="0" err="1"/>
               <a:t>diversity</a:t>
             </a:r>
-            <a:endParaRPr lang="es-ES" dirty="0" smtClean="0"/>
-          </a:p>
-          <a:p>
-            <a:r>
-              <a:rPr lang="es-ES" dirty="0" err="1" smtClean="0"/>
+            <a:endParaRPr lang="es-ES" dirty="0"/>
+          </a:p>
+          <a:p>
+            <a:r>
+              <a:rPr lang="es-ES" dirty="0" err="1"/>
               <a:t>Contrary</a:t>
             </a:r>
             <a:r>
-              <a:rPr lang="es-ES" dirty="0" smtClean="0"/>
+              <a:rPr lang="es-ES" dirty="0"/>
               <a:t> </a:t>
             </a:r>
             <a:r>
-              <a:rPr lang="es-ES" dirty="0" err="1" smtClean="0"/>
+              <a:rPr lang="es-ES" dirty="0" err="1"/>
               <a:t>to</a:t>
             </a:r>
             <a:r>
-              <a:rPr lang="es-ES" dirty="0" smtClean="0"/>
+              <a:rPr lang="es-ES" dirty="0"/>
               <a:t> </a:t>
             </a:r>
             <a:r>
-              <a:rPr lang="es-ES" dirty="0" err="1" smtClean="0"/>
+              <a:rPr lang="es-ES" dirty="0" err="1"/>
               <a:t>most</a:t>
             </a:r>
             <a:r>
-              <a:rPr lang="es-ES" dirty="0" smtClean="0"/>
+              <a:rPr lang="es-ES" dirty="0"/>
               <a:t> of </a:t>
             </a:r>
             <a:r>
-              <a:rPr lang="es-ES" dirty="0" err="1" smtClean="0"/>
+              <a:rPr lang="es-ES" dirty="0" err="1"/>
               <a:t>animals</a:t>
             </a:r>
             <a:r>
@@ -13901,106 +14252,106 @@
               <a:t> </a:t>
             </a:r>
             <a:r>
-              <a:rPr lang="es-ES" dirty="0" err="1" smtClean="0"/>
+              <a:rPr lang="es-ES" dirty="0" err="1"/>
               <a:t>plants</a:t>
             </a:r>
             <a:r>
-              <a:rPr lang="es-ES" dirty="0" smtClean="0"/>
+              <a:rPr lang="es-ES" dirty="0"/>
               <a:t> are quite </a:t>
             </a:r>
             <a:r>
-              <a:rPr lang="es-ES" dirty="0" err="1" smtClean="0"/>
+              <a:rPr lang="es-ES" dirty="0" err="1"/>
               <a:t>rare</a:t>
             </a:r>
-            <a:endParaRPr lang="es-ES" dirty="0" smtClean="0"/>
-          </a:p>
-          <a:p>
-            <a:r>
-              <a:rPr lang="es-ES" dirty="0" err="1" smtClean="0"/>
+            <a:endParaRPr lang="es-ES" dirty="0"/>
+          </a:p>
+          <a:p>
+            <a:r>
+              <a:rPr lang="es-ES" dirty="0" err="1"/>
               <a:t>Improve</a:t>
             </a:r>
             <a:r>
-              <a:rPr lang="es-ES" dirty="0" smtClean="0"/>
+              <a:rPr lang="es-ES" dirty="0"/>
               <a:t> </a:t>
             </a:r>
             <a:r>
-              <a:rPr lang="es-ES" dirty="0" err="1" smtClean="0"/>
+              <a:rPr lang="es-ES" dirty="0" err="1"/>
               <a:t>our</a:t>
             </a:r>
             <a:r>
-              <a:rPr lang="es-ES" dirty="0" smtClean="0"/>
+              <a:rPr lang="es-ES" dirty="0"/>
               <a:t> </a:t>
             </a:r>
             <a:r>
-              <a:rPr lang="es-ES" dirty="0" err="1" smtClean="0"/>
+              <a:rPr lang="es-ES" dirty="0" err="1"/>
               <a:t>understanding</a:t>
             </a:r>
             <a:r>
-              <a:rPr lang="es-ES" dirty="0" smtClean="0"/>
+              <a:rPr lang="es-ES" dirty="0"/>
               <a:t> of </a:t>
             </a:r>
             <a:r>
-              <a:rPr lang="es-ES" dirty="0" err="1" smtClean="0"/>
+              <a:rPr lang="es-ES" dirty="0" err="1"/>
               <a:t>the</a:t>
             </a:r>
             <a:r>
-              <a:rPr lang="es-ES" dirty="0" smtClean="0"/>
+              <a:rPr lang="es-ES" dirty="0"/>
               <a:t> molecular </a:t>
             </a:r>
             <a:r>
-              <a:rPr lang="es-ES" dirty="0" err="1" smtClean="0"/>
+              <a:rPr lang="es-ES" dirty="0" err="1"/>
               <a:t>events</a:t>
             </a:r>
             <a:r>
-              <a:rPr lang="es-ES" dirty="0" smtClean="0"/>
+              <a:rPr lang="es-ES" dirty="0"/>
               <a:t> </a:t>
             </a:r>
             <a:r>
-              <a:rPr lang="es-ES" dirty="0" err="1" smtClean="0"/>
+              <a:rPr lang="es-ES" dirty="0" err="1"/>
               <a:t>that</a:t>
             </a:r>
             <a:r>
-              <a:rPr lang="es-ES" dirty="0" smtClean="0"/>
+              <a:rPr lang="es-ES" dirty="0"/>
               <a:t> </a:t>
             </a:r>
             <a:r>
-              <a:rPr lang="es-ES" dirty="0" err="1" smtClean="0"/>
+              <a:rPr lang="es-ES" dirty="0" err="1"/>
               <a:t>give</a:t>
             </a:r>
             <a:r>
-              <a:rPr lang="es-ES" dirty="0" smtClean="0"/>
+              <a:rPr lang="es-ES" dirty="0"/>
               <a:t> </a:t>
             </a:r>
             <a:r>
-              <a:rPr lang="es-ES" dirty="0" err="1" smtClean="0"/>
+              <a:rPr lang="es-ES" dirty="0" err="1"/>
               <a:t>rise</a:t>
             </a:r>
             <a:r>
-              <a:rPr lang="es-ES" dirty="0" smtClean="0"/>
+              <a:rPr lang="es-ES" dirty="0"/>
               <a:t> </a:t>
             </a:r>
             <a:r>
-              <a:rPr lang="es-ES" dirty="0" err="1" smtClean="0"/>
+              <a:rPr lang="es-ES" dirty="0" err="1"/>
               <a:t>to</a:t>
             </a:r>
             <a:r>
-              <a:rPr lang="es-ES" dirty="0" smtClean="0"/>
+              <a:rPr lang="es-ES" dirty="0"/>
               <a:t> </a:t>
             </a:r>
             <a:r>
-              <a:rPr lang="es-ES" dirty="0" err="1" smtClean="0"/>
+              <a:rPr lang="es-ES" dirty="0" err="1"/>
               <a:t>the</a:t>
             </a:r>
             <a:r>
-              <a:rPr lang="es-ES" dirty="0" smtClean="0"/>
+              <a:rPr lang="es-ES" dirty="0"/>
               <a:t> sexual </a:t>
             </a:r>
             <a:r>
-              <a:rPr lang="es-ES" dirty="0" err="1" smtClean="0"/>
+              <a:rPr lang="es-ES" dirty="0" err="1"/>
               <a:t>differentiation</a:t>
             </a:r>
             <a:r>
-              <a:rPr lang="es-ES" dirty="0" smtClean="0"/>
+              <a:rPr lang="es-ES" dirty="0"/>
               <a:t> </a:t>
             </a:r>
             <a:endParaRPr lang="en-US" dirty="0"/>
@@ -14633,46 +14984,42 @@
             <a:pPr lvl="2"/>
             <a:r>
               <a:rPr lang="en-US" dirty="0"/>
-              <a:t>Determine when genes </a:t>
-            </a:r>
-            <a:r>
-              <a:rPr lang="en-US" dirty="0" smtClean="0"/>
-              <a:t>act</a:t>
+              <a:t>Determine when genes act</a:t>
             </a:r>
             <a:endParaRPr lang="es-ES" dirty="0"/>
           </a:p>
           <a:p>
             <a:pPr lvl="2"/>
             <a:r>
-              <a:rPr lang="es-ES" dirty="0" smtClean="0"/>
+              <a:rPr lang="es-ES" dirty="0"/>
               <a:t>Describe experimental </a:t>
             </a:r>
             <a:r>
-              <a:rPr lang="es-ES" dirty="0" err="1" smtClean="0"/>
+              <a:rPr lang="es-ES" dirty="0" err="1"/>
               <a:t>design</a:t>
             </a:r>
             <a:r>
-              <a:rPr lang="es-ES" dirty="0" smtClean="0"/>
+              <a:rPr lang="es-ES" dirty="0"/>
               <a:t> and </a:t>
             </a:r>
             <a:r>
-              <a:rPr lang="es-ES" dirty="0" err="1" smtClean="0"/>
+              <a:rPr lang="es-ES" dirty="0" err="1"/>
               <a:t>procedure</a:t>
             </a:r>
             <a:r>
-              <a:rPr lang="es-ES" dirty="0" smtClean="0"/>
+              <a:rPr lang="es-ES" dirty="0"/>
               <a:t>: </a:t>
             </a:r>
             <a:r>
-              <a:rPr lang="es-ES" dirty="0" err="1" smtClean="0"/>
+              <a:rPr lang="es-ES" dirty="0" err="1"/>
               <a:t>samples</a:t>
             </a:r>
             <a:r>
-              <a:rPr lang="es-ES" dirty="0" smtClean="0"/>
+              <a:rPr lang="es-ES" dirty="0"/>
               <a:t>, </a:t>
             </a:r>
             <a:r>
-              <a:rPr lang="es-ES" dirty="0" err="1" smtClean="0"/>
+              <a:rPr lang="es-ES" dirty="0" err="1"/>
               <a:t>etc</a:t>
             </a:r>
             <a:endParaRPr lang="en-US" dirty="0"/>
@@ -14840,16 +15187,12 @@
           <a:lstStyle/>
           <a:p>
             <a:r>
-              <a:rPr lang="en-US" dirty="0" err="1" smtClean="0"/>
+              <a:rPr lang="en-US" dirty="0" err="1"/>
               <a:t>Transcriptome</a:t>
             </a:r>
             <a:r>
-              <a:rPr lang="en-US" dirty="0" smtClean="0"/>
-              <a:t> </a:t>
-            </a:r>
-            <a:r>
               <a:rPr lang="en-US" dirty="0"/>
-              <a:t>Profiling</a:t>
+              <a:t> Profiling</a:t>
             </a:r>
           </a:p>
         </p:txBody>
@@ -14915,30 +15258,30 @@
           <a:lstStyle/>
           <a:p>
             <a:r>
-              <a:rPr lang="es-ES" sz="1400" dirty="0" err="1" smtClean="0"/>
+              <a:rPr lang="es-ES" sz="1400" dirty="0" err="1"/>
               <a:t>raw</a:t>
             </a:r>
             <a:r>
-              <a:rPr lang="es-ES" sz="1400" dirty="0" smtClean="0"/>
+              <a:rPr lang="es-ES" sz="1400" dirty="0"/>
               <a:t> </a:t>
             </a:r>
             <a:r>
-              <a:rPr lang="es-ES" sz="1400" dirty="0" err="1" smtClean="0"/>
+              <a:rPr lang="es-ES" sz="1400" dirty="0" err="1"/>
               <a:t>reads</a:t>
             </a:r>
-            <a:endParaRPr lang="es-ES" sz="1400" dirty="0" smtClean="0"/>
-          </a:p>
-          <a:p>
-            <a:r>
-              <a:rPr lang="es-ES" sz="1400" dirty="0" err="1" smtClean="0"/>
+            <a:endParaRPr lang="es-ES" sz="1400" dirty="0"/>
+          </a:p>
+          <a:p>
+            <a:r>
+              <a:rPr lang="es-ES" sz="1400" dirty="0" err="1"/>
               <a:t>Source</a:t>
             </a:r>
             <a:r>
-              <a:rPr lang="es-ES" sz="1400" dirty="0" smtClean="0"/>
+              <a:rPr lang="es-ES" sz="1400" dirty="0"/>
               <a:t>: </a:t>
             </a:r>
             <a:r>
-              <a:rPr lang="es-ES" sz="1400" dirty="0" err="1" smtClean="0"/>
+              <a:rPr lang="es-ES" sz="1400" dirty="0" err="1"/>
               <a:t>ncbi</a:t>
             </a:r>
             <a:endParaRPr lang="en-US" sz="1400" dirty="0"/>
@@ -14981,7 +15324,7 @@
           <a:lstStyle/>
           <a:p>
             <a:r>
-              <a:rPr lang="es-ES" sz="1400" dirty="0" smtClean="0"/>
+              <a:rPr lang="es-ES" sz="1400" dirty="0"/>
               <a:t>FASTQC</a:t>
             </a:r>
             <a:endParaRPr lang="en-US" sz="1400" dirty="0"/>
@@ -15090,41 +15433,37 @@
           <a:lstStyle/>
           <a:p>
             <a:r>
-              <a:rPr lang="es-ES" sz="1400" dirty="0" err="1" smtClean="0"/>
+              <a:rPr lang="es-ES" sz="1400" dirty="0" err="1"/>
               <a:t>raw</a:t>
-            </a:r>
-            <a:r>
-              <a:rPr lang="es-ES" sz="1400" dirty="0" smtClean="0"/>
-              <a:t> </a:t>
-            </a:r>
-            <a:r>
-              <a:rPr lang="es-ES" sz="1400" dirty="0" err="1" smtClean="0"/>
-              <a:t>reads</a:t>
             </a:r>
             <a:r>
               <a:rPr lang="es-ES" sz="1400" dirty="0"/>
               <a:t> </a:t>
             </a:r>
             <a:r>
-              <a:rPr lang="es-ES" sz="1400" dirty="0" err="1" smtClean="0"/>
+              <a:rPr lang="es-ES" sz="1400" dirty="0" err="1"/>
+              <a:t>reads</a:t>
+            </a:r>
+            <a:r>
+              <a:rPr lang="es-ES" sz="1400" dirty="0"/>
+              <a:t> </a:t>
+            </a:r>
+            <a:r>
+              <a:rPr lang="es-ES" sz="1400" dirty="0" err="1"/>
               <a:t>Based</a:t>
             </a:r>
             <a:r>
-              <a:rPr lang="es-ES" sz="1400" dirty="0" smtClean="0"/>
+              <a:rPr lang="es-ES" sz="1400" dirty="0"/>
               <a:t> </a:t>
             </a:r>
           </a:p>
           <a:p>
             <a:r>
               <a:rPr lang="es-ES" sz="1400" dirty="0" err="1"/>
-              <a:t>o</a:t>
-            </a:r>
-            <a:r>
-              <a:rPr lang="es-ES" sz="1400" dirty="0" err="1" smtClean="0"/>
-              <a:t>n</a:t>
-            </a:r>
-            <a:r>
-              <a:rPr lang="es-ES" sz="1400" dirty="0" smtClean="0"/>
+              <a:t>on</a:t>
+            </a:r>
+            <a:r>
+              <a:rPr lang="es-ES" sz="1400" dirty="0"/>
               <a:t> FASTQC</a:t>
             </a:r>
             <a:endParaRPr lang="en-US" sz="1400" dirty="0"/>
@@ -15167,7 +15506,7 @@
           <a:lstStyle/>
           <a:p>
             <a:r>
-              <a:rPr lang="es-ES" sz="1400" dirty="0" err="1" smtClean="0"/>
+              <a:rPr lang="es-ES" sz="1400" dirty="0" err="1"/>
               <a:t>cutadapt</a:t>
             </a:r>
             <a:endParaRPr lang="en-US" sz="1400" dirty="0"/>
@@ -15243,7 +15582,7 @@
           <a:lstStyle/>
           <a:p>
             <a:r>
-              <a:rPr lang="es-ES" dirty="0" smtClean="0"/>
+              <a:rPr lang="es-ES" dirty="0"/>
               <a:t>Software</a:t>
             </a:r>
             <a:endParaRPr lang="en-US" dirty="0"/>
@@ -15286,7 +15625,7 @@
           <a:lstStyle/>
           <a:p>
             <a:r>
-              <a:rPr lang="es-ES" dirty="0" smtClean="0"/>
+              <a:rPr lang="es-ES" dirty="0"/>
               <a:t>Input</a:t>
             </a:r>
             <a:endParaRPr lang="en-US" dirty="0"/>
@@ -15362,26 +15701,26 @@
           <a:lstStyle/>
           <a:p>
             <a:r>
-              <a:rPr lang="es-ES" sz="1400" dirty="0" err="1" smtClean="0"/>
+              <a:rPr lang="es-ES" sz="1400" dirty="0" err="1"/>
               <a:t>Trimmed</a:t>
             </a:r>
             <a:r>
-              <a:rPr lang="es-ES" sz="1400" dirty="0" smtClean="0"/>
+              <a:rPr lang="es-ES" sz="1400" dirty="0"/>
               <a:t> </a:t>
             </a:r>
             <a:r>
-              <a:rPr lang="es-ES" sz="1400" dirty="0" err="1" smtClean="0"/>
+              <a:rPr lang="es-ES" sz="1400" dirty="0" err="1"/>
               <a:t>reads</a:t>
             </a:r>
-            <a:endParaRPr lang="es-ES" sz="1400" dirty="0" smtClean="0"/>
-          </a:p>
-          <a:p>
-            <a:r>
-              <a:rPr lang="es-ES" sz="1400" dirty="0" err="1" smtClean="0"/>
+            <a:endParaRPr lang="es-ES" sz="1400" dirty="0"/>
+          </a:p>
+          <a:p>
+            <a:r>
+              <a:rPr lang="es-ES" sz="1400" dirty="0" err="1"/>
               <a:t>Transcriptome</a:t>
             </a:r>
             <a:r>
-              <a:rPr lang="es-ES" sz="1400" dirty="0" smtClean="0"/>
+              <a:rPr lang="es-ES" sz="1400" dirty="0"/>
               <a:t> file</a:t>
             </a:r>
             <a:endParaRPr lang="en-US" sz="1400" dirty="0"/>
@@ -15424,11 +15763,11 @@
           <a:lstStyle/>
           <a:p>
             <a:r>
-              <a:rPr lang="es-ES" sz="1400" dirty="0" smtClean="0"/>
+              <a:rPr lang="es-ES" sz="1400" dirty="0"/>
               <a:t>RSEM, </a:t>
             </a:r>
             <a:r>
-              <a:rPr lang="es-ES" sz="1400" dirty="0" err="1" smtClean="0"/>
+              <a:rPr lang="es-ES" sz="1400" dirty="0" err="1"/>
               <a:t>bowtie</a:t>
             </a:r>
             <a:endParaRPr lang="en-US" sz="1400" dirty="0"/>
@@ -15504,7 +15843,7 @@
           <a:lstStyle/>
           <a:p>
             <a:r>
-              <a:rPr lang="es-ES" sz="1400" dirty="0" smtClean="0"/>
+              <a:rPr lang="es-ES" sz="1400" dirty="0"/>
               <a:t>RSEM</a:t>
             </a:r>
             <a:endParaRPr lang="en-US" sz="1400" dirty="0"/>
@@ -15613,30 +15952,30 @@
           <a:lstStyle/>
           <a:p>
             <a:r>
-              <a:rPr lang="es-ES" sz="1400" dirty="0" err="1" smtClean="0"/>
+              <a:rPr lang="es-ES" sz="1400" dirty="0" err="1"/>
               <a:t>Trimmed</a:t>
             </a:r>
             <a:r>
-              <a:rPr lang="es-ES" sz="1400" dirty="0" smtClean="0"/>
+              <a:rPr lang="es-ES" sz="1400" dirty="0"/>
               <a:t> </a:t>
             </a:r>
             <a:r>
-              <a:rPr lang="es-ES" sz="1400" dirty="0" err="1" smtClean="0"/>
+              <a:rPr lang="es-ES" sz="1400" dirty="0" err="1"/>
               <a:t>reads</a:t>
             </a:r>
-            <a:endParaRPr lang="es-ES" sz="1400" dirty="0" smtClean="0"/>
-          </a:p>
-          <a:p>
-            <a:r>
-              <a:rPr lang="es-ES" sz="1400" dirty="0" err="1" smtClean="0"/>
+            <a:endParaRPr lang="es-ES" sz="1400" dirty="0"/>
+          </a:p>
+          <a:p>
+            <a:r>
+              <a:rPr lang="es-ES" sz="1400" dirty="0" err="1"/>
               <a:t>Transcriptome</a:t>
             </a:r>
             <a:r>
-              <a:rPr lang="es-ES" sz="1400" dirty="0" smtClean="0"/>
+              <a:rPr lang="es-ES" sz="1400" dirty="0"/>
               <a:t> </a:t>
             </a:r>
             <a:r>
-              <a:rPr lang="es-ES" sz="1400" dirty="0" err="1" smtClean="0"/>
+              <a:rPr lang="es-ES" sz="1400" dirty="0" err="1"/>
               <a:t>references</a:t>
             </a:r>
             <a:endParaRPr lang="en-US" sz="1400" dirty="0"/>

--- a/asparagus.pptx
+++ b/asparagus.pptx
@@ -5,7 +5,7 @@
     <p:sldMasterId id="2147483660" r:id="rId1"/>
   </p:sldMasterIdLst>
   <p:notesMasterIdLst>
-    <p:notesMasterId r:id="rId21"/>
+    <p:notesMasterId r:id="rId23"/>
   </p:notesMasterIdLst>
   <p:sldIdLst>
     <p:sldId id="256" r:id="rId2"/>
@@ -14,19 +14,21 @@
     <p:sldId id="259" r:id="rId5"/>
     <p:sldId id="260" r:id="rId6"/>
     <p:sldId id="261" r:id="rId7"/>
-    <p:sldId id="262" r:id="rId8"/>
-    <p:sldId id="266" r:id="rId9"/>
-    <p:sldId id="271" r:id="rId10"/>
-    <p:sldId id="267" r:id="rId11"/>
+    <p:sldId id="277" r:id="rId8"/>
+    <p:sldId id="262" r:id="rId9"/>
+    <p:sldId id="266" r:id="rId10"/>
+    <p:sldId id="271" r:id="rId11"/>
     <p:sldId id="263" r:id="rId12"/>
     <p:sldId id="264" r:id="rId13"/>
     <p:sldId id="268" r:id="rId14"/>
     <p:sldId id="270" r:id="rId15"/>
-    <p:sldId id="272" r:id="rId16"/>
-    <p:sldId id="273" r:id="rId17"/>
-    <p:sldId id="274" r:id="rId18"/>
-    <p:sldId id="275" r:id="rId19"/>
-    <p:sldId id="265" r:id="rId20"/>
+    <p:sldId id="267" r:id="rId16"/>
+    <p:sldId id="272" r:id="rId17"/>
+    <p:sldId id="273" r:id="rId18"/>
+    <p:sldId id="274" r:id="rId19"/>
+    <p:sldId id="275" r:id="rId20"/>
+    <p:sldId id="276" r:id="rId21"/>
+    <p:sldId id="265" r:id="rId22"/>
   </p:sldIdLst>
   <p:sldSz cx="9144000" cy="6858000" type="screen4x3"/>
   <p:notesSz cx="6858000" cy="9144000"/>
@@ -2400,12 +2402,8 @@
         <a:lstStyle/>
         <a:p>
           <a:r>
-            <a:rPr lang="en-US" dirty="0" err="1"/>
-            <a:t>Transcriptome</a:t>
-          </a:r>
-          <a:r>
             <a:rPr lang="en-US" dirty="0"/>
-            <a:t> profiling </a:t>
+            <a:t>Transcriptome profiling </a:t>
           </a:r>
         </a:p>
       </dgm:t>
@@ -3050,12 +3048,8 @@
             <a:buNone/>
           </a:pPr>
           <a:r>
-            <a:rPr lang="en-US" sz="3400" kern="1200" dirty="0" err="1"/>
-            <a:t>Transcriptome</a:t>
-          </a:r>
-          <a:r>
             <a:rPr lang="en-US" sz="3400" kern="1200" dirty="0"/>
-            <a:t> profiling </a:t>
+            <a:t>Transcriptome profiling </a:t>
           </a:r>
         </a:p>
       </dsp:txBody>
@@ -12439,53 +12433,6 @@
               <a:rPr lang="en-US" sz="4400" i="1" dirty="0"/>
               <a:t>(Asparagus officinalis)</a:t>
             </a:r>
-            <a:br>
-              <a:rPr lang="en-US" i="1" dirty="0"/>
-            </a:br>
-            <a:r>
-              <a:rPr lang="en-US" sz="2000" dirty="0"/>
-              <a:t>Alex </a:t>
-            </a:r>
-            <a:r>
-              <a:rPr lang="en-US" sz="2000" dirty="0" err="1"/>
-              <a:t>Harkess</a:t>
-            </a:r>
-            <a:r>
-              <a:rPr lang="en-US" sz="2000" dirty="0"/>
-              <a:t>, Francesco </a:t>
-            </a:r>
-            <a:r>
-              <a:rPr lang="en-US" sz="2000" dirty="0" err="1"/>
-              <a:t>Mercati</a:t>
-            </a:r>
-            <a:r>
-              <a:rPr lang="en-US" sz="2000" dirty="0"/>
-              <a:t>, Hong-Yan Shan, Francesco </a:t>
-            </a:r>
-            <a:r>
-              <a:rPr lang="en-US" sz="2000" dirty="0" err="1"/>
-              <a:t>Sunseri</a:t>
-            </a:r>
-            <a:r>
-              <a:rPr lang="en-US" sz="2000" dirty="0"/>
-              <a:t>, Agostino </a:t>
-            </a:r>
-            <a:r>
-              <a:rPr lang="en-US" sz="2000" dirty="0" err="1"/>
-              <a:t>Falavigna</a:t>
-            </a:r>
-            <a:r>
-              <a:rPr lang="en-US" sz="2000" dirty="0"/>
-              <a:t>, Jim </a:t>
-            </a:r>
-            <a:r>
-              <a:rPr lang="en-US" sz="2000" dirty="0" err="1"/>
-              <a:t>Leebens</a:t>
-            </a:r>
-            <a:r>
-              <a:rPr lang="en-US" sz="2000" dirty="0"/>
-              <a:t>-Mack</a:t>
-            </a:r>
             <a:endParaRPr lang="en-US" i="1" dirty="0"/>
           </a:p>
         </p:txBody>
@@ -12661,7 +12608,7 @@
       </p:grpSpPr>
       <p:sp>
         <p:nvSpPr>
-          <p:cNvPr id="2" name="Title 1"/>
+          <p:cNvPr id="2" name="Título 1"/>
           <p:cNvSpPr>
             <a:spLocks noGrp="1"/>
           </p:cNvSpPr>
@@ -12669,52 +12616,93 @@
             <p:ph type="title"/>
           </p:nvPr>
         </p:nvSpPr>
-        <p:spPr>
-          <a:xfrm>
-            <a:off x="1028700" y="685800"/>
-            <a:ext cx="7886700" cy="762000"/>
-          </a:xfrm>
-        </p:spPr>
+        <p:spPr/>
         <p:txBody>
           <a:bodyPr/>
           <a:lstStyle/>
           <a:p>
             <a:r>
+              <a:rPr lang="en-US" dirty="0" err="1"/>
+              <a:t>Transcriptome</a:t>
+            </a:r>
+            <a:r>
               <a:rPr lang="en-US" dirty="0"/>
-              <a:t>Differential Expression Analysis</a:t>
+              <a:t> Profiling</a:t>
             </a:r>
           </a:p>
         </p:txBody>
       </p:sp>
-      <p:graphicFrame>
-        <p:nvGraphicFramePr>
-          <p:cNvPr id="4" name="Content Placeholder 3"/>
-          <p:cNvGraphicFramePr>
-            <a:graphicFrameLocks noGrp="1"/>
-          </p:cNvGraphicFramePr>
+      <p:pic>
+        <p:nvPicPr>
+          <p:cNvPr id="1026" name="Picture 2" descr="Resultado de imagen para read alignment RNA seq"/>
+          <p:cNvPicPr>
+            <a:picLocks noGrp="1" noChangeAspect="1" noChangeArrowheads="1"/>
+          </p:cNvPicPr>
           <p:nvPr>
             <p:ph idx="1"/>
-            <p:extLst>
-              <p:ext uri="{D42A27DB-BD31-4B8C-83A1-F6EECF244321}">
-                <p14:modId xmlns:p14="http://schemas.microsoft.com/office/powerpoint/2010/main" val="2280023539"/>
-              </p:ext>
-            </p:extLst>
           </p:nvPr>
-        </p:nvGraphicFramePr>
-        <p:xfrm>
-          <a:off x="1028700" y="2286000"/>
-          <a:ext cx="7200900" cy="3581400"/>
-        </p:xfrm>
-        <a:graphic>
-          <a:graphicData uri="http://schemas.openxmlformats.org/drawingml/2006/diagram">
-            <dgm:relIds xmlns:dgm="http://schemas.openxmlformats.org/drawingml/2006/diagram" xmlns:r="http://schemas.openxmlformats.org/officeDocument/2006/relationships" r:dm="rId2" r:lo="rId3" r:qs="rId4" r:cs="rId5"/>
-          </a:graphicData>
-        </a:graphic>
-      </p:graphicFrame>
+        </p:nvPicPr>
+        <p:blipFill>
+          <a:blip r:embed="rId2">
+            <a:extLst>
+              <a:ext uri="{28A0092B-C50C-407E-A947-70E740481C1C}">
+                <a14:useLocalDpi xmlns:a14="http://schemas.microsoft.com/office/drawing/2010/main" val="0"/>
+              </a:ext>
+            </a:extLst>
+          </a:blip>
+          <a:srcRect/>
+          <a:stretch>
+            <a:fillRect/>
+          </a:stretch>
+        </p:blipFill>
+        <p:spPr bwMode="auto">
+          <a:xfrm>
+            <a:off x="1752600" y="1752600"/>
+            <a:ext cx="6190141" cy="4724400"/>
+          </a:xfrm>
+          <a:prstGeom prst="rect">
+            <a:avLst/>
+          </a:prstGeom>
+          <a:noFill/>
+          <a:extLst>
+            <a:ext uri="{909E8E84-426E-40DD-AFC4-6F175D3DCCD1}">
+              <a14:hiddenFill xmlns:a14="http://schemas.microsoft.com/office/drawing/2010/main">
+                <a:solidFill>
+                  <a:srgbClr val="FFFFFF"/>
+                </a:solidFill>
+              </a14:hiddenFill>
+            </a:ext>
+          </a:extLst>
+        </p:spPr>
+      </p:pic>
+      <p:pic>
+        <p:nvPicPr>
+          <p:cNvPr id="4" name="Imagen 3"/>
+          <p:cNvPicPr>
+            <a:picLocks noChangeAspect="1"/>
+          </p:cNvPicPr>
+          <p:nvPr/>
+        </p:nvPicPr>
+        <p:blipFill>
+          <a:blip r:embed="rId3"/>
+          <a:stretch>
+            <a:fillRect/>
+          </a:stretch>
+        </p:blipFill>
+        <p:spPr>
+          <a:xfrm>
+            <a:off x="1752600" y="6603508"/>
+            <a:ext cx="4848225" cy="219075"/>
+          </a:xfrm>
+          <a:prstGeom prst="rect">
+            <a:avLst/>
+          </a:prstGeom>
+        </p:spPr>
+      </p:pic>
     </p:spTree>
     <p:extLst>
       <p:ext uri="{BB962C8B-B14F-4D97-AF65-F5344CB8AC3E}">
-        <p14:creationId xmlns:p14="http://schemas.microsoft.com/office/powerpoint/2010/main" val="380992816"/>
+        <p14:creationId xmlns:p14="http://schemas.microsoft.com/office/powerpoint/2010/main" val="4166759524"/>
       </p:ext>
     </p:extLst>
   </p:cSld>
@@ -13439,6 +13427,88 @@
             <p:ph type="title"/>
           </p:nvPr>
         </p:nvSpPr>
+        <p:spPr>
+          <a:xfrm>
+            <a:off x="1028700" y="685800"/>
+            <a:ext cx="7886700" cy="762000"/>
+          </a:xfrm>
+        </p:spPr>
+        <p:txBody>
+          <a:bodyPr/>
+          <a:lstStyle/>
+          <a:p>
+            <a:r>
+              <a:rPr lang="en-US" dirty="0"/>
+              <a:t>Differential Expression Analysis</a:t>
+            </a:r>
+          </a:p>
+        </p:txBody>
+      </p:sp>
+      <p:graphicFrame>
+        <p:nvGraphicFramePr>
+          <p:cNvPr id="4" name="Content Placeholder 3"/>
+          <p:cNvGraphicFramePr>
+            <a:graphicFrameLocks noGrp="1"/>
+          </p:cNvGraphicFramePr>
+          <p:nvPr>
+            <p:ph idx="1"/>
+            <p:extLst>
+              <p:ext uri="{D42A27DB-BD31-4B8C-83A1-F6EECF244321}">
+                <p14:modId xmlns:p14="http://schemas.microsoft.com/office/powerpoint/2010/main" val="2280023539"/>
+              </p:ext>
+            </p:extLst>
+          </p:nvPr>
+        </p:nvGraphicFramePr>
+        <p:xfrm>
+          <a:off x="1028700" y="2286000"/>
+          <a:ext cx="7200900" cy="3581400"/>
+        </p:xfrm>
+        <a:graphic>
+          <a:graphicData uri="http://schemas.openxmlformats.org/drawingml/2006/diagram">
+            <dgm:relIds xmlns:dgm="http://schemas.openxmlformats.org/drawingml/2006/diagram" xmlns:r="http://schemas.openxmlformats.org/officeDocument/2006/relationships" r:dm="rId2" r:lo="rId3" r:qs="rId4" r:cs="rId5"/>
+          </a:graphicData>
+        </a:graphic>
+      </p:graphicFrame>
+    </p:spTree>
+    <p:extLst>
+      <p:ext uri="{BB962C8B-B14F-4D97-AF65-F5344CB8AC3E}">
+        <p14:creationId xmlns:p14="http://schemas.microsoft.com/office/powerpoint/2010/main" val="380992816"/>
+      </p:ext>
+    </p:extLst>
+  </p:cSld>
+  <p:clrMapOvr>
+    <a:masterClrMapping/>
+  </p:clrMapOvr>
+</p:sld>
+</file>
+
+<file path=ppt/slides/slide16.xml><?xml version="1.0" encoding="utf-8"?>
+<p:sld xmlns:a="http://schemas.openxmlformats.org/drawingml/2006/main" xmlns:r="http://schemas.openxmlformats.org/officeDocument/2006/relationships" xmlns:p="http://schemas.openxmlformats.org/presentationml/2006/main">
+  <p:cSld>
+    <p:spTree>
+      <p:nvGrpSpPr>
+        <p:cNvPr id="1" name=""/>
+        <p:cNvGrpSpPr/>
+        <p:nvPr/>
+      </p:nvGrpSpPr>
+      <p:grpSpPr>
+        <a:xfrm>
+          <a:off x="0" y="0"/>
+          <a:ext cx="0" cy="0"/>
+          <a:chOff x="0" y="0"/>
+          <a:chExt cx="0" cy="0"/>
+        </a:xfrm>
+      </p:grpSpPr>
+      <p:sp>
+        <p:nvSpPr>
+          <p:cNvPr id="2" name="Title 1"/>
+          <p:cNvSpPr>
+            <a:spLocks noGrp="1"/>
+          </p:cNvSpPr>
+          <p:nvPr>
+            <p:ph type="title"/>
+          </p:nvPr>
+        </p:nvSpPr>
         <p:spPr/>
         <p:txBody>
           <a:bodyPr/>
@@ -13516,7 +13586,7 @@
 </p:sld>
 </file>
 
-<file path=ppt/slides/slide16.xml><?xml version="1.0" encoding="utf-8"?>
+<file path=ppt/slides/slide17.xml><?xml version="1.0" encoding="utf-8"?>
 <p:sld xmlns:a="http://schemas.openxmlformats.org/drawingml/2006/main" xmlns:r="http://schemas.openxmlformats.org/officeDocument/2006/relationships" xmlns:p="http://schemas.openxmlformats.org/presentationml/2006/main">
   <p:cSld>
     <p:spTree>
@@ -13647,7 +13717,7 @@
 </p:sld>
 </file>
 
-<file path=ppt/slides/slide17.xml><?xml version="1.0" encoding="utf-8"?>
+<file path=ppt/slides/slide18.xml><?xml version="1.0" encoding="utf-8"?>
 <p:sld xmlns:a="http://schemas.openxmlformats.org/drawingml/2006/main" xmlns:r="http://schemas.openxmlformats.org/officeDocument/2006/relationships" xmlns:p="http://schemas.openxmlformats.org/presentationml/2006/main">
   <p:cSld>
     <p:spTree>
@@ -13794,7 +13864,7 @@
 </p:sld>
 </file>
 
-<file path=ppt/slides/slide18.xml><?xml version="1.0" encoding="utf-8"?>
+<file path=ppt/slides/slide19.xml><?xml version="1.0" encoding="utf-8"?>
 <p:sld xmlns:a="http://schemas.openxmlformats.org/drawingml/2006/main" xmlns:r="http://schemas.openxmlformats.org/officeDocument/2006/relationships" xmlns:p="http://schemas.openxmlformats.org/presentationml/2006/main">
   <p:cSld>
     <p:spTree>
@@ -13924,146 +13994,6 @@
     <p:extLst>
       <p:ext uri="{BB962C8B-B14F-4D97-AF65-F5344CB8AC3E}">
         <p14:creationId xmlns:p14="http://schemas.microsoft.com/office/powerpoint/2010/main" val="897698656"/>
-      </p:ext>
-    </p:extLst>
-  </p:cSld>
-  <p:clrMapOvr>
-    <a:masterClrMapping/>
-  </p:clrMapOvr>
-</p:sld>
-</file>
-
-<file path=ppt/slides/slide19.xml><?xml version="1.0" encoding="utf-8"?>
-<p:sld xmlns:a="http://schemas.openxmlformats.org/drawingml/2006/main" xmlns:r="http://schemas.openxmlformats.org/officeDocument/2006/relationships" xmlns:p="http://schemas.openxmlformats.org/presentationml/2006/main">
-  <p:cSld>
-    <p:spTree>
-      <p:nvGrpSpPr>
-        <p:cNvPr id="1" name=""/>
-        <p:cNvGrpSpPr/>
-        <p:nvPr/>
-      </p:nvGrpSpPr>
-      <p:grpSpPr>
-        <a:xfrm>
-          <a:off x="0" y="0"/>
-          <a:ext cx="0" cy="0"/>
-          <a:chOff x="0" y="0"/>
-          <a:chExt cx="0" cy="0"/>
-        </a:xfrm>
-      </p:grpSpPr>
-      <p:sp>
-        <p:nvSpPr>
-          <p:cNvPr id="2" name="Title 1"/>
-          <p:cNvSpPr>
-            <a:spLocks noGrp="1"/>
-          </p:cNvSpPr>
-          <p:nvPr>
-            <p:ph type="title"/>
-          </p:nvPr>
-        </p:nvSpPr>
-        <p:spPr/>
-        <p:txBody>
-          <a:bodyPr/>
-          <a:lstStyle/>
-          <a:p>
-            <a:r>
-              <a:rPr lang="en-US" dirty="0"/>
-              <a:t>Bibliography</a:t>
-            </a:r>
-          </a:p>
-        </p:txBody>
-      </p:sp>
-      <p:sp>
-        <p:nvSpPr>
-          <p:cNvPr id="3" name="Content Placeholder 2"/>
-          <p:cNvSpPr>
-            <a:spLocks noGrp="1"/>
-          </p:cNvSpPr>
-          <p:nvPr>
-            <p:ph idx="1"/>
-          </p:nvPr>
-        </p:nvSpPr>
-        <p:spPr/>
-        <p:txBody>
-          <a:bodyPr/>
-          <a:lstStyle/>
-          <a:p>
-            <a:r>
-              <a:rPr lang="en-US" dirty="0"/>
-              <a:t>Deng C-L, Qin R-Y, Wang N-N, Cao Y, Gao J, Gao W-J, Lu L-D. 2012. Karyotype of asparagus by physical mapping of 45S and 5S rDNA by FISH. </a:t>
-            </a:r>
-            <a:r>
-              <a:rPr lang="en-US" i="1" dirty="0"/>
-              <a:t>Journal of Genetics</a:t>
-            </a:r>
-            <a:r>
-              <a:rPr lang="en-US" dirty="0"/>
-              <a:t> </a:t>
-            </a:r>
-            <a:r>
-              <a:rPr lang="en-US" b="1" dirty="0"/>
-              <a:t>91</a:t>
-            </a:r>
-            <a:r>
-              <a:rPr lang="en-US" dirty="0"/>
-              <a:t>: 209–212.</a:t>
-            </a:r>
-          </a:p>
-          <a:p>
-            <a:r>
-              <a:rPr lang="en-US" dirty="0" err="1"/>
-              <a:t>Harkess</a:t>
-            </a:r>
-            <a:r>
-              <a:rPr lang="en-US" dirty="0"/>
-              <a:t>, A., </a:t>
-            </a:r>
-            <a:r>
-              <a:rPr lang="en-US" dirty="0" err="1"/>
-              <a:t>Mercati</a:t>
-            </a:r>
-            <a:r>
-              <a:rPr lang="en-US" dirty="0"/>
-              <a:t>, F., Shan, H.-Y., </a:t>
-            </a:r>
-            <a:r>
-              <a:rPr lang="en-US" dirty="0" err="1"/>
-              <a:t>Sunseri</a:t>
-            </a:r>
-            <a:r>
-              <a:rPr lang="en-US" dirty="0"/>
-              <a:t>, F., </a:t>
-            </a:r>
-            <a:r>
-              <a:rPr lang="en-US" dirty="0" err="1"/>
-              <a:t>Falavigna</a:t>
-            </a:r>
-            <a:r>
-              <a:rPr lang="en-US" dirty="0"/>
-              <a:t>, A. and </a:t>
-            </a:r>
-            <a:r>
-              <a:rPr lang="en-US" dirty="0" err="1"/>
-              <a:t>Leebens</a:t>
-            </a:r>
-            <a:r>
-              <a:rPr lang="en-US" dirty="0"/>
-              <a:t>-Mack, J. (2015), Sex-biased gene expression in dioecious garden asparagus (</a:t>
-            </a:r>
-            <a:r>
-              <a:rPr lang="en-US" i="1" dirty="0"/>
-              <a:t>Asparagus officinalis</a:t>
-            </a:r>
-            <a:r>
-              <a:rPr lang="en-US" dirty="0"/>
-              <a:t>). New Phytol, 207: 883–892. doi:10.1111/nph.13389</a:t>
-            </a:r>
-          </a:p>
-        </p:txBody>
-      </p:sp>
-    </p:spTree>
-    <p:extLst>
-      <p:ext uri="{BB962C8B-B14F-4D97-AF65-F5344CB8AC3E}">
-        <p14:creationId xmlns:p14="http://schemas.microsoft.com/office/powerpoint/2010/main" val="1642219891"/>
       </p:ext>
     </p:extLst>
   </p:cSld>
@@ -14362,6 +14292,217 @@
     <p:extLst>
       <p:ext uri="{BB962C8B-B14F-4D97-AF65-F5344CB8AC3E}">
         <p14:creationId xmlns:p14="http://schemas.microsoft.com/office/powerpoint/2010/main" val="1501002260"/>
+      </p:ext>
+    </p:extLst>
+  </p:cSld>
+  <p:clrMapOvr>
+    <a:masterClrMapping/>
+  </p:clrMapOvr>
+</p:sld>
+</file>
+
+<file path=ppt/slides/slide20.xml><?xml version="1.0" encoding="utf-8"?>
+<p:sld xmlns:a="http://schemas.openxmlformats.org/drawingml/2006/main" xmlns:r="http://schemas.openxmlformats.org/officeDocument/2006/relationships" xmlns:p="http://schemas.openxmlformats.org/presentationml/2006/main">
+  <p:cSld>
+    <p:spTree>
+      <p:nvGrpSpPr>
+        <p:cNvPr id="1" name=""/>
+        <p:cNvGrpSpPr/>
+        <p:nvPr/>
+      </p:nvGrpSpPr>
+      <p:grpSpPr>
+        <a:xfrm>
+          <a:off x="0" y="0"/>
+          <a:ext cx="0" cy="0"/>
+          <a:chOff x="0" y="0"/>
+          <a:chExt cx="0" cy="0"/>
+        </a:xfrm>
+      </p:grpSpPr>
+      <p:sp>
+        <p:nvSpPr>
+          <p:cNvPr id="2" name="Title 1"/>
+          <p:cNvSpPr>
+            <a:spLocks noGrp="1"/>
+          </p:cNvSpPr>
+          <p:nvPr>
+            <p:ph type="title"/>
+          </p:nvPr>
+        </p:nvSpPr>
+        <p:spPr/>
+        <p:txBody>
+          <a:bodyPr/>
+          <a:lstStyle/>
+          <a:p>
+            <a:r>
+              <a:rPr lang="en-US" dirty="0"/>
+              <a:t>Conclusion</a:t>
+            </a:r>
+          </a:p>
+        </p:txBody>
+      </p:sp>
+      <p:sp>
+        <p:nvSpPr>
+          <p:cNvPr id="3" name="Content Placeholder 2"/>
+          <p:cNvSpPr>
+            <a:spLocks noGrp="1"/>
+          </p:cNvSpPr>
+          <p:nvPr>
+            <p:ph idx="1"/>
+          </p:nvPr>
+        </p:nvSpPr>
+        <p:spPr/>
+        <p:txBody>
+          <a:bodyPr/>
+          <a:lstStyle/>
+          <a:p>
+            <a:endParaRPr lang="en-US"/>
+          </a:p>
+        </p:txBody>
+      </p:sp>
+    </p:spTree>
+    <p:extLst>
+      <p:ext uri="{BB962C8B-B14F-4D97-AF65-F5344CB8AC3E}">
+        <p14:creationId xmlns:p14="http://schemas.microsoft.com/office/powerpoint/2010/main" val="1757100119"/>
+      </p:ext>
+    </p:extLst>
+  </p:cSld>
+  <p:clrMapOvr>
+    <a:masterClrMapping/>
+  </p:clrMapOvr>
+</p:sld>
+</file>
+
+<file path=ppt/slides/slide21.xml><?xml version="1.0" encoding="utf-8"?>
+<p:sld xmlns:a="http://schemas.openxmlformats.org/drawingml/2006/main" xmlns:r="http://schemas.openxmlformats.org/officeDocument/2006/relationships" xmlns:p="http://schemas.openxmlformats.org/presentationml/2006/main">
+  <p:cSld>
+    <p:spTree>
+      <p:nvGrpSpPr>
+        <p:cNvPr id="1" name=""/>
+        <p:cNvGrpSpPr/>
+        <p:nvPr/>
+      </p:nvGrpSpPr>
+      <p:grpSpPr>
+        <a:xfrm>
+          <a:off x="0" y="0"/>
+          <a:ext cx="0" cy="0"/>
+          <a:chOff x="0" y="0"/>
+          <a:chExt cx="0" cy="0"/>
+        </a:xfrm>
+      </p:grpSpPr>
+      <p:sp>
+        <p:nvSpPr>
+          <p:cNvPr id="2" name="Title 1"/>
+          <p:cNvSpPr>
+            <a:spLocks noGrp="1"/>
+          </p:cNvSpPr>
+          <p:nvPr>
+            <p:ph type="title"/>
+          </p:nvPr>
+        </p:nvSpPr>
+        <p:spPr/>
+        <p:txBody>
+          <a:bodyPr/>
+          <a:lstStyle/>
+          <a:p>
+            <a:r>
+              <a:rPr lang="en-US" dirty="0"/>
+              <a:t>Bibliography</a:t>
+            </a:r>
+          </a:p>
+        </p:txBody>
+      </p:sp>
+      <p:sp>
+        <p:nvSpPr>
+          <p:cNvPr id="3" name="Content Placeholder 2"/>
+          <p:cNvSpPr>
+            <a:spLocks noGrp="1"/>
+          </p:cNvSpPr>
+          <p:nvPr>
+            <p:ph idx="1"/>
+          </p:nvPr>
+        </p:nvSpPr>
+        <p:spPr/>
+        <p:txBody>
+          <a:bodyPr/>
+          <a:lstStyle/>
+          <a:p>
+            <a:r>
+              <a:rPr lang="en-US" dirty="0"/>
+              <a:t>Deng C-L, Qin R-Y, Wang N-N, Cao Y, Gao J, Gao W-J, Lu L-D. 2012. Karyotype of asparagus by physical mapping of 45S and 5S rDNA by FISH. </a:t>
+            </a:r>
+            <a:r>
+              <a:rPr lang="en-US" i="1" dirty="0"/>
+              <a:t>Journal of Genetics</a:t>
+            </a:r>
+            <a:r>
+              <a:rPr lang="en-US" dirty="0"/>
+              <a:t> </a:t>
+            </a:r>
+            <a:r>
+              <a:rPr lang="en-US" b="1" dirty="0"/>
+              <a:t>91</a:t>
+            </a:r>
+            <a:r>
+              <a:rPr lang="en-US" dirty="0"/>
+              <a:t>: 209–212.</a:t>
+            </a:r>
+          </a:p>
+          <a:p>
+            <a:r>
+              <a:rPr lang="en-US" dirty="0" err="1"/>
+              <a:t>Harkess</a:t>
+            </a:r>
+            <a:r>
+              <a:rPr lang="en-US" dirty="0"/>
+              <a:t>, A., </a:t>
+            </a:r>
+            <a:r>
+              <a:rPr lang="en-US" dirty="0" err="1"/>
+              <a:t>Mercati</a:t>
+            </a:r>
+            <a:r>
+              <a:rPr lang="en-US" dirty="0"/>
+              <a:t>, F., Shan, H.-Y., </a:t>
+            </a:r>
+            <a:r>
+              <a:rPr lang="en-US" dirty="0" err="1"/>
+              <a:t>Sunseri</a:t>
+            </a:r>
+            <a:r>
+              <a:rPr lang="en-US" dirty="0"/>
+              <a:t>, F., </a:t>
+            </a:r>
+            <a:r>
+              <a:rPr lang="en-US" dirty="0" err="1"/>
+              <a:t>Falavigna</a:t>
+            </a:r>
+            <a:r>
+              <a:rPr lang="en-US" dirty="0"/>
+              <a:t>, A. and </a:t>
+            </a:r>
+            <a:r>
+              <a:rPr lang="en-US" dirty="0" err="1"/>
+              <a:t>Leebens</a:t>
+            </a:r>
+            <a:r>
+              <a:rPr lang="en-US" dirty="0"/>
+              <a:t>-Mack, J. (2015), Sex-biased gene expression in dioecious garden asparagus (</a:t>
+            </a:r>
+            <a:r>
+              <a:rPr lang="en-US" i="1" dirty="0"/>
+              <a:t>Asparagus officinalis</a:t>
+            </a:r>
+            <a:r>
+              <a:rPr lang="en-US" dirty="0"/>
+              <a:t>). New Phytol, 207: 883–892. doi:10.1111/nph.13389</a:t>
+            </a:r>
+          </a:p>
+        </p:txBody>
+      </p:sp>
+    </p:spTree>
+    <p:extLst>
+      <p:ext uri="{BB962C8B-B14F-4D97-AF65-F5344CB8AC3E}">
+        <p14:creationId xmlns:p14="http://schemas.microsoft.com/office/powerpoint/2010/main" val="1642219891"/>
       </p:ext>
     </p:extLst>
   </p:cSld>
@@ -15073,6 +15214,77 @@
           <a:p>
             <a:r>
               <a:rPr lang="en-US" dirty="0"/>
+              <a:t>Methods</a:t>
+            </a:r>
+          </a:p>
+        </p:txBody>
+      </p:sp>
+      <p:sp>
+        <p:nvSpPr>
+          <p:cNvPr id="3" name="Content Placeholder 2"/>
+          <p:cNvSpPr>
+            <a:spLocks noGrp="1"/>
+          </p:cNvSpPr>
+          <p:nvPr>
+            <p:ph idx="1"/>
+          </p:nvPr>
+        </p:nvSpPr>
+        <p:spPr/>
+        <p:txBody>
+          <a:bodyPr/>
+          <a:lstStyle/>
+          <a:p>
+            <a:endParaRPr lang="en-US"/>
+          </a:p>
+        </p:txBody>
+      </p:sp>
+    </p:spTree>
+    <p:extLst>
+      <p:ext uri="{BB962C8B-B14F-4D97-AF65-F5344CB8AC3E}">
+        <p14:creationId xmlns:p14="http://schemas.microsoft.com/office/powerpoint/2010/main" val="3115767081"/>
+      </p:ext>
+    </p:extLst>
+  </p:cSld>
+  <p:clrMapOvr>
+    <a:masterClrMapping/>
+  </p:clrMapOvr>
+</p:sld>
+</file>
+
+<file path=ppt/slides/slide8.xml><?xml version="1.0" encoding="utf-8"?>
+<p:sld xmlns:a="http://schemas.openxmlformats.org/drawingml/2006/main" xmlns:r="http://schemas.openxmlformats.org/officeDocument/2006/relationships" xmlns:p="http://schemas.openxmlformats.org/presentationml/2006/main">
+  <p:cSld>
+    <p:spTree>
+      <p:nvGrpSpPr>
+        <p:cNvPr id="1" name=""/>
+        <p:cNvGrpSpPr/>
+        <p:nvPr/>
+      </p:nvGrpSpPr>
+      <p:grpSpPr>
+        <a:xfrm>
+          <a:off x="0" y="0"/>
+          <a:ext cx="0" cy="0"/>
+          <a:chOff x="0" y="0"/>
+          <a:chExt cx="0" cy="0"/>
+        </a:xfrm>
+      </p:grpSpPr>
+      <p:sp>
+        <p:nvSpPr>
+          <p:cNvPr id="2" name="Title 1"/>
+          <p:cNvSpPr>
+            <a:spLocks noGrp="1"/>
+          </p:cNvSpPr>
+          <p:nvPr>
+            <p:ph type="title"/>
+          </p:nvPr>
+        </p:nvSpPr>
+        <p:spPr/>
+        <p:txBody>
+          <a:bodyPr/>
+          <a:lstStyle/>
+          <a:p>
+            <a:r>
+              <a:rPr lang="en-US" dirty="0"/>
               <a:t>Workflow</a:t>
             </a:r>
           </a:p>
@@ -15116,7 +15328,7 @@
 </p:sld>
 </file>
 
-<file path=ppt/slides/slide8.xml><?xml version="1.0" encoding="utf-8"?>
+<file path=ppt/slides/slide9.xml><?xml version="1.0" encoding="utf-8"?>
 <p:sld xmlns:a="http://schemas.openxmlformats.org/drawingml/2006/main" xmlns:r="http://schemas.openxmlformats.org/officeDocument/2006/relationships" xmlns:p="http://schemas.openxmlformats.org/presentationml/2006/main">
   <p:cSld>
     <p:spTree>
@@ -15986,129 +16198,6 @@
     <p:extLst>
       <p:ext uri="{BB962C8B-B14F-4D97-AF65-F5344CB8AC3E}">
         <p14:creationId xmlns:p14="http://schemas.microsoft.com/office/powerpoint/2010/main" val="539841936"/>
-      </p:ext>
-    </p:extLst>
-  </p:cSld>
-  <p:clrMapOvr>
-    <a:masterClrMapping/>
-  </p:clrMapOvr>
-</p:sld>
-</file>
-
-<file path=ppt/slides/slide9.xml><?xml version="1.0" encoding="utf-8"?>
-<p:sld xmlns:a="http://schemas.openxmlformats.org/drawingml/2006/main" xmlns:r="http://schemas.openxmlformats.org/officeDocument/2006/relationships" xmlns:p="http://schemas.openxmlformats.org/presentationml/2006/main">
-  <p:cSld>
-    <p:spTree>
-      <p:nvGrpSpPr>
-        <p:cNvPr id="1" name=""/>
-        <p:cNvGrpSpPr/>
-        <p:nvPr/>
-      </p:nvGrpSpPr>
-      <p:grpSpPr>
-        <a:xfrm>
-          <a:off x="0" y="0"/>
-          <a:ext cx="0" cy="0"/>
-          <a:chOff x="0" y="0"/>
-          <a:chExt cx="0" cy="0"/>
-        </a:xfrm>
-      </p:grpSpPr>
-      <p:sp>
-        <p:nvSpPr>
-          <p:cNvPr id="2" name="Título 1"/>
-          <p:cNvSpPr>
-            <a:spLocks noGrp="1"/>
-          </p:cNvSpPr>
-          <p:nvPr>
-            <p:ph type="title"/>
-          </p:nvPr>
-        </p:nvSpPr>
-        <p:spPr/>
-        <p:txBody>
-          <a:bodyPr/>
-          <a:lstStyle/>
-          <a:p>
-            <a:r>
-              <a:rPr lang="en-US" dirty="0" err="1"/>
-              <a:t>Transcriptome</a:t>
-            </a:r>
-            <a:r>
-              <a:rPr lang="en-US" dirty="0"/>
-              <a:t> Profiling</a:t>
-            </a:r>
-          </a:p>
-        </p:txBody>
-      </p:sp>
-      <p:pic>
-        <p:nvPicPr>
-          <p:cNvPr id="1026" name="Picture 2" descr="Resultado de imagen para read alignment RNA seq"/>
-          <p:cNvPicPr>
-            <a:picLocks noGrp="1" noChangeAspect="1" noChangeArrowheads="1"/>
-          </p:cNvPicPr>
-          <p:nvPr>
-            <p:ph idx="1"/>
-          </p:nvPr>
-        </p:nvPicPr>
-        <p:blipFill>
-          <a:blip r:embed="rId2">
-            <a:extLst>
-              <a:ext uri="{28A0092B-C50C-407E-A947-70E740481C1C}">
-                <a14:useLocalDpi xmlns:a14="http://schemas.microsoft.com/office/drawing/2010/main" val="0"/>
-              </a:ext>
-            </a:extLst>
-          </a:blip>
-          <a:srcRect/>
-          <a:stretch>
-            <a:fillRect/>
-          </a:stretch>
-        </p:blipFill>
-        <p:spPr bwMode="auto">
-          <a:xfrm>
-            <a:off x="1752600" y="1752600"/>
-            <a:ext cx="6190141" cy="4724400"/>
-          </a:xfrm>
-          <a:prstGeom prst="rect">
-            <a:avLst/>
-          </a:prstGeom>
-          <a:noFill/>
-          <a:extLst>
-            <a:ext uri="{909E8E84-426E-40DD-AFC4-6F175D3DCCD1}">
-              <a14:hiddenFill xmlns:a14="http://schemas.microsoft.com/office/drawing/2010/main">
-                <a:solidFill>
-                  <a:srgbClr val="FFFFFF"/>
-                </a:solidFill>
-              </a14:hiddenFill>
-            </a:ext>
-          </a:extLst>
-        </p:spPr>
-      </p:pic>
-      <p:pic>
-        <p:nvPicPr>
-          <p:cNvPr id="4" name="Imagen 3"/>
-          <p:cNvPicPr>
-            <a:picLocks noChangeAspect="1"/>
-          </p:cNvPicPr>
-          <p:nvPr/>
-        </p:nvPicPr>
-        <p:blipFill>
-          <a:blip r:embed="rId3"/>
-          <a:stretch>
-            <a:fillRect/>
-          </a:stretch>
-        </p:blipFill>
-        <p:spPr>
-          <a:xfrm>
-            <a:off x="1752600" y="6603508"/>
-            <a:ext cx="4848225" cy="219075"/>
-          </a:xfrm>
-          <a:prstGeom prst="rect">
-            <a:avLst/>
-          </a:prstGeom>
-        </p:spPr>
-      </p:pic>
-    </p:spTree>
-    <p:extLst>
-      <p:ext uri="{BB962C8B-B14F-4D97-AF65-F5344CB8AC3E}">
-        <p14:creationId xmlns:p14="http://schemas.microsoft.com/office/powerpoint/2010/main" val="4166759524"/>
       </p:ext>
     </p:extLst>
   </p:cSld>

--- a/asparagus.pptx
+++ b/asparagus.pptx
@@ -5,7 +5,7 @@
     <p:sldMasterId id="2147483660" r:id="rId1"/>
   </p:sldMasterIdLst>
   <p:notesMasterIdLst>
-    <p:notesMasterId r:id="rId23"/>
+    <p:notesMasterId r:id="rId25"/>
   </p:notesMasterIdLst>
   <p:sldIdLst>
     <p:sldId id="256" r:id="rId2"/>
@@ -14,21 +14,23 @@
     <p:sldId id="259" r:id="rId5"/>
     <p:sldId id="260" r:id="rId6"/>
     <p:sldId id="261" r:id="rId7"/>
-    <p:sldId id="277" r:id="rId8"/>
+    <p:sldId id="278" r:id="rId8"/>
     <p:sldId id="262" r:id="rId9"/>
-    <p:sldId id="266" r:id="rId10"/>
-    <p:sldId id="271" r:id="rId11"/>
-    <p:sldId id="263" r:id="rId12"/>
-    <p:sldId id="264" r:id="rId13"/>
-    <p:sldId id="268" r:id="rId14"/>
-    <p:sldId id="270" r:id="rId15"/>
-    <p:sldId id="267" r:id="rId16"/>
-    <p:sldId id="272" r:id="rId17"/>
-    <p:sldId id="273" r:id="rId18"/>
-    <p:sldId id="274" r:id="rId19"/>
-    <p:sldId id="275" r:id="rId20"/>
-    <p:sldId id="276" r:id="rId21"/>
-    <p:sldId id="265" r:id="rId22"/>
+    <p:sldId id="271" r:id="rId10"/>
+    <p:sldId id="280" r:id="rId11"/>
+    <p:sldId id="266" r:id="rId12"/>
+    <p:sldId id="263" r:id="rId13"/>
+    <p:sldId id="264" r:id="rId14"/>
+    <p:sldId id="268" r:id="rId15"/>
+    <p:sldId id="270" r:id="rId16"/>
+    <p:sldId id="279" r:id="rId17"/>
+    <p:sldId id="267" r:id="rId18"/>
+    <p:sldId id="272" r:id="rId19"/>
+    <p:sldId id="273" r:id="rId20"/>
+    <p:sldId id="274" r:id="rId21"/>
+    <p:sldId id="275" r:id="rId22"/>
+    <p:sldId id="276" r:id="rId23"/>
+    <p:sldId id="265" r:id="rId24"/>
   </p:sldIdLst>
   <p:sldSz cx="9144000" cy="6858000" type="screen4x3"/>
   <p:notesSz cx="6858000" cy="9144000"/>
@@ -147,11 +149,11 @@
 </file>
 
 <file path=ppt/diagrams/colors1.xml><?xml version="1.0" encoding="utf-8"?>
-<dgm:colorsDef xmlns:dgm="http://schemas.openxmlformats.org/drawingml/2006/diagram" xmlns:a="http://schemas.openxmlformats.org/drawingml/2006/main" uniqueId="urn:microsoft.com/office/officeart/2005/8/colors/accent1_2">
+<dgm:colorsDef xmlns:dgm="http://schemas.openxmlformats.org/drawingml/2006/diagram" xmlns:a="http://schemas.openxmlformats.org/drawingml/2006/main" uniqueId="urn:microsoft.com/office/officeart/2005/8/colors/colorful1">
   <dgm:title val=""/>
   <dgm:desc val=""/>
   <dgm:catLst>
-    <dgm:cat type="accent1" pri="11200"/>
+    <dgm:cat type="colorful" pri="10100"/>
   </dgm:catLst>
   <dgm:styleLbl name="node0">
     <dgm:fillClrLst meth="repeat">
@@ -165,21 +167,13 @@
     <dgm:txFillClrLst/>
     <dgm:txEffectClrLst/>
   </dgm:styleLbl>
-  <dgm:styleLbl name="alignNode1">
-    <dgm:fillClrLst meth="repeat">
-      <a:schemeClr val="accent1"/>
-    </dgm:fillClrLst>
-    <dgm:linClrLst meth="repeat">
-      <a:schemeClr val="accent1"/>
-    </dgm:linClrLst>
-    <dgm:effectClrLst/>
-    <dgm:txLinClrLst/>
-    <dgm:txFillClrLst/>
-    <dgm:txEffectClrLst/>
-  </dgm:styleLbl>
   <dgm:styleLbl name="node1">
     <dgm:fillClrLst meth="repeat">
-      <a:schemeClr val="accent1"/>
+      <a:schemeClr val="accent2"/>
+      <a:schemeClr val="accent3"/>
+      <a:schemeClr val="accent4"/>
+      <a:schemeClr val="accent5"/>
+      <a:schemeClr val="accent6"/>
     </dgm:fillClrLst>
     <dgm:linClrLst meth="repeat">
       <a:schemeClr val="lt1"/>
@@ -189,9 +183,33 @@
     <dgm:txFillClrLst/>
     <dgm:txEffectClrLst/>
   </dgm:styleLbl>
+  <dgm:styleLbl name="alignNode1">
+    <dgm:fillClrLst meth="repeat">
+      <a:schemeClr val="accent2"/>
+      <a:schemeClr val="accent3"/>
+      <a:schemeClr val="accent4"/>
+      <a:schemeClr val="accent5"/>
+      <a:schemeClr val="accent6"/>
+    </dgm:fillClrLst>
+    <dgm:linClrLst meth="repeat">
+      <a:schemeClr val="accent2"/>
+      <a:schemeClr val="accent3"/>
+      <a:schemeClr val="accent4"/>
+      <a:schemeClr val="accent5"/>
+      <a:schemeClr val="accent6"/>
+    </dgm:linClrLst>
+    <dgm:effectClrLst/>
+    <dgm:txLinClrLst/>
+    <dgm:txFillClrLst/>
+    <dgm:txEffectClrLst/>
+  </dgm:styleLbl>
   <dgm:styleLbl name="lnNode1">
     <dgm:fillClrLst meth="repeat">
-      <a:schemeClr val="accent1"/>
+      <a:schemeClr val="accent2"/>
+      <a:schemeClr val="accent3"/>
+      <a:schemeClr val="accent4"/>
+      <a:schemeClr val="accent5"/>
+      <a:schemeClr val="accent6"/>
     </dgm:fillClrLst>
     <dgm:linClrLst meth="repeat">
       <a:schemeClr val="lt1"/>
@@ -203,7 +221,19 @@
   </dgm:styleLbl>
   <dgm:styleLbl name="vennNode1">
     <dgm:fillClrLst meth="repeat">
-      <a:schemeClr val="accent1">
+      <a:schemeClr val="accent2">
+        <a:alpha val="50000"/>
+      </a:schemeClr>
+      <a:schemeClr val="accent3">
+        <a:alpha val="50000"/>
+      </a:schemeClr>
+      <a:schemeClr val="accent4">
+        <a:alpha val="50000"/>
+      </a:schemeClr>
+      <a:schemeClr val="accent5">
+        <a:alpha val="50000"/>
+      </a:schemeClr>
+      <a:schemeClr val="accent6">
         <a:alpha val="50000"/>
       </a:schemeClr>
     </dgm:fillClrLst>
@@ -216,8 +246,8 @@
     <dgm:txEffectClrLst/>
   </dgm:styleLbl>
   <dgm:styleLbl name="node2">
-    <dgm:fillClrLst meth="repeat">
-      <a:schemeClr val="accent1"/>
+    <dgm:fillClrLst>
+      <a:schemeClr val="accent2"/>
     </dgm:fillClrLst>
     <dgm:linClrLst meth="repeat">
       <a:schemeClr val="lt1"/>
@@ -228,8 +258,8 @@
     <dgm:txEffectClrLst/>
   </dgm:styleLbl>
   <dgm:styleLbl name="node3">
-    <dgm:fillClrLst meth="repeat">
-      <a:schemeClr val="accent1"/>
+    <dgm:fillClrLst>
+      <a:schemeClr val="accent3"/>
     </dgm:fillClrLst>
     <dgm:linClrLst meth="repeat">
       <a:schemeClr val="lt1"/>
@@ -240,8 +270,8 @@
     <dgm:txEffectClrLst/>
   </dgm:styleLbl>
   <dgm:styleLbl name="node4">
-    <dgm:fillClrLst meth="repeat">
-      <a:schemeClr val="accent1"/>
+    <dgm:fillClrLst>
+      <a:schemeClr val="accent4"/>
     </dgm:fillClrLst>
     <dgm:linClrLst meth="repeat">
       <a:schemeClr val="lt1"/>
@@ -253,7 +283,19 @@
   </dgm:styleLbl>
   <dgm:styleLbl name="fgImgPlace1">
     <dgm:fillClrLst meth="repeat">
-      <a:schemeClr val="accent1">
+      <a:schemeClr val="accent2">
+        <a:tint val="50000"/>
+      </a:schemeClr>
+      <a:schemeClr val="accent3">
+        <a:tint val="50000"/>
+      </a:schemeClr>
+      <a:schemeClr val="accent4">
+        <a:tint val="50000"/>
+      </a:schemeClr>
+      <a:schemeClr val="accent5">
+        <a:tint val="50000"/>
+      </a:schemeClr>
+      <a:schemeClr val="accent6">
         <a:tint val="50000"/>
       </a:schemeClr>
     </dgm:fillClrLst>
@@ -268,9 +310,12 @@
     <dgm:txEffectClrLst/>
   </dgm:styleLbl>
   <dgm:styleLbl name="alignImgPlace1">
-    <dgm:fillClrLst meth="repeat">
+    <dgm:fillClrLst>
       <a:schemeClr val="accent1">
         <a:tint val="50000"/>
+      </a:schemeClr>
+      <a:schemeClr val="accent2">
+        <a:tint val="20000"/>
       </a:schemeClr>
     </dgm:fillClrLst>
     <dgm:linClrLst meth="repeat">
@@ -284,9 +329,12 @@
     <dgm:txEffectClrLst/>
   </dgm:styleLbl>
   <dgm:styleLbl name="bgImgPlace1">
-    <dgm:fillClrLst meth="repeat">
+    <dgm:fillClrLst>
       <a:schemeClr val="accent1">
         <a:tint val="50000"/>
+      </a:schemeClr>
+      <a:schemeClr val="accent2">
+        <a:tint val="20000"/>
       </a:schemeClr>
     </dgm:fillClrLst>
     <dgm:linClrLst meth="repeat">
@@ -301,14 +349,14 @@
   </dgm:styleLbl>
   <dgm:styleLbl name="sibTrans2D1">
     <dgm:fillClrLst meth="repeat">
-      <a:schemeClr val="accent1">
-        <a:tint val="60000"/>
-      </a:schemeClr>
+      <a:schemeClr val="accent2"/>
+      <a:schemeClr val="accent3"/>
+      <a:schemeClr val="accent4"/>
+      <a:schemeClr val="accent5"/>
+      <a:schemeClr val="accent6"/>
     </dgm:fillClrLst>
-    <dgm:linClrLst meth="repeat">
-      <a:schemeClr val="accent1">
-        <a:tint val="60000"/>
-      </a:schemeClr>
+    <dgm:linClrLst meth="cycle">
+      <a:schemeClr val="lt1"/>
     </dgm:linClrLst>
     <dgm:effectClrLst/>
     <dgm:txLinClrLst/>
@@ -317,42 +365,54 @@
   </dgm:styleLbl>
   <dgm:styleLbl name="fgSibTrans2D1">
     <dgm:fillClrLst meth="repeat">
-      <a:schemeClr val="accent1">
-        <a:tint val="60000"/>
-      </a:schemeClr>
+      <a:schemeClr val="accent2"/>
+      <a:schemeClr val="accent3"/>
+      <a:schemeClr val="accent4"/>
+      <a:schemeClr val="accent5"/>
+      <a:schemeClr val="accent6"/>
     </dgm:fillClrLst>
-    <dgm:linClrLst meth="repeat">
-      <a:schemeClr val="accent1">
-        <a:tint val="60000"/>
-      </a:schemeClr>
+    <dgm:linClrLst meth="cycle">
+      <a:schemeClr val="lt1"/>
     </dgm:linClrLst>
     <dgm:effectClrLst/>
     <dgm:txLinClrLst/>
-    <dgm:txFillClrLst/>
+    <dgm:txFillClrLst meth="repeat">
+      <a:schemeClr val="lt1"/>
+    </dgm:txFillClrLst>
     <dgm:txEffectClrLst/>
   </dgm:styleLbl>
   <dgm:styleLbl name="bgSibTrans2D1">
     <dgm:fillClrLst meth="repeat">
-      <a:schemeClr val="accent1">
-        <a:tint val="60000"/>
-      </a:schemeClr>
+      <a:schemeClr val="accent2"/>
+      <a:schemeClr val="accent3"/>
+      <a:schemeClr val="accent4"/>
+      <a:schemeClr val="accent5"/>
+      <a:schemeClr val="accent6"/>
     </dgm:fillClrLst>
-    <dgm:linClrLst meth="repeat">
-      <a:schemeClr val="accent1">
-        <a:tint val="60000"/>
-      </a:schemeClr>
+    <dgm:linClrLst meth="cycle">
+      <a:schemeClr val="lt1"/>
     </dgm:linClrLst>
     <dgm:effectClrLst/>
     <dgm:txLinClrLst/>
-    <dgm:txFillClrLst/>
+    <dgm:txFillClrLst meth="repeat">
+      <a:schemeClr val="lt1"/>
+    </dgm:txFillClrLst>
     <dgm:txEffectClrLst/>
   </dgm:styleLbl>
   <dgm:styleLbl name="sibTrans1D1">
     <dgm:fillClrLst meth="repeat">
-      <a:schemeClr val="accent1"/>
+      <a:schemeClr val="accent2"/>
+      <a:schemeClr val="accent3"/>
+      <a:schemeClr val="accent4"/>
+      <a:schemeClr val="accent5"/>
+      <a:schemeClr val="accent6"/>
     </dgm:fillClrLst>
     <dgm:linClrLst meth="repeat">
-      <a:schemeClr val="accent1"/>
+      <a:schemeClr val="accent2"/>
+      <a:schemeClr val="accent3"/>
+      <a:schemeClr val="accent4"/>
+      <a:schemeClr val="accent5"/>
+      <a:schemeClr val="accent6"/>
     </dgm:linClrLst>
     <dgm:effectClrLst/>
     <dgm:txLinClrLst/>
@@ -363,10 +423,10 @@
   </dgm:styleLbl>
   <dgm:styleLbl name="callout">
     <dgm:fillClrLst meth="repeat">
-      <a:schemeClr val="accent1"/>
+      <a:schemeClr val="accent2"/>
     </dgm:fillClrLst>
     <dgm:linClrLst meth="repeat">
-      <a:schemeClr val="accent1">
+      <a:schemeClr val="accent2">
         <a:tint val="50000"/>
       </a:schemeClr>
     </dgm:linClrLst>
@@ -391,7 +451,7 @@
   </dgm:styleLbl>
   <dgm:styleLbl name="asst1">
     <dgm:fillClrLst meth="repeat">
-      <a:schemeClr val="accent1"/>
+      <a:schemeClr val="accent2"/>
     </dgm:fillClrLst>
     <dgm:linClrLst meth="repeat">
       <a:schemeClr val="lt1"/>
@@ -402,8 +462,8 @@
     <dgm:txEffectClrLst/>
   </dgm:styleLbl>
   <dgm:styleLbl name="asst2">
-    <dgm:fillClrLst meth="repeat">
-      <a:schemeClr val="accent1"/>
+    <dgm:fillClrLst>
+      <a:schemeClr val="accent3"/>
     </dgm:fillClrLst>
     <dgm:linClrLst meth="repeat">
       <a:schemeClr val="lt1"/>
@@ -414,8 +474,8 @@
     <dgm:txEffectClrLst/>
   </dgm:styleLbl>
   <dgm:styleLbl name="asst3">
-    <dgm:fillClrLst meth="repeat">
-      <a:schemeClr val="accent1"/>
+    <dgm:fillClrLst>
+      <a:schemeClr val="accent4"/>
     </dgm:fillClrLst>
     <dgm:linClrLst meth="repeat">
       <a:schemeClr val="lt1"/>
@@ -426,8 +486,8 @@
     <dgm:txEffectClrLst/>
   </dgm:styleLbl>
   <dgm:styleLbl name="asst4">
-    <dgm:fillClrLst meth="repeat">
-      <a:schemeClr val="accent1"/>
+    <dgm:fillClrLst>
+      <a:schemeClr val="accent5"/>
     </dgm:fillClrLst>
     <dgm:linClrLst meth="repeat">
       <a:schemeClr val="lt1"/>
@@ -439,14 +499,10 @@
   </dgm:styleLbl>
   <dgm:styleLbl name="parChTrans2D1">
     <dgm:fillClrLst meth="repeat">
-      <a:schemeClr val="accent1">
-        <a:tint val="60000"/>
-      </a:schemeClr>
+      <a:schemeClr val="accent2"/>
     </dgm:fillClrLst>
     <dgm:linClrLst meth="repeat">
-      <a:schemeClr val="accent1">
-        <a:tint val="60000"/>
-      </a:schemeClr>
+      <a:schemeClr val="lt1"/>
     </dgm:linClrLst>
     <dgm:effectClrLst/>
     <dgm:txLinClrLst/>
@@ -457,7 +513,45 @@
   </dgm:styleLbl>
   <dgm:styleLbl name="parChTrans2D2">
     <dgm:fillClrLst meth="repeat">
-      <a:schemeClr val="accent1"/>
+      <a:schemeClr val="accent3"/>
+    </dgm:fillClrLst>
+    <dgm:linClrLst meth="repeat">
+      <a:schemeClr val="lt1"/>
+    </dgm:linClrLst>
+    <dgm:effectClrLst/>
+    <dgm:txLinClrLst/>
+    <dgm:txFillClrLst/>
+    <dgm:txEffectClrLst/>
+  </dgm:styleLbl>
+  <dgm:styleLbl name="parChTrans2D3">
+    <dgm:fillClrLst meth="repeat">
+      <a:schemeClr val="accent4"/>
+    </dgm:fillClrLst>
+    <dgm:linClrLst meth="repeat">
+      <a:schemeClr val="lt1"/>
+    </dgm:linClrLst>
+    <dgm:effectClrLst/>
+    <dgm:txLinClrLst/>
+    <dgm:txFillClrLst/>
+    <dgm:txEffectClrLst/>
+  </dgm:styleLbl>
+  <dgm:styleLbl name="parChTrans2D4">
+    <dgm:fillClrLst meth="repeat">
+      <a:schemeClr val="accent5"/>
+    </dgm:fillClrLst>
+    <dgm:linClrLst meth="repeat">
+      <a:schemeClr val="lt1"/>
+    </dgm:linClrLst>
+    <dgm:effectClrLst/>
+    <dgm:txLinClrLst/>
+    <dgm:txFillClrLst meth="repeat">
+      <a:schemeClr val="lt1"/>
+    </dgm:txFillClrLst>
+    <dgm:txEffectClrLst/>
+  </dgm:styleLbl>
+  <dgm:styleLbl name="parChTrans1D1">
+    <dgm:fillClrLst meth="repeat">
+      <a:schemeClr val="accent2"/>
     </dgm:fillClrLst>
     <dgm:linClrLst meth="repeat">
       <a:schemeClr val="accent1"/>
@@ -465,46 +559,18 @@
     <dgm:effectClrLst/>
     <dgm:txLinClrLst/>
     <dgm:txFillClrLst meth="repeat">
-      <a:schemeClr val="lt1"/>
+      <a:schemeClr val="tx1"/>
     </dgm:txFillClrLst>
     <dgm:txEffectClrLst/>
   </dgm:styleLbl>
-  <dgm:styleLbl name="parChTrans2D3">
+  <dgm:styleLbl name="parChTrans1D2">
     <dgm:fillClrLst meth="repeat">
-      <a:schemeClr val="accent1"/>
+      <a:schemeClr val="accent3">
+        <a:tint val="90000"/>
+      </a:schemeClr>
     </dgm:fillClrLst>
     <dgm:linClrLst meth="repeat">
-      <a:schemeClr val="accent1"/>
-    </dgm:linClrLst>
-    <dgm:effectClrLst/>
-    <dgm:txLinClrLst/>
-    <dgm:txFillClrLst meth="repeat">
-      <a:schemeClr val="lt1"/>
-    </dgm:txFillClrLst>
-    <dgm:txEffectClrLst/>
-  </dgm:styleLbl>
-  <dgm:styleLbl name="parChTrans2D4">
-    <dgm:fillClrLst meth="repeat">
-      <a:schemeClr val="accent1"/>
-    </dgm:fillClrLst>
-    <dgm:linClrLst meth="repeat">
-      <a:schemeClr val="accent1"/>
-    </dgm:linClrLst>
-    <dgm:effectClrLst/>
-    <dgm:txLinClrLst/>
-    <dgm:txFillClrLst meth="repeat">
-      <a:schemeClr val="lt1"/>
-    </dgm:txFillClrLst>
-    <dgm:txEffectClrLst/>
-  </dgm:styleLbl>
-  <dgm:styleLbl name="parChTrans1D1">
-    <dgm:fillClrLst meth="repeat">
-      <a:schemeClr val="accent1"/>
-    </dgm:fillClrLst>
-    <dgm:linClrLst meth="repeat">
-      <a:schemeClr val="accent1">
-        <a:shade val="60000"/>
-      </a:schemeClr>
+      <a:schemeClr val="accent2"/>
     </dgm:linClrLst>
     <dgm:effectClrLst/>
     <dgm:txLinClrLst/>
@@ -513,14 +579,14 @@
     </dgm:txFillClrLst>
     <dgm:txEffectClrLst/>
   </dgm:styleLbl>
-  <dgm:styleLbl name="parChTrans1D2">
+  <dgm:styleLbl name="parChTrans1D3">
     <dgm:fillClrLst meth="repeat">
-      <a:schemeClr val="accent1"/>
+      <a:schemeClr val="accent4">
+        <a:tint val="70000"/>
+      </a:schemeClr>
     </dgm:fillClrLst>
     <dgm:linClrLst meth="repeat">
-      <a:schemeClr val="accent1">
-        <a:shade val="60000"/>
-      </a:schemeClr>
+      <a:schemeClr val="accent3"/>
     </dgm:linClrLst>
     <dgm:effectClrLst/>
     <dgm:txLinClrLst/>
@@ -529,14 +595,14 @@
     </dgm:txFillClrLst>
     <dgm:txEffectClrLst/>
   </dgm:styleLbl>
-  <dgm:styleLbl name="parChTrans1D3">
+  <dgm:styleLbl name="parChTrans1D4">
     <dgm:fillClrLst meth="repeat">
-      <a:schemeClr val="accent1"/>
+      <a:schemeClr val="accent5">
+        <a:tint val="50000"/>
+      </a:schemeClr>
     </dgm:fillClrLst>
     <dgm:linClrLst meth="repeat">
-      <a:schemeClr val="accent1">
-        <a:shade val="80000"/>
-      </a:schemeClr>
+      <a:schemeClr val="accent4"/>
     </dgm:linClrLst>
     <dgm:effectClrLst/>
     <dgm:txLinClrLst/>
@@ -545,22 +611,6 @@
     </dgm:txFillClrLst>
     <dgm:txEffectClrLst/>
   </dgm:styleLbl>
-  <dgm:styleLbl name="parChTrans1D4">
-    <dgm:fillClrLst meth="repeat">
-      <a:schemeClr val="accent1"/>
-    </dgm:fillClrLst>
-    <dgm:linClrLst meth="repeat">
-      <a:schemeClr val="accent1">
-        <a:shade val="80000"/>
-      </a:schemeClr>
-    </dgm:linClrLst>
-    <dgm:effectClrLst/>
-    <dgm:txLinClrLst/>
-    <dgm:txFillClrLst meth="repeat">
-      <a:schemeClr val="tx1"/>
-    </dgm:txFillClrLst>
-    <dgm:txEffectClrLst/>
-  </dgm:styleLbl>
   <dgm:styleLbl name="fgAcc1">
     <dgm:fillClrLst meth="repeat">
       <a:schemeClr val="lt1">
@@ -568,7 +618,11 @@
       </a:schemeClr>
     </dgm:fillClrLst>
     <dgm:linClrLst meth="repeat">
-      <a:schemeClr val="accent1"/>
+      <a:schemeClr val="accent2"/>
+      <a:schemeClr val="accent3"/>
+      <a:schemeClr val="accent4"/>
+      <a:schemeClr val="accent5"/>
+      <a:schemeClr val="accent6"/>
     </dgm:linClrLst>
     <dgm:effectClrLst/>
     <dgm:txLinClrLst/>
@@ -584,7 +638,11 @@
       </a:schemeClr>
     </dgm:fillClrLst>
     <dgm:linClrLst meth="repeat">
-      <a:schemeClr val="accent1"/>
+      <a:schemeClr val="accent2"/>
+      <a:schemeClr val="accent3"/>
+      <a:schemeClr val="accent4"/>
+      <a:schemeClr val="accent5"/>
+      <a:schemeClr val="accent6"/>
     </dgm:linClrLst>
     <dgm:effectClrLst/>
     <dgm:txLinClrLst/>
@@ -600,7 +658,11 @@
       </a:schemeClr>
     </dgm:fillClrLst>
     <dgm:linClrLst meth="repeat">
-      <a:schemeClr val="accent1"/>
+      <a:schemeClr val="accent2"/>
+      <a:schemeClr val="accent3"/>
+      <a:schemeClr val="accent4"/>
+      <a:schemeClr val="accent5"/>
+      <a:schemeClr val="accent6"/>
     </dgm:linClrLst>
     <dgm:effectClrLst/>
     <dgm:txLinClrLst/>
@@ -632,6 +694,236 @@
       </a:schemeClr>
     </dgm:fillClrLst>
     <dgm:linClrLst meth="repeat">
+      <a:schemeClr val="accent2"/>
+      <a:schemeClr val="accent3"/>
+      <a:schemeClr val="accent4"/>
+      <a:schemeClr val="accent5"/>
+      <a:schemeClr val="accent6"/>
+    </dgm:linClrLst>
+    <dgm:effectClrLst/>
+    <dgm:txLinClrLst/>
+    <dgm:txFillClrLst meth="repeat">
+      <a:schemeClr val="dk1"/>
+    </dgm:txFillClrLst>
+    <dgm:txEffectClrLst/>
+  </dgm:styleLbl>
+  <dgm:styleLbl name="solidFgAcc1">
+    <dgm:fillClrLst meth="repeat">
+      <a:schemeClr val="lt1"/>
+    </dgm:fillClrLst>
+    <dgm:linClrLst meth="repeat">
+      <a:schemeClr val="accent2"/>
+      <a:schemeClr val="accent3"/>
+      <a:schemeClr val="accent4"/>
+      <a:schemeClr val="accent5"/>
+      <a:schemeClr val="accent6"/>
+    </dgm:linClrLst>
+    <dgm:effectClrLst/>
+    <dgm:txLinClrLst/>
+    <dgm:txFillClrLst meth="repeat">
+      <a:schemeClr val="dk1"/>
+    </dgm:txFillClrLst>
+    <dgm:txEffectClrLst/>
+  </dgm:styleLbl>
+  <dgm:styleLbl name="solidAlignAcc1">
+    <dgm:fillClrLst meth="repeat">
+      <a:schemeClr val="lt1"/>
+    </dgm:fillClrLst>
+    <dgm:linClrLst meth="repeat">
+      <a:schemeClr val="accent2"/>
+      <a:schemeClr val="accent3"/>
+      <a:schemeClr val="accent4"/>
+      <a:schemeClr val="accent5"/>
+      <a:schemeClr val="accent6"/>
+    </dgm:linClrLst>
+    <dgm:effectClrLst/>
+    <dgm:txLinClrLst/>
+    <dgm:txFillClrLst meth="repeat">
+      <a:schemeClr val="dk1"/>
+    </dgm:txFillClrLst>
+    <dgm:txEffectClrLst/>
+  </dgm:styleLbl>
+  <dgm:styleLbl name="solidBgAcc1">
+    <dgm:fillClrLst meth="repeat">
+      <a:schemeClr val="lt1"/>
+    </dgm:fillClrLst>
+    <dgm:linClrLst meth="repeat">
+      <a:schemeClr val="accent2"/>
+      <a:schemeClr val="accent3"/>
+      <a:schemeClr val="accent4"/>
+      <a:schemeClr val="accent5"/>
+      <a:schemeClr val="accent6"/>
+    </dgm:linClrLst>
+    <dgm:effectClrLst/>
+    <dgm:txLinClrLst/>
+    <dgm:txFillClrLst meth="repeat">
+      <a:schemeClr val="dk1"/>
+    </dgm:txFillClrLst>
+    <dgm:txEffectClrLst/>
+  </dgm:styleLbl>
+  <dgm:styleLbl name="fgAccFollowNode1">
+    <dgm:fillClrLst meth="repeat">
+      <a:schemeClr val="accent2">
+        <a:tint val="40000"/>
+        <a:alpha val="90000"/>
+      </a:schemeClr>
+      <a:schemeClr val="accent3">
+        <a:tint val="40000"/>
+        <a:alpha val="90000"/>
+      </a:schemeClr>
+      <a:schemeClr val="accent4">
+        <a:tint val="40000"/>
+        <a:alpha val="90000"/>
+      </a:schemeClr>
+      <a:schemeClr val="accent5">
+        <a:tint val="40000"/>
+        <a:alpha val="90000"/>
+      </a:schemeClr>
+      <a:schemeClr val="accent6">
+        <a:tint val="40000"/>
+        <a:alpha val="90000"/>
+      </a:schemeClr>
+    </dgm:fillClrLst>
+    <dgm:linClrLst meth="repeat">
+      <a:schemeClr val="accent2">
+        <a:tint val="40000"/>
+        <a:alpha val="90000"/>
+      </a:schemeClr>
+      <a:schemeClr val="accent3">
+        <a:tint val="40000"/>
+        <a:alpha val="90000"/>
+      </a:schemeClr>
+      <a:schemeClr val="accent4">
+        <a:tint val="40000"/>
+        <a:alpha val="90000"/>
+      </a:schemeClr>
+      <a:schemeClr val="accent5">
+        <a:tint val="40000"/>
+        <a:alpha val="90000"/>
+      </a:schemeClr>
+      <a:schemeClr val="accent6">
+        <a:tint val="40000"/>
+        <a:alpha val="90000"/>
+      </a:schemeClr>
+    </dgm:linClrLst>
+    <dgm:effectClrLst/>
+    <dgm:txLinClrLst/>
+    <dgm:txFillClrLst meth="repeat">
+      <a:schemeClr val="dk1"/>
+    </dgm:txFillClrLst>
+    <dgm:txEffectClrLst/>
+  </dgm:styleLbl>
+  <dgm:styleLbl name="alignAccFollowNode1">
+    <dgm:fillClrLst meth="repeat">
+      <a:schemeClr val="accent2">
+        <a:tint val="40000"/>
+        <a:alpha val="90000"/>
+      </a:schemeClr>
+      <a:schemeClr val="accent3">
+        <a:tint val="40000"/>
+        <a:alpha val="90000"/>
+      </a:schemeClr>
+      <a:schemeClr val="accent4">
+        <a:tint val="40000"/>
+        <a:alpha val="90000"/>
+      </a:schemeClr>
+      <a:schemeClr val="accent5">
+        <a:tint val="40000"/>
+        <a:alpha val="90000"/>
+      </a:schemeClr>
+      <a:schemeClr val="accent6">
+        <a:tint val="40000"/>
+        <a:alpha val="90000"/>
+      </a:schemeClr>
+    </dgm:fillClrLst>
+    <dgm:linClrLst meth="repeat">
+      <a:schemeClr val="accent2">
+        <a:tint val="40000"/>
+        <a:alpha val="90000"/>
+      </a:schemeClr>
+      <a:schemeClr val="accent3">
+        <a:tint val="40000"/>
+        <a:alpha val="90000"/>
+      </a:schemeClr>
+      <a:schemeClr val="accent4">
+        <a:tint val="40000"/>
+        <a:alpha val="90000"/>
+      </a:schemeClr>
+      <a:schemeClr val="accent5">
+        <a:tint val="40000"/>
+        <a:alpha val="90000"/>
+      </a:schemeClr>
+      <a:schemeClr val="accent6">
+        <a:tint val="40000"/>
+        <a:alpha val="90000"/>
+      </a:schemeClr>
+    </dgm:linClrLst>
+    <dgm:effectClrLst/>
+    <dgm:txLinClrLst/>
+    <dgm:txFillClrLst meth="repeat">
+      <a:schemeClr val="dk1"/>
+    </dgm:txFillClrLst>
+    <dgm:txEffectClrLst/>
+  </dgm:styleLbl>
+  <dgm:styleLbl name="bgAccFollowNode1">
+    <dgm:fillClrLst meth="repeat">
+      <a:schemeClr val="accent2">
+        <a:tint val="40000"/>
+        <a:alpha val="90000"/>
+      </a:schemeClr>
+      <a:schemeClr val="accent3">
+        <a:tint val="40000"/>
+        <a:alpha val="90000"/>
+      </a:schemeClr>
+      <a:schemeClr val="accent4">
+        <a:tint val="40000"/>
+        <a:alpha val="90000"/>
+      </a:schemeClr>
+      <a:schemeClr val="accent5">
+        <a:tint val="40000"/>
+        <a:alpha val="90000"/>
+      </a:schemeClr>
+      <a:schemeClr val="accent6">
+        <a:tint val="40000"/>
+        <a:alpha val="90000"/>
+      </a:schemeClr>
+    </dgm:fillClrLst>
+    <dgm:linClrLst meth="repeat">
+      <a:schemeClr val="accent2">
+        <a:tint val="40000"/>
+        <a:alpha val="90000"/>
+      </a:schemeClr>
+      <a:schemeClr val="accent3">
+        <a:tint val="40000"/>
+        <a:alpha val="90000"/>
+      </a:schemeClr>
+      <a:schemeClr val="accent4">
+        <a:tint val="40000"/>
+        <a:alpha val="90000"/>
+      </a:schemeClr>
+      <a:schemeClr val="accent5">
+        <a:tint val="40000"/>
+        <a:alpha val="90000"/>
+      </a:schemeClr>
+      <a:schemeClr val="accent6">
+        <a:tint val="40000"/>
+        <a:alpha val="90000"/>
+      </a:schemeClr>
+    </dgm:linClrLst>
+    <dgm:effectClrLst/>
+    <dgm:txLinClrLst/>
+    <dgm:txFillClrLst meth="repeat">
+      <a:schemeClr val="dk1"/>
+    </dgm:txFillClrLst>
+    <dgm:txEffectClrLst/>
+  </dgm:styleLbl>
+  <dgm:styleLbl name="fgAcc0">
+    <dgm:fillClrLst meth="repeat">
+      <a:schemeClr val="lt1">
+        <a:alpha val="90000"/>
+      </a:schemeClr>
+    </dgm:fillClrLst>
+    <dgm:linClrLst>
       <a:schemeClr val="accent1"/>
     </dgm:linClrLst>
     <dgm:effectClrLst/>
@@ -641,12 +933,14 @@
     </dgm:txFillClrLst>
     <dgm:txEffectClrLst/>
   </dgm:styleLbl>
-  <dgm:styleLbl name="solidFgAcc1">
+  <dgm:styleLbl name="fgAcc2">
     <dgm:fillClrLst meth="repeat">
-      <a:schemeClr val="lt1"/>
+      <a:schemeClr val="lt1">
+        <a:alpha val="90000"/>
+      </a:schemeClr>
     </dgm:fillClrLst>
-    <dgm:linClrLst meth="repeat">
-      <a:schemeClr val="accent1"/>
+    <dgm:linClrLst>
+      <a:schemeClr val="accent2"/>
     </dgm:linClrLst>
     <dgm:effectClrLst/>
     <dgm:txLinClrLst/>
@@ -655,12 +949,14 @@
     </dgm:txFillClrLst>
     <dgm:txEffectClrLst/>
   </dgm:styleLbl>
-  <dgm:styleLbl name="solidAlignAcc1">
+  <dgm:styleLbl name="fgAcc3">
     <dgm:fillClrLst meth="repeat">
-      <a:schemeClr val="lt1"/>
+      <a:schemeClr val="lt1">
+        <a:alpha val="90000"/>
+      </a:schemeClr>
     </dgm:fillClrLst>
-    <dgm:linClrLst meth="repeat">
-      <a:schemeClr val="accent1"/>
+    <dgm:linClrLst>
+      <a:schemeClr val="accent3"/>
     </dgm:linClrLst>
     <dgm:effectClrLst/>
     <dgm:txLinClrLst/>
@@ -669,12 +965,14 @@
     </dgm:txFillClrLst>
     <dgm:txEffectClrLst/>
   </dgm:styleLbl>
-  <dgm:styleLbl name="solidBgAcc1">
+  <dgm:styleLbl name="fgAcc4">
     <dgm:fillClrLst meth="repeat">
-      <a:schemeClr val="lt1"/>
+      <a:schemeClr val="lt1">
+        <a:alpha val="90000"/>
+      </a:schemeClr>
     </dgm:fillClrLst>
-    <dgm:linClrLst meth="repeat">
-      <a:schemeClr val="accent1"/>
+    <dgm:linClrLst>
+      <a:schemeClr val="accent4"/>
     </dgm:linClrLst>
     <dgm:effectClrLst/>
     <dgm:txLinClrLst/>
@@ -683,18 +981,14 @@
     </dgm:txFillClrLst>
     <dgm:txEffectClrLst/>
   </dgm:styleLbl>
-  <dgm:styleLbl name="fgAccFollowNode1">
+  <dgm:styleLbl name="bgShp">
     <dgm:fillClrLst meth="repeat">
-      <a:schemeClr val="accent1">
-        <a:alpha val="90000"/>
+      <a:schemeClr val="accent2">
         <a:tint val="40000"/>
       </a:schemeClr>
     </dgm:fillClrLst>
     <dgm:linClrLst meth="repeat">
-      <a:schemeClr val="accent1">
-        <a:alpha val="90000"/>
-        <a:tint val="40000"/>
-      </a:schemeClr>
+      <a:schemeClr val="dk1"/>
     </dgm:linClrLst>
     <dgm:effectClrLst/>
     <dgm:txLinClrLst/>
@@ -703,134 +997,14 @@
     </dgm:txFillClrLst>
     <dgm:txEffectClrLst/>
   </dgm:styleLbl>
-  <dgm:styleLbl name="alignAccFollowNode1">
+  <dgm:styleLbl name="dkBgShp">
     <dgm:fillClrLst meth="repeat">
-      <a:schemeClr val="accent1">
-        <a:alpha val="90000"/>
-        <a:tint val="40000"/>
+      <a:schemeClr val="accent2">
+        <a:shade val="90000"/>
       </a:schemeClr>
     </dgm:fillClrLst>
     <dgm:linClrLst meth="repeat">
-      <a:schemeClr val="accent1">
-        <a:alpha val="90000"/>
-        <a:tint val="40000"/>
-      </a:schemeClr>
-    </dgm:linClrLst>
-    <dgm:effectClrLst/>
-    <dgm:txLinClrLst/>
-    <dgm:txFillClrLst meth="repeat">
       <a:schemeClr val="dk1"/>
-    </dgm:txFillClrLst>
-    <dgm:txEffectClrLst/>
-  </dgm:styleLbl>
-  <dgm:styleLbl name="bgAccFollowNode1">
-    <dgm:fillClrLst meth="repeat">
-      <a:schemeClr val="accent1">
-        <a:alpha val="90000"/>
-        <a:tint val="40000"/>
-      </a:schemeClr>
-    </dgm:fillClrLst>
-    <dgm:linClrLst meth="repeat">
-      <a:schemeClr val="accent1">
-        <a:alpha val="90000"/>
-        <a:tint val="40000"/>
-      </a:schemeClr>
-    </dgm:linClrLst>
-    <dgm:effectClrLst/>
-    <dgm:txLinClrLst/>
-    <dgm:txFillClrLst meth="repeat">
-      <a:schemeClr val="dk1"/>
-    </dgm:txFillClrLst>
-    <dgm:txEffectClrLst/>
-  </dgm:styleLbl>
-  <dgm:styleLbl name="fgAcc0">
-    <dgm:fillClrLst meth="repeat">
-      <a:schemeClr val="lt1">
-        <a:alpha val="90000"/>
-      </a:schemeClr>
-    </dgm:fillClrLst>
-    <dgm:linClrLst meth="repeat">
-      <a:schemeClr val="accent1"/>
-    </dgm:linClrLst>
-    <dgm:effectClrLst/>
-    <dgm:txLinClrLst/>
-    <dgm:txFillClrLst meth="repeat">
-      <a:schemeClr val="dk1"/>
-    </dgm:txFillClrLst>
-    <dgm:txEffectClrLst/>
-  </dgm:styleLbl>
-  <dgm:styleLbl name="fgAcc2">
-    <dgm:fillClrLst meth="repeat">
-      <a:schemeClr val="lt1">
-        <a:alpha val="90000"/>
-      </a:schemeClr>
-    </dgm:fillClrLst>
-    <dgm:linClrLst meth="repeat">
-      <a:schemeClr val="accent1"/>
-    </dgm:linClrLst>
-    <dgm:effectClrLst/>
-    <dgm:txLinClrLst/>
-    <dgm:txFillClrLst meth="repeat">
-      <a:schemeClr val="dk1"/>
-    </dgm:txFillClrLst>
-    <dgm:txEffectClrLst/>
-  </dgm:styleLbl>
-  <dgm:styleLbl name="fgAcc3">
-    <dgm:fillClrLst meth="repeat">
-      <a:schemeClr val="lt1">
-        <a:alpha val="90000"/>
-      </a:schemeClr>
-    </dgm:fillClrLst>
-    <dgm:linClrLst meth="repeat">
-      <a:schemeClr val="accent1"/>
-    </dgm:linClrLst>
-    <dgm:effectClrLst/>
-    <dgm:txLinClrLst/>
-    <dgm:txFillClrLst meth="repeat">
-      <a:schemeClr val="dk1"/>
-    </dgm:txFillClrLst>
-    <dgm:txEffectClrLst/>
-  </dgm:styleLbl>
-  <dgm:styleLbl name="fgAcc4">
-    <dgm:fillClrLst meth="repeat">
-      <a:schemeClr val="lt1">
-        <a:alpha val="90000"/>
-      </a:schemeClr>
-    </dgm:fillClrLst>
-    <dgm:linClrLst meth="repeat">
-      <a:schemeClr val="accent1"/>
-    </dgm:linClrLst>
-    <dgm:effectClrLst/>
-    <dgm:txLinClrLst/>
-    <dgm:txFillClrLst meth="repeat">
-      <a:schemeClr val="dk1"/>
-    </dgm:txFillClrLst>
-    <dgm:txEffectClrLst/>
-  </dgm:styleLbl>
-  <dgm:styleLbl name="bgShp">
-    <dgm:fillClrLst meth="repeat">
-      <a:schemeClr val="accent1">
-        <a:tint val="40000"/>
-      </a:schemeClr>
-    </dgm:fillClrLst>
-    <dgm:linClrLst meth="repeat">
-      <a:schemeClr val="accent1"/>
-    </dgm:linClrLst>
-    <dgm:effectClrLst/>
-    <dgm:txLinClrLst/>
-    <dgm:txFillClrLst meth="repeat">
-      <a:schemeClr val="dk1"/>
-    </dgm:txFillClrLst>
-    <dgm:txEffectClrLst/>
-  </dgm:styleLbl>
-  <dgm:styleLbl name="dkBgShp">
-    <dgm:fillClrLst meth="repeat">
-      <a:schemeClr val="accent1">
-        <a:shade val="80000"/>
-      </a:schemeClr>
-    </dgm:fillClrLst>
-    <dgm:linClrLst meth="repeat">
-      <a:schemeClr val="accent1"/>
     </dgm:linClrLst>
     <dgm:effectClrLst/>
     <dgm:txLinClrLst/>
@@ -847,7 +1021,7 @@
       </a:schemeClr>
     </dgm:fillClrLst>
     <dgm:linClrLst meth="repeat">
-      <a:schemeClr val="accent1"/>
+      <a:schemeClr val="accent2"/>
     </dgm:linClrLst>
     <dgm:effectClrLst/>
     <dgm:txLinClrLst/>
@@ -858,8 +1032,8 @@
   </dgm:styleLbl>
   <dgm:styleLbl name="fgShp">
     <dgm:fillClrLst meth="repeat">
-      <a:schemeClr val="accent1">
-        <a:tint val="60000"/>
+      <a:schemeClr val="accent2">
+        <a:tint val="40000"/>
       </a:schemeClr>
     </dgm:fillClrLst>
     <dgm:linClrLst meth="repeat">
@@ -2387,7 +2561,1536 @@
 </dgm:colorsDef>
 </file>
 
+<file path=ppt/diagrams/colors4.xml><?xml version="1.0" encoding="utf-8"?>
+<dgm:colorsDef xmlns:dgm="http://schemas.openxmlformats.org/drawingml/2006/diagram" xmlns:a="http://schemas.openxmlformats.org/drawingml/2006/main" uniqueId="urn:microsoft.com/office/officeart/2005/8/colors/accent1_2">
+  <dgm:title val=""/>
+  <dgm:desc val=""/>
+  <dgm:catLst>
+    <dgm:cat type="accent1" pri="11200"/>
+  </dgm:catLst>
+  <dgm:styleLbl name="node0">
+    <dgm:fillClrLst meth="repeat">
+      <a:schemeClr val="accent1"/>
+    </dgm:fillClrLst>
+    <dgm:linClrLst meth="repeat">
+      <a:schemeClr val="lt1"/>
+    </dgm:linClrLst>
+    <dgm:effectClrLst/>
+    <dgm:txLinClrLst/>
+    <dgm:txFillClrLst/>
+    <dgm:txEffectClrLst/>
+  </dgm:styleLbl>
+  <dgm:styleLbl name="alignNode1">
+    <dgm:fillClrLst meth="repeat">
+      <a:schemeClr val="accent1"/>
+    </dgm:fillClrLst>
+    <dgm:linClrLst meth="repeat">
+      <a:schemeClr val="accent1"/>
+    </dgm:linClrLst>
+    <dgm:effectClrLst/>
+    <dgm:txLinClrLst/>
+    <dgm:txFillClrLst/>
+    <dgm:txEffectClrLst/>
+  </dgm:styleLbl>
+  <dgm:styleLbl name="node1">
+    <dgm:fillClrLst meth="repeat">
+      <a:schemeClr val="accent1"/>
+    </dgm:fillClrLst>
+    <dgm:linClrLst meth="repeat">
+      <a:schemeClr val="lt1"/>
+    </dgm:linClrLst>
+    <dgm:effectClrLst/>
+    <dgm:txLinClrLst/>
+    <dgm:txFillClrLst/>
+    <dgm:txEffectClrLst/>
+  </dgm:styleLbl>
+  <dgm:styleLbl name="lnNode1">
+    <dgm:fillClrLst meth="repeat">
+      <a:schemeClr val="accent1"/>
+    </dgm:fillClrLst>
+    <dgm:linClrLst meth="repeat">
+      <a:schemeClr val="lt1"/>
+    </dgm:linClrLst>
+    <dgm:effectClrLst/>
+    <dgm:txLinClrLst/>
+    <dgm:txFillClrLst/>
+    <dgm:txEffectClrLst/>
+  </dgm:styleLbl>
+  <dgm:styleLbl name="vennNode1">
+    <dgm:fillClrLst meth="repeat">
+      <a:schemeClr val="accent1">
+        <a:alpha val="50000"/>
+      </a:schemeClr>
+    </dgm:fillClrLst>
+    <dgm:linClrLst meth="repeat">
+      <a:schemeClr val="lt1"/>
+    </dgm:linClrLst>
+    <dgm:effectClrLst/>
+    <dgm:txLinClrLst/>
+    <dgm:txFillClrLst/>
+    <dgm:txEffectClrLst/>
+  </dgm:styleLbl>
+  <dgm:styleLbl name="node2">
+    <dgm:fillClrLst meth="repeat">
+      <a:schemeClr val="accent1"/>
+    </dgm:fillClrLst>
+    <dgm:linClrLst meth="repeat">
+      <a:schemeClr val="lt1"/>
+    </dgm:linClrLst>
+    <dgm:effectClrLst/>
+    <dgm:txLinClrLst/>
+    <dgm:txFillClrLst/>
+    <dgm:txEffectClrLst/>
+  </dgm:styleLbl>
+  <dgm:styleLbl name="node3">
+    <dgm:fillClrLst meth="repeat">
+      <a:schemeClr val="accent1"/>
+    </dgm:fillClrLst>
+    <dgm:linClrLst meth="repeat">
+      <a:schemeClr val="lt1"/>
+    </dgm:linClrLst>
+    <dgm:effectClrLst/>
+    <dgm:txLinClrLst/>
+    <dgm:txFillClrLst/>
+    <dgm:txEffectClrLst/>
+  </dgm:styleLbl>
+  <dgm:styleLbl name="node4">
+    <dgm:fillClrLst meth="repeat">
+      <a:schemeClr val="accent1"/>
+    </dgm:fillClrLst>
+    <dgm:linClrLst meth="repeat">
+      <a:schemeClr val="lt1"/>
+    </dgm:linClrLst>
+    <dgm:effectClrLst/>
+    <dgm:txLinClrLst/>
+    <dgm:txFillClrLst/>
+    <dgm:txEffectClrLst/>
+  </dgm:styleLbl>
+  <dgm:styleLbl name="fgImgPlace1">
+    <dgm:fillClrLst meth="repeat">
+      <a:schemeClr val="accent1">
+        <a:tint val="50000"/>
+      </a:schemeClr>
+    </dgm:fillClrLst>
+    <dgm:linClrLst meth="repeat">
+      <a:schemeClr val="lt1"/>
+    </dgm:linClrLst>
+    <dgm:effectClrLst/>
+    <dgm:txLinClrLst/>
+    <dgm:txFillClrLst meth="repeat">
+      <a:schemeClr val="lt1"/>
+    </dgm:txFillClrLst>
+    <dgm:txEffectClrLst/>
+  </dgm:styleLbl>
+  <dgm:styleLbl name="alignImgPlace1">
+    <dgm:fillClrLst meth="repeat">
+      <a:schemeClr val="accent1">
+        <a:tint val="50000"/>
+      </a:schemeClr>
+    </dgm:fillClrLst>
+    <dgm:linClrLst meth="repeat">
+      <a:schemeClr val="lt1"/>
+    </dgm:linClrLst>
+    <dgm:effectClrLst/>
+    <dgm:txLinClrLst/>
+    <dgm:txFillClrLst meth="repeat">
+      <a:schemeClr val="lt1"/>
+    </dgm:txFillClrLst>
+    <dgm:txEffectClrLst/>
+  </dgm:styleLbl>
+  <dgm:styleLbl name="bgImgPlace1">
+    <dgm:fillClrLst meth="repeat">
+      <a:schemeClr val="accent1">
+        <a:tint val="50000"/>
+      </a:schemeClr>
+    </dgm:fillClrLst>
+    <dgm:linClrLst meth="repeat">
+      <a:schemeClr val="lt1"/>
+    </dgm:linClrLst>
+    <dgm:effectClrLst/>
+    <dgm:txLinClrLst/>
+    <dgm:txFillClrLst meth="repeat">
+      <a:schemeClr val="lt1"/>
+    </dgm:txFillClrLst>
+    <dgm:txEffectClrLst/>
+  </dgm:styleLbl>
+  <dgm:styleLbl name="sibTrans2D1">
+    <dgm:fillClrLst meth="repeat">
+      <a:schemeClr val="accent1">
+        <a:tint val="60000"/>
+      </a:schemeClr>
+    </dgm:fillClrLst>
+    <dgm:linClrLst meth="repeat">
+      <a:schemeClr val="accent1">
+        <a:tint val="60000"/>
+      </a:schemeClr>
+    </dgm:linClrLst>
+    <dgm:effectClrLst/>
+    <dgm:txLinClrLst/>
+    <dgm:txFillClrLst/>
+    <dgm:txEffectClrLst/>
+  </dgm:styleLbl>
+  <dgm:styleLbl name="fgSibTrans2D1">
+    <dgm:fillClrLst meth="repeat">
+      <a:schemeClr val="accent1">
+        <a:tint val="60000"/>
+      </a:schemeClr>
+    </dgm:fillClrLst>
+    <dgm:linClrLst meth="repeat">
+      <a:schemeClr val="accent1">
+        <a:tint val="60000"/>
+      </a:schemeClr>
+    </dgm:linClrLst>
+    <dgm:effectClrLst/>
+    <dgm:txLinClrLst/>
+    <dgm:txFillClrLst/>
+    <dgm:txEffectClrLst/>
+  </dgm:styleLbl>
+  <dgm:styleLbl name="bgSibTrans2D1">
+    <dgm:fillClrLst meth="repeat">
+      <a:schemeClr val="accent1">
+        <a:tint val="60000"/>
+      </a:schemeClr>
+    </dgm:fillClrLst>
+    <dgm:linClrLst meth="repeat">
+      <a:schemeClr val="accent1">
+        <a:tint val="60000"/>
+      </a:schemeClr>
+    </dgm:linClrLst>
+    <dgm:effectClrLst/>
+    <dgm:txLinClrLst/>
+    <dgm:txFillClrLst/>
+    <dgm:txEffectClrLst/>
+  </dgm:styleLbl>
+  <dgm:styleLbl name="sibTrans1D1">
+    <dgm:fillClrLst meth="repeat">
+      <a:schemeClr val="accent1"/>
+    </dgm:fillClrLst>
+    <dgm:linClrLst meth="repeat">
+      <a:schemeClr val="accent1"/>
+    </dgm:linClrLst>
+    <dgm:effectClrLst/>
+    <dgm:txLinClrLst/>
+    <dgm:txFillClrLst meth="repeat">
+      <a:schemeClr val="tx1"/>
+    </dgm:txFillClrLst>
+    <dgm:txEffectClrLst/>
+  </dgm:styleLbl>
+  <dgm:styleLbl name="callout">
+    <dgm:fillClrLst meth="repeat">
+      <a:schemeClr val="accent1"/>
+    </dgm:fillClrLst>
+    <dgm:linClrLst meth="repeat">
+      <a:schemeClr val="accent1">
+        <a:tint val="50000"/>
+      </a:schemeClr>
+    </dgm:linClrLst>
+    <dgm:effectClrLst/>
+    <dgm:txLinClrLst/>
+    <dgm:txFillClrLst meth="repeat">
+      <a:schemeClr val="tx1"/>
+    </dgm:txFillClrLst>
+    <dgm:txEffectClrLst/>
+  </dgm:styleLbl>
+  <dgm:styleLbl name="asst0">
+    <dgm:fillClrLst meth="repeat">
+      <a:schemeClr val="accent1"/>
+    </dgm:fillClrLst>
+    <dgm:linClrLst meth="repeat">
+      <a:schemeClr val="lt1"/>
+    </dgm:linClrLst>
+    <dgm:effectClrLst/>
+    <dgm:txLinClrLst/>
+    <dgm:txFillClrLst/>
+    <dgm:txEffectClrLst/>
+  </dgm:styleLbl>
+  <dgm:styleLbl name="asst1">
+    <dgm:fillClrLst meth="repeat">
+      <a:schemeClr val="accent1"/>
+    </dgm:fillClrLst>
+    <dgm:linClrLst meth="repeat">
+      <a:schemeClr val="lt1"/>
+    </dgm:linClrLst>
+    <dgm:effectClrLst/>
+    <dgm:txLinClrLst/>
+    <dgm:txFillClrLst/>
+    <dgm:txEffectClrLst/>
+  </dgm:styleLbl>
+  <dgm:styleLbl name="asst2">
+    <dgm:fillClrLst meth="repeat">
+      <a:schemeClr val="accent1"/>
+    </dgm:fillClrLst>
+    <dgm:linClrLst meth="repeat">
+      <a:schemeClr val="lt1"/>
+    </dgm:linClrLst>
+    <dgm:effectClrLst/>
+    <dgm:txLinClrLst/>
+    <dgm:txFillClrLst/>
+    <dgm:txEffectClrLst/>
+  </dgm:styleLbl>
+  <dgm:styleLbl name="asst3">
+    <dgm:fillClrLst meth="repeat">
+      <a:schemeClr val="accent1"/>
+    </dgm:fillClrLst>
+    <dgm:linClrLst meth="repeat">
+      <a:schemeClr val="lt1"/>
+    </dgm:linClrLst>
+    <dgm:effectClrLst/>
+    <dgm:txLinClrLst/>
+    <dgm:txFillClrLst/>
+    <dgm:txEffectClrLst/>
+  </dgm:styleLbl>
+  <dgm:styleLbl name="asst4">
+    <dgm:fillClrLst meth="repeat">
+      <a:schemeClr val="accent1"/>
+    </dgm:fillClrLst>
+    <dgm:linClrLst meth="repeat">
+      <a:schemeClr val="lt1"/>
+    </dgm:linClrLst>
+    <dgm:effectClrLst/>
+    <dgm:txLinClrLst/>
+    <dgm:txFillClrLst/>
+    <dgm:txEffectClrLst/>
+  </dgm:styleLbl>
+  <dgm:styleLbl name="parChTrans2D1">
+    <dgm:fillClrLst meth="repeat">
+      <a:schemeClr val="accent1">
+        <a:tint val="60000"/>
+      </a:schemeClr>
+    </dgm:fillClrLst>
+    <dgm:linClrLst meth="repeat">
+      <a:schemeClr val="accent1">
+        <a:tint val="60000"/>
+      </a:schemeClr>
+    </dgm:linClrLst>
+    <dgm:effectClrLst/>
+    <dgm:txLinClrLst/>
+    <dgm:txFillClrLst meth="repeat">
+      <a:schemeClr val="lt1"/>
+    </dgm:txFillClrLst>
+    <dgm:txEffectClrLst/>
+  </dgm:styleLbl>
+  <dgm:styleLbl name="parChTrans2D2">
+    <dgm:fillClrLst meth="repeat">
+      <a:schemeClr val="accent1"/>
+    </dgm:fillClrLst>
+    <dgm:linClrLst meth="repeat">
+      <a:schemeClr val="accent1"/>
+    </dgm:linClrLst>
+    <dgm:effectClrLst/>
+    <dgm:txLinClrLst/>
+    <dgm:txFillClrLst meth="repeat">
+      <a:schemeClr val="lt1"/>
+    </dgm:txFillClrLst>
+    <dgm:txEffectClrLst/>
+  </dgm:styleLbl>
+  <dgm:styleLbl name="parChTrans2D3">
+    <dgm:fillClrLst meth="repeat">
+      <a:schemeClr val="accent1"/>
+    </dgm:fillClrLst>
+    <dgm:linClrLst meth="repeat">
+      <a:schemeClr val="accent1"/>
+    </dgm:linClrLst>
+    <dgm:effectClrLst/>
+    <dgm:txLinClrLst/>
+    <dgm:txFillClrLst meth="repeat">
+      <a:schemeClr val="lt1"/>
+    </dgm:txFillClrLst>
+    <dgm:txEffectClrLst/>
+  </dgm:styleLbl>
+  <dgm:styleLbl name="parChTrans2D4">
+    <dgm:fillClrLst meth="repeat">
+      <a:schemeClr val="accent1"/>
+    </dgm:fillClrLst>
+    <dgm:linClrLst meth="repeat">
+      <a:schemeClr val="accent1"/>
+    </dgm:linClrLst>
+    <dgm:effectClrLst/>
+    <dgm:txLinClrLst/>
+    <dgm:txFillClrLst meth="repeat">
+      <a:schemeClr val="lt1"/>
+    </dgm:txFillClrLst>
+    <dgm:txEffectClrLst/>
+  </dgm:styleLbl>
+  <dgm:styleLbl name="parChTrans1D1">
+    <dgm:fillClrLst meth="repeat">
+      <a:schemeClr val="accent1"/>
+    </dgm:fillClrLst>
+    <dgm:linClrLst meth="repeat">
+      <a:schemeClr val="accent1">
+        <a:shade val="60000"/>
+      </a:schemeClr>
+    </dgm:linClrLst>
+    <dgm:effectClrLst/>
+    <dgm:txLinClrLst/>
+    <dgm:txFillClrLst meth="repeat">
+      <a:schemeClr val="tx1"/>
+    </dgm:txFillClrLst>
+    <dgm:txEffectClrLst/>
+  </dgm:styleLbl>
+  <dgm:styleLbl name="parChTrans1D2">
+    <dgm:fillClrLst meth="repeat">
+      <a:schemeClr val="accent1"/>
+    </dgm:fillClrLst>
+    <dgm:linClrLst meth="repeat">
+      <a:schemeClr val="accent1">
+        <a:shade val="60000"/>
+      </a:schemeClr>
+    </dgm:linClrLst>
+    <dgm:effectClrLst/>
+    <dgm:txLinClrLst/>
+    <dgm:txFillClrLst meth="repeat">
+      <a:schemeClr val="tx1"/>
+    </dgm:txFillClrLst>
+    <dgm:txEffectClrLst/>
+  </dgm:styleLbl>
+  <dgm:styleLbl name="parChTrans1D3">
+    <dgm:fillClrLst meth="repeat">
+      <a:schemeClr val="accent1"/>
+    </dgm:fillClrLst>
+    <dgm:linClrLst meth="repeat">
+      <a:schemeClr val="accent1">
+        <a:shade val="80000"/>
+      </a:schemeClr>
+    </dgm:linClrLst>
+    <dgm:effectClrLst/>
+    <dgm:txLinClrLst/>
+    <dgm:txFillClrLst meth="repeat">
+      <a:schemeClr val="tx1"/>
+    </dgm:txFillClrLst>
+    <dgm:txEffectClrLst/>
+  </dgm:styleLbl>
+  <dgm:styleLbl name="parChTrans1D4">
+    <dgm:fillClrLst meth="repeat">
+      <a:schemeClr val="accent1"/>
+    </dgm:fillClrLst>
+    <dgm:linClrLst meth="repeat">
+      <a:schemeClr val="accent1">
+        <a:shade val="80000"/>
+      </a:schemeClr>
+    </dgm:linClrLst>
+    <dgm:effectClrLst/>
+    <dgm:txLinClrLst/>
+    <dgm:txFillClrLst meth="repeat">
+      <a:schemeClr val="tx1"/>
+    </dgm:txFillClrLst>
+    <dgm:txEffectClrLst/>
+  </dgm:styleLbl>
+  <dgm:styleLbl name="fgAcc1">
+    <dgm:fillClrLst meth="repeat">
+      <a:schemeClr val="lt1">
+        <a:alpha val="90000"/>
+      </a:schemeClr>
+    </dgm:fillClrLst>
+    <dgm:linClrLst meth="repeat">
+      <a:schemeClr val="accent1"/>
+    </dgm:linClrLst>
+    <dgm:effectClrLst/>
+    <dgm:txLinClrLst/>
+    <dgm:txFillClrLst meth="repeat">
+      <a:schemeClr val="dk1"/>
+    </dgm:txFillClrLst>
+    <dgm:txEffectClrLst/>
+  </dgm:styleLbl>
+  <dgm:styleLbl name="conFgAcc1">
+    <dgm:fillClrLst meth="repeat">
+      <a:schemeClr val="lt1">
+        <a:alpha val="90000"/>
+      </a:schemeClr>
+    </dgm:fillClrLst>
+    <dgm:linClrLst meth="repeat">
+      <a:schemeClr val="accent1"/>
+    </dgm:linClrLst>
+    <dgm:effectClrLst/>
+    <dgm:txLinClrLst/>
+    <dgm:txFillClrLst meth="repeat">
+      <a:schemeClr val="dk1"/>
+    </dgm:txFillClrLst>
+    <dgm:txEffectClrLst/>
+  </dgm:styleLbl>
+  <dgm:styleLbl name="alignAcc1">
+    <dgm:fillClrLst meth="repeat">
+      <a:schemeClr val="lt1">
+        <a:alpha val="90000"/>
+      </a:schemeClr>
+    </dgm:fillClrLst>
+    <dgm:linClrLst meth="repeat">
+      <a:schemeClr val="accent1"/>
+    </dgm:linClrLst>
+    <dgm:effectClrLst/>
+    <dgm:txLinClrLst/>
+    <dgm:txFillClrLst meth="repeat">
+      <a:schemeClr val="dk1"/>
+    </dgm:txFillClrLst>
+    <dgm:txEffectClrLst/>
+  </dgm:styleLbl>
+  <dgm:styleLbl name="trAlignAcc1">
+    <dgm:fillClrLst meth="repeat">
+      <a:schemeClr val="lt1">
+        <a:alpha val="40000"/>
+      </a:schemeClr>
+    </dgm:fillClrLst>
+    <dgm:linClrLst meth="repeat">
+      <a:schemeClr val="accent1"/>
+    </dgm:linClrLst>
+    <dgm:effectClrLst/>
+    <dgm:txLinClrLst/>
+    <dgm:txFillClrLst meth="repeat">
+      <a:schemeClr val="dk1"/>
+    </dgm:txFillClrLst>
+    <dgm:txEffectClrLst/>
+  </dgm:styleLbl>
+  <dgm:styleLbl name="bgAcc1">
+    <dgm:fillClrLst meth="repeat">
+      <a:schemeClr val="lt1">
+        <a:alpha val="90000"/>
+      </a:schemeClr>
+    </dgm:fillClrLst>
+    <dgm:linClrLst meth="repeat">
+      <a:schemeClr val="accent1"/>
+    </dgm:linClrLst>
+    <dgm:effectClrLst/>
+    <dgm:txLinClrLst/>
+    <dgm:txFillClrLst meth="repeat">
+      <a:schemeClr val="dk1"/>
+    </dgm:txFillClrLst>
+    <dgm:txEffectClrLst/>
+  </dgm:styleLbl>
+  <dgm:styleLbl name="solidFgAcc1">
+    <dgm:fillClrLst meth="repeat">
+      <a:schemeClr val="lt1"/>
+    </dgm:fillClrLst>
+    <dgm:linClrLst meth="repeat">
+      <a:schemeClr val="accent1"/>
+    </dgm:linClrLst>
+    <dgm:effectClrLst/>
+    <dgm:txLinClrLst/>
+    <dgm:txFillClrLst meth="repeat">
+      <a:schemeClr val="dk1"/>
+    </dgm:txFillClrLst>
+    <dgm:txEffectClrLst/>
+  </dgm:styleLbl>
+  <dgm:styleLbl name="solidAlignAcc1">
+    <dgm:fillClrLst meth="repeat">
+      <a:schemeClr val="lt1"/>
+    </dgm:fillClrLst>
+    <dgm:linClrLst meth="repeat">
+      <a:schemeClr val="accent1"/>
+    </dgm:linClrLst>
+    <dgm:effectClrLst/>
+    <dgm:txLinClrLst/>
+    <dgm:txFillClrLst meth="repeat">
+      <a:schemeClr val="dk1"/>
+    </dgm:txFillClrLst>
+    <dgm:txEffectClrLst/>
+  </dgm:styleLbl>
+  <dgm:styleLbl name="solidBgAcc1">
+    <dgm:fillClrLst meth="repeat">
+      <a:schemeClr val="lt1"/>
+    </dgm:fillClrLst>
+    <dgm:linClrLst meth="repeat">
+      <a:schemeClr val="accent1"/>
+    </dgm:linClrLst>
+    <dgm:effectClrLst/>
+    <dgm:txLinClrLst/>
+    <dgm:txFillClrLst meth="repeat">
+      <a:schemeClr val="dk1"/>
+    </dgm:txFillClrLst>
+    <dgm:txEffectClrLst/>
+  </dgm:styleLbl>
+  <dgm:styleLbl name="fgAccFollowNode1">
+    <dgm:fillClrLst meth="repeat">
+      <a:schemeClr val="accent1">
+        <a:alpha val="90000"/>
+        <a:tint val="40000"/>
+      </a:schemeClr>
+    </dgm:fillClrLst>
+    <dgm:linClrLst meth="repeat">
+      <a:schemeClr val="accent1">
+        <a:alpha val="90000"/>
+        <a:tint val="40000"/>
+      </a:schemeClr>
+    </dgm:linClrLst>
+    <dgm:effectClrLst/>
+    <dgm:txLinClrLst/>
+    <dgm:txFillClrLst meth="repeat">
+      <a:schemeClr val="dk1"/>
+    </dgm:txFillClrLst>
+    <dgm:txEffectClrLst/>
+  </dgm:styleLbl>
+  <dgm:styleLbl name="alignAccFollowNode1">
+    <dgm:fillClrLst meth="repeat">
+      <a:schemeClr val="accent1">
+        <a:alpha val="90000"/>
+        <a:tint val="40000"/>
+      </a:schemeClr>
+    </dgm:fillClrLst>
+    <dgm:linClrLst meth="repeat">
+      <a:schemeClr val="accent1">
+        <a:alpha val="90000"/>
+        <a:tint val="40000"/>
+      </a:schemeClr>
+    </dgm:linClrLst>
+    <dgm:effectClrLst/>
+    <dgm:txLinClrLst/>
+    <dgm:txFillClrLst meth="repeat">
+      <a:schemeClr val="dk1"/>
+    </dgm:txFillClrLst>
+    <dgm:txEffectClrLst/>
+  </dgm:styleLbl>
+  <dgm:styleLbl name="bgAccFollowNode1">
+    <dgm:fillClrLst meth="repeat">
+      <a:schemeClr val="accent1">
+        <a:alpha val="90000"/>
+        <a:tint val="40000"/>
+      </a:schemeClr>
+    </dgm:fillClrLst>
+    <dgm:linClrLst meth="repeat">
+      <a:schemeClr val="accent1">
+        <a:alpha val="90000"/>
+        <a:tint val="40000"/>
+      </a:schemeClr>
+    </dgm:linClrLst>
+    <dgm:effectClrLst/>
+    <dgm:txLinClrLst/>
+    <dgm:txFillClrLst meth="repeat">
+      <a:schemeClr val="dk1"/>
+    </dgm:txFillClrLst>
+    <dgm:txEffectClrLst/>
+  </dgm:styleLbl>
+  <dgm:styleLbl name="fgAcc0">
+    <dgm:fillClrLst meth="repeat">
+      <a:schemeClr val="lt1">
+        <a:alpha val="90000"/>
+      </a:schemeClr>
+    </dgm:fillClrLst>
+    <dgm:linClrLst meth="repeat">
+      <a:schemeClr val="accent1"/>
+    </dgm:linClrLst>
+    <dgm:effectClrLst/>
+    <dgm:txLinClrLst/>
+    <dgm:txFillClrLst meth="repeat">
+      <a:schemeClr val="dk1"/>
+    </dgm:txFillClrLst>
+    <dgm:txEffectClrLst/>
+  </dgm:styleLbl>
+  <dgm:styleLbl name="fgAcc2">
+    <dgm:fillClrLst meth="repeat">
+      <a:schemeClr val="lt1">
+        <a:alpha val="90000"/>
+      </a:schemeClr>
+    </dgm:fillClrLst>
+    <dgm:linClrLst meth="repeat">
+      <a:schemeClr val="accent1"/>
+    </dgm:linClrLst>
+    <dgm:effectClrLst/>
+    <dgm:txLinClrLst/>
+    <dgm:txFillClrLst meth="repeat">
+      <a:schemeClr val="dk1"/>
+    </dgm:txFillClrLst>
+    <dgm:txEffectClrLst/>
+  </dgm:styleLbl>
+  <dgm:styleLbl name="fgAcc3">
+    <dgm:fillClrLst meth="repeat">
+      <a:schemeClr val="lt1">
+        <a:alpha val="90000"/>
+      </a:schemeClr>
+    </dgm:fillClrLst>
+    <dgm:linClrLst meth="repeat">
+      <a:schemeClr val="accent1"/>
+    </dgm:linClrLst>
+    <dgm:effectClrLst/>
+    <dgm:txLinClrLst/>
+    <dgm:txFillClrLst meth="repeat">
+      <a:schemeClr val="dk1"/>
+    </dgm:txFillClrLst>
+    <dgm:txEffectClrLst/>
+  </dgm:styleLbl>
+  <dgm:styleLbl name="fgAcc4">
+    <dgm:fillClrLst meth="repeat">
+      <a:schemeClr val="lt1">
+        <a:alpha val="90000"/>
+      </a:schemeClr>
+    </dgm:fillClrLst>
+    <dgm:linClrLst meth="repeat">
+      <a:schemeClr val="accent1"/>
+    </dgm:linClrLst>
+    <dgm:effectClrLst/>
+    <dgm:txLinClrLst/>
+    <dgm:txFillClrLst meth="repeat">
+      <a:schemeClr val="dk1"/>
+    </dgm:txFillClrLst>
+    <dgm:txEffectClrLst/>
+  </dgm:styleLbl>
+  <dgm:styleLbl name="bgShp">
+    <dgm:fillClrLst meth="repeat">
+      <a:schemeClr val="accent1">
+        <a:tint val="40000"/>
+      </a:schemeClr>
+    </dgm:fillClrLst>
+    <dgm:linClrLst meth="repeat">
+      <a:schemeClr val="accent1"/>
+    </dgm:linClrLst>
+    <dgm:effectClrLst/>
+    <dgm:txLinClrLst/>
+    <dgm:txFillClrLst meth="repeat">
+      <a:schemeClr val="dk1"/>
+    </dgm:txFillClrLst>
+    <dgm:txEffectClrLst/>
+  </dgm:styleLbl>
+  <dgm:styleLbl name="dkBgShp">
+    <dgm:fillClrLst meth="repeat">
+      <a:schemeClr val="accent1">
+        <a:shade val="80000"/>
+      </a:schemeClr>
+    </dgm:fillClrLst>
+    <dgm:linClrLst meth="repeat">
+      <a:schemeClr val="accent1"/>
+    </dgm:linClrLst>
+    <dgm:effectClrLst/>
+    <dgm:txLinClrLst/>
+    <dgm:txFillClrLst meth="repeat">
+      <a:schemeClr val="lt1"/>
+    </dgm:txFillClrLst>
+    <dgm:txEffectClrLst/>
+  </dgm:styleLbl>
+  <dgm:styleLbl name="trBgShp">
+    <dgm:fillClrLst meth="repeat">
+      <a:schemeClr val="accent1">
+        <a:tint val="50000"/>
+        <a:alpha val="40000"/>
+      </a:schemeClr>
+    </dgm:fillClrLst>
+    <dgm:linClrLst meth="repeat">
+      <a:schemeClr val="accent1"/>
+    </dgm:linClrLst>
+    <dgm:effectClrLst/>
+    <dgm:txLinClrLst/>
+    <dgm:txFillClrLst meth="repeat">
+      <a:schemeClr val="lt1"/>
+    </dgm:txFillClrLst>
+    <dgm:txEffectClrLst/>
+  </dgm:styleLbl>
+  <dgm:styleLbl name="fgShp">
+    <dgm:fillClrLst meth="repeat">
+      <a:schemeClr val="accent1">
+        <a:tint val="60000"/>
+      </a:schemeClr>
+    </dgm:fillClrLst>
+    <dgm:linClrLst meth="repeat">
+      <a:schemeClr val="lt1"/>
+    </dgm:linClrLst>
+    <dgm:effectClrLst/>
+    <dgm:txLinClrLst/>
+    <dgm:txFillClrLst meth="repeat">
+      <a:schemeClr val="dk1"/>
+    </dgm:txFillClrLst>
+    <dgm:txEffectClrLst/>
+  </dgm:styleLbl>
+  <dgm:styleLbl name="revTx">
+    <dgm:fillClrLst meth="repeat">
+      <a:schemeClr val="lt1">
+        <a:alpha val="0"/>
+      </a:schemeClr>
+    </dgm:fillClrLst>
+    <dgm:linClrLst meth="repeat">
+      <a:schemeClr val="dk1">
+        <a:alpha val="0"/>
+      </a:schemeClr>
+    </dgm:linClrLst>
+    <dgm:effectClrLst/>
+    <dgm:txLinClrLst/>
+    <dgm:txFillClrLst meth="repeat">
+      <a:schemeClr val="tx1"/>
+    </dgm:txFillClrLst>
+    <dgm:txEffectClrLst/>
+  </dgm:styleLbl>
+</dgm:colorsDef>
+</file>
+
 <file path=ppt/diagrams/data1.xml><?xml version="1.0" encoding="utf-8"?>
+<dgm:dataModel xmlns:dgm="http://schemas.openxmlformats.org/drawingml/2006/diagram" xmlns:a="http://schemas.openxmlformats.org/drawingml/2006/main">
+  <dgm:ptLst>
+    <dgm:pt modelId="{7F00E8CE-6E56-4F4D-88C9-C0473C61FC8D}" type="doc">
+      <dgm:prSet loTypeId="urn:microsoft.com/office/officeart/2005/8/layout/process1" loCatId="process" qsTypeId="urn:microsoft.com/office/officeart/2005/8/quickstyle/simple1" qsCatId="simple" csTypeId="urn:microsoft.com/office/officeart/2005/8/colors/colorful1" csCatId="colorful" phldr="1"/>
+      <dgm:spPr/>
+      <dgm:t>
+        <a:bodyPr/>
+        <a:lstStyle/>
+        <a:p>
+          <a:endParaRPr lang="en-US"/>
+        </a:p>
+      </dgm:t>
+    </dgm:pt>
+    <dgm:pt modelId="{0446C03C-E073-45AB-A9C8-06443FEA1350}">
+      <dgm:prSet phldrT="[Texto]" custT="1"/>
+      <dgm:spPr/>
+      <dgm:t>
+        <a:bodyPr/>
+        <a:lstStyle/>
+        <a:p>
+          <a:r>
+            <a:rPr lang="es-ES" sz="2000" dirty="0" err="1" smtClean="0"/>
+            <a:t>RNAseq</a:t>
+          </a:r>
+          <a:endParaRPr lang="en-US" sz="2000" dirty="0"/>
+        </a:p>
+      </dgm:t>
+    </dgm:pt>
+    <dgm:pt modelId="{166EBAF9-EA67-41C7-9543-4E7B353618A0}" type="parTrans" cxnId="{46EEA246-DA9F-4BBB-89F1-BFFE8CD15378}">
+      <dgm:prSet/>
+      <dgm:spPr/>
+      <dgm:t>
+        <a:bodyPr/>
+        <a:lstStyle/>
+        <a:p>
+          <a:endParaRPr lang="en-US" sz="2000"/>
+        </a:p>
+      </dgm:t>
+    </dgm:pt>
+    <dgm:pt modelId="{DD3773AC-ED19-47CD-9A5C-21D0582A545B}" type="sibTrans" cxnId="{46EEA246-DA9F-4BBB-89F1-BFFE8CD15378}">
+      <dgm:prSet custT="1"/>
+      <dgm:spPr/>
+      <dgm:t>
+        <a:bodyPr/>
+        <a:lstStyle/>
+        <a:p>
+          <a:endParaRPr lang="en-US" sz="1600"/>
+        </a:p>
+      </dgm:t>
+    </dgm:pt>
+    <dgm:pt modelId="{C466413A-A54D-4592-9067-4A7632047ADD}">
+      <dgm:prSet phldrT="[Texto]" custT="1"/>
+      <dgm:spPr/>
+      <dgm:t>
+        <a:bodyPr/>
+        <a:lstStyle/>
+        <a:p>
+          <a:r>
+            <a:rPr lang="es-ES" sz="1600" dirty="0" err="1" smtClean="0"/>
+            <a:t>Spear</a:t>
+          </a:r>
+          <a:r>
+            <a:rPr lang="es-ES" sz="1600" dirty="0" smtClean="0"/>
+            <a:t> </a:t>
+          </a:r>
+          <a:r>
+            <a:rPr lang="es-ES" sz="1600" dirty="0" err="1" smtClean="0"/>
+            <a:t>tips</a:t>
+          </a:r>
+          <a:endParaRPr lang="en-US" sz="1600" dirty="0"/>
+        </a:p>
+      </dgm:t>
+    </dgm:pt>
+    <dgm:pt modelId="{168F6043-1350-4D89-84A3-126F1B46C4D8}" type="parTrans" cxnId="{E4780FAE-1D30-42E7-AC51-8BA88C8C3936}">
+      <dgm:prSet/>
+      <dgm:spPr/>
+      <dgm:t>
+        <a:bodyPr/>
+        <a:lstStyle/>
+        <a:p>
+          <a:endParaRPr lang="en-US" sz="2000"/>
+        </a:p>
+      </dgm:t>
+    </dgm:pt>
+    <dgm:pt modelId="{BBEBD048-CE75-4AEB-8E49-5458336C8650}" type="sibTrans" cxnId="{E4780FAE-1D30-42E7-AC51-8BA88C8C3936}">
+      <dgm:prSet/>
+      <dgm:spPr/>
+      <dgm:t>
+        <a:bodyPr/>
+        <a:lstStyle/>
+        <a:p>
+          <a:endParaRPr lang="en-US" sz="2000"/>
+        </a:p>
+      </dgm:t>
+    </dgm:pt>
+    <dgm:pt modelId="{F5351295-5A7B-4686-BA6C-AAD51831210B}">
+      <dgm:prSet phldrT="[Texto]" custT="1"/>
+      <dgm:spPr/>
+      <dgm:t>
+        <a:bodyPr/>
+        <a:lstStyle/>
+        <a:p>
+          <a:r>
+            <a:rPr lang="es-ES" sz="1600" dirty="0" err="1" smtClean="0"/>
+            <a:t>Male</a:t>
+          </a:r>
+          <a:r>
+            <a:rPr lang="es-ES" sz="1600" dirty="0" smtClean="0"/>
+            <a:t>, </a:t>
+          </a:r>
+          <a:r>
+            <a:rPr lang="es-ES" sz="1600" dirty="0" err="1" smtClean="0"/>
+            <a:t>Female</a:t>
+          </a:r>
+          <a:r>
+            <a:rPr lang="es-ES" sz="1600" dirty="0" smtClean="0"/>
+            <a:t>, </a:t>
+          </a:r>
+          <a:r>
+            <a:rPr lang="es-ES" sz="1600" dirty="0" err="1" smtClean="0"/>
+            <a:t>Super</a:t>
+          </a:r>
+          <a:r>
+            <a:rPr lang="es-ES" sz="1600" dirty="0" smtClean="0"/>
+            <a:t> </a:t>
+          </a:r>
+          <a:r>
+            <a:rPr lang="es-ES" sz="1600" dirty="0" err="1" smtClean="0"/>
+            <a:t>Male</a:t>
+          </a:r>
+          <a:endParaRPr lang="en-US" sz="1600" dirty="0"/>
+        </a:p>
+      </dgm:t>
+    </dgm:pt>
+    <dgm:pt modelId="{8DB328E6-5015-4445-94EC-9C99E54FD70D}" type="parTrans" cxnId="{FEE8B482-E279-4E5C-BE13-C7106536C100}">
+      <dgm:prSet/>
+      <dgm:spPr/>
+      <dgm:t>
+        <a:bodyPr/>
+        <a:lstStyle/>
+        <a:p>
+          <a:endParaRPr lang="en-US" sz="2000"/>
+        </a:p>
+      </dgm:t>
+    </dgm:pt>
+    <dgm:pt modelId="{C5A711CA-AA1A-4629-BB87-67B93CCD2D61}" type="sibTrans" cxnId="{FEE8B482-E279-4E5C-BE13-C7106536C100}">
+      <dgm:prSet/>
+      <dgm:spPr/>
+      <dgm:t>
+        <a:bodyPr/>
+        <a:lstStyle/>
+        <a:p>
+          <a:endParaRPr lang="en-US" sz="2000"/>
+        </a:p>
+      </dgm:t>
+    </dgm:pt>
+    <dgm:pt modelId="{DD9D1A19-C042-4241-AC1E-CBC58119E3B1}">
+      <dgm:prSet phldrT="[Texto]" custT="1"/>
+      <dgm:spPr/>
+      <dgm:t>
+        <a:bodyPr/>
+        <a:lstStyle/>
+        <a:p>
+          <a:r>
+            <a:rPr lang="es-ES" sz="2000" i="1" dirty="0" smtClean="0"/>
+            <a:t>De </a:t>
+          </a:r>
+          <a:r>
+            <a:rPr lang="es-ES" sz="2000" i="1" dirty="0" err="1" smtClean="0"/>
+            <a:t>novo</a:t>
+          </a:r>
+          <a:r>
+            <a:rPr lang="es-ES" sz="2000" i="1" dirty="0" smtClean="0"/>
+            <a:t> </a:t>
+          </a:r>
+          <a:r>
+            <a:rPr lang="es-ES" sz="2000" dirty="0" smtClean="0"/>
+            <a:t> </a:t>
+          </a:r>
+          <a:r>
+            <a:rPr lang="es-ES" sz="2000" dirty="0" err="1" smtClean="0"/>
+            <a:t>assembly</a:t>
+          </a:r>
+          <a:endParaRPr lang="en-US" sz="2000" dirty="0"/>
+        </a:p>
+      </dgm:t>
+    </dgm:pt>
+    <dgm:pt modelId="{777BD4C7-AAA8-4A81-829D-A0D2FF6AA15F}" type="parTrans" cxnId="{B4F95DF4-F8F0-49E1-8506-908FAFE11139}">
+      <dgm:prSet/>
+      <dgm:spPr/>
+      <dgm:t>
+        <a:bodyPr/>
+        <a:lstStyle/>
+        <a:p>
+          <a:endParaRPr lang="en-US" sz="2000"/>
+        </a:p>
+      </dgm:t>
+    </dgm:pt>
+    <dgm:pt modelId="{2F1FB023-A283-4CF2-AD92-547252EFD921}" type="sibTrans" cxnId="{B4F95DF4-F8F0-49E1-8506-908FAFE11139}">
+      <dgm:prSet custT="1"/>
+      <dgm:spPr/>
+      <dgm:t>
+        <a:bodyPr/>
+        <a:lstStyle/>
+        <a:p>
+          <a:endParaRPr lang="en-US" sz="1600"/>
+        </a:p>
+      </dgm:t>
+    </dgm:pt>
+    <dgm:pt modelId="{81A854F5-D3EB-49EB-AF5F-B56F6C8F5EC5}">
+      <dgm:prSet phldrT="[Texto]" custT="1"/>
+      <dgm:spPr/>
+      <dgm:t>
+        <a:bodyPr/>
+        <a:lstStyle/>
+        <a:p>
+          <a:r>
+            <a:rPr lang="es-ES" sz="1600" dirty="0" err="1" smtClean="0"/>
+            <a:t>Quality</a:t>
+          </a:r>
+          <a:r>
+            <a:rPr lang="es-ES" sz="1600" dirty="0" smtClean="0"/>
+            <a:t> control</a:t>
+          </a:r>
+          <a:endParaRPr lang="en-US" sz="1600" dirty="0"/>
+        </a:p>
+      </dgm:t>
+    </dgm:pt>
+    <dgm:pt modelId="{56C0F259-9B7E-421E-8F8E-530B0F5CE873}" type="parTrans" cxnId="{089EAF4D-0718-4A95-82BC-C9DC79A61562}">
+      <dgm:prSet/>
+      <dgm:spPr/>
+      <dgm:t>
+        <a:bodyPr/>
+        <a:lstStyle/>
+        <a:p>
+          <a:endParaRPr lang="en-US" sz="2000"/>
+        </a:p>
+      </dgm:t>
+    </dgm:pt>
+    <dgm:pt modelId="{9F016FBE-B21A-4F9E-B770-AF7EB9058F08}" type="sibTrans" cxnId="{089EAF4D-0718-4A95-82BC-C9DC79A61562}">
+      <dgm:prSet/>
+      <dgm:spPr/>
+      <dgm:t>
+        <a:bodyPr/>
+        <a:lstStyle/>
+        <a:p>
+          <a:endParaRPr lang="en-US" sz="2000"/>
+        </a:p>
+      </dgm:t>
+    </dgm:pt>
+    <dgm:pt modelId="{169D612B-DA50-42B2-A089-0CD33404C833}">
+      <dgm:prSet phldrT="[Texto]" custT="1"/>
+      <dgm:spPr/>
+      <dgm:t>
+        <a:bodyPr/>
+        <a:lstStyle/>
+        <a:p>
+          <a:r>
+            <a:rPr lang="es-ES" sz="1600" dirty="0" err="1" smtClean="0"/>
+            <a:t>Trimming</a:t>
+          </a:r>
+          <a:endParaRPr lang="en-US" sz="1600" dirty="0"/>
+        </a:p>
+      </dgm:t>
+    </dgm:pt>
+    <dgm:pt modelId="{3DBDD095-BAC6-4E38-BFDA-31C50CC1291F}" type="parTrans" cxnId="{2B471167-3011-4249-B4E4-797FE711F9F1}">
+      <dgm:prSet/>
+      <dgm:spPr/>
+      <dgm:t>
+        <a:bodyPr/>
+        <a:lstStyle/>
+        <a:p>
+          <a:endParaRPr lang="en-US" sz="2000"/>
+        </a:p>
+      </dgm:t>
+    </dgm:pt>
+    <dgm:pt modelId="{D8E076AF-17A9-4432-91BD-D6211BC0EA7C}" type="sibTrans" cxnId="{2B471167-3011-4249-B4E4-797FE711F9F1}">
+      <dgm:prSet/>
+      <dgm:spPr/>
+      <dgm:t>
+        <a:bodyPr/>
+        <a:lstStyle/>
+        <a:p>
+          <a:endParaRPr lang="en-US" sz="2000"/>
+        </a:p>
+      </dgm:t>
+    </dgm:pt>
+    <dgm:pt modelId="{91A65AEF-6A15-4A27-BEF4-E1F29341CAE7}">
+      <dgm:prSet phldrT="[Texto]" custT="1"/>
+      <dgm:spPr/>
+      <dgm:t>
+        <a:bodyPr/>
+        <a:lstStyle/>
+        <a:p>
+          <a:r>
+            <a:rPr lang="es-ES" sz="2000" dirty="0" err="1" smtClean="0"/>
+            <a:t>Differential</a:t>
+          </a:r>
+          <a:r>
+            <a:rPr lang="es-ES" sz="2000" dirty="0" smtClean="0"/>
+            <a:t> </a:t>
+          </a:r>
+          <a:r>
+            <a:rPr lang="es-ES" sz="2000" dirty="0" err="1" smtClean="0"/>
+            <a:t>expression</a:t>
+          </a:r>
+          <a:r>
+            <a:rPr lang="es-ES" sz="2000" dirty="0" smtClean="0"/>
+            <a:t> </a:t>
+          </a:r>
+          <a:r>
+            <a:rPr lang="es-ES" sz="2000" dirty="0" err="1" smtClean="0"/>
+            <a:t>analysis</a:t>
+          </a:r>
+          <a:endParaRPr lang="en-US" sz="2000" dirty="0"/>
+        </a:p>
+      </dgm:t>
+    </dgm:pt>
+    <dgm:pt modelId="{73FB7926-F3DC-4072-892E-5CDBC32AC16D}" type="parTrans" cxnId="{79EC4E32-DBFE-4EC9-87D3-E83007DEB976}">
+      <dgm:prSet/>
+      <dgm:spPr/>
+      <dgm:t>
+        <a:bodyPr/>
+        <a:lstStyle/>
+        <a:p>
+          <a:endParaRPr lang="en-US" sz="2000"/>
+        </a:p>
+      </dgm:t>
+    </dgm:pt>
+    <dgm:pt modelId="{26F79743-5592-4A48-AD2F-903A4A3C64B0}" type="sibTrans" cxnId="{79EC4E32-DBFE-4EC9-87D3-E83007DEB976}">
+      <dgm:prSet/>
+      <dgm:spPr/>
+      <dgm:t>
+        <a:bodyPr/>
+        <a:lstStyle/>
+        <a:p>
+          <a:endParaRPr lang="en-US" sz="2000"/>
+        </a:p>
+      </dgm:t>
+    </dgm:pt>
+    <dgm:pt modelId="{F1C2D6F1-7C50-4518-AF30-C62830E34870}">
+      <dgm:prSet phldrT="[Texto]" custT="1"/>
+      <dgm:spPr/>
+      <dgm:t>
+        <a:bodyPr/>
+        <a:lstStyle/>
+        <a:p>
+          <a:r>
+            <a:rPr lang="es-ES" sz="1600" dirty="0" err="1" smtClean="0"/>
+            <a:t>Alignment</a:t>
+          </a:r>
+          <a:endParaRPr lang="en-US" sz="1600" dirty="0"/>
+        </a:p>
+      </dgm:t>
+    </dgm:pt>
+    <dgm:pt modelId="{00864D43-7BE9-45DA-BAE4-E75E36C45913}" type="parTrans" cxnId="{DC9946B6-D564-4A8F-8A08-9E5A6CD74436}">
+      <dgm:prSet/>
+      <dgm:spPr/>
+      <dgm:t>
+        <a:bodyPr/>
+        <a:lstStyle/>
+        <a:p>
+          <a:endParaRPr lang="en-US" sz="2000"/>
+        </a:p>
+      </dgm:t>
+    </dgm:pt>
+    <dgm:pt modelId="{7AA76297-BF81-4187-8BAD-57F1348D4BB5}" type="sibTrans" cxnId="{DC9946B6-D564-4A8F-8A08-9E5A6CD74436}">
+      <dgm:prSet/>
+      <dgm:spPr/>
+      <dgm:t>
+        <a:bodyPr/>
+        <a:lstStyle/>
+        <a:p>
+          <a:endParaRPr lang="en-US" sz="2000"/>
+        </a:p>
+      </dgm:t>
+    </dgm:pt>
+    <dgm:pt modelId="{5E3E51B3-C034-40DA-8D6B-12A51F79F84F}">
+      <dgm:prSet phldrT="[Texto]" custT="1"/>
+      <dgm:spPr/>
+      <dgm:t>
+        <a:bodyPr/>
+        <a:lstStyle/>
+        <a:p>
+          <a:r>
+            <a:rPr lang="es-ES" sz="1600" dirty="0" err="1" smtClean="0"/>
+            <a:t>Transcript</a:t>
+          </a:r>
+          <a:r>
+            <a:rPr lang="es-ES" sz="1600" dirty="0" smtClean="0"/>
+            <a:t> </a:t>
+          </a:r>
+          <a:r>
+            <a:rPr lang="es-ES" sz="1600" dirty="0" err="1" smtClean="0"/>
+            <a:t>abundance</a:t>
+          </a:r>
+          <a:r>
+            <a:rPr lang="es-ES" sz="1600" dirty="0" smtClean="0"/>
+            <a:t> </a:t>
+          </a:r>
+          <a:r>
+            <a:rPr lang="es-ES" sz="1600" dirty="0" err="1" smtClean="0"/>
+            <a:t>estimation</a:t>
+          </a:r>
+          <a:endParaRPr lang="en-US" sz="1600" dirty="0"/>
+        </a:p>
+      </dgm:t>
+    </dgm:pt>
+    <dgm:pt modelId="{655E7F96-779F-49AD-864A-E6F2A6C31883}" type="parTrans" cxnId="{274EF8EA-833F-4500-9EC7-213330933E55}">
+      <dgm:prSet/>
+      <dgm:spPr/>
+      <dgm:t>
+        <a:bodyPr/>
+        <a:lstStyle/>
+        <a:p>
+          <a:endParaRPr lang="en-US" sz="2000"/>
+        </a:p>
+      </dgm:t>
+    </dgm:pt>
+    <dgm:pt modelId="{D2A9912C-C23B-4036-9067-0181019705BF}" type="sibTrans" cxnId="{274EF8EA-833F-4500-9EC7-213330933E55}">
+      <dgm:prSet/>
+      <dgm:spPr/>
+      <dgm:t>
+        <a:bodyPr/>
+        <a:lstStyle/>
+        <a:p>
+          <a:endParaRPr lang="en-US" sz="2000"/>
+        </a:p>
+      </dgm:t>
+    </dgm:pt>
+    <dgm:pt modelId="{99DDACEB-7AC2-405D-8C03-62809185729F}">
+      <dgm:prSet phldrT="[Texto]" custT="1"/>
+      <dgm:spPr/>
+      <dgm:t>
+        <a:bodyPr/>
+        <a:lstStyle/>
+        <a:p>
+          <a:r>
+            <a:rPr lang="en-US" sz="1600" b="0" i="0" dirty="0" smtClean="0"/>
+            <a:t>(NCBI) </a:t>
+          </a:r>
+          <a:r>
+            <a:rPr lang="en-US" sz="1600" b="0" i="0" dirty="0" err="1" smtClean="0"/>
+            <a:t>BioProject</a:t>
+          </a:r>
+          <a:r>
+            <a:rPr lang="en-US" sz="1600" b="0" i="0" dirty="0" smtClean="0"/>
+            <a:t> 259909</a:t>
+          </a:r>
+          <a:r>
+            <a:rPr lang="en-US" sz="1600" dirty="0" smtClean="0"/>
+            <a:t/>
+          </a:r>
+          <a:br>
+            <a:rPr lang="en-US" sz="1600" dirty="0" smtClean="0"/>
+          </a:br>
+          <a:endParaRPr lang="en-US" sz="1600" dirty="0"/>
+        </a:p>
+      </dgm:t>
+    </dgm:pt>
+    <dgm:pt modelId="{FE885667-BCFC-4070-85A3-7E7661061007}" type="parTrans" cxnId="{64F483B0-D56E-4E51-A12A-C615B4470DED}">
+      <dgm:prSet/>
+      <dgm:spPr/>
+      <dgm:t>
+        <a:bodyPr/>
+        <a:lstStyle/>
+        <a:p>
+          <a:endParaRPr lang="en-US" sz="2000"/>
+        </a:p>
+      </dgm:t>
+    </dgm:pt>
+    <dgm:pt modelId="{3060AE7B-8CF2-467E-AFA3-68FF2185B41A}" type="sibTrans" cxnId="{64F483B0-D56E-4E51-A12A-C615B4470DED}">
+      <dgm:prSet/>
+      <dgm:spPr/>
+      <dgm:t>
+        <a:bodyPr/>
+        <a:lstStyle/>
+        <a:p>
+          <a:endParaRPr lang="en-US" sz="2000"/>
+        </a:p>
+      </dgm:t>
+    </dgm:pt>
+    <dgm:pt modelId="{942CFC1C-AA12-4264-A826-2D247FC95085}">
+      <dgm:prSet phldrT="[Texto]" custT="1"/>
+      <dgm:spPr/>
+      <dgm:t>
+        <a:bodyPr/>
+        <a:lstStyle/>
+        <a:p>
+          <a:r>
+            <a:rPr lang="es-ES" sz="1600" dirty="0" err="1" smtClean="0"/>
+            <a:t>Functional</a:t>
+          </a:r>
+          <a:r>
+            <a:rPr lang="es-ES" sz="1600" dirty="0" smtClean="0"/>
+            <a:t> </a:t>
+          </a:r>
+          <a:r>
+            <a:rPr lang="es-ES" sz="1600" dirty="0" err="1" smtClean="0"/>
+            <a:t>annotation</a:t>
+          </a:r>
+          <a:endParaRPr lang="en-US" sz="1600" dirty="0"/>
+        </a:p>
+      </dgm:t>
+    </dgm:pt>
+    <dgm:pt modelId="{7CB0AD2C-A735-4A10-B9FB-A1061338BA5B}" type="parTrans" cxnId="{22FC1ECA-E709-46D6-9263-3055451A2D92}">
+      <dgm:prSet/>
+      <dgm:spPr/>
+      <dgm:t>
+        <a:bodyPr/>
+        <a:lstStyle/>
+        <a:p>
+          <a:endParaRPr lang="en-US" sz="2000"/>
+        </a:p>
+      </dgm:t>
+    </dgm:pt>
+    <dgm:pt modelId="{F0159CE7-914F-482D-8628-34B12113E511}" type="sibTrans" cxnId="{22FC1ECA-E709-46D6-9263-3055451A2D92}">
+      <dgm:prSet/>
+      <dgm:spPr/>
+      <dgm:t>
+        <a:bodyPr/>
+        <a:lstStyle/>
+        <a:p>
+          <a:endParaRPr lang="en-US" sz="2000"/>
+        </a:p>
+      </dgm:t>
+    </dgm:pt>
+    <dgm:pt modelId="{AE78AC46-7E52-44F4-B2B2-7CE10099D6ED}">
+      <dgm:prSet phldrT="[Texto]" custT="1"/>
+      <dgm:spPr/>
+      <dgm:t>
+        <a:bodyPr/>
+        <a:lstStyle/>
+        <a:p>
+          <a:r>
+            <a:rPr lang="es-ES" sz="1600" dirty="0" err="1" smtClean="0"/>
+            <a:t>Assembly</a:t>
+          </a:r>
+          <a:endParaRPr lang="en-US" sz="1600" dirty="0"/>
+        </a:p>
+      </dgm:t>
+    </dgm:pt>
+    <dgm:pt modelId="{F3154323-2D0F-4AA8-BDA6-3039AF34A32D}" type="parTrans" cxnId="{BCA9A3D5-D437-4983-9C4A-142C813CBF20}">
+      <dgm:prSet/>
+      <dgm:spPr/>
+      <dgm:t>
+        <a:bodyPr/>
+        <a:lstStyle/>
+        <a:p>
+          <a:endParaRPr lang="en-US" sz="2000"/>
+        </a:p>
+      </dgm:t>
+    </dgm:pt>
+    <dgm:pt modelId="{38B06FD4-3BA9-4425-90CA-E27CB0EB86EA}" type="sibTrans" cxnId="{BCA9A3D5-D437-4983-9C4A-142C813CBF20}">
+      <dgm:prSet/>
+      <dgm:spPr/>
+      <dgm:t>
+        <a:bodyPr/>
+        <a:lstStyle/>
+        <a:p>
+          <a:endParaRPr lang="en-US" sz="2000"/>
+        </a:p>
+      </dgm:t>
+    </dgm:pt>
+    <dgm:pt modelId="{7305E311-BA18-4725-86B1-D9DF66556862}">
+      <dgm:prSet phldrT="[Texto]" custT="1"/>
+      <dgm:spPr/>
+      <dgm:t>
+        <a:bodyPr/>
+        <a:lstStyle/>
+        <a:p>
+          <a:r>
+            <a:rPr lang="es-ES" sz="1600" dirty="0" err="1" smtClean="0"/>
+            <a:t>Differential</a:t>
+          </a:r>
+          <a:r>
+            <a:rPr lang="es-ES" sz="1600" dirty="0" smtClean="0"/>
+            <a:t> </a:t>
+          </a:r>
+          <a:r>
+            <a:rPr lang="es-ES" sz="1600" dirty="0" err="1" smtClean="0"/>
+            <a:t>expression</a:t>
+          </a:r>
+          <a:r>
+            <a:rPr lang="es-ES" sz="1600" dirty="0" smtClean="0"/>
+            <a:t> </a:t>
+          </a:r>
+          <a:r>
+            <a:rPr lang="es-ES" sz="1600" dirty="0" err="1" smtClean="0"/>
+            <a:t>analysis</a:t>
+          </a:r>
+          <a:r>
+            <a:rPr lang="es-ES" sz="1600" dirty="0" smtClean="0"/>
+            <a:t> in </a:t>
+          </a:r>
+          <a:r>
+            <a:rPr lang="es-ES" sz="1600" dirty="0" err="1" smtClean="0"/>
+            <a:t>edgeR</a:t>
+          </a:r>
+          <a:endParaRPr lang="en-US" sz="1600" dirty="0"/>
+        </a:p>
+      </dgm:t>
+    </dgm:pt>
+    <dgm:pt modelId="{35EE8319-C046-48CC-965F-761964A1A1D8}" type="parTrans" cxnId="{AC0F4E34-1EE9-4B66-99B0-32ECCF3AFCEA}">
+      <dgm:prSet/>
+      <dgm:spPr/>
+      <dgm:t>
+        <a:bodyPr/>
+        <a:lstStyle/>
+        <a:p>
+          <a:endParaRPr lang="en-US" sz="2000"/>
+        </a:p>
+      </dgm:t>
+    </dgm:pt>
+    <dgm:pt modelId="{BAA32ABE-2C94-4499-B5F5-1BE81733AACE}" type="sibTrans" cxnId="{AC0F4E34-1EE9-4B66-99B0-32ECCF3AFCEA}">
+      <dgm:prSet/>
+      <dgm:spPr/>
+      <dgm:t>
+        <a:bodyPr/>
+        <a:lstStyle/>
+        <a:p>
+          <a:endParaRPr lang="en-US" sz="2000"/>
+        </a:p>
+      </dgm:t>
+    </dgm:pt>
+    <dgm:pt modelId="{962DDC3C-372C-41E5-98AF-1BC41210AB0A}" type="pres">
+      <dgm:prSet presAssocID="{7F00E8CE-6E56-4F4D-88C9-C0473C61FC8D}" presName="Name0" presStyleCnt="0">
+        <dgm:presLayoutVars>
+          <dgm:dir/>
+          <dgm:resizeHandles val="exact"/>
+        </dgm:presLayoutVars>
+      </dgm:prSet>
+      <dgm:spPr/>
+      <dgm:t>
+        <a:bodyPr/>
+        <a:lstStyle/>
+        <a:p>
+          <a:endParaRPr lang="en-US"/>
+        </a:p>
+      </dgm:t>
+    </dgm:pt>
+    <dgm:pt modelId="{BDAA6788-3D12-47BC-9E42-7D38FDE7F399}" type="pres">
+      <dgm:prSet presAssocID="{0446C03C-E073-45AB-A9C8-06443FEA1350}" presName="node" presStyleLbl="node1" presStyleIdx="0" presStyleCnt="3">
+        <dgm:presLayoutVars>
+          <dgm:bulletEnabled val="1"/>
+        </dgm:presLayoutVars>
+      </dgm:prSet>
+      <dgm:spPr/>
+      <dgm:t>
+        <a:bodyPr/>
+        <a:lstStyle/>
+        <a:p>
+          <a:endParaRPr lang="en-US"/>
+        </a:p>
+      </dgm:t>
+    </dgm:pt>
+    <dgm:pt modelId="{1F338E8C-445B-4795-9DFA-DDBCD4CD0223}" type="pres">
+      <dgm:prSet presAssocID="{DD3773AC-ED19-47CD-9A5C-21D0582A545B}" presName="sibTrans" presStyleLbl="sibTrans2D1" presStyleIdx="0" presStyleCnt="2"/>
+      <dgm:spPr/>
+      <dgm:t>
+        <a:bodyPr/>
+        <a:lstStyle/>
+        <a:p>
+          <a:endParaRPr lang="en-US"/>
+        </a:p>
+      </dgm:t>
+    </dgm:pt>
+    <dgm:pt modelId="{34DEC8FB-8A5E-47CA-96DE-B987907461FF}" type="pres">
+      <dgm:prSet presAssocID="{DD3773AC-ED19-47CD-9A5C-21D0582A545B}" presName="connectorText" presStyleLbl="sibTrans2D1" presStyleIdx="0" presStyleCnt="2"/>
+      <dgm:spPr/>
+      <dgm:t>
+        <a:bodyPr/>
+        <a:lstStyle/>
+        <a:p>
+          <a:endParaRPr lang="en-US"/>
+        </a:p>
+      </dgm:t>
+    </dgm:pt>
+    <dgm:pt modelId="{E1C175A5-344B-46C4-A31A-B19B85FB8577}" type="pres">
+      <dgm:prSet presAssocID="{DD9D1A19-C042-4241-AC1E-CBC58119E3B1}" presName="node" presStyleLbl="node1" presStyleIdx="1" presStyleCnt="3">
+        <dgm:presLayoutVars>
+          <dgm:bulletEnabled val="1"/>
+        </dgm:presLayoutVars>
+      </dgm:prSet>
+      <dgm:spPr/>
+      <dgm:t>
+        <a:bodyPr/>
+        <a:lstStyle/>
+        <a:p>
+          <a:endParaRPr lang="en-US"/>
+        </a:p>
+      </dgm:t>
+    </dgm:pt>
+    <dgm:pt modelId="{F461BE5B-401D-414A-9175-B95B6C23DC9D}" type="pres">
+      <dgm:prSet presAssocID="{2F1FB023-A283-4CF2-AD92-547252EFD921}" presName="sibTrans" presStyleLbl="sibTrans2D1" presStyleIdx="1" presStyleCnt="2"/>
+      <dgm:spPr/>
+      <dgm:t>
+        <a:bodyPr/>
+        <a:lstStyle/>
+        <a:p>
+          <a:endParaRPr lang="en-US"/>
+        </a:p>
+      </dgm:t>
+    </dgm:pt>
+    <dgm:pt modelId="{82CB2603-4A55-4B49-A6E8-B125ED9C9E48}" type="pres">
+      <dgm:prSet presAssocID="{2F1FB023-A283-4CF2-AD92-547252EFD921}" presName="connectorText" presStyleLbl="sibTrans2D1" presStyleIdx="1" presStyleCnt="2"/>
+      <dgm:spPr/>
+      <dgm:t>
+        <a:bodyPr/>
+        <a:lstStyle/>
+        <a:p>
+          <a:endParaRPr lang="en-US"/>
+        </a:p>
+      </dgm:t>
+    </dgm:pt>
+    <dgm:pt modelId="{1886C3BF-2DFE-4372-93A8-70DF5AE5B7BB}" type="pres">
+      <dgm:prSet presAssocID="{91A65AEF-6A15-4A27-BEF4-E1F29341CAE7}" presName="node" presStyleLbl="node1" presStyleIdx="2" presStyleCnt="3">
+        <dgm:presLayoutVars>
+          <dgm:bulletEnabled val="1"/>
+        </dgm:presLayoutVars>
+      </dgm:prSet>
+      <dgm:spPr/>
+      <dgm:t>
+        <a:bodyPr/>
+        <a:lstStyle/>
+        <a:p>
+          <a:endParaRPr lang="en-US"/>
+        </a:p>
+      </dgm:t>
+    </dgm:pt>
+  </dgm:ptLst>
+  <dgm:cxnLst>
+    <dgm:cxn modelId="{E4780FAE-1D30-42E7-AC51-8BA88C8C3936}" srcId="{0446C03C-E073-45AB-A9C8-06443FEA1350}" destId="{C466413A-A54D-4592-9067-4A7632047ADD}" srcOrd="0" destOrd="0" parTransId="{168F6043-1350-4D89-84A3-126F1B46C4D8}" sibTransId="{BBEBD048-CE75-4AEB-8E49-5458336C8650}"/>
+    <dgm:cxn modelId="{79EC4E32-DBFE-4EC9-87D3-E83007DEB976}" srcId="{7F00E8CE-6E56-4F4D-88C9-C0473C61FC8D}" destId="{91A65AEF-6A15-4A27-BEF4-E1F29341CAE7}" srcOrd="2" destOrd="0" parTransId="{73FB7926-F3DC-4072-892E-5CDBC32AC16D}" sibTransId="{26F79743-5592-4A48-AD2F-903A4A3C64B0}"/>
+    <dgm:cxn modelId="{274EF8EA-833F-4500-9EC7-213330933E55}" srcId="{91A65AEF-6A15-4A27-BEF4-E1F29341CAE7}" destId="{5E3E51B3-C034-40DA-8D6B-12A51F79F84F}" srcOrd="1" destOrd="0" parTransId="{655E7F96-779F-49AD-864A-E6F2A6C31883}" sibTransId="{D2A9912C-C23B-4036-9067-0181019705BF}"/>
+    <dgm:cxn modelId="{79AE3E36-3F6D-4B29-A511-5D0B9A6434B9}" type="presOf" srcId="{C466413A-A54D-4592-9067-4A7632047ADD}" destId="{BDAA6788-3D12-47BC-9E42-7D38FDE7F399}" srcOrd="0" destOrd="1" presId="urn:microsoft.com/office/officeart/2005/8/layout/process1"/>
+    <dgm:cxn modelId="{E52E4512-9B52-4829-8292-891CD1605CFA}" type="presOf" srcId="{DD9D1A19-C042-4241-AC1E-CBC58119E3B1}" destId="{E1C175A5-344B-46C4-A31A-B19B85FB8577}" srcOrd="0" destOrd="0" presId="urn:microsoft.com/office/officeart/2005/8/layout/process1"/>
+    <dgm:cxn modelId="{2B471167-3011-4249-B4E4-797FE711F9F1}" srcId="{DD9D1A19-C042-4241-AC1E-CBC58119E3B1}" destId="{169D612B-DA50-42B2-A089-0CD33404C833}" srcOrd="1" destOrd="0" parTransId="{3DBDD095-BAC6-4E38-BFDA-31C50CC1291F}" sibTransId="{D8E076AF-17A9-4432-91BD-D6211BC0EA7C}"/>
+    <dgm:cxn modelId="{089EAF4D-0718-4A95-82BC-C9DC79A61562}" srcId="{DD9D1A19-C042-4241-AC1E-CBC58119E3B1}" destId="{81A854F5-D3EB-49EB-AF5F-B56F6C8F5EC5}" srcOrd="0" destOrd="0" parTransId="{56C0F259-9B7E-421E-8F8E-530B0F5CE873}" sibTransId="{9F016FBE-B21A-4F9E-B770-AF7EB9058F08}"/>
+    <dgm:cxn modelId="{22FC1ECA-E709-46D6-9263-3055451A2D92}" srcId="{DD9D1A19-C042-4241-AC1E-CBC58119E3B1}" destId="{942CFC1C-AA12-4264-A826-2D247FC95085}" srcOrd="2" destOrd="0" parTransId="{7CB0AD2C-A735-4A10-B9FB-A1061338BA5B}" sibTransId="{F0159CE7-914F-482D-8628-34B12113E511}"/>
+    <dgm:cxn modelId="{00CE3C1E-BC5E-4AEE-B410-7750B957FC84}" type="presOf" srcId="{F5351295-5A7B-4686-BA6C-AAD51831210B}" destId="{BDAA6788-3D12-47BC-9E42-7D38FDE7F399}" srcOrd="0" destOrd="2" presId="urn:microsoft.com/office/officeart/2005/8/layout/process1"/>
+    <dgm:cxn modelId="{2E825B25-6EA5-4063-A79B-66B8818EDD05}" type="presOf" srcId="{7F00E8CE-6E56-4F4D-88C9-C0473C61FC8D}" destId="{962DDC3C-372C-41E5-98AF-1BC41210AB0A}" srcOrd="0" destOrd="0" presId="urn:microsoft.com/office/officeart/2005/8/layout/process1"/>
+    <dgm:cxn modelId="{C21346BE-6B39-4AD3-9F67-10CFC4398D3C}" type="presOf" srcId="{91A65AEF-6A15-4A27-BEF4-E1F29341CAE7}" destId="{1886C3BF-2DFE-4372-93A8-70DF5AE5B7BB}" srcOrd="0" destOrd="0" presId="urn:microsoft.com/office/officeart/2005/8/layout/process1"/>
+    <dgm:cxn modelId="{DC9946B6-D564-4A8F-8A08-9E5A6CD74436}" srcId="{91A65AEF-6A15-4A27-BEF4-E1F29341CAE7}" destId="{F1C2D6F1-7C50-4518-AF30-C62830E34870}" srcOrd="0" destOrd="0" parTransId="{00864D43-7BE9-45DA-BAE4-E75E36C45913}" sibTransId="{7AA76297-BF81-4187-8BAD-57F1348D4BB5}"/>
+    <dgm:cxn modelId="{0B7C5417-96E9-4D4D-89AC-6F8D69992060}" type="presOf" srcId="{99DDACEB-7AC2-405D-8C03-62809185729F}" destId="{BDAA6788-3D12-47BC-9E42-7D38FDE7F399}" srcOrd="0" destOrd="3" presId="urn:microsoft.com/office/officeart/2005/8/layout/process1"/>
+    <dgm:cxn modelId="{C1D70DC3-BB6F-4772-8D52-C73C49E18F26}" type="presOf" srcId="{2F1FB023-A283-4CF2-AD92-547252EFD921}" destId="{82CB2603-4A55-4B49-A6E8-B125ED9C9E48}" srcOrd="1" destOrd="0" presId="urn:microsoft.com/office/officeart/2005/8/layout/process1"/>
+    <dgm:cxn modelId="{1C94B997-07FB-4D8B-B2E8-FF341A774F9B}" type="presOf" srcId="{169D612B-DA50-42B2-A089-0CD33404C833}" destId="{E1C175A5-344B-46C4-A31A-B19B85FB8577}" srcOrd="0" destOrd="2" presId="urn:microsoft.com/office/officeart/2005/8/layout/process1"/>
+    <dgm:cxn modelId="{B4F95DF4-F8F0-49E1-8506-908FAFE11139}" srcId="{7F00E8CE-6E56-4F4D-88C9-C0473C61FC8D}" destId="{DD9D1A19-C042-4241-AC1E-CBC58119E3B1}" srcOrd="1" destOrd="0" parTransId="{777BD4C7-AAA8-4A81-829D-A0D2FF6AA15F}" sibTransId="{2F1FB023-A283-4CF2-AD92-547252EFD921}"/>
+    <dgm:cxn modelId="{64F483B0-D56E-4E51-A12A-C615B4470DED}" srcId="{0446C03C-E073-45AB-A9C8-06443FEA1350}" destId="{99DDACEB-7AC2-405D-8C03-62809185729F}" srcOrd="2" destOrd="0" parTransId="{FE885667-BCFC-4070-85A3-7E7661061007}" sibTransId="{3060AE7B-8CF2-467E-AFA3-68FF2185B41A}"/>
+    <dgm:cxn modelId="{7D477BAE-EA9F-4D3C-AE9E-B69332CB574A}" type="presOf" srcId="{DD3773AC-ED19-47CD-9A5C-21D0582A545B}" destId="{1F338E8C-445B-4795-9DFA-DDBCD4CD0223}" srcOrd="0" destOrd="0" presId="urn:microsoft.com/office/officeart/2005/8/layout/process1"/>
+    <dgm:cxn modelId="{00F6D34C-34A9-4267-BA6D-2341A482C667}" type="presOf" srcId="{DD3773AC-ED19-47CD-9A5C-21D0582A545B}" destId="{34DEC8FB-8A5E-47CA-96DE-B987907461FF}" srcOrd="1" destOrd="0" presId="urn:microsoft.com/office/officeart/2005/8/layout/process1"/>
+    <dgm:cxn modelId="{6CA895F7-DC0B-4666-938A-B116866643B2}" type="presOf" srcId="{7305E311-BA18-4725-86B1-D9DF66556862}" destId="{1886C3BF-2DFE-4372-93A8-70DF5AE5B7BB}" srcOrd="0" destOrd="3" presId="urn:microsoft.com/office/officeart/2005/8/layout/process1"/>
+    <dgm:cxn modelId="{7F065C32-943E-4B45-992C-FEEA645ADE92}" type="presOf" srcId="{0446C03C-E073-45AB-A9C8-06443FEA1350}" destId="{BDAA6788-3D12-47BC-9E42-7D38FDE7F399}" srcOrd="0" destOrd="0" presId="urn:microsoft.com/office/officeart/2005/8/layout/process1"/>
+    <dgm:cxn modelId="{932179C8-46BB-4EBA-B01E-CFBCCFA4DC21}" type="presOf" srcId="{AE78AC46-7E52-44F4-B2B2-7CE10099D6ED}" destId="{E1C175A5-344B-46C4-A31A-B19B85FB8577}" srcOrd="0" destOrd="4" presId="urn:microsoft.com/office/officeart/2005/8/layout/process1"/>
+    <dgm:cxn modelId="{46EEA246-DA9F-4BBB-89F1-BFFE8CD15378}" srcId="{7F00E8CE-6E56-4F4D-88C9-C0473C61FC8D}" destId="{0446C03C-E073-45AB-A9C8-06443FEA1350}" srcOrd="0" destOrd="0" parTransId="{166EBAF9-EA67-41C7-9543-4E7B353618A0}" sibTransId="{DD3773AC-ED19-47CD-9A5C-21D0582A545B}"/>
+    <dgm:cxn modelId="{BCA9A3D5-D437-4983-9C4A-142C813CBF20}" srcId="{DD9D1A19-C042-4241-AC1E-CBC58119E3B1}" destId="{AE78AC46-7E52-44F4-B2B2-7CE10099D6ED}" srcOrd="3" destOrd="0" parTransId="{F3154323-2D0F-4AA8-BDA6-3039AF34A32D}" sibTransId="{38B06FD4-3BA9-4425-90CA-E27CB0EB86EA}"/>
+    <dgm:cxn modelId="{97963869-47A2-410C-957F-FA9E0ABBA8EA}" type="presOf" srcId="{81A854F5-D3EB-49EB-AF5F-B56F6C8F5EC5}" destId="{E1C175A5-344B-46C4-A31A-B19B85FB8577}" srcOrd="0" destOrd="1" presId="urn:microsoft.com/office/officeart/2005/8/layout/process1"/>
+    <dgm:cxn modelId="{FEE8B482-E279-4E5C-BE13-C7106536C100}" srcId="{0446C03C-E073-45AB-A9C8-06443FEA1350}" destId="{F5351295-5A7B-4686-BA6C-AAD51831210B}" srcOrd="1" destOrd="0" parTransId="{8DB328E6-5015-4445-94EC-9C99E54FD70D}" sibTransId="{C5A711CA-AA1A-4629-BB87-67B93CCD2D61}"/>
+    <dgm:cxn modelId="{70398382-2953-4312-9820-0DB9982CAEDB}" type="presOf" srcId="{2F1FB023-A283-4CF2-AD92-547252EFD921}" destId="{F461BE5B-401D-414A-9175-B95B6C23DC9D}" srcOrd="0" destOrd="0" presId="urn:microsoft.com/office/officeart/2005/8/layout/process1"/>
+    <dgm:cxn modelId="{57DFCDEE-5952-43CC-BCE2-536517B17C25}" type="presOf" srcId="{5E3E51B3-C034-40DA-8D6B-12A51F79F84F}" destId="{1886C3BF-2DFE-4372-93A8-70DF5AE5B7BB}" srcOrd="0" destOrd="2" presId="urn:microsoft.com/office/officeart/2005/8/layout/process1"/>
+    <dgm:cxn modelId="{8F4B5199-D290-4C54-BFDB-FAFDE984C92C}" type="presOf" srcId="{942CFC1C-AA12-4264-A826-2D247FC95085}" destId="{E1C175A5-344B-46C4-A31A-B19B85FB8577}" srcOrd="0" destOrd="3" presId="urn:microsoft.com/office/officeart/2005/8/layout/process1"/>
+    <dgm:cxn modelId="{AC0F4E34-1EE9-4B66-99B0-32ECCF3AFCEA}" srcId="{91A65AEF-6A15-4A27-BEF4-E1F29341CAE7}" destId="{7305E311-BA18-4725-86B1-D9DF66556862}" srcOrd="2" destOrd="0" parTransId="{35EE8319-C046-48CC-965F-761964A1A1D8}" sibTransId="{BAA32ABE-2C94-4499-B5F5-1BE81733AACE}"/>
+    <dgm:cxn modelId="{A35BA005-231A-4DF5-ACF3-C891B914081F}" type="presOf" srcId="{F1C2D6F1-7C50-4518-AF30-C62830E34870}" destId="{1886C3BF-2DFE-4372-93A8-70DF5AE5B7BB}" srcOrd="0" destOrd="1" presId="urn:microsoft.com/office/officeart/2005/8/layout/process1"/>
+    <dgm:cxn modelId="{1384C4A0-1E04-4060-89DC-38ACFD604295}" type="presParOf" srcId="{962DDC3C-372C-41E5-98AF-1BC41210AB0A}" destId="{BDAA6788-3D12-47BC-9E42-7D38FDE7F399}" srcOrd="0" destOrd="0" presId="urn:microsoft.com/office/officeart/2005/8/layout/process1"/>
+    <dgm:cxn modelId="{6914B89C-996B-4428-B6D6-4F300640B65E}" type="presParOf" srcId="{962DDC3C-372C-41E5-98AF-1BC41210AB0A}" destId="{1F338E8C-445B-4795-9DFA-DDBCD4CD0223}" srcOrd="1" destOrd="0" presId="urn:microsoft.com/office/officeart/2005/8/layout/process1"/>
+    <dgm:cxn modelId="{09391D10-8263-4063-ACCB-80C26E2DCE68}" type="presParOf" srcId="{1F338E8C-445B-4795-9DFA-DDBCD4CD0223}" destId="{34DEC8FB-8A5E-47CA-96DE-B987907461FF}" srcOrd="0" destOrd="0" presId="urn:microsoft.com/office/officeart/2005/8/layout/process1"/>
+    <dgm:cxn modelId="{41F8C010-2B7A-464B-A8F9-212126C21058}" type="presParOf" srcId="{962DDC3C-372C-41E5-98AF-1BC41210AB0A}" destId="{E1C175A5-344B-46C4-A31A-B19B85FB8577}" srcOrd="2" destOrd="0" presId="urn:microsoft.com/office/officeart/2005/8/layout/process1"/>
+    <dgm:cxn modelId="{415EE0C7-01C3-4E9A-9D0B-283B950E303E}" type="presParOf" srcId="{962DDC3C-372C-41E5-98AF-1BC41210AB0A}" destId="{F461BE5B-401D-414A-9175-B95B6C23DC9D}" srcOrd="3" destOrd="0" presId="urn:microsoft.com/office/officeart/2005/8/layout/process1"/>
+    <dgm:cxn modelId="{E6B34D08-7500-4263-9E44-88F8198DFBA5}" type="presParOf" srcId="{F461BE5B-401D-414A-9175-B95B6C23DC9D}" destId="{82CB2603-4A55-4B49-A6E8-B125ED9C9E48}" srcOrd="0" destOrd="0" presId="urn:microsoft.com/office/officeart/2005/8/layout/process1"/>
+    <dgm:cxn modelId="{B3E5EC96-008D-465C-A43D-D2F108A0CFEE}" type="presParOf" srcId="{962DDC3C-372C-41E5-98AF-1BC41210AB0A}" destId="{1886C3BF-2DFE-4372-93A8-70DF5AE5B7BB}" srcOrd="4" destOrd="0" presId="urn:microsoft.com/office/officeart/2005/8/layout/process1"/>
+  </dgm:cxnLst>
+  <dgm:bg/>
+  <dgm:whole/>
+  <dgm:extLst>
+    <a:ext uri="http://schemas.microsoft.com/office/drawing/2008/diagram">
+      <dsp:dataModelExt xmlns:dsp="http://schemas.microsoft.com/office/drawing/2008/diagram" relId="rId6" minVer="http://schemas.openxmlformats.org/drawingml/2006/diagram"/>
+    </a:ext>
+  </dgm:extLst>
+</dgm:dataModel>
+</file>
+
+<file path=ppt/diagrams/data2.xml><?xml version="1.0" encoding="utf-8"?>
 <dgm:dataModel xmlns:dgm="http://schemas.openxmlformats.org/drawingml/2006/diagram" xmlns:a="http://schemas.openxmlformats.org/drawingml/2006/main">
   <dgm:ptLst>
     <dgm:pt modelId="{A4FB6818-573E-4991-A005-42B15E4FEEDD}" type="doc">
@@ -2482,14 +4185,35 @@
         </dgm:presLayoutVars>
       </dgm:prSet>
       <dgm:spPr/>
+      <dgm:t>
+        <a:bodyPr/>
+        <a:lstStyle/>
+        <a:p>
+          <a:endParaRPr lang="en-US"/>
+        </a:p>
+      </dgm:t>
     </dgm:pt>
     <dgm:pt modelId="{88EDF64E-35BB-481B-B11A-F08915958068}" type="pres">
       <dgm:prSet presAssocID="{E892C2B4-4244-468D-917A-E776E4200961}" presName="sibTrans" presStyleLbl="sibTrans2D1" presStyleIdx="0" presStyleCnt="1"/>
       <dgm:spPr/>
+      <dgm:t>
+        <a:bodyPr/>
+        <a:lstStyle/>
+        <a:p>
+          <a:endParaRPr lang="en-US"/>
+        </a:p>
+      </dgm:t>
     </dgm:pt>
     <dgm:pt modelId="{F3C8F6A7-EE57-4CE9-92F3-C5249F31F420}" type="pres">
       <dgm:prSet presAssocID="{E892C2B4-4244-468D-917A-E776E4200961}" presName="connectorText" presStyleLbl="sibTrans2D1" presStyleIdx="0" presStyleCnt="1"/>
       <dgm:spPr/>
+      <dgm:t>
+        <a:bodyPr/>
+        <a:lstStyle/>
+        <a:p>
+          <a:endParaRPr lang="en-US"/>
+        </a:p>
+      </dgm:t>
     </dgm:pt>
     <dgm:pt modelId="{174F3DC6-92D1-46F3-BBD6-C834F6469487}" type="pres">
       <dgm:prSet presAssocID="{3E86D3FA-BD3A-4833-9766-85B4B2E840DF}" presName="node" presStyleLbl="node1" presStyleIdx="1" presStyleCnt="2">
@@ -2498,6 +4222,13 @@
         </dgm:presLayoutVars>
       </dgm:prSet>
       <dgm:spPr/>
+      <dgm:t>
+        <a:bodyPr/>
+        <a:lstStyle/>
+        <a:p>
+          <a:endParaRPr lang="en-US"/>
+        </a:p>
+      </dgm:t>
     </dgm:pt>
   </dgm:ptLst>
   <dgm:cxnLst>
@@ -2523,7 +4254,7 @@
 </dgm:dataModel>
 </file>
 
-<file path=ppt/diagrams/data2.xml><?xml version="1.0" encoding="utf-8"?>
+<file path=ppt/diagrams/data3.xml><?xml version="1.0" encoding="utf-8"?>
 <dgm:dataModel xmlns:dgm="http://schemas.openxmlformats.org/drawingml/2006/diagram" xmlns:a="http://schemas.openxmlformats.org/drawingml/2006/main">
   <dgm:ptLst>
     <dgm:pt modelId="{B51D5227-CD8A-4A6C-9B8B-B8F90F209FFD}" type="doc">
@@ -2698,14 +4429,35 @@
         </dgm:presLayoutVars>
       </dgm:prSet>
       <dgm:spPr/>
+      <dgm:t>
+        <a:bodyPr/>
+        <a:lstStyle/>
+        <a:p>
+          <a:endParaRPr lang="en-US"/>
+        </a:p>
+      </dgm:t>
     </dgm:pt>
     <dgm:pt modelId="{F743BBA3-F85A-4955-B22D-74C8A453CDA2}" type="pres">
       <dgm:prSet presAssocID="{652A2CBE-7EEC-43CF-9E13-4590DEBC9582}" presName="sibTrans" presStyleLbl="sibTrans2D1" presStyleIdx="0" presStyleCnt="3"/>
       <dgm:spPr/>
+      <dgm:t>
+        <a:bodyPr/>
+        <a:lstStyle/>
+        <a:p>
+          <a:endParaRPr lang="en-US"/>
+        </a:p>
+      </dgm:t>
     </dgm:pt>
     <dgm:pt modelId="{8B8B4377-0697-45FC-A640-F2CE0A54A7DA}" type="pres">
       <dgm:prSet presAssocID="{652A2CBE-7EEC-43CF-9E13-4590DEBC9582}" presName="connectorText" presStyleLbl="sibTrans2D1" presStyleIdx="0" presStyleCnt="3"/>
       <dgm:spPr/>
+      <dgm:t>
+        <a:bodyPr/>
+        <a:lstStyle/>
+        <a:p>
+          <a:endParaRPr lang="en-US"/>
+        </a:p>
+      </dgm:t>
     </dgm:pt>
     <dgm:pt modelId="{34C7BCB3-04DB-45C7-9A42-320BFF7BC6DD}" type="pres">
       <dgm:prSet presAssocID="{BF1D83B5-B3DF-493F-A256-78F574499C76}" presName="node" presStyleLbl="node1" presStyleIdx="1" presStyleCnt="4">
@@ -2714,14 +4466,35 @@
         </dgm:presLayoutVars>
       </dgm:prSet>
       <dgm:spPr/>
+      <dgm:t>
+        <a:bodyPr/>
+        <a:lstStyle/>
+        <a:p>
+          <a:endParaRPr lang="en-US"/>
+        </a:p>
+      </dgm:t>
     </dgm:pt>
     <dgm:pt modelId="{9C101147-473E-42D2-A0E5-5ABF38B50C73}" type="pres">
       <dgm:prSet presAssocID="{C3C10AC9-1ADB-403C-A703-3E7E7FA57BF8}" presName="sibTrans" presStyleLbl="sibTrans2D1" presStyleIdx="1" presStyleCnt="3"/>
       <dgm:spPr/>
+      <dgm:t>
+        <a:bodyPr/>
+        <a:lstStyle/>
+        <a:p>
+          <a:endParaRPr lang="en-US"/>
+        </a:p>
+      </dgm:t>
     </dgm:pt>
     <dgm:pt modelId="{8DC65580-354A-49B6-A367-B6A9A3244483}" type="pres">
       <dgm:prSet presAssocID="{C3C10AC9-1ADB-403C-A703-3E7E7FA57BF8}" presName="connectorText" presStyleLbl="sibTrans2D1" presStyleIdx="1" presStyleCnt="3"/>
       <dgm:spPr/>
+      <dgm:t>
+        <a:bodyPr/>
+        <a:lstStyle/>
+        <a:p>
+          <a:endParaRPr lang="en-US"/>
+        </a:p>
+      </dgm:t>
     </dgm:pt>
     <dgm:pt modelId="{732646D0-614E-4567-8EB3-FE5BADE041C4}" type="pres">
       <dgm:prSet presAssocID="{9943014D-8C6E-463D-A613-48F23D4519B7}" presName="node" presStyleLbl="node1" presStyleIdx="2" presStyleCnt="4">
@@ -2730,14 +4503,35 @@
         </dgm:presLayoutVars>
       </dgm:prSet>
       <dgm:spPr/>
+      <dgm:t>
+        <a:bodyPr/>
+        <a:lstStyle/>
+        <a:p>
+          <a:endParaRPr lang="en-US"/>
+        </a:p>
+      </dgm:t>
     </dgm:pt>
     <dgm:pt modelId="{C450CEE9-1A94-4A67-8B6D-B4519DBA50F0}" type="pres">
       <dgm:prSet presAssocID="{E1FFF456-3F57-4AA5-801E-995CE96CAF64}" presName="sibTrans" presStyleLbl="sibTrans2D1" presStyleIdx="2" presStyleCnt="3"/>
       <dgm:spPr/>
+      <dgm:t>
+        <a:bodyPr/>
+        <a:lstStyle/>
+        <a:p>
+          <a:endParaRPr lang="en-US"/>
+        </a:p>
+      </dgm:t>
     </dgm:pt>
     <dgm:pt modelId="{42481493-BF49-4D21-914E-E49B566E00C1}" type="pres">
       <dgm:prSet presAssocID="{E1FFF456-3F57-4AA5-801E-995CE96CAF64}" presName="connectorText" presStyleLbl="sibTrans2D1" presStyleIdx="2" presStyleCnt="3"/>
       <dgm:spPr/>
+      <dgm:t>
+        <a:bodyPr/>
+        <a:lstStyle/>
+        <a:p>
+          <a:endParaRPr lang="en-US"/>
+        </a:p>
+      </dgm:t>
     </dgm:pt>
     <dgm:pt modelId="{E1A97CE5-89F8-4DCF-B4DC-A0ABABE32E9B}" type="pres">
       <dgm:prSet presAssocID="{727CD113-AE2A-4DE5-BC4F-9A72EB55259C}" presName="node" presStyleLbl="node1" presStyleIdx="3" presStyleCnt="4">
@@ -2746,6 +4540,13 @@
         </dgm:presLayoutVars>
       </dgm:prSet>
       <dgm:spPr/>
+      <dgm:t>
+        <a:bodyPr/>
+        <a:lstStyle/>
+        <a:p>
+          <a:endParaRPr lang="en-US"/>
+        </a:p>
+      </dgm:t>
     </dgm:pt>
   </dgm:ptLst>
   <dgm:cxnLst>
@@ -2785,7 +4586,7 @@
 </dgm:dataModel>
 </file>
 
-<file path=ppt/diagrams/data3.xml><?xml version="1.0" encoding="utf-8"?>
+<file path=ppt/diagrams/data4.xml><?xml version="1.0" encoding="utf-8"?>
 <dgm:dataModel xmlns:dgm="http://schemas.openxmlformats.org/drawingml/2006/diagram" xmlns:a="http://schemas.openxmlformats.org/drawingml/2006/main">
   <dgm:ptLst>
     <dgm:pt modelId="{00957F53-1F0D-445C-BFD5-C49B852980A0}" type="doc">
@@ -2907,14 +4708,35 @@
         </dgm:presLayoutVars>
       </dgm:prSet>
       <dgm:spPr/>
+      <dgm:t>
+        <a:bodyPr/>
+        <a:lstStyle/>
+        <a:p>
+          <a:endParaRPr lang="en-US"/>
+        </a:p>
+      </dgm:t>
     </dgm:pt>
     <dgm:pt modelId="{9AA0144C-5539-4436-A2D7-D0076484B6A5}" type="pres">
       <dgm:prSet presAssocID="{A6F7AF0B-D6F3-4BB2-BED8-D145641246F0}" presName="sibTrans" presStyleLbl="sibTrans2D1" presStyleIdx="0" presStyleCnt="2"/>
       <dgm:spPr/>
+      <dgm:t>
+        <a:bodyPr/>
+        <a:lstStyle/>
+        <a:p>
+          <a:endParaRPr lang="en-US"/>
+        </a:p>
+      </dgm:t>
     </dgm:pt>
     <dgm:pt modelId="{BA7124CE-A91E-4278-A8B8-483BD1B9EB53}" type="pres">
       <dgm:prSet presAssocID="{A6F7AF0B-D6F3-4BB2-BED8-D145641246F0}" presName="connectorText" presStyleLbl="sibTrans2D1" presStyleIdx="0" presStyleCnt="2"/>
       <dgm:spPr/>
+      <dgm:t>
+        <a:bodyPr/>
+        <a:lstStyle/>
+        <a:p>
+          <a:endParaRPr lang="en-US"/>
+        </a:p>
+      </dgm:t>
     </dgm:pt>
     <dgm:pt modelId="{0144F23B-66FF-470D-9DB2-78780C3993C3}" type="pres">
       <dgm:prSet presAssocID="{8B4163E0-D9A4-4F25-8F85-638ACD032F1C}" presName="node" presStyleLbl="node1" presStyleIdx="1" presStyleCnt="3">
@@ -2923,14 +4745,35 @@
         </dgm:presLayoutVars>
       </dgm:prSet>
       <dgm:spPr/>
+      <dgm:t>
+        <a:bodyPr/>
+        <a:lstStyle/>
+        <a:p>
+          <a:endParaRPr lang="en-US"/>
+        </a:p>
+      </dgm:t>
     </dgm:pt>
     <dgm:pt modelId="{F5AFDAF3-FFE6-4092-BA54-9FDC13D578EC}" type="pres">
       <dgm:prSet presAssocID="{9F45A1D7-F201-46B9-810B-C95E71227969}" presName="sibTrans" presStyleLbl="sibTrans2D1" presStyleIdx="1" presStyleCnt="2"/>
       <dgm:spPr/>
+      <dgm:t>
+        <a:bodyPr/>
+        <a:lstStyle/>
+        <a:p>
+          <a:endParaRPr lang="en-US"/>
+        </a:p>
+      </dgm:t>
     </dgm:pt>
     <dgm:pt modelId="{4C66682C-450F-4FAE-A7DE-B012CE089624}" type="pres">
       <dgm:prSet presAssocID="{9F45A1D7-F201-46B9-810B-C95E71227969}" presName="connectorText" presStyleLbl="sibTrans2D1" presStyleIdx="1" presStyleCnt="2"/>
       <dgm:spPr/>
+      <dgm:t>
+        <a:bodyPr/>
+        <a:lstStyle/>
+        <a:p>
+          <a:endParaRPr lang="en-US"/>
+        </a:p>
+      </dgm:t>
     </dgm:pt>
     <dgm:pt modelId="{3432B14F-3020-44AB-9D24-EA53FC004441}" type="pres">
       <dgm:prSet presAssocID="{15C71DBD-6CA2-4C8D-B38F-1E72A180A62A}" presName="node" presStyleLbl="node1" presStyleIdx="2" presStyleCnt="3">
@@ -2939,6 +4782,13 @@
         </dgm:presLayoutVars>
       </dgm:prSet>
       <dgm:spPr/>
+      <dgm:t>
+        <a:bodyPr/>
+        <a:lstStyle/>
+        <a:p>
+          <a:endParaRPr lang="en-US"/>
+        </a:p>
+      </dgm:t>
     </dgm:pt>
   </dgm:ptLst>
   <dgm:cxnLst>
@@ -2972,6 +4822,712 @@
 </file>
 
 <file path=ppt/diagrams/drawing1.xml><?xml version="1.0" encoding="utf-8"?>
+<dsp:drawing xmlns:dgm="http://schemas.openxmlformats.org/drawingml/2006/diagram" xmlns:dsp="http://schemas.microsoft.com/office/drawing/2008/diagram" xmlns:a="http://schemas.openxmlformats.org/drawingml/2006/main">
+  <dsp:spTree>
+    <dsp:nvGrpSpPr>
+      <dsp:cNvPr id="0" name=""/>
+      <dsp:cNvGrpSpPr/>
+    </dsp:nvGrpSpPr>
+    <dsp:grpSpPr/>
+    <dsp:sp modelId="{BDAA6788-3D12-47BC-9E42-7D38FDE7F399}">
+      <dsp:nvSpPr>
+        <dsp:cNvPr id="0" name=""/>
+        <dsp:cNvSpPr/>
+      </dsp:nvSpPr>
+      <dsp:spPr>
+        <a:xfrm>
+          <a:off x="7969" y="304308"/>
+          <a:ext cx="2382068" cy="2015453"/>
+        </a:xfrm>
+        <a:prstGeom prst="roundRect">
+          <a:avLst>
+            <a:gd name="adj" fmla="val 10000"/>
+          </a:avLst>
+        </a:prstGeom>
+        <a:solidFill>
+          <a:schemeClr val="accent2">
+            <a:hueOff val="0"/>
+            <a:satOff val="0"/>
+            <a:lumOff val="0"/>
+            <a:alphaOff val="0"/>
+          </a:schemeClr>
+        </a:solidFill>
+        <a:ln w="34925" cap="flat" cmpd="sng" algn="in">
+          <a:solidFill>
+            <a:schemeClr val="lt1">
+              <a:hueOff val="0"/>
+              <a:satOff val="0"/>
+              <a:lumOff val="0"/>
+              <a:alphaOff val="0"/>
+            </a:schemeClr>
+          </a:solidFill>
+          <a:prstDash val="solid"/>
+        </a:ln>
+        <a:effectLst/>
+      </dsp:spPr>
+      <dsp:style>
+        <a:lnRef idx="2">
+          <a:scrgbClr r="0" g="0" b="0"/>
+        </a:lnRef>
+        <a:fillRef idx="1">
+          <a:scrgbClr r="0" g="0" b="0"/>
+        </a:fillRef>
+        <a:effectRef idx="0">
+          <a:scrgbClr r="0" g="0" b="0"/>
+        </a:effectRef>
+        <a:fontRef idx="minor">
+          <a:schemeClr val="lt1"/>
+        </a:fontRef>
+      </dsp:style>
+      <dsp:txBody>
+        <a:bodyPr spcFirstLastPara="0" vert="horz" wrap="square" lIns="76200" tIns="76200" rIns="76200" bIns="76200" numCol="1" spcCol="1270" anchor="t" anchorCtr="0">
+          <a:noAutofit/>
+        </a:bodyPr>
+        <a:lstStyle/>
+        <a:p>
+          <a:pPr lvl="0" algn="l" defTabSz="889000">
+            <a:lnSpc>
+              <a:spcPct val="90000"/>
+            </a:lnSpc>
+            <a:spcBef>
+              <a:spcPct val="0"/>
+            </a:spcBef>
+            <a:spcAft>
+              <a:spcPct val="35000"/>
+            </a:spcAft>
+          </a:pPr>
+          <a:r>
+            <a:rPr lang="es-ES" sz="2000" kern="1200" dirty="0" err="1" smtClean="0"/>
+            <a:t>RNAseq</a:t>
+          </a:r>
+          <a:endParaRPr lang="en-US" sz="2000" kern="1200" dirty="0"/>
+        </a:p>
+        <a:p>
+          <a:pPr marL="171450" lvl="1" indent="-171450" algn="l" defTabSz="711200">
+            <a:lnSpc>
+              <a:spcPct val="90000"/>
+            </a:lnSpc>
+            <a:spcBef>
+              <a:spcPct val="0"/>
+            </a:spcBef>
+            <a:spcAft>
+              <a:spcPct val="15000"/>
+            </a:spcAft>
+            <a:buChar char="••"/>
+          </a:pPr>
+          <a:r>
+            <a:rPr lang="es-ES" sz="1600" kern="1200" dirty="0" err="1" smtClean="0"/>
+            <a:t>Spear</a:t>
+          </a:r>
+          <a:r>
+            <a:rPr lang="es-ES" sz="1600" kern="1200" dirty="0" smtClean="0"/>
+            <a:t> </a:t>
+          </a:r>
+          <a:r>
+            <a:rPr lang="es-ES" sz="1600" kern="1200" dirty="0" err="1" smtClean="0"/>
+            <a:t>tips</a:t>
+          </a:r>
+          <a:endParaRPr lang="en-US" sz="1600" kern="1200" dirty="0"/>
+        </a:p>
+        <a:p>
+          <a:pPr marL="171450" lvl="1" indent="-171450" algn="l" defTabSz="711200">
+            <a:lnSpc>
+              <a:spcPct val="90000"/>
+            </a:lnSpc>
+            <a:spcBef>
+              <a:spcPct val="0"/>
+            </a:spcBef>
+            <a:spcAft>
+              <a:spcPct val="15000"/>
+            </a:spcAft>
+            <a:buChar char="••"/>
+          </a:pPr>
+          <a:r>
+            <a:rPr lang="es-ES" sz="1600" kern="1200" dirty="0" err="1" smtClean="0"/>
+            <a:t>Male</a:t>
+          </a:r>
+          <a:r>
+            <a:rPr lang="es-ES" sz="1600" kern="1200" dirty="0" smtClean="0"/>
+            <a:t>, </a:t>
+          </a:r>
+          <a:r>
+            <a:rPr lang="es-ES" sz="1600" kern="1200" dirty="0" err="1" smtClean="0"/>
+            <a:t>Female</a:t>
+          </a:r>
+          <a:r>
+            <a:rPr lang="es-ES" sz="1600" kern="1200" dirty="0" smtClean="0"/>
+            <a:t>, </a:t>
+          </a:r>
+          <a:r>
+            <a:rPr lang="es-ES" sz="1600" kern="1200" dirty="0" err="1" smtClean="0"/>
+            <a:t>Super</a:t>
+          </a:r>
+          <a:r>
+            <a:rPr lang="es-ES" sz="1600" kern="1200" dirty="0" smtClean="0"/>
+            <a:t> </a:t>
+          </a:r>
+          <a:r>
+            <a:rPr lang="es-ES" sz="1600" kern="1200" dirty="0" err="1" smtClean="0"/>
+            <a:t>Male</a:t>
+          </a:r>
+          <a:endParaRPr lang="en-US" sz="1600" kern="1200" dirty="0"/>
+        </a:p>
+        <a:p>
+          <a:pPr marL="171450" lvl="1" indent="-171450" algn="l" defTabSz="711200">
+            <a:lnSpc>
+              <a:spcPct val="90000"/>
+            </a:lnSpc>
+            <a:spcBef>
+              <a:spcPct val="0"/>
+            </a:spcBef>
+            <a:spcAft>
+              <a:spcPct val="15000"/>
+            </a:spcAft>
+            <a:buChar char="••"/>
+          </a:pPr>
+          <a:r>
+            <a:rPr lang="en-US" sz="1600" b="0" i="0" kern="1200" dirty="0" smtClean="0"/>
+            <a:t>(NCBI) </a:t>
+          </a:r>
+          <a:r>
+            <a:rPr lang="en-US" sz="1600" b="0" i="0" kern="1200" dirty="0" err="1" smtClean="0"/>
+            <a:t>BioProject</a:t>
+          </a:r>
+          <a:r>
+            <a:rPr lang="en-US" sz="1600" b="0" i="0" kern="1200" dirty="0" smtClean="0"/>
+            <a:t> 259909</a:t>
+          </a:r>
+          <a:r>
+            <a:rPr lang="en-US" sz="1600" kern="1200" dirty="0" smtClean="0"/>
+            <a:t/>
+          </a:r>
+          <a:br>
+            <a:rPr lang="en-US" sz="1600" kern="1200" dirty="0" smtClean="0"/>
+          </a:br>
+          <a:endParaRPr lang="en-US" sz="1600" kern="1200" dirty="0"/>
+        </a:p>
+      </dsp:txBody>
+      <dsp:txXfrm>
+        <a:off x="67000" y="363339"/>
+        <a:ext cx="2264006" cy="1897391"/>
+      </dsp:txXfrm>
+    </dsp:sp>
+    <dsp:sp modelId="{1F338E8C-445B-4795-9DFA-DDBCD4CD0223}">
+      <dsp:nvSpPr>
+        <dsp:cNvPr id="0" name=""/>
+        <dsp:cNvSpPr/>
+      </dsp:nvSpPr>
+      <dsp:spPr>
+        <a:xfrm>
+          <a:off x="2628245" y="1016658"/>
+          <a:ext cx="504998" cy="590753"/>
+        </a:xfrm>
+        <a:prstGeom prst="rightArrow">
+          <a:avLst>
+            <a:gd name="adj1" fmla="val 60000"/>
+            <a:gd name="adj2" fmla="val 50000"/>
+          </a:avLst>
+        </a:prstGeom>
+        <a:solidFill>
+          <a:schemeClr val="accent2">
+            <a:hueOff val="0"/>
+            <a:satOff val="0"/>
+            <a:lumOff val="0"/>
+            <a:alphaOff val="0"/>
+          </a:schemeClr>
+        </a:solidFill>
+        <a:ln>
+          <a:noFill/>
+        </a:ln>
+        <a:effectLst/>
+      </dsp:spPr>
+      <dsp:style>
+        <a:lnRef idx="0">
+          <a:scrgbClr r="0" g="0" b="0"/>
+        </a:lnRef>
+        <a:fillRef idx="1">
+          <a:scrgbClr r="0" g="0" b="0"/>
+        </a:fillRef>
+        <a:effectRef idx="0">
+          <a:scrgbClr r="0" g="0" b="0"/>
+        </a:effectRef>
+        <a:fontRef idx="minor">
+          <a:schemeClr val="lt1"/>
+        </a:fontRef>
+      </dsp:style>
+      <dsp:txBody>
+        <a:bodyPr spcFirstLastPara="0" vert="horz" wrap="square" lIns="0" tIns="0" rIns="0" bIns="0" numCol="1" spcCol="1270" anchor="ctr" anchorCtr="0">
+          <a:noAutofit/>
+        </a:bodyPr>
+        <a:lstStyle/>
+        <a:p>
+          <a:pPr lvl="0" algn="ctr" defTabSz="711200">
+            <a:lnSpc>
+              <a:spcPct val="90000"/>
+            </a:lnSpc>
+            <a:spcBef>
+              <a:spcPct val="0"/>
+            </a:spcBef>
+            <a:spcAft>
+              <a:spcPct val="35000"/>
+            </a:spcAft>
+          </a:pPr>
+          <a:endParaRPr lang="en-US" sz="1600" kern="1200"/>
+        </a:p>
+      </dsp:txBody>
+      <dsp:txXfrm>
+        <a:off x="2628245" y="1134809"/>
+        <a:ext cx="353499" cy="354451"/>
+      </dsp:txXfrm>
+    </dsp:sp>
+    <dsp:sp modelId="{E1C175A5-344B-46C4-A31A-B19B85FB8577}">
+      <dsp:nvSpPr>
+        <dsp:cNvPr id="0" name=""/>
+        <dsp:cNvSpPr/>
+      </dsp:nvSpPr>
+      <dsp:spPr>
+        <a:xfrm>
+          <a:off x="3342865" y="304308"/>
+          <a:ext cx="2382068" cy="2015453"/>
+        </a:xfrm>
+        <a:prstGeom prst="roundRect">
+          <a:avLst>
+            <a:gd name="adj" fmla="val 10000"/>
+          </a:avLst>
+        </a:prstGeom>
+        <a:solidFill>
+          <a:schemeClr val="accent3">
+            <a:hueOff val="0"/>
+            <a:satOff val="0"/>
+            <a:lumOff val="0"/>
+            <a:alphaOff val="0"/>
+          </a:schemeClr>
+        </a:solidFill>
+        <a:ln w="34925" cap="flat" cmpd="sng" algn="in">
+          <a:solidFill>
+            <a:schemeClr val="lt1">
+              <a:hueOff val="0"/>
+              <a:satOff val="0"/>
+              <a:lumOff val="0"/>
+              <a:alphaOff val="0"/>
+            </a:schemeClr>
+          </a:solidFill>
+          <a:prstDash val="solid"/>
+        </a:ln>
+        <a:effectLst/>
+      </dsp:spPr>
+      <dsp:style>
+        <a:lnRef idx="2">
+          <a:scrgbClr r="0" g="0" b="0"/>
+        </a:lnRef>
+        <a:fillRef idx="1">
+          <a:scrgbClr r="0" g="0" b="0"/>
+        </a:fillRef>
+        <a:effectRef idx="0">
+          <a:scrgbClr r="0" g="0" b="0"/>
+        </a:effectRef>
+        <a:fontRef idx="minor">
+          <a:schemeClr val="lt1"/>
+        </a:fontRef>
+      </dsp:style>
+      <dsp:txBody>
+        <a:bodyPr spcFirstLastPara="0" vert="horz" wrap="square" lIns="76200" tIns="76200" rIns="76200" bIns="76200" numCol="1" spcCol="1270" anchor="t" anchorCtr="0">
+          <a:noAutofit/>
+        </a:bodyPr>
+        <a:lstStyle/>
+        <a:p>
+          <a:pPr lvl="0" algn="l" defTabSz="889000">
+            <a:lnSpc>
+              <a:spcPct val="90000"/>
+            </a:lnSpc>
+            <a:spcBef>
+              <a:spcPct val="0"/>
+            </a:spcBef>
+            <a:spcAft>
+              <a:spcPct val="35000"/>
+            </a:spcAft>
+          </a:pPr>
+          <a:r>
+            <a:rPr lang="es-ES" sz="2000" i="1" kern="1200" dirty="0" smtClean="0"/>
+            <a:t>De </a:t>
+          </a:r>
+          <a:r>
+            <a:rPr lang="es-ES" sz="2000" i="1" kern="1200" dirty="0" err="1" smtClean="0"/>
+            <a:t>novo</a:t>
+          </a:r>
+          <a:r>
+            <a:rPr lang="es-ES" sz="2000" i="1" kern="1200" dirty="0" smtClean="0"/>
+            <a:t> </a:t>
+          </a:r>
+          <a:r>
+            <a:rPr lang="es-ES" sz="2000" kern="1200" dirty="0" smtClean="0"/>
+            <a:t> </a:t>
+          </a:r>
+          <a:r>
+            <a:rPr lang="es-ES" sz="2000" kern="1200" dirty="0" err="1" smtClean="0"/>
+            <a:t>assembly</a:t>
+          </a:r>
+          <a:endParaRPr lang="en-US" sz="2000" kern="1200" dirty="0"/>
+        </a:p>
+        <a:p>
+          <a:pPr marL="171450" lvl="1" indent="-171450" algn="l" defTabSz="711200">
+            <a:lnSpc>
+              <a:spcPct val="90000"/>
+            </a:lnSpc>
+            <a:spcBef>
+              <a:spcPct val="0"/>
+            </a:spcBef>
+            <a:spcAft>
+              <a:spcPct val="15000"/>
+            </a:spcAft>
+            <a:buChar char="••"/>
+          </a:pPr>
+          <a:r>
+            <a:rPr lang="es-ES" sz="1600" kern="1200" dirty="0" err="1" smtClean="0"/>
+            <a:t>Quality</a:t>
+          </a:r>
+          <a:r>
+            <a:rPr lang="es-ES" sz="1600" kern="1200" dirty="0" smtClean="0"/>
+            <a:t> control</a:t>
+          </a:r>
+          <a:endParaRPr lang="en-US" sz="1600" kern="1200" dirty="0"/>
+        </a:p>
+        <a:p>
+          <a:pPr marL="171450" lvl="1" indent="-171450" algn="l" defTabSz="711200">
+            <a:lnSpc>
+              <a:spcPct val="90000"/>
+            </a:lnSpc>
+            <a:spcBef>
+              <a:spcPct val="0"/>
+            </a:spcBef>
+            <a:spcAft>
+              <a:spcPct val="15000"/>
+            </a:spcAft>
+            <a:buChar char="••"/>
+          </a:pPr>
+          <a:r>
+            <a:rPr lang="es-ES" sz="1600" kern="1200" dirty="0" err="1" smtClean="0"/>
+            <a:t>Trimming</a:t>
+          </a:r>
+          <a:endParaRPr lang="en-US" sz="1600" kern="1200" dirty="0"/>
+        </a:p>
+        <a:p>
+          <a:pPr marL="171450" lvl="1" indent="-171450" algn="l" defTabSz="711200">
+            <a:lnSpc>
+              <a:spcPct val="90000"/>
+            </a:lnSpc>
+            <a:spcBef>
+              <a:spcPct val="0"/>
+            </a:spcBef>
+            <a:spcAft>
+              <a:spcPct val="15000"/>
+            </a:spcAft>
+            <a:buChar char="••"/>
+          </a:pPr>
+          <a:r>
+            <a:rPr lang="es-ES" sz="1600" kern="1200" dirty="0" err="1" smtClean="0"/>
+            <a:t>Functional</a:t>
+          </a:r>
+          <a:r>
+            <a:rPr lang="es-ES" sz="1600" kern="1200" dirty="0" smtClean="0"/>
+            <a:t> </a:t>
+          </a:r>
+          <a:r>
+            <a:rPr lang="es-ES" sz="1600" kern="1200" dirty="0" err="1" smtClean="0"/>
+            <a:t>annotation</a:t>
+          </a:r>
+          <a:endParaRPr lang="en-US" sz="1600" kern="1200" dirty="0"/>
+        </a:p>
+        <a:p>
+          <a:pPr marL="171450" lvl="1" indent="-171450" algn="l" defTabSz="711200">
+            <a:lnSpc>
+              <a:spcPct val="90000"/>
+            </a:lnSpc>
+            <a:spcBef>
+              <a:spcPct val="0"/>
+            </a:spcBef>
+            <a:spcAft>
+              <a:spcPct val="15000"/>
+            </a:spcAft>
+            <a:buChar char="••"/>
+          </a:pPr>
+          <a:r>
+            <a:rPr lang="es-ES" sz="1600" kern="1200" dirty="0" err="1" smtClean="0"/>
+            <a:t>Assembly</a:t>
+          </a:r>
+          <a:endParaRPr lang="en-US" sz="1600" kern="1200" dirty="0"/>
+        </a:p>
+      </dsp:txBody>
+      <dsp:txXfrm>
+        <a:off x="3401896" y="363339"/>
+        <a:ext cx="2264006" cy="1897391"/>
+      </dsp:txXfrm>
+    </dsp:sp>
+    <dsp:sp modelId="{F461BE5B-401D-414A-9175-B95B6C23DC9D}">
+      <dsp:nvSpPr>
+        <dsp:cNvPr id="0" name=""/>
+        <dsp:cNvSpPr/>
+      </dsp:nvSpPr>
+      <dsp:spPr>
+        <a:xfrm>
+          <a:off x="5963141" y="1016658"/>
+          <a:ext cx="504998" cy="590753"/>
+        </a:xfrm>
+        <a:prstGeom prst="rightArrow">
+          <a:avLst>
+            <a:gd name="adj1" fmla="val 60000"/>
+            <a:gd name="adj2" fmla="val 50000"/>
+          </a:avLst>
+        </a:prstGeom>
+        <a:solidFill>
+          <a:schemeClr val="accent3">
+            <a:hueOff val="0"/>
+            <a:satOff val="0"/>
+            <a:lumOff val="0"/>
+            <a:alphaOff val="0"/>
+          </a:schemeClr>
+        </a:solidFill>
+        <a:ln>
+          <a:noFill/>
+        </a:ln>
+        <a:effectLst/>
+      </dsp:spPr>
+      <dsp:style>
+        <a:lnRef idx="0">
+          <a:scrgbClr r="0" g="0" b="0"/>
+        </a:lnRef>
+        <a:fillRef idx="1">
+          <a:scrgbClr r="0" g="0" b="0"/>
+        </a:fillRef>
+        <a:effectRef idx="0">
+          <a:scrgbClr r="0" g="0" b="0"/>
+        </a:effectRef>
+        <a:fontRef idx="minor">
+          <a:schemeClr val="lt1"/>
+        </a:fontRef>
+      </dsp:style>
+      <dsp:txBody>
+        <a:bodyPr spcFirstLastPara="0" vert="horz" wrap="square" lIns="0" tIns="0" rIns="0" bIns="0" numCol="1" spcCol="1270" anchor="ctr" anchorCtr="0">
+          <a:noAutofit/>
+        </a:bodyPr>
+        <a:lstStyle/>
+        <a:p>
+          <a:pPr lvl="0" algn="ctr" defTabSz="711200">
+            <a:lnSpc>
+              <a:spcPct val="90000"/>
+            </a:lnSpc>
+            <a:spcBef>
+              <a:spcPct val="0"/>
+            </a:spcBef>
+            <a:spcAft>
+              <a:spcPct val="35000"/>
+            </a:spcAft>
+          </a:pPr>
+          <a:endParaRPr lang="en-US" sz="1600" kern="1200"/>
+        </a:p>
+      </dsp:txBody>
+      <dsp:txXfrm>
+        <a:off x="5963141" y="1134809"/>
+        <a:ext cx="353499" cy="354451"/>
+      </dsp:txXfrm>
+    </dsp:sp>
+    <dsp:sp modelId="{1886C3BF-2DFE-4372-93A8-70DF5AE5B7BB}">
+      <dsp:nvSpPr>
+        <dsp:cNvPr id="0" name=""/>
+        <dsp:cNvSpPr/>
+      </dsp:nvSpPr>
+      <dsp:spPr>
+        <a:xfrm>
+          <a:off x="6677761" y="304308"/>
+          <a:ext cx="2382068" cy="2015453"/>
+        </a:xfrm>
+        <a:prstGeom prst="roundRect">
+          <a:avLst>
+            <a:gd name="adj" fmla="val 10000"/>
+          </a:avLst>
+        </a:prstGeom>
+        <a:solidFill>
+          <a:schemeClr val="accent4">
+            <a:hueOff val="0"/>
+            <a:satOff val="0"/>
+            <a:lumOff val="0"/>
+            <a:alphaOff val="0"/>
+          </a:schemeClr>
+        </a:solidFill>
+        <a:ln w="34925" cap="flat" cmpd="sng" algn="in">
+          <a:solidFill>
+            <a:schemeClr val="lt1">
+              <a:hueOff val="0"/>
+              <a:satOff val="0"/>
+              <a:lumOff val="0"/>
+              <a:alphaOff val="0"/>
+            </a:schemeClr>
+          </a:solidFill>
+          <a:prstDash val="solid"/>
+        </a:ln>
+        <a:effectLst/>
+      </dsp:spPr>
+      <dsp:style>
+        <a:lnRef idx="2">
+          <a:scrgbClr r="0" g="0" b="0"/>
+        </a:lnRef>
+        <a:fillRef idx="1">
+          <a:scrgbClr r="0" g="0" b="0"/>
+        </a:fillRef>
+        <a:effectRef idx="0">
+          <a:scrgbClr r="0" g="0" b="0"/>
+        </a:effectRef>
+        <a:fontRef idx="minor">
+          <a:schemeClr val="lt1"/>
+        </a:fontRef>
+      </dsp:style>
+      <dsp:txBody>
+        <a:bodyPr spcFirstLastPara="0" vert="horz" wrap="square" lIns="76200" tIns="76200" rIns="76200" bIns="76200" numCol="1" spcCol="1270" anchor="t" anchorCtr="0">
+          <a:noAutofit/>
+        </a:bodyPr>
+        <a:lstStyle/>
+        <a:p>
+          <a:pPr lvl="0" algn="l" defTabSz="889000">
+            <a:lnSpc>
+              <a:spcPct val="90000"/>
+            </a:lnSpc>
+            <a:spcBef>
+              <a:spcPct val="0"/>
+            </a:spcBef>
+            <a:spcAft>
+              <a:spcPct val="35000"/>
+            </a:spcAft>
+          </a:pPr>
+          <a:r>
+            <a:rPr lang="es-ES" sz="2000" kern="1200" dirty="0" err="1" smtClean="0"/>
+            <a:t>Differential</a:t>
+          </a:r>
+          <a:r>
+            <a:rPr lang="es-ES" sz="2000" kern="1200" dirty="0" smtClean="0"/>
+            <a:t> </a:t>
+          </a:r>
+          <a:r>
+            <a:rPr lang="es-ES" sz="2000" kern="1200" dirty="0" err="1" smtClean="0"/>
+            <a:t>expression</a:t>
+          </a:r>
+          <a:r>
+            <a:rPr lang="es-ES" sz="2000" kern="1200" dirty="0" smtClean="0"/>
+            <a:t> </a:t>
+          </a:r>
+          <a:r>
+            <a:rPr lang="es-ES" sz="2000" kern="1200" dirty="0" err="1" smtClean="0"/>
+            <a:t>analysis</a:t>
+          </a:r>
+          <a:endParaRPr lang="en-US" sz="2000" kern="1200" dirty="0"/>
+        </a:p>
+        <a:p>
+          <a:pPr marL="171450" lvl="1" indent="-171450" algn="l" defTabSz="711200">
+            <a:lnSpc>
+              <a:spcPct val="90000"/>
+            </a:lnSpc>
+            <a:spcBef>
+              <a:spcPct val="0"/>
+            </a:spcBef>
+            <a:spcAft>
+              <a:spcPct val="15000"/>
+            </a:spcAft>
+            <a:buChar char="••"/>
+          </a:pPr>
+          <a:r>
+            <a:rPr lang="es-ES" sz="1600" kern="1200" dirty="0" err="1" smtClean="0"/>
+            <a:t>Alignment</a:t>
+          </a:r>
+          <a:endParaRPr lang="en-US" sz="1600" kern="1200" dirty="0"/>
+        </a:p>
+        <a:p>
+          <a:pPr marL="171450" lvl="1" indent="-171450" algn="l" defTabSz="711200">
+            <a:lnSpc>
+              <a:spcPct val="90000"/>
+            </a:lnSpc>
+            <a:spcBef>
+              <a:spcPct val="0"/>
+            </a:spcBef>
+            <a:spcAft>
+              <a:spcPct val="15000"/>
+            </a:spcAft>
+            <a:buChar char="••"/>
+          </a:pPr>
+          <a:r>
+            <a:rPr lang="es-ES" sz="1600" kern="1200" dirty="0" err="1" smtClean="0"/>
+            <a:t>Transcript</a:t>
+          </a:r>
+          <a:r>
+            <a:rPr lang="es-ES" sz="1600" kern="1200" dirty="0" smtClean="0"/>
+            <a:t> </a:t>
+          </a:r>
+          <a:r>
+            <a:rPr lang="es-ES" sz="1600" kern="1200" dirty="0" err="1" smtClean="0"/>
+            <a:t>abundance</a:t>
+          </a:r>
+          <a:r>
+            <a:rPr lang="es-ES" sz="1600" kern="1200" dirty="0" smtClean="0"/>
+            <a:t> </a:t>
+          </a:r>
+          <a:r>
+            <a:rPr lang="es-ES" sz="1600" kern="1200" dirty="0" err="1" smtClean="0"/>
+            <a:t>estimation</a:t>
+          </a:r>
+          <a:endParaRPr lang="en-US" sz="1600" kern="1200" dirty="0"/>
+        </a:p>
+        <a:p>
+          <a:pPr marL="171450" lvl="1" indent="-171450" algn="l" defTabSz="711200">
+            <a:lnSpc>
+              <a:spcPct val="90000"/>
+            </a:lnSpc>
+            <a:spcBef>
+              <a:spcPct val="0"/>
+            </a:spcBef>
+            <a:spcAft>
+              <a:spcPct val="15000"/>
+            </a:spcAft>
+            <a:buChar char="••"/>
+          </a:pPr>
+          <a:r>
+            <a:rPr lang="es-ES" sz="1600" kern="1200" dirty="0" err="1" smtClean="0"/>
+            <a:t>Differential</a:t>
+          </a:r>
+          <a:r>
+            <a:rPr lang="es-ES" sz="1600" kern="1200" dirty="0" smtClean="0"/>
+            <a:t> </a:t>
+          </a:r>
+          <a:r>
+            <a:rPr lang="es-ES" sz="1600" kern="1200" dirty="0" err="1" smtClean="0"/>
+            <a:t>expression</a:t>
+          </a:r>
+          <a:r>
+            <a:rPr lang="es-ES" sz="1600" kern="1200" dirty="0" smtClean="0"/>
+            <a:t> </a:t>
+          </a:r>
+          <a:r>
+            <a:rPr lang="es-ES" sz="1600" kern="1200" dirty="0" err="1" smtClean="0"/>
+            <a:t>analysis</a:t>
+          </a:r>
+          <a:r>
+            <a:rPr lang="es-ES" sz="1600" kern="1200" dirty="0" smtClean="0"/>
+            <a:t> in </a:t>
+          </a:r>
+          <a:r>
+            <a:rPr lang="es-ES" sz="1600" kern="1200" dirty="0" err="1" smtClean="0"/>
+            <a:t>edgeR</a:t>
+          </a:r>
+          <a:endParaRPr lang="en-US" sz="1600" kern="1200" dirty="0"/>
+        </a:p>
+      </dsp:txBody>
+      <dsp:txXfrm>
+        <a:off x="6736792" y="363339"/>
+        <a:ext cx="2264006" cy="1897391"/>
+      </dsp:txXfrm>
+    </dsp:sp>
+  </dsp:spTree>
+</dsp:drawing>
+</file>
+
+<file path=ppt/diagrams/drawing2.xml><?xml version="1.0" encoding="utf-8"?>
 <dsp:drawing xmlns:dgm="http://schemas.openxmlformats.org/drawingml/2006/diagram" xmlns:dsp="http://schemas.microsoft.com/office/drawing/2008/diagram" xmlns:a="http://schemas.openxmlformats.org/drawingml/2006/main">
   <dsp:spTree>
     <dsp:nvGrpSpPr>
@@ -3035,7 +5591,7 @@
         </a:bodyPr>
         <a:lstStyle/>
         <a:p>
-          <a:pPr marL="0" lvl="0" indent="0" algn="ctr" defTabSz="1511300">
+          <a:pPr lvl="0" algn="ctr" defTabSz="1511300">
             <a:lnSpc>
               <a:spcPct val="90000"/>
             </a:lnSpc>
@@ -3045,7 +5601,6 @@
             <a:spcAft>
               <a:spcPct val="35000"/>
             </a:spcAft>
-            <a:buNone/>
           </a:pPr>
           <a:r>
             <a:rPr lang="en-US" sz="3400" kern="1200" dirty="0"/>
@@ -3108,7 +5663,7 @@
         </a:bodyPr>
         <a:lstStyle/>
         <a:p>
-          <a:pPr marL="0" lvl="0" indent="0" algn="ctr" defTabSz="1200150">
+          <a:pPr lvl="0" algn="ctr" defTabSz="1200150">
             <a:lnSpc>
               <a:spcPct val="90000"/>
             </a:lnSpc>
@@ -3118,7 +5673,6 @@
             <a:spcAft>
               <a:spcPct val="35000"/>
             </a:spcAft>
-            <a:buNone/>
           </a:pPr>
           <a:endParaRPr lang="en-US" sz="2700" kern="1200"/>
         </a:p>
@@ -3184,7 +5738,7 @@
         </a:bodyPr>
         <a:lstStyle/>
         <a:p>
-          <a:pPr marL="0" lvl="0" indent="0" algn="ctr" defTabSz="1511300">
+          <a:pPr lvl="0" algn="ctr" defTabSz="1511300">
             <a:lnSpc>
               <a:spcPct val="90000"/>
             </a:lnSpc>
@@ -3194,7 +5748,6 @@
             <a:spcAft>
               <a:spcPct val="35000"/>
             </a:spcAft>
-            <a:buNone/>
           </a:pPr>
           <a:r>
             <a:rPr lang="en-US" sz="3400" kern="1200" dirty="0"/>
@@ -3211,7 +5764,7 @@
 </dsp:drawing>
 </file>
 
-<file path=ppt/diagrams/drawing2.xml><?xml version="1.0" encoding="utf-8"?>
+<file path=ppt/diagrams/drawing3.xml><?xml version="1.0" encoding="utf-8"?>
 <dsp:drawing xmlns:dgm="http://schemas.openxmlformats.org/drawingml/2006/diagram" xmlns:dsp="http://schemas.microsoft.com/office/drawing/2008/diagram" xmlns:a="http://schemas.openxmlformats.org/drawingml/2006/main">
   <dsp:spTree>
     <dsp:nvGrpSpPr>
@@ -3275,7 +5828,7 @@
         </a:bodyPr>
         <a:lstStyle/>
         <a:p>
-          <a:pPr marL="0" lvl="0" indent="0" algn="ctr" defTabSz="889000">
+          <a:pPr lvl="0" algn="ctr" defTabSz="889000">
             <a:lnSpc>
               <a:spcPct val="90000"/>
             </a:lnSpc>
@@ -3285,7 +5838,6 @@
             <a:spcAft>
               <a:spcPct val="35000"/>
             </a:spcAft>
-            <a:buNone/>
           </a:pPr>
           <a:r>
             <a:rPr lang="en-US" sz="2000" kern="1200" noProof="0" dirty="0"/>
@@ -3348,7 +5900,7 @@
         </a:bodyPr>
         <a:lstStyle/>
         <a:p>
-          <a:pPr marL="0" lvl="0" indent="0" algn="ctr" defTabSz="889000">
+          <a:pPr lvl="0" algn="ctr" defTabSz="889000">
             <a:lnSpc>
               <a:spcPct val="90000"/>
             </a:lnSpc>
@@ -3358,7 +5910,6 @@
             <a:spcAft>
               <a:spcPct val="35000"/>
             </a:spcAft>
-            <a:buNone/>
           </a:pPr>
           <a:endParaRPr lang="en-US" sz="2000" kern="1200"/>
         </a:p>
@@ -3424,7 +5975,7 @@
         </a:bodyPr>
         <a:lstStyle/>
         <a:p>
-          <a:pPr marL="0" lvl="0" indent="0" algn="ctr" defTabSz="889000">
+          <a:pPr lvl="0" algn="ctr" defTabSz="889000">
             <a:lnSpc>
               <a:spcPct val="90000"/>
             </a:lnSpc>
@@ -3434,7 +5985,6 @@
             <a:spcAft>
               <a:spcPct val="35000"/>
             </a:spcAft>
-            <a:buNone/>
           </a:pPr>
           <a:r>
             <a:rPr lang="en-US" sz="2000" kern="1200" noProof="0" dirty="0"/>
@@ -3497,7 +6047,7 @@
         </a:bodyPr>
         <a:lstStyle/>
         <a:p>
-          <a:pPr marL="0" lvl="0" indent="0" algn="ctr" defTabSz="889000">
+          <a:pPr lvl="0" algn="ctr" defTabSz="889000">
             <a:lnSpc>
               <a:spcPct val="90000"/>
             </a:lnSpc>
@@ -3507,7 +6057,6 @@
             <a:spcAft>
               <a:spcPct val="35000"/>
             </a:spcAft>
-            <a:buNone/>
           </a:pPr>
           <a:endParaRPr lang="en-US" sz="2000" kern="1200"/>
         </a:p>
@@ -3573,7 +6122,7 @@
         </a:bodyPr>
         <a:lstStyle/>
         <a:p>
-          <a:pPr marL="0" lvl="0" indent="0" algn="ctr" defTabSz="889000">
+          <a:pPr lvl="0" algn="ctr" defTabSz="889000">
             <a:lnSpc>
               <a:spcPct val="90000"/>
             </a:lnSpc>
@@ -3583,7 +6132,6 @@
             <a:spcAft>
               <a:spcPct val="35000"/>
             </a:spcAft>
-            <a:buNone/>
           </a:pPr>
           <a:r>
             <a:rPr lang="en-US" sz="2000" kern="1200" noProof="0" dirty="0"/>
@@ -3646,7 +6194,7 @@
         </a:bodyPr>
         <a:lstStyle/>
         <a:p>
-          <a:pPr marL="0" lvl="0" indent="0" algn="ctr" defTabSz="889000">
+          <a:pPr lvl="0" algn="ctr" defTabSz="889000">
             <a:lnSpc>
               <a:spcPct val="90000"/>
             </a:lnSpc>
@@ -3656,7 +6204,6 @@
             <a:spcAft>
               <a:spcPct val="35000"/>
             </a:spcAft>
-            <a:buNone/>
           </a:pPr>
           <a:endParaRPr lang="en-US" sz="2000" kern="1200"/>
         </a:p>
@@ -3722,7 +6269,7 @@
         </a:bodyPr>
         <a:lstStyle/>
         <a:p>
-          <a:pPr marL="0" lvl="0" indent="0" algn="ctr" defTabSz="889000">
+          <a:pPr lvl="0" algn="ctr" defTabSz="889000">
             <a:lnSpc>
               <a:spcPct val="90000"/>
             </a:lnSpc>
@@ -3732,7 +6279,6 @@
             <a:spcAft>
               <a:spcPct val="35000"/>
             </a:spcAft>
-            <a:buNone/>
           </a:pPr>
           <a:r>
             <a:rPr lang="en-US" sz="2000" kern="1200" noProof="0" dirty="0"/>
@@ -3757,7 +6303,7 @@
 </dsp:drawing>
 </file>
 
-<file path=ppt/diagrams/drawing3.xml><?xml version="1.0" encoding="utf-8"?>
+<file path=ppt/diagrams/drawing4.xml><?xml version="1.0" encoding="utf-8"?>
 <dsp:drawing xmlns:dgm="http://schemas.openxmlformats.org/drawingml/2006/diagram" xmlns:dsp="http://schemas.microsoft.com/office/drawing/2008/diagram" xmlns:a="http://schemas.openxmlformats.org/drawingml/2006/main">
   <dsp:spTree>
     <dsp:nvGrpSpPr>
@@ -3821,7 +6367,7 @@
         </a:bodyPr>
         <a:lstStyle/>
         <a:p>
-          <a:pPr marL="0" lvl="0" indent="0" algn="ctr" defTabSz="2222500">
+          <a:pPr lvl="0" algn="ctr" defTabSz="2222500">
             <a:lnSpc>
               <a:spcPct val="90000"/>
             </a:lnSpc>
@@ -3831,9 +6377,8 @@
             <a:spcAft>
               <a:spcPct val="35000"/>
             </a:spcAft>
-            <a:buNone/>
           </a:pPr>
-          <a:endParaRPr lang="en-US" sz="5000" kern="1200"/>
+          <a:endParaRPr lang="en-US" sz="5000" kern="1200" dirty="0"/>
         </a:p>
       </dsp:txBody>
       <dsp:txXfrm>
@@ -3891,7 +6436,7 @@
         </a:bodyPr>
         <a:lstStyle/>
         <a:p>
-          <a:pPr marL="0" lvl="0" indent="0" algn="ctr" defTabSz="933450">
+          <a:pPr lvl="0" algn="ctr" defTabSz="933450">
             <a:lnSpc>
               <a:spcPct val="90000"/>
             </a:lnSpc>
@@ -3901,7 +6446,6 @@
             <a:spcAft>
               <a:spcPct val="35000"/>
             </a:spcAft>
-            <a:buNone/>
           </a:pPr>
           <a:endParaRPr lang="en-US" sz="2100" kern="1200"/>
         </a:p>
@@ -3967,7 +6511,7 @@
         </a:bodyPr>
         <a:lstStyle/>
         <a:p>
-          <a:pPr marL="0" lvl="0" indent="0" algn="ctr" defTabSz="2222500">
+          <a:pPr lvl="0" algn="ctr" defTabSz="2222500">
             <a:lnSpc>
               <a:spcPct val="90000"/>
             </a:lnSpc>
@@ -3977,7 +6521,6 @@
             <a:spcAft>
               <a:spcPct val="35000"/>
             </a:spcAft>
-            <a:buNone/>
           </a:pPr>
           <a:endParaRPr lang="en-US" sz="5000" kern="1200"/>
         </a:p>
@@ -4037,7 +6580,7 @@
         </a:bodyPr>
         <a:lstStyle/>
         <a:p>
-          <a:pPr marL="0" lvl="0" indent="0" algn="ctr" defTabSz="933450">
+          <a:pPr lvl="0" algn="ctr" defTabSz="933450">
             <a:lnSpc>
               <a:spcPct val="90000"/>
             </a:lnSpc>
@@ -4047,7 +6590,6 @@
             <a:spcAft>
               <a:spcPct val="35000"/>
             </a:spcAft>
-            <a:buNone/>
           </a:pPr>
           <a:endParaRPr lang="en-US" sz="2100" kern="1200"/>
         </a:p>
@@ -4113,7 +6655,7 @@
         </a:bodyPr>
         <a:lstStyle/>
         <a:p>
-          <a:pPr marL="0" lvl="0" indent="0" algn="ctr" defTabSz="2222500">
+          <a:pPr lvl="0" algn="ctr" defTabSz="2222500">
             <a:lnSpc>
               <a:spcPct val="90000"/>
             </a:lnSpc>
@@ -4123,7 +6665,6 @@
             <a:spcAft>
               <a:spcPct val="35000"/>
             </a:spcAft>
-            <a:buNone/>
           </a:pPr>
           <a:endParaRPr lang="en-US" sz="5000" kern="1200"/>
         </a:p>
@@ -4575,6 +7116,152 @@
 </dgm:layoutDef>
 </file>
 
+<file path=ppt/diagrams/layout4.xml><?xml version="1.0" encoding="utf-8"?>
+<dgm:layoutDef xmlns:dgm="http://schemas.openxmlformats.org/drawingml/2006/diagram" xmlns:a="http://schemas.openxmlformats.org/drawingml/2006/main" uniqueId="urn:microsoft.com/office/officeart/2005/8/layout/process1">
+  <dgm:title val=""/>
+  <dgm:desc val=""/>
+  <dgm:catLst>
+    <dgm:cat type="process" pri="1000"/>
+    <dgm:cat type="convert" pri="15000"/>
+  </dgm:catLst>
+  <dgm:sampData useDef="1">
+    <dgm:dataModel>
+      <dgm:ptLst/>
+      <dgm:bg/>
+      <dgm:whole/>
+    </dgm:dataModel>
+  </dgm:sampData>
+  <dgm:styleData>
+    <dgm:dataModel>
+      <dgm:ptLst>
+        <dgm:pt modelId="0" type="doc"/>
+        <dgm:pt modelId="1"/>
+        <dgm:pt modelId="2"/>
+      </dgm:ptLst>
+      <dgm:cxnLst>
+        <dgm:cxn modelId="3" srcId="0" destId="1" srcOrd="0" destOrd="0"/>
+        <dgm:cxn modelId="4" srcId="0" destId="2" srcOrd="1" destOrd="0"/>
+      </dgm:cxnLst>
+      <dgm:bg/>
+      <dgm:whole/>
+    </dgm:dataModel>
+  </dgm:styleData>
+  <dgm:clrData>
+    <dgm:dataModel>
+      <dgm:ptLst>
+        <dgm:pt modelId="0" type="doc"/>
+        <dgm:pt modelId="1"/>
+        <dgm:pt modelId="2"/>
+        <dgm:pt modelId="3"/>
+        <dgm:pt modelId="4"/>
+      </dgm:ptLst>
+      <dgm:cxnLst>
+        <dgm:cxn modelId="5" srcId="0" destId="1" srcOrd="0" destOrd="0"/>
+        <dgm:cxn modelId="6" srcId="0" destId="2" srcOrd="1" destOrd="0"/>
+        <dgm:cxn modelId="7" srcId="0" destId="3" srcOrd="2" destOrd="0"/>
+        <dgm:cxn modelId="8" srcId="0" destId="4" srcOrd="3" destOrd="0"/>
+      </dgm:cxnLst>
+      <dgm:bg/>
+      <dgm:whole/>
+    </dgm:dataModel>
+  </dgm:clrData>
+  <dgm:layoutNode name="Name0">
+    <dgm:varLst>
+      <dgm:dir/>
+      <dgm:resizeHandles val="exact"/>
+    </dgm:varLst>
+    <dgm:choose name="Name1">
+      <dgm:if name="Name2" func="var" arg="dir" op="equ" val="norm">
+        <dgm:alg type="lin"/>
+      </dgm:if>
+      <dgm:else name="Name3">
+        <dgm:alg type="lin">
+          <dgm:param type="linDir" val="fromR"/>
+        </dgm:alg>
+      </dgm:else>
+    </dgm:choose>
+    <dgm:shape xmlns:r="http://schemas.openxmlformats.org/officeDocument/2006/relationships" r:blip="">
+      <dgm:adjLst/>
+    </dgm:shape>
+    <dgm:presOf/>
+    <dgm:constrLst>
+      <dgm:constr type="w" for="ch" ptType="node" refType="w"/>
+      <dgm:constr type="h" for="ch" ptType="node" op="equ"/>
+      <dgm:constr type="primFontSz" for="ch" ptType="node" op="equ" val="65"/>
+      <dgm:constr type="w" for="ch" ptType="sibTrans" refType="w" refFor="ch" refPtType="node" op="equ" fact="0.4"/>
+      <dgm:constr type="h" for="ch" ptType="sibTrans" op="equ"/>
+      <dgm:constr type="primFontSz" for="des" forName="connectorText" op="equ" val="55"/>
+      <dgm:constr type="primFontSz" for="des" forName="connectorText" refType="primFontSz" refFor="ch" refPtType="node" op="lte" fact="0.8"/>
+    </dgm:constrLst>
+    <dgm:ruleLst/>
+    <dgm:forEach name="nodesForEach" axis="ch" ptType="node">
+      <dgm:layoutNode name="node">
+        <dgm:varLst>
+          <dgm:bulletEnabled val="1"/>
+        </dgm:varLst>
+        <dgm:alg type="tx"/>
+        <dgm:shape xmlns:r="http://schemas.openxmlformats.org/officeDocument/2006/relationships" type="roundRect" r:blip="">
+          <dgm:adjLst>
+            <dgm:adj idx="1" val="0.1"/>
+          </dgm:adjLst>
+        </dgm:shape>
+        <dgm:presOf axis="desOrSelf" ptType="node"/>
+        <dgm:constrLst>
+          <dgm:constr type="h" refType="w" fact="0.6"/>
+          <dgm:constr type="tMarg" refType="primFontSz" fact="0.3"/>
+          <dgm:constr type="bMarg" refType="primFontSz" fact="0.3"/>
+          <dgm:constr type="lMarg" refType="primFontSz" fact="0.3"/>
+          <dgm:constr type="rMarg" refType="primFontSz" fact="0.3"/>
+        </dgm:constrLst>
+        <dgm:ruleLst>
+          <dgm:rule type="primFontSz" val="18" fact="NaN" max="NaN"/>
+          <dgm:rule type="h" val="NaN" fact="1.5" max="NaN"/>
+          <dgm:rule type="primFontSz" val="5" fact="NaN" max="NaN"/>
+          <dgm:rule type="h" val="INF" fact="NaN" max="NaN"/>
+        </dgm:ruleLst>
+      </dgm:layoutNode>
+      <dgm:forEach name="sibTransForEach" axis="followSib" ptType="sibTrans" cnt="1">
+        <dgm:layoutNode name="sibTrans">
+          <dgm:alg type="conn">
+            <dgm:param type="begPts" val="auto"/>
+            <dgm:param type="endPts" val="auto"/>
+          </dgm:alg>
+          <dgm:shape xmlns:r="http://schemas.openxmlformats.org/officeDocument/2006/relationships" type="conn" r:blip="">
+            <dgm:adjLst/>
+          </dgm:shape>
+          <dgm:presOf axis="self"/>
+          <dgm:constrLst>
+            <dgm:constr type="h" refType="w" fact="0.62"/>
+            <dgm:constr type="connDist"/>
+            <dgm:constr type="begPad" refType="connDist" fact="0.25"/>
+            <dgm:constr type="endPad" refType="connDist" fact="0.22"/>
+          </dgm:constrLst>
+          <dgm:ruleLst/>
+          <dgm:layoutNode name="connectorText">
+            <dgm:alg type="tx">
+              <dgm:param type="autoTxRot" val="grav"/>
+            </dgm:alg>
+            <dgm:shape xmlns:r="http://schemas.openxmlformats.org/officeDocument/2006/relationships" type="conn" r:blip="" hideGeom="1">
+              <dgm:adjLst/>
+            </dgm:shape>
+            <dgm:presOf axis="self"/>
+            <dgm:constrLst>
+              <dgm:constr type="lMarg"/>
+              <dgm:constr type="rMarg"/>
+              <dgm:constr type="tMarg"/>
+              <dgm:constr type="bMarg"/>
+            </dgm:constrLst>
+            <dgm:ruleLst>
+              <dgm:rule type="primFontSz" val="5" fact="NaN" max="NaN"/>
+            </dgm:ruleLst>
+          </dgm:layoutNode>
+        </dgm:layoutNode>
+      </dgm:forEach>
+    </dgm:forEach>
+  </dgm:layoutNode>
+</dgm:layoutDef>
+</file>
+
 <file path=ppt/diagrams/quickStyle1.xml><?xml version="1.0" encoding="utf-8"?>
 <dgm:styleDef xmlns:dgm="http://schemas.openxmlformats.org/drawingml/2006/diagram" xmlns:a="http://schemas.openxmlformats.org/drawingml/2006/main" uniqueId="urn:microsoft.com/office/officeart/2005/8/quickstyle/simple1">
   <dgm:title val=""/>
@@ -6644,6 +9331,1040 @@
 </file>
 
 <file path=ppt/diagrams/quickStyle3.xml><?xml version="1.0" encoding="utf-8"?>
+<dgm:styleDef xmlns:dgm="http://schemas.openxmlformats.org/drawingml/2006/diagram" xmlns:a="http://schemas.openxmlformats.org/drawingml/2006/main" uniqueId="urn:microsoft.com/office/officeart/2005/8/quickstyle/simple1">
+  <dgm:title val=""/>
+  <dgm:desc val=""/>
+  <dgm:catLst>
+    <dgm:cat type="simple" pri="10100"/>
+  </dgm:catLst>
+  <dgm:scene3d>
+    <a:camera prst="orthographicFront"/>
+    <a:lightRig rig="threePt" dir="t"/>
+  </dgm:scene3d>
+  <dgm:styleLbl name="node0">
+    <dgm:scene3d>
+      <a:camera prst="orthographicFront"/>
+      <a:lightRig rig="threePt" dir="t"/>
+    </dgm:scene3d>
+    <dgm:sp3d/>
+    <dgm:txPr/>
+    <dgm:style>
+      <a:lnRef idx="2">
+        <a:scrgbClr r="0" g="0" b="0"/>
+      </a:lnRef>
+      <a:fillRef idx="1">
+        <a:scrgbClr r="0" g="0" b="0"/>
+      </a:fillRef>
+      <a:effectRef idx="0">
+        <a:scrgbClr r="0" g="0" b="0"/>
+      </a:effectRef>
+      <a:fontRef idx="minor">
+        <a:schemeClr val="lt1"/>
+      </a:fontRef>
+    </dgm:style>
+  </dgm:styleLbl>
+  <dgm:styleLbl name="lnNode1">
+    <dgm:scene3d>
+      <a:camera prst="orthographicFront"/>
+      <a:lightRig rig="threePt" dir="t"/>
+    </dgm:scene3d>
+    <dgm:sp3d/>
+    <dgm:txPr/>
+    <dgm:style>
+      <a:lnRef idx="2">
+        <a:scrgbClr r="0" g="0" b="0"/>
+      </a:lnRef>
+      <a:fillRef idx="1">
+        <a:scrgbClr r="0" g="0" b="0"/>
+      </a:fillRef>
+      <a:effectRef idx="0">
+        <a:scrgbClr r="0" g="0" b="0"/>
+      </a:effectRef>
+      <a:fontRef idx="minor">
+        <a:schemeClr val="lt1"/>
+      </a:fontRef>
+    </dgm:style>
+  </dgm:styleLbl>
+  <dgm:styleLbl name="vennNode1">
+    <dgm:scene3d>
+      <a:camera prst="orthographicFront"/>
+      <a:lightRig rig="threePt" dir="t"/>
+    </dgm:scene3d>
+    <dgm:sp3d/>
+    <dgm:txPr/>
+    <dgm:style>
+      <a:lnRef idx="2">
+        <a:scrgbClr r="0" g="0" b="0"/>
+      </a:lnRef>
+      <a:fillRef idx="1">
+        <a:scrgbClr r="0" g="0" b="0"/>
+      </a:fillRef>
+      <a:effectRef idx="0">
+        <a:scrgbClr r="0" g="0" b="0"/>
+      </a:effectRef>
+      <a:fontRef idx="minor">
+        <a:schemeClr val="tx1"/>
+      </a:fontRef>
+    </dgm:style>
+  </dgm:styleLbl>
+  <dgm:styleLbl name="alignNode1">
+    <dgm:scene3d>
+      <a:camera prst="orthographicFront"/>
+      <a:lightRig rig="threePt" dir="t"/>
+    </dgm:scene3d>
+    <dgm:sp3d/>
+    <dgm:txPr/>
+    <dgm:style>
+      <a:lnRef idx="2">
+        <a:scrgbClr r="0" g="0" b="0"/>
+      </a:lnRef>
+      <a:fillRef idx="1">
+        <a:scrgbClr r="0" g="0" b="0"/>
+      </a:fillRef>
+      <a:effectRef idx="0">
+        <a:scrgbClr r="0" g="0" b="0"/>
+      </a:effectRef>
+      <a:fontRef idx="minor">
+        <a:schemeClr val="lt1"/>
+      </a:fontRef>
+    </dgm:style>
+  </dgm:styleLbl>
+  <dgm:styleLbl name="node1">
+    <dgm:scene3d>
+      <a:camera prst="orthographicFront"/>
+      <a:lightRig rig="threePt" dir="t"/>
+    </dgm:scene3d>
+    <dgm:sp3d/>
+    <dgm:txPr/>
+    <dgm:style>
+      <a:lnRef idx="2">
+        <a:scrgbClr r="0" g="0" b="0"/>
+      </a:lnRef>
+      <a:fillRef idx="1">
+        <a:scrgbClr r="0" g="0" b="0"/>
+      </a:fillRef>
+      <a:effectRef idx="0">
+        <a:scrgbClr r="0" g="0" b="0"/>
+      </a:effectRef>
+      <a:fontRef idx="minor">
+        <a:schemeClr val="lt1"/>
+      </a:fontRef>
+    </dgm:style>
+  </dgm:styleLbl>
+  <dgm:styleLbl name="node2">
+    <dgm:scene3d>
+      <a:camera prst="orthographicFront"/>
+      <a:lightRig rig="threePt" dir="t"/>
+    </dgm:scene3d>
+    <dgm:sp3d/>
+    <dgm:txPr/>
+    <dgm:style>
+      <a:lnRef idx="2">
+        <a:scrgbClr r="0" g="0" b="0"/>
+      </a:lnRef>
+      <a:fillRef idx="1">
+        <a:scrgbClr r="0" g="0" b="0"/>
+      </a:fillRef>
+      <a:effectRef idx="0">
+        <a:scrgbClr r="0" g="0" b="0"/>
+      </a:effectRef>
+      <a:fontRef idx="minor">
+        <a:schemeClr val="lt1"/>
+      </a:fontRef>
+    </dgm:style>
+  </dgm:styleLbl>
+  <dgm:styleLbl name="node3">
+    <dgm:scene3d>
+      <a:camera prst="orthographicFront"/>
+      <a:lightRig rig="threePt" dir="t"/>
+    </dgm:scene3d>
+    <dgm:sp3d/>
+    <dgm:txPr/>
+    <dgm:style>
+      <a:lnRef idx="2">
+        <a:scrgbClr r="0" g="0" b="0"/>
+      </a:lnRef>
+      <a:fillRef idx="1">
+        <a:scrgbClr r="0" g="0" b="0"/>
+      </a:fillRef>
+      <a:effectRef idx="0">
+        <a:scrgbClr r="0" g="0" b="0"/>
+      </a:effectRef>
+      <a:fontRef idx="minor">
+        <a:schemeClr val="lt1"/>
+      </a:fontRef>
+    </dgm:style>
+  </dgm:styleLbl>
+  <dgm:styleLbl name="node4">
+    <dgm:scene3d>
+      <a:camera prst="orthographicFront"/>
+      <a:lightRig rig="threePt" dir="t"/>
+    </dgm:scene3d>
+    <dgm:sp3d/>
+    <dgm:txPr/>
+    <dgm:style>
+      <a:lnRef idx="2">
+        <a:scrgbClr r="0" g="0" b="0"/>
+      </a:lnRef>
+      <a:fillRef idx="1">
+        <a:scrgbClr r="0" g="0" b="0"/>
+      </a:fillRef>
+      <a:effectRef idx="0">
+        <a:scrgbClr r="0" g="0" b="0"/>
+      </a:effectRef>
+      <a:fontRef idx="minor">
+        <a:schemeClr val="lt1"/>
+      </a:fontRef>
+    </dgm:style>
+  </dgm:styleLbl>
+  <dgm:styleLbl name="fgImgPlace1">
+    <dgm:scene3d>
+      <a:camera prst="orthographicFront"/>
+      <a:lightRig rig="threePt" dir="t"/>
+    </dgm:scene3d>
+    <dgm:sp3d/>
+    <dgm:txPr/>
+    <dgm:style>
+      <a:lnRef idx="2">
+        <a:scrgbClr r="0" g="0" b="0"/>
+      </a:lnRef>
+      <a:fillRef idx="1">
+        <a:scrgbClr r="0" g="0" b="0"/>
+      </a:fillRef>
+      <a:effectRef idx="0">
+        <a:scrgbClr r="0" g="0" b="0"/>
+      </a:effectRef>
+      <a:fontRef idx="minor"/>
+    </dgm:style>
+  </dgm:styleLbl>
+  <dgm:styleLbl name="alignImgPlace1">
+    <dgm:scene3d>
+      <a:camera prst="orthographicFront"/>
+      <a:lightRig rig="threePt" dir="t"/>
+    </dgm:scene3d>
+    <dgm:sp3d/>
+    <dgm:txPr/>
+    <dgm:style>
+      <a:lnRef idx="2">
+        <a:scrgbClr r="0" g="0" b="0"/>
+      </a:lnRef>
+      <a:fillRef idx="1">
+        <a:scrgbClr r="0" g="0" b="0"/>
+      </a:fillRef>
+      <a:effectRef idx="0">
+        <a:scrgbClr r="0" g="0" b="0"/>
+      </a:effectRef>
+      <a:fontRef idx="minor"/>
+    </dgm:style>
+  </dgm:styleLbl>
+  <dgm:styleLbl name="bgImgPlace1">
+    <dgm:scene3d>
+      <a:camera prst="orthographicFront"/>
+      <a:lightRig rig="threePt" dir="t"/>
+    </dgm:scene3d>
+    <dgm:sp3d/>
+    <dgm:txPr/>
+    <dgm:style>
+      <a:lnRef idx="2">
+        <a:scrgbClr r="0" g="0" b="0"/>
+      </a:lnRef>
+      <a:fillRef idx="1">
+        <a:scrgbClr r="0" g="0" b="0"/>
+      </a:fillRef>
+      <a:effectRef idx="0">
+        <a:scrgbClr r="0" g="0" b="0"/>
+      </a:effectRef>
+      <a:fontRef idx="minor"/>
+    </dgm:style>
+  </dgm:styleLbl>
+  <dgm:styleLbl name="sibTrans2D1">
+    <dgm:scene3d>
+      <a:camera prst="orthographicFront"/>
+      <a:lightRig rig="threePt" dir="t"/>
+    </dgm:scene3d>
+    <dgm:sp3d/>
+    <dgm:txPr/>
+    <dgm:style>
+      <a:lnRef idx="0">
+        <a:scrgbClr r="0" g="0" b="0"/>
+      </a:lnRef>
+      <a:fillRef idx="1">
+        <a:scrgbClr r="0" g="0" b="0"/>
+      </a:fillRef>
+      <a:effectRef idx="0">
+        <a:scrgbClr r="0" g="0" b="0"/>
+      </a:effectRef>
+      <a:fontRef idx="minor">
+        <a:schemeClr val="lt1"/>
+      </a:fontRef>
+    </dgm:style>
+  </dgm:styleLbl>
+  <dgm:styleLbl name="fgSibTrans2D1">
+    <dgm:scene3d>
+      <a:camera prst="orthographicFront"/>
+      <a:lightRig rig="threePt" dir="t"/>
+    </dgm:scene3d>
+    <dgm:sp3d/>
+    <dgm:txPr/>
+    <dgm:style>
+      <a:lnRef idx="0">
+        <a:scrgbClr r="0" g="0" b="0"/>
+      </a:lnRef>
+      <a:fillRef idx="1">
+        <a:scrgbClr r="0" g="0" b="0"/>
+      </a:fillRef>
+      <a:effectRef idx="0">
+        <a:scrgbClr r="0" g="0" b="0"/>
+      </a:effectRef>
+      <a:fontRef idx="minor">
+        <a:schemeClr val="lt1"/>
+      </a:fontRef>
+    </dgm:style>
+  </dgm:styleLbl>
+  <dgm:styleLbl name="bgSibTrans2D1">
+    <dgm:scene3d>
+      <a:camera prst="orthographicFront"/>
+      <a:lightRig rig="threePt" dir="t"/>
+    </dgm:scene3d>
+    <dgm:sp3d/>
+    <dgm:txPr/>
+    <dgm:style>
+      <a:lnRef idx="0">
+        <a:scrgbClr r="0" g="0" b="0"/>
+      </a:lnRef>
+      <a:fillRef idx="1">
+        <a:scrgbClr r="0" g="0" b="0"/>
+      </a:fillRef>
+      <a:effectRef idx="0">
+        <a:scrgbClr r="0" g="0" b="0"/>
+      </a:effectRef>
+      <a:fontRef idx="minor">
+        <a:schemeClr val="lt1"/>
+      </a:fontRef>
+    </dgm:style>
+  </dgm:styleLbl>
+  <dgm:styleLbl name="sibTrans1D1">
+    <dgm:scene3d>
+      <a:camera prst="orthographicFront"/>
+      <a:lightRig rig="threePt" dir="t"/>
+    </dgm:scene3d>
+    <dgm:sp3d/>
+    <dgm:txPr/>
+    <dgm:style>
+      <a:lnRef idx="1">
+        <a:scrgbClr r="0" g="0" b="0"/>
+      </a:lnRef>
+      <a:fillRef idx="0">
+        <a:scrgbClr r="0" g="0" b="0"/>
+      </a:fillRef>
+      <a:effectRef idx="0">
+        <a:scrgbClr r="0" g="0" b="0"/>
+      </a:effectRef>
+      <a:fontRef idx="minor"/>
+    </dgm:style>
+  </dgm:styleLbl>
+  <dgm:styleLbl name="callout">
+    <dgm:scene3d>
+      <a:camera prst="orthographicFront"/>
+      <a:lightRig rig="threePt" dir="t"/>
+    </dgm:scene3d>
+    <dgm:sp3d/>
+    <dgm:txPr/>
+    <dgm:style>
+      <a:lnRef idx="2">
+        <a:scrgbClr r="0" g="0" b="0"/>
+      </a:lnRef>
+      <a:fillRef idx="1">
+        <a:scrgbClr r="0" g="0" b="0"/>
+      </a:fillRef>
+      <a:effectRef idx="0">
+        <a:scrgbClr r="0" g="0" b="0"/>
+      </a:effectRef>
+      <a:fontRef idx="minor"/>
+    </dgm:style>
+  </dgm:styleLbl>
+  <dgm:styleLbl name="asst0">
+    <dgm:scene3d>
+      <a:camera prst="orthographicFront"/>
+      <a:lightRig rig="threePt" dir="t"/>
+    </dgm:scene3d>
+    <dgm:sp3d/>
+    <dgm:txPr/>
+    <dgm:style>
+      <a:lnRef idx="2">
+        <a:scrgbClr r="0" g="0" b="0"/>
+      </a:lnRef>
+      <a:fillRef idx="1">
+        <a:scrgbClr r="0" g="0" b="0"/>
+      </a:fillRef>
+      <a:effectRef idx="0">
+        <a:scrgbClr r="0" g="0" b="0"/>
+      </a:effectRef>
+      <a:fontRef idx="minor">
+        <a:schemeClr val="lt1"/>
+      </a:fontRef>
+    </dgm:style>
+  </dgm:styleLbl>
+  <dgm:styleLbl name="asst1">
+    <dgm:scene3d>
+      <a:camera prst="orthographicFront"/>
+      <a:lightRig rig="threePt" dir="t"/>
+    </dgm:scene3d>
+    <dgm:sp3d/>
+    <dgm:txPr/>
+    <dgm:style>
+      <a:lnRef idx="2">
+        <a:scrgbClr r="0" g="0" b="0"/>
+      </a:lnRef>
+      <a:fillRef idx="1">
+        <a:scrgbClr r="0" g="0" b="0"/>
+      </a:fillRef>
+      <a:effectRef idx="0">
+        <a:scrgbClr r="0" g="0" b="0"/>
+      </a:effectRef>
+      <a:fontRef idx="minor">
+        <a:schemeClr val="lt1"/>
+      </a:fontRef>
+    </dgm:style>
+  </dgm:styleLbl>
+  <dgm:styleLbl name="asst2">
+    <dgm:scene3d>
+      <a:camera prst="orthographicFront"/>
+      <a:lightRig rig="threePt" dir="t"/>
+    </dgm:scene3d>
+    <dgm:sp3d/>
+    <dgm:txPr/>
+    <dgm:style>
+      <a:lnRef idx="2">
+        <a:scrgbClr r="0" g="0" b="0"/>
+      </a:lnRef>
+      <a:fillRef idx="1">
+        <a:scrgbClr r="0" g="0" b="0"/>
+      </a:fillRef>
+      <a:effectRef idx="0">
+        <a:scrgbClr r="0" g="0" b="0"/>
+      </a:effectRef>
+      <a:fontRef idx="minor">
+        <a:schemeClr val="lt1"/>
+      </a:fontRef>
+    </dgm:style>
+  </dgm:styleLbl>
+  <dgm:styleLbl name="asst3">
+    <dgm:scene3d>
+      <a:camera prst="orthographicFront"/>
+      <a:lightRig rig="threePt" dir="t"/>
+    </dgm:scene3d>
+    <dgm:sp3d/>
+    <dgm:txPr/>
+    <dgm:style>
+      <a:lnRef idx="2">
+        <a:scrgbClr r="0" g="0" b="0"/>
+      </a:lnRef>
+      <a:fillRef idx="1">
+        <a:scrgbClr r="0" g="0" b="0"/>
+      </a:fillRef>
+      <a:effectRef idx="0">
+        <a:scrgbClr r="0" g="0" b="0"/>
+      </a:effectRef>
+      <a:fontRef idx="minor">
+        <a:schemeClr val="lt1"/>
+      </a:fontRef>
+    </dgm:style>
+  </dgm:styleLbl>
+  <dgm:styleLbl name="asst4">
+    <dgm:scene3d>
+      <a:camera prst="orthographicFront"/>
+      <a:lightRig rig="threePt" dir="t"/>
+    </dgm:scene3d>
+    <dgm:sp3d/>
+    <dgm:txPr/>
+    <dgm:style>
+      <a:lnRef idx="2">
+        <a:scrgbClr r="0" g="0" b="0"/>
+      </a:lnRef>
+      <a:fillRef idx="1">
+        <a:scrgbClr r="0" g="0" b="0"/>
+      </a:fillRef>
+      <a:effectRef idx="0">
+        <a:scrgbClr r="0" g="0" b="0"/>
+      </a:effectRef>
+      <a:fontRef idx="minor">
+        <a:schemeClr val="lt1"/>
+      </a:fontRef>
+    </dgm:style>
+  </dgm:styleLbl>
+  <dgm:styleLbl name="parChTrans2D1">
+    <dgm:scene3d>
+      <a:camera prst="orthographicFront"/>
+      <a:lightRig rig="threePt" dir="t"/>
+    </dgm:scene3d>
+    <dgm:sp3d/>
+    <dgm:txPr/>
+    <dgm:style>
+      <a:lnRef idx="2">
+        <a:scrgbClr r="0" g="0" b="0"/>
+      </a:lnRef>
+      <a:fillRef idx="1">
+        <a:scrgbClr r="0" g="0" b="0"/>
+      </a:fillRef>
+      <a:effectRef idx="0">
+        <a:scrgbClr r="0" g="0" b="0"/>
+      </a:effectRef>
+      <a:fontRef idx="minor">
+        <a:schemeClr val="lt1"/>
+      </a:fontRef>
+    </dgm:style>
+  </dgm:styleLbl>
+  <dgm:styleLbl name="parChTrans2D2">
+    <dgm:scene3d>
+      <a:camera prst="orthographicFront"/>
+      <a:lightRig rig="threePt" dir="t"/>
+    </dgm:scene3d>
+    <dgm:sp3d/>
+    <dgm:txPr/>
+    <dgm:style>
+      <a:lnRef idx="2">
+        <a:scrgbClr r="0" g="0" b="0"/>
+      </a:lnRef>
+      <a:fillRef idx="1">
+        <a:scrgbClr r="0" g="0" b="0"/>
+      </a:fillRef>
+      <a:effectRef idx="0">
+        <a:scrgbClr r="0" g="0" b="0"/>
+      </a:effectRef>
+      <a:fontRef idx="minor">
+        <a:schemeClr val="lt1"/>
+      </a:fontRef>
+    </dgm:style>
+  </dgm:styleLbl>
+  <dgm:styleLbl name="parChTrans2D3">
+    <dgm:scene3d>
+      <a:camera prst="orthographicFront"/>
+      <a:lightRig rig="threePt" dir="t"/>
+    </dgm:scene3d>
+    <dgm:sp3d/>
+    <dgm:txPr/>
+    <dgm:style>
+      <a:lnRef idx="2">
+        <a:scrgbClr r="0" g="0" b="0"/>
+      </a:lnRef>
+      <a:fillRef idx="1">
+        <a:scrgbClr r="0" g="0" b="0"/>
+      </a:fillRef>
+      <a:effectRef idx="0">
+        <a:scrgbClr r="0" g="0" b="0"/>
+      </a:effectRef>
+      <a:fontRef idx="minor">
+        <a:schemeClr val="lt1"/>
+      </a:fontRef>
+    </dgm:style>
+  </dgm:styleLbl>
+  <dgm:styleLbl name="parChTrans2D4">
+    <dgm:scene3d>
+      <a:camera prst="orthographicFront"/>
+      <a:lightRig rig="threePt" dir="t"/>
+    </dgm:scene3d>
+    <dgm:sp3d/>
+    <dgm:txPr/>
+    <dgm:style>
+      <a:lnRef idx="2">
+        <a:scrgbClr r="0" g="0" b="0"/>
+      </a:lnRef>
+      <a:fillRef idx="1">
+        <a:scrgbClr r="0" g="0" b="0"/>
+      </a:fillRef>
+      <a:effectRef idx="0">
+        <a:scrgbClr r="0" g="0" b="0"/>
+      </a:effectRef>
+      <a:fontRef idx="minor">
+        <a:schemeClr val="lt1"/>
+      </a:fontRef>
+    </dgm:style>
+  </dgm:styleLbl>
+  <dgm:styleLbl name="parChTrans1D1">
+    <dgm:scene3d>
+      <a:camera prst="orthographicFront"/>
+      <a:lightRig rig="threePt" dir="t"/>
+    </dgm:scene3d>
+    <dgm:sp3d/>
+    <dgm:txPr/>
+    <dgm:style>
+      <a:lnRef idx="2">
+        <a:scrgbClr r="0" g="0" b="0"/>
+      </a:lnRef>
+      <a:fillRef idx="0">
+        <a:scrgbClr r="0" g="0" b="0"/>
+      </a:fillRef>
+      <a:effectRef idx="0">
+        <a:scrgbClr r="0" g="0" b="0"/>
+      </a:effectRef>
+      <a:fontRef idx="minor"/>
+    </dgm:style>
+  </dgm:styleLbl>
+  <dgm:styleLbl name="parChTrans1D2">
+    <dgm:scene3d>
+      <a:camera prst="orthographicFront"/>
+      <a:lightRig rig="threePt" dir="t"/>
+    </dgm:scene3d>
+    <dgm:sp3d/>
+    <dgm:txPr/>
+    <dgm:style>
+      <a:lnRef idx="2">
+        <a:scrgbClr r="0" g="0" b="0"/>
+      </a:lnRef>
+      <a:fillRef idx="0">
+        <a:scrgbClr r="0" g="0" b="0"/>
+      </a:fillRef>
+      <a:effectRef idx="0">
+        <a:scrgbClr r="0" g="0" b="0"/>
+      </a:effectRef>
+      <a:fontRef idx="minor"/>
+    </dgm:style>
+  </dgm:styleLbl>
+  <dgm:styleLbl name="parChTrans1D3">
+    <dgm:scene3d>
+      <a:camera prst="orthographicFront"/>
+      <a:lightRig rig="threePt" dir="t"/>
+    </dgm:scene3d>
+    <dgm:sp3d/>
+    <dgm:txPr/>
+    <dgm:style>
+      <a:lnRef idx="2">
+        <a:scrgbClr r="0" g="0" b="0"/>
+      </a:lnRef>
+      <a:fillRef idx="0">
+        <a:scrgbClr r="0" g="0" b="0"/>
+      </a:fillRef>
+      <a:effectRef idx="0">
+        <a:scrgbClr r="0" g="0" b="0"/>
+      </a:effectRef>
+      <a:fontRef idx="minor"/>
+    </dgm:style>
+  </dgm:styleLbl>
+  <dgm:styleLbl name="parChTrans1D4">
+    <dgm:scene3d>
+      <a:camera prst="orthographicFront"/>
+      <a:lightRig rig="threePt" dir="t"/>
+    </dgm:scene3d>
+    <dgm:sp3d/>
+    <dgm:txPr/>
+    <dgm:style>
+      <a:lnRef idx="2">
+        <a:scrgbClr r="0" g="0" b="0"/>
+      </a:lnRef>
+      <a:fillRef idx="0">
+        <a:scrgbClr r="0" g="0" b="0"/>
+      </a:fillRef>
+      <a:effectRef idx="0">
+        <a:scrgbClr r="0" g="0" b="0"/>
+      </a:effectRef>
+      <a:fontRef idx="minor"/>
+    </dgm:style>
+  </dgm:styleLbl>
+  <dgm:styleLbl name="fgAcc1">
+    <dgm:scene3d>
+      <a:camera prst="orthographicFront"/>
+      <a:lightRig rig="threePt" dir="t"/>
+    </dgm:scene3d>
+    <dgm:sp3d/>
+    <dgm:txPr/>
+    <dgm:style>
+      <a:lnRef idx="2">
+        <a:scrgbClr r="0" g="0" b="0"/>
+      </a:lnRef>
+      <a:fillRef idx="1">
+        <a:scrgbClr r="0" g="0" b="0"/>
+      </a:fillRef>
+      <a:effectRef idx="0">
+        <a:scrgbClr r="0" g="0" b="0"/>
+      </a:effectRef>
+      <a:fontRef idx="minor"/>
+    </dgm:style>
+  </dgm:styleLbl>
+  <dgm:styleLbl name="conFgAcc1">
+    <dgm:scene3d>
+      <a:camera prst="orthographicFront"/>
+      <a:lightRig rig="threePt" dir="t"/>
+    </dgm:scene3d>
+    <dgm:sp3d/>
+    <dgm:txPr/>
+    <dgm:style>
+      <a:lnRef idx="2">
+        <a:scrgbClr r="0" g="0" b="0"/>
+      </a:lnRef>
+      <a:fillRef idx="1">
+        <a:scrgbClr r="0" g="0" b="0"/>
+      </a:fillRef>
+      <a:effectRef idx="0">
+        <a:scrgbClr r="0" g="0" b="0"/>
+      </a:effectRef>
+      <a:fontRef idx="minor"/>
+    </dgm:style>
+  </dgm:styleLbl>
+  <dgm:styleLbl name="alignAcc1">
+    <dgm:scene3d>
+      <a:camera prst="orthographicFront"/>
+      <a:lightRig rig="threePt" dir="t"/>
+    </dgm:scene3d>
+    <dgm:sp3d/>
+    <dgm:txPr/>
+    <dgm:style>
+      <a:lnRef idx="2">
+        <a:scrgbClr r="0" g="0" b="0"/>
+      </a:lnRef>
+      <a:fillRef idx="1">
+        <a:scrgbClr r="0" g="0" b="0"/>
+      </a:fillRef>
+      <a:effectRef idx="0">
+        <a:scrgbClr r="0" g="0" b="0"/>
+      </a:effectRef>
+      <a:fontRef idx="minor"/>
+    </dgm:style>
+  </dgm:styleLbl>
+  <dgm:styleLbl name="trAlignAcc1">
+    <dgm:scene3d>
+      <a:camera prst="orthographicFront"/>
+      <a:lightRig rig="threePt" dir="t"/>
+    </dgm:scene3d>
+    <dgm:sp3d/>
+    <dgm:txPr/>
+    <dgm:style>
+      <a:lnRef idx="1">
+        <a:scrgbClr r="0" g="0" b="0"/>
+      </a:lnRef>
+      <a:fillRef idx="1">
+        <a:scrgbClr r="0" g="0" b="0"/>
+      </a:fillRef>
+      <a:effectRef idx="0">
+        <a:scrgbClr r="0" g="0" b="0"/>
+      </a:effectRef>
+      <a:fontRef idx="minor"/>
+    </dgm:style>
+  </dgm:styleLbl>
+  <dgm:styleLbl name="bgAcc1">
+    <dgm:scene3d>
+      <a:camera prst="orthographicFront"/>
+      <a:lightRig rig="threePt" dir="t"/>
+    </dgm:scene3d>
+    <dgm:sp3d/>
+    <dgm:txPr/>
+    <dgm:style>
+      <a:lnRef idx="2">
+        <a:scrgbClr r="0" g="0" b="0"/>
+      </a:lnRef>
+      <a:fillRef idx="1">
+        <a:scrgbClr r="0" g="0" b="0"/>
+      </a:fillRef>
+      <a:effectRef idx="0">
+        <a:scrgbClr r="0" g="0" b="0"/>
+      </a:effectRef>
+      <a:fontRef idx="minor"/>
+    </dgm:style>
+  </dgm:styleLbl>
+  <dgm:styleLbl name="solidFgAcc1">
+    <dgm:scene3d>
+      <a:camera prst="orthographicFront"/>
+      <a:lightRig rig="threePt" dir="t"/>
+    </dgm:scene3d>
+    <dgm:sp3d/>
+    <dgm:txPr/>
+    <dgm:style>
+      <a:lnRef idx="2">
+        <a:scrgbClr r="0" g="0" b="0"/>
+      </a:lnRef>
+      <a:fillRef idx="1">
+        <a:scrgbClr r="0" g="0" b="0"/>
+      </a:fillRef>
+      <a:effectRef idx="0">
+        <a:scrgbClr r="0" g="0" b="0"/>
+      </a:effectRef>
+      <a:fontRef idx="minor"/>
+    </dgm:style>
+  </dgm:styleLbl>
+  <dgm:styleLbl name="solidAlignAcc1">
+    <dgm:scene3d>
+      <a:camera prst="orthographicFront"/>
+      <a:lightRig rig="threePt" dir="t"/>
+    </dgm:scene3d>
+    <dgm:sp3d/>
+    <dgm:txPr/>
+    <dgm:style>
+      <a:lnRef idx="2">
+        <a:scrgbClr r="0" g="0" b="0"/>
+      </a:lnRef>
+      <a:fillRef idx="1">
+        <a:scrgbClr r="0" g="0" b="0"/>
+      </a:fillRef>
+      <a:effectRef idx="0">
+        <a:scrgbClr r="0" g="0" b="0"/>
+      </a:effectRef>
+      <a:fontRef idx="minor"/>
+    </dgm:style>
+  </dgm:styleLbl>
+  <dgm:styleLbl name="solidBgAcc1">
+    <dgm:scene3d>
+      <a:camera prst="orthographicFront"/>
+      <a:lightRig rig="threePt" dir="t"/>
+    </dgm:scene3d>
+    <dgm:sp3d/>
+    <dgm:txPr/>
+    <dgm:style>
+      <a:lnRef idx="2">
+        <a:scrgbClr r="0" g="0" b="0"/>
+      </a:lnRef>
+      <a:fillRef idx="1">
+        <a:scrgbClr r="0" g="0" b="0"/>
+      </a:fillRef>
+      <a:effectRef idx="0">
+        <a:scrgbClr r="0" g="0" b="0"/>
+      </a:effectRef>
+      <a:fontRef idx="minor"/>
+    </dgm:style>
+  </dgm:styleLbl>
+  <dgm:styleLbl name="fgAccFollowNode1">
+    <dgm:scene3d>
+      <a:camera prst="orthographicFront"/>
+      <a:lightRig rig="threePt" dir="t"/>
+    </dgm:scene3d>
+    <dgm:sp3d/>
+    <dgm:txPr/>
+    <dgm:style>
+      <a:lnRef idx="2">
+        <a:scrgbClr r="0" g="0" b="0"/>
+      </a:lnRef>
+      <a:fillRef idx="1">
+        <a:scrgbClr r="0" g="0" b="0"/>
+      </a:fillRef>
+      <a:effectRef idx="0">
+        <a:scrgbClr r="0" g="0" b="0"/>
+      </a:effectRef>
+      <a:fontRef idx="minor"/>
+    </dgm:style>
+  </dgm:styleLbl>
+  <dgm:styleLbl name="alignAccFollowNode1">
+    <dgm:scene3d>
+      <a:camera prst="orthographicFront"/>
+      <a:lightRig rig="threePt" dir="t"/>
+    </dgm:scene3d>
+    <dgm:sp3d/>
+    <dgm:txPr/>
+    <dgm:style>
+      <a:lnRef idx="2">
+        <a:scrgbClr r="0" g="0" b="0"/>
+      </a:lnRef>
+      <a:fillRef idx="1">
+        <a:scrgbClr r="0" g="0" b="0"/>
+      </a:fillRef>
+      <a:effectRef idx="0">
+        <a:scrgbClr r="0" g="0" b="0"/>
+      </a:effectRef>
+      <a:fontRef idx="minor"/>
+    </dgm:style>
+  </dgm:styleLbl>
+  <dgm:styleLbl name="bgAccFollowNode1">
+    <dgm:scene3d>
+      <a:camera prst="orthographicFront"/>
+      <a:lightRig rig="threePt" dir="t"/>
+    </dgm:scene3d>
+    <dgm:sp3d/>
+    <dgm:txPr/>
+    <dgm:style>
+      <a:lnRef idx="2">
+        <a:scrgbClr r="0" g="0" b="0"/>
+      </a:lnRef>
+      <a:fillRef idx="1">
+        <a:scrgbClr r="0" g="0" b="0"/>
+      </a:fillRef>
+      <a:effectRef idx="0">
+        <a:scrgbClr r="0" g="0" b="0"/>
+      </a:effectRef>
+      <a:fontRef idx="minor"/>
+    </dgm:style>
+  </dgm:styleLbl>
+  <dgm:styleLbl name="fgAcc0">
+    <dgm:scene3d>
+      <a:camera prst="orthographicFront"/>
+      <a:lightRig rig="threePt" dir="t"/>
+    </dgm:scene3d>
+    <dgm:sp3d/>
+    <dgm:txPr/>
+    <dgm:style>
+      <a:lnRef idx="2">
+        <a:scrgbClr r="0" g="0" b="0"/>
+      </a:lnRef>
+      <a:fillRef idx="1">
+        <a:scrgbClr r="0" g="0" b="0"/>
+      </a:fillRef>
+      <a:effectRef idx="0">
+        <a:scrgbClr r="0" g="0" b="0"/>
+      </a:effectRef>
+      <a:fontRef idx="minor"/>
+    </dgm:style>
+  </dgm:styleLbl>
+  <dgm:styleLbl name="fgAcc2">
+    <dgm:scene3d>
+      <a:camera prst="orthographicFront"/>
+      <a:lightRig rig="threePt" dir="t"/>
+    </dgm:scene3d>
+    <dgm:sp3d/>
+    <dgm:txPr/>
+    <dgm:style>
+      <a:lnRef idx="2">
+        <a:scrgbClr r="0" g="0" b="0"/>
+      </a:lnRef>
+      <a:fillRef idx="1">
+        <a:scrgbClr r="0" g="0" b="0"/>
+      </a:fillRef>
+      <a:effectRef idx="0">
+        <a:scrgbClr r="0" g="0" b="0"/>
+      </a:effectRef>
+      <a:fontRef idx="minor"/>
+    </dgm:style>
+  </dgm:styleLbl>
+  <dgm:styleLbl name="fgAcc3">
+    <dgm:scene3d>
+      <a:camera prst="orthographicFront"/>
+      <a:lightRig rig="threePt" dir="t"/>
+    </dgm:scene3d>
+    <dgm:sp3d/>
+    <dgm:txPr/>
+    <dgm:style>
+      <a:lnRef idx="2">
+        <a:scrgbClr r="0" g="0" b="0"/>
+      </a:lnRef>
+      <a:fillRef idx="1">
+        <a:scrgbClr r="0" g="0" b="0"/>
+      </a:fillRef>
+      <a:effectRef idx="0">
+        <a:scrgbClr r="0" g="0" b="0"/>
+      </a:effectRef>
+      <a:fontRef idx="minor"/>
+    </dgm:style>
+  </dgm:styleLbl>
+  <dgm:styleLbl name="fgAcc4">
+    <dgm:scene3d>
+      <a:camera prst="orthographicFront"/>
+      <a:lightRig rig="threePt" dir="t"/>
+    </dgm:scene3d>
+    <dgm:sp3d/>
+    <dgm:txPr/>
+    <dgm:style>
+      <a:lnRef idx="2">
+        <a:scrgbClr r="0" g="0" b="0"/>
+      </a:lnRef>
+      <a:fillRef idx="1">
+        <a:scrgbClr r="0" g="0" b="0"/>
+      </a:fillRef>
+      <a:effectRef idx="0">
+        <a:scrgbClr r="0" g="0" b="0"/>
+      </a:effectRef>
+      <a:fontRef idx="minor"/>
+    </dgm:style>
+  </dgm:styleLbl>
+  <dgm:styleLbl name="bgShp">
+    <dgm:scene3d>
+      <a:camera prst="orthographicFront"/>
+      <a:lightRig rig="threePt" dir="t"/>
+    </dgm:scene3d>
+    <dgm:sp3d/>
+    <dgm:txPr/>
+    <dgm:style>
+      <a:lnRef idx="0">
+        <a:scrgbClr r="0" g="0" b="0"/>
+      </a:lnRef>
+      <a:fillRef idx="1">
+        <a:scrgbClr r="0" g="0" b="0"/>
+      </a:fillRef>
+      <a:effectRef idx="0">
+        <a:scrgbClr r="0" g="0" b="0"/>
+      </a:effectRef>
+      <a:fontRef idx="minor"/>
+    </dgm:style>
+  </dgm:styleLbl>
+  <dgm:styleLbl name="dkBgShp">
+    <dgm:scene3d>
+      <a:camera prst="orthographicFront"/>
+      <a:lightRig rig="threePt" dir="t"/>
+    </dgm:scene3d>
+    <dgm:sp3d/>
+    <dgm:txPr/>
+    <dgm:style>
+      <a:lnRef idx="0">
+        <a:scrgbClr r="0" g="0" b="0"/>
+      </a:lnRef>
+      <a:fillRef idx="1">
+        <a:scrgbClr r="0" g="0" b="0"/>
+      </a:fillRef>
+      <a:effectRef idx="0">
+        <a:scrgbClr r="0" g="0" b="0"/>
+      </a:effectRef>
+      <a:fontRef idx="minor"/>
+    </dgm:style>
+  </dgm:styleLbl>
+  <dgm:styleLbl name="trBgShp">
+    <dgm:scene3d>
+      <a:camera prst="orthographicFront"/>
+      <a:lightRig rig="threePt" dir="t"/>
+    </dgm:scene3d>
+    <dgm:sp3d/>
+    <dgm:txPr/>
+    <dgm:style>
+      <a:lnRef idx="0">
+        <a:scrgbClr r="0" g="0" b="0"/>
+      </a:lnRef>
+      <a:fillRef idx="1">
+        <a:scrgbClr r="0" g="0" b="0"/>
+      </a:fillRef>
+      <a:effectRef idx="0">
+        <a:scrgbClr r="0" g="0" b="0"/>
+      </a:effectRef>
+      <a:fontRef idx="minor"/>
+    </dgm:style>
+  </dgm:styleLbl>
+  <dgm:styleLbl name="fgShp">
+    <dgm:scene3d>
+      <a:camera prst="orthographicFront"/>
+      <a:lightRig rig="threePt" dir="t"/>
+    </dgm:scene3d>
+    <dgm:sp3d/>
+    <dgm:txPr/>
+    <dgm:style>
+      <a:lnRef idx="2">
+        <a:scrgbClr r="0" g="0" b="0"/>
+      </a:lnRef>
+      <a:fillRef idx="1">
+        <a:scrgbClr r="0" g="0" b="0"/>
+      </a:fillRef>
+      <a:effectRef idx="0">
+        <a:scrgbClr r="0" g="0" b="0"/>
+      </a:effectRef>
+      <a:fontRef idx="minor"/>
+    </dgm:style>
+  </dgm:styleLbl>
+  <dgm:styleLbl name="revTx">
+    <dgm:scene3d>
+      <a:camera prst="orthographicFront"/>
+      <a:lightRig rig="threePt" dir="t"/>
+    </dgm:scene3d>
+    <dgm:sp3d/>
+    <dgm:txPr/>
+    <dgm:style>
+      <a:lnRef idx="0">
+        <a:scrgbClr r="0" g="0" b="0"/>
+      </a:lnRef>
+      <a:fillRef idx="0">
+        <a:scrgbClr r="0" g="0" b="0"/>
+      </a:fillRef>
+      <a:effectRef idx="0">
+        <a:scrgbClr r="0" g="0" b="0"/>
+      </a:effectRef>
+      <a:fontRef idx="minor"/>
+    </dgm:style>
+  </dgm:styleLbl>
+</dgm:styleDef>
+</file>
+
+<file path=ppt/diagrams/quickStyle4.xml><?xml version="1.0" encoding="utf-8"?>
 <dgm:styleDef xmlns:dgm="http://schemas.openxmlformats.org/drawingml/2006/diagram" xmlns:a="http://schemas.openxmlformats.org/drawingml/2006/main" uniqueId="urn:microsoft.com/office/officeart/2005/8/quickstyle/simple1">
   <dgm:title val=""/>
   <dgm:desc val=""/>
@@ -7917,7 +11638,7 @@
           <a:p>
             <a:fld id="{F2F879E2-5852-44F1-8CAE-5E978482BEF5}" type="slidenum">
               <a:rPr lang="en-US" smtClean="0"/>
-              <a:t>‹#›</a:t>
+              <a:t>‹Nº›</a:t>
             </a:fld>
             <a:endParaRPr lang="en-US"/>
           </a:p>
@@ -8717,7 +12438,7 @@
           <a:p>
             <a:fld id="{B5E014E3-A4EE-484A-A75D-BE16B10F8A2C}" type="slidenum">
               <a:rPr lang="en-US" smtClean="0"/>
-              <a:t>‹#›</a:t>
+              <a:t>‹Nº›</a:t>
             </a:fld>
             <a:endParaRPr lang="en-US"/>
           </a:p>
@@ -9021,7 +12742,7 @@
           <a:p>
             <a:fld id="{B5E014E3-A4EE-484A-A75D-BE16B10F8A2C}" type="slidenum">
               <a:rPr lang="en-US" smtClean="0"/>
-              <a:t>‹#›</a:t>
+              <a:t>‹Nº›</a:t>
             </a:fld>
             <a:endParaRPr lang="en-US"/>
           </a:p>
@@ -9201,7 +12922,7 @@
           <a:p>
             <a:fld id="{B5E014E3-A4EE-484A-A75D-BE16B10F8A2C}" type="slidenum">
               <a:rPr lang="en-US" smtClean="0"/>
-              <a:t>‹#›</a:t>
+              <a:t>‹Nº›</a:t>
             </a:fld>
             <a:endParaRPr lang="en-US"/>
           </a:p>
@@ -9371,7 +13092,7 @@
           <a:p>
             <a:fld id="{B5E014E3-A4EE-484A-A75D-BE16B10F8A2C}" type="slidenum">
               <a:rPr lang="en-US" smtClean="0"/>
-              <a:t>‹#›</a:t>
+              <a:t>‹Nº›</a:t>
             </a:fld>
             <a:endParaRPr lang="en-US"/>
           </a:p>
@@ -9674,7 +13395,7 @@
           <a:p>
             <a:fld id="{B5E014E3-A4EE-484A-A75D-BE16B10F8A2C}" type="slidenum">
               <a:rPr lang="en-US" smtClean="0"/>
-              <a:t>‹#›</a:t>
+              <a:t>‹Nº›</a:t>
             </a:fld>
             <a:endParaRPr lang="en-US"/>
           </a:p>
@@ -10098,7 +13819,7 @@
           <a:p>
             <a:fld id="{B5E014E3-A4EE-484A-A75D-BE16B10F8A2C}" type="slidenum">
               <a:rPr lang="en-US" smtClean="0"/>
-              <a:t>‹#›</a:t>
+              <a:t>‹Nº›</a:t>
             </a:fld>
             <a:endParaRPr lang="en-US"/>
           </a:p>
@@ -10575,7 +14296,7 @@
           <a:p>
             <a:fld id="{B5E014E3-A4EE-484A-A75D-BE16B10F8A2C}" type="slidenum">
               <a:rPr lang="en-US" smtClean="0"/>
-              <a:t>‹#›</a:t>
+              <a:t>‹Nº›</a:t>
             </a:fld>
             <a:endParaRPr lang="en-US"/>
           </a:p>
@@ -10693,7 +14414,7 @@
           <a:p>
             <a:fld id="{B5E014E3-A4EE-484A-A75D-BE16B10F8A2C}" type="slidenum">
               <a:rPr lang="en-US" smtClean="0"/>
-              <a:t>‹#›</a:t>
+              <a:t>‹Nº›</a:t>
             </a:fld>
             <a:endParaRPr lang="en-US"/>
           </a:p>
@@ -10788,7 +14509,7 @@
           <a:p>
             <a:fld id="{B5E014E3-A4EE-484A-A75D-BE16B10F8A2C}" type="slidenum">
               <a:rPr lang="en-US" smtClean="0"/>
-              <a:t>‹#›</a:t>
+              <a:t>‹Nº›</a:t>
             </a:fld>
             <a:endParaRPr lang="en-US"/>
           </a:p>
@@ -11162,7 +14883,7 @@
           <a:p>
             <a:fld id="{B5E014E3-A4EE-484A-A75D-BE16B10F8A2C}" type="slidenum">
               <a:rPr lang="en-US" smtClean="0"/>
-              <a:t>‹#›</a:t>
+              <a:t>‹Nº›</a:t>
             </a:fld>
             <a:endParaRPr lang="en-US"/>
           </a:p>
@@ -11590,7 +15311,7 @@
           <a:p>
             <a:fld id="{B5E014E3-A4EE-484A-A75D-BE16B10F8A2C}" type="slidenum">
               <a:rPr lang="en-US" smtClean="0"/>
-              <a:t>‹#›</a:t>
+              <a:t>‹Nº›</a:t>
             </a:fld>
             <a:endParaRPr lang="en-US"/>
           </a:p>
@@ -11912,7 +15633,7 @@
           <a:p>
             <a:fld id="{B5E014E3-A4EE-484A-A75D-BE16B10F8A2C}" type="slidenum">
               <a:rPr lang="en-US" smtClean="0"/>
-              <a:t>‹#›</a:t>
+              <a:t>‹Nº›</a:t>
             </a:fld>
             <a:endParaRPr lang="en-US"/>
           </a:p>
@@ -12618,29 +16339,66 @@
         </p:nvSpPr>
         <p:spPr/>
         <p:txBody>
-          <a:bodyPr/>
+          <a:bodyPr>
+            <a:normAutofit fontScale="90000"/>
+          </a:bodyPr>
           <a:lstStyle/>
           <a:p>
             <a:r>
-              <a:rPr lang="en-US" dirty="0" err="1"/>
-              <a:t>Transcriptome</a:t>
-            </a:r>
-            <a:r>
-              <a:rPr lang="en-US" dirty="0"/>
-              <a:t> Profiling</a:t>
-            </a:r>
+              <a:rPr lang="es-ES" dirty="0" err="1" smtClean="0"/>
+              <a:t>Calculating</a:t>
+            </a:r>
+            <a:r>
+              <a:rPr lang="es-ES" dirty="0" smtClean="0"/>
+              <a:t> </a:t>
+            </a:r>
+            <a:r>
+              <a:rPr lang="es-ES" dirty="0" err="1" smtClean="0"/>
+              <a:t>transcript</a:t>
+            </a:r>
+            <a:r>
+              <a:rPr lang="es-ES" dirty="0" smtClean="0"/>
+              <a:t> </a:t>
+            </a:r>
+            <a:r>
+              <a:rPr lang="es-ES" dirty="0" err="1" smtClean="0"/>
+              <a:t>abundance</a:t>
+            </a:r>
+            <a:r>
+              <a:rPr lang="es-ES" dirty="0" smtClean="0"/>
+              <a:t> </a:t>
+            </a:r>
+            <a:r>
+              <a:rPr lang="es-ES" dirty="0" err="1" smtClean="0"/>
+              <a:t>for</a:t>
+            </a:r>
+            <a:r>
+              <a:rPr lang="es-ES" dirty="0" smtClean="0"/>
+              <a:t> </a:t>
+            </a:r>
+            <a:r>
+              <a:rPr lang="es-ES" dirty="0" err="1" smtClean="0"/>
+              <a:t>differential</a:t>
+            </a:r>
+            <a:r>
+              <a:rPr lang="es-ES" dirty="0" smtClean="0"/>
+              <a:t> </a:t>
+            </a:r>
+            <a:r>
+              <a:rPr lang="es-ES" dirty="0" err="1" smtClean="0"/>
+              <a:t>expression</a:t>
+            </a:r>
+            <a:endParaRPr lang="en-US" dirty="0"/>
           </a:p>
         </p:txBody>
       </p:sp>
       <p:pic>
         <p:nvPicPr>
-          <p:cNvPr id="1026" name="Picture 2" descr="Resultado de imagen para read alignment RNA seq"/>
+          <p:cNvPr id="1026" name="Picture 2" descr="amig_reads.png"/>
           <p:cNvPicPr>
-            <a:picLocks noGrp="1" noChangeAspect="1" noChangeArrowheads="1"/>
+            <a:picLocks noChangeAspect="1" noChangeArrowheads="1"/>
           </p:cNvPicPr>
-          <p:nvPr>
-            <p:ph idx="1"/>
-          </p:nvPr>
+          <p:nvPr/>
         </p:nvPicPr>
         <p:blipFill>
           <a:blip r:embed="rId2">
@@ -12657,8 +16415,8 @@
         </p:blipFill>
         <p:spPr bwMode="auto">
           <a:xfrm>
-            <a:off x="1752600" y="1752600"/>
-            <a:ext cx="6190141" cy="4724400"/>
+            <a:off x="367594" y="2819400"/>
+            <a:ext cx="8523111" cy="2876551"/>
           </a:xfrm>
           <a:prstGeom prst="rect">
             <a:avLst/>
@@ -12675,34 +16433,38 @@
           </a:extLst>
         </p:spPr>
       </p:pic>
-      <p:pic>
-        <p:nvPicPr>
-          <p:cNvPr id="4" name="Imagen 3"/>
-          <p:cNvPicPr>
-            <a:picLocks noChangeAspect="1"/>
-          </p:cNvPicPr>
+      <p:sp>
+        <p:nvSpPr>
+          <p:cNvPr id="4" name="Rectángulo 3"/>
+          <p:cNvSpPr/>
           <p:nvPr/>
-        </p:nvPicPr>
-        <p:blipFill>
-          <a:blip r:embed="rId3"/>
-          <a:stretch>
-            <a:fillRect/>
-          </a:stretch>
-        </p:blipFill>
+        </p:nvSpPr>
         <p:spPr>
           <a:xfrm>
-            <a:off x="1752600" y="6603508"/>
-            <a:ext cx="4848225" cy="219075"/>
+            <a:off x="3810000" y="5943600"/>
+            <a:ext cx="5486400" cy="246221"/>
           </a:xfrm>
           <a:prstGeom prst="rect">
             <a:avLst/>
           </a:prstGeom>
         </p:spPr>
-      </p:pic>
+        <p:txBody>
+          <a:bodyPr wrap="square">
+            <a:spAutoFit/>
+          </a:bodyPr>
+          <a:lstStyle/>
+          <a:p>
+            <a:r>
+              <a:rPr lang="en-US" sz="1000" dirty="0"/>
+              <a:t>https://cgrlucb.wikispaces.com/Isoform+Deconvolution+and+Unannotated+Species</a:t>
+            </a:r>
+          </a:p>
+        </p:txBody>
+      </p:sp>
     </p:spTree>
     <p:extLst>
       <p:ext uri="{BB962C8B-B14F-4D97-AF65-F5344CB8AC3E}">
-        <p14:creationId xmlns:p14="http://schemas.microsoft.com/office/powerpoint/2010/main" val="4166759524"/>
+        <p14:creationId xmlns:p14="http://schemas.microsoft.com/office/powerpoint/2010/main" val="1372463978"/>
       </p:ext>
     </p:extLst>
   </p:cSld>
@@ -12713,6 +16475,902 @@
 </file>
 
 <file path=ppt/slides/slide11.xml><?xml version="1.0" encoding="utf-8"?>
+<p:sld xmlns:a="http://schemas.openxmlformats.org/drawingml/2006/main" xmlns:r="http://schemas.openxmlformats.org/officeDocument/2006/relationships" xmlns:p="http://schemas.openxmlformats.org/presentationml/2006/main">
+  <p:cSld>
+    <p:spTree>
+      <p:nvGrpSpPr>
+        <p:cNvPr id="1" name=""/>
+        <p:cNvGrpSpPr/>
+        <p:nvPr/>
+      </p:nvGrpSpPr>
+      <p:grpSpPr>
+        <a:xfrm>
+          <a:off x="0" y="0"/>
+          <a:ext cx="0" cy="0"/>
+          <a:chOff x="0" y="0"/>
+          <a:chExt cx="0" cy="0"/>
+        </a:xfrm>
+      </p:grpSpPr>
+      <p:cxnSp>
+        <p:nvCxnSpPr>
+          <p:cNvPr id="11" name="Conector recto de flecha 10"/>
+          <p:cNvCxnSpPr/>
+          <p:nvPr/>
+        </p:nvCxnSpPr>
+        <p:spPr>
+          <a:xfrm>
+            <a:off x="2895600" y="2438400"/>
+            <a:ext cx="7666" cy="908425"/>
+          </a:xfrm>
+          <a:prstGeom prst="straightConnector1">
+            <a:avLst/>
+          </a:prstGeom>
+          <a:ln>
+            <a:tailEnd type="triangle"/>
+          </a:ln>
+        </p:spPr>
+        <p:style>
+          <a:lnRef idx="2">
+            <a:schemeClr val="dk1"/>
+          </a:lnRef>
+          <a:fillRef idx="0">
+            <a:schemeClr val="dk1"/>
+          </a:fillRef>
+          <a:effectRef idx="1">
+            <a:schemeClr val="dk1"/>
+          </a:effectRef>
+          <a:fontRef idx="minor">
+            <a:schemeClr val="tx1"/>
+          </a:fontRef>
+        </p:style>
+      </p:cxnSp>
+      <p:sp>
+        <p:nvSpPr>
+          <p:cNvPr id="2" name="Title 1"/>
+          <p:cNvSpPr>
+            <a:spLocks noGrp="1"/>
+          </p:cNvSpPr>
+          <p:nvPr>
+            <p:ph type="title"/>
+          </p:nvPr>
+        </p:nvSpPr>
+        <p:spPr>
+          <a:xfrm>
+            <a:off x="998635" y="244793"/>
+            <a:ext cx="7200900" cy="963483"/>
+          </a:xfrm>
+        </p:spPr>
+        <p:txBody>
+          <a:bodyPr/>
+          <a:lstStyle/>
+          <a:p>
+            <a:r>
+              <a:rPr lang="en-US" dirty="0" err="1"/>
+              <a:t>Transcriptome</a:t>
+            </a:r>
+            <a:r>
+              <a:rPr lang="en-US" dirty="0"/>
+              <a:t> Profiling</a:t>
+            </a:r>
+          </a:p>
+        </p:txBody>
+      </p:sp>
+      <p:graphicFrame>
+        <p:nvGraphicFramePr>
+          <p:cNvPr id="4" name="Content Placeholder 3"/>
+          <p:cNvGraphicFramePr>
+            <a:graphicFrameLocks noGrp="1"/>
+          </p:cNvGraphicFramePr>
+          <p:nvPr>
+            <p:ph idx="1"/>
+            <p:extLst>
+              <p:ext uri="{D42A27DB-BD31-4B8C-83A1-F6EECF244321}">
+                <p14:modId xmlns:p14="http://schemas.microsoft.com/office/powerpoint/2010/main" val="1716075429"/>
+              </p:ext>
+            </p:extLst>
+          </p:nvPr>
+        </p:nvGraphicFramePr>
+        <p:xfrm>
+          <a:off x="533400" y="3276600"/>
+          <a:ext cx="8115300" cy="1295399"/>
+        </p:xfrm>
+        <a:graphic>
+          <a:graphicData uri="http://schemas.openxmlformats.org/drawingml/2006/diagram">
+            <dgm:relIds xmlns:dgm="http://schemas.openxmlformats.org/drawingml/2006/diagram" xmlns:r="http://schemas.openxmlformats.org/officeDocument/2006/relationships" r:dm="rId2" r:lo="rId3" r:qs="rId4" r:cs="rId5"/>
+          </a:graphicData>
+        </a:graphic>
+      </p:graphicFrame>
+      <p:sp>
+        <p:nvSpPr>
+          <p:cNvPr id="3" name="CuadroTexto 2"/>
+          <p:cNvSpPr txBox="1"/>
+          <p:nvPr/>
+        </p:nvSpPr>
+        <p:spPr>
+          <a:xfrm>
+            <a:off x="617635" y="2104311"/>
+            <a:ext cx="1119730" cy="523220"/>
+          </a:xfrm>
+          <a:prstGeom prst="rect">
+            <a:avLst/>
+          </a:prstGeom>
+        </p:spPr>
+        <p:style>
+          <a:lnRef idx="2">
+            <a:schemeClr val="dk1"/>
+          </a:lnRef>
+          <a:fillRef idx="1">
+            <a:schemeClr val="lt1"/>
+          </a:fillRef>
+          <a:effectRef idx="0">
+            <a:schemeClr val="dk1"/>
+          </a:effectRef>
+          <a:fontRef idx="minor">
+            <a:schemeClr val="dk1"/>
+          </a:fontRef>
+        </p:style>
+        <p:txBody>
+          <a:bodyPr wrap="none" rtlCol="0">
+            <a:spAutoFit/>
+          </a:bodyPr>
+          <a:lstStyle/>
+          <a:p>
+            <a:r>
+              <a:rPr lang="es-ES" sz="1400" dirty="0" err="1"/>
+              <a:t>raw</a:t>
+            </a:r>
+            <a:r>
+              <a:rPr lang="es-ES" sz="1400" dirty="0"/>
+              <a:t> </a:t>
+            </a:r>
+            <a:r>
+              <a:rPr lang="es-ES" sz="1400" dirty="0" err="1"/>
+              <a:t>reads</a:t>
+            </a:r>
+            <a:endParaRPr lang="es-ES" sz="1400" dirty="0"/>
+          </a:p>
+          <a:p>
+            <a:r>
+              <a:rPr lang="es-ES" sz="1400" dirty="0" err="1"/>
+              <a:t>Source</a:t>
+            </a:r>
+            <a:r>
+              <a:rPr lang="es-ES" sz="1400" dirty="0"/>
+              <a:t>: </a:t>
+            </a:r>
+            <a:r>
+              <a:rPr lang="es-ES" sz="1400" dirty="0" err="1"/>
+              <a:t>ncbi</a:t>
+            </a:r>
+            <a:endParaRPr lang="en-US" sz="1400" dirty="0"/>
+          </a:p>
+        </p:txBody>
+      </p:sp>
+      <p:sp>
+        <p:nvSpPr>
+          <p:cNvPr id="5" name="CuadroTexto 4"/>
+          <p:cNvSpPr txBox="1"/>
+          <p:nvPr/>
+        </p:nvSpPr>
+        <p:spPr>
+          <a:xfrm>
+            <a:off x="617635" y="5186065"/>
+            <a:ext cx="906530" cy="738664"/>
+          </a:xfrm>
+          <a:prstGeom prst="rect">
+            <a:avLst/>
+          </a:prstGeom>
+        </p:spPr>
+        <p:style>
+          <a:lnRef idx="2">
+            <a:schemeClr val="dk1"/>
+          </a:lnRef>
+          <a:fillRef idx="1">
+            <a:schemeClr val="lt1"/>
+          </a:fillRef>
+          <a:effectRef idx="0">
+            <a:schemeClr val="dk1"/>
+          </a:effectRef>
+          <a:fontRef idx="minor">
+            <a:schemeClr val="dk1"/>
+          </a:fontRef>
+        </p:style>
+        <p:txBody>
+          <a:bodyPr wrap="none" rtlCol="0">
+            <a:spAutoFit/>
+          </a:bodyPr>
+          <a:lstStyle/>
+          <a:p>
+            <a:r>
+              <a:rPr lang="es-ES" sz="1400" dirty="0" err="1" smtClean="0"/>
+              <a:t>Sratoolkit</a:t>
+            </a:r>
+            <a:endParaRPr lang="es-ES" sz="1400" dirty="0" smtClean="0"/>
+          </a:p>
+          <a:p>
+            <a:r>
+              <a:rPr lang="es-ES" sz="1400" dirty="0" smtClean="0"/>
+              <a:t>FASTQC</a:t>
+            </a:r>
+          </a:p>
+          <a:p>
+            <a:r>
+              <a:rPr lang="es-ES" sz="1400" dirty="0" smtClean="0"/>
+              <a:t>MULTIQC</a:t>
+            </a:r>
+            <a:endParaRPr lang="en-US" sz="1400" dirty="0"/>
+          </a:p>
+        </p:txBody>
+      </p:sp>
+      <p:cxnSp>
+        <p:nvCxnSpPr>
+          <p:cNvPr id="7" name="Conector recto de flecha 6"/>
+          <p:cNvCxnSpPr/>
+          <p:nvPr/>
+        </p:nvCxnSpPr>
+        <p:spPr>
+          <a:xfrm>
+            <a:off x="838200" y="2627531"/>
+            <a:ext cx="0" cy="725269"/>
+          </a:xfrm>
+          <a:prstGeom prst="straightConnector1">
+            <a:avLst/>
+          </a:prstGeom>
+          <a:ln>
+            <a:tailEnd type="triangle"/>
+          </a:ln>
+        </p:spPr>
+        <p:style>
+          <a:lnRef idx="2">
+            <a:schemeClr val="dk1"/>
+          </a:lnRef>
+          <a:fillRef idx="0">
+            <a:schemeClr val="dk1"/>
+          </a:fillRef>
+          <a:effectRef idx="1">
+            <a:schemeClr val="dk1"/>
+          </a:effectRef>
+          <a:fontRef idx="minor">
+            <a:schemeClr val="tx1"/>
+          </a:fontRef>
+        </p:style>
+      </p:cxnSp>
+      <p:cxnSp>
+        <p:nvCxnSpPr>
+          <p:cNvPr id="8" name="Conector recto de flecha 7"/>
+          <p:cNvCxnSpPr/>
+          <p:nvPr/>
+        </p:nvCxnSpPr>
+        <p:spPr>
+          <a:xfrm flipV="1">
+            <a:off x="998635" y="4419600"/>
+            <a:ext cx="0" cy="766465"/>
+          </a:xfrm>
+          <a:prstGeom prst="straightConnector1">
+            <a:avLst/>
+          </a:prstGeom>
+          <a:ln>
+            <a:tailEnd type="triangle"/>
+          </a:ln>
+        </p:spPr>
+        <p:style>
+          <a:lnRef idx="2">
+            <a:schemeClr val="dk1"/>
+          </a:lnRef>
+          <a:fillRef idx="0">
+            <a:schemeClr val="dk1"/>
+          </a:fillRef>
+          <a:effectRef idx="1">
+            <a:schemeClr val="dk1"/>
+          </a:effectRef>
+          <a:fontRef idx="minor">
+            <a:schemeClr val="tx1"/>
+          </a:fontRef>
+        </p:style>
+      </p:cxnSp>
+      <p:sp>
+        <p:nvSpPr>
+          <p:cNvPr id="10" name="CuadroTexto 9"/>
+          <p:cNvSpPr txBox="1"/>
+          <p:nvPr/>
+        </p:nvSpPr>
+        <p:spPr>
+          <a:xfrm>
+            <a:off x="2589162" y="2104311"/>
+            <a:ext cx="1524000" cy="523220"/>
+          </a:xfrm>
+          <a:prstGeom prst="rect">
+            <a:avLst/>
+          </a:prstGeom>
+        </p:spPr>
+        <p:style>
+          <a:lnRef idx="2">
+            <a:schemeClr val="dk1"/>
+          </a:lnRef>
+          <a:fillRef idx="1">
+            <a:schemeClr val="lt1"/>
+          </a:fillRef>
+          <a:effectRef idx="0">
+            <a:schemeClr val="dk1"/>
+          </a:effectRef>
+          <a:fontRef idx="minor">
+            <a:schemeClr val="dk1"/>
+          </a:fontRef>
+        </p:style>
+        <p:txBody>
+          <a:bodyPr wrap="square" rtlCol="0">
+            <a:spAutoFit/>
+          </a:bodyPr>
+          <a:lstStyle/>
+          <a:p>
+            <a:r>
+              <a:rPr lang="es-ES" sz="1400" dirty="0" err="1"/>
+              <a:t>raw</a:t>
+            </a:r>
+            <a:r>
+              <a:rPr lang="es-ES" sz="1400" dirty="0"/>
+              <a:t> </a:t>
+            </a:r>
+            <a:r>
+              <a:rPr lang="es-ES" sz="1400" dirty="0" err="1"/>
+              <a:t>reads</a:t>
+            </a:r>
+            <a:r>
+              <a:rPr lang="es-ES" sz="1400" dirty="0"/>
+              <a:t> </a:t>
+            </a:r>
+            <a:r>
+              <a:rPr lang="es-ES" sz="1400" dirty="0" err="1"/>
+              <a:t>Based</a:t>
+            </a:r>
+            <a:r>
+              <a:rPr lang="es-ES" sz="1400" dirty="0"/>
+              <a:t> </a:t>
+            </a:r>
+          </a:p>
+          <a:p>
+            <a:r>
+              <a:rPr lang="es-ES" sz="1400" dirty="0" err="1"/>
+              <a:t>on</a:t>
+            </a:r>
+            <a:r>
+              <a:rPr lang="es-ES" sz="1400" dirty="0"/>
+              <a:t> FASTQC</a:t>
+            </a:r>
+            <a:endParaRPr lang="en-US" sz="1400" dirty="0"/>
+          </a:p>
+        </p:txBody>
+      </p:sp>
+      <p:sp>
+        <p:nvSpPr>
+          <p:cNvPr id="13" name="CuadroTexto 12"/>
+          <p:cNvSpPr txBox="1"/>
+          <p:nvPr/>
+        </p:nvSpPr>
+        <p:spPr>
+          <a:xfrm>
+            <a:off x="2743200" y="5186065"/>
+            <a:ext cx="877163" cy="307777"/>
+          </a:xfrm>
+          <a:prstGeom prst="rect">
+            <a:avLst/>
+          </a:prstGeom>
+        </p:spPr>
+        <p:style>
+          <a:lnRef idx="2">
+            <a:schemeClr val="dk1"/>
+          </a:lnRef>
+          <a:fillRef idx="1">
+            <a:schemeClr val="lt1"/>
+          </a:fillRef>
+          <a:effectRef idx="0">
+            <a:schemeClr val="dk1"/>
+          </a:effectRef>
+          <a:fontRef idx="minor">
+            <a:schemeClr val="dk1"/>
+          </a:fontRef>
+        </p:style>
+        <p:txBody>
+          <a:bodyPr wrap="none" rtlCol="0">
+            <a:spAutoFit/>
+          </a:bodyPr>
+          <a:lstStyle/>
+          <a:p>
+            <a:r>
+              <a:rPr lang="es-ES" sz="1400" dirty="0" err="1"/>
+              <a:t>C</a:t>
+            </a:r>
+            <a:r>
+              <a:rPr lang="es-ES" sz="1400" dirty="0" err="1" smtClean="0"/>
+              <a:t>utadapt</a:t>
+            </a:r>
+            <a:endParaRPr lang="en-US" sz="1400" dirty="0"/>
+          </a:p>
+        </p:txBody>
+      </p:sp>
+      <p:cxnSp>
+        <p:nvCxnSpPr>
+          <p:cNvPr id="14" name="Conector recto de flecha 13"/>
+          <p:cNvCxnSpPr/>
+          <p:nvPr/>
+        </p:nvCxnSpPr>
+        <p:spPr>
+          <a:xfrm flipV="1">
+            <a:off x="3124200" y="4419600"/>
+            <a:ext cx="0" cy="766465"/>
+          </a:xfrm>
+          <a:prstGeom prst="straightConnector1">
+            <a:avLst/>
+          </a:prstGeom>
+          <a:ln>
+            <a:tailEnd type="triangle"/>
+          </a:ln>
+        </p:spPr>
+        <p:style>
+          <a:lnRef idx="2">
+            <a:schemeClr val="dk1"/>
+          </a:lnRef>
+          <a:fillRef idx="0">
+            <a:schemeClr val="dk1"/>
+          </a:fillRef>
+          <a:effectRef idx="1">
+            <a:schemeClr val="dk1"/>
+          </a:effectRef>
+          <a:fontRef idx="minor">
+            <a:schemeClr val="tx1"/>
+          </a:fontRef>
+        </p:style>
+      </p:cxnSp>
+      <p:sp>
+        <p:nvSpPr>
+          <p:cNvPr id="15" name="CuadroTexto 14"/>
+          <p:cNvSpPr txBox="1"/>
+          <p:nvPr/>
+        </p:nvSpPr>
+        <p:spPr>
+          <a:xfrm>
+            <a:off x="3825871" y="5943600"/>
+            <a:ext cx="1050929" cy="369332"/>
+          </a:xfrm>
+          <a:prstGeom prst="rect">
+            <a:avLst/>
+          </a:prstGeom>
+        </p:spPr>
+        <p:style>
+          <a:lnRef idx="2">
+            <a:schemeClr val="dk1"/>
+          </a:lnRef>
+          <a:fillRef idx="1">
+            <a:schemeClr val="lt1"/>
+          </a:fillRef>
+          <a:effectRef idx="0">
+            <a:schemeClr val="dk1"/>
+          </a:effectRef>
+          <a:fontRef idx="minor">
+            <a:schemeClr val="dk1"/>
+          </a:fontRef>
+        </p:style>
+        <p:txBody>
+          <a:bodyPr wrap="none" rtlCol="0">
+            <a:spAutoFit/>
+          </a:bodyPr>
+          <a:lstStyle/>
+          <a:p>
+            <a:r>
+              <a:rPr lang="es-ES" dirty="0"/>
+              <a:t>Software</a:t>
+            </a:r>
+            <a:endParaRPr lang="en-US" dirty="0"/>
+          </a:p>
+        </p:txBody>
+      </p:sp>
+      <p:sp>
+        <p:nvSpPr>
+          <p:cNvPr id="16" name="CuadroTexto 15"/>
+          <p:cNvSpPr txBox="1"/>
+          <p:nvPr/>
+        </p:nvSpPr>
+        <p:spPr>
+          <a:xfrm>
+            <a:off x="4257004" y="1324930"/>
+            <a:ext cx="684162" cy="369332"/>
+          </a:xfrm>
+          <a:prstGeom prst="rect">
+            <a:avLst/>
+          </a:prstGeom>
+        </p:spPr>
+        <p:style>
+          <a:lnRef idx="2">
+            <a:schemeClr val="dk1"/>
+          </a:lnRef>
+          <a:fillRef idx="1">
+            <a:schemeClr val="lt1"/>
+          </a:fillRef>
+          <a:effectRef idx="0">
+            <a:schemeClr val="dk1"/>
+          </a:effectRef>
+          <a:fontRef idx="minor">
+            <a:schemeClr val="dk1"/>
+          </a:fontRef>
+        </p:style>
+        <p:txBody>
+          <a:bodyPr wrap="none" rtlCol="0">
+            <a:spAutoFit/>
+          </a:bodyPr>
+          <a:lstStyle/>
+          <a:p>
+            <a:r>
+              <a:rPr lang="es-ES" dirty="0"/>
+              <a:t>Input</a:t>
+            </a:r>
+            <a:endParaRPr lang="en-US" dirty="0"/>
+          </a:p>
+        </p:txBody>
+      </p:sp>
+      <p:cxnSp>
+        <p:nvCxnSpPr>
+          <p:cNvPr id="20" name="Conector recto de flecha 19"/>
+          <p:cNvCxnSpPr/>
+          <p:nvPr/>
+        </p:nvCxnSpPr>
+        <p:spPr>
+          <a:xfrm>
+            <a:off x="5183238" y="2438400"/>
+            <a:ext cx="7666" cy="908425"/>
+          </a:xfrm>
+          <a:prstGeom prst="straightConnector1">
+            <a:avLst/>
+          </a:prstGeom>
+          <a:ln>
+            <a:tailEnd type="triangle"/>
+          </a:ln>
+        </p:spPr>
+        <p:style>
+          <a:lnRef idx="2">
+            <a:schemeClr val="dk1"/>
+          </a:lnRef>
+          <a:fillRef idx="0">
+            <a:schemeClr val="dk1"/>
+          </a:fillRef>
+          <a:effectRef idx="1">
+            <a:schemeClr val="dk1"/>
+          </a:effectRef>
+          <a:fontRef idx="minor">
+            <a:schemeClr val="tx1"/>
+          </a:fontRef>
+        </p:style>
+      </p:cxnSp>
+      <p:sp>
+        <p:nvSpPr>
+          <p:cNvPr id="21" name="CuadroTexto 20"/>
+          <p:cNvSpPr txBox="1"/>
+          <p:nvPr/>
+        </p:nvSpPr>
+        <p:spPr>
+          <a:xfrm>
+            <a:off x="4876800" y="2104311"/>
+            <a:ext cx="1524000" cy="523220"/>
+          </a:xfrm>
+          <a:prstGeom prst="rect">
+            <a:avLst/>
+          </a:prstGeom>
+        </p:spPr>
+        <p:style>
+          <a:lnRef idx="2">
+            <a:schemeClr val="dk1"/>
+          </a:lnRef>
+          <a:fillRef idx="1">
+            <a:schemeClr val="lt1"/>
+          </a:fillRef>
+          <a:effectRef idx="0">
+            <a:schemeClr val="dk1"/>
+          </a:effectRef>
+          <a:fontRef idx="minor">
+            <a:schemeClr val="dk1"/>
+          </a:fontRef>
+        </p:style>
+        <p:txBody>
+          <a:bodyPr wrap="square" rtlCol="0">
+            <a:spAutoFit/>
+          </a:bodyPr>
+          <a:lstStyle/>
+          <a:p>
+            <a:r>
+              <a:rPr lang="es-ES" sz="1400" dirty="0" err="1"/>
+              <a:t>Trimmed</a:t>
+            </a:r>
+            <a:r>
+              <a:rPr lang="es-ES" sz="1400" dirty="0"/>
+              <a:t> </a:t>
+            </a:r>
+            <a:r>
+              <a:rPr lang="es-ES" sz="1400" dirty="0" err="1"/>
+              <a:t>reads</a:t>
+            </a:r>
+            <a:endParaRPr lang="es-ES" sz="1400" dirty="0"/>
+          </a:p>
+          <a:p>
+            <a:r>
+              <a:rPr lang="es-ES" sz="1400" dirty="0" err="1"/>
+              <a:t>Transcriptome</a:t>
+            </a:r>
+            <a:r>
+              <a:rPr lang="es-ES" sz="1400" dirty="0"/>
+              <a:t> file</a:t>
+            </a:r>
+            <a:endParaRPr lang="en-US" sz="1400" dirty="0"/>
+          </a:p>
+        </p:txBody>
+      </p:sp>
+      <p:sp>
+        <p:nvSpPr>
+          <p:cNvPr id="22" name="CuadroTexto 21"/>
+          <p:cNvSpPr txBox="1"/>
+          <p:nvPr/>
+        </p:nvSpPr>
+        <p:spPr>
+          <a:xfrm>
+            <a:off x="4876800" y="5196797"/>
+            <a:ext cx="1331647" cy="307777"/>
+          </a:xfrm>
+          <a:prstGeom prst="rect">
+            <a:avLst/>
+          </a:prstGeom>
+        </p:spPr>
+        <p:style>
+          <a:lnRef idx="2">
+            <a:schemeClr val="dk1"/>
+          </a:lnRef>
+          <a:fillRef idx="1">
+            <a:schemeClr val="lt1"/>
+          </a:fillRef>
+          <a:effectRef idx="0">
+            <a:schemeClr val="dk1"/>
+          </a:effectRef>
+          <a:fontRef idx="minor">
+            <a:schemeClr val="dk1"/>
+          </a:fontRef>
+        </p:style>
+        <p:txBody>
+          <a:bodyPr wrap="none" rtlCol="0">
+            <a:spAutoFit/>
+          </a:bodyPr>
+          <a:lstStyle/>
+          <a:p>
+            <a:r>
+              <a:rPr lang="es-ES" sz="1400" dirty="0"/>
+              <a:t>RSEM, </a:t>
+            </a:r>
+            <a:r>
+              <a:rPr lang="es-ES" sz="1400" dirty="0" smtClean="0"/>
+              <a:t>bowtie2</a:t>
+            </a:r>
+            <a:endParaRPr lang="en-US" sz="1400" dirty="0"/>
+          </a:p>
+        </p:txBody>
+      </p:sp>
+      <p:cxnSp>
+        <p:nvCxnSpPr>
+          <p:cNvPr id="23" name="Conector recto de flecha 22"/>
+          <p:cNvCxnSpPr/>
+          <p:nvPr/>
+        </p:nvCxnSpPr>
+        <p:spPr>
+          <a:xfrm flipV="1">
+            <a:off x="5257800" y="4430332"/>
+            <a:ext cx="0" cy="766465"/>
+          </a:xfrm>
+          <a:prstGeom prst="straightConnector1">
+            <a:avLst/>
+          </a:prstGeom>
+          <a:ln>
+            <a:tailEnd type="triangle"/>
+          </a:ln>
+        </p:spPr>
+        <p:style>
+          <a:lnRef idx="2">
+            <a:schemeClr val="dk1"/>
+          </a:lnRef>
+          <a:fillRef idx="0">
+            <a:schemeClr val="dk1"/>
+          </a:fillRef>
+          <a:effectRef idx="1">
+            <a:schemeClr val="dk1"/>
+          </a:effectRef>
+          <a:fontRef idx="minor">
+            <a:schemeClr val="tx1"/>
+          </a:fontRef>
+        </p:style>
+      </p:cxnSp>
+      <p:sp>
+        <p:nvSpPr>
+          <p:cNvPr id="24" name="CuadroTexto 23"/>
+          <p:cNvSpPr txBox="1"/>
+          <p:nvPr/>
+        </p:nvSpPr>
+        <p:spPr>
+          <a:xfrm>
+            <a:off x="7091172" y="5198943"/>
+            <a:ext cx="641522" cy="307777"/>
+          </a:xfrm>
+          <a:prstGeom prst="rect">
+            <a:avLst/>
+          </a:prstGeom>
+        </p:spPr>
+        <p:style>
+          <a:lnRef idx="2">
+            <a:schemeClr val="dk1"/>
+          </a:lnRef>
+          <a:fillRef idx="1">
+            <a:schemeClr val="lt1"/>
+          </a:fillRef>
+          <a:effectRef idx="0">
+            <a:schemeClr val="dk1"/>
+          </a:effectRef>
+          <a:fontRef idx="minor">
+            <a:schemeClr val="dk1"/>
+          </a:fontRef>
+        </p:style>
+        <p:txBody>
+          <a:bodyPr wrap="none" rtlCol="0">
+            <a:spAutoFit/>
+          </a:bodyPr>
+          <a:lstStyle/>
+          <a:p>
+            <a:r>
+              <a:rPr lang="es-ES" sz="1400" dirty="0"/>
+              <a:t>RSEM</a:t>
+            </a:r>
+            <a:endParaRPr lang="en-US" sz="1400" dirty="0"/>
+          </a:p>
+        </p:txBody>
+      </p:sp>
+      <p:cxnSp>
+        <p:nvCxnSpPr>
+          <p:cNvPr id="25" name="Conector recto de flecha 24"/>
+          <p:cNvCxnSpPr/>
+          <p:nvPr/>
+        </p:nvCxnSpPr>
+        <p:spPr>
+          <a:xfrm flipV="1">
+            <a:off x="7472172" y="4432478"/>
+            <a:ext cx="0" cy="766465"/>
+          </a:xfrm>
+          <a:prstGeom prst="straightConnector1">
+            <a:avLst/>
+          </a:prstGeom>
+          <a:ln>
+            <a:tailEnd type="triangle"/>
+          </a:ln>
+        </p:spPr>
+        <p:style>
+          <a:lnRef idx="2">
+            <a:schemeClr val="dk1"/>
+          </a:lnRef>
+          <a:fillRef idx="0">
+            <a:schemeClr val="dk1"/>
+          </a:fillRef>
+          <a:effectRef idx="1">
+            <a:schemeClr val="dk1"/>
+          </a:effectRef>
+          <a:fontRef idx="minor">
+            <a:schemeClr val="tx1"/>
+          </a:fontRef>
+        </p:style>
+      </p:cxnSp>
+      <p:cxnSp>
+        <p:nvCxnSpPr>
+          <p:cNvPr id="26" name="Conector recto de flecha 25"/>
+          <p:cNvCxnSpPr/>
+          <p:nvPr/>
+        </p:nvCxnSpPr>
+        <p:spPr>
+          <a:xfrm>
+            <a:off x="7397610" y="2438400"/>
+            <a:ext cx="7666" cy="908425"/>
+          </a:xfrm>
+          <a:prstGeom prst="straightConnector1">
+            <a:avLst/>
+          </a:prstGeom>
+          <a:ln>
+            <a:tailEnd type="triangle"/>
+          </a:ln>
+        </p:spPr>
+        <p:style>
+          <a:lnRef idx="2">
+            <a:schemeClr val="dk1"/>
+          </a:lnRef>
+          <a:fillRef idx="0">
+            <a:schemeClr val="dk1"/>
+          </a:fillRef>
+          <a:effectRef idx="1">
+            <a:schemeClr val="dk1"/>
+          </a:effectRef>
+          <a:fontRef idx="minor">
+            <a:schemeClr val="tx1"/>
+          </a:fontRef>
+        </p:style>
+      </p:cxnSp>
+      <p:sp>
+        <p:nvSpPr>
+          <p:cNvPr id="27" name="CuadroTexto 26"/>
+          <p:cNvSpPr txBox="1"/>
+          <p:nvPr/>
+        </p:nvSpPr>
+        <p:spPr>
+          <a:xfrm>
+            <a:off x="7091172" y="2104311"/>
+            <a:ext cx="1524000" cy="738664"/>
+          </a:xfrm>
+          <a:prstGeom prst="rect">
+            <a:avLst/>
+          </a:prstGeom>
+        </p:spPr>
+        <p:style>
+          <a:lnRef idx="2">
+            <a:schemeClr val="dk1"/>
+          </a:lnRef>
+          <a:fillRef idx="1">
+            <a:schemeClr val="lt1"/>
+          </a:fillRef>
+          <a:effectRef idx="0">
+            <a:schemeClr val="dk1"/>
+          </a:effectRef>
+          <a:fontRef idx="minor">
+            <a:schemeClr val="dk1"/>
+          </a:fontRef>
+        </p:style>
+        <p:txBody>
+          <a:bodyPr wrap="square" rtlCol="0">
+            <a:spAutoFit/>
+          </a:bodyPr>
+          <a:lstStyle/>
+          <a:p>
+            <a:r>
+              <a:rPr lang="es-ES" sz="1400" dirty="0" err="1"/>
+              <a:t>Trimmed</a:t>
+            </a:r>
+            <a:r>
+              <a:rPr lang="es-ES" sz="1400" dirty="0"/>
+              <a:t> </a:t>
+            </a:r>
+            <a:r>
+              <a:rPr lang="es-ES" sz="1400" dirty="0" err="1"/>
+              <a:t>reads</a:t>
+            </a:r>
+            <a:endParaRPr lang="es-ES" sz="1400" dirty="0"/>
+          </a:p>
+          <a:p>
+            <a:r>
+              <a:rPr lang="es-ES" sz="1400" dirty="0" err="1"/>
+              <a:t>Transcriptome</a:t>
+            </a:r>
+            <a:r>
+              <a:rPr lang="es-ES" sz="1400" dirty="0"/>
+              <a:t> </a:t>
+            </a:r>
+            <a:r>
+              <a:rPr lang="es-ES" sz="1400" dirty="0" err="1"/>
+              <a:t>references</a:t>
+            </a:r>
+            <a:endParaRPr lang="en-US" sz="1400" dirty="0"/>
+          </a:p>
+        </p:txBody>
+      </p:sp>
+    </p:spTree>
+    <p:extLst>
+      <p:ext uri="{BB962C8B-B14F-4D97-AF65-F5344CB8AC3E}">
+        <p14:creationId xmlns:p14="http://schemas.microsoft.com/office/powerpoint/2010/main" val="539841936"/>
+      </p:ext>
+    </p:extLst>
+  </p:cSld>
+  <p:clrMapOvr>
+    <a:masterClrMapping/>
+  </p:clrMapOvr>
+</p:sld>
+</file>
+
+<file path=ppt/slides/slide12.xml><?xml version="1.0" encoding="utf-8"?>
 <p:sld xmlns:a="http://schemas.openxmlformats.org/drawingml/2006/main" xmlns:r="http://schemas.openxmlformats.org/officeDocument/2006/relationships" xmlns:p="http://schemas.openxmlformats.org/presentationml/2006/main">
   <p:cSld>
     <p:spTree>
@@ -12821,7 +17479,7 @@
 </p:sld>
 </file>
 
-<file path=ppt/slides/slide12.xml><?xml version="1.0" encoding="utf-8"?>
+<file path=ppt/slides/slide13.xml><?xml version="1.0" encoding="utf-8"?>
 <p:sld xmlns:a="http://schemas.openxmlformats.org/drawingml/2006/main" xmlns:r="http://schemas.openxmlformats.org/officeDocument/2006/relationships" xmlns:p="http://schemas.openxmlformats.org/presentationml/2006/main">
   <p:cSld>
     <p:spTree>
@@ -13060,7 +17718,7 @@
 </p:sld>
 </file>
 
-<file path=ppt/slides/slide13.xml><?xml version="1.0" encoding="utf-8"?>
+<file path=ppt/slides/slide14.xml><?xml version="1.0" encoding="utf-8"?>
 <p:sld xmlns:a="http://schemas.openxmlformats.org/drawingml/2006/main" xmlns:r="http://schemas.openxmlformats.org/officeDocument/2006/relationships" xmlns:p="http://schemas.openxmlformats.org/presentationml/2006/main">
   <p:cSld>
     <p:spTree>
@@ -13106,29 +17764,6 @@
           </a:p>
         </p:txBody>
       </p:sp>
-      <p:pic>
-        <p:nvPicPr>
-          <p:cNvPr id="6" name="Imagen 5"/>
-          <p:cNvPicPr>
-            <a:picLocks noChangeAspect="1"/>
-          </p:cNvPicPr>
-          <p:nvPr/>
-        </p:nvPicPr>
-        <p:blipFill rotWithShape="1">
-          <a:blip r:embed="rId2"/>
-          <a:srcRect l="24658" t="22917" r="38729" b="41666"/>
-          <a:stretch/>
-        </p:blipFill>
-        <p:spPr>
-          <a:xfrm>
-            <a:off x="304800" y="1524000"/>
-            <a:ext cx="4817135" cy="2357919"/>
-          </a:xfrm>
-          <a:prstGeom prst="rect">
-            <a:avLst/>
-          </a:prstGeom>
-        </p:spPr>
-      </p:pic>
       <p:grpSp>
         <p:nvGrpSpPr>
           <p:cNvPr id="12" name="Grupo 11"/>
@@ -13152,7 +17787,7 @@
             <p:nvPr/>
           </p:nvPicPr>
           <p:blipFill rotWithShape="1">
-            <a:blip r:embed="rId3"/>
+            <a:blip r:embed="rId2"/>
             <a:srcRect b="13090"/>
             <a:stretch/>
           </p:blipFill>
@@ -13174,8 +17809,8 @@
           </p:nvSpPr>
           <p:spPr>
             <a:xfrm>
-              <a:off x="5029200" y="5867400"/>
-              <a:ext cx="4038600" cy="228600"/>
+              <a:off x="5029200" y="4431491"/>
+              <a:ext cx="4038600" cy="304800"/>
             </a:xfrm>
             <a:prstGeom prst="rect">
               <a:avLst/>
@@ -13257,6 +17892,75 @@
           </a:p>
         </p:txBody>
       </p:sp>
+      <p:pic>
+        <p:nvPicPr>
+          <p:cNvPr id="3" name="Imagen 2"/>
+          <p:cNvPicPr>
+            <a:picLocks noChangeAspect="1"/>
+          </p:cNvPicPr>
+          <p:nvPr/>
+        </p:nvPicPr>
+        <p:blipFill rotWithShape="1">
+          <a:blip r:embed="rId3"/>
+          <a:srcRect l="24597" t="24713" r="43193" b="42567"/>
+          <a:stretch/>
+        </p:blipFill>
+        <p:spPr>
+          <a:xfrm>
+            <a:off x="129594" y="1667729"/>
+            <a:ext cx="4191000" cy="2393549"/>
+          </a:xfrm>
+          <a:prstGeom prst="rect">
+            <a:avLst/>
+          </a:prstGeom>
+        </p:spPr>
+      </p:pic>
+      <p:sp>
+        <p:nvSpPr>
+          <p:cNvPr id="10" name="Rectángulo 9"/>
+          <p:cNvSpPr/>
+          <p:nvPr/>
+        </p:nvSpPr>
+        <p:spPr>
+          <a:xfrm>
+            <a:off x="247650" y="3048000"/>
+            <a:ext cx="4038600" cy="304800"/>
+          </a:xfrm>
+          <a:prstGeom prst="rect">
+            <a:avLst/>
+          </a:prstGeom>
+          <a:noFill/>
+          <a:ln>
+            <a:solidFill>
+              <a:srgbClr val="C00000"/>
+            </a:solidFill>
+          </a:ln>
+        </p:spPr>
+        <p:style>
+          <a:lnRef idx="2">
+            <a:schemeClr val="accent1">
+              <a:shade val="50000"/>
+            </a:schemeClr>
+          </a:lnRef>
+          <a:fillRef idx="1">
+            <a:schemeClr val="accent1"/>
+          </a:fillRef>
+          <a:effectRef idx="0">
+            <a:schemeClr val="accent1"/>
+          </a:effectRef>
+          <a:fontRef idx="minor">
+            <a:schemeClr val="lt1"/>
+          </a:fontRef>
+        </p:style>
+        <p:txBody>
+          <a:bodyPr rtlCol="0" anchor="ctr"/>
+          <a:lstStyle/>
+          <a:p>
+            <a:pPr algn="ctr"/>
+            <a:endParaRPr lang="en-US"/>
+          </a:p>
+        </p:txBody>
+      </p:sp>
     </p:spTree>
     <p:extLst>
       <p:ext uri="{BB962C8B-B14F-4D97-AF65-F5344CB8AC3E}">
@@ -13270,7 +17974,7 @@
 </p:sld>
 </file>
 
-<file path=ppt/slides/slide14.xml><?xml version="1.0" encoding="utf-8"?>
+<file path=ppt/slides/slide15.xml><?xml version="1.0" encoding="utf-8"?>
 <p:sld xmlns:a="http://schemas.openxmlformats.org/drawingml/2006/main" xmlns:r="http://schemas.openxmlformats.org/officeDocument/2006/relationships" xmlns:p="http://schemas.openxmlformats.org/presentationml/2006/main">
   <p:cSld>
     <p:spTree>
@@ -13400,7 +18104,113 @@
 </p:sld>
 </file>
 
-<file path=ppt/slides/slide15.xml><?xml version="1.0" encoding="utf-8"?>
+<file path=ppt/slides/slide16.xml><?xml version="1.0" encoding="utf-8"?>
+<p:sld xmlns:a="http://schemas.openxmlformats.org/drawingml/2006/main" xmlns:r="http://schemas.openxmlformats.org/officeDocument/2006/relationships" xmlns:p="http://schemas.openxmlformats.org/presentationml/2006/main">
+  <p:cSld>
+    <p:spTree>
+      <p:nvGrpSpPr>
+        <p:cNvPr id="1" name=""/>
+        <p:cNvGrpSpPr/>
+        <p:nvPr/>
+      </p:nvGrpSpPr>
+      <p:grpSpPr>
+        <a:xfrm>
+          <a:off x="0" y="0"/>
+          <a:ext cx="0" cy="0"/>
+          <a:chOff x="0" y="0"/>
+          <a:chExt cx="0" cy="0"/>
+        </a:xfrm>
+      </p:grpSpPr>
+      <p:sp>
+        <p:nvSpPr>
+          <p:cNvPr id="2" name="Título 1"/>
+          <p:cNvSpPr>
+            <a:spLocks noGrp="1"/>
+          </p:cNvSpPr>
+          <p:nvPr>
+            <p:ph type="title"/>
+          </p:nvPr>
+        </p:nvSpPr>
+        <p:spPr/>
+        <p:txBody>
+          <a:bodyPr/>
+          <a:lstStyle/>
+          <a:p>
+            <a:r>
+              <a:rPr lang="es-ES" dirty="0" err="1" smtClean="0"/>
+              <a:t>Results</a:t>
+            </a:r>
+            <a:endParaRPr lang="en-US" dirty="0"/>
+          </a:p>
+        </p:txBody>
+      </p:sp>
+      <p:pic>
+        <p:nvPicPr>
+          <p:cNvPr id="4" name="Imagen 3"/>
+          <p:cNvPicPr>
+            <a:picLocks noChangeAspect="1"/>
+          </p:cNvPicPr>
+          <p:nvPr/>
+        </p:nvPicPr>
+        <p:blipFill>
+          <a:blip r:embed="rId2"/>
+          <a:stretch>
+            <a:fillRect/>
+          </a:stretch>
+        </p:blipFill>
+        <p:spPr>
+          <a:xfrm>
+            <a:off x="3429000" y="1457727"/>
+            <a:ext cx="5029200" cy="5085963"/>
+          </a:xfrm>
+          <a:prstGeom prst="rect">
+            <a:avLst/>
+          </a:prstGeom>
+        </p:spPr>
+      </p:pic>
+      <p:sp>
+        <p:nvSpPr>
+          <p:cNvPr id="5" name="Rectángulo 4"/>
+          <p:cNvSpPr/>
+          <p:nvPr/>
+        </p:nvSpPr>
+        <p:spPr>
+          <a:xfrm>
+            <a:off x="1295400" y="2188872"/>
+            <a:ext cx="1517561" cy="369332"/>
+          </a:xfrm>
+          <a:prstGeom prst="rect">
+            <a:avLst/>
+          </a:prstGeom>
+        </p:spPr>
+        <p:txBody>
+          <a:bodyPr wrap="square">
+            <a:spAutoFit/>
+          </a:bodyPr>
+          <a:lstStyle/>
+          <a:p>
+            <a:r>
+              <a:rPr lang="en-US" i="1" dirty="0" smtClean="0"/>
+              <a:t>RSEM model</a:t>
+            </a:r>
+            <a:endParaRPr lang="en-US" dirty="0"/>
+          </a:p>
+        </p:txBody>
+      </p:sp>
+    </p:spTree>
+    <p:extLst>
+      <p:ext uri="{BB962C8B-B14F-4D97-AF65-F5344CB8AC3E}">
+        <p14:creationId xmlns:p14="http://schemas.microsoft.com/office/powerpoint/2010/main" val="4093821480"/>
+      </p:ext>
+    </p:extLst>
+  </p:cSld>
+  <p:clrMapOvr>
+    <a:masterClrMapping/>
+  </p:clrMapOvr>
+</p:sld>
+</file>
+
+<file path=ppt/slides/slide17.xml><?xml version="1.0" encoding="utf-8"?>
 <p:sld xmlns:a="http://schemas.openxmlformats.org/drawingml/2006/main" xmlns:r="http://schemas.openxmlformats.org/officeDocument/2006/relationships" xmlns:p="http://schemas.openxmlformats.org/presentationml/2006/main">
   <p:cSld>
     <p:spTree>
@@ -13482,7 +18292,7 @@
 </p:sld>
 </file>
 
-<file path=ppt/slides/slide16.xml><?xml version="1.0" encoding="utf-8"?>
+<file path=ppt/slides/slide18.xml><?xml version="1.0" encoding="utf-8"?>
 <p:sld xmlns:a="http://schemas.openxmlformats.org/drawingml/2006/main" xmlns:r="http://schemas.openxmlformats.org/officeDocument/2006/relationships" xmlns:p="http://schemas.openxmlformats.org/presentationml/2006/main">
   <p:cSld>
     <p:spTree>
@@ -13545,7 +18355,6 @@
               <a:rPr lang="en-US" dirty="0"/>
               <a:t>Figure 1: Multidimensional scaling (MDS) plot</a:t>
             </a:r>
-            <a:endParaRPr lang="en-US" dirty="0"/>
           </a:p>
         </p:txBody>
       </p:sp>
@@ -13586,7 +18395,7 @@
 </p:sld>
 </file>
 
-<file path=ppt/slides/slide17.xml><?xml version="1.0" encoding="utf-8"?>
+<file path=ppt/slides/slide19.xml><?xml version="1.0" encoding="utf-8"?>
 <p:sld xmlns:a="http://schemas.openxmlformats.org/drawingml/2006/main" xmlns:r="http://schemas.openxmlformats.org/officeDocument/2006/relationships" xmlns:p="http://schemas.openxmlformats.org/presentationml/2006/main">
   <p:cSld>
     <p:spTree>
@@ -13654,11 +18463,7 @@
           <a:p>
             <a:r>
               <a:rPr lang="en-US" dirty="0"/>
-              <a:t>Figure 2: </a:t>
-            </a:r>
-            <a:r>
-              <a:rPr lang="en-US" dirty="0"/>
-              <a:t>Pairwise comparisons of gene expression among female, male and </a:t>
+              <a:t>Figure 2: Pairwise comparisons of gene expression among female, male and </a:t>
             </a:r>
             <a:r>
               <a:rPr lang="en-US" dirty="0" err="1"/>
@@ -13676,7 +18481,6 @@
               <a:rPr lang="en-US" dirty="0"/>
               <a:t>) genes across line replicates</a:t>
             </a:r>
-            <a:endParaRPr lang="en-US" dirty="0"/>
           </a:p>
         </p:txBody>
       </p:sp>
@@ -13717,7 +18521,305 @@
 </p:sld>
 </file>
 
-<file path=ppt/slides/slide18.xml><?xml version="1.0" encoding="utf-8"?>
+<file path=ppt/slides/slide2.xml><?xml version="1.0" encoding="utf-8"?>
+<p:sld xmlns:a="http://schemas.openxmlformats.org/drawingml/2006/main" xmlns:r="http://schemas.openxmlformats.org/officeDocument/2006/relationships" xmlns:p="http://schemas.openxmlformats.org/presentationml/2006/main">
+  <p:cSld>
+    <p:spTree>
+      <p:nvGrpSpPr>
+        <p:cNvPr id="1" name=""/>
+        <p:cNvGrpSpPr/>
+        <p:nvPr/>
+      </p:nvGrpSpPr>
+      <p:grpSpPr>
+        <a:xfrm>
+          <a:off x="0" y="0"/>
+          <a:ext cx="0" cy="0"/>
+          <a:chOff x="0" y="0"/>
+          <a:chExt cx="0" cy="0"/>
+        </a:xfrm>
+      </p:grpSpPr>
+      <p:sp>
+        <p:nvSpPr>
+          <p:cNvPr id="2" name="Title 1"/>
+          <p:cNvSpPr>
+            <a:spLocks noGrp="1"/>
+          </p:cNvSpPr>
+          <p:nvPr>
+            <p:ph type="title"/>
+          </p:nvPr>
+        </p:nvSpPr>
+        <p:spPr/>
+        <p:txBody>
+          <a:bodyPr>
+            <a:normAutofit/>
+          </a:bodyPr>
+          <a:lstStyle/>
+          <a:p>
+            <a:r>
+              <a:rPr lang="en-US" dirty="0"/>
+              <a:t>Why studying sex determination important?</a:t>
+            </a:r>
+          </a:p>
+        </p:txBody>
+      </p:sp>
+      <p:sp>
+        <p:nvSpPr>
+          <p:cNvPr id="3" name="Content Placeholder 2"/>
+          <p:cNvSpPr>
+            <a:spLocks noGrp="1"/>
+          </p:cNvSpPr>
+          <p:nvPr>
+            <p:ph idx="1"/>
+          </p:nvPr>
+        </p:nvSpPr>
+        <p:spPr/>
+        <p:txBody>
+          <a:bodyPr/>
+          <a:lstStyle/>
+          <a:p>
+            <a:endParaRPr lang="es-ES" dirty="0"/>
+          </a:p>
+          <a:p>
+            <a:r>
+              <a:rPr lang="es-ES" dirty="0" err="1"/>
+              <a:t>Understand</a:t>
+            </a:r>
+            <a:r>
+              <a:rPr lang="es-ES" dirty="0"/>
+              <a:t> </a:t>
+            </a:r>
+            <a:r>
+              <a:rPr lang="es-ES" dirty="0" err="1"/>
+              <a:t>the</a:t>
+            </a:r>
+            <a:r>
+              <a:rPr lang="es-ES" dirty="0"/>
+              <a:t> </a:t>
+            </a:r>
+            <a:r>
+              <a:rPr lang="es-ES" dirty="0" err="1"/>
+              <a:t>evolutionary</a:t>
+            </a:r>
+            <a:r>
+              <a:rPr lang="es-ES" dirty="0"/>
+              <a:t> </a:t>
+            </a:r>
+            <a:r>
+              <a:rPr lang="es-ES" dirty="0" err="1"/>
+              <a:t>mechanisms</a:t>
+            </a:r>
+            <a:r>
+              <a:rPr lang="es-ES" dirty="0"/>
+              <a:t> </a:t>
+            </a:r>
+            <a:r>
+              <a:rPr lang="es-ES" dirty="0" err="1"/>
+              <a:t>that</a:t>
+            </a:r>
+            <a:r>
+              <a:rPr lang="es-ES" dirty="0"/>
+              <a:t> </a:t>
+            </a:r>
+            <a:r>
+              <a:rPr lang="es-ES" dirty="0" err="1"/>
+              <a:t>undelie</a:t>
+            </a:r>
+            <a:r>
+              <a:rPr lang="es-ES" dirty="0"/>
+              <a:t> sexual </a:t>
+            </a:r>
+            <a:r>
+              <a:rPr lang="es-ES" dirty="0" err="1"/>
+              <a:t>reproduction</a:t>
+            </a:r>
+            <a:r>
+              <a:rPr lang="es-ES" dirty="0"/>
+              <a:t> as </a:t>
+            </a:r>
+            <a:r>
+              <a:rPr lang="es-ES" dirty="0" err="1"/>
+              <a:t>source</a:t>
+            </a:r>
+            <a:r>
+              <a:rPr lang="es-ES" dirty="0"/>
+              <a:t> of </a:t>
+            </a:r>
+            <a:r>
+              <a:rPr lang="es-ES" dirty="0" err="1"/>
+              <a:t>genetic</a:t>
+            </a:r>
+            <a:r>
+              <a:rPr lang="es-ES" dirty="0"/>
+              <a:t> </a:t>
+            </a:r>
+            <a:r>
+              <a:rPr lang="es-ES" dirty="0" err="1"/>
+              <a:t>diversity</a:t>
+            </a:r>
+            <a:endParaRPr lang="es-ES" dirty="0"/>
+          </a:p>
+          <a:p>
+            <a:r>
+              <a:rPr lang="es-ES" dirty="0" err="1"/>
+              <a:t>Contrary</a:t>
+            </a:r>
+            <a:r>
+              <a:rPr lang="es-ES" dirty="0"/>
+              <a:t> </a:t>
+            </a:r>
+            <a:r>
+              <a:rPr lang="es-ES" dirty="0" err="1"/>
+              <a:t>to</a:t>
+            </a:r>
+            <a:r>
+              <a:rPr lang="es-ES" dirty="0"/>
+              <a:t> </a:t>
+            </a:r>
+            <a:r>
+              <a:rPr lang="es-ES" dirty="0" err="1"/>
+              <a:t>most</a:t>
+            </a:r>
+            <a:r>
+              <a:rPr lang="es-ES" dirty="0"/>
+              <a:t> of </a:t>
+            </a:r>
+            <a:r>
+              <a:rPr lang="es-ES" dirty="0" err="1"/>
+              <a:t>animals</a:t>
+            </a:r>
+            <a:r>
+              <a:rPr lang="es-ES" dirty="0"/>
+              <a:t>, </a:t>
+            </a:r>
+            <a:r>
+              <a:rPr lang="es-ES" dirty="0" err="1"/>
+              <a:t>dioecious</a:t>
+            </a:r>
+            <a:r>
+              <a:rPr lang="es-ES" dirty="0"/>
+              <a:t> </a:t>
+            </a:r>
+            <a:r>
+              <a:rPr lang="es-ES" dirty="0" err="1"/>
+              <a:t>plants</a:t>
+            </a:r>
+            <a:r>
+              <a:rPr lang="es-ES" dirty="0"/>
+              <a:t> are quite </a:t>
+            </a:r>
+            <a:r>
+              <a:rPr lang="es-ES" dirty="0" err="1"/>
+              <a:t>rare</a:t>
+            </a:r>
+            <a:endParaRPr lang="es-ES" dirty="0"/>
+          </a:p>
+          <a:p>
+            <a:r>
+              <a:rPr lang="es-ES" dirty="0" err="1"/>
+              <a:t>Improve</a:t>
+            </a:r>
+            <a:r>
+              <a:rPr lang="es-ES" dirty="0"/>
+              <a:t> </a:t>
+            </a:r>
+            <a:r>
+              <a:rPr lang="es-ES" dirty="0" err="1"/>
+              <a:t>our</a:t>
+            </a:r>
+            <a:r>
+              <a:rPr lang="es-ES" dirty="0"/>
+              <a:t> </a:t>
+            </a:r>
+            <a:r>
+              <a:rPr lang="es-ES" dirty="0" err="1"/>
+              <a:t>understanding</a:t>
+            </a:r>
+            <a:r>
+              <a:rPr lang="es-ES" dirty="0"/>
+              <a:t> of </a:t>
+            </a:r>
+            <a:r>
+              <a:rPr lang="es-ES" dirty="0" err="1"/>
+              <a:t>the</a:t>
+            </a:r>
+            <a:r>
+              <a:rPr lang="es-ES" dirty="0"/>
+              <a:t> molecular </a:t>
+            </a:r>
+            <a:r>
+              <a:rPr lang="es-ES" dirty="0" err="1"/>
+              <a:t>events</a:t>
+            </a:r>
+            <a:r>
+              <a:rPr lang="es-ES" dirty="0"/>
+              <a:t> </a:t>
+            </a:r>
+            <a:r>
+              <a:rPr lang="es-ES" dirty="0" err="1"/>
+              <a:t>that</a:t>
+            </a:r>
+            <a:r>
+              <a:rPr lang="es-ES" dirty="0"/>
+              <a:t> </a:t>
+            </a:r>
+            <a:r>
+              <a:rPr lang="es-ES" dirty="0" err="1"/>
+              <a:t>give</a:t>
+            </a:r>
+            <a:r>
+              <a:rPr lang="es-ES" dirty="0"/>
+              <a:t> </a:t>
+            </a:r>
+            <a:r>
+              <a:rPr lang="es-ES" dirty="0" err="1"/>
+              <a:t>rise</a:t>
+            </a:r>
+            <a:r>
+              <a:rPr lang="es-ES" dirty="0"/>
+              <a:t> </a:t>
+            </a:r>
+            <a:r>
+              <a:rPr lang="es-ES" dirty="0" err="1"/>
+              <a:t>to</a:t>
+            </a:r>
+            <a:r>
+              <a:rPr lang="es-ES" dirty="0"/>
+              <a:t> </a:t>
+            </a:r>
+            <a:r>
+              <a:rPr lang="es-ES" dirty="0" err="1"/>
+              <a:t>the</a:t>
+            </a:r>
+            <a:r>
+              <a:rPr lang="es-ES" dirty="0"/>
+              <a:t> sexual </a:t>
+            </a:r>
+            <a:r>
+              <a:rPr lang="es-ES" dirty="0" err="1"/>
+              <a:t>differentiation</a:t>
+            </a:r>
+            <a:r>
+              <a:rPr lang="es-ES" dirty="0"/>
+              <a:t> </a:t>
+            </a:r>
+            <a:endParaRPr lang="en-US" dirty="0"/>
+          </a:p>
+        </p:txBody>
+      </p:sp>
+    </p:spTree>
+    <p:extLst>
+      <p:ext uri="{BB962C8B-B14F-4D97-AF65-F5344CB8AC3E}">
+        <p14:creationId xmlns:p14="http://schemas.microsoft.com/office/powerpoint/2010/main" val="1501002260"/>
+      </p:ext>
+    </p:extLst>
+  </p:cSld>
+  <p:clrMapOvr>
+    <a:masterClrMapping/>
+  </p:clrMapOvr>
+</p:sld>
+</file>
+
+<file path=ppt/slides/slide20.xml><?xml version="1.0" encoding="utf-8"?>
 <p:sld xmlns:a="http://schemas.openxmlformats.org/drawingml/2006/main" xmlns:r="http://schemas.openxmlformats.org/officeDocument/2006/relationships" xmlns:p="http://schemas.openxmlformats.org/presentationml/2006/main">
   <p:cSld>
     <p:spTree>
@@ -13785,11 +18887,7 @@
           <a:p>
             <a:r>
               <a:rPr lang="en-US" dirty="0"/>
-              <a:t>Figure 3: </a:t>
-            </a:r>
-            <a:r>
-              <a:rPr lang="en-US" dirty="0"/>
-              <a:t>Venn diagram showing the overlap of differentially expressed garden asparagus genes (</a:t>
+              <a:t>Figure 3: Venn diagram showing the overlap of differentially expressed garden asparagus genes (</a:t>
             </a:r>
             <a:r>
               <a:rPr lang="en-US" i="1" dirty="0"/>
@@ -13799,7 +18897,6 @@
               <a:rPr lang="en-US" dirty="0"/>
               <a:t>) between the three pairwise comparisons</a:t>
             </a:r>
-            <a:endParaRPr lang="en-US" dirty="0"/>
           </a:p>
         </p:txBody>
       </p:sp>
@@ -13864,7 +18961,7 @@
 </p:sld>
 </file>
 
-<file path=ppt/slides/slide19.xml><?xml version="1.0" encoding="utf-8"?>
+<file path=ppt/slides/slide21.xml><?xml version="1.0" encoding="utf-8"?>
 <p:sld xmlns:a="http://schemas.openxmlformats.org/drawingml/2006/main" xmlns:r="http://schemas.openxmlformats.org/officeDocument/2006/relationships" xmlns:p="http://schemas.openxmlformats.org/presentationml/2006/main">
   <p:cSld>
     <p:spTree>
@@ -13948,11 +19045,7 @@
           <a:p>
             <a:r>
               <a:rPr lang="en-US" dirty="0"/>
-              <a:t>Figure 4:</a:t>
-            </a:r>
-            <a:r>
-              <a:rPr lang="en-US" dirty="0"/>
-              <a:t>Heatmap clustering of the 570 differentially expressed garden asparagus (</a:t>
+              <a:t>Figure 4:Heatmap clustering of the 570 differentially expressed garden asparagus (</a:t>
             </a:r>
             <a:r>
               <a:rPr lang="en-US" i="1" dirty="0"/>
@@ -13962,7 +19055,6 @@
               <a:rPr lang="en-US" dirty="0"/>
               <a:t>) genes in all spear tip tissues</a:t>
             </a:r>
-            <a:endParaRPr lang="en-US" dirty="0"/>
           </a:p>
         </p:txBody>
       </p:sp>
@@ -14003,305 +19095,7 @@
 </p:sld>
 </file>
 
-<file path=ppt/slides/slide2.xml><?xml version="1.0" encoding="utf-8"?>
-<p:sld xmlns:a="http://schemas.openxmlformats.org/drawingml/2006/main" xmlns:r="http://schemas.openxmlformats.org/officeDocument/2006/relationships" xmlns:p="http://schemas.openxmlformats.org/presentationml/2006/main">
-  <p:cSld>
-    <p:spTree>
-      <p:nvGrpSpPr>
-        <p:cNvPr id="1" name=""/>
-        <p:cNvGrpSpPr/>
-        <p:nvPr/>
-      </p:nvGrpSpPr>
-      <p:grpSpPr>
-        <a:xfrm>
-          <a:off x="0" y="0"/>
-          <a:ext cx="0" cy="0"/>
-          <a:chOff x="0" y="0"/>
-          <a:chExt cx="0" cy="0"/>
-        </a:xfrm>
-      </p:grpSpPr>
-      <p:sp>
-        <p:nvSpPr>
-          <p:cNvPr id="2" name="Title 1"/>
-          <p:cNvSpPr>
-            <a:spLocks noGrp="1"/>
-          </p:cNvSpPr>
-          <p:nvPr>
-            <p:ph type="title"/>
-          </p:nvPr>
-        </p:nvSpPr>
-        <p:spPr/>
-        <p:txBody>
-          <a:bodyPr>
-            <a:normAutofit/>
-          </a:bodyPr>
-          <a:lstStyle/>
-          <a:p>
-            <a:r>
-              <a:rPr lang="en-US" dirty="0"/>
-              <a:t>Why studying sex determination important?</a:t>
-            </a:r>
-          </a:p>
-        </p:txBody>
-      </p:sp>
-      <p:sp>
-        <p:nvSpPr>
-          <p:cNvPr id="3" name="Content Placeholder 2"/>
-          <p:cNvSpPr>
-            <a:spLocks noGrp="1"/>
-          </p:cNvSpPr>
-          <p:nvPr>
-            <p:ph idx="1"/>
-          </p:nvPr>
-        </p:nvSpPr>
-        <p:spPr/>
-        <p:txBody>
-          <a:bodyPr/>
-          <a:lstStyle/>
-          <a:p>
-            <a:endParaRPr lang="es-ES" dirty="0"/>
-          </a:p>
-          <a:p>
-            <a:r>
-              <a:rPr lang="es-ES" dirty="0" err="1"/>
-              <a:t>Understand</a:t>
-            </a:r>
-            <a:r>
-              <a:rPr lang="es-ES" dirty="0"/>
-              <a:t> </a:t>
-            </a:r>
-            <a:r>
-              <a:rPr lang="es-ES" dirty="0" err="1"/>
-              <a:t>the</a:t>
-            </a:r>
-            <a:r>
-              <a:rPr lang="es-ES" dirty="0"/>
-              <a:t> </a:t>
-            </a:r>
-            <a:r>
-              <a:rPr lang="es-ES" dirty="0" err="1"/>
-              <a:t>evolutionary</a:t>
-            </a:r>
-            <a:r>
-              <a:rPr lang="es-ES" dirty="0"/>
-              <a:t> </a:t>
-            </a:r>
-            <a:r>
-              <a:rPr lang="es-ES" dirty="0" err="1"/>
-              <a:t>mechanisms</a:t>
-            </a:r>
-            <a:r>
-              <a:rPr lang="es-ES" dirty="0"/>
-              <a:t> </a:t>
-            </a:r>
-            <a:r>
-              <a:rPr lang="es-ES" dirty="0" err="1"/>
-              <a:t>that</a:t>
-            </a:r>
-            <a:r>
-              <a:rPr lang="es-ES" dirty="0"/>
-              <a:t> </a:t>
-            </a:r>
-            <a:r>
-              <a:rPr lang="es-ES" dirty="0" err="1"/>
-              <a:t>undelie</a:t>
-            </a:r>
-            <a:r>
-              <a:rPr lang="es-ES" dirty="0"/>
-              <a:t> sexual </a:t>
-            </a:r>
-            <a:r>
-              <a:rPr lang="es-ES" dirty="0" err="1"/>
-              <a:t>reproduction</a:t>
-            </a:r>
-            <a:r>
-              <a:rPr lang="es-ES" dirty="0"/>
-              <a:t> as </a:t>
-            </a:r>
-            <a:r>
-              <a:rPr lang="es-ES" dirty="0" err="1"/>
-              <a:t>source</a:t>
-            </a:r>
-            <a:r>
-              <a:rPr lang="es-ES" dirty="0"/>
-              <a:t> of </a:t>
-            </a:r>
-            <a:r>
-              <a:rPr lang="es-ES" dirty="0" err="1"/>
-              <a:t>genetic</a:t>
-            </a:r>
-            <a:r>
-              <a:rPr lang="es-ES" dirty="0"/>
-              <a:t> </a:t>
-            </a:r>
-            <a:r>
-              <a:rPr lang="es-ES" dirty="0" err="1"/>
-              <a:t>diversity</a:t>
-            </a:r>
-            <a:endParaRPr lang="es-ES" dirty="0"/>
-          </a:p>
-          <a:p>
-            <a:r>
-              <a:rPr lang="es-ES" dirty="0" err="1"/>
-              <a:t>Contrary</a:t>
-            </a:r>
-            <a:r>
-              <a:rPr lang="es-ES" dirty="0"/>
-              <a:t> </a:t>
-            </a:r>
-            <a:r>
-              <a:rPr lang="es-ES" dirty="0" err="1"/>
-              <a:t>to</a:t>
-            </a:r>
-            <a:r>
-              <a:rPr lang="es-ES" dirty="0"/>
-              <a:t> </a:t>
-            </a:r>
-            <a:r>
-              <a:rPr lang="es-ES" dirty="0" err="1"/>
-              <a:t>most</a:t>
-            </a:r>
-            <a:r>
-              <a:rPr lang="es-ES" dirty="0"/>
-              <a:t> of </a:t>
-            </a:r>
-            <a:r>
-              <a:rPr lang="es-ES" dirty="0" err="1"/>
-              <a:t>animals</a:t>
-            </a:r>
-            <a:r>
-              <a:rPr lang="es-ES" dirty="0"/>
-              <a:t>, </a:t>
-            </a:r>
-            <a:r>
-              <a:rPr lang="es-ES" dirty="0" err="1"/>
-              <a:t>dioecious</a:t>
-            </a:r>
-            <a:r>
-              <a:rPr lang="es-ES" dirty="0"/>
-              <a:t> </a:t>
-            </a:r>
-            <a:r>
-              <a:rPr lang="es-ES" dirty="0" err="1"/>
-              <a:t>plants</a:t>
-            </a:r>
-            <a:r>
-              <a:rPr lang="es-ES" dirty="0"/>
-              <a:t> are quite </a:t>
-            </a:r>
-            <a:r>
-              <a:rPr lang="es-ES" dirty="0" err="1"/>
-              <a:t>rare</a:t>
-            </a:r>
-            <a:endParaRPr lang="es-ES" dirty="0"/>
-          </a:p>
-          <a:p>
-            <a:r>
-              <a:rPr lang="es-ES" dirty="0" err="1"/>
-              <a:t>Improve</a:t>
-            </a:r>
-            <a:r>
-              <a:rPr lang="es-ES" dirty="0"/>
-              <a:t> </a:t>
-            </a:r>
-            <a:r>
-              <a:rPr lang="es-ES" dirty="0" err="1"/>
-              <a:t>our</a:t>
-            </a:r>
-            <a:r>
-              <a:rPr lang="es-ES" dirty="0"/>
-              <a:t> </a:t>
-            </a:r>
-            <a:r>
-              <a:rPr lang="es-ES" dirty="0" err="1"/>
-              <a:t>understanding</a:t>
-            </a:r>
-            <a:r>
-              <a:rPr lang="es-ES" dirty="0"/>
-              <a:t> of </a:t>
-            </a:r>
-            <a:r>
-              <a:rPr lang="es-ES" dirty="0" err="1"/>
-              <a:t>the</a:t>
-            </a:r>
-            <a:r>
-              <a:rPr lang="es-ES" dirty="0"/>
-              <a:t> molecular </a:t>
-            </a:r>
-            <a:r>
-              <a:rPr lang="es-ES" dirty="0" err="1"/>
-              <a:t>events</a:t>
-            </a:r>
-            <a:r>
-              <a:rPr lang="es-ES" dirty="0"/>
-              <a:t> </a:t>
-            </a:r>
-            <a:r>
-              <a:rPr lang="es-ES" dirty="0" err="1"/>
-              <a:t>that</a:t>
-            </a:r>
-            <a:r>
-              <a:rPr lang="es-ES" dirty="0"/>
-              <a:t> </a:t>
-            </a:r>
-            <a:r>
-              <a:rPr lang="es-ES" dirty="0" err="1"/>
-              <a:t>give</a:t>
-            </a:r>
-            <a:r>
-              <a:rPr lang="es-ES" dirty="0"/>
-              <a:t> </a:t>
-            </a:r>
-            <a:r>
-              <a:rPr lang="es-ES" dirty="0" err="1"/>
-              <a:t>rise</a:t>
-            </a:r>
-            <a:r>
-              <a:rPr lang="es-ES" dirty="0"/>
-              <a:t> </a:t>
-            </a:r>
-            <a:r>
-              <a:rPr lang="es-ES" dirty="0" err="1"/>
-              <a:t>to</a:t>
-            </a:r>
-            <a:r>
-              <a:rPr lang="es-ES" dirty="0"/>
-              <a:t> </a:t>
-            </a:r>
-            <a:r>
-              <a:rPr lang="es-ES" dirty="0" err="1"/>
-              <a:t>the</a:t>
-            </a:r>
-            <a:r>
-              <a:rPr lang="es-ES" dirty="0"/>
-              <a:t> sexual </a:t>
-            </a:r>
-            <a:r>
-              <a:rPr lang="es-ES" dirty="0" err="1"/>
-              <a:t>differentiation</a:t>
-            </a:r>
-            <a:r>
-              <a:rPr lang="es-ES" dirty="0"/>
-              <a:t> </a:t>
-            </a:r>
-            <a:endParaRPr lang="en-US" dirty="0"/>
-          </a:p>
-        </p:txBody>
-      </p:sp>
-    </p:spTree>
-    <p:extLst>
-      <p:ext uri="{BB962C8B-B14F-4D97-AF65-F5344CB8AC3E}">
-        <p14:creationId xmlns:p14="http://schemas.microsoft.com/office/powerpoint/2010/main" val="1501002260"/>
-      </p:ext>
-    </p:extLst>
-  </p:cSld>
-  <p:clrMapOvr>
-    <a:masterClrMapping/>
-  </p:clrMapOvr>
-</p:sld>
-</file>
-
-<file path=ppt/slides/slide20.xml><?xml version="1.0" encoding="utf-8"?>
+<file path=ppt/slides/slide22.xml><?xml version="1.0" encoding="utf-8"?>
 <p:sld xmlns:a="http://schemas.openxmlformats.org/drawingml/2006/main" xmlns:r="http://schemas.openxmlformats.org/officeDocument/2006/relationships" xmlns:p="http://schemas.openxmlformats.org/presentationml/2006/main">
   <p:cSld>
     <p:spTree>
@@ -14334,9 +19128,10 @@
           <a:lstStyle/>
           <a:p>
             <a:r>
-              <a:rPr lang="en-US" dirty="0"/>
-              <a:t>Conclusion</a:t>
-            </a:r>
+              <a:rPr lang="en-US" dirty="0" smtClean="0"/>
+              <a:t>Conclusions</a:t>
+            </a:r>
+            <a:endParaRPr lang="en-US" dirty="0"/>
           </a:p>
         </p:txBody>
       </p:sp>
@@ -14355,7 +19150,17 @@
           <a:bodyPr/>
           <a:lstStyle/>
           <a:p>
-            <a:endParaRPr lang="en-US"/>
+            <a:r>
+              <a:rPr lang="en-US" dirty="0" smtClean="0"/>
+              <a:t>It is very important to understand the experimental design and method selection before starting any data analysis.</a:t>
+            </a:r>
+          </a:p>
+          <a:p>
+            <a:r>
+              <a:rPr lang="en-US" dirty="0" smtClean="0"/>
+              <a:t>Documentation should be sufficient enough to allow that any other person can be able to understand the analysis workflow and replicate the pipeline</a:t>
+            </a:r>
+            <a:endParaRPr lang="en-US" dirty="0"/>
           </a:p>
         </p:txBody>
       </p:sp>
@@ -14372,7 +19177,7 @@
 </p:sld>
 </file>
 
-<file path=ppt/slides/slide21.xml><?xml version="1.0" encoding="utf-8"?>
+<file path=ppt/slides/slide23.xml><?xml version="1.0" encoding="utf-8"?>
 <p:sld xmlns:a="http://schemas.openxmlformats.org/drawingml/2006/main" xmlns:r="http://schemas.openxmlformats.org/officeDocument/2006/relationships" xmlns:p="http://schemas.openxmlformats.org/presentationml/2006/main">
   <p:cSld>
     <p:spTree>
@@ -15199,7 +20004,7 @@
       </p:grpSpPr>
       <p:sp>
         <p:nvSpPr>
-          <p:cNvPr id="2" name="Title 1"/>
+          <p:cNvPr id="2" name="Título 1"/>
           <p:cNvSpPr>
             <a:spLocks noGrp="1"/>
           </p:cNvSpPr>
@@ -15207,41 +20012,162 @@
             <p:ph type="title"/>
           </p:nvPr>
         </p:nvSpPr>
-        <p:spPr/>
+        <p:spPr>
+          <a:xfrm>
+            <a:off x="1028700" y="685800"/>
+            <a:ext cx="7200900" cy="838200"/>
+          </a:xfrm>
+        </p:spPr>
         <p:txBody>
           <a:bodyPr/>
           <a:lstStyle/>
           <a:p>
             <a:r>
-              <a:rPr lang="en-US" dirty="0"/>
+              <a:rPr lang="es-ES" dirty="0" err="1" smtClean="0"/>
               <a:t>Methods</a:t>
             </a:r>
+            <a:endParaRPr lang="en-US" dirty="0"/>
           </a:p>
         </p:txBody>
       </p:sp>
+      <p:graphicFrame>
+        <p:nvGraphicFramePr>
+          <p:cNvPr id="4" name="Marcador de contenido 3"/>
+          <p:cNvGraphicFramePr>
+            <a:graphicFrameLocks noGrp="1"/>
+          </p:cNvGraphicFramePr>
+          <p:nvPr>
+            <p:ph idx="1"/>
+            <p:extLst>
+              <p:ext uri="{D42A27DB-BD31-4B8C-83A1-F6EECF244321}">
+                <p14:modId xmlns:p14="http://schemas.microsoft.com/office/powerpoint/2010/main" val="2993138473"/>
+              </p:ext>
+            </p:extLst>
+          </p:nvPr>
+        </p:nvGraphicFramePr>
+        <p:xfrm>
+          <a:off x="0" y="1490730"/>
+          <a:ext cx="9067800" cy="2624070"/>
+        </p:xfrm>
+        <a:graphic>
+          <a:graphicData uri="http://schemas.openxmlformats.org/drawingml/2006/diagram">
+            <dgm:relIds xmlns:dgm="http://schemas.openxmlformats.org/drawingml/2006/diagram" xmlns:r="http://schemas.openxmlformats.org/officeDocument/2006/relationships" r:dm="rId2" r:lo="rId3" r:qs="rId4" r:cs="rId5"/>
+          </a:graphicData>
+        </a:graphic>
+      </p:graphicFrame>
+      <p:pic>
+        <p:nvPicPr>
+          <p:cNvPr id="5" name="Imagen 4"/>
+          <p:cNvPicPr>
+            <a:picLocks noChangeAspect="1"/>
+          </p:cNvPicPr>
+          <p:nvPr/>
+        </p:nvPicPr>
+        <p:blipFill>
+          <a:blip r:embed="rId7"/>
+          <a:stretch>
+            <a:fillRect/>
+          </a:stretch>
+        </p:blipFill>
+        <p:spPr>
+          <a:xfrm>
+            <a:off x="5105400" y="3979332"/>
+            <a:ext cx="1600200" cy="2844800"/>
+          </a:xfrm>
+          <a:prstGeom prst="rect">
+            <a:avLst/>
+          </a:prstGeom>
+        </p:spPr>
+      </p:pic>
       <p:sp>
         <p:nvSpPr>
-          <p:cNvPr id="3" name="Content Placeholder 2"/>
-          <p:cNvSpPr>
-            <a:spLocks noGrp="1"/>
-          </p:cNvSpPr>
-          <p:nvPr>
-            <p:ph idx="1"/>
-          </p:nvPr>
+          <p:cNvPr id="6" name="CuadroTexto 5"/>
+          <p:cNvSpPr txBox="1"/>
+          <p:nvPr/>
         </p:nvSpPr>
-        <p:spPr/>
+        <p:spPr>
+          <a:xfrm>
+            <a:off x="1981200" y="5078567"/>
+            <a:ext cx="2218877" cy="646331"/>
+          </a:xfrm>
+          <a:prstGeom prst="rect">
+            <a:avLst/>
+          </a:prstGeom>
+        </p:spPr>
+        <p:style>
+          <a:lnRef idx="2">
+            <a:schemeClr val="dk1"/>
+          </a:lnRef>
+          <a:fillRef idx="1">
+            <a:schemeClr val="lt1"/>
+          </a:fillRef>
+          <a:effectRef idx="0">
+            <a:schemeClr val="dk1"/>
+          </a:effectRef>
+          <a:fontRef idx="minor">
+            <a:schemeClr val="dk1"/>
+          </a:fontRef>
+        </p:style>
         <p:txBody>
-          <a:bodyPr/>
+          <a:bodyPr wrap="none" rtlCol="0">
+            <a:spAutoFit/>
+          </a:bodyPr>
           <a:lstStyle/>
           <a:p>
-            <a:endParaRPr lang="en-US"/>
+            <a:r>
+              <a:rPr lang="en-US" dirty="0" smtClean="0"/>
+              <a:t>Experimental design:</a:t>
+            </a:r>
+          </a:p>
+          <a:p>
+            <a:r>
+              <a:rPr lang="en-US" dirty="0" smtClean="0"/>
+              <a:t>3 lines, 3 sexes</a:t>
+            </a:r>
+            <a:endParaRPr lang="en-US" dirty="0"/>
           </a:p>
         </p:txBody>
       </p:sp>
+      <p:cxnSp>
+        <p:nvCxnSpPr>
+          <p:cNvPr id="8" name="Conector recto de flecha 7"/>
+          <p:cNvCxnSpPr>
+            <a:stCxn id="6" idx="3"/>
+            <a:endCxn id="5" idx="1"/>
+          </p:cNvCxnSpPr>
+          <p:nvPr/>
+        </p:nvCxnSpPr>
+        <p:spPr>
+          <a:xfrm flipV="1">
+            <a:off x="4200077" y="5401732"/>
+            <a:ext cx="905323" cy="1"/>
+          </a:xfrm>
+          <a:prstGeom prst="straightConnector1">
+            <a:avLst/>
+          </a:prstGeom>
+          <a:ln>
+            <a:tailEnd type="triangle"/>
+          </a:ln>
+        </p:spPr>
+        <p:style>
+          <a:lnRef idx="2">
+            <a:schemeClr val="dk1"/>
+          </a:lnRef>
+          <a:fillRef idx="0">
+            <a:schemeClr val="dk1"/>
+          </a:fillRef>
+          <a:effectRef idx="1">
+            <a:schemeClr val="dk1"/>
+          </a:effectRef>
+          <a:fontRef idx="minor">
+            <a:schemeClr val="tx1"/>
+          </a:fontRef>
+        </p:style>
+      </p:cxnSp>
     </p:spTree>
     <p:extLst>
       <p:ext uri="{BB962C8B-B14F-4D97-AF65-F5344CB8AC3E}">
-        <p14:creationId xmlns:p14="http://schemas.microsoft.com/office/powerpoint/2010/main" val="3115767081"/>
+        <p14:creationId xmlns:p14="http://schemas.microsoft.com/office/powerpoint/2010/main" val="180390728"/>
       </p:ext>
     </p:extLst>
   </p:cSld>
@@ -15345,42 +20271,9 @@
           <a:chExt cx="0" cy="0"/>
         </a:xfrm>
       </p:grpSpPr>
-      <p:cxnSp>
-        <p:nvCxnSpPr>
-          <p:cNvPr id="11" name="Conector recto de flecha 10"/>
-          <p:cNvCxnSpPr/>
-          <p:nvPr/>
-        </p:nvCxnSpPr>
-        <p:spPr>
-          <a:xfrm>
-            <a:off x="2895600" y="2438400"/>
-            <a:ext cx="7666" cy="908425"/>
-          </a:xfrm>
-          <a:prstGeom prst="straightConnector1">
-            <a:avLst/>
-          </a:prstGeom>
-          <a:ln>
-            <a:tailEnd type="triangle"/>
-          </a:ln>
-        </p:spPr>
-        <p:style>
-          <a:lnRef idx="2">
-            <a:schemeClr val="dk1"/>
-          </a:lnRef>
-          <a:fillRef idx="0">
-            <a:schemeClr val="dk1"/>
-          </a:fillRef>
-          <a:effectRef idx="1">
-            <a:schemeClr val="dk1"/>
-          </a:effectRef>
-          <a:fontRef idx="minor">
-            <a:schemeClr val="tx1"/>
-          </a:fontRef>
-        </p:style>
-      </p:cxnSp>
       <p:sp>
         <p:nvSpPr>
-          <p:cNvPr id="2" name="Title 1"/>
+          <p:cNvPr id="2" name="Título 1"/>
           <p:cNvSpPr>
             <a:spLocks noGrp="1"/>
           </p:cNvSpPr>
@@ -15388,12 +20281,7 @@
             <p:ph type="title"/>
           </p:nvPr>
         </p:nvSpPr>
-        <p:spPr>
-          <a:xfrm>
-            <a:off x="998635" y="244793"/>
-            <a:ext cx="7200900" cy="963483"/>
-          </a:xfrm>
-        </p:spPr>
+        <p:spPr/>
         <p:txBody>
           <a:bodyPr/>
           <a:lstStyle/>
@@ -15409,795 +20297,77 @@
           </a:p>
         </p:txBody>
       </p:sp>
-      <p:graphicFrame>
-        <p:nvGraphicFramePr>
-          <p:cNvPr id="4" name="Content Placeholder 3"/>
-          <p:cNvGraphicFramePr>
-            <a:graphicFrameLocks noGrp="1"/>
-          </p:cNvGraphicFramePr>
+      <p:pic>
+        <p:nvPicPr>
+          <p:cNvPr id="1026" name="Picture 2" descr="Resultado de imagen para read alignment RNA seq"/>
+          <p:cNvPicPr>
+            <a:picLocks noGrp="1" noChangeAspect="1" noChangeArrowheads="1"/>
+          </p:cNvPicPr>
           <p:nvPr>
             <p:ph idx="1"/>
-            <p:extLst>
-              <p:ext uri="{D42A27DB-BD31-4B8C-83A1-F6EECF244321}">
-                <p14:modId xmlns:p14="http://schemas.microsoft.com/office/powerpoint/2010/main" val="1716075429"/>
-              </p:ext>
-            </p:extLst>
           </p:nvPr>
-        </p:nvGraphicFramePr>
-        <p:xfrm>
-          <a:off x="533400" y="3276600"/>
-          <a:ext cx="8115300" cy="1295399"/>
-        </p:xfrm>
-        <a:graphic>
-          <a:graphicData uri="http://schemas.openxmlformats.org/drawingml/2006/diagram">
-            <dgm:relIds xmlns:dgm="http://schemas.openxmlformats.org/drawingml/2006/diagram" xmlns:r="http://schemas.openxmlformats.org/officeDocument/2006/relationships" r:dm="rId2" r:lo="rId3" r:qs="rId4" r:cs="rId5"/>
-          </a:graphicData>
-        </a:graphic>
-      </p:graphicFrame>
-      <p:sp>
-        <p:nvSpPr>
-          <p:cNvPr id="3" name="CuadroTexto 2"/>
-          <p:cNvSpPr txBox="1"/>
+        </p:nvPicPr>
+        <p:blipFill>
+          <a:blip r:embed="rId2">
+            <a:extLst>
+              <a:ext uri="{28A0092B-C50C-407E-A947-70E740481C1C}">
+                <a14:useLocalDpi xmlns:a14="http://schemas.microsoft.com/office/drawing/2010/main" val="0"/>
+              </a:ext>
+            </a:extLst>
+          </a:blip>
+          <a:srcRect/>
+          <a:stretch>
+            <a:fillRect/>
+          </a:stretch>
+        </p:blipFill>
+        <p:spPr bwMode="auto">
+          <a:xfrm>
+            <a:off x="1752600" y="1752600"/>
+            <a:ext cx="6190141" cy="4724400"/>
+          </a:xfrm>
+          <a:prstGeom prst="rect">
+            <a:avLst/>
+          </a:prstGeom>
+          <a:noFill/>
+          <a:extLst>
+            <a:ext uri="{909E8E84-426E-40DD-AFC4-6F175D3DCCD1}">
+              <a14:hiddenFill xmlns:a14="http://schemas.microsoft.com/office/drawing/2010/main">
+                <a:solidFill>
+                  <a:srgbClr val="FFFFFF"/>
+                </a:solidFill>
+              </a14:hiddenFill>
+            </a:ext>
+          </a:extLst>
+        </p:spPr>
+      </p:pic>
+      <p:pic>
+        <p:nvPicPr>
+          <p:cNvPr id="4" name="Imagen 3"/>
+          <p:cNvPicPr>
+            <a:picLocks noChangeAspect="1"/>
+          </p:cNvPicPr>
           <p:nvPr/>
-        </p:nvSpPr>
+        </p:nvPicPr>
+        <p:blipFill>
+          <a:blip r:embed="rId3"/>
+          <a:stretch>
+            <a:fillRect/>
+          </a:stretch>
+        </p:blipFill>
         <p:spPr>
           <a:xfrm>
-            <a:off x="617635" y="2104311"/>
-            <a:ext cx="1119730" cy="523220"/>
+            <a:off x="1752600" y="6603508"/>
+            <a:ext cx="4848225" cy="219075"/>
           </a:xfrm>
           <a:prstGeom prst="rect">
             <a:avLst/>
           </a:prstGeom>
         </p:spPr>
-        <p:style>
-          <a:lnRef idx="2">
-            <a:schemeClr val="dk1"/>
-          </a:lnRef>
-          <a:fillRef idx="1">
-            <a:schemeClr val="lt1"/>
-          </a:fillRef>
-          <a:effectRef idx="0">
-            <a:schemeClr val="dk1"/>
-          </a:effectRef>
-          <a:fontRef idx="minor">
-            <a:schemeClr val="dk1"/>
-          </a:fontRef>
-        </p:style>
-        <p:txBody>
-          <a:bodyPr wrap="none" rtlCol="0">
-            <a:spAutoFit/>
-          </a:bodyPr>
-          <a:lstStyle/>
-          <a:p>
-            <a:r>
-              <a:rPr lang="es-ES" sz="1400" dirty="0" err="1"/>
-              <a:t>raw</a:t>
-            </a:r>
-            <a:r>
-              <a:rPr lang="es-ES" sz="1400" dirty="0"/>
-              <a:t> </a:t>
-            </a:r>
-            <a:r>
-              <a:rPr lang="es-ES" sz="1400" dirty="0" err="1"/>
-              <a:t>reads</a:t>
-            </a:r>
-            <a:endParaRPr lang="es-ES" sz="1400" dirty="0"/>
-          </a:p>
-          <a:p>
-            <a:r>
-              <a:rPr lang="es-ES" sz="1400" dirty="0" err="1"/>
-              <a:t>Source</a:t>
-            </a:r>
-            <a:r>
-              <a:rPr lang="es-ES" sz="1400" dirty="0"/>
-              <a:t>: </a:t>
-            </a:r>
-            <a:r>
-              <a:rPr lang="es-ES" sz="1400" dirty="0" err="1"/>
-              <a:t>ncbi</a:t>
-            </a:r>
-            <a:endParaRPr lang="en-US" sz="1400" dirty="0"/>
-          </a:p>
-        </p:txBody>
-      </p:sp>
-      <p:sp>
-        <p:nvSpPr>
-          <p:cNvPr id="5" name="CuadroTexto 4"/>
-          <p:cNvSpPr txBox="1"/>
-          <p:nvPr/>
-        </p:nvSpPr>
-        <p:spPr>
-          <a:xfrm>
-            <a:off x="617635" y="5186065"/>
-            <a:ext cx="767518" cy="307777"/>
-          </a:xfrm>
-          <a:prstGeom prst="rect">
-            <a:avLst/>
-          </a:prstGeom>
-        </p:spPr>
-        <p:style>
-          <a:lnRef idx="2">
-            <a:schemeClr val="dk1"/>
-          </a:lnRef>
-          <a:fillRef idx="1">
-            <a:schemeClr val="lt1"/>
-          </a:fillRef>
-          <a:effectRef idx="0">
-            <a:schemeClr val="dk1"/>
-          </a:effectRef>
-          <a:fontRef idx="minor">
-            <a:schemeClr val="dk1"/>
-          </a:fontRef>
-        </p:style>
-        <p:txBody>
-          <a:bodyPr wrap="none" rtlCol="0">
-            <a:spAutoFit/>
-          </a:bodyPr>
-          <a:lstStyle/>
-          <a:p>
-            <a:r>
-              <a:rPr lang="es-ES" sz="1400" dirty="0"/>
-              <a:t>FASTQC</a:t>
-            </a:r>
-            <a:endParaRPr lang="en-US" sz="1400" dirty="0"/>
-          </a:p>
-        </p:txBody>
-      </p:sp>
-      <p:cxnSp>
-        <p:nvCxnSpPr>
-          <p:cNvPr id="7" name="Conector recto de flecha 6"/>
-          <p:cNvCxnSpPr/>
-          <p:nvPr/>
-        </p:nvCxnSpPr>
-        <p:spPr>
-          <a:xfrm>
-            <a:off x="838200" y="2627531"/>
-            <a:ext cx="0" cy="725269"/>
-          </a:xfrm>
-          <a:prstGeom prst="straightConnector1">
-            <a:avLst/>
-          </a:prstGeom>
-          <a:ln>
-            <a:tailEnd type="triangle"/>
-          </a:ln>
-        </p:spPr>
-        <p:style>
-          <a:lnRef idx="2">
-            <a:schemeClr val="dk1"/>
-          </a:lnRef>
-          <a:fillRef idx="0">
-            <a:schemeClr val="dk1"/>
-          </a:fillRef>
-          <a:effectRef idx="1">
-            <a:schemeClr val="dk1"/>
-          </a:effectRef>
-          <a:fontRef idx="minor">
-            <a:schemeClr val="tx1"/>
-          </a:fontRef>
-        </p:style>
-      </p:cxnSp>
-      <p:cxnSp>
-        <p:nvCxnSpPr>
-          <p:cNvPr id="8" name="Conector recto de flecha 7"/>
-          <p:cNvCxnSpPr/>
-          <p:nvPr/>
-        </p:nvCxnSpPr>
-        <p:spPr>
-          <a:xfrm flipV="1">
-            <a:off x="998635" y="4419600"/>
-            <a:ext cx="0" cy="766465"/>
-          </a:xfrm>
-          <a:prstGeom prst="straightConnector1">
-            <a:avLst/>
-          </a:prstGeom>
-          <a:ln>
-            <a:tailEnd type="triangle"/>
-          </a:ln>
-        </p:spPr>
-        <p:style>
-          <a:lnRef idx="2">
-            <a:schemeClr val="dk1"/>
-          </a:lnRef>
-          <a:fillRef idx="0">
-            <a:schemeClr val="dk1"/>
-          </a:fillRef>
-          <a:effectRef idx="1">
-            <a:schemeClr val="dk1"/>
-          </a:effectRef>
-          <a:fontRef idx="minor">
-            <a:schemeClr val="tx1"/>
-          </a:fontRef>
-        </p:style>
-      </p:cxnSp>
-      <p:sp>
-        <p:nvSpPr>
-          <p:cNvPr id="10" name="CuadroTexto 9"/>
-          <p:cNvSpPr txBox="1"/>
-          <p:nvPr/>
-        </p:nvSpPr>
-        <p:spPr>
-          <a:xfrm>
-            <a:off x="2589162" y="2104311"/>
-            <a:ext cx="1524000" cy="523220"/>
-          </a:xfrm>
-          <a:prstGeom prst="rect">
-            <a:avLst/>
-          </a:prstGeom>
-        </p:spPr>
-        <p:style>
-          <a:lnRef idx="2">
-            <a:schemeClr val="dk1"/>
-          </a:lnRef>
-          <a:fillRef idx="1">
-            <a:schemeClr val="lt1"/>
-          </a:fillRef>
-          <a:effectRef idx="0">
-            <a:schemeClr val="dk1"/>
-          </a:effectRef>
-          <a:fontRef idx="minor">
-            <a:schemeClr val="dk1"/>
-          </a:fontRef>
-        </p:style>
-        <p:txBody>
-          <a:bodyPr wrap="square" rtlCol="0">
-            <a:spAutoFit/>
-          </a:bodyPr>
-          <a:lstStyle/>
-          <a:p>
-            <a:r>
-              <a:rPr lang="es-ES" sz="1400" dirty="0" err="1"/>
-              <a:t>raw</a:t>
-            </a:r>
-            <a:r>
-              <a:rPr lang="es-ES" sz="1400" dirty="0"/>
-              <a:t> </a:t>
-            </a:r>
-            <a:r>
-              <a:rPr lang="es-ES" sz="1400" dirty="0" err="1"/>
-              <a:t>reads</a:t>
-            </a:r>
-            <a:r>
-              <a:rPr lang="es-ES" sz="1400" dirty="0"/>
-              <a:t> </a:t>
-            </a:r>
-            <a:r>
-              <a:rPr lang="es-ES" sz="1400" dirty="0" err="1"/>
-              <a:t>Based</a:t>
-            </a:r>
-            <a:r>
-              <a:rPr lang="es-ES" sz="1400" dirty="0"/>
-              <a:t> </a:t>
-            </a:r>
-          </a:p>
-          <a:p>
-            <a:r>
-              <a:rPr lang="es-ES" sz="1400" dirty="0" err="1"/>
-              <a:t>on</a:t>
-            </a:r>
-            <a:r>
-              <a:rPr lang="es-ES" sz="1400" dirty="0"/>
-              <a:t> FASTQC</a:t>
-            </a:r>
-            <a:endParaRPr lang="en-US" sz="1400" dirty="0"/>
-          </a:p>
-        </p:txBody>
-      </p:sp>
-      <p:sp>
-        <p:nvSpPr>
-          <p:cNvPr id="13" name="CuadroTexto 12"/>
-          <p:cNvSpPr txBox="1"/>
-          <p:nvPr/>
-        </p:nvSpPr>
-        <p:spPr>
-          <a:xfrm>
-            <a:off x="2743200" y="5186065"/>
-            <a:ext cx="856325" cy="307777"/>
-          </a:xfrm>
-          <a:prstGeom prst="rect">
-            <a:avLst/>
-          </a:prstGeom>
-        </p:spPr>
-        <p:style>
-          <a:lnRef idx="2">
-            <a:schemeClr val="dk1"/>
-          </a:lnRef>
-          <a:fillRef idx="1">
-            <a:schemeClr val="lt1"/>
-          </a:fillRef>
-          <a:effectRef idx="0">
-            <a:schemeClr val="dk1"/>
-          </a:effectRef>
-          <a:fontRef idx="minor">
-            <a:schemeClr val="dk1"/>
-          </a:fontRef>
-        </p:style>
-        <p:txBody>
-          <a:bodyPr wrap="none" rtlCol="0">
-            <a:spAutoFit/>
-          </a:bodyPr>
-          <a:lstStyle/>
-          <a:p>
-            <a:r>
-              <a:rPr lang="es-ES" sz="1400" dirty="0" err="1"/>
-              <a:t>cutadapt</a:t>
-            </a:r>
-            <a:endParaRPr lang="en-US" sz="1400" dirty="0"/>
-          </a:p>
-        </p:txBody>
-      </p:sp>
-      <p:cxnSp>
-        <p:nvCxnSpPr>
-          <p:cNvPr id="14" name="Conector recto de flecha 13"/>
-          <p:cNvCxnSpPr/>
-          <p:nvPr/>
-        </p:nvCxnSpPr>
-        <p:spPr>
-          <a:xfrm flipV="1">
-            <a:off x="3124200" y="4419600"/>
-            <a:ext cx="0" cy="766465"/>
-          </a:xfrm>
-          <a:prstGeom prst="straightConnector1">
-            <a:avLst/>
-          </a:prstGeom>
-          <a:ln>
-            <a:tailEnd type="triangle"/>
-          </a:ln>
-        </p:spPr>
-        <p:style>
-          <a:lnRef idx="2">
-            <a:schemeClr val="dk1"/>
-          </a:lnRef>
-          <a:fillRef idx="0">
-            <a:schemeClr val="dk1"/>
-          </a:fillRef>
-          <a:effectRef idx="1">
-            <a:schemeClr val="dk1"/>
-          </a:effectRef>
-          <a:fontRef idx="minor">
-            <a:schemeClr val="tx1"/>
-          </a:fontRef>
-        </p:style>
-      </p:cxnSp>
-      <p:sp>
-        <p:nvSpPr>
-          <p:cNvPr id="15" name="CuadroTexto 14"/>
-          <p:cNvSpPr txBox="1"/>
-          <p:nvPr/>
-        </p:nvSpPr>
-        <p:spPr>
-          <a:xfrm>
-            <a:off x="3825871" y="5943600"/>
-            <a:ext cx="1050929" cy="369332"/>
-          </a:xfrm>
-          <a:prstGeom prst="rect">
-            <a:avLst/>
-          </a:prstGeom>
-        </p:spPr>
-        <p:style>
-          <a:lnRef idx="2">
-            <a:schemeClr val="dk1"/>
-          </a:lnRef>
-          <a:fillRef idx="1">
-            <a:schemeClr val="lt1"/>
-          </a:fillRef>
-          <a:effectRef idx="0">
-            <a:schemeClr val="dk1"/>
-          </a:effectRef>
-          <a:fontRef idx="minor">
-            <a:schemeClr val="dk1"/>
-          </a:fontRef>
-        </p:style>
-        <p:txBody>
-          <a:bodyPr wrap="none" rtlCol="0">
-            <a:spAutoFit/>
-          </a:bodyPr>
-          <a:lstStyle/>
-          <a:p>
-            <a:r>
-              <a:rPr lang="es-ES" dirty="0"/>
-              <a:t>Software</a:t>
-            </a:r>
-            <a:endParaRPr lang="en-US" dirty="0"/>
-          </a:p>
-        </p:txBody>
-      </p:sp>
-      <p:sp>
-        <p:nvSpPr>
-          <p:cNvPr id="16" name="CuadroTexto 15"/>
-          <p:cNvSpPr txBox="1"/>
-          <p:nvPr/>
-        </p:nvSpPr>
-        <p:spPr>
-          <a:xfrm>
-            <a:off x="4257004" y="1324930"/>
-            <a:ext cx="684162" cy="369332"/>
-          </a:xfrm>
-          <a:prstGeom prst="rect">
-            <a:avLst/>
-          </a:prstGeom>
-        </p:spPr>
-        <p:style>
-          <a:lnRef idx="2">
-            <a:schemeClr val="dk1"/>
-          </a:lnRef>
-          <a:fillRef idx="1">
-            <a:schemeClr val="lt1"/>
-          </a:fillRef>
-          <a:effectRef idx="0">
-            <a:schemeClr val="dk1"/>
-          </a:effectRef>
-          <a:fontRef idx="minor">
-            <a:schemeClr val="dk1"/>
-          </a:fontRef>
-        </p:style>
-        <p:txBody>
-          <a:bodyPr wrap="none" rtlCol="0">
-            <a:spAutoFit/>
-          </a:bodyPr>
-          <a:lstStyle/>
-          <a:p>
-            <a:r>
-              <a:rPr lang="es-ES" dirty="0"/>
-              <a:t>Input</a:t>
-            </a:r>
-            <a:endParaRPr lang="en-US" dirty="0"/>
-          </a:p>
-        </p:txBody>
-      </p:sp>
-      <p:cxnSp>
-        <p:nvCxnSpPr>
-          <p:cNvPr id="20" name="Conector recto de flecha 19"/>
-          <p:cNvCxnSpPr/>
-          <p:nvPr/>
-        </p:nvCxnSpPr>
-        <p:spPr>
-          <a:xfrm>
-            <a:off x="5183238" y="2438400"/>
-            <a:ext cx="7666" cy="908425"/>
-          </a:xfrm>
-          <a:prstGeom prst="straightConnector1">
-            <a:avLst/>
-          </a:prstGeom>
-          <a:ln>
-            <a:tailEnd type="triangle"/>
-          </a:ln>
-        </p:spPr>
-        <p:style>
-          <a:lnRef idx="2">
-            <a:schemeClr val="dk1"/>
-          </a:lnRef>
-          <a:fillRef idx="0">
-            <a:schemeClr val="dk1"/>
-          </a:fillRef>
-          <a:effectRef idx="1">
-            <a:schemeClr val="dk1"/>
-          </a:effectRef>
-          <a:fontRef idx="minor">
-            <a:schemeClr val="tx1"/>
-          </a:fontRef>
-        </p:style>
-      </p:cxnSp>
-      <p:sp>
-        <p:nvSpPr>
-          <p:cNvPr id="21" name="CuadroTexto 20"/>
-          <p:cNvSpPr txBox="1"/>
-          <p:nvPr/>
-        </p:nvSpPr>
-        <p:spPr>
-          <a:xfrm>
-            <a:off x="4876800" y="2104311"/>
-            <a:ext cx="1524000" cy="523220"/>
-          </a:xfrm>
-          <a:prstGeom prst="rect">
-            <a:avLst/>
-          </a:prstGeom>
-        </p:spPr>
-        <p:style>
-          <a:lnRef idx="2">
-            <a:schemeClr val="dk1"/>
-          </a:lnRef>
-          <a:fillRef idx="1">
-            <a:schemeClr val="lt1"/>
-          </a:fillRef>
-          <a:effectRef idx="0">
-            <a:schemeClr val="dk1"/>
-          </a:effectRef>
-          <a:fontRef idx="minor">
-            <a:schemeClr val="dk1"/>
-          </a:fontRef>
-        </p:style>
-        <p:txBody>
-          <a:bodyPr wrap="square" rtlCol="0">
-            <a:spAutoFit/>
-          </a:bodyPr>
-          <a:lstStyle/>
-          <a:p>
-            <a:r>
-              <a:rPr lang="es-ES" sz="1400" dirty="0" err="1"/>
-              <a:t>Trimmed</a:t>
-            </a:r>
-            <a:r>
-              <a:rPr lang="es-ES" sz="1400" dirty="0"/>
-              <a:t> </a:t>
-            </a:r>
-            <a:r>
-              <a:rPr lang="es-ES" sz="1400" dirty="0" err="1"/>
-              <a:t>reads</a:t>
-            </a:r>
-            <a:endParaRPr lang="es-ES" sz="1400" dirty="0"/>
-          </a:p>
-          <a:p>
-            <a:r>
-              <a:rPr lang="es-ES" sz="1400" dirty="0" err="1"/>
-              <a:t>Transcriptome</a:t>
-            </a:r>
-            <a:r>
-              <a:rPr lang="es-ES" sz="1400" dirty="0"/>
-              <a:t> file</a:t>
-            </a:r>
-            <a:endParaRPr lang="en-US" sz="1400" dirty="0"/>
-          </a:p>
-        </p:txBody>
-      </p:sp>
-      <p:sp>
-        <p:nvSpPr>
-          <p:cNvPr id="22" name="CuadroTexto 21"/>
-          <p:cNvSpPr txBox="1"/>
-          <p:nvPr/>
-        </p:nvSpPr>
-        <p:spPr>
-          <a:xfrm>
-            <a:off x="4876800" y="5196797"/>
-            <a:ext cx="1225848" cy="307777"/>
-          </a:xfrm>
-          <a:prstGeom prst="rect">
-            <a:avLst/>
-          </a:prstGeom>
-        </p:spPr>
-        <p:style>
-          <a:lnRef idx="2">
-            <a:schemeClr val="dk1"/>
-          </a:lnRef>
-          <a:fillRef idx="1">
-            <a:schemeClr val="lt1"/>
-          </a:fillRef>
-          <a:effectRef idx="0">
-            <a:schemeClr val="dk1"/>
-          </a:effectRef>
-          <a:fontRef idx="minor">
-            <a:schemeClr val="dk1"/>
-          </a:fontRef>
-        </p:style>
-        <p:txBody>
-          <a:bodyPr wrap="none" rtlCol="0">
-            <a:spAutoFit/>
-          </a:bodyPr>
-          <a:lstStyle/>
-          <a:p>
-            <a:r>
-              <a:rPr lang="es-ES" sz="1400" dirty="0"/>
-              <a:t>RSEM, </a:t>
-            </a:r>
-            <a:r>
-              <a:rPr lang="es-ES" sz="1400" dirty="0" err="1"/>
-              <a:t>bowtie</a:t>
-            </a:r>
-            <a:endParaRPr lang="en-US" sz="1400" dirty="0"/>
-          </a:p>
-        </p:txBody>
-      </p:sp>
-      <p:cxnSp>
-        <p:nvCxnSpPr>
-          <p:cNvPr id="23" name="Conector recto de flecha 22"/>
-          <p:cNvCxnSpPr/>
-          <p:nvPr/>
-        </p:nvCxnSpPr>
-        <p:spPr>
-          <a:xfrm flipV="1">
-            <a:off x="5257800" y="4430332"/>
-            <a:ext cx="0" cy="766465"/>
-          </a:xfrm>
-          <a:prstGeom prst="straightConnector1">
-            <a:avLst/>
-          </a:prstGeom>
-          <a:ln>
-            <a:tailEnd type="triangle"/>
-          </a:ln>
-        </p:spPr>
-        <p:style>
-          <a:lnRef idx="2">
-            <a:schemeClr val="dk1"/>
-          </a:lnRef>
-          <a:fillRef idx="0">
-            <a:schemeClr val="dk1"/>
-          </a:fillRef>
-          <a:effectRef idx="1">
-            <a:schemeClr val="dk1"/>
-          </a:effectRef>
-          <a:fontRef idx="minor">
-            <a:schemeClr val="tx1"/>
-          </a:fontRef>
-        </p:style>
-      </p:cxnSp>
-      <p:sp>
-        <p:nvSpPr>
-          <p:cNvPr id="24" name="CuadroTexto 23"/>
-          <p:cNvSpPr txBox="1"/>
-          <p:nvPr/>
-        </p:nvSpPr>
-        <p:spPr>
-          <a:xfrm>
-            <a:off x="7091172" y="5198943"/>
-            <a:ext cx="641522" cy="307777"/>
-          </a:xfrm>
-          <a:prstGeom prst="rect">
-            <a:avLst/>
-          </a:prstGeom>
-        </p:spPr>
-        <p:style>
-          <a:lnRef idx="2">
-            <a:schemeClr val="dk1"/>
-          </a:lnRef>
-          <a:fillRef idx="1">
-            <a:schemeClr val="lt1"/>
-          </a:fillRef>
-          <a:effectRef idx="0">
-            <a:schemeClr val="dk1"/>
-          </a:effectRef>
-          <a:fontRef idx="minor">
-            <a:schemeClr val="dk1"/>
-          </a:fontRef>
-        </p:style>
-        <p:txBody>
-          <a:bodyPr wrap="none" rtlCol="0">
-            <a:spAutoFit/>
-          </a:bodyPr>
-          <a:lstStyle/>
-          <a:p>
-            <a:r>
-              <a:rPr lang="es-ES" sz="1400" dirty="0"/>
-              <a:t>RSEM</a:t>
-            </a:r>
-            <a:endParaRPr lang="en-US" sz="1400" dirty="0"/>
-          </a:p>
-        </p:txBody>
-      </p:sp>
-      <p:cxnSp>
-        <p:nvCxnSpPr>
-          <p:cNvPr id="25" name="Conector recto de flecha 24"/>
-          <p:cNvCxnSpPr/>
-          <p:nvPr/>
-        </p:nvCxnSpPr>
-        <p:spPr>
-          <a:xfrm flipV="1">
-            <a:off x="7472172" y="4432478"/>
-            <a:ext cx="0" cy="766465"/>
-          </a:xfrm>
-          <a:prstGeom prst="straightConnector1">
-            <a:avLst/>
-          </a:prstGeom>
-          <a:ln>
-            <a:tailEnd type="triangle"/>
-          </a:ln>
-        </p:spPr>
-        <p:style>
-          <a:lnRef idx="2">
-            <a:schemeClr val="dk1"/>
-          </a:lnRef>
-          <a:fillRef idx="0">
-            <a:schemeClr val="dk1"/>
-          </a:fillRef>
-          <a:effectRef idx="1">
-            <a:schemeClr val="dk1"/>
-          </a:effectRef>
-          <a:fontRef idx="minor">
-            <a:schemeClr val="tx1"/>
-          </a:fontRef>
-        </p:style>
-      </p:cxnSp>
-      <p:cxnSp>
-        <p:nvCxnSpPr>
-          <p:cNvPr id="26" name="Conector recto de flecha 25"/>
-          <p:cNvCxnSpPr/>
-          <p:nvPr/>
-        </p:nvCxnSpPr>
-        <p:spPr>
-          <a:xfrm>
-            <a:off x="7397610" y="2438400"/>
-            <a:ext cx="7666" cy="908425"/>
-          </a:xfrm>
-          <a:prstGeom prst="straightConnector1">
-            <a:avLst/>
-          </a:prstGeom>
-          <a:ln>
-            <a:tailEnd type="triangle"/>
-          </a:ln>
-        </p:spPr>
-        <p:style>
-          <a:lnRef idx="2">
-            <a:schemeClr val="dk1"/>
-          </a:lnRef>
-          <a:fillRef idx="0">
-            <a:schemeClr val="dk1"/>
-          </a:fillRef>
-          <a:effectRef idx="1">
-            <a:schemeClr val="dk1"/>
-          </a:effectRef>
-          <a:fontRef idx="minor">
-            <a:schemeClr val="tx1"/>
-          </a:fontRef>
-        </p:style>
-      </p:cxnSp>
-      <p:sp>
-        <p:nvSpPr>
-          <p:cNvPr id="27" name="CuadroTexto 26"/>
-          <p:cNvSpPr txBox="1"/>
-          <p:nvPr/>
-        </p:nvSpPr>
-        <p:spPr>
-          <a:xfrm>
-            <a:off x="7091172" y="2104311"/>
-            <a:ext cx="1524000" cy="738664"/>
-          </a:xfrm>
-          <a:prstGeom prst="rect">
-            <a:avLst/>
-          </a:prstGeom>
-        </p:spPr>
-        <p:style>
-          <a:lnRef idx="2">
-            <a:schemeClr val="dk1"/>
-          </a:lnRef>
-          <a:fillRef idx="1">
-            <a:schemeClr val="lt1"/>
-          </a:fillRef>
-          <a:effectRef idx="0">
-            <a:schemeClr val="dk1"/>
-          </a:effectRef>
-          <a:fontRef idx="minor">
-            <a:schemeClr val="dk1"/>
-          </a:fontRef>
-        </p:style>
-        <p:txBody>
-          <a:bodyPr wrap="square" rtlCol="0">
-            <a:spAutoFit/>
-          </a:bodyPr>
-          <a:lstStyle/>
-          <a:p>
-            <a:r>
-              <a:rPr lang="es-ES" sz="1400" dirty="0" err="1"/>
-              <a:t>Trimmed</a:t>
-            </a:r>
-            <a:r>
-              <a:rPr lang="es-ES" sz="1400" dirty="0"/>
-              <a:t> </a:t>
-            </a:r>
-            <a:r>
-              <a:rPr lang="es-ES" sz="1400" dirty="0" err="1"/>
-              <a:t>reads</a:t>
-            </a:r>
-            <a:endParaRPr lang="es-ES" sz="1400" dirty="0"/>
-          </a:p>
-          <a:p>
-            <a:r>
-              <a:rPr lang="es-ES" sz="1400" dirty="0" err="1"/>
-              <a:t>Transcriptome</a:t>
-            </a:r>
-            <a:r>
-              <a:rPr lang="es-ES" sz="1400" dirty="0"/>
-              <a:t> </a:t>
-            </a:r>
-            <a:r>
-              <a:rPr lang="es-ES" sz="1400" dirty="0" err="1"/>
-              <a:t>references</a:t>
-            </a:r>
-            <a:endParaRPr lang="en-US" sz="1400" dirty="0"/>
-          </a:p>
-        </p:txBody>
-      </p:sp>
+      </p:pic>
     </p:spTree>
     <p:extLst>
       <p:ext uri="{BB962C8B-B14F-4D97-AF65-F5344CB8AC3E}">
-        <p14:creationId xmlns:p14="http://schemas.microsoft.com/office/powerpoint/2010/main" val="539841936"/>
+        <p14:creationId xmlns:p14="http://schemas.microsoft.com/office/powerpoint/2010/main" val="4166759524"/>
       </p:ext>
     </p:extLst>
   </p:cSld>

--- a/asparagus.pptx
+++ b/asparagus.pptx
@@ -2789,17 +2789,20 @@
 <dgm:dataModel xmlns:dgm="http://schemas.openxmlformats.org/drawingml/2006/diagram" xmlns:a="http://schemas.openxmlformats.org/drawingml/2006/main">
   <dgm:ptLst>
     <dgm:pt modelId="{00957F53-1F0D-445C-BFD5-C49B852980A0}" type="doc">
-      <dgm:prSet loTypeId="urn:microsoft.com/office/officeart/2005/8/layout/process1" loCatId="process" qsTypeId="urn:microsoft.com/office/officeart/2005/8/quickstyle/simple1" qsCatId="simple" csTypeId="urn:microsoft.com/office/officeart/2005/8/colors/accent1_2" csCatId="accent1" phldr="0"/>
+      <dgm:prSet loTypeId="urn:microsoft.com/office/officeart/2005/8/layout/process1" loCatId="process" qsTypeId="urn:microsoft.com/office/officeart/2005/8/quickstyle/simple1" qsCatId="simple" csTypeId="urn:microsoft.com/office/officeart/2005/8/colors/accent1_2" csCatId="accent1" phldr="1"/>
       <dgm:spPr/>
     </dgm:pt>
     <dgm:pt modelId="{84936F8B-A588-4A51-BF05-6584529BCEF1}">
-      <dgm:prSet phldrT="[Text]" phldr="1"/>
+      <dgm:prSet phldrT="[Text]"/>
       <dgm:spPr/>
       <dgm:t>
         <a:bodyPr/>
         <a:lstStyle/>
         <a:p>
-          <a:endParaRPr lang="en-US" dirty="0"/>
+          <a:r>
+            <a:rPr lang="en-US" dirty="0"/>
+            <a:t>Read counts</a:t>
+          </a:r>
         </a:p>
       </dgm:t>
     </dgm:pt>
@@ -2826,13 +2829,16 @@
       </dgm:t>
     </dgm:pt>
     <dgm:pt modelId="{8B4163E0-D9A4-4F25-8F85-638ACD032F1C}">
-      <dgm:prSet phldrT="[Text]" phldr="1"/>
+      <dgm:prSet phldrT="[Text]"/>
       <dgm:spPr/>
       <dgm:t>
         <a:bodyPr/>
         <a:lstStyle/>
         <a:p>
-          <a:endParaRPr lang="en-US"/>
+          <a:r>
+            <a:rPr lang="en-US" dirty="0"/>
+            <a:t>Normalize</a:t>
+          </a:r>
         </a:p>
       </dgm:t>
     </dgm:pt>
@@ -2859,13 +2865,16 @@
       </dgm:t>
     </dgm:pt>
     <dgm:pt modelId="{15C71DBD-6CA2-4C8D-B38F-1E72A180A62A}">
-      <dgm:prSet phldrT="[Text]" phldr="1"/>
+      <dgm:prSet phldrT="[Text]"/>
       <dgm:spPr/>
       <dgm:t>
         <a:bodyPr/>
         <a:lstStyle/>
         <a:p>
-          <a:endParaRPr lang="en-US"/>
+          <a:r>
+            <a:rPr lang="en-US" dirty="0"/>
+            <a:t>Design Matrix</a:t>
+          </a:r>
         </a:p>
       </dgm:t>
     </dgm:pt>
@@ -2891,6 +2900,115 @@
         </a:p>
       </dgm:t>
     </dgm:pt>
+    <dgm:pt modelId="{46A20A1E-9DD2-4B51-AC9C-8BA4572A6EAF}">
+      <dgm:prSet phldrT="[Text]"/>
+      <dgm:spPr/>
+      <dgm:t>
+        <a:bodyPr/>
+        <a:lstStyle/>
+        <a:p>
+          <a:r>
+            <a:rPr lang="en-US" dirty="0"/>
+            <a:t>Pairwise Comparison</a:t>
+          </a:r>
+        </a:p>
+      </dgm:t>
+    </dgm:pt>
+    <dgm:pt modelId="{FCB8C52C-1285-4859-BAB9-8DD4BCFC3357}" type="parTrans" cxnId="{4A77F5B4-A0AC-4B49-9E1F-8C8758B26524}">
+      <dgm:prSet/>
+      <dgm:spPr/>
+      <dgm:t>
+        <a:bodyPr/>
+        <a:lstStyle/>
+        <a:p>
+          <a:endParaRPr lang="en-US"/>
+        </a:p>
+      </dgm:t>
+    </dgm:pt>
+    <dgm:pt modelId="{2F466CDD-ABE3-4712-972F-3B29981A71DD}" type="sibTrans" cxnId="{4A77F5B4-A0AC-4B49-9E1F-8C8758B26524}">
+      <dgm:prSet/>
+      <dgm:spPr/>
+      <dgm:t>
+        <a:bodyPr/>
+        <a:lstStyle/>
+        <a:p>
+          <a:endParaRPr lang="en-US"/>
+        </a:p>
+      </dgm:t>
+    </dgm:pt>
+    <dgm:pt modelId="{B84591AB-9519-4304-996F-916744568229}">
+      <dgm:prSet phldrT="[Text]"/>
+      <dgm:spPr/>
+      <dgm:t>
+        <a:bodyPr/>
+        <a:lstStyle/>
+        <a:p>
+          <a:r>
+            <a:rPr lang="en-US"/>
+            <a:t>Filter</a:t>
+          </a:r>
+          <a:endParaRPr lang="en-US" dirty="0"/>
+        </a:p>
+      </dgm:t>
+    </dgm:pt>
+    <dgm:pt modelId="{1768651F-22AC-4F2C-B9E8-ABC408F7BC05}" type="parTrans" cxnId="{27F32EF1-5F23-46E2-A487-A37D10FF26E9}">
+      <dgm:prSet/>
+      <dgm:spPr/>
+      <dgm:t>
+        <a:bodyPr/>
+        <a:lstStyle/>
+        <a:p>
+          <a:endParaRPr lang="en-US"/>
+        </a:p>
+      </dgm:t>
+    </dgm:pt>
+    <dgm:pt modelId="{38F2AFBE-E679-4017-8CC6-CF72B0C3049D}" type="sibTrans" cxnId="{27F32EF1-5F23-46E2-A487-A37D10FF26E9}">
+      <dgm:prSet/>
+      <dgm:spPr/>
+      <dgm:t>
+        <a:bodyPr/>
+        <a:lstStyle/>
+        <a:p>
+          <a:endParaRPr lang="en-US"/>
+        </a:p>
+      </dgm:t>
+    </dgm:pt>
+    <dgm:pt modelId="{2DC8DA49-2BC0-4150-B267-15B8B7B9F7CB}">
+      <dgm:prSet phldrT="[Text]"/>
+      <dgm:spPr/>
+      <dgm:t>
+        <a:bodyPr/>
+        <a:lstStyle/>
+        <a:p>
+          <a:r>
+            <a:rPr lang="en-US" dirty="0"/>
+            <a:t>MDS</a:t>
+          </a:r>
+        </a:p>
+      </dgm:t>
+    </dgm:pt>
+    <dgm:pt modelId="{A6E04CB9-A844-46ED-979A-DCF8D3DA9793}" type="parTrans" cxnId="{200AB78A-7364-44FA-A7DE-9ED6E80435AD}">
+      <dgm:prSet/>
+      <dgm:spPr/>
+      <dgm:t>
+        <a:bodyPr/>
+        <a:lstStyle/>
+        <a:p>
+          <a:endParaRPr lang="en-US"/>
+        </a:p>
+      </dgm:t>
+    </dgm:pt>
+    <dgm:pt modelId="{16B8E9AB-3555-4375-A9E7-4407372338CE}" type="sibTrans" cxnId="{200AB78A-7364-44FA-A7DE-9ED6E80435AD}">
+      <dgm:prSet/>
+      <dgm:spPr/>
+      <dgm:t>
+        <a:bodyPr/>
+        <a:lstStyle/>
+        <a:p>
+          <a:endParaRPr lang="en-US"/>
+        </a:p>
+      </dgm:t>
+    </dgm:pt>
     <dgm:pt modelId="{C7DA0DEC-49B3-4EFE-9EE9-D662C7357334}" type="pres">
       <dgm:prSet presAssocID="{00957F53-1F0D-445C-BFD5-C49B852980A0}" presName="Name0" presStyleCnt="0">
         <dgm:presLayoutVars>
@@ -2901,7 +3019,7 @@
       <dgm:spPr/>
     </dgm:pt>
     <dgm:pt modelId="{2B4487BF-4BC9-4009-AA01-1957E7F46C56}" type="pres">
-      <dgm:prSet presAssocID="{84936F8B-A588-4A51-BF05-6584529BCEF1}" presName="node" presStyleLbl="node1" presStyleIdx="0" presStyleCnt="3">
+      <dgm:prSet presAssocID="{84936F8B-A588-4A51-BF05-6584529BCEF1}" presName="node" presStyleLbl="node1" presStyleIdx="0" presStyleCnt="6">
         <dgm:presLayoutVars>
           <dgm:bulletEnabled val="1"/>
         </dgm:presLayoutVars>
@@ -2909,15 +3027,31 @@
       <dgm:spPr/>
     </dgm:pt>
     <dgm:pt modelId="{9AA0144C-5539-4436-A2D7-D0076484B6A5}" type="pres">
-      <dgm:prSet presAssocID="{A6F7AF0B-D6F3-4BB2-BED8-D145641246F0}" presName="sibTrans" presStyleLbl="sibTrans2D1" presStyleIdx="0" presStyleCnt="2"/>
+      <dgm:prSet presAssocID="{A6F7AF0B-D6F3-4BB2-BED8-D145641246F0}" presName="sibTrans" presStyleLbl="sibTrans2D1" presStyleIdx="0" presStyleCnt="5"/>
       <dgm:spPr/>
     </dgm:pt>
     <dgm:pt modelId="{BA7124CE-A91E-4278-A8B8-483BD1B9EB53}" type="pres">
-      <dgm:prSet presAssocID="{A6F7AF0B-D6F3-4BB2-BED8-D145641246F0}" presName="connectorText" presStyleLbl="sibTrans2D1" presStyleIdx="0" presStyleCnt="2"/>
+      <dgm:prSet presAssocID="{A6F7AF0B-D6F3-4BB2-BED8-D145641246F0}" presName="connectorText" presStyleLbl="sibTrans2D1" presStyleIdx="0" presStyleCnt="5"/>
+      <dgm:spPr/>
+    </dgm:pt>
+    <dgm:pt modelId="{8AB2B3EC-8390-4B74-A0D2-4BEA626D697A}" type="pres">
+      <dgm:prSet presAssocID="{B84591AB-9519-4304-996F-916744568229}" presName="node" presStyleLbl="node1" presStyleIdx="1" presStyleCnt="6">
+        <dgm:presLayoutVars>
+          <dgm:bulletEnabled val="1"/>
+        </dgm:presLayoutVars>
+      </dgm:prSet>
+      <dgm:spPr/>
+    </dgm:pt>
+    <dgm:pt modelId="{DF50132F-8363-4F0F-AA4C-BD6ED040AC26}" type="pres">
+      <dgm:prSet presAssocID="{38F2AFBE-E679-4017-8CC6-CF72B0C3049D}" presName="sibTrans" presStyleLbl="sibTrans2D1" presStyleIdx="1" presStyleCnt="5"/>
+      <dgm:spPr/>
+    </dgm:pt>
+    <dgm:pt modelId="{CD6192B8-8FEF-4E51-BD90-B7EC0D559404}" type="pres">
+      <dgm:prSet presAssocID="{38F2AFBE-E679-4017-8CC6-CF72B0C3049D}" presName="connectorText" presStyleLbl="sibTrans2D1" presStyleIdx="1" presStyleCnt="5"/>
       <dgm:spPr/>
     </dgm:pt>
     <dgm:pt modelId="{0144F23B-66FF-470D-9DB2-78780C3993C3}" type="pres">
-      <dgm:prSet presAssocID="{8B4163E0-D9A4-4F25-8F85-638ACD032F1C}" presName="node" presStyleLbl="node1" presStyleIdx="1" presStyleCnt="3">
+      <dgm:prSet presAssocID="{8B4163E0-D9A4-4F25-8F85-638ACD032F1C}" presName="node" presStyleLbl="node1" presStyleIdx="2" presStyleCnt="6">
         <dgm:presLayoutVars>
           <dgm:bulletEnabled val="1"/>
         </dgm:presLayoutVars>
@@ -2925,15 +3059,47 @@
       <dgm:spPr/>
     </dgm:pt>
     <dgm:pt modelId="{F5AFDAF3-FFE6-4092-BA54-9FDC13D578EC}" type="pres">
-      <dgm:prSet presAssocID="{9F45A1D7-F201-46B9-810B-C95E71227969}" presName="sibTrans" presStyleLbl="sibTrans2D1" presStyleIdx="1" presStyleCnt="2"/>
+      <dgm:prSet presAssocID="{9F45A1D7-F201-46B9-810B-C95E71227969}" presName="sibTrans" presStyleLbl="sibTrans2D1" presStyleIdx="2" presStyleCnt="5"/>
       <dgm:spPr/>
     </dgm:pt>
     <dgm:pt modelId="{4C66682C-450F-4FAE-A7DE-B012CE089624}" type="pres">
-      <dgm:prSet presAssocID="{9F45A1D7-F201-46B9-810B-C95E71227969}" presName="connectorText" presStyleLbl="sibTrans2D1" presStyleIdx="1" presStyleCnt="2"/>
+      <dgm:prSet presAssocID="{9F45A1D7-F201-46B9-810B-C95E71227969}" presName="connectorText" presStyleLbl="sibTrans2D1" presStyleIdx="2" presStyleCnt="5"/>
+      <dgm:spPr/>
+    </dgm:pt>
+    <dgm:pt modelId="{C526E8A8-73EA-4AD4-827B-5CE57CBDE984}" type="pres">
+      <dgm:prSet presAssocID="{2DC8DA49-2BC0-4150-B267-15B8B7B9F7CB}" presName="node" presStyleLbl="node1" presStyleIdx="3" presStyleCnt="6">
+        <dgm:presLayoutVars>
+          <dgm:bulletEnabled val="1"/>
+        </dgm:presLayoutVars>
+      </dgm:prSet>
+      <dgm:spPr/>
+    </dgm:pt>
+    <dgm:pt modelId="{B723B722-40FF-413D-B17C-B5CBE69C8C75}" type="pres">
+      <dgm:prSet presAssocID="{16B8E9AB-3555-4375-A9E7-4407372338CE}" presName="sibTrans" presStyleLbl="sibTrans2D1" presStyleIdx="3" presStyleCnt="5"/>
+      <dgm:spPr/>
+    </dgm:pt>
+    <dgm:pt modelId="{2A6828CA-99FE-4F2C-A6B0-A17B83634D6A}" type="pres">
+      <dgm:prSet presAssocID="{16B8E9AB-3555-4375-A9E7-4407372338CE}" presName="connectorText" presStyleLbl="sibTrans2D1" presStyleIdx="3" presStyleCnt="5"/>
       <dgm:spPr/>
     </dgm:pt>
     <dgm:pt modelId="{3432B14F-3020-44AB-9D24-EA53FC004441}" type="pres">
-      <dgm:prSet presAssocID="{15C71DBD-6CA2-4C8D-B38F-1E72A180A62A}" presName="node" presStyleLbl="node1" presStyleIdx="2" presStyleCnt="3">
+      <dgm:prSet presAssocID="{15C71DBD-6CA2-4C8D-B38F-1E72A180A62A}" presName="node" presStyleLbl="node1" presStyleIdx="4" presStyleCnt="6">
+        <dgm:presLayoutVars>
+          <dgm:bulletEnabled val="1"/>
+        </dgm:presLayoutVars>
+      </dgm:prSet>
+      <dgm:spPr/>
+    </dgm:pt>
+    <dgm:pt modelId="{E2791A25-CB20-41E8-B35C-B92779CA5C5B}" type="pres">
+      <dgm:prSet presAssocID="{1EB820B4-7178-44A1-9B6F-FE43C5A80BB8}" presName="sibTrans" presStyleLbl="sibTrans2D1" presStyleIdx="4" presStyleCnt="5"/>
+      <dgm:spPr/>
+    </dgm:pt>
+    <dgm:pt modelId="{B8296706-7102-4CC0-B45E-873D5E0435BC}" type="pres">
+      <dgm:prSet presAssocID="{1EB820B4-7178-44A1-9B6F-FE43C5A80BB8}" presName="connectorText" presStyleLbl="sibTrans2D1" presStyleIdx="4" presStyleCnt="5"/>
+      <dgm:spPr/>
+    </dgm:pt>
+    <dgm:pt modelId="{72BFCE95-47A0-4CEE-BA74-CD7783770AE4}" type="pres">
+      <dgm:prSet presAssocID="{46A20A1E-9DD2-4B51-AC9C-8BA4572A6EAF}" presName="node" presStyleLbl="node1" presStyleIdx="5" presStyleCnt="6">
         <dgm:presLayoutVars>
           <dgm:bulletEnabled val="1"/>
         </dgm:presLayoutVars>
@@ -2942,24 +3108,45 @@
     </dgm:pt>
   </dgm:ptLst>
   <dgm:cxnLst>
+    <dgm:cxn modelId="{D45E7A05-3001-4B15-88FC-6F96E09BB5B3}" type="presOf" srcId="{46A20A1E-9DD2-4B51-AC9C-8BA4572A6EAF}" destId="{72BFCE95-47A0-4CEE-BA74-CD7783770AE4}" srcOrd="0" destOrd="0" presId="urn:microsoft.com/office/officeart/2005/8/layout/process1"/>
+    <dgm:cxn modelId="{4E387648-4CE9-4FAB-8000-CBFB61EA1A85}" type="presOf" srcId="{16B8E9AB-3555-4375-A9E7-4407372338CE}" destId="{B723B722-40FF-413D-B17C-B5CBE69C8C75}" srcOrd="0" destOrd="0" presId="urn:microsoft.com/office/officeart/2005/8/layout/process1"/>
+    <dgm:cxn modelId="{52008798-1E82-423C-B095-31E38F34BAF2}" type="presOf" srcId="{84936F8B-A588-4A51-BF05-6584529BCEF1}" destId="{2B4487BF-4BC9-4009-AA01-1957E7F46C56}" srcOrd="0" destOrd="0" presId="urn:microsoft.com/office/officeart/2005/8/layout/process1"/>
+    <dgm:cxn modelId="{9AFD9671-D7C0-4C69-B8D0-AC381A14490D}" srcId="{00957F53-1F0D-445C-BFD5-C49B852980A0}" destId="{8B4163E0-D9A4-4F25-8F85-638ACD032F1C}" srcOrd="2" destOrd="0" parTransId="{46DAF746-7ACC-4723-84D3-403250A6033E}" sibTransId="{9F45A1D7-F201-46B9-810B-C95E71227969}"/>
+    <dgm:cxn modelId="{C16769DF-C7B8-4592-8218-BAA63E002388}" type="presOf" srcId="{15C71DBD-6CA2-4C8D-B38F-1E72A180A62A}" destId="{3432B14F-3020-44AB-9D24-EA53FC004441}" srcOrd="0" destOrd="0" presId="urn:microsoft.com/office/officeart/2005/8/layout/process1"/>
+    <dgm:cxn modelId="{1FFC750F-F13B-42AC-974A-A11F0E6AA698}" type="presOf" srcId="{B84591AB-9519-4304-996F-916744568229}" destId="{8AB2B3EC-8390-4B74-A0D2-4BEA626D697A}" srcOrd="0" destOrd="0" presId="urn:microsoft.com/office/officeart/2005/8/layout/process1"/>
+    <dgm:cxn modelId="{CEA9B49F-1741-4086-BA9A-F433D8053C58}" type="presOf" srcId="{1EB820B4-7178-44A1-9B6F-FE43C5A80BB8}" destId="{E2791A25-CB20-41E8-B35C-B92779CA5C5B}" srcOrd="0" destOrd="0" presId="urn:microsoft.com/office/officeart/2005/8/layout/process1"/>
+    <dgm:cxn modelId="{45C3ACF5-40F6-43EC-A114-3F3AFEF4DE74}" type="presOf" srcId="{38F2AFBE-E679-4017-8CC6-CF72B0C3049D}" destId="{CD6192B8-8FEF-4E51-BD90-B7EC0D559404}" srcOrd="1" destOrd="0" presId="urn:microsoft.com/office/officeart/2005/8/layout/process1"/>
+    <dgm:cxn modelId="{014C0F53-3E91-498D-B065-FAFA852C7FE7}" type="presOf" srcId="{A6F7AF0B-D6F3-4BB2-BED8-D145641246F0}" destId="{9AA0144C-5539-4436-A2D7-D0076484B6A5}" srcOrd="0" destOrd="0" presId="urn:microsoft.com/office/officeart/2005/8/layout/process1"/>
+    <dgm:cxn modelId="{0E28FE6B-DF69-4F6A-88F9-34BA818D9573}" type="presOf" srcId="{9F45A1D7-F201-46B9-810B-C95E71227969}" destId="{F5AFDAF3-FFE6-4092-BA54-9FDC13D578EC}" srcOrd="0" destOrd="0" presId="urn:microsoft.com/office/officeart/2005/8/layout/process1"/>
+    <dgm:cxn modelId="{13714D42-70C7-4831-A1EC-1416C8DA1A19}" type="presOf" srcId="{00957F53-1F0D-445C-BFD5-C49B852980A0}" destId="{C7DA0DEC-49B3-4EFE-9EE9-D662C7357334}" srcOrd="0" destOrd="0" presId="urn:microsoft.com/office/officeart/2005/8/layout/process1"/>
     <dgm:cxn modelId="{9F4246BE-2605-4D90-8D17-7BD00E7A1E6B}" type="presOf" srcId="{9F45A1D7-F201-46B9-810B-C95E71227969}" destId="{4C66682C-450F-4FAE-A7DE-B012CE089624}" srcOrd="1" destOrd="0" presId="urn:microsoft.com/office/officeart/2005/8/layout/process1"/>
-    <dgm:cxn modelId="{0E28FE6B-DF69-4F6A-88F9-34BA818D9573}" type="presOf" srcId="{9F45A1D7-F201-46B9-810B-C95E71227969}" destId="{F5AFDAF3-FFE6-4092-BA54-9FDC13D578EC}" srcOrd="0" destOrd="0" presId="urn:microsoft.com/office/officeart/2005/8/layout/process1"/>
+    <dgm:cxn modelId="{D10A512B-A455-40A4-8FEB-DF069E95B1A0}" type="presOf" srcId="{A6F7AF0B-D6F3-4BB2-BED8-D145641246F0}" destId="{BA7124CE-A91E-4278-A8B8-483BD1B9EB53}" srcOrd="1" destOrd="0" presId="urn:microsoft.com/office/officeart/2005/8/layout/process1"/>
+    <dgm:cxn modelId="{200AB78A-7364-44FA-A7DE-9ED6E80435AD}" srcId="{00957F53-1F0D-445C-BFD5-C49B852980A0}" destId="{2DC8DA49-2BC0-4150-B267-15B8B7B9F7CB}" srcOrd="3" destOrd="0" parTransId="{A6E04CB9-A844-46ED-979A-DCF8D3DA9793}" sibTransId="{16B8E9AB-3555-4375-A9E7-4407372338CE}"/>
+    <dgm:cxn modelId="{27F32EF1-5F23-46E2-A487-A37D10FF26E9}" srcId="{00957F53-1F0D-445C-BFD5-C49B852980A0}" destId="{B84591AB-9519-4304-996F-916744568229}" srcOrd="1" destOrd="0" parTransId="{1768651F-22AC-4F2C-B9E8-ABC408F7BC05}" sibTransId="{38F2AFBE-E679-4017-8CC6-CF72B0C3049D}"/>
+    <dgm:cxn modelId="{0297B5A8-ADFA-41C7-A40A-FB1F06B22435}" type="presOf" srcId="{2DC8DA49-2BC0-4150-B267-15B8B7B9F7CB}" destId="{C526E8A8-73EA-4AD4-827B-5CE57CBDE984}" srcOrd="0" destOrd="0" presId="urn:microsoft.com/office/officeart/2005/8/layout/process1"/>
+    <dgm:cxn modelId="{4A77F5B4-A0AC-4B49-9E1F-8C8758B26524}" srcId="{00957F53-1F0D-445C-BFD5-C49B852980A0}" destId="{46A20A1E-9DD2-4B51-AC9C-8BA4572A6EAF}" srcOrd="5" destOrd="0" parTransId="{FCB8C52C-1285-4859-BAB9-8DD4BCFC3357}" sibTransId="{2F466CDD-ABE3-4712-972F-3B29981A71DD}"/>
+    <dgm:cxn modelId="{6F162D20-4A60-4023-B092-77BFB467C242}" type="presOf" srcId="{38F2AFBE-E679-4017-8CC6-CF72B0C3049D}" destId="{DF50132F-8363-4F0F-AA4C-BD6ED040AC26}" srcOrd="0" destOrd="0" presId="urn:microsoft.com/office/officeart/2005/8/layout/process1"/>
     <dgm:cxn modelId="{0A0465EC-31CB-425D-9369-9A9CA2146C82}" type="presOf" srcId="{8B4163E0-D9A4-4F25-8F85-638ACD032F1C}" destId="{0144F23B-66FF-470D-9DB2-78780C3993C3}" srcOrd="0" destOrd="0" presId="urn:microsoft.com/office/officeart/2005/8/layout/process1"/>
-    <dgm:cxn modelId="{D10A512B-A455-40A4-8FEB-DF069E95B1A0}" type="presOf" srcId="{A6F7AF0B-D6F3-4BB2-BED8-D145641246F0}" destId="{BA7124CE-A91E-4278-A8B8-483BD1B9EB53}" srcOrd="1" destOrd="0" presId="urn:microsoft.com/office/officeart/2005/8/layout/process1"/>
-    <dgm:cxn modelId="{9AFD9671-D7C0-4C69-B8D0-AC381A14490D}" srcId="{00957F53-1F0D-445C-BFD5-C49B852980A0}" destId="{8B4163E0-D9A4-4F25-8F85-638ACD032F1C}" srcOrd="1" destOrd="0" parTransId="{46DAF746-7ACC-4723-84D3-403250A6033E}" sibTransId="{9F45A1D7-F201-46B9-810B-C95E71227969}"/>
+    <dgm:cxn modelId="{FDB7FFEC-8695-427E-8508-686947DF0366}" type="presOf" srcId="{1EB820B4-7178-44A1-9B6F-FE43C5A80BB8}" destId="{B8296706-7102-4CC0-B45E-873D5E0435BC}" srcOrd="1" destOrd="0" presId="urn:microsoft.com/office/officeart/2005/8/layout/process1"/>
     <dgm:cxn modelId="{AB5814CD-3D70-4F39-B122-8112FD37FE9C}" srcId="{00957F53-1F0D-445C-BFD5-C49B852980A0}" destId="{84936F8B-A588-4A51-BF05-6584529BCEF1}" srcOrd="0" destOrd="0" parTransId="{ADEC294F-A759-4A35-BE73-25CDDEC515CF}" sibTransId="{A6F7AF0B-D6F3-4BB2-BED8-D145641246F0}"/>
-    <dgm:cxn modelId="{014C0F53-3E91-498D-B065-FAFA852C7FE7}" type="presOf" srcId="{A6F7AF0B-D6F3-4BB2-BED8-D145641246F0}" destId="{9AA0144C-5539-4436-A2D7-D0076484B6A5}" srcOrd="0" destOrd="0" presId="urn:microsoft.com/office/officeart/2005/8/layout/process1"/>
-    <dgm:cxn modelId="{C16769DF-C7B8-4592-8218-BAA63E002388}" type="presOf" srcId="{15C71DBD-6CA2-4C8D-B38F-1E72A180A62A}" destId="{3432B14F-3020-44AB-9D24-EA53FC004441}" srcOrd="0" destOrd="0" presId="urn:microsoft.com/office/officeart/2005/8/layout/process1"/>
-    <dgm:cxn modelId="{6DBFC9B8-0D58-4344-8598-6C407072F97D}" srcId="{00957F53-1F0D-445C-BFD5-C49B852980A0}" destId="{15C71DBD-6CA2-4C8D-B38F-1E72A180A62A}" srcOrd="2" destOrd="0" parTransId="{58049BC8-B7FA-4046-947D-D2B7D2F8693E}" sibTransId="{1EB820B4-7178-44A1-9B6F-FE43C5A80BB8}"/>
-    <dgm:cxn modelId="{52008798-1E82-423C-B095-31E38F34BAF2}" type="presOf" srcId="{84936F8B-A588-4A51-BF05-6584529BCEF1}" destId="{2B4487BF-4BC9-4009-AA01-1957E7F46C56}" srcOrd="0" destOrd="0" presId="urn:microsoft.com/office/officeart/2005/8/layout/process1"/>
-    <dgm:cxn modelId="{13714D42-70C7-4831-A1EC-1416C8DA1A19}" type="presOf" srcId="{00957F53-1F0D-445C-BFD5-C49B852980A0}" destId="{C7DA0DEC-49B3-4EFE-9EE9-D662C7357334}" srcOrd="0" destOrd="0" presId="urn:microsoft.com/office/officeart/2005/8/layout/process1"/>
+    <dgm:cxn modelId="{0469D19F-F2E2-499A-8039-3DE4F120487C}" type="presOf" srcId="{16B8E9AB-3555-4375-A9E7-4407372338CE}" destId="{2A6828CA-99FE-4F2C-A6B0-A17B83634D6A}" srcOrd="1" destOrd="0" presId="urn:microsoft.com/office/officeart/2005/8/layout/process1"/>
+    <dgm:cxn modelId="{6DBFC9B8-0D58-4344-8598-6C407072F97D}" srcId="{00957F53-1F0D-445C-BFD5-C49B852980A0}" destId="{15C71DBD-6CA2-4C8D-B38F-1E72A180A62A}" srcOrd="4" destOrd="0" parTransId="{58049BC8-B7FA-4046-947D-D2B7D2F8693E}" sibTransId="{1EB820B4-7178-44A1-9B6F-FE43C5A80BB8}"/>
     <dgm:cxn modelId="{CB41F5F5-4F84-4F3E-855F-EE4A2C6110C9}" type="presParOf" srcId="{C7DA0DEC-49B3-4EFE-9EE9-D662C7357334}" destId="{2B4487BF-4BC9-4009-AA01-1957E7F46C56}" srcOrd="0" destOrd="0" presId="urn:microsoft.com/office/officeart/2005/8/layout/process1"/>
     <dgm:cxn modelId="{467173D0-6CD4-411E-91F2-429491DE79ED}" type="presParOf" srcId="{C7DA0DEC-49B3-4EFE-9EE9-D662C7357334}" destId="{9AA0144C-5539-4436-A2D7-D0076484B6A5}" srcOrd="1" destOrd="0" presId="urn:microsoft.com/office/officeart/2005/8/layout/process1"/>
     <dgm:cxn modelId="{E30CBA76-A4B4-42BA-AEC6-80E40E3AFFAE}" type="presParOf" srcId="{9AA0144C-5539-4436-A2D7-D0076484B6A5}" destId="{BA7124CE-A91E-4278-A8B8-483BD1B9EB53}" srcOrd="0" destOrd="0" presId="urn:microsoft.com/office/officeart/2005/8/layout/process1"/>
-    <dgm:cxn modelId="{D47851A6-571F-491F-AEC4-0E5C5C0073DB}" type="presParOf" srcId="{C7DA0DEC-49B3-4EFE-9EE9-D662C7357334}" destId="{0144F23B-66FF-470D-9DB2-78780C3993C3}" srcOrd="2" destOrd="0" presId="urn:microsoft.com/office/officeart/2005/8/layout/process1"/>
-    <dgm:cxn modelId="{49063E77-62E4-4C69-AA88-DDC2C0A6C7F4}" type="presParOf" srcId="{C7DA0DEC-49B3-4EFE-9EE9-D662C7357334}" destId="{F5AFDAF3-FFE6-4092-BA54-9FDC13D578EC}" srcOrd="3" destOrd="0" presId="urn:microsoft.com/office/officeart/2005/8/layout/process1"/>
+    <dgm:cxn modelId="{F81D35A1-19FE-410E-93A0-93E494FC3A14}" type="presParOf" srcId="{C7DA0DEC-49B3-4EFE-9EE9-D662C7357334}" destId="{8AB2B3EC-8390-4B74-A0D2-4BEA626D697A}" srcOrd="2" destOrd="0" presId="urn:microsoft.com/office/officeart/2005/8/layout/process1"/>
+    <dgm:cxn modelId="{9AAE8A73-E513-4237-9DED-132990F9E568}" type="presParOf" srcId="{C7DA0DEC-49B3-4EFE-9EE9-D662C7357334}" destId="{DF50132F-8363-4F0F-AA4C-BD6ED040AC26}" srcOrd="3" destOrd="0" presId="urn:microsoft.com/office/officeart/2005/8/layout/process1"/>
+    <dgm:cxn modelId="{B05933B3-2594-4518-874E-E82FCF10E6B6}" type="presParOf" srcId="{DF50132F-8363-4F0F-AA4C-BD6ED040AC26}" destId="{CD6192B8-8FEF-4E51-BD90-B7EC0D559404}" srcOrd="0" destOrd="0" presId="urn:microsoft.com/office/officeart/2005/8/layout/process1"/>
+    <dgm:cxn modelId="{D47851A6-571F-491F-AEC4-0E5C5C0073DB}" type="presParOf" srcId="{C7DA0DEC-49B3-4EFE-9EE9-D662C7357334}" destId="{0144F23B-66FF-470D-9DB2-78780C3993C3}" srcOrd="4" destOrd="0" presId="urn:microsoft.com/office/officeart/2005/8/layout/process1"/>
+    <dgm:cxn modelId="{49063E77-62E4-4C69-AA88-DDC2C0A6C7F4}" type="presParOf" srcId="{C7DA0DEC-49B3-4EFE-9EE9-D662C7357334}" destId="{F5AFDAF3-FFE6-4092-BA54-9FDC13D578EC}" srcOrd="5" destOrd="0" presId="urn:microsoft.com/office/officeart/2005/8/layout/process1"/>
     <dgm:cxn modelId="{89B46A7F-E762-4951-B65A-82444D74C75D}" type="presParOf" srcId="{F5AFDAF3-FFE6-4092-BA54-9FDC13D578EC}" destId="{4C66682C-450F-4FAE-A7DE-B012CE089624}" srcOrd="0" destOrd="0" presId="urn:microsoft.com/office/officeart/2005/8/layout/process1"/>
-    <dgm:cxn modelId="{377E4ED1-3899-40AF-A400-1F7CD302A355}" type="presParOf" srcId="{C7DA0DEC-49B3-4EFE-9EE9-D662C7357334}" destId="{3432B14F-3020-44AB-9D24-EA53FC004441}" srcOrd="4" destOrd="0" presId="urn:microsoft.com/office/officeart/2005/8/layout/process1"/>
+    <dgm:cxn modelId="{1DE0E330-15C6-4AC3-925E-25272E802665}" type="presParOf" srcId="{C7DA0DEC-49B3-4EFE-9EE9-D662C7357334}" destId="{C526E8A8-73EA-4AD4-827B-5CE57CBDE984}" srcOrd="6" destOrd="0" presId="urn:microsoft.com/office/officeart/2005/8/layout/process1"/>
+    <dgm:cxn modelId="{5A21DC2B-76A9-4EE2-A542-B463AE4281DF}" type="presParOf" srcId="{C7DA0DEC-49B3-4EFE-9EE9-D662C7357334}" destId="{B723B722-40FF-413D-B17C-B5CBE69C8C75}" srcOrd="7" destOrd="0" presId="urn:microsoft.com/office/officeart/2005/8/layout/process1"/>
+    <dgm:cxn modelId="{7CE5F54F-DF61-4554-8A44-9B138516D4AB}" type="presParOf" srcId="{B723B722-40FF-413D-B17C-B5CBE69C8C75}" destId="{2A6828CA-99FE-4F2C-A6B0-A17B83634D6A}" srcOrd="0" destOrd="0" presId="urn:microsoft.com/office/officeart/2005/8/layout/process1"/>
+    <dgm:cxn modelId="{377E4ED1-3899-40AF-A400-1F7CD302A355}" type="presParOf" srcId="{C7DA0DEC-49B3-4EFE-9EE9-D662C7357334}" destId="{3432B14F-3020-44AB-9D24-EA53FC004441}" srcOrd="8" destOrd="0" presId="urn:microsoft.com/office/officeart/2005/8/layout/process1"/>
+    <dgm:cxn modelId="{4E1C1AD5-675B-419B-B092-EF4FE2D13294}" type="presParOf" srcId="{C7DA0DEC-49B3-4EFE-9EE9-D662C7357334}" destId="{E2791A25-CB20-41E8-B35C-B92779CA5C5B}" srcOrd="9" destOrd="0" presId="urn:microsoft.com/office/officeart/2005/8/layout/process1"/>
+    <dgm:cxn modelId="{2DFDB8DC-437F-4D28-AFCD-ECB397BF23E1}" type="presParOf" srcId="{E2791A25-CB20-41E8-B35C-B92779CA5C5B}" destId="{B8296706-7102-4CC0-B45E-873D5E0435BC}" srcOrd="0" destOrd="0" presId="urn:microsoft.com/office/officeart/2005/8/layout/process1"/>
+    <dgm:cxn modelId="{B83614B4-631B-4F20-B2D6-7B7A9E6C5E3C}" type="presParOf" srcId="{C7DA0DEC-49B3-4EFE-9EE9-D662C7357334}" destId="{72BFCE95-47A0-4CEE-BA74-CD7783770AE4}" srcOrd="10" destOrd="0" presId="urn:microsoft.com/office/officeart/2005/8/layout/process1"/>
   </dgm:cxnLst>
   <dgm:bg/>
   <dgm:whole/>
@@ -3772,8 +3959,8 @@
       </dsp:nvSpPr>
       <dsp:spPr>
         <a:xfrm>
-          <a:off x="6328" y="1223207"/>
-          <a:ext cx="1891642" cy="1134985"/>
+          <a:off x="0" y="1520666"/>
+          <a:ext cx="900112" cy="540067"/>
         </a:xfrm>
         <a:prstGeom prst="roundRect">
           <a:avLst>
@@ -3816,12 +4003,12 @@
         </a:fontRef>
       </dsp:style>
       <dsp:txBody>
-        <a:bodyPr spcFirstLastPara="0" vert="horz" wrap="square" lIns="190500" tIns="190500" rIns="190500" bIns="190500" numCol="1" spcCol="1270" anchor="ctr" anchorCtr="0">
+        <a:bodyPr spcFirstLastPara="0" vert="horz" wrap="square" lIns="41910" tIns="41910" rIns="41910" bIns="41910" numCol="1" spcCol="1270" anchor="ctr" anchorCtr="0">
           <a:noAutofit/>
         </a:bodyPr>
         <a:lstStyle/>
         <a:p>
-          <a:pPr marL="0" lvl="0" indent="0" algn="ctr" defTabSz="2222500">
+          <a:pPr marL="0" lvl="0" indent="0" algn="ctr" defTabSz="488950">
             <a:lnSpc>
               <a:spcPct val="90000"/>
             </a:lnSpc>
@@ -3833,12 +4020,15 @@
             </a:spcAft>
             <a:buNone/>
           </a:pPr>
-          <a:endParaRPr lang="en-US" sz="5000" kern="1200"/>
+          <a:r>
+            <a:rPr lang="en-US" sz="1100" kern="1200" dirty="0"/>
+            <a:t>Read counts</a:t>
+          </a:r>
         </a:p>
       </dsp:txBody>
       <dsp:txXfrm>
-        <a:off x="39571" y="1256450"/>
-        <a:ext cx="1825156" cy="1068499"/>
+        <a:off x="15818" y="1536484"/>
+        <a:ext cx="868476" cy="508431"/>
       </dsp:txXfrm>
     </dsp:sp>
     <dsp:sp modelId="{9AA0144C-5539-4436-A2D7-D0076484B6A5}">
@@ -3848,8 +4038,8 @@
       </dsp:nvSpPr>
       <dsp:spPr>
         <a:xfrm>
-          <a:off x="2087135" y="1556136"/>
-          <a:ext cx="401028" cy="469127"/>
+          <a:off x="990123" y="1679086"/>
+          <a:ext cx="190823" cy="223227"/>
         </a:xfrm>
         <a:prstGeom prst="rightArrow">
           <a:avLst>
@@ -3891,7 +4081,7 @@
         </a:bodyPr>
         <a:lstStyle/>
         <a:p>
-          <a:pPr marL="0" lvl="0" indent="0" algn="ctr" defTabSz="933450">
+          <a:pPr marL="0" lvl="0" indent="0" algn="ctr" defTabSz="400050">
             <a:lnSpc>
               <a:spcPct val="90000"/>
             </a:lnSpc>
@@ -3903,23 +4093,23 @@
             </a:spcAft>
             <a:buNone/>
           </a:pPr>
-          <a:endParaRPr lang="en-US" sz="2100" kern="1200"/>
+          <a:endParaRPr lang="en-US" sz="900" kern="1200"/>
         </a:p>
       </dsp:txBody>
       <dsp:txXfrm>
-        <a:off x="2087135" y="1649961"/>
-        <a:ext cx="280720" cy="281477"/>
+        <a:off x="990123" y="1723731"/>
+        <a:ext cx="133576" cy="133937"/>
       </dsp:txXfrm>
     </dsp:sp>
-    <dsp:sp modelId="{0144F23B-66FF-470D-9DB2-78780C3993C3}">
+    <dsp:sp modelId="{8AB2B3EC-8390-4B74-A0D2-4BEA626D697A}">
       <dsp:nvSpPr>
         <dsp:cNvPr id="0" name=""/>
         <dsp:cNvSpPr/>
       </dsp:nvSpPr>
       <dsp:spPr>
         <a:xfrm>
-          <a:off x="2654628" y="1223207"/>
-          <a:ext cx="1891642" cy="1134985"/>
+          <a:off x="1260157" y="1520666"/>
+          <a:ext cx="900112" cy="540067"/>
         </a:xfrm>
         <a:prstGeom prst="roundRect">
           <a:avLst>
@@ -3962,12 +4152,12 @@
         </a:fontRef>
       </dsp:style>
       <dsp:txBody>
-        <a:bodyPr spcFirstLastPara="0" vert="horz" wrap="square" lIns="190500" tIns="190500" rIns="190500" bIns="190500" numCol="1" spcCol="1270" anchor="ctr" anchorCtr="0">
+        <a:bodyPr spcFirstLastPara="0" vert="horz" wrap="square" lIns="41910" tIns="41910" rIns="41910" bIns="41910" numCol="1" spcCol="1270" anchor="ctr" anchorCtr="0">
           <a:noAutofit/>
         </a:bodyPr>
         <a:lstStyle/>
         <a:p>
-          <a:pPr marL="0" lvl="0" indent="0" algn="ctr" defTabSz="2222500">
+          <a:pPr marL="0" lvl="0" indent="0" algn="ctr" defTabSz="488950">
             <a:lnSpc>
               <a:spcPct val="90000"/>
             </a:lnSpc>
@@ -3979,23 +4169,27 @@
             </a:spcAft>
             <a:buNone/>
           </a:pPr>
-          <a:endParaRPr lang="en-US" sz="5000" kern="1200"/>
+          <a:r>
+            <a:rPr lang="en-US" sz="1100" kern="1200"/>
+            <a:t>Filter</a:t>
+          </a:r>
+          <a:endParaRPr lang="en-US" sz="1100" kern="1200" dirty="0"/>
         </a:p>
       </dsp:txBody>
       <dsp:txXfrm>
-        <a:off x="2687871" y="1256450"/>
-        <a:ext cx="1825156" cy="1068499"/>
+        <a:off x="1275975" y="1536484"/>
+        <a:ext cx="868476" cy="508431"/>
       </dsp:txXfrm>
     </dsp:sp>
-    <dsp:sp modelId="{F5AFDAF3-FFE6-4092-BA54-9FDC13D578EC}">
+    <dsp:sp modelId="{DF50132F-8363-4F0F-AA4C-BD6ED040AC26}">
       <dsp:nvSpPr>
         <dsp:cNvPr id="0" name=""/>
         <dsp:cNvSpPr/>
       </dsp:nvSpPr>
       <dsp:spPr>
         <a:xfrm>
-          <a:off x="4735435" y="1556136"/>
-          <a:ext cx="401028" cy="469127"/>
+          <a:off x="2250281" y="1679086"/>
+          <a:ext cx="190823" cy="223227"/>
         </a:xfrm>
         <a:prstGeom prst="rightArrow">
           <a:avLst>
@@ -4037,7 +4231,7 @@
         </a:bodyPr>
         <a:lstStyle/>
         <a:p>
-          <a:pPr marL="0" lvl="0" indent="0" algn="ctr" defTabSz="933450">
+          <a:pPr marL="0" lvl="0" indent="0" algn="ctr" defTabSz="400050">
             <a:lnSpc>
               <a:spcPct val="90000"/>
             </a:lnSpc>
@@ -4049,23 +4243,23 @@
             </a:spcAft>
             <a:buNone/>
           </a:pPr>
-          <a:endParaRPr lang="en-US" sz="2100" kern="1200"/>
+          <a:endParaRPr lang="en-US" sz="900" kern="1200"/>
         </a:p>
       </dsp:txBody>
       <dsp:txXfrm>
-        <a:off x="4735435" y="1649961"/>
-        <a:ext cx="280720" cy="281477"/>
+        <a:off x="2250281" y="1723731"/>
+        <a:ext cx="133576" cy="133937"/>
       </dsp:txXfrm>
     </dsp:sp>
-    <dsp:sp modelId="{3432B14F-3020-44AB-9D24-EA53FC004441}">
+    <dsp:sp modelId="{0144F23B-66FF-470D-9DB2-78780C3993C3}">
       <dsp:nvSpPr>
         <dsp:cNvPr id="0" name=""/>
         <dsp:cNvSpPr/>
       </dsp:nvSpPr>
       <dsp:spPr>
         <a:xfrm>
-          <a:off x="5302928" y="1223207"/>
-          <a:ext cx="1891642" cy="1134985"/>
+          <a:off x="2520315" y="1520666"/>
+          <a:ext cx="900112" cy="540067"/>
         </a:xfrm>
         <a:prstGeom prst="roundRect">
           <a:avLst>
@@ -4108,12 +4302,12 @@
         </a:fontRef>
       </dsp:style>
       <dsp:txBody>
-        <a:bodyPr spcFirstLastPara="0" vert="horz" wrap="square" lIns="190500" tIns="190500" rIns="190500" bIns="190500" numCol="1" spcCol="1270" anchor="ctr" anchorCtr="0">
+        <a:bodyPr spcFirstLastPara="0" vert="horz" wrap="square" lIns="41910" tIns="41910" rIns="41910" bIns="41910" numCol="1" spcCol="1270" anchor="ctr" anchorCtr="0">
           <a:noAutofit/>
         </a:bodyPr>
         <a:lstStyle/>
         <a:p>
-          <a:pPr marL="0" lvl="0" indent="0" algn="ctr" defTabSz="2222500">
+          <a:pPr marL="0" lvl="0" indent="0" algn="ctr" defTabSz="488950">
             <a:lnSpc>
               <a:spcPct val="90000"/>
             </a:lnSpc>
@@ -4125,12 +4319,462 @@
             </a:spcAft>
             <a:buNone/>
           </a:pPr>
-          <a:endParaRPr lang="en-US" sz="5000" kern="1200"/>
+          <a:r>
+            <a:rPr lang="en-US" sz="1100" kern="1200" dirty="0"/>
+            <a:t>Normalize</a:t>
+          </a:r>
         </a:p>
       </dsp:txBody>
       <dsp:txXfrm>
-        <a:off x="5336171" y="1256450"/>
-        <a:ext cx="1825156" cy="1068499"/>
+        <a:off x="2536133" y="1536484"/>
+        <a:ext cx="868476" cy="508431"/>
+      </dsp:txXfrm>
+    </dsp:sp>
+    <dsp:sp modelId="{F5AFDAF3-FFE6-4092-BA54-9FDC13D578EC}">
+      <dsp:nvSpPr>
+        <dsp:cNvPr id="0" name=""/>
+        <dsp:cNvSpPr/>
+      </dsp:nvSpPr>
+      <dsp:spPr>
+        <a:xfrm>
+          <a:off x="3510438" y="1679086"/>
+          <a:ext cx="190823" cy="223227"/>
+        </a:xfrm>
+        <a:prstGeom prst="rightArrow">
+          <a:avLst>
+            <a:gd name="adj1" fmla="val 60000"/>
+            <a:gd name="adj2" fmla="val 50000"/>
+          </a:avLst>
+        </a:prstGeom>
+        <a:solidFill>
+          <a:schemeClr val="accent1">
+            <a:tint val="60000"/>
+            <a:hueOff val="0"/>
+            <a:satOff val="0"/>
+            <a:lumOff val="0"/>
+            <a:alphaOff val="0"/>
+          </a:schemeClr>
+        </a:solidFill>
+        <a:ln>
+          <a:noFill/>
+        </a:ln>
+        <a:effectLst/>
+      </dsp:spPr>
+      <dsp:style>
+        <a:lnRef idx="0">
+          <a:scrgbClr r="0" g="0" b="0"/>
+        </a:lnRef>
+        <a:fillRef idx="1">
+          <a:scrgbClr r="0" g="0" b="0"/>
+        </a:fillRef>
+        <a:effectRef idx="0">
+          <a:scrgbClr r="0" g="0" b="0"/>
+        </a:effectRef>
+        <a:fontRef idx="minor">
+          <a:schemeClr val="lt1"/>
+        </a:fontRef>
+      </dsp:style>
+      <dsp:txBody>
+        <a:bodyPr spcFirstLastPara="0" vert="horz" wrap="square" lIns="0" tIns="0" rIns="0" bIns="0" numCol="1" spcCol="1270" anchor="ctr" anchorCtr="0">
+          <a:noAutofit/>
+        </a:bodyPr>
+        <a:lstStyle/>
+        <a:p>
+          <a:pPr marL="0" lvl="0" indent="0" algn="ctr" defTabSz="400050">
+            <a:lnSpc>
+              <a:spcPct val="90000"/>
+            </a:lnSpc>
+            <a:spcBef>
+              <a:spcPct val="0"/>
+            </a:spcBef>
+            <a:spcAft>
+              <a:spcPct val="35000"/>
+            </a:spcAft>
+            <a:buNone/>
+          </a:pPr>
+          <a:endParaRPr lang="en-US" sz="900" kern="1200"/>
+        </a:p>
+      </dsp:txBody>
+      <dsp:txXfrm>
+        <a:off x="3510438" y="1723731"/>
+        <a:ext cx="133576" cy="133937"/>
+      </dsp:txXfrm>
+    </dsp:sp>
+    <dsp:sp modelId="{C526E8A8-73EA-4AD4-827B-5CE57CBDE984}">
+      <dsp:nvSpPr>
+        <dsp:cNvPr id="0" name=""/>
+        <dsp:cNvSpPr/>
+      </dsp:nvSpPr>
+      <dsp:spPr>
+        <a:xfrm>
+          <a:off x="3780472" y="1520666"/>
+          <a:ext cx="900112" cy="540067"/>
+        </a:xfrm>
+        <a:prstGeom prst="roundRect">
+          <a:avLst>
+            <a:gd name="adj" fmla="val 10000"/>
+          </a:avLst>
+        </a:prstGeom>
+        <a:solidFill>
+          <a:schemeClr val="accent1">
+            <a:hueOff val="0"/>
+            <a:satOff val="0"/>
+            <a:lumOff val="0"/>
+            <a:alphaOff val="0"/>
+          </a:schemeClr>
+        </a:solidFill>
+        <a:ln w="34925" cap="flat" cmpd="sng" algn="in">
+          <a:solidFill>
+            <a:schemeClr val="lt1">
+              <a:hueOff val="0"/>
+              <a:satOff val="0"/>
+              <a:lumOff val="0"/>
+              <a:alphaOff val="0"/>
+            </a:schemeClr>
+          </a:solidFill>
+          <a:prstDash val="solid"/>
+        </a:ln>
+        <a:effectLst/>
+      </dsp:spPr>
+      <dsp:style>
+        <a:lnRef idx="2">
+          <a:scrgbClr r="0" g="0" b="0"/>
+        </a:lnRef>
+        <a:fillRef idx="1">
+          <a:scrgbClr r="0" g="0" b="0"/>
+        </a:fillRef>
+        <a:effectRef idx="0">
+          <a:scrgbClr r="0" g="0" b="0"/>
+        </a:effectRef>
+        <a:fontRef idx="minor">
+          <a:schemeClr val="lt1"/>
+        </a:fontRef>
+      </dsp:style>
+      <dsp:txBody>
+        <a:bodyPr spcFirstLastPara="0" vert="horz" wrap="square" lIns="41910" tIns="41910" rIns="41910" bIns="41910" numCol="1" spcCol="1270" anchor="ctr" anchorCtr="0">
+          <a:noAutofit/>
+        </a:bodyPr>
+        <a:lstStyle/>
+        <a:p>
+          <a:pPr marL="0" lvl="0" indent="0" algn="ctr" defTabSz="488950">
+            <a:lnSpc>
+              <a:spcPct val="90000"/>
+            </a:lnSpc>
+            <a:spcBef>
+              <a:spcPct val="0"/>
+            </a:spcBef>
+            <a:spcAft>
+              <a:spcPct val="35000"/>
+            </a:spcAft>
+            <a:buNone/>
+          </a:pPr>
+          <a:r>
+            <a:rPr lang="en-US" sz="1100" kern="1200" dirty="0"/>
+            <a:t>MDS</a:t>
+          </a:r>
+        </a:p>
+      </dsp:txBody>
+      <dsp:txXfrm>
+        <a:off x="3796290" y="1536484"/>
+        <a:ext cx="868476" cy="508431"/>
+      </dsp:txXfrm>
+    </dsp:sp>
+    <dsp:sp modelId="{B723B722-40FF-413D-B17C-B5CBE69C8C75}">
+      <dsp:nvSpPr>
+        <dsp:cNvPr id="0" name=""/>
+        <dsp:cNvSpPr/>
+      </dsp:nvSpPr>
+      <dsp:spPr>
+        <a:xfrm>
+          <a:off x="4770596" y="1679086"/>
+          <a:ext cx="190823" cy="223227"/>
+        </a:xfrm>
+        <a:prstGeom prst="rightArrow">
+          <a:avLst>
+            <a:gd name="adj1" fmla="val 60000"/>
+            <a:gd name="adj2" fmla="val 50000"/>
+          </a:avLst>
+        </a:prstGeom>
+        <a:solidFill>
+          <a:schemeClr val="accent1">
+            <a:tint val="60000"/>
+            <a:hueOff val="0"/>
+            <a:satOff val="0"/>
+            <a:lumOff val="0"/>
+            <a:alphaOff val="0"/>
+          </a:schemeClr>
+        </a:solidFill>
+        <a:ln>
+          <a:noFill/>
+        </a:ln>
+        <a:effectLst/>
+      </dsp:spPr>
+      <dsp:style>
+        <a:lnRef idx="0">
+          <a:scrgbClr r="0" g="0" b="0"/>
+        </a:lnRef>
+        <a:fillRef idx="1">
+          <a:scrgbClr r="0" g="0" b="0"/>
+        </a:fillRef>
+        <a:effectRef idx="0">
+          <a:scrgbClr r="0" g="0" b="0"/>
+        </a:effectRef>
+        <a:fontRef idx="minor">
+          <a:schemeClr val="lt1"/>
+        </a:fontRef>
+      </dsp:style>
+      <dsp:txBody>
+        <a:bodyPr spcFirstLastPara="0" vert="horz" wrap="square" lIns="0" tIns="0" rIns="0" bIns="0" numCol="1" spcCol="1270" anchor="ctr" anchorCtr="0">
+          <a:noAutofit/>
+        </a:bodyPr>
+        <a:lstStyle/>
+        <a:p>
+          <a:pPr marL="0" lvl="0" indent="0" algn="ctr" defTabSz="400050">
+            <a:lnSpc>
+              <a:spcPct val="90000"/>
+            </a:lnSpc>
+            <a:spcBef>
+              <a:spcPct val="0"/>
+            </a:spcBef>
+            <a:spcAft>
+              <a:spcPct val="35000"/>
+            </a:spcAft>
+            <a:buNone/>
+          </a:pPr>
+          <a:endParaRPr lang="en-US" sz="900" kern="1200"/>
+        </a:p>
+      </dsp:txBody>
+      <dsp:txXfrm>
+        <a:off x="4770596" y="1723731"/>
+        <a:ext cx="133576" cy="133937"/>
+      </dsp:txXfrm>
+    </dsp:sp>
+    <dsp:sp modelId="{3432B14F-3020-44AB-9D24-EA53FC004441}">
+      <dsp:nvSpPr>
+        <dsp:cNvPr id="0" name=""/>
+        <dsp:cNvSpPr/>
+      </dsp:nvSpPr>
+      <dsp:spPr>
+        <a:xfrm>
+          <a:off x="5040629" y="1520666"/>
+          <a:ext cx="900112" cy="540067"/>
+        </a:xfrm>
+        <a:prstGeom prst="roundRect">
+          <a:avLst>
+            <a:gd name="adj" fmla="val 10000"/>
+          </a:avLst>
+        </a:prstGeom>
+        <a:solidFill>
+          <a:schemeClr val="accent1">
+            <a:hueOff val="0"/>
+            <a:satOff val="0"/>
+            <a:lumOff val="0"/>
+            <a:alphaOff val="0"/>
+          </a:schemeClr>
+        </a:solidFill>
+        <a:ln w="34925" cap="flat" cmpd="sng" algn="in">
+          <a:solidFill>
+            <a:schemeClr val="lt1">
+              <a:hueOff val="0"/>
+              <a:satOff val="0"/>
+              <a:lumOff val="0"/>
+              <a:alphaOff val="0"/>
+            </a:schemeClr>
+          </a:solidFill>
+          <a:prstDash val="solid"/>
+        </a:ln>
+        <a:effectLst/>
+      </dsp:spPr>
+      <dsp:style>
+        <a:lnRef idx="2">
+          <a:scrgbClr r="0" g="0" b="0"/>
+        </a:lnRef>
+        <a:fillRef idx="1">
+          <a:scrgbClr r="0" g="0" b="0"/>
+        </a:fillRef>
+        <a:effectRef idx="0">
+          <a:scrgbClr r="0" g="0" b="0"/>
+        </a:effectRef>
+        <a:fontRef idx="minor">
+          <a:schemeClr val="lt1"/>
+        </a:fontRef>
+      </dsp:style>
+      <dsp:txBody>
+        <a:bodyPr spcFirstLastPara="0" vert="horz" wrap="square" lIns="41910" tIns="41910" rIns="41910" bIns="41910" numCol="1" spcCol="1270" anchor="ctr" anchorCtr="0">
+          <a:noAutofit/>
+        </a:bodyPr>
+        <a:lstStyle/>
+        <a:p>
+          <a:pPr marL="0" lvl="0" indent="0" algn="ctr" defTabSz="488950">
+            <a:lnSpc>
+              <a:spcPct val="90000"/>
+            </a:lnSpc>
+            <a:spcBef>
+              <a:spcPct val="0"/>
+            </a:spcBef>
+            <a:spcAft>
+              <a:spcPct val="35000"/>
+            </a:spcAft>
+            <a:buNone/>
+          </a:pPr>
+          <a:r>
+            <a:rPr lang="en-US" sz="1100" kern="1200" dirty="0"/>
+            <a:t>Design Matrix</a:t>
+          </a:r>
+        </a:p>
+      </dsp:txBody>
+      <dsp:txXfrm>
+        <a:off x="5056447" y="1536484"/>
+        <a:ext cx="868476" cy="508431"/>
+      </dsp:txXfrm>
+    </dsp:sp>
+    <dsp:sp modelId="{E2791A25-CB20-41E8-B35C-B92779CA5C5B}">
+      <dsp:nvSpPr>
+        <dsp:cNvPr id="0" name=""/>
+        <dsp:cNvSpPr/>
+      </dsp:nvSpPr>
+      <dsp:spPr>
+        <a:xfrm>
+          <a:off x="6030753" y="1679086"/>
+          <a:ext cx="190823" cy="223227"/>
+        </a:xfrm>
+        <a:prstGeom prst="rightArrow">
+          <a:avLst>
+            <a:gd name="adj1" fmla="val 60000"/>
+            <a:gd name="adj2" fmla="val 50000"/>
+          </a:avLst>
+        </a:prstGeom>
+        <a:solidFill>
+          <a:schemeClr val="accent1">
+            <a:tint val="60000"/>
+            <a:hueOff val="0"/>
+            <a:satOff val="0"/>
+            <a:lumOff val="0"/>
+            <a:alphaOff val="0"/>
+          </a:schemeClr>
+        </a:solidFill>
+        <a:ln>
+          <a:noFill/>
+        </a:ln>
+        <a:effectLst/>
+      </dsp:spPr>
+      <dsp:style>
+        <a:lnRef idx="0">
+          <a:scrgbClr r="0" g="0" b="0"/>
+        </a:lnRef>
+        <a:fillRef idx="1">
+          <a:scrgbClr r="0" g="0" b="0"/>
+        </a:fillRef>
+        <a:effectRef idx="0">
+          <a:scrgbClr r="0" g="0" b="0"/>
+        </a:effectRef>
+        <a:fontRef idx="minor">
+          <a:schemeClr val="lt1"/>
+        </a:fontRef>
+      </dsp:style>
+      <dsp:txBody>
+        <a:bodyPr spcFirstLastPara="0" vert="horz" wrap="square" lIns="0" tIns="0" rIns="0" bIns="0" numCol="1" spcCol="1270" anchor="ctr" anchorCtr="0">
+          <a:noAutofit/>
+        </a:bodyPr>
+        <a:lstStyle/>
+        <a:p>
+          <a:pPr marL="0" lvl="0" indent="0" algn="ctr" defTabSz="400050">
+            <a:lnSpc>
+              <a:spcPct val="90000"/>
+            </a:lnSpc>
+            <a:spcBef>
+              <a:spcPct val="0"/>
+            </a:spcBef>
+            <a:spcAft>
+              <a:spcPct val="35000"/>
+            </a:spcAft>
+            <a:buNone/>
+          </a:pPr>
+          <a:endParaRPr lang="en-US" sz="900" kern="1200"/>
+        </a:p>
+      </dsp:txBody>
+      <dsp:txXfrm>
+        <a:off x="6030753" y="1723731"/>
+        <a:ext cx="133576" cy="133937"/>
+      </dsp:txXfrm>
+    </dsp:sp>
+    <dsp:sp modelId="{72BFCE95-47A0-4CEE-BA74-CD7783770AE4}">
+      <dsp:nvSpPr>
+        <dsp:cNvPr id="0" name=""/>
+        <dsp:cNvSpPr/>
+      </dsp:nvSpPr>
+      <dsp:spPr>
+        <a:xfrm>
+          <a:off x="6300787" y="1520666"/>
+          <a:ext cx="900112" cy="540067"/>
+        </a:xfrm>
+        <a:prstGeom prst="roundRect">
+          <a:avLst>
+            <a:gd name="adj" fmla="val 10000"/>
+          </a:avLst>
+        </a:prstGeom>
+        <a:solidFill>
+          <a:schemeClr val="accent1">
+            <a:hueOff val="0"/>
+            <a:satOff val="0"/>
+            <a:lumOff val="0"/>
+            <a:alphaOff val="0"/>
+          </a:schemeClr>
+        </a:solidFill>
+        <a:ln w="34925" cap="flat" cmpd="sng" algn="in">
+          <a:solidFill>
+            <a:schemeClr val="lt1">
+              <a:hueOff val="0"/>
+              <a:satOff val="0"/>
+              <a:lumOff val="0"/>
+              <a:alphaOff val="0"/>
+            </a:schemeClr>
+          </a:solidFill>
+          <a:prstDash val="solid"/>
+        </a:ln>
+        <a:effectLst/>
+      </dsp:spPr>
+      <dsp:style>
+        <a:lnRef idx="2">
+          <a:scrgbClr r="0" g="0" b="0"/>
+        </a:lnRef>
+        <a:fillRef idx="1">
+          <a:scrgbClr r="0" g="0" b="0"/>
+        </a:fillRef>
+        <a:effectRef idx="0">
+          <a:scrgbClr r="0" g="0" b="0"/>
+        </a:effectRef>
+        <a:fontRef idx="minor">
+          <a:schemeClr val="lt1"/>
+        </a:fontRef>
+      </dsp:style>
+      <dsp:txBody>
+        <a:bodyPr spcFirstLastPara="0" vert="horz" wrap="square" lIns="41910" tIns="41910" rIns="41910" bIns="41910" numCol="1" spcCol="1270" anchor="ctr" anchorCtr="0">
+          <a:noAutofit/>
+        </a:bodyPr>
+        <a:lstStyle/>
+        <a:p>
+          <a:pPr marL="0" lvl="0" indent="0" algn="ctr" defTabSz="488950">
+            <a:lnSpc>
+              <a:spcPct val="90000"/>
+            </a:lnSpc>
+            <a:spcBef>
+              <a:spcPct val="0"/>
+            </a:spcBef>
+            <a:spcAft>
+              <a:spcPct val="35000"/>
+            </a:spcAft>
+            <a:buNone/>
+          </a:pPr>
+          <a:r>
+            <a:rPr lang="en-US" sz="1100" kern="1200" dirty="0"/>
+            <a:t>Pairwise Comparison</a:t>
+          </a:r>
+        </a:p>
+      </dsp:txBody>
+      <dsp:txXfrm>
+        <a:off x="6316605" y="1536484"/>
+        <a:ext cx="868476" cy="508431"/>
       </dsp:txXfrm>
     </dsp:sp>
   </dsp:spTree>
@@ -13454,7 +14098,7 @@
             <p:ph idx="1"/>
             <p:extLst>
               <p:ext uri="{D42A27DB-BD31-4B8C-83A1-F6EECF244321}">
-                <p14:modId xmlns:p14="http://schemas.microsoft.com/office/powerpoint/2010/main" val="2280023539"/>
+                <p14:modId xmlns:p14="http://schemas.microsoft.com/office/powerpoint/2010/main" val="3695653038"/>
               </p:ext>
             </p:extLst>
           </p:nvPr>

--- a/asparagus.pptx
+++ b/asparagus.pptx
@@ -2,15 +2,15 @@
 <file path=ppt/presentation.xml><?xml version="1.0" encoding="utf-8"?>
 <p:presentation xmlns:a="http://schemas.openxmlformats.org/drawingml/2006/main" xmlns:r="http://schemas.openxmlformats.org/officeDocument/2006/relationships" xmlns:p="http://schemas.openxmlformats.org/presentationml/2006/main" saveSubsetFonts="1">
   <p:sldMasterIdLst>
-    <p:sldMasterId id="2147483660" r:id="rId1"/>
+    <p:sldMasterId id="2147483696" r:id="rId1"/>
   </p:sldMasterIdLst>
   <p:notesMasterIdLst>
     <p:notesMasterId r:id="rId24"/>
   </p:notesMasterIdLst>
   <p:sldIdLst>
     <p:sldId id="256" r:id="rId2"/>
-    <p:sldId id="257" r:id="rId3"/>
-    <p:sldId id="258" r:id="rId4"/>
+    <p:sldId id="258" r:id="rId3"/>
+    <p:sldId id="257" r:id="rId4"/>
     <p:sldId id="259" r:id="rId5"/>
     <p:sldId id="260" r:id="rId6"/>
     <p:sldId id="278" r:id="rId7"/>
@@ -130,7 +130,7 @@
   </p:defaultTextStyle>
   <p:extLst>
     <p:ext uri="{EFAFB233-063F-42B5-8137-9DF3F51BA10A}">
-      <p15:sldGuideLst xmlns:p15="http://schemas.microsoft.com/office/powerpoint/2012/main">
+      <p15:sldGuideLst xmlns:p15="http://schemas.microsoft.com/office/powerpoint/2012/main" xmlns="">
         <p15:guide id="1" orient="horz" pos="2160">
           <p15:clr>
             <a:srgbClr val="A4A3A4"/>
@@ -2582,7 +2582,7 @@
         <a:lstStyle/>
         <a:p>
           <a:r>
-            <a:rPr lang="es-ES" sz="2000" dirty="0" err="1" smtClean="0"/>
+            <a:rPr lang="es-ES" sz="2000" dirty="0" smtClean="0"/>
             <a:t>RNAseq</a:t>
           </a:r>
           <a:endParaRPr lang="en-US" sz="2000" dirty="0"/>
@@ -2619,16 +2619,8 @@
         <a:lstStyle/>
         <a:p>
           <a:r>
-            <a:rPr lang="es-ES" sz="1600" dirty="0" err="1" smtClean="0"/>
-            <a:t>Spear</a:t>
-          </a:r>
-          <a:r>
             <a:rPr lang="es-ES" sz="1600" dirty="0" smtClean="0"/>
-            <a:t> </a:t>
-          </a:r>
-          <a:r>
-            <a:rPr lang="es-ES" sz="1600" dirty="0" err="1" smtClean="0"/>
-            <a:t>tips</a:t>
+            <a:t>Spear tips</a:t>
           </a:r>
           <a:endParaRPr lang="en-US" sz="1600" dirty="0"/>
         </a:p>
@@ -2664,12 +2656,8 @@
         <a:lstStyle/>
         <a:p>
           <a:r>
-            <a:rPr lang="es-ES" sz="1600" dirty="0" err="1" smtClean="0"/>
-            <a:t>Male</a:t>
-          </a:r>
-          <a:r>
             <a:rPr lang="es-ES" sz="1600" dirty="0" smtClean="0"/>
-            <a:t>, </a:t>
+            <a:t>Male, </a:t>
           </a:r>
           <a:r>
             <a:rPr lang="es-ES" sz="1600" dirty="0" err="1" smtClean="0"/>
@@ -2685,11 +2673,7 @@
           </a:r>
           <a:r>
             <a:rPr lang="es-ES" sz="1600" dirty="0" smtClean="0"/>
-            <a:t> </a:t>
-          </a:r>
-          <a:r>
-            <a:rPr lang="es-ES" sz="1600" dirty="0" err="1" smtClean="0"/>
-            <a:t>Male</a:t>
+            <a:t> Male</a:t>
           </a:r>
           <a:endParaRPr lang="en-US" sz="1600" dirty="0"/>
         </a:p>
@@ -3293,37 +3277,37 @@
     </dgm:pt>
   </dgm:ptLst>
   <dgm:cxnLst>
+    <dgm:cxn modelId="{E4780FAE-1D30-42E7-AC51-8BA88C8C3936}" srcId="{0446C03C-E073-45AB-A9C8-06443FEA1350}" destId="{C466413A-A54D-4592-9067-4A7632047ADD}" srcOrd="0" destOrd="0" parTransId="{168F6043-1350-4D89-84A3-126F1B46C4D8}" sibTransId="{BBEBD048-CE75-4AEB-8E49-5458336C8650}"/>
+    <dgm:cxn modelId="{79EC4E32-DBFE-4EC9-87D3-E83007DEB976}" srcId="{7F00E8CE-6E56-4F4D-88C9-C0473C61FC8D}" destId="{91A65AEF-6A15-4A27-BEF4-E1F29341CAE7}" srcOrd="2" destOrd="0" parTransId="{73FB7926-F3DC-4072-892E-5CDBC32AC16D}" sibTransId="{26F79743-5592-4A48-AD2F-903A4A3C64B0}"/>
+    <dgm:cxn modelId="{274EF8EA-833F-4500-9EC7-213330933E55}" srcId="{91A65AEF-6A15-4A27-BEF4-E1F29341CAE7}" destId="{5E3E51B3-C034-40DA-8D6B-12A51F79F84F}" srcOrd="1" destOrd="0" parTransId="{655E7F96-779F-49AD-864A-E6F2A6C31883}" sibTransId="{D2A9912C-C23B-4036-9067-0181019705BF}"/>
+    <dgm:cxn modelId="{79AE3E36-3F6D-4B29-A511-5D0B9A6434B9}" type="presOf" srcId="{C466413A-A54D-4592-9067-4A7632047ADD}" destId="{BDAA6788-3D12-47BC-9E42-7D38FDE7F399}" srcOrd="0" destOrd="1" presId="urn:microsoft.com/office/officeart/2005/8/layout/process1"/>
+    <dgm:cxn modelId="{E52E4512-9B52-4829-8292-891CD1605CFA}" type="presOf" srcId="{DD9D1A19-C042-4241-AC1E-CBC58119E3B1}" destId="{E1C175A5-344B-46C4-A31A-B19B85FB8577}" srcOrd="0" destOrd="0" presId="urn:microsoft.com/office/officeart/2005/8/layout/process1"/>
+    <dgm:cxn modelId="{2B471167-3011-4249-B4E4-797FE711F9F1}" srcId="{DD9D1A19-C042-4241-AC1E-CBC58119E3B1}" destId="{169D612B-DA50-42B2-A089-0CD33404C833}" srcOrd="1" destOrd="0" parTransId="{3DBDD095-BAC6-4E38-BFDA-31C50CC1291F}" sibTransId="{D8E076AF-17A9-4432-91BD-D6211BC0EA7C}"/>
+    <dgm:cxn modelId="{089EAF4D-0718-4A95-82BC-C9DC79A61562}" srcId="{DD9D1A19-C042-4241-AC1E-CBC58119E3B1}" destId="{81A854F5-D3EB-49EB-AF5F-B56F6C8F5EC5}" srcOrd="0" destOrd="0" parTransId="{56C0F259-9B7E-421E-8F8E-530B0F5CE873}" sibTransId="{9F016FBE-B21A-4F9E-B770-AF7EB9058F08}"/>
+    <dgm:cxn modelId="{22FC1ECA-E709-46D6-9263-3055451A2D92}" srcId="{DD9D1A19-C042-4241-AC1E-CBC58119E3B1}" destId="{942CFC1C-AA12-4264-A826-2D247FC95085}" srcOrd="2" destOrd="0" parTransId="{7CB0AD2C-A735-4A10-B9FB-A1061338BA5B}" sibTransId="{F0159CE7-914F-482D-8628-34B12113E511}"/>
+    <dgm:cxn modelId="{00CE3C1E-BC5E-4AEE-B410-7750B957FC84}" type="presOf" srcId="{F5351295-5A7B-4686-BA6C-AAD51831210B}" destId="{BDAA6788-3D12-47BC-9E42-7D38FDE7F399}" srcOrd="0" destOrd="2" presId="urn:microsoft.com/office/officeart/2005/8/layout/process1"/>
+    <dgm:cxn modelId="{2E825B25-6EA5-4063-A79B-66B8818EDD05}" type="presOf" srcId="{7F00E8CE-6E56-4F4D-88C9-C0473C61FC8D}" destId="{962DDC3C-372C-41E5-98AF-1BC41210AB0A}" srcOrd="0" destOrd="0" presId="urn:microsoft.com/office/officeart/2005/8/layout/process1"/>
+    <dgm:cxn modelId="{C21346BE-6B39-4AD3-9F67-10CFC4398D3C}" type="presOf" srcId="{91A65AEF-6A15-4A27-BEF4-E1F29341CAE7}" destId="{1886C3BF-2DFE-4372-93A8-70DF5AE5B7BB}" srcOrd="0" destOrd="0" presId="urn:microsoft.com/office/officeart/2005/8/layout/process1"/>
+    <dgm:cxn modelId="{DC9946B6-D564-4A8F-8A08-9E5A6CD74436}" srcId="{91A65AEF-6A15-4A27-BEF4-E1F29341CAE7}" destId="{F1C2D6F1-7C50-4518-AF30-C62830E34870}" srcOrd="0" destOrd="0" parTransId="{00864D43-7BE9-45DA-BAE4-E75E36C45913}" sibTransId="{7AA76297-BF81-4187-8BAD-57F1348D4BB5}"/>
+    <dgm:cxn modelId="{0B7C5417-96E9-4D4D-89AC-6F8D69992060}" type="presOf" srcId="{99DDACEB-7AC2-405D-8C03-62809185729F}" destId="{BDAA6788-3D12-47BC-9E42-7D38FDE7F399}" srcOrd="0" destOrd="3" presId="urn:microsoft.com/office/officeart/2005/8/layout/process1"/>
+    <dgm:cxn modelId="{C1D70DC3-BB6F-4772-8D52-C73C49E18F26}" type="presOf" srcId="{2F1FB023-A283-4CF2-AD92-547252EFD921}" destId="{82CB2603-4A55-4B49-A6E8-B125ED9C9E48}" srcOrd="1" destOrd="0" presId="urn:microsoft.com/office/officeart/2005/8/layout/process1"/>
+    <dgm:cxn modelId="{1C94B997-07FB-4D8B-B2E8-FF341A774F9B}" type="presOf" srcId="{169D612B-DA50-42B2-A089-0CD33404C833}" destId="{E1C175A5-344B-46C4-A31A-B19B85FB8577}" srcOrd="0" destOrd="2" presId="urn:microsoft.com/office/officeart/2005/8/layout/process1"/>
     <dgm:cxn modelId="{B4F95DF4-F8F0-49E1-8506-908FAFE11139}" srcId="{7F00E8CE-6E56-4F4D-88C9-C0473C61FC8D}" destId="{DD9D1A19-C042-4241-AC1E-CBC58119E3B1}" srcOrd="1" destOrd="0" parTransId="{777BD4C7-AAA8-4A81-829D-A0D2FF6AA15F}" sibTransId="{2F1FB023-A283-4CF2-AD92-547252EFD921}"/>
-    <dgm:cxn modelId="{C1D70DC3-BB6F-4772-8D52-C73C49E18F26}" type="presOf" srcId="{2F1FB023-A283-4CF2-AD92-547252EFD921}" destId="{82CB2603-4A55-4B49-A6E8-B125ED9C9E48}" srcOrd="1" destOrd="0" presId="urn:microsoft.com/office/officeart/2005/8/layout/process1"/>
-    <dgm:cxn modelId="{79AE3E36-3F6D-4B29-A511-5D0B9A6434B9}" type="presOf" srcId="{C466413A-A54D-4592-9067-4A7632047ADD}" destId="{BDAA6788-3D12-47BC-9E42-7D38FDE7F399}" srcOrd="0" destOrd="1" presId="urn:microsoft.com/office/officeart/2005/8/layout/process1"/>
-    <dgm:cxn modelId="{00CE3C1E-BC5E-4AEE-B410-7750B957FC84}" type="presOf" srcId="{F5351295-5A7B-4686-BA6C-AAD51831210B}" destId="{BDAA6788-3D12-47BC-9E42-7D38FDE7F399}" srcOrd="0" destOrd="2" presId="urn:microsoft.com/office/officeart/2005/8/layout/process1"/>
-    <dgm:cxn modelId="{E4780FAE-1D30-42E7-AC51-8BA88C8C3936}" srcId="{0446C03C-E073-45AB-A9C8-06443FEA1350}" destId="{C466413A-A54D-4592-9067-4A7632047ADD}" srcOrd="0" destOrd="0" parTransId="{168F6043-1350-4D89-84A3-126F1B46C4D8}" sibTransId="{BBEBD048-CE75-4AEB-8E49-5458336C8650}"/>
     <dgm:cxn modelId="{64F483B0-D56E-4E51-A12A-C615B4470DED}" srcId="{0446C03C-E073-45AB-A9C8-06443FEA1350}" destId="{99DDACEB-7AC2-405D-8C03-62809185729F}" srcOrd="2" destOrd="0" parTransId="{FE885667-BCFC-4070-85A3-7E7661061007}" sibTransId="{3060AE7B-8CF2-467E-AFA3-68FF2185B41A}"/>
-    <dgm:cxn modelId="{0B7C5417-96E9-4D4D-89AC-6F8D69992060}" type="presOf" srcId="{99DDACEB-7AC2-405D-8C03-62809185729F}" destId="{BDAA6788-3D12-47BC-9E42-7D38FDE7F399}" srcOrd="0" destOrd="3" presId="urn:microsoft.com/office/officeart/2005/8/layout/process1"/>
+    <dgm:cxn modelId="{7D477BAE-EA9F-4D3C-AE9E-B69332CB574A}" type="presOf" srcId="{DD3773AC-ED19-47CD-9A5C-21D0582A545B}" destId="{1F338E8C-445B-4795-9DFA-DDBCD4CD0223}" srcOrd="0" destOrd="0" presId="urn:microsoft.com/office/officeart/2005/8/layout/process1"/>
+    <dgm:cxn modelId="{00F6D34C-34A9-4267-BA6D-2341A482C667}" type="presOf" srcId="{DD3773AC-ED19-47CD-9A5C-21D0582A545B}" destId="{34DEC8FB-8A5E-47CA-96DE-B987907461FF}" srcOrd="1" destOrd="0" presId="urn:microsoft.com/office/officeart/2005/8/layout/process1"/>
+    <dgm:cxn modelId="{6CA895F7-DC0B-4666-938A-B116866643B2}" type="presOf" srcId="{7305E311-BA18-4725-86B1-D9DF66556862}" destId="{1886C3BF-2DFE-4372-93A8-70DF5AE5B7BB}" srcOrd="0" destOrd="3" presId="urn:microsoft.com/office/officeart/2005/8/layout/process1"/>
+    <dgm:cxn modelId="{7F065C32-943E-4B45-992C-FEEA645ADE92}" type="presOf" srcId="{0446C03C-E073-45AB-A9C8-06443FEA1350}" destId="{BDAA6788-3D12-47BC-9E42-7D38FDE7F399}" srcOrd="0" destOrd="0" presId="urn:microsoft.com/office/officeart/2005/8/layout/process1"/>
+    <dgm:cxn modelId="{932179C8-46BB-4EBA-B01E-CFBCCFA4DC21}" type="presOf" srcId="{AE78AC46-7E52-44F4-B2B2-7CE10099D6ED}" destId="{E1C175A5-344B-46C4-A31A-B19B85FB8577}" srcOrd="0" destOrd="4" presId="urn:microsoft.com/office/officeart/2005/8/layout/process1"/>
+    <dgm:cxn modelId="{46EEA246-DA9F-4BBB-89F1-BFFE8CD15378}" srcId="{7F00E8CE-6E56-4F4D-88C9-C0473C61FC8D}" destId="{0446C03C-E073-45AB-A9C8-06443FEA1350}" srcOrd="0" destOrd="0" parTransId="{166EBAF9-EA67-41C7-9543-4E7B353618A0}" sibTransId="{DD3773AC-ED19-47CD-9A5C-21D0582A545B}"/>
     <dgm:cxn modelId="{BCA9A3D5-D437-4983-9C4A-142C813CBF20}" srcId="{DD9D1A19-C042-4241-AC1E-CBC58119E3B1}" destId="{AE78AC46-7E52-44F4-B2B2-7CE10099D6ED}" srcOrd="3" destOrd="0" parTransId="{F3154323-2D0F-4AA8-BDA6-3039AF34A32D}" sibTransId="{38B06FD4-3BA9-4425-90CA-E27CB0EB86EA}"/>
-    <dgm:cxn modelId="{2E825B25-6EA5-4063-A79B-66B8818EDD05}" type="presOf" srcId="{7F00E8CE-6E56-4F4D-88C9-C0473C61FC8D}" destId="{962DDC3C-372C-41E5-98AF-1BC41210AB0A}" srcOrd="0" destOrd="0" presId="urn:microsoft.com/office/officeart/2005/8/layout/process1"/>
+    <dgm:cxn modelId="{97963869-47A2-410C-957F-FA9E0ABBA8EA}" type="presOf" srcId="{81A854F5-D3EB-49EB-AF5F-B56F6C8F5EC5}" destId="{E1C175A5-344B-46C4-A31A-B19B85FB8577}" srcOrd="0" destOrd="1" presId="urn:microsoft.com/office/officeart/2005/8/layout/process1"/>
+    <dgm:cxn modelId="{FEE8B482-E279-4E5C-BE13-C7106536C100}" srcId="{0446C03C-E073-45AB-A9C8-06443FEA1350}" destId="{F5351295-5A7B-4686-BA6C-AAD51831210B}" srcOrd="1" destOrd="0" parTransId="{8DB328E6-5015-4445-94EC-9C99E54FD70D}" sibTransId="{C5A711CA-AA1A-4629-BB87-67B93CCD2D61}"/>
+    <dgm:cxn modelId="{70398382-2953-4312-9820-0DB9982CAEDB}" type="presOf" srcId="{2F1FB023-A283-4CF2-AD92-547252EFD921}" destId="{F461BE5B-401D-414A-9175-B95B6C23DC9D}" srcOrd="0" destOrd="0" presId="urn:microsoft.com/office/officeart/2005/8/layout/process1"/>
+    <dgm:cxn modelId="{57DFCDEE-5952-43CC-BCE2-536517B17C25}" type="presOf" srcId="{5E3E51B3-C034-40DA-8D6B-12A51F79F84F}" destId="{1886C3BF-2DFE-4372-93A8-70DF5AE5B7BB}" srcOrd="0" destOrd="2" presId="urn:microsoft.com/office/officeart/2005/8/layout/process1"/>
     <dgm:cxn modelId="{8F4B5199-D290-4C54-BFDB-FAFDE984C92C}" type="presOf" srcId="{942CFC1C-AA12-4264-A826-2D247FC95085}" destId="{E1C175A5-344B-46C4-A31A-B19B85FB8577}" srcOrd="0" destOrd="3" presId="urn:microsoft.com/office/officeart/2005/8/layout/process1"/>
-    <dgm:cxn modelId="{2B471167-3011-4249-B4E4-797FE711F9F1}" srcId="{DD9D1A19-C042-4241-AC1E-CBC58119E3B1}" destId="{169D612B-DA50-42B2-A089-0CD33404C833}" srcOrd="1" destOrd="0" parTransId="{3DBDD095-BAC6-4E38-BFDA-31C50CC1291F}" sibTransId="{D8E076AF-17A9-4432-91BD-D6211BC0EA7C}"/>
-    <dgm:cxn modelId="{46EEA246-DA9F-4BBB-89F1-BFFE8CD15378}" srcId="{7F00E8CE-6E56-4F4D-88C9-C0473C61FC8D}" destId="{0446C03C-E073-45AB-A9C8-06443FEA1350}" srcOrd="0" destOrd="0" parTransId="{166EBAF9-EA67-41C7-9543-4E7B353618A0}" sibTransId="{DD3773AC-ED19-47CD-9A5C-21D0582A545B}"/>
-    <dgm:cxn modelId="{DC9946B6-D564-4A8F-8A08-9E5A6CD74436}" srcId="{91A65AEF-6A15-4A27-BEF4-E1F29341CAE7}" destId="{F1C2D6F1-7C50-4518-AF30-C62830E34870}" srcOrd="0" destOrd="0" parTransId="{00864D43-7BE9-45DA-BAE4-E75E36C45913}" sibTransId="{7AA76297-BF81-4187-8BAD-57F1348D4BB5}"/>
-    <dgm:cxn modelId="{6CA895F7-DC0B-4666-938A-B116866643B2}" type="presOf" srcId="{7305E311-BA18-4725-86B1-D9DF66556862}" destId="{1886C3BF-2DFE-4372-93A8-70DF5AE5B7BB}" srcOrd="0" destOrd="3" presId="urn:microsoft.com/office/officeart/2005/8/layout/process1"/>
-    <dgm:cxn modelId="{70398382-2953-4312-9820-0DB9982CAEDB}" type="presOf" srcId="{2F1FB023-A283-4CF2-AD92-547252EFD921}" destId="{F461BE5B-401D-414A-9175-B95B6C23DC9D}" srcOrd="0" destOrd="0" presId="urn:microsoft.com/office/officeart/2005/8/layout/process1"/>
-    <dgm:cxn modelId="{22FC1ECA-E709-46D6-9263-3055451A2D92}" srcId="{DD9D1A19-C042-4241-AC1E-CBC58119E3B1}" destId="{942CFC1C-AA12-4264-A826-2D247FC95085}" srcOrd="2" destOrd="0" parTransId="{7CB0AD2C-A735-4A10-B9FB-A1061338BA5B}" sibTransId="{F0159CE7-914F-482D-8628-34B12113E511}"/>
-    <dgm:cxn modelId="{1C94B997-07FB-4D8B-B2E8-FF341A774F9B}" type="presOf" srcId="{169D612B-DA50-42B2-A089-0CD33404C833}" destId="{E1C175A5-344B-46C4-A31A-B19B85FB8577}" srcOrd="0" destOrd="2" presId="urn:microsoft.com/office/officeart/2005/8/layout/process1"/>
-    <dgm:cxn modelId="{57DFCDEE-5952-43CC-BCE2-536517B17C25}" type="presOf" srcId="{5E3E51B3-C034-40DA-8D6B-12A51F79F84F}" destId="{1886C3BF-2DFE-4372-93A8-70DF5AE5B7BB}" srcOrd="0" destOrd="2" presId="urn:microsoft.com/office/officeart/2005/8/layout/process1"/>
-    <dgm:cxn modelId="{7D477BAE-EA9F-4D3C-AE9E-B69332CB574A}" type="presOf" srcId="{DD3773AC-ED19-47CD-9A5C-21D0582A545B}" destId="{1F338E8C-445B-4795-9DFA-DDBCD4CD0223}" srcOrd="0" destOrd="0" presId="urn:microsoft.com/office/officeart/2005/8/layout/process1"/>
-    <dgm:cxn modelId="{97963869-47A2-410C-957F-FA9E0ABBA8EA}" type="presOf" srcId="{81A854F5-D3EB-49EB-AF5F-B56F6C8F5EC5}" destId="{E1C175A5-344B-46C4-A31A-B19B85FB8577}" srcOrd="0" destOrd="1" presId="urn:microsoft.com/office/officeart/2005/8/layout/process1"/>
-    <dgm:cxn modelId="{932179C8-46BB-4EBA-B01E-CFBCCFA4DC21}" type="presOf" srcId="{AE78AC46-7E52-44F4-B2B2-7CE10099D6ED}" destId="{E1C175A5-344B-46C4-A31A-B19B85FB8577}" srcOrd="0" destOrd="4" presId="urn:microsoft.com/office/officeart/2005/8/layout/process1"/>
-    <dgm:cxn modelId="{7F065C32-943E-4B45-992C-FEEA645ADE92}" type="presOf" srcId="{0446C03C-E073-45AB-A9C8-06443FEA1350}" destId="{BDAA6788-3D12-47BC-9E42-7D38FDE7F399}" srcOrd="0" destOrd="0" presId="urn:microsoft.com/office/officeart/2005/8/layout/process1"/>
+    <dgm:cxn modelId="{AC0F4E34-1EE9-4B66-99B0-32ECCF3AFCEA}" srcId="{91A65AEF-6A15-4A27-BEF4-E1F29341CAE7}" destId="{7305E311-BA18-4725-86B1-D9DF66556862}" srcOrd="2" destOrd="0" parTransId="{35EE8319-C046-48CC-965F-761964A1A1D8}" sibTransId="{BAA32ABE-2C94-4499-B5F5-1BE81733AACE}"/>
     <dgm:cxn modelId="{A35BA005-231A-4DF5-ACF3-C891B914081F}" type="presOf" srcId="{F1C2D6F1-7C50-4518-AF30-C62830E34870}" destId="{1886C3BF-2DFE-4372-93A8-70DF5AE5B7BB}" srcOrd="0" destOrd="1" presId="urn:microsoft.com/office/officeart/2005/8/layout/process1"/>
-    <dgm:cxn modelId="{C21346BE-6B39-4AD3-9F67-10CFC4398D3C}" type="presOf" srcId="{91A65AEF-6A15-4A27-BEF4-E1F29341CAE7}" destId="{1886C3BF-2DFE-4372-93A8-70DF5AE5B7BB}" srcOrd="0" destOrd="0" presId="urn:microsoft.com/office/officeart/2005/8/layout/process1"/>
-    <dgm:cxn modelId="{00F6D34C-34A9-4267-BA6D-2341A482C667}" type="presOf" srcId="{DD3773AC-ED19-47CD-9A5C-21D0582A545B}" destId="{34DEC8FB-8A5E-47CA-96DE-B987907461FF}" srcOrd="1" destOrd="0" presId="urn:microsoft.com/office/officeart/2005/8/layout/process1"/>
-    <dgm:cxn modelId="{089EAF4D-0718-4A95-82BC-C9DC79A61562}" srcId="{DD9D1A19-C042-4241-AC1E-CBC58119E3B1}" destId="{81A854F5-D3EB-49EB-AF5F-B56F6C8F5EC5}" srcOrd="0" destOrd="0" parTransId="{56C0F259-9B7E-421E-8F8E-530B0F5CE873}" sibTransId="{9F016FBE-B21A-4F9E-B770-AF7EB9058F08}"/>
-    <dgm:cxn modelId="{E52E4512-9B52-4829-8292-891CD1605CFA}" type="presOf" srcId="{DD9D1A19-C042-4241-AC1E-CBC58119E3B1}" destId="{E1C175A5-344B-46C4-A31A-B19B85FB8577}" srcOrd="0" destOrd="0" presId="urn:microsoft.com/office/officeart/2005/8/layout/process1"/>
-    <dgm:cxn modelId="{274EF8EA-833F-4500-9EC7-213330933E55}" srcId="{91A65AEF-6A15-4A27-BEF4-E1F29341CAE7}" destId="{5E3E51B3-C034-40DA-8D6B-12A51F79F84F}" srcOrd="1" destOrd="0" parTransId="{655E7F96-779F-49AD-864A-E6F2A6C31883}" sibTransId="{D2A9912C-C23B-4036-9067-0181019705BF}"/>
-    <dgm:cxn modelId="{79EC4E32-DBFE-4EC9-87D3-E83007DEB976}" srcId="{7F00E8CE-6E56-4F4D-88C9-C0473C61FC8D}" destId="{91A65AEF-6A15-4A27-BEF4-E1F29341CAE7}" srcOrd="2" destOrd="0" parTransId="{73FB7926-F3DC-4072-892E-5CDBC32AC16D}" sibTransId="{26F79743-5592-4A48-AD2F-903A4A3C64B0}"/>
-    <dgm:cxn modelId="{AC0F4E34-1EE9-4B66-99B0-32ECCF3AFCEA}" srcId="{91A65AEF-6A15-4A27-BEF4-E1F29341CAE7}" destId="{7305E311-BA18-4725-86B1-D9DF66556862}" srcOrd="2" destOrd="0" parTransId="{35EE8319-C046-48CC-965F-761964A1A1D8}" sibTransId="{BAA32ABE-2C94-4499-B5F5-1BE81733AACE}"/>
-    <dgm:cxn modelId="{FEE8B482-E279-4E5C-BE13-C7106536C100}" srcId="{0446C03C-E073-45AB-A9C8-06443FEA1350}" destId="{F5351295-5A7B-4686-BA6C-AAD51831210B}" srcOrd="1" destOrd="0" parTransId="{8DB328E6-5015-4445-94EC-9C99E54FD70D}" sibTransId="{C5A711CA-AA1A-4629-BB87-67B93CCD2D61}"/>
     <dgm:cxn modelId="{1384C4A0-1E04-4060-89DC-38ACFD604295}" type="presParOf" srcId="{962DDC3C-372C-41E5-98AF-1BC41210AB0A}" destId="{BDAA6788-3D12-47BC-9E42-7D38FDE7F399}" srcOrd="0" destOrd="0" presId="urn:microsoft.com/office/officeart/2005/8/layout/process1"/>
     <dgm:cxn modelId="{6914B89C-996B-4428-B6D6-4F300640B65E}" type="presParOf" srcId="{962DDC3C-372C-41E5-98AF-1BC41210AB0A}" destId="{1F338E8C-445B-4795-9DFA-DDBCD4CD0223}" srcOrd="1" destOrd="0" presId="urn:microsoft.com/office/officeart/2005/8/layout/process1"/>
     <dgm:cxn modelId="{09391D10-8263-4063-ACCB-80C26E2DCE68}" type="presParOf" srcId="{1F338E8C-445B-4795-9DFA-DDBCD4CD0223}" destId="{34DEC8FB-8A5E-47CA-96DE-B987907461FF}" srcOrd="0" destOrd="0" presId="urn:microsoft.com/office/officeart/2005/8/layout/process1"/>
@@ -3853,8 +3837,8 @@
       </dsp:nvSpPr>
       <dsp:spPr>
         <a:xfrm>
-          <a:off x="7969" y="304308"/>
-          <a:ext cx="2382068" cy="2015453"/>
+          <a:off x="12389" y="0"/>
+          <a:ext cx="2379742" cy="2624070"/>
         </a:xfrm>
         <a:prstGeom prst="roundRect">
           <a:avLst>
@@ -3869,7 +3853,7 @@
             <a:alphaOff val="0"/>
           </a:schemeClr>
         </a:solidFill>
-        <a:ln w="34925" cap="flat" cmpd="sng" algn="in">
+        <a:ln w="26425" cap="flat" cmpd="sng" algn="ctr">
           <a:solidFill>
             <a:schemeClr val="lt1">
               <a:hueOff val="0"/>
@@ -3914,7 +3898,7 @@
             </a:spcAft>
           </a:pPr>
           <a:r>
-            <a:rPr lang="es-ES" sz="2000" kern="1200" dirty="0" err="1" smtClean="0"/>
+            <a:rPr lang="es-ES" sz="2000" kern="1200" dirty="0" smtClean="0"/>
             <a:t>RNAseq</a:t>
           </a:r>
           <a:endParaRPr lang="en-US" sz="2000" kern="1200" dirty="0"/>
@@ -3933,16 +3917,8 @@
             <a:buChar char="••"/>
           </a:pPr>
           <a:r>
-            <a:rPr lang="es-ES" sz="1600" kern="1200" dirty="0" err="1" smtClean="0"/>
-            <a:t>Spear</a:t>
-          </a:r>
-          <a:r>
             <a:rPr lang="es-ES" sz="1600" kern="1200" dirty="0" smtClean="0"/>
-            <a:t> </a:t>
-          </a:r>
-          <a:r>
-            <a:rPr lang="es-ES" sz="1600" kern="1200" dirty="0" err="1" smtClean="0"/>
-            <a:t>tips</a:t>
+            <a:t>Spear tips</a:t>
           </a:r>
           <a:endParaRPr lang="en-US" sz="1600" kern="1200" dirty="0"/>
         </a:p>
@@ -3960,12 +3936,8 @@
             <a:buChar char="••"/>
           </a:pPr>
           <a:r>
-            <a:rPr lang="es-ES" sz="1600" kern="1200" dirty="0" err="1" smtClean="0"/>
-            <a:t>Male</a:t>
-          </a:r>
-          <a:r>
             <a:rPr lang="es-ES" sz="1600" kern="1200" dirty="0" smtClean="0"/>
-            <a:t>, </a:t>
+            <a:t>Male, </a:t>
           </a:r>
           <a:r>
             <a:rPr lang="es-ES" sz="1600" kern="1200" dirty="0" err="1" smtClean="0"/>
@@ -3981,11 +3953,7 @@
           </a:r>
           <a:r>
             <a:rPr lang="es-ES" sz="1600" kern="1200" dirty="0" smtClean="0"/>
-            <a:t> </a:t>
-          </a:r>
-          <a:r>
-            <a:rPr lang="es-ES" sz="1600" kern="1200" dirty="0" err="1" smtClean="0"/>
-            <a:t>Male</a:t>
+            <a:t> Male</a:t>
           </a:r>
           <a:endParaRPr lang="en-US" sz="1600" kern="1200" dirty="0"/>
         </a:p>
@@ -4025,8 +3993,8 @@
         </a:p>
       </dsp:txBody>
       <dsp:txXfrm>
-        <a:off x="67000" y="363339"/>
-        <a:ext cx="2264006" cy="1897391"/>
+        <a:off x="82089" y="69700"/>
+        <a:ext cx="2240342" cy="2484670"/>
       </dsp:txXfrm>
     </dsp:sp>
     <dsp:sp modelId="{1F338E8C-445B-4795-9DFA-DDBCD4CD0223}">
@@ -4036,8 +4004,8 @@
       </dsp:nvSpPr>
       <dsp:spPr>
         <a:xfrm>
-          <a:off x="2628245" y="1016658"/>
-          <a:ext cx="504998" cy="590753"/>
+          <a:off x="2630106" y="1016946"/>
+          <a:ext cx="504505" cy="590176"/>
         </a:xfrm>
         <a:prstGeom prst="rightArrow">
           <a:avLst>
@@ -4093,8 +4061,8 @@
         </a:p>
       </dsp:txBody>
       <dsp:txXfrm>
-        <a:off x="2628245" y="1134809"/>
-        <a:ext cx="353499" cy="354451"/>
+        <a:off x="2630106" y="1134981"/>
+        <a:ext cx="353154" cy="354106"/>
       </dsp:txXfrm>
     </dsp:sp>
     <dsp:sp modelId="{E1C175A5-344B-46C4-A31A-B19B85FB8577}">
@@ -4104,8 +4072,8 @@
       </dsp:nvSpPr>
       <dsp:spPr>
         <a:xfrm>
-          <a:off x="3342865" y="304308"/>
-          <a:ext cx="2382068" cy="2015453"/>
+          <a:off x="3344028" y="0"/>
+          <a:ext cx="2379742" cy="2624070"/>
         </a:xfrm>
         <a:prstGeom prst="roundRect">
           <a:avLst>
@@ -4120,7 +4088,7 @@
             <a:alphaOff val="0"/>
           </a:schemeClr>
         </a:solidFill>
-        <a:ln w="34925" cap="flat" cmpd="sng" algn="in">
+        <a:ln w="26425" cap="flat" cmpd="sng" algn="ctr">
           <a:solidFill>
             <a:schemeClr val="lt1">
               <a:hueOff val="0"/>
@@ -4276,8 +4244,8 @@
         </a:p>
       </dsp:txBody>
       <dsp:txXfrm>
-        <a:off x="3401896" y="363339"/>
-        <a:ext cx="2264006" cy="1897391"/>
+        <a:off x="3413728" y="69700"/>
+        <a:ext cx="2240342" cy="2484670"/>
       </dsp:txXfrm>
     </dsp:sp>
     <dsp:sp modelId="{F461BE5B-401D-414A-9175-B95B6C23DC9D}">
@@ -4287,8 +4255,8 @@
       </dsp:nvSpPr>
       <dsp:spPr>
         <a:xfrm>
-          <a:off x="5963141" y="1016658"/>
-          <a:ext cx="504998" cy="590753"/>
+          <a:off x="5961745" y="1016946"/>
+          <a:ext cx="504505" cy="590176"/>
         </a:xfrm>
         <a:prstGeom prst="rightArrow">
           <a:avLst>
@@ -4344,8 +4312,8 @@
         </a:p>
       </dsp:txBody>
       <dsp:txXfrm>
-        <a:off x="5963141" y="1134809"/>
-        <a:ext cx="353499" cy="354451"/>
+        <a:off x="5961745" y="1134981"/>
+        <a:ext cx="353154" cy="354106"/>
       </dsp:txXfrm>
     </dsp:sp>
     <dsp:sp modelId="{1886C3BF-2DFE-4372-93A8-70DF5AE5B7BB}">
@@ -4355,8 +4323,8 @@
       </dsp:nvSpPr>
       <dsp:spPr>
         <a:xfrm>
-          <a:off x="6677761" y="304308"/>
-          <a:ext cx="2382068" cy="2015453"/>
+          <a:off x="6675668" y="0"/>
+          <a:ext cx="2379742" cy="2624070"/>
         </a:xfrm>
         <a:prstGeom prst="roundRect">
           <a:avLst>
@@ -4371,7 +4339,7 @@
             <a:alphaOff val="0"/>
           </a:schemeClr>
         </a:solidFill>
-        <a:ln w="34925" cap="flat" cmpd="sng" algn="in">
+        <a:ln w="26425" cap="flat" cmpd="sng" algn="ctr">
           <a:solidFill>
             <a:schemeClr val="lt1">
               <a:hueOff val="0"/>
@@ -4536,8 +4504,8 @@
         </a:p>
       </dsp:txBody>
       <dsp:txXfrm>
-        <a:off x="6736792" y="363339"/>
-        <a:ext cx="2264006" cy="1897391"/>
+        <a:off x="6745368" y="69700"/>
+        <a:ext cx="2240342" cy="2484670"/>
       </dsp:txXfrm>
     </dsp:sp>
   </dsp:spTree>
@@ -4559,8 +4527,8 @@
       </dsp:nvSpPr>
       <dsp:spPr>
         <a:xfrm>
-          <a:off x="1406" y="890939"/>
-          <a:ext cx="2999202" cy="1799521"/>
+          <a:off x="1607" y="1410101"/>
+          <a:ext cx="3427660" cy="2056596"/>
         </a:xfrm>
         <a:prstGeom prst="roundRect">
           <a:avLst>
@@ -4575,7 +4543,7 @@
             <a:alphaOff val="0"/>
           </a:schemeClr>
         </a:solidFill>
-        <a:ln w="34925" cap="flat" cmpd="sng" algn="in">
+        <a:ln w="26425" cap="flat" cmpd="sng" algn="ctr">
           <a:solidFill>
             <a:schemeClr val="lt1">
               <a:hueOff val="0"/>
@@ -4603,12 +4571,12 @@
         </a:fontRef>
       </dsp:style>
       <dsp:txBody>
-        <a:bodyPr spcFirstLastPara="0" vert="horz" wrap="square" lIns="129540" tIns="129540" rIns="129540" bIns="129540" numCol="1" spcCol="1270" anchor="ctr" anchorCtr="0">
+        <a:bodyPr spcFirstLastPara="0" vert="horz" wrap="square" lIns="140970" tIns="140970" rIns="140970" bIns="140970" numCol="1" spcCol="1270" anchor="ctr" anchorCtr="0">
           <a:noAutofit/>
         </a:bodyPr>
         <a:lstStyle/>
         <a:p>
-          <a:pPr lvl="0" algn="ctr" defTabSz="1511300">
+          <a:pPr lvl="0" algn="ctr" defTabSz="1644650">
             <a:lnSpc>
               <a:spcPct val="90000"/>
             </a:lnSpc>
@@ -4620,14 +4588,14 @@
             </a:spcAft>
           </a:pPr>
           <a:r>
-            <a:rPr lang="en-US" sz="3400" kern="1200" dirty="0"/>
+            <a:rPr lang="en-US" sz="3700" kern="1200" dirty="0"/>
             <a:t>Transcriptome profiling </a:t>
           </a:r>
         </a:p>
       </dsp:txBody>
       <dsp:txXfrm>
-        <a:off x="54112" y="943645"/>
-        <a:ext cx="2893790" cy="1694109"/>
+        <a:off x="61843" y="1470337"/>
+        <a:ext cx="3307188" cy="1936124"/>
       </dsp:txXfrm>
     </dsp:sp>
     <dsp:sp modelId="{88EDF64E-35BB-481B-B11A-F08915958068}">
@@ -4637,8 +4605,8 @@
       </dsp:nvSpPr>
       <dsp:spPr>
         <a:xfrm>
-          <a:off x="3300529" y="1418798"/>
-          <a:ext cx="635831" cy="743802"/>
+          <a:off x="3772033" y="2013370"/>
+          <a:ext cx="726664" cy="850059"/>
         </a:xfrm>
         <a:prstGeom prst="rightArrow">
           <a:avLst>
@@ -4680,7 +4648,7 @@
         </a:bodyPr>
         <a:lstStyle/>
         <a:p>
-          <a:pPr lvl="0" algn="ctr" defTabSz="1200150">
+          <a:pPr lvl="0" algn="ctr" defTabSz="1333500">
             <a:lnSpc>
               <a:spcPct val="90000"/>
             </a:lnSpc>
@@ -4691,12 +4659,12 @@
               <a:spcPct val="35000"/>
             </a:spcAft>
           </a:pPr>
-          <a:endParaRPr lang="en-US" sz="2700" kern="1200"/>
+          <a:endParaRPr lang="en-US" sz="3000" kern="1200"/>
         </a:p>
       </dsp:txBody>
       <dsp:txXfrm>
-        <a:off x="3300529" y="1567558"/>
-        <a:ext cx="445082" cy="446282"/>
+        <a:off x="3772033" y="2183382"/>
+        <a:ext cx="508665" cy="510035"/>
       </dsp:txXfrm>
     </dsp:sp>
     <dsp:sp modelId="{174F3DC6-92D1-46F3-BBD6-C834F6469487}">
@@ -4706,8 +4674,8 @@
       </dsp:nvSpPr>
       <dsp:spPr>
         <a:xfrm>
-          <a:off x="4200290" y="890939"/>
-          <a:ext cx="2999202" cy="1799521"/>
+          <a:off x="4800332" y="1410101"/>
+          <a:ext cx="3427660" cy="2056596"/>
         </a:xfrm>
         <a:prstGeom prst="roundRect">
           <a:avLst>
@@ -4722,7 +4690,7 @@
             <a:alphaOff val="0"/>
           </a:schemeClr>
         </a:solidFill>
-        <a:ln w="34925" cap="flat" cmpd="sng" algn="in">
+        <a:ln w="26425" cap="flat" cmpd="sng" algn="ctr">
           <a:solidFill>
             <a:schemeClr val="lt1">
               <a:hueOff val="0"/>
@@ -4750,12 +4718,12 @@
         </a:fontRef>
       </dsp:style>
       <dsp:txBody>
-        <a:bodyPr spcFirstLastPara="0" vert="horz" wrap="square" lIns="129540" tIns="129540" rIns="129540" bIns="129540" numCol="1" spcCol="1270" anchor="ctr" anchorCtr="0">
+        <a:bodyPr spcFirstLastPara="0" vert="horz" wrap="square" lIns="140970" tIns="140970" rIns="140970" bIns="140970" numCol="1" spcCol="1270" anchor="ctr" anchorCtr="0">
           <a:noAutofit/>
         </a:bodyPr>
         <a:lstStyle/>
         <a:p>
-          <a:pPr lvl="0" algn="ctr" defTabSz="1511300">
+          <a:pPr lvl="0" algn="ctr" defTabSz="1644650">
             <a:lnSpc>
               <a:spcPct val="90000"/>
             </a:lnSpc>
@@ -4767,14 +4735,14 @@
             </a:spcAft>
           </a:pPr>
           <a:r>
-            <a:rPr lang="en-US" sz="3400" kern="1200" dirty="0"/>
+            <a:rPr lang="en-US" sz="3700" kern="1200" dirty="0"/>
             <a:t>Differential Expression analysis</a:t>
           </a:r>
         </a:p>
       </dsp:txBody>
       <dsp:txXfrm>
-        <a:off x="4252996" y="943645"/>
-        <a:ext cx="2893790" cy="1694109"/>
+        <a:off x="4860568" y="1470337"/>
+        <a:ext cx="3307188" cy="1936124"/>
       </dsp:txXfrm>
     </dsp:sp>
   </dsp:spTree>
@@ -4796,8 +4764,8 @@
       </dsp:nvSpPr>
       <dsp:spPr>
         <a:xfrm>
-          <a:off x="3566" y="136066"/>
-          <a:ext cx="1559262" cy="1023266"/>
+          <a:off x="7525" y="136565"/>
+          <a:ext cx="1557740" cy="1022267"/>
         </a:xfrm>
         <a:prstGeom prst="roundRect">
           <a:avLst>
@@ -4812,7 +4780,7 @@
             <a:alphaOff val="0"/>
           </a:schemeClr>
         </a:solidFill>
-        <a:ln w="34925" cap="flat" cmpd="sng" algn="in">
+        <a:ln w="26425" cap="flat" cmpd="sng" algn="ctr">
           <a:solidFill>
             <a:schemeClr val="lt1">
               <a:hueOff val="0"/>
@@ -4863,8 +4831,8 @@
         </a:p>
       </dsp:txBody>
       <dsp:txXfrm>
-        <a:off x="33536" y="166036"/>
-        <a:ext cx="1499322" cy="963326"/>
+        <a:off x="37466" y="166506"/>
+        <a:ext cx="1497858" cy="962385"/>
       </dsp:txXfrm>
     </dsp:sp>
     <dsp:sp modelId="{F743BBA3-F85A-4955-B22D-74C8A453CDA2}">
@@ -4874,8 +4842,8 @@
       </dsp:nvSpPr>
       <dsp:spPr>
         <a:xfrm>
-          <a:off x="1718755" y="454350"/>
-          <a:ext cx="330563" cy="386697"/>
+          <a:off x="1721039" y="454539"/>
+          <a:ext cx="330240" cy="386319"/>
         </a:xfrm>
         <a:prstGeom prst="rightArrow">
           <a:avLst>
@@ -4932,8 +4900,8 @@
         </a:p>
       </dsp:txBody>
       <dsp:txXfrm>
-        <a:off x="1718755" y="531689"/>
-        <a:ext cx="231394" cy="232019"/>
+        <a:off x="1721039" y="531803"/>
+        <a:ext cx="231168" cy="231791"/>
       </dsp:txXfrm>
     </dsp:sp>
     <dsp:sp modelId="{34C7BCB3-04DB-45C7-9A42-320BFF7BC6DD}">
@@ -4943,8 +4911,8 @@
       </dsp:nvSpPr>
       <dsp:spPr>
         <a:xfrm>
-          <a:off x="2186534" y="136066"/>
-          <a:ext cx="1559262" cy="1023266"/>
+          <a:off x="2188361" y="136565"/>
+          <a:ext cx="1557740" cy="1022267"/>
         </a:xfrm>
         <a:prstGeom prst="roundRect">
           <a:avLst>
@@ -4959,7 +4927,7 @@
             <a:alphaOff val="0"/>
           </a:schemeClr>
         </a:solidFill>
-        <a:ln w="34925" cap="flat" cmpd="sng" algn="in">
+        <a:ln w="26425" cap="flat" cmpd="sng" algn="ctr">
           <a:solidFill>
             <a:schemeClr val="lt1">
               <a:hueOff val="0"/>
@@ -5010,8 +4978,8 @@
         </a:p>
       </dsp:txBody>
       <dsp:txXfrm>
-        <a:off x="2216504" y="166036"/>
-        <a:ext cx="1499322" cy="963326"/>
+        <a:off x="2218302" y="166506"/>
+        <a:ext cx="1497858" cy="962385"/>
       </dsp:txXfrm>
     </dsp:sp>
     <dsp:sp modelId="{9C101147-473E-42D2-A0E5-5ABF38B50C73}">
@@ -5021,8 +4989,8 @@
       </dsp:nvSpPr>
       <dsp:spPr>
         <a:xfrm>
-          <a:off x="3901723" y="454350"/>
-          <a:ext cx="330563" cy="386697"/>
+          <a:off x="3901875" y="454539"/>
+          <a:ext cx="330240" cy="386319"/>
         </a:xfrm>
         <a:prstGeom prst="rightArrow">
           <a:avLst>
@@ -5079,8 +5047,8 @@
         </a:p>
       </dsp:txBody>
       <dsp:txXfrm>
-        <a:off x="3901723" y="531689"/>
-        <a:ext cx="231394" cy="232019"/>
+        <a:off x="3901875" y="531803"/>
+        <a:ext cx="231168" cy="231791"/>
       </dsp:txXfrm>
     </dsp:sp>
     <dsp:sp modelId="{732646D0-614E-4567-8EB3-FE5BADE041C4}">
@@ -5090,8 +5058,8 @@
       </dsp:nvSpPr>
       <dsp:spPr>
         <a:xfrm>
-          <a:off x="4369502" y="136066"/>
-          <a:ext cx="1559262" cy="1023266"/>
+          <a:off x="4369198" y="136565"/>
+          <a:ext cx="1557740" cy="1022267"/>
         </a:xfrm>
         <a:prstGeom prst="roundRect">
           <a:avLst>
@@ -5106,7 +5074,7 @@
             <a:alphaOff val="0"/>
           </a:schemeClr>
         </a:solidFill>
-        <a:ln w="34925" cap="flat" cmpd="sng" algn="in">
+        <a:ln w="26425" cap="flat" cmpd="sng" algn="ctr">
           <a:solidFill>
             <a:schemeClr val="lt1">
               <a:hueOff val="0"/>
@@ -5157,8 +5125,8 @@
         </a:p>
       </dsp:txBody>
       <dsp:txXfrm>
-        <a:off x="4399472" y="166036"/>
-        <a:ext cx="1499322" cy="963326"/>
+        <a:off x="4399139" y="166506"/>
+        <a:ext cx="1497858" cy="962385"/>
       </dsp:txXfrm>
     </dsp:sp>
     <dsp:sp modelId="{C450CEE9-1A94-4A67-8B6D-B4519DBA50F0}">
@@ -5168,8 +5136,8 @@
       </dsp:nvSpPr>
       <dsp:spPr>
         <a:xfrm>
-          <a:off x="6084691" y="454350"/>
-          <a:ext cx="330563" cy="386697"/>
+          <a:off x="6082712" y="454539"/>
+          <a:ext cx="330240" cy="386319"/>
         </a:xfrm>
         <a:prstGeom prst="rightArrow">
           <a:avLst>
@@ -5226,8 +5194,8 @@
         </a:p>
       </dsp:txBody>
       <dsp:txXfrm>
-        <a:off x="6084691" y="531689"/>
-        <a:ext cx="231394" cy="232019"/>
+        <a:off x="6082712" y="531803"/>
+        <a:ext cx="231168" cy="231791"/>
       </dsp:txXfrm>
     </dsp:sp>
     <dsp:sp modelId="{E1A97CE5-89F8-4DCF-B4DC-A0ABABE32E9B}">
@@ -5237,8 +5205,8 @@
       </dsp:nvSpPr>
       <dsp:spPr>
         <a:xfrm>
-          <a:off x="6552470" y="136066"/>
-          <a:ext cx="1559262" cy="1023266"/>
+          <a:off x="6550034" y="136565"/>
+          <a:ext cx="1557740" cy="1022267"/>
         </a:xfrm>
         <a:prstGeom prst="roundRect">
           <a:avLst>
@@ -5253,7 +5221,7 @@
             <a:alphaOff val="0"/>
           </a:schemeClr>
         </a:solidFill>
-        <a:ln w="34925" cap="flat" cmpd="sng" algn="in">
+        <a:ln w="26425" cap="flat" cmpd="sng" algn="ctr">
           <a:solidFill>
             <a:schemeClr val="lt1">
               <a:hueOff val="0"/>
@@ -5312,8 +5280,8 @@
         </a:p>
       </dsp:txBody>
       <dsp:txXfrm>
-        <a:off x="6582440" y="166036"/>
-        <a:ext cx="1499322" cy="963326"/>
+        <a:off x="6579975" y="166506"/>
+        <a:ext cx="1497858" cy="962385"/>
       </dsp:txXfrm>
     </dsp:sp>
   </dsp:spTree>
@@ -9100,7 +9068,7 @@
           <a:p>
             <a:fld id="{F2F879E2-5852-44F1-8CAE-5E978482BEF5}" type="slidenum">
               <a:rPr lang="en-US" smtClean="0"/>
-              <a:t>‹Nº›</a:t>
+              <a:t>‹#›</a:t>
             </a:fld>
             <a:endParaRPr lang="en-US"/>
           </a:p>
@@ -9293,9 +9261,9 @@
           <a:p>
             <a:fld id="{F2F879E2-5852-44F1-8CAE-5E978482BEF5}" type="slidenum">
               <a:rPr lang="en-US" smtClean="0"/>
-              <a:t>3</a:t>
+              <a:t>2</a:t>
             </a:fld>
-            <a:endParaRPr lang="en-US"/>
+            <a:endParaRPr lang="en-US" dirty="0"/>
           </a:p>
         </p:txBody>
       </p:sp>
@@ -9405,7 +9373,7 @@
               <a:rPr lang="en-US" smtClean="0"/>
               <a:t>4</a:t>
             </a:fld>
-            <a:endParaRPr lang="en-US"/>
+            <a:endParaRPr lang="en-US" dirty="0"/>
           </a:p>
         </p:txBody>
       </p:sp>
@@ -9508,7 +9476,7 @@
               <a:rPr lang="en-US" smtClean="0"/>
               <a:t>5</a:t>
             </a:fld>
-            <a:endParaRPr lang="en-US"/>
+            <a:endParaRPr lang="en-US" dirty="0"/>
           </a:p>
         </p:txBody>
       </p:sp>
@@ -9526,16 +9494,8 @@
 </file>
 
 <file path=ppt/slideLayouts/slideLayout1.xml><?xml version="1.0" encoding="utf-8"?>
-<p:sldLayout xmlns:a="http://schemas.openxmlformats.org/drawingml/2006/main" xmlns:r="http://schemas.openxmlformats.org/officeDocument/2006/relationships" xmlns:p="http://schemas.openxmlformats.org/presentationml/2006/main" showMasterSp="0" type="title" preserve="1">
+<p:sldLayout xmlns:a="http://schemas.openxmlformats.org/drawingml/2006/main" xmlns:r="http://schemas.openxmlformats.org/officeDocument/2006/relationships" xmlns:p="http://schemas.openxmlformats.org/presentationml/2006/main" type="title" preserve="1">
   <p:cSld name="Title Slide">
-    <p:bg>
-      <p:bgPr>
-        <a:solidFill>
-          <a:schemeClr val="bg2"/>
-        </a:solidFill>
-        <a:effectLst/>
-      </p:bgPr>
-    </p:bg>
     <p:spTree>
       <p:nvGrpSpPr>
         <p:cNvPr id="1" name=""/>
@@ -9562,8 +9522,8 @@
         </p:nvSpPr>
         <p:spPr>
           <a:xfrm>
-            <a:off x="1436346" y="1788454"/>
-            <a:ext cx="6270922" cy="2098226"/>
+            <a:off x="685800" y="1371600"/>
+            <a:ext cx="7848600" cy="1927225"/>
           </a:xfrm>
         </p:spPr>
         <p:txBody>
@@ -9571,17 +9531,13 @@
             <a:noAutofit/>
           </a:bodyPr>
           <a:lstStyle>
-            <a:lvl1pPr algn="ctr">
-              <a:defRPr sz="6000" cap="all" baseline="0">
-                <a:solidFill>
-                  <a:schemeClr val="tx2"/>
-                </a:solidFill>
-              </a:defRPr>
+            <a:lvl1pPr>
+              <a:defRPr sz="5400" cap="all" baseline="0"/>
             </a:lvl1pPr>
           </a:lstStyle>
           <a:p>
             <a:r>
-              <a:rPr lang="en-US"/>
+              <a:rPr lang="en-US" smtClean="0"/>
               <a:t>Click to edit Master title style</a:t>
             </a:r>
             <a:endParaRPr lang="en-US" dirty="0"/>
@@ -9600,64 +9556,108 @@
         </p:nvSpPr>
         <p:spPr>
           <a:xfrm>
-            <a:off x="2009930" y="3956280"/>
-            <a:ext cx="5123755" cy="1086237"/>
+            <a:off x="685800" y="3505200"/>
+            <a:ext cx="6400800" cy="1752600"/>
           </a:xfrm>
         </p:spPr>
         <p:txBody>
-          <a:bodyPr>
-            <a:normAutofit/>
-          </a:bodyPr>
+          <a:bodyPr/>
           <a:lstStyle>
-            <a:lvl1pPr marL="0" indent="0" algn="ctr">
-              <a:lnSpc>
-                <a:spcPct val="112000"/>
-              </a:lnSpc>
-              <a:spcBef>
-                <a:spcPts val="0"/>
-              </a:spcBef>
-              <a:spcAft>
-                <a:spcPts val="0"/>
-              </a:spcAft>
+            <a:lvl1pPr marL="0" indent="0" algn="l">
               <a:buNone/>
-              <a:defRPr sz="1800"/>
+              <a:defRPr>
+                <a:solidFill>
+                  <a:schemeClr val="tx1">
+                    <a:lumMod val="75000"/>
+                    <a:lumOff val="25000"/>
+                  </a:schemeClr>
+                </a:solidFill>
+              </a:defRPr>
             </a:lvl1pPr>
-            <a:lvl2pPr marL="342900" indent="0" algn="ctr">
+            <a:lvl2pPr marL="457200" indent="0" algn="ctr">
               <a:buNone/>
-              <a:defRPr sz="1500"/>
+              <a:defRPr>
+                <a:solidFill>
+                  <a:schemeClr val="tx1">
+                    <a:tint val="75000"/>
+                  </a:schemeClr>
+                </a:solidFill>
+              </a:defRPr>
             </a:lvl2pPr>
-            <a:lvl3pPr marL="685800" indent="0" algn="ctr">
+            <a:lvl3pPr marL="914400" indent="0" algn="ctr">
               <a:buNone/>
-              <a:defRPr sz="1350"/>
+              <a:defRPr>
+                <a:solidFill>
+                  <a:schemeClr val="tx1">
+                    <a:tint val="75000"/>
+                  </a:schemeClr>
+                </a:solidFill>
+              </a:defRPr>
             </a:lvl3pPr>
-            <a:lvl4pPr marL="1028700" indent="0" algn="ctr">
+            <a:lvl4pPr marL="1371600" indent="0" algn="ctr">
               <a:buNone/>
-              <a:defRPr sz="1200"/>
+              <a:defRPr>
+                <a:solidFill>
+                  <a:schemeClr val="tx1">
+                    <a:tint val="75000"/>
+                  </a:schemeClr>
+                </a:solidFill>
+              </a:defRPr>
             </a:lvl4pPr>
-            <a:lvl5pPr marL="1371600" indent="0" algn="ctr">
+            <a:lvl5pPr marL="1828800" indent="0" algn="ctr">
               <a:buNone/>
-              <a:defRPr sz="1200"/>
+              <a:defRPr>
+                <a:solidFill>
+                  <a:schemeClr val="tx1">
+                    <a:tint val="75000"/>
+                  </a:schemeClr>
+                </a:solidFill>
+              </a:defRPr>
             </a:lvl5pPr>
-            <a:lvl6pPr marL="1714500" indent="0" algn="ctr">
+            <a:lvl6pPr marL="2286000" indent="0" algn="ctr">
               <a:buNone/>
-              <a:defRPr sz="1200"/>
+              <a:defRPr>
+                <a:solidFill>
+                  <a:schemeClr val="tx1">
+                    <a:tint val="75000"/>
+                  </a:schemeClr>
+                </a:solidFill>
+              </a:defRPr>
             </a:lvl6pPr>
-            <a:lvl7pPr marL="2057400" indent="0" algn="ctr">
+            <a:lvl7pPr marL="2743200" indent="0" algn="ctr">
               <a:buNone/>
-              <a:defRPr sz="1200"/>
+              <a:defRPr>
+                <a:solidFill>
+                  <a:schemeClr val="tx1">
+                    <a:tint val="75000"/>
+                  </a:schemeClr>
+                </a:solidFill>
+              </a:defRPr>
             </a:lvl7pPr>
-            <a:lvl8pPr marL="2400300" indent="0" algn="ctr">
+            <a:lvl8pPr marL="3200400" indent="0" algn="ctr">
               <a:buNone/>
-              <a:defRPr sz="1200"/>
+              <a:defRPr>
+                <a:solidFill>
+                  <a:schemeClr val="tx1">
+                    <a:tint val="75000"/>
+                  </a:schemeClr>
+                </a:solidFill>
+              </a:defRPr>
             </a:lvl8pPr>
-            <a:lvl9pPr marL="2743200" indent="0" algn="ctr">
+            <a:lvl9pPr marL="3657600" indent="0" algn="ctr">
               <a:buNone/>
-              <a:defRPr sz="1200"/>
+              <a:defRPr>
+                <a:solidFill>
+                  <a:schemeClr val="tx1">
+                    <a:tint val="75000"/>
+                  </a:schemeClr>
+                </a:solidFill>
+              </a:defRPr>
             </a:lvl9pPr>
           </a:lstStyle>
           <a:p>
             <a:r>
-              <a:rPr lang="en-US"/>
+              <a:rPr lang="en-US" smtClean="0"/>
               <a:t>Click to edit Master subtitle style</a:t>
             </a:r>
             <a:endParaRPr lang="en-US" dirty="0"/>
@@ -9674,23 +9674,10 @@
             <p:ph type="dt" sz="half" idx="10"/>
           </p:nvPr>
         </p:nvSpPr>
-        <p:spPr>
-          <a:xfrm>
-            <a:off x="564644" y="6453386"/>
-            <a:ext cx="1205958" cy="404614"/>
-          </a:xfrm>
-        </p:spPr>
+        <p:spPr/>
         <p:txBody>
           <a:bodyPr/>
-          <a:lstStyle>
-            <a:lvl1pPr>
-              <a:defRPr baseline="0">
-                <a:solidFill>
-                  <a:schemeClr val="tx2"/>
-                </a:solidFill>
-              </a:defRPr>
-            </a:lvl1pPr>
-          </a:lstStyle>
+          <a:lstStyle/>
           <a:p>
             <a:fld id="{AC25CB34-BB08-4399-A2CA-3CAF79EA992F}" type="datetimeFigureOut">
               <a:rPr lang="en-US" smtClean="0"/>
@@ -9710,23 +9697,10 @@
             <p:ph type="ftr" sz="quarter" idx="11"/>
           </p:nvPr>
         </p:nvSpPr>
-        <p:spPr>
-          <a:xfrm>
-            <a:off x="1938041" y="6453386"/>
-            <a:ext cx="5267533" cy="404614"/>
-          </a:xfrm>
-        </p:spPr>
+        <p:spPr/>
         <p:txBody>
           <a:bodyPr/>
-          <a:lstStyle>
-            <a:lvl1pPr algn="ctr">
-              <a:defRPr baseline="0">
-                <a:solidFill>
-                  <a:schemeClr val="tx2"/>
-                </a:solidFill>
-              </a:defRPr>
-            </a:lvl1pPr>
-          </a:lstStyle>
+          <a:lstStyle/>
           <a:p>
             <a:endParaRPr lang="en-US"/>
           </a:p>
@@ -9742,167 +9716,55 @@
             <p:ph type="sldNum" sz="quarter" idx="12"/>
           </p:nvPr>
         </p:nvSpPr>
+        <p:spPr/>
+        <p:txBody>
+          <a:bodyPr/>
+          <a:lstStyle/>
+          <a:p>
+            <a:fld id="{B5E014E3-A4EE-484A-A75D-BE16B10F8A2C}" type="slidenum">
+              <a:rPr lang="en-US" smtClean="0"/>
+              <a:t>‹#›</a:t>
+            </a:fld>
+            <a:endParaRPr lang="en-US"/>
+          </a:p>
+        </p:txBody>
+      </p:sp>
+      <p:cxnSp>
+        <p:nvCxnSpPr>
+          <p:cNvPr id="8" name="Straight Connector 7"/>
+          <p:cNvCxnSpPr/>
+          <p:nvPr/>
+        </p:nvCxnSpPr>
         <p:spPr>
           <a:xfrm>
-            <a:off x="7373012" y="6453386"/>
-            <a:ext cx="1197219" cy="404614"/>
+            <a:off x="685800" y="3398520"/>
+            <a:ext cx="7848600" cy="1588"/>
           </a:xfrm>
-        </p:spPr>
-        <p:txBody>
-          <a:bodyPr/>
-          <a:lstStyle>
-            <a:lvl1pPr>
-              <a:defRPr baseline="0">
-                <a:solidFill>
-                  <a:schemeClr val="tx2"/>
-                </a:solidFill>
-              </a:defRPr>
-            </a:lvl1pPr>
-          </a:lstStyle>
-          <a:p>
-            <a:fld id="{B5E014E3-A4EE-484A-A75D-BE16B10F8A2C}" type="slidenum">
-              <a:rPr lang="en-US" smtClean="0"/>
-              <a:t>‹Nº›</a:t>
-            </a:fld>
-            <a:endParaRPr lang="en-US"/>
-          </a:p>
-        </p:txBody>
-      </p:sp>
-      <p:grpSp>
-        <p:nvGrpSpPr>
-          <p:cNvPr id="8" name="Group 7"/>
-          <p:cNvGrpSpPr/>
-          <p:nvPr/>
-        </p:nvGrpSpPr>
-        <p:grpSpPr>
-          <a:xfrm>
-            <a:off x="564643" y="744469"/>
-            <a:ext cx="8005589" cy="5349671"/>
-            <a:chOff x="564643" y="744469"/>
-            <a:chExt cx="8005589" cy="5349671"/>
-          </a:xfrm>
-        </p:grpSpPr>
-        <p:sp>
-          <p:nvSpPr>
-            <p:cNvPr id="11" name="Freeform 6"/>
-            <p:cNvSpPr/>
-            <p:nvPr/>
-          </p:nvSpPr>
-          <p:spPr bwMode="auto">
-            <a:xfrm>
-              <a:off x="6113972" y="1685652"/>
-              <a:ext cx="2456260" cy="4408488"/>
-            </a:xfrm>
-            <a:custGeom>
-              <a:avLst/>
-              <a:gdLst/>
-              <a:ahLst/>
-              <a:cxnLst/>
-              <a:rect l="l" t="t" r="r" b="b"/>
-              <a:pathLst>
-                <a:path w="10000" h="10000">
-                  <a:moveTo>
-                    <a:pt x="8761" y="0"/>
-                  </a:moveTo>
-                  <a:lnTo>
-                    <a:pt x="10000" y="0"/>
-                  </a:lnTo>
-                  <a:lnTo>
-                    <a:pt x="10000" y="10000"/>
-                  </a:lnTo>
-                  <a:lnTo>
-                    <a:pt x="0" y="10000"/>
-                  </a:lnTo>
-                  <a:lnTo>
-                    <a:pt x="0" y="9357"/>
-                  </a:lnTo>
-                  <a:lnTo>
-                    <a:pt x="8761" y="9357"/>
-                  </a:lnTo>
-                  <a:lnTo>
-                    <a:pt x="8761" y="0"/>
-                  </a:lnTo>
-                  <a:close/>
-                </a:path>
-              </a:pathLst>
-            </a:custGeom>
+          <a:prstGeom prst="line">
+            <a:avLst/>
+          </a:prstGeom>
+          <a:ln w="19050">
             <a:solidFill>
               <a:schemeClr val="tx2"/>
             </a:solidFill>
-            <a:ln w="0">
-              <a:noFill/>
-              <a:prstDash val="solid"/>
-              <a:round/>
-              <a:headEnd/>
-              <a:tailEnd/>
-            </a:ln>
-          </p:spPr>
-        </p:sp>
-        <p:sp>
-          <p:nvSpPr>
-            <p:cNvPr id="14" name="Freeform 6"/>
-            <p:cNvSpPr/>
-            <p:nvPr/>
-          </p:nvSpPr>
-          <p:spPr bwMode="auto">
-            <a:xfrm flipH="1" flipV="1">
-              <a:off x="564643" y="744469"/>
-              <a:ext cx="2456505" cy="4408488"/>
-            </a:xfrm>
-            <a:custGeom>
-              <a:avLst/>
-              <a:gdLst/>
-              <a:ahLst/>
-              <a:cxnLst/>
-              <a:rect l="l" t="t" r="r" b="b"/>
-              <a:pathLst>
-                <a:path w="10001" h="10000">
-                  <a:moveTo>
-                    <a:pt x="8762" y="0"/>
-                  </a:moveTo>
-                  <a:lnTo>
-                    <a:pt x="10001" y="0"/>
-                  </a:lnTo>
-                  <a:lnTo>
-                    <a:pt x="10001" y="10000"/>
-                  </a:lnTo>
-                  <a:lnTo>
-                    <a:pt x="1" y="10000"/>
-                  </a:lnTo>
-                  <a:cubicBezTo>
-                    <a:pt x="-2" y="9766"/>
-                    <a:pt x="4" y="9586"/>
-                    <a:pt x="1" y="9352"/>
-                  </a:cubicBezTo>
-                  <a:lnTo>
-                    <a:pt x="8762" y="9346"/>
-                  </a:lnTo>
-                  <a:lnTo>
-                    <a:pt x="8762" y="0"/>
-                  </a:lnTo>
-                  <a:close/>
-                </a:path>
-              </a:pathLst>
-            </a:custGeom>
-            <a:solidFill>
-              <a:schemeClr val="tx2"/>
-            </a:solidFill>
-            <a:ln w="0">
-              <a:noFill/>
-              <a:prstDash val="solid"/>
-              <a:round/>
-              <a:headEnd/>
-              <a:tailEnd/>
-            </a:ln>
-          </p:spPr>
-        </p:sp>
-      </p:grpSp>
+          </a:ln>
+        </p:spPr>
+        <p:style>
+          <a:lnRef idx="1">
+            <a:schemeClr val="accent1"/>
+          </a:lnRef>
+          <a:fillRef idx="0">
+            <a:schemeClr val="accent1"/>
+          </a:fillRef>
+          <a:effectRef idx="0">
+            <a:schemeClr val="accent1"/>
+          </a:effectRef>
+          <a:fontRef idx="minor">
+            <a:schemeClr val="tx1"/>
+          </a:fontRef>
+        </p:style>
+      </p:cxnSp>
     </p:spTree>
-    <p:extLst>
-      <p:ext uri="{BB962C8B-B14F-4D97-AF65-F5344CB8AC3E}">
-        <p14:creationId xmlns:p14="http://schemas.microsoft.com/office/powerpoint/2010/main" val="1534310047"/>
-      </p:ext>
-    </p:extLst>
   </p:cSld>
   <p:clrMapOvr>
     <a:masterClrMapping/>
@@ -9943,10 +9805,10 @@
           <a:lstStyle/>
           <a:p>
             <a:r>
-              <a:rPr lang="en-US"/>
+              <a:rPr lang="en-US" smtClean="0"/>
               <a:t>Click to edit Master title style</a:t>
             </a:r>
-            <a:endParaRPr lang="en-US" dirty="0"/>
+            <a:endParaRPr lang="en-US"/>
           </a:p>
         </p:txBody>
       </p:sp>
@@ -9960,50 +9822,45 @@
             <p:ph type="body" orient="vert" idx="1"/>
           </p:nvPr>
         </p:nvSpPr>
-        <p:spPr>
-          <a:xfrm>
-            <a:off x="1028700" y="2295526"/>
-            <a:ext cx="7200900" cy="3571875"/>
-          </a:xfrm>
-        </p:spPr>
+        <p:spPr/>
         <p:txBody>
           <a:bodyPr vert="eaVert"/>
           <a:lstStyle/>
           <a:p>
             <a:pPr lvl="0"/>
             <a:r>
-              <a:rPr lang="en-US"/>
-              <a:t>Edit Master text styles</a:t>
+              <a:rPr lang="en-US" smtClean="0"/>
+              <a:t>Click to edit Master text styles</a:t>
             </a:r>
           </a:p>
           <a:p>
             <a:pPr lvl="1"/>
             <a:r>
-              <a:rPr lang="en-US"/>
+              <a:rPr lang="en-US" smtClean="0"/>
               <a:t>Second level</a:t>
             </a:r>
           </a:p>
           <a:p>
             <a:pPr lvl="2"/>
             <a:r>
-              <a:rPr lang="en-US"/>
+              <a:rPr lang="en-US" smtClean="0"/>
               <a:t>Third level</a:t>
             </a:r>
           </a:p>
           <a:p>
             <a:pPr lvl="3"/>
             <a:r>
-              <a:rPr lang="en-US"/>
+              <a:rPr lang="en-US" smtClean="0"/>
               <a:t>Fourth level</a:t>
             </a:r>
           </a:p>
           <a:p>
             <a:pPr lvl="4"/>
             <a:r>
-              <a:rPr lang="en-US"/>
+              <a:rPr lang="en-US" smtClean="0"/>
               <a:t>Fifth level</a:t>
             </a:r>
-            <a:endParaRPr lang="en-US" dirty="0"/>
+            <a:endParaRPr lang="en-US"/>
           </a:p>
         </p:txBody>
       </p:sp>
@@ -10066,18 +9923,13 @@
           <a:p>
             <a:fld id="{B5E014E3-A4EE-484A-A75D-BE16B10F8A2C}" type="slidenum">
               <a:rPr lang="en-US" smtClean="0"/>
-              <a:t>‹Nº›</a:t>
+              <a:t>‹#›</a:t>
             </a:fld>
             <a:endParaRPr lang="en-US"/>
           </a:p>
         </p:txBody>
       </p:sp>
     </p:spTree>
-    <p:extLst>
-      <p:ext uri="{BB962C8B-B14F-4D97-AF65-F5344CB8AC3E}">
-        <p14:creationId xmlns:p14="http://schemas.microsoft.com/office/powerpoint/2010/main" val="1680351659"/>
-      </p:ext>
-    </p:extLst>
   </p:cSld>
   <p:clrMapOvr>
     <a:masterClrMapping/>
@@ -10114,16 +9966,16 @@
         </p:nvSpPr>
         <p:spPr>
           <a:xfrm>
-            <a:off x="6880797" y="624156"/>
-            <a:ext cx="1490950" cy="5243244"/>
+            <a:off x="6629400" y="609600"/>
+            <a:ext cx="2057400" cy="5867400"/>
           </a:xfrm>
         </p:spPr>
         <p:txBody>
-          <a:bodyPr vert="eaVert"/>
+          <a:bodyPr vert="eaVert" anchor="b"/>
           <a:lstStyle/>
           <a:p>
             <a:r>
-              <a:rPr lang="en-US"/>
+              <a:rPr lang="en-US" smtClean="0"/>
               <a:t>Click to edit Master title style</a:t>
             </a:r>
             <a:endParaRPr lang="en-US" dirty="0"/>
@@ -10142,8 +9994,8 @@
         </p:nvSpPr>
         <p:spPr>
           <a:xfrm>
-            <a:off x="1028700" y="624156"/>
-            <a:ext cx="5724525" cy="5243244"/>
+            <a:off x="457200" y="609600"/>
+            <a:ext cx="6019800" cy="5867400"/>
           </a:xfrm>
         </p:spPr>
         <p:txBody>
@@ -10152,35 +10004,35 @@
           <a:p>
             <a:pPr lvl="0"/>
             <a:r>
-              <a:rPr lang="en-US"/>
-              <a:t>Edit Master text styles</a:t>
+              <a:rPr lang="en-US" smtClean="0"/>
+              <a:t>Click to edit Master text styles</a:t>
             </a:r>
           </a:p>
           <a:p>
             <a:pPr lvl="1"/>
             <a:r>
-              <a:rPr lang="en-US"/>
+              <a:rPr lang="en-US" smtClean="0"/>
               <a:t>Second level</a:t>
             </a:r>
           </a:p>
           <a:p>
             <a:pPr lvl="2"/>
             <a:r>
-              <a:rPr lang="en-US"/>
+              <a:rPr lang="en-US" smtClean="0"/>
               <a:t>Third level</a:t>
             </a:r>
           </a:p>
           <a:p>
             <a:pPr lvl="3"/>
             <a:r>
-              <a:rPr lang="en-US"/>
+              <a:rPr lang="en-US" smtClean="0"/>
               <a:t>Fourth level</a:t>
             </a:r>
           </a:p>
           <a:p>
             <a:pPr lvl="4"/>
             <a:r>
-              <a:rPr lang="en-US"/>
+              <a:rPr lang="en-US" smtClean="0"/>
               <a:t>Fifth level</a:t>
             </a:r>
             <a:endParaRPr lang="en-US" dirty="0"/>
@@ -10246,18 +10098,13 @@
           <a:p>
             <a:fld id="{B5E014E3-A4EE-484A-A75D-BE16B10F8A2C}" type="slidenum">
               <a:rPr lang="en-US" smtClean="0"/>
-              <a:t>‹Nº›</a:t>
+              <a:t>‹#›</a:t>
             </a:fld>
             <a:endParaRPr lang="en-US"/>
           </a:p>
         </p:txBody>
       </p:sp>
     </p:spTree>
-    <p:extLst>
-      <p:ext uri="{BB962C8B-B14F-4D97-AF65-F5344CB8AC3E}">
-        <p14:creationId xmlns:p14="http://schemas.microsoft.com/office/powerpoint/2010/main" val="4239153907"/>
-      </p:ext>
-    </p:extLst>
   </p:cSld>
   <p:clrMapOvr>
     <a:masterClrMapping/>
@@ -10298,10 +10145,10 @@
           <a:lstStyle/>
           <a:p>
             <a:r>
-              <a:rPr lang="en-US"/>
+              <a:rPr lang="en-US" smtClean="0"/>
               <a:t>Click to edit Master title style</a:t>
             </a:r>
-            <a:endParaRPr lang="en-US" dirty="0"/>
+            <a:endParaRPr lang="en-US"/>
           </a:p>
         </p:txBody>
       </p:sp>
@@ -10322,38 +10169,38 @@
           <a:p>
             <a:pPr lvl="0"/>
             <a:r>
-              <a:rPr lang="en-US"/>
-              <a:t>Edit Master text styles</a:t>
+              <a:rPr lang="en-US" smtClean="0"/>
+              <a:t>Click to edit Master text styles</a:t>
             </a:r>
           </a:p>
           <a:p>
             <a:pPr lvl="1"/>
             <a:r>
-              <a:rPr lang="en-US"/>
+              <a:rPr lang="en-US" smtClean="0"/>
               <a:t>Second level</a:t>
             </a:r>
           </a:p>
           <a:p>
             <a:pPr lvl="2"/>
             <a:r>
-              <a:rPr lang="en-US"/>
+              <a:rPr lang="en-US" smtClean="0"/>
               <a:t>Third level</a:t>
             </a:r>
           </a:p>
           <a:p>
             <a:pPr lvl="3"/>
             <a:r>
-              <a:rPr lang="en-US"/>
+              <a:rPr lang="en-US" smtClean="0"/>
               <a:t>Fourth level</a:t>
             </a:r>
           </a:p>
           <a:p>
             <a:pPr lvl="4"/>
             <a:r>
-              <a:rPr lang="en-US"/>
+              <a:rPr lang="en-US" smtClean="0"/>
               <a:t>Fifth level</a:t>
             </a:r>
-            <a:endParaRPr lang="en-US" dirty="0"/>
+            <a:endParaRPr lang="en-US"/>
           </a:p>
         </p:txBody>
       </p:sp>
@@ -10416,18 +10263,13 @@
           <a:p>
             <a:fld id="{B5E014E3-A4EE-484A-A75D-BE16B10F8A2C}" type="slidenum">
               <a:rPr lang="en-US" smtClean="0"/>
-              <a:t>‹Nº›</a:t>
+              <a:t>‹#›</a:t>
             </a:fld>
             <a:endParaRPr lang="en-US"/>
           </a:p>
         </p:txBody>
       </p:sp>
     </p:spTree>
-    <p:extLst>
-      <p:ext uri="{BB962C8B-B14F-4D97-AF65-F5344CB8AC3E}">
-        <p14:creationId xmlns:p14="http://schemas.microsoft.com/office/powerpoint/2010/main" val="492802710"/>
-      </p:ext>
-    </p:extLst>
   </p:cSld>
   <p:clrMapOvr>
     <a:masterClrMapping/>
@@ -10436,7 +10278,7 @@
 </file>
 
 <file path=ppt/slideLayouts/slideLayout3.xml><?xml version="1.0" encoding="utf-8"?>
-<p:sldLayout xmlns:a="http://schemas.openxmlformats.org/drawingml/2006/main" xmlns:r="http://schemas.openxmlformats.org/officeDocument/2006/relationships" xmlns:p="http://schemas.openxmlformats.org/presentationml/2006/main" showMasterSp="0" type="secHead" preserve="1">
+<p:sldLayout xmlns:a="http://schemas.openxmlformats.org/drawingml/2006/main" xmlns:r="http://schemas.openxmlformats.org/officeDocument/2006/relationships" xmlns:p="http://schemas.openxmlformats.org/presentationml/2006/main" type="secHead" preserve="1">
   <p:cSld name="Section Header">
     <p:bg>
       <p:bgRef idx="1001">
@@ -10469,8 +10311,8 @@
         </p:nvSpPr>
         <p:spPr>
           <a:xfrm>
-            <a:off x="573769" y="1301361"/>
-            <a:ext cx="7209728" cy="2852737"/>
+            <a:off x="722313" y="2362200"/>
+            <a:ext cx="7772400" cy="2200275"/>
           </a:xfrm>
         </p:spPr>
         <p:txBody>
@@ -10478,17 +10320,13 @@
             <a:normAutofit/>
           </a:bodyPr>
           <a:lstStyle>
-            <a:lvl1pPr algn="r">
-              <a:defRPr sz="6000" cap="all" baseline="0">
-                <a:solidFill>
-                  <a:schemeClr val="tx2"/>
-                </a:solidFill>
-              </a:defRPr>
+            <a:lvl1pPr algn="l">
+              <a:defRPr sz="4800" b="0" cap="all"/>
             </a:lvl1pPr>
           </a:lstStyle>
           <a:p>
             <a:r>
-              <a:rPr lang="en-US"/>
+              <a:rPr lang="en-US" smtClean="0"/>
               <a:t>Click to edit Master title style</a:t>
             </a:r>
             <a:endParaRPr lang="en-US" dirty="0"/>
@@ -10507,33 +10345,26 @@
         </p:nvSpPr>
         <p:spPr>
           <a:xfrm>
-            <a:off x="573769" y="4216328"/>
-            <a:ext cx="7209728" cy="1143324"/>
+            <a:off x="722313" y="4626864"/>
+            <a:ext cx="7772400" cy="1500187"/>
           </a:xfrm>
         </p:spPr>
         <p:txBody>
-          <a:bodyPr/>
+          <a:bodyPr anchor="t">
+            <a:normAutofit/>
+          </a:bodyPr>
           <a:lstStyle>
-            <a:lvl1pPr marL="0" indent="0" algn="r">
-              <a:lnSpc>
-                <a:spcPct val="112000"/>
-              </a:lnSpc>
-              <a:spcBef>
-                <a:spcPts val="0"/>
-              </a:spcBef>
-              <a:spcAft>
-                <a:spcPts val="0"/>
-              </a:spcAft>
+            <a:lvl1pPr marL="0" indent="0">
               <a:buNone/>
-              <a:defRPr sz="1800">
+              <a:defRPr sz="2400">
                 <a:solidFill>
                   <a:schemeClr val="tx2"/>
                 </a:solidFill>
               </a:defRPr>
             </a:lvl1pPr>
-            <a:lvl2pPr marL="342900" indent="0">
+            <a:lvl2pPr marL="457200" indent="0">
               <a:buNone/>
-              <a:defRPr sz="1500">
+              <a:defRPr sz="1800">
                 <a:solidFill>
                   <a:schemeClr val="tx1">
                     <a:tint val="75000"/>
@@ -10541,9 +10372,9 @@
                 </a:solidFill>
               </a:defRPr>
             </a:lvl2pPr>
-            <a:lvl3pPr marL="685800" indent="0">
+            <a:lvl3pPr marL="914400" indent="0">
               <a:buNone/>
-              <a:defRPr sz="1350">
+              <a:defRPr sz="1600">
                 <a:solidFill>
                   <a:schemeClr val="tx1">
                     <a:tint val="75000"/>
@@ -10551,9 +10382,9 @@
                 </a:solidFill>
               </a:defRPr>
             </a:lvl3pPr>
-            <a:lvl4pPr marL="1028700" indent="0">
+            <a:lvl4pPr marL="1371600" indent="0">
               <a:buNone/>
-              <a:defRPr sz="1200">
+              <a:defRPr sz="1400">
                 <a:solidFill>
                   <a:schemeClr val="tx1">
                     <a:tint val="75000"/>
@@ -10561,9 +10392,9 @@
                 </a:solidFill>
               </a:defRPr>
             </a:lvl4pPr>
-            <a:lvl5pPr marL="1371600" indent="0">
+            <a:lvl5pPr marL="1828800" indent="0">
               <a:buNone/>
-              <a:defRPr sz="1200">
+              <a:defRPr sz="1400">
                 <a:solidFill>
                   <a:schemeClr val="tx1">
                     <a:tint val="75000"/>
@@ -10571,9 +10402,9 @@
                 </a:solidFill>
               </a:defRPr>
             </a:lvl5pPr>
-            <a:lvl6pPr marL="1714500" indent="0">
+            <a:lvl6pPr marL="2286000" indent="0">
               <a:buNone/>
-              <a:defRPr sz="1200">
+              <a:defRPr sz="1400">
                 <a:solidFill>
                   <a:schemeClr val="tx1">
                     <a:tint val="75000"/>
@@ -10581,9 +10412,9 @@
                 </a:solidFill>
               </a:defRPr>
             </a:lvl6pPr>
-            <a:lvl7pPr marL="2057400" indent="0">
+            <a:lvl7pPr marL="2743200" indent="0">
               <a:buNone/>
-              <a:defRPr sz="1200">
+              <a:defRPr sz="1400">
                 <a:solidFill>
                   <a:schemeClr val="tx1">
                     <a:tint val="75000"/>
@@ -10591,9 +10422,9 @@
                 </a:solidFill>
               </a:defRPr>
             </a:lvl7pPr>
-            <a:lvl8pPr marL="2400300" indent="0">
+            <a:lvl8pPr marL="3200400" indent="0">
               <a:buNone/>
-              <a:defRPr sz="1200">
+              <a:defRPr sz="1400">
                 <a:solidFill>
                   <a:schemeClr val="tx1">
                     <a:tint val="75000"/>
@@ -10601,9 +10432,9 @@
                 </a:solidFill>
               </a:defRPr>
             </a:lvl8pPr>
-            <a:lvl9pPr marL="2743200" indent="0">
+            <a:lvl9pPr marL="3657600" indent="0">
               <a:buNone/>
-              <a:defRPr sz="1200">
+              <a:defRPr sz="1400">
                 <a:solidFill>
                   <a:schemeClr val="tx1">
                     <a:tint val="75000"/>
@@ -10615,8 +10446,8 @@
           <a:p>
             <a:pPr lvl="0"/>
             <a:r>
-              <a:rPr lang="en-US"/>
-              <a:t>Edit Master text styles</a:t>
+              <a:rPr lang="en-US" smtClean="0"/>
+              <a:t>Click to edit Master text styles</a:t>
             </a:r>
           </a:p>
         </p:txBody>
@@ -10631,23 +10462,10 @@
             <p:ph type="dt" sz="half" idx="10"/>
           </p:nvPr>
         </p:nvSpPr>
-        <p:spPr>
-          <a:xfrm>
-            <a:off x="554181" y="6453386"/>
-            <a:ext cx="1216807" cy="404614"/>
-          </a:xfrm>
-        </p:spPr>
+        <p:spPr/>
         <p:txBody>
           <a:bodyPr/>
-          <a:lstStyle>
-            <a:lvl1pPr>
-              <a:defRPr>
-                <a:solidFill>
-                  <a:schemeClr val="tx2"/>
-                </a:solidFill>
-              </a:defRPr>
-            </a:lvl1pPr>
-          </a:lstStyle>
+          <a:lstStyle/>
           <a:p>
             <a:fld id="{AC25CB34-BB08-4399-A2CA-3CAF79EA992F}" type="datetimeFigureOut">
               <a:rPr lang="en-US" smtClean="0"/>
@@ -10667,23 +10485,10 @@
             <p:ph type="ftr" sz="quarter" idx="11"/>
           </p:nvPr>
         </p:nvSpPr>
-        <p:spPr>
-          <a:xfrm>
-            <a:off x="1938234" y="6453386"/>
-            <a:ext cx="5267533" cy="404614"/>
-          </a:xfrm>
-        </p:spPr>
+        <p:spPr/>
         <p:txBody>
           <a:bodyPr/>
-          <a:lstStyle>
-            <a:lvl1pPr algn="ctr">
-              <a:defRPr>
-                <a:solidFill>
-                  <a:schemeClr val="tx2"/>
-                </a:solidFill>
-              </a:defRPr>
-            </a:lvl1pPr>
-          </a:lstStyle>
+          <a:lstStyle/>
           <a:p>
             <a:endParaRPr lang="en-US"/>
           </a:p>
@@ -10699,150 +10504,55 @@
             <p:ph type="sldNum" sz="quarter" idx="12"/>
           </p:nvPr>
         </p:nvSpPr>
+        <p:spPr/>
+        <p:txBody>
+          <a:bodyPr/>
+          <a:lstStyle/>
+          <a:p>
+            <a:fld id="{B5E014E3-A4EE-484A-A75D-BE16B10F8A2C}" type="slidenum">
+              <a:rPr lang="en-US" smtClean="0"/>
+              <a:t>‹#›</a:t>
+            </a:fld>
+            <a:endParaRPr lang="en-US"/>
+          </a:p>
+        </p:txBody>
+      </p:sp>
+      <p:cxnSp>
+        <p:nvCxnSpPr>
+          <p:cNvPr id="7" name="Straight Connector 6"/>
+          <p:cNvCxnSpPr/>
+          <p:nvPr/>
+        </p:nvCxnSpPr>
         <p:spPr>
           <a:xfrm>
-            <a:off x="7373012" y="6453386"/>
-            <a:ext cx="1197219" cy="404614"/>
+            <a:off x="731520" y="4599432"/>
+            <a:ext cx="7848600" cy="1588"/>
           </a:xfrm>
-        </p:spPr>
-        <p:txBody>
-          <a:bodyPr/>
-          <a:lstStyle>
-            <a:lvl1pPr>
-              <a:defRPr>
-                <a:solidFill>
-                  <a:schemeClr val="tx2"/>
-                </a:solidFill>
-              </a:defRPr>
-            </a:lvl1pPr>
-          </a:lstStyle>
-          <a:p>
-            <a:fld id="{B5E014E3-A4EE-484A-A75D-BE16B10F8A2C}" type="slidenum">
-              <a:rPr lang="en-US" smtClean="0"/>
-              <a:t>‹Nº›</a:t>
-            </a:fld>
-            <a:endParaRPr lang="en-US"/>
-          </a:p>
-        </p:txBody>
-      </p:sp>
-      <p:sp>
-        <p:nvSpPr>
-          <p:cNvPr id="7" name="Freeform 6"/>
-          <p:cNvSpPr/>
-          <p:nvPr/>
-        </p:nvSpPr>
-        <p:spPr bwMode="auto">
-          <a:xfrm>
-            <a:off x="6113972" y="1685652"/>
-            <a:ext cx="2456260" cy="4408488"/>
-          </a:xfrm>
-          <a:custGeom>
+          <a:prstGeom prst="line">
             <a:avLst/>
-            <a:gdLst/>
-            <a:ahLst/>
-            <a:cxnLst/>
-            <a:rect l="0" t="0" r="r" b="b"/>
-            <a:pathLst>
-              <a:path w="4125" h="5554">
-                <a:moveTo>
-                  <a:pt x="3614" y="0"/>
-                </a:moveTo>
-                <a:lnTo>
-                  <a:pt x="4125" y="0"/>
-                </a:lnTo>
-                <a:lnTo>
-                  <a:pt x="4125" y="5554"/>
-                </a:lnTo>
-                <a:lnTo>
-                  <a:pt x="0" y="5554"/>
-                </a:lnTo>
-                <a:lnTo>
-                  <a:pt x="0" y="5074"/>
-                </a:lnTo>
-                <a:lnTo>
-                  <a:pt x="3614" y="5074"/>
-                </a:lnTo>
-                <a:lnTo>
-                  <a:pt x="3614" y="0"/>
-                </a:lnTo>
-                <a:close/>
-              </a:path>
-            </a:pathLst>
-          </a:custGeom>
-          <a:solidFill>
-            <a:schemeClr val="bg2"/>
-          </a:solidFill>
-          <a:ln w="0">
-            <a:noFill/>
-            <a:prstDash val="solid"/>
-            <a:round/>
-            <a:headEnd/>
-            <a:tailEnd/>
+          </a:prstGeom>
+          <a:ln w="19050">
+            <a:solidFill>
+              <a:schemeClr val="tx2"/>
+            </a:solidFill>
           </a:ln>
         </p:spPr>
-      </p:sp>
-      <p:sp>
-        <p:nvSpPr>
-          <p:cNvPr id="8" name="Freeform 7" title="Crop Mark"/>
-          <p:cNvSpPr/>
-          <p:nvPr/>
-        </p:nvSpPr>
-        <p:spPr bwMode="auto">
-          <a:xfrm>
-            <a:off x="6113972" y="1685652"/>
-            <a:ext cx="2456260" cy="4408488"/>
-          </a:xfrm>
-          <a:custGeom>
-            <a:avLst/>
-            <a:gdLst/>
-            <a:ahLst/>
-            <a:cxnLst/>
-            <a:rect l="0" t="0" r="r" b="b"/>
-            <a:pathLst>
-              <a:path w="4125" h="5554">
-                <a:moveTo>
-                  <a:pt x="3614" y="0"/>
-                </a:moveTo>
-                <a:lnTo>
-                  <a:pt x="4125" y="0"/>
-                </a:lnTo>
-                <a:lnTo>
-                  <a:pt x="4125" y="5554"/>
-                </a:lnTo>
-                <a:lnTo>
-                  <a:pt x="0" y="5554"/>
-                </a:lnTo>
-                <a:lnTo>
-                  <a:pt x="0" y="5074"/>
-                </a:lnTo>
-                <a:lnTo>
-                  <a:pt x="3614" y="5074"/>
-                </a:lnTo>
-                <a:lnTo>
-                  <a:pt x="3614" y="0"/>
-                </a:lnTo>
-                <a:close/>
-              </a:path>
-            </a:pathLst>
-          </a:custGeom>
-          <a:solidFill>
-            <a:schemeClr val="tx2"/>
-          </a:solidFill>
-          <a:ln w="0">
-            <a:noFill/>
-            <a:prstDash val="solid"/>
-            <a:round/>
-            <a:headEnd/>
-            <a:tailEnd/>
-          </a:ln>
-        </p:spPr>
-      </p:sp>
+        <p:style>
+          <a:lnRef idx="1">
+            <a:schemeClr val="accent1"/>
+          </a:lnRef>
+          <a:fillRef idx="0">
+            <a:schemeClr val="accent1"/>
+          </a:fillRef>
+          <a:effectRef idx="0">
+            <a:schemeClr val="accent1"/>
+          </a:effectRef>
+          <a:fontRef idx="minor">
+            <a:schemeClr val="tx1"/>
+          </a:fontRef>
+        </p:style>
+      </p:cxnSp>
     </p:spTree>
-    <p:extLst>
-      <p:ext uri="{BB962C8B-B14F-4D97-AF65-F5344CB8AC3E}">
-        <p14:creationId xmlns:p14="http://schemas.microsoft.com/office/powerpoint/2010/main" val="301057429"/>
-      </p:ext>
-    </p:extLst>
   </p:cSld>
   <p:clrMapOvr>
     <a:overrideClrMapping bg1="dk1" tx1="lt1" bg2="dk2" tx2="lt2" accent1="accent1" accent2="accent2" accent3="accent3" accent4="accent4" accent5="accent5" accent6="accent6" hlink="hlink" folHlink="folHlink"/>
@@ -10880,21 +10590,13 @@
         <p:spPr/>
         <p:txBody>
           <a:bodyPr/>
-          <a:lstStyle>
-            <a:lvl1pPr>
-              <a:defRPr>
-                <a:solidFill>
-                  <a:schemeClr val="tx2"/>
-                </a:solidFill>
-              </a:defRPr>
-            </a:lvl1pPr>
-          </a:lstStyle>
-          <a:p>
-            <a:r>
-              <a:rPr lang="en-US"/>
+          <a:lstStyle/>
+          <a:p>
+            <a:r>
+              <a:rPr lang="en-US" smtClean="0"/>
               <a:t>Click to edit Master title style</a:t>
             </a:r>
-            <a:endParaRPr lang="en-US" dirty="0"/>
+            <a:endParaRPr lang="en-US"/>
           </a:p>
         </p:txBody>
       </p:sp>
@@ -10910,81 +10612,73 @@
         </p:nvSpPr>
         <p:spPr>
           <a:xfrm>
-            <a:off x="1028700" y="2286000"/>
-            <a:ext cx="3335840" cy="3581401"/>
+            <a:off x="457200" y="1673352"/>
+            <a:ext cx="4038600" cy="4718304"/>
           </a:xfrm>
         </p:spPr>
         <p:txBody>
           <a:bodyPr/>
           <a:lstStyle>
             <a:lvl1pPr>
-              <a:defRPr baseline="0">
-                <a:solidFill>
-                  <a:schemeClr val="tx2"/>
-                </a:solidFill>
-              </a:defRPr>
+              <a:defRPr sz="2800"/>
             </a:lvl1pPr>
             <a:lvl2pPr>
-              <a:defRPr baseline="0">
-                <a:solidFill>
-                  <a:schemeClr val="tx2"/>
-                </a:solidFill>
-              </a:defRPr>
+              <a:defRPr sz="2400"/>
             </a:lvl2pPr>
             <a:lvl3pPr>
-              <a:defRPr baseline="0">
-                <a:solidFill>
-                  <a:schemeClr val="tx2"/>
-                </a:solidFill>
-              </a:defRPr>
+              <a:defRPr sz="2000"/>
             </a:lvl3pPr>
             <a:lvl4pPr>
-              <a:defRPr baseline="0">
-                <a:solidFill>
-                  <a:schemeClr val="tx2"/>
-                </a:solidFill>
-              </a:defRPr>
+              <a:defRPr sz="1800"/>
             </a:lvl4pPr>
             <a:lvl5pPr>
-              <a:defRPr baseline="0">
-                <a:solidFill>
-                  <a:schemeClr val="tx2"/>
-                </a:solidFill>
-              </a:defRPr>
+              <a:defRPr sz="1800"/>
             </a:lvl5pPr>
+            <a:lvl6pPr>
+              <a:defRPr sz="1800"/>
+            </a:lvl6pPr>
+            <a:lvl7pPr>
+              <a:defRPr sz="1800"/>
+            </a:lvl7pPr>
+            <a:lvl8pPr>
+              <a:defRPr sz="1800"/>
+            </a:lvl8pPr>
+            <a:lvl9pPr>
+              <a:defRPr sz="1800"/>
+            </a:lvl9pPr>
           </a:lstStyle>
           <a:p>
             <a:pPr lvl="0"/>
             <a:r>
-              <a:rPr lang="en-US"/>
-              <a:t>Edit Master text styles</a:t>
+              <a:rPr lang="en-US" smtClean="0"/>
+              <a:t>Click to edit Master text styles</a:t>
             </a:r>
           </a:p>
           <a:p>
             <a:pPr lvl="1"/>
             <a:r>
-              <a:rPr lang="en-US"/>
+              <a:rPr lang="en-US" smtClean="0"/>
               <a:t>Second level</a:t>
             </a:r>
           </a:p>
           <a:p>
             <a:pPr lvl="2"/>
             <a:r>
-              <a:rPr lang="en-US"/>
+              <a:rPr lang="en-US" smtClean="0"/>
               <a:t>Third level</a:t>
             </a:r>
           </a:p>
           <a:p>
             <a:pPr lvl="3"/>
             <a:r>
-              <a:rPr lang="en-US"/>
+              <a:rPr lang="en-US" smtClean="0"/>
               <a:t>Fourth level</a:t>
             </a:r>
           </a:p>
           <a:p>
             <a:pPr lvl="4"/>
             <a:r>
-              <a:rPr lang="en-US"/>
+              <a:rPr lang="en-US" smtClean="0"/>
               <a:t>Fifth level</a:t>
             </a:r>
             <a:endParaRPr lang="en-US" dirty="0"/>
@@ -11003,81 +10697,73 @@
         </p:nvSpPr>
         <p:spPr>
           <a:xfrm>
-            <a:off x="4894052" y="2286000"/>
-            <a:ext cx="3335840" cy="3581401"/>
+            <a:off x="4648200" y="1673352"/>
+            <a:ext cx="4038600" cy="4718304"/>
           </a:xfrm>
         </p:spPr>
         <p:txBody>
           <a:bodyPr/>
           <a:lstStyle>
             <a:lvl1pPr>
-              <a:defRPr>
-                <a:solidFill>
-                  <a:schemeClr val="tx2"/>
-                </a:solidFill>
-              </a:defRPr>
+              <a:defRPr sz="2800"/>
             </a:lvl1pPr>
             <a:lvl2pPr>
-              <a:defRPr>
-                <a:solidFill>
-                  <a:schemeClr val="tx2"/>
-                </a:solidFill>
-              </a:defRPr>
+              <a:defRPr sz="2400"/>
             </a:lvl2pPr>
             <a:lvl3pPr>
-              <a:defRPr>
-                <a:solidFill>
-                  <a:schemeClr val="tx2"/>
-                </a:solidFill>
-              </a:defRPr>
+              <a:defRPr sz="2000"/>
             </a:lvl3pPr>
             <a:lvl4pPr>
-              <a:defRPr>
-                <a:solidFill>
-                  <a:schemeClr val="tx2"/>
-                </a:solidFill>
-              </a:defRPr>
+              <a:defRPr sz="1800"/>
             </a:lvl4pPr>
             <a:lvl5pPr>
-              <a:defRPr>
-                <a:solidFill>
-                  <a:schemeClr val="tx2"/>
-                </a:solidFill>
-              </a:defRPr>
+              <a:defRPr sz="1800"/>
             </a:lvl5pPr>
+            <a:lvl6pPr>
+              <a:defRPr sz="1800"/>
+            </a:lvl6pPr>
+            <a:lvl7pPr>
+              <a:defRPr sz="1800"/>
+            </a:lvl7pPr>
+            <a:lvl8pPr>
+              <a:defRPr sz="1800"/>
+            </a:lvl8pPr>
+            <a:lvl9pPr>
+              <a:defRPr sz="1800"/>
+            </a:lvl9pPr>
           </a:lstStyle>
           <a:p>
             <a:pPr lvl="0"/>
             <a:r>
-              <a:rPr lang="en-US"/>
-              <a:t>Edit Master text styles</a:t>
+              <a:rPr lang="en-US" smtClean="0"/>
+              <a:t>Click to edit Master text styles</a:t>
             </a:r>
           </a:p>
           <a:p>
             <a:pPr lvl="1"/>
             <a:r>
-              <a:rPr lang="en-US"/>
+              <a:rPr lang="en-US" smtClean="0"/>
               <a:t>Second level</a:t>
             </a:r>
           </a:p>
           <a:p>
             <a:pPr lvl="2"/>
             <a:r>
-              <a:rPr lang="en-US"/>
+              <a:rPr lang="en-US" smtClean="0"/>
               <a:t>Third level</a:t>
             </a:r>
           </a:p>
           <a:p>
             <a:pPr lvl="3"/>
             <a:r>
-              <a:rPr lang="en-US"/>
+              <a:rPr lang="en-US" smtClean="0"/>
               <a:t>Fourth level</a:t>
             </a:r>
           </a:p>
           <a:p>
             <a:pPr lvl="4"/>
             <a:r>
-              <a:rPr lang="en-US"/>
+              <a:rPr lang="en-US" smtClean="0"/>
               <a:t>Fifth level</a:t>
             </a:r>
             <a:endParaRPr lang="en-US" dirty="0"/>
@@ -11143,18 +10829,13 @@
           <a:p>
             <a:fld id="{B5E014E3-A4EE-484A-A75D-BE16B10F8A2C}" type="slidenum">
               <a:rPr lang="en-US" smtClean="0"/>
-              <a:t>‹Nº›</a:t>
+              <a:t>‹#›</a:t>
             </a:fld>
             <a:endParaRPr lang="en-US"/>
           </a:p>
         </p:txBody>
       </p:sp>
     </p:spTree>
-    <p:extLst>
-      <p:ext uri="{BB962C8B-B14F-4D97-AF65-F5344CB8AC3E}">
-        <p14:creationId xmlns:p14="http://schemas.microsoft.com/office/powerpoint/2010/main" val="2232476148"/>
-      </p:ext>
-    </p:extLst>
   </p:cSld>
   <p:clrMapOvr>
     <a:masterClrMapping/>
@@ -11189,26 +10870,17 @@
             <p:ph type="title"/>
           </p:nvPr>
         </p:nvSpPr>
-        <p:spPr>
-          <a:xfrm>
-            <a:off x="1028700" y="685800"/>
-            <a:ext cx="7200900" cy="1485900"/>
-          </a:xfrm>
-        </p:spPr>
+        <p:spPr/>
         <p:txBody>
           <a:bodyPr/>
           <a:lstStyle>
             <a:lvl1pPr>
-              <a:defRPr>
-                <a:solidFill>
-                  <a:schemeClr val="tx2"/>
-                </a:solidFill>
-              </a:defRPr>
+              <a:defRPr/>
             </a:lvl1pPr>
           </a:lstStyle>
           <a:p>
             <a:r>
-              <a:rPr lang="en-US"/>
+              <a:rPr lang="en-US" smtClean="0"/>
               <a:t>Click to edit Master title style</a:t>
             </a:r>
             <a:endParaRPr lang="en-US" dirty="0"/>
@@ -11227,70 +10899,78 @@
         </p:nvSpPr>
         <p:spPr>
           <a:xfrm>
-            <a:off x="1028700" y="2340230"/>
-            <a:ext cx="3335840" cy="823912"/>
+            <a:off x="457200" y="1676400"/>
+            <a:ext cx="3931920" cy="639762"/>
           </a:xfrm>
+          <a:noFill/>
+          <a:ln>
+            <a:noFill/>
+          </a:ln>
+          <a:effectLst/>
         </p:spPr>
+        <p:style>
+          <a:lnRef idx="3">
+            <a:schemeClr val="lt1"/>
+          </a:lnRef>
+          <a:fillRef idx="1">
+            <a:schemeClr val="accent2"/>
+          </a:fillRef>
+          <a:effectRef idx="1">
+            <a:schemeClr val="accent2"/>
+          </a:effectRef>
+          <a:fontRef idx="none"/>
+        </p:style>
         <p:txBody>
-          <a:bodyPr anchor="b">
-            <a:noAutofit/>
+          <a:bodyPr anchor="ctr">
+            <a:normAutofit/>
           </a:bodyPr>
           <a:lstStyle>
-            <a:lvl1pPr marL="0" indent="0">
-              <a:lnSpc>
-                <a:spcPct val="84000"/>
-              </a:lnSpc>
-              <a:spcBef>
-                <a:spcPts val="0"/>
-              </a:spcBef>
-              <a:spcAft>
-                <a:spcPts val="0"/>
-              </a:spcAft>
+            <a:lvl1pPr marL="0" indent="0" algn="ctr">
               <a:buNone/>
-              <a:defRPr sz="2400" b="0" baseline="0">
+              <a:defRPr sz="2000" b="0">
                 <a:solidFill>
                   <a:schemeClr val="tx2"/>
                 </a:solidFill>
               </a:defRPr>
             </a:lvl1pPr>
-            <a:lvl2pPr marL="342900" indent="0">
+            <a:lvl2pPr marL="457200" indent="0">
               <a:buNone/>
-              <a:defRPr sz="1500" b="1"/>
+              <a:defRPr sz="2000" b="1"/>
             </a:lvl2pPr>
-            <a:lvl3pPr marL="685800" indent="0">
+            <a:lvl3pPr marL="914400" indent="0">
               <a:buNone/>
-              <a:defRPr sz="1350" b="1"/>
+              <a:defRPr sz="1800" b="1"/>
             </a:lvl3pPr>
-            <a:lvl4pPr marL="1028700" indent="0">
+            <a:lvl4pPr marL="1371600" indent="0">
               <a:buNone/>
-              <a:defRPr sz="1200" b="1"/>
+              <a:defRPr sz="1600" b="1"/>
             </a:lvl4pPr>
-            <a:lvl5pPr marL="1371600" indent="0">
+            <a:lvl5pPr marL="1828800" indent="0">
               <a:buNone/>
-              <a:defRPr sz="1200" b="1"/>
+              <a:defRPr sz="1600" b="1"/>
             </a:lvl5pPr>
-            <a:lvl6pPr marL="1714500" indent="0">
+            <a:lvl6pPr marL="2286000" indent="0">
               <a:buNone/>
-              <a:defRPr sz="1200" b="1"/>
+              <a:defRPr sz="1600" b="1"/>
             </a:lvl6pPr>
-            <a:lvl7pPr marL="2057400" indent="0">
+            <a:lvl7pPr marL="2743200" indent="0">
               <a:buNone/>
-              <a:defRPr sz="1200" b="1"/>
+              <a:defRPr sz="1600" b="1"/>
             </a:lvl7pPr>
-            <a:lvl8pPr marL="2400300" indent="0">
+            <a:lvl8pPr marL="3200400" indent="0">
               <a:buNone/>
-              <a:defRPr sz="1200" b="1"/>
+              <a:defRPr sz="1600" b="1"/>
             </a:lvl8pPr>
-            <a:lvl9pPr marL="2743200" indent="0">
+            <a:lvl9pPr marL="3657600" indent="0">
               <a:buNone/>
-              <a:defRPr sz="1200" b="1"/>
+              <a:defRPr sz="1600" b="1"/>
             </a:lvl9pPr>
           </a:lstStyle>
           <a:p>
             <a:pPr lvl="0"/>
             <a:r>
-              <a:rPr lang="en-US"/>
-              <a:t>Edit Master text styles</a:t>
+              <a:rPr lang="en-US" smtClean="0"/>
+              <a:t>Click to edit Master text styles</a:t>
             </a:r>
           </a:p>
         </p:txBody>
@@ -11307,81 +10987,73 @@
         </p:nvSpPr>
         <p:spPr>
           <a:xfrm>
-            <a:off x="1028700" y="3305208"/>
-            <a:ext cx="3335839" cy="2562193"/>
+            <a:off x="457200" y="2438400"/>
+            <a:ext cx="3931920" cy="3951288"/>
           </a:xfrm>
         </p:spPr>
         <p:txBody>
           <a:bodyPr/>
           <a:lstStyle>
             <a:lvl1pPr>
-              <a:defRPr baseline="0">
-                <a:solidFill>
-                  <a:schemeClr val="tx2"/>
-                </a:solidFill>
-              </a:defRPr>
+              <a:defRPr sz="2400"/>
             </a:lvl1pPr>
             <a:lvl2pPr>
-              <a:defRPr baseline="0">
-                <a:solidFill>
-                  <a:schemeClr val="tx2"/>
-                </a:solidFill>
-              </a:defRPr>
+              <a:defRPr sz="2000"/>
             </a:lvl2pPr>
             <a:lvl3pPr>
-              <a:defRPr baseline="0">
-                <a:solidFill>
-                  <a:schemeClr val="tx2"/>
-                </a:solidFill>
-              </a:defRPr>
+              <a:defRPr sz="1800"/>
             </a:lvl3pPr>
             <a:lvl4pPr>
-              <a:defRPr baseline="0">
-                <a:solidFill>
-                  <a:schemeClr val="tx2"/>
-                </a:solidFill>
-              </a:defRPr>
+              <a:defRPr sz="1600"/>
             </a:lvl4pPr>
             <a:lvl5pPr>
-              <a:defRPr baseline="0">
-                <a:solidFill>
-                  <a:schemeClr val="tx2"/>
-                </a:solidFill>
-              </a:defRPr>
+              <a:defRPr sz="1600"/>
             </a:lvl5pPr>
+            <a:lvl6pPr>
+              <a:defRPr sz="1600"/>
+            </a:lvl6pPr>
+            <a:lvl7pPr>
+              <a:defRPr sz="1600"/>
+            </a:lvl7pPr>
+            <a:lvl8pPr>
+              <a:defRPr sz="1600"/>
+            </a:lvl8pPr>
+            <a:lvl9pPr>
+              <a:defRPr sz="1600"/>
+            </a:lvl9pPr>
           </a:lstStyle>
           <a:p>
             <a:pPr lvl="0"/>
             <a:r>
-              <a:rPr lang="en-US"/>
-              <a:t>Edit Master text styles</a:t>
+              <a:rPr lang="en-US" smtClean="0"/>
+              <a:t>Click to edit Master text styles</a:t>
             </a:r>
           </a:p>
           <a:p>
             <a:pPr lvl="1"/>
             <a:r>
-              <a:rPr lang="en-US"/>
+              <a:rPr lang="en-US" smtClean="0"/>
               <a:t>Second level</a:t>
             </a:r>
           </a:p>
           <a:p>
             <a:pPr lvl="2"/>
             <a:r>
-              <a:rPr lang="en-US"/>
+              <a:rPr lang="en-US" smtClean="0"/>
               <a:t>Third level</a:t>
             </a:r>
           </a:p>
           <a:p>
             <a:pPr lvl="3"/>
             <a:r>
-              <a:rPr lang="en-US"/>
+              <a:rPr lang="en-US" smtClean="0"/>
               <a:t>Fourth level</a:t>
             </a:r>
           </a:p>
           <a:p>
             <a:pPr lvl="4"/>
             <a:r>
-              <a:rPr lang="en-US"/>
+              <a:rPr lang="en-US" smtClean="0"/>
               <a:t>Fifth level</a:t>
             </a:r>
             <a:endParaRPr lang="en-US" dirty="0"/>
@@ -11400,70 +11072,81 @@
         </p:nvSpPr>
         <p:spPr>
           <a:xfrm>
-            <a:off x="4893760" y="2349754"/>
-            <a:ext cx="3335840" cy="823912"/>
+            <a:off x="4754880" y="1676400"/>
+            <a:ext cx="3931920" cy="639762"/>
           </a:xfrm>
+          <a:noFill/>
+          <a:ln>
+            <a:noFill/>
+          </a:ln>
+          <a:effectLst/>
         </p:spPr>
+        <p:style>
+          <a:lnRef idx="3">
+            <a:schemeClr val="lt1"/>
+          </a:lnRef>
+          <a:fillRef idx="1">
+            <a:schemeClr val="accent2"/>
+          </a:fillRef>
+          <a:effectRef idx="1">
+            <a:schemeClr val="accent2"/>
+          </a:effectRef>
+          <a:fontRef idx="none"/>
+        </p:style>
         <p:txBody>
-          <a:bodyPr anchor="b">
-            <a:noAutofit/>
+          <a:bodyPr anchor="ctr">
+            <a:normAutofit/>
           </a:bodyPr>
           <a:lstStyle>
-            <a:lvl1pPr marL="0" indent="0">
-              <a:lnSpc>
-                <a:spcPct val="84000"/>
-              </a:lnSpc>
-              <a:spcBef>
-                <a:spcPts val="0"/>
-              </a:spcBef>
-              <a:spcAft>
-                <a:spcPts val="0"/>
-              </a:spcAft>
+            <a:lvl1pPr marL="0" indent="0" algn="ctr">
               <a:buNone/>
-              <a:defRPr sz="2400" b="0" baseline="0">
+              <a:defRPr lang="en-US" sz="2000" b="0" kern="1200" dirty="0" smtClean="0">
                 <a:solidFill>
                   <a:schemeClr val="tx2"/>
                 </a:solidFill>
+                <a:latin typeface="+mn-lt"/>
+                <a:ea typeface="+mn-ea"/>
+                <a:cs typeface="+mn-cs"/>
               </a:defRPr>
             </a:lvl1pPr>
-            <a:lvl2pPr marL="342900" indent="0">
+            <a:lvl2pPr marL="457200" indent="0">
               <a:buNone/>
-              <a:defRPr sz="1500" b="1"/>
+              <a:defRPr sz="2000" b="1"/>
             </a:lvl2pPr>
-            <a:lvl3pPr marL="685800" indent="0">
+            <a:lvl3pPr marL="914400" indent="0">
               <a:buNone/>
-              <a:defRPr sz="1350" b="1"/>
+              <a:defRPr sz="1800" b="1"/>
             </a:lvl3pPr>
-            <a:lvl4pPr marL="1028700" indent="0">
+            <a:lvl4pPr marL="1371600" indent="0">
               <a:buNone/>
-              <a:defRPr sz="1200" b="1"/>
+              <a:defRPr sz="1600" b="1"/>
             </a:lvl4pPr>
-            <a:lvl5pPr marL="1371600" indent="0">
+            <a:lvl5pPr marL="1828800" indent="0">
               <a:buNone/>
-              <a:defRPr sz="1200" b="1"/>
+              <a:defRPr sz="1600" b="1"/>
             </a:lvl5pPr>
-            <a:lvl6pPr marL="1714500" indent="0">
+            <a:lvl6pPr marL="2286000" indent="0">
               <a:buNone/>
-              <a:defRPr sz="1200" b="1"/>
+              <a:defRPr sz="1600" b="1"/>
             </a:lvl6pPr>
-            <a:lvl7pPr marL="2057400" indent="0">
+            <a:lvl7pPr marL="2743200" indent="0">
               <a:buNone/>
-              <a:defRPr sz="1200" b="1"/>
+              <a:defRPr sz="1600" b="1"/>
             </a:lvl7pPr>
-            <a:lvl8pPr marL="2400300" indent="0">
+            <a:lvl8pPr marL="3200400" indent="0">
               <a:buNone/>
-              <a:defRPr sz="1200" b="1"/>
+              <a:defRPr sz="1600" b="1"/>
             </a:lvl8pPr>
-            <a:lvl9pPr marL="2743200" indent="0">
+            <a:lvl9pPr marL="3657600" indent="0">
               <a:buNone/>
-              <a:defRPr sz="1200" b="1"/>
+              <a:defRPr sz="1600" b="1"/>
             </a:lvl9pPr>
           </a:lstStyle>
           <a:p>
             <a:pPr lvl="0"/>
             <a:r>
-              <a:rPr lang="en-US"/>
-              <a:t>Edit Master text styles</a:t>
+              <a:rPr lang="en-US" smtClean="0"/>
+              <a:t>Click to edit Master text styles</a:t>
             </a:r>
           </a:p>
         </p:txBody>
@@ -11480,81 +11163,73 @@
         </p:nvSpPr>
         <p:spPr>
           <a:xfrm>
-            <a:off x="4893760" y="3305208"/>
-            <a:ext cx="3335840" cy="2562193"/>
+            <a:off x="4754880" y="2438400"/>
+            <a:ext cx="3931920" cy="3951288"/>
           </a:xfrm>
         </p:spPr>
         <p:txBody>
           <a:bodyPr/>
           <a:lstStyle>
             <a:lvl1pPr>
-              <a:defRPr baseline="0">
-                <a:solidFill>
-                  <a:schemeClr val="tx2"/>
-                </a:solidFill>
-              </a:defRPr>
+              <a:defRPr sz="2400"/>
             </a:lvl1pPr>
             <a:lvl2pPr>
-              <a:defRPr baseline="0">
-                <a:solidFill>
-                  <a:schemeClr val="tx2"/>
-                </a:solidFill>
-              </a:defRPr>
+              <a:defRPr sz="2000"/>
             </a:lvl2pPr>
             <a:lvl3pPr>
-              <a:defRPr baseline="0">
-                <a:solidFill>
-                  <a:schemeClr val="tx2"/>
-                </a:solidFill>
-              </a:defRPr>
+              <a:defRPr sz="1800"/>
             </a:lvl3pPr>
             <a:lvl4pPr>
-              <a:defRPr baseline="0">
-                <a:solidFill>
-                  <a:schemeClr val="tx2"/>
-                </a:solidFill>
-              </a:defRPr>
+              <a:defRPr sz="1600"/>
             </a:lvl4pPr>
             <a:lvl5pPr>
-              <a:defRPr baseline="0">
-                <a:solidFill>
-                  <a:schemeClr val="tx2"/>
-                </a:solidFill>
-              </a:defRPr>
+              <a:defRPr sz="1600"/>
             </a:lvl5pPr>
+            <a:lvl6pPr>
+              <a:defRPr sz="1600"/>
+            </a:lvl6pPr>
+            <a:lvl7pPr>
+              <a:defRPr sz="1600"/>
+            </a:lvl7pPr>
+            <a:lvl8pPr>
+              <a:defRPr sz="1600"/>
+            </a:lvl8pPr>
+            <a:lvl9pPr>
+              <a:defRPr sz="1600"/>
+            </a:lvl9pPr>
           </a:lstStyle>
           <a:p>
             <a:pPr lvl="0"/>
             <a:r>
-              <a:rPr lang="en-US"/>
-              <a:t>Edit Master text styles</a:t>
+              <a:rPr lang="en-US" smtClean="0"/>
+              <a:t>Click to edit Master text styles</a:t>
             </a:r>
           </a:p>
           <a:p>
             <a:pPr lvl="1"/>
             <a:r>
-              <a:rPr lang="en-US"/>
+              <a:rPr lang="en-US" smtClean="0"/>
               <a:t>Second level</a:t>
             </a:r>
           </a:p>
           <a:p>
             <a:pPr lvl="2"/>
             <a:r>
-              <a:rPr lang="en-US"/>
+              <a:rPr lang="en-US" smtClean="0"/>
               <a:t>Third level</a:t>
             </a:r>
           </a:p>
           <a:p>
             <a:pPr lvl="3"/>
             <a:r>
-              <a:rPr lang="en-US"/>
+              <a:rPr lang="en-US" smtClean="0"/>
               <a:t>Fourth level</a:t>
             </a:r>
           </a:p>
           <a:p>
             <a:pPr lvl="4"/>
             <a:r>
-              <a:rPr lang="en-US"/>
+              <a:rPr lang="en-US" smtClean="0"/>
               <a:t>Fifth level</a:t>
             </a:r>
             <a:endParaRPr lang="en-US" dirty="0"/>
@@ -11620,18 +11295,48 @@
           <a:p>
             <a:fld id="{B5E014E3-A4EE-484A-A75D-BE16B10F8A2C}" type="slidenum">
               <a:rPr lang="en-US" smtClean="0"/>
-              <a:t>‹Nº›</a:t>
+              <a:t>‹#›</a:t>
             </a:fld>
             <a:endParaRPr lang="en-US"/>
           </a:p>
         </p:txBody>
       </p:sp>
+      <p:cxnSp>
+        <p:nvCxnSpPr>
+          <p:cNvPr id="11" name="Straight Connector 10"/>
+          <p:cNvCxnSpPr/>
+          <p:nvPr/>
+        </p:nvCxnSpPr>
+        <p:spPr>
+          <a:xfrm rot="5400000">
+            <a:off x="2217817" y="4045823"/>
+            <a:ext cx="4709160" cy="794"/>
+          </a:xfrm>
+          <a:prstGeom prst="line">
+            <a:avLst/>
+          </a:prstGeom>
+          <a:ln w="19050">
+            <a:solidFill>
+              <a:schemeClr val="tx2"/>
+            </a:solidFill>
+          </a:ln>
+        </p:spPr>
+        <p:style>
+          <a:lnRef idx="1">
+            <a:schemeClr val="accent1"/>
+          </a:lnRef>
+          <a:fillRef idx="0">
+            <a:schemeClr val="accent1"/>
+          </a:fillRef>
+          <a:effectRef idx="0">
+            <a:schemeClr val="accent1"/>
+          </a:effectRef>
+          <a:fontRef idx="minor">
+            <a:schemeClr val="tx1"/>
+          </a:fontRef>
+        </p:style>
+      </p:cxnSp>
     </p:spTree>
-    <p:extLst>
-      <p:ext uri="{BB962C8B-B14F-4D97-AF65-F5344CB8AC3E}">
-        <p14:creationId xmlns:p14="http://schemas.microsoft.com/office/powerpoint/2010/main" val="1759737022"/>
-      </p:ext>
-    </p:extLst>
   </p:cSld>
   <p:clrMapOvr>
     <a:masterClrMapping/>
@@ -11672,10 +11377,10 @@
           <a:lstStyle/>
           <a:p>
             <a:r>
-              <a:rPr lang="en-US"/>
+              <a:rPr lang="en-US" smtClean="0"/>
               <a:t>Click to edit Master title style</a:t>
             </a:r>
-            <a:endParaRPr lang="en-US" dirty="0"/>
+            <a:endParaRPr lang="en-US"/>
           </a:p>
         </p:txBody>
       </p:sp>
@@ -11738,18 +11443,13 @@
           <a:p>
             <a:fld id="{B5E014E3-A4EE-484A-A75D-BE16B10F8A2C}" type="slidenum">
               <a:rPr lang="en-US" smtClean="0"/>
-              <a:t>‹Nº›</a:t>
+              <a:t>‹#›</a:t>
             </a:fld>
             <a:endParaRPr lang="en-US"/>
           </a:p>
         </p:txBody>
       </p:sp>
     </p:spTree>
-    <p:extLst>
-      <p:ext uri="{BB962C8B-B14F-4D97-AF65-F5344CB8AC3E}">
-        <p14:creationId xmlns:p14="http://schemas.microsoft.com/office/powerpoint/2010/main" val="4015366508"/>
-      </p:ext>
-    </p:extLst>
   </p:cSld>
   <p:clrMapOvr>
     <a:masterClrMapping/>
@@ -11833,18 +11533,13 @@
           <a:p>
             <a:fld id="{B5E014E3-A4EE-484A-A75D-BE16B10F8A2C}" type="slidenum">
               <a:rPr lang="en-US" smtClean="0"/>
-              <a:t>‹Nº›</a:t>
+              <a:t>‹#›</a:t>
             </a:fld>
             <a:endParaRPr lang="en-US"/>
           </a:p>
         </p:txBody>
       </p:sp>
     </p:spTree>
-    <p:extLst>
-      <p:ext uri="{BB962C8B-B14F-4D97-AF65-F5344CB8AC3E}">
-        <p14:creationId xmlns:p14="http://schemas.microsoft.com/office/powerpoint/2010/main" val="3566511217"/>
-      </p:ext>
-    </p:extLst>
   </p:cSld>
   <p:clrMapOvr>
     <a:masterClrMapping/>
@@ -11853,7 +11548,7 @@
 </file>
 
 <file path=ppt/slideLayouts/slideLayout8.xml><?xml version="1.0" encoding="utf-8"?>
-<p:sldLayout xmlns:a="http://schemas.openxmlformats.org/drawingml/2006/main" xmlns:r="http://schemas.openxmlformats.org/officeDocument/2006/relationships" xmlns:p="http://schemas.openxmlformats.org/presentationml/2006/main" showMasterSp="0" type="objTx" preserve="1">
+<p:sldLayout xmlns:a="http://schemas.openxmlformats.org/drawingml/2006/main" xmlns:r="http://schemas.openxmlformats.org/officeDocument/2006/relationships" xmlns:p="http://schemas.openxmlformats.org/presentationml/2006/main" type="objTx" preserve="1">
   <p:cSld name="Content with Caption">
     <p:spTree>
       <p:nvGrpSpPr>
@@ -11871,14 +11566,739 @@
       </p:grpSpPr>
       <p:sp>
         <p:nvSpPr>
-          <p:cNvPr id="8" name="Rectangle 7" title="Background Shape"/>
+          <p:cNvPr id="2" name="Title 1"/>
+          <p:cNvSpPr>
+            <a:spLocks noGrp="1"/>
+          </p:cNvSpPr>
+          <p:nvPr>
+            <p:ph type="title"/>
+          </p:nvPr>
+        </p:nvSpPr>
+        <p:spPr>
+          <a:xfrm>
+            <a:off x="457200" y="792080"/>
+            <a:ext cx="2139696" cy="1261872"/>
+          </a:xfrm>
+        </p:spPr>
+        <p:txBody>
+          <a:bodyPr anchor="b">
+            <a:noAutofit/>
+          </a:bodyPr>
+          <a:lstStyle>
+            <a:lvl1pPr algn="l">
+              <a:defRPr sz="2400" b="0"/>
+            </a:lvl1pPr>
+          </a:lstStyle>
+          <a:p>
+            <a:r>
+              <a:rPr lang="en-US" smtClean="0"/>
+              <a:t>Click to edit Master title style</a:t>
+            </a:r>
+            <a:endParaRPr lang="en-US" dirty="0"/>
+          </a:p>
+        </p:txBody>
+      </p:sp>
+      <p:sp>
+        <p:nvSpPr>
+          <p:cNvPr id="3" name="Content Placeholder 2"/>
+          <p:cNvSpPr>
+            <a:spLocks noGrp="1"/>
+          </p:cNvSpPr>
+          <p:nvPr>
+            <p:ph idx="1"/>
+          </p:nvPr>
+        </p:nvSpPr>
+        <p:spPr>
+          <a:xfrm>
+            <a:off x="2971800" y="792080"/>
+            <a:ext cx="5715000" cy="5577840"/>
+          </a:xfrm>
+        </p:spPr>
+        <p:txBody>
+          <a:bodyPr/>
+          <a:lstStyle>
+            <a:lvl1pPr>
+              <a:defRPr sz="3200"/>
+            </a:lvl1pPr>
+            <a:lvl2pPr>
+              <a:defRPr sz="2800"/>
+            </a:lvl2pPr>
+            <a:lvl3pPr>
+              <a:defRPr sz="2400"/>
+            </a:lvl3pPr>
+            <a:lvl4pPr>
+              <a:defRPr sz="2000"/>
+            </a:lvl4pPr>
+            <a:lvl5pPr>
+              <a:defRPr sz="2000"/>
+            </a:lvl5pPr>
+            <a:lvl6pPr>
+              <a:defRPr sz="2000"/>
+            </a:lvl6pPr>
+            <a:lvl7pPr>
+              <a:defRPr sz="2000"/>
+            </a:lvl7pPr>
+            <a:lvl8pPr>
+              <a:defRPr sz="2000"/>
+            </a:lvl8pPr>
+            <a:lvl9pPr>
+              <a:defRPr sz="2000"/>
+            </a:lvl9pPr>
+          </a:lstStyle>
+          <a:p>
+            <a:pPr lvl="0"/>
+            <a:r>
+              <a:rPr lang="en-US" smtClean="0"/>
+              <a:t>Click to edit Master text styles</a:t>
+            </a:r>
+          </a:p>
+          <a:p>
+            <a:pPr lvl="1"/>
+            <a:r>
+              <a:rPr lang="en-US" smtClean="0"/>
+              <a:t>Second level</a:t>
+            </a:r>
+          </a:p>
+          <a:p>
+            <a:pPr lvl="2"/>
+            <a:r>
+              <a:rPr lang="en-US" smtClean="0"/>
+              <a:t>Third level</a:t>
+            </a:r>
+          </a:p>
+          <a:p>
+            <a:pPr lvl="3"/>
+            <a:r>
+              <a:rPr lang="en-US" smtClean="0"/>
+              <a:t>Fourth level</a:t>
+            </a:r>
+          </a:p>
+          <a:p>
+            <a:pPr lvl="4"/>
+            <a:r>
+              <a:rPr lang="en-US" smtClean="0"/>
+              <a:t>Fifth level</a:t>
+            </a:r>
+            <a:endParaRPr lang="en-US" dirty="0"/>
+          </a:p>
+        </p:txBody>
+      </p:sp>
+      <p:sp>
+        <p:nvSpPr>
+          <p:cNvPr id="4" name="Text Placeholder 3"/>
+          <p:cNvSpPr>
+            <a:spLocks noGrp="1"/>
+          </p:cNvSpPr>
+          <p:nvPr>
+            <p:ph type="body" sz="half" idx="2"/>
+          </p:nvPr>
+        </p:nvSpPr>
+        <p:spPr>
+          <a:xfrm>
+            <a:off x="457201" y="2130552"/>
+            <a:ext cx="2139696" cy="4243615"/>
+          </a:xfrm>
+        </p:spPr>
+        <p:txBody>
+          <a:bodyPr/>
+          <a:lstStyle>
+            <a:lvl1pPr marL="0" indent="0">
+              <a:buNone/>
+              <a:defRPr sz="1400"/>
+            </a:lvl1pPr>
+            <a:lvl2pPr marL="457200" indent="0">
+              <a:buNone/>
+              <a:defRPr sz="1200"/>
+            </a:lvl2pPr>
+            <a:lvl3pPr marL="914400" indent="0">
+              <a:buNone/>
+              <a:defRPr sz="1000"/>
+            </a:lvl3pPr>
+            <a:lvl4pPr marL="1371600" indent="0">
+              <a:buNone/>
+              <a:defRPr sz="900"/>
+            </a:lvl4pPr>
+            <a:lvl5pPr marL="1828800" indent="0">
+              <a:buNone/>
+              <a:defRPr sz="900"/>
+            </a:lvl5pPr>
+            <a:lvl6pPr marL="2286000" indent="0">
+              <a:buNone/>
+              <a:defRPr sz="900"/>
+            </a:lvl6pPr>
+            <a:lvl7pPr marL="2743200" indent="0">
+              <a:buNone/>
+              <a:defRPr sz="900"/>
+            </a:lvl7pPr>
+            <a:lvl8pPr marL="3200400" indent="0">
+              <a:buNone/>
+              <a:defRPr sz="900"/>
+            </a:lvl8pPr>
+            <a:lvl9pPr marL="3657600" indent="0">
+              <a:buNone/>
+              <a:defRPr sz="900"/>
+            </a:lvl9pPr>
+          </a:lstStyle>
+          <a:p>
+            <a:pPr lvl="0"/>
+            <a:r>
+              <a:rPr lang="en-US" smtClean="0"/>
+              <a:t>Click to edit Master text styles</a:t>
+            </a:r>
+          </a:p>
+        </p:txBody>
+      </p:sp>
+      <p:sp>
+        <p:nvSpPr>
+          <p:cNvPr id="5" name="Date Placeholder 4"/>
+          <p:cNvSpPr>
+            <a:spLocks noGrp="1"/>
+          </p:cNvSpPr>
+          <p:nvPr>
+            <p:ph type="dt" sz="half" idx="10"/>
+          </p:nvPr>
+        </p:nvSpPr>
+        <p:spPr/>
+        <p:txBody>
+          <a:bodyPr/>
+          <a:lstStyle/>
+          <a:p>
+            <a:fld id="{AC25CB34-BB08-4399-A2CA-3CAF79EA992F}" type="datetimeFigureOut">
+              <a:rPr lang="en-US" smtClean="0"/>
+              <a:t>4/26/2017</a:t>
+            </a:fld>
+            <a:endParaRPr lang="en-US"/>
+          </a:p>
+        </p:txBody>
+      </p:sp>
+      <p:sp>
+        <p:nvSpPr>
+          <p:cNvPr id="6" name="Footer Placeholder 5"/>
+          <p:cNvSpPr>
+            <a:spLocks noGrp="1"/>
+          </p:cNvSpPr>
+          <p:nvPr>
+            <p:ph type="ftr" sz="quarter" idx="11"/>
+          </p:nvPr>
+        </p:nvSpPr>
+        <p:spPr/>
+        <p:txBody>
+          <a:bodyPr/>
+          <a:lstStyle/>
+          <a:p>
+            <a:endParaRPr lang="en-US"/>
+          </a:p>
+        </p:txBody>
+      </p:sp>
+      <p:sp>
+        <p:nvSpPr>
+          <p:cNvPr id="7" name="Slide Number Placeholder 6"/>
+          <p:cNvSpPr>
+            <a:spLocks noGrp="1"/>
+          </p:cNvSpPr>
+          <p:nvPr>
+            <p:ph type="sldNum" sz="quarter" idx="12"/>
+          </p:nvPr>
+        </p:nvSpPr>
+        <p:spPr/>
+        <p:txBody>
+          <a:bodyPr/>
+          <a:lstStyle/>
+          <a:p>
+            <a:fld id="{B5E014E3-A4EE-484A-A75D-BE16B10F8A2C}" type="slidenum">
+              <a:rPr lang="en-US" smtClean="0"/>
+              <a:t>‹#›</a:t>
+            </a:fld>
+            <a:endParaRPr lang="en-US"/>
+          </a:p>
+        </p:txBody>
+      </p:sp>
+      <p:cxnSp>
+        <p:nvCxnSpPr>
+          <p:cNvPr id="9" name="Straight Connector 8"/>
+          <p:cNvCxnSpPr/>
+          <p:nvPr/>
+        </p:nvCxnSpPr>
+        <p:spPr>
+          <a:xfrm rot="5400000">
+            <a:off x="-13116" y="3580206"/>
+            <a:ext cx="5577840" cy="1588"/>
+          </a:xfrm>
+          <a:prstGeom prst="line">
+            <a:avLst/>
+          </a:prstGeom>
+          <a:ln w="19050">
+            <a:solidFill>
+              <a:schemeClr val="tx2"/>
+            </a:solidFill>
+          </a:ln>
+        </p:spPr>
+        <p:style>
+          <a:lnRef idx="1">
+            <a:schemeClr val="accent1"/>
+          </a:lnRef>
+          <a:fillRef idx="0">
+            <a:schemeClr val="accent1"/>
+          </a:fillRef>
+          <a:effectRef idx="0">
+            <a:schemeClr val="accent1"/>
+          </a:effectRef>
+          <a:fontRef idx="minor">
+            <a:schemeClr val="tx1"/>
+          </a:fontRef>
+        </p:style>
+      </p:cxnSp>
+    </p:spTree>
+  </p:cSld>
+  <p:clrMapOvr>
+    <a:masterClrMapping/>
+  </p:clrMapOvr>
+</p:sldLayout>
+</file>
+
+<file path=ppt/slideLayouts/slideLayout9.xml><?xml version="1.0" encoding="utf-8"?>
+<p:sldLayout xmlns:a="http://schemas.openxmlformats.org/drawingml/2006/main" xmlns:r="http://schemas.openxmlformats.org/officeDocument/2006/relationships" xmlns:p="http://schemas.openxmlformats.org/presentationml/2006/main" type="picTx" preserve="1">
+  <p:cSld name="Picture with Caption">
+    <p:spTree>
+      <p:nvGrpSpPr>
+        <p:cNvPr id="1" name=""/>
+        <p:cNvGrpSpPr/>
+        <p:nvPr/>
+      </p:nvGrpSpPr>
+      <p:grpSpPr>
+        <a:xfrm>
+          <a:off x="0" y="0"/>
+          <a:ext cx="0" cy="0"/>
+          <a:chOff x="0" y="0"/>
+          <a:chExt cx="0" cy="0"/>
+        </a:xfrm>
+      </p:grpSpPr>
+      <p:sp>
+        <p:nvSpPr>
+          <p:cNvPr id="2" name="Title 1"/>
+          <p:cNvSpPr>
+            <a:spLocks noGrp="1"/>
+          </p:cNvSpPr>
+          <p:nvPr>
+            <p:ph type="title"/>
+          </p:nvPr>
+        </p:nvSpPr>
+        <p:spPr>
+          <a:xfrm>
+            <a:off x="457200" y="792480"/>
+            <a:ext cx="2142680" cy="1264920"/>
+          </a:xfrm>
+        </p:spPr>
+        <p:txBody>
+          <a:bodyPr anchor="b">
+            <a:normAutofit/>
+          </a:bodyPr>
+          <a:lstStyle>
+            <a:lvl1pPr algn="l">
+              <a:defRPr sz="2400" b="0"/>
+            </a:lvl1pPr>
+          </a:lstStyle>
+          <a:p>
+            <a:r>
+              <a:rPr lang="en-US" smtClean="0"/>
+              <a:t>Click to edit Master title style</a:t>
+            </a:r>
+            <a:endParaRPr lang="en-US" dirty="0"/>
+          </a:p>
+        </p:txBody>
+      </p:sp>
+      <p:sp>
+        <p:nvSpPr>
+          <p:cNvPr id="3" name="Picture Placeholder 2"/>
+          <p:cNvSpPr>
+            <a:spLocks noGrp="1"/>
+          </p:cNvSpPr>
+          <p:nvPr>
+            <p:ph type="pic" idx="1"/>
+          </p:nvPr>
+        </p:nvSpPr>
+        <p:spPr>
+          <a:xfrm>
+            <a:off x="2858610" y="838201"/>
+            <a:ext cx="5904390" cy="5500456"/>
+          </a:xfrm>
+          <a:solidFill>
+            <a:schemeClr val="bg2"/>
+          </a:solidFill>
+          <a:ln w="76200">
+            <a:solidFill>
+              <a:srgbClr val="FFFFFF"/>
+            </a:solidFill>
+            <a:miter lim="800000"/>
+          </a:ln>
+          <a:effectLst>
+            <a:outerShdw blurRad="50800" dist="12700" dir="5400000" algn="t" rotWithShape="0">
+              <a:prstClr val="black">
+                <a:alpha val="59000"/>
+              </a:prstClr>
+            </a:outerShdw>
+          </a:effectLst>
+        </p:spPr>
+        <p:txBody>
+          <a:bodyPr/>
+          <a:lstStyle>
+            <a:lvl1pPr marL="0" indent="0">
+              <a:buNone/>
+              <a:defRPr sz="3200"/>
+            </a:lvl1pPr>
+            <a:lvl2pPr marL="457200" indent="0">
+              <a:buNone/>
+              <a:defRPr sz="2800"/>
+            </a:lvl2pPr>
+            <a:lvl3pPr marL="914400" indent="0">
+              <a:buNone/>
+              <a:defRPr sz="2400"/>
+            </a:lvl3pPr>
+            <a:lvl4pPr marL="1371600" indent="0">
+              <a:buNone/>
+              <a:defRPr sz="2000"/>
+            </a:lvl4pPr>
+            <a:lvl5pPr marL="1828800" indent="0">
+              <a:buNone/>
+              <a:defRPr sz="2000"/>
+            </a:lvl5pPr>
+            <a:lvl6pPr marL="2286000" indent="0">
+              <a:buNone/>
+              <a:defRPr sz="2000"/>
+            </a:lvl6pPr>
+            <a:lvl7pPr marL="2743200" indent="0">
+              <a:buNone/>
+              <a:defRPr sz="2000"/>
+            </a:lvl7pPr>
+            <a:lvl8pPr marL="3200400" indent="0">
+              <a:buNone/>
+              <a:defRPr sz="2000"/>
+            </a:lvl8pPr>
+            <a:lvl9pPr marL="3657600" indent="0">
+              <a:buNone/>
+              <a:defRPr sz="2000"/>
+            </a:lvl9pPr>
+          </a:lstStyle>
+          <a:p>
+            <a:r>
+              <a:rPr lang="en-US" smtClean="0"/>
+              <a:t>Click icon to add picture</a:t>
+            </a:r>
+            <a:endParaRPr lang="en-US" dirty="0"/>
+          </a:p>
+        </p:txBody>
+      </p:sp>
+      <p:sp>
+        <p:nvSpPr>
+          <p:cNvPr id="4" name="Text Placeholder 3"/>
+          <p:cNvSpPr>
+            <a:spLocks noGrp="1"/>
+          </p:cNvSpPr>
+          <p:nvPr>
+            <p:ph type="body" sz="half" idx="2"/>
+          </p:nvPr>
+        </p:nvSpPr>
+        <p:spPr>
+          <a:xfrm>
+            <a:off x="457200" y="2133600"/>
+            <a:ext cx="2139696" cy="4242816"/>
+          </a:xfrm>
+        </p:spPr>
+        <p:txBody>
+          <a:bodyPr/>
+          <a:lstStyle>
+            <a:lvl1pPr marL="0" indent="0">
+              <a:buNone/>
+              <a:defRPr sz="1400"/>
+            </a:lvl1pPr>
+            <a:lvl2pPr marL="457200" indent="0">
+              <a:buNone/>
+              <a:defRPr sz="1200"/>
+            </a:lvl2pPr>
+            <a:lvl3pPr marL="914400" indent="0">
+              <a:buNone/>
+              <a:defRPr sz="1000"/>
+            </a:lvl3pPr>
+            <a:lvl4pPr marL="1371600" indent="0">
+              <a:buNone/>
+              <a:defRPr sz="900"/>
+            </a:lvl4pPr>
+            <a:lvl5pPr marL="1828800" indent="0">
+              <a:buNone/>
+              <a:defRPr sz="900"/>
+            </a:lvl5pPr>
+            <a:lvl6pPr marL="2286000" indent="0">
+              <a:buNone/>
+              <a:defRPr sz="900"/>
+            </a:lvl6pPr>
+            <a:lvl7pPr marL="2743200" indent="0">
+              <a:buNone/>
+              <a:defRPr sz="900"/>
+            </a:lvl7pPr>
+            <a:lvl8pPr marL="3200400" indent="0">
+              <a:buNone/>
+              <a:defRPr sz="900"/>
+            </a:lvl8pPr>
+            <a:lvl9pPr marL="3657600" indent="0">
+              <a:buNone/>
+              <a:defRPr sz="900"/>
+            </a:lvl9pPr>
+          </a:lstStyle>
+          <a:p>
+            <a:pPr lvl="0"/>
+            <a:r>
+              <a:rPr lang="en-US" smtClean="0"/>
+              <a:t>Click to edit Master text styles</a:t>
+            </a:r>
+          </a:p>
+        </p:txBody>
+      </p:sp>
+      <p:sp>
+        <p:nvSpPr>
+          <p:cNvPr id="5" name="Date Placeholder 4"/>
+          <p:cNvSpPr>
+            <a:spLocks noGrp="1"/>
+          </p:cNvSpPr>
+          <p:nvPr>
+            <p:ph type="dt" sz="half" idx="10"/>
+          </p:nvPr>
+        </p:nvSpPr>
+        <p:spPr/>
+        <p:txBody>
+          <a:bodyPr/>
+          <a:lstStyle/>
+          <a:p>
+            <a:fld id="{AC25CB34-BB08-4399-A2CA-3CAF79EA992F}" type="datetimeFigureOut">
+              <a:rPr lang="en-US" smtClean="0"/>
+              <a:t>4/26/2017</a:t>
+            </a:fld>
+            <a:endParaRPr lang="en-US"/>
+          </a:p>
+        </p:txBody>
+      </p:sp>
+      <p:sp>
+        <p:nvSpPr>
+          <p:cNvPr id="6" name="Footer Placeholder 5"/>
+          <p:cNvSpPr>
+            <a:spLocks noGrp="1"/>
+          </p:cNvSpPr>
+          <p:nvPr>
+            <p:ph type="ftr" sz="quarter" idx="11"/>
+          </p:nvPr>
+        </p:nvSpPr>
+        <p:spPr/>
+        <p:txBody>
+          <a:bodyPr/>
+          <a:lstStyle/>
+          <a:p>
+            <a:endParaRPr lang="en-US"/>
+          </a:p>
+        </p:txBody>
+      </p:sp>
+      <p:sp>
+        <p:nvSpPr>
+          <p:cNvPr id="7" name="Slide Number Placeholder 6"/>
+          <p:cNvSpPr>
+            <a:spLocks noGrp="1"/>
+          </p:cNvSpPr>
+          <p:nvPr>
+            <p:ph type="sldNum" sz="quarter" idx="12"/>
+          </p:nvPr>
+        </p:nvSpPr>
+        <p:spPr/>
+        <p:txBody>
+          <a:bodyPr/>
+          <a:lstStyle/>
+          <a:p>
+            <a:fld id="{B5E014E3-A4EE-484A-A75D-BE16B10F8A2C}" type="slidenum">
+              <a:rPr lang="en-US" smtClean="0"/>
+              <a:t>‹#›</a:t>
+            </a:fld>
+            <a:endParaRPr lang="en-US"/>
+          </a:p>
+        </p:txBody>
+      </p:sp>
+    </p:spTree>
+  </p:cSld>
+  <p:clrMapOvr>
+    <a:masterClrMapping/>
+  </p:clrMapOvr>
+</p:sldLayout>
+</file>
+
+<file path=ppt/slideMasters/slideMaster1.xml><?xml version="1.0" encoding="utf-8"?>
+<p:sldMaster xmlns:a="http://schemas.openxmlformats.org/drawingml/2006/main" xmlns:r="http://schemas.openxmlformats.org/officeDocument/2006/relationships" xmlns:p="http://schemas.openxmlformats.org/presentationml/2006/main">
+  <p:cSld>
+    <p:bg>
+      <p:bgRef idx="1001">
+        <a:schemeClr val="bg1"/>
+      </p:bgRef>
+    </p:bg>
+    <p:spTree>
+      <p:nvGrpSpPr>
+        <p:cNvPr id="1" name=""/>
+        <p:cNvGrpSpPr/>
+        <p:nvPr/>
+      </p:nvGrpSpPr>
+      <p:grpSpPr>
+        <a:xfrm>
+          <a:off x="0" y="0"/>
+          <a:ext cx="0" cy="0"/>
+          <a:chOff x="0" y="0"/>
+          <a:chExt cx="0" cy="0"/>
+        </a:xfrm>
+      </p:grpSpPr>
+      <p:sp>
+        <p:nvSpPr>
+          <p:cNvPr id="10" name="Rectangle 9"/>
           <p:cNvSpPr/>
           <p:nvPr/>
         </p:nvSpPr>
         <p:spPr>
           <a:xfrm>
-            <a:off x="0" y="376"/>
-            <a:ext cx="3977640" cy="6857624"/>
+            <a:off x="0" y="220786"/>
+            <a:ext cx="9144000" cy="228600"/>
+          </a:xfrm>
+          <a:prstGeom prst="rect">
+            <a:avLst/>
+          </a:prstGeom>
+          <a:solidFill>
+            <a:srgbClr val="FFFFFF"/>
+          </a:solidFill>
+          <a:ln>
+            <a:noFill/>
+          </a:ln>
+        </p:spPr>
+        <p:style>
+          <a:lnRef idx="2">
+            <a:schemeClr val="accent1">
+              <a:shade val="50000"/>
+            </a:schemeClr>
+          </a:lnRef>
+          <a:fillRef idx="1">
+            <a:schemeClr val="accent1"/>
+          </a:fillRef>
+          <a:effectRef idx="0">
+            <a:schemeClr val="accent1"/>
+          </a:effectRef>
+          <a:fontRef idx="minor">
+            <a:schemeClr val="lt1"/>
+          </a:fontRef>
+        </p:style>
+        <p:txBody>
+          <a:bodyPr rtlCol="0" anchor="ctr"/>
+          <a:lstStyle/>
+          <a:p>
+            <a:pPr algn="ctr"/>
+            <a:endParaRPr lang="en-US"/>
+          </a:p>
+        </p:txBody>
+      </p:sp>
+      <p:sp>
+        <p:nvSpPr>
+          <p:cNvPr id="2" name="Title Placeholder 1"/>
+          <p:cNvSpPr>
+            <a:spLocks noGrp="1"/>
+          </p:cNvSpPr>
+          <p:nvPr>
+            <p:ph type="title"/>
+          </p:nvPr>
+        </p:nvSpPr>
+        <p:spPr>
+          <a:xfrm>
+            <a:off x="457200" y="533400"/>
+            <a:ext cx="8229600" cy="990600"/>
+          </a:xfrm>
+          <a:prstGeom prst="rect">
+            <a:avLst/>
+          </a:prstGeom>
+        </p:spPr>
+        <p:txBody>
+          <a:bodyPr vert="horz" lIns="91440" tIns="45720" rIns="91440" bIns="45720" rtlCol="0" anchor="ctr">
+            <a:normAutofit/>
+          </a:bodyPr>
+          <a:lstStyle/>
+          <a:p>
+            <a:r>
+              <a:rPr lang="en-US" smtClean="0"/>
+              <a:t>Click to edit Master title style</a:t>
+            </a:r>
+            <a:endParaRPr lang="en-US" dirty="0"/>
+          </a:p>
+        </p:txBody>
+      </p:sp>
+      <p:sp>
+        <p:nvSpPr>
+          <p:cNvPr id="3" name="Text Placeholder 2"/>
+          <p:cNvSpPr>
+            <a:spLocks noGrp="1"/>
+          </p:cNvSpPr>
+          <p:nvPr>
+            <p:ph type="body" idx="1"/>
+          </p:nvPr>
+        </p:nvSpPr>
+        <p:spPr>
+          <a:xfrm>
+            <a:off x="457200" y="1600200"/>
+            <a:ext cx="8229600" cy="4876800"/>
+          </a:xfrm>
+          <a:prstGeom prst="rect">
+            <a:avLst/>
+          </a:prstGeom>
+        </p:spPr>
+        <p:txBody>
+          <a:bodyPr vert="horz" lIns="91440" tIns="45720" rIns="91440" bIns="45720" rtlCol="0">
+            <a:normAutofit/>
+          </a:bodyPr>
+          <a:lstStyle/>
+          <a:p>
+            <a:pPr lvl="0"/>
+            <a:r>
+              <a:rPr lang="en-US" smtClean="0"/>
+              <a:t>Click to edit Master text styles</a:t>
+            </a:r>
+          </a:p>
+          <a:p>
+            <a:pPr lvl="1"/>
+            <a:r>
+              <a:rPr lang="en-US" smtClean="0"/>
+              <a:t>Second level</a:t>
+            </a:r>
+          </a:p>
+          <a:p>
+            <a:pPr lvl="2"/>
+            <a:r>
+              <a:rPr lang="en-US" smtClean="0"/>
+              <a:t>Third level</a:t>
+            </a:r>
+          </a:p>
+          <a:p>
+            <a:pPr lvl="3"/>
+            <a:r>
+              <a:rPr lang="en-US" smtClean="0"/>
+              <a:t>Fourth level</a:t>
+            </a:r>
+          </a:p>
+          <a:p>
+            <a:pPr lvl="4"/>
+            <a:r>
+              <a:rPr lang="en-US" smtClean="0"/>
+              <a:t>Fifth level</a:t>
+            </a:r>
+            <a:endParaRPr lang="en-US" dirty="0"/>
+          </a:p>
+        </p:txBody>
+      </p:sp>
+      <p:sp>
+        <p:nvSpPr>
+          <p:cNvPr id="7" name="Rectangle 6"/>
+          <p:cNvSpPr/>
+          <p:nvPr/>
+        </p:nvSpPr>
+        <p:spPr>
+          <a:xfrm>
+            <a:off x="0" y="0"/>
+            <a:ext cx="9144000" cy="365760"/>
           </a:xfrm>
           <a:prstGeom prst="rect">
             <a:avLst/>
@@ -11906,947 +12326,12 @@
             <a:schemeClr val="lt1"/>
           </a:fontRef>
         </p:style>
-      </p:sp>
-      <p:sp>
-        <p:nvSpPr>
-          <p:cNvPr id="2" name="Title 1"/>
-          <p:cNvSpPr>
-            <a:spLocks noGrp="1"/>
-          </p:cNvSpPr>
-          <p:nvPr>
-            <p:ph type="title"/>
-          </p:nvPr>
-        </p:nvSpPr>
-        <p:spPr>
-          <a:xfrm>
-            <a:off x="542925" y="685800"/>
-            <a:ext cx="2891790" cy="2157884"/>
-          </a:xfrm>
-        </p:spPr>
         <p:txBody>
-          <a:bodyPr anchor="t">
-            <a:noAutofit/>
-          </a:bodyPr>
-          <a:lstStyle>
-            <a:lvl1pPr>
-              <a:lnSpc>
-                <a:spcPct val="84000"/>
-              </a:lnSpc>
-              <a:defRPr sz="4400" baseline="0">
-                <a:solidFill>
-                  <a:schemeClr val="tx2"/>
-                </a:solidFill>
-              </a:defRPr>
-            </a:lvl1pPr>
-          </a:lstStyle>
-          <a:p>
-            <a:r>
-              <a:rPr lang="en-US"/>
-              <a:t>Click to edit Master title style</a:t>
-            </a:r>
-            <a:endParaRPr lang="en-US" dirty="0"/>
-          </a:p>
-        </p:txBody>
-      </p:sp>
-      <p:sp>
-        <p:nvSpPr>
-          <p:cNvPr id="3" name="Content Placeholder 2"/>
-          <p:cNvSpPr>
-            <a:spLocks noGrp="1"/>
-          </p:cNvSpPr>
-          <p:nvPr>
-            <p:ph idx="1"/>
-          </p:nvPr>
-        </p:nvSpPr>
-        <p:spPr>
-          <a:xfrm>
-            <a:off x="4692015" y="685801"/>
-            <a:ext cx="3909060" cy="5175250"/>
-          </a:xfrm>
-        </p:spPr>
-        <p:txBody>
-          <a:bodyPr/>
-          <a:lstStyle>
-            <a:lvl1pPr>
-              <a:defRPr sz="1500"/>
-            </a:lvl1pPr>
-            <a:lvl2pPr>
-              <a:defRPr sz="1500"/>
-            </a:lvl2pPr>
-            <a:lvl3pPr>
-              <a:defRPr sz="1350"/>
-            </a:lvl3pPr>
-            <a:lvl4pPr>
-              <a:defRPr sz="1350"/>
-            </a:lvl4pPr>
-            <a:lvl5pPr>
-              <a:defRPr sz="1200"/>
-            </a:lvl5pPr>
-            <a:lvl6pPr>
-              <a:defRPr sz="1200"/>
-            </a:lvl6pPr>
-            <a:lvl7pPr>
-              <a:defRPr sz="1200"/>
-            </a:lvl7pPr>
-            <a:lvl8pPr>
-              <a:defRPr sz="1200"/>
-            </a:lvl8pPr>
-            <a:lvl9pPr>
-              <a:defRPr sz="1200"/>
-            </a:lvl9pPr>
-          </a:lstStyle>
-          <a:p>
-            <a:pPr lvl="0"/>
-            <a:r>
-              <a:rPr lang="en-US"/>
-              <a:t>Edit Master text styles</a:t>
-            </a:r>
-          </a:p>
-          <a:p>
-            <a:pPr lvl="1"/>
-            <a:r>
-              <a:rPr lang="en-US"/>
-              <a:t>Second level</a:t>
-            </a:r>
-          </a:p>
-          <a:p>
-            <a:pPr lvl="2"/>
-            <a:r>
-              <a:rPr lang="en-US"/>
-              <a:t>Third level</a:t>
-            </a:r>
-          </a:p>
-          <a:p>
-            <a:pPr lvl="3"/>
-            <a:r>
-              <a:rPr lang="en-US"/>
-              <a:t>Fourth level</a:t>
-            </a:r>
-          </a:p>
-          <a:p>
-            <a:pPr lvl="4"/>
-            <a:r>
-              <a:rPr lang="en-US"/>
-              <a:t>Fifth level</a:t>
-            </a:r>
-            <a:endParaRPr lang="en-US" dirty="0"/>
-          </a:p>
-        </p:txBody>
-      </p:sp>
-      <p:sp>
-        <p:nvSpPr>
-          <p:cNvPr id="4" name="Text Placeholder 3"/>
-          <p:cNvSpPr>
-            <a:spLocks noGrp="1"/>
-          </p:cNvSpPr>
-          <p:nvPr>
-            <p:ph type="body" sz="half" idx="2"/>
-          </p:nvPr>
-        </p:nvSpPr>
-        <p:spPr>
-          <a:xfrm>
-            <a:off x="542925" y="2856344"/>
-            <a:ext cx="2891790" cy="3011056"/>
-          </a:xfrm>
-        </p:spPr>
-        <p:txBody>
-          <a:bodyPr>
-            <a:normAutofit/>
-          </a:bodyPr>
-          <a:lstStyle>
-            <a:lvl1pPr marL="0" indent="0">
-              <a:lnSpc>
-                <a:spcPct val="113000"/>
-              </a:lnSpc>
-              <a:spcBef>
-                <a:spcPts val="0"/>
-              </a:spcBef>
-              <a:spcAft>
-                <a:spcPts val="1500"/>
-              </a:spcAft>
-              <a:buNone/>
-              <a:defRPr sz="1600"/>
-            </a:lvl1pPr>
-            <a:lvl2pPr marL="342900" indent="0">
-              <a:buNone/>
-              <a:defRPr sz="1050"/>
-            </a:lvl2pPr>
-            <a:lvl3pPr marL="685800" indent="0">
-              <a:buNone/>
-              <a:defRPr sz="900"/>
-            </a:lvl3pPr>
-            <a:lvl4pPr marL="1028700" indent="0">
-              <a:buNone/>
-              <a:defRPr sz="750"/>
-            </a:lvl4pPr>
-            <a:lvl5pPr marL="1371600" indent="0">
-              <a:buNone/>
-              <a:defRPr sz="750"/>
-            </a:lvl5pPr>
-            <a:lvl6pPr marL="1714500" indent="0">
-              <a:buNone/>
-              <a:defRPr sz="750"/>
-            </a:lvl6pPr>
-            <a:lvl7pPr marL="2057400" indent="0">
-              <a:buNone/>
-              <a:defRPr sz="750"/>
-            </a:lvl7pPr>
-            <a:lvl8pPr marL="2400300" indent="0">
-              <a:buNone/>
-              <a:defRPr sz="750"/>
-            </a:lvl8pPr>
-            <a:lvl9pPr marL="2743200" indent="0">
-              <a:buNone/>
-              <a:defRPr sz="750"/>
-            </a:lvl9pPr>
-          </a:lstStyle>
-          <a:p>
-            <a:pPr lvl="0"/>
-            <a:r>
-              <a:rPr lang="en-US"/>
-              <a:t>Edit Master text styles</a:t>
-            </a:r>
-          </a:p>
-        </p:txBody>
-      </p:sp>
-      <p:sp>
-        <p:nvSpPr>
-          <p:cNvPr id="5" name="Date Placeholder 4"/>
-          <p:cNvSpPr>
-            <a:spLocks noGrp="1"/>
-          </p:cNvSpPr>
-          <p:nvPr>
-            <p:ph type="dt" sz="half" idx="10"/>
-          </p:nvPr>
-        </p:nvSpPr>
-        <p:spPr>
-          <a:xfrm>
-            <a:off x="542925" y="6453386"/>
-            <a:ext cx="903429" cy="404614"/>
-          </a:xfrm>
-        </p:spPr>
-        <p:txBody>
-          <a:bodyPr/>
-          <a:lstStyle>
-            <a:lvl1pPr>
-              <a:defRPr>
-                <a:solidFill>
-                  <a:schemeClr val="tx2"/>
-                </a:solidFill>
-              </a:defRPr>
-            </a:lvl1pPr>
-          </a:lstStyle>
-          <a:p>
-            <a:fld id="{AC25CB34-BB08-4399-A2CA-3CAF79EA992F}" type="datetimeFigureOut">
-              <a:rPr lang="en-US" smtClean="0"/>
-              <a:t>4/26/2017</a:t>
-            </a:fld>
+          <a:bodyPr rtlCol="0" anchor="ctr"/>
+          <a:lstStyle/>
+          <a:p>
+            <a:pPr algn="ctr"/>
             <a:endParaRPr lang="en-US"/>
-          </a:p>
-        </p:txBody>
-      </p:sp>
-      <p:sp>
-        <p:nvSpPr>
-          <p:cNvPr id="6" name="Footer Placeholder 5"/>
-          <p:cNvSpPr>
-            <a:spLocks noGrp="1"/>
-          </p:cNvSpPr>
-          <p:nvPr>
-            <p:ph type="ftr" sz="quarter" idx="11"/>
-          </p:nvPr>
-        </p:nvSpPr>
-        <p:spPr>
-          <a:xfrm>
-            <a:off x="1654459" y="6453386"/>
-            <a:ext cx="1780256" cy="404614"/>
-          </a:xfrm>
-        </p:spPr>
-        <p:txBody>
-          <a:bodyPr/>
-          <a:lstStyle>
-            <a:lvl1pPr>
-              <a:defRPr>
-                <a:solidFill>
-                  <a:schemeClr val="tx2"/>
-                </a:solidFill>
-              </a:defRPr>
-            </a:lvl1pPr>
-          </a:lstStyle>
-          <a:p>
-            <a:endParaRPr lang="en-US"/>
-          </a:p>
-        </p:txBody>
-      </p:sp>
-      <p:sp>
-        <p:nvSpPr>
-          <p:cNvPr id="7" name="Slide Number Placeholder 6"/>
-          <p:cNvSpPr>
-            <a:spLocks noGrp="1"/>
-          </p:cNvSpPr>
-          <p:nvPr>
-            <p:ph type="sldNum" sz="quarter" idx="12"/>
-          </p:nvPr>
-        </p:nvSpPr>
-        <p:spPr>
-          <a:xfrm>
-            <a:off x="7412355" y="6453386"/>
-            <a:ext cx="1197219" cy="404614"/>
-          </a:xfrm>
-        </p:spPr>
-        <p:txBody>
-          <a:bodyPr/>
-          <a:lstStyle>
-            <a:lvl1pPr>
-              <a:defRPr>
-                <a:solidFill>
-                  <a:schemeClr val="tx2"/>
-                </a:solidFill>
-              </a:defRPr>
-            </a:lvl1pPr>
-          </a:lstStyle>
-          <a:p>
-            <a:fld id="{B5E014E3-A4EE-484A-A75D-BE16B10F8A2C}" type="slidenum">
-              <a:rPr lang="en-US" smtClean="0"/>
-              <a:t>‹Nº›</a:t>
-            </a:fld>
-            <a:endParaRPr lang="en-US"/>
-          </a:p>
-        </p:txBody>
-      </p:sp>
-      <p:sp>
-        <p:nvSpPr>
-          <p:cNvPr id="9" name="Rectangle 8"/>
-          <p:cNvSpPr/>
-          <p:nvPr/>
-        </p:nvSpPr>
-        <p:spPr>
-          <a:xfrm>
-            <a:off x="3977640" y="376"/>
-            <a:ext cx="171450" cy="6858000"/>
-          </a:xfrm>
-          <a:prstGeom prst="rect">
-            <a:avLst/>
-          </a:prstGeom>
-          <a:solidFill>
-            <a:schemeClr val="tx2"/>
-          </a:solidFill>
-          <a:ln>
-            <a:noFill/>
-          </a:ln>
-        </p:spPr>
-        <p:style>
-          <a:lnRef idx="2">
-            <a:schemeClr val="accent1">
-              <a:shade val="50000"/>
-            </a:schemeClr>
-          </a:lnRef>
-          <a:fillRef idx="1">
-            <a:schemeClr val="accent1"/>
-          </a:fillRef>
-          <a:effectRef idx="0">
-            <a:schemeClr val="accent1"/>
-          </a:effectRef>
-          <a:fontRef idx="minor">
-            <a:schemeClr val="lt1"/>
-          </a:fontRef>
-        </p:style>
-      </p:sp>
-      <p:sp>
-        <p:nvSpPr>
-          <p:cNvPr id="11" name="Rectangle 10" title="Divider Bar"/>
-          <p:cNvSpPr/>
-          <p:nvPr/>
-        </p:nvSpPr>
-        <p:spPr>
-          <a:xfrm>
-            <a:off x="3977640" y="376"/>
-            <a:ext cx="171450" cy="6858000"/>
-          </a:xfrm>
-          <a:prstGeom prst="rect">
-            <a:avLst/>
-          </a:prstGeom>
-          <a:solidFill>
-            <a:schemeClr val="tx2"/>
-          </a:solidFill>
-          <a:ln>
-            <a:noFill/>
-          </a:ln>
-        </p:spPr>
-        <p:style>
-          <a:lnRef idx="2">
-            <a:schemeClr val="accent1">
-              <a:shade val="50000"/>
-            </a:schemeClr>
-          </a:lnRef>
-          <a:fillRef idx="1">
-            <a:schemeClr val="accent1"/>
-          </a:fillRef>
-          <a:effectRef idx="0">
-            <a:schemeClr val="accent1"/>
-          </a:effectRef>
-          <a:fontRef idx="minor">
-            <a:schemeClr val="lt1"/>
-          </a:fontRef>
-        </p:style>
-      </p:sp>
-    </p:spTree>
-    <p:extLst>
-      <p:ext uri="{BB962C8B-B14F-4D97-AF65-F5344CB8AC3E}">
-        <p14:creationId xmlns:p14="http://schemas.microsoft.com/office/powerpoint/2010/main" val="4237746734"/>
-      </p:ext>
-    </p:extLst>
-  </p:cSld>
-  <p:clrMapOvr>
-    <a:masterClrMapping/>
-  </p:clrMapOvr>
-</p:sldLayout>
-</file>
-
-<file path=ppt/slideLayouts/slideLayout9.xml><?xml version="1.0" encoding="utf-8"?>
-<p:sldLayout xmlns:a="http://schemas.openxmlformats.org/drawingml/2006/main" xmlns:r="http://schemas.openxmlformats.org/officeDocument/2006/relationships" xmlns:p="http://schemas.openxmlformats.org/presentationml/2006/main" showMasterSp="0" type="picTx" preserve="1">
-  <p:cSld name="Picture with Caption">
-    <p:spTree>
-      <p:nvGrpSpPr>
-        <p:cNvPr id="1" name=""/>
-        <p:cNvGrpSpPr/>
-        <p:nvPr/>
-      </p:nvGrpSpPr>
-      <p:grpSpPr>
-        <a:xfrm>
-          <a:off x="0" y="0"/>
-          <a:ext cx="0" cy="0"/>
-          <a:chOff x="0" y="0"/>
-          <a:chExt cx="0" cy="0"/>
-        </a:xfrm>
-      </p:grpSpPr>
-      <p:sp>
-        <p:nvSpPr>
-          <p:cNvPr id="8" name="Rectangle 7" title="Background Shape"/>
-          <p:cNvSpPr/>
-          <p:nvPr/>
-        </p:nvSpPr>
-        <p:spPr>
-          <a:xfrm>
-            <a:off x="0" y="376"/>
-            <a:ext cx="3977640" cy="6857624"/>
-          </a:xfrm>
-          <a:prstGeom prst="rect">
-            <a:avLst/>
-          </a:prstGeom>
-          <a:solidFill>
-            <a:schemeClr val="accent1"/>
-          </a:solidFill>
-          <a:ln>
-            <a:noFill/>
-          </a:ln>
-        </p:spPr>
-        <p:style>
-          <a:lnRef idx="2">
-            <a:schemeClr val="accent1">
-              <a:shade val="50000"/>
-            </a:schemeClr>
-          </a:lnRef>
-          <a:fillRef idx="1">
-            <a:schemeClr val="accent1"/>
-          </a:fillRef>
-          <a:effectRef idx="0">
-            <a:schemeClr val="accent1"/>
-          </a:effectRef>
-          <a:fontRef idx="minor">
-            <a:schemeClr val="lt1"/>
-          </a:fontRef>
-        </p:style>
-      </p:sp>
-      <p:sp>
-        <p:nvSpPr>
-          <p:cNvPr id="2" name="Title 1"/>
-          <p:cNvSpPr>
-            <a:spLocks noGrp="1"/>
-          </p:cNvSpPr>
-          <p:nvPr>
-            <p:ph type="title"/>
-          </p:nvPr>
-        </p:nvSpPr>
-        <p:spPr>
-          <a:xfrm>
-            <a:off x="542925" y="685800"/>
-            <a:ext cx="2891790" cy="2157884"/>
-          </a:xfrm>
-        </p:spPr>
-        <p:txBody>
-          <a:bodyPr anchor="t">
-            <a:normAutofit/>
-          </a:bodyPr>
-          <a:lstStyle>
-            <a:lvl1pPr>
-              <a:lnSpc>
-                <a:spcPct val="84000"/>
-              </a:lnSpc>
-              <a:defRPr sz="4400" baseline="0"/>
-            </a:lvl1pPr>
-          </a:lstStyle>
-          <a:p>
-            <a:r>
-              <a:rPr lang="en-US"/>
-              <a:t>Click to edit Master title style</a:t>
-            </a:r>
-            <a:endParaRPr lang="en-US" dirty="0"/>
-          </a:p>
-        </p:txBody>
-      </p:sp>
-      <p:sp>
-        <p:nvSpPr>
-          <p:cNvPr id="3" name="Picture Placeholder 2"/>
-          <p:cNvSpPr>
-            <a:spLocks noGrp="1" noChangeAspect="1"/>
-          </p:cNvSpPr>
-          <p:nvPr>
-            <p:ph type="pic" idx="1"/>
-          </p:nvPr>
-        </p:nvSpPr>
-        <p:spPr>
-          <a:xfrm>
-            <a:off x="4149090" y="1"/>
-            <a:ext cx="4994910" cy="6857999"/>
-          </a:xfrm>
-        </p:spPr>
-        <p:txBody>
-          <a:bodyPr anchor="t">
-            <a:normAutofit/>
-          </a:bodyPr>
-          <a:lstStyle>
-            <a:lvl1pPr marL="0" indent="0">
-              <a:buNone/>
-              <a:defRPr sz="1500"/>
-            </a:lvl1pPr>
-            <a:lvl2pPr marL="342900" indent="0">
-              <a:buNone/>
-              <a:defRPr sz="1500"/>
-            </a:lvl2pPr>
-            <a:lvl3pPr marL="685800" indent="0">
-              <a:buNone/>
-              <a:defRPr sz="1500"/>
-            </a:lvl3pPr>
-            <a:lvl4pPr marL="1028700" indent="0">
-              <a:buNone/>
-              <a:defRPr sz="1500"/>
-            </a:lvl4pPr>
-            <a:lvl5pPr marL="1371600" indent="0">
-              <a:buNone/>
-              <a:defRPr sz="1500"/>
-            </a:lvl5pPr>
-            <a:lvl6pPr marL="1714500" indent="0">
-              <a:buNone/>
-              <a:defRPr sz="1500"/>
-            </a:lvl6pPr>
-            <a:lvl7pPr marL="2057400" indent="0">
-              <a:buNone/>
-              <a:defRPr sz="1500"/>
-            </a:lvl7pPr>
-            <a:lvl8pPr marL="2400300" indent="0">
-              <a:buNone/>
-              <a:defRPr sz="1500"/>
-            </a:lvl8pPr>
-            <a:lvl9pPr marL="2743200" indent="0">
-              <a:buNone/>
-              <a:defRPr sz="1500"/>
-            </a:lvl9pPr>
-          </a:lstStyle>
-          <a:p>
-            <a:r>
-              <a:rPr lang="en-US"/>
-              <a:t>Click icon to add picture</a:t>
-            </a:r>
-            <a:endParaRPr lang="en-US" dirty="0"/>
-          </a:p>
-        </p:txBody>
-      </p:sp>
-      <p:sp>
-        <p:nvSpPr>
-          <p:cNvPr id="4" name="Text Placeholder 3"/>
-          <p:cNvSpPr>
-            <a:spLocks noGrp="1"/>
-          </p:cNvSpPr>
-          <p:nvPr>
-            <p:ph type="body" sz="half" idx="2"/>
-          </p:nvPr>
-        </p:nvSpPr>
-        <p:spPr>
-          <a:xfrm>
-            <a:off x="542925" y="2855968"/>
-            <a:ext cx="2891790" cy="3011432"/>
-          </a:xfrm>
-        </p:spPr>
-        <p:txBody>
-          <a:bodyPr>
-            <a:normAutofit/>
-          </a:bodyPr>
-          <a:lstStyle>
-            <a:lvl1pPr marL="0" indent="0">
-              <a:lnSpc>
-                <a:spcPct val="113000"/>
-              </a:lnSpc>
-              <a:spcBef>
-                <a:spcPts val="0"/>
-              </a:spcBef>
-              <a:spcAft>
-                <a:spcPts val="1500"/>
-              </a:spcAft>
-              <a:buNone/>
-              <a:defRPr sz="1600"/>
-            </a:lvl1pPr>
-            <a:lvl2pPr marL="342900" indent="0">
-              <a:buNone/>
-              <a:defRPr sz="1050"/>
-            </a:lvl2pPr>
-            <a:lvl3pPr marL="685800" indent="0">
-              <a:buNone/>
-              <a:defRPr sz="900"/>
-            </a:lvl3pPr>
-            <a:lvl4pPr marL="1028700" indent="0">
-              <a:buNone/>
-              <a:defRPr sz="750"/>
-            </a:lvl4pPr>
-            <a:lvl5pPr marL="1371600" indent="0">
-              <a:buNone/>
-              <a:defRPr sz="750"/>
-            </a:lvl5pPr>
-            <a:lvl6pPr marL="1714500" indent="0">
-              <a:buNone/>
-              <a:defRPr sz="750"/>
-            </a:lvl6pPr>
-            <a:lvl7pPr marL="2057400" indent="0">
-              <a:buNone/>
-              <a:defRPr sz="750"/>
-            </a:lvl7pPr>
-            <a:lvl8pPr marL="2400300" indent="0">
-              <a:buNone/>
-              <a:defRPr sz="750"/>
-            </a:lvl8pPr>
-            <a:lvl9pPr marL="2743200" indent="0">
-              <a:buNone/>
-              <a:defRPr sz="750"/>
-            </a:lvl9pPr>
-          </a:lstStyle>
-          <a:p>
-            <a:pPr lvl="0"/>
-            <a:r>
-              <a:rPr lang="en-US"/>
-              <a:t>Edit Master text styles</a:t>
-            </a:r>
-          </a:p>
-        </p:txBody>
-      </p:sp>
-      <p:sp>
-        <p:nvSpPr>
-          <p:cNvPr id="5" name="Date Placeholder 4"/>
-          <p:cNvSpPr>
-            <a:spLocks noGrp="1"/>
-          </p:cNvSpPr>
-          <p:nvPr>
-            <p:ph type="dt" sz="half" idx="10"/>
-          </p:nvPr>
-        </p:nvSpPr>
-        <p:spPr>
-          <a:xfrm>
-            <a:off x="542925" y="6453386"/>
-            <a:ext cx="903429" cy="404614"/>
-          </a:xfrm>
-        </p:spPr>
-        <p:txBody>
-          <a:bodyPr/>
-          <a:lstStyle>
-            <a:lvl1pPr>
-              <a:defRPr>
-                <a:solidFill>
-                  <a:schemeClr val="tx2"/>
-                </a:solidFill>
-              </a:defRPr>
-            </a:lvl1pPr>
-          </a:lstStyle>
-          <a:p>
-            <a:fld id="{AC25CB34-BB08-4399-A2CA-3CAF79EA992F}" type="datetimeFigureOut">
-              <a:rPr lang="en-US" smtClean="0"/>
-              <a:t>4/26/2017</a:t>
-            </a:fld>
-            <a:endParaRPr lang="en-US"/>
-          </a:p>
-        </p:txBody>
-      </p:sp>
-      <p:sp>
-        <p:nvSpPr>
-          <p:cNvPr id="6" name="Footer Placeholder 5"/>
-          <p:cNvSpPr>
-            <a:spLocks noGrp="1"/>
-          </p:cNvSpPr>
-          <p:nvPr>
-            <p:ph type="ftr" sz="quarter" idx="11"/>
-          </p:nvPr>
-        </p:nvSpPr>
-        <p:spPr>
-          <a:xfrm>
-            <a:off x="1654459" y="6453386"/>
-            <a:ext cx="1780256" cy="404614"/>
-          </a:xfrm>
-        </p:spPr>
-        <p:txBody>
-          <a:bodyPr/>
-          <a:lstStyle>
-            <a:lvl1pPr>
-              <a:defRPr>
-                <a:solidFill>
-                  <a:schemeClr val="tx2"/>
-                </a:solidFill>
-              </a:defRPr>
-            </a:lvl1pPr>
-          </a:lstStyle>
-          <a:p>
-            <a:endParaRPr lang="en-US"/>
-          </a:p>
-        </p:txBody>
-      </p:sp>
-      <p:sp>
-        <p:nvSpPr>
-          <p:cNvPr id="7" name="Slide Number Placeholder 6"/>
-          <p:cNvSpPr>
-            <a:spLocks noGrp="1"/>
-          </p:cNvSpPr>
-          <p:nvPr>
-            <p:ph type="sldNum" sz="quarter" idx="12"/>
-          </p:nvPr>
-        </p:nvSpPr>
-        <p:spPr>
-          <a:xfrm>
-            <a:off x="7412355" y="6453386"/>
-            <a:ext cx="1197219" cy="404614"/>
-          </a:xfrm>
-        </p:spPr>
-        <p:txBody>
-          <a:bodyPr/>
-          <a:lstStyle>
-            <a:lvl1pPr>
-              <a:defRPr>
-                <a:solidFill>
-                  <a:schemeClr val="tx2"/>
-                </a:solidFill>
-              </a:defRPr>
-            </a:lvl1pPr>
-          </a:lstStyle>
-          <a:p>
-            <a:fld id="{B5E014E3-A4EE-484A-A75D-BE16B10F8A2C}" type="slidenum">
-              <a:rPr lang="en-US" smtClean="0"/>
-              <a:t>‹Nº›</a:t>
-            </a:fld>
-            <a:endParaRPr lang="en-US"/>
-          </a:p>
-        </p:txBody>
-      </p:sp>
-      <p:sp>
-        <p:nvSpPr>
-          <p:cNvPr id="9" name="Rectangle 8"/>
-          <p:cNvSpPr/>
-          <p:nvPr/>
-        </p:nvSpPr>
-        <p:spPr>
-          <a:xfrm>
-            <a:off x="3977640" y="376"/>
-            <a:ext cx="171450" cy="6858000"/>
-          </a:xfrm>
-          <a:prstGeom prst="rect">
-            <a:avLst/>
-          </a:prstGeom>
-          <a:solidFill>
-            <a:schemeClr val="tx2"/>
-          </a:solidFill>
-          <a:ln>
-            <a:noFill/>
-          </a:ln>
-        </p:spPr>
-        <p:style>
-          <a:lnRef idx="2">
-            <a:schemeClr val="accent1">
-              <a:shade val="50000"/>
-            </a:schemeClr>
-          </a:lnRef>
-          <a:fillRef idx="1">
-            <a:schemeClr val="accent1"/>
-          </a:fillRef>
-          <a:effectRef idx="0">
-            <a:schemeClr val="accent1"/>
-          </a:effectRef>
-          <a:fontRef idx="minor">
-            <a:schemeClr val="lt1"/>
-          </a:fontRef>
-        </p:style>
-      </p:sp>
-      <p:sp>
-        <p:nvSpPr>
-          <p:cNvPr id="11" name="Rectangle 10" title="Divider Bar"/>
-          <p:cNvSpPr/>
-          <p:nvPr/>
-        </p:nvSpPr>
-        <p:spPr>
-          <a:xfrm>
-            <a:off x="3977640" y="376"/>
-            <a:ext cx="171450" cy="6858000"/>
-          </a:xfrm>
-          <a:prstGeom prst="rect">
-            <a:avLst/>
-          </a:prstGeom>
-          <a:solidFill>
-            <a:schemeClr val="tx2"/>
-          </a:solidFill>
-          <a:ln>
-            <a:noFill/>
-          </a:ln>
-        </p:spPr>
-        <p:style>
-          <a:lnRef idx="2">
-            <a:schemeClr val="accent1">
-              <a:shade val="50000"/>
-            </a:schemeClr>
-          </a:lnRef>
-          <a:fillRef idx="1">
-            <a:schemeClr val="accent1"/>
-          </a:fillRef>
-          <a:effectRef idx="0">
-            <a:schemeClr val="accent1"/>
-          </a:effectRef>
-          <a:fontRef idx="minor">
-            <a:schemeClr val="lt1"/>
-          </a:fontRef>
-        </p:style>
-      </p:sp>
-    </p:spTree>
-    <p:extLst>
-      <p:ext uri="{BB962C8B-B14F-4D97-AF65-F5344CB8AC3E}">
-        <p14:creationId xmlns:p14="http://schemas.microsoft.com/office/powerpoint/2010/main" val="2155639816"/>
-      </p:ext>
-    </p:extLst>
-  </p:cSld>
-  <p:clrMapOvr>
-    <a:masterClrMapping/>
-  </p:clrMapOvr>
-</p:sldLayout>
-</file>
-
-<file path=ppt/slideMasters/slideMaster1.xml><?xml version="1.0" encoding="utf-8"?>
-<p:sldMaster xmlns:a="http://schemas.openxmlformats.org/drawingml/2006/main" xmlns:r="http://schemas.openxmlformats.org/officeDocument/2006/relationships" xmlns:p="http://schemas.openxmlformats.org/presentationml/2006/main">
-  <p:cSld>
-    <p:bg>
-      <p:bgPr>
-        <a:solidFill>
-          <a:schemeClr val="bg2"/>
-        </a:solidFill>
-        <a:effectLst/>
-      </p:bgPr>
-    </p:bg>
-    <p:spTree>
-      <p:nvGrpSpPr>
-        <p:cNvPr id="1" name=""/>
-        <p:cNvGrpSpPr/>
-        <p:nvPr/>
-      </p:nvGrpSpPr>
-      <p:grpSpPr>
-        <a:xfrm>
-          <a:off x="0" y="0"/>
-          <a:ext cx="0" cy="0"/>
-          <a:chOff x="0" y="0"/>
-          <a:chExt cx="0" cy="0"/>
-        </a:xfrm>
-      </p:grpSpPr>
-      <p:sp>
-        <p:nvSpPr>
-          <p:cNvPr id="2" name="Title Placeholder 1"/>
-          <p:cNvSpPr>
-            <a:spLocks noGrp="1"/>
-          </p:cNvSpPr>
-          <p:nvPr>
-            <p:ph type="title"/>
-          </p:nvPr>
-        </p:nvSpPr>
-        <p:spPr>
-          <a:xfrm>
-            <a:off x="1028700" y="685800"/>
-            <a:ext cx="7200900" cy="1485900"/>
-          </a:xfrm>
-          <a:prstGeom prst="rect">
-            <a:avLst/>
-          </a:prstGeom>
-        </p:spPr>
-        <p:txBody>
-          <a:bodyPr vert="horz" lIns="91440" tIns="45720" rIns="91440" bIns="45720" rtlCol="0" anchor="t">
-            <a:normAutofit/>
-          </a:bodyPr>
-          <a:lstStyle/>
-          <a:p>
-            <a:r>
-              <a:rPr lang="en-US"/>
-              <a:t>Click to edit Master title style</a:t>
-            </a:r>
-            <a:endParaRPr lang="en-US" dirty="0"/>
-          </a:p>
-        </p:txBody>
-      </p:sp>
-      <p:sp>
-        <p:nvSpPr>
-          <p:cNvPr id="3" name="Text Placeholder 2"/>
-          <p:cNvSpPr>
-            <a:spLocks noGrp="1"/>
-          </p:cNvSpPr>
-          <p:nvPr>
-            <p:ph type="body" idx="1"/>
-          </p:nvPr>
-        </p:nvSpPr>
-        <p:spPr>
-          <a:xfrm>
-            <a:off x="1028700" y="2286000"/>
-            <a:ext cx="7200900" cy="3581400"/>
-          </a:xfrm>
-          <a:prstGeom prst="rect">
-            <a:avLst/>
-          </a:prstGeom>
-        </p:spPr>
-        <p:txBody>
-          <a:bodyPr vert="horz" lIns="91440" tIns="45720" rIns="91440" bIns="45720" rtlCol="0">
-            <a:normAutofit/>
-          </a:bodyPr>
-          <a:lstStyle/>
-          <a:p>
-            <a:pPr lvl="0"/>
-            <a:r>
-              <a:rPr lang="en-US"/>
-              <a:t>Edit Master text styles</a:t>
-            </a:r>
-          </a:p>
-          <a:p>
-            <a:pPr lvl="1"/>
-            <a:r>
-              <a:rPr lang="en-US"/>
-              <a:t>Second level</a:t>
-            </a:r>
-          </a:p>
-          <a:p>
-            <a:pPr lvl="2"/>
-            <a:r>
-              <a:rPr lang="en-US"/>
-              <a:t>Third level</a:t>
-            </a:r>
-          </a:p>
-          <a:p>
-            <a:pPr lvl="3"/>
-            <a:r>
-              <a:rPr lang="en-US"/>
-              <a:t>Fourth level</a:t>
-            </a:r>
-          </a:p>
-          <a:p>
-            <a:pPr lvl="4"/>
-            <a:r>
-              <a:rPr lang="en-US"/>
-              <a:t>Fifth level</a:t>
-            </a:r>
-            <a:endParaRPr lang="en-US" dirty="0"/>
           </a:p>
         </p:txBody>
       </p:sp>
@@ -12862,8 +12347,8 @@
         </p:nvSpPr>
         <p:spPr>
           <a:xfrm>
-            <a:off x="1042987" y="6453386"/>
-            <a:ext cx="903429" cy="404614"/>
+            <a:off x="457200" y="18288"/>
+            <a:ext cx="2895600" cy="329184"/>
           </a:xfrm>
           <a:prstGeom prst="rect">
             <a:avLst/>
@@ -12873,9 +12358,9 @@
           <a:bodyPr vert="horz" lIns="91440" tIns="45720" rIns="91440" bIns="45720" rtlCol="0" anchor="ctr"/>
           <a:lstStyle>
             <a:lvl1pPr algn="l">
-              <a:defRPr sz="1000" baseline="0">
+              <a:defRPr sz="1200">
                 <a:solidFill>
-                  <a:schemeClr val="tx2"/>
+                  <a:srgbClr val="FFFFFF"/>
                 </a:solidFill>
               </a:defRPr>
             </a:lvl1pPr>
@@ -12901,8 +12386,8 @@
         </p:nvSpPr>
         <p:spPr>
           <a:xfrm>
-            <a:off x="2170173" y="6453386"/>
-            <a:ext cx="4710623" cy="404614"/>
+            <a:off x="3429000" y="18288"/>
+            <a:ext cx="4114800" cy="329184"/>
           </a:xfrm>
           <a:prstGeom prst="rect">
             <a:avLst/>
@@ -12911,10 +12396,10 @@
         <p:txBody>
           <a:bodyPr vert="horz" lIns="91440" tIns="45720" rIns="91440" bIns="45720" rtlCol="0" anchor="ctr"/>
           <a:lstStyle>
-            <a:lvl1pPr algn="l">
-              <a:defRPr sz="1000" baseline="0">
+            <a:lvl1pPr algn="ctr">
+              <a:defRPr sz="1200">
                 <a:solidFill>
-                  <a:schemeClr val="tx2"/>
+                  <a:srgbClr val="FFFFFF"/>
                 </a:solidFill>
               </a:defRPr>
             </a:lvl1pPr>
@@ -12936,8 +12421,8 @@
         </p:nvSpPr>
         <p:spPr>
           <a:xfrm>
-            <a:off x="7104552" y="6453386"/>
-            <a:ext cx="1197219" cy="404614"/>
+            <a:off x="7620000" y="18288"/>
+            <a:ext cx="1066800" cy="329184"/>
           </a:xfrm>
           <a:prstGeom prst="rect">
             <a:avLst/>
@@ -12946,10 +12431,10 @@
         <p:txBody>
           <a:bodyPr vert="horz" lIns="91440" tIns="45720" rIns="91440" bIns="45720" rtlCol="0" anchor="ctr"/>
           <a:lstStyle>
-            <a:lvl1pPr algn="r">
-              <a:defRPr sz="1000" baseline="0">
+            <a:lvl1pPr algn="l">
+              <a:defRPr sz="1400" b="1">
                 <a:solidFill>
-                  <a:schemeClr val="tx2"/>
+                  <a:srgbClr val="FFFFFF"/>
                 </a:solidFill>
               </a:defRPr>
             </a:lvl1pPr>
@@ -12957,120 +12442,36 @@
           <a:p>
             <a:fld id="{B5E014E3-A4EE-484A-A75D-BE16B10F8A2C}" type="slidenum">
               <a:rPr lang="en-US" smtClean="0"/>
-              <a:t>‹Nº›</a:t>
+              <a:t>‹#›</a:t>
             </a:fld>
             <a:endParaRPr lang="en-US"/>
           </a:p>
         </p:txBody>
       </p:sp>
-      <p:sp>
-        <p:nvSpPr>
-          <p:cNvPr id="9" name="Rectangle 8"/>
-          <p:cNvSpPr/>
-          <p:nvPr/>
-        </p:nvSpPr>
-        <p:spPr>
-          <a:xfrm>
-            <a:off x="358571" y="376"/>
-            <a:ext cx="171450" cy="6858000"/>
-          </a:xfrm>
-          <a:prstGeom prst="rect">
-            <a:avLst/>
-          </a:prstGeom>
-          <a:solidFill>
-            <a:schemeClr val="tx2"/>
-          </a:solidFill>
-          <a:ln>
-            <a:noFill/>
-          </a:ln>
-        </p:spPr>
-        <p:style>
-          <a:lnRef idx="2">
-            <a:schemeClr val="accent1">
-              <a:shade val="50000"/>
-            </a:schemeClr>
-          </a:lnRef>
-          <a:fillRef idx="1">
-            <a:schemeClr val="accent1"/>
-          </a:fillRef>
-          <a:effectRef idx="0">
-            <a:schemeClr val="accent1"/>
-          </a:effectRef>
-          <a:fontRef idx="minor">
-            <a:schemeClr val="lt1"/>
-          </a:fontRef>
-        </p:style>
-      </p:sp>
-      <p:sp>
-        <p:nvSpPr>
-          <p:cNvPr id="8" name="Rectangle 7" title="Side bar"/>
-          <p:cNvSpPr/>
-          <p:nvPr/>
-        </p:nvSpPr>
-        <p:spPr>
-          <a:xfrm>
-            <a:off x="358571" y="376"/>
-            <a:ext cx="171450" cy="6858000"/>
-          </a:xfrm>
-          <a:prstGeom prst="rect">
-            <a:avLst/>
-          </a:prstGeom>
-          <a:solidFill>
-            <a:schemeClr val="tx2"/>
-          </a:solidFill>
-          <a:ln>
-            <a:noFill/>
-          </a:ln>
-        </p:spPr>
-        <p:style>
-          <a:lnRef idx="2">
-            <a:schemeClr val="accent1">
-              <a:shade val="50000"/>
-            </a:schemeClr>
-          </a:lnRef>
-          <a:fillRef idx="1">
-            <a:schemeClr val="accent1"/>
-          </a:fillRef>
-          <a:effectRef idx="0">
-            <a:schemeClr val="accent1"/>
-          </a:effectRef>
-          <a:fontRef idx="minor">
-            <a:schemeClr val="lt1"/>
-          </a:fontRef>
-        </p:style>
-      </p:sp>
     </p:spTree>
-    <p:extLst>
-      <p:ext uri="{BB962C8B-B14F-4D97-AF65-F5344CB8AC3E}">
-        <p14:creationId xmlns:p14="http://schemas.microsoft.com/office/powerpoint/2010/main" val="3698817210"/>
-      </p:ext>
-    </p:extLst>
   </p:cSld>
   <p:clrMap bg1="lt1" tx1="dk1" bg2="lt2" tx2="dk2" accent1="accent1" accent2="accent2" accent3="accent3" accent4="accent4" accent5="accent5" accent6="accent6" hlink="hlink" folHlink="folHlink"/>
   <p:sldLayoutIdLst>
-    <p:sldLayoutId id="2147483661" r:id="rId1"/>
-    <p:sldLayoutId id="2147483662" r:id="rId2"/>
-    <p:sldLayoutId id="2147483663" r:id="rId3"/>
-    <p:sldLayoutId id="2147483664" r:id="rId4"/>
-    <p:sldLayoutId id="2147483665" r:id="rId5"/>
-    <p:sldLayoutId id="2147483666" r:id="rId6"/>
-    <p:sldLayoutId id="2147483667" r:id="rId7"/>
-    <p:sldLayoutId id="2147483668" r:id="rId8"/>
-    <p:sldLayoutId id="2147483669" r:id="rId9"/>
-    <p:sldLayoutId id="2147483670" r:id="rId10"/>
-    <p:sldLayoutId id="2147483671" r:id="rId11"/>
+    <p:sldLayoutId id="2147483697" r:id="rId1"/>
+    <p:sldLayoutId id="2147483698" r:id="rId2"/>
+    <p:sldLayoutId id="2147483699" r:id="rId3"/>
+    <p:sldLayoutId id="2147483700" r:id="rId4"/>
+    <p:sldLayoutId id="2147483701" r:id="rId5"/>
+    <p:sldLayoutId id="2147483702" r:id="rId6"/>
+    <p:sldLayoutId id="2147483703" r:id="rId7"/>
+    <p:sldLayoutId id="2147483704" r:id="rId8"/>
+    <p:sldLayoutId id="2147483705" r:id="rId9"/>
+    <p:sldLayoutId id="2147483706" r:id="rId10"/>
+    <p:sldLayoutId id="2147483707" r:id="rId11"/>
   </p:sldLayoutIdLst>
   <p:txStyles>
     <p:titleStyle>
-      <a:lvl1pPr algn="l" defTabSz="685800" rtl="0" eaLnBrk="1" latinLnBrk="0" hangingPunct="1">
-        <a:lnSpc>
-          <a:spcPct val="89000"/>
-        </a:lnSpc>
+      <a:lvl1pPr algn="l" defTabSz="914400" rtl="0" eaLnBrk="1" latinLnBrk="0" hangingPunct="1">
         <a:spcBef>
           <a:spcPct val="0"/>
         </a:spcBef>
         <a:buNone/>
-        <a:defRPr sz="4400" kern="1200" baseline="0">
+        <a:defRPr sz="4000" kern="1200" spc="-100" baseline="0">
           <a:solidFill>
             <a:schemeClr val="tx2"/>
           </a:solidFill>
@@ -13081,189 +12482,166 @@
       </a:lvl1pPr>
     </p:titleStyle>
     <p:bodyStyle>
-      <a:lvl1pPr marL="384048" indent="-384048" algn="l" defTabSz="685800" rtl="0" eaLnBrk="1" latinLnBrk="0" hangingPunct="1">
-        <a:lnSpc>
-          <a:spcPct val="94000"/>
-        </a:lnSpc>
+      <a:lvl1pPr marL="182880" indent="-182880" algn="l" defTabSz="914400" rtl="0" eaLnBrk="1" latinLnBrk="0" hangingPunct="1">
         <a:spcBef>
-          <a:spcPts val="1000"/>
+          <a:spcPct val="20000"/>
         </a:spcBef>
-        <a:spcAft>
-          <a:spcPts val="200"/>
-        </a:spcAft>
-        <a:buFont typeface="Franklin Gothic Book" panose="020B0503020102020204" pitchFamily="34" charset="0"/>
-        <a:buChar char="■"/>
-        <a:defRPr sz="2000" kern="1200" baseline="0">
+        <a:buClr>
+          <a:schemeClr val="accent1"/>
+        </a:buClr>
+        <a:buSzPct val="85000"/>
+        <a:buFont typeface="Arial" pitchFamily="34" charset="0"/>
+        <a:buChar char="•"/>
+        <a:defRPr sz="2400" kern="1200">
           <a:solidFill>
-            <a:schemeClr val="tx2"/>
+            <a:schemeClr val="tx1"/>
           </a:solidFill>
           <a:latin typeface="+mn-lt"/>
           <a:ea typeface="+mn-ea"/>
           <a:cs typeface="+mn-cs"/>
         </a:defRPr>
       </a:lvl1pPr>
-      <a:lvl2pPr marL="914400" indent="-384048" algn="l" defTabSz="685800" rtl="0" eaLnBrk="1" latinLnBrk="0" hangingPunct="1">
-        <a:lnSpc>
-          <a:spcPct val="94000"/>
-        </a:lnSpc>
+      <a:lvl2pPr marL="457200" indent="-182880" algn="l" defTabSz="914400" rtl="0" eaLnBrk="1" latinLnBrk="0" hangingPunct="1">
         <a:spcBef>
-          <a:spcPts val="500"/>
+          <a:spcPct val="20000"/>
         </a:spcBef>
-        <a:spcAft>
-          <a:spcPts val="200"/>
-        </a:spcAft>
-        <a:buFont typeface="Franklin Gothic Book" panose="020B0503020102020204" pitchFamily="34" charset="0"/>
-        <a:buChar char="–"/>
-        <a:defRPr sz="2000" i="1" kern="1200" baseline="0">
+        <a:buClr>
+          <a:schemeClr val="accent1"/>
+        </a:buClr>
+        <a:buSzPct val="85000"/>
+        <a:buFont typeface="Arial" pitchFamily="34" charset="0"/>
+        <a:buChar char="•"/>
+        <a:defRPr sz="2000" kern="1200">
           <a:solidFill>
-            <a:schemeClr val="tx2"/>
+            <a:schemeClr val="tx1"/>
           </a:solidFill>
           <a:latin typeface="+mn-lt"/>
           <a:ea typeface="+mn-ea"/>
           <a:cs typeface="+mn-cs"/>
         </a:defRPr>
       </a:lvl2pPr>
-      <a:lvl3pPr marL="1371600" indent="-384048" algn="l" defTabSz="685800" rtl="0" eaLnBrk="1" latinLnBrk="0" hangingPunct="1">
-        <a:lnSpc>
-          <a:spcPct val="94000"/>
-        </a:lnSpc>
+      <a:lvl3pPr marL="731520" indent="-182880" algn="l" defTabSz="914400" rtl="0" eaLnBrk="1" latinLnBrk="0" hangingPunct="1">
         <a:spcBef>
-          <a:spcPts val="500"/>
+          <a:spcPct val="20000"/>
         </a:spcBef>
-        <a:spcAft>
-          <a:spcPts val="200"/>
-        </a:spcAft>
-        <a:buFont typeface="Franklin Gothic Book" panose="020B0503020102020204" pitchFamily="34" charset="0"/>
-        <a:buChar char="■"/>
-        <a:defRPr sz="1800" kern="1200" baseline="0">
+        <a:buClr>
+          <a:schemeClr val="accent1"/>
+        </a:buClr>
+        <a:buSzPct val="90000"/>
+        <a:buFont typeface="Arial" pitchFamily="34" charset="0"/>
+        <a:buChar char="•"/>
+        <a:defRPr sz="1800" kern="1200">
           <a:solidFill>
-            <a:schemeClr val="tx2"/>
+            <a:schemeClr val="tx1"/>
           </a:solidFill>
           <a:latin typeface="+mn-lt"/>
           <a:ea typeface="+mn-ea"/>
           <a:cs typeface="+mn-cs"/>
         </a:defRPr>
       </a:lvl3pPr>
-      <a:lvl4pPr marL="1828800" indent="-384048" algn="l" defTabSz="685800" rtl="0" eaLnBrk="1" latinLnBrk="0" hangingPunct="1">
-        <a:lnSpc>
-          <a:spcPct val="94000"/>
-        </a:lnSpc>
+      <a:lvl4pPr marL="1005840" indent="-182880" algn="l" defTabSz="914400" rtl="0" eaLnBrk="1" latinLnBrk="0" hangingPunct="1">
         <a:spcBef>
-          <a:spcPts val="500"/>
+          <a:spcPct val="20000"/>
         </a:spcBef>
-        <a:spcAft>
-          <a:spcPts val="200"/>
-        </a:spcAft>
-        <a:buFont typeface="Franklin Gothic Book" panose="020B0503020102020204" pitchFamily="34" charset="0"/>
-        <a:buChar char="–"/>
-        <a:defRPr sz="1800" i="1" kern="1200" baseline="0">
+        <a:buClr>
+          <a:schemeClr val="accent1"/>
+        </a:buClr>
+        <a:buFont typeface="Arial" pitchFamily="34" charset="0"/>
+        <a:buChar char="•"/>
+        <a:defRPr sz="1600" kern="1200">
           <a:solidFill>
-            <a:schemeClr val="tx2"/>
+            <a:schemeClr val="tx1"/>
           </a:solidFill>
           <a:latin typeface="+mn-lt"/>
           <a:ea typeface="+mn-ea"/>
           <a:cs typeface="+mn-cs"/>
         </a:defRPr>
       </a:lvl4pPr>
-      <a:lvl5pPr marL="2286000" indent="-384048" algn="l" defTabSz="685800" rtl="0" eaLnBrk="1" latinLnBrk="0" hangingPunct="1">
-        <a:lnSpc>
-          <a:spcPct val="94000"/>
-        </a:lnSpc>
+      <a:lvl5pPr marL="1188720" indent="-137160" algn="l" defTabSz="914400" rtl="0" eaLnBrk="1" latinLnBrk="0" hangingPunct="1">
         <a:spcBef>
-          <a:spcPts val="500"/>
+          <a:spcPct val="20000"/>
         </a:spcBef>
-        <a:spcAft>
-          <a:spcPts val="200"/>
-        </a:spcAft>
-        <a:buFont typeface="Franklin Gothic Book" panose="020B0503020102020204" pitchFamily="34" charset="0"/>
-        <a:buChar char="■"/>
-        <a:defRPr sz="1600" kern="1200" baseline="0">
+        <a:buClr>
+          <a:schemeClr val="accent1"/>
+        </a:buClr>
+        <a:buSzPct val="100000"/>
+        <a:buFont typeface="Arial" pitchFamily="34" charset="0"/>
+        <a:buChar char="•"/>
+        <a:defRPr sz="1400" kern="1200" baseline="0">
           <a:solidFill>
-            <a:schemeClr val="tx2"/>
+            <a:schemeClr val="tx1"/>
           </a:solidFill>
           <a:latin typeface="+mn-lt"/>
           <a:ea typeface="+mn-ea"/>
           <a:cs typeface="+mn-cs"/>
         </a:defRPr>
       </a:lvl5pPr>
-      <a:lvl6pPr marL="2743200" indent="-384048" algn="l" defTabSz="685800" rtl="0" eaLnBrk="1" latinLnBrk="0" hangingPunct="1">
-        <a:lnSpc>
-          <a:spcPct val="94000"/>
-        </a:lnSpc>
+      <a:lvl6pPr marL="1371600" indent="-182880" algn="l" defTabSz="914400" rtl="0" eaLnBrk="1" latinLnBrk="0" hangingPunct="1">
         <a:spcBef>
-          <a:spcPts val="500"/>
+          <a:spcPct val="20000"/>
         </a:spcBef>
-        <a:spcAft>
-          <a:spcPts val="200"/>
-        </a:spcAft>
-        <a:buFont typeface="Franklin Gothic Book" panose="020B0503020102020204" pitchFamily="34" charset="0"/>
-        <a:buChar char="–"/>
-        <a:defRPr sz="1600" i="1" kern="1200" baseline="0">
+        <a:buClr>
+          <a:schemeClr val="accent1"/>
+        </a:buClr>
+        <a:buFont typeface="Arial" pitchFamily="34" charset="0"/>
+        <a:buChar char="•"/>
+        <a:defRPr sz="1300" kern="1200">
           <a:solidFill>
-            <a:schemeClr val="tx2"/>
+            <a:schemeClr val="tx1"/>
           </a:solidFill>
           <a:latin typeface="+mn-lt"/>
           <a:ea typeface="+mn-ea"/>
           <a:cs typeface="+mn-cs"/>
         </a:defRPr>
       </a:lvl6pPr>
-      <a:lvl7pPr marL="3200400" indent="-384048" algn="l" defTabSz="685800" rtl="0" eaLnBrk="1" latinLnBrk="0" hangingPunct="1">
-        <a:lnSpc>
-          <a:spcPct val="94000"/>
-        </a:lnSpc>
+      <a:lvl7pPr marL="1554480" indent="-182880" algn="l" defTabSz="914400" rtl="0" eaLnBrk="1" latinLnBrk="0" hangingPunct="1">
         <a:spcBef>
-          <a:spcPts val="500"/>
+          <a:spcPct val="20000"/>
         </a:spcBef>
-        <a:spcAft>
-          <a:spcPts val="200"/>
-        </a:spcAft>
-        <a:buFont typeface="Franklin Gothic Book" panose="020B0503020102020204" pitchFamily="34" charset="0"/>
-        <a:buChar char="■"/>
-        <a:defRPr sz="1400" kern="1200" baseline="0">
+        <a:buClr>
+          <a:schemeClr val="accent1"/>
+        </a:buClr>
+        <a:buFont typeface="Arial" pitchFamily="34" charset="0"/>
+        <a:buChar char="•"/>
+        <a:defRPr sz="1300" kern="1200">
           <a:solidFill>
-            <a:schemeClr val="tx2"/>
+            <a:schemeClr val="tx1"/>
           </a:solidFill>
           <a:latin typeface="+mn-lt"/>
           <a:ea typeface="+mn-ea"/>
           <a:cs typeface="+mn-cs"/>
         </a:defRPr>
       </a:lvl7pPr>
-      <a:lvl8pPr marL="3657600" indent="-384048" algn="l" defTabSz="685800" rtl="0" eaLnBrk="1" latinLnBrk="0" hangingPunct="1">
-        <a:lnSpc>
-          <a:spcPct val="94000"/>
-        </a:lnSpc>
+      <a:lvl8pPr marL="1737360" indent="-182880" algn="l" defTabSz="914400" rtl="0" eaLnBrk="1" latinLnBrk="0" hangingPunct="1">
         <a:spcBef>
-          <a:spcPts val="500"/>
+          <a:spcPct val="20000"/>
         </a:spcBef>
-        <a:spcAft>
-          <a:spcPts val="200"/>
-        </a:spcAft>
-        <a:buFont typeface="Franklin Gothic Book" panose="020B0503020102020204" pitchFamily="34" charset="0"/>
-        <a:buChar char="–"/>
-        <a:defRPr sz="1400" i="1" kern="1200" baseline="0">
+        <a:buClr>
+          <a:schemeClr val="accent1"/>
+        </a:buClr>
+        <a:buFont typeface="Arial" pitchFamily="34" charset="0"/>
+        <a:buChar char="•"/>
+        <a:defRPr sz="1300" kern="1200">
           <a:solidFill>
-            <a:schemeClr val="tx2"/>
+            <a:schemeClr val="tx1"/>
           </a:solidFill>
           <a:latin typeface="+mn-lt"/>
           <a:ea typeface="+mn-ea"/>
           <a:cs typeface="+mn-cs"/>
         </a:defRPr>
       </a:lvl8pPr>
-      <a:lvl9pPr marL="4114800" indent="-384048" algn="l" defTabSz="685800" rtl="0" eaLnBrk="1" latinLnBrk="0" hangingPunct="1">
-        <a:lnSpc>
-          <a:spcPct val="94000"/>
-        </a:lnSpc>
+      <a:lvl9pPr marL="1920240" indent="-182880" algn="l" defTabSz="914400" rtl="0" eaLnBrk="1" latinLnBrk="0" hangingPunct="1">
         <a:spcBef>
-          <a:spcPts val="500"/>
+          <a:spcPct val="20000"/>
         </a:spcBef>
-        <a:spcAft>
-          <a:spcPts val="200"/>
-        </a:spcAft>
-        <a:buFont typeface="Franklin Gothic Book" panose="020B0503020102020204" pitchFamily="34" charset="0"/>
-        <a:buChar char="■"/>
-        <a:defRPr sz="1400" kern="1200" baseline="0">
+        <a:buClr>
+          <a:schemeClr val="accent1"/>
+        </a:buClr>
+        <a:buFont typeface="Arial" pitchFamily="34" charset="0"/>
+        <a:buChar char="•"/>
+        <a:defRPr sz="1300" kern="1200">
           <a:solidFill>
-            <a:schemeClr val="tx2"/>
+            <a:schemeClr val="tx1"/>
           </a:solidFill>
           <a:latin typeface="+mn-lt"/>
           <a:ea typeface="+mn-ea"/>
@@ -13275,8 +12653,8 @@
       <a:defPPr>
         <a:defRPr lang="en-US"/>
       </a:defPPr>
-      <a:lvl1pPr marL="0" algn="l" defTabSz="685800" rtl="0" eaLnBrk="1" latinLnBrk="0" hangingPunct="1">
-        <a:defRPr sz="1350" kern="1200">
+      <a:lvl1pPr marL="0" algn="l" defTabSz="914400" rtl="0" eaLnBrk="1" latinLnBrk="0" hangingPunct="1">
+        <a:defRPr sz="1800" kern="1200">
           <a:solidFill>
             <a:schemeClr val="tx1"/>
           </a:solidFill>
@@ -13285,8 +12663,8 @@
           <a:cs typeface="+mn-cs"/>
         </a:defRPr>
       </a:lvl1pPr>
-      <a:lvl2pPr marL="342900" algn="l" defTabSz="685800" rtl="0" eaLnBrk="1" latinLnBrk="0" hangingPunct="1">
-        <a:defRPr sz="1350" kern="1200">
+      <a:lvl2pPr marL="457200" algn="l" defTabSz="914400" rtl="0" eaLnBrk="1" latinLnBrk="0" hangingPunct="1">
+        <a:defRPr sz="1800" kern="1200">
           <a:solidFill>
             <a:schemeClr val="tx1"/>
           </a:solidFill>
@@ -13295,8 +12673,8 @@
           <a:cs typeface="+mn-cs"/>
         </a:defRPr>
       </a:lvl2pPr>
-      <a:lvl3pPr marL="685800" algn="l" defTabSz="685800" rtl="0" eaLnBrk="1" latinLnBrk="0" hangingPunct="1">
-        <a:defRPr sz="1350" kern="1200">
+      <a:lvl3pPr marL="914400" algn="l" defTabSz="914400" rtl="0" eaLnBrk="1" latinLnBrk="0" hangingPunct="1">
+        <a:defRPr sz="1800" kern="1200">
           <a:solidFill>
             <a:schemeClr val="tx1"/>
           </a:solidFill>
@@ -13305,8 +12683,8 @@
           <a:cs typeface="+mn-cs"/>
         </a:defRPr>
       </a:lvl3pPr>
-      <a:lvl4pPr marL="1028700" algn="l" defTabSz="685800" rtl="0" eaLnBrk="1" latinLnBrk="0" hangingPunct="1">
-        <a:defRPr sz="1350" kern="1200">
+      <a:lvl4pPr marL="1371600" algn="l" defTabSz="914400" rtl="0" eaLnBrk="1" latinLnBrk="0" hangingPunct="1">
+        <a:defRPr sz="1800" kern="1200">
           <a:solidFill>
             <a:schemeClr val="tx1"/>
           </a:solidFill>
@@ -13315,8 +12693,8 @@
           <a:cs typeface="+mn-cs"/>
         </a:defRPr>
       </a:lvl4pPr>
-      <a:lvl5pPr marL="1371600" algn="l" defTabSz="685800" rtl="0" eaLnBrk="1" latinLnBrk="0" hangingPunct="1">
-        <a:defRPr sz="1350" kern="1200">
+      <a:lvl5pPr marL="1828800" algn="l" defTabSz="914400" rtl="0" eaLnBrk="1" latinLnBrk="0" hangingPunct="1">
+        <a:defRPr sz="1800" kern="1200">
           <a:solidFill>
             <a:schemeClr val="tx1"/>
           </a:solidFill>
@@ -13325,8 +12703,8 @@
           <a:cs typeface="+mn-cs"/>
         </a:defRPr>
       </a:lvl5pPr>
-      <a:lvl6pPr marL="1714500" algn="l" defTabSz="685800" rtl="0" eaLnBrk="1" latinLnBrk="0" hangingPunct="1">
-        <a:defRPr sz="1350" kern="1200">
+      <a:lvl6pPr marL="2286000" algn="l" defTabSz="914400" rtl="0" eaLnBrk="1" latinLnBrk="0" hangingPunct="1">
+        <a:defRPr sz="1800" kern="1200">
           <a:solidFill>
             <a:schemeClr val="tx1"/>
           </a:solidFill>
@@ -13335,8 +12713,8 @@
           <a:cs typeface="+mn-cs"/>
         </a:defRPr>
       </a:lvl6pPr>
-      <a:lvl7pPr marL="2057400" algn="l" defTabSz="685800" rtl="0" eaLnBrk="1" latinLnBrk="0" hangingPunct="1">
-        <a:defRPr sz="1350" kern="1200">
+      <a:lvl7pPr marL="2743200" algn="l" defTabSz="914400" rtl="0" eaLnBrk="1" latinLnBrk="0" hangingPunct="1">
+        <a:defRPr sz="1800" kern="1200">
           <a:solidFill>
             <a:schemeClr val="tx1"/>
           </a:solidFill>
@@ -13345,8 +12723,8 @@
           <a:cs typeface="+mn-cs"/>
         </a:defRPr>
       </a:lvl7pPr>
-      <a:lvl8pPr marL="2400300" algn="l" defTabSz="685800" rtl="0" eaLnBrk="1" latinLnBrk="0" hangingPunct="1">
-        <a:defRPr sz="1350" kern="1200">
+      <a:lvl8pPr marL="3200400" algn="l" defTabSz="914400" rtl="0" eaLnBrk="1" latinLnBrk="0" hangingPunct="1">
+        <a:defRPr sz="1800" kern="1200">
           <a:solidFill>
             <a:schemeClr val="tx1"/>
           </a:solidFill>
@@ -13355,8 +12733,8 @@
           <a:cs typeface="+mn-cs"/>
         </a:defRPr>
       </a:lvl8pPr>
-      <a:lvl9pPr marL="2743200" algn="l" defTabSz="685800" rtl="0" eaLnBrk="1" latinLnBrk="0" hangingPunct="1">
-        <a:defRPr sz="1350" kern="1200">
+      <a:lvl9pPr marL="3657600" algn="l" defTabSz="914400" rtl="0" eaLnBrk="1" latinLnBrk="0" hangingPunct="1">
+        <a:defRPr sz="1800" kern="1200">
           <a:solidFill>
             <a:schemeClr val="tx1"/>
           </a:solidFill>
@@ -13367,67 +12745,6 @@
       </a:lvl9pPr>
     </p:otherStyle>
   </p:txStyles>
-  <p:extLst mod="1">
-    <p:ext uri="{27BBF7A9-308A-43DC-89C8-2F10F3537804}">
-      <p15:sldGuideLst xmlns:p15="http://schemas.microsoft.com/office/powerpoint/2012/main">
-        <p15:guide id="1" pos="6912">
-          <p15:clr>
-            <a:srgbClr val="F26B43"/>
-          </p15:clr>
-        </p15:guide>
-        <p15:guide id="2" pos="936">
-          <p15:clr>
-            <a:srgbClr val="F26B43"/>
-          </p15:clr>
-        </p15:guide>
-        <p15:guide id="3" pos="864">
-          <p15:clr>
-            <a:srgbClr val="F26B43"/>
-          </p15:clr>
-        </p15:guide>
-        <p15:guide id="0" orient="horz" pos="1368">
-          <p15:clr>
-            <a:srgbClr val="F26B43"/>
-          </p15:clr>
-        </p15:guide>
-        <p15:guide id="4" orient="horz" pos="1440">
-          <p15:clr>
-            <a:srgbClr val="F26B43"/>
-          </p15:clr>
-        </p15:guide>
-        <p15:guide id="5" orient="horz" pos="3696">
-          <p15:clr>
-            <a:srgbClr val="F26B43"/>
-          </p15:clr>
-        </p15:guide>
-        <p15:guide id="6" orient="horz" pos="432">
-          <p15:clr>
-            <a:srgbClr val="F26B43"/>
-          </p15:clr>
-        </p15:guide>
-        <p15:guide id="7" orient="horz" pos="1512">
-          <p15:clr>
-            <a:srgbClr val="F26B43"/>
-          </p15:clr>
-        </p15:guide>
-        <p15:guide id="8" pos="5184">
-          <p15:clr>
-            <a:srgbClr val="F26B43"/>
-          </p15:clr>
-        </p15:guide>
-        <p15:guide id="9" pos="702">
-          <p15:clr>
-            <a:srgbClr val="F26B43"/>
-          </p15:clr>
-        </p15:guide>
-        <p15:guide id="10" pos="648">
-          <p15:clr>
-            <a:srgbClr val="F26B43"/>
-          </p15:clr>
-        </p15:guide>
-      </p15:sldGuideLst>
-    </p:ext>
-  </p:extLst>
 </p:sldMaster>
 </file>
 
@@ -13460,24 +12777,76 @@
         </p:nvSpPr>
         <p:spPr>
           <a:xfrm>
-            <a:off x="2009928" y="4419600"/>
-            <a:ext cx="5123755" cy="1086237"/>
+            <a:off x="2010122" y="3886200"/>
+            <a:ext cx="5123755" cy="2362200"/>
           </a:xfrm>
         </p:spPr>
         <p:txBody>
-          <a:bodyPr/>
+          <a:bodyPr>
+            <a:normAutofit/>
+          </a:bodyPr>
           <a:lstStyle/>
           <a:p>
+            <a:pPr algn="ctr"/>
+            <a:r>
+              <a:rPr lang="en-US" sz="3200" b="1" u="sng" dirty="0" smtClean="0"/>
+              <a:t>Team </a:t>
+            </a:r>
+            <a:r>
+              <a:rPr lang="en-US" sz="3200" b="1" u="sng" dirty="0" err="1" smtClean="0"/>
+              <a:t>Valerin</a:t>
+            </a:r>
+            <a:endParaRPr lang="en-US" sz="3200" b="1" u="sng" dirty="0" smtClean="0"/>
+          </a:p>
+          <a:p>
+            <a:pPr algn="ctr"/>
+            <a:endParaRPr lang="en-US" sz="1050" b="1" u="sng" dirty="0" smtClean="0"/>
+          </a:p>
+          <a:p>
+            <a:pPr algn="ctr"/>
+            <a:r>
+              <a:rPr lang="en-US" sz="2800" b="1" u="sng" dirty="0" smtClean="0"/>
+              <a:t>Val</a:t>
+            </a:r>
+            <a:r>
+              <a:rPr lang="en-US" sz="2800" dirty="0" smtClean="0"/>
+              <a:t>eria</a:t>
+            </a:r>
+            <a:r>
+              <a:rPr lang="en-US" sz="2800" dirty="0"/>
+              <a:t>, Kat</a:t>
+            </a:r>
+            <a:r>
+              <a:rPr lang="en-US" sz="2800" b="1" u="sng" dirty="0"/>
+              <a:t>er</a:t>
+            </a:r>
+            <a:r>
+              <a:rPr lang="en-US" sz="2800" dirty="0"/>
+              <a:t>ina, and Dev</a:t>
+            </a:r>
+            <a:r>
+              <a:rPr lang="en-US" sz="2800" b="1" u="sng" dirty="0"/>
+              <a:t>in</a:t>
+            </a:r>
+          </a:p>
+          <a:p>
+            <a:pPr algn="ctr"/>
             <a:r>
               <a:rPr lang="en-US" dirty="0"/>
-              <a:t>Valeria, Katerina, and Devin</a:t>
-            </a:r>
-          </a:p>
-          <a:p>
-            <a:r>
-              <a:rPr lang="en-US" dirty="0"/>
-              <a:t>BCB 546X Group Project</a:t>
-            </a:r>
+              <a:t>BCB 546X Group </a:t>
+            </a:r>
+            <a:r>
+              <a:rPr lang="en-US" dirty="0" smtClean="0"/>
+              <a:t>Project</a:t>
+            </a:r>
+          </a:p>
+          <a:p>
+            <a:pPr algn="ctr"/>
+            <a:r>
+              <a:rPr lang="en-US" dirty="0" smtClean="0"/>
+              <a:t>April 27, 2017</a:t>
+            </a:r>
+            <a:endParaRPr lang="en-US" dirty="0"/>
           </a:p>
         </p:txBody>
       </p:sp>
@@ -13607,7 +12976,7 @@
         </p:blipFill>
         <p:spPr>
           <a:xfrm>
-            <a:off x="922783" y="1179191"/>
+            <a:off x="922783" y="381000"/>
             <a:ext cx="7306817" cy="2935609"/>
           </a:xfrm>
           <a:prstGeom prst="rect">
@@ -13949,12 +13318,8 @@
           </a:p>
           <a:p>
             <a:r>
-              <a:rPr lang="es-ES" sz="1400" dirty="0" err="1"/>
-              <a:t>Source</a:t>
-            </a:r>
-            <a:r>
               <a:rPr lang="es-ES" sz="1400" dirty="0"/>
-              <a:t>: </a:t>
+              <a:t>Source: </a:t>
             </a:r>
             <a:r>
               <a:rPr lang="es-ES" sz="1400" dirty="0" err="1"/>
@@ -14973,6 +14338,50 @@
           </a:p>
         </p:txBody>
       </p:sp>
+      <p:sp>
+        <p:nvSpPr>
+          <p:cNvPr id="13" name="Content Placeholder 2"/>
+          <p:cNvSpPr>
+            <a:spLocks noGrp="1"/>
+          </p:cNvSpPr>
+          <p:nvPr>
+            <p:ph idx="1"/>
+          </p:nvPr>
+        </p:nvSpPr>
+        <p:spPr>
+          <a:xfrm>
+            <a:off x="533400" y="1590724"/>
+            <a:ext cx="7200900" cy="533400"/>
+          </a:xfrm>
+        </p:spPr>
+        <p:txBody>
+          <a:bodyPr/>
+          <a:lstStyle/>
+          <a:p>
+            <a:r>
+              <a:rPr lang="es-ES" dirty="0" err="1"/>
+              <a:t>Transcriptome</a:t>
+            </a:r>
+            <a:r>
+              <a:rPr lang="es-ES" dirty="0"/>
+              <a:t> </a:t>
+            </a:r>
+            <a:r>
+              <a:rPr lang="es-ES" dirty="0" err="1"/>
+              <a:t>profiling</a:t>
+            </a:r>
+            <a:r>
+              <a:rPr lang="es-ES" dirty="0"/>
+              <a:t>: </a:t>
+            </a:r>
+            <a:r>
+              <a:rPr lang="es-ES" dirty="0" err="1"/>
+              <a:t>Trimming</a:t>
+            </a:r>
+            <a:endParaRPr lang="en-US" dirty="0"/>
+          </a:p>
+        </p:txBody>
+      </p:sp>
       <p:grpSp>
         <p:nvGrpSpPr>
           <p:cNvPr id="12" name="Grupo 11"/>
@@ -15057,50 +14466,6 @@
           </p:txBody>
         </p:sp>
       </p:grpSp>
-      <p:sp>
-        <p:nvSpPr>
-          <p:cNvPr id="13" name="Content Placeholder 2"/>
-          <p:cNvSpPr>
-            <a:spLocks noGrp="1"/>
-          </p:cNvSpPr>
-          <p:nvPr>
-            <p:ph idx="1"/>
-          </p:nvPr>
-        </p:nvSpPr>
-        <p:spPr>
-          <a:xfrm>
-            <a:off x="533400" y="1590724"/>
-            <a:ext cx="7200900" cy="533400"/>
-          </a:xfrm>
-        </p:spPr>
-        <p:txBody>
-          <a:bodyPr/>
-          <a:lstStyle/>
-          <a:p>
-            <a:r>
-              <a:rPr lang="es-ES" dirty="0" err="1"/>
-              <a:t>Transcriptome</a:t>
-            </a:r>
-            <a:r>
-              <a:rPr lang="es-ES" dirty="0"/>
-              <a:t> </a:t>
-            </a:r>
-            <a:r>
-              <a:rPr lang="es-ES" dirty="0" err="1"/>
-              <a:t>profiling</a:t>
-            </a:r>
-            <a:r>
-              <a:rPr lang="es-ES" dirty="0"/>
-              <a:t>: </a:t>
-            </a:r>
-            <a:r>
-              <a:rPr lang="es-ES" dirty="0" err="1"/>
-              <a:t>Trimming</a:t>
-            </a:r>
-            <a:endParaRPr lang="en-US" dirty="0"/>
-          </a:p>
-        </p:txBody>
-      </p:sp>
       <p:grpSp>
         <p:nvGrpSpPr>
           <p:cNvPr id="4" name="Grupo 3"/>
@@ -15373,6 +14738,54 @@
           </a:p>
         </p:txBody>
       </p:sp>
+      <p:sp>
+        <p:nvSpPr>
+          <p:cNvPr id="6" name="Content Placeholder 2"/>
+          <p:cNvSpPr>
+            <a:spLocks noGrp="1"/>
+          </p:cNvSpPr>
+          <p:nvPr>
+            <p:ph idx="1"/>
+          </p:nvPr>
+        </p:nvSpPr>
+        <p:spPr>
+          <a:xfrm>
+            <a:off x="457200" y="1446462"/>
+            <a:ext cx="7200900" cy="533400"/>
+          </a:xfrm>
+        </p:spPr>
+        <p:txBody>
+          <a:bodyPr/>
+          <a:lstStyle/>
+          <a:p>
+            <a:r>
+              <a:rPr lang="es-ES" dirty="0" err="1"/>
+              <a:t>Transcriptome</a:t>
+            </a:r>
+            <a:r>
+              <a:rPr lang="es-ES" dirty="0"/>
+              <a:t> </a:t>
+            </a:r>
+            <a:r>
+              <a:rPr lang="es-ES" dirty="0" err="1"/>
+              <a:t>profiling</a:t>
+            </a:r>
+            <a:r>
+              <a:rPr lang="es-ES" dirty="0"/>
+              <a:t>: </a:t>
+            </a:r>
+            <a:r>
+              <a:rPr lang="es-ES" dirty="0" err="1"/>
+              <a:t>counting</a:t>
+            </a:r>
+            <a:r>
+              <a:rPr lang="es-ES" dirty="0"/>
+              <a:t> data</a:t>
+            </a:r>
+            <a:endParaRPr lang="en-US" dirty="0"/>
+          </a:p>
+        </p:txBody>
+      </p:sp>
       <p:pic>
         <p:nvPicPr>
           <p:cNvPr id="4" name="Imagen 3"/>
@@ -15420,54 +14833,6 @@
             <a:r>
               <a:rPr lang="en-US" i="1" dirty="0" smtClean="0"/>
               <a:t>RSEM model</a:t>
-            </a:r>
-            <a:endParaRPr lang="en-US" dirty="0"/>
-          </a:p>
-        </p:txBody>
-      </p:sp>
-      <p:sp>
-        <p:nvSpPr>
-          <p:cNvPr id="6" name="Content Placeholder 2"/>
-          <p:cNvSpPr>
-            <a:spLocks noGrp="1"/>
-          </p:cNvSpPr>
-          <p:nvPr>
-            <p:ph idx="1"/>
-          </p:nvPr>
-        </p:nvSpPr>
-        <p:spPr>
-          <a:xfrm>
-            <a:off x="457200" y="1446462"/>
-            <a:ext cx="7200900" cy="533400"/>
-          </a:xfrm>
-        </p:spPr>
-        <p:txBody>
-          <a:bodyPr/>
-          <a:lstStyle/>
-          <a:p>
-            <a:r>
-              <a:rPr lang="es-ES" dirty="0" err="1"/>
-              <a:t>Transcriptome</a:t>
-            </a:r>
-            <a:r>
-              <a:rPr lang="es-ES" dirty="0"/>
-              <a:t> </a:t>
-            </a:r>
-            <a:r>
-              <a:rPr lang="es-ES" dirty="0" err="1"/>
-              <a:t>profiling</a:t>
-            </a:r>
-            <a:r>
-              <a:rPr lang="es-ES" dirty="0"/>
-              <a:t>: </a:t>
-            </a:r>
-            <a:r>
-              <a:rPr lang="es-ES" dirty="0" err="1"/>
-              <a:t>counting</a:t>
-            </a:r>
-            <a:r>
-              <a:rPr lang="es-ES" dirty="0"/>
-              <a:t> data</a:t>
             </a:r>
             <a:endParaRPr lang="en-US" dirty="0"/>
           </a:p>
@@ -15740,15 +15105,7 @@
           <a:p>
             <a:r>
               <a:rPr lang="en-US" dirty="0"/>
-              <a:t>Figure 2: Pairwise comparisons of gene expression among female, male and </a:t>
-            </a:r>
-            <a:r>
-              <a:rPr lang="en-US" dirty="0" err="1"/>
-              <a:t>supermale</a:t>
-            </a:r>
-            <a:r>
-              <a:rPr lang="en-US" dirty="0"/>
-              <a:t> garden asparagus (</a:t>
+              <a:t>Figure 2: Pairwise comparisons of gene expression among female, male and supermale garden asparagus (</a:t>
             </a:r>
             <a:r>
               <a:rPr lang="en-US" i="1" dirty="0"/>
@@ -15969,14 +15326,12 @@
         </p:nvSpPr>
         <p:spPr/>
         <p:txBody>
-          <a:bodyPr>
-            <a:normAutofit/>
-          </a:bodyPr>
+          <a:bodyPr/>
           <a:lstStyle/>
           <a:p>
             <a:r>
               <a:rPr lang="en-US" dirty="0"/>
-              <a:t>Why studying sex determination important?</a:t>
+              <a:t>Background</a:t>
             </a:r>
           </a:p>
         </p:txBody>
@@ -15988,247 +15343,278 @@
             <a:spLocks noGrp="1"/>
           </p:cNvSpPr>
           <p:nvPr>
-            <p:ph idx="1"/>
+            <p:ph sz="half" idx="1"/>
           </p:nvPr>
         </p:nvSpPr>
         <p:spPr/>
         <p:txBody>
-          <a:bodyPr/>
+          <a:bodyPr>
+            <a:normAutofit fontScale="85000" lnSpcReduction="10000"/>
+          </a:bodyPr>
           <a:lstStyle/>
           <a:p>
-            <a:endParaRPr lang="es-ES" dirty="0"/>
-          </a:p>
-          <a:p>
-            <a:r>
-              <a:rPr lang="es-ES" dirty="0" err="1"/>
-              <a:t>Understand</a:t>
-            </a:r>
-            <a:r>
-              <a:rPr lang="es-ES" dirty="0"/>
-              <a:t> </a:t>
-            </a:r>
-            <a:r>
-              <a:rPr lang="es-ES" dirty="0" err="1"/>
-              <a:t>the</a:t>
-            </a:r>
-            <a:r>
-              <a:rPr lang="es-ES" dirty="0"/>
-              <a:t> </a:t>
-            </a:r>
-            <a:r>
-              <a:rPr lang="es-ES" dirty="0" err="1"/>
-              <a:t>evolutionary</a:t>
-            </a:r>
-            <a:r>
-              <a:rPr lang="es-ES" dirty="0"/>
-              <a:t> </a:t>
-            </a:r>
-            <a:r>
-              <a:rPr lang="es-ES" dirty="0" err="1"/>
-              <a:t>mechanisms</a:t>
-            </a:r>
-            <a:r>
-              <a:rPr lang="es-ES" dirty="0"/>
-              <a:t> </a:t>
-            </a:r>
-            <a:r>
-              <a:rPr lang="es-ES" dirty="0" err="1"/>
-              <a:t>that</a:t>
-            </a:r>
-            <a:r>
-              <a:rPr lang="es-ES" dirty="0"/>
-              <a:t> </a:t>
-            </a:r>
-            <a:r>
-              <a:rPr lang="es-ES" dirty="0" err="1"/>
-              <a:t>undelie</a:t>
-            </a:r>
-            <a:r>
-              <a:rPr lang="es-ES" dirty="0"/>
-              <a:t> sexual </a:t>
-            </a:r>
-            <a:r>
-              <a:rPr lang="es-ES" dirty="0" err="1"/>
-              <a:t>reproduction</a:t>
-            </a:r>
-            <a:r>
-              <a:rPr lang="es-ES" dirty="0"/>
-              <a:t> as </a:t>
-            </a:r>
-            <a:r>
-              <a:rPr lang="es-ES" dirty="0" err="1"/>
-              <a:t>source</a:t>
-            </a:r>
-            <a:r>
-              <a:rPr lang="es-ES" dirty="0"/>
-              <a:t> of </a:t>
-            </a:r>
-            <a:r>
-              <a:rPr lang="es-ES" dirty="0" err="1"/>
-              <a:t>genetic</a:t>
-            </a:r>
-            <a:r>
-              <a:rPr lang="es-ES" dirty="0"/>
-              <a:t> </a:t>
-            </a:r>
-            <a:r>
-              <a:rPr lang="es-ES" dirty="0" err="1"/>
-              <a:t>diversity</a:t>
-            </a:r>
-            <a:endParaRPr lang="es-ES" dirty="0"/>
-          </a:p>
-          <a:p>
-            <a:r>
-              <a:rPr lang="es-ES" dirty="0" err="1"/>
-              <a:t>Contrary</a:t>
-            </a:r>
-            <a:r>
-              <a:rPr lang="es-ES" dirty="0"/>
-              <a:t> </a:t>
-            </a:r>
-            <a:r>
-              <a:rPr lang="es-ES" dirty="0" err="1"/>
-              <a:t>to</a:t>
-            </a:r>
-            <a:r>
-              <a:rPr lang="es-ES" dirty="0"/>
-              <a:t> </a:t>
-            </a:r>
-            <a:r>
-              <a:rPr lang="es-ES" dirty="0" err="1"/>
-              <a:t>most</a:t>
-            </a:r>
-            <a:r>
-              <a:rPr lang="es-ES" dirty="0"/>
-              <a:t> of </a:t>
-            </a:r>
-            <a:r>
-              <a:rPr lang="es-ES" dirty="0" err="1"/>
-              <a:t>animals</a:t>
-            </a:r>
-            <a:r>
-              <a:rPr lang="es-ES" dirty="0"/>
-              <a:t>, </a:t>
-            </a:r>
-            <a:r>
-              <a:rPr lang="es-ES" dirty="0" err="1"/>
-              <a:t>dioecious</a:t>
-            </a:r>
-            <a:r>
-              <a:rPr lang="es-ES" dirty="0"/>
-              <a:t> </a:t>
-            </a:r>
-            <a:r>
-              <a:rPr lang="es-ES" dirty="0" err="1"/>
-              <a:t>plants</a:t>
-            </a:r>
-            <a:r>
-              <a:rPr lang="es-ES" dirty="0"/>
-              <a:t> are quite </a:t>
-            </a:r>
-            <a:r>
-              <a:rPr lang="es-ES" dirty="0" err="1"/>
-              <a:t>rare</a:t>
-            </a:r>
-            <a:endParaRPr lang="es-ES" dirty="0"/>
-          </a:p>
-          <a:p>
-            <a:r>
-              <a:rPr lang="es-ES" dirty="0" err="1"/>
-              <a:t>Improve</a:t>
-            </a:r>
-            <a:r>
-              <a:rPr lang="es-ES" dirty="0"/>
-              <a:t> </a:t>
-            </a:r>
-            <a:r>
-              <a:rPr lang="es-ES" dirty="0" err="1"/>
-              <a:t>our</a:t>
-            </a:r>
-            <a:r>
-              <a:rPr lang="es-ES" dirty="0"/>
-              <a:t> </a:t>
-            </a:r>
-            <a:r>
-              <a:rPr lang="es-ES" dirty="0" err="1"/>
-              <a:t>understanding</a:t>
-            </a:r>
-            <a:r>
-              <a:rPr lang="es-ES" dirty="0"/>
-              <a:t> of </a:t>
-            </a:r>
-            <a:r>
-              <a:rPr lang="es-ES" dirty="0" err="1"/>
-              <a:t>the</a:t>
-            </a:r>
-            <a:r>
-              <a:rPr lang="es-ES" dirty="0"/>
-              <a:t> molecular </a:t>
-            </a:r>
-            <a:r>
-              <a:rPr lang="es-ES" dirty="0" err="1"/>
-              <a:t>events</a:t>
-            </a:r>
-            <a:r>
-              <a:rPr lang="es-ES" dirty="0"/>
-              <a:t> </a:t>
-            </a:r>
-            <a:r>
-              <a:rPr lang="es-ES" dirty="0" err="1"/>
-              <a:t>that</a:t>
-            </a:r>
-            <a:r>
-              <a:rPr lang="es-ES" dirty="0"/>
-              <a:t> </a:t>
-            </a:r>
-            <a:r>
-              <a:rPr lang="es-ES" dirty="0" err="1"/>
-              <a:t>give</a:t>
-            </a:r>
-            <a:r>
-              <a:rPr lang="es-ES" dirty="0"/>
-              <a:t> </a:t>
-            </a:r>
-            <a:r>
-              <a:rPr lang="es-ES" dirty="0" err="1"/>
-              <a:t>rise</a:t>
-            </a:r>
-            <a:r>
-              <a:rPr lang="es-ES" dirty="0"/>
-              <a:t> </a:t>
-            </a:r>
-            <a:r>
-              <a:rPr lang="es-ES" dirty="0" err="1"/>
-              <a:t>to</a:t>
-            </a:r>
-            <a:r>
-              <a:rPr lang="es-ES" dirty="0"/>
-              <a:t> </a:t>
-            </a:r>
-            <a:r>
-              <a:rPr lang="es-ES" dirty="0" err="1"/>
-              <a:t>the</a:t>
-            </a:r>
-            <a:r>
-              <a:rPr lang="es-ES" dirty="0"/>
-              <a:t> sexual </a:t>
-            </a:r>
-            <a:r>
-              <a:rPr lang="es-ES" dirty="0" err="1"/>
-              <a:t>differentiation</a:t>
-            </a:r>
-            <a:r>
-              <a:rPr lang="es-ES" dirty="0"/>
-              <a:t> </a:t>
+            <a:r>
+              <a:rPr lang="en-US" dirty="0"/>
+              <a:t>90% of </a:t>
+            </a:r>
+            <a:r>
+              <a:rPr lang="en-US" dirty="0" smtClean="0"/>
+              <a:t>flowering plants </a:t>
+            </a:r>
+            <a:r>
+              <a:rPr lang="en-US" dirty="0"/>
+              <a:t>are </a:t>
+            </a:r>
+            <a:r>
+              <a:rPr lang="en-US" dirty="0" smtClean="0"/>
+              <a:t>hermaphroditic</a:t>
+            </a:r>
+          </a:p>
+          <a:p>
+            <a:pPr lvl="1"/>
+            <a:r>
+              <a:rPr lang="en-US" dirty="0" err="1" smtClean="0"/>
+              <a:t>Dichogamy</a:t>
+            </a:r>
+            <a:r>
+              <a:rPr lang="en-US" dirty="0" smtClean="0"/>
+              <a:t>: male and female organs develop at different times</a:t>
+            </a:r>
+            <a:endParaRPr lang="en-US" dirty="0"/>
+          </a:p>
+          <a:p>
+            <a:pPr lvl="1"/>
+            <a:r>
+              <a:rPr lang="en-US" dirty="0" err="1" smtClean="0"/>
+              <a:t>Monoecy</a:t>
+            </a:r>
+            <a:r>
+              <a:rPr lang="en-US" dirty="0" smtClean="0"/>
+              <a:t>:  male and female organs are separate flowers</a:t>
+            </a:r>
+          </a:p>
+          <a:p>
+            <a:pPr lvl="1"/>
+            <a:r>
+              <a:rPr lang="en-US" dirty="0" err="1" smtClean="0"/>
+              <a:t>Andromonoecy</a:t>
+            </a:r>
+            <a:r>
+              <a:rPr lang="en-US" dirty="0" smtClean="0"/>
+              <a:t>:  hermaphroditic flowers and male flowers</a:t>
+            </a:r>
+          </a:p>
+          <a:p>
+            <a:pPr lvl="1"/>
+            <a:r>
+              <a:rPr lang="en-US" dirty="0" smtClean="0"/>
+              <a:t>Gynomonoecy:  hermaphroditic flowers and female flowers</a:t>
+            </a:r>
+          </a:p>
+          <a:p>
+            <a:pPr lvl="1"/>
+            <a:r>
+              <a:rPr lang="en-US" dirty="0" err="1" smtClean="0"/>
+              <a:t>Trimonoecy</a:t>
+            </a:r>
+            <a:r>
+              <a:rPr lang="en-US" dirty="0" smtClean="0"/>
+              <a:t>:  hermaphroditic, male, and female flowers</a:t>
             </a:r>
             <a:endParaRPr lang="en-US" dirty="0"/>
           </a:p>
         </p:txBody>
       </p:sp>
+      <p:sp>
+        <p:nvSpPr>
+          <p:cNvPr id="12" name="Content Placeholder 11"/>
+          <p:cNvSpPr>
+            <a:spLocks noGrp="1"/>
+          </p:cNvSpPr>
+          <p:nvPr>
+            <p:ph sz="half" idx="2"/>
+          </p:nvPr>
+        </p:nvSpPr>
+        <p:spPr/>
+        <p:txBody>
+          <a:bodyPr>
+            <a:normAutofit fontScale="85000" lnSpcReduction="10000"/>
+          </a:bodyPr>
+          <a:lstStyle/>
+          <a:p>
+            <a:r>
+              <a:rPr lang="en-US" dirty="0" smtClean="0"/>
+              <a:t>10</a:t>
+            </a:r>
+            <a:r>
+              <a:rPr lang="en-US" dirty="0"/>
+              <a:t>% are dioecious</a:t>
+            </a:r>
+          </a:p>
+          <a:p>
+            <a:pPr lvl="1"/>
+            <a:r>
+              <a:rPr lang="en-US" dirty="0" smtClean="0"/>
+              <a:t>Separate male </a:t>
+            </a:r>
+            <a:r>
+              <a:rPr lang="en-US" dirty="0"/>
+              <a:t>and female plants </a:t>
+            </a:r>
+          </a:p>
+          <a:p>
+            <a:endParaRPr lang="en-US" dirty="0"/>
+          </a:p>
+        </p:txBody>
+      </p:sp>
+      <p:pic>
+        <p:nvPicPr>
+          <p:cNvPr id="4" name="Picture 3"/>
+          <p:cNvPicPr>
+            <a:picLocks noChangeAspect="1"/>
+          </p:cNvPicPr>
+          <p:nvPr/>
+        </p:nvPicPr>
+        <p:blipFill>
+          <a:blip r:embed="rId3"/>
+          <a:stretch>
+            <a:fillRect/>
+          </a:stretch>
+        </p:blipFill>
+        <p:spPr>
+          <a:xfrm>
+            <a:off x="9160099" y="4724400"/>
+            <a:ext cx="1424940" cy="1943100"/>
+          </a:xfrm>
+          <a:prstGeom prst="rect">
+            <a:avLst/>
+          </a:prstGeom>
+        </p:spPr>
+      </p:pic>
+      <p:pic>
+        <p:nvPicPr>
+          <p:cNvPr id="5" name="Picture 4"/>
+          <p:cNvPicPr>
+            <a:picLocks noChangeAspect="1"/>
+          </p:cNvPicPr>
+          <p:nvPr/>
+        </p:nvPicPr>
+        <p:blipFill>
+          <a:blip r:embed="rId4"/>
+          <a:stretch>
+            <a:fillRect/>
+          </a:stretch>
+        </p:blipFill>
+        <p:spPr>
+          <a:xfrm>
+            <a:off x="8686800" y="378854"/>
+            <a:ext cx="2703340" cy="1890713"/>
+          </a:xfrm>
+          <a:prstGeom prst="rect">
+            <a:avLst/>
+          </a:prstGeom>
+        </p:spPr>
+      </p:pic>
+      <p:pic>
+        <p:nvPicPr>
+          <p:cNvPr id="6" name="Picture 5"/>
+          <p:cNvPicPr>
+            <a:picLocks noChangeAspect="1"/>
+          </p:cNvPicPr>
+          <p:nvPr/>
+        </p:nvPicPr>
+        <p:blipFill>
+          <a:blip r:embed="rId5"/>
+          <a:stretch>
+            <a:fillRect/>
+          </a:stretch>
+        </p:blipFill>
+        <p:spPr>
+          <a:xfrm>
+            <a:off x="8686800" y="2133600"/>
+            <a:ext cx="2628139" cy="2008109"/>
+          </a:xfrm>
+          <a:prstGeom prst="rect">
+            <a:avLst/>
+          </a:prstGeom>
+        </p:spPr>
+      </p:pic>
+      <p:pic>
+        <p:nvPicPr>
+          <p:cNvPr id="7" name="Picture 6"/>
+          <p:cNvPicPr>
+            <a:picLocks noChangeAspect="1"/>
+          </p:cNvPicPr>
+          <p:nvPr/>
+        </p:nvPicPr>
+        <p:blipFill>
+          <a:blip r:embed="rId6"/>
+          <a:stretch>
+            <a:fillRect/>
+          </a:stretch>
+        </p:blipFill>
+        <p:spPr>
+          <a:xfrm>
+            <a:off x="5791200" y="3001108"/>
+            <a:ext cx="1828800" cy="2637692"/>
+          </a:xfrm>
+          <a:prstGeom prst="rect">
+            <a:avLst/>
+          </a:prstGeom>
+        </p:spPr>
+      </p:pic>
+      <p:pic>
+        <p:nvPicPr>
+          <p:cNvPr id="13" name="Picture 12"/>
+          <p:cNvPicPr>
+            <a:picLocks noChangeAspect="1"/>
+          </p:cNvPicPr>
+          <p:nvPr/>
+        </p:nvPicPr>
+        <p:blipFill>
+          <a:blip r:embed="rId5"/>
+          <a:stretch>
+            <a:fillRect/>
+          </a:stretch>
+        </p:blipFill>
+        <p:spPr>
+          <a:xfrm>
+            <a:off x="4981922" y="762000"/>
+            <a:ext cx="2628139" cy="2008109"/>
+          </a:xfrm>
+          <a:prstGeom prst="rect">
+            <a:avLst/>
+          </a:prstGeom>
+        </p:spPr>
+      </p:pic>
+      <p:pic>
+        <p:nvPicPr>
+          <p:cNvPr id="14" name="Picture 13"/>
+          <p:cNvPicPr>
+            <a:picLocks noChangeAspect="1"/>
+          </p:cNvPicPr>
+          <p:nvPr/>
+        </p:nvPicPr>
+        <p:blipFill>
+          <a:blip r:embed="rId5"/>
+          <a:stretch>
+            <a:fillRect/>
+          </a:stretch>
+        </p:blipFill>
+        <p:spPr>
+          <a:xfrm>
+            <a:off x="5638800" y="3315899"/>
+            <a:ext cx="2628139" cy="2008109"/>
+          </a:xfrm>
+          <a:prstGeom prst="rect">
+            <a:avLst/>
+          </a:prstGeom>
+        </p:spPr>
+      </p:pic>
     </p:spTree>
     <p:extLst>
       <p:ext uri="{BB962C8B-B14F-4D97-AF65-F5344CB8AC3E}">
-        <p14:creationId xmlns:p14="http://schemas.microsoft.com/office/powerpoint/2010/main" val="1501002260"/>
+        <p14:creationId xmlns:p14="http://schemas.microsoft.com/office/powerpoint/2010/main" val="3008695028"/>
       </p:ext>
     </p:extLst>
   </p:cSld>
@@ -16623,13 +16009,20 @@
         </p:nvSpPr>
         <p:spPr/>
         <p:txBody>
-          <a:bodyPr/>
+          <a:bodyPr>
+            <a:normAutofit fontScale="90000"/>
+          </a:bodyPr>
           <a:lstStyle/>
           <a:p>
             <a:r>
               <a:rPr lang="en-US" dirty="0"/>
-              <a:t>Background</a:t>
-            </a:r>
+              <a:t>Why </a:t>
+            </a:r>
+            <a:r>
+              <a:rPr lang="en-US" dirty="0" smtClean="0"/>
+              <a:t>study sex determination in plants?</a:t>
+            </a:r>
+            <a:endParaRPr lang="en-US" dirty="0"/>
           </a:p>
         </p:txBody>
       </p:sp>
@@ -16643,167 +16036,52 @@
             <p:ph idx="1"/>
           </p:nvPr>
         </p:nvSpPr>
-        <p:spPr>
-          <a:xfrm>
-            <a:off x="521773" y="1905000"/>
-            <a:ext cx="7239000" cy="2438400"/>
-          </a:xfrm>
-        </p:spPr>
+        <p:spPr/>
         <p:txBody>
           <a:bodyPr>
             <a:normAutofit/>
           </a:bodyPr>
           <a:lstStyle/>
           <a:p>
-            <a:r>
-              <a:rPr lang="en-US" dirty="0"/>
-              <a:t>90% of angiosperms are bisexual</a:t>
-            </a:r>
-          </a:p>
-          <a:p>
-            <a:r>
-              <a:rPr lang="en-US" dirty="0"/>
-              <a:t>Of the other 10%</a:t>
-            </a:r>
-          </a:p>
-          <a:p>
-            <a:pPr lvl="1"/>
-            <a:r>
-              <a:rPr lang="en-US" dirty="0"/>
-              <a:t>Dichogamy (temporally separated bisexual)</a:t>
-            </a:r>
-          </a:p>
-          <a:p>
-            <a:pPr lvl="1"/>
-            <a:r>
-              <a:rPr lang="en-US" dirty="0"/>
-              <a:t>Monoecy (spatially separated unisexual)</a:t>
-            </a:r>
-          </a:p>
-          <a:p>
-            <a:pPr lvl="1"/>
-            <a:r>
-              <a:rPr lang="en-US" dirty="0"/>
-              <a:t>Andromonoecy/</a:t>
-            </a:r>
-            <a:r>
-              <a:rPr lang="en-US" dirty="0" err="1"/>
-              <a:t>Gynomonoecy</a:t>
-            </a:r>
-            <a:r>
-              <a:rPr lang="en-US" dirty="0"/>
-              <a:t> (bisexual + unisexual)</a:t>
-            </a:r>
-          </a:p>
-          <a:p>
-            <a:pPr lvl="1"/>
-            <a:r>
-              <a:rPr lang="en-US" dirty="0"/>
-              <a:t>Dioecy (unisexual plant) </a:t>
-            </a:r>
+            <a:endParaRPr lang="es-ES" dirty="0" smtClean="0"/>
+          </a:p>
+          <a:p>
+            <a:r>
+              <a:rPr lang="es-ES" dirty="0" smtClean="0"/>
+              <a:t>Understand </a:t>
+            </a:r>
+            <a:r>
+              <a:rPr lang="es-ES" dirty="0"/>
+              <a:t>the evolutionary mechanisms that </a:t>
+            </a:r>
+            <a:r>
+              <a:rPr lang="es-ES" dirty="0" smtClean="0"/>
+              <a:t>underlie </a:t>
+            </a:r>
+            <a:r>
+              <a:rPr lang="es-ES" dirty="0"/>
+              <a:t>sexual reproduction as source of genetic diversity</a:t>
+            </a:r>
+          </a:p>
+          <a:p>
+            <a:r>
+              <a:rPr lang="es-ES" dirty="0"/>
+              <a:t>Contrary to most of animals, dioecious plants are quite rare</a:t>
+            </a:r>
+          </a:p>
+          <a:p>
+            <a:r>
+              <a:rPr lang="es-ES" dirty="0"/>
+              <a:t>Improve our understanding of the molecular events that give rise to the sexual differentiation </a:t>
+            </a:r>
+            <a:endParaRPr lang="en-US" dirty="0"/>
           </a:p>
         </p:txBody>
       </p:sp>
-      <p:pic>
-        <p:nvPicPr>
-          <p:cNvPr id="4" name="Picture 3"/>
-          <p:cNvPicPr>
-            <a:picLocks noChangeAspect="1"/>
-          </p:cNvPicPr>
-          <p:nvPr/>
-        </p:nvPicPr>
-        <p:blipFill>
-          <a:blip r:embed="rId3"/>
-          <a:stretch>
-            <a:fillRect/>
-          </a:stretch>
-        </p:blipFill>
-        <p:spPr>
-          <a:xfrm>
-            <a:off x="3279788" y="4706143"/>
-            <a:ext cx="1424940" cy="1943100"/>
-          </a:xfrm>
-          <a:prstGeom prst="rect">
-            <a:avLst/>
-          </a:prstGeom>
-        </p:spPr>
-      </p:pic>
-      <p:pic>
-        <p:nvPicPr>
-          <p:cNvPr id="5" name="Picture 4"/>
-          <p:cNvPicPr>
-            <a:picLocks noChangeAspect="1"/>
-          </p:cNvPicPr>
-          <p:nvPr/>
-        </p:nvPicPr>
-        <p:blipFill>
-          <a:blip r:embed="rId4"/>
-          <a:stretch>
-            <a:fillRect/>
-          </a:stretch>
-        </p:blipFill>
-        <p:spPr>
-          <a:xfrm>
-            <a:off x="521773" y="4731058"/>
-            <a:ext cx="2703340" cy="1890713"/>
-          </a:xfrm>
-          <a:prstGeom prst="rect">
-            <a:avLst/>
-          </a:prstGeom>
-        </p:spPr>
-      </p:pic>
-      <p:pic>
-        <p:nvPicPr>
-          <p:cNvPr id="6" name="Picture 5"/>
-          <p:cNvPicPr>
-            <a:picLocks noChangeAspect="1"/>
-          </p:cNvPicPr>
-          <p:nvPr/>
-        </p:nvPicPr>
-        <p:blipFill>
-          <a:blip r:embed="rId5"/>
-          <a:stretch>
-            <a:fillRect/>
-          </a:stretch>
-        </p:blipFill>
-        <p:spPr>
-          <a:xfrm>
-            <a:off x="4814079" y="4732336"/>
-            <a:ext cx="2628139" cy="2008109"/>
-          </a:xfrm>
-          <a:prstGeom prst="rect">
-            <a:avLst/>
-          </a:prstGeom>
-        </p:spPr>
-      </p:pic>
-      <p:pic>
-        <p:nvPicPr>
-          <p:cNvPr id="7" name="Picture 6"/>
-          <p:cNvPicPr>
-            <a:picLocks noChangeAspect="1"/>
-          </p:cNvPicPr>
-          <p:nvPr/>
-        </p:nvPicPr>
-        <p:blipFill>
-          <a:blip r:embed="rId6"/>
-          <a:stretch>
-            <a:fillRect/>
-          </a:stretch>
-        </p:blipFill>
-        <p:spPr>
-          <a:xfrm>
-            <a:off x="7551569" y="4732337"/>
-            <a:ext cx="1392289" cy="2008109"/>
-          </a:xfrm>
-          <a:prstGeom prst="rect">
-            <a:avLst/>
-          </a:prstGeom>
-        </p:spPr>
-      </p:pic>
     </p:spTree>
     <p:extLst>
       <p:ext uri="{BB962C8B-B14F-4D97-AF65-F5344CB8AC3E}">
-        <p14:creationId xmlns:p14="http://schemas.microsoft.com/office/powerpoint/2010/main" val="3008695028"/>
+        <p14:creationId xmlns:p14="http://schemas.microsoft.com/office/powerpoint/2010/main" val="1501002260"/>
       </p:ext>
     </p:extLst>
   </p:cSld>
@@ -16869,7 +16147,9 @@
           </a:xfrm>
         </p:spPr>
         <p:txBody>
-          <a:bodyPr/>
+          <a:bodyPr>
+            <a:normAutofit/>
+          </a:bodyPr>
           <a:lstStyle/>
           <a:p>
             <a:r>
@@ -16914,15 +16194,7 @@
             <a:pPr lvl="1"/>
             <a:r>
               <a:rPr lang="en-US" dirty="0"/>
-              <a:t>YY </a:t>
-            </a:r>
-            <a:r>
-              <a:rPr lang="en-US" dirty="0" err="1"/>
-              <a:t>supermale</a:t>
-            </a:r>
-            <a:r>
-              <a:rPr lang="en-US" dirty="0"/>
-              <a:t> is viable</a:t>
+              <a:t>YY supermale is viable</a:t>
             </a:r>
           </a:p>
         </p:txBody>
@@ -17017,7 +16289,9 @@
         </p:nvSpPr>
         <p:spPr/>
         <p:txBody>
-          <a:bodyPr/>
+          <a:bodyPr>
+            <a:normAutofit/>
+          </a:bodyPr>
           <a:lstStyle/>
           <a:p>
             <a:r>
@@ -17153,7 +16427,7 @@
           <a:lstStyle/>
           <a:p>
             <a:r>
-              <a:rPr lang="es-ES" dirty="0" err="1" smtClean="0"/>
+              <a:rPr lang="es-ES" dirty="0" smtClean="0"/>
               <a:t>Methods</a:t>
             </a:r>
             <a:endParaRPr lang="en-US" dirty="0"/>
@@ -17252,15 +16526,7 @@
           <a:p>
             <a:r>
               <a:rPr lang="en-US" dirty="0" smtClean="0"/>
-              <a:t>4</a:t>
-            </a:r>
-            <a:r>
-              <a:rPr lang="en-US" dirty="0" smtClean="0"/>
-              <a:t> </a:t>
-            </a:r>
-            <a:r>
-              <a:rPr lang="en-US" dirty="0" smtClean="0"/>
-              <a:t>lines, 3 sexes</a:t>
+              <a:t>4 lines, 3 sexes</a:t>
             </a:r>
             <a:endParaRPr lang="en-US" dirty="0"/>
           </a:p>
@@ -17370,8 +16636,8 @@
           </p:nvPr>
         </p:nvGraphicFramePr>
         <p:xfrm>
-          <a:off x="1028700" y="2286000"/>
-          <a:ext cx="7200900" cy="3581400"/>
+          <a:off x="457200" y="1600200"/>
+          <a:ext cx="8229600" cy="4876800"/>
         </p:xfrm>
         <a:graphic>
           <a:graphicData uri="http://schemas.openxmlformats.org/drawingml/2006/diagram">
@@ -17449,7 +16715,7 @@
         </p:spPr>
         <p:txBody>
           <a:bodyPr>
-            <a:normAutofit/>
+            <a:normAutofit fontScale="92500" lnSpcReduction="10000"/>
           </a:bodyPr>
           <a:lstStyle/>
           <a:p>
@@ -17532,23 +16798,7 @@
             </a:r>
             <a:r>
               <a:rPr lang="es-ES" dirty="0" smtClean="0"/>
-              <a:t> </a:t>
-            </a:r>
-            <a:r>
-              <a:rPr lang="es-ES" dirty="0" err="1" smtClean="0"/>
-              <a:t>the</a:t>
-            </a:r>
-            <a:r>
-              <a:rPr lang="es-ES" dirty="0" smtClean="0"/>
-              <a:t> script and </a:t>
-            </a:r>
-            <a:r>
-              <a:rPr lang="es-ES" dirty="0" err="1" smtClean="0"/>
-              <a:t>the</a:t>
-            </a:r>
-            <a:r>
-              <a:rPr lang="es-ES" dirty="0" smtClean="0"/>
-              <a:t> output files</a:t>
+              <a:t> the script and the output files</a:t>
             </a:r>
             <a:endParaRPr lang="en-US" dirty="0"/>
           </a:p>
@@ -17561,7 +16811,6 @@
               <a:rPr lang="en-US" dirty="0" smtClean="0"/>
               <a:t>: One README.md file with the script and the output counting files, summaries of the RSEM statistical models  </a:t>
             </a:r>
-            <a:endParaRPr lang="en-US" dirty="0" smtClean="0"/>
           </a:p>
           <a:p>
             <a:r>
@@ -17646,15 +16895,14 @@
               </a:ext>
             </a:extLst>
           </a:blip>
-          <a:srcRect/>
           <a:stretch>
             <a:fillRect/>
           </a:stretch>
         </p:blipFill>
         <p:spPr bwMode="auto">
           <a:xfrm>
-            <a:off x="1752600" y="1752600"/>
-            <a:ext cx="6190141" cy="4724400"/>
+            <a:off x="1377088" y="1600200"/>
+            <a:ext cx="6389823" cy="4876800"/>
           </a:xfrm>
           <a:prstGeom prst="rect">
             <a:avLst/>
@@ -17709,58 +16957,58 @@
 </file>
 
 <file path=ppt/theme/theme1.xml><?xml version="1.0" encoding="utf-8"?>
-<a:theme xmlns:a="http://schemas.openxmlformats.org/drawingml/2006/main" name="Crop">
+<a:theme xmlns:a="http://schemas.openxmlformats.org/drawingml/2006/main" name="Clarity">
   <a:themeElements>
-    <a:clrScheme name="Median">
+    <a:clrScheme name="Clarity">
       <a:dk1>
-        <a:sysClr val="windowText" lastClr="000000"/>
+        <a:srgbClr val="292934"/>
       </a:dk1>
       <a:lt1>
-        <a:sysClr val="window" lastClr="FFFFFF"/>
+        <a:srgbClr val="FFFFFF"/>
       </a:lt1>
       <a:dk2>
-        <a:srgbClr val="775F55"/>
+        <a:srgbClr val="D2533C"/>
       </a:dk2>
       <a:lt2>
-        <a:srgbClr val="EBDDC3"/>
+        <a:srgbClr val="F3F2DC"/>
       </a:lt2>
       <a:accent1>
-        <a:srgbClr val="94B6D2"/>
+        <a:srgbClr val="93A299"/>
       </a:accent1>
       <a:accent2>
-        <a:srgbClr val="DD8047"/>
+        <a:srgbClr val="AD8F67"/>
       </a:accent2>
       <a:accent3>
-        <a:srgbClr val="A5AB81"/>
+        <a:srgbClr val="726056"/>
       </a:accent3>
       <a:accent4>
-        <a:srgbClr val="D8B25C"/>
+        <a:srgbClr val="4C5A6A"/>
       </a:accent4>
       <a:accent5>
-        <a:srgbClr val="7BA79D"/>
+        <a:srgbClr val="808DA0"/>
       </a:accent5>
       <a:accent6>
-        <a:srgbClr val="968C8C"/>
+        <a:srgbClr val="79463D"/>
       </a:accent6>
       <a:hlink>
-        <a:srgbClr val="F7B615"/>
+        <a:srgbClr val="0000FF"/>
       </a:hlink>
       <a:folHlink>
-        <a:srgbClr val="704404"/>
+        <a:srgbClr val="800080"/>
       </a:folHlink>
     </a:clrScheme>
-    <a:fontScheme name="Crop">
+    <a:fontScheme name="Office Classic 2">
       <a:majorFont>
-        <a:latin typeface="Franklin Gothic Book" panose="020B0503020102020204"/>
+        <a:latin typeface="Arial"/>
         <a:ea typeface=""/>
         <a:cs typeface=""/>
-        <a:font script="Jpan" typeface="メイリオ"/>
+        <a:font script="Jpan" typeface="ＭＳ Ｐゴシック"/>
         <a:font script="Hang" typeface="돋움"/>
-        <a:font script="Hans" typeface="华文楷体"/>
+        <a:font script="Hans" typeface="方正舒体"/>
         <a:font script="Hant" typeface="微軟正黑體"/>
-        <a:font script="Arab" typeface="Tahoma"/>
-        <a:font script="Hebr" typeface="Aharoni"/>
-        <a:font script="Thai" typeface="LilyUPC"/>
+        <a:font script="Arab" typeface="Arial"/>
+        <a:font script="Hebr" typeface="Arial"/>
+        <a:font script="Thai" typeface="Cordia New"/>
         <a:font script="Ethi" typeface="Nyala"/>
         <a:font script="Beng" typeface="Vrinda"/>
         <a:font script="Gujr" typeface="Shruti"/>
@@ -17781,21 +17029,21 @@
         <a:font script="Laoo" typeface="DokChampa"/>
         <a:font script="Sinh" typeface="Iskoola Pota"/>
         <a:font script="Mong" typeface="Mongolian Baiti"/>
-        <a:font script="Viet" typeface="Tahoma"/>
+        <a:font script="Viet" typeface="Arial"/>
         <a:font script="Uigh" typeface="Microsoft Uighur"/>
         <a:font script="Geor" typeface="Sylfaen"/>
       </a:majorFont>
       <a:minorFont>
-        <a:latin typeface="Franklin Gothic Book" panose="020B0503020102020204"/>
+        <a:latin typeface="Arial"/>
         <a:ea typeface=""/>
         <a:cs typeface=""/>
-        <a:font script="Jpan" typeface="メイリオ"/>
+        <a:font script="Jpan" typeface="ＭＳ Ｐゴシック"/>
         <a:font script="Hang" typeface="돋움"/>
-        <a:font script="Hans" typeface="华文楷体"/>
+        <a:font script="Hans" typeface="方正舒体"/>
         <a:font script="Hant" typeface="微軟正黑體"/>
-        <a:font script="Arab" typeface="Tahoma"/>
-        <a:font script="Hebr" typeface="Aharoni"/>
-        <a:font script="Thai" typeface="LilyUPC"/>
+        <a:font script="Arab" typeface="Arial"/>
+        <a:font script="Hebr" typeface="Arial"/>
+        <a:font script="Thai" typeface="Cordia New"/>
         <a:font script="Ethi" typeface="Nyala"/>
         <a:font script="Beng" typeface="Vrinda"/>
         <a:font script="Gujr" typeface="Shruti"/>
@@ -17816,12 +17064,12 @@
         <a:font script="Laoo" typeface="DokChampa"/>
         <a:font script="Sinh" typeface="Iskoola Pota"/>
         <a:font script="Mong" typeface="Mongolian Baiti"/>
-        <a:font script="Viet" typeface="Tahoma"/>
+        <a:font script="Viet" typeface="Arial"/>
         <a:font script="Uigh" typeface="Microsoft Uighur"/>
         <a:font script="Geor" typeface="Sylfaen"/>
       </a:minorFont>
     </a:fontScheme>
-    <a:fmtScheme name="Crop">
+    <a:fmtScheme name="Clarity">
       <a:fillStyleLst>
         <a:solidFill>
           <a:schemeClr val="phClr"/>
@@ -17830,69 +17078,76 @@
           <a:gsLst>
             <a:gs pos="0">
               <a:schemeClr val="phClr">
-                <a:tint val="67000"/>
-                <a:satMod val="105000"/>
-                <a:lumMod val="110000"/>
+                <a:tint val="50000"/>
+                <a:shade val="86000"/>
+                <a:satMod val="140000"/>
               </a:schemeClr>
             </a:gs>
-            <a:gs pos="50000">
+            <a:gs pos="45000">
               <a:schemeClr val="phClr">
-                <a:tint val="73000"/>
-                <a:satMod val="103000"/>
-                <a:lumMod val="105000"/>
+                <a:tint val="48000"/>
+                <a:satMod val="150000"/>
               </a:schemeClr>
             </a:gs>
             <a:gs pos="100000">
               <a:schemeClr val="phClr">
-                <a:tint val="81000"/>
-                <a:satMod val="109000"/>
-                <a:lumMod val="105000"/>
+                <a:tint val="28000"/>
+                <a:satMod val="160000"/>
               </a:schemeClr>
             </a:gs>
           </a:gsLst>
-          <a:lin ang="5400000" scaled="0"/>
+          <a:path path="circle">
+            <a:fillToRect l="100000" t="100000" r="100000" b="100000"/>
+          </a:path>
         </a:gradFill>
         <a:gradFill rotWithShape="1">
           <a:gsLst>
             <a:gs pos="0">
               <a:schemeClr val="phClr">
-                <a:tint val="94000"/>
-                <a:satMod val="103000"/>
-                <a:lumMod val="102000"/>
+                <a:shade val="70000"/>
+                <a:satMod val="150000"/>
               </a:schemeClr>
             </a:gs>
-            <a:gs pos="50000">
+            <a:gs pos="34000">
               <a:schemeClr val="phClr">
-                <a:shade val="100000"/>
-                <a:satMod val="110000"/>
-                <a:lumMod val="100000"/>
+                <a:shade val="70000"/>
+                <a:satMod val="140000"/>
+              </a:schemeClr>
+            </a:gs>
+            <a:gs pos="70000">
+              <a:schemeClr val="phClr">
+                <a:tint val="100000"/>
+                <a:shade val="90000"/>
+                <a:satMod val="140000"/>
               </a:schemeClr>
             </a:gs>
             <a:gs pos="100000">
               <a:schemeClr val="phClr">
-                <a:shade val="78000"/>
-                <a:satMod val="120000"/>
-                <a:lumMod val="99000"/>
+                <a:tint val="100000"/>
+                <a:shade val="100000"/>
+                <a:satMod val="100000"/>
               </a:schemeClr>
             </a:gs>
           </a:gsLst>
-          <a:lin ang="5400000" scaled="0"/>
+          <a:path path="circle">
+            <a:fillToRect l="100000" t="100000" r="100000" b="100000"/>
+          </a:path>
         </a:gradFill>
       </a:fillStyleLst>
       <a:lnStyleLst>
-        <a:ln w="6350" cap="flat" cmpd="sng" algn="in">
+        <a:ln w="9525" cap="flat" cmpd="sng" algn="ctr">
           <a:solidFill>
             <a:schemeClr val="phClr"/>
           </a:solidFill>
           <a:prstDash val="solid"/>
         </a:ln>
-        <a:ln w="34925" cap="flat" cmpd="sng" algn="in">
+        <a:ln w="26425" cap="flat" cmpd="sng" algn="ctr">
           <a:solidFill>
             <a:schemeClr val="phClr"/>
           </a:solidFill>
           <a:prstDash val="solid"/>
         </a:ln>
-        <a:ln w="19050" cap="flat" cmpd="sng" algn="in">
+        <a:ln w="44450" cap="flat" cmpd="sng" algn="ctr">
           <a:solidFill>
             <a:schemeClr val="phClr"/>
           </a:solidFill>
@@ -17904,65 +17159,88 @@
           <a:effectLst/>
         </a:effectStyle>
         <a:effectStyle>
-          <a:effectLst/>
+          <a:effectLst>
+            <a:outerShdw blurRad="38100" dist="25400" dir="2700000" algn="br" rotWithShape="0">
+              <a:srgbClr val="000000">
+                <a:alpha val="60000"/>
+              </a:srgbClr>
+            </a:outerShdw>
+          </a:effectLst>
         </a:effectStyle>
         <a:effectStyle>
           <a:effectLst>
-            <a:outerShdw blurRad="57150" dist="19050" dir="5400000" algn="ctr" rotWithShape="0">
+            <a:outerShdw blurRad="38100" dist="25400" dir="2700000" algn="br" rotWithShape="0">
               <a:srgbClr val="000000">
-                <a:alpha val="35000"/>
+                <a:alpha val="60000"/>
               </a:srgbClr>
             </a:outerShdw>
           </a:effectLst>
+          <a:scene3d>
+            <a:camera prst="orthographicFront">
+              <a:rot lat="0" lon="0" rev="0"/>
+            </a:camera>
+            <a:lightRig rig="balanced" dir="t">
+              <a:rot lat="0" lon="0" rev="5100000"/>
+            </a:lightRig>
+          </a:scene3d>
+          <a:sp3d contourW="6350">
+            <a:bevelT w="29210" h="12700"/>
+            <a:contourClr>
+              <a:schemeClr val="phClr">
+                <a:shade val="30000"/>
+                <a:satMod val="130000"/>
+              </a:schemeClr>
+            </a:contourClr>
+          </a:sp3d>
         </a:effectStyle>
       </a:effectStyleLst>
       <a:bgFillStyleLst>
         <a:solidFill>
           <a:schemeClr val="phClr"/>
         </a:solidFill>
-        <a:solidFill>
-          <a:schemeClr val="phClr">
-            <a:tint val="95000"/>
-            <a:satMod val="170000"/>
-          </a:schemeClr>
-        </a:solidFill>
         <a:gradFill rotWithShape="1">
           <a:gsLst>
             <a:gs pos="0">
               <a:schemeClr val="phClr">
-                <a:tint val="93000"/>
-                <a:shade val="98000"/>
-                <a:satMod val="150000"/>
-                <a:lumMod val="102000"/>
+                <a:tint val="85000"/>
+                <a:satMod val="180000"/>
               </a:schemeClr>
             </a:gs>
-            <a:gs pos="50000">
+            <a:gs pos="40000">
               <a:schemeClr val="phClr">
-                <a:tint val="98000"/>
-                <a:shade val="90000"/>
-                <a:satMod val="130000"/>
-                <a:lumMod val="103000"/>
+                <a:tint val="95000"/>
+                <a:shade val="85000"/>
+                <a:satMod val="150000"/>
               </a:schemeClr>
             </a:gs>
             <a:gs pos="100000">
               <a:schemeClr val="phClr">
-                <a:shade val="63000"/>
-                <a:satMod val="120000"/>
+                <a:shade val="45000"/>
+                <a:satMod val="200000"/>
               </a:schemeClr>
             </a:gs>
           </a:gsLst>
           <a:lin ang="5400000" scaled="0"/>
         </a:gradFill>
+        <a:blipFill rotWithShape="1">
+          <a:blip xmlns:r="http://schemas.openxmlformats.org/officeDocument/2006/relationships" r:embed="rId1">
+            <a:duotone>
+              <a:schemeClr val="phClr">
+                <a:shade val="55000"/>
+              </a:schemeClr>
+              <a:schemeClr val="phClr">
+                <a:tint val="97000"/>
+                <a:satMod val="95000"/>
+              </a:schemeClr>
+            </a:duotone>
+          </a:blip>
+          <a:tile tx="0" ty="0" sx="70000" sy="70000" flip="none" algn="tl"/>
+        </a:blipFill>
       </a:bgFillStyleLst>
     </a:fmtScheme>
   </a:themeElements>
   <a:objectDefaults/>
   <a:extraClrSchemeLst/>
-  <a:extLst>
-    <a:ext uri="{05A4C25C-085E-4340-85A3-A5531E510DB2}">
-      <thm15:themeFamily xmlns:thm15="http://schemas.microsoft.com/office/thememl/2012/main" name="Crop" id="{EC9488ED-E761-4D60-9AC4-764D1FE2C171}" vid="{CE19780C-D67D-4C13-9DE9-A52BC3BA51B4}"/>
-    </a:ext>
-  </a:extLst>
 </a:theme>
 </file>
 
@@ -18255,7 +17533,7 @@
   <a:extraClrSchemeLst/>
   <a:extLst>
     <a:ext uri="{05A4C25C-085E-4340-85A3-A5531E510DB2}">
-      <thm15:themeFamily xmlns:thm15="http://schemas.microsoft.com/office/thememl/2012/main" name="Office Theme" id="{62F939B6-93AF-4DB8-9C6B-D6C7DFDC589F}" vid="{4A3C46E8-61CC-4603-A589-7422A47A8E4A}"/>
+      <thm15:themeFamily xmlns:thm15="http://schemas.microsoft.com/office/thememl/2012/main" xmlns="" name="Office Theme" id="{62F939B6-93AF-4DB8-9C6B-D6C7DFDC589F}" vid="{4A3C46E8-61CC-4603-A589-7422A47A8E4A}"/>
     </a:ext>
   </a:extLst>
 </a:theme>

--- a/asparagus.pptx
+++ b/asparagus.pptx
@@ -5,14 +5,14 @@
     <p:sldMasterId id="2147483696" r:id="rId1"/>
   </p:sldMasterIdLst>
   <p:notesMasterIdLst>
-    <p:notesMasterId r:id="rId24"/>
+    <p:notesMasterId r:id="rId27"/>
   </p:notesMasterIdLst>
   <p:sldIdLst>
     <p:sldId id="256" r:id="rId2"/>
     <p:sldId id="258" r:id="rId3"/>
     <p:sldId id="257" r:id="rId4"/>
-    <p:sldId id="259" r:id="rId5"/>
-    <p:sldId id="260" r:id="rId6"/>
+    <p:sldId id="260" r:id="rId5"/>
+    <p:sldId id="259" r:id="rId6"/>
     <p:sldId id="278" r:id="rId7"/>
     <p:sldId id="262" r:id="rId8"/>
     <p:sldId id="263" r:id="rId9"/>
@@ -25,11 +25,14 @@
     <p:sldId id="279" r:id="rId16"/>
     <p:sldId id="281" r:id="rId17"/>
     <p:sldId id="272" r:id="rId18"/>
-    <p:sldId id="273" r:id="rId19"/>
-    <p:sldId id="274" r:id="rId20"/>
-    <p:sldId id="275" r:id="rId21"/>
-    <p:sldId id="276" r:id="rId22"/>
-    <p:sldId id="265" r:id="rId23"/>
+    <p:sldId id="282" r:id="rId19"/>
+    <p:sldId id="273" r:id="rId20"/>
+    <p:sldId id="274" r:id="rId21"/>
+    <p:sldId id="275" r:id="rId22"/>
+    <p:sldId id="283" r:id="rId23"/>
+    <p:sldId id="276" r:id="rId24"/>
+    <p:sldId id="265" r:id="rId25"/>
+    <p:sldId id="284" r:id="rId26"/>
   </p:sldIdLst>
   <p:sldSz cx="9144000" cy="6858000" type="screen4x3"/>
   <p:notesSz cx="6858000" cy="9144000"/>
@@ -148,15 +151,17 @@
 </file>
 
 <file path=ppt/diagrams/colors1.xml><?xml version="1.0" encoding="utf-8"?>
-<dgm:colorsDef xmlns:dgm="http://schemas.openxmlformats.org/drawingml/2006/diagram" xmlns:a="http://schemas.openxmlformats.org/drawingml/2006/main" uniqueId="urn:microsoft.com/office/officeart/2005/8/colors/colorful1">
+<dgm:colorsDef xmlns:dgm="http://schemas.openxmlformats.org/drawingml/2006/diagram" xmlns:a="http://schemas.openxmlformats.org/drawingml/2006/main" uniqueId="urn:microsoft.com/office/officeart/2005/8/colors/accent1_3">
   <dgm:title val=""/>
   <dgm:desc val=""/>
   <dgm:catLst>
-    <dgm:cat type="colorful" pri="10100"/>
+    <dgm:cat type="accent1" pri="11300"/>
   </dgm:catLst>
   <dgm:styleLbl name="node0">
     <dgm:fillClrLst meth="repeat">
-      <a:schemeClr val="accent1"/>
+      <a:schemeClr val="accent1">
+        <a:shade val="80000"/>
+      </a:schemeClr>
     </dgm:fillClrLst>
     <dgm:linClrLst meth="repeat">
       <a:schemeClr val="lt1"/>
@@ -166,13 +171,36 @@
     <dgm:txFillClrLst/>
     <dgm:txEffectClrLst/>
   </dgm:styleLbl>
+  <dgm:styleLbl name="alignNode1">
+    <dgm:fillClrLst>
+      <a:schemeClr val="accent1">
+        <a:shade val="80000"/>
+      </a:schemeClr>
+      <a:schemeClr val="accent1">
+        <a:tint val="70000"/>
+      </a:schemeClr>
+    </dgm:fillClrLst>
+    <dgm:linClrLst>
+      <a:schemeClr val="accent1">
+        <a:shade val="80000"/>
+      </a:schemeClr>
+      <a:schemeClr val="accent1">
+        <a:tint val="70000"/>
+      </a:schemeClr>
+    </dgm:linClrLst>
+    <dgm:effectClrLst/>
+    <dgm:txLinClrLst/>
+    <dgm:txFillClrLst/>
+    <dgm:txEffectClrLst/>
+  </dgm:styleLbl>
   <dgm:styleLbl name="node1">
-    <dgm:fillClrLst meth="repeat">
-      <a:schemeClr val="accent2"/>
-      <a:schemeClr val="accent3"/>
-      <a:schemeClr val="accent4"/>
-      <a:schemeClr val="accent5"/>
-      <a:schemeClr val="accent6"/>
+    <dgm:fillClrLst>
+      <a:schemeClr val="accent1">
+        <a:shade val="80000"/>
+      </a:schemeClr>
+      <a:schemeClr val="accent1">
+        <a:tint val="70000"/>
+      </a:schemeClr>
     </dgm:fillClrLst>
     <dgm:linClrLst meth="repeat">
       <a:schemeClr val="lt1"/>
@@ -182,33 +210,14 @@
     <dgm:txFillClrLst/>
     <dgm:txEffectClrLst/>
   </dgm:styleLbl>
-  <dgm:styleLbl name="alignNode1">
-    <dgm:fillClrLst meth="repeat">
-      <a:schemeClr val="accent2"/>
-      <a:schemeClr val="accent3"/>
-      <a:schemeClr val="accent4"/>
-      <a:schemeClr val="accent5"/>
-      <a:schemeClr val="accent6"/>
-    </dgm:fillClrLst>
-    <dgm:linClrLst meth="repeat">
-      <a:schemeClr val="accent2"/>
-      <a:schemeClr val="accent3"/>
-      <a:schemeClr val="accent4"/>
-      <a:schemeClr val="accent5"/>
-      <a:schemeClr val="accent6"/>
-    </dgm:linClrLst>
-    <dgm:effectClrLst/>
-    <dgm:txLinClrLst/>
-    <dgm:txFillClrLst/>
-    <dgm:txEffectClrLst/>
-  </dgm:styleLbl>
   <dgm:styleLbl name="lnNode1">
-    <dgm:fillClrLst meth="repeat">
-      <a:schemeClr val="accent2"/>
-      <a:schemeClr val="accent3"/>
-      <a:schemeClr val="accent4"/>
-      <a:schemeClr val="accent5"/>
-      <a:schemeClr val="accent6"/>
+    <dgm:fillClrLst>
+      <a:schemeClr val="accent1">
+        <a:shade val="80000"/>
+      </a:schemeClr>
+      <a:schemeClr val="accent1">
+        <a:tint val="70000"/>
+      </a:schemeClr>
     </dgm:fillClrLst>
     <dgm:linClrLst meth="repeat">
       <a:schemeClr val="lt1"/>
@@ -219,20 +228,13 @@
     <dgm:txEffectClrLst/>
   </dgm:styleLbl>
   <dgm:styleLbl name="vennNode1">
-    <dgm:fillClrLst meth="repeat">
-      <a:schemeClr val="accent2">
+    <dgm:fillClrLst>
+      <a:schemeClr val="accent1">
+        <a:shade val="80000"/>
         <a:alpha val="50000"/>
       </a:schemeClr>
-      <a:schemeClr val="accent3">
-        <a:alpha val="50000"/>
-      </a:schemeClr>
-      <a:schemeClr val="accent4">
-        <a:alpha val="50000"/>
-      </a:schemeClr>
-      <a:schemeClr val="accent5">
-        <a:alpha val="50000"/>
-      </a:schemeClr>
-      <a:schemeClr val="accent6">
+      <a:schemeClr val="accent1">
+        <a:tint val="70000"/>
         <a:alpha val="50000"/>
       </a:schemeClr>
     </dgm:fillClrLst>
@@ -246,7 +248,9 @@
   </dgm:styleLbl>
   <dgm:styleLbl name="node2">
     <dgm:fillClrLst>
-      <a:schemeClr val="accent2"/>
+      <a:schemeClr val="accent1">
+        <a:tint val="99000"/>
+      </a:schemeClr>
     </dgm:fillClrLst>
     <dgm:linClrLst meth="repeat">
       <a:schemeClr val="lt1"/>
@@ -258,7 +262,9 @@
   </dgm:styleLbl>
   <dgm:styleLbl name="node3">
     <dgm:fillClrLst>
-      <a:schemeClr val="accent3"/>
+      <a:schemeClr val="accent1">
+        <a:tint val="80000"/>
+      </a:schemeClr>
     </dgm:fillClrLst>
     <dgm:linClrLst meth="repeat">
       <a:schemeClr val="lt1"/>
@@ -270,7 +276,9 @@
   </dgm:styleLbl>
   <dgm:styleLbl name="node4">
     <dgm:fillClrLst>
-      <a:schemeClr val="accent4"/>
+      <a:schemeClr val="accent1">
+        <a:tint val="70000"/>
+      </a:schemeClr>
     </dgm:fillClrLst>
     <dgm:linClrLst meth="repeat">
       <a:schemeClr val="lt1"/>
@@ -281,39 +289,11 @@
     <dgm:txEffectClrLst/>
   </dgm:styleLbl>
   <dgm:styleLbl name="fgImgPlace1">
-    <dgm:fillClrLst meth="repeat">
-      <a:schemeClr val="accent2">
-        <a:tint val="50000"/>
-      </a:schemeClr>
-      <a:schemeClr val="accent3">
-        <a:tint val="50000"/>
-      </a:schemeClr>
-      <a:schemeClr val="accent4">
-        <a:tint val="50000"/>
-      </a:schemeClr>
-      <a:schemeClr val="accent5">
-        <a:tint val="50000"/>
-      </a:schemeClr>
-      <a:schemeClr val="accent6">
-        <a:tint val="50000"/>
-      </a:schemeClr>
-    </dgm:fillClrLst>
-    <dgm:linClrLst meth="repeat">
-      <a:schemeClr val="lt1"/>
-    </dgm:linClrLst>
-    <dgm:effectClrLst/>
-    <dgm:txLinClrLst/>
-    <dgm:txFillClrLst meth="repeat">
-      <a:schemeClr val="lt1"/>
-    </dgm:txFillClrLst>
-    <dgm:txEffectClrLst/>
-  </dgm:styleLbl>
-  <dgm:styleLbl name="alignImgPlace1">
     <dgm:fillClrLst>
       <a:schemeClr val="accent1">
         <a:tint val="50000"/>
       </a:schemeClr>
-      <a:schemeClr val="accent2">
+      <a:schemeClr val="accent1">
         <a:tint val="20000"/>
       </a:schemeClr>
     </dgm:fillClrLst>
@@ -327,12 +307,12 @@
     </dgm:txFillClrLst>
     <dgm:txEffectClrLst/>
   </dgm:styleLbl>
-  <dgm:styleLbl name="bgImgPlace1">
+  <dgm:styleLbl name="alignImgPlace1">
     <dgm:fillClrLst>
       <a:schemeClr val="accent1">
         <a:tint val="50000"/>
       </a:schemeClr>
-      <a:schemeClr val="accent2">
+      <a:schemeClr val="accent1">
         <a:tint val="20000"/>
       </a:schemeClr>
     </dgm:fillClrLst>
@@ -346,159 +326,14 @@
     </dgm:txFillClrLst>
     <dgm:txEffectClrLst/>
   </dgm:styleLbl>
-  <dgm:styleLbl name="sibTrans2D1">
-    <dgm:fillClrLst meth="repeat">
-      <a:schemeClr val="accent2"/>
-      <a:schemeClr val="accent3"/>
-      <a:schemeClr val="accent4"/>
-      <a:schemeClr val="accent5"/>
-      <a:schemeClr val="accent6"/>
-    </dgm:fillClrLst>
-    <dgm:linClrLst meth="cycle">
-      <a:schemeClr val="lt1"/>
-    </dgm:linClrLst>
-    <dgm:effectClrLst/>
-    <dgm:txLinClrLst/>
-    <dgm:txFillClrLst/>
-    <dgm:txEffectClrLst/>
-  </dgm:styleLbl>
-  <dgm:styleLbl name="fgSibTrans2D1">
-    <dgm:fillClrLst meth="repeat">
-      <a:schemeClr val="accent2"/>
-      <a:schemeClr val="accent3"/>
-      <a:schemeClr val="accent4"/>
-      <a:schemeClr val="accent5"/>
-      <a:schemeClr val="accent6"/>
-    </dgm:fillClrLst>
-    <dgm:linClrLst meth="cycle">
-      <a:schemeClr val="lt1"/>
-    </dgm:linClrLst>
-    <dgm:effectClrLst/>
-    <dgm:txLinClrLst/>
-    <dgm:txFillClrLst meth="repeat">
-      <a:schemeClr val="lt1"/>
-    </dgm:txFillClrLst>
-    <dgm:txEffectClrLst/>
-  </dgm:styleLbl>
-  <dgm:styleLbl name="bgSibTrans2D1">
-    <dgm:fillClrLst meth="repeat">
-      <a:schemeClr val="accent2"/>
-      <a:schemeClr val="accent3"/>
-      <a:schemeClr val="accent4"/>
-      <a:schemeClr val="accent5"/>
-      <a:schemeClr val="accent6"/>
-    </dgm:fillClrLst>
-    <dgm:linClrLst meth="cycle">
-      <a:schemeClr val="lt1"/>
-    </dgm:linClrLst>
-    <dgm:effectClrLst/>
-    <dgm:txLinClrLst/>
-    <dgm:txFillClrLst meth="repeat">
-      <a:schemeClr val="lt1"/>
-    </dgm:txFillClrLst>
-    <dgm:txEffectClrLst/>
-  </dgm:styleLbl>
-  <dgm:styleLbl name="sibTrans1D1">
-    <dgm:fillClrLst meth="repeat">
-      <a:schemeClr val="accent2"/>
-      <a:schemeClr val="accent3"/>
-      <a:schemeClr val="accent4"/>
-      <a:schemeClr val="accent5"/>
-      <a:schemeClr val="accent6"/>
-    </dgm:fillClrLst>
-    <dgm:linClrLst meth="repeat">
-      <a:schemeClr val="accent2"/>
-      <a:schemeClr val="accent3"/>
-      <a:schemeClr val="accent4"/>
-      <a:schemeClr val="accent5"/>
-      <a:schemeClr val="accent6"/>
-    </dgm:linClrLst>
-    <dgm:effectClrLst/>
-    <dgm:txLinClrLst/>
-    <dgm:txFillClrLst meth="repeat">
-      <a:schemeClr val="tx1"/>
-    </dgm:txFillClrLst>
-    <dgm:txEffectClrLst/>
-  </dgm:styleLbl>
-  <dgm:styleLbl name="callout">
-    <dgm:fillClrLst meth="repeat">
-      <a:schemeClr val="accent2"/>
-    </dgm:fillClrLst>
-    <dgm:linClrLst meth="repeat">
-      <a:schemeClr val="accent2">
+  <dgm:styleLbl name="bgImgPlace1">
+    <dgm:fillClrLst>
+      <a:schemeClr val="accent1">
         <a:tint val="50000"/>
       </a:schemeClr>
-    </dgm:linClrLst>
-    <dgm:effectClrLst/>
-    <dgm:txLinClrLst/>
-    <dgm:txFillClrLst meth="repeat">
-      <a:schemeClr val="tx1"/>
-    </dgm:txFillClrLst>
-    <dgm:txEffectClrLst/>
-  </dgm:styleLbl>
-  <dgm:styleLbl name="asst0">
-    <dgm:fillClrLst meth="repeat">
-      <a:schemeClr val="accent1"/>
-    </dgm:fillClrLst>
-    <dgm:linClrLst meth="repeat">
-      <a:schemeClr val="lt1"/>
-    </dgm:linClrLst>
-    <dgm:effectClrLst/>
-    <dgm:txLinClrLst/>
-    <dgm:txFillClrLst/>
-    <dgm:txEffectClrLst/>
-  </dgm:styleLbl>
-  <dgm:styleLbl name="asst1">
-    <dgm:fillClrLst meth="repeat">
-      <a:schemeClr val="accent2"/>
-    </dgm:fillClrLst>
-    <dgm:linClrLst meth="repeat">
-      <a:schemeClr val="lt1"/>
-    </dgm:linClrLst>
-    <dgm:effectClrLst/>
-    <dgm:txLinClrLst/>
-    <dgm:txFillClrLst/>
-    <dgm:txEffectClrLst/>
-  </dgm:styleLbl>
-  <dgm:styleLbl name="asst2">
-    <dgm:fillClrLst>
-      <a:schemeClr val="accent3"/>
-    </dgm:fillClrLst>
-    <dgm:linClrLst meth="repeat">
-      <a:schemeClr val="lt1"/>
-    </dgm:linClrLst>
-    <dgm:effectClrLst/>
-    <dgm:txLinClrLst/>
-    <dgm:txFillClrLst/>
-    <dgm:txEffectClrLst/>
-  </dgm:styleLbl>
-  <dgm:styleLbl name="asst3">
-    <dgm:fillClrLst>
-      <a:schemeClr val="accent4"/>
-    </dgm:fillClrLst>
-    <dgm:linClrLst meth="repeat">
-      <a:schemeClr val="lt1"/>
-    </dgm:linClrLst>
-    <dgm:effectClrLst/>
-    <dgm:txLinClrLst/>
-    <dgm:txFillClrLst/>
-    <dgm:txEffectClrLst/>
-  </dgm:styleLbl>
-  <dgm:styleLbl name="asst4">
-    <dgm:fillClrLst>
-      <a:schemeClr val="accent5"/>
-    </dgm:fillClrLst>
-    <dgm:linClrLst meth="repeat">
-      <a:schemeClr val="lt1"/>
-    </dgm:linClrLst>
-    <dgm:effectClrLst/>
-    <dgm:txLinClrLst/>
-    <dgm:txFillClrLst/>
-    <dgm:txEffectClrLst/>
-  </dgm:styleLbl>
-  <dgm:styleLbl name="parChTrans2D1">
-    <dgm:fillClrLst meth="repeat">
-      <a:schemeClr val="accent2"/>
+      <a:schemeClr val="accent1">
+        <a:tint val="20000"/>
+      </a:schemeClr>
     </dgm:fillClrLst>
     <dgm:linClrLst meth="repeat">
       <a:schemeClr val="lt1"/>
@@ -510,36 +345,44 @@
     </dgm:txFillClrLst>
     <dgm:txEffectClrLst/>
   </dgm:styleLbl>
-  <dgm:styleLbl name="parChTrans2D2">
-    <dgm:fillClrLst meth="repeat">
-      <a:schemeClr val="accent3"/>
+  <dgm:styleLbl name="sibTrans2D1">
+    <dgm:fillClrLst>
+      <a:schemeClr val="accent1">
+        <a:shade val="90000"/>
+      </a:schemeClr>
+      <a:schemeClr val="accent1">
+        <a:tint val="70000"/>
+      </a:schemeClr>
     </dgm:fillClrLst>
-    <dgm:linClrLst meth="repeat">
-      <a:schemeClr val="lt1"/>
+    <dgm:linClrLst>
+      <a:schemeClr val="accent1">
+        <a:shade val="90000"/>
+      </a:schemeClr>
+      <a:schemeClr val="accent1">
+        <a:tint val="70000"/>
+      </a:schemeClr>
     </dgm:linClrLst>
     <dgm:effectClrLst/>
     <dgm:txLinClrLst/>
     <dgm:txFillClrLst/>
     <dgm:txEffectClrLst/>
   </dgm:styleLbl>
-  <dgm:styleLbl name="parChTrans2D3">
-    <dgm:fillClrLst meth="repeat">
-      <a:schemeClr val="accent4"/>
+  <dgm:styleLbl name="fgSibTrans2D1">
+    <dgm:fillClrLst>
+      <a:schemeClr val="accent1">
+        <a:shade val="90000"/>
+      </a:schemeClr>
+      <a:schemeClr val="accent1">
+        <a:tint val="70000"/>
+      </a:schemeClr>
     </dgm:fillClrLst>
-    <dgm:linClrLst meth="repeat">
-      <a:schemeClr val="lt1"/>
-    </dgm:linClrLst>
-    <dgm:effectClrLst/>
-    <dgm:txLinClrLst/>
-    <dgm:txFillClrLst/>
-    <dgm:txEffectClrLst/>
-  </dgm:styleLbl>
-  <dgm:styleLbl name="parChTrans2D4">
-    <dgm:fillClrLst meth="repeat">
-      <a:schemeClr val="accent5"/>
-    </dgm:fillClrLst>
-    <dgm:linClrLst meth="repeat">
-      <a:schemeClr val="lt1"/>
+    <dgm:linClrLst>
+      <a:schemeClr val="accent1">
+        <a:shade val="90000"/>
+      </a:schemeClr>
+      <a:schemeClr val="accent1">
+        <a:tint val="70000"/>
+      </a:schemeClr>
     </dgm:linClrLst>
     <dgm:effectClrLst/>
     <dgm:txLinClrLst/>
@@ -548,9 +391,57 @@
     </dgm:txFillClrLst>
     <dgm:txEffectClrLst/>
   </dgm:styleLbl>
-  <dgm:styleLbl name="parChTrans1D1">
+  <dgm:styleLbl name="bgSibTrans2D1">
+    <dgm:fillClrLst>
+      <a:schemeClr val="accent1">
+        <a:shade val="90000"/>
+      </a:schemeClr>
+      <a:schemeClr val="accent1">
+        <a:tint val="70000"/>
+      </a:schemeClr>
+    </dgm:fillClrLst>
+    <dgm:linClrLst>
+      <a:schemeClr val="accent1">
+        <a:shade val="90000"/>
+      </a:schemeClr>
+      <a:schemeClr val="accent1">
+        <a:tint val="70000"/>
+      </a:schemeClr>
+    </dgm:linClrLst>
+    <dgm:effectClrLst/>
+    <dgm:txLinClrLst/>
+    <dgm:txFillClrLst meth="repeat">
+      <a:schemeClr val="lt1"/>
+    </dgm:txFillClrLst>
+    <dgm:txEffectClrLst/>
+  </dgm:styleLbl>
+  <dgm:styleLbl name="sibTrans1D1">
+    <dgm:fillClrLst>
+      <a:schemeClr val="accent1">
+        <a:shade val="90000"/>
+      </a:schemeClr>
+      <a:schemeClr val="accent1">
+        <a:tint val="70000"/>
+      </a:schemeClr>
+    </dgm:fillClrLst>
+    <dgm:linClrLst>
+      <a:schemeClr val="accent1">
+        <a:shade val="90000"/>
+      </a:schemeClr>
+      <a:schemeClr val="accent1">
+        <a:tint val="70000"/>
+      </a:schemeClr>
+    </dgm:linClrLst>
+    <dgm:effectClrLst/>
+    <dgm:txLinClrLst/>
+    <dgm:txFillClrLst meth="repeat">
+      <a:schemeClr val="tx1"/>
+    </dgm:txFillClrLst>
+    <dgm:txEffectClrLst/>
+  </dgm:styleLbl>
+  <dgm:styleLbl name="callout">
     <dgm:fillClrLst meth="repeat">
-      <a:schemeClr val="accent2"/>
+      <a:schemeClr val="accent1"/>
     </dgm:fillClrLst>
     <dgm:linClrLst meth="repeat">
       <a:schemeClr val="accent1"/>
@@ -562,14 +453,154 @@
     </dgm:txFillClrLst>
     <dgm:txEffectClrLst/>
   </dgm:styleLbl>
-  <dgm:styleLbl name="parChTrans1D2">
+  <dgm:styleLbl name="asst0">
     <dgm:fillClrLst meth="repeat">
-      <a:schemeClr val="accent3">
+      <a:schemeClr val="accent1">
+        <a:shade val="80000"/>
+      </a:schemeClr>
+    </dgm:fillClrLst>
+    <dgm:linClrLst meth="repeat">
+      <a:schemeClr val="lt1"/>
+    </dgm:linClrLst>
+    <dgm:effectClrLst/>
+    <dgm:txLinClrLst/>
+    <dgm:txFillClrLst/>
+    <dgm:txEffectClrLst/>
+  </dgm:styleLbl>
+  <dgm:styleLbl name="asst1">
+    <dgm:fillClrLst meth="repeat">
+      <a:schemeClr val="accent1">
+        <a:shade val="80000"/>
+      </a:schemeClr>
+    </dgm:fillClrLst>
+    <dgm:linClrLst meth="repeat">
+      <a:schemeClr val="lt1"/>
+    </dgm:linClrLst>
+    <dgm:effectClrLst/>
+    <dgm:txLinClrLst/>
+    <dgm:txFillClrLst/>
+    <dgm:txEffectClrLst/>
+  </dgm:styleLbl>
+  <dgm:styleLbl name="asst2">
+    <dgm:fillClrLst>
+      <a:schemeClr val="accent1">
+        <a:tint val="99000"/>
+      </a:schemeClr>
+    </dgm:fillClrLst>
+    <dgm:linClrLst meth="repeat">
+      <a:schemeClr val="lt1"/>
+    </dgm:linClrLst>
+    <dgm:effectClrLst/>
+    <dgm:txLinClrLst/>
+    <dgm:txFillClrLst/>
+    <dgm:txEffectClrLst/>
+  </dgm:styleLbl>
+  <dgm:styleLbl name="asst3">
+    <dgm:fillClrLst>
+      <a:schemeClr val="accent1">
+        <a:tint val="80000"/>
+      </a:schemeClr>
+    </dgm:fillClrLst>
+    <dgm:linClrLst meth="repeat">
+      <a:schemeClr val="lt1"/>
+    </dgm:linClrLst>
+    <dgm:effectClrLst/>
+    <dgm:txLinClrLst/>
+    <dgm:txFillClrLst/>
+    <dgm:txEffectClrLst/>
+  </dgm:styleLbl>
+  <dgm:styleLbl name="asst4">
+    <dgm:fillClrLst>
+      <a:schemeClr val="accent1">
+        <a:tint val="70000"/>
+      </a:schemeClr>
+    </dgm:fillClrLst>
+    <dgm:linClrLst meth="repeat">
+      <a:schemeClr val="lt1"/>
+    </dgm:linClrLst>
+    <dgm:effectClrLst/>
+    <dgm:txLinClrLst/>
+    <dgm:txFillClrLst/>
+    <dgm:txEffectClrLst/>
+  </dgm:styleLbl>
+  <dgm:styleLbl name="parChTrans2D1">
+    <dgm:fillClrLst meth="repeat">
+      <a:schemeClr val="accent1">
+        <a:tint val="60000"/>
+      </a:schemeClr>
+    </dgm:fillClrLst>
+    <dgm:linClrLst meth="repeat">
+      <a:schemeClr val="accent1">
+        <a:tint val="60000"/>
+      </a:schemeClr>
+    </dgm:linClrLst>
+    <dgm:effectClrLst/>
+    <dgm:txLinClrLst/>
+    <dgm:txFillClrLst meth="repeat">
+      <a:schemeClr val="lt1"/>
+    </dgm:txFillClrLst>
+    <dgm:txEffectClrLst/>
+  </dgm:styleLbl>
+  <dgm:styleLbl name="parChTrans2D2">
+    <dgm:fillClrLst meth="repeat">
+      <a:schemeClr val="accent1">
         <a:tint val="90000"/>
       </a:schemeClr>
     </dgm:fillClrLst>
     <dgm:linClrLst meth="repeat">
-      <a:schemeClr val="accent2"/>
+      <a:schemeClr val="accent1">
+        <a:tint val="90000"/>
+      </a:schemeClr>
+    </dgm:linClrLst>
+    <dgm:effectClrLst/>
+    <dgm:txLinClrLst/>
+    <dgm:txFillClrLst/>
+    <dgm:txEffectClrLst/>
+  </dgm:styleLbl>
+  <dgm:styleLbl name="parChTrans2D3">
+    <dgm:fillClrLst meth="repeat">
+      <a:schemeClr val="accent1">
+        <a:tint val="70000"/>
+      </a:schemeClr>
+    </dgm:fillClrLst>
+    <dgm:linClrLst meth="repeat">
+      <a:schemeClr val="accent1">
+        <a:tint val="70000"/>
+      </a:schemeClr>
+    </dgm:linClrLst>
+    <dgm:effectClrLst/>
+    <dgm:txLinClrLst/>
+    <dgm:txFillClrLst/>
+    <dgm:txEffectClrLst/>
+  </dgm:styleLbl>
+  <dgm:styleLbl name="parChTrans2D4">
+    <dgm:fillClrLst meth="repeat">
+      <a:schemeClr val="accent1">
+        <a:tint val="50000"/>
+      </a:schemeClr>
+    </dgm:fillClrLst>
+    <dgm:linClrLst meth="repeat">
+      <a:schemeClr val="accent1">
+        <a:tint val="50000"/>
+      </a:schemeClr>
+    </dgm:linClrLst>
+    <dgm:effectClrLst/>
+    <dgm:txLinClrLst/>
+    <dgm:txFillClrLst meth="repeat">
+      <a:schemeClr val="lt1"/>
+    </dgm:txFillClrLst>
+    <dgm:txEffectClrLst/>
+  </dgm:styleLbl>
+  <dgm:styleLbl name="parChTrans1D1">
+    <dgm:fillClrLst meth="repeat">
+      <a:schemeClr val="accent1">
+        <a:shade val="80000"/>
+      </a:schemeClr>
+    </dgm:fillClrLst>
+    <dgm:linClrLst meth="repeat">
+      <a:schemeClr val="accent1">
+        <a:shade val="80000"/>
+      </a:schemeClr>
     </dgm:linClrLst>
     <dgm:effectClrLst/>
     <dgm:txLinClrLst/>
@@ -578,14 +609,16 @@
     </dgm:txFillClrLst>
     <dgm:txEffectClrLst/>
   </dgm:styleLbl>
-  <dgm:styleLbl name="parChTrans1D3">
+  <dgm:styleLbl name="parChTrans1D2">
     <dgm:fillClrLst meth="repeat">
-      <a:schemeClr val="accent4">
-        <a:tint val="70000"/>
+      <a:schemeClr val="accent1">
+        <a:tint val="99000"/>
       </a:schemeClr>
     </dgm:fillClrLst>
     <dgm:linClrLst meth="repeat">
-      <a:schemeClr val="accent3"/>
+      <a:schemeClr val="accent1">
+        <a:tint val="99000"/>
+      </a:schemeClr>
     </dgm:linClrLst>
     <dgm:effectClrLst/>
     <dgm:txLinClrLst/>
@@ -594,14 +627,16 @@
     </dgm:txFillClrLst>
     <dgm:txEffectClrLst/>
   </dgm:styleLbl>
-  <dgm:styleLbl name="parChTrans1D4">
+  <dgm:styleLbl name="parChTrans1D3">
     <dgm:fillClrLst meth="repeat">
-      <a:schemeClr val="accent5">
-        <a:tint val="50000"/>
+      <a:schemeClr val="accent1">
+        <a:tint val="80000"/>
       </a:schemeClr>
     </dgm:fillClrLst>
     <dgm:linClrLst meth="repeat">
-      <a:schemeClr val="accent4"/>
+      <a:schemeClr val="accent1">
+        <a:tint val="80000"/>
+      </a:schemeClr>
     </dgm:linClrLst>
     <dgm:effectClrLst/>
     <dgm:txLinClrLst/>
@@ -610,18 +645,37 @@
     </dgm:txFillClrLst>
     <dgm:txEffectClrLst/>
   </dgm:styleLbl>
+  <dgm:styleLbl name="parChTrans1D4">
+    <dgm:fillClrLst meth="repeat">
+      <a:schemeClr val="accent1">
+        <a:tint val="70000"/>
+      </a:schemeClr>
+    </dgm:fillClrLst>
+    <dgm:linClrLst meth="repeat">
+      <a:schemeClr val="accent1">
+        <a:tint val="70000"/>
+      </a:schemeClr>
+    </dgm:linClrLst>
+    <dgm:effectClrLst/>
+    <dgm:txLinClrLst/>
+    <dgm:txFillClrLst meth="repeat">
+      <a:schemeClr val="tx1"/>
+    </dgm:txFillClrLst>
+    <dgm:txEffectClrLst/>
+  </dgm:styleLbl>
   <dgm:styleLbl name="fgAcc1">
     <dgm:fillClrLst meth="repeat">
       <a:schemeClr val="lt1">
         <a:alpha val="90000"/>
       </a:schemeClr>
     </dgm:fillClrLst>
-    <dgm:linClrLst meth="repeat">
-      <a:schemeClr val="accent2"/>
-      <a:schemeClr val="accent3"/>
-      <a:schemeClr val="accent4"/>
-      <a:schemeClr val="accent5"/>
-      <a:schemeClr val="accent6"/>
+    <dgm:linClrLst>
+      <a:schemeClr val="accent1">
+        <a:shade val="80000"/>
+      </a:schemeClr>
+      <a:schemeClr val="accent1">
+        <a:tint val="70000"/>
+      </a:schemeClr>
     </dgm:linClrLst>
     <dgm:effectClrLst/>
     <dgm:txLinClrLst/>
@@ -636,12 +690,13 @@
         <a:alpha val="90000"/>
       </a:schemeClr>
     </dgm:fillClrLst>
-    <dgm:linClrLst meth="repeat">
-      <a:schemeClr val="accent2"/>
-      <a:schemeClr val="accent3"/>
-      <a:schemeClr val="accent4"/>
-      <a:schemeClr val="accent5"/>
-      <a:schemeClr val="accent6"/>
+    <dgm:linClrLst>
+      <a:schemeClr val="accent1">
+        <a:shade val="80000"/>
+      </a:schemeClr>
+      <a:schemeClr val="accent1">
+        <a:tint val="70000"/>
+      </a:schemeClr>
     </dgm:linClrLst>
     <dgm:effectClrLst/>
     <dgm:txLinClrLst/>
@@ -656,12 +711,13 @@
         <a:alpha val="90000"/>
       </a:schemeClr>
     </dgm:fillClrLst>
-    <dgm:linClrLst meth="repeat">
-      <a:schemeClr val="accent2"/>
-      <a:schemeClr val="accent3"/>
-      <a:schemeClr val="accent4"/>
-      <a:schemeClr val="accent5"/>
-      <a:schemeClr val="accent6"/>
+    <dgm:linClrLst>
+      <a:schemeClr val="accent1">
+        <a:shade val="80000"/>
+      </a:schemeClr>
+      <a:schemeClr val="accent1">
+        <a:tint val="70000"/>
+      </a:schemeClr>
     </dgm:linClrLst>
     <dgm:effectClrLst/>
     <dgm:txLinClrLst/>
@@ -692,117 +748,12 @@
         <a:alpha val="90000"/>
       </a:schemeClr>
     </dgm:fillClrLst>
-    <dgm:linClrLst meth="repeat">
-      <a:schemeClr val="accent2"/>
-      <a:schemeClr val="accent3"/>
-      <a:schemeClr val="accent4"/>
-      <a:schemeClr val="accent5"/>
-      <a:schemeClr val="accent6"/>
-    </dgm:linClrLst>
-    <dgm:effectClrLst/>
-    <dgm:txLinClrLst/>
-    <dgm:txFillClrLst meth="repeat">
-      <a:schemeClr val="dk1"/>
-    </dgm:txFillClrLst>
-    <dgm:txEffectClrLst/>
-  </dgm:styleLbl>
-  <dgm:styleLbl name="solidFgAcc1">
-    <dgm:fillClrLst meth="repeat">
-      <a:schemeClr val="lt1"/>
-    </dgm:fillClrLst>
-    <dgm:linClrLst meth="repeat">
-      <a:schemeClr val="accent2"/>
-      <a:schemeClr val="accent3"/>
-      <a:schemeClr val="accent4"/>
-      <a:schemeClr val="accent5"/>
-      <a:schemeClr val="accent6"/>
-    </dgm:linClrLst>
-    <dgm:effectClrLst/>
-    <dgm:txLinClrLst/>
-    <dgm:txFillClrLst meth="repeat">
-      <a:schemeClr val="dk1"/>
-    </dgm:txFillClrLst>
-    <dgm:txEffectClrLst/>
-  </dgm:styleLbl>
-  <dgm:styleLbl name="solidAlignAcc1">
-    <dgm:fillClrLst meth="repeat">
-      <a:schemeClr val="lt1"/>
-    </dgm:fillClrLst>
-    <dgm:linClrLst meth="repeat">
-      <a:schemeClr val="accent2"/>
-      <a:schemeClr val="accent3"/>
-      <a:schemeClr val="accent4"/>
-      <a:schemeClr val="accent5"/>
-      <a:schemeClr val="accent6"/>
-    </dgm:linClrLst>
-    <dgm:effectClrLst/>
-    <dgm:txLinClrLst/>
-    <dgm:txFillClrLst meth="repeat">
-      <a:schemeClr val="dk1"/>
-    </dgm:txFillClrLst>
-    <dgm:txEffectClrLst/>
-  </dgm:styleLbl>
-  <dgm:styleLbl name="solidBgAcc1">
-    <dgm:fillClrLst meth="repeat">
-      <a:schemeClr val="lt1"/>
-    </dgm:fillClrLst>
-    <dgm:linClrLst meth="repeat">
-      <a:schemeClr val="accent2"/>
-      <a:schemeClr val="accent3"/>
-      <a:schemeClr val="accent4"/>
-      <a:schemeClr val="accent5"/>
-      <a:schemeClr val="accent6"/>
-    </dgm:linClrLst>
-    <dgm:effectClrLst/>
-    <dgm:txLinClrLst/>
-    <dgm:txFillClrLst meth="repeat">
-      <a:schemeClr val="dk1"/>
-    </dgm:txFillClrLst>
-    <dgm:txEffectClrLst/>
-  </dgm:styleLbl>
-  <dgm:styleLbl name="fgAccFollowNode1">
-    <dgm:fillClrLst meth="repeat">
-      <a:schemeClr val="accent2">
-        <a:tint val="40000"/>
-        <a:alpha val="90000"/>
+    <dgm:linClrLst>
+      <a:schemeClr val="accent1">
+        <a:shade val="80000"/>
       </a:schemeClr>
-      <a:schemeClr val="accent3">
-        <a:tint val="40000"/>
-        <a:alpha val="90000"/>
-      </a:schemeClr>
-      <a:schemeClr val="accent4">
-        <a:tint val="40000"/>
-        <a:alpha val="90000"/>
-      </a:schemeClr>
-      <a:schemeClr val="accent5">
-        <a:tint val="40000"/>
-        <a:alpha val="90000"/>
-      </a:schemeClr>
-      <a:schemeClr val="accent6">
-        <a:tint val="40000"/>
-        <a:alpha val="90000"/>
-      </a:schemeClr>
-    </dgm:fillClrLst>
-    <dgm:linClrLst meth="repeat">
-      <a:schemeClr val="accent2">
-        <a:tint val="40000"/>
-        <a:alpha val="90000"/>
-      </a:schemeClr>
-      <a:schemeClr val="accent3">
-        <a:tint val="40000"/>
-        <a:alpha val="90000"/>
-      </a:schemeClr>
-      <a:schemeClr val="accent4">
-        <a:tint val="40000"/>
-        <a:alpha val="90000"/>
-      </a:schemeClr>
-      <a:schemeClr val="accent5">
-        <a:tint val="40000"/>
-        <a:alpha val="90000"/>
-      </a:schemeClr>
-      <a:schemeClr val="accent6">
-        <a:tint val="40000"/>
-        <a:alpha val="90000"/>
+      <a:schemeClr val="accent1">
+        <a:tint val="70000"/>
       </a:schemeClr>
     </dgm:linClrLst>
     <dgm:effectClrLst/>
@@ -812,49 +763,16 @@
     </dgm:txFillClrLst>
     <dgm:txEffectClrLst/>
   </dgm:styleLbl>
-  <dgm:styleLbl name="alignAccFollowNode1">
+  <dgm:styleLbl name="solidFgAcc1">
     <dgm:fillClrLst meth="repeat">
-      <a:schemeClr val="accent2">
-        <a:tint val="40000"/>
-        <a:alpha val="90000"/>
+      <a:schemeClr val="lt1"/>
+    </dgm:fillClrLst>
+    <dgm:linClrLst>
+      <a:schemeClr val="accent1">
+        <a:shade val="80000"/>
       </a:schemeClr>
-      <a:schemeClr val="accent3">
-        <a:tint val="40000"/>
-        <a:alpha val="90000"/>
-      </a:schemeClr>
-      <a:schemeClr val="accent4">
-        <a:tint val="40000"/>
-        <a:alpha val="90000"/>
-      </a:schemeClr>
-      <a:schemeClr val="accent5">
-        <a:tint val="40000"/>
-        <a:alpha val="90000"/>
-      </a:schemeClr>
-      <a:schemeClr val="accent6">
-        <a:tint val="40000"/>
-        <a:alpha val="90000"/>
-      </a:schemeClr>
-    </dgm:fillClrLst>
-    <dgm:linClrLst meth="repeat">
-      <a:schemeClr val="accent2">
-        <a:tint val="40000"/>
-        <a:alpha val="90000"/>
-      </a:schemeClr>
-      <a:schemeClr val="accent3">
-        <a:tint val="40000"/>
-        <a:alpha val="90000"/>
-      </a:schemeClr>
-      <a:schemeClr val="accent4">
-        <a:tint val="40000"/>
-        <a:alpha val="90000"/>
-      </a:schemeClr>
-      <a:schemeClr val="accent5">
-        <a:tint val="40000"/>
-        <a:alpha val="90000"/>
-      </a:schemeClr>
-      <a:schemeClr val="accent6">
-        <a:tint val="40000"/>
-        <a:alpha val="90000"/>
+      <a:schemeClr val="accent1">
+        <a:tint val="70000"/>
       </a:schemeClr>
     </dgm:linClrLst>
     <dgm:effectClrLst/>
@@ -864,49 +782,45 @@
     </dgm:txFillClrLst>
     <dgm:txEffectClrLst/>
   </dgm:styleLbl>
-  <dgm:styleLbl name="bgAccFollowNode1">
+  <dgm:styleLbl name="solidAlignAcc1">
     <dgm:fillClrLst meth="repeat">
-      <a:schemeClr val="accent2">
+      <a:schemeClr val="lt1"/>
+    </dgm:fillClrLst>
+    <dgm:linClrLst meth="repeat">
+      <a:schemeClr val="accent1"/>
+    </dgm:linClrLst>
+    <dgm:effectClrLst/>
+    <dgm:txLinClrLst/>
+    <dgm:txFillClrLst meth="repeat">
+      <a:schemeClr val="dk1"/>
+    </dgm:txFillClrLst>
+    <dgm:txEffectClrLst/>
+  </dgm:styleLbl>
+  <dgm:styleLbl name="solidBgAcc1">
+    <dgm:fillClrLst meth="repeat">
+      <a:schemeClr val="lt1"/>
+    </dgm:fillClrLst>
+    <dgm:linClrLst meth="repeat">
+      <a:schemeClr val="accent1"/>
+    </dgm:linClrLst>
+    <dgm:effectClrLst/>
+    <dgm:txLinClrLst/>
+    <dgm:txFillClrLst meth="repeat">
+      <a:schemeClr val="dk1"/>
+    </dgm:txFillClrLst>
+    <dgm:txEffectClrLst/>
+  </dgm:styleLbl>
+  <dgm:styleLbl name="fgAccFollowNode1">
+    <dgm:fillClrLst meth="repeat">
+      <a:schemeClr val="accent1">
+        <a:alpha val="90000"/>
         <a:tint val="40000"/>
-        <a:alpha val="90000"/>
-      </a:schemeClr>
-      <a:schemeClr val="accent3">
-        <a:tint val="40000"/>
-        <a:alpha val="90000"/>
-      </a:schemeClr>
-      <a:schemeClr val="accent4">
-        <a:tint val="40000"/>
-        <a:alpha val="90000"/>
-      </a:schemeClr>
-      <a:schemeClr val="accent5">
-        <a:tint val="40000"/>
-        <a:alpha val="90000"/>
-      </a:schemeClr>
-      <a:schemeClr val="accent6">
-        <a:tint val="40000"/>
-        <a:alpha val="90000"/>
       </a:schemeClr>
     </dgm:fillClrLst>
     <dgm:linClrLst meth="repeat">
-      <a:schemeClr val="accent2">
+      <a:schemeClr val="accent1">
+        <a:alpha val="90000"/>
         <a:tint val="40000"/>
-        <a:alpha val="90000"/>
-      </a:schemeClr>
-      <a:schemeClr val="accent3">
-        <a:tint val="40000"/>
-        <a:alpha val="90000"/>
-      </a:schemeClr>
-      <a:schemeClr val="accent4">
-        <a:tint val="40000"/>
-        <a:alpha val="90000"/>
-      </a:schemeClr>
-      <a:schemeClr val="accent5">
-        <a:tint val="40000"/>
-        <a:alpha val="90000"/>
-      </a:schemeClr>
-      <a:schemeClr val="accent6">
-        <a:tint val="40000"/>
-        <a:alpha val="90000"/>
       </a:schemeClr>
     </dgm:linClrLst>
     <dgm:effectClrLst/>
@@ -916,14 +830,18 @@
     </dgm:txFillClrLst>
     <dgm:txEffectClrLst/>
   </dgm:styleLbl>
-  <dgm:styleLbl name="fgAcc0">
+  <dgm:styleLbl name="alignAccFollowNode1">
     <dgm:fillClrLst meth="repeat">
-      <a:schemeClr val="lt1">
+      <a:schemeClr val="accent1">
         <a:alpha val="90000"/>
+        <a:tint val="40000"/>
       </a:schemeClr>
     </dgm:fillClrLst>
-    <dgm:linClrLst>
-      <a:schemeClr val="accent1"/>
+    <dgm:linClrLst meth="repeat">
+      <a:schemeClr val="accent1">
+        <a:alpha val="90000"/>
+        <a:tint val="40000"/>
+      </a:schemeClr>
     </dgm:linClrLst>
     <dgm:effectClrLst/>
     <dgm:txLinClrLst/>
@@ -932,14 +850,15 @@
     </dgm:txFillClrLst>
     <dgm:txEffectClrLst/>
   </dgm:styleLbl>
-  <dgm:styleLbl name="fgAcc2">
+  <dgm:styleLbl name="bgAccFollowNode1">
     <dgm:fillClrLst meth="repeat">
-      <a:schemeClr val="lt1">
+      <a:schemeClr val="accent1">
         <a:alpha val="90000"/>
+        <a:tint val="40000"/>
       </a:schemeClr>
     </dgm:fillClrLst>
-    <dgm:linClrLst>
-      <a:schemeClr val="accent2"/>
+    <dgm:linClrLst meth="repeat">
+      <a:schemeClr val="lt1"/>
     </dgm:linClrLst>
     <dgm:effectClrLst/>
     <dgm:txLinClrLst/>
@@ -948,14 +867,16 @@
     </dgm:txFillClrLst>
     <dgm:txEffectClrLst/>
   </dgm:styleLbl>
-  <dgm:styleLbl name="fgAcc3">
+  <dgm:styleLbl name="fgAcc0">
     <dgm:fillClrLst meth="repeat">
       <a:schemeClr val="lt1">
         <a:alpha val="90000"/>
       </a:schemeClr>
     </dgm:fillClrLst>
-    <dgm:linClrLst>
-      <a:schemeClr val="accent3"/>
+    <dgm:linClrLst meth="repeat">
+      <a:schemeClr val="accent1">
+        <a:shade val="80000"/>
+      </a:schemeClr>
     </dgm:linClrLst>
     <dgm:effectClrLst/>
     <dgm:txLinClrLst/>
@@ -964,14 +885,16 @@
     </dgm:txFillClrLst>
     <dgm:txEffectClrLst/>
   </dgm:styleLbl>
-  <dgm:styleLbl name="fgAcc4">
+  <dgm:styleLbl name="fgAcc2">
     <dgm:fillClrLst meth="repeat">
       <a:schemeClr val="lt1">
         <a:alpha val="90000"/>
       </a:schemeClr>
     </dgm:fillClrLst>
-    <dgm:linClrLst>
-      <a:schemeClr val="accent4"/>
+    <dgm:linClrLst meth="repeat">
+      <a:schemeClr val="accent1">
+        <a:tint val="99000"/>
+      </a:schemeClr>
     </dgm:linClrLst>
     <dgm:effectClrLst/>
     <dgm:txLinClrLst/>
@@ -980,9 +903,45 @@
     </dgm:txFillClrLst>
     <dgm:txEffectClrLst/>
   </dgm:styleLbl>
+  <dgm:styleLbl name="fgAcc3">
+    <dgm:fillClrLst meth="repeat">
+      <a:schemeClr val="lt1">
+        <a:alpha val="90000"/>
+      </a:schemeClr>
+    </dgm:fillClrLst>
+    <dgm:linClrLst meth="repeat">
+      <a:schemeClr val="accent1">
+        <a:tint val="80000"/>
+      </a:schemeClr>
+    </dgm:linClrLst>
+    <dgm:effectClrLst/>
+    <dgm:txLinClrLst/>
+    <dgm:txFillClrLst meth="repeat">
+      <a:schemeClr val="dk1"/>
+    </dgm:txFillClrLst>
+    <dgm:txEffectClrLst/>
+  </dgm:styleLbl>
+  <dgm:styleLbl name="fgAcc4">
+    <dgm:fillClrLst meth="repeat">
+      <a:schemeClr val="lt1">
+        <a:alpha val="90000"/>
+      </a:schemeClr>
+    </dgm:fillClrLst>
+    <dgm:linClrLst meth="repeat">
+      <a:schemeClr val="accent1">
+        <a:tint val="70000"/>
+      </a:schemeClr>
+    </dgm:linClrLst>
+    <dgm:effectClrLst/>
+    <dgm:txLinClrLst/>
+    <dgm:txFillClrLst meth="repeat">
+      <a:schemeClr val="dk1"/>
+    </dgm:txFillClrLst>
+    <dgm:txEffectClrLst/>
+  </dgm:styleLbl>
   <dgm:styleLbl name="bgShp">
     <dgm:fillClrLst meth="repeat">
-      <a:schemeClr val="accent2">
+      <a:schemeClr val="accent1">
         <a:tint val="40000"/>
       </a:schemeClr>
     </dgm:fillClrLst>
@@ -998,7 +957,7 @@
   </dgm:styleLbl>
   <dgm:styleLbl name="dkBgShp">
     <dgm:fillClrLst meth="repeat">
-      <a:schemeClr val="accent2">
+      <a:schemeClr val="accent1">
         <a:shade val="90000"/>
       </a:schemeClr>
     </dgm:fillClrLst>
@@ -1020,7 +979,7 @@
       </a:schemeClr>
     </dgm:fillClrLst>
     <dgm:linClrLst meth="repeat">
-      <a:schemeClr val="accent2"/>
+      <a:schemeClr val="accent1"/>
     </dgm:linClrLst>
     <dgm:effectClrLst/>
     <dgm:txLinClrLst/>
@@ -1031,7 +990,7 @@
   </dgm:styleLbl>
   <dgm:styleLbl name="fgShp">
     <dgm:fillClrLst meth="repeat">
-      <a:schemeClr val="accent2">
+      <a:schemeClr val="accent1">
         <a:tint val="40000"/>
       </a:schemeClr>
     </dgm:fillClrLst>
@@ -2564,7 +2523,7 @@
 <dgm:dataModel xmlns:dgm="http://schemas.openxmlformats.org/drawingml/2006/diagram" xmlns:a="http://schemas.openxmlformats.org/drawingml/2006/main">
   <dgm:ptLst>
     <dgm:pt modelId="{7F00E8CE-6E56-4F4D-88C9-C0473C61FC8D}" type="doc">
-      <dgm:prSet loTypeId="urn:microsoft.com/office/officeart/2005/8/layout/process1" loCatId="process" qsTypeId="urn:microsoft.com/office/officeart/2005/8/quickstyle/simple1" qsCatId="simple" csTypeId="urn:microsoft.com/office/officeart/2005/8/colors/colorful1" csCatId="colorful" phldr="1"/>
+      <dgm:prSet loTypeId="urn:microsoft.com/office/officeart/2005/8/layout/process1" loCatId="process" qsTypeId="urn:microsoft.com/office/officeart/2005/8/quickstyle/simple1" qsCatId="simple" csTypeId="urn:microsoft.com/office/officeart/2005/8/colors/accent1_3" csCatId="accent1" phldr="1"/>
       <dgm:spPr/>
       <dgm:t>
         <a:bodyPr/>
@@ -3529,7 +3488,7 @@
         <a:bodyPr/>
         <a:lstStyle/>
         <a:p>
-          <a:endParaRPr lang="en-US" sz="2000"/>
+          <a:endParaRPr lang="en-US" sz="2000" dirty="0"/>
         </a:p>
       </dgm:t>
     </dgm:pt>
@@ -3565,7 +3524,7 @@
         <a:bodyPr/>
         <a:lstStyle/>
         <a:p>
-          <a:endParaRPr lang="en-US" sz="2000"/>
+          <a:endParaRPr lang="en-US" sz="2000" dirty="0"/>
         </a:p>
       </dgm:t>
     </dgm:pt>
@@ -3601,7 +3560,7 @@
         <a:bodyPr/>
         <a:lstStyle/>
         <a:p>
-          <a:endParaRPr lang="en-US" sz="2000"/>
+          <a:endParaRPr lang="en-US" sz="2000" dirty="0"/>
         </a:p>
       </dgm:t>
     </dgm:pt>
@@ -3659,7 +3618,7 @@
       <dgm:spPr/>
     </dgm:pt>
     <dgm:pt modelId="{C6C5D930-BF4B-4826-8EF5-9713E075F297}" type="pres">
-      <dgm:prSet presAssocID="{BF9479A6-8E44-468C-865C-A5AF6CB9B728}" presName="node" presStyleLbl="node1" presStyleIdx="0" presStyleCnt="4">
+      <dgm:prSet presAssocID="{BF9479A6-8E44-468C-865C-A5AF6CB9B728}" presName="node" presStyleLbl="node1" presStyleIdx="0" presStyleCnt="4" custScaleX="118173">
         <dgm:presLayoutVars>
           <dgm:bulletEnabled val="1"/>
         </dgm:presLayoutVars>
@@ -3838,7 +3797,7 @@
       <dsp:spPr>
         <a:xfrm>
           <a:off x="12389" y="0"/>
-          <a:ext cx="2379742" cy="2624070"/>
+          <a:ext cx="2379742" cy="2624137"/>
         </a:xfrm>
         <a:prstGeom prst="roundRect">
           <a:avLst>
@@ -3846,7 +3805,8 @@
           </a:avLst>
         </a:prstGeom>
         <a:solidFill>
-          <a:schemeClr val="accent2">
+          <a:schemeClr val="accent1">
+            <a:shade val="80000"/>
             <a:hueOff val="0"/>
             <a:satOff val="0"/>
             <a:lumOff val="0"/>
@@ -3994,7 +3954,7 @@
       </dsp:txBody>
       <dsp:txXfrm>
         <a:off x="82089" y="69700"/>
-        <a:ext cx="2240342" cy="2484670"/>
+        <a:ext cx="2240342" cy="2484737"/>
       </dsp:txXfrm>
     </dsp:sp>
     <dsp:sp modelId="{1F338E8C-445B-4795-9DFA-DDBCD4CD0223}">
@@ -4004,7 +3964,7 @@
       </dsp:nvSpPr>
       <dsp:spPr>
         <a:xfrm>
-          <a:off x="2630106" y="1016946"/>
+          <a:off x="2630106" y="1016980"/>
           <a:ext cx="504505" cy="590176"/>
         </a:xfrm>
         <a:prstGeom prst="rightArrow">
@@ -4014,7 +3974,8 @@
           </a:avLst>
         </a:prstGeom>
         <a:solidFill>
-          <a:schemeClr val="accent2">
+          <a:schemeClr val="accent1">
+            <a:shade val="90000"/>
             <a:hueOff val="0"/>
             <a:satOff val="0"/>
             <a:lumOff val="0"/>
@@ -4061,7 +4022,7 @@
         </a:p>
       </dsp:txBody>
       <dsp:txXfrm>
-        <a:off x="2630106" y="1134981"/>
+        <a:off x="2630106" y="1135015"/>
         <a:ext cx="353154" cy="354106"/>
       </dsp:txXfrm>
     </dsp:sp>
@@ -4073,7 +4034,7 @@
       <dsp:spPr>
         <a:xfrm>
           <a:off x="3344028" y="0"/>
-          <a:ext cx="2379742" cy="2624070"/>
+          <a:ext cx="2379742" cy="2624137"/>
         </a:xfrm>
         <a:prstGeom prst="roundRect">
           <a:avLst>
@@ -4081,10 +4042,11 @@
           </a:avLst>
         </a:prstGeom>
         <a:solidFill>
-          <a:schemeClr val="accent3">
-            <a:hueOff val="0"/>
-            <a:satOff val="0"/>
-            <a:lumOff val="0"/>
+          <a:schemeClr val="accent1">
+            <a:shade val="80000"/>
+            <a:hueOff val="-15506"/>
+            <a:satOff val="191"/>
+            <a:lumOff val="10323"/>
             <a:alphaOff val="0"/>
           </a:schemeClr>
         </a:solidFill>
@@ -4245,7 +4207,7 @@
       </dsp:txBody>
       <dsp:txXfrm>
         <a:off x="3413728" y="69700"/>
-        <a:ext cx="2240342" cy="2484670"/>
+        <a:ext cx="2240342" cy="2484737"/>
       </dsp:txXfrm>
     </dsp:sp>
     <dsp:sp modelId="{F461BE5B-401D-414A-9175-B95B6C23DC9D}">
@@ -4255,7 +4217,7 @@
       </dsp:nvSpPr>
       <dsp:spPr>
         <a:xfrm>
-          <a:off x="5961745" y="1016946"/>
+          <a:off x="5961745" y="1016980"/>
           <a:ext cx="504505" cy="590176"/>
         </a:xfrm>
         <a:prstGeom prst="rightArrow">
@@ -4265,10 +4227,11 @@
           </a:avLst>
         </a:prstGeom>
         <a:solidFill>
-          <a:schemeClr val="accent3">
-            <a:hueOff val="0"/>
-            <a:satOff val="0"/>
-            <a:lumOff val="0"/>
+          <a:schemeClr val="accent1">
+            <a:shade val="90000"/>
+            <a:hueOff val="-31025"/>
+            <a:satOff val="-361"/>
+            <a:lumOff val="17617"/>
             <a:alphaOff val="0"/>
           </a:schemeClr>
         </a:solidFill>
@@ -4312,7 +4275,7 @@
         </a:p>
       </dsp:txBody>
       <dsp:txXfrm>
-        <a:off x="5961745" y="1134981"/>
+        <a:off x="5961745" y="1135015"/>
         <a:ext cx="353154" cy="354106"/>
       </dsp:txXfrm>
     </dsp:sp>
@@ -4324,7 +4287,7 @@
       <dsp:spPr>
         <a:xfrm>
           <a:off x="6675668" y="0"/>
-          <a:ext cx="2379742" cy="2624070"/>
+          <a:ext cx="2379742" cy="2624137"/>
         </a:xfrm>
         <a:prstGeom prst="roundRect">
           <a:avLst>
@@ -4332,10 +4295,11 @@
           </a:avLst>
         </a:prstGeom>
         <a:solidFill>
-          <a:schemeClr val="accent4">
-            <a:hueOff val="0"/>
-            <a:satOff val="0"/>
-            <a:lumOff val="0"/>
+          <a:schemeClr val="accent1">
+            <a:shade val="80000"/>
+            <a:hueOff val="-31013"/>
+            <a:satOff val="383"/>
+            <a:lumOff val="20646"/>
             <a:alphaOff val="0"/>
           </a:schemeClr>
         </a:solidFill>
@@ -4505,7 +4469,7 @@
       </dsp:txBody>
       <dsp:txXfrm>
         <a:off x="6745368" y="69700"/>
-        <a:ext cx="2240342" cy="2484670"/>
+        <a:ext cx="2240342" cy="2484737"/>
       </dsp:txXfrm>
     </dsp:sp>
   </dsp:spTree>
@@ -4764,8 +4728,8 @@
       </dsp:nvSpPr>
       <dsp:spPr>
         <a:xfrm>
-          <a:off x="7525" y="136565"/>
-          <a:ext cx="1557740" cy="1022267"/>
+          <a:off x="4460" y="131766"/>
+          <a:ext cx="1780013" cy="1031866"/>
         </a:xfrm>
         <a:prstGeom prst="roundRect">
           <a:avLst>
@@ -4831,8 +4795,8 @@
         </a:p>
       </dsp:txBody>
       <dsp:txXfrm>
-        <a:off x="37466" y="166506"/>
-        <a:ext cx="1497858" cy="962385"/>
+        <a:off x="34682" y="161988"/>
+        <a:ext cx="1719569" cy="971422"/>
       </dsp:txXfrm>
     </dsp:sp>
     <dsp:sp modelId="{F743BBA3-F85A-4955-B22D-74C8A453CDA2}">
@@ -4842,8 +4806,8 @@
       </dsp:nvSpPr>
       <dsp:spPr>
         <a:xfrm>
-          <a:off x="1721039" y="454539"/>
-          <a:ext cx="330240" cy="386319"/>
+          <a:off x="1935101" y="460921"/>
+          <a:ext cx="319330" cy="373556"/>
         </a:xfrm>
         <a:prstGeom prst="rightArrow">
           <a:avLst>
@@ -4896,12 +4860,12 @@
               <a:spcPct val="35000"/>
             </a:spcAft>
           </a:pPr>
-          <a:endParaRPr lang="en-US" sz="2000" kern="1200"/>
+          <a:endParaRPr lang="en-US" sz="2000" kern="1200" dirty="0"/>
         </a:p>
       </dsp:txBody>
       <dsp:txXfrm>
-        <a:off x="1721039" y="531803"/>
-        <a:ext cx="231168" cy="231791"/>
+        <a:off x="1935101" y="535632"/>
+        <a:ext cx="223531" cy="224134"/>
       </dsp:txXfrm>
     </dsp:sp>
     <dsp:sp modelId="{34C7BCB3-04DB-45C7-9A42-320BFF7BC6DD}">
@@ -4911,8 +4875,8 @@
       </dsp:nvSpPr>
       <dsp:spPr>
         <a:xfrm>
-          <a:off x="2188361" y="136565"/>
-          <a:ext cx="1557740" cy="1022267"/>
+          <a:off x="2386984" y="131766"/>
+          <a:ext cx="1506277" cy="1031866"/>
         </a:xfrm>
         <a:prstGeom prst="roundRect">
           <a:avLst>
@@ -4978,8 +4942,8 @@
         </a:p>
       </dsp:txBody>
       <dsp:txXfrm>
-        <a:off x="2218302" y="166506"/>
-        <a:ext cx="1497858" cy="962385"/>
+        <a:off x="2417206" y="161988"/>
+        <a:ext cx="1445833" cy="971422"/>
       </dsp:txXfrm>
     </dsp:sp>
     <dsp:sp modelId="{9C101147-473E-42D2-A0E5-5ABF38B50C73}">
@@ -4989,8 +4953,8 @@
       </dsp:nvSpPr>
       <dsp:spPr>
         <a:xfrm>
-          <a:off x="3901875" y="454539"/>
-          <a:ext cx="330240" cy="386319"/>
+          <a:off x="4043890" y="460921"/>
+          <a:ext cx="319330" cy="373556"/>
         </a:xfrm>
         <a:prstGeom prst="rightArrow">
           <a:avLst>
@@ -5043,12 +5007,12 @@
               <a:spcPct val="35000"/>
             </a:spcAft>
           </a:pPr>
-          <a:endParaRPr lang="en-US" sz="2000" kern="1200"/>
+          <a:endParaRPr lang="en-US" sz="2000" kern="1200" dirty="0"/>
         </a:p>
       </dsp:txBody>
       <dsp:txXfrm>
-        <a:off x="3901875" y="531803"/>
-        <a:ext cx="231168" cy="231791"/>
+        <a:off x="4043890" y="535632"/>
+        <a:ext cx="223531" cy="224134"/>
       </dsp:txXfrm>
     </dsp:sp>
     <dsp:sp modelId="{732646D0-614E-4567-8EB3-FE5BADE041C4}">
@@ -5058,8 +5022,8 @@
       </dsp:nvSpPr>
       <dsp:spPr>
         <a:xfrm>
-          <a:off x="4369198" y="136565"/>
-          <a:ext cx="1557740" cy="1022267"/>
+          <a:off x="4495773" y="131766"/>
+          <a:ext cx="1506277" cy="1031866"/>
         </a:xfrm>
         <a:prstGeom prst="roundRect">
           <a:avLst>
@@ -5125,8 +5089,8 @@
         </a:p>
       </dsp:txBody>
       <dsp:txXfrm>
-        <a:off x="4399139" y="166506"/>
-        <a:ext cx="1497858" cy="962385"/>
+        <a:off x="4525995" y="161988"/>
+        <a:ext cx="1445833" cy="971422"/>
       </dsp:txXfrm>
     </dsp:sp>
     <dsp:sp modelId="{C450CEE9-1A94-4A67-8B6D-B4519DBA50F0}">
@@ -5136,8 +5100,8 @@
       </dsp:nvSpPr>
       <dsp:spPr>
         <a:xfrm>
-          <a:off x="6082712" y="454539"/>
-          <a:ext cx="330240" cy="386319"/>
+          <a:off x="6152678" y="460921"/>
+          <a:ext cx="319330" cy="373556"/>
         </a:xfrm>
         <a:prstGeom prst="rightArrow">
           <a:avLst>
@@ -5190,12 +5154,12 @@
               <a:spcPct val="35000"/>
             </a:spcAft>
           </a:pPr>
-          <a:endParaRPr lang="en-US" sz="2000" kern="1200"/>
+          <a:endParaRPr lang="en-US" sz="2000" kern="1200" dirty="0"/>
         </a:p>
       </dsp:txBody>
       <dsp:txXfrm>
-        <a:off x="6082712" y="531803"/>
-        <a:ext cx="231168" cy="231791"/>
+        <a:off x="6152678" y="535632"/>
+        <a:ext cx="223531" cy="224134"/>
       </dsp:txXfrm>
     </dsp:sp>
     <dsp:sp modelId="{E1A97CE5-89F8-4DCF-B4DC-A0ABABE32E9B}">
@@ -5205,8 +5169,8 @@
       </dsp:nvSpPr>
       <dsp:spPr>
         <a:xfrm>
-          <a:off x="6550034" y="136565"/>
-          <a:ext cx="1557740" cy="1022267"/>
+          <a:off x="6604561" y="131766"/>
+          <a:ext cx="1506277" cy="1031866"/>
         </a:xfrm>
         <a:prstGeom prst="roundRect">
           <a:avLst>
@@ -5280,8 +5244,8 @@
         </a:p>
       </dsp:txBody>
       <dsp:txXfrm>
-        <a:off x="6579975" y="166506"/>
-        <a:ext cx="1497858" cy="962385"/>
+        <a:off x="6634783" y="161988"/>
+        <a:ext cx="1445833" cy="971422"/>
       </dsp:txXfrm>
     </dsp:sp>
   </dsp:spTree>
@@ -9326,31 +9290,24 @@
           <a:p>
             <a:r>
               <a:rPr lang="en-US" dirty="0"/>
-              <a:t>Asparagus is useful</a:t>
+              <a:t>Complex: hormonal controls, small RNAs, epigenetic marks all interact to</a:t>
             </a:r>
             <a:r>
               <a:rPr lang="en-US" baseline="0" dirty="0"/>
-              <a:t> for the study of early stages of sex chromosome evolution in plants. </a:t>
-            </a:r>
-          </a:p>
-          <a:p>
-            <a:endParaRPr lang="en-US" baseline="0" dirty="0"/>
+              <a:t> result in proper flower development. </a:t>
+            </a:r>
+            <a:endParaRPr lang="en-US" dirty="0"/>
           </a:p>
           <a:p>
             <a:r>
               <a:rPr lang="en-US" dirty="0"/>
-              <a:t>Picture:</a:t>
+              <a:t>In nonrecombining sex determination</a:t>
             </a:r>
             <a:r>
               <a:rPr lang="en-US" baseline="0" dirty="0"/>
-              <a:t> https://en.wikipedia.org/wiki/Asparagus</a:t>
-            </a:r>
-          </a:p>
-          <a:p>
-            <a:r>
-              <a:rPr lang="en-US" dirty="0"/>
-              <a:t>http://www.ias.ac.in/article/fulltext/jgen/091/02/0209-0212&lt;--Deng et al, 2012</a:t>
-            </a:r>
+              <a:t> regions </a:t>
+            </a:r>
+            <a:endParaRPr lang="en-US" dirty="0"/>
           </a:p>
         </p:txBody>
       </p:sp>
@@ -9380,7 +9337,7 @@
     </p:spTree>
     <p:extLst>
       <p:ext uri="{BB962C8B-B14F-4D97-AF65-F5344CB8AC3E}">
-        <p14:creationId xmlns:p14="http://schemas.microsoft.com/office/powerpoint/2010/main" val="1018553607"/>
+        <p14:creationId xmlns:p14="http://schemas.microsoft.com/office/powerpoint/2010/main" val="3537919723"/>
       </p:ext>
     </p:extLst>
   </p:cSld>
@@ -9435,25 +9392,54 @@
           <a:lstStyle/>
           <a:p>
             <a:r>
+              <a:rPr lang="en-US" sz="1200" b="0" i="0" kern="1200" dirty="0" smtClean="0">
+                <a:solidFill>
+                  <a:schemeClr val="tx1"/>
+                </a:solidFill>
+                <a:effectLst/>
+                <a:latin typeface="+mn-lt"/>
+                <a:ea typeface="+mn-ea"/>
+                <a:cs typeface="+mn-cs"/>
+              </a:rPr>
+              <a:t>the karyotype of asparagus using 5S rDNA</a:t>
+            </a:r>
+            <a:endParaRPr lang="en-US" dirty="0" smtClean="0"/>
+          </a:p>
+          <a:p>
+            <a:endParaRPr lang="en-US" dirty="0" smtClean="0"/>
+          </a:p>
+          <a:p>
+            <a:r>
+              <a:rPr lang="en-US" dirty="0" smtClean="0"/>
+              <a:t>Asparagus </a:t>
+            </a:r>
+            <a:r>
               <a:rPr lang="en-US" dirty="0"/>
-              <a:t>Complex: hormonal controls, small RNAs, epigenetic marks all interact to</a:t>
+              <a:t>is useful</a:t>
             </a:r>
             <a:r>
               <a:rPr lang="en-US" baseline="0" dirty="0"/>
-              <a:t> result in proper flower development. </a:t>
-            </a:r>
-            <a:endParaRPr lang="en-US" dirty="0"/>
+              <a:t> for the study of early stages of sex chromosome evolution in plants. </a:t>
+            </a:r>
+          </a:p>
+          <a:p>
+            <a:endParaRPr lang="en-US" baseline="0" dirty="0"/>
           </a:p>
           <a:p>
             <a:r>
               <a:rPr lang="en-US" dirty="0"/>
-              <a:t>In nonrecombining sex determination</a:t>
+              <a:t>Picture:</a:t>
             </a:r>
             <a:r>
               <a:rPr lang="en-US" baseline="0" dirty="0"/>
-              <a:t> regions </a:t>
-            </a:r>
-            <a:endParaRPr lang="en-US" dirty="0"/>
+              <a:t> https://en.wikipedia.org/wiki/Asparagus</a:t>
+            </a:r>
+          </a:p>
+          <a:p>
+            <a:r>
+              <a:rPr lang="en-US" dirty="0"/>
+              <a:t>http://www.ias.ac.in/article/fulltext/jgen/091/02/0209-0212&lt;--Deng et al, 2012</a:t>
+            </a:r>
           </a:p>
         </p:txBody>
       </p:sp>
@@ -9483,7 +9469,7 @@
     </p:spTree>
     <p:extLst>
       <p:ext uri="{BB962C8B-B14F-4D97-AF65-F5344CB8AC3E}">
-        <p14:creationId xmlns:p14="http://schemas.microsoft.com/office/powerpoint/2010/main" val="3537919723"/>
+        <p14:creationId xmlns:p14="http://schemas.microsoft.com/office/powerpoint/2010/main" val="1018553607"/>
       </p:ext>
     </p:extLst>
   </p:cSld>
@@ -12789,64 +12775,136 @@
           <a:p>
             <a:pPr algn="ctr"/>
             <a:r>
-              <a:rPr lang="en-US" sz="3200" b="1" u="sng" dirty="0" smtClean="0"/>
+              <a:rPr lang="en-US" sz="3200" b="1" u="sng" dirty="0" smtClean="0">
+                <a:solidFill>
+                  <a:schemeClr val="tx1"/>
+                </a:solidFill>
+              </a:rPr>
               <a:t>Team </a:t>
             </a:r>
             <a:r>
-              <a:rPr lang="en-US" sz="3200" b="1" u="sng" dirty="0" err="1" smtClean="0"/>
+              <a:rPr lang="en-US" sz="3200" b="1" u="sng" dirty="0" err="1" smtClean="0">
+                <a:solidFill>
+                  <a:schemeClr val="tx1"/>
+                </a:solidFill>
+              </a:rPr>
               <a:t>Valerin</a:t>
             </a:r>
-            <a:endParaRPr lang="en-US" sz="3200" b="1" u="sng" dirty="0" smtClean="0"/>
+            <a:endParaRPr lang="en-US" sz="3200" b="1" u="sng" dirty="0" smtClean="0">
+              <a:solidFill>
+                <a:schemeClr val="tx1"/>
+              </a:solidFill>
+            </a:endParaRPr>
           </a:p>
           <a:p>
             <a:pPr algn="ctr"/>
-            <a:endParaRPr lang="en-US" sz="1050" b="1" u="sng" dirty="0" smtClean="0"/>
+            <a:endParaRPr lang="en-US" sz="1050" b="1" u="sng" dirty="0" smtClean="0">
+              <a:solidFill>
+                <a:schemeClr val="tx1"/>
+              </a:solidFill>
+            </a:endParaRPr>
           </a:p>
           <a:p>
             <a:pPr algn="ctr"/>
             <a:r>
-              <a:rPr lang="en-US" sz="2800" b="1" u="sng" dirty="0" smtClean="0"/>
+              <a:rPr lang="en-US" sz="2800" b="1" u="sng" dirty="0" smtClean="0">
+                <a:solidFill>
+                  <a:schemeClr val="tx1"/>
+                </a:solidFill>
+              </a:rPr>
               <a:t>Val</a:t>
             </a:r>
             <a:r>
-              <a:rPr lang="en-US" sz="2800" dirty="0" smtClean="0"/>
+              <a:rPr lang="en-US" sz="2800" dirty="0" smtClean="0">
+                <a:solidFill>
+                  <a:schemeClr val="tx1"/>
+                </a:solidFill>
+              </a:rPr>
               <a:t>eria</a:t>
             </a:r>
             <a:r>
-              <a:rPr lang="en-US" sz="2800" dirty="0"/>
+              <a:rPr lang="en-US" sz="2800" dirty="0">
+                <a:solidFill>
+                  <a:schemeClr val="tx1"/>
+                </a:solidFill>
+              </a:rPr>
               <a:t>, Kat</a:t>
             </a:r>
             <a:r>
-              <a:rPr lang="en-US" sz="2800" b="1" u="sng" dirty="0"/>
+              <a:rPr lang="en-US" sz="2800" b="1" u="sng" dirty="0">
+                <a:solidFill>
+                  <a:schemeClr val="tx1"/>
+                </a:solidFill>
+              </a:rPr>
               <a:t>er</a:t>
             </a:r>
             <a:r>
-              <a:rPr lang="en-US" sz="2800" dirty="0"/>
-              <a:t>ina, and Dev</a:t>
-            </a:r>
-            <a:r>
-              <a:rPr lang="en-US" sz="2800" b="1" u="sng" dirty="0"/>
+              <a:rPr lang="en-US" sz="2800" dirty="0">
+                <a:solidFill>
+                  <a:schemeClr val="tx1"/>
+                </a:solidFill>
+              </a:rPr>
+              <a:t>ina, and </a:t>
+            </a:r>
+            <a:r>
+              <a:rPr lang="en-US" sz="2800" dirty="0" smtClean="0">
+                <a:solidFill>
+                  <a:schemeClr val="tx1"/>
+                </a:solidFill>
+              </a:rPr>
+              <a:t>Dev</a:t>
+            </a:r>
+            <a:r>
+              <a:rPr lang="en-US" sz="2800" b="1" u="sng" dirty="0" smtClean="0">
+                <a:solidFill>
+                  <a:schemeClr val="tx1"/>
+                </a:solidFill>
+              </a:rPr>
               <a:t>in</a:t>
             </a:r>
           </a:p>
           <a:p>
             <a:pPr algn="ctr"/>
-            <a:r>
-              <a:rPr lang="en-US" dirty="0"/>
+            <a:endParaRPr lang="en-US" sz="1050" b="1" u="sng" dirty="0">
+              <a:solidFill>
+                <a:schemeClr val="tx1"/>
+              </a:solidFill>
+            </a:endParaRPr>
+          </a:p>
+          <a:p>
+            <a:pPr algn="ctr"/>
+            <a:r>
+              <a:rPr lang="en-US" dirty="0">
+                <a:solidFill>
+                  <a:schemeClr val="tx1"/>
+                </a:solidFill>
+              </a:rPr>
               <a:t>BCB 546X Group </a:t>
             </a:r>
             <a:r>
-              <a:rPr lang="en-US" dirty="0" smtClean="0"/>
+              <a:rPr lang="en-US" dirty="0" smtClean="0">
+                <a:solidFill>
+                  <a:schemeClr val="tx1"/>
+                </a:solidFill>
+              </a:rPr>
               <a:t>Project</a:t>
             </a:r>
           </a:p>
           <a:p>
             <a:pPr algn="ctr"/>
             <a:r>
-              <a:rPr lang="en-US" dirty="0" smtClean="0"/>
+              <a:rPr lang="en-US" dirty="0" smtClean="0">
+                <a:solidFill>
+                  <a:schemeClr val="tx1"/>
+                </a:solidFill>
+              </a:rPr>
               <a:t>April 27, 2017</a:t>
             </a:r>
-            <a:endParaRPr lang="en-US" dirty="0"/>
+            <a:endParaRPr lang="en-US" dirty="0">
+              <a:solidFill>
+                <a:schemeClr val="tx1"/>
+              </a:solidFill>
+            </a:endParaRPr>
           </a:p>
         </p:txBody>
       </p:sp>
@@ -13032,7 +13090,7 @@
           <a:lstStyle/>
           <a:p>
             <a:r>
-              <a:rPr lang="es-ES" dirty="0" err="1" smtClean="0"/>
+              <a:rPr lang="es-ES" dirty="0" smtClean="0"/>
               <a:t>Calculating</a:t>
             </a:r>
             <a:r>
@@ -13040,7 +13098,7 @@
               <a:t> </a:t>
             </a:r>
             <a:r>
-              <a:rPr lang="es-ES" dirty="0" err="1" smtClean="0"/>
+              <a:rPr lang="es-ES" dirty="0" smtClean="0"/>
               <a:t>transcript</a:t>
             </a:r>
             <a:r>
@@ -13048,7 +13106,7 @@
               <a:t> </a:t>
             </a:r>
             <a:r>
-              <a:rPr lang="es-ES" dirty="0" err="1" smtClean="0"/>
+              <a:rPr lang="es-ES" dirty="0" smtClean="0"/>
               <a:t>abundance</a:t>
             </a:r>
             <a:r>
@@ -13056,7 +13114,7 @@
               <a:t> </a:t>
             </a:r>
             <a:r>
-              <a:rPr lang="es-ES" dirty="0" err="1" smtClean="0"/>
+              <a:rPr lang="es-ES" dirty="0" smtClean="0"/>
               <a:t>for</a:t>
             </a:r>
             <a:r>
@@ -13064,7 +13122,7 @@
               <a:t> </a:t>
             </a:r>
             <a:r>
-              <a:rPr lang="es-ES" dirty="0" err="1" smtClean="0"/>
+              <a:rPr lang="es-ES" dirty="0" smtClean="0"/>
               <a:t>differential</a:t>
             </a:r>
             <a:r>
@@ -13072,7 +13130,7 @@
               <a:t> </a:t>
             </a:r>
             <a:r>
-              <a:rPr lang="es-ES" dirty="0" err="1" smtClean="0"/>
+              <a:rPr lang="es-ES" dirty="0" smtClean="0"/>
               <a:t>expression</a:t>
             </a:r>
             <a:endParaRPr lang="en-US" dirty="0"/>
@@ -13128,8 +13186,8 @@
         </p:nvSpPr>
         <p:spPr>
           <a:xfrm>
-            <a:off x="3810000" y="5943600"/>
-            <a:ext cx="5486400" cy="246221"/>
+            <a:off x="2209800" y="6550223"/>
+            <a:ext cx="6934200" cy="307777"/>
           </a:xfrm>
           <a:prstGeom prst="rect">
             <a:avLst/>
@@ -13141,8 +13199,9 @@
           </a:bodyPr>
           <a:lstStyle/>
           <a:p>
-            <a:r>
-              <a:rPr lang="en-US" sz="1000" dirty="0"/>
+            <a:pPr algn="r"/>
+            <a:r>
+              <a:rPr lang="en-US" sz="1400" dirty="0"/>
               <a:t>https://cgrlucb.wikispaces.com/Isoform+Deconvolution+and+Unannotated+Species</a:t>
             </a:r>
           </a:p>
@@ -13232,12 +13291,8 @@
           <a:lstStyle/>
           <a:p>
             <a:r>
-              <a:rPr lang="en-US" dirty="0" err="1"/>
-              <a:t>Transcriptome</a:t>
-            </a:r>
-            <a:r>
               <a:rPr lang="en-US" dirty="0"/>
-              <a:t> Profiling</a:t>
+              <a:t>Transcriptome Profiling</a:t>
             </a:r>
           </a:p>
         </p:txBody>
@@ -13252,13 +13307,13 @@
             <p:ph idx="1"/>
             <p:extLst>
               <p:ext uri="{D42A27DB-BD31-4B8C-83A1-F6EECF244321}">
-                <p14:modId xmlns:p14="http://schemas.microsoft.com/office/powerpoint/2010/main" val="1716075429"/>
+                <p14:modId xmlns:p14="http://schemas.microsoft.com/office/powerpoint/2010/main" val="3370447130"/>
               </p:ext>
             </p:extLst>
           </p:nvPr>
         </p:nvGraphicFramePr>
         <p:xfrm>
-          <a:off x="533400" y="3276600"/>
+          <a:off x="381000" y="3276600"/>
           <a:ext cx="8115300" cy="1295399"/>
         </p:xfrm>
         <a:graphic>
@@ -13276,11 +13331,18 @@
         <p:spPr>
           <a:xfrm>
             <a:off x="617635" y="2104311"/>
-            <a:ext cx="1119730" cy="523220"/>
+            <a:ext cx="1180131" cy="523220"/>
           </a:xfrm>
           <a:prstGeom prst="rect">
             <a:avLst/>
           </a:prstGeom>
+          <a:ln>
+            <a:solidFill>
+              <a:schemeClr val="bg1">
+                <a:lumMod val="65000"/>
+              </a:schemeClr>
+            </a:solidFill>
+          </a:ln>
         </p:spPr>
         <p:style>
           <a:lnRef idx="2">
@@ -13302,12 +13364,17 @@
           </a:bodyPr>
           <a:lstStyle/>
           <a:p>
+            <a:pPr algn="ctr"/>
             <a:r>
               <a:rPr lang="es-ES" sz="1400" dirty="0" err="1"/>
-              <a:t>raw</a:t>
-            </a:r>
-            <a:r>
-              <a:rPr lang="es-ES" sz="1400" dirty="0"/>
+              <a:t>R</a:t>
+            </a:r>
+            <a:r>
+              <a:rPr lang="es-ES" sz="1400" dirty="0" err="1" smtClean="0"/>
+              <a:t>aw</a:t>
+            </a:r>
+            <a:r>
+              <a:rPr lang="es-ES" sz="1400" dirty="0" smtClean="0"/>
               <a:t> </a:t>
             </a:r>
             <a:r>
@@ -13317,6 +13384,7 @@
             <a:endParaRPr lang="es-ES" sz="1400" dirty="0"/>
           </a:p>
           <a:p>
+            <a:pPr algn="ctr"/>
             <a:r>
               <a:rPr lang="es-ES" sz="1400" dirty="0"/>
               <a:t>Source: </a:t>
@@ -13337,12 +13405,19 @@
         </p:nvSpPr>
         <p:spPr>
           <a:xfrm>
-            <a:off x="617635" y="5186065"/>
-            <a:ext cx="906530" cy="738664"/>
+            <a:off x="617634" y="5186065"/>
+            <a:ext cx="1058765" cy="738664"/>
           </a:xfrm>
           <a:prstGeom prst="rect">
             <a:avLst/>
           </a:prstGeom>
+          <a:ln>
+            <a:solidFill>
+              <a:schemeClr val="bg1">
+                <a:lumMod val="65000"/>
+              </a:schemeClr>
+            </a:solidFill>
+          </a:ln>
         </p:spPr>
         <p:style>
           <a:lnRef idx="2">
@@ -13359,11 +13434,12 @@
           </a:fontRef>
         </p:style>
         <p:txBody>
-          <a:bodyPr wrap="none" rtlCol="0">
+          <a:bodyPr wrap="square" rtlCol="0">
             <a:spAutoFit/>
           </a:bodyPr>
           <a:lstStyle/>
           <a:p>
+            <a:pPr algn="ctr"/>
             <a:r>
               <a:rPr lang="es-ES" sz="1400" dirty="0" err="1" smtClean="0"/>
               <a:t>Sratoolkit</a:t>
@@ -13371,12 +13447,14 @@
             <a:endParaRPr lang="es-ES" sz="1400" dirty="0" smtClean="0"/>
           </a:p>
           <a:p>
+            <a:pPr algn="ctr"/>
             <a:r>
               <a:rPr lang="es-ES" sz="1400" dirty="0" smtClean="0"/>
               <a:t>FASTQC</a:t>
             </a:r>
           </a:p>
           <a:p>
+            <a:pPr algn="ctr"/>
             <a:r>
               <a:rPr lang="es-ES" sz="1400" dirty="0" smtClean="0"/>
               <a:t>MULTIQC</a:t>
@@ -13459,12 +13537,19 @@
         </p:nvSpPr>
         <p:spPr>
           <a:xfrm>
-            <a:off x="2589162" y="2104311"/>
-            <a:ext cx="1524000" cy="523220"/>
+            <a:off x="2589161" y="2104311"/>
+            <a:ext cx="1762173" cy="523220"/>
           </a:xfrm>
           <a:prstGeom prst="rect">
             <a:avLst/>
           </a:prstGeom>
+          <a:ln>
+            <a:solidFill>
+              <a:schemeClr val="bg1">
+                <a:lumMod val="65000"/>
+              </a:schemeClr>
+            </a:solidFill>
+          </a:ln>
         </p:spPr>
         <p:style>
           <a:lnRef idx="2">
@@ -13486,9 +13571,22 @@
           </a:bodyPr>
           <a:lstStyle/>
           <a:p>
+            <a:pPr algn="ctr"/>
             <a:r>
               <a:rPr lang="es-ES" sz="1400" dirty="0" err="1"/>
-              <a:t>raw</a:t>
+              <a:t>R</a:t>
+            </a:r>
+            <a:r>
+              <a:rPr lang="es-ES" sz="1400" dirty="0" err="1" smtClean="0"/>
+              <a:t>aw</a:t>
+            </a:r>
+            <a:r>
+              <a:rPr lang="es-ES" sz="1400" dirty="0" smtClean="0"/>
+              <a:t> </a:t>
+            </a:r>
+            <a:r>
+              <a:rPr lang="es-ES" sz="1400" dirty="0" err="1"/>
+              <a:t>reads</a:t>
             </a:r>
             <a:r>
               <a:rPr lang="es-ES" sz="1400" dirty="0"/>
@@ -13496,22 +13594,20 @@
             </a:r>
             <a:r>
               <a:rPr lang="es-ES" sz="1400" dirty="0" err="1"/>
-              <a:t>reads</a:t>
-            </a:r>
-            <a:r>
-              <a:rPr lang="es-ES" sz="1400" dirty="0"/>
+              <a:t>b</a:t>
+            </a:r>
+            <a:r>
+              <a:rPr lang="es-ES" sz="1400" dirty="0" err="1" smtClean="0"/>
+              <a:t>ased</a:t>
+            </a:r>
+            <a:r>
+              <a:rPr lang="es-ES" sz="1400" dirty="0" smtClean="0"/>
               <a:t> </a:t>
             </a:r>
-            <a:r>
-              <a:rPr lang="es-ES" sz="1400" dirty="0" err="1"/>
-              <a:t>Based</a:t>
-            </a:r>
-            <a:r>
-              <a:rPr lang="es-ES" sz="1400" dirty="0"/>
-              <a:t> </a:t>
-            </a:r>
-          </a:p>
-          <a:p>
+            <a:endParaRPr lang="es-ES" sz="1400" dirty="0"/>
+          </a:p>
+          <a:p>
+            <a:pPr algn="ctr"/>
             <a:r>
               <a:rPr lang="es-ES" sz="1400" dirty="0" err="1"/>
               <a:t>on</a:t>
@@ -13532,12 +13628,19 @@
         </p:nvSpPr>
         <p:spPr>
           <a:xfrm>
-            <a:off x="2743200" y="5186065"/>
-            <a:ext cx="877163" cy="307777"/>
+            <a:off x="2726368" y="5186065"/>
+            <a:ext cx="1007432" cy="307777"/>
           </a:xfrm>
           <a:prstGeom prst="rect">
             <a:avLst/>
           </a:prstGeom>
+          <a:ln>
+            <a:solidFill>
+              <a:schemeClr val="bg1">
+                <a:lumMod val="65000"/>
+              </a:schemeClr>
+            </a:solidFill>
+          </a:ln>
         </p:spPr>
         <p:style>
           <a:lnRef idx="2">
@@ -13554,11 +13657,12 @@
           </a:fontRef>
         </p:style>
         <p:txBody>
-          <a:bodyPr wrap="none" rtlCol="0">
+          <a:bodyPr wrap="square" rtlCol="0">
             <a:spAutoFit/>
           </a:bodyPr>
           <a:lstStyle/>
           <a:p>
+            <a:pPr algn="ctr"/>
             <a:r>
               <a:rPr lang="es-ES" sz="1400" dirty="0" err="1"/>
               <a:t>C</a:t>
@@ -13613,11 +13717,18 @@
         <p:spPr>
           <a:xfrm>
             <a:off x="3825871" y="5943600"/>
-            <a:ext cx="1050929" cy="369332"/>
+            <a:ext cx="1484702" cy="461665"/>
           </a:xfrm>
           <a:prstGeom prst="rect">
             <a:avLst/>
           </a:prstGeom>
+          <a:ln>
+            <a:solidFill>
+              <a:schemeClr val="bg1">
+                <a:lumMod val="65000"/>
+              </a:schemeClr>
+            </a:solidFill>
+          </a:ln>
         </p:spPr>
         <p:style>
           <a:lnRef idx="2">
@@ -13640,10 +13751,18 @@
           <a:lstStyle/>
           <a:p>
             <a:r>
-              <a:rPr lang="es-ES" dirty="0"/>
+              <a:rPr lang="es-ES" sz="2400" b="1" dirty="0">
+                <a:solidFill>
+                  <a:schemeClr val="tx2"/>
+                </a:solidFill>
+              </a:rPr>
               <a:t>Software</a:t>
             </a:r>
-            <a:endParaRPr lang="en-US" dirty="0"/>
+            <a:endParaRPr lang="en-US" sz="2400" b="1" dirty="0">
+              <a:solidFill>
+                <a:schemeClr val="tx2"/>
+              </a:solidFill>
+            </a:endParaRPr>
           </a:p>
         </p:txBody>
       </p:sp>
@@ -13655,12 +13774,19 @@
         </p:nvSpPr>
         <p:spPr>
           <a:xfrm>
-            <a:off x="4257004" y="1324930"/>
-            <a:ext cx="684162" cy="369332"/>
+            <a:off x="4094329" y="1371600"/>
+            <a:ext cx="934871" cy="461665"/>
           </a:xfrm>
           <a:prstGeom prst="rect">
             <a:avLst/>
           </a:prstGeom>
+          <a:ln>
+            <a:solidFill>
+              <a:schemeClr val="bg1">
+                <a:lumMod val="65000"/>
+              </a:schemeClr>
+            </a:solidFill>
+          </a:ln>
         </p:spPr>
         <p:style>
           <a:lnRef idx="2">
@@ -13683,10 +13809,18 @@
           <a:lstStyle/>
           <a:p>
             <a:r>
-              <a:rPr lang="es-ES" dirty="0"/>
+              <a:rPr lang="es-ES" sz="2400" b="1" dirty="0">
+                <a:solidFill>
+                  <a:schemeClr val="tx2"/>
+                </a:solidFill>
+              </a:rPr>
               <a:t>Input</a:t>
             </a:r>
-            <a:endParaRPr lang="en-US" dirty="0"/>
+            <a:endParaRPr lang="en-US" b="1" dirty="0">
+              <a:solidFill>
+                <a:schemeClr val="tx2"/>
+              </a:solidFill>
+            </a:endParaRPr>
           </a:p>
         </p:txBody>
       </p:sp>
@@ -13732,11 +13866,18 @@
         <p:spPr>
           <a:xfrm>
             <a:off x="4876800" y="2104311"/>
-            <a:ext cx="1524000" cy="523220"/>
+            <a:ext cx="1676400" cy="523220"/>
           </a:xfrm>
           <a:prstGeom prst="rect">
             <a:avLst/>
           </a:prstGeom>
+          <a:ln>
+            <a:solidFill>
+              <a:schemeClr val="bg1">
+                <a:lumMod val="65000"/>
+              </a:schemeClr>
+            </a:solidFill>
+          </a:ln>
         </p:spPr>
         <p:style>
           <a:lnRef idx="2">
@@ -13758,6 +13899,7 @@
           </a:bodyPr>
           <a:lstStyle/>
           <a:p>
+            <a:pPr algn="ctr"/>
             <a:r>
               <a:rPr lang="es-ES" sz="1400" dirty="0" err="1"/>
               <a:t>Trimmed</a:t>
@@ -13773,13 +13915,18 @@
             <a:endParaRPr lang="es-ES" sz="1400" dirty="0"/>
           </a:p>
           <a:p>
+            <a:pPr algn="ctr"/>
             <a:r>
               <a:rPr lang="es-ES" sz="1400" dirty="0" err="1"/>
-              <a:t>Transcriptome</a:t>
-            </a:r>
-            <a:r>
-              <a:rPr lang="es-ES" sz="1400" dirty="0"/>
-              <a:t> file</a:t>
+              <a:t>t</a:t>
+            </a:r>
+            <a:r>
+              <a:rPr lang="es-ES" sz="1400" dirty="0" err="1" smtClean="0"/>
+              <a:t>ranscriptome</a:t>
+            </a:r>
+            <a:r>
+              <a:rPr lang="es-ES" sz="1400" dirty="0" smtClean="0"/>
+              <a:t> file </a:t>
             </a:r>
             <a:endParaRPr lang="en-US" sz="1400" dirty="0"/>
           </a:p>
@@ -13793,12 +13940,19 @@
         </p:nvSpPr>
         <p:spPr>
           <a:xfrm>
-            <a:off x="4876800" y="5196797"/>
-            <a:ext cx="1331647" cy="307777"/>
+            <a:off x="4832332" y="5196797"/>
+            <a:ext cx="1492267" cy="307777"/>
           </a:xfrm>
           <a:prstGeom prst="rect">
             <a:avLst/>
           </a:prstGeom>
+          <a:ln>
+            <a:solidFill>
+              <a:schemeClr val="bg1">
+                <a:lumMod val="65000"/>
+              </a:schemeClr>
+            </a:solidFill>
+          </a:ln>
         </p:spPr>
         <p:style>
           <a:lnRef idx="2">
@@ -13815,11 +13969,12 @@
           </a:fontRef>
         </p:style>
         <p:txBody>
-          <a:bodyPr wrap="none" rtlCol="0">
+          <a:bodyPr wrap="square" rtlCol="0">
             <a:spAutoFit/>
           </a:bodyPr>
           <a:lstStyle/>
           <a:p>
+            <a:pPr algn="ctr"/>
             <a:r>
               <a:rPr lang="es-ES" sz="1400" dirty="0"/>
               <a:t>RSEM, </a:t>
@@ -13874,11 +14029,18 @@
         <p:spPr>
           <a:xfrm>
             <a:off x="7091172" y="5198943"/>
-            <a:ext cx="641522" cy="307777"/>
+            <a:ext cx="762000" cy="307777"/>
           </a:xfrm>
           <a:prstGeom prst="rect">
             <a:avLst/>
           </a:prstGeom>
+          <a:ln>
+            <a:solidFill>
+              <a:schemeClr val="bg1">
+                <a:lumMod val="65000"/>
+              </a:schemeClr>
+            </a:solidFill>
+          </a:ln>
         </p:spPr>
         <p:style>
           <a:lnRef idx="2">
@@ -13895,11 +14057,12 @@
           </a:fontRef>
         </p:style>
         <p:txBody>
-          <a:bodyPr wrap="none" rtlCol="0">
+          <a:bodyPr wrap="square" rtlCol="0">
             <a:spAutoFit/>
           </a:bodyPr>
           <a:lstStyle/>
           <a:p>
+            <a:pPr algn="ctr"/>
             <a:r>
               <a:rPr lang="es-ES" sz="1400" dirty="0"/>
               <a:t>RSEM</a:t>
@@ -13988,6 +14151,13 @@
           <a:prstGeom prst="rect">
             <a:avLst/>
           </a:prstGeom>
+          <a:ln>
+            <a:solidFill>
+              <a:schemeClr val="bg1">
+                <a:lumMod val="65000"/>
+              </a:schemeClr>
+            </a:solidFill>
+          </a:ln>
         </p:spPr>
         <p:style>
           <a:lnRef idx="2">
@@ -14009,6 +14179,7 @@
           </a:bodyPr>
           <a:lstStyle/>
           <a:p>
+            <a:pPr algn="ctr"/>
             <a:r>
               <a:rPr lang="es-ES" sz="1400" dirty="0" err="1"/>
               <a:t>Trimmed</a:t>
@@ -14024,12 +14195,17 @@
             <a:endParaRPr lang="es-ES" sz="1400" dirty="0"/>
           </a:p>
           <a:p>
+            <a:pPr algn="ctr"/>
             <a:r>
               <a:rPr lang="es-ES" sz="1400" dirty="0" err="1"/>
-              <a:t>Transcriptome</a:t>
-            </a:r>
-            <a:r>
-              <a:rPr lang="es-ES" sz="1400" dirty="0"/>
+              <a:t>t</a:t>
+            </a:r>
+            <a:r>
+              <a:rPr lang="es-ES" sz="1400" dirty="0" err="1" smtClean="0"/>
+              <a:t>ranscriptome</a:t>
+            </a:r>
+            <a:r>
+              <a:rPr lang="es-ES" sz="1400" dirty="0" smtClean="0"/>
               <a:t> </a:t>
             </a:r>
             <a:r>
@@ -14080,12 +14256,7 @@
             <p:ph type="title"/>
           </p:nvPr>
         </p:nvSpPr>
-        <p:spPr>
-          <a:xfrm>
-            <a:off x="914400" y="225924"/>
-            <a:ext cx="7200900" cy="762000"/>
-          </a:xfrm>
-        </p:spPr>
+        <p:spPr/>
         <p:txBody>
           <a:bodyPr>
             <a:normAutofit/>
@@ -14109,12 +14280,7 @@
             <p:ph idx="1"/>
           </p:nvPr>
         </p:nvSpPr>
-        <p:spPr>
-          <a:xfrm>
-            <a:off x="762000" y="1256262"/>
-            <a:ext cx="7200900" cy="533400"/>
-          </a:xfrm>
-        </p:spPr>
+        <p:spPr/>
         <p:txBody>
           <a:bodyPr/>
           <a:lstStyle/>
@@ -14132,153 +14298,122 @@
               <a:t>profiling</a:t>
             </a:r>
             <a:r>
-              <a:rPr lang="es-ES" dirty="0"/>
-              <a:t>: </a:t>
-            </a:r>
-            <a:r>
-              <a:rPr lang="es-ES" dirty="0" err="1"/>
+              <a:rPr lang="es-ES" dirty="0" smtClean="0"/>
+              <a:t>:  </a:t>
+            </a:r>
+            <a:r>
+              <a:rPr lang="es-ES" dirty="0" err="1" smtClean="0"/>
               <a:t>trimming</a:t>
             </a:r>
+            <a:endParaRPr lang="es-ES" dirty="0" smtClean="0"/>
+          </a:p>
+          <a:p>
+            <a:pPr lvl="1"/>
+            <a:r>
+              <a:rPr lang="en-US" i="1" dirty="0"/>
+              <a:t>Asparagus officinalis </a:t>
+            </a:r>
+            <a:r>
+              <a:rPr lang="en-US" dirty="0"/>
+              <a:t>line 2 XX female </a:t>
+            </a:r>
+            <a:r>
+              <a:rPr lang="en-US" dirty="0" err="1"/>
+              <a:t>postmeiotic</a:t>
+            </a:r>
+            <a:r>
+              <a:rPr lang="en-US" dirty="0"/>
+              <a:t> bud (SRR1642915)</a:t>
+            </a:r>
+          </a:p>
+          <a:p>
+            <a:pPr lvl="1"/>
+            <a:r>
+              <a:rPr lang="en-US" dirty="0"/>
+              <a:t>Removing adapters before aligning to a reference</a:t>
+            </a:r>
+          </a:p>
+          <a:p>
+            <a:pPr lvl="1"/>
             <a:endParaRPr lang="en-US" dirty="0"/>
           </a:p>
         </p:txBody>
       </p:sp>
-      <p:sp>
-        <p:nvSpPr>
-          <p:cNvPr id="4" name="Rectángulo 3"/>
-          <p:cNvSpPr/>
+      <p:grpSp>
+        <p:nvGrpSpPr>
+          <p:cNvPr id="6" name="Group 5"/>
+          <p:cNvGrpSpPr/>
           <p:nvPr/>
-        </p:nvSpPr>
-        <p:spPr>
+        </p:nvGrpSpPr>
+        <p:grpSpPr>
           <a:xfrm>
-            <a:off x="768439" y="2066739"/>
-            <a:ext cx="7086600" cy="369332"/>
+            <a:off x="187663" y="3200400"/>
+            <a:ext cx="8803937" cy="3234786"/>
+            <a:chOff x="233511" y="2691196"/>
+            <a:chExt cx="8803937" cy="3234786"/>
           </a:xfrm>
-          <a:prstGeom prst="rect">
-            <a:avLst/>
-          </a:prstGeom>
-        </p:spPr>
-        <p:txBody>
-          <a:bodyPr wrap="square">
-            <a:spAutoFit/>
-          </a:bodyPr>
-          <a:lstStyle/>
-          <a:p>
-            <a:r>
-              <a:rPr lang="en-US" i="1" dirty="0"/>
-              <a:t>Asparagus </a:t>
-            </a:r>
-            <a:r>
-              <a:rPr lang="en-US" i="1" dirty="0" err="1"/>
-              <a:t>officinalis</a:t>
-            </a:r>
-            <a:r>
-              <a:rPr lang="en-US" i="1" dirty="0"/>
-              <a:t> </a:t>
-            </a:r>
-            <a:r>
-              <a:rPr lang="en-US" dirty="0"/>
-              <a:t>line 2 XX female </a:t>
-            </a:r>
-            <a:r>
-              <a:rPr lang="en-US" dirty="0" err="1"/>
-              <a:t>postmeiotic</a:t>
-            </a:r>
-            <a:r>
-              <a:rPr lang="en-US" dirty="0"/>
-              <a:t> bud (SRR1642915)</a:t>
-            </a:r>
-          </a:p>
-        </p:txBody>
-      </p:sp>
-      <p:pic>
-        <p:nvPicPr>
-          <p:cNvPr id="5" name="Imagen 4"/>
-          <p:cNvPicPr>
-            <a:picLocks noChangeAspect="1"/>
-          </p:cNvPicPr>
-          <p:nvPr/>
-        </p:nvPicPr>
-        <p:blipFill>
-          <a:blip r:embed="rId2">
-            <a:extLst>
-              <a:ext uri="{28A0092B-C50C-407E-A947-70E740481C1C}">
-                <a14:useLocalDpi xmlns:a14="http://schemas.microsoft.com/office/drawing/2010/main" val="0"/>
-              </a:ext>
-            </a:extLst>
-          </a:blip>
-          <a:stretch>
-            <a:fillRect/>
-          </a:stretch>
-        </p:blipFill>
-        <p:spPr>
-          <a:xfrm>
-            <a:off x="233511" y="2713149"/>
-            <a:ext cx="4254508" cy="3190881"/>
-          </a:xfrm>
-          <a:prstGeom prst="rect">
-            <a:avLst/>
-          </a:prstGeom>
-        </p:spPr>
-      </p:pic>
-      <p:pic>
-        <p:nvPicPr>
-          <p:cNvPr id="7" name="Imagen 6"/>
-          <p:cNvPicPr>
-            <a:picLocks noChangeAspect="1"/>
-          </p:cNvPicPr>
-          <p:nvPr/>
-        </p:nvPicPr>
-        <p:blipFill>
-          <a:blip r:embed="rId3">
-            <a:extLst>
-              <a:ext uri="{28A0092B-C50C-407E-A947-70E740481C1C}">
-                <a14:useLocalDpi xmlns:a14="http://schemas.microsoft.com/office/drawing/2010/main" val="0"/>
-              </a:ext>
-            </a:extLst>
-          </a:blip>
-          <a:stretch>
-            <a:fillRect/>
-          </a:stretch>
-        </p:blipFill>
-        <p:spPr>
-          <a:xfrm>
-            <a:off x="4724400" y="2691196"/>
-            <a:ext cx="4313048" cy="3234786"/>
-          </a:xfrm>
-          <a:prstGeom prst="rect">
-            <a:avLst/>
-          </a:prstGeom>
-        </p:spPr>
-      </p:pic>
-      <p:sp>
-        <p:nvSpPr>
-          <p:cNvPr id="8" name="Rectángulo 7"/>
-          <p:cNvSpPr/>
-          <p:nvPr/>
-        </p:nvSpPr>
-        <p:spPr>
-          <a:xfrm>
-            <a:off x="1009382" y="6136199"/>
-            <a:ext cx="7086600" cy="369332"/>
-          </a:xfrm>
-          <a:prstGeom prst="rect">
-            <a:avLst/>
-          </a:prstGeom>
-        </p:spPr>
-        <p:txBody>
-          <a:bodyPr wrap="square">
-            <a:spAutoFit/>
-          </a:bodyPr>
-          <a:lstStyle/>
-          <a:p>
-            <a:r>
-              <a:rPr lang="en-US" dirty="0"/>
-              <a:t>Removing adapters before align to a reference</a:t>
-            </a:r>
-          </a:p>
-        </p:txBody>
-      </p:sp>
+        </p:grpSpPr>
+        <p:pic>
+          <p:nvPicPr>
+            <p:cNvPr id="5" name="Imagen 4"/>
+            <p:cNvPicPr>
+              <a:picLocks noChangeAspect="1"/>
+            </p:cNvPicPr>
+            <p:nvPr/>
+          </p:nvPicPr>
+          <p:blipFill>
+            <a:blip r:embed="rId2">
+              <a:extLst>
+                <a:ext uri="{28A0092B-C50C-407E-A947-70E740481C1C}">
+                  <a14:useLocalDpi xmlns:a14="http://schemas.microsoft.com/office/drawing/2010/main" val="0"/>
+                </a:ext>
+              </a:extLst>
+            </a:blip>
+            <a:stretch>
+              <a:fillRect/>
+            </a:stretch>
+          </p:blipFill>
+          <p:spPr>
+            <a:xfrm>
+              <a:off x="233511" y="2713149"/>
+              <a:ext cx="4254508" cy="3190881"/>
+            </a:xfrm>
+            <a:prstGeom prst="rect">
+              <a:avLst/>
+            </a:prstGeom>
+          </p:spPr>
+        </p:pic>
+        <p:pic>
+          <p:nvPicPr>
+            <p:cNvPr id="7" name="Imagen 6"/>
+            <p:cNvPicPr>
+              <a:picLocks noChangeAspect="1"/>
+            </p:cNvPicPr>
+            <p:nvPr/>
+          </p:nvPicPr>
+          <p:blipFill>
+            <a:blip r:embed="rId3">
+              <a:extLst>
+                <a:ext uri="{28A0092B-C50C-407E-A947-70E740481C1C}">
+                  <a14:useLocalDpi xmlns:a14="http://schemas.microsoft.com/office/drawing/2010/main" val="0"/>
+                </a:ext>
+              </a:extLst>
+            </a:blip>
+            <a:stretch>
+              <a:fillRect/>
+            </a:stretch>
+          </p:blipFill>
+          <p:spPr>
+            <a:xfrm>
+              <a:off x="4724400" y="2691196"/>
+              <a:ext cx="4313048" cy="3234786"/>
+            </a:xfrm>
+            <a:prstGeom prst="rect">
+              <a:avLst/>
+            </a:prstGeom>
+          </p:spPr>
+        </p:pic>
+      </p:grpSp>
     </p:spTree>
     <p:extLst>
       <p:ext uri="{BB962C8B-B14F-4D97-AF65-F5344CB8AC3E}">
@@ -14319,12 +14454,7 @@
             <p:ph type="title"/>
           </p:nvPr>
         </p:nvSpPr>
-        <p:spPr>
-          <a:xfrm>
-            <a:off x="914400" y="430511"/>
-            <a:ext cx="7200900" cy="762000"/>
-          </a:xfrm>
-        </p:spPr>
+        <p:spPr/>
         <p:txBody>
           <a:bodyPr>
             <a:normAutofit/>
@@ -14348,12 +14478,7 @@
             <p:ph idx="1"/>
           </p:nvPr>
         </p:nvSpPr>
-        <p:spPr>
-          <a:xfrm>
-            <a:off x="533400" y="1590724"/>
-            <a:ext cx="7200900" cy="533400"/>
-          </a:xfrm>
-        </p:spPr>
+        <p:spPr/>
         <p:txBody>
           <a:bodyPr/>
           <a:lstStyle/>
@@ -14375,8 +14500,16 @@
               <a:t>: </a:t>
             </a:r>
             <a:r>
-              <a:rPr lang="es-ES" dirty="0" err="1"/>
-              <a:t>Trimming</a:t>
+              <a:rPr lang="es-ES" dirty="0"/>
+              <a:t> </a:t>
+            </a:r>
+            <a:r>
+              <a:rPr lang="es-ES" dirty="0" err="1" smtClean="0"/>
+              <a:t>t</a:t>
+            </a:r>
+            <a:r>
+              <a:rPr lang="es-ES" dirty="0" err="1" smtClean="0"/>
+              <a:t>rimming</a:t>
             </a:r>
             <a:endParaRPr lang="en-US" dirty="0"/>
           </a:p>
@@ -14417,6 +14550,11 @@
             <a:prstGeom prst="rect">
               <a:avLst/>
             </a:prstGeom>
+            <a:ln w="38100">
+              <a:solidFill>
+                <a:schemeClr val="accent1"/>
+              </a:solidFill>
+            </a:ln>
           </p:spPr>
         </p:pic>
         <p:sp>
@@ -14427,16 +14565,16 @@
           </p:nvSpPr>
           <p:spPr>
             <a:xfrm>
-              <a:off x="5029200" y="4431491"/>
+              <a:off x="5029199" y="4431491"/>
               <a:ext cx="4038600" cy="304800"/>
             </a:xfrm>
             <a:prstGeom prst="rect">
               <a:avLst/>
             </a:prstGeom>
             <a:noFill/>
-            <a:ln>
+            <a:ln w="38100">
               <a:solidFill>
-                <a:srgbClr val="C00000"/>
+                <a:schemeClr val="tx2"/>
               </a:solidFill>
             </a:ln>
           </p:spPr>
@@ -14474,7 +14612,7 @@
         </p:nvGrpSpPr>
         <p:grpSpPr>
           <a:xfrm>
-            <a:off x="152400" y="2307873"/>
+            <a:off x="76200" y="2307873"/>
             <a:ext cx="4191000" cy="2393549"/>
             <a:chOff x="129594" y="1676400"/>
             <a:chExt cx="4191000" cy="2393549"/>
@@ -14501,6 +14639,11 @@
             <a:prstGeom prst="rect">
               <a:avLst/>
             </a:prstGeom>
+            <a:ln w="38100">
+              <a:solidFill>
+                <a:schemeClr val="accent1"/>
+              </a:solidFill>
+            </a:ln>
           </p:spPr>
         </p:pic>
         <p:sp>
@@ -14518,9 +14661,9 @@
               <a:avLst/>
             </a:prstGeom>
             <a:noFill/>
-            <a:ln>
+            <a:ln w="38100">
               <a:solidFill>
-                <a:srgbClr val="C00000"/>
+                <a:schemeClr val="tx2"/>
               </a:solidFill>
             </a:ln>
           </p:spPr>
@@ -14590,12 +14733,7 @@
             <p:ph type="title"/>
           </p:nvPr>
         </p:nvSpPr>
-        <p:spPr>
-          <a:xfrm>
-            <a:off x="914400" y="225924"/>
-            <a:ext cx="7200900" cy="762000"/>
-          </a:xfrm>
-        </p:spPr>
+        <p:spPr/>
         <p:txBody>
           <a:bodyPr>
             <a:normAutofit/>
@@ -14619,12 +14757,7 @@
             <p:ph idx="1"/>
           </p:nvPr>
         </p:nvSpPr>
-        <p:spPr>
-          <a:xfrm>
-            <a:off x="774342" y="1446462"/>
-            <a:ext cx="7200900" cy="533400"/>
-          </a:xfrm>
-        </p:spPr>
+        <p:spPr/>
         <p:txBody>
           <a:bodyPr/>
           <a:lstStyle/>
@@ -14720,12 +14853,7 @@
             <p:ph type="title"/>
           </p:nvPr>
         </p:nvSpPr>
-        <p:spPr>
-          <a:xfrm>
-            <a:off x="685800" y="329746"/>
-            <a:ext cx="7200900" cy="818352"/>
-          </a:xfrm>
-        </p:spPr>
+        <p:spPr/>
         <p:txBody>
           <a:bodyPr/>
           <a:lstStyle/>
@@ -14750,8 +14878,8 @@
         </p:nvSpPr>
         <p:spPr>
           <a:xfrm>
-            <a:off x="457200" y="1446462"/>
-            <a:ext cx="7200900" cy="533400"/>
+            <a:off x="457200" y="1600200"/>
+            <a:ext cx="3124200" cy="4876800"/>
           </a:xfrm>
         </p:spPr>
         <p:txBody>
@@ -14780,8 +14908,22 @@
             </a:r>
             <a:r>
               <a:rPr lang="es-ES" dirty="0"/>
-              <a:t> data</a:t>
-            </a:r>
+              <a:t> </a:t>
+            </a:r>
+            <a:r>
+              <a:rPr lang="es-ES" dirty="0" smtClean="0"/>
+              <a:t>data</a:t>
+            </a:r>
+          </a:p>
+          <a:p>
+            <a:pPr lvl="1"/>
+            <a:r>
+              <a:rPr lang="en-US" dirty="0"/>
+              <a:t>RSEM model</a:t>
+            </a:r>
+          </a:p>
+          <a:p>
+            <a:pPr lvl="1"/>
             <a:endParaRPr lang="en-US" dirty="0"/>
           </a:p>
         </p:txBody>
@@ -14801,43 +14943,19 @@
         </p:blipFill>
         <p:spPr>
           <a:xfrm>
-            <a:off x="3733800" y="1828800"/>
-            <a:ext cx="5029200" cy="4970325"/>
+            <a:off x="3224151" y="838200"/>
+            <a:ext cx="5705592" cy="5638799"/>
           </a:xfrm>
           <a:prstGeom prst="rect">
             <a:avLst/>
           </a:prstGeom>
+          <a:ln w="38100">
+            <a:solidFill>
+              <a:schemeClr val="accent1"/>
+            </a:solidFill>
+          </a:ln>
         </p:spPr>
       </p:pic>
-      <p:sp>
-        <p:nvSpPr>
-          <p:cNvPr id="5" name="Rectángulo 4"/>
-          <p:cNvSpPr/>
-          <p:nvPr/>
-        </p:nvSpPr>
-        <p:spPr>
-          <a:xfrm>
-            <a:off x="1828800" y="3729117"/>
-            <a:ext cx="1517561" cy="369332"/>
-          </a:xfrm>
-          <a:prstGeom prst="rect">
-            <a:avLst/>
-          </a:prstGeom>
-        </p:spPr>
-        <p:txBody>
-          <a:bodyPr wrap="square">
-            <a:spAutoFit/>
-          </a:bodyPr>
-          <a:lstStyle/>
-          <a:p>
-            <a:r>
-              <a:rPr lang="en-US" i="1" dirty="0" smtClean="0"/>
-              <a:t>RSEM model</a:t>
-            </a:r>
-            <a:endParaRPr lang="en-US" dirty="0"/>
-          </a:p>
-        </p:txBody>
-      </p:sp>
     </p:spTree>
     <p:extLst>
       <p:ext uri="{BB962C8B-B14F-4D97-AF65-F5344CB8AC3E}">
@@ -14878,20 +14996,16 @@
             <p:ph type="title"/>
           </p:nvPr>
         </p:nvSpPr>
-        <p:spPr>
-          <a:xfrm>
-            <a:off x="1028700" y="685800"/>
-            <a:ext cx="7886700" cy="762000"/>
-          </a:xfrm>
-        </p:spPr>
+        <p:spPr/>
         <p:txBody>
           <a:bodyPr/>
           <a:lstStyle/>
           <a:p>
             <a:r>
-              <a:rPr lang="en-US" dirty="0"/>
+              <a:rPr lang="en-US" smtClean="0"/>
               <a:t>Differential Expression Analysis</a:t>
             </a:r>
+            <a:endParaRPr lang="en-US" dirty="0"/>
           </a:p>
         </p:txBody>
       </p:sp>
@@ -14913,12 +15027,9 @@
         </p:blipFill>
         <p:spPr>
           <a:xfrm>
-            <a:off x="529156" y="1905000"/>
-            <a:ext cx="8418441" cy="3876008"/>
+            <a:off x="953710" y="2249269"/>
+            <a:ext cx="7236579" cy="3578662"/>
           </a:xfrm>
-          <a:prstGeom prst="rect">
-            <a:avLst/>
-          </a:prstGeom>
         </p:spPr>
       </p:pic>
     </p:spTree>
@@ -14961,42 +15072,118 @@
             <p:ph type="title"/>
           </p:nvPr>
         </p:nvSpPr>
-        <p:spPr/>
+        <p:spPr>
+          <a:xfrm>
+            <a:off x="457200" y="533400"/>
+            <a:ext cx="8229600" cy="1600200"/>
+          </a:xfrm>
+        </p:spPr>
         <p:txBody>
-          <a:bodyPr/>
+          <a:bodyPr>
+            <a:normAutofit fontScale="90000"/>
+          </a:bodyPr>
           <a:lstStyle/>
           <a:p>
             <a:r>
+              <a:rPr lang="en-US" dirty="0" smtClean="0"/>
+              <a:t>Figure 1, </a:t>
+            </a:r>
+            <a:r>
               <a:rPr lang="en-US" dirty="0"/>
-              <a:t>Results</a:t>
-            </a:r>
+              <a:t>Multidimensional scaling (MDS) </a:t>
+            </a:r>
+            <a:r>
+              <a:rPr lang="en-US" dirty="0" smtClean="0"/>
+              <a:t>plot</a:t>
+            </a:r>
+            <a:r>
+              <a:rPr lang="en-US" dirty="0"/>
+              <a:t/>
+            </a:r>
+            <a:br>
+              <a:rPr lang="en-US" dirty="0"/>
+            </a:br>
+            <a:endParaRPr lang="en-US" dirty="0"/>
           </a:p>
         </p:txBody>
       </p:sp>
       <p:sp>
         <p:nvSpPr>
-          <p:cNvPr id="3" name="Content Placeholder 2"/>
+          <p:cNvPr id="6" name="Text Placeholder 5"/>
           <p:cNvSpPr>
             <a:spLocks noGrp="1"/>
           </p:cNvSpPr>
           <p:nvPr>
-            <p:ph idx="1"/>
+            <p:ph sz="half" idx="1"/>
           </p:nvPr>
         </p:nvSpPr>
         <p:spPr>
           <a:xfrm>
-            <a:off x="1028700" y="1562928"/>
-            <a:ext cx="7200900" cy="685800"/>
+            <a:off x="228600" y="1676400"/>
+            <a:ext cx="3657600" cy="460248"/>
           </a:xfrm>
         </p:spPr>
         <p:txBody>
           <a:bodyPr/>
           <a:lstStyle/>
           <a:p>
-            <a:r>
-              <a:rPr lang="en-US" dirty="0"/>
-              <a:t>Figure 1: Multidimensional scaling (MDS) plot</a:t>
-            </a:r>
+            <a:pPr marL="0" indent="0" algn="ctr">
+              <a:buNone/>
+            </a:pPr>
+            <a:r>
+              <a:rPr lang="en-US" sz="2400" dirty="0" smtClean="0">
+                <a:solidFill>
+                  <a:schemeClr val="tx2"/>
+                </a:solidFill>
+              </a:rPr>
+              <a:t>Paper</a:t>
+            </a:r>
+            <a:endParaRPr lang="en-US" dirty="0">
+              <a:solidFill>
+                <a:schemeClr val="tx2"/>
+              </a:solidFill>
+            </a:endParaRPr>
+          </a:p>
+        </p:txBody>
+      </p:sp>
+      <p:sp>
+        <p:nvSpPr>
+          <p:cNvPr id="7" name="Text Placeholder 6"/>
+          <p:cNvSpPr>
+            <a:spLocks noGrp="1"/>
+          </p:cNvSpPr>
+          <p:nvPr>
+            <p:ph sz="half" idx="2"/>
+          </p:nvPr>
+        </p:nvSpPr>
+        <p:spPr>
+          <a:xfrm>
+            <a:off x="4190999" y="1673352"/>
+            <a:ext cx="4849091" cy="460248"/>
+          </a:xfrm>
+        </p:spPr>
+        <p:txBody>
+          <a:bodyPr>
+            <a:normAutofit/>
+          </a:bodyPr>
+          <a:lstStyle/>
+          <a:p>
+            <a:pPr marL="0" indent="0" algn="ctr">
+              <a:buNone/>
+            </a:pPr>
+            <a:r>
+              <a:rPr lang="en-US" sz="2400" dirty="0" smtClean="0">
+                <a:solidFill>
+                  <a:schemeClr val="tx2"/>
+                </a:solidFill>
+              </a:rPr>
+              <a:t>Our Analysis</a:t>
+            </a:r>
+            <a:endParaRPr lang="en-US" sz="2400" dirty="0">
+              <a:solidFill>
+                <a:schemeClr val="tx2"/>
+              </a:solidFill>
+            </a:endParaRPr>
           </a:p>
         </p:txBody>
       </p:sp>
@@ -15016,14 +15203,84 @@
         </p:blipFill>
         <p:spPr>
           <a:xfrm>
-            <a:off x="1028700" y="2141883"/>
-            <a:ext cx="3257550" cy="3638550"/>
+            <a:off x="228600" y="2286000"/>
+            <a:ext cx="3657600" cy="4085390"/>
           </a:xfrm>
           <a:prstGeom prst="rect">
             <a:avLst/>
           </a:prstGeom>
+          <a:ln w="38100">
+            <a:noFill/>
+          </a:ln>
         </p:spPr>
       </p:pic>
+      <p:pic>
+        <p:nvPicPr>
+          <p:cNvPr id="5" name="Picture 4"/>
+          <p:cNvPicPr>
+            <a:picLocks noChangeAspect="1"/>
+          </p:cNvPicPr>
+          <p:nvPr/>
+        </p:nvPicPr>
+        <p:blipFill rotWithShape="1">
+          <a:blip r:embed="rId3">
+            <a:extLst>
+              <a:ext uri="{28A0092B-C50C-407E-A947-70E740481C1C}">
+                <a14:useLocalDpi xmlns:a14="http://schemas.microsoft.com/office/drawing/2010/main" val="0"/>
+              </a:ext>
+            </a:extLst>
+          </a:blip>
+          <a:srcRect r="5287"/>
+          <a:stretch/>
+        </p:blipFill>
+        <p:spPr>
+          <a:xfrm>
+            <a:off x="4191000" y="2286990"/>
+            <a:ext cx="4849091" cy="4087368"/>
+          </a:xfrm>
+          <a:prstGeom prst="rect">
+            <a:avLst/>
+          </a:prstGeom>
+          <a:ln w="38100">
+            <a:noFill/>
+          </a:ln>
+        </p:spPr>
+      </p:pic>
+      <p:cxnSp>
+        <p:nvCxnSpPr>
+          <p:cNvPr id="10" name="Straight Connector 9"/>
+          <p:cNvCxnSpPr/>
+          <p:nvPr/>
+        </p:nvCxnSpPr>
+        <p:spPr>
+          <a:xfrm>
+            <a:off x="4038600" y="1752600"/>
+            <a:ext cx="0" cy="4953000"/>
+          </a:xfrm>
+          <a:prstGeom prst="line">
+            <a:avLst/>
+          </a:prstGeom>
+          <a:ln w="38100">
+            <a:solidFill>
+              <a:schemeClr val="tx2"/>
+            </a:solidFill>
+          </a:ln>
+        </p:spPr>
+        <p:style>
+          <a:lnRef idx="1">
+            <a:schemeClr val="accent1"/>
+          </a:lnRef>
+          <a:fillRef idx="0">
+            <a:schemeClr val="accent1"/>
+          </a:fillRef>
+          <a:effectRef idx="0">
+            <a:schemeClr val="accent1"/>
+          </a:effectRef>
+          <a:fontRef idx="minor">
+            <a:schemeClr val="tx1"/>
+          </a:fontRef>
+        </p:style>
+      </p:cxnSp>
     </p:spTree>
     <p:extLst>
       <p:ext uri="{BB962C8B-B14F-4D97-AF65-F5344CB8AC3E}">
@@ -15066,61 +15323,150 @@
         </p:nvSpPr>
         <p:spPr>
           <a:xfrm>
-            <a:off x="1028700" y="685800"/>
-            <a:ext cx="7200900" cy="762000"/>
+            <a:off x="457200" y="533400"/>
+            <a:ext cx="8229600" cy="1600200"/>
+          </a:xfrm>
+        </p:spPr>
+        <p:txBody>
+          <a:bodyPr>
+            <a:normAutofit fontScale="90000"/>
+          </a:bodyPr>
+          <a:lstStyle/>
+          <a:p>
+            <a:r>
+              <a:rPr lang="en-US" dirty="0"/>
+              <a:t>Figure 2: Pairwise comparisons of gene expression among female, male and supermale garden asparagus (</a:t>
+            </a:r>
+            <a:r>
+              <a:rPr lang="en-US" i="1" dirty="0"/>
+              <a:t>Asparagus officinalis</a:t>
+            </a:r>
+            <a:r>
+              <a:rPr lang="en-US" dirty="0"/>
+              <a:t>) genes across line replicates</a:t>
+            </a:r>
+            <a:endParaRPr lang="en-US" dirty="0"/>
+          </a:p>
+        </p:txBody>
+      </p:sp>
+      <p:sp>
+        <p:nvSpPr>
+          <p:cNvPr id="6" name="Text Placeholder 5"/>
+          <p:cNvSpPr>
+            <a:spLocks noGrp="1"/>
+          </p:cNvSpPr>
+          <p:nvPr>
+            <p:ph sz="half" idx="1"/>
+          </p:nvPr>
+        </p:nvSpPr>
+        <p:spPr>
+          <a:xfrm>
+            <a:off x="228600" y="2740152"/>
+            <a:ext cx="3657600" cy="460248"/>
           </a:xfrm>
         </p:spPr>
         <p:txBody>
           <a:bodyPr/>
           <a:lstStyle/>
           <a:p>
-            <a:r>
-              <a:rPr lang="en-US" dirty="0"/>
-              <a:t>Results</a:t>
-            </a:r>
+            <a:pPr marL="0" indent="0" algn="ctr">
+              <a:buNone/>
+            </a:pPr>
+            <a:r>
+              <a:rPr lang="en-US" sz="2400" dirty="0" smtClean="0">
+                <a:solidFill>
+                  <a:schemeClr val="tx2"/>
+                </a:solidFill>
+              </a:rPr>
+              <a:t>Paper</a:t>
+            </a:r>
+            <a:endParaRPr lang="en-US" dirty="0">
+              <a:solidFill>
+                <a:schemeClr val="tx2"/>
+              </a:solidFill>
+            </a:endParaRPr>
           </a:p>
         </p:txBody>
       </p:sp>
       <p:sp>
         <p:nvSpPr>
-          <p:cNvPr id="3" name="Content Placeholder 2"/>
+          <p:cNvPr id="7" name="Text Placeholder 6"/>
           <p:cNvSpPr>
             <a:spLocks noGrp="1"/>
           </p:cNvSpPr>
           <p:nvPr>
-            <p:ph idx="1"/>
+            <p:ph sz="half" idx="2"/>
           </p:nvPr>
         </p:nvSpPr>
         <p:spPr>
           <a:xfrm>
-            <a:off x="1028700" y="1447800"/>
-            <a:ext cx="7200900" cy="914400"/>
+            <a:off x="4190999" y="3425952"/>
+            <a:ext cx="4849091" cy="460248"/>
           </a:xfrm>
         </p:spPr>
         <p:txBody>
           <a:bodyPr>
-            <a:normAutofit lnSpcReduction="10000"/>
+            <a:normAutofit/>
           </a:bodyPr>
           <a:lstStyle/>
           <a:p>
-            <a:r>
-              <a:rPr lang="en-US" dirty="0"/>
-              <a:t>Figure 2: Pairwise comparisons of gene expression among female, male and supermale garden asparagus (</a:t>
-            </a:r>
-            <a:r>
-              <a:rPr lang="en-US" i="1" dirty="0"/>
-              <a:t>Asparagus officinalis</a:t>
-            </a:r>
-            <a:r>
-              <a:rPr lang="en-US" dirty="0"/>
-              <a:t>) genes across line replicates</a:t>
-            </a:r>
+            <a:pPr marL="0" indent="0" algn="ctr">
+              <a:buNone/>
+            </a:pPr>
+            <a:r>
+              <a:rPr lang="en-US" sz="2400" dirty="0" smtClean="0">
+                <a:solidFill>
+                  <a:schemeClr val="tx2"/>
+                </a:solidFill>
+              </a:rPr>
+              <a:t>Our Analysis</a:t>
+            </a:r>
+            <a:endParaRPr lang="en-US" sz="2400" dirty="0">
+              <a:solidFill>
+                <a:schemeClr val="tx2"/>
+              </a:solidFill>
+            </a:endParaRPr>
           </a:p>
         </p:txBody>
       </p:sp>
+      <p:cxnSp>
+        <p:nvCxnSpPr>
+          <p:cNvPr id="10" name="Straight Connector 9"/>
+          <p:cNvCxnSpPr/>
+          <p:nvPr/>
+        </p:nvCxnSpPr>
+        <p:spPr>
+          <a:xfrm>
+            <a:off x="4038600" y="1752600"/>
+            <a:ext cx="0" cy="4953000"/>
+          </a:xfrm>
+          <a:prstGeom prst="line">
+            <a:avLst/>
+          </a:prstGeom>
+          <a:ln w="38100">
+            <a:solidFill>
+              <a:schemeClr val="tx2"/>
+            </a:solidFill>
+          </a:ln>
+        </p:spPr>
+        <p:style>
+          <a:lnRef idx="1">
+            <a:schemeClr val="accent1"/>
+          </a:lnRef>
+          <a:fillRef idx="0">
+            <a:schemeClr val="accent1"/>
+          </a:fillRef>
+          <a:effectRef idx="0">
+            <a:schemeClr val="accent1"/>
+          </a:effectRef>
+          <a:fontRef idx="minor">
+            <a:schemeClr val="tx1"/>
+          </a:fontRef>
+        </p:style>
+      </p:cxnSp>
       <p:pic>
         <p:nvPicPr>
-          <p:cNvPr id="4" name="Picture 3"/>
+          <p:cNvPr id="8" name="Picture 7"/>
           <p:cNvPicPr>
             <a:picLocks noChangeAspect="1"/>
           </p:cNvPicPr>
@@ -15134,7 +15480,7 @@
         </p:blipFill>
         <p:spPr>
           <a:xfrm>
-            <a:off x="1143000" y="2514600"/>
+            <a:off x="304800" y="3200400"/>
             <a:ext cx="3276600" cy="1606826"/>
           </a:xfrm>
           <a:prstGeom prst="rect">
@@ -15145,7 +15491,7 @@
     </p:spTree>
     <p:extLst>
       <p:ext uri="{BB962C8B-B14F-4D97-AF65-F5344CB8AC3E}">
-        <p14:creationId xmlns:p14="http://schemas.microsoft.com/office/powerpoint/2010/main" val="4229321659"/>
+        <p14:creationId xmlns:p14="http://schemas.microsoft.com/office/powerpoint/2010/main" val="1615460768"/>
       </p:ext>
     </p:extLst>
   </p:cSld>
@@ -15182,6 +15528,731 @@
             <p:ph type="title"/>
           </p:nvPr>
         </p:nvSpPr>
+        <p:spPr/>
+        <p:txBody>
+          <a:bodyPr/>
+          <a:lstStyle/>
+          <a:p>
+            <a:r>
+              <a:rPr lang="en-US" dirty="0"/>
+              <a:t>Results</a:t>
+            </a:r>
+          </a:p>
+        </p:txBody>
+      </p:sp>
+      <p:sp>
+        <p:nvSpPr>
+          <p:cNvPr id="3" name="Content Placeholder 2"/>
+          <p:cNvSpPr>
+            <a:spLocks noGrp="1"/>
+          </p:cNvSpPr>
+          <p:nvPr>
+            <p:ph idx="1"/>
+          </p:nvPr>
+        </p:nvSpPr>
+        <p:spPr/>
+        <p:txBody>
+          <a:bodyPr>
+            <a:normAutofit/>
+          </a:bodyPr>
+          <a:lstStyle/>
+          <a:p>
+            <a:r>
+              <a:rPr lang="en-US" dirty="0"/>
+              <a:t>Figure 2: Pairwise comparisons of gene expression among female, male and supermale garden asparagus (</a:t>
+            </a:r>
+            <a:r>
+              <a:rPr lang="en-US" i="1" dirty="0"/>
+              <a:t>Asparagus officinalis</a:t>
+            </a:r>
+            <a:r>
+              <a:rPr lang="en-US" dirty="0"/>
+              <a:t>) genes across line replicates</a:t>
+            </a:r>
+          </a:p>
+        </p:txBody>
+      </p:sp>
+    </p:spTree>
+    <p:extLst>
+      <p:ext uri="{BB962C8B-B14F-4D97-AF65-F5344CB8AC3E}">
+        <p14:creationId xmlns:p14="http://schemas.microsoft.com/office/powerpoint/2010/main" val="4229321659"/>
+      </p:ext>
+    </p:extLst>
+  </p:cSld>
+  <p:clrMapOvr>
+    <a:masterClrMapping/>
+  </p:clrMapOvr>
+</p:sld>
+</file>
+
+<file path=ppt/slides/slide2.xml><?xml version="1.0" encoding="utf-8"?>
+<p:sld xmlns:a="http://schemas.openxmlformats.org/drawingml/2006/main" xmlns:r="http://schemas.openxmlformats.org/officeDocument/2006/relationships" xmlns:p="http://schemas.openxmlformats.org/presentationml/2006/main">
+  <p:cSld>
+    <p:spTree>
+      <p:nvGrpSpPr>
+        <p:cNvPr id="1" name=""/>
+        <p:cNvGrpSpPr/>
+        <p:nvPr/>
+      </p:nvGrpSpPr>
+      <p:grpSpPr>
+        <a:xfrm>
+          <a:off x="0" y="0"/>
+          <a:ext cx="0" cy="0"/>
+          <a:chOff x="0" y="0"/>
+          <a:chExt cx="0" cy="0"/>
+        </a:xfrm>
+      </p:grpSpPr>
+      <p:sp>
+        <p:nvSpPr>
+          <p:cNvPr id="2" name="Title 1"/>
+          <p:cNvSpPr>
+            <a:spLocks noGrp="1"/>
+          </p:cNvSpPr>
+          <p:nvPr>
+            <p:ph type="title"/>
+          </p:nvPr>
+        </p:nvSpPr>
+        <p:spPr/>
+        <p:txBody>
+          <a:bodyPr/>
+          <a:lstStyle/>
+          <a:p>
+            <a:r>
+              <a:rPr lang="en-US" dirty="0"/>
+              <a:t>Background</a:t>
+            </a:r>
+          </a:p>
+        </p:txBody>
+      </p:sp>
+      <p:pic>
+        <p:nvPicPr>
+          <p:cNvPr id="14" name="Picture 13"/>
+          <p:cNvPicPr>
+            <a:picLocks noChangeAspect="1"/>
+          </p:cNvPicPr>
+          <p:nvPr/>
+        </p:nvPicPr>
+        <p:blipFill>
+          <a:blip r:embed="rId3"/>
+          <a:stretch>
+            <a:fillRect/>
+          </a:stretch>
+        </p:blipFill>
+        <p:spPr>
+          <a:xfrm>
+            <a:off x="4715601" y="685800"/>
+            <a:ext cx="3590199" cy="2743200"/>
+          </a:xfrm>
+          <a:prstGeom prst="rect">
+            <a:avLst/>
+          </a:prstGeom>
+          <a:ln w="38100">
+            <a:solidFill>
+              <a:schemeClr val="accent1"/>
+            </a:solidFill>
+          </a:ln>
+        </p:spPr>
+      </p:pic>
+      <p:sp>
+        <p:nvSpPr>
+          <p:cNvPr id="15" name="Content Placeholder 2"/>
+          <p:cNvSpPr txBox="1">
+            <a:spLocks/>
+          </p:cNvSpPr>
+          <p:nvPr/>
+        </p:nvSpPr>
+        <p:spPr>
+          <a:xfrm>
+            <a:off x="457200" y="1561388"/>
+            <a:ext cx="3657600" cy="4915612"/>
+          </a:xfrm>
+          <a:prstGeom prst="rect">
+            <a:avLst/>
+          </a:prstGeom>
+        </p:spPr>
+        <p:txBody>
+          <a:bodyPr vert="horz" lIns="91440" tIns="45720" rIns="91440" bIns="45720" rtlCol="0">
+            <a:normAutofit/>
+          </a:bodyPr>
+          <a:lstStyle>
+            <a:lvl1pPr marL="182880" indent="-182880" algn="l" defTabSz="914400" rtl="0" eaLnBrk="1" latinLnBrk="0" hangingPunct="1">
+              <a:spcBef>
+                <a:spcPct val="20000"/>
+              </a:spcBef>
+              <a:buClr>
+                <a:schemeClr val="accent1"/>
+              </a:buClr>
+              <a:buSzPct val="85000"/>
+              <a:buFont typeface="Arial" pitchFamily="34" charset="0"/>
+              <a:buChar char="•"/>
+              <a:defRPr sz="2400" kern="1200">
+                <a:solidFill>
+                  <a:schemeClr val="tx1"/>
+                </a:solidFill>
+                <a:latin typeface="+mn-lt"/>
+                <a:ea typeface="+mn-ea"/>
+                <a:cs typeface="+mn-cs"/>
+              </a:defRPr>
+            </a:lvl1pPr>
+            <a:lvl2pPr marL="457200" indent="-182880" algn="l" defTabSz="914400" rtl="0" eaLnBrk="1" latinLnBrk="0" hangingPunct="1">
+              <a:spcBef>
+                <a:spcPct val="20000"/>
+              </a:spcBef>
+              <a:buClr>
+                <a:schemeClr val="accent1"/>
+              </a:buClr>
+              <a:buSzPct val="85000"/>
+              <a:buFont typeface="Arial" pitchFamily="34" charset="0"/>
+              <a:buChar char="•"/>
+              <a:defRPr sz="2000" kern="1200">
+                <a:solidFill>
+                  <a:schemeClr val="tx1"/>
+                </a:solidFill>
+                <a:latin typeface="+mn-lt"/>
+                <a:ea typeface="+mn-ea"/>
+                <a:cs typeface="+mn-cs"/>
+              </a:defRPr>
+            </a:lvl2pPr>
+            <a:lvl3pPr marL="731520" indent="-182880" algn="l" defTabSz="914400" rtl="0" eaLnBrk="1" latinLnBrk="0" hangingPunct="1">
+              <a:spcBef>
+                <a:spcPct val="20000"/>
+              </a:spcBef>
+              <a:buClr>
+                <a:schemeClr val="accent1"/>
+              </a:buClr>
+              <a:buSzPct val="90000"/>
+              <a:buFont typeface="Arial" pitchFamily="34" charset="0"/>
+              <a:buChar char="•"/>
+              <a:defRPr sz="1800" kern="1200">
+                <a:solidFill>
+                  <a:schemeClr val="tx1"/>
+                </a:solidFill>
+                <a:latin typeface="+mn-lt"/>
+                <a:ea typeface="+mn-ea"/>
+                <a:cs typeface="+mn-cs"/>
+              </a:defRPr>
+            </a:lvl3pPr>
+            <a:lvl4pPr marL="1005840" indent="-182880" algn="l" defTabSz="914400" rtl="0" eaLnBrk="1" latinLnBrk="0" hangingPunct="1">
+              <a:spcBef>
+                <a:spcPct val="20000"/>
+              </a:spcBef>
+              <a:buClr>
+                <a:schemeClr val="accent1"/>
+              </a:buClr>
+              <a:buFont typeface="Arial" pitchFamily="34" charset="0"/>
+              <a:buChar char="•"/>
+              <a:defRPr sz="1600" kern="1200">
+                <a:solidFill>
+                  <a:schemeClr val="tx1"/>
+                </a:solidFill>
+                <a:latin typeface="+mn-lt"/>
+                <a:ea typeface="+mn-ea"/>
+                <a:cs typeface="+mn-cs"/>
+              </a:defRPr>
+            </a:lvl4pPr>
+            <a:lvl5pPr marL="1188720" indent="-137160" algn="l" defTabSz="914400" rtl="0" eaLnBrk="1" latinLnBrk="0" hangingPunct="1">
+              <a:spcBef>
+                <a:spcPct val="20000"/>
+              </a:spcBef>
+              <a:buClr>
+                <a:schemeClr val="accent1"/>
+              </a:buClr>
+              <a:buSzPct val="100000"/>
+              <a:buFont typeface="Arial" pitchFamily="34" charset="0"/>
+              <a:buChar char="•"/>
+              <a:defRPr sz="1400" kern="1200" baseline="0">
+                <a:solidFill>
+                  <a:schemeClr val="tx1"/>
+                </a:solidFill>
+                <a:latin typeface="+mn-lt"/>
+                <a:ea typeface="+mn-ea"/>
+                <a:cs typeface="+mn-cs"/>
+              </a:defRPr>
+            </a:lvl5pPr>
+            <a:lvl6pPr marL="1371600" indent="-182880" algn="l" defTabSz="914400" rtl="0" eaLnBrk="1" latinLnBrk="0" hangingPunct="1">
+              <a:spcBef>
+                <a:spcPct val="20000"/>
+              </a:spcBef>
+              <a:buClr>
+                <a:schemeClr val="accent1"/>
+              </a:buClr>
+              <a:buFont typeface="Arial" pitchFamily="34" charset="0"/>
+              <a:buChar char="•"/>
+              <a:defRPr sz="1300" kern="1200">
+                <a:solidFill>
+                  <a:schemeClr val="tx1"/>
+                </a:solidFill>
+                <a:latin typeface="+mn-lt"/>
+                <a:ea typeface="+mn-ea"/>
+                <a:cs typeface="+mn-cs"/>
+              </a:defRPr>
+            </a:lvl6pPr>
+            <a:lvl7pPr marL="1554480" indent="-182880" algn="l" defTabSz="914400" rtl="0" eaLnBrk="1" latinLnBrk="0" hangingPunct="1">
+              <a:spcBef>
+                <a:spcPct val="20000"/>
+              </a:spcBef>
+              <a:buClr>
+                <a:schemeClr val="accent1"/>
+              </a:buClr>
+              <a:buFont typeface="Arial" pitchFamily="34" charset="0"/>
+              <a:buChar char="•"/>
+              <a:defRPr sz="1300" kern="1200">
+                <a:solidFill>
+                  <a:schemeClr val="tx1"/>
+                </a:solidFill>
+                <a:latin typeface="+mn-lt"/>
+                <a:ea typeface="+mn-ea"/>
+                <a:cs typeface="+mn-cs"/>
+              </a:defRPr>
+            </a:lvl7pPr>
+            <a:lvl8pPr marL="1737360" indent="-182880" algn="l" defTabSz="914400" rtl="0" eaLnBrk="1" latinLnBrk="0" hangingPunct="1">
+              <a:spcBef>
+                <a:spcPct val="20000"/>
+              </a:spcBef>
+              <a:buClr>
+                <a:schemeClr val="accent1"/>
+              </a:buClr>
+              <a:buFont typeface="Arial" pitchFamily="34" charset="0"/>
+              <a:buChar char="•"/>
+              <a:defRPr sz="1300" kern="1200">
+                <a:solidFill>
+                  <a:schemeClr val="tx1"/>
+                </a:solidFill>
+                <a:latin typeface="+mn-lt"/>
+                <a:ea typeface="+mn-ea"/>
+                <a:cs typeface="+mn-cs"/>
+              </a:defRPr>
+            </a:lvl8pPr>
+            <a:lvl9pPr marL="1920240" indent="-182880" algn="l" defTabSz="914400" rtl="0" eaLnBrk="1" latinLnBrk="0" hangingPunct="1">
+              <a:spcBef>
+                <a:spcPct val="20000"/>
+              </a:spcBef>
+              <a:buClr>
+                <a:schemeClr val="accent1"/>
+              </a:buClr>
+              <a:buFont typeface="Arial" pitchFamily="34" charset="0"/>
+              <a:buChar char="•"/>
+              <a:defRPr sz="1300" kern="1200">
+                <a:solidFill>
+                  <a:schemeClr val="tx1"/>
+                </a:solidFill>
+                <a:latin typeface="+mn-lt"/>
+                <a:ea typeface="+mn-ea"/>
+                <a:cs typeface="+mn-cs"/>
+              </a:defRPr>
+            </a:lvl9pPr>
+          </a:lstStyle>
+          <a:p>
+            <a:r>
+              <a:rPr lang="en-US" dirty="0" smtClean="0"/>
+              <a:t>Although most plants have hermaphroditic flowers, some have developed other means of mating, including:</a:t>
+            </a:r>
+          </a:p>
+          <a:p>
+            <a:pPr lvl="1"/>
+            <a:r>
+              <a:rPr lang="en-US" dirty="0" err="1" smtClean="0"/>
+              <a:t>Dichogamy</a:t>
+            </a:r>
+            <a:endParaRPr lang="en-US" dirty="0" smtClean="0"/>
+          </a:p>
+          <a:p>
+            <a:pPr lvl="1"/>
+            <a:r>
+              <a:rPr lang="en-US" dirty="0" err="1" smtClean="0"/>
+              <a:t>Monoecy</a:t>
+            </a:r>
+            <a:endParaRPr lang="en-US" dirty="0" smtClean="0"/>
+          </a:p>
+          <a:p>
+            <a:pPr lvl="1"/>
+            <a:r>
+              <a:rPr lang="en-US" dirty="0" smtClean="0"/>
+              <a:t>Gynomonoecy</a:t>
+            </a:r>
+          </a:p>
+          <a:p>
+            <a:pPr lvl="1"/>
+            <a:r>
+              <a:rPr lang="en-US" dirty="0" err="1" smtClean="0"/>
+              <a:t>Andromonoecy</a:t>
+            </a:r>
+            <a:endParaRPr lang="en-US" dirty="0" smtClean="0"/>
+          </a:p>
+          <a:p>
+            <a:pPr lvl="1"/>
+            <a:r>
+              <a:rPr lang="en-US" dirty="0" err="1" smtClean="0"/>
+              <a:t>Trinomoecy</a:t>
+            </a:r>
+            <a:endParaRPr lang="en-US" dirty="0" smtClean="0"/>
+          </a:p>
+          <a:p>
+            <a:pPr lvl="1"/>
+            <a:r>
+              <a:rPr lang="en-US" dirty="0" err="1" smtClean="0"/>
+              <a:t>Dioecy</a:t>
+            </a:r>
+            <a:endParaRPr lang="en-US" dirty="0" smtClean="0"/>
+          </a:p>
+        </p:txBody>
+      </p:sp>
+      <p:sp>
+        <p:nvSpPr>
+          <p:cNvPr id="18" name="Content Placeholder 2"/>
+          <p:cNvSpPr txBox="1">
+            <a:spLocks/>
+          </p:cNvSpPr>
+          <p:nvPr/>
+        </p:nvSpPr>
+        <p:spPr>
+          <a:xfrm>
+            <a:off x="1311965" y="4961283"/>
+            <a:ext cx="2286000" cy="3276600"/>
+          </a:xfrm>
+          <a:prstGeom prst="rect">
+            <a:avLst/>
+          </a:prstGeom>
+        </p:spPr>
+        <p:txBody>
+          <a:bodyPr vert="horz" lIns="91440" tIns="45720" rIns="91440" bIns="45720" rtlCol="0">
+            <a:normAutofit/>
+          </a:bodyPr>
+          <a:lstStyle>
+            <a:lvl1pPr marL="182880" indent="-182880" algn="l" defTabSz="914400" rtl="0" eaLnBrk="1" latinLnBrk="0" hangingPunct="1">
+              <a:spcBef>
+                <a:spcPct val="20000"/>
+              </a:spcBef>
+              <a:buClr>
+                <a:schemeClr val="accent1"/>
+              </a:buClr>
+              <a:buSzPct val="85000"/>
+              <a:buFont typeface="Arial" pitchFamily="34" charset="0"/>
+              <a:buChar char="•"/>
+              <a:defRPr sz="2400" kern="1200">
+                <a:solidFill>
+                  <a:schemeClr val="tx1"/>
+                </a:solidFill>
+                <a:latin typeface="+mn-lt"/>
+                <a:ea typeface="+mn-ea"/>
+                <a:cs typeface="+mn-cs"/>
+              </a:defRPr>
+            </a:lvl1pPr>
+            <a:lvl2pPr marL="457200" indent="-182880" algn="l" defTabSz="914400" rtl="0" eaLnBrk="1" latinLnBrk="0" hangingPunct="1">
+              <a:spcBef>
+                <a:spcPct val="20000"/>
+              </a:spcBef>
+              <a:buClr>
+                <a:schemeClr val="accent1"/>
+              </a:buClr>
+              <a:buSzPct val="85000"/>
+              <a:buFont typeface="Arial" pitchFamily="34" charset="0"/>
+              <a:buChar char="•"/>
+              <a:defRPr sz="2000" kern="1200">
+                <a:solidFill>
+                  <a:schemeClr val="tx1"/>
+                </a:solidFill>
+                <a:latin typeface="+mn-lt"/>
+                <a:ea typeface="+mn-ea"/>
+                <a:cs typeface="+mn-cs"/>
+              </a:defRPr>
+            </a:lvl2pPr>
+            <a:lvl3pPr marL="731520" indent="-182880" algn="l" defTabSz="914400" rtl="0" eaLnBrk="1" latinLnBrk="0" hangingPunct="1">
+              <a:spcBef>
+                <a:spcPct val="20000"/>
+              </a:spcBef>
+              <a:buClr>
+                <a:schemeClr val="accent1"/>
+              </a:buClr>
+              <a:buSzPct val="90000"/>
+              <a:buFont typeface="Arial" pitchFamily="34" charset="0"/>
+              <a:buChar char="•"/>
+              <a:defRPr sz="1800" kern="1200">
+                <a:solidFill>
+                  <a:schemeClr val="tx1"/>
+                </a:solidFill>
+                <a:latin typeface="+mn-lt"/>
+                <a:ea typeface="+mn-ea"/>
+                <a:cs typeface="+mn-cs"/>
+              </a:defRPr>
+            </a:lvl3pPr>
+            <a:lvl4pPr marL="1005840" indent="-182880" algn="l" defTabSz="914400" rtl="0" eaLnBrk="1" latinLnBrk="0" hangingPunct="1">
+              <a:spcBef>
+                <a:spcPct val="20000"/>
+              </a:spcBef>
+              <a:buClr>
+                <a:schemeClr val="accent1"/>
+              </a:buClr>
+              <a:buFont typeface="Arial" pitchFamily="34" charset="0"/>
+              <a:buChar char="•"/>
+              <a:defRPr sz="1600" kern="1200">
+                <a:solidFill>
+                  <a:schemeClr val="tx1"/>
+                </a:solidFill>
+                <a:latin typeface="+mn-lt"/>
+                <a:ea typeface="+mn-ea"/>
+                <a:cs typeface="+mn-cs"/>
+              </a:defRPr>
+            </a:lvl4pPr>
+            <a:lvl5pPr marL="1188720" indent="-137160" algn="l" defTabSz="914400" rtl="0" eaLnBrk="1" latinLnBrk="0" hangingPunct="1">
+              <a:spcBef>
+                <a:spcPct val="20000"/>
+              </a:spcBef>
+              <a:buClr>
+                <a:schemeClr val="accent1"/>
+              </a:buClr>
+              <a:buSzPct val="100000"/>
+              <a:buFont typeface="Arial" pitchFamily="34" charset="0"/>
+              <a:buChar char="•"/>
+              <a:defRPr sz="1400" kern="1200" baseline="0">
+                <a:solidFill>
+                  <a:schemeClr val="tx1"/>
+                </a:solidFill>
+                <a:latin typeface="+mn-lt"/>
+                <a:ea typeface="+mn-ea"/>
+                <a:cs typeface="+mn-cs"/>
+              </a:defRPr>
+            </a:lvl5pPr>
+            <a:lvl6pPr marL="1371600" indent="-182880" algn="l" defTabSz="914400" rtl="0" eaLnBrk="1" latinLnBrk="0" hangingPunct="1">
+              <a:spcBef>
+                <a:spcPct val="20000"/>
+              </a:spcBef>
+              <a:buClr>
+                <a:schemeClr val="accent1"/>
+              </a:buClr>
+              <a:buFont typeface="Arial" pitchFamily="34" charset="0"/>
+              <a:buChar char="•"/>
+              <a:defRPr sz="1300" kern="1200">
+                <a:solidFill>
+                  <a:schemeClr val="tx1"/>
+                </a:solidFill>
+                <a:latin typeface="+mn-lt"/>
+                <a:ea typeface="+mn-ea"/>
+                <a:cs typeface="+mn-cs"/>
+              </a:defRPr>
+            </a:lvl6pPr>
+            <a:lvl7pPr marL="1554480" indent="-182880" algn="l" defTabSz="914400" rtl="0" eaLnBrk="1" latinLnBrk="0" hangingPunct="1">
+              <a:spcBef>
+                <a:spcPct val="20000"/>
+              </a:spcBef>
+              <a:buClr>
+                <a:schemeClr val="accent1"/>
+              </a:buClr>
+              <a:buFont typeface="Arial" pitchFamily="34" charset="0"/>
+              <a:buChar char="•"/>
+              <a:defRPr sz="1300" kern="1200">
+                <a:solidFill>
+                  <a:schemeClr val="tx1"/>
+                </a:solidFill>
+                <a:latin typeface="+mn-lt"/>
+                <a:ea typeface="+mn-ea"/>
+                <a:cs typeface="+mn-cs"/>
+              </a:defRPr>
+            </a:lvl7pPr>
+            <a:lvl8pPr marL="1737360" indent="-182880" algn="l" defTabSz="914400" rtl="0" eaLnBrk="1" latinLnBrk="0" hangingPunct="1">
+              <a:spcBef>
+                <a:spcPct val="20000"/>
+              </a:spcBef>
+              <a:buClr>
+                <a:schemeClr val="accent1"/>
+              </a:buClr>
+              <a:buFont typeface="Arial" pitchFamily="34" charset="0"/>
+              <a:buChar char="•"/>
+              <a:defRPr sz="1300" kern="1200">
+                <a:solidFill>
+                  <a:schemeClr val="tx1"/>
+                </a:solidFill>
+                <a:latin typeface="+mn-lt"/>
+                <a:ea typeface="+mn-ea"/>
+                <a:cs typeface="+mn-cs"/>
+              </a:defRPr>
+            </a:lvl8pPr>
+            <a:lvl9pPr marL="1920240" indent="-182880" algn="l" defTabSz="914400" rtl="0" eaLnBrk="1" latinLnBrk="0" hangingPunct="1">
+              <a:spcBef>
+                <a:spcPct val="20000"/>
+              </a:spcBef>
+              <a:buClr>
+                <a:schemeClr val="accent1"/>
+              </a:buClr>
+              <a:buFont typeface="Arial" pitchFamily="34" charset="0"/>
+              <a:buChar char="•"/>
+              <a:defRPr sz="1300" kern="1200">
+                <a:solidFill>
+                  <a:schemeClr val="tx1"/>
+                </a:solidFill>
+                <a:latin typeface="+mn-lt"/>
+                <a:ea typeface="+mn-ea"/>
+                <a:cs typeface="+mn-cs"/>
+              </a:defRPr>
+            </a:lvl9pPr>
+          </a:lstStyle>
+          <a:p>
+            <a:endParaRPr lang="en-US" dirty="0" smtClean="0"/>
+          </a:p>
+          <a:p>
+            <a:pPr lvl="1"/>
+            <a:endParaRPr lang="en-US" dirty="0"/>
+          </a:p>
+        </p:txBody>
+      </p:sp>
+      <p:pic>
+        <p:nvPicPr>
+          <p:cNvPr id="1026" name="Picture 2" descr="http://plantbreeding.coe.uga.edu/images/9/99/4_4.jpg"/>
+          <p:cNvPicPr>
+            <a:picLocks noChangeAspect="1" noChangeArrowheads="1"/>
+          </p:cNvPicPr>
+          <p:nvPr/>
+        </p:nvPicPr>
+        <p:blipFill rotWithShape="1">
+          <a:blip r:embed="rId4">
+            <a:extLst>
+              <a:ext uri="{28A0092B-C50C-407E-A947-70E740481C1C}">
+                <a14:useLocalDpi xmlns:a14="http://schemas.microsoft.com/office/drawing/2010/main" val="0"/>
+              </a:ext>
+            </a:extLst>
+          </a:blip>
+          <a:srcRect l="79116"/>
+          <a:stretch/>
+        </p:blipFill>
+        <p:spPr bwMode="auto">
+          <a:xfrm>
+            <a:off x="4715600" y="3733800"/>
+            <a:ext cx="916615" cy="2743200"/>
+          </a:xfrm>
+          <a:prstGeom prst="rect">
+            <a:avLst/>
+          </a:prstGeom>
+          <a:noFill/>
+          <a:ln w="38100">
+            <a:solidFill>
+              <a:schemeClr val="accent1"/>
+            </a:solidFill>
+          </a:ln>
+          <a:extLst>
+            <a:ext uri="{909E8E84-426E-40DD-AFC4-6F175D3DCCD1}">
+              <a14:hiddenFill xmlns:a14="http://schemas.microsoft.com/office/drawing/2010/main">
+                <a:solidFill>
+                  <a:srgbClr val="FFFFFF"/>
+                </a:solidFill>
+              </a14:hiddenFill>
+            </a:ext>
+          </a:extLst>
+        </p:spPr>
+      </p:pic>
+      <p:sp>
+        <p:nvSpPr>
+          <p:cNvPr id="21" name="TextBox 20"/>
+          <p:cNvSpPr txBox="1"/>
+          <p:nvPr/>
+        </p:nvSpPr>
+        <p:spPr>
+          <a:xfrm>
+            <a:off x="2454965" y="6550223"/>
+            <a:ext cx="6689035" cy="307777"/>
+          </a:xfrm>
+          <a:prstGeom prst="rect">
+            <a:avLst/>
+          </a:prstGeom>
+          <a:noFill/>
+        </p:spPr>
+        <p:txBody>
+          <a:bodyPr wrap="square" rtlCol="0">
+            <a:spAutoFit/>
+          </a:bodyPr>
+          <a:lstStyle/>
+          <a:p>
+            <a:pPr algn="r"/>
+            <a:r>
+              <a:rPr lang="en-US" sz="1400" dirty="0"/>
+              <a:t>http://plantbreeding.coe.uga.edu/index.php?title=4._Plant_Reproductive_Systems</a:t>
+            </a:r>
+          </a:p>
+        </p:txBody>
+      </p:sp>
+      <p:pic>
+        <p:nvPicPr>
+          <p:cNvPr id="1028" name="Picture 4" descr="http://plantbreeding.coe.uga.edu/images/9/99/4_4.jpg"/>
+          <p:cNvPicPr>
+            <a:picLocks noChangeAspect="1" noChangeArrowheads="1"/>
+          </p:cNvPicPr>
+          <p:nvPr/>
+        </p:nvPicPr>
+        <p:blipFill rotWithShape="1">
+          <a:blip r:embed="rId4">
+            <a:extLst>
+              <a:ext uri="{28A0092B-C50C-407E-A947-70E740481C1C}">
+                <a14:useLocalDpi xmlns:a14="http://schemas.microsoft.com/office/drawing/2010/main" val="0"/>
+              </a:ext>
+            </a:extLst>
+          </a:blip>
+          <a:srcRect r="54167"/>
+          <a:stretch/>
+        </p:blipFill>
+        <p:spPr bwMode="auto">
+          <a:xfrm>
+            <a:off x="6294120" y="3733800"/>
+            <a:ext cx="2011680" cy="2743200"/>
+          </a:xfrm>
+          <a:prstGeom prst="rect">
+            <a:avLst/>
+          </a:prstGeom>
+          <a:noFill/>
+          <a:ln w="38100">
+            <a:solidFill>
+              <a:schemeClr val="accent1"/>
+            </a:solidFill>
+          </a:ln>
+          <a:extLst>
+            <a:ext uri="{909E8E84-426E-40DD-AFC4-6F175D3DCCD1}">
+              <a14:hiddenFill xmlns:a14="http://schemas.microsoft.com/office/drawing/2010/main">
+                <a:solidFill>
+                  <a:srgbClr val="FFFFFF"/>
+                </a:solidFill>
+              </a14:hiddenFill>
+            </a:ext>
+          </a:extLst>
+        </p:spPr>
+      </p:pic>
+    </p:spTree>
+    <p:extLst>
+      <p:ext uri="{BB962C8B-B14F-4D97-AF65-F5344CB8AC3E}">
+        <p14:creationId xmlns:p14="http://schemas.microsoft.com/office/powerpoint/2010/main" val="3008695028"/>
+      </p:ext>
+    </p:extLst>
+  </p:cSld>
+  <p:clrMapOvr>
+    <a:masterClrMapping/>
+  </p:clrMapOvr>
+</p:sld>
+</file>
+
+<file path=ppt/slides/slide20.xml><?xml version="1.0" encoding="utf-8"?>
+<p:sld xmlns:a="http://schemas.openxmlformats.org/drawingml/2006/main" xmlns:r="http://schemas.openxmlformats.org/officeDocument/2006/relationships" xmlns:p="http://schemas.openxmlformats.org/presentationml/2006/main">
+  <p:cSld>
+    <p:spTree>
+      <p:nvGrpSpPr>
+        <p:cNvPr id="1" name=""/>
+        <p:cNvGrpSpPr/>
+        <p:nvPr/>
+      </p:nvGrpSpPr>
+      <p:grpSpPr>
+        <a:xfrm>
+          <a:off x="0" y="0"/>
+          <a:ext cx="0" cy="0"/>
+          <a:chOff x="0" y="0"/>
+          <a:chExt cx="0" cy="0"/>
+        </a:xfrm>
+      </p:grpSpPr>
+      <p:sp>
+        <p:nvSpPr>
+          <p:cNvPr id="2" name="Title 1"/>
+          <p:cNvSpPr>
+            <a:spLocks noGrp="1"/>
+          </p:cNvSpPr>
+          <p:nvPr>
+            <p:ph type="title"/>
+          </p:nvPr>
+        </p:nvSpPr>
         <p:spPr>
           <a:xfrm>
             <a:off x="1028700" y="685800"/>
@@ -15217,7 +16288,7 @@
         </p:spPr>
         <p:txBody>
           <a:bodyPr>
-            <a:normAutofit fontScale="92500" lnSpcReduction="10000"/>
+            <a:normAutofit fontScale="85000" lnSpcReduction="20000"/>
           </a:bodyPr>
           <a:lstStyle/>
           <a:p>
@@ -15297,334 +16368,7 @@
 </p:sld>
 </file>
 
-<file path=ppt/slides/slide2.xml><?xml version="1.0" encoding="utf-8"?>
-<p:sld xmlns:a="http://schemas.openxmlformats.org/drawingml/2006/main" xmlns:r="http://schemas.openxmlformats.org/officeDocument/2006/relationships" xmlns:p="http://schemas.openxmlformats.org/presentationml/2006/main">
-  <p:cSld>
-    <p:spTree>
-      <p:nvGrpSpPr>
-        <p:cNvPr id="1" name=""/>
-        <p:cNvGrpSpPr/>
-        <p:nvPr/>
-      </p:nvGrpSpPr>
-      <p:grpSpPr>
-        <a:xfrm>
-          <a:off x="0" y="0"/>
-          <a:ext cx="0" cy="0"/>
-          <a:chOff x="0" y="0"/>
-          <a:chExt cx="0" cy="0"/>
-        </a:xfrm>
-      </p:grpSpPr>
-      <p:sp>
-        <p:nvSpPr>
-          <p:cNvPr id="2" name="Title 1"/>
-          <p:cNvSpPr>
-            <a:spLocks noGrp="1"/>
-          </p:cNvSpPr>
-          <p:nvPr>
-            <p:ph type="title"/>
-          </p:nvPr>
-        </p:nvSpPr>
-        <p:spPr/>
-        <p:txBody>
-          <a:bodyPr/>
-          <a:lstStyle/>
-          <a:p>
-            <a:r>
-              <a:rPr lang="en-US" dirty="0"/>
-              <a:t>Background</a:t>
-            </a:r>
-          </a:p>
-        </p:txBody>
-      </p:sp>
-      <p:sp>
-        <p:nvSpPr>
-          <p:cNvPr id="3" name="Content Placeholder 2"/>
-          <p:cNvSpPr>
-            <a:spLocks noGrp="1"/>
-          </p:cNvSpPr>
-          <p:nvPr>
-            <p:ph sz="half" idx="1"/>
-          </p:nvPr>
-        </p:nvSpPr>
-        <p:spPr/>
-        <p:txBody>
-          <a:bodyPr>
-            <a:normAutofit fontScale="85000" lnSpcReduction="10000"/>
-          </a:bodyPr>
-          <a:lstStyle/>
-          <a:p>
-            <a:r>
-              <a:rPr lang="en-US" dirty="0"/>
-              <a:t>90% of </a:t>
-            </a:r>
-            <a:r>
-              <a:rPr lang="en-US" dirty="0" smtClean="0"/>
-              <a:t>flowering plants </a:t>
-            </a:r>
-            <a:r>
-              <a:rPr lang="en-US" dirty="0"/>
-              <a:t>are </a:t>
-            </a:r>
-            <a:r>
-              <a:rPr lang="en-US" dirty="0" smtClean="0"/>
-              <a:t>hermaphroditic</a:t>
-            </a:r>
-          </a:p>
-          <a:p>
-            <a:pPr lvl="1"/>
-            <a:r>
-              <a:rPr lang="en-US" dirty="0" err="1" smtClean="0"/>
-              <a:t>Dichogamy</a:t>
-            </a:r>
-            <a:r>
-              <a:rPr lang="en-US" dirty="0" smtClean="0"/>
-              <a:t>: male and female organs develop at different times</a:t>
-            </a:r>
-            <a:endParaRPr lang="en-US" dirty="0"/>
-          </a:p>
-          <a:p>
-            <a:pPr lvl="1"/>
-            <a:r>
-              <a:rPr lang="en-US" dirty="0" err="1" smtClean="0"/>
-              <a:t>Monoecy</a:t>
-            </a:r>
-            <a:r>
-              <a:rPr lang="en-US" dirty="0" smtClean="0"/>
-              <a:t>:  male and female organs are separate flowers</a:t>
-            </a:r>
-          </a:p>
-          <a:p>
-            <a:pPr lvl="1"/>
-            <a:r>
-              <a:rPr lang="en-US" dirty="0" err="1" smtClean="0"/>
-              <a:t>Andromonoecy</a:t>
-            </a:r>
-            <a:r>
-              <a:rPr lang="en-US" dirty="0" smtClean="0"/>
-              <a:t>:  hermaphroditic flowers and male flowers</a:t>
-            </a:r>
-          </a:p>
-          <a:p>
-            <a:pPr lvl="1"/>
-            <a:r>
-              <a:rPr lang="en-US" dirty="0" smtClean="0"/>
-              <a:t>Gynomonoecy:  hermaphroditic flowers and female flowers</a:t>
-            </a:r>
-          </a:p>
-          <a:p>
-            <a:pPr lvl="1"/>
-            <a:r>
-              <a:rPr lang="en-US" dirty="0" err="1" smtClean="0"/>
-              <a:t>Trimonoecy</a:t>
-            </a:r>
-            <a:r>
-              <a:rPr lang="en-US" dirty="0" smtClean="0"/>
-              <a:t>:  hermaphroditic, male, and female flowers</a:t>
-            </a:r>
-            <a:endParaRPr lang="en-US" dirty="0"/>
-          </a:p>
-        </p:txBody>
-      </p:sp>
-      <p:sp>
-        <p:nvSpPr>
-          <p:cNvPr id="12" name="Content Placeholder 11"/>
-          <p:cNvSpPr>
-            <a:spLocks noGrp="1"/>
-          </p:cNvSpPr>
-          <p:nvPr>
-            <p:ph sz="half" idx="2"/>
-          </p:nvPr>
-        </p:nvSpPr>
-        <p:spPr/>
-        <p:txBody>
-          <a:bodyPr>
-            <a:normAutofit fontScale="85000" lnSpcReduction="10000"/>
-          </a:bodyPr>
-          <a:lstStyle/>
-          <a:p>
-            <a:r>
-              <a:rPr lang="en-US" dirty="0" smtClean="0"/>
-              <a:t>10</a:t>
-            </a:r>
-            <a:r>
-              <a:rPr lang="en-US" dirty="0"/>
-              <a:t>% are dioecious</a:t>
-            </a:r>
-          </a:p>
-          <a:p>
-            <a:pPr lvl="1"/>
-            <a:r>
-              <a:rPr lang="en-US" dirty="0" smtClean="0"/>
-              <a:t>Separate male </a:t>
-            </a:r>
-            <a:r>
-              <a:rPr lang="en-US" dirty="0"/>
-              <a:t>and female plants </a:t>
-            </a:r>
-          </a:p>
-          <a:p>
-            <a:endParaRPr lang="en-US" dirty="0"/>
-          </a:p>
-        </p:txBody>
-      </p:sp>
-      <p:pic>
-        <p:nvPicPr>
-          <p:cNvPr id="4" name="Picture 3"/>
-          <p:cNvPicPr>
-            <a:picLocks noChangeAspect="1"/>
-          </p:cNvPicPr>
-          <p:nvPr/>
-        </p:nvPicPr>
-        <p:blipFill>
-          <a:blip r:embed="rId3"/>
-          <a:stretch>
-            <a:fillRect/>
-          </a:stretch>
-        </p:blipFill>
-        <p:spPr>
-          <a:xfrm>
-            <a:off x="9160099" y="4724400"/>
-            <a:ext cx="1424940" cy="1943100"/>
-          </a:xfrm>
-          <a:prstGeom prst="rect">
-            <a:avLst/>
-          </a:prstGeom>
-        </p:spPr>
-      </p:pic>
-      <p:pic>
-        <p:nvPicPr>
-          <p:cNvPr id="5" name="Picture 4"/>
-          <p:cNvPicPr>
-            <a:picLocks noChangeAspect="1"/>
-          </p:cNvPicPr>
-          <p:nvPr/>
-        </p:nvPicPr>
-        <p:blipFill>
-          <a:blip r:embed="rId4"/>
-          <a:stretch>
-            <a:fillRect/>
-          </a:stretch>
-        </p:blipFill>
-        <p:spPr>
-          <a:xfrm>
-            <a:off x="8686800" y="378854"/>
-            <a:ext cx="2703340" cy="1890713"/>
-          </a:xfrm>
-          <a:prstGeom prst="rect">
-            <a:avLst/>
-          </a:prstGeom>
-        </p:spPr>
-      </p:pic>
-      <p:pic>
-        <p:nvPicPr>
-          <p:cNvPr id="6" name="Picture 5"/>
-          <p:cNvPicPr>
-            <a:picLocks noChangeAspect="1"/>
-          </p:cNvPicPr>
-          <p:nvPr/>
-        </p:nvPicPr>
-        <p:blipFill>
-          <a:blip r:embed="rId5"/>
-          <a:stretch>
-            <a:fillRect/>
-          </a:stretch>
-        </p:blipFill>
-        <p:spPr>
-          <a:xfrm>
-            <a:off x="8686800" y="2133600"/>
-            <a:ext cx="2628139" cy="2008109"/>
-          </a:xfrm>
-          <a:prstGeom prst="rect">
-            <a:avLst/>
-          </a:prstGeom>
-        </p:spPr>
-      </p:pic>
-      <p:pic>
-        <p:nvPicPr>
-          <p:cNvPr id="7" name="Picture 6"/>
-          <p:cNvPicPr>
-            <a:picLocks noChangeAspect="1"/>
-          </p:cNvPicPr>
-          <p:nvPr/>
-        </p:nvPicPr>
-        <p:blipFill>
-          <a:blip r:embed="rId6"/>
-          <a:stretch>
-            <a:fillRect/>
-          </a:stretch>
-        </p:blipFill>
-        <p:spPr>
-          <a:xfrm>
-            <a:off x="5791200" y="3001108"/>
-            <a:ext cx="1828800" cy="2637692"/>
-          </a:xfrm>
-          <a:prstGeom prst="rect">
-            <a:avLst/>
-          </a:prstGeom>
-        </p:spPr>
-      </p:pic>
-      <p:pic>
-        <p:nvPicPr>
-          <p:cNvPr id="13" name="Picture 12"/>
-          <p:cNvPicPr>
-            <a:picLocks noChangeAspect="1"/>
-          </p:cNvPicPr>
-          <p:nvPr/>
-        </p:nvPicPr>
-        <p:blipFill>
-          <a:blip r:embed="rId5"/>
-          <a:stretch>
-            <a:fillRect/>
-          </a:stretch>
-        </p:blipFill>
-        <p:spPr>
-          <a:xfrm>
-            <a:off x="4981922" y="762000"/>
-            <a:ext cx="2628139" cy="2008109"/>
-          </a:xfrm>
-          <a:prstGeom prst="rect">
-            <a:avLst/>
-          </a:prstGeom>
-        </p:spPr>
-      </p:pic>
-      <p:pic>
-        <p:nvPicPr>
-          <p:cNvPr id="14" name="Picture 13"/>
-          <p:cNvPicPr>
-            <a:picLocks noChangeAspect="1"/>
-          </p:cNvPicPr>
-          <p:nvPr/>
-        </p:nvPicPr>
-        <p:blipFill>
-          <a:blip r:embed="rId5"/>
-          <a:stretch>
-            <a:fillRect/>
-          </a:stretch>
-        </p:blipFill>
-        <p:spPr>
-          <a:xfrm>
-            <a:off x="5638800" y="3315899"/>
-            <a:ext cx="2628139" cy="2008109"/>
-          </a:xfrm>
-          <a:prstGeom prst="rect">
-            <a:avLst/>
-          </a:prstGeom>
-        </p:spPr>
-      </p:pic>
-    </p:spTree>
-    <p:extLst>
-      <p:ext uri="{BB962C8B-B14F-4D97-AF65-F5344CB8AC3E}">
-        <p14:creationId xmlns:p14="http://schemas.microsoft.com/office/powerpoint/2010/main" val="3008695028"/>
-      </p:ext>
-    </p:extLst>
-  </p:cSld>
-  <p:clrMapOvr>
-    <a:masterClrMapping/>
-  </p:clrMapOvr>
-</p:sld>
-</file>
-
-<file path=ppt/slides/slide20.xml><?xml version="1.0" encoding="utf-8"?>
+<file path=ppt/slides/slide21.xml><?xml version="1.0" encoding="utf-8"?>
 <p:sld xmlns:a="http://schemas.openxmlformats.org/drawingml/2006/main" xmlns:r="http://schemas.openxmlformats.org/officeDocument/2006/relationships" xmlns:p="http://schemas.openxmlformats.org/presentationml/2006/main">
   <p:cSld>
     <p:spTree>
@@ -15702,7 +16446,7 @@
             <a:prstTxWarp prst="textNoShape">
               <a:avLst/>
             </a:prstTxWarp>
-            <a:normAutofit lnSpcReduction="10000"/>
+            <a:normAutofit fontScale="92500" lnSpcReduction="20000"/>
           </a:bodyPr>
           <a:lstStyle/>
           <a:p>
@@ -15749,88 +16493,6 @@
     <p:extLst>
       <p:ext uri="{BB962C8B-B14F-4D97-AF65-F5344CB8AC3E}">
         <p14:creationId xmlns:p14="http://schemas.microsoft.com/office/powerpoint/2010/main" val="897698656"/>
-      </p:ext>
-    </p:extLst>
-  </p:cSld>
-  <p:clrMapOvr>
-    <a:masterClrMapping/>
-  </p:clrMapOvr>
-</p:sld>
-</file>
-
-<file path=ppt/slides/slide21.xml><?xml version="1.0" encoding="utf-8"?>
-<p:sld xmlns:a="http://schemas.openxmlformats.org/drawingml/2006/main" xmlns:r="http://schemas.openxmlformats.org/officeDocument/2006/relationships" xmlns:p="http://schemas.openxmlformats.org/presentationml/2006/main">
-  <p:cSld>
-    <p:spTree>
-      <p:nvGrpSpPr>
-        <p:cNvPr id="1" name=""/>
-        <p:cNvGrpSpPr/>
-        <p:nvPr/>
-      </p:nvGrpSpPr>
-      <p:grpSpPr>
-        <a:xfrm>
-          <a:off x="0" y="0"/>
-          <a:ext cx="0" cy="0"/>
-          <a:chOff x="0" y="0"/>
-          <a:chExt cx="0" cy="0"/>
-        </a:xfrm>
-      </p:grpSpPr>
-      <p:sp>
-        <p:nvSpPr>
-          <p:cNvPr id="2" name="Title 1"/>
-          <p:cNvSpPr>
-            <a:spLocks noGrp="1"/>
-          </p:cNvSpPr>
-          <p:nvPr>
-            <p:ph type="title"/>
-          </p:nvPr>
-        </p:nvSpPr>
-        <p:spPr/>
-        <p:txBody>
-          <a:bodyPr/>
-          <a:lstStyle/>
-          <a:p>
-            <a:r>
-              <a:rPr lang="en-US" dirty="0" smtClean="0"/>
-              <a:t>Conclusions</a:t>
-            </a:r>
-            <a:endParaRPr lang="en-US" dirty="0"/>
-          </a:p>
-        </p:txBody>
-      </p:sp>
-      <p:sp>
-        <p:nvSpPr>
-          <p:cNvPr id="3" name="Content Placeholder 2"/>
-          <p:cNvSpPr>
-            <a:spLocks noGrp="1"/>
-          </p:cNvSpPr>
-          <p:nvPr>
-            <p:ph idx="1"/>
-          </p:nvPr>
-        </p:nvSpPr>
-        <p:spPr/>
-        <p:txBody>
-          <a:bodyPr/>
-          <a:lstStyle/>
-          <a:p>
-            <a:r>
-              <a:rPr lang="en-US" dirty="0" smtClean="0"/>
-              <a:t>It is very important to understand the experimental design and method selection before starting any data analysis.</a:t>
-            </a:r>
-          </a:p>
-          <a:p>
-            <a:r>
-              <a:rPr lang="en-US" dirty="0" smtClean="0"/>
-              <a:t>Documentation should be sufficient enough to allow that any other person can be able to understand the analysis workflow and replicate the pipeline</a:t>
-            </a:r>
-            <a:endParaRPr lang="en-US" dirty="0"/>
-          </a:p>
-        </p:txBody>
-      </p:sp>
-    </p:spTree>
-    <p:extLst>
-      <p:ext uri="{BB962C8B-B14F-4D97-AF65-F5344CB8AC3E}">
-        <p14:creationId xmlns:p14="http://schemas.microsoft.com/office/powerpoint/2010/main" val="1757100119"/>
       </p:ext>
     </p:extLst>
   </p:cSld>
@@ -15873,9 +16535,10 @@
           <a:lstStyle/>
           <a:p>
             <a:r>
-              <a:rPr lang="en-US" dirty="0"/>
-              <a:t>Bibliography</a:t>
-            </a:r>
+              <a:rPr lang="en-US" dirty="0" err="1" smtClean="0"/>
+              <a:t>heatmap</a:t>
+            </a:r>
+            <a:endParaRPr lang="en-US" dirty="0"/>
           </a:p>
         </p:txBody>
       </p:sp>
@@ -15894,6 +16557,159 @@
           <a:bodyPr/>
           <a:lstStyle/>
           <a:p>
+            <a:endParaRPr lang="en-US"/>
+          </a:p>
+        </p:txBody>
+      </p:sp>
+    </p:spTree>
+    <p:extLst>
+      <p:ext uri="{BB962C8B-B14F-4D97-AF65-F5344CB8AC3E}">
+        <p14:creationId xmlns:p14="http://schemas.microsoft.com/office/powerpoint/2010/main" val="3319733076"/>
+      </p:ext>
+    </p:extLst>
+  </p:cSld>
+  <p:clrMapOvr>
+    <a:masterClrMapping/>
+  </p:clrMapOvr>
+</p:sld>
+</file>
+
+<file path=ppt/slides/slide23.xml><?xml version="1.0" encoding="utf-8"?>
+<p:sld xmlns:a="http://schemas.openxmlformats.org/drawingml/2006/main" xmlns:r="http://schemas.openxmlformats.org/officeDocument/2006/relationships" xmlns:p="http://schemas.openxmlformats.org/presentationml/2006/main">
+  <p:cSld>
+    <p:spTree>
+      <p:nvGrpSpPr>
+        <p:cNvPr id="1" name=""/>
+        <p:cNvGrpSpPr/>
+        <p:nvPr/>
+      </p:nvGrpSpPr>
+      <p:grpSpPr>
+        <a:xfrm>
+          <a:off x="0" y="0"/>
+          <a:ext cx="0" cy="0"/>
+          <a:chOff x="0" y="0"/>
+          <a:chExt cx="0" cy="0"/>
+        </a:xfrm>
+      </p:grpSpPr>
+      <p:sp>
+        <p:nvSpPr>
+          <p:cNvPr id="2" name="Title 1"/>
+          <p:cNvSpPr>
+            <a:spLocks noGrp="1"/>
+          </p:cNvSpPr>
+          <p:nvPr>
+            <p:ph type="title"/>
+          </p:nvPr>
+        </p:nvSpPr>
+        <p:spPr/>
+        <p:txBody>
+          <a:bodyPr/>
+          <a:lstStyle/>
+          <a:p>
+            <a:r>
+              <a:rPr lang="en-US" dirty="0" smtClean="0"/>
+              <a:t>Conclusions</a:t>
+            </a:r>
+            <a:endParaRPr lang="en-US" dirty="0"/>
+          </a:p>
+        </p:txBody>
+      </p:sp>
+      <p:sp>
+        <p:nvSpPr>
+          <p:cNvPr id="3" name="Content Placeholder 2"/>
+          <p:cNvSpPr>
+            <a:spLocks noGrp="1"/>
+          </p:cNvSpPr>
+          <p:nvPr>
+            <p:ph idx="1"/>
+          </p:nvPr>
+        </p:nvSpPr>
+        <p:spPr/>
+        <p:txBody>
+          <a:bodyPr/>
+          <a:lstStyle/>
+          <a:p>
+            <a:r>
+              <a:rPr lang="en-US" dirty="0" smtClean="0"/>
+              <a:t>It is very important to understand the experimental design and method selection before starting any data analysis.</a:t>
+            </a:r>
+          </a:p>
+          <a:p>
+            <a:r>
+              <a:rPr lang="en-US" dirty="0" smtClean="0"/>
+              <a:t>Documentation should be sufficient enough to allow that any other person can be able to understand the analysis workflow and replicate the pipeline</a:t>
+            </a:r>
+            <a:endParaRPr lang="en-US" dirty="0"/>
+          </a:p>
+        </p:txBody>
+      </p:sp>
+    </p:spTree>
+    <p:extLst>
+      <p:ext uri="{BB962C8B-B14F-4D97-AF65-F5344CB8AC3E}">
+        <p14:creationId xmlns:p14="http://schemas.microsoft.com/office/powerpoint/2010/main" val="1757100119"/>
+      </p:ext>
+    </p:extLst>
+  </p:cSld>
+  <p:clrMapOvr>
+    <a:masterClrMapping/>
+  </p:clrMapOvr>
+</p:sld>
+</file>
+
+<file path=ppt/slides/slide24.xml><?xml version="1.0" encoding="utf-8"?>
+<p:sld xmlns:a="http://schemas.openxmlformats.org/drawingml/2006/main" xmlns:r="http://schemas.openxmlformats.org/officeDocument/2006/relationships" xmlns:p="http://schemas.openxmlformats.org/presentationml/2006/main">
+  <p:cSld>
+    <p:spTree>
+      <p:nvGrpSpPr>
+        <p:cNvPr id="1" name=""/>
+        <p:cNvGrpSpPr/>
+        <p:nvPr/>
+      </p:nvGrpSpPr>
+      <p:grpSpPr>
+        <a:xfrm>
+          <a:off x="0" y="0"/>
+          <a:ext cx="0" cy="0"/>
+          <a:chOff x="0" y="0"/>
+          <a:chExt cx="0" cy="0"/>
+        </a:xfrm>
+      </p:grpSpPr>
+      <p:sp>
+        <p:nvSpPr>
+          <p:cNvPr id="2" name="Title 1"/>
+          <p:cNvSpPr>
+            <a:spLocks noGrp="1"/>
+          </p:cNvSpPr>
+          <p:nvPr>
+            <p:ph type="title"/>
+          </p:nvPr>
+        </p:nvSpPr>
+        <p:spPr/>
+        <p:txBody>
+          <a:bodyPr/>
+          <a:lstStyle/>
+          <a:p>
+            <a:r>
+              <a:rPr lang="en-US" dirty="0"/>
+              <a:t>Bibliography</a:t>
+            </a:r>
+          </a:p>
+        </p:txBody>
+      </p:sp>
+      <p:sp>
+        <p:nvSpPr>
+          <p:cNvPr id="3" name="Content Placeholder 2"/>
+          <p:cNvSpPr>
+            <a:spLocks noGrp="1"/>
+          </p:cNvSpPr>
+          <p:nvPr>
+            <p:ph idx="1"/>
+          </p:nvPr>
+        </p:nvSpPr>
+        <p:spPr/>
+        <p:txBody>
+          <a:bodyPr/>
+          <a:lstStyle/>
+          <a:p>
             <a:r>
               <a:rPr lang="en-US" dirty="0"/>
               <a:t>Deng C-L, Qin R-Y, Wang N-N, Cao Y, Gao J, Gao W-J, Lu L-D. 2012. Karyotype of asparagus by physical mapping of 45S and 5S rDNA by FISH. </a:t>
@@ -15971,6 +16787,67 @@
     <p:extLst>
       <p:ext uri="{BB962C8B-B14F-4D97-AF65-F5344CB8AC3E}">
         <p14:creationId xmlns:p14="http://schemas.microsoft.com/office/powerpoint/2010/main" val="1642219891"/>
+      </p:ext>
+    </p:extLst>
+  </p:cSld>
+  <p:clrMapOvr>
+    <a:masterClrMapping/>
+  </p:clrMapOvr>
+</p:sld>
+</file>
+
+<file path=ppt/slides/slide25.xml><?xml version="1.0" encoding="utf-8"?>
+<p:sld xmlns:a="http://schemas.openxmlformats.org/drawingml/2006/main" xmlns:r="http://schemas.openxmlformats.org/officeDocument/2006/relationships" xmlns:p="http://schemas.openxmlformats.org/presentationml/2006/main">
+  <p:cSld>
+    <p:spTree>
+      <p:nvGrpSpPr>
+        <p:cNvPr id="1" name=""/>
+        <p:cNvGrpSpPr/>
+        <p:nvPr/>
+      </p:nvGrpSpPr>
+      <p:grpSpPr>
+        <a:xfrm>
+          <a:off x="0" y="0"/>
+          <a:ext cx="0" cy="0"/>
+          <a:chOff x="0" y="0"/>
+          <a:chExt cx="0" cy="0"/>
+        </a:xfrm>
+      </p:grpSpPr>
+      <p:sp>
+        <p:nvSpPr>
+          <p:cNvPr id="4" name="Title 3"/>
+          <p:cNvSpPr>
+            <a:spLocks noGrp="1"/>
+          </p:cNvSpPr>
+          <p:nvPr>
+            <p:ph type="title"/>
+          </p:nvPr>
+        </p:nvSpPr>
+        <p:spPr>
+          <a:xfrm>
+            <a:off x="457200" y="2819400"/>
+            <a:ext cx="8229600" cy="990600"/>
+          </a:xfrm>
+        </p:spPr>
+        <p:txBody>
+          <a:bodyPr>
+            <a:noAutofit/>
+          </a:bodyPr>
+          <a:lstStyle/>
+          <a:p>
+            <a:pPr algn="ctr"/>
+            <a:r>
+              <a:rPr lang="en-US" sz="6600" dirty="0" smtClean="0"/>
+              <a:t>Questions?</a:t>
+            </a:r>
+            <a:endParaRPr lang="en-US" sz="6600" dirty="0"/>
+          </a:p>
+        </p:txBody>
+      </p:sp>
+    </p:spTree>
+    <p:extLst>
+      <p:ext uri="{BB962C8B-B14F-4D97-AF65-F5344CB8AC3E}">
+        <p14:creationId xmlns:p14="http://schemas.microsoft.com/office/powerpoint/2010/main" val="1115857917"/>
       </p:ext>
     </p:extLst>
   </p:cSld>
@@ -16043,6 +16920,62 @@
           </a:bodyPr>
           <a:lstStyle/>
           <a:p>
+            <a:r>
+              <a:rPr lang="es-ES" dirty="0" smtClean="0"/>
+              <a:t>Dioecy</a:t>
+            </a:r>
+            <a:r>
+              <a:rPr lang="es-ES" dirty="0" smtClean="0"/>
+              <a:t> has </a:t>
+            </a:r>
+            <a:r>
+              <a:rPr lang="es-ES" dirty="0" err="1" smtClean="0"/>
+              <a:t>evolved</a:t>
+            </a:r>
+            <a:r>
+              <a:rPr lang="es-ES" dirty="0" smtClean="0"/>
+              <a:t> </a:t>
+            </a:r>
+            <a:r>
+              <a:rPr lang="es-ES" dirty="0" err="1" smtClean="0"/>
+              <a:t>independently</a:t>
+            </a:r>
+            <a:r>
+              <a:rPr lang="es-ES" dirty="0" smtClean="0"/>
+              <a:t> </a:t>
+            </a:r>
+            <a:r>
+              <a:rPr lang="es-ES" dirty="0" err="1" smtClean="0"/>
+              <a:t>across</a:t>
+            </a:r>
+            <a:r>
+              <a:rPr lang="es-ES" dirty="0" smtClean="0"/>
+              <a:t> 43% of </a:t>
+            </a:r>
+            <a:r>
+              <a:rPr lang="es-ES" dirty="0" err="1" smtClean="0"/>
+              <a:t>angiosperm</a:t>
+            </a:r>
+            <a:r>
+              <a:rPr lang="es-ES" dirty="0" smtClean="0"/>
+              <a:t> </a:t>
+            </a:r>
+            <a:r>
+              <a:rPr lang="es-ES" dirty="0" err="1" smtClean="0"/>
+              <a:t>families</a:t>
+            </a:r>
+            <a:r>
+              <a:rPr lang="es-ES" dirty="0" smtClean="0"/>
+              <a:t> at </a:t>
+            </a:r>
+            <a:r>
+              <a:rPr lang="es-ES" dirty="0" err="1" smtClean="0"/>
+              <a:t>least</a:t>
+            </a:r>
+            <a:r>
+              <a:rPr lang="es-ES" dirty="0" smtClean="0"/>
+              <a:t> 100 times</a:t>
+            </a:r>
             <a:endParaRPr lang="es-ES" dirty="0" smtClean="0"/>
           </a:p>
           <a:p>
@@ -16065,14 +16998,12 @@
           </a:p>
           <a:p>
             <a:r>
+              <a:rPr lang="es-ES" dirty="0" smtClean="0"/>
+              <a:t>Improve </a:t>
+            </a:r>
+            <a:r>
               <a:rPr lang="es-ES" dirty="0"/>
-              <a:t>Contrary to most of animals, dioecious plants are quite rare</a:t>
-            </a:r>
-          </a:p>
-          <a:p>
-            <a:r>
-              <a:rPr lang="es-ES" dirty="0"/>
-              <a:t>Improve our understanding of the molecular events that give rise to the sexual differentiation </a:t>
+              <a:t>our understanding of the molecular events that give rise to the sexual differentiation </a:t>
             </a:r>
             <a:endParaRPr lang="en-US" dirty="0"/>
           </a:p>
@@ -16120,12 +17051,14 @@
         </p:nvSpPr>
         <p:spPr/>
         <p:txBody>
-          <a:bodyPr/>
+          <a:bodyPr>
+            <a:normAutofit/>
+          </a:bodyPr>
           <a:lstStyle/>
           <a:p>
             <a:r>
               <a:rPr lang="en-US" dirty="0"/>
-              <a:t>Why asparagus?</a:t>
+              <a:t>Current thinking for sex determination</a:t>
             </a:r>
           </a:p>
         </p:txBody>
@@ -16140,117 +17073,75 @@
             <p:ph idx="1"/>
           </p:nvPr>
         </p:nvSpPr>
-        <p:spPr>
-          <a:xfrm>
-            <a:off x="457200" y="1600200"/>
-            <a:ext cx="5791200" cy="4525963"/>
-          </a:xfrm>
-        </p:spPr>
+        <p:spPr/>
         <p:txBody>
-          <a:bodyPr>
-            <a:normAutofit/>
-          </a:bodyPr>
+          <a:bodyPr/>
           <a:lstStyle/>
           <a:p>
             <a:r>
               <a:rPr lang="en-US" dirty="0"/>
-              <a:t>Recently evolved XX/XY sex chromosomes</a:t>
-            </a:r>
-          </a:p>
-          <a:p>
-            <a:endParaRPr lang="en-US" dirty="0"/>
+              <a:t>Linkage between dominant genes that </a:t>
+            </a:r>
           </a:p>
           <a:p>
             <a:pPr lvl="1"/>
             <a:r>
               <a:rPr lang="en-US" dirty="0"/>
-              <a:t>Cytologically homomorphic</a:t>
+              <a:t>Suppress female organogenesis</a:t>
+            </a:r>
+          </a:p>
+          <a:p>
+            <a:pPr lvl="1"/>
+            <a:r>
+              <a:rPr lang="en-US" dirty="0"/>
+              <a:t>Promote male organogenesis</a:t>
+            </a:r>
+          </a:p>
+          <a:p>
+            <a:r>
+              <a:rPr lang="en-US" dirty="0" smtClean="0"/>
+              <a:t>Difficult </a:t>
+            </a:r>
+            <a:r>
+              <a:rPr lang="en-US" dirty="0" smtClean="0"/>
+              <a:t>Identification </a:t>
+            </a:r>
+          </a:p>
+          <a:p>
+            <a:pPr lvl="1"/>
+            <a:r>
+              <a:rPr lang="en-US" dirty="0" smtClean="0"/>
+              <a:t>Complexity of floral development</a:t>
+            </a:r>
+          </a:p>
+          <a:p>
+            <a:pPr lvl="1"/>
+            <a:r>
+              <a:rPr lang="en-US" dirty="0" smtClean="0"/>
+              <a:t>Highly </a:t>
+            </a:r>
+            <a:r>
+              <a:rPr lang="en-US" dirty="0"/>
+              <a:t>repetitive</a:t>
+            </a:r>
+          </a:p>
+          <a:p>
+            <a:pPr lvl="1"/>
+            <a:r>
+              <a:rPr lang="en-US" dirty="0"/>
+              <a:t>Transposon rich</a:t>
             </a:r>
           </a:p>
           <a:p>
             <a:pPr lvl="1"/>
             <a:endParaRPr lang="en-US" dirty="0"/>
           </a:p>
-          <a:p>
-            <a:pPr lvl="1"/>
-            <a:endParaRPr lang="en-US" dirty="0"/>
-          </a:p>
-          <a:p>
-            <a:pPr lvl="1"/>
-            <a:endParaRPr lang="en-US" dirty="0"/>
-          </a:p>
-          <a:p>
-            <a:pPr lvl="6"/>
-            <a:r>
-              <a:rPr lang="en-US" dirty="0"/>
-              <a:t>Deng et al, 2012</a:t>
-            </a:r>
-          </a:p>
-          <a:p>
-            <a:pPr lvl="1"/>
-            <a:endParaRPr lang="en-US" dirty="0"/>
-          </a:p>
-          <a:p>
-            <a:pPr lvl="1"/>
-            <a:r>
-              <a:rPr lang="en-US" dirty="0"/>
-              <a:t>YY supermale is viable</a:t>
-            </a:r>
-          </a:p>
         </p:txBody>
       </p:sp>
-      <p:pic>
-        <p:nvPicPr>
-          <p:cNvPr id="5" name="Picture 4"/>
-          <p:cNvPicPr>
-            <a:picLocks noChangeAspect="1"/>
-          </p:cNvPicPr>
-          <p:nvPr/>
-        </p:nvPicPr>
-        <p:blipFill>
-          <a:blip r:embed="rId3"/>
-          <a:stretch>
-            <a:fillRect/>
-          </a:stretch>
-        </p:blipFill>
-        <p:spPr>
-          <a:xfrm>
-            <a:off x="6477000" y="1967706"/>
-            <a:ext cx="2381250" cy="3790950"/>
-          </a:xfrm>
-          <a:prstGeom prst="rect">
-            <a:avLst/>
-          </a:prstGeom>
-        </p:spPr>
-      </p:pic>
-      <p:pic>
-        <p:nvPicPr>
-          <p:cNvPr id="6" name="Picture 5"/>
-          <p:cNvPicPr>
-            <a:picLocks noChangeAspect="1"/>
-          </p:cNvPicPr>
-          <p:nvPr/>
-        </p:nvPicPr>
-        <p:blipFill>
-          <a:blip r:embed="rId4"/>
-          <a:stretch>
-            <a:fillRect/>
-          </a:stretch>
-        </p:blipFill>
-        <p:spPr>
-          <a:xfrm>
-            <a:off x="838200" y="3086100"/>
-            <a:ext cx="4448175" cy="542925"/>
-          </a:xfrm>
-          <a:prstGeom prst="rect">
-            <a:avLst/>
-          </a:prstGeom>
-        </p:spPr>
-      </p:pic>
     </p:spTree>
     <p:extLst>
       <p:ext uri="{BB962C8B-B14F-4D97-AF65-F5344CB8AC3E}">
-        <p14:creationId xmlns:p14="http://schemas.microsoft.com/office/powerpoint/2010/main" val="2578924765"/>
+        <p14:creationId xmlns:p14="http://schemas.microsoft.com/office/powerpoint/2010/main" val="891837179"/>
       </p:ext>
     </p:extLst>
   </p:cSld>
@@ -16289,14 +17180,12 @@
         </p:nvSpPr>
         <p:spPr/>
         <p:txBody>
-          <a:bodyPr>
-            <a:normAutofit/>
-          </a:bodyPr>
+          <a:bodyPr/>
           <a:lstStyle/>
           <a:p>
             <a:r>
               <a:rPr lang="en-US" dirty="0"/>
-              <a:t>Current thinking for sex determination</a:t>
+              <a:t>Why asparagus?</a:t>
             </a:r>
           </a:p>
         </p:txBody>
@@ -16311,81 +17200,330 @@
             <p:ph idx="1"/>
           </p:nvPr>
         </p:nvSpPr>
-        <p:spPr/>
+        <p:spPr>
+          <a:xfrm>
+            <a:off x="457200" y="1457325"/>
+            <a:ext cx="4191000" cy="1743075"/>
+          </a:xfrm>
+        </p:spPr>
         <p:txBody>
-          <a:bodyPr/>
+          <a:bodyPr>
+            <a:normAutofit/>
+          </a:bodyPr>
           <a:lstStyle/>
           <a:p>
             <a:r>
               <a:rPr lang="en-US" dirty="0"/>
-              <a:t>Linkage between dominant genes that </a:t>
+              <a:t>Recently evolved XX/XY sex chromosomes</a:t>
             </a:r>
           </a:p>
           <a:p>
             <a:pPr lvl="1"/>
             <a:r>
+              <a:rPr lang="en-US" dirty="0" err="1" smtClean="0"/>
+              <a:t>Cytologically</a:t>
+            </a:r>
+            <a:r>
+              <a:rPr lang="en-US" dirty="0" smtClean="0"/>
+              <a:t> homomorphic</a:t>
+            </a:r>
+            <a:endParaRPr lang="en-US" dirty="0"/>
+          </a:p>
+          <a:p>
+            <a:pPr lvl="1"/>
+            <a:r>
+              <a:rPr lang="en-US" dirty="0" smtClean="0"/>
+              <a:t>YY </a:t>
+            </a:r>
+            <a:r>
               <a:rPr lang="en-US" dirty="0"/>
-              <a:t>Suppress female organogenesis</a:t>
-            </a:r>
-          </a:p>
-          <a:p>
-            <a:pPr lvl="1"/>
-            <a:r>
-              <a:rPr lang="en-US" dirty="0"/>
-              <a:t>Promote male organogenesis</a:t>
-            </a:r>
-          </a:p>
-          <a:p>
-            <a:pPr lvl="1"/>
-            <a:endParaRPr lang="en-US" dirty="0"/>
-          </a:p>
-          <a:p>
-            <a:r>
-              <a:rPr lang="en-US" dirty="0" smtClean="0"/>
-              <a:t>Difficult Identification </a:t>
-            </a:r>
-          </a:p>
-          <a:p>
-            <a:pPr lvl="1"/>
-            <a:r>
-              <a:rPr lang="en-US" dirty="0" smtClean="0"/>
-              <a:t>Complexity of floral development</a:t>
-            </a:r>
-          </a:p>
-          <a:p>
-            <a:pPr lvl="1"/>
-            <a:r>
-              <a:rPr lang="en-US" dirty="0" smtClean="0"/>
-              <a:t>Highly </a:t>
-            </a:r>
-            <a:r>
-              <a:rPr lang="en-US" dirty="0"/>
-              <a:t>repetitive</a:t>
-            </a:r>
-          </a:p>
-          <a:p>
-            <a:pPr lvl="1"/>
-            <a:r>
-              <a:rPr lang="en-US" dirty="0"/>
-              <a:t>Transposon rich</a:t>
-            </a:r>
-          </a:p>
-          <a:p>
-            <a:pPr lvl="1"/>
-            <a:endParaRPr lang="en-US" dirty="0"/>
+              <a:t>supermale is viable</a:t>
+            </a:r>
           </a:p>
         </p:txBody>
       </p:sp>
+      <p:pic>
+        <p:nvPicPr>
+          <p:cNvPr id="5" name="Picture 4"/>
+          <p:cNvPicPr>
+            <a:picLocks noChangeAspect="1"/>
+          </p:cNvPicPr>
+          <p:nvPr/>
+        </p:nvPicPr>
+        <p:blipFill>
+          <a:blip r:embed="rId3"/>
+          <a:stretch>
+            <a:fillRect/>
+          </a:stretch>
+        </p:blipFill>
+        <p:spPr>
+          <a:xfrm>
+            <a:off x="5700546" y="609600"/>
+            <a:ext cx="1801429" cy="2867875"/>
+          </a:xfrm>
+          <a:prstGeom prst="rect">
+            <a:avLst/>
+          </a:prstGeom>
+          <a:ln w="38100">
+            <a:solidFill>
+              <a:schemeClr val="accent1"/>
+            </a:solidFill>
+          </a:ln>
+        </p:spPr>
+      </p:pic>
+      <p:sp>
+        <p:nvSpPr>
+          <p:cNvPr id="9" name="TextBox 8"/>
+          <p:cNvSpPr txBox="1"/>
+          <p:nvPr/>
+        </p:nvSpPr>
+        <p:spPr>
+          <a:xfrm>
+            <a:off x="4956978" y="3477475"/>
+            <a:ext cx="3288563" cy="307777"/>
+          </a:xfrm>
+          <a:prstGeom prst="rect">
+            <a:avLst/>
+          </a:prstGeom>
+          <a:noFill/>
+        </p:spPr>
+        <p:txBody>
+          <a:bodyPr wrap="square" rtlCol="0">
+            <a:spAutoFit/>
+          </a:bodyPr>
+          <a:lstStyle/>
+          <a:p>
+            <a:pPr algn="ctr"/>
+            <a:r>
+              <a:rPr lang="en-US" sz="1400" dirty="0"/>
+              <a:t>https://en.wikipedia.org/wiki/Asparagus</a:t>
+            </a:r>
+            <a:endParaRPr lang="en-US" sz="1400" dirty="0"/>
+          </a:p>
+        </p:txBody>
+      </p:sp>
+      <p:pic>
+        <p:nvPicPr>
+          <p:cNvPr id="2050" name="Picture 2" descr="asparagus_jerseygiant"/>
+          <p:cNvPicPr>
+            <a:picLocks noChangeAspect="1" noChangeArrowheads="1"/>
+          </p:cNvPicPr>
+          <p:nvPr/>
+        </p:nvPicPr>
+        <p:blipFill>
+          <a:blip r:embed="rId4">
+            <a:extLst>
+              <a:ext uri="{28A0092B-C50C-407E-A947-70E740481C1C}">
+                <a14:useLocalDpi xmlns:a14="http://schemas.microsoft.com/office/drawing/2010/main" val="0"/>
+              </a:ext>
+            </a:extLst>
+          </a:blip>
+          <a:srcRect/>
+          <a:stretch>
+            <a:fillRect/>
+          </a:stretch>
+        </p:blipFill>
+        <p:spPr bwMode="auto">
+          <a:xfrm>
+            <a:off x="5105399" y="3916534"/>
+            <a:ext cx="2991722" cy="2484266"/>
+          </a:xfrm>
+          <a:prstGeom prst="rect">
+            <a:avLst/>
+          </a:prstGeom>
+          <a:noFill/>
+          <a:ln w="38100">
+            <a:solidFill>
+              <a:schemeClr val="accent1"/>
+            </a:solidFill>
+          </a:ln>
+          <a:extLst>
+            <a:ext uri="{909E8E84-426E-40DD-AFC4-6F175D3DCCD1}">
+              <a14:hiddenFill xmlns:a14="http://schemas.microsoft.com/office/drawing/2010/main">
+                <a:solidFill>
+                  <a:srgbClr val="FFFFFF"/>
+                </a:solidFill>
+              </a14:hiddenFill>
+            </a:ext>
+          </a:extLst>
+        </p:spPr>
+      </p:pic>
+      <p:sp>
+        <p:nvSpPr>
+          <p:cNvPr id="11" name="TextBox 10"/>
+          <p:cNvSpPr txBox="1"/>
+          <p:nvPr/>
+        </p:nvSpPr>
+        <p:spPr>
+          <a:xfrm>
+            <a:off x="4167688" y="6400799"/>
+            <a:ext cx="4867141" cy="307777"/>
+          </a:xfrm>
+          <a:prstGeom prst="rect">
+            <a:avLst/>
+          </a:prstGeom>
+          <a:noFill/>
+        </p:spPr>
+        <p:txBody>
+          <a:bodyPr wrap="square" rtlCol="0">
+            <a:spAutoFit/>
+          </a:bodyPr>
+          <a:lstStyle/>
+          <a:p>
+            <a:pPr algn="ctr"/>
+            <a:r>
+              <a:rPr lang="en-US" sz="1400" dirty="0" smtClean="0"/>
+              <a:t>www.degroot-inc.com/product_info.php?products_id=525</a:t>
+            </a:r>
+            <a:endParaRPr lang="en-US" sz="1400" dirty="0"/>
+          </a:p>
+        </p:txBody>
+      </p:sp>
+      <p:grpSp>
+        <p:nvGrpSpPr>
+          <p:cNvPr id="13" name="Group 12"/>
+          <p:cNvGrpSpPr/>
+          <p:nvPr/>
+        </p:nvGrpSpPr>
+        <p:grpSpPr>
+          <a:xfrm>
+            <a:off x="682752" y="3276600"/>
+            <a:ext cx="3584448" cy="1815451"/>
+            <a:chOff x="571772" y="3581400"/>
+            <a:chExt cx="3584448" cy="1815451"/>
+          </a:xfrm>
+        </p:grpSpPr>
+        <p:sp>
+          <p:nvSpPr>
+            <p:cNvPr id="8" name="TextBox 7"/>
+            <p:cNvSpPr txBox="1"/>
+            <p:nvPr/>
+          </p:nvSpPr>
+          <p:spPr>
+            <a:xfrm>
+              <a:off x="2476228" y="5089074"/>
+              <a:ext cx="1676400" cy="307777"/>
+            </a:xfrm>
+            <a:prstGeom prst="rect">
+              <a:avLst/>
+            </a:prstGeom>
+            <a:noFill/>
+          </p:spPr>
+          <p:txBody>
+            <a:bodyPr wrap="square" rtlCol="0">
+              <a:spAutoFit/>
+            </a:bodyPr>
+            <a:lstStyle/>
+            <a:p>
+              <a:pPr algn="r"/>
+              <a:r>
+                <a:rPr lang="en-US" sz="1400" dirty="0"/>
+                <a:t>Deng et al, 2012</a:t>
+              </a:r>
+            </a:p>
+          </p:txBody>
+        </p:sp>
+        <p:grpSp>
+          <p:nvGrpSpPr>
+            <p:cNvPr id="10" name="Group 9"/>
+            <p:cNvGrpSpPr/>
+            <p:nvPr/>
+          </p:nvGrpSpPr>
+          <p:grpSpPr>
+            <a:xfrm>
+              <a:off x="571772" y="3581400"/>
+              <a:ext cx="3584448" cy="1507674"/>
+              <a:chOff x="571772" y="3733800"/>
+              <a:chExt cx="3584448" cy="1507674"/>
+            </a:xfrm>
+          </p:grpSpPr>
+          <p:pic>
+            <p:nvPicPr>
+              <p:cNvPr id="4" name="Picture 3"/>
+              <p:cNvPicPr>
+                <a:picLocks noChangeAspect="1"/>
+              </p:cNvPicPr>
+              <p:nvPr/>
+            </p:nvPicPr>
+            <p:blipFill rotWithShape="1">
+              <a:blip r:embed="rId5">
+                <a:extLst>
+                  <a:ext uri="{28A0092B-C50C-407E-A947-70E740481C1C}">
+                    <a14:useLocalDpi xmlns:a14="http://schemas.microsoft.com/office/drawing/2010/main" val="0"/>
+                  </a:ext>
+                </a:extLst>
+              </a:blip>
+              <a:srcRect l="50921" t="87669"/>
+              <a:stretch/>
+            </p:blipFill>
+            <p:spPr>
+              <a:xfrm>
+                <a:off x="571772" y="3733800"/>
+                <a:ext cx="3580856" cy="735591"/>
+              </a:xfrm>
+              <a:prstGeom prst="rect">
+                <a:avLst/>
+              </a:prstGeom>
+              <a:ln w="38100">
+                <a:solidFill>
+                  <a:schemeClr val="accent1"/>
+                </a:solidFill>
+              </a:ln>
+            </p:spPr>
+          </p:pic>
+          <p:pic>
+            <p:nvPicPr>
+              <p:cNvPr id="12" name="Picture 11"/>
+              <p:cNvPicPr>
+                <a:picLocks noChangeAspect="1"/>
+              </p:cNvPicPr>
+              <p:nvPr/>
+            </p:nvPicPr>
+            <p:blipFill rotWithShape="1">
+              <a:blip r:embed="rId5">
+                <a:extLst>
+                  <a:ext uri="{28A0092B-C50C-407E-A947-70E740481C1C}">
+                    <a14:useLocalDpi xmlns:a14="http://schemas.microsoft.com/office/drawing/2010/main" val="0"/>
+                  </a:ext>
+                </a:extLst>
+              </a:blip>
+              <a:srcRect l="5073" t="87669" r="48121"/>
+              <a:stretch/>
+            </p:blipFill>
+            <p:spPr>
+              <a:xfrm>
+                <a:off x="571772" y="4469391"/>
+                <a:ext cx="3584448" cy="772083"/>
+              </a:xfrm>
+              <a:prstGeom prst="rect">
+                <a:avLst/>
+              </a:prstGeom>
+              <a:ln w="38100">
+                <a:solidFill>
+                  <a:schemeClr val="accent1"/>
+                </a:solidFill>
+              </a:ln>
+            </p:spPr>
+          </p:pic>
+        </p:grpSp>
+      </p:grpSp>
     </p:spTree>
     <p:extLst>
       <p:ext uri="{BB962C8B-B14F-4D97-AF65-F5344CB8AC3E}">
-        <p14:creationId xmlns:p14="http://schemas.microsoft.com/office/powerpoint/2010/main" val="891837179"/>
+        <p14:creationId xmlns:p14="http://schemas.microsoft.com/office/powerpoint/2010/main" val="2578924765"/>
       </p:ext>
     </p:extLst>
   </p:cSld>
   <p:clrMapOvr>
     <a:masterClrMapping/>
   </p:clrMapOvr>
+  <p:timing>
+    <p:tnLst>
+      <p:par>
+        <p:cTn id="1" dur="indefinite" restart="never" nodeType="tmRoot"/>
+      </p:par>
+    </p:tnLst>
+  </p:timing>
 </p:sld>
 </file>
 
@@ -16416,12 +17554,7 @@
             <p:ph type="title"/>
           </p:nvPr>
         </p:nvSpPr>
-        <p:spPr>
-          <a:xfrm>
-            <a:off x="1028700" y="685800"/>
-            <a:ext cx="7200900" cy="838200"/>
-          </a:xfrm>
-        </p:spPr>
+        <p:spPr/>
         <p:txBody>
           <a:bodyPr/>
           <a:lstStyle/>
@@ -16441,17 +17574,17 @@
             <a:graphicFrameLocks noGrp="1"/>
           </p:cNvGraphicFramePr>
           <p:nvPr>
-            <p:ph idx="1"/>
+            <p:ph idx="4294967295"/>
             <p:extLst>
               <p:ext uri="{D42A27DB-BD31-4B8C-83A1-F6EECF244321}">
-                <p14:modId xmlns:p14="http://schemas.microsoft.com/office/powerpoint/2010/main" val="2993138473"/>
+                <p14:modId xmlns:p14="http://schemas.microsoft.com/office/powerpoint/2010/main" val="1996628015"/>
               </p:ext>
             </p:extLst>
           </p:nvPr>
         </p:nvGraphicFramePr>
         <p:xfrm>
-          <a:off x="0" y="1490730"/>
-          <a:ext cx="9067800" cy="2624070"/>
+          <a:off x="0" y="1490663"/>
+          <a:ext cx="9067800" cy="2624137"/>
         </p:xfrm>
         <a:graphic>
           <a:graphicData uri="http://schemas.openxmlformats.org/drawingml/2006/diagram">
@@ -16578,6 +17711,13 @@
   <p:clrMapOvr>
     <a:masterClrMapping/>
   </p:clrMapOvr>
+  <p:timing>
+    <p:tnLst>
+      <p:par>
+        <p:cTn id="1" dur="indefinite" restart="never" nodeType="tmRoot"/>
+      </p:par>
+    </p:tnLst>
+  </p:timing>
 </p:sld>
 </file>
 
@@ -16655,6 +17795,13 @@
   <p:clrMapOvr>
     <a:masterClrMapping/>
   </p:clrMapOvr>
+  <p:timing>
+    <p:tnLst>
+      <p:par>
+        <p:cTn id="1" dur="indefinite" restart="never" nodeType="tmRoot"/>
+      </p:par>
+    </p:tnLst>
+  </p:timing>
 </p:sld>
 </file>
 
@@ -16707,12 +17854,7 @@
             <p:ph idx="1"/>
           </p:nvPr>
         </p:nvSpPr>
-        <p:spPr>
-          <a:xfrm>
-            <a:off x="1028700" y="1752600"/>
-            <a:ext cx="7200900" cy="4495800"/>
-          </a:xfrm>
-        </p:spPr>
+        <p:spPr/>
         <p:txBody>
           <a:bodyPr>
             <a:normAutofit fontScale="92500" lnSpcReduction="10000"/>
@@ -16720,8 +17862,63 @@
           <a:lstStyle/>
           <a:p>
             <a:r>
+              <a:rPr lang="es-ES" dirty="0" err="1" smtClean="0"/>
+              <a:t>Overall</a:t>
+            </a:r>
+            <a:r>
               <a:rPr lang="es-ES" dirty="0" smtClean="0"/>
-              <a:t>General README.md file </a:t>
+              <a:t> </a:t>
+            </a:r>
+            <a:r>
+              <a:rPr lang="es-ES" dirty="0" smtClean="0"/>
+              <a:t>README.md </a:t>
+            </a:r>
+            <a:r>
+              <a:rPr lang="es-ES" dirty="0" smtClean="0"/>
+              <a:t>file</a:t>
+            </a:r>
+            <a:endParaRPr lang="es-ES" dirty="0" smtClean="0"/>
+          </a:p>
+          <a:p>
+            <a:r>
+              <a:rPr lang="en-US" dirty="0"/>
+              <a:t>Paper, Supplementary tables from </a:t>
+            </a:r>
+            <a:r>
+              <a:rPr lang="en-US" dirty="0" smtClean="0"/>
+              <a:t>paper</a:t>
+            </a:r>
+          </a:p>
+          <a:p>
+            <a:r>
+              <a:rPr lang="es-ES" dirty="0" err="1" smtClean="0"/>
+              <a:t>Presentation</a:t>
+            </a:r>
+            <a:endParaRPr lang="es-ES" dirty="0" smtClean="0"/>
+          </a:p>
+          <a:p>
+            <a:r>
+              <a:rPr lang="es-ES" dirty="0" smtClean="0"/>
+              <a:t>FASTQC </a:t>
+            </a:r>
+            <a:r>
+              <a:rPr lang="es-ES" dirty="0" err="1" smtClean="0"/>
+              <a:t>analysis</a:t>
+            </a:r>
+            <a:r>
+              <a:rPr lang="es-ES" dirty="0" smtClean="0"/>
+              <a:t> folder</a:t>
+            </a:r>
+          </a:p>
+          <a:p>
+            <a:pPr lvl="1"/>
+            <a:r>
+              <a:rPr lang="es-ES" dirty="0" smtClean="0"/>
+              <a:t>README.md </a:t>
+            </a:r>
+            <a:r>
+              <a:rPr lang="es-ES" dirty="0" smtClean="0"/>
+              <a:t>file </a:t>
             </a:r>
             <a:r>
               <a:rPr lang="es-ES" dirty="0" err="1" smtClean="0"/>
@@ -16729,76 +17926,26 @@
             </a:r>
             <a:r>
               <a:rPr lang="es-ES" dirty="0" smtClean="0"/>
-              <a:t> </a:t>
-            </a:r>
-            <a:r>
-              <a:rPr lang="es-ES" dirty="0" err="1" smtClean="0"/>
-              <a:t>this</a:t>
+              <a:t> the </a:t>
             </a:r>
             <a:r>
               <a:rPr lang="es-ES" dirty="0" smtClean="0"/>
-              <a:t> </a:t>
-            </a:r>
-            <a:r>
-              <a:rPr lang="es-ES" dirty="0" err="1" smtClean="0"/>
-              <a:t>description</a:t>
-            </a:r>
-            <a:endParaRPr lang="es-ES" dirty="0" smtClean="0"/>
-          </a:p>
-          <a:p>
-            <a:r>
-              <a:rPr lang="en-US" dirty="0"/>
-              <a:t>Paper, Supplementary tables from </a:t>
-            </a:r>
-            <a:r>
-              <a:rPr lang="en-US" dirty="0" smtClean="0"/>
-              <a:t>paper</a:t>
-            </a:r>
-          </a:p>
-          <a:p>
-            <a:r>
-              <a:rPr lang="es-ES" dirty="0" err="1" smtClean="0"/>
-              <a:t>Presentation</a:t>
-            </a:r>
-            <a:endParaRPr lang="es-ES" dirty="0" smtClean="0"/>
-          </a:p>
-          <a:p>
-            <a:pPr marL="0" indent="0">
-              <a:buNone/>
-            </a:pPr>
+              <a:t>script</a:t>
+            </a:r>
+          </a:p>
+          <a:p>
+            <a:pPr lvl="1"/>
+            <a:r>
+              <a:rPr lang="es-ES" dirty="0"/>
+              <a:t>O</a:t>
+            </a:r>
             <a:r>
               <a:rPr lang="es-ES" dirty="0" smtClean="0"/>
-              <a:t>Folders: </a:t>
-            </a:r>
-          </a:p>
-          <a:p>
+              <a:t>utput </a:t>
+            </a:r>
             <a:r>
               <a:rPr lang="es-ES" dirty="0" smtClean="0"/>
-              <a:t>FASTQC </a:t>
-            </a:r>
-            <a:r>
-              <a:rPr lang="es-ES" dirty="0" err="1" smtClean="0"/>
-              <a:t>analysis</a:t>
-            </a:r>
-            <a:r>
-              <a:rPr lang="es-ES" dirty="0" smtClean="0"/>
-              <a:t>: </a:t>
-            </a:r>
-            <a:r>
-              <a:rPr lang="es-ES" dirty="0" err="1" smtClean="0"/>
-              <a:t>one</a:t>
-            </a:r>
-            <a:r>
-              <a:rPr lang="es-ES" dirty="0" smtClean="0"/>
-              <a:t> README.md file </a:t>
-            </a:r>
-            <a:r>
-              <a:rPr lang="es-ES" dirty="0" err="1" smtClean="0"/>
-              <a:t>with</a:t>
-            </a:r>
-            <a:r>
-              <a:rPr lang="es-ES" dirty="0" smtClean="0"/>
-              <a:t> the script and the output files</a:t>
+              <a:t>files</a:t>
             </a:r>
             <a:endParaRPr lang="en-US" dirty="0"/>
           </a:p>
@@ -16809,13 +17956,101 @@
             </a:r>
             <a:r>
               <a:rPr lang="en-US" dirty="0" smtClean="0"/>
-              <a:t>: One README.md file with the script and the output counting files, summaries of the RSEM statistical models  </a:t>
-            </a:r>
-          </a:p>
-          <a:p>
+              <a:t> folder</a:t>
+            </a:r>
+          </a:p>
+          <a:p>
+            <a:pPr lvl="1"/>
             <a:r>
               <a:rPr lang="en-US" dirty="0" smtClean="0"/>
-              <a:t>Expression analysis: One README file with the description of the notebooks for each figure, input files and all the md notebooks for making each figure</a:t>
+              <a:t>README.md </a:t>
+            </a:r>
+            <a:r>
+              <a:rPr lang="en-US" dirty="0" smtClean="0"/>
+              <a:t>file with the script </a:t>
+            </a:r>
+            <a:endParaRPr lang="en-US" dirty="0" smtClean="0"/>
+          </a:p>
+          <a:p>
+            <a:pPr lvl="1"/>
+            <a:r>
+              <a:rPr lang="en-US" dirty="0"/>
+              <a:t>O</a:t>
+            </a:r>
+            <a:r>
+              <a:rPr lang="en-US" dirty="0" smtClean="0"/>
+              <a:t>utput </a:t>
+            </a:r>
+            <a:r>
+              <a:rPr lang="en-US" dirty="0" smtClean="0"/>
+              <a:t>counting </a:t>
+            </a:r>
+            <a:r>
+              <a:rPr lang="en-US" dirty="0" smtClean="0"/>
+              <a:t>files</a:t>
+            </a:r>
+          </a:p>
+          <a:p>
+            <a:pPr lvl="1"/>
+            <a:r>
+              <a:rPr lang="en-US" dirty="0"/>
+              <a:t>S</a:t>
+            </a:r>
+            <a:r>
+              <a:rPr lang="en-US" dirty="0" smtClean="0"/>
+              <a:t>ummaries </a:t>
+            </a:r>
+            <a:r>
+              <a:rPr lang="en-US" dirty="0" smtClean="0"/>
+              <a:t>of the RSEM statistical models  </a:t>
+            </a:r>
+          </a:p>
+          <a:p>
+            <a:r>
+              <a:rPr lang="en-US" dirty="0" smtClean="0"/>
+              <a:t>Expression </a:t>
+            </a:r>
+            <a:r>
+              <a:rPr lang="en-US" dirty="0" smtClean="0"/>
+              <a:t>analysis folder</a:t>
+            </a:r>
+          </a:p>
+          <a:p>
+            <a:pPr lvl="1"/>
+            <a:r>
+              <a:rPr lang="en-US" dirty="0" smtClean="0"/>
+              <a:t>README </a:t>
+            </a:r>
+            <a:r>
+              <a:rPr lang="en-US" dirty="0" smtClean="0"/>
+              <a:t>file with the description of the notebooks for each </a:t>
+            </a:r>
+            <a:r>
+              <a:rPr lang="en-US" dirty="0" smtClean="0"/>
+              <a:t>figure</a:t>
+            </a:r>
+          </a:p>
+          <a:p>
+            <a:pPr lvl="1"/>
+            <a:r>
+              <a:rPr lang="en-US" dirty="0"/>
+              <a:t>I</a:t>
+            </a:r>
+            <a:r>
+              <a:rPr lang="en-US" dirty="0" smtClean="0"/>
+              <a:t>nput </a:t>
+            </a:r>
+            <a:r>
+              <a:rPr lang="en-US" dirty="0" smtClean="0"/>
+              <a:t>files </a:t>
+            </a:r>
+            <a:endParaRPr lang="en-US" dirty="0" smtClean="0"/>
+          </a:p>
+          <a:p>
+            <a:pPr lvl="1"/>
+            <a:r>
+              <a:rPr lang="en-US" dirty="0" smtClean="0"/>
+              <a:t>README files for figures</a:t>
             </a:r>
             <a:endParaRPr lang="en-US" dirty="0"/>
           </a:p>
@@ -16831,6 +18066,13 @@
   <p:clrMapOvr>
     <a:masterClrMapping/>
   </p:clrMapOvr>
+  <p:timing>
+    <p:tnLst>
+      <p:par>
+        <p:cTn id="1" dur="indefinite" restart="never" nodeType="tmRoot"/>
+      </p:par>
+    </p:tnLst>
+  </p:timing>
 </p:sld>
 </file>
 
@@ -16867,12 +18109,8 @@
           <a:lstStyle/>
           <a:p>
             <a:r>
-              <a:rPr lang="en-US" dirty="0" err="1"/>
-              <a:t>Transcriptome</a:t>
-            </a:r>
-            <a:r>
               <a:rPr lang="en-US" dirty="0"/>
-              <a:t> Profiling</a:t>
+              <a:t>Transcriptome Profiling</a:t>
             </a:r>
           </a:p>
         </p:txBody>

--- a/asparagus.pptx
+++ b/asparagus.pptx
@@ -5,7 +5,7 @@
     <p:sldMasterId id="2147483696" r:id="rId1"/>
   </p:sldMasterIdLst>
   <p:notesMasterIdLst>
-    <p:notesMasterId r:id="rId27"/>
+    <p:notesMasterId r:id="rId30"/>
   </p:notesMasterIdLst>
   <p:sldIdLst>
     <p:sldId id="256" r:id="rId2"/>
@@ -25,14 +25,17 @@
     <p:sldId id="279" r:id="rId16"/>
     <p:sldId id="281" r:id="rId17"/>
     <p:sldId id="272" r:id="rId18"/>
-    <p:sldId id="282" r:id="rId19"/>
-    <p:sldId id="273" r:id="rId20"/>
-    <p:sldId id="274" r:id="rId21"/>
-    <p:sldId id="275" r:id="rId22"/>
-    <p:sldId id="283" r:id="rId23"/>
-    <p:sldId id="276" r:id="rId24"/>
-    <p:sldId id="265" r:id="rId25"/>
-    <p:sldId id="284" r:id="rId26"/>
+    <p:sldId id="285" r:id="rId19"/>
+    <p:sldId id="286" r:id="rId20"/>
+    <p:sldId id="289" r:id="rId21"/>
+    <p:sldId id="290" r:id="rId22"/>
+    <p:sldId id="291" r:id="rId23"/>
+    <p:sldId id="274" r:id="rId24"/>
+    <p:sldId id="275" r:id="rId25"/>
+    <p:sldId id="283" r:id="rId26"/>
+    <p:sldId id="276" r:id="rId27"/>
+    <p:sldId id="265" r:id="rId28"/>
+    <p:sldId id="284" r:id="rId29"/>
   </p:sldIdLst>
   <p:sldSz cx="9144000" cy="6858000" type="screen4x3"/>
   <p:notesSz cx="6858000" cy="9144000"/>
@@ -15042,6 +15045,13 @@
   <p:clrMapOvr>
     <a:masterClrMapping/>
   </p:clrMapOvr>
+  <p:timing>
+    <p:tnLst>
+      <p:par>
+        <p:cTn id="1" dur="indefinite" restart="never" nodeType="tmRoot"/>
+      </p:par>
+    </p:tnLst>
+  </p:timing>
 </p:sld>
 </file>
 
@@ -15072,94 +15082,40 @@
             <p:ph type="title"/>
           </p:nvPr>
         </p:nvSpPr>
-        <p:spPr>
-          <a:xfrm>
-            <a:off x="457200" y="533400"/>
-            <a:ext cx="8229600" cy="1600200"/>
-          </a:xfrm>
-        </p:spPr>
+        <p:spPr/>
         <p:txBody>
           <a:bodyPr>
-            <a:normAutofit fontScale="90000"/>
+            <a:normAutofit/>
           </a:bodyPr>
           <a:lstStyle/>
           <a:p>
             <a:r>
-              <a:rPr lang="en-US" dirty="0" smtClean="0"/>
-              <a:t>Figure 1, </a:t>
-            </a:r>
-            <a:r>
-              <a:rPr lang="en-US" dirty="0"/>
-              <a:t>Multidimensional scaling (MDS) </a:t>
-            </a:r>
-            <a:r>
-              <a:rPr lang="en-US" dirty="0" smtClean="0"/>
-              <a:t>plot</a:t>
-            </a:r>
-            <a:r>
-              <a:rPr lang="en-US" dirty="0"/>
-              <a:t/>
-            </a:r>
-            <a:br>
-              <a:rPr lang="en-US" dirty="0"/>
-            </a:br>
-            <a:endParaRPr lang="en-US" dirty="0"/>
+              <a:rPr lang="en-US" sz="3600" dirty="0" smtClean="0"/>
+              <a:t>Figure 1</a:t>
+            </a:r>
+            <a:endParaRPr lang="en-US" sz="3600" dirty="0">
+              <a:solidFill>
+                <a:schemeClr val="tx1"/>
+              </a:solidFill>
+              <a:latin typeface="+mn-lt"/>
+            </a:endParaRPr>
           </a:p>
         </p:txBody>
       </p:sp>
       <p:sp>
         <p:nvSpPr>
-          <p:cNvPr id="6" name="Text Placeholder 5"/>
+          <p:cNvPr id="11" name="Text Placeholder 10"/>
           <p:cNvSpPr>
             <a:spLocks noGrp="1"/>
           </p:cNvSpPr>
           <p:nvPr>
-            <p:ph sz="half" idx="1"/>
+            <p:ph type="body" idx="1"/>
           </p:nvPr>
         </p:nvSpPr>
         <p:spPr>
           <a:xfrm>
-            <a:off x="228600" y="1676400"/>
-            <a:ext cx="3657600" cy="460248"/>
-          </a:xfrm>
-        </p:spPr>
-        <p:txBody>
-          <a:bodyPr/>
-          <a:lstStyle/>
-          <a:p>
-            <a:pPr marL="0" indent="0" algn="ctr">
-              <a:buNone/>
-            </a:pPr>
-            <a:r>
-              <a:rPr lang="en-US" sz="2400" dirty="0" smtClean="0">
-                <a:solidFill>
-                  <a:schemeClr val="tx2"/>
-                </a:solidFill>
-              </a:rPr>
-              <a:t>Paper</a:t>
-            </a:r>
-            <a:endParaRPr lang="en-US" dirty="0">
-              <a:solidFill>
-                <a:schemeClr val="tx2"/>
-              </a:solidFill>
-            </a:endParaRPr>
-          </a:p>
-        </p:txBody>
-      </p:sp>
-      <p:sp>
-        <p:nvSpPr>
-          <p:cNvPr id="7" name="Text Placeholder 6"/>
-          <p:cNvSpPr>
-            <a:spLocks noGrp="1"/>
-          </p:cNvSpPr>
-          <p:nvPr>
-            <p:ph sz="half" idx="2"/>
-          </p:nvPr>
-        </p:nvSpPr>
-        <p:spPr>
-          <a:xfrm>
-            <a:off x="4190999" y="1673352"/>
-            <a:ext cx="4849091" cy="460248"/>
+            <a:off x="457200" y="1828800"/>
+            <a:ext cx="3931920" cy="639762"/>
           </a:xfrm>
         </p:spPr>
         <p:txBody>
@@ -15168,22 +15124,45 @@
           </a:bodyPr>
           <a:lstStyle/>
           <a:p>
-            <a:pPr marL="0" indent="0" algn="ctr">
-              <a:buNone/>
-            </a:pPr>
-            <a:r>
-              <a:rPr lang="en-US" sz="2400" dirty="0" smtClean="0">
-                <a:solidFill>
-                  <a:schemeClr val="tx2"/>
-                </a:solidFill>
-              </a:rPr>
-              <a:t>Our Analysis</a:t>
-            </a:r>
-            <a:endParaRPr lang="en-US" sz="2400" dirty="0">
-              <a:solidFill>
-                <a:schemeClr val="tx2"/>
-              </a:solidFill>
-            </a:endParaRPr>
+            <a:r>
+              <a:rPr lang="en-US" sz="2400" dirty="0" smtClean="0"/>
+              <a:t>Paper</a:t>
+            </a:r>
+            <a:endParaRPr lang="en-US" sz="2400" dirty="0"/>
+          </a:p>
+        </p:txBody>
+      </p:sp>
+      <p:sp>
+        <p:nvSpPr>
+          <p:cNvPr id="12" name="Text Placeholder 11"/>
+          <p:cNvSpPr>
+            <a:spLocks noGrp="1"/>
+          </p:cNvSpPr>
+          <p:nvPr>
+            <p:ph type="body" sz="quarter" idx="3"/>
+          </p:nvPr>
+        </p:nvSpPr>
+        <p:spPr>
+          <a:xfrm>
+            <a:off x="4754880" y="1828800"/>
+            <a:ext cx="3931920" cy="639762"/>
+          </a:xfrm>
+        </p:spPr>
+        <p:txBody>
+          <a:bodyPr>
+            <a:normAutofit/>
+          </a:bodyPr>
+          <a:lstStyle/>
+          <a:p>
+            <a:r>
+              <a:rPr lang="en-US" sz="2400" dirty="0"/>
+              <a:t>Our </a:t>
+            </a:r>
+            <a:r>
+              <a:rPr lang="en-US" sz="2400" dirty="0" smtClean="0"/>
+              <a:t>Analysis</a:t>
+            </a:r>
+            <a:endParaRPr lang="en-US" sz="2400" dirty="0"/>
           </a:p>
         </p:txBody>
       </p:sp>
@@ -15203,8 +15182,8 @@
         </p:blipFill>
         <p:spPr>
           <a:xfrm>
-            <a:off x="228600" y="2286000"/>
-            <a:ext cx="3657600" cy="4085390"/>
+            <a:off x="381000" y="2441073"/>
+            <a:ext cx="3886200" cy="4340727"/>
           </a:xfrm>
           <a:prstGeom prst="rect">
             <a:avLst/>
@@ -15235,8 +15214,8 @@
         </p:blipFill>
         <p:spPr>
           <a:xfrm>
-            <a:off x="4191000" y="2286990"/>
-            <a:ext cx="4849091" cy="4087368"/>
+            <a:off x="4724400" y="2667000"/>
+            <a:ext cx="4343400" cy="3661113"/>
           </a:xfrm>
           <a:prstGeom prst="rect">
             <a:avLst/>
@@ -15246,41 +15225,215 @@
           </a:ln>
         </p:spPr>
       </p:pic>
-      <p:cxnSp>
-        <p:nvCxnSpPr>
-          <p:cNvPr id="10" name="Straight Connector 9"/>
-          <p:cNvCxnSpPr/>
+      <p:sp>
+        <p:nvSpPr>
+          <p:cNvPr id="14" name="Text Placeholder 10"/>
+          <p:cNvSpPr txBox="1">
+            <a:spLocks/>
+          </p:cNvSpPr>
           <p:nvPr/>
-        </p:nvCxnSpPr>
+        </p:nvSpPr>
         <p:spPr>
           <a:xfrm>
-            <a:off x="4038600" y="1752600"/>
-            <a:ext cx="0" cy="4953000"/>
+            <a:off x="457200" y="1219200"/>
+            <a:ext cx="8229600" cy="639762"/>
           </a:xfrm>
-          <a:prstGeom prst="line">
+          <a:prstGeom prst="rect">
             <a:avLst/>
           </a:prstGeom>
-          <a:ln w="38100">
-            <a:solidFill>
-              <a:schemeClr val="tx2"/>
-            </a:solidFill>
+          <a:noFill/>
+          <a:ln w="44450" cap="flat" cmpd="sng" algn="ctr">
+            <a:noFill/>
+            <a:prstDash val="solid"/>
           </a:ln>
+          <a:effectLst/>
         </p:spPr>
-        <p:style>
-          <a:lnRef idx="1">
-            <a:schemeClr val="accent1"/>
-          </a:lnRef>
-          <a:fillRef idx="0">
-            <a:schemeClr val="accent1"/>
-          </a:fillRef>
-          <a:effectRef idx="0">
-            <a:schemeClr val="accent1"/>
-          </a:effectRef>
-          <a:fontRef idx="minor">
-            <a:schemeClr val="tx1"/>
-          </a:fontRef>
-        </p:style>
-      </p:cxnSp>
+        <p:txBody>
+          <a:bodyPr vert="horz" lIns="91440" tIns="45720" rIns="91440" bIns="45720" rtlCol="0" anchor="ctr">
+            <a:normAutofit/>
+          </a:bodyPr>
+          <a:lstStyle>
+            <a:lvl1pPr marL="0" indent="0" algn="ctr" defTabSz="914400" rtl="0" eaLnBrk="1" latinLnBrk="0" hangingPunct="1">
+              <a:spcBef>
+                <a:spcPct val="20000"/>
+              </a:spcBef>
+              <a:buClr>
+                <a:schemeClr val="accent1"/>
+              </a:buClr>
+              <a:buSzPct val="85000"/>
+              <a:buFont typeface="Arial" pitchFamily="34" charset="0"/>
+              <a:buNone/>
+              <a:defRPr sz="2000" b="0" kern="1200">
+                <a:solidFill>
+                  <a:schemeClr val="tx2"/>
+                </a:solidFill>
+                <a:latin typeface="+mn-lt"/>
+                <a:ea typeface="+mn-ea"/>
+                <a:cs typeface="+mn-cs"/>
+              </a:defRPr>
+            </a:lvl1pPr>
+            <a:lvl2pPr marL="457200" indent="0" algn="l" defTabSz="914400" rtl="0" eaLnBrk="1" latinLnBrk="0" hangingPunct="1">
+              <a:spcBef>
+                <a:spcPct val="20000"/>
+              </a:spcBef>
+              <a:buClr>
+                <a:schemeClr val="accent1"/>
+              </a:buClr>
+              <a:buSzPct val="85000"/>
+              <a:buFont typeface="Arial" pitchFamily="34" charset="0"/>
+              <a:buNone/>
+              <a:defRPr sz="2000" b="1" kern="1200">
+                <a:solidFill>
+                  <a:schemeClr val="tx1"/>
+                </a:solidFill>
+                <a:latin typeface="+mn-lt"/>
+                <a:ea typeface="+mn-ea"/>
+                <a:cs typeface="+mn-cs"/>
+              </a:defRPr>
+            </a:lvl2pPr>
+            <a:lvl3pPr marL="914400" indent="0" algn="l" defTabSz="914400" rtl="0" eaLnBrk="1" latinLnBrk="0" hangingPunct="1">
+              <a:spcBef>
+                <a:spcPct val="20000"/>
+              </a:spcBef>
+              <a:buClr>
+                <a:schemeClr val="accent1"/>
+              </a:buClr>
+              <a:buSzPct val="90000"/>
+              <a:buFont typeface="Arial" pitchFamily="34" charset="0"/>
+              <a:buNone/>
+              <a:defRPr sz="1800" b="1" kern="1200">
+                <a:solidFill>
+                  <a:schemeClr val="tx1"/>
+                </a:solidFill>
+                <a:latin typeface="+mn-lt"/>
+                <a:ea typeface="+mn-ea"/>
+                <a:cs typeface="+mn-cs"/>
+              </a:defRPr>
+            </a:lvl3pPr>
+            <a:lvl4pPr marL="1371600" indent="0" algn="l" defTabSz="914400" rtl="0" eaLnBrk="1" latinLnBrk="0" hangingPunct="1">
+              <a:spcBef>
+                <a:spcPct val="20000"/>
+              </a:spcBef>
+              <a:buClr>
+                <a:schemeClr val="accent1"/>
+              </a:buClr>
+              <a:buFont typeface="Arial" pitchFamily="34" charset="0"/>
+              <a:buNone/>
+              <a:defRPr sz="1600" b="1" kern="1200">
+                <a:solidFill>
+                  <a:schemeClr val="tx1"/>
+                </a:solidFill>
+                <a:latin typeface="+mn-lt"/>
+                <a:ea typeface="+mn-ea"/>
+                <a:cs typeface="+mn-cs"/>
+              </a:defRPr>
+            </a:lvl4pPr>
+            <a:lvl5pPr marL="1828800" indent="0" algn="l" defTabSz="914400" rtl="0" eaLnBrk="1" latinLnBrk="0" hangingPunct="1">
+              <a:spcBef>
+                <a:spcPct val="20000"/>
+              </a:spcBef>
+              <a:buClr>
+                <a:schemeClr val="accent1"/>
+              </a:buClr>
+              <a:buSzPct val="100000"/>
+              <a:buFont typeface="Arial" pitchFamily="34" charset="0"/>
+              <a:buNone/>
+              <a:defRPr sz="1600" b="1" kern="1200" baseline="0">
+                <a:solidFill>
+                  <a:schemeClr val="tx1"/>
+                </a:solidFill>
+                <a:latin typeface="+mn-lt"/>
+                <a:ea typeface="+mn-ea"/>
+                <a:cs typeface="+mn-cs"/>
+              </a:defRPr>
+            </a:lvl5pPr>
+            <a:lvl6pPr marL="2286000" indent="0" algn="l" defTabSz="914400" rtl="0" eaLnBrk="1" latinLnBrk="0" hangingPunct="1">
+              <a:spcBef>
+                <a:spcPct val="20000"/>
+              </a:spcBef>
+              <a:buClr>
+                <a:schemeClr val="accent1"/>
+              </a:buClr>
+              <a:buFont typeface="Arial" pitchFamily="34" charset="0"/>
+              <a:buNone/>
+              <a:defRPr sz="1600" b="1" kern="1200">
+                <a:solidFill>
+                  <a:schemeClr val="tx1"/>
+                </a:solidFill>
+                <a:latin typeface="+mn-lt"/>
+                <a:ea typeface="+mn-ea"/>
+                <a:cs typeface="+mn-cs"/>
+              </a:defRPr>
+            </a:lvl6pPr>
+            <a:lvl7pPr marL="2743200" indent="0" algn="l" defTabSz="914400" rtl="0" eaLnBrk="1" latinLnBrk="0" hangingPunct="1">
+              <a:spcBef>
+                <a:spcPct val="20000"/>
+              </a:spcBef>
+              <a:buClr>
+                <a:schemeClr val="accent1"/>
+              </a:buClr>
+              <a:buFont typeface="Arial" pitchFamily="34" charset="0"/>
+              <a:buNone/>
+              <a:defRPr sz="1600" b="1" kern="1200">
+                <a:solidFill>
+                  <a:schemeClr val="tx1"/>
+                </a:solidFill>
+                <a:latin typeface="+mn-lt"/>
+                <a:ea typeface="+mn-ea"/>
+                <a:cs typeface="+mn-cs"/>
+              </a:defRPr>
+            </a:lvl7pPr>
+            <a:lvl8pPr marL="3200400" indent="0" algn="l" defTabSz="914400" rtl="0" eaLnBrk="1" latinLnBrk="0" hangingPunct="1">
+              <a:spcBef>
+                <a:spcPct val="20000"/>
+              </a:spcBef>
+              <a:buClr>
+                <a:schemeClr val="accent1"/>
+              </a:buClr>
+              <a:buFont typeface="Arial" pitchFamily="34" charset="0"/>
+              <a:buNone/>
+              <a:defRPr sz="1600" b="1" kern="1200">
+                <a:solidFill>
+                  <a:schemeClr val="tx1"/>
+                </a:solidFill>
+                <a:latin typeface="+mn-lt"/>
+                <a:ea typeface="+mn-ea"/>
+                <a:cs typeface="+mn-cs"/>
+              </a:defRPr>
+            </a:lvl8pPr>
+            <a:lvl9pPr marL="3657600" indent="0" algn="l" defTabSz="914400" rtl="0" eaLnBrk="1" latinLnBrk="0" hangingPunct="1">
+              <a:spcBef>
+                <a:spcPct val="20000"/>
+              </a:spcBef>
+              <a:buClr>
+                <a:schemeClr val="accent1"/>
+              </a:buClr>
+              <a:buFont typeface="Arial" pitchFamily="34" charset="0"/>
+              <a:buNone/>
+              <a:defRPr sz="1600" b="1" kern="1200">
+                <a:solidFill>
+                  <a:schemeClr val="tx1"/>
+                </a:solidFill>
+                <a:latin typeface="+mn-lt"/>
+                <a:ea typeface="+mn-ea"/>
+                <a:cs typeface="+mn-cs"/>
+              </a:defRPr>
+            </a:lvl9pPr>
+          </a:lstStyle>
+          <a:p>
+            <a:pPr algn="l"/>
+            <a:r>
+              <a:rPr lang="en-US" sz="2400" dirty="0">
+                <a:solidFill>
+                  <a:schemeClr val="tx1"/>
+                </a:solidFill>
+              </a:rPr>
+              <a:t>Multidimensional scaling (MDS) plot</a:t>
+            </a:r>
+            <a:endParaRPr lang="en-US" sz="2400" dirty="0"/>
+          </a:p>
+        </p:txBody>
+      </p:sp>
     </p:spTree>
     <p:extLst>
       <p:ext uri="{BB962C8B-B14F-4D97-AF65-F5344CB8AC3E}">
@@ -15291,6 +15444,13 @@
   <p:clrMapOvr>
     <a:masterClrMapping/>
   </p:clrMapOvr>
+  <p:timing>
+    <p:tnLst>
+      <p:par>
+        <p:cTn id="1" dur="indefinite" restart="never" nodeType="tmRoot"/>
+      </p:par>
+    </p:tnLst>
+  </p:timing>
 </p:sld>
 </file>
 
@@ -15321,183 +15481,311 @@
             <p:ph type="title"/>
           </p:nvPr>
         </p:nvSpPr>
-        <p:spPr>
-          <a:xfrm>
-            <a:off x="457200" y="533400"/>
-            <a:ext cx="8229600" cy="1600200"/>
-          </a:xfrm>
-        </p:spPr>
-        <p:txBody>
-          <a:bodyPr>
-            <a:normAutofit fontScale="90000"/>
-          </a:bodyPr>
-          <a:lstStyle/>
-          <a:p>
-            <a:r>
-              <a:rPr lang="en-US" dirty="0"/>
-              <a:t>Figure 2: Pairwise comparisons of gene expression among female, male and supermale garden asparagus (</a:t>
-            </a:r>
-            <a:r>
-              <a:rPr lang="en-US" i="1" dirty="0"/>
-              <a:t>Asparagus officinalis</a:t>
-            </a:r>
-            <a:r>
-              <a:rPr lang="en-US" dirty="0"/>
-              <a:t>) genes across line replicates</a:t>
-            </a:r>
-            <a:endParaRPr lang="en-US" dirty="0"/>
-          </a:p>
-        </p:txBody>
-      </p:sp>
-      <p:sp>
-        <p:nvSpPr>
-          <p:cNvPr id="6" name="Text Placeholder 5"/>
-          <p:cNvSpPr>
-            <a:spLocks noGrp="1"/>
-          </p:cNvSpPr>
-          <p:nvPr>
-            <p:ph sz="half" idx="1"/>
-          </p:nvPr>
-        </p:nvSpPr>
-        <p:spPr>
-          <a:xfrm>
-            <a:off x="228600" y="2740152"/>
-            <a:ext cx="3657600" cy="460248"/>
-          </a:xfrm>
-        </p:spPr>
-        <p:txBody>
-          <a:bodyPr/>
-          <a:lstStyle/>
-          <a:p>
-            <a:pPr marL="0" indent="0" algn="ctr">
-              <a:buNone/>
-            </a:pPr>
-            <a:r>
-              <a:rPr lang="en-US" sz="2400" dirty="0" smtClean="0">
-                <a:solidFill>
-                  <a:schemeClr val="tx2"/>
-                </a:solidFill>
-              </a:rPr>
-              <a:t>Paper</a:t>
-            </a:r>
-            <a:endParaRPr lang="en-US" dirty="0">
-              <a:solidFill>
-                <a:schemeClr val="tx2"/>
-              </a:solidFill>
-            </a:endParaRPr>
-          </a:p>
-        </p:txBody>
-      </p:sp>
-      <p:sp>
-        <p:nvSpPr>
-          <p:cNvPr id="7" name="Text Placeholder 6"/>
-          <p:cNvSpPr>
-            <a:spLocks noGrp="1"/>
-          </p:cNvSpPr>
-          <p:nvPr>
-            <p:ph sz="half" idx="2"/>
-          </p:nvPr>
-        </p:nvSpPr>
-        <p:spPr>
-          <a:xfrm>
-            <a:off x="4190999" y="3425952"/>
-            <a:ext cx="4849091" cy="460248"/>
-          </a:xfrm>
-        </p:spPr>
+        <p:spPr/>
         <p:txBody>
           <a:bodyPr>
             <a:normAutofit/>
           </a:bodyPr>
           <a:lstStyle/>
           <a:p>
-            <a:pPr marL="0" indent="0" algn="ctr">
-              <a:buNone/>
-            </a:pPr>
-            <a:r>
-              <a:rPr lang="en-US" sz="2400" dirty="0" smtClean="0">
-                <a:solidFill>
-                  <a:schemeClr val="tx2"/>
-                </a:solidFill>
-              </a:rPr>
-              <a:t>Our Analysis</a:t>
-            </a:r>
-            <a:endParaRPr lang="en-US" sz="2400" dirty="0">
+            <a:r>
+              <a:rPr lang="en-US" sz="3600" dirty="0" smtClean="0"/>
+              <a:t>Figure 2</a:t>
+            </a:r>
+            <a:endParaRPr lang="en-US" sz="3600" dirty="0">
               <a:solidFill>
-                <a:schemeClr val="tx2"/>
+                <a:schemeClr val="tx1"/>
               </a:solidFill>
+              <a:latin typeface="+mn-lt"/>
             </a:endParaRPr>
           </a:p>
         </p:txBody>
       </p:sp>
-      <p:cxnSp>
-        <p:nvCxnSpPr>
-          <p:cNvPr id="10" name="Straight Connector 9"/>
-          <p:cNvCxnSpPr/>
+      <p:sp>
+        <p:nvSpPr>
+          <p:cNvPr id="14" name="Text Placeholder 10"/>
+          <p:cNvSpPr txBox="1">
+            <a:spLocks/>
+          </p:cNvSpPr>
           <p:nvPr/>
-        </p:nvCxnSpPr>
+        </p:nvSpPr>
         <p:spPr>
           <a:xfrm>
-            <a:off x="4038600" y="1752600"/>
-            <a:ext cx="0" cy="4953000"/>
-          </a:xfrm>
-          <a:prstGeom prst="line">
-            <a:avLst/>
-          </a:prstGeom>
-          <a:ln w="38100">
-            <a:solidFill>
-              <a:schemeClr val="tx2"/>
-            </a:solidFill>
-          </a:ln>
-        </p:spPr>
-        <p:style>
-          <a:lnRef idx="1">
-            <a:schemeClr val="accent1"/>
-          </a:lnRef>
-          <a:fillRef idx="0">
-            <a:schemeClr val="accent1"/>
-          </a:fillRef>
-          <a:effectRef idx="0">
-            <a:schemeClr val="accent1"/>
-          </a:effectRef>
-          <a:fontRef idx="minor">
-            <a:schemeClr val="tx1"/>
-          </a:fontRef>
-        </p:style>
-      </p:cxnSp>
-      <p:pic>
-        <p:nvPicPr>
-          <p:cNvPr id="8" name="Picture 7"/>
-          <p:cNvPicPr>
-            <a:picLocks noChangeAspect="1"/>
-          </p:cNvPicPr>
-          <p:nvPr/>
-        </p:nvPicPr>
-        <p:blipFill>
-          <a:blip r:embed="rId2"/>
-          <a:stretch>
-            <a:fillRect/>
-          </a:stretch>
-        </p:blipFill>
-        <p:spPr>
-          <a:xfrm>
-            <a:off x="304800" y="3200400"/>
-            <a:ext cx="3276600" cy="1606826"/>
+            <a:off x="457200" y="1570038"/>
+            <a:ext cx="8229600" cy="639762"/>
           </a:xfrm>
           <a:prstGeom prst="rect">
             <a:avLst/>
           </a:prstGeom>
+          <a:noFill/>
+          <a:ln w="44450" cap="flat" cmpd="sng" algn="ctr">
+            <a:noFill/>
+            <a:prstDash val="solid"/>
+          </a:ln>
+          <a:effectLst/>
+        </p:spPr>
+        <p:txBody>
+          <a:bodyPr vert="horz" lIns="91440" tIns="45720" rIns="91440" bIns="45720" rtlCol="0" anchor="ctr">
+            <a:noAutofit/>
+          </a:bodyPr>
+          <a:lstStyle>
+            <a:lvl1pPr marL="0" indent="0" algn="ctr" defTabSz="914400" rtl="0" eaLnBrk="1" latinLnBrk="0" hangingPunct="1">
+              <a:spcBef>
+                <a:spcPct val="20000"/>
+              </a:spcBef>
+              <a:buClr>
+                <a:schemeClr val="accent1"/>
+              </a:buClr>
+              <a:buSzPct val="85000"/>
+              <a:buFont typeface="Arial" pitchFamily="34" charset="0"/>
+              <a:buNone/>
+              <a:defRPr sz="2000" b="0" kern="1200">
+                <a:solidFill>
+                  <a:schemeClr val="tx2"/>
+                </a:solidFill>
+                <a:latin typeface="+mn-lt"/>
+                <a:ea typeface="+mn-ea"/>
+                <a:cs typeface="+mn-cs"/>
+              </a:defRPr>
+            </a:lvl1pPr>
+            <a:lvl2pPr marL="457200" indent="0" algn="l" defTabSz="914400" rtl="0" eaLnBrk="1" latinLnBrk="0" hangingPunct="1">
+              <a:spcBef>
+                <a:spcPct val="20000"/>
+              </a:spcBef>
+              <a:buClr>
+                <a:schemeClr val="accent1"/>
+              </a:buClr>
+              <a:buSzPct val="85000"/>
+              <a:buFont typeface="Arial" pitchFamily="34" charset="0"/>
+              <a:buNone/>
+              <a:defRPr sz="2000" b="1" kern="1200">
+                <a:solidFill>
+                  <a:schemeClr val="tx1"/>
+                </a:solidFill>
+                <a:latin typeface="+mn-lt"/>
+                <a:ea typeface="+mn-ea"/>
+                <a:cs typeface="+mn-cs"/>
+              </a:defRPr>
+            </a:lvl2pPr>
+            <a:lvl3pPr marL="914400" indent="0" algn="l" defTabSz="914400" rtl="0" eaLnBrk="1" latinLnBrk="0" hangingPunct="1">
+              <a:spcBef>
+                <a:spcPct val="20000"/>
+              </a:spcBef>
+              <a:buClr>
+                <a:schemeClr val="accent1"/>
+              </a:buClr>
+              <a:buSzPct val="90000"/>
+              <a:buFont typeface="Arial" pitchFamily="34" charset="0"/>
+              <a:buNone/>
+              <a:defRPr sz="1800" b="1" kern="1200">
+                <a:solidFill>
+                  <a:schemeClr val="tx1"/>
+                </a:solidFill>
+                <a:latin typeface="+mn-lt"/>
+                <a:ea typeface="+mn-ea"/>
+                <a:cs typeface="+mn-cs"/>
+              </a:defRPr>
+            </a:lvl3pPr>
+            <a:lvl4pPr marL="1371600" indent="0" algn="l" defTabSz="914400" rtl="0" eaLnBrk="1" latinLnBrk="0" hangingPunct="1">
+              <a:spcBef>
+                <a:spcPct val="20000"/>
+              </a:spcBef>
+              <a:buClr>
+                <a:schemeClr val="accent1"/>
+              </a:buClr>
+              <a:buFont typeface="Arial" pitchFamily="34" charset="0"/>
+              <a:buNone/>
+              <a:defRPr sz="1600" b="1" kern="1200">
+                <a:solidFill>
+                  <a:schemeClr val="tx1"/>
+                </a:solidFill>
+                <a:latin typeface="+mn-lt"/>
+                <a:ea typeface="+mn-ea"/>
+                <a:cs typeface="+mn-cs"/>
+              </a:defRPr>
+            </a:lvl4pPr>
+            <a:lvl5pPr marL="1828800" indent="0" algn="l" defTabSz="914400" rtl="0" eaLnBrk="1" latinLnBrk="0" hangingPunct="1">
+              <a:spcBef>
+                <a:spcPct val="20000"/>
+              </a:spcBef>
+              <a:buClr>
+                <a:schemeClr val="accent1"/>
+              </a:buClr>
+              <a:buSzPct val="100000"/>
+              <a:buFont typeface="Arial" pitchFamily="34" charset="0"/>
+              <a:buNone/>
+              <a:defRPr sz="1600" b="1" kern="1200" baseline="0">
+                <a:solidFill>
+                  <a:schemeClr val="tx1"/>
+                </a:solidFill>
+                <a:latin typeface="+mn-lt"/>
+                <a:ea typeface="+mn-ea"/>
+                <a:cs typeface="+mn-cs"/>
+              </a:defRPr>
+            </a:lvl5pPr>
+            <a:lvl6pPr marL="2286000" indent="0" algn="l" defTabSz="914400" rtl="0" eaLnBrk="1" latinLnBrk="0" hangingPunct="1">
+              <a:spcBef>
+                <a:spcPct val="20000"/>
+              </a:spcBef>
+              <a:buClr>
+                <a:schemeClr val="accent1"/>
+              </a:buClr>
+              <a:buFont typeface="Arial" pitchFamily="34" charset="0"/>
+              <a:buNone/>
+              <a:defRPr sz="1600" b="1" kern="1200">
+                <a:solidFill>
+                  <a:schemeClr val="tx1"/>
+                </a:solidFill>
+                <a:latin typeface="+mn-lt"/>
+                <a:ea typeface="+mn-ea"/>
+                <a:cs typeface="+mn-cs"/>
+              </a:defRPr>
+            </a:lvl6pPr>
+            <a:lvl7pPr marL="2743200" indent="0" algn="l" defTabSz="914400" rtl="0" eaLnBrk="1" latinLnBrk="0" hangingPunct="1">
+              <a:spcBef>
+                <a:spcPct val="20000"/>
+              </a:spcBef>
+              <a:buClr>
+                <a:schemeClr val="accent1"/>
+              </a:buClr>
+              <a:buFont typeface="Arial" pitchFamily="34" charset="0"/>
+              <a:buNone/>
+              <a:defRPr sz="1600" b="1" kern="1200">
+                <a:solidFill>
+                  <a:schemeClr val="tx1"/>
+                </a:solidFill>
+                <a:latin typeface="+mn-lt"/>
+                <a:ea typeface="+mn-ea"/>
+                <a:cs typeface="+mn-cs"/>
+              </a:defRPr>
+            </a:lvl7pPr>
+            <a:lvl8pPr marL="3200400" indent="0" algn="l" defTabSz="914400" rtl="0" eaLnBrk="1" latinLnBrk="0" hangingPunct="1">
+              <a:spcBef>
+                <a:spcPct val="20000"/>
+              </a:spcBef>
+              <a:buClr>
+                <a:schemeClr val="accent1"/>
+              </a:buClr>
+              <a:buFont typeface="Arial" pitchFamily="34" charset="0"/>
+              <a:buNone/>
+              <a:defRPr sz="1600" b="1" kern="1200">
+                <a:solidFill>
+                  <a:schemeClr val="tx1"/>
+                </a:solidFill>
+                <a:latin typeface="+mn-lt"/>
+                <a:ea typeface="+mn-ea"/>
+                <a:cs typeface="+mn-cs"/>
+              </a:defRPr>
+            </a:lvl8pPr>
+            <a:lvl9pPr marL="3657600" indent="0" algn="l" defTabSz="914400" rtl="0" eaLnBrk="1" latinLnBrk="0" hangingPunct="1">
+              <a:spcBef>
+                <a:spcPct val="20000"/>
+              </a:spcBef>
+              <a:buClr>
+                <a:schemeClr val="accent1"/>
+              </a:buClr>
+              <a:buFont typeface="Arial" pitchFamily="34" charset="0"/>
+              <a:buNone/>
+              <a:defRPr sz="1600" b="1" kern="1200">
+                <a:solidFill>
+                  <a:schemeClr val="tx1"/>
+                </a:solidFill>
+                <a:latin typeface="+mn-lt"/>
+                <a:ea typeface="+mn-ea"/>
+                <a:cs typeface="+mn-cs"/>
+              </a:defRPr>
+            </a:lvl9pPr>
+          </a:lstStyle>
+          <a:p>
+            <a:pPr algn="l"/>
+            <a:r>
+              <a:rPr lang="en-US" sz="2400" dirty="0" smtClean="0">
+                <a:solidFill>
+                  <a:schemeClr val="tx1"/>
+                </a:solidFill>
+              </a:rPr>
+              <a:t>Pairwise </a:t>
+            </a:r>
+            <a:r>
+              <a:rPr lang="en-US" sz="2400" dirty="0">
+                <a:solidFill>
+                  <a:schemeClr val="tx1"/>
+                </a:solidFill>
+              </a:rPr>
+              <a:t>comparisons of gene expression among female, male and supermale garden asparagus (Asparagus officinalis) genes across line replicates</a:t>
+            </a:r>
+          </a:p>
+        </p:txBody>
+      </p:sp>
+      <p:pic>
+        <p:nvPicPr>
+          <p:cNvPr id="3074" name="Picture 2"/>
+          <p:cNvPicPr>
+            <a:picLocks noChangeAspect="1" noChangeArrowheads="1"/>
+          </p:cNvPicPr>
+          <p:nvPr/>
+        </p:nvPicPr>
+        <p:blipFill rotWithShape="1">
+          <a:blip r:embed="rId2">
+            <a:extLst>
+              <a:ext uri="{28A0092B-C50C-407E-A947-70E740481C1C}">
+                <a14:useLocalDpi xmlns:a14="http://schemas.microsoft.com/office/drawing/2010/main" val="0"/>
+              </a:ext>
+            </a:extLst>
+          </a:blip>
+          <a:srcRect l="17223" t="24121" r="15015" b="12896"/>
+          <a:stretch/>
+        </p:blipFill>
+        <p:spPr bwMode="auto">
+          <a:xfrm>
+            <a:off x="1143000" y="2743200"/>
+            <a:ext cx="6606862" cy="3452618"/>
+          </a:xfrm>
+          <a:prstGeom prst="rect">
+            <a:avLst/>
+          </a:prstGeom>
+          <a:noFill/>
+          <a:ln>
+            <a:noFill/>
+          </a:ln>
+          <a:extLst>
+            <a:ext uri="{909E8E84-426E-40DD-AFC4-6F175D3DCCD1}">
+              <a14:hiddenFill xmlns:a14="http://schemas.microsoft.com/office/drawing/2010/main">
+                <a:solidFill>
+                  <a:schemeClr val="accent1"/>
+                </a:solidFill>
+              </a14:hiddenFill>
+            </a:ext>
+            <a:ext uri="{91240B29-F687-4F45-9708-019B960494DF}">
+              <a14:hiddenLine xmlns:a14="http://schemas.microsoft.com/office/drawing/2010/main" w="9525">
+                <a:solidFill>
+                  <a:schemeClr val="tx1"/>
+                </a:solidFill>
+                <a:miter lim="800000"/>
+                <a:headEnd/>
+                <a:tailEnd/>
+              </a14:hiddenLine>
+            </a:ext>
+          </a:extLst>
         </p:spPr>
       </p:pic>
     </p:spTree>
     <p:extLst>
       <p:ext uri="{BB962C8B-B14F-4D97-AF65-F5344CB8AC3E}">
-        <p14:creationId xmlns:p14="http://schemas.microsoft.com/office/powerpoint/2010/main" val="1615460768"/>
+        <p14:creationId xmlns:p14="http://schemas.microsoft.com/office/powerpoint/2010/main" val="2157740702"/>
       </p:ext>
     </p:extLst>
   </p:cSld>
   <p:clrMapOvr>
     <a:masterClrMapping/>
   </p:clrMapOvr>
+  <p:timing>
+    <p:tnLst>
+      <p:par>
+        <p:cTn id="1" dur="indefinite" restart="never" nodeType="tmRoot"/>
+      </p:par>
+    </p:tnLst>
+  </p:timing>
 </p:sld>
 </file>
 
@@ -15530,58 +15818,190 @@
         </p:nvSpPr>
         <p:spPr/>
         <p:txBody>
-          <a:bodyPr/>
-          <a:lstStyle/>
-          <a:p>
-            <a:r>
-              <a:rPr lang="en-US" dirty="0"/>
-              <a:t>Results</a:t>
-            </a:r>
-          </a:p>
-        </p:txBody>
-      </p:sp>
-      <p:sp>
-        <p:nvSpPr>
-          <p:cNvPr id="3" name="Content Placeholder 2"/>
-          <p:cNvSpPr>
-            <a:spLocks noGrp="1"/>
-          </p:cNvSpPr>
-          <p:nvPr>
-            <p:ph idx="1"/>
-          </p:nvPr>
-        </p:nvSpPr>
-        <p:spPr/>
-        <p:txBody>
           <a:bodyPr>
             <a:normAutofit/>
           </a:bodyPr>
           <a:lstStyle/>
           <a:p>
             <a:r>
-              <a:rPr lang="en-US" dirty="0"/>
-              <a:t>Figure 2: Pairwise comparisons of gene expression among female, male and supermale garden asparagus (</a:t>
-            </a:r>
-            <a:r>
-              <a:rPr lang="en-US" i="1" dirty="0"/>
-              <a:t>Asparagus officinalis</a:t>
-            </a:r>
-            <a:r>
-              <a:rPr lang="en-US" dirty="0"/>
-              <a:t>) genes across line replicates</a:t>
-            </a:r>
+              <a:rPr lang="en-US" sz="3600" dirty="0" smtClean="0"/>
+              <a:t>Figure 2, Male vs Female</a:t>
+            </a:r>
+            <a:endParaRPr lang="en-US" sz="3600" dirty="0">
+              <a:solidFill>
+                <a:schemeClr val="tx1"/>
+              </a:solidFill>
+              <a:latin typeface="+mn-lt"/>
+            </a:endParaRPr>
           </a:p>
         </p:txBody>
       </p:sp>
+      <p:pic>
+        <p:nvPicPr>
+          <p:cNvPr id="5" name="Picture 4"/>
+          <p:cNvPicPr>
+            <a:picLocks noChangeAspect="1"/>
+          </p:cNvPicPr>
+          <p:nvPr/>
+        </p:nvPicPr>
+        <p:blipFill>
+          <a:blip r:embed="rId2" cstate="print">
+            <a:extLst>
+              <a:ext uri="{28A0092B-C50C-407E-A947-70E740481C1C}">
+                <a14:useLocalDpi xmlns:a14="http://schemas.microsoft.com/office/drawing/2010/main" val="0"/>
+              </a:ext>
+            </a:extLst>
+          </a:blip>
+          <a:stretch>
+            <a:fillRect/>
+          </a:stretch>
+        </p:blipFill>
+        <p:spPr>
+          <a:xfrm>
+            <a:off x="3048000" y="1447800"/>
+            <a:ext cx="6095297" cy="4071928"/>
+          </a:xfrm>
+          <a:prstGeom prst="rect">
+            <a:avLst/>
+          </a:prstGeom>
+        </p:spPr>
+      </p:pic>
+      <p:grpSp>
+        <p:nvGrpSpPr>
+          <p:cNvPr id="13" name="Group 12"/>
+          <p:cNvGrpSpPr/>
+          <p:nvPr/>
+        </p:nvGrpSpPr>
+        <p:grpSpPr>
+          <a:xfrm>
+            <a:off x="138947" y="2057400"/>
+            <a:ext cx="2879873" cy="3840480"/>
+            <a:chOff x="76200" y="2018033"/>
+            <a:chExt cx="2879873" cy="3840480"/>
+          </a:xfrm>
+        </p:grpSpPr>
+        <p:pic>
+          <p:nvPicPr>
+            <p:cNvPr id="3074" name="Picture 2"/>
+            <p:cNvPicPr>
+              <a:picLocks noChangeAspect="1" noChangeArrowheads="1"/>
+            </p:cNvPicPr>
+            <p:nvPr/>
+          </p:nvPicPr>
+          <p:blipFill rotWithShape="1">
+            <a:blip r:embed="rId3">
+              <a:extLst>
+                <a:ext uri="{28A0092B-C50C-407E-A947-70E740481C1C}">
+                  <a14:useLocalDpi xmlns:a14="http://schemas.microsoft.com/office/drawing/2010/main" val="0"/>
+                </a:ext>
+              </a:extLst>
+            </a:blip>
+            <a:srcRect l="17223" t="24121" r="56223" b="12896"/>
+            <a:stretch/>
+          </p:blipFill>
+          <p:spPr bwMode="auto">
+            <a:xfrm>
+              <a:off x="76200" y="2018033"/>
+              <a:ext cx="2879873" cy="3840480"/>
+            </a:xfrm>
+            <a:prstGeom prst="rect">
+              <a:avLst/>
+            </a:prstGeom>
+            <a:noFill/>
+            <a:ln>
+              <a:noFill/>
+            </a:ln>
+            <a:extLst>
+              <a:ext uri="{909E8E84-426E-40DD-AFC4-6F175D3DCCD1}">
+                <a14:hiddenFill xmlns:a14="http://schemas.microsoft.com/office/drawing/2010/main">
+                  <a:solidFill>
+                    <a:schemeClr val="accent1"/>
+                  </a:solidFill>
+                </a14:hiddenFill>
+              </a:ext>
+              <a:ext uri="{91240B29-F687-4F45-9708-019B960494DF}">
+                <a14:hiddenLine xmlns:a14="http://schemas.microsoft.com/office/drawing/2010/main" w="9525">
+                  <a:solidFill>
+                    <a:schemeClr val="tx1"/>
+                  </a:solidFill>
+                  <a:miter lim="800000"/>
+                  <a:headEnd/>
+                  <a:tailEnd/>
+                </a14:hiddenLine>
+              </a:ext>
+            </a:extLst>
+          </p:spPr>
+        </p:pic>
+        <p:pic>
+          <p:nvPicPr>
+            <p:cNvPr id="15" name="Picture 2"/>
+            <p:cNvPicPr>
+              <a:picLocks noChangeAspect="1" noChangeArrowheads="1"/>
+            </p:cNvPicPr>
+            <p:nvPr/>
+          </p:nvPicPr>
+          <p:blipFill rotWithShape="1">
+            <a:blip r:embed="rId3">
+              <a:extLst>
+                <a:ext uri="{28A0092B-C50C-407E-A947-70E740481C1C}">
+                  <a14:useLocalDpi xmlns:a14="http://schemas.microsoft.com/office/drawing/2010/main" val="0"/>
+                </a:ext>
+              </a:extLst>
+            </a:blip>
+            <a:srcRect l="43161" t="79326" r="34952" b="11004"/>
+            <a:stretch/>
+          </p:blipFill>
+          <p:spPr bwMode="auto">
+            <a:xfrm>
+              <a:off x="685800" y="5181600"/>
+              <a:ext cx="2147053" cy="533400"/>
+            </a:xfrm>
+            <a:prstGeom prst="rect">
+              <a:avLst/>
+            </a:prstGeom>
+            <a:noFill/>
+            <a:ln>
+              <a:noFill/>
+            </a:ln>
+            <a:extLst>
+              <a:ext uri="{909E8E84-426E-40DD-AFC4-6F175D3DCCD1}">
+                <a14:hiddenFill xmlns:a14="http://schemas.microsoft.com/office/drawing/2010/main">
+                  <a:solidFill>
+                    <a:schemeClr val="accent1"/>
+                  </a:solidFill>
+                </a14:hiddenFill>
+              </a:ext>
+              <a:ext uri="{91240B29-F687-4F45-9708-019B960494DF}">
+                <a14:hiddenLine xmlns:a14="http://schemas.microsoft.com/office/drawing/2010/main" w="9525">
+                  <a:solidFill>
+                    <a:schemeClr val="tx1"/>
+                  </a:solidFill>
+                  <a:miter lim="800000"/>
+                  <a:headEnd/>
+                  <a:tailEnd/>
+                </a14:hiddenLine>
+              </a:ext>
+            </a:extLst>
+          </p:spPr>
+        </p:pic>
+      </p:grpSp>
     </p:spTree>
     <p:extLst>
       <p:ext uri="{BB962C8B-B14F-4D97-AF65-F5344CB8AC3E}">
-        <p14:creationId xmlns:p14="http://schemas.microsoft.com/office/powerpoint/2010/main" val="4229321659"/>
+        <p14:creationId xmlns:p14="http://schemas.microsoft.com/office/powerpoint/2010/main" val="2884801342"/>
       </p:ext>
     </p:extLst>
   </p:cSld>
   <p:clrMapOvr>
     <a:masterClrMapping/>
   </p:clrMapOvr>
+  <p:timing>
+    <p:tnLst>
+      <p:par>
+        <p:cTn id="1" dur="indefinite" restart="never" nodeType="tmRoot"/>
+      </p:par>
+    </p:tnLst>
+  </p:timing>
 </p:sld>
 </file>
 
@@ -16253,63 +16673,819 @@
             <p:ph type="title"/>
           </p:nvPr>
         </p:nvSpPr>
+        <p:spPr/>
+        <p:txBody>
+          <a:bodyPr>
+            <a:normAutofit/>
+          </a:bodyPr>
+          <a:lstStyle/>
+          <a:p>
+            <a:r>
+              <a:rPr lang="en-US" sz="3600" dirty="0" smtClean="0"/>
+              <a:t>Figure 2, Supermale vs Female</a:t>
+            </a:r>
+            <a:endParaRPr lang="en-US" sz="3600" dirty="0">
+              <a:solidFill>
+                <a:schemeClr val="tx1"/>
+              </a:solidFill>
+              <a:latin typeface="+mn-lt"/>
+            </a:endParaRPr>
+          </a:p>
+        </p:txBody>
+      </p:sp>
+      <p:pic>
+        <p:nvPicPr>
+          <p:cNvPr id="8" name="Picture 7"/>
+          <p:cNvPicPr>
+            <a:picLocks noChangeAspect="1"/>
+          </p:cNvPicPr>
+          <p:nvPr/>
+        </p:nvPicPr>
+        <p:blipFill>
+          <a:blip r:embed="rId2">
+            <a:extLst>
+              <a:ext uri="{28A0092B-C50C-407E-A947-70E740481C1C}">
+                <a14:useLocalDpi xmlns:a14="http://schemas.microsoft.com/office/drawing/2010/main" val="0"/>
+              </a:ext>
+            </a:extLst>
+          </a:blip>
+          <a:stretch>
+            <a:fillRect/>
+          </a:stretch>
+        </p:blipFill>
         <p:spPr>
           <a:xfrm>
-            <a:off x="1028700" y="685800"/>
-            <a:ext cx="7200900" cy="762000"/>
+            <a:off x="3505200" y="1752600"/>
+            <a:ext cx="5715000" cy="3817872"/>
           </a:xfrm>
+          <a:prstGeom prst="rect">
+            <a:avLst/>
+          </a:prstGeom>
         </p:spPr>
+      </p:pic>
+      <p:grpSp>
+        <p:nvGrpSpPr>
+          <p:cNvPr id="3" name="Group 2"/>
+          <p:cNvGrpSpPr/>
+          <p:nvPr/>
+        </p:nvGrpSpPr>
+        <p:grpSpPr>
+          <a:xfrm>
+            <a:off x="291347" y="2057400"/>
+            <a:ext cx="3061453" cy="3972477"/>
+            <a:chOff x="291347" y="2057400"/>
+            <a:chExt cx="3061453" cy="3972477"/>
+          </a:xfrm>
+        </p:grpSpPr>
+        <p:pic>
+          <p:nvPicPr>
+            <p:cNvPr id="3074" name="Picture 2"/>
+            <p:cNvPicPr>
+              <a:picLocks noChangeAspect="1" noChangeArrowheads="1"/>
+            </p:cNvPicPr>
+            <p:nvPr/>
+          </p:nvPicPr>
+          <p:blipFill rotWithShape="1">
+            <a:blip r:embed="rId3">
+              <a:extLst>
+                <a:ext uri="{28A0092B-C50C-407E-A947-70E740481C1C}">
+                  <a14:useLocalDpi xmlns:a14="http://schemas.microsoft.com/office/drawing/2010/main" val="0"/>
+                </a:ext>
+              </a:extLst>
+            </a:blip>
+            <a:srcRect l="44230" t="24121" r="35393" b="12896"/>
+            <a:stretch/>
+          </p:blipFill>
+          <p:spPr bwMode="auto">
+            <a:xfrm>
+              <a:off x="1066800" y="2057400"/>
+              <a:ext cx="2286000" cy="3972477"/>
+            </a:xfrm>
+            <a:prstGeom prst="rect">
+              <a:avLst/>
+            </a:prstGeom>
+            <a:noFill/>
+            <a:ln>
+              <a:noFill/>
+            </a:ln>
+            <a:extLst>
+              <a:ext uri="{909E8E84-426E-40DD-AFC4-6F175D3DCCD1}">
+                <a14:hiddenFill xmlns:a14="http://schemas.microsoft.com/office/drawing/2010/main">
+                  <a:solidFill>
+                    <a:schemeClr val="accent1"/>
+                  </a:solidFill>
+                </a14:hiddenFill>
+              </a:ext>
+              <a:ext uri="{91240B29-F687-4F45-9708-019B960494DF}">
+                <a14:hiddenLine xmlns:a14="http://schemas.microsoft.com/office/drawing/2010/main" w="9525">
+                  <a:solidFill>
+                    <a:schemeClr val="tx1"/>
+                  </a:solidFill>
+                  <a:miter lim="800000"/>
+                  <a:headEnd/>
+                  <a:tailEnd/>
+                </a14:hiddenLine>
+              </a:ext>
+            </a:extLst>
+          </p:spPr>
+        </p:pic>
+        <p:pic>
+          <p:nvPicPr>
+            <p:cNvPr id="11" name="Picture 2"/>
+            <p:cNvPicPr>
+              <a:picLocks noChangeAspect="1" noChangeArrowheads="1"/>
+            </p:cNvPicPr>
+            <p:nvPr/>
+          </p:nvPicPr>
+          <p:blipFill rotWithShape="1">
+            <a:blip r:embed="rId3">
+              <a:extLst>
+                <a:ext uri="{28A0092B-C50C-407E-A947-70E740481C1C}">
+                  <a14:useLocalDpi xmlns:a14="http://schemas.microsoft.com/office/drawing/2010/main" val="0"/>
+                </a:ext>
+              </a:extLst>
+            </a:blip>
+            <a:srcRect l="17223" t="24121" r="75607" b="12896"/>
+            <a:stretch/>
+          </p:blipFill>
+          <p:spPr bwMode="auto">
+            <a:xfrm>
+              <a:off x="291347" y="2103120"/>
+              <a:ext cx="777599" cy="3840480"/>
+            </a:xfrm>
+            <a:prstGeom prst="rect">
+              <a:avLst/>
+            </a:prstGeom>
+            <a:noFill/>
+            <a:ln>
+              <a:noFill/>
+            </a:ln>
+            <a:extLst>
+              <a:ext uri="{909E8E84-426E-40DD-AFC4-6F175D3DCCD1}">
+                <a14:hiddenFill xmlns:a14="http://schemas.microsoft.com/office/drawing/2010/main">
+                  <a:solidFill>
+                    <a:schemeClr val="accent1"/>
+                  </a:solidFill>
+                </a14:hiddenFill>
+              </a:ext>
+              <a:ext uri="{91240B29-F687-4F45-9708-019B960494DF}">
+                <a14:hiddenLine xmlns:a14="http://schemas.microsoft.com/office/drawing/2010/main" w="9525">
+                  <a:solidFill>
+                    <a:schemeClr val="tx1"/>
+                  </a:solidFill>
+                  <a:miter lim="800000"/>
+                  <a:headEnd/>
+                  <a:tailEnd/>
+                </a14:hiddenLine>
+              </a:ext>
+            </a:extLst>
+          </p:spPr>
+        </p:pic>
+      </p:grpSp>
+    </p:spTree>
+    <p:extLst>
+      <p:ext uri="{BB962C8B-B14F-4D97-AF65-F5344CB8AC3E}">
+        <p14:creationId xmlns:p14="http://schemas.microsoft.com/office/powerpoint/2010/main" val="3976467930"/>
+      </p:ext>
+    </p:extLst>
+  </p:cSld>
+  <p:clrMapOvr>
+    <a:masterClrMapping/>
+  </p:clrMapOvr>
+  <p:timing>
+    <p:tnLst>
+      <p:par>
+        <p:cTn id="1" dur="indefinite" restart="never" nodeType="tmRoot"/>
+      </p:par>
+    </p:tnLst>
+  </p:timing>
+</p:sld>
+</file>
+
+<file path=ppt/slides/slide21.xml><?xml version="1.0" encoding="utf-8"?>
+<p:sld xmlns:a="http://schemas.openxmlformats.org/drawingml/2006/main" xmlns:r="http://schemas.openxmlformats.org/officeDocument/2006/relationships" xmlns:p="http://schemas.openxmlformats.org/presentationml/2006/main">
+  <p:cSld>
+    <p:spTree>
+      <p:nvGrpSpPr>
+        <p:cNvPr id="1" name=""/>
+        <p:cNvGrpSpPr/>
+        <p:nvPr/>
+      </p:nvGrpSpPr>
+      <p:grpSpPr>
+        <a:xfrm>
+          <a:off x="0" y="0"/>
+          <a:ext cx="0" cy="0"/>
+          <a:chOff x="0" y="0"/>
+          <a:chExt cx="0" cy="0"/>
+        </a:xfrm>
+      </p:grpSpPr>
+      <p:sp>
+        <p:nvSpPr>
+          <p:cNvPr id="2" name="Title 1"/>
+          <p:cNvSpPr>
+            <a:spLocks noGrp="1"/>
+          </p:cNvSpPr>
+          <p:nvPr>
+            <p:ph type="title"/>
+          </p:nvPr>
+        </p:nvSpPr>
+        <p:spPr/>
         <p:txBody>
-          <a:bodyPr/>
+          <a:bodyPr>
+            <a:normAutofit/>
+          </a:bodyPr>
           <a:lstStyle/>
           <a:p>
             <a:r>
-              <a:rPr lang="en-US" dirty="0"/>
-              <a:t>Results</a:t>
-            </a:r>
+              <a:rPr lang="en-US" sz="3600" dirty="0" smtClean="0"/>
+              <a:t>Figure 2, Supermale vs </a:t>
+            </a:r>
+            <a:r>
+              <a:rPr lang="en-US" sz="3600" dirty="0"/>
+              <a:t>M</a:t>
+            </a:r>
+            <a:r>
+              <a:rPr lang="en-US" sz="3600" dirty="0" smtClean="0"/>
+              <a:t>ale</a:t>
+            </a:r>
+            <a:endParaRPr lang="en-US" sz="3600" dirty="0">
+              <a:solidFill>
+                <a:schemeClr val="tx1"/>
+              </a:solidFill>
+              <a:latin typeface="+mn-lt"/>
+            </a:endParaRPr>
+          </a:p>
+        </p:txBody>
+      </p:sp>
+      <p:pic>
+        <p:nvPicPr>
+          <p:cNvPr id="9" name="Picture 8"/>
+          <p:cNvPicPr>
+            <a:picLocks noChangeAspect="1"/>
+          </p:cNvPicPr>
+          <p:nvPr/>
+        </p:nvPicPr>
+        <p:blipFill>
+          <a:blip r:embed="rId2">
+            <a:extLst>
+              <a:ext uri="{28A0092B-C50C-407E-A947-70E740481C1C}">
+                <a14:useLocalDpi xmlns:a14="http://schemas.microsoft.com/office/drawing/2010/main" val="0"/>
+              </a:ext>
+            </a:extLst>
+          </a:blip>
+          <a:stretch>
+            <a:fillRect/>
+          </a:stretch>
+        </p:blipFill>
+        <p:spPr>
+          <a:xfrm>
+            <a:off x="3276600" y="2286000"/>
+            <a:ext cx="6019800" cy="4021491"/>
+          </a:xfrm>
+          <a:prstGeom prst="rect">
+            <a:avLst/>
+          </a:prstGeom>
+        </p:spPr>
+      </p:pic>
+      <p:grpSp>
+        <p:nvGrpSpPr>
+          <p:cNvPr id="3" name="Group 2"/>
+          <p:cNvGrpSpPr/>
+          <p:nvPr/>
+        </p:nvGrpSpPr>
+        <p:grpSpPr>
+          <a:xfrm>
+            <a:off x="76200" y="2286000"/>
+            <a:ext cx="3156226" cy="4247945"/>
+            <a:chOff x="76200" y="2286000"/>
+            <a:chExt cx="3156226" cy="4247945"/>
+          </a:xfrm>
+        </p:grpSpPr>
+        <p:pic>
+          <p:nvPicPr>
+            <p:cNvPr id="3074" name="Picture 2"/>
+            <p:cNvPicPr>
+              <a:picLocks noChangeAspect="1" noChangeArrowheads="1"/>
+            </p:cNvPicPr>
+            <p:nvPr/>
+          </p:nvPicPr>
+          <p:blipFill rotWithShape="1">
+            <a:blip r:embed="rId3">
+              <a:extLst>
+                <a:ext uri="{28A0092B-C50C-407E-A947-70E740481C1C}">
+                  <a14:useLocalDpi xmlns:a14="http://schemas.microsoft.com/office/drawing/2010/main" val="0"/>
+                </a:ext>
+              </a:extLst>
+            </a:blip>
+            <a:srcRect l="64456" t="24121" r="15015" b="12896"/>
+            <a:stretch/>
+          </p:blipFill>
+          <p:spPr bwMode="auto">
+            <a:xfrm>
+              <a:off x="769798" y="2286000"/>
+              <a:ext cx="2462628" cy="4247945"/>
+            </a:xfrm>
+            <a:prstGeom prst="rect">
+              <a:avLst/>
+            </a:prstGeom>
+            <a:noFill/>
+            <a:ln>
+              <a:noFill/>
+            </a:ln>
+            <a:extLst>
+              <a:ext uri="{909E8E84-426E-40DD-AFC4-6F175D3DCCD1}">
+                <a14:hiddenFill xmlns:a14="http://schemas.microsoft.com/office/drawing/2010/main">
+                  <a:solidFill>
+                    <a:schemeClr val="accent1"/>
+                  </a:solidFill>
+                </a14:hiddenFill>
+              </a:ext>
+              <a:ext uri="{91240B29-F687-4F45-9708-019B960494DF}">
+                <a14:hiddenLine xmlns:a14="http://schemas.microsoft.com/office/drawing/2010/main" w="9525">
+                  <a:solidFill>
+                    <a:schemeClr val="tx1"/>
+                  </a:solidFill>
+                  <a:miter lim="800000"/>
+                  <a:headEnd/>
+                  <a:tailEnd/>
+                </a14:hiddenLine>
+              </a:ext>
+            </a:extLst>
+          </p:spPr>
+        </p:pic>
+        <p:pic>
+          <p:nvPicPr>
+            <p:cNvPr id="7" name="Picture 2"/>
+            <p:cNvPicPr>
+              <a:picLocks noChangeAspect="1" noChangeArrowheads="1"/>
+            </p:cNvPicPr>
+            <p:nvPr/>
+          </p:nvPicPr>
+          <p:blipFill rotWithShape="1">
+            <a:blip r:embed="rId3">
+              <a:extLst>
+                <a:ext uri="{28A0092B-C50C-407E-A947-70E740481C1C}">
+                  <a14:useLocalDpi xmlns:a14="http://schemas.microsoft.com/office/drawing/2010/main" val="0"/>
+                </a:ext>
+              </a:extLst>
+            </a:blip>
+            <a:srcRect l="45129" t="79326" r="35782" b="12896"/>
+            <a:stretch/>
+          </p:blipFill>
+          <p:spPr bwMode="auto">
+            <a:xfrm>
+              <a:off x="990600" y="6019800"/>
+              <a:ext cx="2159358" cy="494693"/>
+            </a:xfrm>
+            <a:prstGeom prst="rect">
+              <a:avLst/>
+            </a:prstGeom>
+            <a:noFill/>
+            <a:ln>
+              <a:noFill/>
+            </a:ln>
+            <a:extLst>
+              <a:ext uri="{909E8E84-426E-40DD-AFC4-6F175D3DCCD1}">
+                <a14:hiddenFill xmlns:a14="http://schemas.microsoft.com/office/drawing/2010/main">
+                  <a:solidFill>
+                    <a:schemeClr val="accent1"/>
+                  </a:solidFill>
+                </a14:hiddenFill>
+              </a:ext>
+              <a:ext uri="{91240B29-F687-4F45-9708-019B960494DF}">
+                <a14:hiddenLine xmlns:a14="http://schemas.microsoft.com/office/drawing/2010/main" w="9525">
+                  <a:solidFill>
+                    <a:schemeClr val="tx1"/>
+                  </a:solidFill>
+                  <a:miter lim="800000"/>
+                  <a:headEnd/>
+                  <a:tailEnd/>
+                </a14:hiddenLine>
+              </a:ext>
+            </a:extLst>
+          </p:spPr>
+        </p:pic>
+        <p:pic>
+          <p:nvPicPr>
+            <p:cNvPr id="11" name="Picture 2"/>
+            <p:cNvPicPr>
+              <a:picLocks noChangeAspect="1" noChangeArrowheads="1"/>
+            </p:cNvPicPr>
+            <p:nvPr/>
+          </p:nvPicPr>
+          <p:blipFill rotWithShape="1">
+            <a:blip r:embed="rId3">
+              <a:extLst>
+                <a:ext uri="{28A0092B-C50C-407E-A947-70E740481C1C}">
+                  <a14:useLocalDpi xmlns:a14="http://schemas.microsoft.com/office/drawing/2010/main" val="0"/>
+                </a:ext>
+              </a:extLst>
+            </a:blip>
+            <a:srcRect l="17223" t="24121" r="75607" b="12896"/>
+            <a:stretch/>
+          </p:blipFill>
+          <p:spPr bwMode="auto">
+            <a:xfrm>
+              <a:off x="76200" y="2457655"/>
+              <a:ext cx="777599" cy="3840480"/>
+            </a:xfrm>
+            <a:prstGeom prst="rect">
+              <a:avLst/>
+            </a:prstGeom>
+            <a:noFill/>
+            <a:ln>
+              <a:noFill/>
+            </a:ln>
+            <a:extLst>
+              <a:ext uri="{909E8E84-426E-40DD-AFC4-6F175D3DCCD1}">
+                <a14:hiddenFill xmlns:a14="http://schemas.microsoft.com/office/drawing/2010/main">
+                  <a:solidFill>
+                    <a:schemeClr val="accent1"/>
+                  </a:solidFill>
+                </a14:hiddenFill>
+              </a:ext>
+              <a:ext uri="{91240B29-F687-4F45-9708-019B960494DF}">
+                <a14:hiddenLine xmlns:a14="http://schemas.microsoft.com/office/drawing/2010/main" w="9525">
+                  <a:solidFill>
+                    <a:schemeClr val="tx1"/>
+                  </a:solidFill>
+                  <a:miter lim="800000"/>
+                  <a:headEnd/>
+                  <a:tailEnd/>
+                </a14:hiddenLine>
+              </a:ext>
+            </a:extLst>
+          </p:spPr>
+        </p:pic>
+      </p:grpSp>
+    </p:spTree>
+    <p:extLst>
+      <p:ext uri="{BB962C8B-B14F-4D97-AF65-F5344CB8AC3E}">
+        <p14:creationId xmlns:p14="http://schemas.microsoft.com/office/powerpoint/2010/main" val="825743736"/>
+      </p:ext>
+    </p:extLst>
+  </p:cSld>
+  <p:clrMapOvr>
+    <a:masterClrMapping/>
+  </p:clrMapOvr>
+  <p:timing>
+    <p:tnLst>
+      <p:par>
+        <p:cTn id="1" dur="indefinite" restart="never" nodeType="tmRoot"/>
+      </p:par>
+    </p:tnLst>
+  </p:timing>
+</p:sld>
+</file>
+
+<file path=ppt/slides/slide22.xml><?xml version="1.0" encoding="utf-8"?>
+<p:sld xmlns:a="http://schemas.openxmlformats.org/drawingml/2006/main" xmlns:r="http://schemas.openxmlformats.org/officeDocument/2006/relationships" xmlns:p="http://schemas.openxmlformats.org/presentationml/2006/main">
+  <p:cSld>
+    <p:spTree>
+      <p:nvGrpSpPr>
+        <p:cNvPr id="1" name=""/>
+        <p:cNvGrpSpPr/>
+        <p:nvPr/>
+      </p:nvGrpSpPr>
+      <p:grpSpPr>
+        <a:xfrm>
+          <a:off x="0" y="0"/>
+          <a:ext cx="0" cy="0"/>
+          <a:chOff x="0" y="0"/>
+          <a:chExt cx="0" cy="0"/>
+        </a:xfrm>
+      </p:grpSpPr>
+      <p:sp>
+        <p:nvSpPr>
+          <p:cNvPr id="2" name="Title 1"/>
+          <p:cNvSpPr>
+            <a:spLocks noGrp="1"/>
+          </p:cNvSpPr>
+          <p:nvPr>
+            <p:ph type="title"/>
+          </p:nvPr>
+        </p:nvSpPr>
+        <p:spPr/>
+        <p:txBody>
+          <a:bodyPr>
+            <a:normAutofit/>
+          </a:bodyPr>
+          <a:lstStyle/>
+          <a:p>
+            <a:r>
+              <a:rPr lang="en-US" sz="3600" dirty="0" smtClean="0"/>
+              <a:t>Figure 3</a:t>
+            </a:r>
+            <a:endParaRPr lang="en-US" sz="3600" dirty="0">
+              <a:solidFill>
+                <a:schemeClr val="tx1"/>
+              </a:solidFill>
+              <a:latin typeface="+mn-lt"/>
+            </a:endParaRPr>
           </a:p>
         </p:txBody>
       </p:sp>
       <p:sp>
         <p:nvSpPr>
-          <p:cNvPr id="4" name="Content Placeholder 3"/>
+          <p:cNvPr id="11" name="Text Placeholder 10"/>
           <p:cNvSpPr>
             <a:spLocks noGrp="1"/>
           </p:cNvSpPr>
           <p:nvPr>
-            <p:ph idx="1"/>
+            <p:ph sz="half" idx="1"/>
           </p:nvPr>
         </p:nvSpPr>
         <p:spPr>
           <a:xfrm>
-            <a:off x="1028700" y="1480930"/>
-            <a:ext cx="7200900" cy="838200"/>
+            <a:off x="457200" y="2587752"/>
+            <a:ext cx="4038600" cy="612648"/>
           </a:xfrm>
         </p:spPr>
         <p:txBody>
           <a:bodyPr>
-            <a:normAutofit fontScale="85000" lnSpcReduction="20000"/>
+            <a:normAutofit/>
           </a:bodyPr>
           <a:lstStyle/>
           <a:p>
-            <a:r>
-              <a:rPr lang="en-US" dirty="0"/>
-              <a:t>Figure 3: Venn diagram showing the overlap of differentially expressed garden asparagus genes (</a:t>
-            </a:r>
-            <a:r>
-              <a:rPr lang="en-US" i="1" dirty="0"/>
-              <a:t>Asparagus officinalis</a:t>
-            </a:r>
-            <a:r>
-              <a:rPr lang="en-US" dirty="0"/>
-              <a:t>) between the three pairwise comparisons</a:t>
+            <a:pPr marL="0" indent="0" algn="ctr">
+              <a:buNone/>
+            </a:pPr>
+            <a:r>
+              <a:rPr lang="en-US" sz="2400" dirty="0" smtClean="0">
+                <a:solidFill>
+                  <a:schemeClr val="tx2"/>
+                </a:solidFill>
+              </a:rPr>
+              <a:t>Paper</a:t>
+            </a:r>
+            <a:endParaRPr lang="en-US" sz="2400" dirty="0">
+              <a:solidFill>
+                <a:schemeClr val="tx2"/>
+              </a:solidFill>
+            </a:endParaRPr>
+          </a:p>
+        </p:txBody>
+      </p:sp>
+      <p:sp>
+        <p:nvSpPr>
+          <p:cNvPr id="12" name="Text Placeholder 11"/>
+          <p:cNvSpPr>
+            <a:spLocks noGrp="1"/>
+          </p:cNvSpPr>
+          <p:nvPr>
+            <p:ph sz="half" idx="2"/>
+          </p:nvPr>
+        </p:nvSpPr>
+        <p:spPr>
+          <a:xfrm>
+            <a:off x="4648200" y="2511552"/>
+            <a:ext cx="4038600" cy="688848"/>
+          </a:xfrm>
+        </p:spPr>
+        <p:txBody>
+          <a:bodyPr>
+            <a:normAutofit/>
+          </a:bodyPr>
+          <a:lstStyle/>
+          <a:p>
+            <a:pPr marL="0" indent="0" algn="ctr">
+              <a:buNone/>
+            </a:pPr>
+            <a:r>
+              <a:rPr lang="en-US" sz="2400" dirty="0">
+                <a:solidFill>
+                  <a:schemeClr val="tx2"/>
+                </a:solidFill>
+              </a:rPr>
+              <a:t>Our </a:t>
+            </a:r>
+            <a:r>
+              <a:rPr lang="en-US" sz="2400" dirty="0" smtClean="0">
+                <a:solidFill>
+                  <a:schemeClr val="tx2"/>
+                </a:solidFill>
+              </a:rPr>
+              <a:t>Analysis</a:t>
+            </a:r>
+            <a:endParaRPr lang="en-US" sz="2400" dirty="0">
+              <a:solidFill>
+                <a:schemeClr val="tx2"/>
+              </a:solidFill>
+            </a:endParaRPr>
+          </a:p>
+        </p:txBody>
+      </p:sp>
+      <p:sp>
+        <p:nvSpPr>
+          <p:cNvPr id="14" name="Text Placeholder 10"/>
+          <p:cNvSpPr txBox="1">
+            <a:spLocks/>
+          </p:cNvSpPr>
+          <p:nvPr/>
+        </p:nvSpPr>
+        <p:spPr>
+          <a:xfrm>
+            <a:off x="457200" y="1570038"/>
+            <a:ext cx="8229600" cy="639762"/>
+          </a:xfrm>
+          <a:prstGeom prst="rect">
+            <a:avLst/>
+          </a:prstGeom>
+          <a:noFill/>
+          <a:ln w="44450" cap="flat" cmpd="sng" algn="ctr">
+            <a:noFill/>
+            <a:prstDash val="solid"/>
+          </a:ln>
+          <a:effectLst/>
+        </p:spPr>
+        <p:txBody>
+          <a:bodyPr vert="horz" lIns="91440" tIns="45720" rIns="91440" bIns="45720" rtlCol="0" anchor="ctr">
+            <a:noAutofit/>
+          </a:bodyPr>
+          <a:lstStyle>
+            <a:lvl1pPr marL="0" indent="0" algn="ctr" defTabSz="914400" rtl="0" eaLnBrk="1" latinLnBrk="0" hangingPunct="1">
+              <a:spcBef>
+                <a:spcPct val="20000"/>
+              </a:spcBef>
+              <a:buClr>
+                <a:schemeClr val="accent1"/>
+              </a:buClr>
+              <a:buSzPct val="85000"/>
+              <a:buFont typeface="Arial" pitchFamily="34" charset="0"/>
+              <a:buNone/>
+              <a:defRPr sz="2000" b="0" kern="1200">
+                <a:solidFill>
+                  <a:schemeClr val="tx2"/>
+                </a:solidFill>
+                <a:latin typeface="+mn-lt"/>
+                <a:ea typeface="+mn-ea"/>
+                <a:cs typeface="+mn-cs"/>
+              </a:defRPr>
+            </a:lvl1pPr>
+            <a:lvl2pPr marL="457200" indent="0" algn="l" defTabSz="914400" rtl="0" eaLnBrk="1" latinLnBrk="0" hangingPunct="1">
+              <a:spcBef>
+                <a:spcPct val="20000"/>
+              </a:spcBef>
+              <a:buClr>
+                <a:schemeClr val="accent1"/>
+              </a:buClr>
+              <a:buSzPct val="85000"/>
+              <a:buFont typeface="Arial" pitchFamily="34" charset="0"/>
+              <a:buNone/>
+              <a:defRPr sz="2000" b="1" kern="1200">
+                <a:solidFill>
+                  <a:schemeClr val="tx1"/>
+                </a:solidFill>
+                <a:latin typeface="+mn-lt"/>
+                <a:ea typeface="+mn-ea"/>
+                <a:cs typeface="+mn-cs"/>
+              </a:defRPr>
+            </a:lvl2pPr>
+            <a:lvl3pPr marL="914400" indent="0" algn="l" defTabSz="914400" rtl="0" eaLnBrk="1" latinLnBrk="0" hangingPunct="1">
+              <a:spcBef>
+                <a:spcPct val="20000"/>
+              </a:spcBef>
+              <a:buClr>
+                <a:schemeClr val="accent1"/>
+              </a:buClr>
+              <a:buSzPct val="90000"/>
+              <a:buFont typeface="Arial" pitchFamily="34" charset="0"/>
+              <a:buNone/>
+              <a:defRPr sz="1800" b="1" kern="1200">
+                <a:solidFill>
+                  <a:schemeClr val="tx1"/>
+                </a:solidFill>
+                <a:latin typeface="+mn-lt"/>
+                <a:ea typeface="+mn-ea"/>
+                <a:cs typeface="+mn-cs"/>
+              </a:defRPr>
+            </a:lvl3pPr>
+            <a:lvl4pPr marL="1371600" indent="0" algn="l" defTabSz="914400" rtl="0" eaLnBrk="1" latinLnBrk="0" hangingPunct="1">
+              <a:spcBef>
+                <a:spcPct val="20000"/>
+              </a:spcBef>
+              <a:buClr>
+                <a:schemeClr val="accent1"/>
+              </a:buClr>
+              <a:buFont typeface="Arial" pitchFamily="34" charset="0"/>
+              <a:buNone/>
+              <a:defRPr sz="1600" b="1" kern="1200">
+                <a:solidFill>
+                  <a:schemeClr val="tx1"/>
+                </a:solidFill>
+                <a:latin typeface="+mn-lt"/>
+                <a:ea typeface="+mn-ea"/>
+                <a:cs typeface="+mn-cs"/>
+              </a:defRPr>
+            </a:lvl4pPr>
+            <a:lvl5pPr marL="1828800" indent="0" algn="l" defTabSz="914400" rtl="0" eaLnBrk="1" latinLnBrk="0" hangingPunct="1">
+              <a:spcBef>
+                <a:spcPct val="20000"/>
+              </a:spcBef>
+              <a:buClr>
+                <a:schemeClr val="accent1"/>
+              </a:buClr>
+              <a:buSzPct val="100000"/>
+              <a:buFont typeface="Arial" pitchFamily="34" charset="0"/>
+              <a:buNone/>
+              <a:defRPr sz="1600" b="1" kern="1200" baseline="0">
+                <a:solidFill>
+                  <a:schemeClr val="tx1"/>
+                </a:solidFill>
+                <a:latin typeface="+mn-lt"/>
+                <a:ea typeface="+mn-ea"/>
+                <a:cs typeface="+mn-cs"/>
+              </a:defRPr>
+            </a:lvl5pPr>
+            <a:lvl6pPr marL="2286000" indent="0" algn="l" defTabSz="914400" rtl="0" eaLnBrk="1" latinLnBrk="0" hangingPunct="1">
+              <a:spcBef>
+                <a:spcPct val="20000"/>
+              </a:spcBef>
+              <a:buClr>
+                <a:schemeClr val="accent1"/>
+              </a:buClr>
+              <a:buFont typeface="Arial" pitchFamily="34" charset="0"/>
+              <a:buNone/>
+              <a:defRPr sz="1600" b="1" kern="1200">
+                <a:solidFill>
+                  <a:schemeClr val="tx1"/>
+                </a:solidFill>
+                <a:latin typeface="+mn-lt"/>
+                <a:ea typeface="+mn-ea"/>
+                <a:cs typeface="+mn-cs"/>
+              </a:defRPr>
+            </a:lvl6pPr>
+            <a:lvl7pPr marL="2743200" indent="0" algn="l" defTabSz="914400" rtl="0" eaLnBrk="1" latinLnBrk="0" hangingPunct="1">
+              <a:spcBef>
+                <a:spcPct val="20000"/>
+              </a:spcBef>
+              <a:buClr>
+                <a:schemeClr val="accent1"/>
+              </a:buClr>
+              <a:buFont typeface="Arial" pitchFamily="34" charset="0"/>
+              <a:buNone/>
+              <a:defRPr sz="1600" b="1" kern="1200">
+                <a:solidFill>
+                  <a:schemeClr val="tx1"/>
+                </a:solidFill>
+                <a:latin typeface="+mn-lt"/>
+                <a:ea typeface="+mn-ea"/>
+                <a:cs typeface="+mn-cs"/>
+              </a:defRPr>
+            </a:lvl7pPr>
+            <a:lvl8pPr marL="3200400" indent="0" algn="l" defTabSz="914400" rtl="0" eaLnBrk="1" latinLnBrk="0" hangingPunct="1">
+              <a:spcBef>
+                <a:spcPct val="20000"/>
+              </a:spcBef>
+              <a:buClr>
+                <a:schemeClr val="accent1"/>
+              </a:buClr>
+              <a:buFont typeface="Arial" pitchFamily="34" charset="0"/>
+              <a:buNone/>
+              <a:defRPr sz="1600" b="1" kern="1200">
+                <a:solidFill>
+                  <a:schemeClr val="tx1"/>
+                </a:solidFill>
+                <a:latin typeface="+mn-lt"/>
+                <a:ea typeface="+mn-ea"/>
+                <a:cs typeface="+mn-cs"/>
+              </a:defRPr>
+            </a:lvl8pPr>
+            <a:lvl9pPr marL="3657600" indent="0" algn="l" defTabSz="914400" rtl="0" eaLnBrk="1" latinLnBrk="0" hangingPunct="1">
+              <a:spcBef>
+                <a:spcPct val="20000"/>
+              </a:spcBef>
+              <a:buClr>
+                <a:schemeClr val="accent1"/>
+              </a:buClr>
+              <a:buFont typeface="Arial" pitchFamily="34" charset="0"/>
+              <a:buNone/>
+              <a:defRPr sz="1600" b="1" kern="1200">
+                <a:solidFill>
+                  <a:schemeClr val="tx1"/>
+                </a:solidFill>
+                <a:latin typeface="+mn-lt"/>
+                <a:ea typeface="+mn-ea"/>
+                <a:cs typeface="+mn-cs"/>
+              </a:defRPr>
+            </a:lvl9pPr>
+          </a:lstStyle>
+          <a:p>
+            <a:pPr algn="l"/>
+            <a:r>
+              <a:rPr lang="en-US" sz="2400" dirty="0">
+                <a:solidFill>
+                  <a:schemeClr val="tx1"/>
+                </a:solidFill>
+              </a:rPr>
+              <a:t>Venn diagram showing the overlap of differentially expressed garden asparagus genes (Asparagus officinalis) between the three pairwise comparisons</a:t>
             </a:r>
           </a:p>
         </p:txBody>
       </p:sp>
       <p:pic>
         <p:nvPicPr>
-          <p:cNvPr id="5" name="Picture 4"/>
+          <p:cNvPr id="8" name="Picture 7"/>
           <p:cNvPicPr>
             <a:picLocks noChangeAspect="1"/>
           </p:cNvPicPr>
@@ -16323,8 +17499,8 @@
         </p:blipFill>
         <p:spPr>
           <a:xfrm>
-            <a:off x="1295400" y="2319130"/>
-            <a:ext cx="1828800" cy="2407534"/>
+            <a:off x="1371600" y="3200400"/>
+            <a:ext cx="2438400" cy="3210045"/>
           </a:xfrm>
           <a:prstGeom prst="rect">
             <a:avLst/>
@@ -16333,28 +17509,114 @@
       </p:pic>
       <p:pic>
         <p:nvPicPr>
-          <p:cNvPr id="6" name="Picture 5"/>
+          <p:cNvPr id="3" name="Picture 2"/>
           <p:cNvPicPr>
             <a:picLocks noChangeAspect="1"/>
           </p:cNvPicPr>
           <p:nvPr/>
         </p:nvPicPr>
         <p:blipFill>
-          <a:blip r:embed="rId3"/>
+          <a:blip r:embed="rId3">
+            <a:extLst>
+              <a:ext uri="{28A0092B-C50C-407E-A947-70E740481C1C}">
+                <a14:useLocalDpi xmlns:a14="http://schemas.microsoft.com/office/drawing/2010/main" val="0"/>
+              </a:ext>
+            </a:extLst>
+          </a:blip>
           <a:stretch>
             <a:fillRect/>
           </a:stretch>
         </p:blipFill>
         <p:spPr>
           <a:xfrm>
-            <a:off x="3622813" y="3124200"/>
-            <a:ext cx="4606787" cy="3380952"/>
+            <a:off x="5105400" y="3207684"/>
+            <a:ext cx="3345516" cy="3345516"/>
           </a:xfrm>
           <a:prstGeom prst="rect">
             <a:avLst/>
           </a:prstGeom>
         </p:spPr>
       </p:pic>
+    </p:spTree>
+    <p:extLst>
+      <p:ext uri="{BB962C8B-B14F-4D97-AF65-F5344CB8AC3E}">
+        <p14:creationId xmlns:p14="http://schemas.microsoft.com/office/powerpoint/2010/main" val="2928177481"/>
+      </p:ext>
+    </p:extLst>
+  </p:cSld>
+  <p:clrMapOvr>
+    <a:masterClrMapping/>
+  </p:clrMapOvr>
+  <p:timing>
+    <p:tnLst>
+      <p:par>
+        <p:cTn id="1" dur="indefinite" restart="never" nodeType="tmRoot"/>
+      </p:par>
+    </p:tnLst>
+  </p:timing>
+</p:sld>
+</file>
+
+<file path=ppt/slides/slide23.xml><?xml version="1.0" encoding="utf-8"?>
+<p:sld xmlns:a="http://schemas.openxmlformats.org/drawingml/2006/main" xmlns:r="http://schemas.openxmlformats.org/officeDocument/2006/relationships" xmlns:p="http://schemas.openxmlformats.org/presentationml/2006/main">
+  <p:cSld>
+    <p:spTree>
+      <p:nvGrpSpPr>
+        <p:cNvPr id="1" name=""/>
+        <p:cNvGrpSpPr/>
+        <p:nvPr/>
+      </p:nvGrpSpPr>
+      <p:grpSpPr>
+        <a:xfrm>
+          <a:off x="0" y="0"/>
+          <a:ext cx="0" cy="0"/>
+          <a:chOff x="0" y="0"/>
+          <a:chExt cx="0" cy="0"/>
+        </a:xfrm>
+      </p:grpSpPr>
+      <p:sp>
+        <p:nvSpPr>
+          <p:cNvPr id="2" name="Title 1"/>
+          <p:cNvSpPr>
+            <a:spLocks noGrp="1"/>
+          </p:cNvSpPr>
+          <p:nvPr>
+            <p:ph type="title"/>
+          </p:nvPr>
+        </p:nvSpPr>
+        <p:spPr/>
+        <p:txBody>
+          <a:bodyPr/>
+          <a:lstStyle/>
+          <a:p>
+            <a:r>
+              <a:rPr lang="en-US" dirty="0"/>
+              <a:t>Results</a:t>
+            </a:r>
+          </a:p>
+        </p:txBody>
+      </p:sp>
+      <p:sp>
+        <p:nvSpPr>
+          <p:cNvPr id="4" name="Content Placeholder 3"/>
+          <p:cNvSpPr>
+            <a:spLocks noGrp="1"/>
+          </p:cNvSpPr>
+          <p:nvPr>
+            <p:ph idx="1"/>
+          </p:nvPr>
+        </p:nvSpPr>
+        <p:spPr/>
+        <p:txBody>
+          <a:bodyPr>
+            <a:normAutofit/>
+          </a:bodyPr>
+          <a:lstStyle/>
+          <a:p>
+            <a:endParaRPr lang="en-US" dirty="0"/>
+          </a:p>
+        </p:txBody>
+      </p:sp>
     </p:spTree>
     <p:extLst>
       <p:ext uri="{BB962C8B-B14F-4D97-AF65-F5344CB8AC3E}">
@@ -16365,10 +17627,17 @@
   <p:clrMapOvr>
     <a:masterClrMapping/>
   </p:clrMapOvr>
+  <p:timing>
+    <p:tnLst>
+      <p:par>
+        <p:cTn id="1" dur="indefinite" restart="never" nodeType="tmRoot"/>
+      </p:par>
+    </p:tnLst>
+  </p:timing>
 </p:sld>
 </file>
 
-<file path=ppt/slides/slide21.xml><?xml version="1.0" encoding="utf-8"?>
+<file path=ppt/slides/slide24.xml><?xml version="1.0" encoding="utf-8"?>
 <p:sld xmlns:a="http://schemas.openxmlformats.org/drawingml/2006/main" xmlns:r="http://schemas.openxmlformats.org/officeDocument/2006/relationships" xmlns:p="http://schemas.openxmlformats.org/presentationml/2006/main">
   <p:cSld>
     <p:spTree>
@@ -16499,10 +17768,17 @@
   <p:clrMapOvr>
     <a:masterClrMapping/>
   </p:clrMapOvr>
+  <p:timing>
+    <p:tnLst>
+      <p:par>
+        <p:cTn id="1" dur="indefinite" restart="never" nodeType="tmRoot"/>
+      </p:par>
+    </p:tnLst>
+  </p:timing>
 </p:sld>
 </file>
 
-<file path=ppt/slides/slide22.xml><?xml version="1.0" encoding="utf-8"?>
+<file path=ppt/slides/slide25.xml><?xml version="1.0" encoding="utf-8"?>
 <p:sld xmlns:a="http://schemas.openxmlformats.org/drawingml/2006/main" xmlns:r="http://schemas.openxmlformats.org/officeDocument/2006/relationships" xmlns:p="http://schemas.openxmlformats.org/presentationml/2006/main">
   <p:cSld>
     <p:spTree>
@@ -16574,7 +17850,7 @@
 </p:sld>
 </file>
 
-<file path=ppt/slides/slide23.xml><?xml version="1.0" encoding="utf-8"?>
+<file path=ppt/slides/slide26.xml><?xml version="1.0" encoding="utf-8"?>
 <p:sld xmlns:a="http://schemas.openxmlformats.org/drawingml/2006/main" xmlns:r="http://schemas.openxmlformats.org/officeDocument/2006/relationships" xmlns:p="http://schemas.openxmlformats.org/presentationml/2006/main">
   <p:cSld>
     <p:spTree>
@@ -16656,7 +17932,7 @@
 </p:sld>
 </file>
 
-<file path=ppt/slides/slide24.xml><?xml version="1.0" encoding="utf-8"?>
+<file path=ppt/slides/slide27.xml><?xml version="1.0" encoding="utf-8"?>
 <p:sld xmlns:a="http://schemas.openxmlformats.org/drawingml/2006/main" xmlns:r="http://schemas.openxmlformats.org/officeDocument/2006/relationships" xmlns:p="http://schemas.openxmlformats.org/presentationml/2006/main">
   <p:cSld>
     <p:spTree>
@@ -16796,7 +18072,7 @@
 </p:sld>
 </file>
 
-<file path=ppt/slides/slide25.xml><?xml version="1.0" encoding="utf-8"?>
+<file path=ppt/slides/slide28.xml><?xml version="1.0" encoding="utf-8"?>
 <p:sld xmlns:a="http://schemas.openxmlformats.org/drawingml/2006/main" xmlns:r="http://schemas.openxmlformats.org/officeDocument/2006/relationships" xmlns:p="http://schemas.openxmlformats.org/presentationml/2006/main">
   <p:cSld>
     <p:spTree>

--- a/asparagus.pptx
+++ b/asparagus.pptx
@@ -5,7 +5,7 @@
     <p:sldMasterId id="2147483696" r:id="rId1"/>
   </p:sldMasterIdLst>
   <p:notesMasterIdLst>
-    <p:notesMasterId r:id="rId30"/>
+    <p:notesMasterId r:id="rId32"/>
   </p:notesMasterIdLst>
   <p:sldIdLst>
     <p:sldId id="256" r:id="rId2"/>
@@ -31,11 +31,13 @@
     <p:sldId id="290" r:id="rId22"/>
     <p:sldId id="291" r:id="rId23"/>
     <p:sldId id="274" r:id="rId24"/>
-    <p:sldId id="275" r:id="rId25"/>
-    <p:sldId id="283" r:id="rId26"/>
-    <p:sldId id="276" r:id="rId27"/>
-    <p:sldId id="265" r:id="rId28"/>
-    <p:sldId id="284" r:id="rId29"/>
+    <p:sldId id="292" r:id="rId25"/>
+    <p:sldId id="293" r:id="rId26"/>
+    <p:sldId id="275" r:id="rId27"/>
+    <p:sldId id="283" r:id="rId28"/>
+    <p:sldId id="276" r:id="rId29"/>
+    <p:sldId id="265" r:id="rId30"/>
+    <p:sldId id="284" r:id="rId31"/>
   </p:sldIdLst>
   <p:sldSz cx="9144000" cy="6858000" type="screen4x3"/>
   <p:notesSz cx="6858000" cy="9144000"/>
@@ -17590,9 +17592,10 @@
           <a:lstStyle/>
           <a:p>
             <a:r>
-              <a:rPr lang="en-US" dirty="0"/>
-              <a:t>Results</a:t>
-            </a:r>
+              <a:rPr lang="en-US" dirty="0" smtClean="0"/>
+              <a:t>Figure 4</a:t>
+            </a:r>
+            <a:endParaRPr lang="en-US" dirty="0"/>
           </a:p>
         </p:txBody>
       </p:sp>
@@ -17606,17 +17609,69 @@
             <p:ph idx="1"/>
           </p:nvPr>
         </p:nvSpPr>
-        <p:spPr/>
+        <p:spPr>
+          <a:xfrm>
+            <a:off x="457200" y="1295400"/>
+            <a:ext cx="8229600" cy="1295400"/>
+          </a:xfrm>
+        </p:spPr>
         <p:txBody>
           <a:bodyPr>
             <a:normAutofit/>
           </a:bodyPr>
           <a:lstStyle/>
           <a:p>
+            <a:pPr marL="0" indent="0">
+              <a:buNone/>
+            </a:pPr>
+            <a:r>
+              <a:rPr lang="en-US" dirty="0" err="1" smtClean="0"/>
+              <a:t>Heatmap</a:t>
+            </a:r>
+            <a:r>
+              <a:rPr lang="en-US" dirty="0" smtClean="0"/>
+              <a:t> </a:t>
+            </a:r>
+            <a:r>
+              <a:rPr lang="en-US" dirty="0"/>
+              <a:t>clustering of the 570 differentially expressed garden asparagus (</a:t>
+            </a:r>
+            <a:r>
+              <a:rPr lang="en-US" i="1" dirty="0"/>
+              <a:t>Asparagus officinalis</a:t>
+            </a:r>
+            <a:r>
+              <a:rPr lang="en-US" dirty="0"/>
+              <a:t>) genes in all spear tip tissues</a:t>
+            </a:r>
             <a:endParaRPr lang="en-US" dirty="0"/>
           </a:p>
         </p:txBody>
       </p:sp>
+      <p:pic>
+        <p:nvPicPr>
+          <p:cNvPr id="7" name="Picture 6"/>
+          <p:cNvPicPr>
+            <a:picLocks noChangeAspect="1"/>
+          </p:cNvPicPr>
+          <p:nvPr/>
+        </p:nvPicPr>
+        <p:blipFill>
+          <a:blip r:embed="rId2"/>
+          <a:stretch>
+            <a:fillRect/>
+          </a:stretch>
+        </p:blipFill>
+        <p:spPr>
+          <a:xfrm>
+            <a:off x="1752600" y="2546907"/>
+            <a:ext cx="5562600" cy="4082493"/>
+          </a:xfrm>
+          <a:prstGeom prst="rect">
+            <a:avLst/>
+          </a:prstGeom>
+        </p:spPr>
+      </p:pic>
     </p:spTree>
     <p:extLst>
       <p:ext uri="{BB962C8B-B14F-4D97-AF65-F5344CB8AC3E}">
@@ -17664,79 +17719,22 @@
             <p:ph type="title"/>
           </p:nvPr>
         </p:nvSpPr>
-        <p:spPr>
-          <a:xfrm>
-            <a:off x="1028700" y="685800"/>
-            <a:ext cx="7200900" cy="914400"/>
-          </a:xfrm>
-        </p:spPr>
+        <p:spPr/>
         <p:txBody>
           <a:bodyPr/>
           <a:lstStyle/>
           <a:p>
             <a:r>
-              <a:rPr lang="en-US" dirty="0"/>
-              <a:t>Results</a:t>
-            </a:r>
-          </a:p>
-        </p:txBody>
-      </p:sp>
-      <p:sp>
-        <p:nvSpPr>
-          <p:cNvPr id="4" name="AutoShape 2" descr="Figure 4"/>
-          <p:cNvSpPr>
-            <a:spLocks noGrp="1" noChangeAspect="1" noChangeArrowheads="1"/>
-          </p:cNvSpPr>
-          <p:nvPr>
-            <p:ph idx="1"/>
-          </p:nvPr>
-        </p:nvSpPr>
-        <p:spPr bwMode="auto">
-          <a:xfrm>
-            <a:off x="1025387" y="1447800"/>
-            <a:ext cx="7200900" cy="914400"/>
-          </a:xfrm>
-          <a:prstGeom prst="rect">
-            <a:avLst/>
-          </a:prstGeom>
-          <a:noFill/>
-          <a:extLst>
-            <a:ext uri="{909E8E84-426E-40DD-AFC4-6F175D3DCCD1}">
-              <a14:hiddenFill xmlns:a14="http://schemas.microsoft.com/office/drawing/2010/main">
-                <a:solidFill>
-                  <a:srgbClr val="FFFFFF"/>
-                </a:solidFill>
-              </a14:hiddenFill>
-            </a:ext>
-          </a:extLst>
-        </p:spPr>
-        <p:txBody>
-          <a:bodyPr vert="horz" wrap="square" lIns="91440" tIns="45720" rIns="91440" bIns="45720" numCol="1" anchor="t" anchorCtr="0" compatLnSpc="1">
-            <a:prstTxWarp prst="textNoShape">
-              <a:avLst/>
-            </a:prstTxWarp>
-            <a:normAutofit fontScale="92500" lnSpcReduction="20000"/>
-          </a:bodyPr>
-          <a:lstStyle/>
-          <a:p>
-            <a:r>
-              <a:rPr lang="en-US" dirty="0"/>
-              <a:t>Figure 4:Heatmap clustering of the 570 differentially expressed garden asparagus (</a:t>
-            </a:r>
-            <a:r>
-              <a:rPr lang="en-US" i="1" dirty="0"/>
-              <a:t>Asparagus officinalis</a:t>
-            </a:r>
-            <a:r>
-              <a:rPr lang="en-US" dirty="0"/>
-              <a:t>) genes in all spear tip tissues</a:t>
-            </a:r>
+              <a:rPr lang="en-US" dirty="0" smtClean="0"/>
+              <a:t>Figure 4</a:t>
+            </a:r>
+            <a:endParaRPr lang="en-US" dirty="0"/>
           </a:p>
         </p:txBody>
       </p:sp>
       <p:pic>
         <p:nvPicPr>
-          <p:cNvPr id="5" name="Picture 4"/>
+          <p:cNvPr id="7" name="Picture 6"/>
           <p:cNvPicPr>
             <a:picLocks noChangeAspect="1"/>
           </p:cNvPicPr>
@@ -17750,8 +17748,8 @@
         </p:blipFill>
         <p:spPr>
           <a:xfrm>
-            <a:off x="1143000" y="2362200"/>
-            <a:ext cx="3257550" cy="2390775"/>
+            <a:off x="228600" y="1883053"/>
+            <a:ext cx="5562600" cy="4082493"/>
           </a:xfrm>
           <a:prstGeom prst="rect">
             <a:avLst/>
@@ -17761,7 +17759,7 @@
     </p:spTree>
     <p:extLst>
       <p:ext uri="{BB962C8B-B14F-4D97-AF65-F5344CB8AC3E}">
-        <p14:creationId xmlns:p14="http://schemas.microsoft.com/office/powerpoint/2010/main" val="897698656"/>
+        <p14:creationId xmlns:p14="http://schemas.microsoft.com/office/powerpoint/2010/main" val="3596753797"/>
       </p:ext>
     </p:extLst>
   </p:cSld>
@@ -17811,42 +17809,90 @@
           <a:lstStyle/>
           <a:p>
             <a:r>
-              <a:rPr lang="en-US" dirty="0" err="1" smtClean="0"/>
-              <a:t>heatmap</a:t>
+              <a:rPr lang="en-US" dirty="0" smtClean="0"/>
+              <a:t>Figure 4</a:t>
             </a:r>
             <a:endParaRPr lang="en-US" dirty="0"/>
           </a:p>
         </p:txBody>
       </p:sp>
-      <p:sp>
-        <p:nvSpPr>
-          <p:cNvPr id="3" name="Content Placeholder 2"/>
-          <p:cNvSpPr>
-            <a:spLocks noGrp="1"/>
-          </p:cNvSpPr>
-          <p:nvPr>
-            <p:ph idx="1"/>
-          </p:nvPr>
-        </p:nvSpPr>
-        <p:spPr/>
-        <p:txBody>
-          <a:bodyPr/>
-          <a:lstStyle/>
-          <a:p>
-            <a:endParaRPr lang="en-US"/>
-          </a:p>
-        </p:txBody>
-      </p:sp>
+      <p:pic>
+        <p:nvPicPr>
+          <p:cNvPr id="4" name="Picture 3"/>
+          <p:cNvPicPr>
+            <a:picLocks noChangeAspect="1"/>
+          </p:cNvPicPr>
+          <p:nvPr/>
+        </p:nvPicPr>
+        <p:blipFill>
+          <a:blip r:embed="rId2">
+            <a:extLst>
+              <a:ext uri="{28A0092B-C50C-407E-A947-70E740481C1C}">
+                <a14:useLocalDpi xmlns:a14="http://schemas.microsoft.com/office/drawing/2010/main" val="0"/>
+              </a:ext>
+            </a:extLst>
+          </a:blip>
+          <a:stretch>
+            <a:fillRect/>
+          </a:stretch>
+        </p:blipFill>
+        <p:spPr>
+          <a:xfrm>
+            <a:off x="-1832810" y="1752600"/>
+            <a:ext cx="6054934" cy="4044696"/>
+          </a:xfrm>
+          <a:prstGeom prst="rect">
+            <a:avLst/>
+          </a:prstGeom>
+        </p:spPr>
+      </p:pic>
+      <p:pic>
+        <p:nvPicPr>
+          <p:cNvPr id="3" name="Picture 2"/>
+          <p:cNvPicPr>
+            <a:picLocks noChangeAspect="1"/>
+          </p:cNvPicPr>
+          <p:nvPr/>
+        </p:nvPicPr>
+        <p:blipFill>
+          <a:blip r:embed="rId3">
+            <a:extLst>
+              <a:ext uri="{28A0092B-C50C-407E-A947-70E740481C1C}">
+                <a14:useLocalDpi xmlns:a14="http://schemas.microsoft.com/office/drawing/2010/main" val="0"/>
+              </a:ext>
+            </a:extLst>
+          </a:blip>
+          <a:stretch>
+            <a:fillRect/>
+          </a:stretch>
+        </p:blipFill>
+        <p:spPr>
+          <a:xfrm>
+            <a:off x="4191000" y="2133600"/>
+            <a:ext cx="5256431" cy="3511296"/>
+          </a:xfrm>
+          <a:prstGeom prst="rect">
+            <a:avLst/>
+          </a:prstGeom>
+        </p:spPr>
+      </p:pic>
     </p:spTree>
     <p:extLst>
       <p:ext uri="{BB962C8B-B14F-4D97-AF65-F5344CB8AC3E}">
-        <p14:creationId xmlns:p14="http://schemas.microsoft.com/office/powerpoint/2010/main" val="3319733076"/>
+        <p14:creationId xmlns:p14="http://schemas.microsoft.com/office/powerpoint/2010/main" val="2254729662"/>
       </p:ext>
     </p:extLst>
   </p:cSld>
   <p:clrMapOvr>
     <a:masterClrMapping/>
   </p:clrMapOvr>
+  <p:timing>
+    <p:tnLst>
+      <p:par>
+        <p:cTn id="1" dur="indefinite" restart="never" nodeType="tmRoot"/>
+      </p:par>
+    </p:tnLst>
+  </p:timing>
 </p:sld>
 </file>
 
@@ -17877,58 +17923,93 @@
             <p:ph type="title"/>
           </p:nvPr>
         </p:nvSpPr>
-        <p:spPr/>
+        <p:spPr>
+          <a:xfrm>
+            <a:off x="1028700" y="685800"/>
+            <a:ext cx="7200900" cy="914400"/>
+          </a:xfrm>
+        </p:spPr>
         <p:txBody>
           <a:bodyPr/>
           <a:lstStyle/>
           <a:p>
             <a:r>
-              <a:rPr lang="en-US" dirty="0" smtClean="0"/>
-              <a:t>Conclusions</a:t>
-            </a:r>
-            <a:endParaRPr lang="en-US" dirty="0"/>
+              <a:rPr lang="en-US" dirty="0"/>
+              <a:t>Results</a:t>
+            </a:r>
           </a:p>
         </p:txBody>
       </p:sp>
       <p:sp>
         <p:nvSpPr>
-          <p:cNvPr id="3" name="Content Placeholder 2"/>
+          <p:cNvPr id="4" name="AutoShape 2" descr="Figure 4"/>
           <p:cNvSpPr>
-            <a:spLocks noGrp="1"/>
+            <a:spLocks noGrp="1" noChangeAspect="1" noChangeArrowheads="1"/>
           </p:cNvSpPr>
           <p:nvPr>
             <p:ph idx="1"/>
           </p:nvPr>
         </p:nvSpPr>
-        <p:spPr/>
+        <p:spPr bwMode="auto">
+          <a:xfrm>
+            <a:off x="1025387" y="1447800"/>
+            <a:ext cx="7200900" cy="914400"/>
+          </a:xfrm>
+          <a:prstGeom prst="rect">
+            <a:avLst/>
+          </a:prstGeom>
+          <a:noFill/>
+          <a:extLst>
+            <a:ext uri="{909E8E84-426E-40DD-AFC4-6F175D3DCCD1}">
+              <a14:hiddenFill xmlns:a14="http://schemas.microsoft.com/office/drawing/2010/main">
+                <a:solidFill>
+                  <a:srgbClr val="FFFFFF"/>
+                </a:solidFill>
+              </a14:hiddenFill>
+            </a:ext>
+          </a:extLst>
+        </p:spPr>
         <p:txBody>
-          <a:bodyPr/>
+          <a:bodyPr vert="horz" wrap="square" lIns="91440" tIns="45720" rIns="91440" bIns="45720" numCol="1" anchor="t" anchorCtr="0" compatLnSpc="1">
+            <a:prstTxWarp prst="textNoShape">
+              <a:avLst/>
+            </a:prstTxWarp>
+            <a:normAutofit fontScale="92500" lnSpcReduction="20000"/>
+          </a:bodyPr>
           <a:lstStyle/>
           <a:p>
             <a:r>
-              <a:rPr lang="en-US" dirty="0" smtClean="0"/>
-              <a:t>It is very important to understand the experimental design and method selection before starting any data analysis.</a:t>
-            </a:r>
-          </a:p>
-          <a:p>
-            <a:r>
-              <a:rPr lang="en-US" dirty="0" smtClean="0"/>
-              <a:t>Documentation should be sufficient enough to allow that any other person can be able to understand the analysis workflow and replicate the pipeline</a:t>
-            </a:r>
-            <a:endParaRPr lang="en-US" dirty="0"/>
+              <a:rPr lang="en-US" dirty="0"/>
+              <a:t>Figure 4:Heatmap clustering of the 570 differentially expressed garden asparagus (</a:t>
+            </a:r>
+            <a:r>
+              <a:rPr lang="en-US" i="1" dirty="0"/>
+              <a:t>Asparagus officinalis</a:t>
+            </a:r>
+            <a:r>
+              <a:rPr lang="en-US" dirty="0"/>
+              <a:t>) genes in all spear tip tissues</a:t>
+            </a:r>
           </a:p>
         </p:txBody>
       </p:sp>
     </p:spTree>
     <p:extLst>
       <p:ext uri="{BB962C8B-B14F-4D97-AF65-F5344CB8AC3E}">
-        <p14:creationId xmlns:p14="http://schemas.microsoft.com/office/powerpoint/2010/main" val="1757100119"/>
+        <p14:creationId xmlns:p14="http://schemas.microsoft.com/office/powerpoint/2010/main" val="897698656"/>
       </p:ext>
     </p:extLst>
   </p:cSld>
   <p:clrMapOvr>
     <a:masterClrMapping/>
   </p:clrMapOvr>
+  <p:timing>
+    <p:tnLst>
+      <p:par>
+        <p:cTn id="1" dur="indefinite" restart="never" nodeType="tmRoot"/>
+      </p:par>
+    </p:tnLst>
+  </p:timing>
 </p:sld>
 </file>
 
@@ -17965,9 +18046,10 @@
           <a:lstStyle/>
           <a:p>
             <a:r>
-              <a:rPr lang="en-US" dirty="0"/>
-              <a:t>Bibliography</a:t>
-            </a:r>
+              <a:rPr lang="en-US" dirty="0" err="1" smtClean="0"/>
+              <a:t>heatmap</a:t>
+            </a:r>
+            <a:endParaRPr lang="en-US" dirty="0"/>
           </a:p>
         </p:txBody>
       </p:sp>
@@ -17986,83 +18068,14 @@
           <a:bodyPr/>
           <a:lstStyle/>
           <a:p>
-            <a:r>
-              <a:rPr lang="en-US" dirty="0"/>
-              <a:t>Deng C-L, Qin R-Y, Wang N-N, Cao Y, Gao J, Gao W-J, Lu L-D. 2012. Karyotype of asparagus by physical mapping of 45S and 5S rDNA by FISH. </a:t>
-            </a:r>
-            <a:r>
-              <a:rPr lang="en-US" i="1" dirty="0"/>
-              <a:t>Journal of Genetics</a:t>
-            </a:r>
-            <a:r>
-              <a:rPr lang="en-US" dirty="0"/>
-              <a:t> </a:t>
-            </a:r>
-            <a:r>
-              <a:rPr lang="en-US" b="1" dirty="0"/>
-              <a:t>91</a:t>
-            </a:r>
-            <a:r>
-              <a:rPr lang="en-US" dirty="0"/>
-              <a:t>: 209–212.</a:t>
-            </a:r>
-          </a:p>
-          <a:p>
-            <a:r>
-              <a:rPr lang="en-US" dirty="0" err="1"/>
-              <a:t>Harkess</a:t>
-            </a:r>
-            <a:r>
-              <a:rPr lang="en-US" dirty="0"/>
-              <a:t>, A., </a:t>
-            </a:r>
-            <a:r>
-              <a:rPr lang="en-US" dirty="0" err="1"/>
-              <a:t>Mercati</a:t>
-            </a:r>
-            <a:r>
-              <a:rPr lang="en-US" dirty="0"/>
-              <a:t>, F., Shan, H.-Y., </a:t>
-            </a:r>
-            <a:r>
-              <a:rPr lang="en-US" dirty="0" err="1"/>
-              <a:t>Sunseri</a:t>
-            </a:r>
-            <a:r>
-              <a:rPr lang="en-US" dirty="0"/>
-              <a:t>, F., </a:t>
-            </a:r>
-            <a:r>
-              <a:rPr lang="en-US" dirty="0" err="1"/>
-              <a:t>Falavigna</a:t>
-            </a:r>
-            <a:r>
-              <a:rPr lang="en-US" dirty="0"/>
-              <a:t>, A. and </a:t>
-            </a:r>
-            <a:r>
-              <a:rPr lang="en-US" dirty="0" err="1"/>
-              <a:t>Leebens</a:t>
-            </a:r>
-            <a:r>
-              <a:rPr lang="en-US" dirty="0"/>
-              <a:t>-Mack, J. (2015), Sex-biased gene expression in dioecious garden asparagus (</a:t>
-            </a:r>
-            <a:r>
-              <a:rPr lang="en-US" i="1" dirty="0"/>
-              <a:t>Asparagus officinalis</a:t>
-            </a:r>
-            <a:r>
-              <a:rPr lang="en-US" dirty="0"/>
-              <a:t>). New Phytol, 207: 883–892. doi:10.1111/nph.13389</a:t>
-            </a:r>
+            <a:endParaRPr lang="en-US"/>
           </a:p>
         </p:txBody>
       </p:sp>
     </p:spTree>
     <p:extLst>
       <p:ext uri="{BB962C8B-B14F-4D97-AF65-F5344CB8AC3E}">
-        <p14:creationId xmlns:p14="http://schemas.microsoft.com/office/powerpoint/2010/main" val="1642219891"/>
+        <p14:creationId xmlns:p14="http://schemas.microsoft.com/office/powerpoint/2010/main" val="3319733076"/>
       </p:ext>
     </p:extLst>
   </p:cSld>
@@ -18091,7 +18104,7 @@
       </p:grpSpPr>
       <p:sp>
         <p:nvSpPr>
-          <p:cNvPr id="4" name="Title 3"/>
+          <p:cNvPr id="2" name="Title 1"/>
           <p:cNvSpPr>
             <a:spLocks noGrp="1"/>
           </p:cNvSpPr>
@@ -18099,31 +18112,192 @@
             <p:ph type="title"/>
           </p:nvPr>
         </p:nvSpPr>
-        <p:spPr>
-          <a:xfrm>
-            <a:off x="457200" y="2819400"/>
-            <a:ext cx="8229600" cy="990600"/>
-          </a:xfrm>
-        </p:spPr>
+        <p:spPr/>
         <p:txBody>
-          <a:bodyPr>
-            <a:noAutofit/>
-          </a:bodyPr>
+          <a:bodyPr/>
           <a:lstStyle/>
           <a:p>
-            <a:pPr algn="ctr"/>
-            <a:r>
-              <a:rPr lang="en-US" sz="6600" dirty="0" smtClean="0"/>
-              <a:t>Questions?</a:t>
-            </a:r>
-            <a:endParaRPr lang="en-US" sz="6600" dirty="0"/>
+            <a:r>
+              <a:rPr lang="en-US" dirty="0" smtClean="0"/>
+              <a:t>Conclusions</a:t>
+            </a:r>
+            <a:endParaRPr lang="en-US" dirty="0"/>
+          </a:p>
+        </p:txBody>
+      </p:sp>
+      <p:sp>
+        <p:nvSpPr>
+          <p:cNvPr id="3" name="Content Placeholder 2"/>
+          <p:cNvSpPr>
+            <a:spLocks noGrp="1"/>
+          </p:cNvSpPr>
+          <p:nvPr>
+            <p:ph idx="1"/>
+          </p:nvPr>
+        </p:nvSpPr>
+        <p:spPr/>
+        <p:txBody>
+          <a:bodyPr/>
+          <a:lstStyle/>
+          <a:p>
+            <a:r>
+              <a:rPr lang="en-US" dirty="0" smtClean="0"/>
+              <a:t>It is very important to understand the experimental design and method selection before starting any data analysis.</a:t>
+            </a:r>
+          </a:p>
+          <a:p>
+            <a:r>
+              <a:rPr lang="en-US" dirty="0" smtClean="0"/>
+              <a:t>Documentation should be sufficient enough to allow that any other person can be able to understand the analysis workflow and replicate the pipeline</a:t>
+            </a:r>
+            <a:endParaRPr lang="en-US" dirty="0"/>
           </a:p>
         </p:txBody>
       </p:sp>
     </p:spTree>
     <p:extLst>
       <p:ext uri="{BB962C8B-B14F-4D97-AF65-F5344CB8AC3E}">
-        <p14:creationId xmlns:p14="http://schemas.microsoft.com/office/powerpoint/2010/main" val="1115857917"/>
+        <p14:creationId xmlns:p14="http://schemas.microsoft.com/office/powerpoint/2010/main" val="1757100119"/>
+      </p:ext>
+    </p:extLst>
+  </p:cSld>
+  <p:clrMapOvr>
+    <a:masterClrMapping/>
+  </p:clrMapOvr>
+</p:sld>
+</file>
+
+<file path=ppt/slides/slide29.xml><?xml version="1.0" encoding="utf-8"?>
+<p:sld xmlns:a="http://schemas.openxmlformats.org/drawingml/2006/main" xmlns:r="http://schemas.openxmlformats.org/officeDocument/2006/relationships" xmlns:p="http://schemas.openxmlformats.org/presentationml/2006/main">
+  <p:cSld>
+    <p:spTree>
+      <p:nvGrpSpPr>
+        <p:cNvPr id="1" name=""/>
+        <p:cNvGrpSpPr/>
+        <p:nvPr/>
+      </p:nvGrpSpPr>
+      <p:grpSpPr>
+        <a:xfrm>
+          <a:off x="0" y="0"/>
+          <a:ext cx="0" cy="0"/>
+          <a:chOff x="0" y="0"/>
+          <a:chExt cx="0" cy="0"/>
+        </a:xfrm>
+      </p:grpSpPr>
+      <p:sp>
+        <p:nvSpPr>
+          <p:cNvPr id="2" name="Title 1"/>
+          <p:cNvSpPr>
+            <a:spLocks noGrp="1"/>
+          </p:cNvSpPr>
+          <p:nvPr>
+            <p:ph type="title"/>
+          </p:nvPr>
+        </p:nvSpPr>
+        <p:spPr/>
+        <p:txBody>
+          <a:bodyPr/>
+          <a:lstStyle/>
+          <a:p>
+            <a:r>
+              <a:rPr lang="en-US" dirty="0"/>
+              <a:t>Bibliography</a:t>
+            </a:r>
+          </a:p>
+        </p:txBody>
+      </p:sp>
+      <p:sp>
+        <p:nvSpPr>
+          <p:cNvPr id="3" name="Content Placeholder 2"/>
+          <p:cNvSpPr>
+            <a:spLocks noGrp="1"/>
+          </p:cNvSpPr>
+          <p:nvPr>
+            <p:ph idx="1"/>
+          </p:nvPr>
+        </p:nvSpPr>
+        <p:spPr/>
+        <p:txBody>
+          <a:bodyPr/>
+          <a:lstStyle/>
+          <a:p>
+            <a:r>
+              <a:rPr lang="en-US" dirty="0"/>
+              <a:t>Deng C-L, Qin R-Y, Wang N-N, Cao Y, Gao J, Gao W-J, Lu L-D. 2012. Karyotype of asparagus by physical mapping of 45S and 5S rDNA by FISH. </a:t>
+            </a:r>
+            <a:r>
+              <a:rPr lang="en-US" i="1" dirty="0"/>
+              <a:t>Journal of Genetics</a:t>
+            </a:r>
+            <a:r>
+              <a:rPr lang="en-US" dirty="0"/>
+              <a:t> </a:t>
+            </a:r>
+            <a:r>
+              <a:rPr lang="en-US" b="1" dirty="0"/>
+              <a:t>91</a:t>
+            </a:r>
+            <a:r>
+              <a:rPr lang="en-US" dirty="0"/>
+              <a:t>: 209–212.</a:t>
+            </a:r>
+          </a:p>
+          <a:p>
+            <a:r>
+              <a:rPr lang="en-US" dirty="0" err="1"/>
+              <a:t>Harkess</a:t>
+            </a:r>
+            <a:r>
+              <a:rPr lang="en-US" dirty="0"/>
+              <a:t>, A., </a:t>
+            </a:r>
+            <a:r>
+              <a:rPr lang="en-US" dirty="0" err="1"/>
+              <a:t>Mercati</a:t>
+            </a:r>
+            <a:r>
+              <a:rPr lang="en-US" dirty="0"/>
+              <a:t>, F., Shan, H.-Y., </a:t>
+            </a:r>
+            <a:r>
+              <a:rPr lang="en-US" dirty="0" err="1"/>
+              <a:t>Sunseri</a:t>
+            </a:r>
+            <a:r>
+              <a:rPr lang="en-US" dirty="0"/>
+              <a:t>, F., </a:t>
+            </a:r>
+            <a:r>
+              <a:rPr lang="en-US" dirty="0" err="1"/>
+              <a:t>Falavigna</a:t>
+            </a:r>
+            <a:r>
+              <a:rPr lang="en-US" dirty="0"/>
+              <a:t>, A. and </a:t>
+            </a:r>
+            <a:r>
+              <a:rPr lang="en-US" dirty="0" err="1"/>
+              <a:t>Leebens</a:t>
+            </a:r>
+            <a:r>
+              <a:rPr lang="en-US" dirty="0"/>
+              <a:t>-Mack, J. (2015), Sex-biased gene expression in dioecious garden asparagus (</a:t>
+            </a:r>
+            <a:r>
+              <a:rPr lang="en-US" i="1" dirty="0"/>
+              <a:t>Asparagus officinalis</a:t>
+            </a:r>
+            <a:r>
+              <a:rPr lang="en-US" dirty="0"/>
+              <a:t>). New Phytol, 207: 883–892. doi:10.1111/nph.13389</a:t>
+            </a:r>
+          </a:p>
+        </p:txBody>
+      </p:sp>
+    </p:spTree>
+    <p:extLst>
+      <p:ext uri="{BB962C8B-B14F-4D97-AF65-F5344CB8AC3E}">
+        <p14:creationId xmlns:p14="http://schemas.microsoft.com/office/powerpoint/2010/main" val="1642219891"/>
       </p:ext>
     </p:extLst>
   </p:cSld>
@@ -18289,6 +18463,67 @@
     <p:extLst>
       <p:ext uri="{BB962C8B-B14F-4D97-AF65-F5344CB8AC3E}">
         <p14:creationId xmlns:p14="http://schemas.microsoft.com/office/powerpoint/2010/main" val="1501002260"/>
+      </p:ext>
+    </p:extLst>
+  </p:cSld>
+  <p:clrMapOvr>
+    <a:masterClrMapping/>
+  </p:clrMapOvr>
+</p:sld>
+</file>
+
+<file path=ppt/slides/slide30.xml><?xml version="1.0" encoding="utf-8"?>
+<p:sld xmlns:a="http://schemas.openxmlformats.org/drawingml/2006/main" xmlns:r="http://schemas.openxmlformats.org/officeDocument/2006/relationships" xmlns:p="http://schemas.openxmlformats.org/presentationml/2006/main">
+  <p:cSld>
+    <p:spTree>
+      <p:nvGrpSpPr>
+        <p:cNvPr id="1" name=""/>
+        <p:cNvGrpSpPr/>
+        <p:nvPr/>
+      </p:nvGrpSpPr>
+      <p:grpSpPr>
+        <a:xfrm>
+          <a:off x="0" y="0"/>
+          <a:ext cx="0" cy="0"/>
+          <a:chOff x="0" y="0"/>
+          <a:chExt cx="0" cy="0"/>
+        </a:xfrm>
+      </p:grpSpPr>
+      <p:sp>
+        <p:nvSpPr>
+          <p:cNvPr id="4" name="Title 3"/>
+          <p:cNvSpPr>
+            <a:spLocks noGrp="1"/>
+          </p:cNvSpPr>
+          <p:nvPr>
+            <p:ph type="title"/>
+          </p:nvPr>
+        </p:nvSpPr>
+        <p:spPr>
+          <a:xfrm>
+            <a:off x="457200" y="2819400"/>
+            <a:ext cx="8229600" cy="990600"/>
+          </a:xfrm>
+        </p:spPr>
+        <p:txBody>
+          <a:bodyPr>
+            <a:noAutofit/>
+          </a:bodyPr>
+          <a:lstStyle/>
+          <a:p>
+            <a:pPr algn="ctr"/>
+            <a:r>
+              <a:rPr lang="en-US" sz="6600" dirty="0" smtClean="0"/>
+              <a:t>Questions?</a:t>
+            </a:r>
+            <a:endParaRPr lang="en-US" sz="6600" dirty="0"/>
+          </a:p>
+        </p:txBody>
+      </p:sp>
+    </p:spTree>
+    <p:extLst>
+      <p:ext uri="{BB962C8B-B14F-4D97-AF65-F5344CB8AC3E}">
+        <p14:creationId xmlns:p14="http://schemas.microsoft.com/office/powerpoint/2010/main" val="1115857917"/>
       </p:ext>
     </p:extLst>
   </p:cSld>

--- a/asparagus.pptx
+++ b/asparagus.pptx
@@ -5,7 +5,7 @@
     <p:sldMasterId id="2147483696" r:id="rId1"/>
   </p:sldMasterIdLst>
   <p:notesMasterIdLst>
-    <p:notesMasterId r:id="rId32"/>
+    <p:notesMasterId r:id="rId30"/>
   </p:notesMasterIdLst>
   <p:sldIdLst>
     <p:sldId id="256" r:id="rId2"/>
@@ -33,11 +33,9 @@
     <p:sldId id="274" r:id="rId24"/>
     <p:sldId id="292" r:id="rId25"/>
     <p:sldId id="293" r:id="rId26"/>
-    <p:sldId id="275" r:id="rId27"/>
-    <p:sldId id="283" r:id="rId28"/>
-    <p:sldId id="276" r:id="rId29"/>
-    <p:sldId id="265" r:id="rId30"/>
-    <p:sldId id="284" r:id="rId31"/>
+    <p:sldId id="276" r:id="rId27"/>
+    <p:sldId id="265" r:id="rId28"/>
+    <p:sldId id="284" r:id="rId29"/>
   </p:sldIdLst>
   <p:sldSz cx="9144000" cy="6858000" type="screen4x3"/>
   <p:notesSz cx="6858000" cy="9144000"/>
@@ -15838,36 +15836,6 @@
           </a:p>
         </p:txBody>
       </p:sp>
-      <p:pic>
-        <p:nvPicPr>
-          <p:cNvPr id="5" name="Picture 4"/>
-          <p:cNvPicPr>
-            <a:picLocks noChangeAspect="1"/>
-          </p:cNvPicPr>
-          <p:nvPr/>
-        </p:nvPicPr>
-        <p:blipFill>
-          <a:blip r:embed="rId2" cstate="print">
-            <a:extLst>
-              <a:ext uri="{28A0092B-C50C-407E-A947-70E740481C1C}">
-                <a14:useLocalDpi xmlns:a14="http://schemas.microsoft.com/office/drawing/2010/main" val="0"/>
-              </a:ext>
-            </a:extLst>
-          </a:blip>
-          <a:stretch>
-            <a:fillRect/>
-          </a:stretch>
-        </p:blipFill>
-        <p:spPr>
-          <a:xfrm>
-            <a:off x="3048000" y="1447800"/>
-            <a:ext cx="6095297" cy="4071928"/>
-          </a:xfrm>
-          <a:prstGeom prst="rect">
-            <a:avLst/>
-          </a:prstGeom>
-        </p:spPr>
-      </p:pic>
       <p:grpSp>
         <p:nvGrpSpPr>
           <p:cNvPr id="13" name="Group 12"/>
@@ -15891,7 +15859,7 @@
             <p:nvPr/>
           </p:nvPicPr>
           <p:blipFill rotWithShape="1">
-            <a:blip r:embed="rId3">
+            <a:blip r:embed="rId2">
               <a:extLst>
                 <a:ext uri="{28A0092B-C50C-407E-A947-70E740481C1C}">
                   <a14:useLocalDpi xmlns:a14="http://schemas.microsoft.com/office/drawing/2010/main" val="0"/>
@@ -15943,7 +15911,7 @@
             <p:nvPr/>
           </p:nvPicPr>
           <p:blipFill rotWithShape="1">
-            <a:blip r:embed="rId3">
+            <a:blip r:embed="rId2">
               <a:extLst>
                 <a:ext uri="{28A0092B-C50C-407E-A947-70E740481C1C}">
                   <a14:useLocalDpi xmlns:a14="http://schemas.microsoft.com/office/drawing/2010/main" val="0"/>
@@ -15987,6 +15955,36 @@
           </p:spPr>
         </p:pic>
       </p:grpSp>
+      <p:pic>
+        <p:nvPicPr>
+          <p:cNvPr id="17" name="Picture 16"/>
+          <p:cNvPicPr>
+            <a:picLocks noChangeAspect="1"/>
+          </p:cNvPicPr>
+          <p:nvPr/>
+        </p:nvPicPr>
+        <p:blipFill>
+          <a:blip r:embed="rId3">
+            <a:extLst>
+              <a:ext uri="{28A0092B-C50C-407E-A947-70E740481C1C}">
+                <a14:useLocalDpi xmlns:a14="http://schemas.microsoft.com/office/drawing/2010/main" val="0"/>
+              </a:ext>
+            </a:extLst>
+          </a:blip>
+          <a:stretch>
+            <a:fillRect/>
+          </a:stretch>
+        </p:blipFill>
+        <p:spPr>
+          <a:xfrm>
+            <a:off x="3018820" y="1828800"/>
+            <a:ext cx="6125180" cy="3582272"/>
+          </a:xfrm>
+          <a:prstGeom prst="rect">
+            <a:avLst/>
+          </a:prstGeom>
+        </p:spPr>
+      </p:pic>
     </p:spTree>
     <p:extLst>
       <p:ext uri="{BB962C8B-B14F-4D97-AF65-F5344CB8AC3E}">
@@ -16695,36 +16693,6 @@
           </a:p>
         </p:txBody>
       </p:sp>
-      <p:pic>
-        <p:nvPicPr>
-          <p:cNvPr id="8" name="Picture 7"/>
-          <p:cNvPicPr>
-            <a:picLocks noChangeAspect="1"/>
-          </p:cNvPicPr>
-          <p:nvPr/>
-        </p:nvPicPr>
-        <p:blipFill>
-          <a:blip r:embed="rId2">
-            <a:extLst>
-              <a:ext uri="{28A0092B-C50C-407E-A947-70E740481C1C}">
-                <a14:useLocalDpi xmlns:a14="http://schemas.microsoft.com/office/drawing/2010/main" val="0"/>
-              </a:ext>
-            </a:extLst>
-          </a:blip>
-          <a:stretch>
-            <a:fillRect/>
-          </a:stretch>
-        </p:blipFill>
-        <p:spPr>
-          <a:xfrm>
-            <a:off x="3505200" y="1752600"/>
-            <a:ext cx="5715000" cy="3817872"/>
-          </a:xfrm>
-          <a:prstGeom prst="rect">
-            <a:avLst/>
-          </a:prstGeom>
-        </p:spPr>
-      </p:pic>
       <p:grpSp>
         <p:nvGrpSpPr>
           <p:cNvPr id="3" name="Group 2"/>
@@ -16748,7 +16716,7 @@
             <p:nvPr/>
           </p:nvPicPr>
           <p:blipFill rotWithShape="1">
-            <a:blip r:embed="rId3">
+            <a:blip r:embed="rId2">
               <a:extLst>
                 <a:ext uri="{28A0092B-C50C-407E-A947-70E740481C1C}">
                   <a14:useLocalDpi xmlns:a14="http://schemas.microsoft.com/office/drawing/2010/main" val="0"/>
@@ -16800,7 +16768,7 @@
             <p:nvPr/>
           </p:nvPicPr>
           <p:blipFill rotWithShape="1">
-            <a:blip r:embed="rId3">
+            <a:blip r:embed="rId2">
               <a:extLst>
                 <a:ext uri="{28A0092B-C50C-407E-A947-70E740481C1C}">
                   <a14:useLocalDpi xmlns:a14="http://schemas.microsoft.com/office/drawing/2010/main" val="0"/>
@@ -16844,6 +16812,36 @@
           </p:spPr>
         </p:pic>
       </p:grpSp>
+      <p:pic>
+        <p:nvPicPr>
+          <p:cNvPr id="4" name="Picture 3"/>
+          <p:cNvPicPr>
+            <a:picLocks noChangeAspect="1"/>
+          </p:cNvPicPr>
+          <p:nvPr/>
+        </p:nvPicPr>
+        <p:blipFill>
+          <a:blip r:embed="rId3">
+            <a:extLst>
+              <a:ext uri="{28A0092B-C50C-407E-A947-70E740481C1C}">
+                <a14:useLocalDpi xmlns:a14="http://schemas.microsoft.com/office/drawing/2010/main" val="0"/>
+              </a:ext>
+            </a:extLst>
+          </a:blip>
+          <a:stretch>
+            <a:fillRect/>
+          </a:stretch>
+        </p:blipFill>
+        <p:spPr>
+          <a:xfrm>
+            <a:off x="3438525" y="2133600"/>
+            <a:ext cx="5781675" cy="3381375"/>
+          </a:xfrm>
+          <a:prstGeom prst="rect">
+            <a:avLst/>
+          </a:prstGeom>
+        </p:spPr>
+      </p:pic>
     </p:spTree>
     <p:extLst>
       <p:ext uri="{BB962C8B-B14F-4D97-AF65-F5344CB8AC3E}">
@@ -16919,36 +16917,6 @@
           </a:p>
         </p:txBody>
       </p:sp>
-      <p:pic>
-        <p:nvPicPr>
-          <p:cNvPr id="9" name="Picture 8"/>
-          <p:cNvPicPr>
-            <a:picLocks noChangeAspect="1"/>
-          </p:cNvPicPr>
-          <p:nvPr/>
-        </p:nvPicPr>
-        <p:blipFill>
-          <a:blip r:embed="rId2">
-            <a:extLst>
-              <a:ext uri="{28A0092B-C50C-407E-A947-70E740481C1C}">
-                <a14:useLocalDpi xmlns:a14="http://schemas.microsoft.com/office/drawing/2010/main" val="0"/>
-              </a:ext>
-            </a:extLst>
-          </a:blip>
-          <a:stretch>
-            <a:fillRect/>
-          </a:stretch>
-        </p:blipFill>
-        <p:spPr>
-          <a:xfrm>
-            <a:off x="3276600" y="2286000"/>
-            <a:ext cx="6019800" cy="4021491"/>
-          </a:xfrm>
-          <a:prstGeom prst="rect">
-            <a:avLst/>
-          </a:prstGeom>
-        </p:spPr>
-      </p:pic>
       <p:grpSp>
         <p:nvGrpSpPr>
           <p:cNvPr id="3" name="Group 2"/>
@@ -16972,7 +16940,7 @@
             <p:nvPr/>
           </p:nvPicPr>
           <p:blipFill rotWithShape="1">
-            <a:blip r:embed="rId3">
+            <a:blip r:embed="rId2">
               <a:extLst>
                 <a:ext uri="{28A0092B-C50C-407E-A947-70E740481C1C}">
                   <a14:useLocalDpi xmlns:a14="http://schemas.microsoft.com/office/drawing/2010/main" val="0"/>
@@ -17024,7 +16992,7 @@
             <p:nvPr/>
           </p:nvPicPr>
           <p:blipFill rotWithShape="1">
-            <a:blip r:embed="rId3">
+            <a:blip r:embed="rId2">
               <a:extLst>
                 <a:ext uri="{28A0092B-C50C-407E-A947-70E740481C1C}">
                   <a14:useLocalDpi xmlns:a14="http://schemas.microsoft.com/office/drawing/2010/main" val="0"/>
@@ -17076,7 +17044,7 @@
             <p:nvPr/>
           </p:nvPicPr>
           <p:blipFill rotWithShape="1">
-            <a:blip r:embed="rId3">
+            <a:blip r:embed="rId2">
               <a:extLst>
                 <a:ext uri="{28A0092B-C50C-407E-A947-70E740481C1C}">
                   <a14:useLocalDpi xmlns:a14="http://schemas.microsoft.com/office/drawing/2010/main" val="0"/>
@@ -17120,6 +17088,36 @@
           </p:spPr>
         </p:pic>
       </p:grpSp>
+      <p:pic>
+        <p:nvPicPr>
+          <p:cNvPr id="4" name="Picture 3"/>
+          <p:cNvPicPr>
+            <a:picLocks noChangeAspect="1"/>
+          </p:cNvPicPr>
+          <p:nvPr/>
+        </p:nvPicPr>
+        <p:blipFill>
+          <a:blip r:embed="rId3">
+            <a:extLst>
+              <a:ext uri="{28A0092B-C50C-407E-A947-70E740481C1C}">
+                <a14:useLocalDpi xmlns:a14="http://schemas.microsoft.com/office/drawing/2010/main" val="0"/>
+              </a:ext>
+            </a:extLst>
+          </a:blip>
+          <a:stretch>
+            <a:fillRect/>
+          </a:stretch>
+        </p:blipFill>
+        <p:spPr>
+          <a:xfrm>
+            <a:off x="3352800" y="2638425"/>
+            <a:ext cx="5781675" cy="3381375"/>
+          </a:xfrm>
+          <a:prstGeom prst="rect">
+            <a:avLst/>
+          </a:prstGeom>
+        </p:spPr>
+      </p:pic>
     </p:spTree>
     <p:extLst>
       <p:ext uri="{BB962C8B-B14F-4D97-AF65-F5344CB8AC3E}">
@@ -17923,93 +17921,99 @@
             <p:ph type="title"/>
           </p:nvPr>
         </p:nvSpPr>
-        <p:spPr>
-          <a:xfrm>
-            <a:off x="1028700" y="685800"/>
-            <a:ext cx="7200900" cy="914400"/>
-          </a:xfrm>
-        </p:spPr>
+        <p:spPr/>
         <p:txBody>
           <a:bodyPr/>
           <a:lstStyle/>
           <a:p>
             <a:r>
-              <a:rPr lang="en-US" dirty="0"/>
-              <a:t>Results</a:t>
-            </a:r>
+              <a:rPr lang="en-US" dirty="0" smtClean="0"/>
+              <a:t>Conclusions</a:t>
+            </a:r>
+            <a:endParaRPr lang="en-US" dirty="0"/>
           </a:p>
         </p:txBody>
       </p:sp>
       <p:sp>
         <p:nvSpPr>
-          <p:cNvPr id="4" name="AutoShape 2" descr="Figure 4"/>
+          <p:cNvPr id="3" name="Content Placeholder 2"/>
           <p:cNvSpPr>
-            <a:spLocks noGrp="1" noChangeAspect="1" noChangeArrowheads="1"/>
+            <a:spLocks noGrp="1"/>
           </p:cNvSpPr>
           <p:nvPr>
             <p:ph idx="1"/>
           </p:nvPr>
         </p:nvSpPr>
-        <p:spPr bwMode="auto">
-          <a:xfrm>
-            <a:off x="1025387" y="1447800"/>
-            <a:ext cx="7200900" cy="914400"/>
-          </a:xfrm>
-          <a:prstGeom prst="rect">
-            <a:avLst/>
-          </a:prstGeom>
-          <a:noFill/>
-          <a:extLst>
-            <a:ext uri="{909E8E84-426E-40DD-AFC4-6F175D3DCCD1}">
-              <a14:hiddenFill xmlns:a14="http://schemas.microsoft.com/office/drawing/2010/main">
-                <a:solidFill>
-                  <a:srgbClr val="FFFFFF"/>
-                </a:solidFill>
-              </a14:hiddenFill>
-            </a:ext>
-          </a:extLst>
-        </p:spPr>
+        <p:spPr/>
         <p:txBody>
-          <a:bodyPr vert="horz" wrap="square" lIns="91440" tIns="45720" rIns="91440" bIns="45720" numCol="1" anchor="t" anchorCtr="0" compatLnSpc="1">
-            <a:prstTxWarp prst="textNoShape">
-              <a:avLst/>
-            </a:prstTxWarp>
-            <a:normAutofit fontScale="92500" lnSpcReduction="20000"/>
-          </a:bodyPr>
+          <a:bodyPr/>
           <a:lstStyle/>
           <a:p>
             <a:r>
-              <a:rPr lang="en-US" dirty="0"/>
-              <a:t>Figure 4:Heatmap clustering of the 570 differentially expressed garden asparagus (</a:t>
-            </a:r>
-            <a:r>
-              <a:rPr lang="en-US" i="1" dirty="0"/>
-              <a:t>Asparagus officinalis</a:t>
-            </a:r>
-            <a:r>
-              <a:rPr lang="en-US" dirty="0"/>
-              <a:t>) genes in all spear tip tissues</a:t>
-            </a:r>
+              <a:rPr lang="en-US" dirty="0" smtClean="0"/>
+              <a:t>Understand the </a:t>
+            </a:r>
+            <a:r>
+              <a:rPr lang="en-US" dirty="0" smtClean="0"/>
+              <a:t>experimental design and </a:t>
+            </a:r>
+            <a:r>
+              <a:rPr lang="en-US" dirty="0" smtClean="0"/>
+              <a:t>methods before </a:t>
+            </a:r>
+            <a:r>
+              <a:rPr lang="en-US" dirty="0" smtClean="0"/>
+              <a:t>starting any data analysis.</a:t>
+            </a:r>
+          </a:p>
+          <a:p>
+            <a:r>
+              <a:rPr lang="en-US" dirty="0" smtClean="0"/>
+              <a:t>Documentation should be sufficient enough to allow that any other person can be able to understand the analysis workflow and replicate the </a:t>
+            </a:r>
+            <a:r>
+              <a:rPr lang="en-US" dirty="0" smtClean="0"/>
+              <a:t>pipeline</a:t>
+            </a:r>
+          </a:p>
+          <a:p>
+            <a:pPr lvl="1"/>
+            <a:r>
+              <a:rPr lang="en-US" dirty="0" smtClean="0"/>
+              <a:t>Include parameters, not just package names!</a:t>
+            </a:r>
+          </a:p>
+          <a:p>
+            <a:pPr lvl="1"/>
+            <a:r>
+              <a:rPr lang="en-US" dirty="0" smtClean="0"/>
+              <a:t>Include intermediate data files, not just raw data</a:t>
+            </a:r>
+          </a:p>
+          <a:p>
+            <a:pPr lvl="1"/>
+            <a:r>
+              <a:rPr lang="en-US" dirty="0" smtClean="0"/>
+              <a:t>Include versions </a:t>
+            </a:r>
+            <a:r>
+              <a:rPr lang="en-US" smtClean="0"/>
+              <a:t>of packages</a:t>
+            </a:r>
+            <a:endParaRPr lang="en-US" dirty="0"/>
           </a:p>
         </p:txBody>
       </p:sp>
     </p:spTree>
     <p:extLst>
       <p:ext uri="{BB962C8B-B14F-4D97-AF65-F5344CB8AC3E}">
-        <p14:creationId xmlns:p14="http://schemas.microsoft.com/office/powerpoint/2010/main" val="897698656"/>
+        <p14:creationId xmlns:p14="http://schemas.microsoft.com/office/powerpoint/2010/main" val="1757100119"/>
       </p:ext>
     </p:extLst>
   </p:cSld>
   <p:clrMapOvr>
     <a:masterClrMapping/>
   </p:clrMapOvr>
-  <p:timing>
-    <p:tnLst>
-      <p:par>
-        <p:cTn id="1" dur="indefinite" restart="never" nodeType="tmRoot"/>
-      </p:par>
-    </p:tnLst>
-  </p:timing>
 </p:sld>
 </file>
 
@@ -18046,10 +18050,9 @@
           <a:lstStyle/>
           <a:p>
             <a:r>
-              <a:rPr lang="en-US" dirty="0" err="1" smtClean="0"/>
-              <a:t>heatmap</a:t>
-            </a:r>
-            <a:endParaRPr lang="en-US" dirty="0"/>
+              <a:rPr lang="en-US" dirty="0"/>
+              <a:t>Bibliography</a:t>
+            </a:r>
           </a:p>
         </p:txBody>
       </p:sp>
@@ -18068,14 +18071,83 @@
           <a:bodyPr/>
           <a:lstStyle/>
           <a:p>
-            <a:endParaRPr lang="en-US"/>
+            <a:r>
+              <a:rPr lang="en-US" dirty="0"/>
+              <a:t>Deng C-L, Qin R-Y, Wang N-N, Cao Y, Gao J, Gao W-J, Lu L-D. 2012. Karyotype of asparagus by physical mapping of 45S and 5S rDNA by FISH. </a:t>
+            </a:r>
+            <a:r>
+              <a:rPr lang="en-US" i="1" dirty="0"/>
+              <a:t>Journal of Genetics</a:t>
+            </a:r>
+            <a:r>
+              <a:rPr lang="en-US" dirty="0"/>
+              <a:t> </a:t>
+            </a:r>
+            <a:r>
+              <a:rPr lang="en-US" b="1" dirty="0"/>
+              <a:t>91</a:t>
+            </a:r>
+            <a:r>
+              <a:rPr lang="en-US" dirty="0"/>
+              <a:t>: 209–212.</a:t>
+            </a:r>
+          </a:p>
+          <a:p>
+            <a:r>
+              <a:rPr lang="en-US" dirty="0" err="1"/>
+              <a:t>Harkess</a:t>
+            </a:r>
+            <a:r>
+              <a:rPr lang="en-US" dirty="0"/>
+              <a:t>, A., </a:t>
+            </a:r>
+            <a:r>
+              <a:rPr lang="en-US" dirty="0" err="1"/>
+              <a:t>Mercati</a:t>
+            </a:r>
+            <a:r>
+              <a:rPr lang="en-US" dirty="0"/>
+              <a:t>, F., Shan, H.-Y., </a:t>
+            </a:r>
+            <a:r>
+              <a:rPr lang="en-US" dirty="0" err="1"/>
+              <a:t>Sunseri</a:t>
+            </a:r>
+            <a:r>
+              <a:rPr lang="en-US" dirty="0"/>
+              <a:t>, F., </a:t>
+            </a:r>
+            <a:r>
+              <a:rPr lang="en-US" dirty="0" err="1"/>
+              <a:t>Falavigna</a:t>
+            </a:r>
+            <a:r>
+              <a:rPr lang="en-US" dirty="0"/>
+              <a:t>, A. and </a:t>
+            </a:r>
+            <a:r>
+              <a:rPr lang="en-US" dirty="0" err="1"/>
+              <a:t>Leebens</a:t>
+            </a:r>
+            <a:r>
+              <a:rPr lang="en-US" dirty="0"/>
+              <a:t>-Mack, J. (2015), Sex-biased gene expression in dioecious garden asparagus (</a:t>
+            </a:r>
+            <a:r>
+              <a:rPr lang="en-US" i="1" dirty="0"/>
+              <a:t>Asparagus officinalis</a:t>
+            </a:r>
+            <a:r>
+              <a:rPr lang="en-US" dirty="0"/>
+              <a:t>). New Phytol, 207: 883–892. doi:10.1111/nph.13389</a:t>
+            </a:r>
           </a:p>
         </p:txBody>
       </p:sp>
     </p:spTree>
     <p:extLst>
       <p:ext uri="{BB962C8B-B14F-4D97-AF65-F5344CB8AC3E}">
-        <p14:creationId xmlns:p14="http://schemas.microsoft.com/office/powerpoint/2010/main" val="3319733076"/>
+        <p14:creationId xmlns:p14="http://schemas.microsoft.com/office/powerpoint/2010/main" val="1642219891"/>
       </p:ext>
     </p:extLst>
   </p:cSld>
@@ -18104,7 +18176,7 @@
       </p:grpSpPr>
       <p:sp>
         <p:nvSpPr>
-          <p:cNvPr id="2" name="Title 1"/>
+          <p:cNvPr id="4" name="Title 3"/>
           <p:cNvSpPr>
             <a:spLocks noGrp="1"/>
           </p:cNvSpPr>
@@ -18112,192 +18184,31 @@
             <p:ph type="title"/>
           </p:nvPr>
         </p:nvSpPr>
-        <p:spPr/>
+        <p:spPr>
+          <a:xfrm>
+            <a:off x="457200" y="2819400"/>
+            <a:ext cx="8229600" cy="990600"/>
+          </a:xfrm>
+        </p:spPr>
         <p:txBody>
-          <a:bodyPr/>
+          <a:bodyPr>
+            <a:noAutofit/>
+          </a:bodyPr>
           <a:lstStyle/>
           <a:p>
-            <a:r>
-              <a:rPr lang="en-US" dirty="0" smtClean="0"/>
-              <a:t>Conclusions</a:t>
-            </a:r>
-            <a:endParaRPr lang="en-US" dirty="0"/>
-          </a:p>
-        </p:txBody>
-      </p:sp>
-      <p:sp>
-        <p:nvSpPr>
-          <p:cNvPr id="3" name="Content Placeholder 2"/>
-          <p:cNvSpPr>
-            <a:spLocks noGrp="1"/>
-          </p:cNvSpPr>
-          <p:nvPr>
-            <p:ph idx="1"/>
-          </p:nvPr>
-        </p:nvSpPr>
-        <p:spPr/>
-        <p:txBody>
-          <a:bodyPr/>
-          <a:lstStyle/>
-          <a:p>
-            <a:r>
-              <a:rPr lang="en-US" dirty="0" smtClean="0"/>
-              <a:t>It is very important to understand the experimental design and method selection before starting any data analysis.</a:t>
-            </a:r>
-          </a:p>
-          <a:p>
-            <a:r>
-              <a:rPr lang="en-US" dirty="0" smtClean="0"/>
-              <a:t>Documentation should be sufficient enough to allow that any other person can be able to understand the analysis workflow and replicate the pipeline</a:t>
-            </a:r>
-            <a:endParaRPr lang="en-US" dirty="0"/>
+            <a:pPr algn="ctr"/>
+            <a:r>
+              <a:rPr lang="en-US" sz="6600" dirty="0" smtClean="0"/>
+              <a:t>Questions?</a:t>
+            </a:r>
+            <a:endParaRPr lang="en-US" sz="6600" dirty="0"/>
           </a:p>
         </p:txBody>
       </p:sp>
     </p:spTree>
     <p:extLst>
       <p:ext uri="{BB962C8B-B14F-4D97-AF65-F5344CB8AC3E}">
-        <p14:creationId xmlns:p14="http://schemas.microsoft.com/office/powerpoint/2010/main" val="1757100119"/>
-      </p:ext>
-    </p:extLst>
-  </p:cSld>
-  <p:clrMapOvr>
-    <a:masterClrMapping/>
-  </p:clrMapOvr>
-</p:sld>
-</file>
-
-<file path=ppt/slides/slide29.xml><?xml version="1.0" encoding="utf-8"?>
-<p:sld xmlns:a="http://schemas.openxmlformats.org/drawingml/2006/main" xmlns:r="http://schemas.openxmlformats.org/officeDocument/2006/relationships" xmlns:p="http://schemas.openxmlformats.org/presentationml/2006/main">
-  <p:cSld>
-    <p:spTree>
-      <p:nvGrpSpPr>
-        <p:cNvPr id="1" name=""/>
-        <p:cNvGrpSpPr/>
-        <p:nvPr/>
-      </p:nvGrpSpPr>
-      <p:grpSpPr>
-        <a:xfrm>
-          <a:off x="0" y="0"/>
-          <a:ext cx="0" cy="0"/>
-          <a:chOff x="0" y="0"/>
-          <a:chExt cx="0" cy="0"/>
-        </a:xfrm>
-      </p:grpSpPr>
-      <p:sp>
-        <p:nvSpPr>
-          <p:cNvPr id="2" name="Title 1"/>
-          <p:cNvSpPr>
-            <a:spLocks noGrp="1"/>
-          </p:cNvSpPr>
-          <p:nvPr>
-            <p:ph type="title"/>
-          </p:nvPr>
-        </p:nvSpPr>
-        <p:spPr/>
-        <p:txBody>
-          <a:bodyPr/>
-          <a:lstStyle/>
-          <a:p>
-            <a:r>
-              <a:rPr lang="en-US" dirty="0"/>
-              <a:t>Bibliography</a:t>
-            </a:r>
-          </a:p>
-        </p:txBody>
-      </p:sp>
-      <p:sp>
-        <p:nvSpPr>
-          <p:cNvPr id="3" name="Content Placeholder 2"/>
-          <p:cNvSpPr>
-            <a:spLocks noGrp="1"/>
-          </p:cNvSpPr>
-          <p:nvPr>
-            <p:ph idx="1"/>
-          </p:nvPr>
-        </p:nvSpPr>
-        <p:spPr/>
-        <p:txBody>
-          <a:bodyPr/>
-          <a:lstStyle/>
-          <a:p>
-            <a:r>
-              <a:rPr lang="en-US" dirty="0"/>
-              <a:t>Deng C-L, Qin R-Y, Wang N-N, Cao Y, Gao J, Gao W-J, Lu L-D. 2012. Karyotype of asparagus by physical mapping of 45S and 5S rDNA by FISH. </a:t>
-            </a:r>
-            <a:r>
-              <a:rPr lang="en-US" i="1" dirty="0"/>
-              <a:t>Journal of Genetics</a:t>
-            </a:r>
-            <a:r>
-              <a:rPr lang="en-US" dirty="0"/>
-              <a:t> </a:t>
-            </a:r>
-            <a:r>
-              <a:rPr lang="en-US" b="1" dirty="0"/>
-              <a:t>91</a:t>
-            </a:r>
-            <a:r>
-              <a:rPr lang="en-US" dirty="0"/>
-              <a:t>: 209–212.</a:t>
-            </a:r>
-          </a:p>
-          <a:p>
-            <a:r>
-              <a:rPr lang="en-US" dirty="0" err="1"/>
-              <a:t>Harkess</a:t>
-            </a:r>
-            <a:r>
-              <a:rPr lang="en-US" dirty="0"/>
-              <a:t>, A., </a:t>
-            </a:r>
-            <a:r>
-              <a:rPr lang="en-US" dirty="0" err="1"/>
-              <a:t>Mercati</a:t>
-            </a:r>
-            <a:r>
-              <a:rPr lang="en-US" dirty="0"/>
-              <a:t>, F., Shan, H.-Y., </a:t>
-            </a:r>
-            <a:r>
-              <a:rPr lang="en-US" dirty="0" err="1"/>
-              <a:t>Sunseri</a:t>
-            </a:r>
-            <a:r>
-              <a:rPr lang="en-US" dirty="0"/>
-              <a:t>, F., </a:t>
-            </a:r>
-            <a:r>
-              <a:rPr lang="en-US" dirty="0" err="1"/>
-              <a:t>Falavigna</a:t>
-            </a:r>
-            <a:r>
-              <a:rPr lang="en-US" dirty="0"/>
-              <a:t>, A. and </a:t>
-            </a:r>
-            <a:r>
-              <a:rPr lang="en-US" dirty="0" err="1"/>
-              <a:t>Leebens</a:t>
-            </a:r>
-            <a:r>
-              <a:rPr lang="en-US" dirty="0"/>
-              <a:t>-Mack, J. (2015), Sex-biased gene expression in dioecious garden asparagus (</a:t>
-            </a:r>
-            <a:r>
-              <a:rPr lang="en-US" i="1" dirty="0"/>
-              <a:t>Asparagus officinalis</a:t>
-            </a:r>
-            <a:r>
-              <a:rPr lang="en-US" dirty="0"/>
-              <a:t>). New Phytol, 207: 883–892. doi:10.1111/nph.13389</a:t>
-            </a:r>
-          </a:p>
-        </p:txBody>
-      </p:sp>
-    </p:spTree>
-    <p:extLst>
-      <p:ext uri="{BB962C8B-B14F-4D97-AF65-F5344CB8AC3E}">
-        <p14:creationId xmlns:p14="http://schemas.microsoft.com/office/powerpoint/2010/main" val="1642219891"/>
+        <p14:creationId xmlns:p14="http://schemas.microsoft.com/office/powerpoint/2010/main" val="1115857917"/>
       </p:ext>
     </p:extLst>
   </p:cSld>
@@ -18463,67 +18374,6 @@
     <p:extLst>
       <p:ext uri="{BB962C8B-B14F-4D97-AF65-F5344CB8AC3E}">
         <p14:creationId xmlns:p14="http://schemas.microsoft.com/office/powerpoint/2010/main" val="1501002260"/>
-      </p:ext>
-    </p:extLst>
-  </p:cSld>
-  <p:clrMapOvr>
-    <a:masterClrMapping/>
-  </p:clrMapOvr>
-</p:sld>
-</file>
-
-<file path=ppt/slides/slide30.xml><?xml version="1.0" encoding="utf-8"?>
-<p:sld xmlns:a="http://schemas.openxmlformats.org/drawingml/2006/main" xmlns:r="http://schemas.openxmlformats.org/officeDocument/2006/relationships" xmlns:p="http://schemas.openxmlformats.org/presentationml/2006/main">
-  <p:cSld>
-    <p:spTree>
-      <p:nvGrpSpPr>
-        <p:cNvPr id="1" name=""/>
-        <p:cNvGrpSpPr/>
-        <p:nvPr/>
-      </p:nvGrpSpPr>
-      <p:grpSpPr>
-        <a:xfrm>
-          <a:off x="0" y="0"/>
-          <a:ext cx="0" cy="0"/>
-          <a:chOff x="0" y="0"/>
-          <a:chExt cx="0" cy="0"/>
-        </a:xfrm>
-      </p:grpSpPr>
-      <p:sp>
-        <p:nvSpPr>
-          <p:cNvPr id="4" name="Title 3"/>
-          <p:cNvSpPr>
-            <a:spLocks noGrp="1"/>
-          </p:cNvSpPr>
-          <p:nvPr>
-            <p:ph type="title"/>
-          </p:nvPr>
-        </p:nvSpPr>
-        <p:spPr>
-          <a:xfrm>
-            <a:off x="457200" y="2819400"/>
-            <a:ext cx="8229600" cy="990600"/>
-          </a:xfrm>
-        </p:spPr>
-        <p:txBody>
-          <a:bodyPr>
-            <a:noAutofit/>
-          </a:bodyPr>
-          <a:lstStyle/>
-          <a:p>
-            <a:pPr algn="ctr"/>
-            <a:r>
-              <a:rPr lang="en-US" sz="6600" dirty="0" smtClean="0"/>
-              <a:t>Questions?</a:t>
-            </a:r>
-            <a:endParaRPr lang="en-US" sz="6600" dirty="0"/>
-          </a:p>
-        </p:txBody>
-      </p:sp>
-    </p:spTree>
-    <p:extLst>
-      <p:ext uri="{BB962C8B-B14F-4D97-AF65-F5344CB8AC3E}">
-        <p14:creationId xmlns:p14="http://schemas.microsoft.com/office/powerpoint/2010/main" val="1115857917"/>
       </p:ext>
     </p:extLst>
   </p:cSld>

--- a/asparagus.pptx
+++ b/asparagus.pptx
@@ -30,11 +30,11 @@
     <p:sldId id="289" r:id="rId21"/>
     <p:sldId id="290" r:id="rId22"/>
     <p:sldId id="291" r:id="rId23"/>
-    <p:sldId id="274" r:id="rId24"/>
-    <p:sldId id="292" r:id="rId25"/>
-    <p:sldId id="293" r:id="rId26"/>
-    <p:sldId id="276" r:id="rId27"/>
-    <p:sldId id="265" r:id="rId28"/>
+    <p:sldId id="294" r:id="rId24"/>
+    <p:sldId id="274" r:id="rId25"/>
+    <p:sldId id="292" r:id="rId26"/>
+    <p:sldId id="293" r:id="rId27"/>
+    <p:sldId id="276" r:id="rId28"/>
     <p:sldId id="284" r:id="rId29"/>
   </p:sldIdLst>
   <p:sldSz cx="9144000" cy="6858000" type="screen4x3"/>
@@ -4494,7 +4494,7 @@
       </dsp:nvSpPr>
       <dsp:spPr>
         <a:xfrm>
-          <a:off x="1607" y="1410101"/>
+          <a:off x="1607" y="1143401"/>
           <a:ext cx="3427660" cy="2056596"/>
         </a:xfrm>
         <a:prstGeom prst="roundRect">
@@ -4561,7 +4561,7 @@
         </a:p>
       </dsp:txBody>
       <dsp:txXfrm>
-        <a:off x="61843" y="1470337"/>
+        <a:off x="61843" y="1203637"/>
         <a:ext cx="3307188" cy="1936124"/>
       </dsp:txXfrm>
     </dsp:sp>
@@ -4572,7 +4572,7 @@
       </dsp:nvSpPr>
       <dsp:spPr>
         <a:xfrm>
-          <a:off x="3772033" y="2013370"/>
+          <a:off x="3772033" y="1746670"/>
           <a:ext cx="726664" cy="850059"/>
         </a:xfrm>
         <a:prstGeom prst="rightArrow">
@@ -4630,7 +4630,7 @@
         </a:p>
       </dsp:txBody>
       <dsp:txXfrm>
-        <a:off x="3772033" y="2183382"/>
+        <a:off x="3772033" y="1916682"/>
         <a:ext cx="508665" cy="510035"/>
       </dsp:txXfrm>
     </dsp:sp>
@@ -4641,7 +4641,7 @@
       </dsp:nvSpPr>
       <dsp:spPr>
         <a:xfrm>
-          <a:off x="4800332" y="1410101"/>
+          <a:off x="4800332" y="1143401"/>
           <a:ext cx="3427660" cy="2056596"/>
         </a:xfrm>
         <a:prstGeom prst="roundRect">
@@ -4708,7 +4708,7 @@
         </a:p>
       </dsp:txBody>
       <dsp:txXfrm>
-        <a:off x="4860568" y="1470337"/>
+        <a:off x="4860568" y="1203637"/>
         <a:ext cx="3307188" cy="1936124"/>
       </dsp:txXfrm>
     </dsp:sp>
@@ -14946,7 +14946,7 @@
         </p:blipFill>
         <p:spPr>
           <a:xfrm>
-            <a:off x="3224151" y="838200"/>
+            <a:off x="3286008" y="838200"/>
             <a:ext cx="5705592" cy="5638799"/>
           </a:xfrm>
           <a:prstGeom prst="rect">
@@ -17590,103 +17590,377 @@
           <a:lstStyle/>
           <a:p>
             <a:r>
-              <a:rPr lang="en-US" dirty="0" smtClean="0"/>
-              <a:t>Figure 4</a:t>
+              <a:rPr lang="en-US" smtClean="0"/>
+              <a:t>Comparison Table</a:t>
             </a:r>
             <a:endParaRPr lang="en-US" dirty="0"/>
           </a:p>
         </p:txBody>
       </p:sp>
+      <p:graphicFrame>
+        <p:nvGraphicFramePr>
+          <p:cNvPr id="9" name="Content Placeholder 8"/>
+          <p:cNvGraphicFramePr>
+            <a:graphicFrameLocks noGrp="1"/>
+          </p:cNvGraphicFramePr>
+          <p:nvPr>
+            <p:ph idx="1"/>
+            <p:extLst>
+              <p:ext uri="{D42A27DB-BD31-4B8C-83A1-F6EECF244321}">
+                <p14:modId xmlns:p14="http://schemas.microsoft.com/office/powerpoint/2010/main" val="1254731173"/>
+              </p:ext>
+            </p:extLst>
+          </p:nvPr>
+        </p:nvGraphicFramePr>
+        <p:xfrm>
+          <a:off x="457200" y="1600200"/>
+          <a:ext cx="8229600" cy="2839720"/>
+        </p:xfrm>
+        <a:graphic>
+          <a:graphicData uri="http://schemas.openxmlformats.org/drawingml/2006/table">
+            <a:tbl>
+              <a:tblPr firstRow="1" bandRow="1">
+                <a:tableStyleId>{5C22544A-7EE6-4342-B048-85BDC9FD1C3A}</a:tableStyleId>
+              </a:tblPr>
+              <a:tblGrid>
+                <a:gridCol w="1645920"/>
+                <a:gridCol w="1645920"/>
+                <a:gridCol w="1645920"/>
+                <a:gridCol w="1645920"/>
+                <a:gridCol w="1645920"/>
+              </a:tblGrid>
+              <a:tr h="370840">
+                <a:tc>
+                  <a:txBody>
+                    <a:bodyPr/>
+                    <a:lstStyle/>
+                    <a:p>
+                      <a:r>
+                        <a:rPr lang="en-US" dirty="0" smtClean="0"/>
+                        <a:t>Comparison</a:t>
+                      </a:r>
+                      <a:endParaRPr lang="en-US" dirty="0"/>
+                    </a:p>
+                  </a:txBody>
+                  <a:tcPr/>
+                </a:tc>
+                <a:tc>
+                  <a:txBody>
+                    <a:bodyPr/>
+                    <a:lstStyle/>
+                    <a:p>
+                      <a:r>
+                        <a:rPr lang="en-US" dirty="0" smtClean="0"/>
+                        <a:t>FM</a:t>
+                      </a:r>
+                      <a:endParaRPr lang="en-US" dirty="0"/>
+                    </a:p>
+                  </a:txBody>
+                  <a:tcPr/>
+                </a:tc>
+                <a:tc>
+                  <a:txBody>
+                    <a:bodyPr/>
+                    <a:lstStyle/>
+                    <a:p>
+                      <a:r>
+                        <a:rPr lang="en-US" dirty="0" err="1" smtClean="0"/>
+                        <a:t>FsupM</a:t>
+                      </a:r>
+                      <a:endParaRPr lang="en-US" dirty="0"/>
+                    </a:p>
+                  </a:txBody>
+                  <a:tcPr/>
+                </a:tc>
+                <a:tc>
+                  <a:txBody>
+                    <a:bodyPr/>
+                    <a:lstStyle/>
+                    <a:p>
+                      <a:r>
+                        <a:rPr lang="en-US" dirty="0" err="1" smtClean="0"/>
+                        <a:t>MsupM</a:t>
+                      </a:r>
+                      <a:endParaRPr lang="en-US" dirty="0"/>
+                    </a:p>
+                  </a:txBody>
+                  <a:tcPr/>
+                </a:tc>
+                <a:tc>
+                  <a:txBody>
+                    <a:bodyPr/>
+                    <a:lstStyle/>
+                    <a:p>
+                      <a:r>
+                        <a:rPr lang="en-US" dirty="0" smtClean="0"/>
+                        <a:t>Total Unique</a:t>
+                      </a:r>
+                      <a:endParaRPr lang="en-US" dirty="0"/>
+                    </a:p>
+                  </a:txBody>
+                  <a:tcPr/>
+                </a:tc>
+              </a:tr>
+              <a:tr h="370840">
+                <a:tc>
+                  <a:txBody>
+                    <a:bodyPr/>
+                    <a:lstStyle/>
+                    <a:p>
+                      <a:r>
+                        <a:rPr lang="en-US" dirty="0" smtClean="0"/>
+                        <a:t>Number of genes in the paper</a:t>
+                      </a:r>
+                      <a:endParaRPr lang="en-US" dirty="0"/>
+                    </a:p>
+                  </a:txBody>
+                  <a:tcPr/>
+                </a:tc>
+                <a:tc>
+                  <a:txBody>
+                    <a:bodyPr/>
+                    <a:lstStyle/>
+                    <a:p>
+                      <a:r>
+                        <a:rPr lang="en-US" dirty="0" smtClean="0"/>
+                        <a:t>271</a:t>
+                      </a:r>
+                      <a:endParaRPr lang="en-US" dirty="0"/>
+                    </a:p>
+                  </a:txBody>
+                  <a:tcPr/>
+                </a:tc>
+                <a:tc>
+                  <a:txBody>
+                    <a:bodyPr/>
+                    <a:lstStyle/>
+                    <a:p>
+                      <a:r>
+                        <a:rPr lang="en-US" dirty="0" smtClean="0"/>
+                        <a:t>483</a:t>
+                      </a:r>
+                      <a:endParaRPr lang="en-US" dirty="0"/>
+                    </a:p>
+                  </a:txBody>
+                  <a:tcPr/>
+                </a:tc>
+                <a:tc>
+                  <a:txBody>
+                    <a:bodyPr/>
+                    <a:lstStyle/>
+                    <a:p>
+                      <a:r>
+                        <a:rPr lang="en-US" dirty="0" smtClean="0"/>
+                        <a:t>35</a:t>
+                      </a:r>
+                      <a:endParaRPr lang="en-US" dirty="0"/>
+                    </a:p>
+                  </a:txBody>
+                  <a:tcPr/>
+                </a:tc>
+                <a:tc>
+                  <a:txBody>
+                    <a:bodyPr/>
+                    <a:lstStyle/>
+                    <a:p>
+                      <a:r>
+                        <a:rPr lang="en-US" dirty="0" smtClean="0"/>
+                        <a:t>570</a:t>
+                      </a:r>
+                      <a:endParaRPr lang="en-US" dirty="0"/>
+                    </a:p>
+                  </a:txBody>
+                  <a:tcPr/>
+                </a:tc>
+              </a:tr>
+              <a:tr h="370840">
+                <a:tc>
+                  <a:txBody>
+                    <a:bodyPr/>
+                    <a:lstStyle/>
+                    <a:p>
+                      <a:r>
+                        <a:rPr lang="en-US" dirty="0" smtClean="0"/>
+                        <a:t>Number of genes in our analysis</a:t>
+                      </a:r>
+                      <a:endParaRPr lang="en-US" dirty="0"/>
+                    </a:p>
+                  </a:txBody>
+                  <a:tcPr/>
+                </a:tc>
+                <a:tc>
+                  <a:txBody>
+                    <a:bodyPr/>
+                    <a:lstStyle/>
+                    <a:p>
+                      <a:r>
+                        <a:rPr lang="en-US" dirty="0" smtClean="0"/>
+                        <a:t>221</a:t>
+                      </a:r>
+                      <a:endParaRPr lang="en-US" dirty="0"/>
+                    </a:p>
+                  </a:txBody>
+                  <a:tcPr/>
+                </a:tc>
+                <a:tc>
+                  <a:txBody>
+                    <a:bodyPr/>
+                    <a:lstStyle/>
+                    <a:p>
+                      <a:r>
+                        <a:rPr lang="en-US" dirty="0" smtClean="0"/>
+                        <a:t>406*</a:t>
+                      </a:r>
+                      <a:endParaRPr lang="en-US" dirty="0"/>
+                    </a:p>
+                  </a:txBody>
+                  <a:tcPr/>
+                </a:tc>
+                <a:tc>
+                  <a:txBody>
+                    <a:bodyPr/>
+                    <a:lstStyle/>
+                    <a:p>
+                      <a:r>
+                        <a:rPr lang="en-US" dirty="0" smtClean="0"/>
+                        <a:t>29*</a:t>
+                      </a:r>
+                      <a:endParaRPr lang="en-US" dirty="0"/>
+                    </a:p>
+                  </a:txBody>
+                  <a:tcPr/>
+                </a:tc>
+                <a:tc>
+                  <a:txBody>
+                    <a:bodyPr/>
+                    <a:lstStyle/>
+                    <a:p>
+                      <a:r>
+                        <a:rPr lang="en-US" dirty="0" smtClean="0"/>
+                        <a:t>480*</a:t>
+                      </a:r>
+                      <a:endParaRPr lang="en-US" dirty="0"/>
+                    </a:p>
+                  </a:txBody>
+                  <a:tcPr/>
+                </a:tc>
+              </a:tr>
+              <a:tr h="370840">
+                <a:tc>
+                  <a:txBody>
+                    <a:bodyPr/>
+                    <a:lstStyle/>
+                    <a:p>
+                      <a:r>
+                        <a:rPr lang="en-US" dirty="0" smtClean="0"/>
+                        <a:t>Number Matching</a:t>
+                      </a:r>
+                      <a:endParaRPr lang="en-US" dirty="0"/>
+                    </a:p>
+                  </a:txBody>
+                  <a:tcPr/>
+                </a:tc>
+                <a:tc>
+                  <a:txBody>
+                    <a:bodyPr/>
+                    <a:lstStyle/>
+                    <a:p>
+                      <a:r>
+                        <a:rPr lang="en-US" dirty="0" smtClean="0"/>
+                        <a:t>220</a:t>
+                      </a:r>
+                      <a:endParaRPr lang="en-US" dirty="0"/>
+                    </a:p>
+                  </a:txBody>
+                  <a:tcPr/>
+                </a:tc>
+                <a:tc>
+                  <a:txBody>
+                    <a:bodyPr/>
+                    <a:lstStyle/>
+                    <a:p>
+                      <a:r>
+                        <a:rPr lang="en-US" dirty="0" smtClean="0"/>
+                        <a:t>402*</a:t>
+                      </a:r>
+                      <a:endParaRPr lang="en-US" dirty="0"/>
+                    </a:p>
+                  </a:txBody>
+                  <a:tcPr/>
+                </a:tc>
+                <a:tc>
+                  <a:txBody>
+                    <a:bodyPr/>
+                    <a:lstStyle/>
+                    <a:p>
+                      <a:r>
+                        <a:rPr lang="en-US" dirty="0" smtClean="0"/>
+                        <a:t>29*</a:t>
+                      </a:r>
+                      <a:endParaRPr lang="en-US" dirty="0"/>
+                    </a:p>
+                  </a:txBody>
+                  <a:tcPr/>
+                </a:tc>
+                <a:tc>
+                  <a:txBody>
+                    <a:bodyPr/>
+                    <a:lstStyle/>
+                    <a:p>
+                      <a:r>
+                        <a:rPr lang="en-US" dirty="0" smtClean="0"/>
+                        <a:t>475*</a:t>
+                      </a:r>
+                      <a:endParaRPr lang="en-US" dirty="0"/>
+                    </a:p>
+                  </a:txBody>
+                  <a:tcPr/>
+                </a:tc>
+              </a:tr>
+            </a:tbl>
+          </a:graphicData>
+        </a:graphic>
+      </p:graphicFrame>
       <p:sp>
         <p:nvSpPr>
-          <p:cNvPr id="4" name="Content Placeholder 3"/>
-          <p:cNvSpPr>
-            <a:spLocks noGrp="1"/>
-          </p:cNvSpPr>
-          <p:nvPr>
-            <p:ph idx="1"/>
-          </p:nvPr>
+          <p:cNvPr id="10" name="TextBox 9"/>
+          <p:cNvSpPr txBox="1"/>
+          <p:nvPr/>
         </p:nvSpPr>
         <p:spPr>
           <a:xfrm>
-            <a:off x="457200" y="1295400"/>
-            <a:ext cx="8229600" cy="1295400"/>
-          </a:xfrm>
-        </p:spPr>
-        <p:txBody>
-          <a:bodyPr>
-            <a:normAutofit/>
-          </a:bodyPr>
-          <a:lstStyle/>
-          <a:p>
-            <a:pPr marL="0" indent="0">
-              <a:buNone/>
-            </a:pPr>
-            <a:r>
-              <a:rPr lang="en-US" dirty="0" err="1" smtClean="0"/>
-              <a:t>Heatmap</a:t>
-            </a:r>
-            <a:r>
-              <a:rPr lang="en-US" dirty="0" smtClean="0"/>
-              <a:t> </a:t>
-            </a:r>
-            <a:r>
-              <a:rPr lang="en-US" dirty="0"/>
-              <a:t>clustering of the 570 differentially expressed garden asparagus (</a:t>
-            </a:r>
-            <a:r>
-              <a:rPr lang="en-US" i="1" dirty="0"/>
-              <a:t>Asparagus officinalis</a:t>
-            </a:r>
-            <a:r>
-              <a:rPr lang="en-US" dirty="0"/>
-              <a:t>) genes in all spear tip tissues</a:t>
-            </a:r>
-            <a:endParaRPr lang="en-US" dirty="0"/>
-          </a:p>
-        </p:txBody>
-      </p:sp>
-      <p:pic>
-        <p:nvPicPr>
-          <p:cNvPr id="7" name="Picture 6"/>
-          <p:cNvPicPr>
-            <a:picLocks noChangeAspect="1"/>
-          </p:cNvPicPr>
-          <p:nvPr/>
-        </p:nvPicPr>
-        <p:blipFill>
-          <a:blip r:embed="rId2"/>
-          <a:stretch>
-            <a:fillRect/>
-          </a:stretch>
-        </p:blipFill>
-        <p:spPr>
-          <a:xfrm>
-            <a:off x="1752600" y="2546907"/>
-            <a:ext cx="5562600" cy="4082493"/>
+            <a:off x="533400" y="4953000"/>
+            <a:ext cx="8229600" cy="707886"/>
           </a:xfrm>
           <a:prstGeom prst="rect">
             <a:avLst/>
           </a:prstGeom>
+          <a:noFill/>
         </p:spPr>
-      </p:pic>
+        <p:txBody>
+          <a:bodyPr wrap="square" rtlCol="0">
+            <a:spAutoFit/>
+          </a:bodyPr>
+          <a:lstStyle/>
+          <a:p>
+            <a:r>
+              <a:rPr lang="en-US" sz="2000" dirty="0" smtClean="0"/>
+              <a:t>* Repeating the same script on different machines resulted in slightly different numbers</a:t>
+            </a:r>
+            <a:endParaRPr lang="en-US" sz="2000" dirty="0"/>
+          </a:p>
+        </p:txBody>
+      </p:sp>
     </p:spTree>
     <p:extLst>
       <p:ext uri="{BB962C8B-B14F-4D97-AF65-F5344CB8AC3E}">
-        <p14:creationId xmlns:p14="http://schemas.microsoft.com/office/powerpoint/2010/main" val="3252347790"/>
+        <p14:creationId xmlns:p14="http://schemas.microsoft.com/office/powerpoint/2010/main" val="4098338522"/>
       </p:ext>
     </p:extLst>
   </p:cSld>
   <p:clrMapOvr>
     <a:masterClrMapping/>
   </p:clrMapOvr>
-  <p:timing>
-    <p:tnLst>
-      <p:par>
-        <p:cTn id="1" dur="indefinite" restart="never" nodeType="tmRoot"/>
-      </p:par>
-    </p:tnLst>
-  </p:timing>
 </p:sld>
 </file>
 
@@ -17730,6 +18004,136 @@
           </a:p>
         </p:txBody>
       </p:sp>
+      <p:sp>
+        <p:nvSpPr>
+          <p:cNvPr id="4" name="Content Placeholder 3"/>
+          <p:cNvSpPr>
+            <a:spLocks noGrp="1"/>
+          </p:cNvSpPr>
+          <p:nvPr>
+            <p:ph idx="1"/>
+          </p:nvPr>
+        </p:nvSpPr>
+        <p:spPr>
+          <a:xfrm>
+            <a:off x="457200" y="1295400"/>
+            <a:ext cx="8229600" cy="4876800"/>
+          </a:xfrm>
+        </p:spPr>
+        <p:txBody>
+          <a:bodyPr>
+            <a:normAutofit lnSpcReduction="10000"/>
+          </a:bodyPr>
+          <a:lstStyle/>
+          <a:p>
+            <a:pPr marL="0" indent="0">
+              <a:buNone/>
+            </a:pPr>
+            <a:r>
+              <a:rPr lang="en-US" dirty="0" err="1" smtClean="0"/>
+              <a:t>Heatmap</a:t>
+            </a:r>
+            <a:r>
+              <a:rPr lang="en-US" dirty="0" smtClean="0"/>
+              <a:t> </a:t>
+            </a:r>
+            <a:r>
+              <a:rPr lang="en-US" dirty="0"/>
+              <a:t>clustering of the 570 differentially expressed garden asparagus (</a:t>
+            </a:r>
+            <a:r>
+              <a:rPr lang="en-US" i="1" dirty="0"/>
+              <a:t>Asparagus officinalis</a:t>
+            </a:r>
+            <a:r>
+              <a:rPr lang="en-US" dirty="0"/>
+              <a:t>) genes in all spear tip </a:t>
+            </a:r>
+            <a:r>
+              <a:rPr lang="en-US" dirty="0" smtClean="0"/>
+              <a:t>tissues</a:t>
+            </a:r>
+          </a:p>
+          <a:p>
+            <a:pPr marL="0" indent="0">
+              <a:buNone/>
+            </a:pPr>
+            <a:endParaRPr lang="en-US" dirty="0"/>
+          </a:p>
+          <a:p>
+            <a:pPr marL="0" indent="0">
+              <a:buNone/>
+            </a:pPr>
+            <a:r>
+              <a:rPr lang="en-US" dirty="0" smtClean="0"/>
+              <a:t>Don’t mention what was used as the reference level</a:t>
+            </a:r>
+          </a:p>
+          <a:p>
+            <a:pPr marL="0" indent="0">
+              <a:buNone/>
+            </a:pPr>
+            <a:r>
+              <a:rPr lang="en-US" dirty="0" smtClean="0"/>
+              <a:t>Used FPKM values, not TMM normalized counts</a:t>
+            </a:r>
+          </a:p>
+          <a:p>
+            <a:pPr marL="0" indent="0">
+              <a:buNone/>
+            </a:pPr>
+            <a:endParaRPr lang="en-US" dirty="0"/>
+          </a:p>
+          <a:p>
+            <a:pPr marL="0" indent="0">
+              <a:buNone/>
+            </a:pPr>
+            <a:r>
+              <a:rPr lang="en-US" dirty="0" smtClean="0"/>
+              <a:t>Can just talk about my </a:t>
+            </a:r>
+            <a:r>
+              <a:rPr lang="en-US" dirty="0" err="1" smtClean="0"/>
+              <a:t>heatmap</a:t>
+            </a:r>
+            <a:r>
+              <a:rPr lang="en-US" dirty="0" smtClean="0"/>
+              <a:t>, not necessarily make a comparison</a:t>
+            </a:r>
+          </a:p>
+          <a:p>
+            <a:pPr marL="0" indent="0">
+              <a:buNone/>
+            </a:pPr>
+            <a:endParaRPr lang="en-US" dirty="0"/>
+          </a:p>
+          <a:p>
+            <a:pPr marL="0" indent="0">
+              <a:buNone/>
+            </a:pPr>
+            <a:r>
+              <a:rPr lang="en-US" dirty="0" smtClean="0"/>
+              <a:t>Discrepancy between </a:t>
+            </a:r>
+            <a:r>
+              <a:rPr lang="en-US" dirty="0" err="1" smtClean="0"/>
+              <a:t>heatmap</a:t>
+            </a:r>
+            <a:r>
+              <a:rPr lang="en-US" dirty="0" smtClean="0"/>
+              <a:t> in paper and </a:t>
+            </a:r>
+            <a:r>
+              <a:rPr lang="en-US" dirty="0" err="1" smtClean="0"/>
+              <a:t>heatmap</a:t>
+            </a:r>
+            <a:r>
+              <a:rPr lang="en-US" dirty="0" smtClean="0"/>
+              <a:t> in tutorial that used the same data</a:t>
+            </a:r>
+          </a:p>
+        </p:txBody>
+      </p:sp>
       <p:pic>
         <p:nvPicPr>
           <p:cNvPr id="7" name="Picture 6"/>
@@ -17746,7 +18150,7 @@
         </p:blipFill>
         <p:spPr>
           <a:xfrm>
-            <a:off x="228600" y="1883053"/>
+            <a:off x="7444525" y="381000"/>
             <a:ext cx="5562600" cy="4082493"/>
           </a:xfrm>
           <a:prstGeom prst="rect">
@@ -17757,7 +18161,7 @@
     </p:spTree>
     <p:extLst>
       <p:ext uri="{BB962C8B-B14F-4D97-AF65-F5344CB8AC3E}">
-        <p14:creationId xmlns:p14="http://schemas.microsoft.com/office/powerpoint/2010/main" val="3596753797"/>
+        <p14:creationId xmlns:p14="http://schemas.microsoft.com/office/powerpoint/2010/main" val="3252347790"/>
       </p:ext>
     </p:extLst>
   </p:cSld>
@@ -17816,28 +18220,22 @@
       </p:sp>
       <p:pic>
         <p:nvPicPr>
-          <p:cNvPr id="4" name="Picture 3"/>
+          <p:cNvPr id="7" name="Picture 6"/>
           <p:cNvPicPr>
             <a:picLocks noChangeAspect="1"/>
           </p:cNvPicPr>
           <p:nvPr/>
         </p:nvPicPr>
         <p:blipFill>
-          <a:blip r:embed="rId2">
-            <a:extLst>
-              <a:ext uri="{28A0092B-C50C-407E-A947-70E740481C1C}">
-                <a14:useLocalDpi xmlns:a14="http://schemas.microsoft.com/office/drawing/2010/main" val="0"/>
-              </a:ext>
-            </a:extLst>
-          </a:blip>
+          <a:blip r:embed="rId2"/>
           <a:stretch>
             <a:fillRect/>
           </a:stretch>
         </p:blipFill>
         <p:spPr>
           <a:xfrm>
-            <a:off x="-1832810" y="1752600"/>
-            <a:ext cx="6054934" cy="4044696"/>
+            <a:off x="228600" y="1883053"/>
+            <a:ext cx="5562600" cy="4082493"/>
           </a:xfrm>
           <a:prstGeom prst="rect">
             <a:avLst/>
@@ -17846,7 +18244,7 @@
       </p:pic>
       <p:pic>
         <p:nvPicPr>
-          <p:cNvPr id="3" name="Picture 2"/>
+          <p:cNvPr id="8" name="Picture 7"/>
           <p:cNvPicPr>
             <a:picLocks noChangeAspect="1"/>
           </p:cNvPicPr>
@@ -17866,7 +18264,7 @@
         </p:blipFill>
         <p:spPr>
           <a:xfrm>
-            <a:off x="4191000" y="2133600"/>
+            <a:off x="5795493" y="2286000"/>
             <a:ext cx="5256431" cy="3511296"/>
           </a:xfrm>
           <a:prstGeom prst="rect">
@@ -17877,7 +18275,7 @@
     </p:spTree>
     <p:extLst>
       <p:ext uri="{BB962C8B-B14F-4D97-AF65-F5344CB8AC3E}">
-        <p14:creationId xmlns:p14="http://schemas.microsoft.com/office/powerpoint/2010/main" val="2254729662"/>
+        <p14:creationId xmlns:p14="http://schemas.microsoft.com/office/powerpoint/2010/main" val="3596753797"/>
       </p:ext>
     </p:extLst>
   </p:cSld>
@@ -17928,92 +18326,59 @@
           <a:p>
             <a:r>
               <a:rPr lang="en-US" dirty="0" smtClean="0"/>
-              <a:t>Conclusions</a:t>
+              <a:t>Figure 4</a:t>
             </a:r>
             <a:endParaRPr lang="en-US" dirty="0"/>
           </a:p>
         </p:txBody>
       </p:sp>
-      <p:sp>
-        <p:nvSpPr>
-          <p:cNvPr id="3" name="Content Placeholder 2"/>
-          <p:cNvSpPr>
-            <a:spLocks noGrp="1"/>
-          </p:cNvSpPr>
-          <p:nvPr>
-            <p:ph idx="1"/>
-          </p:nvPr>
-        </p:nvSpPr>
-        <p:spPr/>
-        <p:txBody>
-          <a:bodyPr/>
-          <a:lstStyle/>
-          <a:p>
-            <a:r>
-              <a:rPr lang="en-US" dirty="0" smtClean="0"/>
-              <a:t>Understand the </a:t>
-            </a:r>
-            <a:r>
-              <a:rPr lang="en-US" dirty="0" smtClean="0"/>
-              <a:t>experimental design and </a:t>
-            </a:r>
-            <a:r>
-              <a:rPr lang="en-US" dirty="0" smtClean="0"/>
-              <a:t>methods before </a:t>
-            </a:r>
-            <a:r>
-              <a:rPr lang="en-US" dirty="0" smtClean="0"/>
-              <a:t>starting any data analysis.</a:t>
-            </a:r>
-          </a:p>
-          <a:p>
-            <a:r>
-              <a:rPr lang="en-US" dirty="0" smtClean="0"/>
-              <a:t>Documentation should be sufficient enough to allow that any other person can be able to understand the analysis workflow and replicate the </a:t>
-            </a:r>
-            <a:r>
-              <a:rPr lang="en-US" dirty="0" smtClean="0"/>
-              <a:t>pipeline</a:t>
-            </a:r>
-          </a:p>
-          <a:p>
-            <a:pPr lvl="1"/>
-            <a:r>
-              <a:rPr lang="en-US" dirty="0" smtClean="0"/>
-              <a:t>Include parameters, not just package names!</a:t>
-            </a:r>
-          </a:p>
-          <a:p>
-            <a:pPr lvl="1"/>
-            <a:r>
-              <a:rPr lang="en-US" dirty="0" smtClean="0"/>
-              <a:t>Include intermediate data files, not just raw data</a:t>
-            </a:r>
-          </a:p>
-          <a:p>
-            <a:pPr lvl="1"/>
-            <a:r>
-              <a:rPr lang="en-US" dirty="0" smtClean="0"/>
-              <a:t>Include versions </a:t>
-            </a:r>
-            <a:r>
-              <a:rPr lang="en-US" smtClean="0"/>
-              <a:t>of packages</a:t>
-            </a:r>
-            <a:endParaRPr lang="en-US" dirty="0"/>
-          </a:p>
-        </p:txBody>
-      </p:sp>
+      <p:pic>
+        <p:nvPicPr>
+          <p:cNvPr id="4" name="Picture 3"/>
+          <p:cNvPicPr>
+            <a:picLocks noChangeAspect="1"/>
+          </p:cNvPicPr>
+          <p:nvPr/>
+        </p:nvPicPr>
+        <p:blipFill>
+          <a:blip r:embed="rId2">
+            <a:extLst>
+              <a:ext uri="{28A0092B-C50C-407E-A947-70E740481C1C}">
+                <a14:useLocalDpi xmlns:a14="http://schemas.microsoft.com/office/drawing/2010/main" val="0"/>
+              </a:ext>
+            </a:extLst>
+          </a:blip>
+          <a:stretch>
+            <a:fillRect/>
+          </a:stretch>
+        </p:blipFill>
+        <p:spPr>
+          <a:xfrm>
+            <a:off x="-1832810" y="1752600"/>
+            <a:ext cx="6054934" cy="4044696"/>
+          </a:xfrm>
+          <a:prstGeom prst="rect">
+            <a:avLst/>
+          </a:prstGeom>
+        </p:spPr>
+      </p:pic>
     </p:spTree>
     <p:extLst>
       <p:ext uri="{BB962C8B-B14F-4D97-AF65-F5344CB8AC3E}">
-        <p14:creationId xmlns:p14="http://schemas.microsoft.com/office/powerpoint/2010/main" val="1757100119"/>
+        <p14:creationId xmlns:p14="http://schemas.microsoft.com/office/powerpoint/2010/main" val="2254729662"/>
       </p:ext>
     </p:extLst>
   </p:cSld>
   <p:clrMapOvr>
     <a:masterClrMapping/>
   </p:clrMapOvr>
+  <p:timing>
+    <p:tnLst>
+      <p:par>
+        <p:cTn id="1" dur="indefinite" restart="never" nodeType="tmRoot"/>
+      </p:par>
+    </p:tnLst>
+  </p:timing>
 </p:sld>
 </file>
 
@@ -18050,9 +18415,10 @@
           <a:lstStyle/>
           <a:p>
             <a:r>
-              <a:rPr lang="en-US" dirty="0"/>
-              <a:t>Bibliography</a:t>
-            </a:r>
+              <a:rPr lang="en-US" dirty="0" smtClean="0"/>
+              <a:t>Conclusions</a:t>
+            </a:r>
+            <a:endParaRPr lang="en-US" dirty="0"/>
           </a:p>
         </p:txBody>
       </p:sp>
@@ -18072,82 +18438,60 @@
           <a:lstStyle/>
           <a:p>
             <a:r>
-              <a:rPr lang="en-US" dirty="0"/>
-              <a:t>Deng C-L, Qin R-Y, Wang N-N, Cao Y, Gao J, Gao W-J, Lu L-D. 2012. Karyotype of asparagus by physical mapping of 45S and 5S rDNA by FISH. </a:t>
-            </a:r>
-            <a:r>
-              <a:rPr lang="en-US" i="1" dirty="0"/>
-              <a:t>Journal of Genetics</a:t>
-            </a:r>
-            <a:r>
-              <a:rPr lang="en-US" dirty="0"/>
-              <a:t> </a:t>
-            </a:r>
-            <a:r>
-              <a:rPr lang="en-US" b="1" dirty="0"/>
-              <a:t>91</a:t>
-            </a:r>
-            <a:r>
-              <a:rPr lang="en-US" dirty="0"/>
-              <a:t>: 209–212.</a:t>
-            </a:r>
-          </a:p>
-          <a:p>
-            <a:r>
-              <a:rPr lang="en-US" dirty="0" err="1"/>
-              <a:t>Harkess</a:t>
-            </a:r>
-            <a:r>
-              <a:rPr lang="en-US" dirty="0"/>
-              <a:t>, A., </a:t>
-            </a:r>
-            <a:r>
-              <a:rPr lang="en-US" dirty="0" err="1"/>
-              <a:t>Mercati</a:t>
-            </a:r>
-            <a:r>
-              <a:rPr lang="en-US" dirty="0"/>
-              <a:t>, F., Shan, H.-Y., </a:t>
-            </a:r>
-            <a:r>
-              <a:rPr lang="en-US" dirty="0" err="1"/>
-              <a:t>Sunseri</a:t>
-            </a:r>
-            <a:r>
-              <a:rPr lang="en-US" dirty="0"/>
-              <a:t>, F., </a:t>
-            </a:r>
-            <a:r>
-              <a:rPr lang="en-US" dirty="0" err="1"/>
-              <a:t>Falavigna</a:t>
-            </a:r>
-            <a:r>
-              <a:rPr lang="en-US" dirty="0"/>
-              <a:t>, A. and </a:t>
-            </a:r>
-            <a:r>
-              <a:rPr lang="en-US" dirty="0" err="1"/>
-              <a:t>Leebens</a:t>
-            </a:r>
-            <a:r>
-              <a:rPr lang="en-US" dirty="0"/>
-              <a:t>-Mack, J. (2015), Sex-biased gene expression in dioecious garden asparagus (</a:t>
-            </a:r>
-            <a:r>
-              <a:rPr lang="en-US" i="1" dirty="0"/>
-              <a:t>Asparagus officinalis</a:t>
-            </a:r>
-            <a:r>
-              <a:rPr lang="en-US" dirty="0"/>
-              <a:t>). New Phytol, 207: 883–892. doi:10.1111/nph.13389</a:t>
-            </a:r>
+              <a:rPr lang="en-US" dirty="0" smtClean="0"/>
+              <a:t>Understand the </a:t>
+            </a:r>
+            <a:r>
+              <a:rPr lang="en-US" dirty="0" smtClean="0"/>
+              <a:t>experimental design and </a:t>
+            </a:r>
+            <a:r>
+              <a:rPr lang="en-US" dirty="0" smtClean="0"/>
+              <a:t>methods before </a:t>
+            </a:r>
+            <a:r>
+              <a:rPr lang="en-US" dirty="0" smtClean="0"/>
+              <a:t>starting any data analysis.</a:t>
+            </a:r>
+          </a:p>
+          <a:p>
+            <a:r>
+              <a:rPr lang="en-US" dirty="0" smtClean="0"/>
+              <a:t>Documentation should be sufficient enough to allow that any other person can be able to understand the analysis workflow and replicate the </a:t>
+            </a:r>
+            <a:r>
+              <a:rPr lang="en-US" dirty="0" smtClean="0"/>
+              <a:t>pipeline</a:t>
+            </a:r>
+          </a:p>
+          <a:p>
+            <a:pPr lvl="1"/>
+            <a:r>
+              <a:rPr lang="en-US" dirty="0" smtClean="0"/>
+              <a:t>Include parameters, not just package names!</a:t>
+            </a:r>
+          </a:p>
+          <a:p>
+            <a:pPr lvl="1"/>
+            <a:r>
+              <a:rPr lang="en-US" dirty="0" smtClean="0"/>
+              <a:t>Include intermediate data files, not just raw data</a:t>
+            </a:r>
+          </a:p>
+          <a:p>
+            <a:pPr lvl="1"/>
+            <a:r>
+              <a:rPr lang="en-US" dirty="0" smtClean="0"/>
+              <a:t>Include versions of packages</a:t>
+            </a:r>
+            <a:endParaRPr lang="en-US" dirty="0"/>
           </a:p>
         </p:txBody>
       </p:sp>
     </p:spTree>
     <p:extLst>
       <p:ext uri="{BB962C8B-B14F-4D97-AF65-F5344CB8AC3E}">
-        <p14:creationId xmlns:p14="http://schemas.microsoft.com/office/powerpoint/2010/main" val="1642219891"/>
+        <p14:creationId xmlns:p14="http://schemas.microsoft.com/office/powerpoint/2010/main" val="1757100119"/>
       </p:ext>
     </p:extLst>
   </p:cSld>
@@ -18985,12 +19329,19 @@
         </p:nvSpPr>
         <p:spPr>
           <a:xfrm>
-            <a:off x="1981200" y="5078567"/>
-            <a:ext cx="2218877" cy="646331"/>
+            <a:off x="1752600" y="5078567"/>
+            <a:ext cx="2447477" cy="646331"/>
           </a:xfrm>
           <a:prstGeom prst="rect">
             <a:avLst/>
           </a:prstGeom>
+          <a:ln>
+            <a:solidFill>
+              <a:schemeClr val="bg1">
+                <a:lumMod val="65000"/>
+              </a:schemeClr>
+            </a:solidFill>
+          </a:ln>
         </p:spPr>
         <p:style>
           <a:lnRef idx="2">
@@ -19007,17 +19358,19 @@
           </a:fontRef>
         </p:style>
         <p:txBody>
-          <a:bodyPr wrap="none" rtlCol="0">
+          <a:bodyPr wrap="square" rtlCol="0">
             <a:spAutoFit/>
           </a:bodyPr>
           <a:lstStyle/>
           <a:p>
+            <a:pPr algn="ctr"/>
             <a:r>
               <a:rPr lang="en-US" dirty="0" smtClean="0"/>
               <a:t>Experimental design:</a:t>
             </a:r>
           </a:p>
           <a:p>
+            <a:pPr algn="ctr"/>
             <a:r>
               <a:rPr lang="en-US" dirty="0" smtClean="0"/>
               <a:t>4 lines, 3 sexes</a:t>
@@ -19131,14 +19484,14 @@
             <p:ph idx="1"/>
             <p:extLst>
               <p:ext uri="{D42A27DB-BD31-4B8C-83A1-F6EECF244321}">
-                <p14:modId xmlns:p14="http://schemas.microsoft.com/office/powerpoint/2010/main" val="1297284272"/>
+                <p14:modId xmlns:p14="http://schemas.microsoft.com/office/powerpoint/2010/main" val="459022139"/>
               </p:ext>
             </p:extLst>
           </p:nvPr>
         </p:nvGraphicFramePr>
         <p:xfrm>
-          <a:off x="457200" y="1600200"/>
-          <a:ext cx="8229600" cy="4876800"/>
+          <a:off x="457200" y="1676400"/>
+          <a:ext cx="8229600" cy="4343400"/>
         </p:xfrm>
         <a:graphic>
           <a:graphicData uri="http://schemas.openxmlformats.org/drawingml/2006/diagram">

--- a/asparagus.pptx
+++ b/asparagus.pptx
@@ -14,8 +14,8 @@
     <p:sldId id="260" r:id="rId5"/>
     <p:sldId id="259" r:id="rId6"/>
     <p:sldId id="278" r:id="rId7"/>
-    <p:sldId id="262" r:id="rId8"/>
-    <p:sldId id="263" r:id="rId9"/>
+    <p:sldId id="263" r:id="rId8"/>
+    <p:sldId id="262" r:id="rId9"/>
     <p:sldId id="271" r:id="rId10"/>
     <p:sldId id="280" r:id="rId11"/>
     <p:sldId id="266" r:id="rId12"/>
@@ -15035,6 +15035,36 @@
           </a:xfrm>
         </p:spPr>
       </p:pic>
+      <p:sp>
+        <p:nvSpPr>
+          <p:cNvPr id="5" name="TextBox 4"/>
+          <p:cNvSpPr txBox="1"/>
+          <p:nvPr/>
+        </p:nvSpPr>
+        <p:spPr>
+          <a:xfrm>
+            <a:off x="1143000" y="1981200"/>
+            <a:ext cx="2362200" cy="646331"/>
+          </a:xfrm>
+          <a:prstGeom prst="rect">
+            <a:avLst/>
+          </a:prstGeom>
+          <a:noFill/>
+        </p:spPr>
+        <p:txBody>
+          <a:bodyPr wrap="square" rtlCol="0">
+            <a:spAutoFit/>
+          </a:bodyPr>
+          <a:lstStyle/>
+          <a:p>
+            <a:r>
+              <a:rPr lang="en-US" dirty="0" smtClean="0"/>
+              <a:t>Add in methods like on slide 11</a:t>
+            </a:r>
+            <a:endParaRPr lang="en-US" dirty="0"/>
+          </a:p>
+        </p:txBody>
+      </p:sp>
     </p:spTree>
     <p:extLst>
       <p:ext uri="{BB962C8B-B14F-4D97-AF65-F5344CB8AC3E}">
@@ -19265,8 +19295,12 @@
           <a:lstStyle/>
           <a:p>
             <a:r>
+              <a:rPr lang="es-ES" dirty="0" err="1" smtClean="0"/>
+              <a:t>Paper</a:t>
+            </a:r>
+            <a:r>
               <a:rPr lang="es-ES" dirty="0" smtClean="0"/>
-              <a:t>Methods</a:t>
+              <a:t> Methods</a:t>
             </a:r>
             <a:endParaRPr lang="en-US" dirty="0"/>
           </a:p>
@@ -19469,40 +19503,231 @@
           <a:p>
             <a:r>
               <a:rPr lang="en-US" dirty="0"/>
-              <a:t>Workflow</a:t>
+              <a:t>Overview of documentation</a:t>
             </a:r>
           </a:p>
         </p:txBody>
       </p:sp>
-      <p:graphicFrame>
-        <p:nvGraphicFramePr>
-          <p:cNvPr id="4" name="Content Placeholder 3"/>
-          <p:cNvGraphicFramePr>
-            <a:graphicFrameLocks noGrp="1"/>
-          </p:cNvGraphicFramePr>
+      <p:sp>
+        <p:nvSpPr>
+          <p:cNvPr id="3" name="Content Placeholder 2"/>
+          <p:cNvSpPr>
+            <a:spLocks noGrp="1"/>
+          </p:cNvSpPr>
           <p:nvPr>
             <p:ph idx="1"/>
-            <p:extLst>
-              <p:ext uri="{D42A27DB-BD31-4B8C-83A1-F6EECF244321}">
-                <p14:modId xmlns:p14="http://schemas.microsoft.com/office/powerpoint/2010/main" val="459022139"/>
-              </p:ext>
-            </p:extLst>
           </p:nvPr>
-        </p:nvGraphicFramePr>
-        <p:xfrm>
-          <a:off x="457200" y="1676400"/>
-          <a:ext cx="8229600" cy="4343400"/>
-        </p:xfrm>
-        <a:graphic>
-          <a:graphicData uri="http://schemas.openxmlformats.org/drawingml/2006/diagram">
-            <dgm:relIds xmlns:dgm="http://schemas.openxmlformats.org/drawingml/2006/diagram" xmlns:r="http://schemas.openxmlformats.org/officeDocument/2006/relationships" r:dm="rId2" r:lo="rId3" r:qs="rId4" r:cs="rId5"/>
-          </a:graphicData>
-        </a:graphic>
-      </p:graphicFrame>
+        </p:nvSpPr>
+        <p:spPr/>
+        <p:txBody>
+          <a:bodyPr>
+            <a:normAutofit fontScale="92500" lnSpcReduction="10000"/>
+          </a:bodyPr>
+          <a:lstStyle/>
+          <a:p>
+            <a:r>
+              <a:rPr lang="es-ES" dirty="0" err="1" smtClean="0"/>
+              <a:t>Overall</a:t>
+            </a:r>
+            <a:r>
+              <a:rPr lang="es-ES" dirty="0" smtClean="0"/>
+              <a:t> </a:t>
+            </a:r>
+            <a:r>
+              <a:rPr lang="es-ES" dirty="0" smtClean="0"/>
+              <a:t>README.md </a:t>
+            </a:r>
+            <a:r>
+              <a:rPr lang="es-ES" dirty="0" smtClean="0"/>
+              <a:t>file</a:t>
+            </a:r>
+            <a:endParaRPr lang="es-ES" dirty="0" smtClean="0"/>
+          </a:p>
+          <a:p>
+            <a:r>
+              <a:rPr lang="en-US" dirty="0"/>
+              <a:t>Paper, Supplementary tables from </a:t>
+            </a:r>
+            <a:r>
+              <a:rPr lang="en-US" dirty="0" smtClean="0"/>
+              <a:t>paper</a:t>
+            </a:r>
+          </a:p>
+          <a:p>
+            <a:r>
+              <a:rPr lang="es-ES" dirty="0" err="1" smtClean="0"/>
+              <a:t>Presentation</a:t>
+            </a:r>
+            <a:endParaRPr lang="es-ES" dirty="0" smtClean="0"/>
+          </a:p>
+          <a:p>
+            <a:r>
+              <a:rPr lang="es-ES" dirty="0" err="1" smtClean="0"/>
+              <a:t>Trimming</a:t>
+            </a:r>
+            <a:r>
+              <a:rPr lang="es-ES" dirty="0" smtClean="0"/>
+              <a:t> </a:t>
+            </a:r>
+            <a:r>
+              <a:rPr lang="es-ES" dirty="0" err="1" smtClean="0"/>
+              <a:t>analysis</a:t>
+            </a:r>
+            <a:r>
+              <a:rPr lang="es-ES" dirty="0" smtClean="0"/>
+              <a:t> folder</a:t>
+            </a:r>
+          </a:p>
+          <a:p>
+            <a:pPr lvl="1"/>
+            <a:r>
+              <a:rPr lang="es-ES" dirty="0" smtClean="0"/>
+              <a:t>README.md </a:t>
+            </a:r>
+            <a:r>
+              <a:rPr lang="es-ES" dirty="0" smtClean="0"/>
+              <a:t>file </a:t>
+            </a:r>
+            <a:r>
+              <a:rPr lang="es-ES" dirty="0" err="1" smtClean="0"/>
+              <a:t>with</a:t>
+            </a:r>
+            <a:r>
+              <a:rPr lang="es-ES" dirty="0" smtClean="0"/>
+              <a:t> the </a:t>
+            </a:r>
+            <a:r>
+              <a:rPr lang="es-ES" dirty="0" smtClean="0"/>
+              <a:t>script</a:t>
+            </a:r>
+          </a:p>
+          <a:p>
+            <a:pPr lvl="1"/>
+            <a:r>
+              <a:rPr lang="es-ES" dirty="0"/>
+              <a:t>O</a:t>
+            </a:r>
+            <a:r>
+              <a:rPr lang="es-ES" dirty="0" smtClean="0"/>
+              <a:t>utput </a:t>
+            </a:r>
+            <a:r>
+              <a:rPr lang="es-ES" dirty="0" smtClean="0"/>
+              <a:t>files</a:t>
+            </a:r>
+            <a:endParaRPr lang="en-US" dirty="0"/>
+          </a:p>
+          <a:p>
+            <a:r>
+              <a:rPr lang="en-US" dirty="0" err="1" smtClean="0"/>
+              <a:t>Alignment_counting</a:t>
+            </a:r>
+            <a:r>
+              <a:rPr lang="en-US" dirty="0" smtClean="0"/>
+              <a:t> folder</a:t>
+            </a:r>
+          </a:p>
+          <a:p>
+            <a:pPr lvl="1"/>
+            <a:r>
+              <a:rPr lang="en-US" dirty="0" smtClean="0"/>
+              <a:t>README.md </a:t>
+            </a:r>
+            <a:r>
+              <a:rPr lang="en-US" dirty="0" smtClean="0"/>
+              <a:t>file with the script </a:t>
+            </a:r>
+            <a:endParaRPr lang="en-US" dirty="0" smtClean="0"/>
+          </a:p>
+          <a:p>
+            <a:pPr lvl="1"/>
+            <a:r>
+              <a:rPr lang="en-US" dirty="0"/>
+              <a:t>O</a:t>
+            </a:r>
+            <a:r>
+              <a:rPr lang="en-US" dirty="0" smtClean="0"/>
+              <a:t>utput </a:t>
+            </a:r>
+            <a:r>
+              <a:rPr lang="en-US" dirty="0" smtClean="0"/>
+              <a:t>counting </a:t>
+            </a:r>
+            <a:r>
+              <a:rPr lang="en-US" dirty="0" smtClean="0"/>
+              <a:t>files</a:t>
+            </a:r>
+          </a:p>
+          <a:p>
+            <a:pPr lvl="1"/>
+            <a:r>
+              <a:rPr lang="en-US" dirty="0"/>
+              <a:t>S</a:t>
+            </a:r>
+            <a:r>
+              <a:rPr lang="en-US" dirty="0" smtClean="0"/>
+              <a:t>ummaries </a:t>
+            </a:r>
+            <a:r>
+              <a:rPr lang="en-US" dirty="0" smtClean="0"/>
+              <a:t>of the RSEM statistical models  </a:t>
+            </a:r>
+          </a:p>
+          <a:p>
+            <a:r>
+              <a:rPr lang="en-US" dirty="0" smtClean="0"/>
+              <a:t>Expression </a:t>
+            </a:r>
+            <a:r>
+              <a:rPr lang="en-US" dirty="0" smtClean="0"/>
+              <a:t>analysis folder</a:t>
+            </a:r>
+          </a:p>
+          <a:p>
+            <a:pPr lvl="1"/>
+            <a:r>
+              <a:rPr lang="en-US" dirty="0" smtClean="0"/>
+              <a:t>README </a:t>
+            </a:r>
+            <a:r>
+              <a:rPr lang="en-US" dirty="0" smtClean="0"/>
+              <a:t>file with the description of the notebooks for each </a:t>
+            </a:r>
+            <a:r>
+              <a:rPr lang="en-US" dirty="0" smtClean="0"/>
+              <a:t>figure</a:t>
+            </a:r>
+          </a:p>
+          <a:p>
+            <a:pPr lvl="1"/>
+            <a:r>
+              <a:rPr lang="en-US" dirty="0"/>
+              <a:t>I</a:t>
+            </a:r>
+            <a:r>
+              <a:rPr lang="en-US" dirty="0" smtClean="0"/>
+              <a:t>nput </a:t>
+            </a:r>
+            <a:r>
+              <a:rPr lang="en-US" dirty="0" smtClean="0"/>
+              <a:t>files </a:t>
+            </a:r>
+            <a:endParaRPr lang="en-US" dirty="0" smtClean="0"/>
+          </a:p>
+          <a:p>
+            <a:pPr lvl="1"/>
+            <a:r>
+              <a:rPr lang="en-US" dirty="0" smtClean="0"/>
+              <a:t>README files for figures</a:t>
+            </a:r>
+            <a:endParaRPr lang="en-US" dirty="0"/>
+          </a:p>
+        </p:txBody>
+      </p:sp>
     </p:spTree>
     <p:extLst>
       <p:ext uri="{BB962C8B-B14F-4D97-AF65-F5344CB8AC3E}">
-        <p14:creationId xmlns:p14="http://schemas.microsoft.com/office/powerpoint/2010/main" val="2670884619"/>
+        <p14:creationId xmlns:p14="http://schemas.microsoft.com/office/powerpoint/2010/main" val="2038048837"/>
       </p:ext>
     </p:extLst>
   </p:cSld>
@@ -19552,228 +19777,42 @@
           <a:lstStyle/>
           <a:p>
             <a:r>
-              <a:rPr lang="en-US" dirty="0"/>
-              <a:t>Overview of documentation</a:t>
-            </a:r>
+              <a:rPr lang="en-US" dirty="0" smtClean="0"/>
+              <a:t>Our Workflow</a:t>
+            </a:r>
+            <a:endParaRPr lang="en-US" dirty="0"/>
           </a:p>
         </p:txBody>
       </p:sp>
-      <p:sp>
-        <p:nvSpPr>
-          <p:cNvPr id="3" name="Content Placeholder 2"/>
-          <p:cNvSpPr>
-            <a:spLocks noGrp="1"/>
-          </p:cNvSpPr>
+      <p:graphicFrame>
+        <p:nvGraphicFramePr>
+          <p:cNvPr id="4" name="Content Placeholder 3"/>
+          <p:cNvGraphicFramePr>
+            <a:graphicFrameLocks noGrp="1"/>
+          </p:cNvGraphicFramePr>
           <p:nvPr>
             <p:ph idx="1"/>
+            <p:extLst>
+              <p:ext uri="{D42A27DB-BD31-4B8C-83A1-F6EECF244321}">
+                <p14:modId xmlns:p14="http://schemas.microsoft.com/office/powerpoint/2010/main" val="459022139"/>
+              </p:ext>
+            </p:extLst>
           </p:nvPr>
-        </p:nvSpPr>
-        <p:spPr/>
-        <p:txBody>
-          <a:bodyPr>
-            <a:normAutofit fontScale="92500" lnSpcReduction="10000"/>
-          </a:bodyPr>
-          <a:lstStyle/>
-          <a:p>
-            <a:r>
-              <a:rPr lang="es-ES" dirty="0" err="1" smtClean="0"/>
-              <a:t>Overall</a:t>
-            </a:r>
-            <a:r>
-              <a:rPr lang="es-ES" dirty="0" smtClean="0"/>
-              <a:t> </a:t>
-            </a:r>
-            <a:r>
-              <a:rPr lang="es-ES" dirty="0" smtClean="0"/>
-              <a:t>README.md </a:t>
-            </a:r>
-            <a:r>
-              <a:rPr lang="es-ES" dirty="0" smtClean="0"/>
-              <a:t>file</a:t>
-            </a:r>
-            <a:endParaRPr lang="es-ES" dirty="0" smtClean="0"/>
-          </a:p>
-          <a:p>
-            <a:r>
-              <a:rPr lang="en-US" dirty="0"/>
-              <a:t>Paper, Supplementary tables from </a:t>
-            </a:r>
-            <a:r>
-              <a:rPr lang="en-US" dirty="0" smtClean="0"/>
-              <a:t>paper</a:t>
-            </a:r>
-          </a:p>
-          <a:p>
-            <a:r>
-              <a:rPr lang="es-ES" dirty="0" err="1" smtClean="0"/>
-              <a:t>Presentation</a:t>
-            </a:r>
-            <a:endParaRPr lang="es-ES" dirty="0" smtClean="0"/>
-          </a:p>
-          <a:p>
-            <a:r>
-              <a:rPr lang="es-ES" dirty="0" smtClean="0"/>
-              <a:t>FASTQC </a:t>
-            </a:r>
-            <a:r>
-              <a:rPr lang="es-ES" dirty="0" err="1" smtClean="0"/>
-              <a:t>analysis</a:t>
-            </a:r>
-            <a:r>
-              <a:rPr lang="es-ES" dirty="0" smtClean="0"/>
-              <a:t> folder</a:t>
-            </a:r>
-          </a:p>
-          <a:p>
-            <a:pPr lvl="1"/>
-            <a:r>
-              <a:rPr lang="es-ES" dirty="0" smtClean="0"/>
-              <a:t>README.md </a:t>
-            </a:r>
-            <a:r>
-              <a:rPr lang="es-ES" dirty="0" smtClean="0"/>
-              <a:t>file </a:t>
-            </a:r>
-            <a:r>
-              <a:rPr lang="es-ES" dirty="0" err="1" smtClean="0"/>
-              <a:t>with</a:t>
-            </a:r>
-            <a:r>
-              <a:rPr lang="es-ES" dirty="0" smtClean="0"/>
-              <a:t> the </a:t>
-            </a:r>
-            <a:r>
-              <a:rPr lang="es-ES" dirty="0" smtClean="0"/>
-              <a:t>script</a:t>
-            </a:r>
-          </a:p>
-          <a:p>
-            <a:pPr lvl="1"/>
-            <a:r>
-              <a:rPr lang="es-ES" dirty="0"/>
-              <a:t>O</a:t>
-            </a:r>
-            <a:r>
-              <a:rPr lang="es-ES" dirty="0" smtClean="0"/>
-              <a:t>utput </a:t>
-            </a:r>
-            <a:r>
-              <a:rPr lang="es-ES" dirty="0" smtClean="0"/>
-              <a:t>files</a:t>
-            </a:r>
-            <a:endParaRPr lang="en-US" dirty="0"/>
-          </a:p>
-          <a:p>
-            <a:r>
-              <a:rPr lang="en-US" dirty="0" err="1" smtClean="0"/>
-              <a:t>Alignment_counting</a:t>
-            </a:r>
-            <a:r>
-              <a:rPr lang="en-US" dirty="0" smtClean="0"/>
-              <a:t> folder</a:t>
-            </a:r>
-          </a:p>
-          <a:p>
-            <a:pPr lvl="1"/>
-            <a:r>
-              <a:rPr lang="en-US" dirty="0" smtClean="0"/>
-              <a:t>README.md </a:t>
-            </a:r>
-            <a:r>
-              <a:rPr lang="en-US" dirty="0" smtClean="0"/>
-              <a:t>file with the script </a:t>
-            </a:r>
-            <a:endParaRPr lang="en-US" dirty="0" smtClean="0"/>
-          </a:p>
-          <a:p>
-            <a:pPr lvl="1"/>
-            <a:r>
-              <a:rPr lang="en-US" dirty="0"/>
-              <a:t>O</a:t>
-            </a:r>
-            <a:r>
-              <a:rPr lang="en-US" dirty="0" smtClean="0"/>
-              <a:t>utput </a:t>
-            </a:r>
-            <a:r>
-              <a:rPr lang="en-US" dirty="0" smtClean="0"/>
-              <a:t>counting </a:t>
-            </a:r>
-            <a:r>
-              <a:rPr lang="en-US" dirty="0" smtClean="0"/>
-              <a:t>files</a:t>
-            </a:r>
-          </a:p>
-          <a:p>
-            <a:pPr lvl="1"/>
-            <a:r>
-              <a:rPr lang="en-US" dirty="0"/>
-              <a:t>S</a:t>
-            </a:r>
-            <a:r>
-              <a:rPr lang="en-US" dirty="0" smtClean="0"/>
-              <a:t>ummaries </a:t>
-            </a:r>
-            <a:r>
-              <a:rPr lang="en-US" dirty="0" smtClean="0"/>
-              <a:t>of the RSEM statistical models  </a:t>
-            </a:r>
-          </a:p>
-          <a:p>
-            <a:r>
-              <a:rPr lang="en-US" dirty="0" smtClean="0"/>
-              <a:t>Expression </a:t>
-            </a:r>
-            <a:r>
-              <a:rPr lang="en-US" dirty="0" smtClean="0"/>
-              <a:t>analysis folder</a:t>
-            </a:r>
-          </a:p>
-          <a:p>
-            <a:pPr lvl="1"/>
-            <a:r>
-              <a:rPr lang="en-US" dirty="0" smtClean="0"/>
-              <a:t>README </a:t>
-            </a:r>
-            <a:r>
-              <a:rPr lang="en-US" dirty="0" smtClean="0"/>
-              <a:t>file with the description of the notebooks for each </a:t>
-            </a:r>
-            <a:r>
-              <a:rPr lang="en-US" dirty="0" smtClean="0"/>
-              <a:t>figure</a:t>
-            </a:r>
-          </a:p>
-          <a:p>
-            <a:pPr lvl="1"/>
-            <a:r>
-              <a:rPr lang="en-US" dirty="0"/>
-              <a:t>I</a:t>
-            </a:r>
-            <a:r>
-              <a:rPr lang="en-US" dirty="0" smtClean="0"/>
-              <a:t>nput </a:t>
-            </a:r>
-            <a:r>
-              <a:rPr lang="en-US" dirty="0" smtClean="0"/>
-              <a:t>files </a:t>
-            </a:r>
-            <a:endParaRPr lang="en-US" dirty="0" smtClean="0"/>
-          </a:p>
-          <a:p>
-            <a:pPr lvl="1"/>
-            <a:r>
-              <a:rPr lang="en-US" dirty="0" smtClean="0"/>
-              <a:t>README files for figures</a:t>
-            </a:r>
-            <a:endParaRPr lang="en-US" dirty="0"/>
-          </a:p>
-        </p:txBody>
-      </p:sp>
+        </p:nvGraphicFramePr>
+        <p:xfrm>
+          <a:off x="457200" y="1676400"/>
+          <a:ext cx="8229600" cy="4343400"/>
+        </p:xfrm>
+        <a:graphic>
+          <a:graphicData uri="http://schemas.openxmlformats.org/drawingml/2006/diagram">
+            <dgm:relIds xmlns:dgm="http://schemas.openxmlformats.org/drawingml/2006/diagram" xmlns:r="http://schemas.openxmlformats.org/officeDocument/2006/relationships" r:dm="rId2" r:lo="rId3" r:qs="rId4" r:cs="rId5"/>
+          </a:graphicData>
+        </a:graphic>
+      </p:graphicFrame>
     </p:spTree>
     <p:extLst>
       <p:ext uri="{BB962C8B-B14F-4D97-AF65-F5344CB8AC3E}">
-        <p14:creationId xmlns:p14="http://schemas.microsoft.com/office/powerpoint/2010/main" val="2038048837"/>
+        <p14:creationId xmlns:p14="http://schemas.microsoft.com/office/powerpoint/2010/main" val="2670884619"/>
       </p:ext>
     </p:extLst>
   </p:cSld>

--- a/asparagus.pptx
+++ b/asparagus.pptx
@@ -136,7 +136,7 @@
   </p:defaultTextStyle>
   <p:extLst>
     <p:ext uri="{EFAFB233-063F-42B5-8137-9DF3F51BA10A}">
-      <p15:sldGuideLst xmlns:p15="http://schemas.microsoft.com/office/powerpoint/2012/main" xmlns="">
+      <p15:sldGuideLst xmlns:p15="http://schemas.microsoft.com/office/powerpoint/2012/main">
         <p15:guide id="1" orient="horz" pos="2160">
           <p15:clr>
             <a:srgbClr val="A4A3A4"/>
@@ -2522,6 +2522,753 @@
 </dgm:colorsDef>
 </file>
 
+<file path=ppt/diagrams/colors4.xml><?xml version="1.0" encoding="utf-8"?>
+<dgm:colorsDef xmlns:dgm="http://schemas.openxmlformats.org/drawingml/2006/diagram" xmlns:a="http://schemas.openxmlformats.org/drawingml/2006/main" uniqueId="urn:microsoft.com/office/officeart/2005/8/colors/accent1_2">
+  <dgm:title val=""/>
+  <dgm:desc val=""/>
+  <dgm:catLst>
+    <dgm:cat type="accent1" pri="11200"/>
+  </dgm:catLst>
+  <dgm:styleLbl name="node0">
+    <dgm:fillClrLst meth="repeat">
+      <a:schemeClr val="accent1"/>
+    </dgm:fillClrLst>
+    <dgm:linClrLst meth="repeat">
+      <a:schemeClr val="lt1"/>
+    </dgm:linClrLst>
+    <dgm:effectClrLst/>
+    <dgm:txLinClrLst/>
+    <dgm:txFillClrLst/>
+    <dgm:txEffectClrLst/>
+  </dgm:styleLbl>
+  <dgm:styleLbl name="alignNode1">
+    <dgm:fillClrLst meth="repeat">
+      <a:schemeClr val="accent1"/>
+    </dgm:fillClrLst>
+    <dgm:linClrLst meth="repeat">
+      <a:schemeClr val="accent1"/>
+    </dgm:linClrLst>
+    <dgm:effectClrLst/>
+    <dgm:txLinClrLst/>
+    <dgm:txFillClrLst/>
+    <dgm:txEffectClrLst/>
+  </dgm:styleLbl>
+  <dgm:styleLbl name="node1">
+    <dgm:fillClrLst meth="repeat">
+      <a:schemeClr val="accent1"/>
+    </dgm:fillClrLst>
+    <dgm:linClrLst meth="repeat">
+      <a:schemeClr val="lt1"/>
+    </dgm:linClrLst>
+    <dgm:effectClrLst/>
+    <dgm:txLinClrLst/>
+    <dgm:txFillClrLst/>
+    <dgm:txEffectClrLst/>
+  </dgm:styleLbl>
+  <dgm:styleLbl name="lnNode1">
+    <dgm:fillClrLst meth="repeat">
+      <a:schemeClr val="accent1"/>
+    </dgm:fillClrLst>
+    <dgm:linClrLst meth="repeat">
+      <a:schemeClr val="lt1"/>
+    </dgm:linClrLst>
+    <dgm:effectClrLst/>
+    <dgm:txLinClrLst/>
+    <dgm:txFillClrLst/>
+    <dgm:txEffectClrLst/>
+  </dgm:styleLbl>
+  <dgm:styleLbl name="vennNode1">
+    <dgm:fillClrLst meth="repeat">
+      <a:schemeClr val="accent1">
+        <a:alpha val="50000"/>
+      </a:schemeClr>
+    </dgm:fillClrLst>
+    <dgm:linClrLst meth="repeat">
+      <a:schemeClr val="lt1"/>
+    </dgm:linClrLst>
+    <dgm:effectClrLst/>
+    <dgm:txLinClrLst/>
+    <dgm:txFillClrLst/>
+    <dgm:txEffectClrLst/>
+  </dgm:styleLbl>
+  <dgm:styleLbl name="node2">
+    <dgm:fillClrLst meth="repeat">
+      <a:schemeClr val="accent1"/>
+    </dgm:fillClrLst>
+    <dgm:linClrLst meth="repeat">
+      <a:schemeClr val="lt1"/>
+    </dgm:linClrLst>
+    <dgm:effectClrLst/>
+    <dgm:txLinClrLst/>
+    <dgm:txFillClrLst/>
+    <dgm:txEffectClrLst/>
+  </dgm:styleLbl>
+  <dgm:styleLbl name="node3">
+    <dgm:fillClrLst meth="repeat">
+      <a:schemeClr val="accent1"/>
+    </dgm:fillClrLst>
+    <dgm:linClrLst meth="repeat">
+      <a:schemeClr val="lt1"/>
+    </dgm:linClrLst>
+    <dgm:effectClrLst/>
+    <dgm:txLinClrLst/>
+    <dgm:txFillClrLst/>
+    <dgm:txEffectClrLst/>
+  </dgm:styleLbl>
+  <dgm:styleLbl name="node4">
+    <dgm:fillClrLst meth="repeat">
+      <a:schemeClr val="accent1"/>
+    </dgm:fillClrLst>
+    <dgm:linClrLst meth="repeat">
+      <a:schemeClr val="lt1"/>
+    </dgm:linClrLst>
+    <dgm:effectClrLst/>
+    <dgm:txLinClrLst/>
+    <dgm:txFillClrLst/>
+    <dgm:txEffectClrLst/>
+  </dgm:styleLbl>
+  <dgm:styleLbl name="fgImgPlace1">
+    <dgm:fillClrLst meth="repeat">
+      <a:schemeClr val="accent1">
+        <a:tint val="50000"/>
+      </a:schemeClr>
+    </dgm:fillClrLst>
+    <dgm:linClrLst meth="repeat">
+      <a:schemeClr val="lt1"/>
+    </dgm:linClrLst>
+    <dgm:effectClrLst/>
+    <dgm:txLinClrLst/>
+    <dgm:txFillClrLst meth="repeat">
+      <a:schemeClr val="lt1"/>
+    </dgm:txFillClrLst>
+    <dgm:txEffectClrLst/>
+  </dgm:styleLbl>
+  <dgm:styleLbl name="alignImgPlace1">
+    <dgm:fillClrLst meth="repeat">
+      <a:schemeClr val="accent1">
+        <a:tint val="50000"/>
+      </a:schemeClr>
+    </dgm:fillClrLst>
+    <dgm:linClrLst meth="repeat">
+      <a:schemeClr val="lt1"/>
+    </dgm:linClrLst>
+    <dgm:effectClrLst/>
+    <dgm:txLinClrLst/>
+    <dgm:txFillClrLst meth="repeat">
+      <a:schemeClr val="lt1"/>
+    </dgm:txFillClrLst>
+    <dgm:txEffectClrLst/>
+  </dgm:styleLbl>
+  <dgm:styleLbl name="bgImgPlace1">
+    <dgm:fillClrLst meth="repeat">
+      <a:schemeClr val="accent1">
+        <a:tint val="50000"/>
+      </a:schemeClr>
+    </dgm:fillClrLst>
+    <dgm:linClrLst meth="repeat">
+      <a:schemeClr val="lt1"/>
+    </dgm:linClrLst>
+    <dgm:effectClrLst/>
+    <dgm:txLinClrLst/>
+    <dgm:txFillClrLst meth="repeat">
+      <a:schemeClr val="lt1"/>
+    </dgm:txFillClrLst>
+    <dgm:txEffectClrLst/>
+  </dgm:styleLbl>
+  <dgm:styleLbl name="sibTrans2D1">
+    <dgm:fillClrLst meth="repeat">
+      <a:schemeClr val="accent1">
+        <a:tint val="60000"/>
+      </a:schemeClr>
+    </dgm:fillClrLst>
+    <dgm:linClrLst meth="repeat">
+      <a:schemeClr val="accent1">
+        <a:tint val="60000"/>
+      </a:schemeClr>
+    </dgm:linClrLst>
+    <dgm:effectClrLst/>
+    <dgm:txLinClrLst/>
+    <dgm:txFillClrLst/>
+    <dgm:txEffectClrLst/>
+  </dgm:styleLbl>
+  <dgm:styleLbl name="fgSibTrans2D1">
+    <dgm:fillClrLst meth="repeat">
+      <a:schemeClr val="accent1">
+        <a:tint val="60000"/>
+      </a:schemeClr>
+    </dgm:fillClrLst>
+    <dgm:linClrLst meth="repeat">
+      <a:schemeClr val="accent1">
+        <a:tint val="60000"/>
+      </a:schemeClr>
+    </dgm:linClrLst>
+    <dgm:effectClrLst/>
+    <dgm:txLinClrLst/>
+    <dgm:txFillClrLst/>
+    <dgm:txEffectClrLst/>
+  </dgm:styleLbl>
+  <dgm:styleLbl name="bgSibTrans2D1">
+    <dgm:fillClrLst meth="repeat">
+      <a:schemeClr val="accent1">
+        <a:tint val="60000"/>
+      </a:schemeClr>
+    </dgm:fillClrLst>
+    <dgm:linClrLst meth="repeat">
+      <a:schemeClr val="accent1">
+        <a:tint val="60000"/>
+      </a:schemeClr>
+    </dgm:linClrLst>
+    <dgm:effectClrLst/>
+    <dgm:txLinClrLst/>
+    <dgm:txFillClrLst/>
+    <dgm:txEffectClrLst/>
+  </dgm:styleLbl>
+  <dgm:styleLbl name="sibTrans1D1">
+    <dgm:fillClrLst meth="repeat">
+      <a:schemeClr val="accent1"/>
+    </dgm:fillClrLst>
+    <dgm:linClrLst meth="repeat">
+      <a:schemeClr val="accent1"/>
+    </dgm:linClrLst>
+    <dgm:effectClrLst/>
+    <dgm:txLinClrLst/>
+    <dgm:txFillClrLst meth="repeat">
+      <a:schemeClr val="tx1"/>
+    </dgm:txFillClrLst>
+    <dgm:txEffectClrLst/>
+  </dgm:styleLbl>
+  <dgm:styleLbl name="callout">
+    <dgm:fillClrLst meth="repeat">
+      <a:schemeClr val="accent1"/>
+    </dgm:fillClrLst>
+    <dgm:linClrLst meth="repeat">
+      <a:schemeClr val="accent1">
+        <a:tint val="50000"/>
+      </a:schemeClr>
+    </dgm:linClrLst>
+    <dgm:effectClrLst/>
+    <dgm:txLinClrLst/>
+    <dgm:txFillClrLst meth="repeat">
+      <a:schemeClr val="tx1"/>
+    </dgm:txFillClrLst>
+    <dgm:txEffectClrLst/>
+  </dgm:styleLbl>
+  <dgm:styleLbl name="asst0">
+    <dgm:fillClrLst meth="repeat">
+      <a:schemeClr val="accent1"/>
+    </dgm:fillClrLst>
+    <dgm:linClrLst meth="repeat">
+      <a:schemeClr val="lt1"/>
+    </dgm:linClrLst>
+    <dgm:effectClrLst/>
+    <dgm:txLinClrLst/>
+    <dgm:txFillClrLst/>
+    <dgm:txEffectClrLst/>
+  </dgm:styleLbl>
+  <dgm:styleLbl name="asst1">
+    <dgm:fillClrLst meth="repeat">
+      <a:schemeClr val="accent1"/>
+    </dgm:fillClrLst>
+    <dgm:linClrLst meth="repeat">
+      <a:schemeClr val="lt1"/>
+    </dgm:linClrLst>
+    <dgm:effectClrLst/>
+    <dgm:txLinClrLst/>
+    <dgm:txFillClrLst/>
+    <dgm:txEffectClrLst/>
+  </dgm:styleLbl>
+  <dgm:styleLbl name="asst2">
+    <dgm:fillClrLst meth="repeat">
+      <a:schemeClr val="accent1"/>
+    </dgm:fillClrLst>
+    <dgm:linClrLst meth="repeat">
+      <a:schemeClr val="lt1"/>
+    </dgm:linClrLst>
+    <dgm:effectClrLst/>
+    <dgm:txLinClrLst/>
+    <dgm:txFillClrLst/>
+    <dgm:txEffectClrLst/>
+  </dgm:styleLbl>
+  <dgm:styleLbl name="asst3">
+    <dgm:fillClrLst meth="repeat">
+      <a:schemeClr val="accent1"/>
+    </dgm:fillClrLst>
+    <dgm:linClrLst meth="repeat">
+      <a:schemeClr val="lt1"/>
+    </dgm:linClrLst>
+    <dgm:effectClrLst/>
+    <dgm:txLinClrLst/>
+    <dgm:txFillClrLst/>
+    <dgm:txEffectClrLst/>
+  </dgm:styleLbl>
+  <dgm:styleLbl name="asst4">
+    <dgm:fillClrLst meth="repeat">
+      <a:schemeClr val="accent1"/>
+    </dgm:fillClrLst>
+    <dgm:linClrLst meth="repeat">
+      <a:schemeClr val="lt1"/>
+    </dgm:linClrLst>
+    <dgm:effectClrLst/>
+    <dgm:txLinClrLst/>
+    <dgm:txFillClrLst/>
+    <dgm:txEffectClrLst/>
+  </dgm:styleLbl>
+  <dgm:styleLbl name="parChTrans2D1">
+    <dgm:fillClrLst meth="repeat">
+      <a:schemeClr val="accent1">
+        <a:tint val="60000"/>
+      </a:schemeClr>
+    </dgm:fillClrLst>
+    <dgm:linClrLst meth="repeat">
+      <a:schemeClr val="accent1">
+        <a:tint val="60000"/>
+      </a:schemeClr>
+    </dgm:linClrLst>
+    <dgm:effectClrLst/>
+    <dgm:txLinClrLst/>
+    <dgm:txFillClrLst meth="repeat">
+      <a:schemeClr val="lt1"/>
+    </dgm:txFillClrLst>
+    <dgm:txEffectClrLst/>
+  </dgm:styleLbl>
+  <dgm:styleLbl name="parChTrans2D2">
+    <dgm:fillClrLst meth="repeat">
+      <a:schemeClr val="accent1"/>
+    </dgm:fillClrLst>
+    <dgm:linClrLst meth="repeat">
+      <a:schemeClr val="accent1"/>
+    </dgm:linClrLst>
+    <dgm:effectClrLst/>
+    <dgm:txLinClrLst/>
+    <dgm:txFillClrLst meth="repeat">
+      <a:schemeClr val="lt1"/>
+    </dgm:txFillClrLst>
+    <dgm:txEffectClrLst/>
+  </dgm:styleLbl>
+  <dgm:styleLbl name="parChTrans2D3">
+    <dgm:fillClrLst meth="repeat">
+      <a:schemeClr val="accent1"/>
+    </dgm:fillClrLst>
+    <dgm:linClrLst meth="repeat">
+      <a:schemeClr val="accent1"/>
+    </dgm:linClrLst>
+    <dgm:effectClrLst/>
+    <dgm:txLinClrLst/>
+    <dgm:txFillClrLst meth="repeat">
+      <a:schemeClr val="lt1"/>
+    </dgm:txFillClrLst>
+    <dgm:txEffectClrLst/>
+  </dgm:styleLbl>
+  <dgm:styleLbl name="parChTrans2D4">
+    <dgm:fillClrLst meth="repeat">
+      <a:schemeClr val="accent1"/>
+    </dgm:fillClrLst>
+    <dgm:linClrLst meth="repeat">
+      <a:schemeClr val="accent1"/>
+    </dgm:linClrLst>
+    <dgm:effectClrLst/>
+    <dgm:txLinClrLst/>
+    <dgm:txFillClrLst meth="repeat">
+      <a:schemeClr val="lt1"/>
+    </dgm:txFillClrLst>
+    <dgm:txEffectClrLst/>
+  </dgm:styleLbl>
+  <dgm:styleLbl name="parChTrans1D1">
+    <dgm:fillClrLst meth="repeat">
+      <a:schemeClr val="accent1"/>
+    </dgm:fillClrLst>
+    <dgm:linClrLst meth="repeat">
+      <a:schemeClr val="accent1">
+        <a:shade val="60000"/>
+      </a:schemeClr>
+    </dgm:linClrLst>
+    <dgm:effectClrLst/>
+    <dgm:txLinClrLst/>
+    <dgm:txFillClrLst meth="repeat">
+      <a:schemeClr val="tx1"/>
+    </dgm:txFillClrLst>
+    <dgm:txEffectClrLst/>
+  </dgm:styleLbl>
+  <dgm:styleLbl name="parChTrans1D2">
+    <dgm:fillClrLst meth="repeat">
+      <a:schemeClr val="accent1"/>
+    </dgm:fillClrLst>
+    <dgm:linClrLst meth="repeat">
+      <a:schemeClr val="accent1">
+        <a:shade val="60000"/>
+      </a:schemeClr>
+    </dgm:linClrLst>
+    <dgm:effectClrLst/>
+    <dgm:txLinClrLst/>
+    <dgm:txFillClrLst meth="repeat">
+      <a:schemeClr val="tx1"/>
+    </dgm:txFillClrLst>
+    <dgm:txEffectClrLst/>
+  </dgm:styleLbl>
+  <dgm:styleLbl name="parChTrans1D3">
+    <dgm:fillClrLst meth="repeat">
+      <a:schemeClr val="accent1"/>
+    </dgm:fillClrLst>
+    <dgm:linClrLst meth="repeat">
+      <a:schemeClr val="accent1">
+        <a:shade val="80000"/>
+      </a:schemeClr>
+    </dgm:linClrLst>
+    <dgm:effectClrLst/>
+    <dgm:txLinClrLst/>
+    <dgm:txFillClrLst meth="repeat">
+      <a:schemeClr val="tx1"/>
+    </dgm:txFillClrLst>
+    <dgm:txEffectClrLst/>
+  </dgm:styleLbl>
+  <dgm:styleLbl name="parChTrans1D4">
+    <dgm:fillClrLst meth="repeat">
+      <a:schemeClr val="accent1"/>
+    </dgm:fillClrLst>
+    <dgm:linClrLst meth="repeat">
+      <a:schemeClr val="accent1">
+        <a:shade val="80000"/>
+      </a:schemeClr>
+    </dgm:linClrLst>
+    <dgm:effectClrLst/>
+    <dgm:txLinClrLst/>
+    <dgm:txFillClrLst meth="repeat">
+      <a:schemeClr val="tx1"/>
+    </dgm:txFillClrLst>
+    <dgm:txEffectClrLst/>
+  </dgm:styleLbl>
+  <dgm:styleLbl name="fgAcc1">
+    <dgm:fillClrLst meth="repeat">
+      <a:schemeClr val="lt1">
+        <a:alpha val="90000"/>
+      </a:schemeClr>
+    </dgm:fillClrLst>
+    <dgm:linClrLst meth="repeat">
+      <a:schemeClr val="accent1"/>
+    </dgm:linClrLst>
+    <dgm:effectClrLst/>
+    <dgm:txLinClrLst/>
+    <dgm:txFillClrLst meth="repeat">
+      <a:schemeClr val="dk1"/>
+    </dgm:txFillClrLst>
+    <dgm:txEffectClrLst/>
+  </dgm:styleLbl>
+  <dgm:styleLbl name="conFgAcc1">
+    <dgm:fillClrLst meth="repeat">
+      <a:schemeClr val="lt1">
+        <a:alpha val="90000"/>
+      </a:schemeClr>
+    </dgm:fillClrLst>
+    <dgm:linClrLst meth="repeat">
+      <a:schemeClr val="accent1"/>
+    </dgm:linClrLst>
+    <dgm:effectClrLst/>
+    <dgm:txLinClrLst/>
+    <dgm:txFillClrLst meth="repeat">
+      <a:schemeClr val="dk1"/>
+    </dgm:txFillClrLst>
+    <dgm:txEffectClrLst/>
+  </dgm:styleLbl>
+  <dgm:styleLbl name="alignAcc1">
+    <dgm:fillClrLst meth="repeat">
+      <a:schemeClr val="lt1">
+        <a:alpha val="90000"/>
+      </a:schemeClr>
+    </dgm:fillClrLst>
+    <dgm:linClrLst meth="repeat">
+      <a:schemeClr val="accent1"/>
+    </dgm:linClrLst>
+    <dgm:effectClrLst/>
+    <dgm:txLinClrLst/>
+    <dgm:txFillClrLst meth="repeat">
+      <a:schemeClr val="dk1"/>
+    </dgm:txFillClrLst>
+    <dgm:txEffectClrLst/>
+  </dgm:styleLbl>
+  <dgm:styleLbl name="trAlignAcc1">
+    <dgm:fillClrLst meth="repeat">
+      <a:schemeClr val="lt1">
+        <a:alpha val="40000"/>
+      </a:schemeClr>
+    </dgm:fillClrLst>
+    <dgm:linClrLst meth="repeat">
+      <a:schemeClr val="accent1"/>
+    </dgm:linClrLst>
+    <dgm:effectClrLst/>
+    <dgm:txLinClrLst/>
+    <dgm:txFillClrLst meth="repeat">
+      <a:schemeClr val="dk1"/>
+    </dgm:txFillClrLst>
+    <dgm:txEffectClrLst/>
+  </dgm:styleLbl>
+  <dgm:styleLbl name="bgAcc1">
+    <dgm:fillClrLst meth="repeat">
+      <a:schemeClr val="lt1">
+        <a:alpha val="90000"/>
+      </a:schemeClr>
+    </dgm:fillClrLst>
+    <dgm:linClrLst meth="repeat">
+      <a:schemeClr val="accent1"/>
+    </dgm:linClrLst>
+    <dgm:effectClrLst/>
+    <dgm:txLinClrLst/>
+    <dgm:txFillClrLst meth="repeat">
+      <a:schemeClr val="dk1"/>
+    </dgm:txFillClrLst>
+    <dgm:txEffectClrLst/>
+  </dgm:styleLbl>
+  <dgm:styleLbl name="solidFgAcc1">
+    <dgm:fillClrLst meth="repeat">
+      <a:schemeClr val="lt1"/>
+    </dgm:fillClrLst>
+    <dgm:linClrLst meth="repeat">
+      <a:schemeClr val="accent1"/>
+    </dgm:linClrLst>
+    <dgm:effectClrLst/>
+    <dgm:txLinClrLst/>
+    <dgm:txFillClrLst meth="repeat">
+      <a:schemeClr val="dk1"/>
+    </dgm:txFillClrLst>
+    <dgm:txEffectClrLst/>
+  </dgm:styleLbl>
+  <dgm:styleLbl name="solidAlignAcc1">
+    <dgm:fillClrLst meth="repeat">
+      <a:schemeClr val="lt1"/>
+    </dgm:fillClrLst>
+    <dgm:linClrLst meth="repeat">
+      <a:schemeClr val="accent1"/>
+    </dgm:linClrLst>
+    <dgm:effectClrLst/>
+    <dgm:txLinClrLst/>
+    <dgm:txFillClrLst meth="repeat">
+      <a:schemeClr val="dk1"/>
+    </dgm:txFillClrLst>
+    <dgm:txEffectClrLst/>
+  </dgm:styleLbl>
+  <dgm:styleLbl name="solidBgAcc1">
+    <dgm:fillClrLst meth="repeat">
+      <a:schemeClr val="lt1"/>
+    </dgm:fillClrLst>
+    <dgm:linClrLst meth="repeat">
+      <a:schemeClr val="accent1"/>
+    </dgm:linClrLst>
+    <dgm:effectClrLst/>
+    <dgm:txLinClrLst/>
+    <dgm:txFillClrLst meth="repeat">
+      <a:schemeClr val="dk1"/>
+    </dgm:txFillClrLst>
+    <dgm:txEffectClrLst/>
+  </dgm:styleLbl>
+  <dgm:styleLbl name="fgAccFollowNode1">
+    <dgm:fillClrLst meth="repeat">
+      <a:schemeClr val="accent1">
+        <a:alpha val="90000"/>
+        <a:tint val="40000"/>
+      </a:schemeClr>
+    </dgm:fillClrLst>
+    <dgm:linClrLst meth="repeat">
+      <a:schemeClr val="accent1">
+        <a:alpha val="90000"/>
+        <a:tint val="40000"/>
+      </a:schemeClr>
+    </dgm:linClrLst>
+    <dgm:effectClrLst/>
+    <dgm:txLinClrLst/>
+    <dgm:txFillClrLst meth="repeat">
+      <a:schemeClr val="dk1"/>
+    </dgm:txFillClrLst>
+    <dgm:txEffectClrLst/>
+  </dgm:styleLbl>
+  <dgm:styleLbl name="alignAccFollowNode1">
+    <dgm:fillClrLst meth="repeat">
+      <a:schemeClr val="accent1">
+        <a:alpha val="90000"/>
+        <a:tint val="40000"/>
+      </a:schemeClr>
+    </dgm:fillClrLst>
+    <dgm:linClrLst meth="repeat">
+      <a:schemeClr val="accent1">
+        <a:alpha val="90000"/>
+        <a:tint val="40000"/>
+      </a:schemeClr>
+    </dgm:linClrLst>
+    <dgm:effectClrLst/>
+    <dgm:txLinClrLst/>
+    <dgm:txFillClrLst meth="repeat">
+      <a:schemeClr val="dk1"/>
+    </dgm:txFillClrLst>
+    <dgm:txEffectClrLst/>
+  </dgm:styleLbl>
+  <dgm:styleLbl name="bgAccFollowNode1">
+    <dgm:fillClrLst meth="repeat">
+      <a:schemeClr val="accent1">
+        <a:alpha val="90000"/>
+        <a:tint val="40000"/>
+      </a:schemeClr>
+    </dgm:fillClrLst>
+    <dgm:linClrLst meth="repeat">
+      <a:schemeClr val="accent1">
+        <a:alpha val="90000"/>
+        <a:tint val="40000"/>
+      </a:schemeClr>
+    </dgm:linClrLst>
+    <dgm:effectClrLst/>
+    <dgm:txLinClrLst/>
+    <dgm:txFillClrLst meth="repeat">
+      <a:schemeClr val="dk1"/>
+    </dgm:txFillClrLst>
+    <dgm:txEffectClrLst/>
+  </dgm:styleLbl>
+  <dgm:styleLbl name="fgAcc0">
+    <dgm:fillClrLst meth="repeat">
+      <a:schemeClr val="lt1">
+        <a:alpha val="90000"/>
+      </a:schemeClr>
+    </dgm:fillClrLst>
+    <dgm:linClrLst meth="repeat">
+      <a:schemeClr val="accent1"/>
+    </dgm:linClrLst>
+    <dgm:effectClrLst/>
+    <dgm:txLinClrLst/>
+    <dgm:txFillClrLst meth="repeat">
+      <a:schemeClr val="dk1"/>
+    </dgm:txFillClrLst>
+    <dgm:txEffectClrLst/>
+  </dgm:styleLbl>
+  <dgm:styleLbl name="fgAcc2">
+    <dgm:fillClrLst meth="repeat">
+      <a:schemeClr val="lt1">
+        <a:alpha val="90000"/>
+      </a:schemeClr>
+    </dgm:fillClrLst>
+    <dgm:linClrLst meth="repeat">
+      <a:schemeClr val="accent1"/>
+    </dgm:linClrLst>
+    <dgm:effectClrLst/>
+    <dgm:txLinClrLst/>
+    <dgm:txFillClrLst meth="repeat">
+      <a:schemeClr val="dk1"/>
+    </dgm:txFillClrLst>
+    <dgm:txEffectClrLst/>
+  </dgm:styleLbl>
+  <dgm:styleLbl name="fgAcc3">
+    <dgm:fillClrLst meth="repeat">
+      <a:schemeClr val="lt1">
+        <a:alpha val="90000"/>
+      </a:schemeClr>
+    </dgm:fillClrLst>
+    <dgm:linClrLst meth="repeat">
+      <a:schemeClr val="accent1"/>
+    </dgm:linClrLst>
+    <dgm:effectClrLst/>
+    <dgm:txLinClrLst/>
+    <dgm:txFillClrLst meth="repeat">
+      <a:schemeClr val="dk1"/>
+    </dgm:txFillClrLst>
+    <dgm:txEffectClrLst/>
+  </dgm:styleLbl>
+  <dgm:styleLbl name="fgAcc4">
+    <dgm:fillClrLst meth="repeat">
+      <a:schemeClr val="lt1">
+        <a:alpha val="90000"/>
+      </a:schemeClr>
+    </dgm:fillClrLst>
+    <dgm:linClrLst meth="repeat">
+      <a:schemeClr val="accent1"/>
+    </dgm:linClrLst>
+    <dgm:effectClrLst/>
+    <dgm:txLinClrLst/>
+    <dgm:txFillClrLst meth="repeat">
+      <a:schemeClr val="dk1"/>
+    </dgm:txFillClrLst>
+    <dgm:txEffectClrLst/>
+  </dgm:styleLbl>
+  <dgm:styleLbl name="bgShp">
+    <dgm:fillClrLst meth="repeat">
+      <a:schemeClr val="accent1">
+        <a:tint val="40000"/>
+      </a:schemeClr>
+    </dgm:fillClrLst>
+    <dgm:linClrLst meth="repeat">
+      <a:schemeClr val="accent1"/>
+    </dgm:linClrLst>
+    <dgm:effectClrLst/>
+    <dgm:txLinClrLst/>
+    <dgm:txFillClrLst meth="repeat">
+      <a:schemeClr val="dk1"/>
+    </dgm:txFillClrLst>
+    <dgm:txEffectClrLst/>
+  </dgm:styleLbl>
+  <dgm:styleLbl name="dkBgShp">
+    <dgm:fillClrLst meth="repeat">
+      <a:schemeClr val="accent1">
+        <a:shade val="80000"/>
+      </a:schemeClr>
+    </dgm:fillClrLst>
+    <dgm:linClrLst meth="repeat">
+      <a:schemeClr val="accent1"/>
+    </dgm:linClrLst>
+    <dgm:effectClrLst/>
+    <dgm:txLinClrLst/>
+    <dgm:txFillClrLst meth="repeat">
+      <a:schemeClr val="lt1"/>
+    </dgm:txFillClrLst>
+    <dgm:txEffectClrLst/>
+  </dgm:styleLbl>
+  <dgm:styleLbl name="trBgShp">
+    <dgm:fillClrLst meth="repeat">
+      <a:schemeClr val="accent1">
+        <a:tint val="50000"/>
+        <a:alpha val="40000"/>
+      </a:schemeClr>
+    </dgm:fillClrLst>
+    <dgm:linClrLst meth="repeat">
+      <a:schemeClr val="accent1"/>
+    </dgm:linClrLst>
+    <dgm:effectClrLst/>
+    <dgm:txLinClrLst/>
+    <dgm:txFillClrLst meth="repeat">
+      <a:schemeClr val="lt1"/>
+    </dgm:txFillClrLst>
+    <dgm:txEffectClrLst/>
+  </dgm:styleLbl>
+  <dgm:styleLbl name="fgShp">
+    <dgm:fillClrLst meth="repeat">
+      <a:schemeClr val="accent1">
+        <a:tint val="60000"/>
+      </a:schemeClr>
+    </dgm:fillClrLst>
+    <dgm:linClrLst meth="repeat">
+      <a:schemeClr val="lt1"/>
+    </dgm:linClrLst>
+    <dgm:effectClrLst/>
+    <dgm:txLinClrLst/>
+    <dgm:txFillClrLst meth="repeat">
+      <a:schemeClr val="dk1"/>
+    </dgm:txFillClrLst>
+    <dgm:txEffectClrLst/>
+  </dgm:styleLbl>
+  <dgm:styleLbl name="revTx">
+    <dgm:fillClrLst meth="repeat">
+      <a:schemeClr val="lt1">
+        <a:alpha val="0"/>
+      </a:schemeClr>
+    </dgm:fillClrLst>
+    <dgm:linClrLst meth="repeat">
+      <a:schemeClr val="dk1">
+        <a:alpha val="0"/>
+      </a:schemeClr>
+    </dgm:linClrLst>
+    <dgm:effectClrLst/>
+    <dgm:txLinClrLst/>
+    <dgm:txFillClrLst meth="repeat">
+      <a:schemeClr val="tx1"/>
+    </dgm:txFillClrLst>
+    <dgm:txEffectClrLst/>
+  </dgm:styleLbl>
+</dgm:colorsDef>
+</file>
+
 <file path=ppt/diagrams/data1.xml><?xml version="1.0" encoding="utf-8"?>
 <dgm:dataModel xmlns:dgm="http://schemas.openxmlformats.org/drawingml/2006/diagram" xmlns:a="http://schemas.openxmlformats.org/drawingml/2006/main">
   <dgm:ptLst>
@@ -2544,7 +3291,7 @@
         <a:lstStyle/>
         <a:p>
           <a:r>
-            <a:rPr lang="es-ES" sz="2000" dirty="0" smtClean="0"/>
+            <a:rPr lang="es-ES" sz="2000" dirty="0"/>
             <a:t>RNAseq</a:t>
           </a:r>
           <a:endParaRPr lang="en-US" sz="2000" dirty="0"/>
@@ -2581,7 +3328,7 @@
         <a:lstStyle/>
         <a:p>
           <a:r>
-            <a:rPr lang="es-ES" sz="1600" dirty="0" smtClean="0"/>
+            <a:rPr lang="es-ES" sz="1600" dirty="0"/>
             <a:t>Spear tips</a:t>
           </a:r>
           <a:endParaRPr lang="en-US" sz="1600" dirty="0"/>
@@ -2618,23 +3365,23 @@
         <a:lstStyle/>
         <a:p>
           <a:r>
-            <a:rPr lang="es-ES" sz="1600" dirty="0" smtClean="0"/>
+            <a:rPr lang="es-ES" sz="1600" dirty="0"/>
             <a:t>Male, </a:t>
           </a:r>
           <a:r>
-            <a:rPr lang="es-ES" sz="1600" dirty="0" err="1" smtClean="0"/>
+            <a:rPr lang="es-ES" sz="1600" dirty="0" err="1"/>
             <a:t>Female</a:t>
           </a:r>
           <a:r>
-            <a:rPr lang="es-ES" sz="1600" dirty="0" smtClean="0"/>
+            <a:rPr lang="es-ES" sz="1600" dirty="0"/>
             <a:t>, </a:t>
           </a:r>
           <a:r>
-            <a:rPr lang="es-ES" sz="1600" dirty="0" err="1" smtClean="0"/>
+            <a:rPr lang="es-ES" sz="1600" dirty="0" err="1"/>
             <a:t>Super</a:t>
           </a:r>
           <a:r>
-            <a:rPr lang="es-ES" sz="1600" dirty="0" smtClean="0"/>
+            <a:rPr lang="es-ES" sz="1600" dirty="0"/>
             <a:t> Male</a:t>
           </a:r>
           <a:endParaRPr lang="en-US" sz="1600" dirty="0"/>
@@ -2671,23 +3418,23 @@
         <a:lstStyle/>
         <a:p>
           <a:r>
-            <a:rPr lang="es-ES" sz="2000" i="1" dirty="0" smtClean="0"/>
+            <a:rPr lang="es-ES" sz="2000" i="1" dirty="0"/>
             <a:t>De </a:t>
           </a:r>
           <a:r>
-            <a:rPr lang="es-ES" sz="2000" i="1" dirty="0" err="1" smtClean="0"/>
+            <a:rPr lang="es-ES" sz="2000" i="1" dirty="0" err="1"/>
             <a:t>novo</a:t>
           </a:r>
           <a:r>
-            <a:rPr lang="es-ES" sz="2000" i="1" dirty="0" smtClean="0"/>
+            <a:rPr lang="es-ES" sz="2000" i="1" dirty="0"/>
             <a:t> </a:t>
           </a:r>
           <a:r>
-            <a:rPr lang="es-ES" sz="2000" dirty="0" smtClean="0"/>
+            <a:rPr lang="es-ES" sz="2000" dirty="0"/>
             <a:t> </a:t>
           </a:r>
           <a:r>
-            <a:rPr lang="es-ES" sz="2000" dirty="0" err="1" smtClean="0"/>
+            <a:rPr lang="es-ES" sz="2000" dirty="0" err="1"/>
             <a:t>assembly</a:t>
           </a:r>
           <a:endParaRPr lang="en-US" sz="2000" dirty="0"/>
@@ -2724,11 +3471,11 @@
         <a:lstStyle/>
         <a:p>
           <a:r>
-            <a:rPr lang="es-ES" sz="1600" dirty="0" err="1" smtClean="0"/>
+            <a:rPr lang="es-ES" sz="1600" dirty="0" err="1"/>
             <a:t>Quality</a:t>
           </a:r>
           <a:r>
-            <a:rPr lang="es-ES" sz="1600" dirty="0" smtClean="0"/>
+            <a:rPr lang="es-ES" sz="1600" dirty="0"/>
             <a:t> control</a:t>
           </a:r>
           <a:endParaRPr lang="en-US" sz="1600" dirty="0"/>
@@ -2765,7 +3512,7 @@
         <a:lstStyle/>
         <a:p>
           <a:r>
-            <a:rPr lang="es-ES" sz="1600" dirty="0" err="1" smtClean="0"/>
+            <a:rPr lang="es-ES" sz="1600" dirty="0" err="1"/>
             <a:t>Trimming</a:t>
           </a:r>
           <a:endParaRPr lang="en-US" sz="1600" dirty="0"/>
@@ -2802,23 +3549,23 @@
         <a:lstStyle/>
         <a:p>
           <a:r>
-            <a:rPr lang="es-ES" sz="2000" dirty="0" err="1" smtClean="0"/>
+            <a:rPr lang="es-ES" sz="2000" dirty="0" err="1"/>
             <a:t>Differential</a:t>
           </a:r>
           <a:r>
-            <a:rPr lang="es-ES" sz="2000" dirty="0" smtClean="0"/>
+            <a:rPr lang="es-ES" sz="2000" dirty="0"/>
             <a:t> </a:t>
           </a:r>
           <a:r>
-            <a:rPr lang="es-ES" sz="2000" dirty="0" err="1" smtClean="0"/>
+            <a:rPr lang="es-ES" sz="2000" dirty="0" err="1"/>
             <a:t>expression</a:t>
           </a:r>
           <a:r>
-            <a:rPr lang="es-ES" sz="2000" dirty="0" smtClean="0"/>
+            <a:rPr lang="es-ES" sz="2000" dirty="0"/>
             <a:t> </a:t>
           </a:r>
           <a:r>
-            <a:rPr lang="es-ES" sz="2000" dirty="0" err="1" smtClean="0"/>
+            <a:rPr lang="es-ES" sz="2000" dirty="0" err="1"/>
             <a:t>analysis</a:t>
           </a:r>
           <a:endParaRPr lang="en-US" sz="2000" dirty="0"/>
@@ -2855,7 +3602,7 @@
         <a:lstStyle/>
         <a:p>
           <a:r>
-            <a:rPr lang="es-ES" sz="1600" dirty="0" err="1" smtClean="0"/>
+            <a:rPr lang="es-ES" sz="1600" dirty="0" err="1"/>
             <a:t>Alignment</a:t>
           </a:r>
           <a:endParaRPr lang="en-US" sz="1600" dirty="0"/>
@@ -2892,23 +3639,23 @@
         <a:lstStyle/>
         <a:p>
           <a:r>
-            <a:rPr lang="es-ES" sz="1600" dirty="0" err="1" smtClean="0"/>
+            <a:rPr lang="es-ES" sz="1600" dirty="0" err="1"/>
             <a:t>Transcript</a:t>
           </a:r>
           <a:r>
-            <a:rPr lang="es-ES" sz="1600" dirty="0" smtClean="0"/>
+            <a:rPr lang="es-ES" sz="1600" dirty="0"/>
             <a:t> </a:t>
           </a:r>
           <a:r>
-            <a:rPr lang="es-ES" sz="1600" dirty="0" err="1" smtClean="0"/>
+            <a:rPr lang="es-ES" sz="1600" dirty="0" err="1"/>
             <a:t>abundance</a:t>
           </a:r>
           <a:r>
-            <a:rPr lang="es-ES" sz="1600" dirty="0" smtClean="0"/>
+            <a:rPr lang="es-ES" sz="1600" dirty="0"/>
             <a:t> </a:t>
           </a:r>
           <a:r>
-            <a:rPr lang="es-ES" sz="1600" dirty="0" err="1" smtClean="0"/>
+            <a:rPr lang="es-ES" sz="1600" dirty="0" err="1"/>
             <a:t>estimation</a:t>
           </a:r>
           <a:endParaRPr lang="en-US" sz="1600" dirty="0"/>
@@ -2945,23 +3692,19 @@
         <a:lstStyle/>
         <a:p>
           <a:r>
-            <a:rPr lang="en-US" sz="1600" b="0" i="0" dirty="0" smtClean="0"/>
+            <a:rPr lang="en-US" sz="1600" b="0" i="0" dirty="0"/>
             <a:t>(NCBI) </a:t>
           </a:r>
           <a:r>
-            <a:rPr lang="en-US" sz="1600" b="0" i="0" dirty="0" err="1" smtClean="0"/>
+            <a:rPr lang="en-US" sz="1600" b="0" i="0" dirty="0" err="1"/>
             <a:t>BioProject</a:t>
           </a:r>
           <a:r>
-            <a:rPr lang="en-US" sz="1600" b="0" i="0" dirty="0" smtClean="0"/>
+            <a:rPr lang="en-US" sz="1600" b="0" i="0" dirty="0"/>
             <a:t> 259909</a:t>
           </a:r>
-          <a:r>
-            <a:rPr lang="en-US" sz="1600" dirty="0" smtClean="0"/>
-            <a:t/>
-          </a:r>
           <a:br>
-            <a:rPr lang="en-US" sz="1600" dirty="0" smtClean="0"/>
+            <a:rPr lang="en-US" sz="1600" dirty="0"/>
           </a:br>
           <a:endParaRPr lang="en-US" sz="1600" dirty="0"/>
         </a:p>
@@ -2997,15 +3740,15 @@
         <a:lstStyle/>
         <a:p>
           <a:r>
-            <a:rPr lang="es-ES" sz="1600" dirty="0" err="1" smtClean="0"/>
+            <a:rPr lang="es-ES" sz="1600" dirty="0" err="1"/>
             <a:t>Functional</a:t>
           </a:r>
           <a:r>
-            <a:rPr lang="es-ES" sz="1600" dirty="0" smtClean="0"/>
+            <a:rPr lang="es-ES" sz="1600" dirty="0"/>
             <a:t> </a:t>
           </a:r>
           <a:r>
-            <a:rPr lang="es-ES" sz="1600" dirty="0" err="1" smtClean="0"/>
+            <a:rPr lang="es-ES" sz="1600" dirty="0" err="1"/>
             <a:t>annotation</a:t>
           </a:r>
           <a:endParaRPr lang="en-US" sz="1600" dirty="0"/>
@@ -3042,7 +3785,7 @@
         <a:lstStyle/>
         <a:p>
           <a:r>
-            <a:rPr lang="es-ES" sz="1600" dirty="0" err="1" smtClean="0"/>
+            <a:rPr lang="es-ES" sz="1600" dirty="0" err="1"/>
             <a:t>Assembly</a:t>
           </a:r>
           <a:endParaRPr lang="en-US" sz="1600" dirty="0"/>
@@ -3079,31 +3822,31 @@
         <a:lstStyle/>
         <a:p>
           <a:r>
-            <a:rPr lang="es-ES" sz="1600" dirty="0" err="1" smtClean="0"/>
+            <a:rPr lang="es-ES" sz="1600" dirty="0" err="1"/>
             <a:t>Differential</a:t>
           </a:r>
           <a:r>
-            <a:rPr lang="es-ES" sz="1600" dirty="0" smtClean="0"/>
+            <a:rPr lang="es-ES" sz="1600" dirty="0"/>
             <a:t> </a:t>
           </a:r>
           <a:r>
-            <a:rPr lang="es-ES" sz="1600" dirty="0" err="1" smtClean="0"/>
+            <a:rPr lang="es-ES" sz="1600" dirty="0" err="1"/>
             <a:t>expression</a:t>
           </a:r>
           <a:r>
-            <a:rPr lang="es-ES" sz="1600" dirty="0" smtClean="0"/>
+            <a:rPr lang="es-ES" sz="1600" dirty="0"/>
             <a:t> </a:t>
           </a:r>
           <a:r>
-            <a:rPr lang="es-ES" sz="1600" dirty="0" err="1" smtClean="0"/>
+            <a:rPr lang="es-ES" sz="1600" dirty="0" err="1"/>
             <a:t>analysis</a:t>
           </a:r>
           <a:r>
-            <a:rPr lang="es-ES" sz="1600" dirty="0" smtClean="0"/>
+            <a:rPr lang="es-ES" sz="1600" dirty="0"/>
             <a:t> in </a:t>
           </a:r>
           <a:r>
-            <a:rPr lang="es-ES" sz="1600" dirty="0" err="1" smtClean="0"/>
+            <a:rPr lang="es-ES" sz="1600" dirty="0" err="1"/>
             <a:t>edgeR</a:t>
           </a:r>
           <a:endParaRPr lang="en-US" sz="1600" dirty="0"/>
@@ -3140,13 +3883,6 @@
         </dgm:presLayoutVars>
       </dgm:prSet>
       <dgm:spPr/>
-      <dgm:t>
-        <a:bodyPr/>
-        <a:lstStyle/>
-        <a:p>
-          <a:endParaRPr lang="en-US"/>
-        </a:p>
-      </dgm:t>
     </dgm:pt>
     <dgm:pt modelId="{BDAA6788-3D12-47BC-9E42-7D38FDE7F399}" type="pres">
       <dgm:prSet presAssocID="{0446C03C-E073-45AB-A9C8-06443FEA1350}" presName="node" presStyleLbl="node1" presStyleIdx="0" presStyleCnt="3">
@@ -3155,35 +3891,14 @@
         </dgm:presLayoutVars>
       </dgm:prSet>
       <dgm:spPr/>
-      <dgm:t>
-        <a:bodyPr/>
-        <a:lstStyle/>
-        <a:p>
-          <a:endParaRPr lang="en-US"/>
-        </a:p>
-      </dgm:t>
     </dgm:pt>
     <dgm:pt modelId="{1F338E8C-445B-4795-9DFA-DDBCD4CD0223}" type="pres">
       <dgm:prSet presAssocID="{DD3773AC-ED19-47CD-9A5C-21D0582A545B}" presName="sibTrans" presStyleLbl="sibTrans2D1" presStyleIdx="0" presStyleCnt="2"/>
       <dgm:spPr/>
-      <dgm:t>
-        <a:bodyPr/>
-        <a:lstStyle/>
-        <a:p>
-          <a:endParaRPr lang="en-US"/>
-        </a:p>
-      </dgm:t>
     </dgm:pt>
     <dgm:pt modelId="{34DEC8FB-8A5E-47CA-96DE-B987907461FF}" type="pres">
       <dgm:prSet presAssocID="{DD3773AC-ED19-47CD-9A5C-21D0582A545B}" presName="connectorText" presStyleLbl="sibTrans2D1" presStyleIdx="0" presStyleCnt="2"/>
       <dgm:spPr/>
-      <dgm:t>
-        <a:bodyPr/>
-        <a:lstStyle/>
-        <a:p>
-          <a:endParaRPr lang="en-US"/>
-        </a:p>
-      </dgm:t>
     </dgm:pt>
     <dgm:pt modelId="{E1C175A5-344B-46C4-A31A-B19B85FB8577}" type="pres">
       <dgm:prSet presAssocID="{DD9D1A19-C042-4241-AC1E-CBC58119E3B1}" presName="node" presStyleLbl="node1" presStyleIdx="1" presStyleCnt="3">
@@ -3192,35 +3907,14 @@
         </dgm:presLayoutVars>
       </dgm:prSet>
       <dgm:spPr/>
-      <dgm:t>
-        <a:bodyPr/>
-        <a:lstStyle/>
-        <a:p>
-          <a:endParaRPr lang="en-US"/>
-        </a:p>
-      </dgm:t>
     </dgm:pt>
     <dgm:pt modelId="{F461BE5B-401D-414A-9175-B95B6C23DC9D}" type="pres">
       <dgm:prSet presAssocID="{2F1FB023-A283-4CF2-AD92-547252EFD921}" presName="sibTrans" presStyleLbl="sibTrans2D1" presStyleIdx="1" presStyleCnt="2"/>
       <dgm:spPr/>
-      <dgm:t>
-        <a:bodyPr/>
-        <a:lstStyle/>
-        <a:p>
-          <a:endParaRPr lang="en-US"/>
-        </a:p>
-      </dgm:t>
     </dgm:pt>
     <dgm:pt modelId="{82CB2603-4A55-4B49-A6E8-B125ED9C9E48}" type="pres">
       <dgm:prSet presAssocID="{2F1FB023-A283-4CF2-AD92-547252EFD921}" presName="connectorText" presStyleLbl="sibTrans2D1" presStyleIdx="1" presStyleCnt="2"/>
       <dgm:spPr/>
-      <dgm:t>
-        <a:bodyPr/>
-        <a:lstStyle/>
-        <a:p>
-          <a:endParaRPr lang="en-US"/>
-        </a:p>
-      </dgm:t>
     </dgm:pt>
     <dgm:pt modelId="{1886C3BF-2DFE-4372-93A8-70DF5AE5B7BB}" type="pres">
       <dgm:prSet presAssocID="{91A65AEF-6A15-4A27-BEF4-E1F29341CAE7}" presName="node" presStyleLbl="node1" presStyleIdx="2" presStyleCnt="3">
@@ -3229,47 +3923,40 @@
         </dgm:presLayoutVars>
       </dgm:prSet>
       <dgm:spPr/>
-      <dgm:t>
-        <a:bodyPr/>
-        <a:lstStyle/>
-        <a:p>
-          <a:endParaRPr lang="en-US"/>
-        </a:p>
-      </dgm:t>
     </dgm:pt>
   </dgm:ptLst>
   <dgm:cxnLst>
+    <dgm:cxn modelId="{B4F95DF4-F8F0-49E1-8506-908FAFE11139}" srcId="{7F00E8CE-6E56-4F4D-88C9-C0473C61FC8D}" destId="{DD9D1A19-C042-4241-AC1E-CBC58119E3B1}" srcOrd="1" destOrd="0" parTransId="{777BD4C7-AAA8-4A81-829D-A0D2FF6AA15F}" sibTransId="{2F1FB023-A283-4CF2-AD92-547252EFD921}"/>
+    <dgm:cxn modelId="{C1D70DC3-BB6F-4772-8D52-C73C49E18F26}" type="presOf" srcId="{2F1FB023-A283-4CF2-AD92-547252EFD921}" destId="{82CB2603-4A55-4B49-A6E8-B125ED9C9E48}" srcOrd="1" destOrd="0" presId="urn:microsoft.com/office/officeart/2005/8/layout/process1"/>
+    <dgm:cxn modelId="{79AE3E36-3F6D-4B29-A511-5D0B9A6434B9}" type="presOf" srcId="{C466413A-A54D-4592-9067-4A7632047ADD}" destId="{BDAA6788-3D12-47BC-9E42-7D38FDE7F399}" srcOrd="0" destOrd="1" presId="urn:microsoft.com/office/officeart/2005/8/layout/process1"/>
+    <dgm:cxn modelId="{00CE3C1E-BC5E-4AEE-B410-7750B957FC84}" type="presOf" srcId="{F5351295-5A7B-4686-BA6C-AAD51831210B}" destId="{BDAA6788-3D12-47BC-9E42-7D38FDE7F399}" srcOrd="0" destOrd="2" presId="urn:microsoft.com/office/officeart/2005/8/layout/process1"/>
     <dgm:cxn modelId="{E4780FAE-1D30-42E7-AC51-8BA88C8C3936}" srcId="{0446C03C-E073-45AB-A9C8-06443FEA1350}" destId="{C466413A-A54D-4592-9067-4A7632047ADD}" srcOrd="0" destOrd="0" parTransId="{168F6043-1350-4D89-84A3-126F1B46C4D8}" sibTransId="{BBEBD048-CE75-4AEB-8E49-5458336C8650}"/>
+    <dgm:cxn modelId="{64F483B0-D56E-4E51-A12A-C615B4470DED}" srcId="{0446C03C-E073-45AB-A9C8-06443FEA1350}" destId="{99DDACEB-7AC2-405D-8C03-62809185729F}" srcOrd="2" destOrd="0" parTransId="{FE885667-BCFC-4070-85A3-7E7661061007}" sibTransId="{3060AE7B-8CF2-467E-AFA3-68FF2185B41A}"/>
+    <dgm:cxn modelId="{0B7C5417-96E9-4D4D-89AC-6F8D69992060}" type="presOf" srcId="{99DDACEB-7AC2-405D-8C03-62809185729F}" destId="{BDAA6788-3D12-47BC-9E42-7D38FDE7F399}" srcOrd="0" destOrd="3" presId="urn:microsoft.com/office/officeart/2005/8/layout/process1"/>
+    <dgm:cxn modelId="{BCA9A3D5-D437-4983-9C4A-142C813CBF20}" srcId="{DD9D1A19-C042-4241-AC1E-CBC58119E3B1}" destId="{AE78AC46-7E52-44F4-B2B2-7CE10099D6ED}" srcOrd="3" destOrd="0" parTransId="{F3154323-2D0F-4AA8-BDA6-3039AF34A32D}" sibTransId="{38B06FD4-3BA9-4425-90CA-E27CB0EB86EA}"/>
+    <dgm:cxn modelId="{2E825B25-6EA5-4063-A79B-66B8818EDD05}" type="presOf" srcId="{7F00E8CE-6E56-4F4D-88C9-C0473C61FC8D}" destId="{962DDC3C-372C-41E5-98AF-1BC41210AB0A}" srcOrd="0" destOrd="0" presId="urn:microsoft.com/office/officeart/2005/8/layout/process1"/>
+    <dgm:cxn modelId="{8F4B5199-D290-4C54-BFDB-FAFDE984C92C}" type="presOf" srcId="{942CFC1C-AA12-4264-A826-2D247FC95085}" destId="{E1C175A5-344B-46C4-A31A-B19B85FB8577}" srcOrd="0" destOrd="3" presId="urn:microsoft.com/office/officeart/2005/8/layout/process1"/>
+    <dgm:cxn modelId="{2B471167-3011-4249-B4E4-797FE711F9F1}" srcId="{DD9D1A19-C042-4241-AC1E-CBC58119E3B1}" destId="{169D612B-DA50-42B2-A089-0CD33404C833}" srcOrd="1" destOrd="0" parTransId="{3DBDD095-BAC6-4E38-BFDA-31C50CC1291F}" sibTransId="{D8E076AF-17A9-4432-91BD-D6211BC0EA7C}"/>
+    <dgm:cxn modelId="{46EEA246-DA9F-4BBB-89F1-BFFE8CD15378}" srcId="{7F00E8CE-6E56-4F4D-88C9-C0473C61FC8D}" destId="{0446C03C-E073-45AB-A9C8-06443FEA1350}" srcOrd="0" destOrd="0" parTransId="{166EBAF9-EA67-41C7-9543-4E7B353618A0}" sibTransId="{DD3773AC-ED19-47CD-9A5C-21D0582A545B}"/>
+    <dgm:cxn modelId="{DC9946B6-D564-4A8F-8A08-9E5A6CD74436}" srcId="{91A65AEF-6A15-4A27-BEF4-E1F29341CAE7}" destId="{F1C2D6F1-7C50-4518-AF30-C62830E34870}" srcOrd="0" destOrd="0" parTransId="{00864D43-7BE9-45DA-BAE4-E75E36C45913}" sibTransId="{7AA76297-BF81-4187-8BAD-57F1348D4BB5}"/>
+    <dgm:cxn modelId="{6CA895F7-DC0B-4666-938A-B116866643B2}" type="presOf" srcId="{7305E311-BA18-4725-86B1-D9DF66556862}" destId="{1886C3BF-2DFE-4372-93A8-70DF5AE5B7BB}" srcOrd="0" destOrd="3" presId="urn:microsoft.com/office/officeart/2005/8/layout/process1"/>
+    <dgm:cxn modelId="{70398382-2953-4312-9820-0DB9982CAEDB}" type="presOf" srcId="{2F1FB023-A283-4CF2-AD92-547252EFD921}" destId="{F461BE5B-401D-414A-9175-B95B6C23DC9D}" srcOrd="0" destOrd="0" presId="urn:microsoft.com/office/officeart/2005/8/layout/process1"/>
+    <dgm:cxn modelId="{22FC1ECA-E709-46D6-9263-3055451A2D92}" srcId="{DD9D1A19-C042-4241-AC1E-CBC58119E3B1}" destId="{942CFC1C-AA12-4264-A826-2D247FC95085}" srcOrd="2" destOrd="0" parTransId="{7CB0AD2C-A735-4A10-B9FB-A1061338BA5B}" sibTransId="{F0159CE7-914F-482D-8628-34B12113E511}"/>
+    <dgm:cxn modelId="{1C94B997-07FB-4D8B-B2E8-FF341A774F9B}" type="presOf" srcId="{169D612B-DA50-42B2-A089-0CD33404C833}" destId="{E1C175A5-344B-46C4-A31A-B19B85FB8577}" srcOrd="0" destOrd="2" presId="urn:microsoft.com/office/officeart/2005/8/layout/process1"/>
+    <dgm:cxn modelId="{57DFCDEE-5952-43CC-BCE2-536517B17C25}" type="presOf" srcId="{5E3E51B3-C034-40DA-8D6B-12A51F79F84F}" destId="{1886C3BF-2DFE-4372-93A8-70DF5AE5B7BB}" srcOrd="0" destOrd="2" presId="urn:microsoft.com/office/officeart/2005/8/layout/process1"/>
+    <dgm:cxn modelId="{7D477BAE-EA9F-4D3C-AE9E-B69332CB574A}" type="presOf" srcId="{DD3773AC-ED19-47CD-9A5C-21D0582A545B}" destId="{1F338E8C-445B-4795-9DFA-DDBCD4CD0223}" srcOrd="0" destOrd="0" presId="urn:microsoft.com/office/officeart/2005/8/layout/process1"/>
+    <dgm:cxn modelId="{97963869-47A2-410C-957F-FA9E0ABBA8EA}" type="presOf" srcId="{81A854F5-D3EB-49EB-AF5F-B56F6C8F5EC5}" destId="{E1C175A5-344B-46C4-A31A-B19B85FB8577}" srcOrd="0" destOrd="1" presId="urn:microsoft.com/office/officeart/2005/8/layout/process1"/>
+    <dgm:cxn modelId="{932179C8-46BB-4EBA-B01E-CFBCCFA4DC21}" type="presOf" srcId="{AE78AC46-7E52-44F4-B2B2-7CE10099D6ED}" destId="{E1C175A5-344B-46C4-A31A-B19B85FB8577}" srcOrd="0" destOrd="4" presId="urn:microsoft.com/office/officeart/2005/8/layout/process1"/>
+    <dgm:cxn modelId="{7F065C32-943E-4B45-992C-FEEA645ADE92}" type="presOf" srcId="{0446C03C-E073-45AB-A9C8-06443FEA1350}" destId="{BDAA6788-3D12-47BC-9E42-7D38FDE7F399}" srcOrd="0" destOrd="0" presId="urn:microsoft.com/office/officeart/2005/8/layout/process1"/>
+    <dgm:cxn modelId="{A35BA005-231A-4DF5-ACF3-C891B914081F}" type="presOf" srcId="{F1C2D6F1-7C50-4518-AF30-C62830E34870}" destId="{1886C3BF-2DFE-4372-93A8-70DF5AE5B7BB}" srcOrd="0" destOrd="1" presId="urn:microsoft.com/office/officeart/2005/8/layout/process1"/>
+    <dgm:cxn modelId="{C21346BE-6B39-4AD3-9F67-10CFC4398D3C}" type="presOf" srcId="{91A65AEF-6A15-4A27-BEF4-E1F29341CAE7}" destId="{1886C3BF-2DFE-4372-93A8-70DF5AE5B7BB}" srcOrd="0" destOrd="0" presId="urn:microsoft.com/office/officeart/2005/8/layout/process1"/>
+    <dgm:cxn modelId="{00F6D34C-34A9-4267-BA6D-2341A482C667}" type="presOf" srcId="{DD3773AC-ED19-47CD-9A5C-21D0582A545B}" destId="{34DEC8FB-8A5E-47CA-96DE-B987907461FF}" srcOrd="1" destOrd="0" presId="urn:microsoft.com/office/officeart/2005/8/layout/process1"/>
+    <dgm:cxn modelId="{089EAF4D-0718-4A95-82BC-C9DC79A61562}" srcId="{DD9D1A19-C042-4241-AC1E-CBC58119E3B1}" destId="{81A854F5-D3EB-49EB-AF5F-B56F6C8F5EC5}" srcOrd="0" destOrd="0" parTransId="{56C0F259-9B7E-421E-8F8E-530B0F5CE873}" sibTransId="{9F016FBE-B21A-4F9E-B770-AF7EB9058F08}"/>
+    <dgm:cxn modelId="{E52E4512-9B52-4829-8292-891CD1605CFA}" type="presOf" srcId="{DD9D1A19-C042-4241-AC1E-CBC58119E3B1}" destId="{E1C175A5-344B-46C4-A31A-B19B85FB8577}" srcOrd="0" destOrd="0" presId="urn:microsoft.com/office/officeart/2005/8/layout/process1"/>
+    <dgm:cxn modelId="{274EF8EA-833F-4500-9EC7-213330933E55}" srcId="{91A65AEF-6A15-4A27-BEF4-E1F29341CAE7}" destId="{5E3E51B3-C034-40DA-8D6B-12A51F79F84F}" srcOrd="1" destOrd="0" parTransId="{655E7F96-779F-49AD-864A-E6F2A6C31883}" sibTransId="{D2A9912C-C23B-4036-9067-0181019705BF}"/>
     <dgm:cxn modelId="{79EC4E32-DBFE-4EC9-87D3-E83007DEB976}" srcId="{7F00E8CE-6E56-4F4D-88C9-C0473C61FC8D}" destId="{91A65AEF-6A15-4A27-BEF4-E1F29341CAE7}" srcOrd="2" destOrd="0" parTransId="{73FB7926-F3DC-4072-892E-5CDBC32AC16D}" sibTransId="{26F79743-5592-4A48-AD2F-903A4A3C64B0}"/>
-    <dgm:cxn modelId="{274EF8EA-833F-4500-9EC7-213330933E55}" srcId="{91A65AEF-6A15-4A27-BEF4-E1F29341CAE7}" destId="{5E3E51B3-C034-40DA-8D6B-12A51F79F84F}" srcOrd="1" destOrd="0" parTransId="{655E7F96-779F-49AD-864A-E6F2A6C31883}" sibTransId="{D2A9912C-C23B-4036-9067-0181019705BF}"/>
-    <dgm:cxn modelId="{79AE3E36-3F6D-4B29-A511-5D0B9A6434B9}" type="presOf" srcId="{C466413A-A54D-4592-9067-4A7632047ADD}" destId="{BDAA6788-3D12-47BC-9E42-7D38FDE7F399}" srcOrd="0" destOrd="1" presId="urn:microsoft.com/office/officeart/2005/8/layout/process1"/>
-    <dgm:cxn modelId="{E52E4512-9B52-4829-8292-891CD1605CFA}" type="presOf" srcId="{DD9D1A19-C042-4241-AC1E-CBC58119E3B1}" destId="{E1C175A5-344B-46C4-A31A-B19B85FB8577}" srcOrd="0" destOrd="0" presId="urn:microsoft.com/office/officeart/2005/8/layout/process1"/>
-    <dgm:cxn modelId="{2B471167-3011-4249-B4E4-797FE711F9F1}" srcId="{DD9D1A19-C042-4241-AC1E-CBC58119E3B1}" destId="{169D612B-DA50-42B2-A089-0CD33404C833}" srcOrd="1" destOrd="0" parTransId="{3DBDD095-BAC6-4E38-BFDA-31C50CC1291F}" sibTransId="{D8E076AF-17A9-4432-91BD-D6211BC0EA7C}"/>
-    <dgm:cxn modelId="{089EAF4D-0718-4A95-82BC-C9DC79A61562}" srcId="{DD9D1A19-C042-4241-AC1E-CBC58119E3B1}" destId="{81A854F5-D3EB-49EB-AF5F-B56F6C8F5EC5}" srcOrd="0" destOrd="0" parTransId="{56C0F259-9B7E-421E-8F8E-530B0F5CE873}" sibTransId="{9F016FBE-B21A-4F9E-B770-AF7EB9058F08}"/>
-    <dgm:cxn modelId="{22FC1ECA-E709-46D6-9263-3055451A2D92}" srcId="{DD9D1A19-C042-4241-AC1E-CBC58119E3B1}" destId="{942CFC1C-AA12-4264-A826-2D247FC95085}" srcOrd="2" destOrd="0" parTransId="{7CB0AD2C-A735-4A10-B9FB-A1061338BA5B}" sibTransId="{F0159CE7-914F-482D-8628-34B12113E511}"/>
-    <dgm:cxn modelId="{00CE3C1E-BC5E-4AEE-B410-7750B957FC84}" type="presOf" srcId="{F5351295-5A7B-4686-BA6C-AAD51831210B}" destId="{BDAA6788-3D12-47BC-9E42-7D38FDE7F399}" srcOrd="0" destOrd="2" presId="urn:microsoft.com/office/officeart/2005/8/layout/process1"/>
-    <dgm:cxn modelId="{2E825B25-6EA5-4063-A79B-66B8818EDD05}" type="presOf" srcId="{7F00E8CE-6E56-4F4D-88C9-C0473C61FC8D}" destId="{962DDC3C-372C-41E5-98AF-1BC41210AB0A}" srcOrd="0" destOrd="0" presId="urn:microsoft.com/office/officeart/2005/8/layout/process1"/>
-    <dgm:cxn modelId="{C21346BE-6B39-4AD3-9F67-10CFC4398D3C}" type="presOf" srcId="{91A65AEF-6A15-4A27-BEF4-E1F29341CAE7}" destId="{1886C3BF-2DFE-4372-93A8-70DF5AE5B7BB}" srcOrd="0" destOrd="0" presId="urn:microsoft.com/office/officeart/2005/8/layout/process1"/>
-    <dgm:cxn modelId="{DC9946B6-D564-4A8F-8A08-9E5A6CD74436}" srcId="{91A65AEF-6A15-4A27-BEF4-E1F29341CAE7}" destId="{F1C2D6F1-7C50-4518-AF30-C62830E34870}" srcOrd="0" destOrd="0" parTransId="{00864D43-7BE9-45DA-BAE4-E75E36C45913}" sibTransId="{7AA76297-BF81-4187-8BAD-57F1348D4BB5}"/>
-    <dgm:cxn modelId="{0B7C5417-96E9-4D4D-89AC-6F8D69992060}" type="presOf" srcId="{99DDACEB-7AC2-405D-8C03-62809185729F}" destId="{BDAA6788-3D12-47BC-9E42-7D38FDE7F399}" srcOrd="0" destOrd="3" presId="urn:microsoft.com/office/officeart/2005/8/layout/process1"/>
-    <dgm:cxn modelId="{C1D70DC3-BB6F-4772-8D52-C73C49E18F26}" type="presOf" srcId="{2F1FB023-A283-4CF2-AD92-547252EFD921}" destId="{82CB2603-4A55-4B49-A6E8-B125ED9C9E48}" srcOrd="1" destOrd="0" presId="urn:microsoft.com/office/officeart/2005/8/layout/process1"/>
-    <dgm:cxn modelId="{1C94B997-07FB-4D8B-B2E8-FF341A774F9B}" type="presOf" srcId="{169D612B-DA50-42B2-A089-0CD33404C833}" destId="{E1C175A5-344B-46C4-A31A-B19B85FB8577}" srcOrd="0" destOrd="2" presId="urn:microsoft.com/office/officeart/2005/8/layout/process1"/>
-    <dgm:cxn modelId="{B4F95DF4-F8F0-49E1-8506-908FAFE11139}" srcId="{7F00E8CE-6E56-4F4D-88C9-C0473C61FC8D}" destId="{DD9D1A19-C042-4241-AC1E-CBC58119E3B1}" srcOrd="1" destOrd="0" parTransId="{777BD4C7-AAA8-4A81-829D-A0D2FF6AA15F}" sibTransId="{2F1FB023-A283-4CF2-AD92-547252EFD921}"/>
-    <dgm:cxn modelId="{64F483B0-D56E-4E51-A12A-C615B4470DED}" srcId="{0446C03C-E073-45AB-A9C8-06443FEA1350}" destId="{99DDACEB-7AC2-405D-8C03-62809185729F}" srcOrd="2" destOrd="0" parTransId="{FE885667-BCFC-4070-85A3-7E7661061007}" sibTransId="{3060AE7B-8CF2-467E-AFA3-68FF2185B41A}"/>
-    <dgm:cxn modelId="{7D477BAE-EA9F-4D3C-AE9E-B69332CB574A}" type="presOf" srcId="{DD3773AC-ED19-47CD-9A5C-21D0582A545B}" destId="{1F338E8C-445B-4795-9DFA-DDBCD4CD0223}" srcOrd="0" destOrd="0" presId="urn:microsoft.com/office/officeart/2005/8/layout/process1"/>
-    <dgm:cxn modelId="{00F6D34C-34A9-4267-BA6D-2341A482C667}" type="presOf" srcId="{DD3773AC-ED19-47CD-9A5C-21D0582A545B}" destId="{34DEC8FB-8A5E-47CA-96DE-B987907461FF}" srcOrd="1" destOrd="0" presId="urn:microsoft.com/office/officeart/2005/8/layout/process1"/>
-    <dgm:cxn modelId="{6CA895F7-DC0B-4666-938A-B116866643B2}" type="presOf" srcId="{7305E311-BA18-4725-86B1-D9DF66556862}" destId="{1886C3BF-2DFE-4372-93A8-70DF5AE5B7BB}" srcOrd="0" destOrd="3" presId="urn:microsoft.com/office/officeart/2005/8/layout/process1"/>
-    <dgm:cxn modelId="{7F065C32-943E-4B45-992C-FEEA645ADE92}" type="presOf" srcId="{0446C03C-E073-45AB-A9C8-06443FEA1350}" destId="{BDAA6788-3D12-47BC-9E42-7D38FDE7F399}" srcOrd="0" destOrd="0" presId="urn:microsoft.com/office/officeart/2005/8/layout/process1"/>
-    <dgm:cxn modelId="{932179C8-46BB-4EBA-B01E-CFBCCFA4DC21}" type="presOf" srcId="{AE78AC46-7E52-44F4-B2B2-7CE10099D6ED}" destId="{E1C175A5-344B-46C4-A31A-B19B85FB8577}" srcOrd="0" destOrd="4" presId="urn:microsoft.com/office/officeart/2005/8/layout/process1"/>
-    <dgm:cxn modelId="{46EEA246-DA9F-4BBB-89F1-BFFE8CD15378}" srcId="{7F00E8CE-6E56-4F4D-88C9-C0473C61FC8D}" destId="{0446C03C-E073-45AB-A9C8-06443FEA1350}" srcOrd="0" destOrd="0" parTransId="{166EBAF9-EA67-41C7-9543-4E7B353618A0}" sibTransId="{DD3773AC-ED19-47CD-9A5C-21D0582A545B}"/>
-    <dgm:cxn modelId="{BCA9A3D5-D437-4983-9C4A-142C813CBF20}" srcId="{DD9D1A19-C042-4241-AC1E-CBC58119E3B1}" destId="{AE78AC46-7E52-44F4-B2B2-7CE10099D6ED}" srcOrd="3" destOrd="0" parTransId="{F3154323-2D0F-4AA8-BDA6-3039AF34A32D}" sibTransId="{38B06FD4-3BA9-4425-90CA-E27CB0EB86EA}"/>
-    <dgm:cxn modelId="{97963869-47A2-410C-957F-FA9E0ABBA8EA}" type="presOf" srcId="{81A854F5-D3EB-49EB-AF5F-B56F6C8F5EC5}" destId="{E1C175A5-344B-46C4-A31A-B19B85FB8577}" srcOrd="0" destOrd="1" presId="urn:microsoft.com/office/officeart/2005/8/layout/process1"/>
+    <dgm:cxn modelId="{AC0F4E34-1EE9-4B66-99B0-32ECCF3AFCEA}" srcId="{91A65AEF-6A15-4A27-BEF4-E1F29341CAE7}" destId="{7305E311-BA18-4725-86B1-D9DF66556862}" srcOrd="2" destOrd="0" parTransId="{35EE8319-C046-48CC-965F-761964A1A1D8}" sibTransId="{BAA32ABE-2C94-4499-B5F5-1BE81733AACE}"/>
     <dgm:cxn modelId="{FEE8B482-E279-4E5C-BE13-C7106536C100}" srcId="{0446C03C-E073-45AB-A9C8-06443FEA1350}" destId="{F5351295-5A7B-4686-BA6C-AAD51831210B}" srcOrd="1" destOrd="0" parTransId="{8DB328E6-5015-4445-94EC-9C99E54FD70D}" sibTransId="{C5A711CA-AA1A-4629-BB87-67B93CCD2D61}"/>
-    <dgm:cxn modelId="{70398382-2953-4312-9820-0DB9982CAEDB}" type="presOf" srcId="{2F1FB023-A283-4CF2-AD92-547252EFD921}" destId="{F461BE5B-401D-414A-9175-B95B6C23DC9D}" srcOrd="0" destOrd="0" presId="urn:microsoft.com/office/officeart/2005/8/layout/process1"/>
-    <dgm:cxn modelId="{57DFCDEE-5952-43CC-BCE2-536517B17C25}" type="presOf" srcId="{5E3E51B3-C034-40DA-8D6B-12A51F79F84F}" destId="{1886C3BF-2DFE-4372-93A8-70DF5AE5B7BB}" srcOrd="0" destOrd="2" presId="urn:microsoft.com/office/officeart/2005/8/layout/process1"/>
-    <dgm:cxn modelId="{8F4B5199-D290-4C54-BFDB-FAFDE984C92C}" type="presOf" srcId="{942CFC1C-AA12-4264-A826-2D247FC95085}" destId="{E1C175A5-344B-46C4-A31A-B19B85FB8577}" srcOrd="0" destOrd="3" presId="urn:microsoft.com/office/officeart/2005/8/layout/process1"/>
-    <dgm:cxn modelId="{AC0F4E34-1EE9-4B66-99B0-32ECCF3AFCEA}" srcId="{91A65AEF-6A15-4A27-BEF4-E1F29341CAE7}" destId="{7305E311-BA18-4725-86B1-D9DF66556862}" srcOrd="2" destOrd="0" parTransId="{35EE8319-C046-48CC-965F-761964A1A1D8}" sibTransId="{BAA32ABE-2C94-4499-B5F5-1BE81733AACE}"/>
-    <dgm:cxn modelId="{A35BA005-231A-4DF5-ACF3-C891B914081F}" type="presOf" srcId="{F1C2D6F1-7C50-4518-AF30-C62830E34870}" destId="{1886C3BF-2DFE-4372-93A8-70DF5AE5B7BB}" srcOrd="0" destOrd="1" presId="urn:microsoft.com/office/officeart/2005/8/layout/process1"/>
     <dgm:cxn modelId="{1384C4A0-1E04-4060-89DC-38ACFD604295}" type="presParOf" srcId="{962DDC3C-372C-41E5-98AF-1BC41210AB0A}" destId="{BDAA6788-3D12-47BC-9E42-7D38FDE7F399}" srcOrd="0" destOrd="0" presId="urn:microsoft.com/office/officeart/2005/8/layout/process1"/>
     <dgm:cxn modelId="{6914B89C-996B-4428-B6D6-4F300640B65E}" type="presParOf" srcId="{962DDC3C-372C-41E5-98AF-1BC41210AB0A}" destId="{1F338E8C-445B-4795-9DFA-DDBCD4CD0223}" srcOrd="1" destOrd="0" presId="urn:microsoft.com/office/officeart/2005/8/layout/process1"/>
     <dgm:cxn modelId="{09391D10-8263-4063-ACCB-80C26E2DCE68}" type="presParOf" srcId="{1F338E8C-445B-4795-9DFA-DDBCD4CD0223}" destId="{34DEC8FB-8A5E-47CA-96DE-B987907461FF}" srcOrd="0" destOrd="0" presId="urn:microsoft.com/office/officeart/2005/8/layout/process1"/>
@@ -3383,35 +4070,14 @@
         </dgm:presLayoutVars>
       </dgm:prSet>
       <dgm:spPr/>
-      <dgm:t>
-        <a:bodyPr/>
-        <a:lstStyle/>
-        <a:p>
-          <a:endParaRPr lang="en-US"/>
-        </a:p>
-      </dgm:t>
     </dgm:pt>
     <dgm:pt modelId="{88EDF64E-35BB-481B-B11A-F08915958068}" type="pres">
       <dgm:prSet presAssocID="{E892C2B4-4244-468D-917A-E776E4200961}" presName="sibTrans" presStyleLbl="sibTrans2D1" presStyleIdx="0" presStyleCnt="1"/>
       <dgm:spPr/>
-      <dgm:t>
-        <a:bodyPr/>
-        <a:lstStyle/>
-        <a:p>
-          <a:endParaRPr lang="en-US"/>
-        </a:p>
-      </dgm:t>
     </dgm:pt>
     <dgm:pt modelId="{F3C8F6A7-EE57-4CE9-92F3-C5249F31F420}" type="pres">
       <dgm:prSet presAssocID="{E892C2B4-4244-468D-917A-E776E4200961}" presName="connectorText" presStyleLbl="sibTrans2D1" presStyleIdx="0" presStyleCnt="1"/>
       <dgm:spPr/>
-      <dgm:t>
-        <a:bodyPr/>
-        <a:lstStyle/>
-        <a:p>
-          <a:endParaRPr lang="en-US"/>
-        </a:p>
-      </dgm:t>
     </dgm:pt>
     <dgm:pt modelId="{174F3DC6-92D1-46F3-BBD6-C834F6469487}" type="pres">
       <dgm:prSet presAssocID="{3E86D3FA-BD3A-4833-9766-85B4B2E840DF}" presName="node" presStyleLbl="node1" presStyleIdx="1" presStyleCnt="2">
@@ -3420,13 +4086,6 @@
         </dgm:presLayoutVars>
       </dgm:prSet>
       <dgm:spPr/>
-      <dgm:t>
-        <a:bodyPr/>
-        <a:lstStyle/>
-        <a:p>
-          <a:endParaRPr lang="en-US"/>
-        </a:p>
-      </dgm:t>
     </dgm:pt>
   </dgm:ptLst>
   <dgm:cxnLst>
@@ -3627,35 +4286,14 @@
         </dgm:presLayoutVars>
       </dgm:prSet>
       <dgm:spPr/>
-      <dgm:t>
-        <a:bodyPr/>
-        <a:lstStyle/>
-        <a:p>
-          <a:endParaRPr lang="en-US"/>
-        </a:p>
-      </dgm:t>
     </dgm:pt>
     <dgm:pt modelId="{F743BBA3-F85A-4955-B22D-74C8A453CDA2}" type="pres">
       <dgm:prSet presAssocID="{652A2CBE-7EEC-43CF-9E13-4590DEBC9582}" presName="sibTrans" presStyleLbl="sibTrans2D1" presStyleIdx="0" presStyleCnt="3"/>
       <dgm:spPr/>
-      <dgm:t>
-        <a:bodyPr/>
-        <a:lstStyle/>
-        <a:p>
-          <a:endParaRPr lang="en-US"/>
-        </a:p>
-      </dgm:t>
     </dgm:pt>
     <dgm:pt modelId="{8B8B4377-0697-45FC-A640-F2CE0A54A7DA}" type="pres">
       <dgm:prSet presAssocID="{652A2CBE-7EEC-43CF-9E13-4590DEBC9582}" presName="connectorText" presStyleLbl="sibTrans2D1" presStyleIdx="0" presStyleCnt="3"/>
       <dgm:spPr/>
-      <dgm:t>
-        <a:bodyPr/>
-        <a:lstStyle/>
-        <a:p>
-          <a:endParaRPr lang="en-US"/>
-        </a:p>
-      </dgm:t>
     </dgm:pt>
     <dgm:pt modelId="{34C7BCB3-04DB-45C7-9A42-320BFF7BC6DD}" type="pres">
       <dgm:prSet presAssocID="{BF1D83B5-B3DF-493F-A256-78F574499C76}" presName="node" presStyleLbl="node1" presStyleIdx="1" presStyleCnt="4">
@@ -3664,35 +4302,14 @@
         </dgm:presLayoutVars>
       </dgm:prSet>
       <dgm:spPr/>
-      <dgm:t>
-        <a:bodyPr/>
-        <a:lstStyle/>
-        <a:p>
-          <a:endParaRPr lang="en-US"/>
-        </a:p>
-      </dgm:t>
     </dgm:pt>
     <dgm:pt modelId="{9C101147-473E-42D2-A0E5-5ABF38B50C73}" type="pres">
       <dgm:prSet presAssocID="{C3C10AC9-1ADB-403C-A703-3E7E7FA57BF8}" presName="sibTrans" presStyleLbl="sibTrans2D1" presStyleIdx="1" presStyleCnt="3"/>
       <dgm:spPr/>
-      <dgm:t>
-        <a:bodyPr/>
-        <a:lstStyle/>
-        <a:p>
-          <a:endParaRPr lang="en-US"/>
-        </a:p>
-      </dgm:t>
     </dgm:pt>
     <dgm:pt modelId="{8DC65580-354A-49B6-A367-B6A9A3244483}" type="pres">
       <dgm:prSet presAssocID="{C3C10AC9-1ADB-403C-A703-3E7E7FA57BF8}" presName="connectorText" presStyleLbl="sibTrans2D1" presStyleIdx="1" presStyleCnt="3"/>
       <dgm:spPr/>
-      <dgm:t>
-        <a:bodyPr/>
-        <a:lstStyle/>
-        <a:p>
-          <a:endParaRPr lang="en-US"/>
-        </a:p>
-      </dgm:t>
     </dgm:pt>
     <dgm:pt modelId="{732646D0-614E-4567-8EB3-FE5BADE041C4}" type="pres">
       <dgm:prSet presAssocID="{9943014D-8C6E-463D-A613-48F23D4519B7}" presName="node" presStyleLbl="node1" presStyleIdx="2" presStyleCnt="4">
@@ -3701,35 +4318,14 @@
         </dgm:presLayoutVars>
       </dgm:prSet>
       <dgm:spPr/>
-      <dgm:t>
-        <a:bodyPr/>
-        <a:lstStyle/>
-        <a:p>
-          <a:endParaRPr lang="en-US"/>
-        </a:p>
-      </dgm:t>
     </dgm:pt>
     <dgm:pt modelId="{C450CEE9-1A94-4A67-8B6D-B4519DBA50F0}" type="pres">
       <dgm:prSet presAssocID="{E1FFF456-3F57-4AA5-801E-995CE96CAF64}" presName="sibTrans" presStyleLbl="sibTrans2D1" presStyleIdx="2" presStyleCnt="3"/>
       <dgm:spPr/>
-      <dgm:t>
-        <a:bodyPr/>
-        <a:lstStyle/>
-        <a:p>
-          <a:endParaRPr lang="en-US"/>
-        </a:p>
-      </dgm:t>
     </dgm:pt>
     <dgm:pt modelId="{42481493-BF49-4D21-914E-E49B566E00C1}" type="pres">
       <dgm:prSet presAssocID="{E1FFF456-3F57-4AA5-801E-995CE96CAF64}" presName="connectorText" presStyleLbl="sibTrans2D1" presStyleIdx="2" presStyleCnt="3"/>
       <dgm:spPr/>
-      <dgm:t>
-        <a:bodyPr/>
-        <a:lstStyle/>
-        <a:p>
-          <a:endParaRPr lang="en-US"/>
-        </a:p>
-      </dgm:t>
     </dgm:pt>
     <dgm:pt modelId="{E1A97CE5-89F8-4DCF-B4DC-A0ABABE32E9B}" type="pres">
       <dgm:prSet presAssocID="{727CD113-AE2A-4DE5-BC4F-9A72EB55259C}" presName="node" presStyleLbl="node1" presStyleIdx="3" presStyleCnt="4">
@@ -3738,13 +4334,6 @@
         </dgm:presLayoutVars>
       </dgm:prSet>
       <dgm:spPr/>
-      <dgm:t>
-        <a:bodyPr/>
-        <a:lstStyle/>
-        <a:p>
-          <a:endParaRPr lang="en-US"/>
-        </a:p>
-      </dgm:t>
     </dgm:pt>
   </dgm:ptLst>
   <dgm:cxnLst>
@@ -3779,6 +4368,721 @@
   <dgm:extLst>
     <a:ext uri="http://schemas.microsoft.com/office/drawing/2008/diagram">
       <dsp:dataModelExt xmlns:dsp="http://schemas.microsoft.com/office/drawing/2008/diagram" relId="rId6" minVer="http://schemas.openxmlformats.org/drawingml/2006/diagram"/>
+    </a:ext>
+  </dgm:extLst>
+</dgm:dataModel>
+</file>
+
+<file path=ppt/diagrams/data4.xml><?xml version="1.0" encoding="utf-8"?>
+<dgm:dataModel xmlns:dgm="http://schemas.openxmlformats.org/drawingml/2006/diagram" xmlns:a="http://schemas.openxmlformats.org/drawingml/2006/main">
+  <dgm:ptLst>
+    <dgm:pt modelId="{BEEE7082-E0E7-40EB-A40B-33E6BC64CCC8}" type="doc">
+      <dgm:prSet loTypeId="urn:microsoft.com/office/officeart/2005/8/layout/StepDownProcess" loCatId="process" qsTypeId="urn:microsoft.com/office/officeart/2005/8/quickstyle/simple1" qsCatId="simple" csTypeId="urn:microsoft.com/office/officeart/2005/8/colors/accent1_2" csCatId="accent1" phldr="1"/>
+      <dgm:spPr/>
+      <dgm:t>
+        <a:bodyPr/>
+        <a:lstStyle/>
+        <a:p>
+          <a:endParaRPr lang="en-US"/>
+        </a:p>
+      </dgm:t>
+    </dgm:pt>
+    <dgm:pt modelId="{EC62BD84-3ADA-4D62-A238-5C25F36574A7}">
+      <dgm:prSet phldrT="[Text]"/>
+      <dgm:spPr/>
+      <dgm:t>
+        <a:bodyPr/>
+        <a:lstStyle/>
+        <a:p>
+          <a:r>
+            <a:rPr lang="en-US" dirty="0"/>
+            <a:t>Read counts</a:t>
+          </a:r>
+        </a:p>
+      </dgm:t>
+    </dgm:pt>
+    <dgm:pt modelId="{A0C4FF4B-F472-439F-9DBC-2921C156DAF5}" type="parTrans" cxnId="{45311948-ECF7-4ADE-BDB0-F3799E3A4807}">
+      <dgm:prSet/>
+      <dgm:spPr/>
+      <dgm:t>
+        <a:bodyPr/>
+        <a:lstStyle/>
+        <a:p>
+          <a:endParaRPr lang="en-US"/>
+        </a:p>
+      </dgm:t>
+    </dgm:pt>
+    <dgm:pt modelId="{950750D0-60DF-4E9F-A820-AFB7EBB48E58}" type="sibTrans" cxnId="{45311948-ECF7-4ADE-BDB0-F3799E3A4807}">
+      <dgm:prSet/>
+      <dgm:spPr/>
+      <dgm:t>
+        <a:bodyPr/>
+        <a:lstStyle/>
+        <a:p>
+          <a:endParaRPr lang="en-US"/>
+        </a:p>
+      </dgm:t>
+    </dgm:pt>
+    <dgm:pt modelId="{6F0B59D3-5BB7-480F-A125-289A3626EC6A}">
+      <dgm:prSet phldrT="[Text]"/>
+      <dgm:spPr/>
+      <dgm:t>
+        <a:bodyPr/>
+        <a:lstStyle/>
+        <a:p>
+          <a:r>
+            <a:rPr lang="en-US" dirty="0" err="1"/>
+            <a:t>edgeR</a:t>
+          </a:r>
+          <a:endParaRPr lang="en-US" dirty="0"/>
+        </a:p>
+      </dgm:t>
+    </dgm:pt>
+    <dgm:pt modelId="{5CED9AA4-78BF-410A-8110-879A5671AFEA}" type="parTrans" cxnId="{4141A36B-3CEF-4F27-B76B-60A5EB50843E}">
+      <dgm:prSet/>
+      <dgm:spPr/>
+      <dgm:t>
+        <a:bodyPr/>
+        <a:lstStyle/>
+        <a:p>
+          <a:endParaRPr lang="en-US"/>
+        </a:p>
+      </dgm:t>
+    </dgm:pt>
+    <dgm:pt modelId="{E4DFCDFB-CC6D-412D-B9CC-65AFB735C5F8}" type="sibTrans" cxnId="{4141A36B-3CEF-4F27-B76B-60A5EB50843E}">
+      <dgm:prSet/>
+      <dgm:spPr/>
+      <dgm:t>
+        <a:bodyPr/>
+        <a:lstStyle/>
+        <a:p>
+          <a:endParaRPr lang="en-US"/>
+        </a:p>
+      </dgm:t>
+    </dgm:pt>
+    <dgm:pt modelId="{67594A18-8BF6-496C-A000-0D9DD1029B4F}">
+      <dgm:prSet phldrT="[Text]"/>
+      <dgm:spPr/>
+      <dgm:t>
+        <a:bodyPr/>
+        <a:lstStyle/>
+        <a:p>
+          <a:r>
+            <a:rPr lang="en-US" dirty="0"/>
+            <a:t>Filter</a:t>
+          </a:r>
+        </a:p>
+      </dgm:t>
+    </dgm:pt>
+    <dgm:pt modelId="{FEEDBEA9-2BB5-4AD6-BDFF-84995CADACAC}" type="parTrans" cxnId="{43E349EC-368F-446B-A7C1-57C7E0D5C91B}">
+      <dgm:prSet/>
+      <dgm:spPr/>
+      <dgm:t>
+        <a:bodyPr/>
+        <a:lstStyle/>
+        <a:p>
+          <a:endParaRPr lang="en-US"/>
+        </a:p>
+      </dgm:t>
+    </dgm:pt>
+    <dgm:pt modelId="{84DB37C6-42F4-416A-B64E-7607627251ED}" type="sibTrans" cxnId="{43E349EC-368F-446B-A7C1-57C7E0D5C91B}">
+      <dgm:prSet/>
+      <dgm:spPr/>
+      <dgm:t>
+        <a:bodyPr/>
+        <a:lstStyle/>
+        <a:p>
+          <a:endParaRPr lang="en-US"/>
+        </a:p>
+      </dgm:t>
+    </dgm:pt>
+    <dgm:pt modelId="{20A68923-1C47-4CC6-A19F-58CD6B9A8FB1}">
+      <dgm:prSet phldrT="[Text]"/>
+      <dgm:spPr/>
+      <dgm:t>
+        <a:bodyPr/>
+        <a:lstStyle/>
+        <a:p>
+          <a:endParaRPr lang="en-US" dirty="0"/>
+        </a:p>
+      </dgm:t>
+    </dgm:pt>
+    <dgm:pt modelId="{436202B4-BB46-4799-8079-780489874E72}" type="parTrans" cxnId="{0FDEE153-56F9-4E6A-BA60-75A1CF5668E7}">
+      <dgm:prSet/>
+      <dgm:spPr/>
+      <dgm:t>
+        <a:bodyPr/>
+        <a:lstStyle/>
+        <a:p>
+          <a:endParaRPr lang="en-US"/>
+        </a:p>
+      </dgm:t>
+    </dgm:pt>
+    <dgm:pt modelId="{498DD8B1-DA82-468B-8905-BA9E617BE3B5}" type="sibTrans" cxnId="{0FDEE153-56F9-4E6A-BA60-75A1CF5668E7}">
+      <dgm:prSet/>
+      <dgm:spPr/>
+      <dgm:t>
+        <a:bodyPr/>
+        <a:lstStyle/>
+        <a:p>
+          <a:endParaRPr lang="en-US"/>
+        </a:p>
+      </dgm:t>
+    </dgm:pt>
+    <dgm:pt modelId="{CB4D03F2-A463-483F-B6E9-E0DF88327D26}">
+      <dgm:prSet phldrT="[Text]"/>
+      <dgm:spPr/>
+      <dgm:t>
+        <a:bodyPr/>
+        <a:lstStyle/>
+        <a:p>
+          <a:r>
+            <a:rPr lang="en-US" dirty="0"/>
+            <a:t>Normalize</a:t>
+          </a:r>
+        </a:p>
+      </dgm:t>
+    </dgm:pt>
+    <dgm:pt modelId="{748FBDB0-DFBF-4C9C-8486-DB0FE0ED7631}" type="parTrans" cxnId="{68324F57-17F6-4C65-8BE6-9D310FB85F9B}">
+      <dgm:prSet/>
+      <dgm:spPr/>
+      <dgm:t>
+        <a:bodyPr/>
+        <a:lstStyle/>
+        <a:p>
+          <a:endParaRPr lang="en-US"/>
+        </a:p>
+      </dgm:t>
+    </dgm:pt>
+    <dgm:pt modelId="{45EA78CC-ED60-44A4-B35A-4F4D41AD9074}" type="sibTrans" cxnId="{68324F57-17F6-4C65-8BE6-9D310FB85F9B}">
+      <dgm:prSet/>
+      <dgm:spPr/>
+      <dgm:t>
+        <a:bodyPr/>
+        <a:lstStyle/>
+        <a:p>
+          <a:endParaRPr lang="en-US"/>
+        </a:p>
+      </dgm:t>
+    </dgm:pt>
+    <dgm:pt modelId="{92513214-5084-4272-9D93-357D7B9D089E}">
+      <dgm:prSet phldrT="[Text]"/>
+      <dgm:spPr/>
+      <dgm:t>
+        <a:bodyPr/>
+        <a:lstStyle/>
+        <a:p>
+          <a:r>
+            <a:rPr lang="en-US" dirty="0"/>
+            <a:t>MDS</a:t>
+          </a:r>
+        </a:p>
+      </dgm:t>
+    </dgm:pt>
+    <dgm:pt modelId="{E2896F5A-8AC9-4E9F-88ED-06C2103DC8EB}" type="parTrans" cxnId="{C9D6D2B8-257D-43B8-8678-F6A0E41E7134}">
+      <dgm:prSet/>
+      <dgm:spPr/>
+      <dgm:t>
+        <a:bodyPr/>
+        <a:lstStyle/>
+        <a:p>
+          <a:endParaRPr lang="en-US"/>
+        </a:p>
+      </dgm:t>
+    </dgm:pt>
+    <dgm:pt modelId="{01819F79-1668-4A37-91DE-3BD5691D58FA}" type="sibTrans" cxnId="{C9D6D2B8-257D-43B8-8678-F6A0E41E7134}">
+      <dgm:prSet/>
+      <dgm:spPr/>
+      <dgm:t>
+        <a:bodyPr/>
+        <a:lstStyle/>
+        <a:p>
+          <a:endParaRPr lang="en-US"/>
+        </a:p>
+      </dgm:t>
+    </dgm:pt>
+    <dgm:pt modelId="{9EE104D1-5DA8-49BF-B7BC-C172B136828F}">
+      <dgm:prSet phldrT="[Text]"/>
+      <dgm:spPr/>
+      <dgm:t>
+        <a:bodyPr/>
+        <a:lstStyle/>
+        <a:p>
+          <a:r>
+            <a:rPr lang="en-US" dirty="0"/>
+            <a:t>TMM</a:t>
+          </a:r>
+        </a:p>
+      </dgm:t>
+    </dgm:pt>
+    <dgm:pt modelId="{C0052ED8-D696-4E7A-BA2D-2CE3DFFE55EA}" type="parTrans" cxnId="{8847C9E2-6AED-4B7F-8B49-F6EBD615DED7}">
+      <dgm:prSet/>
+      <dgm:spPr/>
+      <dgm:t>
+        <a:bodyPr/>
+        <a:lstStyle/>
+        <a:p>
+          <a:endParaRPr lang="en-US"/>
+        </a:p>
+      </dgm:t>
+    </dgm:pt>
+    <dgm:pt modelId="{02B471FA-85AB-4CDC-BA43-6E43C34E3FC3}" type="sibTrans" cxnId="{8847C9E2-6AED-4B7F-8B49-F6EBD615DED7}">
+      <dgm:prSet/>
+      <dgm:spPr/>
+      <dgm:t>
+        <a:bodyPr/>
+        <a:lstStyle/>
+        <a:p>
+          <a:endParaRPr lang="en-US"/>
+        </a:p>
+      </dgm:t>
+    </dgm:pt>
+    <dgm:pt modelId="{74F98B7C-30AE-4741-94A0-EDC036253585}">
+      <dgm:prSet phldrT="[Text]"/>
+      <dgm:spPr/>
+      <dgm:t>
+        <a:bodyPr/>
+        <a:lstStyle/>
+        <a:p>
+          <a:r>
+            <a:rPr lang="en-US" dirty="0"/>
+            <a:t>Design matrix</a:t>
+          </a:r>
+        </a:p>
+      </dgm:t>
+    </dgm:pt>
+    <dgm:pt modelId="{01CE2219-8A66-461E-ADF3-A1505FD2746B}" type="parTrans" cxnId="{68BB09CE-FF81-410D-A3A1-0BB887ADA665}">
+      <dgm:prSet/>
+      <dgm:spPr/>
+      <dgm:t>
+        <a:bodyPr/>
+        <a:lstStyle/>
+        <a:p>
+          <a:endParaRPr lang="en-US"/>
+        </a:p>
+      </dgm:t>
+    </dgm:pt>
+    <dgm:pt modelId="{86E1F1B4-C851-4BFE-8C51-011F9845B2E8}" type="sibTrans" cxnId="{68BB09CE-FF81-410D-A3A1-0BB887ADA665}">
+      <dgm:prSet/>
+      <dgm:spPr/>
+      <dgm:t>
+        <a:bodyPr/>
+        <a:lstStyle/>
+        <a:p>
+          <a:endParaRPr lang="en-US"/>
+        </a:p>
+      </dgm:t>
+    </dgm:pt>
+    <dgm:pt modelId="{B4C33871-7DA1-44A1-BE5E-9A939EA109E0}">
+      <dgm:prSet phldrT="[Text]"/>
+      <dgm:spPr/>
+      <dgm:t>
+        <a:bodyPr/>
+        <a:lstStyle/>
+        <a:p>
+          <a:r>
+            <a:rPr lang="en-US" dirty="0"/>
+            <a:t>Pairwise Comparison</a:t>
+          </a:r>
+        </a:p>
+      </dgm:t>
+    </dgm:pt>
+    <dgm:pt modelId="{19FBC463-9349-4F98-911F-EF6F975460F0}" type="parTrans" cxnId="{22CC8098-0925-42CD-9C1D-24887F6D8C85}">
+      <dgm:prSet/>
+      <dgm:spPr/>
+      <dgm:t>
+        <a:bodyPr/>
+        <a:lstStyle/>
+        <a:p>
+          <a:endParaRPr lang="en-US"/>
+        </a:p>
+      </dgm:t>
+    </dgm:pt>
+    <dgm:pt modelId="{D37605B2-7AA9-4548-BD9D-1B13587547B0}" type="sibTrans" cxnId="{22CC8098-0925-42CD-9C1D-24887F6D8C85}">
+      <dgm:prSet/>
+      <dgm:spPr/>
+      <dgm:t>
+        <a:bodyPr/>
+        <a:lstStyle/>
+        <a:p>
+          <a:endParaRPr lang="en-US"/>
+        </a:p>
+      </dgm:t>
+    </dgm:pt>
+    <dgm:pt modelId="{2EE1CE90-E28E-4EF8-A0B4-7814672DAF61}">
+      <dgm:prSet phldrT="[Text]"/>
+      <dgm:spPr/>
+      <dgm:t>
+        <a:bodyPr/>
+        <a:lstStyle/>
+        <a:p>
+          <a:r>
+            <a:rPr lang="en-US" dirty="0"/>
+            <a:t>Heatmap Clustering</a:t>
+          </a:r>
+        </a:p>
+      </dgm:t>
+    </dgm:pt>
+    <dgm:pt modelId="{68A56683-A6EE-4422-816F-CF2AB43BE4B0}" type="parTrans" cxnId="{FC267412-9A2D-4CAE-8519-23FC942C39BA}">
+      <dgm:prSet/>
+      <dgm:spPr/>
+      <dgm:t>
+        <a:bodyPr/>
+        <a:lstStyle/>
+        <a:p>
+          <a:endParaRPr lang="en-US"/>
+        </a:p>
+      </dgm:t>
+    </dgm:pt>
+    <dgm:pt modelId="{9A0C1107-39F3-4C78-89AA-C14D06FA0482}" type="sibTrans" cxnId="{FC267412-9A2D-4CAE-8519-23FC942C39BA}">
+      <dgm:prSet/>
+      <dgm:spPr/>
+      <dgm:t>
+        <a:bodyPr/>
+        <a:lstStyle/>
+        <a:p>
+          <a:endParaRPr lang="en-US"/>
+        </a:p>
+      </dgm:t>
+    </dgm:pt>
+    <dgm:pt modelId="{4A4A4B22-2473-41AC-AC6B-02DF09448837}">
+      <dgm:prSet phldrT="[Text]"/>
+      <dgm:spPr/>
+      <dgm:t>
+        <a:bodyPr/>
+        <a:lstStyle/>
+        <a:p>
+          <a:r>
+            <a:rPr lang="en-US" dirty="0"/>
+            <a:t>(~</a:t>
+          </a:r>
+          <a:r>
+            <a:rPr lang="en-US" dirty="0" err="1"/>
+            <a:t>line+sex</a:t>
+          </a:r>
+          <a:r>
+            <a:rPr lang="en-US" dirty="0"/>
+            <a:t>)</a:t>
+          </a:r>
+        </a:p>
+      </dgm:t>
+    </dgm:pt>
+    <dgm:pt modelId="{E2E687BD-6AB7-4903-B22F-D79E4C2F0694}" type="parTrans" cxnId="{4ACA1434-5613-4559-A527-5FF131A7A715}">
+      <dgm:prSet/>
+      <dgm:spPr/>
+    </dgm:pt>
+    <dgm:pt modelId="{4F4FB59D-1B17-4854-B926-F1AFC86A7723}" type="sibTrans" cxnId="{4ACA1434-5613-4559-A527-5FF131A7A715}">
+      <dgm:prSet/>
+      <dgm:spPr/>
+    </dgm:pt>
+    <dgm:pt modelId="{BF109C1A-D6D2-4A9D-BDE6-C66F4C4884E5}">
+      <dgm:prSet phldrT="[Text]"/>
+      <dgm:spPr/>
+      <dgm:t>
+        <a:bodyPr/>
+        <a:lstStyle/>
+        <a:p>
+          <a:r>
+            <a:rPr lang="en-US" dirty="0" err="1"/>
+            <a:t>glmLTR</a:t>
+          </a:r>
+          <a:r>
+            <a:rPr lang="en-US" dirty="0"/>
+            <a:t>()</a:t>
+          </a:r>
+        </a:p>
+      </dgm:t>
+    </dgm:pt>
+    <dgm:pt modelId="{56C68A0C-AEF5-4BF6-BA1D-544D8918025D}" type="parTrans" cxnId="{310A1EF9-F197-405E-8369-7BE4F64F5A7C}">
+      <dgm:prSet/>
+      <dgm:spPr/>
+    </dgm:pt>
+    <dgm:pt modelId="{FA105F86-8CCD-48E1-AB0A-3B4E4CBFC30C}" type="sibTrans" cxnId="{310A1EF9-F197-405E-8369-7BE4F64F5A7C}">
+      <dgm:prSet/>
+      <dgm:spPr/>
+    </dgm:pt>
+    <dgm:pt modelId="{039BB48C-F966-4AB5-8439-B89E0B0A360C}" type="pres">
+      <dgm:prSet presAssocID="{BEEE7082-E0E7-40EB-A40B-33E6BC64CCC8}" presName="rootnode" presStyleCnt="0">
+        <dgm:presLayoutVars>
+          <dgm:chMax/>
+          <dgm:chPref/>
+          <dgm:dir/>
+          <dgm:animLvl val="lvl"/>
+        </dgm:presLayoutVars>
+      </dgm:prSet>
+      <dgm:spPr/>
+    </dgm:pt>
+    <dgm:pt modelId="{AB8C601B-4365-4E3A-9CA6-9D06E9BCDD70}" type="pres">
+      <dgm:prSet presAssocID="{EC62BD84-3ADA-4D62-A238-5C25F36574A7}" presName="composite" presStyleCnt="0"/>
+      <dgm:spPr/>
+    </dgm:pt>
+    <dgm:pt modelId="{695C06EB-3839-4851-AAE1-21648D935AE8}" type="pres">
+      <dgm:prSet presAssocID="{EC62BD84-3ADA-4D62-A238-5C25F36574A7}" presName="bentUpArrow1" presStyleLbl="alignImgPlace1" presStyleIdx="0" presStyleCnt="6"/>
+      <dgm:spPr/>
+    </dgm:pt>
+    <dgm:pt modelId="{B3D5E33F-A884-4A6B-BA8B-AC7F2E2F3CD9}" type="pres">
+      <dgm:prSet presAssocID="{EC62BD84-3ADA-4D62-A238-5C25F36574A7}" presName="ParentText" presStyleLbl="node1" presStyleIdx="0" presStyleCnt="7" custLinFactNeighborX="1169" custLinFactNeighborY="-2437">
+        <dgm:presLayoutVars>
+          <dgm:chMax val="1"/>
+          <dgm:chPref val="1"/>
+          <dgm:bulletEnabled val="1"/>
+        </dgm:presLayoutVars>
+      </dgm:prSet>
+      <dgm:spPr/>
+    </dgm:pt>
+    <dgm:pt modelId="{2B70D009-F13D-44C0-A7BC-54C205FE77FB}" type="pres">
+      <dgm:prSet presAssocID="{EC62BD84-3ADA-4D62-A238-5C25F36574A7}" presName="ChildText" presStyleLbl="revTx" presStyleIdx="0" presStyleCnt="6">
+        <dgm:presLayoutVars>
+          <dgm:chMax val="0"/>
+          <dgm:chPref val="0"/>
+          <dgm:bulletEnabled val="1"/>
+        </dgm:presLayoutVars>
+      </dgm:prSet>
+      <dgm:spPr/>
+    </dgm:pt>
+    <dgm:pt modelId="{281CFAFE-56FC-43A9-BB74-764EA455F547}" type="pres">
+      <dgm:prSet presAssocID="{950750D0-60DF-4E9F-A820-AFB7EBB48E58}" presName="sibTrans" presStyleCnt="0"/>
+      <dgm:spPr/>
+    </dgm:pt>
+    <dgm:pt modelId="{8D0300AF-FE3B-48D1-B52D-E8BCFD5F084B}" type="pres">
+      <dgm:prSet presAssocID="{67594A18-8BF6-496C-A000-0D9DD1029B4F}" presName="composite" presStyleCnt="0"/>
+      <dgm:spPr/>
+    </dgm:pt>
+    <dgm:pt modelId="{3A4CF2F8-7DD7-4422-A354-87E03A438C2A}" type="pres">
+      <dgm:prSet presAssocID="{67594A18-8BF6-496C-A000-0D9DD1029B4F}" presName="bentUpArrow1" presStyleLbl="alignImgPlace1" presStyleIdx="1" presStyleCnt="6"/>
+      <dgm:spPr/>
+    </dgm:pt>
+    <dgm:pt modelId="{D0281AEB-9781-4CF5-A68B-140193D8FB11}" type="pres">
+      <dgm:prSet presAssocID="{67594A18-8BF6-496C-A000-0D9DD1029B4F}" presName="ParentText" presStyleLbl="node1" presStyleIdx="1" presStyleCnt="7">
+        <dgm:presLayoutVars>
+          <dgm:chMax val="1"/>
+          <dgm:chPref val="1"/>
+          <dgm:bulletEnabled val="1"/>
+        </dgm:presLayoutVars>
+      </dgm:prSet>
+      <dgm:spPr/>
+    </dgm:pt>
+    <dgm:pt modelId="{2AAE7345-B9D4-4662-AC19-BCF06F8C49FD}" type="pres">
+      <dgm:prSet presAssocID="{67594A18-8BF6-496C-A000-0D9DD1029B4F}" presName="ChildText" presStyleLbl="revTx" presStyleIdx="1" presStyleCnt="6">
+        <dgm:presLayoutVars>
+          <dgm:chMax val="0"/>
+          <dgm:chPref val="0"/>
+          <dgm:bulletEnabled val="1"/>
+        </dgm:presLayoutVars>
+      </dgm:prSet>
+      <dgm:spPr/>
+    </dgm:pt>
+    <dgm:pt modelId="{77FB48DC-542B-47DA-8F3D-07CABFEA80C6}" type="pres">
+      <dgm:prSet presAssocID="{84DB37C6-42F4-416A-B64E-7607627251ED}" presName="sibTrans" presStyleCnt="0"/>
+      <dgm:spPr/>
+    </dgm:pt>
+    <dgm:pt modelId="{E6275CA9-4705-43B4-821E-982D354CD1BD}" type="pres">
+      <dgm:prSet presAssocID="{CB4D03F2-A463-483F-B6E9-E0DF88327D26}" presName="composite" presStyleCnt="0"/>
+      <dgm:spPr/>
+    </dgm:pt>
+    <dgm:pt modelId="{423A54F3-509F-4C97-8F16-BB1520DD8745}" type="pres">
+      <dgm:prSet presAssocID="{CB4D03F2-A463-483F-B6E9-E0DF88327D26}" presName="bentUpArrow1" presStyleLbl="alignImgPlace1" presStyleIdx="2" presStyleCnt="6"/>
+      <dgm:spPr/>
+    </dgm:pt>
+    <dgm:pt modelId="{7B248748-EE7B-40BE-A4A3-9E8C356278DD}" type="pres">
+      <dgm:prSet presAssocID="{CB4D03F2-A463-483F-B6E9-E0DF88327D26}" presName="ParentText" presStyleLbl="node1" presStyleIdx="2" presStyleCnt="7">
+        <dgm:presLayoutVars>
+          <dgm:chMax val="1"/>
+          <dgm:chPref val="1"/>
+          <dgm:bulletEnabled val="1"/>
+        </dgm:presLayoutVars>
+      </dgm:prSet>
+      <dgm:spPr/>
+    </dgm:pt>
+    <dgm:pt modelId="{1065B556-C4C5-451F-9E11-5643BF244E6D}" type="pres">
+      <dgm:prSet presAssocID="{CB4D03F2-A463-483F-B6E9-E0DF88327D26}" presName="ChildText" presStyleLbl="revTx" presStyleIdx="2" presStyleCnt="6">
+        <dgm:presLayoutVars>
+          <dgm:chMax val="0"/>
+          <dgm:chPref val="0"/>
+          <dgm:bulletEnabled val="1"/>
+        </dgm:presLayoutVars>
+      </dgm:prSet>
+      <dgm:spPr/>
+    </dgm:pt>
+    <dgm:pt modelId="{FE91066B-826B-4E8F-8F89-65D97E96FD3E}" type="pres">
+      <dgm:prSet presAssocID="{45EA78CC-ED60-44A4-B35A-4F4D41AD9074}" presName="sibTrans" presStyleCnt="0"/>
+      <dgm:spPr/>
+    </dgm:pt>
+    <dgm:pt modelId="{CC335307-0416-4398-AD66-FD3BAEB7A756}" type="pres">
+      <dgm:prSet presAssocID="{92513214-5084-4272-9D93-357D7B9D089E}" presName="composite" presStyleCnt="0"/>
+      <dgm:spPr/>
+    </dgm:pt>
+    <dgm:pt modelId="{2E64E6B7-90D4-4D73-A28B-0D727C700B47}" type="pres">
+      <dgm:prSet presAssocID="{92513214-5084-4272-9D93-357D7B9D089E}" presName="bentUpArrow1" presStyleLbl="alignImgPlace1" presStyleIdx="3" presStyleCnt="6"/>
+      <dgm:spPr/>
+    </dgm:pt>
+    <dgm:pt modelId="{B40BB39A-B64D-459C-A098-A4DF6294FF45}" type="pres">
+      <dgm:prSet presAssocID="{92513214-5084-4272-9D93-357D7B9D089E}" presName="ParentText" presStyleLbl="node1" presStyleIdx="3" presStyleCnt="7">
+        <dgm:presLayoutVars>
+          <dgm:chMax val="1"/>
+          <dgm:chPref val="1"/>
+          <dgm:bulletEnabled val="1"/>
+        </dgm:presLayoutVars>
+      </dgm:prSet>
+      <dgm:spPr/>
+    </dgm:pt>
+    <dgm:pt modelId="{87A88EA6-ADD6-41C7-99DF-6D5B6FCF6A5F}" type="pres">
+      <dgm:prSet presAssocID="{92513214-5084-4272-9D93-357D7B9D089E}" presName="ChildText" presStyleLbl="revTx" presStyleIdx="3" presStyleCnt="6">
+        <dgm:presLayoutVars>
+          <dgm:chMax val="0"/>
+          <dgm:chPref val="0"/>
+          <dgm:bulletEnabled val="1"/>
+        </dgm:presLayoutVars>
+      </dgm:prSet>
+      <dgm:spPr/>
+    </dgm:pt>
+    <dgm:pt modelId="{67546838-6BB5-4C68-B8CB-F3D405DC15F2}" type="pres">
+      <dgm:prSet presAssocID="{01819F79-1668-4A37-91DE-3BD5691D58FA}" presName="sibTrans" presStyleCnt="0"/>
+      <dgm:spPr/>
+    </dgm:pt>
+    <dgm:pt modelId="{FBA56A49-E6DD-464B-94EB-849CB1D9B484}" type="pres">
+      <dgm:prSet presAssocID="{74F98B7C-30AE-4741-94A0-EDC036253585}" presName="composite" presStyleCnt="0"/>
+      <dgm:spPr/>
+    </dgm:pt>
+    <dgm:pt modelId="{5995CD6F-2D39-41A3-90BD-E08219C477CE}" type="pres">
+      <dgm:prSet presAssocID="{74F98B7C-30AE-4741-94A0-EDC036253585}" presName="bentUpArrow1" presStyleLbl="alignImgPlace1" presStyleIdx="4" presStyleCnt="6"/>
+      <dgm:spPr/>
+    </dgm:pt>
+    <dgm:pt modelId="{049C392A-3EDC-49F8-A09C-1DAAF2A97E16}" type="pres">
+      <dgm:prSet presAssocID="{74F98B7C-30AE-4741-94A0-EDC036253585}" presName="ParentText" presStyleLbl="node1" presStyleIdx="4" presStyleCnt="7">
+        <dgm:presLayoutVars>
+          <dgm:chMax val="1"/>
+          <dgm:chPref val="1"/>
+          <dgm:bulletEnabled val="1"/>
+        </dgm:presLayoutVars>
+      </dgm:prSet>
+      <dgm:spPr/>
+    </dgm:pt>
+    <dgm:pt modelId="{3B7E9670-7370-4317-AD00-E6DF1B3CDE86}" type="pres">
+      <dgm:prSet presAssocID="{74F98B7C-30AE-4741-94A0-EDC036253585}" presName="ChildText" presStyleLbl="revTx" presStyleIdx="4" presStyleCnt="6">
+        <dgm:presLayoutVars>
+          <dgm:chMax val="0"/>
+          <dgm:chPref val="0"/>
+          <dgm:bulletEnabled val="1"/>
+        </dgm:presLayoutVars>
+      </dgm:prSet>
+      <dgm:spPr/>
+    </dgm:pt>
+    <dgm:pt modelId="{B6AE8FF3-C372-4990-A87E-690E0742B0A0}" type="pres">
+      <dgm:prSet presAssocID="{86E1F1B4-C851-4BFE-8C51-011F9845B2E8}" presName="sibTrans" presStyleCnt="0"/>
+      <dgm:spPr/>
+    </dgm:pt>
+    <dgm:pt modelId="{640C0433-92D2-4AA8-BDC7-660D68ACB3B9}" type="pres">
+      <dgm:prSet presAssocID="{B4C33871-7DA1-44A1-BE5E-9A939EA109E0}" presName="composite" presStyleCnt="0"/>
+      <dgm:spPr/>
+    </dgm:pt>
+    <dgm:pt modelId="{4BE533B1-227E-430F-AF96-F1B4D8DF0E1B}" type="pres">
+      <dgm:prSet presAssocID="{B4C33871-7DA1-44A1-BE5E-9A939EA109E0}" presName="bentUpArrow1" presStyleLbl="alignImgPlace1" presStyleIdx="5" presStyleCnt="6"/>
+      <dgm:spPr/>
+    </dgm:pt>
+    <dgm:pt modelId="{0491FAC1-CACD-4454-93EB-D9DDC44CF63F}" type="pres">
+      <dgm:prSet presAssocID="{B4C33871-7DA1-44A1-BE5E-9A939EA109E0}" presName="ParentText" presStyleLbl="node1" presStyleIdx="5" presStyleCnt="7">
+        <dgm:presLayoutVars>
+          <dgm:chMax val="1"/>
+          <dgm:chPref val="1"/>
+          <dgm:bulletEnabled val="1"/>
+        </dgm:presLayoutVars>
+      </dgm:prSet>
+      <dgm:spPr/>
+    </dgm:pt>
+    <dgm:pt modelId="{C428768A-2A30-487B-B09F-FE8B44DAB860}" type="pres">
+      <dgm:prSet presAssocID="{B4C33871-7DA1-44A1-BE5E-9A939EA109E0}" presName="ChildText" presStyleLbl="revTx" presStyleIdx="5" presStyleCnt="6">
+        <dgm:presLayoutVars>
+          <dgm:chMax val="0"/>
+          <dgm:chPref val="0"/>
+          <dgm:bulletEnabled val="1"/>
+        </dgm:presLayoutVars>
+      </dgm:prSet>
+      <dgm:spPr/>
+    </dgm:pt>
+    <dgm:pt modelId="{326EB8E6-AE2C-4F27-B35E-7CA6903149B3}" type="pres">
+      <dgm:prSet presAssocID="{D37605B2-7AA9-4548-BD9D-1B13587547B0}" presName="sibTrans" presStyleCnt="0"/>
+      <dgm:spPr/>
+    </dgm:pt>
+    <dgm:pt modelId="{ECDED6D4-DA7D-4805-B00E-D240CBFF6157}" type="pres">
+      <dgm:prSet presAssocID="{2EE1CE90-E28E-4EF8-A0B4-7814672DAF61}" presName="composite" presStyleCnt="0"/>
+      <dgm:spPr/>
+    </dgm:pt>
+    <dgm:pt modelId="{E809E57C-A1B9-423E-A763-0C6C0464958C}" type="pres">
+      <dgm:prSet presAssocID="{2EE1CE90-E28E-4EF8-A0B4-7814672DAF61}" presName="ParentText" presStyleLbl="node1" presStyleIdx="6" presStyleCnt="7">
+        <dgm:presLayoutVars>
+          <dgm:chMax val="1"/>
+          <dgm:chPref val="1"/>
+          <dgm:bulletEnabled val="1"/>
+        </dgm:presLayoutVars>
+      </dgm:prSet>
+      <dgm:spPr/>
+    </dgm:pt>
+  </dgm:ptLst>
+  <dgm:cxnLst>
+    <dgm:cxn modelId="{68BB09CE-FF81-410D-A3A1-0BB887ADA665}" srcId="{BEEE7082-E0E7-40EB-A40B-33E6BC64CCC8}" destId="{74F98B7C-30AE-4741-94A0-EDC036253585}" srcOrd="4" destOrd="0" parTransId="{01CE2219-8A66-461E-ADF3-A1505FD2746B}" sibTransId="{86E1F1B4-C851-4BFE-8C51-011F9845B2E8}"/>
+    <dgm:cxn modelId="{310A1EF9-F197-405E-8369-7BE4F64F5A7C}" srcId="{B4C33871-7DA1-44A1-BE5E-9A939EA109E0}" destId="{BF109C1A-D6D2-4A9D-BDE6-C66F4C4884E5}" srcOrd="0" destOrd="0" parTransId="{56C68A0C-AEF5-4BF6-BA1D-544D8918025D}" sibTransId="{FA105F86-8CCD-48E1-AB0A-3B4E4CBFC30C}"/>
+    <dgm:cxn modelId="{0FDEE153-56F9-4E6A-BA60-75A1CF5668E7}" srcId="{67594A18-8BF6-496C-A000-0D9DD1029B4F}" destId="{20A68923-1C47-4CC6-A19F-58CD6B9A8FB1}" srcOrd="0" destOrd="0" parTransId="{436202B4-BB46-4799-8079-780489874E72}" sibTransId="{498DD8B1-DA82-468B-8905-BA9E617BE3B5}"/>
+    <dgm:cxn modelId="{31F42AD0-1F6B-43D0-A992-54F09FD0DB93}" type="presOf" srcId="{9EE104D1-5DA8-49BF-B7BC-C172B136828F}" destId="{1065B556-C4C5-451F-9E11-5643BF244E6D}" srcOrd="0" destOrd="0" presId="urn:microsoft.com/office/officeart/2005/8/layout/StepDownProcess"/>
+    <dgm:cxn modelId="{4141A36B-3CEF-4F27-B76B-60A5EB50843E}" srcId="{EC62BD84-3ADA-4D62-A238-5C25F36574A7}" destId="{6F0B59D3-5BB7-480F-A125-289A3626EC6A}" srcOrd="0" destOrd="0" parTransId="{5CED9AA4-78BF-410A-8110-879A5671AFEA}" sibTransId="{E4DFCDFB-CC6D-412D-B9CC-65AFB735C5F8}"/>
+    <dgm:cxn modelId="{4471234C-0321-410C-924A-291C497D2A75}" type="presOf" srcId="{2EE1CE90-E28E-4EF8-A0B4-7814672DAF61}" destId="{E809E57C-A1B9-423E-A763-0C6C0464958C}" srcOrd="0" destOrd="0" presId="urn:microsoft.com/office/officeart/2005/8/layout/StepDownProcess"/>
+    <dgm:cxn modelId="{8847C9E2-6AED-4B7F-8B49-F6EBD615DED7}" srcId="{CB4D03F2-A463-483F-B6E9-E0DF88327D26}" destId="{9EE104D1-5DA8-49BF-B7BC-C172B136828F}" srcOrd="0" destOrd="0" parTransId="{C0052ED8-D696-4E7A-BA2D-2CE3DFFE55EA}" sibTransId="{02B471FA-85AB-4CDC-BA43-6E43C34E3FC3}"/>
+    <dgm:cxn modelId="{26BEE479-F230-426E-A034-0D052EC45416}" type="presOf" srcId="{CB4D03F2-A463-483F-B6E9-E0DF88327D26}" destId="{7B248748-EE7B-40BE-A4A3-9E8C356278DD}" srcOrd="0" destOrd="0" presId="urn:microsoft.com/office/officeart/2005/8/layout/StepDownProcess"/>
+    <dgm:cxn modelId="{0D463458-6C80-4B28-9E7D-92D5E0BA1577}" type="presOf" srcId="{67594A18-8BF6-496C-A000-0D9DD1029B4F}" destId="{D0281AEB-9781-4CF5-A68B-140193D8FB11}" srcOrd="0" destOrd="0" presId="urn:microsoft.com/office/officeart/2005/8/layout/StepDownProcess"/>
+    <dgm:cxn modelId="{45311948-ECF7-4ADE-BDB0-F3799E3A4807}" srcId="{BEEE7082-E0E7-40EB-A40B-33E6BC64CCC8}" destId="{EC62BD84-3ADA-4D62-A238-5C25F36574A7}" srcOrd="0" destOrd="0" parTransId="{A0C4FF4B-F472-439F-9DBC-2921C156DAF5}" sibTransId="{950750D0-60DF-4E9F-A820-AFB7EBB48E58}"/>
+    <dgm:cxn modelId="{C25BD6B6-8260-4605-916A-3E4E176A9B6B}" type="presOf" srcId="{4A4A4B22-2473-41AC-AC6B-02DF09448837}" destId="{3B7E9670-7370-4317-AD00-E6DF1B3CDE86}" srcOrd="0" destOrd="0" presId="urn:microsoft.com/office/officeart/2005/8/layout/StepDownProcess"/>
+    <dgm:cxn modelId="{43E349EC-368F-446B-A7C1-57C7E0D5C91B}" srcId="{BEEE7082-E0E7-40EB-A40B-33E6BC64CCC8}" destId="{67594A18-8BF6-496C-A000-0D9DD1029B4F}" srcOrd="1" destOrd="0" parTransId="{FEEDBEA9-2BB5-4AD6-BDFF-84995CADACAC}" sibTransId="{84DB37C6-42F4-416A-B64E-7607627251ED}"/>
+    <dgm:cxn modelId="{22CC8098-0925-42CD-9C1D-24887F6D8C85}" srcId="{BEEE7082-E0E7-40EB-A40B-33E6BC64CCC8}" destId="{B4C33871-7DA1-44A1-BE5E-9A939EA109E0}" srcOrd="5" destOrd="0" parTransId="{19FBC463-9349-4F98-911F-EF6F975460F0}" sibTransId="{D37605B2-7AA9-4548-BD9D-1B13587547B0}"/>
+    <dgm:cxn modelId="{FC267412-9A2D-4CAE-8519-23FC942C39BA}" srcId="{BEEE7082-E0E7-40EB-A40B-33E6BC64CCC8}" destId="{2EE1CE90-E28E-4EF8-A0B4-7814672DAF61}" srcOrd="6" destOrd="0" parTransId="{68A56683-A6EE-4422-816F-CF2AB43BE4B0}" sibTransId="{9A0C1107-39F3-4C78-89AA-C14D06FA0482}"/>
+    <dgm:cxn modelId="{C9D6D2B8-257D-43B8-8678-F6A0E41E7134}" srcId="{BEEE7082-E0E7-40EB-A40B-33E6BC64CCC8}" destId="{92513214-5084-4272-9D93-357D7B9D089E}" srcOrd="3" destOrd="0" parTransId="{E2896F5A-8AC9-4E9F-88ED-06C2103DC8EB}" sibTransId="{01819F79-1668-4A37-91DE-3BD5691D58FA}"/>
+    <dgm:cxn modelId="{7A875975-7333-48C4-AA6B-0DB62D763095}" type="presOf" srcId="{BF109C1A-D6D2-4A9D-BDE6-C66F4C4884E5}" destId="{C428768A-2A30-487B-B09F-FE8B44DAB860}" srcOrd="0" destOrd="0" presId="urn:microsoft.com/office/officeart/2005/8/layout/StepDownProcess"/>
+    <dgm:cxn modelId="{6F8C65A0-1A1B-474C-9CE2-00F61D9DA842}" type="presOf" srcId="{74F98B7C-30AE-4741-94A0-EDC036253585}" destId="{049C392A-3EDC-49F8-A09C-1DAAF2A97E16}" srcOrd="0" destOrd="0" presId="urn:microsoft.com/office/officeart/2005/8/layout/StepDownProcess"/>
+    <dgm:cxn modelId="{B3447EB8-51B5-4B58-B80D-EC312FB5D208}" type="presOf" srcId="{BEEE7082-E0E7-40EB-A40B-33E6BC64CCC8}" destId="{039BB48C-F966-4AB5-8439-B89E0B0A360C}" srcOrd="0" destOrd="0" presId="urn:microsoft.com/office/officeart/2005/8/layout/StepDownProcess"/>
+    <dgm:cxn modelId="{50DC6956-8F37-47C6-B9A8-95B2B6755809}" type="presOf" srcId="{B4C33871-7DA1-44A1-BE5E-9A939EA109E0}" destId="{0491FAC1-CACD-4454-93EB-D9DDC44CF63F}" srcOrd="0" destOrd="0" presId="urn:microsoft.com/office/officeart/2005/8/layout/StepDownProcess"/>
+    <dgm:cxn modelId="{68324F57-17F6-4C65-8BE6-9D310FB85F9B}" srcId="{BEEE7082-E0E7-40EB-A40B-33E6BC64CCC8}" destId="{CB4D03F2-A463-483F-B6E9-E0DF88327D26}" srcOrd="2" destOrd="0" parTransId="{748FBDB0-DFBF-4C9C-8486-DB0FE0ED7631}" sibTransId="{45EA78CC-ED60-44A4-B35A-4F4D41AD9074}"/>
+    <dgm:cxn modelId="{148A0C63-E93E-4B15-9ABA-D575D138BB72}" type="presOf" srcId="{92513214-5084-4272-9D93-357D7B9D089E}" destId="{B40BB39A-B64D-459C-A098-A4DF6294FF45}" srcOrd="0" destOrd="0" presId="urn:microsoft.com/office/officeart/2005/8/layout/StepDownProcess"/>
+    <dgm:cxn modelId="{391691CA-7162-4A61-B0EC-682A4B213FEB}" type="presOf" srcId="{20A68923-1C47-4CC6-A19F-58CD6B9A8FB1}" destId="{2AAE7345-B9D4-4662-AC19-BCF06F8C49FD}" srcOrd="0" destOrd="0" presId="urn:microsoft.com/office/officeart/2005/8/layout/StepDownProcess"/>
+    <dgm:cxn modelId="{4ACA1434-5613-4559-A527-5FF131A7A715}" srcId="{74F98B7C-30AE-4741-94A0-EDC036253585}" destId="{4A4A4B22-2473-41AC-AC6B-02DF09448837}" srcOrd="0" destOrd="0" parTransId="{E2E687BD-6AB7-4903-B22F-D79E4C2F0694}" sibTransId="{4F4FB59D-1B17-4854-B926-F1AFC86A7723}"/>
+    <dgm:cxn modelId="{CF12E151-27F0-47A7-8845-04C2E9A9B2E7}" type="presOf" srcId="{6F0B59D3-5BB7-480F-A125-289A3626EC6A}" destId="{2B70D009-F13D-44C0-A7BC-54C205FE77FB}" srcOrd="0" destOrd="0" presId="urn:microsoft.com/office/officeart/2005/8/layout/StepDownProcess"/>
+    <dgm:cxn modelId="{46E31681-64D7-436A-A2E9-CAC1CAEA7921}" type="presOf" srcId="{EC62BD84-3ADA-4D62-A238-5C25F36574A7}" destId="{B3D5E33F-A884-4A6B-BA8B-AC7F2E2F3CD9}" srcOrd="0" destOrd="0" presId="urn:microsoft.com/office/officeart/2005/8/layout/StepDownProcess"/>
+    <dgm:cxn modelId="{8C5E9E96-61C5-447D-A9EF-067B8155BCC5}" type="presParOf" srcId="{039BB48C-F966-4AB5-8439-B89E0B0A360C}" destId="{AB8C601B-4365-4E3A-9CA6-9D06E9BCDD70}" srcOrd="0" destOrd="0" presId="urn:microsoft.com/office/officeart/2005/8/layout/StepDownProcess"/>
+    <dgm:cxn modelId="{183A1C15-1DF0-4883-9696-BADF592B1614}" type="presParOf" srcId="{AB8C601B-4365-4E3A-9CA6-9D06E9BCDD70}" destId="{695C06EB-3839-4851-AAE1-21648D935AE8}" srcOrd="0" destOrd="0" presId="urn:microsoft.com/office/officeart/2005/8/layout/StepDownProcess"/>
+    <dgm:cxn modelId="{B6BCC5BE-DE91-43A0-A0B3-988900E02EA4}" type="presParOf" srcId="{AB8C601B-4365-4E3A-9CA6-9D06E9BCDD70}" destId="{B3D5E33F-A884-4A6B-BA8B-AC7F2E2F3CD9}" srcOrd="1" destOrd="0" presId="urn:microsoft.com/office/officeart/2005/8/layout/StepDownProcess"/>
+    <dgm:cxn modelId="{4E2B8219-EF6A-4CEF-B447-E002484D8C9B}" type="presParOf" srcId="{AB8C601B-4365-4E3A-9CA6-9D06E9BCDD70}" destId="{2B70D009-F13D-44C0-A7BC-54C205FE77FB}" srcOrd="2" destOrd="0" presId="urn:microsoft.com/office/officeart/2005/8/layout/StepDownProcess"/>
+    <dgm:cxn modelId="{74A57030-61FD-4044-A013-CBAA5FBB113D}" type="presParOf" srcId="{039BB48C-F966-4AB5-8439-B89E0B0A360C}" destId="{281CFAFE-56FC-43A9-BB74-764EA455F547}" srcOrd="1" destOrd="0" presId="urn:microsoft.com/office/officeart/2005/8/layout/StepDownProcess"/>
+    <dgm:cxn modelId="{C1AC1B4E-3530-406A-B1E3-0770C43FF062}" type="presParOf" srcId="{039BB48C-F966-4AB5-8439-B89E0B0A360C}" destId="{8D0300AF-FE3B-48D1-B52D-E8BCFD5F084B}" srcOrd="2" destOrd="0" presId="urn:microsoft.com/office/officeart/2005/8/layout/StepDownProcess"/>
+    <dgm:cxn modelId="{E095B863-04AB-4A60-91AD-60BD0A72F59C}" type="presParOf" srcId="{8D0300AF-FE3B-48D1-B52D-E8BCFD5F084B}" destId="{3A4CF2F8-7DD7-4422-A354-87E03A438C2A}" srcOrd="0" destOrd="0" presId="urn:microsoft.com/office/officeart/2005/8/layout/StepDownProcess"/>
+    <dgm:cxn modelId="{79558030-A70C-47AE-ADF7-A34B764AAB1A}" type="presParOf" srcId="{8D0300AF-FE3B-48D1-B52D-E8BCFD5F084B}" destId="{D0281AEB-9781-4CF5-A68B-140193D8FB11}" srcOrd="1" destOrd="0" presId="urn:microsoft.com/office/officeart/2005/8/layout/StepDownProcess"/>
+    <dgm:cxn modelId="{78A3F205-24CD-4861-ABF4-A2E8F4BFFE4C}" type="presParOf" srcId="{8D0300AF-FE3B-48D1-B52D-E8BCFD5F084B}" destId="{2AAE7345-B9D4-4662-AC19-BCF06F8C49FD}" srcOrd="2" destOrd="0" presId="urn:microsoft.com/office/officeart/2005/8/layout/StepDownProcess"/>
+    <dgm:cxn modelId="{03D1B247-C3F8-4A58-9922-25C3094C0A38}" type="presParOf" srcId="{039BB48C-F966-4AB5-8439-B89E0B0A360C}" destId="{77FB48DC-542B-47DA-8F3D-07CABFEA80C6}" srcOrd="3" destOrd="0" presId="urn:microsoft.com/office/officeart/2005/8/layout/StepDownProcess"/>
+    <dgm:cxn modelId="{13A5BCCD-2580-416F-9E88-AA969037AD61}" type="presParOf" srcId="{039BB48C-F966-4AB5-8439-B89E0B0A360C}" destId="{E6275CA9-4705-43B4-821E-982D354CD1BD}" srcOrd="4" destOrd="0" presId="urn:microsoft.com/office/officeart/2005/8/layout/StepDownProcess"/>
+    <dgm:cxn modelId="{551F8111-5FE2-4067-8F28-CA0E30A015B6}" type="presParOf" srcId="{E6275CA9-4705-43B4-821E-982D354CD1BD}" destId="{423A54F3-509F-4C97-8F16-BB1520DD8745}" srcOrd="0" destOrd="0" presId="urn:microsoft.com/office/officeart/2005/8/layout/StepDownProcess"/>
+    <dgm:cxn modelId="{71E61F66-A364-4D61-88D6-A7A69AE0676B}" type="presParOf" srcId="{E6275CA9-4705-43B4-821E-982D354CD1BD}" destId="{7B248748-EE7B-40BE-A4A3-9E8C356278DD}" srcOrd="1" destOrd="0" presId="urn:microsoft.com/office/officeart/2005/8/layout/StepDownProcess"/>
+    <dgm:cxn modelId="{2A68D687-B3A5-4450-93C8-DEA773332C8F}" type="presParOf" srcId="{E6275CA9-4705-43B4-821E-982D354CD1BD}" destId="{1065B556-C4C5-451F-9E11-5643BF244E6D}" srcOrd="2" destOrd="0" presId="urn:microsoft.com/office/officeart/2005/8/layout/StepDownProcess"/>
+    <dgm:cxn modelId="{87133145-21EB-4C47-B3DF-7ECC52CF4BA1}" type="presParOf" srcId="{039BB48C-F966-4AB5-8439-B89E0B0A360C}" destId="{FE91066B-826B-4E8F-8F89-65D97E96FD3E}" srcOrd="5" destOrd="0" presId="urn:microsoft.com/office/officeart/2005/8/layout/StepDownProcess"/>
+    <dgm:cxn modelId="{08C18145-3161-4A79-9134-69E0FF6A55AF}" type="presParOf" srcId="{039BB48C-F966-4AB5-8439-B89E0B0A360C}" destId="{CC335307-0416-4398-AD66-FD3BAEB7A756}" srcOrd="6" destOrd="0" presId="urn:microsoft.com/office/officeart/2005/8/layout/StepDownProcess"/>
+    <dgm:cxn modelId="{E64AB675-8476-455C-A808-85D2E2030897}" type="presParOf" srcId="{CC335307-0416-4398-AD66-FD3BAEB7A756}" destId="{2E64E6B7-90D4-4D73-A28B-0D727C700B47}" srcOrd="0" destOrd="0" presId="urn:microsoft.com/office/officeart/2005/8/layout/StepDownProcess"/>
+    <dgm:cxn modelId="{314D2588-111B-4425-95CD-D9849C1DAC4B}" type="presParOf" srcId="{CC335307-0416-4398-AD66-FD3BAEB7A756}" destId="{B40BB39A-B64D-459C-A098-A4DF6294FF45}" srcOrd="1" destOrd="0" presId="urn:microsoft.com/office/officeart/2005/8/layout/StepDownProcess"/>
+    <dgm:cxn modelId="{4872876E-539E-4BC6-8AA1-33EF4BD7C4F2}" type="presParOf" srcId="{CC335307-0416-4398-AD66-FD3BAEB7A756}" destId="{87A88EA6-ADD6-41C7-99DF-6D5B6FCF6A5F}" srcOrd="2" destOrd="0" presId="urn:microsoft.com/office/officeart/2005/8/layout/StepDownProcess"/>
+    <dgm:cxn modelId="{650331D3-3572-4061-BB21-6F32D081E554}" type="presParOf" srcId="{039BB48C-F966-4AB5-8439-B89E0B0A360C}" destId="{67546838-6BB5-4C68-B8CB-F3D405DC15F2}" srcOrd="7" destOrd="0" presId="urn:microsoft.com/office/officeart/2005/8/layout/StepDownProcess"/>
+    <dgm:cxn modelId="{A61666A1-29C5-4DCC-8789-2A08F4A3A318}" type="presParOf" srcId="{039BB48C-F966-4AB5-8439-B89E0B0A360C}" destId="{FBA56A49-E6DD-464B-94EB-849CB1D9B484}" srcOrd="8" destOrd="0" presId="urn:microsoft.com/office/officeart/2005/8/layout/StepDownProcess"/>
+    <dgm:cxn modelId="{F217A6DE-DD16-46A7-A655-EDACDC8C58EE}" type="presParOf" srcId="{FBA56A49-E6DD-464B-94EB-849CB1D9B484}" destId="{5995CD6F-2D39-41A3-90BD-E08219C477CE}" srcOrd="0" destOrd="0" presId="urn:microsoft.com/office/officeart/2005/8/layout/StepDownProcess"/>
+    <dgm:cxn modelId="{30794313-B0BB-43C8-A40A-F1775BA46E14}" type="presParOf" srcId="{FBA56A49-E6DD-464B-94EB-849CB1D9B484}" destId="{049C392A-3EDC-49F8-A09C-1DAAF2A97E16}" srcOrd="1" destOrd="0" presId="urn:microsoft.com/office/officeart/2005/8/layout/StepDownProcess"/>
+    <dgm:cxn modelId="{BEFE6CF0-EAD5-4AF2-AED6-9CFCAF54E94F}" type="presParOf" srcId="{FBA56A49-E6DD-464B-94EB-849CB1D9B484}" destId="{3B7E9670-7370-4317-AD00-E6DF1B3CDE86}" srcOrd="2" destOrd="0" presId="urn:microsoft.com/office/officeart/2005/8/layout/StepDownProcess"/>
+    <dgm:cxn modelId="{0CA88EA0-F103-4CC0-BD6E-29784250AA6E}" type="presParOf" srcId="{039BB48C-F966-4AB5-8439-B89E0B0A360C}" destId="{B6AE8FF3-C372-4990-A87E-690E0742B0A0}" srcOrd="9" destOrd="0" presId="urn:microsoft.com/office/officeart/2005/8/layout/StepDownProcess"/>
+    <dgm:cxn modelId="{FE7B23A5-5581-47B4-8AF4-14E9C55862F7}" type="presParOf" srcId="{039BB48C-F966-4AB5-8439-B89E0B0A360C}" destId="{640C0433-92D2-4AA8-BDC7-660D68ACB3B9}" srcOrd="10" destOrd="0" presId="urn:microsoft.com/office/officeart/2005/8/layout/StepDownProcess"/>
+    <dgm:cxn modelId="{8806C9DF-F834-4832-81AA-4F114423929B}" type="presParOf" srcId="{640C0433-92D2-4AA8-BDC7-660D68ACB3B9}" destId="{4BE533B1-227E-430F-AF96-F1B4D8DF0E1B}" srcOrd="0" destOrd="0" presId="urn:microsoft.com/office/officeart/2005/8/layout/StepDownProcess"/>
+    <dgm:cxn modelId="{62217204-EF1F-4B55-AC75-DCDAF96F14A4}" type="presParOf" srcId="{640C0433-92D2-4AA8-BDC7-660D68ACB3B9}" destId="{0491FAC1-CACD-4454-93EB-D9DDC44CF63F}" srcOrd="1" destOrd="0" presId="urn:microsoft.com/office/officeart/2005/8/layout/StepDownProcess"/>
+    <dgm:cxn modelId="{11337962-8F8C-41B4-AE47-6F4EF72DD4E2}" type="presParOf" srcId="{640C0433-92D2-4AA8-BDC7-660D68ACB3B9}" destId="{C428768A-2A30-487B-B09F-FE8B44DAB860}" srcOrd="2" destOrd="0" presId="urn:microsoft.com/office/officeart/2005/8/layout/StepDownProcess"/>
+    <dgm:cxn modelId="{E136D5E5-E13D-46D1-97E4-E2718A93EEEF}" type="presParOf" srcId="{039BB48C-F966-4AB5-8439-B89E0B0A360C}" destId="{326EB8E6-AE2C-4F27-B35E-7CA6903149B3}" srcOrd="11" destOrd="0" presId="urn:microsoft.com/office/officeart/2005/8/layout/StepDownProcess"/>
+    <dgm:cxn modelId="{AE893216-0023-4717-8EE2-6C2CDFD50F29}" type="presParOf" srcId="{039BB48C-F966-4AB5-8439-B89E0B0A360C}" destId="{ECDED6D4-DA7D-4805-B00E-D240CBFF6157}" srcOrd="12" destOrd="0" presId="urn:microsoft.com/office/officeart/2005/8/layout/StepDownProcess"/>
+    <dgm:cxn modelId="{808268A5-6819-4323-AB56-BEBAA03C5B56}" type="presParOf" srcId="{ECDED6D4-DA7D-4805-B00E-D240CBFF6157}" destId="{E809E57C-A1B9-423E-A763-0C6C0464958C}" srcOrd="0" destOrd="0" presId="urn:microsoft.com/office/officeart/2005/8/layout/StepDownProcess"/>
+  </dgm:cxnLst>
+  <dgm:bg/>
+  <dgm:whole/>
+  <dgm:extLst>
+    <a:ext uri="http://schemas.microsoft.com/office/drawing/2008/diagram">
+      <dsp:dataModelExt xmlns:dsp="http://schemas.microsoft.com/office/drawing/2008/diagram" relId="rId7" minVer="http://schemas.openxmlformats.org/drawingml/2006/diagram"/>
     </a:ext>
   </dgm:extLst>
 </dgm:dataModel>
@@ -3849,7 +5153,7 @@
         </a:bodyPr>
         <a:lstStyle/>
         <a:p>
-          <a:pPr lvl="0" algn="l" defTabSz="889000">
+          <a:pPr marL="0" lvl="0" indent="0" algn="l" defTabSz="889000">
             <a:lnSpc>
               <a:spcPct val="90000"/>
             </a:lnSpc>
@@ -3859,9 +5163,10 @@
             <a:spcAft>
               <a:spcPct val="35000"/>
             </a:spcAft>
+            <a:buNone/>
           </a:pPr>
           <a:r>
-            <a:rPr lang="es-ES" sz="2000" kern="1200" dirty="0" smtClean="0"/>
+            <a:rPr lang="es-ES" sz="2000" kern="1200" dirty="0"/>
             <a:t>RNAseq</a:t>
           </a:r>
           <a:endParaRPr lang="en-US" sz="2000" kern="1200" dirty="0"/>
@@ -3877,10 +5182,10 @@
             <a:spcAft>
               <a:spcPct val="15000"/>
             </a:spcAft>
-            <a:buChar char="••"/>
+            <a:buChar char="•"/>
           </a:pPr>
           <a:r>
-            <a:rPr lang="es-ES" sz="1600" kern="1200" dirty="0" smtClean="0"/>
+            <a:rPr lang="es-ES" sz="1600" kern="1200" dirty="0"/>
             <a:t>Spear tips</a:t>
           </a:r>
           <a:endParaRPr lang="en-US" sz="1600" kern="1200" dirty="0"/>
@@ -3896,26 +5201,26 @@
             <a:spcAft>
               <a:spcPct val="15000"/>
             </a:spcAft>
-            <a:buChar char="••"/>
+            <a:buChar char="•"/>
           </a:pPr>
           <a:r>
-            <a:rPr lang="es-ES" sz="1600" kern="1200" dirty="0" smtClean="0"/>
+            <a:rPr lang="es-ES" sz="1600" kern="1200" dirty="0"/>
             <a:t>Male, </a:t>
           </a:r>
           <a:r>
-            <a:rPr lang="es-ES" sz="1600" kern="1200" dirty="0" err="1" smtClean="0"/>
+            <a:rPr lang="es-ES" sz="1600" kern="1200" dirty="0" err="1"/>
             <a:t>Female</a:t>
           </a:r>
           <a:r>
-            <a:rPr lang="es-ES" sz="1600" kern="1200" dirty="0" smtClean="0"/>
+            <a:rPr lang="es-ES" sz="1600" kern="1200" dirty="0"/>
             <a:t>, </a:t>
           </a:r>
           <a:r>
-            <a:rPr lang="es-ES" sz="1600" kern="1200" dirty="0" err="1" smtClean="0"/>
+            <a:rPr lang="es-ES" sz="1600" kern="1200" dirty="0" err="1"/>
             <a:t>Super</a:t>
           </a:r>
           <a:r>
-            <a:rPr lang="es-ES" sz="1600" kern="1200" dirty="0" smtClean="0"/>
+            <a:rPr lang="es-ES" sz="1600" kern="1200" dirty="0"/>
             <a:t> Male</a:t>
           </a:r>
           <a:endParaRPr lang="en-US" sz="1600" kern="1200" dirty="0"/>
@@ -3931,26 +5236,22 @@
             <a:spcAft>
               <a:spcPct val="15000"/>
             </a:spcAft>
-            <a:buChar char="••"/>
+            <a:buChar char="•"/>
           </a:pPr>
           <a:r>
-            <a:rPr lang="en-US" sz="1600" b="0" i="0" kern="1200" dirty="0" smtClean="0"/>
+            <a:rPr lang="en-US" sz="1600" b="0" i="0" kern="1200" dirty="0"/>
             <a:t>(NCBI) </a:t>
           </a:r>
           <a:r>
-            <a:rPr lang="en-US" sz="1600" b="0" i="0" kern="1200" dirty="0" err="1" smtClean="0"/>
+            <a:rPr lang="en-US" sz="1600" b="0" i="0" kern="1200" dirty="0" err="1"/>
             <a:t>BioProject</a:t>
           </a:r>
           <a:r>
-            <a:rPr lang="en-US" sz="1600" b="0" i="0" kern="1200" dirty="0" smtClean="0"/>
+            <a:rPr lang="en-US" sz="1600" b="0" i="0" kern="1200" dirty="0"/>
             <a:t> 259909</a:t>
           </a:r>
-          <a:r>
-            <a:rPr lang="en-US" sz="1600" kern="1200" dirty="0" smtClean="0"/>
-            <a:t/>
-          </a:r>
           <a:br>
-            <a:rPr lang="en-US" sz="1600" kern="1200" dirty="0" smtClean="0"/>
+            <a:rPr lang="en-US" sz="1600" kern="1200" dirty="0"/>
           </a:br>
           <a:endParaRPr lang="en-US" sz="1600" kern="1200" dirty="0"/>
         </a:p>
@@ -4010,7 +5311,7 @@
         </a:bodyPr>
         <a:lstStyle/>
         <a:p>
-          <a:pPr lvl="0" algn="ctr" defTabSz="711200">
+          <a:pPr marL="0" lvl="0" indent="0" algn="ctr" defTabSz="711200">
             <a:lnSpc>
               <a:spcPct val="90000"/>
             </a:lnSpc>
@@ -4020,6 +5321,7 @@
             <a:spcAft>
               <a:spcPct val="35000"/>
             </a:spcAft>
+            <a:buNone/>
           </a:pPr>
           <a:endParaRPr lang="en-US" sz="1600" kern="1200"/>
         </a:p>
@@ -4086,7 +5388,7 @@
         </a:bodyPr>
         <a:lstStyle/>
         <a:p>
-          <a:pPr lvl="0" algn="l" defTabSz="889000">
+          <a:pPr marL="0" lvl="0" indent="0" algn="l" defTabSz="889000">
             <a:lnSpc>
               <a:spcPct val="90000"/>
             </a:lnSpc>
@@ -4096,25 +5398,26 @@
             <a:spcAft>
               <a:spcPct val="35000"/>
             </a:spcAft>
+            <a:buNone/>
           </a:pPr>
           <a:r>
-            <a:rPr lang="es-ES" sz="2000" i="1" kern="1200" dirty="0" smtClean="0"/>
+            <a:rPr lang="es-ES" sz="2000" i="1" kern="1200" dirty="0"/>
             <a:t>De </a:t>
           </a:r>
           <a:r>
-            <a:rPr lang="es-ES" sz="2000" i="1" kern="1200" dirty="0" err="1" smtClean="0"/>
+            <a:rPr lang="es-ES" sz="2000" i="1" kern="1200" dirty="0" err="1"/>
             <a:t>novo</a:t>
           </a:r>
           <a:r>
-            <a:rPr lang="es-ES" sz="2000" i="1" kern="1200" dirty="0" smtClean="0"/>
+            <a:rPr lang="es-ES" sz="2000" i="1" kern="1200" dirty="0"/>
             <a:t> </a:t>
           </a:r>
           <a:r>
-            <a:rPr lang="es-ES" sz="2000" kern="1200" dirty="0" smtClean="0"/>
+            <a:rPr lang="es-ES" sz="2000" kern="1200" dirty="0"/>
             <a:t> </a:t>
           </a:r>
           <a:r>
-            <a:rPr lang="es-ES" sz="2000" kern="1200" dirty="0" err="1" smtClean="0"/>
+            <a:rPr lang="es-ES" sz="2000" kern="1200" dirty="0" err="1"/>
             <a:t>assembly</a:t>
           </a:r>
           <a:endParaRPr lang="en-US" sz="2000" kern="1200" dirty="0"/>
@@ -4130,14 +5433,14 @@
             <a:spcAft>
               <a:spcPct val="15000"/>
             </a:spcAft>
-            <a:buChar char="••"/>
+            <a:buChar char="•"/>
           </a:pPr>
           <a:r>
-            <a:rPr lang="es-ES" sz="1600" kern="1200" dirty="0" err="1" smtClean="0"/>
+            <a:rPr lang="es-ES" sz="1600" kern="1200" dirty="0" err="1"/>
             <a:t>Quality</a:t>
           </a:r>
           <a:r>
-            <a:rPr lang="es-ES" sz="1600" kern="1200" dirty="0" smtClean="0"/>
+            <a:rPr lang="es-ES" sz="1600" kern="1200" dirty="0"/>
             <a:t> control</a:t>
           </a:r>
           <a:endParaRPr lang="en-US" sz="1600" kern="1200" dirty="0"/>
@@ -4153,10 +5456,10 @@
             <a:spcAft>
               <a:spcPct val="15000"/>
             </a:spcAft>
-            <a:buChar char="••"/>
+            <a:buChar char="•"/>
           </a:pPr>
           <a:r>
-            <a:rPr lang="es-ES" sz="1600" kern="1200" dirty="0" err="1" smtClean="0"/>
+            <a:rPr lang="es-ES" sz="1600" kern="1200" dirty="0" err="1"/>
             <a:t>Trimming</a:t>
           </a:r>
           <a:endParaRPr lang="en-US" sz="1600" kern="1200" dirty="0"/>
@@ -4172,18 +5475,18 @@
             <a:spcAft>
               <a:spcPct val="15000"/>
             </a:spcAft>
-            <a:buChar char="••"/>
+            <a:buChar char="•"/>
           </a:pPr>
           <a:r>
-            <a:rPr lang="es-ES" sz="1600" kern="1200" dirty="0" err="1" smtClean="0"/>
+            <a:rPr lang="es-ES" sz="1600" kern="1200" dirty="0" err="1"/>
             <a:t>Functional</a:t>
           </a:r>
           <a:r>
-            <a:rPr lang="es-ES" sz="1600" kern="1200" dirty="0" smtClean="0"/>
+            <a:rPr lang="es-ES" sz="1600" kern="1200" dirty="0"/>
             <a:t> </a:t>
           </a:r>
           <a:r>
-            <a:rPr lang="es-ES" sz="1600" kern="1200" dirty="0" err="1" smtClean="0"/>
+            <a:rPr lang="es-ES" sz="1600" kern="1200" dirty="0" err="1"/>
             <a:t>annotation</a:t>
           </a:r>
           <a:endParaRPr lang="en-US" sz="1600" kern="1200" dirty="0"/>
@@ -4199,10 +5502,10 @@
             <a:spcAft>
               <a:spcPct val="15000"/>
             </a:spcAft>
-            <a:buChar char="••"/>
+            <a:buChar char="•"/>
           </a:pPr>
           <a:r>
-            <a:rPr lang="es-ES" sz="1600" kern="1200" dirty="0" err="1" smtClean="0"/>
+            <a:rPr lang="es-ES" sz="1600" kern="1200" dirty="0" err="1"/>
             <a:t>Assembly</a:t>
           </a:r>
           <a:endParaRPr lang="en-US" sz="1600" kern="1200" dirty="0"/>
@@ -4232,7 +5535,7 @@
         <a:solidFill>
           <a:schemeClr val="accent1">
             <a:shade val="90000"/>
-            <a:hueOff val="-31025"/>
+            <a:hueOff val="-31026"/>
             <a:satOff val="-361"/>
             <a:lumOff val="17617"/>
             <a:alphaOff val="0"/>
@@ -4263,7 +5566,7 @@
         </a:bodyPr>
         <a:lstStyle/>
         <a:p>
-          <a:pPr lvl="0" algn="ctr" defTabSz="711200">
+          <a:pPr marL="0" lvl="0" indent="0" algn="ctr" defTabSz="711200">
             <a:lnSpc>
               <a:spcPct val="90000"/>
             </a:lnSpc>
@@ -4273,6 +5576,7 @@
             <a:spcAft>
               <a:spcPct val="35000"/>
             </a:spcAft>
+            <a:buNone/>
           </a:pPr>
           <a:endParaRPr lang="en-US" sz="1600" kern="1200"/>
         </a:p>
@@ -4339,7 +5643,7 @@
         </a:bodyPr>
         <a:lstStyle/>
         <a:p>
-          <a:pPr lvl="0" algn="l" defTabSz="889000">
+          <a:pPr marL="0" lvl="0" indent="0" algn="l" defTabSz="889000">
             <a:lnSpc>
               <a:spcPct val="90000"/>
             </a:lnSpc>
@@ -4349,25 +5653,26 @@
             <a:spcAft>
               <a:spcPct val="35000"/>
             </a:spcAft>
+            <a:buNone/>
           </a:pPr>
           <a:r>
-            <a:rPr lang="es-ES" sz="2000" kern="1200" dirty="0" err="1" smtClean="0"/>
+            <a:rPr lang="es-ES" sz="2000" kern="1200" dirty="0" err="1"/>
             <a:t>Differential</a:t>
           </a:r>
           <a:r>
-            <a:rPr lang="es-ES" sz="2000" kern="1200" dirty="0" smtClean="0"/>
+            <a:rPr lang="es-ES" sz="2000" kern="1200" dirty="0"/>
             <a:t> </a:t>
           </a:r>
           <a:r>
-            <a:rPr lang="es-ES" sz="2000" kern="1200" dirty="0" err="1" smtClean="0"/>
+            <a:rPr lang="es-ES" sz="2000" kern="1200" dirty="0" err="1"/>
             <a:t>expression</a:t>
           </a:r>
           <a:r>
-            <a:rPr lang="es-ES" sz="2000" kern="1200" dirty="0" smtClean="0"/>
+            <a:rPr lang="es-ES" sz="2000" kern="1200" dirty="0"/>
             <a:t> </a:t>
           </a:r>
           <a:r>
-            <a:rPr lang="es-ES" sz="2000" kern="1200" dirty="0" err="1" smtClean="0"/>
+            <a:rPr lang="es-ES" sz="2000" kern="1200" dirty="0" err="1"/>
             <a:t>analysis</a:t>
           </a:r>
           <a:endParaRPr lang="en-US" sz="2000" kern="1200" dirty="0"/>
@@ -4383,10 +5688,10 @@
             <a:spcAft>
               <a:spcPct val="15000"/>
             </a:spcAft>
-            <a:buChar char="••"/>
+            <a:buChar char="•"/>
           </a:pPr>
           <a:r>
-            <a:rPr lang="es-ES" sz="1600" kern="1200" dirty="0" err="1" smtClean="0"/>
+            <a:rPr lang="es-ES" sz="1600" kern="1200" dirty="0" err="1"/>
             <a:t>Alignment</a:t>
           </a:r>
           <a:endParaRPr lang="en-US" sz="1600" kern="1200" dirty="0"/>
@@ -4402,26 +5707,26 @@
             <a:spcAft>
               <a:spcPct val="15000"/>
             </a:spcAft>
-            <a:buChar char="••"/>
+            <a:buChar char="•"/>
           </a:pPr>
           <a:r>
-            <a:rPr lang="es-ES" sz="1600" kern="1200" dirty="0" err="1" smtClean="0"/>
+            <a:rPr lang="es-ES" sz="1600" kern="1200" dirty="0" err="1"/>
             <a:t>Transcript</a:t>
           </a:r>
           <a:r>
-            <a:rPr lang="es-ES" sz="1600" kern="1200" dirty="0" smtClean="0"/>
+            <a:rPr lang="es-ES" sz="1600" kern="1200" dirty="0"/>
             <a:t> </a:t>
           </a:r>
           <a:r>
-            <a:rPr lang="es-ES" sz="1600" kern="1200" dirty="0" err="1" smtClean="0"/>
+            <a:rPr lang="es-ES" sz="1600" kern="1200" dirty="0" err="1"/>
             <a:t>abundance</a:t>
           </a:r>
           <a:r>
-            <a:rPr lang="es-ES" sz="1600" kern="1200" dirty="0" smtClean="0"/>
+            <a:rPr lang="es-ES" sz="1600" kern="1200" dirty="0"/>
             <a:t> </a:t>
           </a:r>
           <a:r>
-            <a:rPr lang="es-ES" sz="1600" kern="1200" dirty="0" err="1" smtClean="0"/>
+            <a:rPr lang="es-ES" sz="1600" kern="1200" dirty="0" err="1"/>
             <a:t>estimation</a:t>
           </a:r>
           <a:endParaRPr lang="en-US" sz="1600" kern="1200" dirty="0"/>
@@ -4437,34 +5742,34 @@
             <a:spcAft>
               <a:spcPct val="15000"/>
             </a:spcAft>
-            <a:buChar char="••"/>
+            <a:buChar char="•"/>
           </a:pPr>
           <a:r>
-            <a:rPr lang="es-ES" sz="1600" kern="1200" dirty="0" err="1" smtClean="0"/>
+            <a:rPr lang="es-ES" sz="1600" kern="1200" dirty="0" err="1"/>
             <a:t>Differential</a:t>
           </a:r>
           <a:r>
-            <a:rPr lang="es-ES" sz="1600" kern="1200" dirty="0" smtClean="0"/>
+            <a:rPr lang="es-ES" sz="1600" kern="1200" dirty="0"/>
             <a:t> </a:t>
           </a:r>
           <a:r>
-            <a:rPr lang="es-ES" sz="1600" kern="1200" dirty="0" err="1" smtClean="0"/>
+            <a:rPr lang="es-ES" sz="1600" kern="1200" dirty="0" err="1"/>
             <a:t>expression</a:t>
           </a:r>
           <a:r>
-            <a:rPr lang="es-ES" sz="1600" kern="1200" dirty="0" smtClean="0"/>
+            <a:rPr lang="es-ES" sz="1600" kern="1200" dirty="0"/>
             <a:t> </a:t>
           </a:r>
           <a:r>
-            <a:rPr lang="es-ES" sz="1600" kern="1200" dirty="0" err="1" smtClean="0"/>
+            <a:rPr lang="es-ES" sz="1600" kern="1200" dirty="0" err="1"/>
             <a:t>analysis</a:t>
           </a:r>
           <a:r>
-            <a:rPr lang="es-ES" sz="1600" kern="1200" dirty="0" smtClean="0"/>
+            <a:rPr lang="es-ES" sz="1600" kern="1200" dirty="0"/>
             <a:t> in </a:t>
           </a:r>
           <a:r>
-            <a:rPr lang="es-ES" sz="1600" kern="1200" dirty="0" err="1" smtClean="0"/>
+            <a:rPr lang="es-ES" sz="1600" kern="1200" dirty="0" err="1"/>
             <a:t>edgeR</a:t>
           </a:r>
           <a:endParaRPr lang="en-US" sz="1600" kern="1200" dirty="0"/>
@@ -4543,7 +5848,7 @@
         </a:bodyPr>
         <a:lstStyle/>
         <a:p>
-          <a:pPr lvl="0" algn="ctr" defTabSz="1644650">
+          <a:pPr marL="0" lvl="0" indent="0" algn="ctr" defTabSz="1644650">
             <a:lnSpc>
               <a:spcPct val="90000"/>
             </a:lnSpc>
@@ -4553,6 +5858,7 @@
             <a:spcAft>
               <a:spcPct val="35000"/>
             </a:spcAft>
+            <a:buNone/>
           </a:pPr>
           <a:r>
             <a:rPr lang="en-US" sz="3700" kern="1200" dirty="0"/>
@@ -4615,7 +5921,7 @@
         </a:bodyPr>
         <a:lstStyle/>
         <a:p>
-          <a:pPr lvl="0" algn="ctr" defTabSz="1333500">
+          <a:pPr marL="0" lvl="0" indent="0" algn="ctr" defTabSz="1333500">
             <a:lnSpc>
               <a:spcPct val="90000"/>
             </a:lnSpc>
@@ -4625,6 +5931,7 @@
             <a:spcAft>
               <a:spcPct val="35000"/>
             </a:spcAft>
+            <a:buNone/>
           </a:pPr>
           <a:endParaRPr lang="en-US" sz="3000" kern="1200"/>
         </a:p>
@@ -4690,7 +5997,7 @@
         </a:bodyPr>
         <a:lstStyle/>
         <a:p>
-          <a:pPr lvl="0" algn="ctr" defTabSz="1644650">
+          <a:pPr marL="0" lvl="0" indent="0" algn="ctr" defTabSz="1644650">
             <a:lnSpc>
               <a:spcPct val="90000"/>
             </a:lnSpc>
@@ -4700,6 +6007,7 @@
             <a:spcAft>
               <a:spcPct val="35000"/>
             </a:spcAft>
+            <a:buNone/>
           </a:pPr>
           <a:r>
             <a:rPr lang="en-US" sz="3700" kern="1200" dirty="0"/>
@@ -4780,7 +6088,7 @@
         </a:bodyPr>
         <a:lstStyle/>
         <a:p>
-          <a:pPr lvl="0" algn="ctr" defTabSz="889000">
+          <a:pPr marL="0" lvl="0" indent="0" algn="ctr" defTabSz="889000">
             <a:lnSpc>
               <a:spcPct val="90000"/>
             </a:lnSpc>
@@ -4790,6 +6098,7 @@
             <a:spcAft>
               <a:spcPct val="35000"/>
             </a:spcAft>
+            <a:buNone/>
           </a:pPr>
           <a:r>
             <a:rPr lang="en-US" sz="2000" kern="1200" noProof="0" dirty="0"/>
@@ -4852,7 +6161,7 @@
         </a:bodyPr>
         <a:lstStyle/>
         <a:p>
-          <a:pPr lvl="0" algn="ctr" defTabSz="889000">
+          <a:pPr marL="0" lvl="0" indent="0" algn="ctr" defTabSz="889000">
             <a:lnSpc>
               <a:spcPct val="90000"/>
             </a:lnSpc>
@@ -4862,6 +6171,7 @@
             <a:spcAft>
               <a:spcPct val="35000"/>
             </a:spcAft>
+            <a:buNone/>
           </a:pPr>
           <a:endParaRPr lang="en-US" sz="2000" kern="1200" dirty="0"/>
         </a:p>
@@ -4927,7 +6237,7 @@
         </a:bodyPr>
         <a:lstStyle/>
         <a:p>
-          <a:pPr lvl="0" algn="ctr" defTabSz="889000">
+          <a:pPr marL="0" lvl="0" indent="0" algn="ctr" defTabSz="889000">
             <a:lnSpc>
               <a:spcPct val="90000"/>
             </a:lnSpc>
@@ -4937,6 +6247,7 @@
             <a:spcAft>
               <a:spcPct val="35000"/>
             </a:spcAft>
+            <a:buNone/>
           </a:pPr>
           <a:r>
             <a:rPr lang="en-US" sz="2000" kern="1200" noProof="0" dirty="0"/>
@@ -4999,7 +6310,7 @@
         </a:bodyPr>
         <a:lstStyle/>
         <a:p>
-          <a:pPr lvl="0" algn="ctr" defTabSz="889000">
+          <a:pPr marL="0" lvl="0" indent="0" algn="ctr" defTabSz="889000">
             <a:lnSpc>
               <a:spcPct val="90000"/>
             </a:lnSpc>
@@ -5009,6 +6320,7 @@
             <a:spcAft>
               <a:spcPct val="35000"/>
             </a:spcAft>
+            <a:buNone/>
           </a:pPr>
           <a:endParaRPr lang="en-US" sz="2000" kern="1200" dirty="0"/>
         </a:p>
@@ -5074,7 +6386,7 @@
         </a:bodyPr>
         <a:lstStyle/>
         <a:p>
-          <a:pPr lvl="0" algn="ctr" defTabSz="889000">
+          <a:pPr marL="0" lvl="0" indent="0" algn="ctr" defTabSz="889000">
             <a:lnSpc>
               <a:spcPct val="90000"/>
             </a:lnSpc>
@@ -5084,6 +6396,7 @@
             <a:spcAft>
               <a:spcPct val="35000"/>
             </a:spcAft>
+            <a:buNone/>
           </a:pPr>
           <a:r>
             <a:rPr lang="en-US" sz="2000" kern="1200" noProof="0" dirty="0"/>
@@ -5146,7 +6459,7 @@
         </a:bodyPr>
         <a:lstStyle/>
         <a:p>
-          <a:pPr lvl="0" algn="ctr" defTabSz="889000">
+          <a:pPr marL="0" lvl="0" indent="0" algn="ctr" defTabSz="889000">
             <a:lnSpc>
               <a:spcPct val="90000"/>
             </a:lnSpc>
@@ -5156,6 +6469,7 @@
             <a:spcAft>
               <a:spcPct val="35000"/>
             </a:spcAft>
+            <a:buNone/>
           </a:pPr>
           <a:endParaRPr lang="en-US" sz="2000" kern="1200" dirty="0"/>
         </a:p>
@@ -5221,7 +6535,7 @@
         </a:bodyPr>
         <a:lstStyle/>
         <a:p>
-          <a:pPr lvl="0" algn="ctr" defTabSz="889000">
+          <a:pPr marL="0" lvl="0" indent="0" algn="ctr" defTabSz="889000">
             <a:lnSpc>
               <a:spcPct val="90000"/>
             </a:lnSpc>
@@ -5231,6 +6545,7 @@
             <a:spcAft>
               <a:spcPct val="35000"/>
             </a:spcAft>
+            <a:buNone/>
           </a:pPr>
           <a:r>
             <a:rPr lang="en-US" sz="2000" kern="1200" noProof="0" dirty="0"/>
@@ -5249,6 +6564,1225 @@
       <dsp:txXfrm>
         <a:off x="6634783" y="161988"/>
         <a:ext cx="1445833" cy="971422"/>
+      </dsp:txXfrm>
+    </dsp:sp>
+  </dsp:spTree>
+</dsp:drawing>
+</file>
+
+<file path=ppt/diagrams/drawing4.xml><?xml version="1.0" encoding="utf-8"?>
+<dsp:drawing xmlns:dgm="http://schemas.openxmlformats.org/drawingml/2006/diagram" xmlns:dsp="http://schemas.microsoft.com/office/drawing/2008/diagram" xmlns:a="http://schemas.openxmlformats.org/drawingml/2006/main">
+  <dsp:spTree>
+    <dsp:nvGrpSpPr>
+      <dsp:cNvPr id="0" name=""/>
+      <dsp:cNvGrpSpPr/>
+    </dsp:nvGrpSpPr>
+    <dsp:grpSpPr/>
+    <dsp:sp modelId="{695C06EB-3839-4851-AAE1-21648D935AE8}">
+      <dsp:nvSpPr>
+        <dsp:cNvPr id="0" name=""/>
+        <dsp:cNvSpPr/>
+      </dsp:nvSpPr>
+      <dsp:spPr>
+        <a:xfrm rot="5400000">
+          <a:off x="1564653" y="628844"/>
+          <a:ext cx="535301" cy="609421"/>
+        </a:xfrm>
+        <a:prstGeom prst="bentUpArrow">
+          <a:avLst>
+            <a:gd name="adj1" fmla="val 32840"/>
+            <a:gd name="adj2" fmla="val 25000"/>
+            <a:gd name="adj3" fmla="val 35780"/>
+          </a:avLst>
+        </a:prstGeom>
+        <a:solidFill>
+          <a:schemeClr val="accent1">
+            <a:tint val="50000"/>
+            <a:hueOff val="0"/>
+            <a:satOff val="0"/>
+            <a:lumOff val="0"/>
+            <a:alphaOff val="0"/>
+          </a:schemeClr>
+        </a:solidFill>
+        <a:ln w="26425" cap="flat" cmpd="sng" algn="ctr">
+          <a:solidFill>
+            <a:schemeClr val="lt1">
+              <a:hueOff val="0"/>
+              <a:satOff val="0"/>
+              <a:lumOff val="0"/>
+              <a:alphaOff val="0"/>
+            </a:schemeClr>
+          </a:solidFill>
+          <a:prstDash val="solid"/>
+        </a:ln>
+        <a:effectLst/>
+      </dsp:spPr>
+      <dsp:style>
+        <a:lnRef idx="2">
+          <a:scrgbClr r="0" g="0" b="0"/>
+        </a:lnRef>
+        <a:fillRef idx="1">
+          <a:scrgbClr r="0" g="0" b="0"/>
+        </a:fillRef>
+        <a:effectRef idx="0">
+          <a:scrgbClr r="0" g="0" b="0"/>
+        </a:effectRef>
+        <a:fontRef idx="minor"/>
+      </dsp:style>
+    </dsp:sp>
+    <dsp:sp modelId="{B3D5E33F-A884-4A6B-BA8B-AC7F2E2F3CD9}">
+      <dsp:nvSpPr>
+        <dsp:cNvPr id="0" name=""/>
+        <dsp:cNvSpPr/>
+      </dsp:nvSpPr>
+      <dsp:spPr>
+        <a:xfrm>
+          <a:off x="1433364" y="20080"/>
+          <a:ext cx="901132" cy="630763"/>
+        </a:xfrm>
+        <a:prstGeom prst="roundRect">
+          <a:avLst>
+            <a:gd name="adj" fmla="val 16670"/>
+          </a:avLst>
+        </a:prstGeom>
+        <a:solidFill>
+          <a:schemeClr val="accent1">
+            <a:hueOff val="0"/>
+            <a:satOff val="0"/>
+            <a:lumOff val="0"/>
+            <a:alphaOff val="0"/>
+          </a:schemeClr>
+        </a:solidFill>
+        <a:ln w="26425" cap="flat" cmpd="sng" algn="ctr">
+          <a:solidFill>
+            <a:schemeClr val="lt1">
+              <a:hueOff val="0"/>
+              <a:satOff val="0"/>
+              <a:lumOff val="0"/>
+              <a:alphaOff val="0"/>
+            </a:schemeClr>
+          </a:solidFill>
+          <a:prstDash val="solid"/>
+        </a:ln>
+        <a:effectLst/>
+      </dsp:spPr>
+      <dsp:style>
+        <a:lnRef idx="2">
+          <a:scrgbClr r="0" g="0" b="0"/>
+        </a:lnRef>
+        <a:fillRef idx="1">
+          <a:scrgbClr r="0" g="0" b="0"/>
+        </a:fillRef>
+        <a:effectRef idx="0">
+          <a:scrgbClr r="0" g="0" b="0"/>
+        </a:effectRef>
+        <a:fontRef idx="minor">
+          <a:schemeClr val="lt1"/>
+        </a:fontRef>
+      </dsp:style>
+      <dsp:txBody>
+        <a:bodyPr spcFirstLastPara="0" vert="horz" wrap="square" lIns="41910" tIns="41910" rIns="41910" bIns="41910" numCol="1" spcCol="1270" anchor="ctr" anchorCtr="0">
+          <a:noAutofit/>
+        </a:bodyPr>
+        <a:lstStyle/>
+        <a:p>
+          <a:pPr marL="0" lvl="0" indent="0" algn="ctr" defTabSz="488950">
+            <a:lnSpc>
+              <a:spcPct val="90000"/>
+            </a:lnSpc>
+            <a:spcBef>
+              <a:spcPct val="0"/>
+            </a:spcBef>
+            <a:spcAft>
+              <a:spcPct val="35000"/>
+            </a:spcAft>
+            <a:buNone/>
+          </a:pPr>
+          <a:r>
+            <a:rPr lang="en-US" sz="1100" kern="1200" dirty="0"/>
+            <a:t>Read counts</a:t>
+          </a:r>
+        </a:p>
+      </dsp:txBody>
+      <dsp:txXfrm>
+        <a:off x="1464161" y="50877"/>
+        <a:ext cx="839538" cy="569169"/>
+      </dsp:txXfrm>
+    </dsp:sp>
+    <dsp:sp modelId="{2B70D009-F13D-44C0-A7BC-54C205FE77FB}">
+      <dsp:nvSpPr>
+        <dsp:cNvPr id="0" name=""/>
+        <dsp:cNvSpPr/>
+      </dsp:nvSpPr>
+      <dsp:spPr>
+        <a:xfrm>
+          <a:off x="2323962" y="95609"/>
+          <a:ext cx="655397" cy="509810"/>
+        </a:xfrm>
+        <a:prstGeom prst="rect">
+          <a:avLst/>
+        </a:prstGeom>
+        <a:noFill/>
+        <a:ln>
+          <a:noFill/>
+        </a:ln>
+        <a:effectLst/>
+      </dsp:spPr>
+      <dsp:style>
+        <a:lnRef idx="0">
+          <a:scrgbClr r="0" g="0" b="0"/>
+        </a:lnRef>
+        <a:fillRef idx="0">
+          <a:scrgbClr r="0" g="0" b="0"/>
+        </a:fillRef>
+        <a:effectRef idx="0">
+          <a:scrgbClr r="0" g="0" b="0"/>
+        </a:effectRef>
+        <a:fontRef idx="minor"/>
+      </dsp:style>
+      <dsp:txBody>
+        <a:bodyPr spcFirstLastPara="0" vert="horz" wrap="square" lIns="38100" tIns="38100" rIns="38100" bIns="38100" numCol="1" spcCol="1270" anchor="ctr" anchorCtr="0">
+          <a:noAutofit/>
+        </a:bodyPr>
+        <a:lstStyle/>
+        <a:p>
+          <a:pPr marL="57150" lvl="1" indent="-57150" algn="l" defTabSz="355600">
+            <a:lnSpc>
+              <a:spcPct val="90000"/>
+            </a:lnSpc>
+            <a:spcBef>
+              <a:spcPct val="0"/>
+            </a:spcBef>
+            <a:spcAft>
+              <a:spcPct val="15000"/>
+            </a:spcAft>
+            <a:buChar char="•"/>
+          </a:pPr>
+          <a:r>
+            <a:rPr lang="en-US" sz="800" kern="1200" dirty="0" err="1"/>
+            <a:t>edgeR</a:t>
+          </a:r>
+          <a:endParaRPr lang="en-US" sz="800" kern="1200" dirty="0"/>
+        </a:p>
+      </dsp:txBody>
+      <dsp:txXfrm>
+        <a:off x="2323962" y="95609"/>
+        <a:ext cx="655397" cy="509810"/>
+      </dsp:txXfrm>
+    </dsp:sp>
+    <dsp:sp modelId="{3A4CF2F8-7DD7-4422-A354-87E03A438C2A}">
+      <dsp:nvSpPr>
+        <dsp:cNvPr id="0" name=""/>
+        <dsp:cNvSpPr/>
+      </dsp:nvSpPr>
+      <dsp:spPr>
+        <a:xfrm rot="5400000">
+          <a:off x="2311787" y="1337399"/>
+          <a:ext cx="535301" cy="609421"/>
+        </a:xfrm>
+        <a:prstGeom prst="bentUpArrow">
+          <a:avLst>
+            <a:gd name="adj1" fmla="val 32840"/>
+            <a:gd name="adj2" fmla="val 25000"/>
+            <a:gd name="adj3" fmla="val 35780"/>
+          </a:avLst>
+        </a:prstGeom>
+        <a:solidFill>
+          <a:schemeClr val="accent1">
+            <a:tint val="50000"/>
+            <a:hueOff val="0"/>
+            <a:satOff val="0"/>
+            <a:lumOff val="0"/>
+            <a:alphaOff val="0"/>
+          </a:schemeClr>
+        </a:solidFill>
+        <a:ln w="26425" cap="flat" cmpd="sng" algn="ctr">
+          <a:solidFill>
+            <a:schemeClr val="lt1">
+              <a:hueOff val="0"/>
+              <a:satOff val="0"/>
+              <a:lumOff val="0"/>
+              <a:alphaOff val="0"/>
+            </a:schemeClr>
+          </a:solidFill>
+          <a:prstDash val="solid"/>
+        </a:ln>
+        <a:effectLst/>
+      </dsp:spPr>
+      <dsp:style>
+        <a:lnRef idx="2">
+          <a:scrgbClr r="0" g="0" b="0"/>
+        </a:lnRef>
+        <a:fillRef idx="1">
+          <a:scrgbClr r="0" g="0" b="0"/>
+        </a:fillRef>
+        <a:effectRef idx="0">
+          <a:scrgbClr r="0" g="0" b="0"/>
+        </a:effectRef>
+        <a:fontRef idx="minor"/>
+      </dsp:style>
+    </dsp:sp>
+    <dsp:sp modelId="{D0281AEB-9781-4CF5-A68B-140193D8FB11}">
+      <dsp:nvSpPr>
+        <dsp:cNvPr id="0" name=""/>
+        <dsp:cNvSpPr/>
+      </dsp:nvSpPr>
+      <dsp:spPr>
+        <a:xfrm>
+          <a:off x="2169965" y="744007"/>
+          <a:ext cx="901132" cy="630763"/>
+        </a:xfrm>
+        <a:prstGeom prst="roundRect">
+          <a:avLst>
+            <a:gd name="adj" fmla="val 16670"/>
+          </a:avLst>
+        </a:prstGeom>
+        <a:solidFill>
+          <a:schemeClr val="accent1">
+            <a:hueOff val="0"/>
+            <a:satOff val="0"/>
+            <a:lumOff val="0"/>
+            <a:alphaOff val="0"/>
+          </a:schemeClr>
+        </a:solidFill>
+        <a:ln w="26425" cap="flat" cmpd="sng" algn="ctr">
+          <a:solidFill>
+            <a:schemeClr val="lt1">
+              <a:hueOff val="0"/>
+              <a:satOff val="0"/>
+              <a:lumOff val="0"/>
+              <a:alphaOff val="0"/>
+            </a:schemeClr>
+          </a:solidFill>
+          <a:prstDash val="solid"/>
+        </a:ln>
+        <a:effectLst/>
+      </dsp:spPr>
+      <dsp:style>
+        <a:lnRef idx="2">
+          <a:scrgbClr r="0" g="0" b="0"/>
+        </a:lnRef>
+        <a:fillRef idx="1">
+          <a:scrgbClr r="0" g="0" b="0"/>
+        </a:fillRef>
+        <a:effectRef idx="0">
+          <a:scrgbClr r="0" g="0" b="0"/>
+        </a:effectRef>
+        <a:fontRef idx="minor">
+          <a:schemeClr val="lt1"/>
+        </a:fontRef>
+      </dsp:style>
+      <dsp:txBody>
+        <a:bodyPr spcFirstLastPara="0" vert="horz" wrap="square" lIns="41910" tIns="41910" rIns="41910" bIns="41910" numCol="1" spcCol="1270" anchor="ctr" anchorCtr="0">
+          <a:noAutofit/>
+        </a:bodyPr>
+        <a:lstStyle/>
+        <a:p>
+          <a:pPr marL="0" lvl="0" indent="0" algn="ctr" defTabSz="488950">
+            <a:lnSpc>
+              <a:spcPct val="90000"/>
+            </a:lnSpc>
+            <a:spcBef>
+              <a:spcPct val="0"/>
+            </a:spcBef>
+            <a:spcAft>
+              <a:spcPct val="35000"/>
+            </a:spcAft>
+            <a:buNone/>
+          </a:pPr>
+          <a:r>
+            <a:rPr lang="en-US" sz="1100" kern="1200" dirty="0"/>
+            <a:t>Filter</a:t>
+          </a:r>
+        </a:p>
+      </dsp:txBody>
+      <dsp:txXfrm>
+        <a:off x="2200762" y="774804"/>
+        <a:ext cx="839538" cy="569169"/>
+      </dsp:txXfrm>
+    </dsp:sp>
+    <dsp:sp modelId="{2AAE7345-B9D4-4662-AC19-BCF06F8C49FD}">
+      <dsp:nvSpPr>
+        <dsp:cNvPr id="0" name=""/>
+        <dsp:cNvSpPr/>
+      </dsp:nvSpPr>
+      <dsp:spPr>
+        <a:xfrm>
+          <a:off x="3071097" y="804165"/>
+          <a:ext cx="655397" cy="509810"/>
+        </a:xfrm>
+        <a:prstGeom prst="rect">
+          <a:avLst/>
+        </a:prstGeom>
+        <a:noFill/>
+        <a:ln>
+          <a:noFill/>
+        </a:ln>
+        <a:effectLst/>
+      </dsp:spPr>
+      <dsp:style>
+        <a:lnRef idx="0">
+          <a:scrgbClr r="0" g="0" b="0"/>
+        </a:lnRef>
+        <a:fillRef idx="0">
+          <a:scrgbClr r="0" g="0" b="0"/>
+        </a:fillRef>
+        <a:effectRef idx="0">
+          <a:scrgbClr r="0" g="0" b="0"/>
+        </a:effectRef>
+        <a:fontRef idx="minor"/>
+      </dsp:style>
+      <dsp:txBody>
+        <a:bodyPr spcFirstLastPara="0" vert="horz" wrap="square" lIns="38100" tIns="38100" rIns="38100" bIns="38100" numCol="1" spcCol="1270" anchor="ctr" anchorCtr="0">
+          <a:noAutofit/>
+        </a:bodyPr>
+        <a:lstStyle/>
+        <a:p>
+          <a:pPr marL="57150" lvl="1" indent="-57150" algn="l" defTabSz="355600">
+            <a:lnSpc>
+              <a:spcPct val="90000"/>
+            </a:lnSpc>
+            <a:spcBef>
+              <a:spcPct val="0"/>
+            </a:spcBef>
+            <a:spcAft>
+              <a:spcPct val="15000"/>
+            </a:spcAft>
+            <a:buChar char="•"/>
+          </a:pPr>
+          <a:endParaRPr lang="en-US" sz="800" kern="1200" dirty="0"/>
+        </a:p>
+      </dsp:txBody>
+      <dsp:txXfrm>
+        <a:off x="3071097" y="804165"/>
+        <a:ext cx="655397" cy="509810"/>
+      </dsp:txXfrm>
+    </dsp:sp>
+    <dsp:sp modelId="{423A54F3-509F-4C97-8F16-BB1520DD8745}">
+      <dsp:nvSpPr>
+        <dsp:cNvPr id="0" name=""/>
+        <dsp:cNvSpPr/>
+      </dsp:nvSpPr>
+      <dsp:spPr>
+        <a:xfrm rot="5400000">
+          <a:off x="3058921" y="2045955"/>
+          <a:ext cx="535301" cy="609421"/>
+        </a:xfrm>
+        <a:prstGeom prst="bentUpArrow">
+          <a:avLst>
+            <a:gd name="adj1" fmla="val 32840"/>
+            <a:gd name="adj2" fmla="val 25000"/>
+            <a:gd name="adj3" fmla="val 35780"/>
+          </a:avLst>
+        </a:prstGeom>
+        <a:solidFill>
+          <a:schemeClr val="accent1">
+            <a:tint val="50000"/>
+            <a:hueOff val="0"/>
+            <a:satOff val="0"/>
+            <a:lumOff val="0"/>
+            <a:alphaOff val="0"/>
+          </a:schemeClr>
+        </a:solidFill>
+        <a:ln w="26425" cap="flat" cmpd="sng" algn="ctr">
+          <a:solidFill>
+            <a:schemeClr val="lt1">
+              <a:hueOff val="0"/>
+              <a:satOff val="0"/>
+              <a:lumOff val="0"/>
+              <a:alphaOff val="0"/>
+            </a:schemeClr>
+          </a:solidFill>
+          <a:prstDash val="solid"/>
+        </a:ln>
+        <a:effectLst/>
+      </dsp:spPr>
+      <dsp:style>
+        <a:lnRef idx="2">
+          <a:scrgbClr r="0" g="0" b="0"/>
+        </a:lnRef>
+        <a:fillRef idx="1">
+          <a:scrgbClr r="0" g="0" b="0"/>
+        </a:fillRef>
+        <a:effectRef idx="0">
+          <a:scrgbClr r="0" g="0" b="0"/>
+        </a:effectRef>
+        <a:fontRef idx="minor"/>
+      </dsp:style>
+    </dsp:sp>
+    <dsp:sp modelId="{7B248748-EE7B-40BE-A4A3-9E8C356278DD}">
+      <dsp:nvSpPr>
+        <dsp:cNvPr id="0" name=""/>
+        <dsp:cNvSpPr/>
+      </dsp:nvSpPr>
+      <dsp:spPr>
+        <a:xfrm>
+          <a:off x="2917099" y="1452562"/>
+          <a:ext cx="901132" cy="630763"/>
+        </a:xfrm>
+        <a:prstGeom prst="roundRect">
+          <a:avLst>
+            <a:gd name="adj" fmla="val 16670"/>
+          </a:avLst>
+        </a:prstGeom>
+        <a:solidFill>
+          <a:schemeClr val="accent1">
+            <a:hueOff val="0"/>
+            <a:satOff val="0"/>
+            <a:lumOff val="0"/>
+            <a:alphaOff val="0"/>
+          </a:schemeClr>
+        </a:solidFill>
+        <a:ln w="26425" cap="flat" cmpd="sng" algn="ctr">
+          <a:solidFill>
+            <a:schemeClr val="lt1">
+              <a:hueOff val="0"/>
+              <a:satOff val="0"/>
+              <a:lumOff val="0"/>
+              <a:alphaOff val="0"/>
+            </a:schemeClr>
+          </a:solidFill>
+          <a:prstDash val="solid"/>
+        </a:ln>
+        <a:effectLst/>
+      </dsp:spPr>
+      <dsp:style>
+        <a:lnRef idx="2">
+          <a:scrgbClr r="0" g="0" b="0"/>
+        </a:lnRef>
+        <a:fillRef idx="1">
+          <a:scrgbClr r="0" g="0" b="0"/>
+        </a:fillRef>
+        <a:effectRef idx="0">
+          <a:scrgbClr r="0" g="0" b="0"/>
+        </a:effectRef>
+        <a:fontRef idx="minor">
+          <a:schemeClr val="lt1"/>
+        </a:fontRef>
+      </dsp:style>
+      <dsp:txBody>
+        <a:bodyPr spcFirstLastPara="0" vert="horz" wrap="square" lIns="41910" tIns="41910" rIns="41910" bIns="41910" numCol="1" spcCol="1270" anchor="ctr" anchorCtr="0">
+          <a:noAutofit/>
+        </a:bodyPr>
+        <a:lstStyle/>
+        <a:p>
+          <a:pPr marL="0" lvl="0" indent="0" algn="ctr" defTabSz="488950">
+            <a:lnSpc>
+              <a:spcPct val="90000"/>
+            </a:lnSpc>
+            <a:spcBef>
+              <a:spcPct val="0"/>
+            </a:spcBef>
+            <a:spcAft>
+              <a:spcPct val="35000"/>
+            </a:spcAft>
+            <a:buNone/>
+          </a:pPr>
+          <a:r>
+            <a:rPr lang="en-US" sz="1100" kern="1200" dirty="0"/>
+            <a:t>Normalize</a:t>
+          </a:r>
+        </a:p>
+      </dsp:txBody>
+      <dsp:txXfrm>
+        <a:off x="2947896" y="1483359"/>
+        <a:ext cx="839538" cy="569169"/>
+      </dsp:txXfrm>
+    </dsp:sp>
+    <dsp:sp modelId="{1065B556-C4C5-451F-9E11-5643BF244E6D}">
+      <dsp:nvSpPr>
+        <dsp:cNvPr id="0" name=""/>
+        <dsp:cNvSpPr/>
+      </dsp:nvSpPr>
+      <dsp:spPr>
+        <a:xfrm>
+          <a:off x="3818231" y="1512720"/>
+          <a:ext cx="655397" cy="509810"/>
+        </a:xfrm>
+        <a:prstGeom prst="rect">
+          <a:avLst/>
+        </a:prstGeom>
+        <a:noFill/>
+        <a:ln>
+          <a:noFill/>
+        </a:ln>
+        <a:effectLst/>
+      </dsp:spPr>
+      <dsp:style>
+        <a:lnRef idx="0">
+          <a:scrgbClr r="0" g="0" b="0"/>
+        </a:lnRef>
+        <a:fillRef idx="0">
+          <a:scrgbClr r="0" g="0" b="0"/>
+        </a:fillRef>
+        <a:effectRef idx="0">
+          <a:scrgbClr r="0" g="0" b="0"/>
+        </a:effectRef>
+        <a:fontRef idx="minor"/>
+      </dsp:style>
+      <dsp:txBody>
+        <a:bodyPr spcFirstLastPara="0" vert="horz" wrap="square" lIns="38100" tIns="38100" rIns="38100" bIns="38100" numCol="1" spcCol="1270" anchor="ctr" anchorCtr="0">
+          <a:noAutofit/>
+        </a:bodyPr>
+        <a:lstStyle/>
+        <a:p>
+          <a:pPr marL="57150" lvl="1" indent="-57150" algn="l" defTabSz="355600">
+            <a:lnSpc>
+              <a:spcPct val="90000"/>
+            </a:lnSpc>
+            <a:spcBef>
+              <a:spcPct val="0"/>
+            </a:spcBef>
+            <a:spcAft>
+              <a:spcPct val="15000"/>
+            </a:spcAft>
+            <a:buChar char="•"/>
+          </a:pPr>
+          <a:r>
+            <a:rPr lang="en-US" sz="800" kern="1200" dirty="0"/>
+            <a:t>TMM</a:t>
+          </a:r>
+        </a:p>
+      </dsp:txBody>
+      <dsp:txXfrm>
+        <a:off x="3818231" y="1512720"/>
+        <a:ext cx="655397" cy="509810"/>
+      </dsp:txXfrm>
+    </dsp:sp>
+    <dsp:sp modelId="{2E64E6B7-90D4-4D73-A28B-0D727C700B47}">
+      <dsp:nvSpPr>
+        <dsp:cNvPr id="0" name=""/>
+        <dsp:cNvSpPr/>
+      </dsp:nvSpPr>
+      <dsp:spPr>
+        <a:xfrm rot="5400000">
+          <a:off x="3806056" y="2754510"/>
+          <a:ext cx="535301" cy="609421"/>
+        </a:xfrm>
+        <a:prstGeom prst="bentUpArrow">
+          <a:avLst>
+            <a:gd name="adj1" fmla="val 32840"/>
+            <a:gd name="adj2" fmla="val 25000"/>
+            <a:gd name="adj3" fmla="val 35780"/>
+          </a:avLst>
+        </a:prstGeom>
+        <a:solidFill>
+          <a:schemeClr val="accent1">
+            <a:tint val="50000"/>
+            <a:hueOff val="0"/>
+            <a:satOff val="0"/>
+            <a:lumOff val="0"/>
+            <a:alphaOff val="0"/>
+          </a:schemeClr>
+        </a:solidFill>
+        <a:ln w="26425" cap="flat" cmpd="sng" algn="ctr">
+          <a:solidFill>
+            <a:schemeClr val="lt1">
+              <a:hueOff val="0"/>
+              <a:satOff val="0"/>
+              <a:lumOff val="0"/>
+              <a:alphaOff val="0"/>
+            </a:schemeClr>
+          </a:solidFill>
+          <a:prstDash val="solid"/>
+        </a:ln>
+        <a:effectLst/>
+      </dsp:spPr>
+      <dsp:style>
+        <a:lnRef idx="2">
+          <a:scrgbClr r="0" g="0" b="0"/>
+        </a:lnRef>
+        <a:fillRef idx="1">
+          <a:scrgbClr r="0" g="0" b="0"/>
+        </a:fillRef>
+        <a:effectRef idx="0">
+          <a:scrgbClr r="0" g="0" b="0"/>
+        </a:effectRef>
+        <a:fontRef idx="minor"/>
+      </dsp:style>
+    </dsp:sp>
+    <dsp:sp modelId="{B40BB39A-B64D-459C-A098-A4DF6294FF45}">
+      <dsp:nvSpPr>
+        <dsp:cNvPr id="0" name=""/>
+        <dsp:cNvSpPr/>
+      </dsp:nvSpPr>
+      <dsp:spPr>
+        <a:xfrm>
+          <a:off x="3664233" y="2161118"/>
+          <a:ext cx="901132" cy="630763"/>
+        </a:xfrm>
+        <a:prstGeom prst="roundRect">
+          <a:avLst>
+            <a:gd name="adj" fmla="val 16670"/>
+          </a:avLst>
+        </a:prstGeom>
+        <a:solidFill>
+          <a:schemeClr val="accent1">
+            <a:hueOff val="0"/>
+            <a:satOff val="0"/>
+            <a:lumOff val="0"/>
+            <a:alphaOff val="0"/>
+          </a:schemeClr>
+        </a:solidFill>
+        <a:ln w="26425" cap="flat" cmpd="sng" algn="ctr">
+          <a:solidFill>
+            <a:schemeClr val="lt1">
+              <a:hueOff val="0"/>
+              <a:satOff val="0"/>
+              <a:lumOff val="0"/>
+              <a:alphaOff val="0"/>
+            </a:schemeClr>
+          </a:solidFill>
+          <a:prstDash val="solid"/>
+        </a:ln>
+        <a:effectLst/>
+      </dsp:spPr>
+      <dsp:style>
+        <a:lnRef idx="2">
+          <a:scrgbClr r="0" g="0" b="0"/>
+        </a:lnRef>
+        <a:fillRef idx="1">
+          <a:scrgbClr r="0" g="0" b="0"/>
+        </a:fillRef>
+        <a:effectRef idx="0">
+          <a:scrgbClr r="0" g="0" b="0"/>
+        </a:effectRef>
+        <a:fontRef idx="minor">
+          <a:schemeClr val="lt1"/>
+        </a:fontRef>
+      </dsp:style>
+      <dsp:txBody>
+        <a:bodyPr spcFirstLastPara="0" vert="horz" wrap="square" lIns="41910" tIns="41910" rIns="41910" bIns="41910" numCol="1" spcCol="1270" anchor="ctr" anchorCtr="0">
+          <a:noAutofit/>
+        </a:bodyPr>
+        <a:lstStyle/>
+        <a:p>
+          <a:pPr marL="0" lvl="0" indent="0" algn="ctr" defTabSz="488950">
+            <a:lnSpc>
+              <a:spcPct val="90000"/>
+            </a:lnSpc>
+            <a:spcBef>
+              <a:spcPct val="0"/>
+            </a:spcBef>
+            <a:spcAft>
+              <a:spcPct val="35000"/>
+            </a:spcAft>
+            <a:buNone/>
+          </a:pPr>
+          <a:r>
+            <a:rPr lang="en-US" sz="1100" kern="1200" dirty="0"/>
+            <a:t>MDS</a:t>
+          </a:r>
+        </a:p>
+      </dsp:txBody>
+      <dsp:txXfrm>
+        <a:off x="3695030" y="2191915"/>
+        <a:ext cx="839538" cy="569169"/>
+      </dsp:txXfrm>
+    </dsp:sp>
+    <dsp:sp modelId="{87A88EA6-ADD6-41C7-99DF-6D5B6FCF6A5F}">
+      <dsp:nvSpPr>
+        <dsp:cNvPr id="0" name=""/>
+        <dsp:cNvSpPr/>
+      </dsp:nvSpPr>
+      <dsp:spPr>
+        <a:xfrm>
+          <a:off x="4565366" y="2221275"/>
+          <a:ext cx="655397" cy="509810"/>
+        </a:xfrm>
+        <a:prstGeom prst="rect">
+          <a:avLst/>
+        </a:prstGeom>
+        <a:noFill/>
+        <a:ln>
+          <a:noFill/>
+        </a:ln>
+        <a:effectLst/>
+      </dsp:spPr>
+      <dsp:style>
+        <a:lnRef idx="0">
+          <a:scrgbClr r="0" g="0" b="0"/>
+        </a:lnRef>
+        <a:fillRef idx="0">
+          <a:scrgbClr r="0" g="0" b="0"/>
+        </a:fillRef>
+        <a:effectRef idx="0">
+          <a:scrgbClr r="0" g="0" b="0"/>
+        </a:effectRef>
+        <a:fontRef idx="minor"/>
+      </dsp:style>
+    </dsp:sp>
+    <dsp:sp modelId="{5995CD6F-2D39-41A3-90BD-E08219C477CE}">
+      <dsp:nvSpPr>
+        <dsp:cNvPr id="0" name=""/>
+        <dsp:cNvSpPr/>
+      </dsp:nvSpPr>
+      <dsp:spPr>
+        <a:xfrm rot="5400000">
+          <a:off x="4553190" y="3463065"/>
+          <a:ext cx="535301" cy="609421"/>
+        </a:xfrm>
+        <a:prstGeom prst="bentUpArrow">
+          <a:avLst>
+            <a:gd name="adj1" fmla="val 32840"/>
+            <a:gd name="adj2" fmla="val 25000"/>
+            <a:gd name="adj3" fmla="val 35780"/>
+          </a:avLst>
+        </a:prstGeom>
+        <a:solidFill>
+          <a:schemeClr val="accent1">
+            <a:tint val="50000"/>
+            <a:hueOff val="0"/>
+            <a:satOff val="0"/>
+            <a:lumOff val="0"/>
+            <a:alphaOff val="0"/>
+          </a:schemeClr>
+        </a:solidFill>
+        <a:ln w="26425" cap="flat" cmpd="sng" algn="ctr">
+          <a:solidFill>
+            <a:schemeClr val="lt1">
+              <a:hueOff val="0"/>
+              <a:satOff val="0"/>
+              <a:lumOff val="0"/>
+              <a:alphaOff val="0"/>
+            </a:schemeClr>
+          </a:solidFill>
+          <a:prstDash val="solid"/>
+        </a:ln>
+        <a:effectLst/>
+      </dsp:spPr>
+      <dsp:style>
+        <a:lnRef idx="2">
+          <a:scrgbClr r="0" g="0" b="0"/>
+        </a:lnRef>
+        <a:fillRef idx="1">
+          <a:scrgbClr r="0" g="0" b="0"/>
+        </a:fillRef>
+        <a:effectRef idx="0">
+          <a:scrgbClr r="0" g="0" b="0"/>
+        </a:effectRef>
+        <a:fontRef idx="minor"/>
+      </dsp:style>
+    </dsp:sp>
+    <dsp:sp modelId="{049C392A-3EDC-49F8-A09C-1DAAF2A97E16}">
+      <dsp:nvSpPr>
+        <dsp:cNvPr id="0" name=""/>
+        <dsp:cNvSpPr/>
+      </dsp:nvSpPr>
+      <dsp:spPr>
+        <a:xfrm>
+          <a:off x="4411368" y="2869673"/>
+          <a:ext cx="901132" cy="630763"/>
+        </a:xfrm>
+        <a:prstGeom prst="roundRect">
+          <a:avLst>
+            <a:gd name="adj" fmla="val 16670"/>
+          </a:avLst>
+        </a:prstGeom>
+        <a:solidFill>
+          <a:schemeClr val="accent1">
+            <a:hueOff val="0"/>
+            <a:satOff val="0"/>
+            <a:lumOff val="0"/>
+            <a:alphaOff val="0"/>
+          </a:schemeClr>
+        </a:solidFill>
+        <a:ln w="26425" cap="flat" cmpd="sng" algn="ctr">
+          <a:solidFill>
+            <a:schemeClr val="lt1">
+              <a:hueOff val="0"/>
+              <a:satOff val="0"/>
+              <a:lumOff val="0"/>
+              <a:alphaOff val="0"/>
+            </a:schemeClr>
+          </a:solidFill>
+          <a:prstDash val="solid"/>
+        </a:ln>
+        <a:effectLst/>
+      </dsp:spPr>
+      <dsp:style>
+        <a:lnRef idx="2">
+          <a:scrgbClr r="0" g="0" b="0"/>
+        </a:lnRef>
+        <a:fillRef idx="1">
+          <a:scrgbClr r="0" g="0" b="0"/>
+        </a:fillRef>
+        <a:effectRef idx="0">
+          <a:scrgbClr r="0" g="0" b="0"/>
+        </a:effectRef>
+        <a:fontRef idx="minor">
+          <a:schemeClr val="lt1"/>
+        </a:fontRef>
+      </dsp:style>
+      <dsp:txBody>
+        <a:bodyPr spcFirstLastPara="0" vert="horz" wrap="square" lIns="41910" tIns="41910" rIns="41910" bIns="41910" numCol="1" spcCol="1270" anchor="ctr" anchorCtr="0">
+          <a:noAutofit/>
+        </a:bodyPr>
+        <a:lstStyle/>
+        <a:p>
+          <a:pPr marL="0" lvl="0" indent="0" algn="ctr" defTabSz="488950">
+            <a:lnSpc>
+              <a:spcPct val="90000"/>
+            </a:lnSpc>
+            <a:spcBef>
+              <a:spcPct val="0"/>
+            </a:spcBef>
+            <a:spcAft>
+              <a:spcPct val="35000"/>
+            </a:spcAft>
+            <a:buNone/>
+          </a:pPr>
+          <a:r>
+            <a:rPr lang="en-US" sz="1100" kern="1200" dirty="0"/>
+            <a:t>Design matrix</a:t>
+          </a:r>
+        </a:p>
+      </dsp:txBody>
+      <dsp:txXfrm>
+        <a:off x="4442165" y="2900470"/>
+        <a:ext cx="839538" cy="569169"/>
+      </dsp:txXfrm>
+    </dsp:sp>
+    <dsp:sp modelId="{3B7E9670-7370-4317-AD00-E6DF1B3CDE86}">
+      <dsp:nvSpPr>
+        <dsp:cNvPr id="0" name=""/>
+        <dsp:cNvSpPr/>
+      </dsp:nvSpPr>
+      <dsp:spPr>
+        <a:xfrm>
+          <a:off x="5312500" y="2929831"/>
+          <a:ext cx="655397" cy="509810"/>
+        </a:xfrm>
+        <a:prstGeom prst="rect">
+          <a:avLst/>
+        </a:prstGeom>
+        <a:noFill/>
+        <a:ln>
+          <a:noFill/>
+        </a:ln>
+        <a:effectLst/>
+      </dsp:spPr>
+      <dsp:style>
+        <a:lnRef idx="0">
+          <a:scrgbClr r="0" g="0" b="0"/>
+        </a:lnRef>
+        <a:fillRef idx="0">
+          <a:scrgbClr r="0" g="0" b="0"/>
+        </a:fillRef>
+        <a:effectRef idx="0">
+          <a:scrgbClr r="0" g="0" b="0"/>
+        </a:effectRef>
+        <a:fontRef idx="minor"/>
+      </dsp:style>
+      <dsp:txBody>
+        <a:bodyPr spcFirstLastPara="0" vert="horz" wrap="square" lIns="38100" tIns="38100" rIns="38100" bIns="38100" numCol="1" spcCol="1270" anchor="ctr" anchorCtr="0">
+          <a:noAutofit/>
+        </a:bodyPr>
+        <a:lstStyle/>
+        <a:p>
+          <a:pPr marL="57150" lvl="1" indent="-57150" algn="l" defTabSz="355600">
+            <a:lnSpc>
+              <a:spcPct val="90000"/>
+            </a:lnSpc>
+            <a:spcBef>
+              <a:spcPct val="0"/>
+            </a:spcBef>
+            <a:spcAft>
+              <a:spcPct val="15000"/>
+            </a:spcAft>
+            <a:buChar char="•"/>
+          </a:pPr>
+          <a:r>
+            <a:rPr lang="en-US" sz="800" kern="1200" dirty="0"/>
+            <a:t>(~</a:t>
+          </a:r>
+          <a:r>
+            <a:rPr lang="en-US" sz="800" kern="1200" dirty="0" err="1"/>
+            <a:t>line+sex</a:t>
+          </a:r>
+          <a:r>
+            <a:rPr lang="en-US" sz="800" kern="1200" dirty="0"/>
+            <a:t>)</a:t>
+          </a:r>
+        </a:p>
+      </dsp:txBody>
+      <dsp:txXfrm>
+        <a:off x="5312500" y="2929831"/>
+        <a:ext cx="655397" cy="509810"/>
+      </dsp:txXfrm>
+    </dsp:sp>
+    <dsp:sp modelId="{4BE533B1-227E-430F-AF96-F1B4D8DF0E1B}">
+      <dsp:nvSpPr>
+        <dsp:cNvPr id="0" name=""/>
+        <dsp:cNvSpPr/>
+      </dsp:nvSpPr>
+      <dsp:spPr>
+        <a:xfrm rot="5400000">
+          <a:off x="5300324" y="4171621"/>
+          <a:ext cx="535301" cy="609421"/>
+        </a:xfrm>
+        <a:prstGeom prst="bentUpArrow">
+          <a:avLst>
+            <a:gd name="adj1" fmla="val 32840"/>
+            <a:gd name="adj2" fmla="val 25000"/>
+            <a:gd name="adj3" fmla="val 35780"/>
+          </a:avLst>
+        </a:prstGeom>
+        <a:solidFill>
+          <a:schemeClr val="accent1">
+            <a:tint val="50000"/>
+            <a:hueOff val="0"/>
+            <a:satOff val="0"/>
+            <a:lumOff val="0"/>
+            <a:alphaOff val="0"/>
+          </a:schemeClr>
+        </a:solidFill>
+        <a:ln w="26425" cap="flat" cmpd="sng" algn="ctr">
+          <a:solidFill>
+            <a:schemeClr val="lt1">
+              <a:hueOff val="0"/>
+              <a:satOff val="0"/>
+              <a:lumOff val="0"/>
+              <a:alphaOff val="0"/>
+            </a:schemeClr>
+          </a:solidFill>
+          <a:prstDash val="solid"/>
+        </a:ln>
+        <a:effectLst/>
+      </dsp:spPr>
+      <dsp:style>
+        <a:lnRef idx="2">
+          <a:scrgbClr r="0" g="0" b="0"/>
+        </a:lnRef>
+        <a:fillRef idx="1">
+          <a:scrgbClr r="0" g="0" b="0"/>
+        </a:fillRef>
+        <a:effectRef idx="0">
+          <a:scrgbClr r="0" g="0" b="0"/>
+        </a:effectRef>
+        <a:fontRef idx="minor"/>
+      </dsp:style>
+    </dsp:sp>
+    <dsp:sp modelId="{0491FAC1-CACD-4454-93EB-D9DDC44CF63F}">
+      <dsp:nvSpPr>
+        <dsp:cNvPr id="0" name=""/>
+        <dsp:cNvSpPr/>
+      </dsp:nvSpPr>
+      <dsp:spPr>
+        <a:xfrm>
+          <a:off x="5158502" y="3578229"/>
+          <a:ext cx="901132" cy="630763"/>
+        </a:xfrm>
+        <a:prstGeom prst="roundRect">
+          <a:avLst>
+            <a:gd name="adj" fmla="val 16670"/>
+          </a:avLst>
+        </a:prstGeom>
+        <a:solidFill>
+          <a:schemeClr val="accent1">
+            <a:hueOff val="0"/>
+            <a:satOff val="0"/>
+            <a:lumOff val="0"/>
+            <a:alphaOff val="0"/>
+          </a:schemeClr>
+        </a:solidFill>
+        <a:ln w="26425" cap="flat" cmpd="sng" algn="ctr">
+          <a:solidFill>
+            <a:schemeClr val="lt1">
+              <a:hueOff val="0"/>
+              <a:satOff val="0"/>
+              <a:lumOff val="0"/>
+              <a:alphaOff val="0"/>
+            </a:schemeClr>
+          </a:solidFill>
+          <a:prstDash val="solid"/>
+        </a:ln>
+        <a:effectLst/>
+      </dsp:spPr>
+      <dsp:style>
+        <a:lnRef idx="2">
+          <a:scrgbClr r="0" g="0" b="0"/>
+        </a:lnRef>
+        <a:fillRef idx="1">
+          <a:scrgbClr r="0" g="0" b="0"/>
+        </a:fillRef>
+        <a:effectRef idx="0">
+          <a:scrgbClr r="0" g="0" b="0"/>
+        </a:effectRef>
+        <a:fontRef idx="minor">
+          <a:schemeClr val="lt1"/>
+        </a:fontRef>
+      </dsp:style>
+      <dsp:txBody>
+        <a:bodyPr spcFirstLastPara="0" vert="horz" wrap="square" lIns="41910" tIns="41910" rIns="41910" bIns="41910" numCol="1" spcCol="1270" anchor="ctr" anchorCtr="0">
+          <a:noAutofit/>
+        </a:bodyPr>
+        <a:lstStyle/>
+        <a:p>
+          <a:pPr marL="0" lvl="0" indent="0" algn="ctr" defTabSz="488950">
+            <a:lnSpc>
+              <a:spcPct val="90000"/>
+            </a:lnSpc>
+            <a:spcBef>
+              <a:spcPct val="0"/>
+            </a:spcBef>
+            <a:spcAft>
+              <a:spcPct val="35000"/>
+            </a:spcAft>
+            <a:buNone/>
+          </a:pPr>
+          <a:r>
+            <a:rPr lang="en-US" sz="1100" kern="1200" dirty="0"/>
+            <a:t>Pairwise Comparison</a:t>
+          </a:r>
+        </a:p>
+      </dsp:txBody>
+      <dsp:txXfrm>
+        <a:off x="5189299" y="3609026"/>
+        <a:ext cx="839538" cy="569169"/>
+      </dsp:txXfrm>
+    </dsp:sp>
+    <dsp:sp modelId="{C428768A-2A30-487B-B09F-FE8B44DAB860}">
+      <dsp:nvSpPr>
+        <dsp:cNvPr id="0" name=""/>
+        <dsp:cNvSpPr/>
+      </dsp:nvSpPr>
+      <dsp:spPr>
+        <a:xfrm>
+          <a:off x="6059634" y="3638386"/>
+          <a:ext cx="655397" cy="509810"/>
+        </a:xfrm>
+        <a:prstGeom prst="rect">
+          <a:avLst/>
+        </a:prstGeom>
+        <a:noFill/>
+        <a:ln>
+          <a:noFill/>
+        </a:ln>
+        <a:effectLst/>
+      </dsp:spPr>
+      <dsp:style>
+        <a:lnRef idx="0">
+          <a:scrgbClr r="0" g="0" b="0"/>
+        </a:lnRef>
+        <a:fillRef idx="0">
+          <a:scrgbClr r="0" g="0" b="0"/>
+        </a:fillRef>
+        <a:effectRef idx="0">
+          <a:scrgbClr r="0" g="0" b="0"/>
+        </a:effectRef>
+        <a:fontRef idx="minor"/>
+      </dsp:style>
+      <dsp:txBody>
+        <a:bodyPr spcFirstLastPara="0" vert="horz" wrap="square" lIns="38100" tIns="38100" rIns="38100" bIns="38100" numCol="1" spcCol="1270" anchor="ctr" anchorCtr="0">
+          <a:noAutofit/>
+        </a:bodyPr>
+        <a:lstStyle/>
+        <a:p>
+          <a:pPr marL="57150" lvl="1" indent="-57150" algn="l" defTabSz="355600">
+            <a:lnSpc>
+              <a:spcPct val="90000"/>
+            </a:lnSpc>
+            <a:spcBef>
+              <a:spcPct val="0"/>
+            </a:spcBef>
+            <a:spcAft>
+              <a:spcPct val="15000"/>
+            </a:spcAft>
+            <a:buChar char="•"/>
+          </a:pPr>
+          <a:r>
+            <a:rPr lang="en-US" sz="800" kern="1200" dirty="0" err="1"/>
+            <a:t>glmLTR</a:t>
+          </a:r>
+          <a:r>
+            <a:rPr lang="en-US" sz="800" kern="1200" dirty="0"/>
+            <a:t>()</a:t>
+          </a:r>
+        </a:p>
+      </dsp:txBody>
+      <dsp:txXfrm>
+        <a:off x="6059634" y="3638386"/>
+        <a:ext cx="655397" cy="509810"/>
+      </dsp:txXfrm>
+    </dsp:sp>
+    <dsp:sp modelId="{E809E57C-A1B9-423E-A763-0C6C0464958C}">
+      <dsp:nvSpPr>
+        <dsp:cNvPr id="0" name=""/>
+        <dsp:cNvSpPr/>
+      </dsp:nvSpPr>
+      <dsp:spPr>
+        <a:xfrm>
+          <a:off x="5905637" y="4286784"/>
+          <a:ext cx="901132" cy="630763"/>
+        </a:xfrm>
+        <a:prstGeom prst="roundRect">
+          <a:avLst>
+            <a:gd name="adj" fmla="val 16670"/>
+          </a:avLst>
+        </a:prstGeom>
+        <a:solidFill>
+          <a:schemeClr val="accent1">
+            <a:hueOff val="0"/>
+            <a:satOff val="0"/>
+            <a:lumOff val="0"/>
+            <a:alphaOff val="0"/>
+          </a:schemeClr>
+        </a:solidFill>
+        <a:ln w="26425" cap="flat" cmpd="sng" algn="ctr">
+          <a:solidFill>
+            <a:schemeClr val="lt1">
+              <a:hueOff val="0"/>
+              <a:satOff val="0"/>
+              <a:lumOff val="0"/>
+              <a:alphaOff val="0"/>
+            </a:schemeClr>
+          </a:solidFill>
+          <a:prstDash val="solid"/>
+        </a:ln>
+        <a:effectLst/>
+      </dsp:spPr>
+      <dsp:style>
+        <a:lnRef idx="2">
+          <a:scrgbClr r="0" g="0" b="0"/>
+        </a:lnRef>
+        <a:fillRef idx="1">
+          <a:scrgbClr r="0" g="0" b="0"/>
+        </a:fillRef>
+        <a:effectRef idx="0">
+          <a:scrgbClr r="0" g="0" b="0"/>
+        </a:effectRef>
+        <a:fontRef idx="minor">
+          <a:schemeClr val="lt1"/>
+        </a:fontRef>
+      </dsp:style>
+      <dsp:txBody>
+        <a:bodyPr spcFirstLastPara="0" vert="horz" wrap="square" lIns="41910" tIns="41910" rIns="41910" bIns="41910" numCol="1" spcCol="1270" anchor="ctr" anchorCtr="0">
+          <a:noAutofit/>
+        </a:bodyPr>
+        <a:lstStyle/>
+        <a:p>
+          <a:pPr marL="0" lvl="0" indent="0" algn="ctr" defTabSz="488950">
+            <a:lnSpc>
+              <a:spcPct val="90000"/>
+            </a:lnSpc>
+            <a:spcBef>
+              <a:spcPct val="0"/>
+            </a:spcBef>
+            <a:spcAft>
+              <a:spcPct val="35000"/>
+            </a:spcAft>
+            <a:buNone/>
+          </a:pPr>
+          <a:r>
+            <a:rPr lang="en-US" sz="1100" kern="1200" dirty="0"/>
+            <a:t>Heatmap Clustering</a:t>
+          </a:r>
+        </a:p>
+      </dsp:txBody>
+      <dsp:txXfrm>
+        <a:off x="5936434" y="4317581"/>
+        <a:ext cx="839538" cy="569169"/>
       </dsp:txXfrm>
     </dsp:sp>
   </dsp:spTree>
@@ -5693,6 +8227,324 @@
 </dgm:layoutDef>
 </file>
 
+<file path=ppt/diagrams/layout4.xml><?xml version="1.0" encoding="utf-8"?>
+<dgm:layoutDef xmlns:dgm="http://schemas.openxmlformats.org/drawingml/2006/diagram" xmlns:a="http://schemas.openxmlformats.org/drawingml/2006/main" uniqueId="urn:microsoft.com/office/officeart/2005/8/layout/StepDownProcess">
+  <dgm:title val=""/>
+  <dgm:desc val=""/>
+  <dgm:catLst>
+    <dgm:cat type="process" pri="1600"/>
+  </dgm:catLst>
+  <dgm:sampData>
+    <dgm:dataModel>
+      <dgm:ptLst>
+        <dgm:pt modelId="0" type="doc"/>
+        <dgm:pt modelId="10">
+          <dgm:prSet phldr="1"/>
+        </dgm:pt>
+        <dgm:pt modelId="11">
+          <dgm:prSet phldr="1"/>
+        </dgm:pt>
+        <dgm:pt modelId="20">
+          <dgm:prSet phldr="1"/>
+        </dgm:pt>
+        <dgm:pt modelId="21">
+          <dgm:prSet phldr="1"/>
+        </dgm:pt>
+        <dgm:pt modelId="30">
+          <dgm:prSet phldr="1"/>
+        </dgm:pt>
+        <dgm:pt modelId="31">
+          <dgm:prSet phldr="1"/>
+        </dgm:pt>
+      </dgm:ptLst>
+      <dgm:cxnLst>
+        <dgm:cxn modelId="60" srcId="0" destId="10" srcOrd="0" destOrd="0"/>
+        <dgm:cxn modelId="12" srcId="10" destId="11" srcOrd="0" destOrd="0"/>
+        <dgm:cxn modelId="70" srcId="0" destId="20" srcOrd="1" destOrd="0"/>
+        <dgm:cxn modelId="22" srcId="20" destId="21" srcOrd="0" destOrd="0"/>
+        <dgm:cxn modelId="80" srcId="0" destId="30" srcOrd="2" destOrd="0"/>
+        <dgm:cxn modelId="32" srcId="30" destId="31" srcOrd="0" destOrd="0"/>
+      </dgm:cxnLst>
+      <dgm:bg/>
+      <dgm:whole/>
+    </dgm:dataModel>
+  </dgm:sampData>
+  <dgm:styleData>
+    <dgm:dataModel>
+      <dgm:ptLst>
+        <dgm:pt modelId="0" type="doc"/>
+        <dgm:pt modelId="10">
+          <dgm:prSet phldr="1"/>
+        </dgm:pt>
+        <dgm:pt modelId="20">
+          <dgm:prSet phldr="1"/>
+        </dgm:pt>
+      </dgm:ptLst>
+      <dgm:cxnLst>
+        <dgm:cxn modelId="60" srcId="0" destId="10" srcOrd="0" destOrd="0"/>
+        <dgm:cxn modelId="70" srcId="0" destId="20" srcOrd="1" destOrd="0"/>
+      </dgm:cxnLst>
+      <dgm:bg/>
+      <dgm:whole/>
+    </dgm:dataModel>
+  </dgm:styleData>
+  <dgm:clrData>
+    <dgm:dataModel>
+      <dgm:ptLst>
+        <dgm:pt modelId="0" type="doc"/>
+        <dgm:pt modelId="10">
+          <dgm:prSet phldr="1"/>
+        </dgm:pt>
+        <dgm:pt modelId="20">
+          <dgm:prSet phldr="1"/>
+        </dgm:pt>
+        <dgm:pt modelId="30">
+          <dgm:prSet phldr="1"/>
+        </dgm:pt>
+        <dgm:pt modelId="40">
+          <dgm:prSet phldr="1"/>
+        </dgm:pt>
+      </dgm:ptLst>
+      <dgm:cxnLst>
+        <dgm:cxn modelId="60" srcId="0" destId="10" srcOrd="0" destOrd="0"/>
+        <dgm:cxn modelId="70" srcId="0" destId="20" srcOrd="1" destOrd="0"/>
+        <dgm:cxn modelId="80" srcId="0" destId="30" srcOrd="2" destOrd="0"/>
+        <dgm:cxn modelId="90" srcId="0" destId="40" srcOrd="3" destOrd="0"/>
+      </dgm:cxnLst>
+      <dgm:bg/>
+      <dgm:whole/>
+    </dgm:dataModel>
+  </dgm:clrData>
+  <dgm:layoutNode name="rootnode">
+    <dgm:varLst>
+      <dgm:chMax/>
+      <dgm:chPref/>
+      <dgm:dir/>
+      <dgm:animLvl val="lvl"/>
+    </dgm:varLst>
+    <dgm:choose name="Name0">
+      <dgm:if name="Name1" func="var" arg="dir" op="equ" val="norm">
+        <dgm:alg type="snake">
+          <dgm:param type="grDir" val="tL"/>
+          <dgm:param type="flowDir" val="row"/>
+          <dgm:param type="off" val="off"/>
+          <dgm:param type="bkpt" val="fixed"/>
+          <dgm:param type="bkPtFixedVal" val="1"/>
+        </dgm:alg>
+      </dgm:if>
+      <dgm:else name="Name2">
+        <dgm:alg type="snake">
+          <dgm:param type="grDir" val="tR"/>
+          <dgm:param type="flowDir" val="row"/>
+          <dgm:param type="off" val="off"/>
+          <dgm:param type="bkpt" val="fixed"/>
+          <dgm:param type="bkPtFixedVal" val="1"/>
+        </dgm:alg>
+      </dgm:else>
+    </dgm:choose>
+    <dgm:shape xmlns:r="http://schemas.openxmlformats.org/officeDocument/2006/relationships" r:blip="">
+      <dgm:adjLst/>
+    </dgm:shape>
+    <dgm:choose name="Name3">
+      <dgm:if name="Name4" func="var" arg="dir" op="equ" val="norm">
+        <dgm:constrLst>
+          <dgm:constr type="alignOff" forName="rootnode" val="0.48"/>
+          <dgm:constr type="primFontSz" for="des" forName="ParentText" val="65"/>
+          <dgm:constr type="primFontSz" for="des" forName="ChildText" refType="primFontSz" refFor="des" refForName="ParentText" op="lte"/>
+          <dgm:constr type="w" for="ch" forName="composite" refType="w"/>
+          <dgm:constr type="h" for="ch" forName="composite" refType="h"/>
+          <dgm:constr type="sp" refType="h" refFor="ch" refForName="composite" op="equ" fact="-0.38"/>
+        </dgm:constrLst>
+      </dgm:if>
+      <dgm:else name="Name5">
+        <dgm:constrLst>
+          <dgm:constr type="alignOff" forName="rootnode" val="0.48"/>
+          <dgm:constr type="primFontSz" for="des" forName="ParentText" val="65"/>
+          <dgm:constr type="primFontSz" for="des" forName="ChildText" refType="primFontSz" refFor="des" refForName="ParentText" op="lte"/>
+          <dgm:constr type="w" for="ch" forName="composite" refType="w"/>
+          <dgm:constr type="h" for="ch" forName="composite" refType="h"/>
+          <dgm:constr type="sp" refType="h" refFor="ch" refForName="composite" op="equ" fact="-0.38"/>
+        </dgm:constrLst>
+      </dgm:else>
+    </dgm:choose>
+    <dgm:forEach name="nodesForEach" axis="ch" ptType="node">
+      <dgm:layoutNode name="composite">
+        <dgm:alg type="composite">
+          <dgm:param type="ar" val="1.2439"/>
+        </dgm:alg>
+        <dgm:shape xmlns:r="http://schemas.openxmlformats.org/officeDocument/2006/relationships" r:blip="">
+          <dgm:adjLst/>
+        </dgm:shape>
+        <dgm:choose name="Name6">
+          <dgm:if name="Name7" func="var" arg="dir" op="equ" val="norm">
+            <dgm:constrLst>
+              <dgm:constr type="l" for="ch" forName="bentUpArrow1" refType="w" fact="0.07"/>
+              <dgm:constr type="t" for="ch" forName="bentUpArrow1" refType="h" fact="0.524"/>
+              <dgm:constr type="w" for="ch" forName="bentUpArrow1" refType="w" fact="0.3844"/>
+              <dgm:constr type="h" for="ch" forName="bentUpArrow1" refType="h" fact="0.42"/>
+              <dgm:constr type="l" for="ch" forName="ParentText" refType="w" fact="0"/>
+              <dgm:constr type="t" for="ch" forName="ParentText" refType="h" fact="0"/>
+              <dgm:constr type="w" for="ch" forName="ParentText" refType="w" fact="0.5684"/>
+              <dgm:constr type="h" for="ch" forName="ParentText" refType="h" fact="0.4949"/>
+              <dgm:constr type="l" for="ch" forName="ChildText" refType="w" refFor="ch" refForName="ParentText"/>
+              <dgm:constr type="t" for="ch" forName="ChildText" refType="h" fact="0.05"/>
+              <dgm:constr type="w" for="ch" forName="ChildText" refType="w" fact="0.4134"/>
+              <dgm:constr type="h" for="ch" forName="ChildText" refType="h" fact="0.4"/>
+              <dgm:constr type="l" for="ch" forName="FinalChildText" refType="w" refFor="ch" refForName="ParentText"/>
+              <dgm:constr type="t" for="ch" forName="FinalChildText" refType="h" fact="0.05"/>
+              <dgm:constr type="w" for="ch" forName="FinalChildText" refType="w" fact="0.4134"/>
+              <dgm:constr type="h" for="ch" forName="FinalChildText" refType="h" fact="0.4"/>
+            </dgm:constrLst>
+          </dgm:if>
+          <dgm:else name="Name8">
+            <dgm:constrLst>
+              <dgm:constr type="r" for="ch" forName="bentUpArrow1" refType="w" fact="0.97"/>
+              <dgm:constr type="t" for="ch" forName="bentUpArrow1" refType="h" fact="0.524"/>
+              <dgm:constr type="w" for="ch" forName="bentUpArrow1" refType="w" fact="0.3844"/>
+              <dgm:constr type="h" for="ch" forName="bentUpArrow1" refType="h" fact="0.42"/>
+              <dgm:constr type="l" for="ch" forName="ParentText" refType="w" fact="0.4316"/>
+              <dgm:constr type="t" for="ch" forName="ParentText" refType="h" fact="0"/>
+              <dgm:constr type="w" for="ch" forName="ParentText" refType="w" fact="0.5684"/>
+              <dgm:constr type="h" for="ch" forName="ParentText" refType="h" fact="0.4949"/>
+              <dgm:constr type="l" for="ch" forName="ChildText" refType="w" fact="0"/>
+              <dgm:constr type="t" for="ch" forName="ChildText" refType="h" fact="0.05"/>
+              <dgm:constr type="w" for="ch" forName="ChildText" refType="w" fact="0.4134"/>
+              <dgm:constr type="h" for="ch" forName="ChildText" refType="h" fact="0.4"/>
+              <dgm:constr type="l" for="ch" forName="FinalChildText" refType="w" fact="0"/>
+              <dgm:constr type="t" for="ch" forName="FinalChildText" refType="h" fact="0.05"/>
+              <dgm:constr type="w" for="ch" forName="FinalChildText" refType="w" fact="0.4134"/>
+              <dgm:constr type="h" for="ch" forName="FinalChildText" refType="h" fact="0.4"/>
+            </dgm:constrLst>
+          </dgm:else>
+        </dgm:choose>
+        <dgm:choose name="Name9">
+          <dgm:if name="Name10" axis="followSib" ptType="node" func="cnt" op="gte" val="1">
+            <dgm:layoutNode name="bentUpArrow1" styleLbl="alignImgPlace1">
+              <dgm:alg type="sp"/>
+              <dgm:choose name="Name11">
+                <dgm:if name="Name12" func="var" arg="dir" op="equ" val="norm">
+                  <dgm:shape xmlns:r="http://schemas.openxmlformats.org/officeDocument/2006/relationships" rot="90" type="bentUpArrow" r:blip="">
+                    <dgm:adjLst>
+                      <dgm:adj idx="1" val="0.3284"/>
+                      <dgm:adj idx="2" val="0.25"/>
+                      <dgm:adj idx="3" val="0.3578"/>
+                    </dgm:adjLst>
+                  </dgm:shape>
+                </dgm:if>
+                <dgm:else name="Name13">
+                  <dgm:shape xmlns:r="http://schemas.openxmlformats.org/officeDocument/2006/relationships" rot="180" type="bentArrow" r:blip="">
+                    <dgm:adjLst>
+                      <dgm:adj idx="1" val="0.3284"/>
+                      <dgm:adj idx="2" val="0.25"/>
+                      <dgm:adj idx="3" val="0.3578"/>
+                      <dgm:adj idx="4" val="0"/>
+                    </dgm:adjLst>
+                  </dgm:shape>
+                </dgm:else>
+              </dgm:choose>
+              <dgm:presOf/>
+            </dgm:layoutNode>
+          </dgm:if>
+          <dgm:else name="Name14"/>
+        </dgm:choose>
+        <dgm:layoutNode name="ParentText" styleLbl="node1">
+          <dgm:varLst>
+            <dgm:chMax val="1"/>
+            <dgm:chPref val="1"/>
+            <dgm:bulletEnabled val="1"/>
+          </dgm:varLst>
+          <dgm:alg type="tx"/>
+          <dgm:shape xmlns:r="http://schemas.openxmlformats.org/officeDocument/2006/relationships" type="roundRect" r:blip="">
+            <dgm:adjLst>
+              <dgm:adj idx="1" val="0.1667"/>
+            </dgm:adjLst>
+          </dgm:shape>
+          <dgm:presOf axis="self" ptType="node"/>
+          <dgm:constrLst>
+            <dgm:constr type="lMarg" refType="primFontSz" fact="0.3"/>
+            <dgm:constr type="rMarg" refType="primFontSz" fact="0.3"/>
+            <dgm:constr type="tMarg" refType="primFontSz" fact="0.3"/>
+            <dgm:constr type="bMarg" refType="primFontSz" fact="0.3"/>
+          </dgm:constrLst>
+          <dgm:ruleLst>
+            <dgm:rule type="primFontSz" val="5" fact="NaN" max="NaN"/>
+          </dgm:ruleLst>
+        </dgm:layoutNode>
+        <dgm:choose name="Name15">
+          <dgm:if name="Name16" axis="followSib" ptType="node" func="cnt" op="equ" val="0">
+            <dgm:choose name="Name17">
+              <dgm:if name="Name18" axis="ch" ptType="node" func="cnt" op="gte" val="1">
+                <dgm:layoutNode name="FinalChildText" styleLbl="revTx">
+                  <dgm:varLst>
+                    <dgm:chMax val="0"/>
+                    <dgm:chPref val="0"/>
+                    <dgm:bulletEnabled val="1"/>
+                  </dgm:varLst>
+                  <dgm:alg type="tx">
+                    <dgm:param type="stBulletLvl" val="1"/>
+                    <dgm:param type="txAnchorVertCh" val="mid"/>
+                    <dgm:param type="parTxLTRAlign" val="l"/>
+                  </dgm:alg>
+                  <dgm:shape xmlns:r="http://schemas.openxmlformats.org/officeDocument/2006/relationships" type="rect" r:blip="">
+                    <dgm:adjLst/>
+                  </dgm:shape>
+                  <dgm:presOf axis="des" ptType="node"/>
+                  <dgm:constrLst>
+                    <dgm:constr type="lMarg" refType="primFontSz" fact="0.3"/>
+                    <dgm:constr type="rMarg" refType="primFontSz" fact="0.3"/>
+                    <dgm:constr type="tMarg" refType="primFontSz" fact="0.3"/>
+                    <dgm:constr type="bMarg" refType="primFontSz" fact="0.3"/>
+                  </dgm:constrLst>
+                  <dgm:ruleLst>
+                    <dgm:rule type="primFontSz" val="5" fact="NaN" max="NaN"/>
+                  </dgm:ruleLst>
+                </dgm:layoutNode>
+              </dgm:if>
+              <dgm:else name="Name19"/>
+            </dgm:choose>
+          </dgm:if>
+          <dgm:else name="Name20">
+            <dgm:layoutNode name="ChildText" styleLbl="revTx">
+              <dgm:varLst>
+                <dgm:chMax val="0"/>
+                <dgm:chPref val="0"/>
+                <dgm:bulletEnabled val="1"/>
+              </dgm:varLst>
+              <dgm:alg type="tx">
+                <dgm:param type="stBulletLvl" val="1"/>
+                <dgm:param type="txAnchorVertCh" val="mid"/>
+                <dgm:param type="parTxLTRAlign" val="l"/>
+              </dgm:alg>
+              <dgm:shape xmlns:r="http://schemas.openxmlformats.org/officeDocument/2006/relationships" type="rect" r:blip="">
+                <dgm:adjLst/>
+              </dgm:shape>
+              <dgm:presOf axis="des" ptType="node"/>
+              <dgm:constrLst>
+                <dgm:constr type="lMarg" refType="primFontSz" fact="0.3"/>
+                <dgm:constr type="rMarg" refType="primFontSz" fact="0.3"/>
+                <dgm:constr type="tMarg" refType="primFontSz" fact="0.3"/>
+                <dgm:constr type="bMarg" refType="primFontSz" fact="0.3"/>
+              </dgm:constrLst>
+              <dgm:ruleLst>
+                <dgm:rule type="primFontSz" val="5" fact="NaN" max="NaN"/>
+              </dgm:ruleLst>
+            </dgm:layoutNode>
+          </dgm:else>
+        </dgm:choose>
+      </dgm:layoutNode>
+      <dgm:forEach name="sibTransForEach" axis="followSib" ptType="sibTrans" cnt="1">
+        <dgm:layoutNode name="sibTrans">
+          <dgm:alg type="sp"/>
+          <dgm:shape xmlns:r="http://schemas.openxmlformats.org/officeDocument/2006/relationships" r:blip="">
+            <dgm:adjLst/>
+          </dgm:shape>
+        </dgm:layoutNode>
+      </dgm:forEach>
+    </dgm:forEach>
+  </dgm:layoutNode>
+</dgm:layoutDef>
+</file>
+
 <file path=ppt/diagrams/quickStyle1.xml><?xml version="1.0" encoding="utf-8"?>
 <dgm:styleDef xmlns:dgm="http://schemas.openxmlformats.org/drawingml/2006/diagram" xmlns:a="http://schemas.openxmlformats.org/drawingml/2006/main" uniqueId="urn:microsoft.com/office/officeart/2005/8/quickstyle/simple1">
   <dgm:title val=""/>
@@ -7762,6 +10614,1040 @@
 </file>
 
 <file path=ppt/diagrams/quickStyle3.xml><?xml version="1.0" encoding="utf-8"?>
+<dgm:styleDef xmlns:dgm="http://schemas.openxmlformats.org/drawingml/2006/diagram" xmlns:a="http://schemas.openxmlformats.org/drawingml/2006/main" uniqueId="urn:microsoft.com/office/officeart/2005/8/quickstyle/simple1">
+  <dgm:title val=""/>
+  <dgm:desc val=""/>
+  <dgm:catLst>
+    <dgm:cat type="simple" pri="10100"/>
+  </dgm:catLst>
+  <dgm:scene3d>
+    <a:camera prst="orthographicFront"/>
+    <a:lightRig rig="threePt" dir="t"/>
+  </dgm:scene3d>
+  <dgm:styleLbl name="node0">
+    <dgm:scene3d>
+      <a:camera prst="orthographicFront"/>
+      <a:lightRig rig="threePt" dir="t"/>
+    </dgm:scene3d>
+    <dgm:sp3d/>
+    <dgm:txPr/>
+    <dgm:style>
+      <a:lnRef idx="2">
+        <a:scrgbClr r="0" g="0" b="0"/>
+      </a:lnRef>
+      <a:fillRef idx="1">
+        <a:scrgbClr r="0" g="0" b="0"/>
+      </a:fillRef>
+      <a:effectRef idx="0">
+        <a:scrgbClr r="0" g="0" b="0"/>
+      </a:effectRef>
+      <a:fontRef idx="minor">
+        <a:schemeClr val="lt1"/>
+      </a:fontRef>
+    </dgm:style>
+  </dgm:styleLbl>
+  <dgm:styleLbl name="lnNode1">
+    <dgm:scene3d>
+      <a:camera prst="orthographicFront"/>
+      <a:lightRig rig="threePt" dir="t"/>
+    </dgm:scene3d>
+    <dgm:sp3d/>
+    <dgm:txPr/>
+    <dgm:style>
+      <a:lnRef idx="2">
+        <a:scrgbClr r="0" g="0" b="0"/>
+      </a:lnRef>
+      <a:fillRef idx="1">
+        <a:scrgbClr r="0" g="0" b="0"/>
+      </a:fillRef>
+      <a:effectRef idx="0">
+        <a:scrgbClr r="0" g="0" b="0"/>
+      </a:effectRef>
+      <a:fontRef idx="minor">
+        <a:schemeClr val="lt1"/>
+      </a:fontRef>
+    </dgm:style>
+  </dgm:styleLbl>
+  <dgm:styleLbl name="vennNode1">
+    <dgm:scene3d>
+      <a:camera prst="orthographicFront"/>
+      <a:lightRig rig="threePt" dir="t"/>
+    </dgm:scene3d>
+    <dgm:sp3d/>
+    <dgm:txPr/>
+    <dgm:style>
+      <a:lnRef idx="2">
+        <a:scrgbClr r="0" g="0" b="0"/>
+      </a:lnRef>
+      <a:fillRef idx="1">
+        <a:scrgbClr r="0" g="0" b="0"/>
+      </a:fillRef>
+      <a:effectRef idx="0">
+        <a:scrgbClr r="0" g="0" b="0"/>
+      </a:effectRef>
+      <a:fontRef idx="minor">
+        <a:schemeClr val="tx1"/>
+      </a:fontRef>
+    </dgm:style>
+  </dgm:styleLbl>
+  <dgm:styleLbl name="alignNode1">
+    <dgm:scene3d>
+      <a:camera prst="orthographicFront"/>
+      <a:lightRig rig="threePt" dir="t"/>
+    </dgm:scene3d>
+    <dgm:sp3d/>
+    <dgm:txPr/>
+    <dgm:style>
+      <a:lnRef idx="2">
+        <a:scrgbClr r="0" g="0" b="0"/>
+      </a:lnRef>
+      <a:fillRef idx="1">
+        <a:scrgbClr r="0" g="0" b="0"/>
+      </a:fillRef>
+      <a:effectRef idx="0">
+        <a:scrgbClr r="0" g="0" b="0"/>
+      </a:effectRef>
+      <a:fontRef idx="minor">
+        <a:schemeClr val="lt1"/>
+      </a:fontRef>
+    </dgm:style>
+  </dgm:styleLbl>
+  <dgm:styleLbl name="node1">
+    <dgm:scene3d>
+      <a:camera prst="orthographicFront"/>
+      <a:lightRig rig="threePt" dir="t"/>
+    </dgm:scene3d>
+    <dgm:sp3d/>
+    <dgm:txPr/>
+    <dgm:style>
+      <a:lnRef idx="2">
+        <a:scrgbClr r="0" g="0" b="0"/>
+      </a:lnRef>
+      <a:fillRef idx="1">
+        <a:scrgbClr r="0" g="0" b="0"/>
+      </a:fillRef>
+      <a:effectRef idx="0">
+        <a:scrgbClr r="0" g="0" b="0"/>
+      </a:effectRef>
+      <a:fontRef idx="minor">
+        <a:schemeClr val="lt1"/>
+      </a:fontRef>
+    </dgm:style>
+  </dgm:styleLbl>
+  <dgm:styleLbl name="node2">
+    <dgm:scene3d>
+      <a:camera prst="orthographicFront"/>
+      <a:lightRig rig="threePt" dir="t"/>
+    </dgm:scene3d>
+    <dgm:sp3d/>
+    <dgm:txPr/>
+    <dgm:style>
+      <a:lnRef idx="2">
+        <a:scrgbClr r="0" g="0" b="0"/>
+      </a:lnRef>
+      <a:fillRef idx="1">
+        <a:scrgbClr r="0" g="0" b="0"/>
+      </a:fillRef>
+      <a:effectRef idx="0">
+        <a:scrgbClr r="0" g="0" b="0"/>
+      </a:effectRef>
+      <a:fontRef idx="minor">
+        <a:schemeClr val="lt1"/>
+      </a:fontRef>
+    </dgm:style>
+  </dgm:styleLbl>
+  <dgm:styleLbl name="node3">
+    <dgm:scene3d>
+      <a:camera prst="orthographicFront"/>
+      <a:lightRig rig="threePt" dir="t"/>
+    </dgm:scene3d>
+    <dgm:sp3d/>
+    <dgm:txPr/>
+    <dgm:style>
+      <a:lnRef idx="2">
+        <a:scrgbClr r="0" g="0" b="0"/>
+      </a:lnRef>
+      <a:fillRef idx="1">
+        <a:scrgbClr r="0" g="0" b="0"/>
+      </a:fillRef>
+      <a:effectRef idx="0">
+        <a:scrgbClr r="0" g="0" b="0"/>
+      </a:effectRef>
+      <a:fontRef idx="minor">
+        <a:schemeClr val="lt1"/>
+      </a:fontRef>
+    </dgm:style>
+  </dgm:styleLbl>
+  <dgm:styleLbl name="node4">
+    <dgm:scene3d>
+      <a:camera prst="orthographicFront"/>
+      <a:lightRig rig="threePt" dir="t"/>
+    </dgm:scene3d>
+    <dgm:sp3d/>
+    <dgm:txPr/>
+    <dgm:style>
+      <a:lnRef idx="2">
+        <a:scrgbClr r="0" g="0" b="0"/>
+      </a:lnRef>
+      <a:fillRef idx="1">
+        <a:scrgbClr r="0" g="0" b="0"/>
+      </a:fillRef>
+      <a:effectRef idx="0">
+        <a:scrgbClr r="0" g="0" b="0"/>
+      </a:effectRef>
+      <a:fontRef idx="minor">
+        <a:schemeClr val="lt1"/>
+      </a:fontRef>
+    </dgm:style>
+  </dgm:styleLbl>
+  <dgm:styleLbl name="fgImgPlace1">
+    <dgm:scene3d>
+      <a:camera prst="orthographicFront"/>
+      <a:lightRig rig="threePt" dir="t"/>
+    </dgm:scene3d>
+    <dgm:sp3d/>
+    <dgm:txPr/>
+    <dgm:style>
+      <a:lnRef idx="2">
+        <a:scrgbClr r="0" g="0" b="0"/>
+      </a:lnRef>
+      <a:fillRef idx="1">
+        <a:scrgbClr r="0" g="0" b="0"/>
+      </a:fillRef>
+      <a:effectRef idx="0">
+        <a:scrgbClr r="0" g="0" b="0"/>
+      </a:effectRef>
+      <a:fontRef idx="minor"/>
+    </dgm:style>
+  </dgm:styleLbl>
+  <dgm:styleLbl name="alignImgPlace1">
+    <dgm:scene3d>
+      <a:camera prst="orthographicFront"/>
+      <a:lightRig rig="threePt" dir="t"/>
+    </dgm:scene3d>
+    <dgm:sp3d/>
+    <dgm:txPr/>
+    <dgm:style>
+      <a:lnRef idx="2">
+        <a:scrgbClr r="0" g="0" b="0"/>
+      </a:lnRef>
+      <a:fillRef idx="1">
+        <a:scrgbClr r="0" g="0" b="0"/>
+      </a:fillRef>
+      <a:effectRef idx="0">
+        <a:scrgbClr r="0" g="0" b="0"/>
+      </a:effectRef>
+      <a:fontRef idx="minor"/>
+    </dgm:style>
+  </dgm:styleLbl>
+  <dgm:styleLbl name="bgImgPlace1">
+    <dgm:scene3d>
+      <a:camera prst="orthographicFront"/>
+      <a:lightRig rig="threePt" dir="t"/>
+    </dgm:scene3d>
+    <dgm:sp3d/>
+    <dgm:txPr/>
+    <dgm:style>
+      <a:lnRef idx="2">
+        <a:scrgbClr r="0" g="0" b="0"/>
+      </a:lnRef>
+      <a:fillRef idx="1">
+        <a:scrgbClr r="0" g="0" b="0"/>
+      </a:fillRef>
+      <a:effectRef idx="0">
+        <a:scrgbClr r="0" g="0" b="0"/>
+      </a:effectRef>
+      <a:fontRef idx="minor"/>
+    </dgm:style>
+  </dgm:styleLbl>
+  <dgm:styleLbl name="sibTrans2D1">
+    <dgm:scene3d>
+      <a:camera prst="orthographicFront"/>
+      <a:lightRig rig="threePt" dir="t"/>
+    </dgm:scene3d>
+    <dgm:sp3d/>
+    <dgm:txPr/>
+    <dgm:style>
+      <a:lnRef idx="0">
+        <a:scrgbClr r="0" g="0" b="0"/>
+      </a:lnRef>
+      <a:fillRef idx="1">
+        <a:scrgbClr r="0" g="0" b="0"/>
+      </a:fillRef>
+      <a:effectRef idx="0">
+        <a:scrgbClr r="0" g="0" b="0"/>
+      </a:effectRef>
+      <a:fontRef idx="minor">
+        <a:schemeClr val="lt1"/>
+      </a:fontRef>
+    </dgm:style>
+  </dgm:styleLbl>
+  <dgm:styleLbl name="fgSibTrans2D1">
+    <dgm:scene3d>
+      <a:camera prst="orthographicFront"/>
+      <a:lightRig rig="threePt" dir="t"/>
+    </dgm:scene3d>
+    <dgm:sp3d/>
+    <dgm:txPr/>
+    <dgm:style>
+      <a:lnRef idx="0">
+        <a:scrgbClr r="0" g="0" b="0"/>
+      </a:lnRef>
+      <a:fillRef idx="1">
+        <a:scrgbClr r="0" g="0" b="0"/>
+      </a:fillRef>
+      <a:effectRef idx="0">
+        <a:scrgbClr r="0" g="0" b="0"/>
+      </a:effectRef>
+      <a:fontRef idx="minor">
+        <a:schemeClr val="lt1"/>
+      </a:fontRef>
+    </dgm:style>
+  </dgm:styleLbl>
+  <dgm:styleLbl name="bgSibTrans2D1">
+    <dgm:scene3d>
+      <a:camera prst="orthographicFront"/>
+      <a:lightRig rig="threePt" dir="t"/>
+    </dgm:scene3d>
+    <dgm:sp3d/>
+    <dgm:txPr/>
+    <dgm:style>
+      <a:lnRef idx="0">
+        <a:scrgbClr r="0" g="0" b="0"/>
+      </a:lnRef>
+      <a:fillRef idx="1">
+        <a:scrgbClr r="0" g="0" b="0"/>
+      </a:fillRef>
+      <a:effectRef idx="0">
+        <a:scrgbClr r="0" g="0" b="0"/>
+      </a:effectRef>
+      <a:fontRef idx="minor">
+        <a:schemeClr val="lt1"/>
+      </a:fontRef>
+    </dgm:style>
+  </dgm:styleLbl>
+  <dgm:styleLbl name="sibTrans1D1">
+    <dgm:scene3d>
+      <a:camera prst="orthographicFront"/>
+      <a:lightRig rig="threePt" dir="t"/>
+    </dgm:scene3d>
+    <dgm:sp3d/>
+    <dgm:txPr/>
+    <dgm:style>
+      <a:lnRef idx="1">
+        <a:scrgbClr r="0" g="0" b="0"/>
+      </a:lnRef>
+      <a:fillRef idx="0">
+        <a:scrgbClr r="0" g="0" b="0"/>
+      </a:fillRef>
+      <a:effectRef idx="0">
+        <a:scrgbClr r="0" g="0" b="0"/>
+      </a:effectRef>
+      <a:fontRef idx="minor"/>
+    </dgm:style>
+  </dgm:styleLbl>
+  <dgm:styleLbl name="callout">
+    <dgm:scene3d>
+      <a:camera prst="orthographicFront"/>
+      <a:lightRig rig="threePt" dir="t"/>
+    </dgm:scene3d>
+    <dgm:sp3d/>
+    <dgm:txPr/>
+    <dgm:style>
+      <a:lnRef idx="2">
+        <a:scrgbClr r="0" g="0" b="0"/>
+      </a:lnRef>
+      <a:fillRef idx="1">
+        <a:scrgbClr r="0" g="0" b="0"/>
+      </a:fillRef>
+      <a:effectRef idx="0">
+        <a:scrgbClr r="0" g="0" b="0"/>
+      </a:effectRef>
+      <a:fontRef idx="minor"/>
+    </dgm:style>
+  </dgm:styleLbl>
+  <dgm:styleLbl name="asst0">
+    <dgm:scene3d>
+      <a:camera prst="orthographicFront"/>
+      <a:lightRig rig="threePt" dir="t"/>
+    </dgm:scene3d>
+    <dgm:sp3d/>
+    <dgm:txPr/>
+    <dgm:style>
+      <a:lnRef idx="2">
+        <a:scrgbClr r="0" g="0" b="0"/>
+      </a:lnRef>
+      <a:fillRef idx="1">
+        <a:scrgbClr r="0" g="0" b="0"/>
+      </a:fillRef>
+      <a:effectRef idx="0">
+        <a:scrgbClr r="0" g="0" b="0"/>
+      </a:effectRef>
+      <a:fontRef idx="minor">
+        <a:schemeClr val="lt1"/>
+      </a:fontRef>
+    </dgm:style>
+  </dgm:styleLbl>
+  <dgm:styleLbl name="asst1">
+    <dgm:scene3d>
+      <a:camera prst="orthographicFront"/>
+      <a:lightRig rig="threePt" dir="t"/>
+    </dgm:scene3d>
+    <dgm:sp3d/>
+    <dgm:txPr/>
+    <dgm:style>
+      <a:lnRef idx="2">
+        <a:scrgbClr r="0" g="0" b="0"/>
+      </a:lnRef>
+      <a:fillRef idx="1">
+        <a:scrgbClr r="0" g="0" b="0"/>
+      </a:fillRef>
+      <a:effectRef idx="0">
+        <a:scrgbClr r="0" g="0" b="0"/>
+      </a:effectRef>
+      <a:fontRef idx="minor">
+        <a:schemeClr val="lt1"/>
+      </a:fontRef>
+    </dgm:style>
+  </dgm:styleLbl>
+  <dgm:styleLbl name="asst2">
+    <dgm:scene3d>
+      <a:camera prst="orthographicFront"/>
+      <a:lightRig rig="threePt" dir="t"/>
+    </dgm:scene3d>
+    <dgm:sp3d/>
+    <dgm:txPr/>
+    <dgm:style>
+      <a:lnRef idx="2">
+        <a:scrgbClr r="0" g="0" b="0"/>
+      </a:lnRef>
+      <a:fillRef idx="1">
+        <a:scrgbClr r="0" g="0" b="0"/>
+      </a:fillRef>
+      <a:effectRef idx="0">
+        <a:scrgbClr r="0" g="0" b="0"/>
+      </a:effectRef>
+      <a:fontRef idx="minor">
+        <a:schemeClr val="lt1"/>
+      </a:fontRef>
+    </dgm:style>
+  </dgm:styleLbl>
+  <dgm:styleLbl name="asst3">
+    <dgm:scene3d>
+      <a:camera prst="orthographicFront"/>
+      <a:lightRig rig="threePt" dir="t"/>
+    </dgm:scene3d>
+    <dgm:sp3d/>
+    <dgm:txPr/>
+    <dgm:style>
+      <a:lnRef idx="2">
+        <a:scrgbClr r="0" g="0" b="0"/>
+      </a:lnRef>
+      <a:fillRef idx="1">
+        <a:scrgbClr r="0" g="0" b="0"/>
+      </a:fillRef>
+      <a:effectRef idx="0">
+        <a:scrgbClr r="0" g="0" b="0"/>
+      </a:effectRef>
+      <a:fontRef idx="minor">
+        <a:schemeClr val="lt1"/>
+      </a:fontRef>
+    </dgm:style>
+  </dgm:styleLbl>
+  <dgm:styleLbl name="asst4">
+    <dgm:scene3d>
+      <a:camera prst="orthographicFront"/>
+      <a:lightRig rig="threePt" dir="t"/>
+    </dgm:scene3d>
+    <dgm:sp3d/>
+    <dgm:txPr/>
+    <dgm:style>
+      <a:lnRef idx="2">
+        <a:scrgbClr r="0" g="0" b="0"/>
+      </a:lnRef>
+      <a:fillRef idx="1">
+        <a:scrgbClr r="0" g="0" b="0"/>
+      </a:fillRef>
+      <a:effectRef idx="0">
+        <a:scrgbClr r="0" g="0" b="0"/>
+      </a:effectRef>
+      <a:fontRef idx="minor">
+        <a:schemeClr val="lt1"/>
+      </a:fontRef>
+    </dgm:style>
+  </dgm:styleLbl>
+  <dgm:styleLbl name="parChTrans2D1">
+    <dgm:scene3d>
+      <a:camera prst="orthographicFront"/>
+      <a:lightRig rig="threePt" dir="t"/>
+    </dgm:scene3d>
+    <dgm:sp3d/>
+    <dgm:txPr/>
+    <dgm:style>
+      <a:lnRef idx="2">
+        <a:scrgbClr r="0" g="0" b="0"/>
+      </a:lnRef>
+      <a:fillRef idx="1">
+        <a:scrgbClr r="0" g="0" b="0"/>
+      </a:fillRef>
+      <a:effectRef idx="0">
+        <a:scrgbClr r="0" g="0" b="0"/>
+      </a:effectRef>
+      <a:fontRef idx="minor">
+        <a:schemeClr val="lt1"/>
+      </a:fontRef>
+    </dgm:style>
+  </dgm:styleLbl>
+  <dgm:styleLbl name="parChTrans2D2">
+    <dgm:scene3d>
+      <a:camera prst="orthographicFront"/>
+      <a:lightRig rig="threePt" dir="t"/>
+    </dgm:scene3d>
+    <dgm:sp3d/>
+    <dgm:txPr/>
+    <dgm:style>
+      <a:lnRef idx="2">
+        <a:scrgbClr r="0" g="0" b="0"/>
+      </a:lnRef>
+      <a:fillRef idx="1">
+        <a:scrgbClr r="0" g="0" b="0"/>
+      </a:fillRef>
+      <a:effectRef idx="0">
+        <a:scrgbClr r="0" g="0" b="0"/>
+      </a:effectRef>
+      <a:fontRef idx="minor">
+        <a:schemeClr val="lt1"/>
+      </a:fontRef>
+    </dgm:style>
+  </dgm:styleLbl>
+  <dgm:styleLbl name="parChTrans2D3">
+    <dgm:scene3d>
+      <a:camera prst="orthographicFront"/>
+      <a:lightRig rig="threePt" dir="t"/>
+    </dgm:scene3d>
+    <dgm:sp3d/>
+    <dgm:txPr/>
+    <dgm:style>
+      <a:lnRef idx="2">
+        <a:scrgbClr r="0" g="0" b="0"/>
+      </a:lnRef>
+      <a:fillRef idx="1">
+        <a:scrgbClr r="0" g="0" b="0"/>
+      </a:fillRef>
+      <a:effectRef idx="0">
+        <a:scrgbClr r="0" g="0" b="0"/>
+      </a:effectRef>
+      <a:fontRef idx="minor">
+        <a:schemeClr val="lt1"/>
+      </a:fontRef>
+    </dgm:style>
+  </dgm:styleLbl>
+  <dgm:styleLbl name="parChTrans2D4">
+    <dgm:scene3d>
+      <a:camera prst="orthographicFront"/>
+      <a:lightRig rig="threePt" dir="t"/>
+    </dgm:scene3d>
+    <dgm:sp3d/>
+    <dgm:txPr/>
+    <dgm:style>
+      <a:lnRef idx="2">
+        <a:scrgbClr r="0" g="0" b="0"/>
+      </a:lnRef>
+      <a:fillRef idx="1">
+        <a:scrgbClr r="0" g="0" b="0"/>
+      </a:fillRef>
+      <a:effectRef idx="0">
+        <a:scrgbClr r="0" g="0" b="0"/>
+      </a:effectRef>
+      <a:fontRef idx="minor">
+        <a:schemeClr val="lt1"/>
+      </a:fontRef>
+    </dgm:style>
+  </dgm:styleLbl>
+  <dgm:styleLbl name="parChTrans1D1">
+    <dgm:scene3d>
+      <a:camera prst="orthographicFront"/>
+      <a:lightRig rig="threePt" dir="t"/>
+    </dgm:scene3d>
+    <dgm:sp3d/>
+    <dgm:txPr/>
+    <dgm:style>
+      <a:lnRef idx="2">
+        <a:scrgbClr r="0" g="0" b="0"/>
+      </a:lnRef>
+      <a:fillRef idx="0">
+        <a:scrgbClr r="0" g="0" b="0"/>
+      </a:fillRef>
+      <a:effectRef idx="0">
+        <a:scrgbClr r="0" g="0" b="0"/>
+      </a:effectRef>
+      <a:fontRef idx="minor"/>
+    </dgm:style>
+  </dgm:styleLbl>
+  <dgm:styleLbl name="parChTrans1D2">
+    <dgm:scene3d>
+      <a:camera prst="orthographicFront"/>
+      <a:lightRig rig="threePt" dir="t"/>
+    </dgm:scene3d>
+    <dgm:sp3d/>
+    <dgm:txPr/>
+    <dgm:style>
+      <a:lnRef idx="2">
+        <a:scrgbClr r="0" g="0" b="0"/>
+      </a:lnRef>
+      <a:fillRef idx="0">
+        <a:scrgbClr r="0" g="0" b="0"/>
+      </a:fillRef>
+      <a:effectRef idx="0">
+        <a:scrgbClr r="0" g="0" b="0"/>
+      </a:effectRef>
+      <a:fontRef idx="minor"/>
+    </dgm:style>
+  </dgm:styleLbl>
+  <dgm:styleLbl name="parChTrans1D3">
+    <dgm:scene3d>
+      <a:camera prst="orthographicFront"/>
+      <a:lightRig rig="threePt" dir="t"/>
+    </dgm:scene3d>
+    <dgm:sp3d/>
+    <dgm:txPr/>
+    <dgm:style>
+      <a:lnRef idx="2">
+        <a:scrgbClr r="0" g="0" b="0"/>
+      </a:lnRef>
+      <a:fillRef idx="0">
+        <a:scrgbClr r="0" g="0" b="0"/>
+      </a:fillRef>
+      <a:effectRef idx="0">
+        <a:scrgbClr r="0" g="0" b="0"/>
+      </a:effectRef>
+      <a:fontRef idx="minor"/>
+    </dgm:style>
+  </dgm:styleLbl>
+  <dgm:styleLbl name="parChTrans1D4">
+    <dgm:scene3d>
+      <a:camera prst="orthographicFront"/>
+      <a:lightRig rig="threePt" dir="t"/>
+    </dgm:scene3d>
+    <dgm:sp3d/>
+    <dgm:txPr/>
+    <dgm:style>
+      <a:lnRef idx="2">
+        <a:scrgbClr r="0" g="0" b="0"/>
+      </a:lnRef>
+      <a:fillRef idx="0">
+        <a:scrgbClr r="0" g="0" b="0"/>
+      </a:fillRef>
+      <a:effectRef idx="0">
+        <a:scrgbClr r="0" g="0" b="0"/>
+      </a:effectRef>
+      <a:fontRef idx="minor"/>
+    </dgm:style>
+  </dgm:styleLbl>
+  <dgm:styleLbl name="fgAcc1">
+    <dgm:scene3d>
+      <a:camera prst="orthographicFront"/>
+      <a:lightRig rig="threePt" dir="t"/>
+    </dgm:scene3d>
+    <dgm:sp3d/>
+    <dgm:txPr/>
+    <dgm:style>
+      <a:lnRef idx="2">
+        <a:scrgbClr r="0" g="0" b="0"/>
+      </a:lnRef>
+      <a:fillRef idx="1">
+        <a:scrgbClr r="0" g="0" b="0"/>
+      </a:fillRef>
+      <a:effectRef idx="0">
+        <a:scrgbClr r="0" g="0" b="0"/>
+      </a:effectRef>
+      <a:fontRef idx="minor"/>
+    </dgm:style>
+  </dgm:styleLbl>
+  <dgm:styleLbl name="conFgAcc1">
+    <dgm:scene3d>
+      <a:camera prst="orthographicFront"/>
+      <a:lightRig rig="threePt" dir="t"/>
+    </dgm:scene3d>
+    <dgm:sp3d/>
+    <dgm:txPr/>
+    <dgm:style>
+      <a:lnRef idx="2">
+        <a:scrgbClr r="0" g="0" b="0"/>
+      </a:lnRef>
+      <a:fillRef idx="1">
+        <a:scrgbClr r="0" g="0" b="0"/>
+      </a:fillRef>
+      <a:effectRef idx="0">
+        <a:scrgbClr r="0" g="0" b="0"/>
+      </a:effectRef>
+      <a:fontRef idx="minor"/>
+    </dgm:style>
+  </dgm:styleLbl>
+  <dgm:styleLbl name="alignAcc1">
+    <dgm:scene3d>
+      <a:camera prst="orthographicFront"/>
+      <a:lightRig rig="threePt" dir="t"/>
+    </dgm:scene3d>
+    <dgm:sp3d/>
+    <dgm:txPr/>
+    <dgm:style>
+      <a:lnRef idx="2">
+        <a:scrgbClr r="0" g="0" b="0"/>
+      </a:lnRef>
+      <a:fillRef idx="1">
+        <a:scrgbClr r="0" g="0" b="0"/>
+      </a:fillRef>
+      <a:effectRef idx="0">
+        <a:scrgbClr r="0" g="0" b="0"/>
+      </a:effectRef>
+      <a:fontRef idx="minor"/>
+    </dgm:style>
+  </dgm:styleLbl>
+  <dgm:styleLbl name="trAlignAcc1">
+    <dgm:scene3d>
+      <a:camera prst="orthographicFront"/>
+      <a:lightRig rig="threePt" dir="t"/>
+    </dgm:scene3d>
+    <dgm:sp3d/>
+    <dgm:txPr/>
+    <dgm:style>
+      <a:lnRef idx="1">
+        <a:scrgbClr r="0" g="0" b="0"/>
+      </a:lnRef>
+      <a:fillRef idx="1">
+        <a:scrgbClr r="0" g="0" b="0"/>
+      </a:fillRef>
+      <a:effectRef idx="0">
+        <a:scrgbClr r="0" g="0" b="0"/>
+      </a:effectRef>
+      <a:fontRef idx="minor"/>
+    </dgm:style>
+  </dgm:styleLbl>
+  <dgm:styleLbl name="bgAcc1">
+    <dgm:scene3d>
+      <a:camera prst="orthographicFront"/>
+      <a:lightRig rig="threePt" dir="t"/>
+    </dgm:scene3d>
+    <dgm:sp3d/>
+    <dgm:txPr/>
+    <dgm:style>
+      <a:lnRef idx="2">
+        <a:scrgbClr r="0" g="0" b="0"/>
+      </a:lnRef>
+      <a:fillRef idx="1">
+        <a:scrgbClr r="0" g="0" b="0"/>
+      </a:fillRef>
+      <a:effectRef idx="0">
+        <a:scrgbClr r="0" g="0" b="0"/>
+      </a:effectRef>
+      <a:fontRef idx="minor"/>
+    </dgm:style>
+  </dgm:styleLbl>
+  <dgm:styleLbl name="solidFgAcc1">
+    <dgm:scene3d>
+      <a:camera prst="orthographicFront"/>
+      <a:lightRig rig="threePt" dir="t"/>
+    </dgm:scene3d>
+    <dgm:sp3d/>
+    <dgm:txPr/>
+    <dgm:style>
+      <a:lnRef idx="2">
+        <a:scrgbClr r="0" g="0" b="0"/>
+      </a:lnRef>
+      <a:fillRef idx="1">
+        <a:scrgbClr r="0" g="0" b="0"/>
+      </a:fillRef>
+      <a:effectRef idx="0">
+        <a:scrgbClr r="0" g="0" b="0"/>
+      </a:effectRef>
+      <a:fontRef idx="minor"/>
+    </dgm:style>
+  </dgm:styleLbl>
+  <dgm:styleLbl name="solidAlignAcc1">
+    <dgm:scene3d>
+      <a:camera prst="orthographicFront"/>
+      <a:lightRig rig="threePt" dir="t"/>
+    </dgm:scene3d>
+    <dgm:sp3d/>
+    <dgm:txPr/>
+    <dgm:style>
+      <a:lnRef idx="2">
+        <a:scrgbClr r="0" g="0" b="0"/>
+      </a:lnRef>
+      <a:fillRef idx="1">
+        <a:scrgbClr r="0" g="0" b="0"/>
+      </a:fillRef>
+      <a:effectRef idx="0">
+        <a:scrgbClr r="0" g="0" b="0"/>
+      </a:effectRef>
+      <a:fontRef idx="minor"/>
+    </dgm:style>
+  </dgm:styleLbl>
+  <dgm:styleLbl name="solidBgAcc1">
+    <dgm:scene3d>
+      <a:camera prst="orthographicFront"/>
+      <a:lightRig rig="threePt" dir="t"/>
+    </dgm:scene3d>
+    <dgm:sp3d/>
+    <dgm:txPr/>
+    <dgm:style>
+      <a:lnRef idx="2">
+        <a:scrgbClr r="0" g="0" b="0"/>
+      </a:lnRef>
+      <a:fillRef idx="1">
+        <a:scrgbClr r="0" g="0" b="0"/>
+      </a:fillRef>
+      <a:effectRef idx="0">
+        <a:scrgbClr r="0" g="0" b="0"/>
+      </a:effectRef>
+      <a:fontRef idx="minor"/>
+    </dgm:style>
+  </dgm:styleLbl>
+  <dgm:styleLbl name="fgAccFollowNode1">
+    <dgm:scene3d>
+      <a:camera prst="orthographicFront"/>
+      <a:lightRig rig="threePt" dir="t"/>
+    </dgm:scene3d>
+    <dgm:sp3d/>
+    <dgm:txPr/>
+    <dgm:style>
+      <a:lnRef idx="2">
+        <a:scrgbClr r="0" g="0" b="0"/>
+      </a:lnRef>
+      <a:fillRef idx="1">
+        <a:scrgbClr r="0" g="0" b="0"/>
+      </a:fillRef>
+      <a:effectRef idx="0">
+        <a:scrgbClr r="0" g="0" b="0"/>
+      </a:effectRef>
+      <a:fontRef idx="minor"/>
+    </dgm:style>
+  </dgm:styleLbl>
+  <dgm:styleLbl name="alignAccFollowNode1">
+    <dgm:scene3d>
+      <a:camera prst="orthographicFront"/>
+      <a:lightRig rig="threePt" dir="t"/>
+    </dgm:scene3d>
+    <dgm:sp3d/>
+    <dgm:txPr/>
+    <dgm:style>
+      <a:lnRef idx="2">
+        <a:scrgbClr r="0" g="0" b="0"/>
+      </a:lnRef>
+      <a:fillRef idx="1">
+        <a:scrgbClr r="0" g="0" b="0"/>
+      </a:fillRef>
+      <a:effectRef idx="0">
+        <a:scrgbClr r="0" g="0" b="0"/>
+      </a:effectRef>
+      <a:fontRef idx="minor"/>
+    </dgm:style>
+  </dgm:styleLbl>
+  <dgm:styleLbl name="bgAccFollowNode1">
+    <dgm:scene3d>
+      <a:camera prst="orthographicFront"/>
+      <a:lightRig rig="threePt" dir="t"/>
+    </dgm:scene3d>
+    <dgm:sp3d/>
+    <dgm:txPr/>
+    <dgm:style>
+      <a:lnRef idx="2">
+        <a:scrgbClr r="0" g="0" b="0"/>
+      </a:lnRef>
+      <a:fillRef idx="1">
+        <a:scrgbClr r="0" g="0" b="0"/>
+      </a:fillRef>
+      <a:effectRef idx="0">
+        <a:scrgbClr r="0" g="0" b="0"/>
+      </a:effectRef>
+      <a:fontRef idx="minor"/>
+    </dgm:style>
+  </dgm:styleLbl>
+  <dgm:styleLbl name="fgAcc0">
+    <dgm:scene3d>
+      <a:camera prst="orthographicFront"/>
+      <a:lightRig rig="threePt" dir="t"/>
+    </dgm:scene3d>
+    <dgm:sp3d/>
+    <dgm:txPr/>
+    <dgm:style>
+      <a:lnRef idx="2">
+        <a:scrgbClr r="0" g="0" b="0"/>
+      </a:lnRef>
+      <a:fillRef idx="1">
+        <a:scrgbClr r="0" g="0" b="0"/>
+      </a:fillRef>
+      <a:effectRef idx="0">
+        <a:scrgbClr r="0" g="0" b="0"/>
+      </a:effectRef>
+      <a:fontRef idx="minor"/>
+    </dgm:style>
+  </dgm:styleLbl>
+  <dgm:styleLbl name="fgAcc2">
+    <dgm:scene3d>
+      <a:camera prst="orthographicFront"/>
+      <a:lightRig rig="threePt" dir="t"/>
+    </dgm:scene3d>
+    <dgm:sp3d/>
+    <dgm:txPr/>
+    <dgm:style>
+      <a:lnRef idx="2">
+        <a:scrgbClr r="0" g="0" b="0"/>
+      </a:lnRef>
+      <a:fillRef idx="1">
+        <a:scrgbClr r="0" g="0" b="0"/>
+      </a:fillRef>
+      <a:effectRef idx="0">
+        <a:scrgbClr r="0" g="0" b="0"/>
+      </a:effectRef>
+      <a:fontRef idx="minor"/>
+    </dgm:style>
+  </dgm:styleLbl>
+  <dgm:styleLbl name="fgAcc3">
+    <dgm:scene3d>
+      <a:camera prst="orthographicFront"/>
+      <a:lightRig rig="threePt" dir="t"/>
+    </dgm:scene3d>
+    <dgm:sp3d/>
+    <dgm:txPr/>
+    <dgm:style>
+      <a:lnRef idx="2">
+        <a:scrgbClr r="0" g="0" b="0"/>
+      </a:lnRef>
+      <a:fillRef idx="1">
+        <a:scrgbClr r="0" g="0" b="0"/>
+      </a:fillRef>
+      <a:effectRef idx="0">
+        <a:scrgbClr r="0" g="0" b="0"/>
+      </a:effectRef>
+      <a:fontRef idx="minor"/>
+    </dgm:style>
+  </dgm:styleLbl>
+  <dgm:styleLbl name="fgAcc4">
+    <dgm:scene3d>
+      <a:camera prst="orthographicFront"/>
+      <a:lightRig rig="threePt" dir="t"/>
+    </dgm:scene3d>
+    <dgm:sp3d/>
+    <dgm:txPr/>
+    <dgm:style>
+      <a:lnRef idx="2">
+        <a:scrgbClr r="0" g="0" b="0"/>
+      </a:lnRef>
+      <a:fillRef idx="1">
+        <a:scrgbClr r="0" g="0" b="0"/>
+      </a:fillRef>
+      <a:effectRef idx="0">
+        <a:scrgbClr r="0" g="0" b="0"/>
+      </a:effectRef>
+      <a:fontRef idx="minor"/>
+    </dgm:style>
+  </dgm:styleLbl>
+  <dgm:styleLbl name="bgShp">
+    <dgm:scene3d>
+      <a:camera prst="orthographicFront"/>
+      <a:lightRig rig="threePt" dir="t"/>
+    </dgm:scene3d>
+    <dgm:sp3d/>
+    <dgm:txPr/>
+    <dgm:style>
+      <a:lnRef idx="0">
+        <a:scrgbClr r="0" g="0" b="0"/>
+      </a:lnRef>
+      <a:fillRef idx="1">
+        <a:scrgbClr r="0" g="0" b="0"/>
+      </a:fillRef>
+      <a:effectRef idx="0">
+        <a:scrgbClr r="0" g="0" b="0"/>
+      </a:effectRef>
+      <a:fontRef idx="minor"/>
+    </dgm:style>
+  </dgm:styleLbl>
+  <dgm:styleLbl name="dkBgShp">
+    <dgm:scene3d>
+      <a:camera prst="orthographicFront"/>
+      <a:lightRig rig="threePt" dir="t"/>
+    </dgm:scene3d>
+    <dgm:sp3d/>
+    <dgm:txPr/>
+    <dgm:style>
+      <a:lnRef idx="0">
+        <a:scrgbClr r="0" g="0" b="0"/>
+      </a:lnRef>
+      <a:fillRef idx="1">
+        <a:scrgbClr r="0" g="0" b="0"/>
+      </a:fillRef>
+      <a:effectRef idx="0">
+        <a:scrgbClr r="0" g="0" b="0"/>
+      </a:effectRef>
+      <a:fontRef idx="minor"/>
+    </dgm:style>
+  </dgm:styleLbl>
+  <dgm:styleLbl name="trBgShp">
+    <dgm:scene3d>
+      <a:camera prst="orthographicFront"/>
+      <a:lightRig rig="threePt" dir="t"/>
+    </dgm:scene3d>
+    <dgm:sp3d/>
+    <dgm:txPr/>
+    <dgm:style>
+      <a:lnRef idx="0">
+        <a:scrgbClr r="0" g="0" b="0"/>
+      </a:lnRef>
+      <a:fillRef idx="1">
+        <a:scrgbClr r="0" g="0" b="0"/>
+      </a:fillRef>
+      <a:effectRef idx="0">
+        <a:scrgbClr r="0" g="0" b="0"/>
+      </a:effectRef>
+      <a:fontRef idx="minor"/>
+    </dgm:style>
+  </dgm:styleLbl>
+  <dgm:styleLbl name="fgShp">
+    <dgm:scene3d>
+      <a:camera prst="orthographicFront"/>
+      <a:lightRig rig="threePt" dir="t"/>
+    </dgm:scene3d>
+    <dgm:sp3d/>
+    <dgm:txPr/>
+    <dgm:style>
+      <a:lnRef idx="2">
+        <a:scrgbClr r="0" g="0" b="0"/>
+      </a:lnRef>
+      <a:fillRef idx="1">
+        <a:scrgbClr r="0" g="0" b="0"/>
+      </a:fillRef>
+      <a:effectRef idx="0">
+        <a:scrgbClr r="0" g="0" b="0"/>
+      </a:effectRef>
+      <a:fontRef idx="minor"/>
+    </dgm:style>
+  </dgm:styleLbl>
+  <dgm:styleLbl name="revTx">
+    <dgm:scene3d>
+      <a:camera prst="orthographicFront"/>
+      <a:lightRig rig="threePt" dir="t"/>
+    </dgm:scene3d>
+    <dgm:sp3d/>
+    <dgm:txPr/>
+    <dgm:style>
+      <a:lnRef idx="0">
+        <a:scrgbClr r="0" g="0" b="0"/>
+      </a:lnRef>
+      <a:fillRef idx="0">
+        <a:scrgbClr r="0" g="0" b="0"/>
+      </a:fillRef>
+      <a:effectRef idx="0">
+        <a:scrgbClr r="0" g="0" b="0"/>
+      </a:effectRef>
+      <a:fontRef idx="minor"/>
+    </dgm:style>
+  </dgm:styleLbl>
+</dgm:styleDef>
+</file>
+
+<file path=ppt/diagrams/quickStyle4.xml><?xml version="1.0" encoding="utf-8"?>
 <dgm:styleDef xmlns:dgm="http://schemas.openxmlformats.org/drawingml/2006/diagram" xmlns:a="http://schemas.openxmlformats.org/drawingml/2006/main" uniqueId="urn:microsoft.com/office/officeart/2005/8/quickstyle/simple1">
   <dgm:title val=""/>
   <dgm:desc val=""/>
@@ -9395,7 +13281,7 @@
           <a:lstStyle/>
           <a:p>
             <a:r>
-              <a:rPr lang="en-US" sz="1200" b="0" i="0" kern="1200" dirty="0" smtClean="0">
+              <a:rPr lang="en-US" sz="1200" b="0" i="0" kern="1200" dirty="0">
                 <a:solidFill>
                   <a:schemeClr val="tx1"/>
                 </a:solidFill>
@@ -9406,19 +13292,15 @@
               </a:rPr>
               <a:t>the karyotype of asparagus using 5S rDNA</a:t>
             </a:r>
-            <a:endParaRPr lang="en-US" dirty="0" smtClean="0"/>
-          </a:p>
-          <a:p>
-            <a:endParaRPr lang="en-US" dirty="0" smtClean="0"/>
-          </a:p>
-          <a:p>
-            <a:r>
-              <a:rPr lang="en-US" dirty="0" smtClean="0"/>
-              <a:t>Asparagus </a:t>
-            </a:r>
+            <a:endParaRPr lang="en-US" dirty="0"/>
+          </a:p>
+          <a:p>
+            <a:endParaRPr lang="en-US" dirty="0"/>
+          </a:p>
+          <a:p>
             <a:r>
               <a:rPr lang="en-US" dirty="0"/>
-              <a:t>is useful</a:t>
+              <a:t>Asparagus is useful</a:t>
             </a:r>
             <a:r>
               <a:rPr lang="en-US" baseline="0" dirty="0"/>
@@ -9473,6 +13355,137 @@
     <p:extLst>
       <p:ext uri="{BB962C8B-B14F-4D97-AF65-F5344CB8AC3E}">
         <p14:creationId xmlns:p14="http://schemas.microsoft.com/office/powerpoint/2010/main" val="1018553607"/>
+      </p:ext>
+    </p:extLst>
+  </p:cSld>
+  <p:clrMapOvr>
+    <a:masterClrMapping/>
+  </p:clrMapOvr>
+</p:notes>
+</file>
+
+<file path=ppt/notesSlides/notesSlide4.xml><?xml version="1.0" encoding="utf-8"?>
+<p:notes xmlns:a="http://schemas.openxmlformats.org/drawingml/2006/main" xmlns:r="http://schemas.openxmlformats.org/officeDocument/2006/relationships" xmlns:p="http://schemas.openxmlformats.org/presentationml/2006/main">
+  <p:cSld>
+    <p:spTree>
+      <p:nvGrpSpPr>
+        <p:cNvPr id="1" name=""/>
+        <p:cNvGrpSpPr/>
+        <p:nvPr/>
+      </p:nvGrpSpPr>
+      <p:grpSpPr>
+        <a:xfrm>
+          <a:off x="0" y="0"/>
+          <a:ext cx="0" cy="0"/>
+          <a:chOff x="0" y="0"/>
+          <a:chExt cx="0" cy="0"/>
+        </a:xfrm>
+      </p:grpSpPr>
+      <p:sp>
+        <p:nvSpPr>
+          <p:cNvPr id="2" name="Slide Image Placeholder 1"/>
+          <p:cNvSpPr>
+            <a:spLocks noGrp="1" noRot="1" noChangeAspect="1"/>
+          </p:cNvSpPr>
+          <p:nvPr>
+            <p:ph type="sldImg"/>
+          </p:nvPr>
+        </p:nvSpPr>
+        <p:spPr/>
+      </p:sp>
+      <p:sp>
+        <p:nvSpPr>
+          <p:cNvPr id="3" name="Notes Placeholder 2"/>
+          <p:cNvSpPr>
+            <a:spLocks noGrp="1"/>
+          </p:cNvSpPr>
+          <p:nvPr>
+            <p:ph type="body" idx="1"/>
+          </p:nvPr>
+        </p:nvSpPr>
+        <p:spPr/>
+        <p:txBody>
+          <a:bodyPr/>
+          <a:lstStyle/>
+          <a:p>
+            <a:r>
+              <a:rPr lang="en-US" dirty="0"/>
+              <a:t>trimmed mean of </a:t>
+            </a:r>
+            <a:r>
+              <a:rPr lang="en-US" dirty="0" err="1"/>
+              <a:t>Mvalues</a:t>
+            </a:r>
+            <a:r>
+              <a:rPr lang="en-US" dirty="0"/>
+              <a:t> (TMM)</a:t>
+            </a:r>
+          </a:p>
+          <a:p>
+            <a:endParaRPr lang="en-US" dirty="0"/>
+          </a:p>
+          <a:p>
+            <a:r>
+              <a:rPr lang="en-US" dirty="0" err="1"/>
+              <a:t>glmQLFit</a:t>
+            </a:r>
+            <a:r>
+              <a:rPr lang="en-US" dirty="0"/>
+              <a:t>(cd, design) #preferred but lenient</a:t>
+            </a:r>
+          </a:p>
+          <a:p>
+            <a:r>
+              <a:rPr lang="en-US" dirty="0" err="1"/>
+              <a:t>glmQLFTest</a:t>
+            </a:r>
+            <a:r>
+              <a:rPr lang="en-US" dirty="0"/>
+              <a:t>(fit, </a:t>
+            </a:r>
+            <a:r>
+              <a:rPr lang="en-US" dirty="0" err="1"/>
+              <a:t>coef</a:t>
+            </a:r>
+            <a:r>
+              <a:rPr lang="en-US" dirty="0"/>
+              <a:t>=6) #very strange results if</a:t>
+            </a:r>
+            <a:r>
+              <a:rPr lang="en-US" baseline="0" dirty="0"/>
+              <a:t> used</a:t>
+            </a:r>
+            <a:endParaRPr lang="en-US" dirty="0"/>
+          </a:p>
+        </p:txBody>
+      </p:sp>
+      <p:sp>
+        <p:nvSpPr>
+          <p:cNvPr id="4" name="Slide Number Placeholder 3"/>
+          <p:cNvSpPr>
+            <a:spLocks noGrp="1"/>
+          </p:cNvSpPr>
+          <p:nvPr>
+            <p:ph type="sldNum" sz="quarter" idx="10"/>
+          </p:nvPr>
+        </p:nvSpPr>
+        <p:spPr/>
+        <p:txBody>
+          <a:bodyPr/>
+          <a:lstStyle/>
+          <a:p>
+            <a:fld id="{F2F879E2-5852-44F1-8CAE-5E978482BEF5}" type="slidenum">
+              <a:rPr lang="en-US" smtClean="0"/>
+              <a:t>16</a:t>
+            </a:fld>
+            <a:endParaRPr lang="en-US"/>
+          </a:p>
+        </p:txBody>
+      </p:sp>
+    </p:spTree>
+    <p:extLst>
+      <p:ext uri="{BB962C8B-B14F-4D97-AF65-F5344CB8AC3E}">
+        <p14:creationId xmlns:p14="http://schemas.microsoft.com/office/powerpoint/2010/main" val="2353964808"/>
       </p:ext>
     </p:extLst>
   </p:cSld>
@@ -9526,7 +13539,7 @@
           </a:lstStyle>
           <a:p>
             <a:r>
-              <a:rPr lang="en-US" smtClean="0"/>
+              <a:rPr lang="en-US"/>
               <a:t>Click to edit Master title style</a:t>
             </a:r>
             <a:endParaRPr lang="en-US" dirty="0"/>
@@ -9646,7 +13659,7 @@
           </a:lstStyle>
           <a:p>
             <a:r>
-              <a:rPr lang="en-US" smtClean="0"/>
+              <a:rPr lang="en-US"/>
               <a:t>Click to edit Master subtitle style</a:t>
             </a:r>
             <a:endParaRPr lang="en-US" dirty="0"/>
@@ -9794,10 +13807,9 @@
           <a:lstStyle/>
           <a:p>
             <a:r>
-              <a:rPr lang="en-US" smtClean="0"/>
+              <a:rPr lang="en-US"/>
               <a:t>Click to edit Master title style</a:t>
             </a:r>
-            <a:endParaRPr lang="en-US"/>
           </a:p>
         </p:txBody>
       </p:sp>
@@ -9818,38 +13830,37 @@
           <a:p>
             <a:pPr lvl="0"/>
             <a:r>
-              <a:rPr lang="en-US" smtClean="0"/>
+              <a:rPr lang="en-US"/>
               <a:t>Click to edit Master text styles</a:t>
             </a:r>
           </a:p>
           <a:p>
             <a:pPr lvl="1"/>
             <a:r>
-              <a:rPr lang="en-US" smtClean="0"/>
+              <a:rPr lang="en-US"/>
               <a:t>Second level</a:t>
             </a:r>
           </a:p>
           <a:p>
             <a:pPr lvl="2"/>
             <a:r>
-              <a:rPr lang="en-US" smtClean="0"/>
+              <a:rPr lang="en-US"/>
               <a:t>Third level</a:t>
             </a:r>
           </a:p>
           <a:p>
             <a:pPr lvl="3"/>
             <a:r>
-              <a:rPr lang="en-US" smtClean="0"/>
+              <a:rPr lang="en-US"/>
               <a:t>Fourth level</a:t>
             </a:r>
           </a:p>
           <a:p>
             <a:pPr lvl="4"/>
             <a:r>
-              <a:rPr lang="en-US" smtClean="0"/>
+              <a:rPr lang="en-US"/>
               <a:t>Fifth level</a:t>
             </a:r>
-            <a:endParaRPr lang="en-US"/>
           </a:p>
         </p:txBody>
       </p:sp>
@@ -9964,7 +13975,7 @@
           <a:lstStyle/>
           <a:p>
             <a:r>
-              <a:rPr lang="en-US" smtClean="0"/>
+              <a:rPr lang="en-US"/>
               <a:t>Click to edit Master title style</a:t>
             </a:r>
             <a:endParaRPr lang="en-US" dirty="0"/>
@@ -9993,35 +14004,35 @@
           <a:p>
             <a:pPr lvl="0"/>
             <a:r>
-              <a:rPr lang="en-US" smtClean="0"/>
+              <a:rPr lang="en-US"/>
               <a:t>Click to edit Master text styles</a:t>
             </a:r>
           </a:p>
           <a:p>
             <a:pPr lvl="1"/>
             <a:r>
-              <a:rPr lang="en-US" smtClean="0"/>
+              <a:rPr lang="en-US"/>
               <a:t>Second level</a:t>
             </a:r>
           </a:p>
           <a:p>
             <a:pPr lvl="2"/>
             <a:r>
-              <a:rPr lang="en-US" smtClean="0"/>
+              <a:rPr lang="en-US"/>
               <a:t>Third level</a:t>
             </a:r>
           </a:p>
           <a:p>
             <a:pPr lvl="3"/>
             <a:r>
-              <a:rPr lang="en-US" smtClean="0"/>
+              <a:rPr lang="en-US"/>
               <a:t>Fourth level</a:t>
             </a:r>
           </a:p>
           <a:p>
             <a:pPr lvl="4"/>
             <a:r>
-              <a:rPr lang="en-US" smtClean="0"/>
+              <a:rPr lang="en-US"/>
               <a:t>Fifth level</a:t>
             </a:r>
             <a:endParaRPr lang="en-US" dirty="0"/>
@@ -10134,10 +14145,9 @@
           <a:lstStyle/>
           <a:p>
             <a:r>
-              <a:rPr lang="en-US" smtClean="0"/>
+              <a:rPr lang="en-US"/>
               <a:t>Click to edit Master title style</a:t>
             </a:r>
-            <a:endParaRPr lang="en-US"/>
           </a:p>
         </p:txBody>
       </p:sp>
@@ -10158,38 +14168,37 @@
           <a:p>
             <a:pPr lvl="0"/>
             <a:r>
-              <a:rPr lang="en-US" smtClean="0"/>
+              <a:rPr lang="en-US"/>
               <a:t>Click to edit Master text styles</a:t>
             </a:r>
           </a:p>
           <a:p>
             <a:pPr lvl="1"/>
             <a:r>
-              <a:rPr lang="en-US" smtClean="0"/>
+              <a:rPr lang="en-US"/>
               <a:t>Second level</a:t>
             </a:r>
           </a:p>
           <a:p>
             <a:pPr lvl="2"/>
             <a:r>
-              <a:rPr lang="en-US" smtClean="0"/>
+              <a:rPr lang="en-US"/>
               <a:t>Third level</a:t>
             </a:r>
           </a:p>
           <a:p>
             <a:pPr lvl="3"/>
             <a:r>
-              <a:rPr lang="en-US" smtClean="0"/>
+              <a:rPr lang="en-US"/>
               <a:t>Fourth level</a:t>
             </a:r>
           </a:p>
           <a:p>
             <a:pPr lvl="4"/>
             <a:r>
-              <a:rPr lang="en-US" smtClean="0"/>
+              <a:rPr lang="en-US"/>
               <a:t>Fifth level</a:t>
             </a:r>
-            <a:endParaRPr lang="en-US"/>
           </a:p>
         </p:txBody>
       </p:sp>
@@ -10315,7 +14324,7 @@
           </a:lstStyle>
           <a:p>
             <a:r>
-              <a:rPr lang="en-US" smtClean="0"/>
+              <a:rPr lang="en-US"/>
               <a:t>Click to edit Master title style</a:t>
             </a:r>
             <a:endParaRPr lang="en-US" dirty="0"/>
@@ -10435,7 +14444,7 @@
           <a:p>
             <a:pPr lvl="0"/>
             <a:r>
-              <a:rPr lang="en-US" smtClean="0"/>
+              <a:rPr lang="en-US"/>
               <a:t>Click to edit Master text styles</a:t>
             </a:r>
           </a:p>
@@ -10582,10 +14591,9 @@
           <a:lstStyle/>
           <a:p>
             <a:r>
-              <a:rPr lang="en-US" smtClean="0"/>
+              <a:rPr lang="en-US"/>
               <a:t>Click to edit Master title style</a:t>
             </a:r>
-            <a:endParaRPr lang="en-US"/>
           </a:p>
         </p:txBody>
       </p:sp>
@@ -10639,35 +14647,35 @@
           <a:p>
             <a:pPr lvl="0"/>
             <a:r>
-              <a:rPr lang="en-US" smtClean="0"/>
+              <a:rPr lang="en-US"/>
               <a:t>Click to edit Master text styles</a:t>
             </a:r>
           </a:p>
           <a:p>
             <a:pPr lvl="1"/>
             <a:r>
-              <a:rPr lang="en-US" smtClean="0"/>
+              <a:rPr lang="en-US"/>
               <a:t>Second level</a:t>
             </a:r>
           </a:p>
           <a:p>
             <a:pPr lvl="2"/>
             <a:r>
-              <a:rPr lang="en-US" smtClean="0"/>
+              <a:rPr lang="en-US"/>
               <a:t>Third level</a:t>
             </a:r>
           </a:p>
           <a:p>
             <a:pPr lvl="3"/>
             <a:r>
-              <a:rPr lang="en-US" smtClean="0"/>
+              <a:rPr lang="en-US"/>
               <a:t>Fourth level</a:t>
             </a:r>
           </a:p>
           <a:p>
             <a:pPr lvl="4"/>
             <a:r>
-              <a:rPr lang="en-US" smtClean="0"/>
+              <a:rPr lang="en-US"/>
               <a:t>Fifth level</a:t>
             </a:r>
             <a:endParaRPr lang="en-US" dirty="0"/>
@@ -10724,35 +14732,35 @@
           <a:p>
             <a:pPr lvl="0"/>
             <a:r>
-              <a:rPr lang="en-US" smtClean="0"/>
+              <a:rPr lang="en-US"/>
               <a:t>Click to edit Master text styles</a:t>
             </a:r>
           </a:p>
           <a:p>
             <a:pPr lvl="1"/>
             <a:r>
-              <a:rPr lang="en-US" smtClean="0"/>
+              <a:rPr lang="en-US"/>
               <a:t>Second level</a:t>
             </a:r>
           </a:p>
           <a:p>
             <a:pPr lvl="2"/>
             <a:r>
-              <a:rPr lang="en-US" smtClean="0"/>
+              <a:rPr lang="en-US"/>
               <a:t>Third level</a:t>
             </a:r>
           </a:p>
           <a:p>
             <a:pPr lvl="3"/>
             <a:r>
-              <a:rPr lang="en-US" smtClean="0"/>
+              <a:rPr lang="en-US"/>
               <a:t>Fourth level</a:t>
             </a:r>
           </a:p>
           <a:p>
             <a:pPr lvl="4"/>
             <a:r>
-              <a:rPr lang="en-US" smtClean="0"/>
+              <a:rPr lang="en-US"/>
               <a:t>Fifth level</a:t>
             </a:r>
             <a:endParaRPr lang="en-US" dirty="0"/>
@@ -10869,7 +14877,7 @@
           </a:lstStyle>
           <a:p>
             <a:r>
-              <a:rPr lang="en-US" smtClean="0"/>
+              <a:rPr lang="en-US"/>
               <a:t>Click to edit Master title style</a:t>
             </a:r>
             <a:endParaRPr lang="en-US" dirty="0"/>
@@ -10958,7 +14966,7 @@
           <a:p>
             <a:pPr lvl="0"/>
             <a:r>
-              <a:rPr lang="en-US" smtClean="0"/>
+              <a:rPr lang="en-US"/>
               <a:t>Click to edit Master text styles</a:t>
             </a:r>
           </a:p>
@@ -11014,35 +15022,35 @@
           <a:p>
             <a:pPr lvl="0"/>
             <a:r>
-              <a:rPr lang="en-US" smtClean="0"/>
+              <a:rPr lang="en-US"/>
               <a:t>Click to edit Master text styles</a:t>
             </a:r>
           </a:p>
           <a:p>
             <a:pPr lvl="1"/>
             <a:r>
-              <a:rPr lang="en-US" smtClean="0"/>
+              <a:rPr lang="en-US"/>
               <a:t>Second level</a:t>
             </a:r>
           </a:p>
           <a:p>
             <a:pPr lvl="2"/>
             <a:r>
-              <a:rPr lang="en-US" smtClean="0"/>
+              <a:rPr lang="en-US"/>
               <a:t>Third level</a:t>
             </a:r>
           </a:p>
           <a:p>
             <a:pPr lvl="3"/>
             <a:r>
-              <a:rPr lang="en-US" smtClean="0"/>
+              <a:rPr lang="en-US"/>
               <a:t>Fourth level</a:t>
             </a:r>
           </a:p>
           <a:p>
             <a:pPr lvl="4"/>
             <a:r>
-              <a:rPr lang="en-US" smtClean="0"/>
+              <a:rPr lang="en-US"/>
               <a:t>Fifth level</a:t>
             </a:r>
             <a:endParaRPr lang="en-US" dirty="0"/>
@@ -11134,7 +15142,7 @@
           <a:p>
             <a:pPr lvl="0"/>
             <a:r>
-              <a:rPr lang="en-US" smtClean="0"/>
+              <a:rPr lang="en-US"/>
               <a:t>Click to edit Master text styles</a:t>
             </a:r>
           </a:p>
@@ -11190,35 +15198,35 @@
           <a:p>
             <a:pPr lvl="0"/>
             <a:r>
-              <a:rPr lang="en-US" smtClean="0"/>
+              <a:rPr lang="en-US"/>
               <a:t>Click to edit Master text styles</a:t>
             </a:r>
           </a:p>
           <a:p>
             <a:pPr lvl="1"/>
             <a:r>
-              <a:rPr lang="en-US" smtClean="0"/>
+              <a:rPr lang="en-US"/>
               <a:t>Second level</a:t>
             </a:r>
           </a:p>
           <a:p>
             <a:pPr lvl="2"/>
             <a:r>
-              <a:rPr lang="en-US" smtClean="0"/>
+              <a:rPr lang="en-US"/>
               <a:t>Third level</a:t>
             </a:r>
           </a:p>
           <a:p>
             <a:pPr lvl="3"/>
             <a:r>
-              <a:rPr lang="en-US" smtClean="0"/>
+              <a:rPr lang="en-US"/>
               <a:t>Fourth level</a:t>
             </a:r>
           </a:p>
           <a:p>
             <a:pPr lvl="4"/>
             <a:r>
-              <a:rPr lang="en-US" smtClean="0"/>
+              <a:rPr lang="en-US"/>
               <a:t>Fifth level</a:t>
             </a:r>
             <a:endParaRPr lang="en-US" dirty="0"/>
@@ -11366,10 +15374,9 @@
           <a:lstStyle/>
           <a:p>
             <a:r>
-              <a:rPr lang="en-US" smtClean="0"/>
+              <a:rPr lang="en-US"/>
               <a:t>Click to edit Master title style</a:t>
             </a:r>
-            <a:endParaRPr lang="en-US"/>
           </a:p>
         </p:txBody>
       </p:sp>
@@ -11580,7 +15587,7 @@
           </a:lstStyle>
           <a:p>
             <a:r>
-              <a:rPr lang="en-US" smtClean="0"/>
+              <a:rPr lang="en-US"/>
               <a:t>Click to edit Master title style</a:t>
             </a:r>
             <a:endParaRPr lang="en-US" dirty="0"/>
@@ -11637,35 +15644,35 @@
           <a:p>
             <a:pPr lvl="0"/>
             <a:r>
-              <a:rPr lang="en-US" smtClean="0"/>
+              <a:rPr lang="en-US"/>
               <a:t>Click to edit Master text styles</a:t>
             </a:r>
           </a:p>
           <a:p>
             <a:pPr lvl="1"/>
             <a:r>
-              <a:rPr lang="en-US" smtClean="0"/>
+              <a:rPr lang="en-US"/>
               <a:t>Second level</a:t>
             </a:r>
           </a:p>
           <a:p>
             <a:pPr lvl="2"/>
             <a:r>
-              <a:rPr lang="en-US" smtClean="0"/>
+              <a:rPr lang="en-US"/>
               <a:t>Third level</a:t>
             </a:r>
           </a:p>
           <a:p>
             <a:pPr lvl="3"/>
             <a:r>
-              <a:rPr lang="en-US" smtClean="0"/>
+              <a:rPr lang="en-US"/>
               <a:t>Fourth level</a:t>
             </a:r>
           </a:p>
           <a:p>
             <a:pPr lvl="4"/>
             <a:r>
-              <a:rPr lang="en-US" smtClean="0"/>
+              <a:rPr lang="en-US"/>
               <a:t>Fifth level</a:t>
             </a:r>
             <a:endParaRPr lang="en-US" dirty="0"/>
@@ -11731,7 +15738,7 @@
           <a:p>
             <a:pPr lvl="0"/>
             <a:r>
-              <a:rPr lang="en-US" smtClean="0"/>
+              <a:rPr lang="en-US"/>
               <a:t>Click to edit Master text styles</a:t>
             </a:r>
           </a:p>
@@ -11889,7 +15896,7 @@
           </a:lstStyle>
           <a:p>
             <a:r>
-              <a:rPr lang="en-US" smtClean="0"/>
+              <a:rPr lang="en-US"/>
               <a:t>Click to edit Master title style</a:t>
             </a:r>
             <a:endParaRPr lang="en-US" dirty="0"/>
@@ -11970,7 +15977,7 @@
           </a:lstStyle>
           <a:p>
             <a:r>
-              <a:rPr lang="en-US" smtClean="0"/>
+              <a:rPr lang="en-US"/>
               <a:t>Click icon to add picture</a:t>
             </a:r>
             <a:endParaRPr lang="en-US" dirty="0"/>
@@ -12036,7 +16043,7 @@
           <a:p>
             <a:pPr lvl="0"/>
             <a:r>
-              <a:rPr lang="en-US" smtClean="0"/>
+              <a:rPr lang="en-US"/>
               <a:t>Click to edit Master text styles</a:t>
             </a:r>
           </a:p>
@@ -12209,7 +16216,7 @@
           <a:lstStyle/>
           <a:p>
             <a:r>
-              <a:rPr lang="en-US" smtClean="0"/>
+              <a:rPr lang="en-US"/>
               <a:t>Click to edit Master title style</a:t>
             </a:r>
             <a:endParaRPr lang="en-US" dirty="0"/>
@@ -12243,35 +16250,35 @@
           <a:p>
             <a:pPr lvl="0"/>
             <a:r>
-              <a:rPr lang="en-US" smtClean="0"/>
+              <a:rPr lang="en-US"/>
               <a:t>Click to edit Master text styles</a:t>
             </a:r>
           </a:p>
           <a:p>
             <a:pPr lvl="1"/>
             <a:r>
-              <a:rPr lang="en-US" smtClean="0"/>
+              <a:rPr lang="en-US"/>
               <a:t>Second level</a:t>
             </a:r>
           </a:p>
           <a:p>
             <a:pPr lvl="2"/>
             <a:r>
-              <a:rPr lang="en-US" smtClean="0"/>
+              <a:rPr lang="en-US"/>
               <a:t>Third level</a:t>
             </a:r>
           </a:p>
           <a:p>
             <a:pPr lvl="3"/>
             <a:r>
-              <a:rPr lang="en-US" smtClean="0"/>
+              <a:rPr lang="en-US"/>
               <a:t>Fourth level</a:t>
             </a:r>
           </a:p>
           <a:p>
             <a:pPr lvl="4"/>
             <a:r>
-              <a:rPr lang="en-US" smtClean="0"/>
+              <a:rPr lang="en-US"/>
               <a:t>Fifth level</a:t>
             </a:r>
             <a:endParaRPr lang="en-US" dirty="0"/>
@@ -12778,7 +16785,7 @@
           <a:p>
             <a:pPr algn="ctr"/>
             <a:r>
-              <a:rPr lang="en-US" sz="3200" b="1" u="sng" dirty="0" smtClean="0">
+              <a:rPr lang="en-US" sz="3200" b="1" u="sng" dirty="0">
                 <a:solidFill>
                   <a:schemeClr val="tx1"/>
                 </a:solidFill>
@@ -12786,14 +16793,14 @@
               <a:t>Team </a:t>
             </a:r>
             <a:r>
-              <a:rPr lang="en-US" sz="3200" b="1" u="sng" dirty="0" err="1" smtClean="0">
+              <a:rPr lang="en-US" sz="3200" b="1" u="sng" dirty="0" err="1">
                 <a:solidFill>
                   <a:schemeClr val="tx1"/>
                 </a:solidFill>
               </a:rPr>
               <a:t>Valerin</a:t>
             </a:r>
-            <a:endParaRPr lang="en-US" sz="3200" b="1" u="sng" dirty="0" smtClean="0">
+            <a:endParaRPr lang="en-US" sz="3200" b="1" u="sng" dirty="0">
               <a:solidFill>
                 <a:schemeClr val="tx1"/>
               </a:solidFill>
@@ -12801,7 +16808,7 @@
           </a:p>
           <a:p>
             <a:pPr algn="ctr"/>
-            <a:endParaRPr lang="en-US" sz="1050" b="1" u="sng" dirty="0" smtClean="0">
+            <a:endParaRPr lang="en-US" sz="1050" b="1" u="sng" dirty="0">
               <a:solidFill>
                 <a:schemeClr val="tx1"/>
               </a:solidFill>
@@ -12810,7 +16817,7 @@
           <a:p>
             <a:pPr algn="ctr"/>
             <a:r>
-              <a:rPr lang="en-US" sz="2800" b="1" u="sng" dirty="0" smtClean="0">
+              <a:rPr lang="en-US" sz="2800" b="1" u="sng" dirty="0">
                 <a:solidFill>
                   <a:schemeClr val="tx1"/>
                 </a:solidFill>
@@ -12818,20 +16825,12 @@
               <a:t>Val</a:t>
             </a:r>
             <a:r>
-              <a:rPr lang="en-US" sz="2800" dirty="0" smtClean="0">
-                <a:solidFill>
-                  <a:schemeClr val="tx1"/>
-                </a:solidFill>
-              </a:rPr>
-              <a:t>eria</a:t>
-            </a:r>
-            <a:r>
               <a:rPr lang="en-US" sz="2800" dirty="0">
                 <a:solidFill>
                   <a:schemeClr val="tx1"/>
                 </a:solidFill>
               </a:rPr>
-              <a:t>, Kat</a:t>
+              <a:t>eria, Kat</a:t>
             </a:r>
             <a:r>
               <a:rPr lang="en-US" sz="2800" b="1" u="sng" dirty="0">
@@ -12847,18 +16846,10 @@
                   <a:schemeClr val="tx1"/>
                 </a:solidFill>
               </a:rPr>
-              <a:t>ina, and </a:t>
-            </a:r>
-            <a:r>
-              <a:rPr lang="en-US" sz="2800" dirty="0" smtClean="0">
-                <a:solidFill>
-                  <a:schemeClr val="tx1"/>
-                </a:solidFill>
-              </a:rPr>
-              <a:t>Dev</a:t>
-            </a:r>
-            <a:r>
-              <a:rPr lang="en-US" sz="2800" b="1" u="sng" dirty="0" smtClean="0">
+              <a:t>ina, and Dev</a:t>
+            </a:r>
+            <a:r>
+              <a:rPr lang="en-US" sz="2800" b="1" u="sng" dirty="0">
                 <a:solidFill>
                   <a:schemeClr val="tx1"/>
                 </a:solidFill>
@@ -12882,32 +16873,19 @@
                   <a:schemeClr val="tx1"/>
                 </a:solidFill>
               </a:rPr>
-              <a:t>BCB 546X Group </a:t>
-            </a:r>
-            <a:r>
-              <a:rPr lang="en-US" dirty="0" smtClean="0">
-                <a:solidFill>
-                  <a:schemeClr val="tx1"/>
-                </a:solidFill>
-              </a:rPr>
-              <a:t>Project</a:t>
+              <a:t>BCB 546X Group Project</a:t>
             </a:r>
           </a:p>
           <a:p>
             <a:pPr algn="ctr"/>
             <a:r>
-              <a:rPr lang="en-US" dirty="0" smtClean="0">
+              <a:rPr lang="en-US" dirty="0">
                 <a:solidFill>
                   <a:schemeClr val="tx1"/>
                 </a:solidFill>
               </a:rPr>
               <a:t>April 27, 2017</a:t>
             </a:r>
-            <a:endParaRPr lang="en-US" dirty="0">
-              <a:solidFill>
-                <a:schemeClr val="tx1"/>
-              </a:solidFill>
-            </a:endParaRPr>
           </a:p>
         </p:txBody>
       </p:sp>
@@ -13093,48 +17071,8 @@
           <a:lstStyle/>
           <a:p>
             <a:r>
-              <a:rPr lang="es-ES" dirty="0" smtClean="0"/>
-              <a:t>Calculating</a:t>
-            </a:r>
-            <a:r>
-              <a:rPr lang="es-ES" dirty="0" smtClean="0"/>
-              <a:t> </a:t>
-            </a:r>
-            <a:r>
-              <a:rPr lang="es-ES" dirty="0" smtClean="0"/>
-              <a:t>transcript</a:t>
-            </a:r>
-            <a:r>
-              <a:rPr lang="es-ES" dirty="0" smtClean="0"/>
-              <a:t> </a:t>
-            </a:r>
-            <a:r>
-              <a:rPr lang="es-ES" dirty="0" smtClean="0"/>
-              <a:t>abundance</a:t>
-            </a:r>
-            <a:r>
-              <a:rPr lang="es-ES" dirty="0" smtClean="0"/>
-              <a:t> </a:t>
-            </a:r>
-            <a:r>
-              <a:rPr lang="es-ES" dirty="0" smtClean="0"/>
-              <a:t>for</a:t>
-            </a:r>
-            <a:r>
-              <a:rPr lang="es-ES" dirty="0" smtClean="0"/>
-              <a:t> </a:t>
-            </a:r>
-            <a:r>
-              <a:rPr lang="es-ES" dirty="0" smtClean="0"/>
-              <a:t>differential</a:t>
-            </a:r>
-            <a:r>
-              <a:rPr lang="es-ES" dirty="0" smtClean="0"/>
-              <a:t> </a:t>
-            </a:r>
-            <a:r>
-              <a:rPr lang="es-ES" dirty="0" smtClean="0"/>
-              <a:t>expression</a:t>
+              <a:rPr lang="es-ES" dirty="0"/>
+              <a:t>Calculating transcript abundance for differential expression</a:t>
             </a:r>
             <a:endParaRPr lang="en-US" dirty="0"/>
           </a:p>
@@ -13370,14 +17308,10 @@
             <a:pPr algn="ctr"/>
             <a:r>
               <a:rPr lang="es-ES" sz="1400" dirty="0" err="1"/>
-              <a:t>R</a:t>
-            </a:r>
-            <a:r>
-              <a:rPr lang="es-ES" sz="1400" dirty="0" err="1" smtClean="0"/>
-              <a:t>aw</a:t>
-            </a:r>
-            <a:r>
-              <a:rPr lang="es-ES" sz="1400" dirty="0" smtClean="0"/>
+              <a:t>Raw</a:t>
+            </a:r>
+            <a:r>
+              <a:rPr lang="es-ES" sz="1400" dirty="0"/>
               <a:t> </a:t>
             </a:r>
             <a:r>
@@ -13444,22 +17378,22 @@
           <a:p>
             <a:pPr algn="ctr"/>
             <a:r>
-              <a:rPr lang="es-ES" sz="1400" dirty="0" err="1" smtClean="0"/>
+              <a:rPr lang="es-ES" sz="1400" dirty="0" err="1"/>
               <a:t>Sratoolkit</a:t>
             </a:r>
-            <a:endParaRPr lang="es-ES" sz="1400" dirty="0" smtClean="0"/>
+            <a:endParaRPr lang="es-ES" sz="1400" dirty="0"/>
           </a:p>
           <a:p>
             <a:pPr algn="ctr"/>
             <a:r>
-              <a:rPr lang="es-ES" sz="1400" dirty="0" smtClean="0"/>
+              <a:rPr lang="es-ES" sz="1400" dirty="0"/>
               <a:t>FASTQC</a:t>
             </a:r>
           </a:p>
           <a:p>
             <a:pPr algn="ctr"/>
             <a:r>
-              <a:rPr lang="es-ES" sz="1400" dirty="0" smtClean="0"/>
+              <a:rPr lang="es-ES" sz="1400" dirty="0"/>
               <a:t>MULTIQC</a:t>
             </a:r>
             <a:endParaRPr lang="en-US" sz="1400" dirty="0"/>
@@ -13577,14 +17511,10 @@
             <a:pPr algn="ctr"/>
             <a:r>
               <a:rPr lang="es-ES" sz="1400" dirty="0" err="1"/>
-              <a:t>R</a:t>
-            </a:r>
-            <a:r>
-              <a:rPr lang="es-ES" sz="1400" dirty="0" err="1" smtClean="0"/>
-              <a:t>aw</a:t>
-            </a:r>
-            <a:r>
-              <a:rPr lang="es-ES" sz="1400" dirty="0" smtClean="0"/>
+              <a:t>Raw</a:t>
+            </a:r>
+            <a:r>
+              <a:rPr lang="es-ES" sz="1400" dirty="0"/>
               <a:t> </a:t>
             </a:r>
             <a:r>
@@ -13597,17 +17527,12 @@
             </a:r>
             <a:r>
               <a:rPr lang="es-ES" sz="1400" dirty="0" err="1"/>
-              <a:t>b</a:t>
-            </a:r>
-            <a:r>
-              <a:rPr lang="es-ES" sz="1400" dirty="0" err="1" smtClean="0"/>
-              <a:t>ased</a:t>
-            </a:r>
-            <a:r>
-              <a:rPr lang="es-ES" sz="1400" dirty="0" smtClean="0"/>
+              <a:t>based</a:t>
+            </a:r>
+            <a:r>
+              <a:rPr lang="es-ES" sz="1400" dirty="0"/>
               <a:t> </a:t>
             </a:r>
-            <a:endParaRPr lang="es-ES" sz="1400" dirty="0"/>
           </a:p>
           <a:p>
             <a:pPr algn="ctr"/>
@@ -13668,11 +17593,7 @@
             <a:pPr algn="ctr"/>
             <a:r>
               <a:rPr lang="es-ES" sz="1400" dirty="0" err="1"/>
-              <a:t>C</a:t>
-            </a:r>
-            <a:r>
-              <a:rPr lang="es-ES" sz="1400" dirty="0" err="1" smtClean="0"/>
-              <a:t>utadapt</a:t>
+              <a:t>Cutadapt</a:t>
             </a:r>
             <a:endParaRPr lang="en-US" sz="1400" dirty="0"/>
           </a:p>
@@ -13921,14 +17842,10 @@
             <a:pPr algn="ctr"/>
             <a:r>
               <a:rPr lang="es-ES" sz="1400" dirty="0" err="1"/>
-              <a:t>t</a:t>
-            </a:r>
-            <a:r>
-              <a:rPr lang="es-ES" sz="1400" dirty="0" err="1" smtClean="0"/>
-              <a:t>ranscriptome</a:t>
-            </a:r>
-            <a:r>
-              <a:rPr lang="es-ES" sz="1400" dirty="0" smtClean="0"/>
+              <a:t>transcriptome</a:t>
+            </a:r>
+            <a:r>
+              <a:rPr lang="es-ES" sz="1400" dirty="0"/>
               <a:t> file </a:t>
             </a:r>
             <a:endParaRPr lang="en-US" sz="1400" dirty="0"/>
@@ -13980,11 +17897,7 @@
             <a:pPr algn="ctr"/>
             <a:r>
               <a:rPr lang="es-ES" sz="1400" dirty="0"/>
-              <a:t>RSEM, </a:t>
-            </a:r>
-            <a:r>
-              <a:rPr lang="es-ES" sz="1400" dirty="0" smtClean="0"/>
-              <a:t>bowtie2</a:t>
+              <a:t>RSEM, bowtie2</a:t>
             </a:r>
             <a:endParaRPr lang="en-US" sz="1400" dirty="0"/>
           </a:p>
@@ -14201,14 +18114,10 @@
             <a:pPr algn="ctr"/>
             <a:r>
               <a:rPr lang="es-ES" sz="1400" dirty="0" err="1"/>
-              <a:t>t</a:t>
-            </a:r>
-            <a:r>
-              <a:rPr lang="es-ES" sz="1400" dirty="0" err="1" smtClean="0"/>
-              <a:t>ranscriptome</a:t>
-            </a:r>
-            <a:r>
-              <a:rPr lang="es-ES" sz="1400" dirty="0" smtClean="0"/>
+              <a:t>transcriptome</a:t>
+            </a:r>
+            <a:r>
+              <a:rPr lang="es-ES" sz="1400" dirty="0"/>
               <a:t> </a:t>
             </a:r>
             <a:r>
@@ -14301,14 +18210,14 @@
               <a:t>profiling</a:t>
             </a:r>
             <a:r>
-              <a:rPr lang="es-ES" dirty="0" smtClean="0"/>
+              <a:rPr lang="es-ES" dirty="0"/>
               <a:t>:  </a:t>
             </a:r>
             <a:r>
-              <a:rPr lang="es-ES" dirty="0" err="1" smtClean="0"/>
+              <a:rPr lang="es-ES" dirty="0" err="1"/>
               <a:t>trimming</a:t>
             </a:r>
-            <a:endParaRPr lang="es-ES" dirty="0" smtClean="0"/>
+            <a:endParaRPr lang="es-ES" dirty="0"/>
           </a:p>
           <a:p>
             <a:pPr lvl="1"/>
@@ -14500,19 +18409,11 @@
             </a:r>
             <a:r>
               <a:rPr lang="es-ES" dirty="0"/>
-              <a:t>: </a:t>
-            </a:r>
-            <a:r>
-              <a:rPr lang="es-ES" dirty="0"/>
-              <a:t> </a:t>
-            </a:r>
-            <a:r>
-              <a:rPr lang="es-ES" dirty="0" err="1" smtClean="0"/>
-              <a:t>t</a:t>
-            </a:r>
-            <a:r>
-              <a:rPr lang="es-ES" dirty="0" err="1" smtClean="0"/>
-              <a:t>rimming</a:t>
+              <a:t>:  </a:t>
+            </a:r>
+            <a:r>
+              <a:rPr lang="es-ES" dirty="0" err="1"/>
+              <a:t>trimming</a:t>
             </a:r>
             <a:endParaRPr lang="en-US" dirty="0"/>
           </a:p>
@@ -14862,7 +18763,7 @@
           <a:lstStyle/>
           <a:p>
             <a:r>
-              <a:rPr lang="es-ES" dirty="0" err="1" smtClean="0"/>
+              <a:rPr lang="es-ES" dirty="0" err="1"/>
               <a:t>Results</a:t>
             </a:r>
             <a:endParaRPr lang="en-US" dirty="0"/>
@@ -14911,11 +18812,7 @@
             </a:r>
             <a:r>
               <a:rPr lang="es-ES" dirty="0"/>
-              <a:t> </a:t>
-            </a:r>
-            <a:r>
-              <a:rPr lang="es-ES" dirty="0" smtClean="0"/>
-              <a:t>data</a:t>
+              <a:t> data</a:t>
             </a:r>
           </a:p>
           <a:p>
@@ -15005,66 +18902,34 @@
           <a:lstStyle/>
           <a:p>
             <a:r>
-              <a:rPr lang="en-US" smtClean="0"/>
+              <a:rPr lang="en-US" dirty="0"/>
               <a:t>Differential Expression Analysis</a:t>
             </a:r>
-            <a:endParaRPr lang="en-US" dirty="0"/>
           </a:p>
         </p:txBody>
       </p:sp>
-      <p:pic>
-        <p:nvPicPr>
-          <p:cNvPr id="6" name="Content Placeholder 5"/>
-          <p:cNvPicPr>
-            <a:picLocks noGrp="1" noChangeAspect="1"/>
-          </p:cNvPicPr>
+      <p:graphicFrame>
+        <p:nvGraphicFramePr>
+          <p:cNvPr id="3" name="Diagram 2"/>
+          <p:cNvGraphicFramePr/>
           <p:nvPr>
-            <p:ph idx="1"/>
+            <p:extLst>
+              <p:ext uri="{D42A27DB-BD31-4B8C-83A1-F6EECF244321}">
+                <p14:modId xmlns:p14="http://schemas.microsoft.com/office/powerpoint/2010/main" val="3275152963"/>
+              </p:ext>
+            </p:extLst>
           </p:nvPr>
-        </p:nvPicPr>
-        <p:blipFill>
-          <a:blip r:embed="rId2"/>
-          <a:stretch>
-            <a:fillRect/>
-          </a:stretch>
-        </p:blipFill>
-        <p:spPr>
-          <a:xfrm>
-            <a:off x="953710" y="2249269"/>
-            <a:ext cx="7236579" cy="3578662"/>
-          </a:xfrm>
-        </p:spPr>
-      </p:pic>
-      <p:sp>
-        <p:nvSpPr>
-          <p:cNvPr id="5" name="TextBox 4"/>
-          <p:cNvSpPr txBox="1"/>
-          <p:nvPr/>
-        </p:nvSpPr>
-        <p:spPr>
-          <a:xfrm>
-            <a:off x="1143000" y="1981200"/>
-            <a:ext cx="2362200" cy="646331"/>
-          </a:xfrm>
-          <a:prstGeom prst="rect">
-            <a:avLst/>
-          </a:prstGeom>
-          <a:noFill/>
-        </p:spPr>
-        <p:txBody>
-          <a:bodyPr wrap="square" rtlCol="0">
-            <a:spAutoFit/>
-          </a:bodyPr>
-          <a:lstStyle/>
-          <a:p>
-            <a:r>
-              <a:rPr lang="en-US" dirty="0" smtClean="0"/>
-              <a:t>Add in methods like on slide 11</a:t>
-            </a:r>
-            <a:endParaRPr lang="en-US" dirty="0"/>
-          </a:p>
-        </p:txBody>
-      </p:sp>
+        </p:nvGraphicFramePr>
+        <p:xfrm>
+          <a:off x="457200" y="1524000"/>
+          <a:ext cx="8229600" cy="4953000"/>
+        </p:xfrm>
+        <a:graphic>
+          <a:graphicData uri="http://schemas.openxmlformats.org/drawingml/2006/diagram">
+            <dgm:relIds xmlns:dgm="http://schemas.openxmlformats.org/drawingml/2006/diagram" xmlns:r="http://schemas.openxmlformats.org/officeDocument/2006/relationships" r:dm="rId3" r:lo="rId4" r:qs="rId5" r:cs="rId6"/>
+          </a:graphicData>
+        </a:graphic>
+      </p:graphicFrame>
     </p:spTree>
     <p:extLst>
       <p:ext uri="{BB962C8B-B14F-4D97-AF65-F5344CB8AC3E}">
@@ -15075,13 +18940,6 @@
   <p:clrMapOvr>
     <a:masterClrMapping/>
   </p:clrMapOvr>
-  <p:timing>
-    <p:tnLst>
-      <p:par>
-        <p:cTn id="1" dur="indefinite" restart="never" nodeType="tmRoot"/>
-      </p:par>
-    </p:tnLst>
-  </p:timing>
 </p:sld>
 </file>
 
@@ -15120,7 +18978,7 @@
           <a:lstStyle/>
           <a:p>
             <a:r>
-              <a:rPr lang="en-US" sz="3600" dirty="0" smtClean="0"/>
+              <a:rPr lang="en-US" sz="3600" dirty="0"/>
               <a:t>Figure 1</a:t>
             </a:r>
             <a:endParaRPr lang="en-US" sz="3600" dirty="0">
@@ -15155,10 +19013,9 @@
           <a:lstStyle/>
           <a:p>
             <a:r>
-              <a:rPr lang="en-US" sz="2400" dirty="0" smtClean="0"/>
+              <a:rPr lang="en-US" sz="2400" dirty="0"/>
               <a:t>Paper</a:t>
             </a:r>
-            <a:endParaRPr lang="en-US" sz="2400" dirty="0"/>
           </a:p>
         </p:txBody>
       </p:sp>
@@ -15186,13 +19043,8 @@
           <a:p>
             <a:r>
               <a:rPr lang="en-US" sz="2400" dirty="0"/>
-              <a:t>Our </a:t>
-            </a:r>
-            <a:r>
-              <a:rPr lang="en-US" sz="2400" dirty="0" smtClean="0"/>
-              <a:t>Analysis</a:t>
-            </a:r>
-            <a:endParaRPr lang="en-US" sz="2400" dirty="0"/>
+              <a:t>Our Analysis</a:t>
+            </a:r>
           </a:p>
         </p:txBody>
       </p:sp>
@@ -15474,13 +19326,6 @@
   <p:clrMapOvr>
     <a:masterClrMapping/>
   </p:clrMapOvr>
-  <p:timing>
-    <p:tnLst>
-      <p:par>
-        <p:cTn id="1" dur="indefinite" restart="never" nodeType="tmRoot"/>
-      </p:par>
-    </p:tnLst>
-  </p:timing>
 </p:sld>
 </file>
 
@@ -15519,7 +19364,7 @@
           <a:lstStyle/>
           <a:p>
             <a:r>
-              <a:rPr lang="en-US" sz="3600" dirty="0" smtClean="0"/>
+              <a:rPr lang="en-US" sz="3600" dirty="0"/>
               <a:t>Figure 2</a:t>
             </a:r>
             <a:endParaRPr lang="en-US" sz="3600" dirty="0">
@@ -15729,20 +19574,12 @@
           <a:p>
             <a:pPr algn="l"/>
             <a:r>
-              <a:rPr lang="en-US" sz="2400" dirty="0" smtClean="0">
-                <a:solidFill>
-                  <a:schemeClr val="tx1"/>
-                </a:solidFill>
-              </a:rPr>
-              <a:t>Pairwise </a:t>
-            </a:r>
-            <a:r>
               <a:rPr lang="en-US" sz="2400" dirty="0">
                 <a:solidFill>
                   <a:schemeClr val="tx1"/>
                 </a:solidFill>
               </a:rPr>
-              <a:t>comparisons of gene expression among female, male and supermale garden asparagus (Asparagus officinalis) genes across line replicates</a:t>
+              <a:t>Pairwise comparisons of gene expression among female, male and supermale garden asparagus (Asparagus officinalis) genes across line replicates</a:t>
             </a:r>
           </a:p>
         </p:txBody>
@@ -15809,13 +19646,6 @@
   <p:clrMapOvr>
     <a:masterClrMapping/>
   </p:clrMapOvr>
-  <p:timing>
-    <p:tnLst>
-      <p:par>
-        <p:cTn id="1" dur="indefinite" restart="never" nodeType="tmRoot"/>
-      </p:par>
-    </p:tnLst>
-  </p:timing>
 </p:sld>
 </file>
 
@@ -15854,7 +19684,7 @@
           <a:lstStyle/>
           <a:p>
             <a:r>
-              <a:rPr lang="en-US" sz="3600" dirty="0" smtClean="0"/>
+              <a:rPr lang="en-US" sz="3600" dirty="0"/>
               <a:t>Figure 2, Male vs Female</a:t>
             </a:r>
             <a:endParaRPr lang="en-US" sz="3600" dirty="0">
@@ -16025,13 +19855,6 @@
   <p:clrMapOvr>
     <a:masterClrMapping/>
   </p:clrMapOvr>
-  <p:timing>
-    <p:tnLst>
-      <p:par>
-        <p:cTn id="1" dur="indefinite" restart="never" nodeType="tmRoot"/>
-      </p:par>
-    </p:tnLst>
-  </p:timing>
 </p:sld>
 </file>
 
@@ -16294,56 +20117,56 @@
           </a:lstStyle>
           <a:p>
             <a:r>
-              <a:rPr lang="en-US" dirty="0" smtClean="0"/>
+              <a:rPr lang="en-US" dirty="0"/>
               <a:t>Although most plants have hermaphroditic flowers, some have developed other means of mating, including:</a:t>
             </a:r>
           </a:p>
           <a:p>
             <a:pPr lvl="1"/>
             <a:r>
-              <a:rPr lang="en-US" dirty="0" err="1" smtClean="0"/>
+              <a:rPr lang="en-US" dirty="0" err="1"/>
               <a:t>Dichogamy</a:t>
             </a:r>
-            <a:endParaRPr lang="en-US" dirty="0" smtClean="0"/>
+            <a:endParaRPr lang="en-US" dirty="0"/>
           </a:p>
           <a:p>
             <a:pPr lvl="1"/>
             <a:r>
-              <a:rPr lang="en-US" dirty="0" err="1" smtClean="0"/>
+              <a:rPr lang="en-US" dirty="0" err="1"/>
               <a:t>Monoecy</a:t>
             </a:r>
-            <a:endParaRPr lang="en-US" dirty="0" smtClean="0"/>
+            <a:endParaRPr lang="en-US" dirty="0"/>
           </a:p>
           <a:p>
             <a:pPr lvl="1"/>
             <a:r>
-              <a:rPr lang="en-US" dirty="0" smtClean="0"/>
+              <a:rPr lang="en-US" dirty="0"/>
               <a:t>Gynomonoecy</a:t>
             </a:r>
           </a:p>
           <a:p>
             <a:pPr lvl="1"/>
             <a:r>
-              <a:rPr lang="en-US" dirty="0" err="1" smtClean="0"/>
+              <a:rPr lang="en-US" dirty="0" err="1"/>
               <a:t>Andromonoecy</a:t>
             </a:r>
-            <a:endParaRPr lang="en-US" dirty="0" smtClean="0"/>
+            <a:endParaRPr lang="en-US" dirty="0"/>
           </a:p>
           <a:p>
             <a:pPr lvl="1"/>
             <a:r>
-              <a:rPr lang="en-US" dirty="0" err="1" smtClean="0"/>
+              <a:rPr lang="en-US" dirty="0" err="1"/>
               <a:t>Trinomoecy</a:t>
             </a:r>
-            <a:endParaRPr lang="en-US" dirty="0" smtClean="0"/>
+            <a:endParaRPr lang="en-US" dirty="0"/>
           </a:p>
           <a:p>
             <a:pPr lvl="1"/>
             <a:r>
-              <a:rPr lang="en-US" dirty="0" err="1" smtClean="0"/>
+              <a:rPr lang="en-US" dirty="0" err="1"/>
               <a:t>Dioecy</a:t>
             </a:r>
-            <a:endParaRPr lang="en-US" dirty="0" smtClean="0"/>
+            <a:endParaRPr lang="en-US" dirty="0"/>
           </a:p>
         </p:txBody>
       </p:sp>
@@ -16537,7 +20360,7 @@
             </a:lvl9pPr>
           </a:lstStyle>
           <a:p>
-            <a:endParaRPr lang="en-US" dirty="0" smtClean="0"/>
+            <a:endParaRPr lang="en-US" dirty="0"/>
           </a:p>
           <a:p>
             <a:pPr lvl="1"/>
@@ -16711,7 +20534,7 @@
           <a:lstStyle/>
           <a:p>
             <a:r>
-              <a:rPr lang="en-US" sz="3600" dirty="0" smtClean="0"/>
+              <a:rPr lang="en-US" sz="3600" dirty="0"/>
               <a:t>Figure 2, Supermale vs Female</a:t>
             </a:r>
             <a:endParaRPr lang="en-US" sz="3600" dirty="0">
@@ -16882,13 +20705,6 @@
   <p:clrMapOvr>
     <a:masterClrMapping/>
   </p:clrMapOvr>
-  <p:timing>
-    <p:tnLst>
-      <p:par>
-        <p:cTn id="1" dur="indefinite" restart="never" nodeType="tmRoot"/>
-      </p:par>
-    </p:tnLst>
-  </p:timing>
 </p:sld>
 </file>
 
@@ -16927,16 +20743,8 @@
           <a:lstStyle/>
           <a:p>
             <a:r>
-              <a:rPr lang="en-US" sz="3600" dirty="0" smtClean="0"/>
-              <a:t>Figure 2, Supermale vs </a:t>
-            </a:r>
-            <a:r>
               <a:rPr lang="en-US" sz="3600" dirty="0"/>
-              <a:t>M</a:t>
-            </a:r>
-            <a:r>
-              <a:rPr lang="en-US" sz="3600" dirty="0" smtClean="0"/>
-              <a:t>ale</a:t>
+              <a:t>Figure 2, Supermale vs Male</a:t>
             </a:r>
             <a:endParaRPr lang="en-US" sz="3600" dirty="0">
               <a:solidFill>
@@ -17158,13 +20966,6 @@
   <p:clrMapOvr>
     <a:masterClrMapping/>
   </p:clrMapOvr>
-  <p:timing>
-    <p:tnLst>
-      <p:par>
-        <p:cTn id="1" dur="indefinite" restart="never" nodeType="tmRoot"/>
-      </p:par>
-    </p:tnLst>
-  </p:timing>
 </p:sld>
 </file>
 
@@ -17203,7 +21004,7 @@
           <a:lstStyle/>
           <a:p>
             <a:r>
-              <a:rPr lang="en-US" sz="3600" dirty="0" smtClean="0"/>
+              <a:rPr lang="en-US" sz="3600" dirty="0"/>
               <a:t>Figure 3</a:t>
             </a:r>
             <a:endParaRPr lang="en-US" sz="3600" dirty="0">
@@ -17241,18 +21042,13 @@
               <a:buNone/>
             </a:pPr>
             <a:r>
-              <a:rPr lang="en-US" sz="2400" dirty="0" smtClean="0">
+              <a:rPr lang="en-US" sz="2400" dirty="0">
                 <a:solidFill>
                   <a:schemeClr val="tx2"/>
                 </a:solidFill>
               </a:rPr>
               <a:t>Paper</a:t>
             </a:r>
-            <a:endParaRPr lang="en-US" sz="2400" dirty="0">
-              <a:solidFill>
-                <a:schemeClr val="tx2"/>
-              </a:solidFill>
-            </a:endParaRPr>
           </a:p>
         </p:txBody>
       </p:sp>
@@ -17287,21 +21083,8 @@
                   <a:schemeClr val="tx2"/>
                 </a:solidFill>
               </a:rPr>
-              <a:t>Our </a:t>
-            </a:r>
-            <a:r>
-              <a:rPr lang="en-US" sz="2400" dirty="0" smtClean="0">
-                <a:solidFill>
-                  <a:schemeClr val="tx2"/>
-                </a:solidFill>
-              </a:rPr>
-              <a:t>Analysis</a:t>
-            </a:r>
-            <a:endParaRPr lang="en-US" sz="2400" dirty="0">
-              <a:solidFill>
-                <a:schemeClr val="tx2"/>
-              </a:solidFill>
-            </a:endParaRPr>
+              <a:t>Our Analysis</a:t>
+            </a:r>
           </a:p>
         </p:txBody>
       </p:sp>
@@ -17577,13 +21360,6 @@
   <p:clrMapOvr>
     <a:masterClrMapping/>
   </p:clrMapOvr>
-  <p:timing>
-    <p:tnLst>
-      <p:par>
-        <p:cTn id="1" dur="indefinite" restart="never" nodeType="tmRoot"/>
-      </p:par>
-    </p:tnLst>
-  </p:timing>
 </p:sld>
 </file>
 
@@ -17620,7 +21396,7 @@
           <a:lstStyle/>
           <a:p>
             <a:r>
-              <a:rPr lang="en-US" smtClean="0"/>
+              <a:rPr lang="en-US"/>
               <a:t>Comparison Table</a:t>
             </a:r>
             <a:endParaRPr lang="en-US" dirty="0"/>
@@ -17653,11 +21429,41 @@
                 <a:tableStyleId>{5C22544A-7EE6-4342-B048-85BDC9FD1C3A}</a:tableStyleId>
               </a:tblPr>
               <a:tblGrid>
-                <a:gridCol w="1645920"/>
-                <a:gridCol w="1645920"/>
-                <a:gridCol w="1645920"/>
-                <a:gridCol w="1645920"/>
-                <a:gridCol w="1645920"/>
+                <a:gridCol w="1645920">
+                  <a:extLst>
+                    <a:ext uri="{9D8B030D-6E8A-4147-A177-3AD203B41FA5}">
+                      <a16:colId xmlns:a16="http://schemas.microsoft.com/office/drawing/2014/main" val="20000"/>
+                    </a:ext>
+                  </a:extLst>
+                </a:gridCol>
+                <a:gridCol w="1645920">
+                  <a:extLst>
+                    <a:ext uri="{9D8B030D-6E8A-4147-A177-3AD203B41FA5}">
+                      <a16:colId xmlns:a16="http://schemas.microsoft.com/office/drawing/2014/main" val="20001"/>
+                    </a:ext>
+                  </a:extLst>
+                </a:gridCol>
+                <a:gridCol w="1645920">
+                  <a:extLst>
+                    <a:ext uri="{9D8B030D-6E8A-4147-A177-3AD203B41FA5}">
+                      <a16:colId xmlns:a16="http://schemas.microsoft.com/office/drawing/2014/main" val="20002"/>
+                    </a:ext>
+                  </a:extLst>
+                </a:gridCol>
+                <a:gridCol w="1645920">
+                  <a:extLst>
+                    <a:ext uri="{9D8B030D-6E8A-4147-A177-3AD203B41FA5}">
+                      <a16:colId xmlns:a16="http://schemas.microsoft.com/office/drawing/2014/main" val="20003"/>
+                    </a:ext>
+                  </a:extLst>
+                </a:gridCol>
+                <a:gridCol w="1645920">
+                  <a:extLst>
+                    <a:ext uri="{9D8B030D-6E8A-4147-A177-3AD203B41FA5}">
+                      <a16:colId xmlns:a16="http://schemas.microsoft.com/office/drawing/2014/main" val="20004"/>
+                    </a:ext>
+                  </a:extLst>
+                </a:gridCol>
               </a:tblGrid>
               <a:tr h="370840">
                 <a:tc>
@@ -17666,10 +21472,9 @@
                     <a:lstStyle/>
                     <a:p>
                       <a:r>
-                        <a:rPr lang="en-US" dirty="0" smtClean="0"/>
+                        <a:rPr lang="en-US" dirty="0"/>
                         <a:t>Comparison</a:t>
                       </a:r>
-                      <a:endParaRPr lang="en-US" dirty="0"/>
                     </a:p>
                   </a:txBody>
                   <a:tcPr/>
@@ -17680,10 +21485,9 @@
                     <a:lstStyle/>
                     <a:p>
                       <a:r>
-                        <a:rPr lang="en-US" dirty="0" smtClean="0"/>
+                        <a:rPr lang="en-US" dirty="0"/>
                         <a:t>FM</a:t>
                       </a:r>
-                      <a:endParaRPr lang="en-US" dirty="0"/>
                     </a:p>
                   </a:txBody>
                   <a:tcPr/>
@@ -17694,7 +21498,7 @@
                     <a:lstStyle/>
                     <a:p>
                       <a:r>
-                        <a:rPr lang="en-US" dirty="0" err="1" smtClean="0"/>
+                        <a:rPr lang="en-US" dirty="0" err="1"/>
                         <a:t>FsupM</a:t>
                       </a:r>
                       <a:endParaRPr lang="en-US" dirty="0"/>
@@ -17708,7 +21512,7 @@
                     <a:lstStyle/>
                     <a:p>
                       <a:r>
-                        <a:rPr lang="en-US" dirty="0" err="1" smtClean="0"/>
+                        <a:rPr lang="en-US" dirty="0" err="1"/>
                         <a:t>MsupM</a:t>
                       </a:r>
                       <a:endParaRPr lang="en-US" dirty="0"/>
@@ -17722,14 +21526,18 @@
                     <a:lstStyle/>
                     <a:p>
                       <a:r>
-                        <a:rPr lang="en-US" dirty="0" smtClean="0"/>
+                        <a:rPr lang="en-US" dirty="0"/>
                         <a:t>Total Unique</a:t>
                       </a:r>
-                      <a:endParaRPr lang="en-US" dirty="0"/>
                     </a:p>
                   </a:txBody>
                   <a:tcPr/>
                 </a:tc>
+                <a:extLst>
+                  <a:ext uri="{0D108BD9-81ED-4DB2-BD59-A6C34878D82A}">
+                    <a16:rowId xmlns:a16="http://schemas.microsoft.com/office/drawing/2014/main" val="10000"/>
+                  </a:ext>
+                </a:extLst>
               </a:tr>
               <a:tr h="370840">
                 <a:tc>
@@ -17738,10 +21546,9 @@
                     <a:lstStyle/>
                     <a:p>
                       <a:r>
-                        <a:rPr lang="en-US" dirty="0" smtClean="0"/>
+                        <a:rPr lang="en-US" dirty="0"/>
                         <a:t>Number of genes in the paper</a:t>
                       </a:r>
-                      <a:endParaRPr lang="en-US" dirty="0"/>
                     </a:p>
                   </a:txBody>
                   <a:tcPr/>
@@ -17752,10 +21559,9 @@
                     <a:lstStyle/>
                     <a:p>
                       <a:r>
-                        <a:rPr lang="en-US" dirty="0" smtClean="0"/>
+                        <a:rPr lang="en-US" dirty="0"/>
                         <a:t>271</a:t>
                       </a:r>
-                      <a:endParaRPr lang="en-US" dirty="0"/>
                     </a:p>
                   </a:txBody>
                   <a:tcPr/>
@@ -17766,10 +21572,9 @@
                     <a:lstStyle/>
                     <a:p>
                       <a:r>
-                        <a:rPr lang="en-US" dirty="0" smtClean="0"/>
+                        <a:rPr lang="en-US" dirty="0"/>
                         <a:t>483</a:t>
                       </a:r>
-                      <a:endParaRPr lang="en-US" dirty="0"/>
                     </a:p>
                   </a:txBody>
                   <a:tcPr/>
@@ -17780,10 +21585,9 @@
                     <a:lstStyle/>
                     <a:p>
                       <a:r>
-                        <a:rPr lang="en-US" dirty="0" smtClean="0"/>
+                        <a:rPr lang="en-US" dirty="0"/>
                         <a:t>35</a:t>
                       </a:r>
-                      <a:endParaRPr lang="en-US" dirty="0"/>
                     </a:p>
                   </a:txBody>
                   <a:tcPr/>
@@ -17794,14 +21598,18 @@
                     <a:lstStyle/>
                     <a:p>
                       <a:r>
-                        <a:rPr lang="en-US" dirty="0" smtClean="0"/>
+                        <a:rPr lang="en-US" dirty="0"/>
                         <a:t>570</a:t>
                       </a:r>
-                      <a:endParaRPr lang="en-US" dirty="0"/>
                     </a:p>
                   </a:txBody>
                   <a:tcPr/>
                 </a:tc>
+                <a:extLst>
+                  <a:ext uri="{0D108BD9-81ED-4DB2-BD59-A6C34878D82A}">
+                    <a16:rowId xmlns:a16="http://schemas.microsoft.com/office/drawing/2014/main" val="10001"/>
+                  </a:ext>
+                </a:extLst>
               </a:tr>
               <a:tr h="370840">
                 <a:tc>
@@ -17810,10 +21618,9 @@
                     <a:lstStyle/>
                     <a:p>
                       <a:r>
-                        <a:rPr lang="en-US" dirty="0" smtClean="0"/>
+                        <a:rPr lang="en-US" dirty="0"/>
                         <a:t>Number of genes in our analysis</a:t>
                       </a:r>
-                      <a:endParaRPr lang="en-US" dirty="0"/>
                     </a:p>
                   </a:txBody>
                   <a:tcPr/>
@@ -17824,10 +21631,9 @@
                     <a:lstStyle/>
                     <a:p>
                       <a:r>
-                        <a:rPr lang="en-US" dirty="0" smtClean="0"/>
+                        <a:rPr lang="en-US" dirty="0"/>
                         <a:t>221</a:t>
                       </a:r>
-                      <a:endParaRPr lang="en-US" dirty="0"/>
                     </a:p>
                   </a:txBody>
                   <a:tcPr/>
@@ -17838,10 +21644,9 @@
                     <a:lstStyle/>
                     <a:p>
                       <a:r>
-                        <a:rPr lang="en-US" dirty="0" smtClean="0"/>
+                        <a:rPr lang="en-US" dirty="0"/>
                         <a:t>406*</a:t>
                       </a:r>
-                      <a:endParaRPr lang="en-US" dirty="0"/>
                     </a:p>
                   </a:txBody>
                   <a:tcPr/>
@@ -17852,10 +21657,9 @@
                     <a:lstStyle/>
                     <a:p>
                       <a:r>
-                        <a:rPr lang="en-US" dirty="0" smtClean="0"/>
+                        <a:rPr lang="en-US" dirty="0"/>
                         <a:t>29*</a:t>
                       </a:r>
-                      <a:endParaRPr lang="en-US" dirty="0"/>
                     </a:p>
                   </a:txBody>
                   <a:tcPr/>
@@ -17866,14 +21670,18 @@
                     <a:lstStyle/>
                     <a:p>
                       <a:r>
-                        <a:rPr lang="en-US" dirty="0" smtClean="0"/>
+                        <a:rPr lang="en-US" dirty="0"/>
                         <a:t>480*</a:t>
                       </a:r>
-                      <a:endParaRPr lang="en-US" dirty="0"/>
                     </a:p>
                   </a:txBody>
                   <a:tcPr/>
                 </a:tc>
+                <a:extLst>
+                  <a:ext uri="{0D108BD9-81ED-4DB2-BD59-A6C34878D82A}">
+                    <a16:rowId xmlns:a16="http://schemas.microsoft.com/office/drawing/2014/main" val="10002"/>
+                  </a:ext>
+                </a:extLst>
               </a:tr>
               <a:tr h="370840">
                 <a:tc>
@@ -17882,10 +21690,9 @@
                     <a:lstStyle/>
                     <a:p>
                       <a:r>
-                        <a:rPr lang="en-US" dirty="0" smtClean="0"/>
+                        <a:rPr lang="en-US" dirty="0"/>
                         <a:t>Number Matching</a:t>
                       </a:r>
-                      <a:endParaRPr lang="en-US" dirty="0"/>
                     </a:p>
                   </a:txBody>
                   <a:tcPr/>
@@ -17896,10 +21703,9 @@
                     <a:lstStyle/>
                     <a:p>
                       <a:r>
-                        <a:rPr lang="en-US" dirty="0" smtClean="0"/>
+                        <a:rPr lang="en-US" dirty="0"/>
                         <a:t>220</a:t>
                       </a:r>
-                      <a:endParaRPr lang="en-US" dirty="0"/>
                     </a:p>
                   </a:txBody>
                   <a:tcPr/>
@@ -17910,10 +21716,9 @@
                     <a:lstStyle/>
                     <a:p>
                       <a:r>
-                        <a:rPr lang="en-US" dirty="0" smtClean="0"/>
+                        <a:rPr lang="en-US" dirty="0"/>
                         <a:t>402*</a:t>
                       </a:r>
-                      <a:endParaRPr lang="en-US" dirty="0"/>
                     </a:p>
                   </a:txBody>
                   <a:tcPr/>
@@ -17924,10 +21729,9 @@
                     <a:lstStyle/>
                     <a:p>
                       <a:r>
-                        <a:rPr lang="en-US" dirty="0" smtClean="0"/>
+                        <a:rPr lang="en-US" dirty="0"/>
                         <a:t>29*</a:t>
                       </a:r>
-                      <a:endParaRPr lang="en-US" dirty="0"/>
                     </a:p>
                   </a:txBody>
                   <a:tcPr/>
@@ -17938,14 +21742,18 @@
                     <a:lstStyle/>
                     <a:p>
                       <a:r>
-                        <a:rPr lang="en-US" dirty="0" smtClean="0"/>
+                        <a:rPr lang="en-US" dirty="0"/>
                         <a:t>475*</a:t>
                       </a:r>
-                      <a:endParaRPr lang="en-US" dirty="0"/>
                     </a:p>
                   </a:txBody>
                   <a:tcPr/>
                 </a:tc>
+                <a:extLst>
+                  <a:ext uri="{0D108BD9-81ED-4DB2-BD59-A6C34878D82A}">
+                    <a16:rowId xmlns:a16="http://schemas.microsoft.com/office/drawing/2014/main" val="10003"/>
+                  </a:ext>
+                </a:extLst>
               </a:tr>
             </a:tbl>
           </a:graphicData>
@@ -17974,10 +21782,9 @@
           <a:lstStyle/>
           <a:p>
             <a:r>
-              <a:rPr lang="en-US" sz="2000" dirty="0" smtClean="0"/>
+              <a:rPr lang="en-US" sz="2000" dirty="0"/>
               <a:t>* Repeating the same script on different machines resulted in slightly different numbers</a:t>
             </a:r>
-            <a:endParaRPr lang="en-US" sz="2000" dirty="0"/>
           </a:p>
         </p:txBody>
       </p:sp>
@@ -18027,10 +21834,9 @@
           <a:lstStyle/>
           <a:p>
             <a:r>
-              <a:rPr lang="en-US" dirty="0" smtClean="0"/>
+              <a:rPr lang="en-US" dirty="0"/>
               <a:t>Figure 4</a:t>
             </a:r>
-            <a:endParaRPr lang="en-US" dirty="0"/>
           </a:p>
         </p:txBody>
       </p:sp>
@@ -18060,16 +21866,12 @@
               <a:buNone/>
             </a:pPr>
             <a:r>
-              <a:rPr lang="en-US" dirty="0" err="1" smtClean="0"/>
+              <a:rPr lang="en-US" dirty="0" err="1"/>
               <a:t>Heatmap</a:t>
             </a:r>
             <a:r>
-              <a:rPr lang="en-US" dirty="0" smtClean="0"/>
-              <a:t> </a:t>
-            </a:r>
-            <a:r>
               <a:rPr lang="en-US" dirty="0"/>
-              <a:t>clustering of the 570 differentially expressed garden asparagus (</a:t>
+              <a:t> clustering of the 570 differentially expressed garden asparagus (</a:t>
             </a:r>
             <a:r>
               <a:rPr lang="en-US" i="1" dirty="0"/>
@@ -18077,11 +21879,7 @@
             </a:r>
             <a:r>
               <a:rPr lang="en-US" dirty="0"/>
-              <a:t>) genes in all spear tip </a:t>
-            </a:r>
-            <a:r>
-              <a:rPr lang="en-US" dirty="0" smtClean="0"/>
-              <a:t>tissues</a:t>
+              <a:t>) genes in all spear tip tissues</a:t>
             </a:r>
           </a:p>
           <a:p>
@@ -18095,7 +21893,7 @@
               <a:buNone/>
             </a:pPr>
             <a:r>
-              <a:rPr lang="en-US" dirty="0" smtClean="0"/>
+              <a:rPr lang="en-US" dirty="0"/>
               <a:t>Don’t mention what was used as the reference level</a:t>
             </a:r>
           </a:p>
@@ -18104,7 +21902,7 @@
               <a:buNone/>
             </a:pPr>
             <a:r>
-              <a:rPr lang="en-US" dirty="0" smtClean="0"/>
+              <a:rPr lang="en-US" dirty="0"/>
               <a:t>Used FPKM values, not TMM normalized counts</a:t>
             </a:r>
           </a:p>
@@ -18119,15 +21917,15 @@
               <a:buNone/>
             </a:pPr>
             <a:r>
-              <a:rPr lang="en-US" dirty="0" smtClean="0"/>
+              <a:rPr lang="en-US" dirty="0"/>
               <a:t>Can just talk about my </a:t>
             </a:r>
             <a:r>
-              <a:rPr lang="en-US" dirty="0" err="1" smtClean="0"/>
+              <a:rPr lang="en-US" dirty="0" err="1"/>
               <a:t>heatmap</a:t>
             </a:r>
             <a:r>
-              <a:rPr lang="en-US" dirty="0" smtClean="0"/>
+              <a:rPr lang="en-US" dirty="0"/>
               <a:t>, not necessarily make a comparison</a:t>
             </a:r>
           </a:p>
@@ -18142,23 +21940,23 @@
               <a:buNone/>
             </a:pPr>
             <a:r>
-              <a:rPr lang="en-US" dirty="0" smtClean="0"/>
+              <a:rPr lang="en-US" dirty="0"/>
               <a:t>Discrepancy between </a:t>
             </a:r>
             <a:r>
-              <a:rPr lang="en-US" dirty="0" err="1" smtClean="0"/>
+              <a:rPr lang="en-US" dirty="0" err="1"/>
               <a:t>heatmap</a:t>
             </a:r>
             <a:r>
-              <a:rPr lang="en-US" dirty="0" smtClean="0"/>
+              <a:rPr lang="en-US" dirty="0"/>
               <a:t> in paper and </a:t>
             </a:r>
             <a:r>
-              <a:rPr lang="en-US" dirty="0" err="1" smtClean="0"/>
+              <a:rPr lang="en-US" dirty="0" err="1"/>
               <a:t>heatmap</a:t>
             </a:r>
             <a:r>
-              <a:rPr lang="en-US" dirty="0" smtClean="0"/>
+              <a:rPr lang="en-US" dirty="0"/>
               <a:t> in tutorial that used the same data</a:t>
             </a:r>
           </a:p>
@@ -18198,13 +21996,6 @@
   <p:clrMapOvr>
     <a:masterClrMapping/>
   </p:clrMapOvr>
-  <p:timing>
-    <p:tnLst>
-      <p:par>
-        <p:cTn id="1" dur="indefinite" restart="never" nodeType="tmRoot"/>
-      </p:par>
-    </p:tnLst>
-  </p:timing>
 </p:sld>
 </file>
 
@@ -18241,10 +22032,9 @@
           <a:lstStyle/>
           <a:p>
             <a:r>
-              <a:rPr lang="en-US" dirty="0" smtClean="0"/>
+              <a:rPr lang="en-US" dirty="0"/>
               <a:t>Figure 4</a:t>
             </a:r>
-            <a:endParaRPr lang="en-US" dirty="0"/>
           </a:p>
         </p:txBody>
       </p:sp>
@@ -18312,13 +22102,6 @@
   <p:clrMapOvr>
     <a:masterClrMapping/>
   </p:clrMapOvr>
-  <p:timing>
-    <p:tnLst>
-      <p:par>
-        <p:cTn id="1" dur="indefinite" restart="never" nodeType="tmRoot"/>
-      </p:par>
-    </p:tnLst>
-  </p:timing>
 </p:sld>
 </file>
 
@@ -18355,10 +22138,9 @@
           <a:lstStyle/>
           <a:p>
             <a:r>
-              <a:rPr lang="en-US" dirty="0" smtClean="0"/>
+              <a:rPr lang="en-US" dirty="0"/>
               <a:t>Figure 4</a:t>
             </a:r>
-            <a:endParaRPr lang="en-US" dirty="0"/>
           </a:p>
         </p:txBody>
       </p:sp>
@@ -18402,13 +22184,6 @@
   <p:clrMapOvr>
     <a:masterClrMapping/>
   </p:clrMapOvr>
-  <p:timing>
-    <p:tnLst>
-      <p:par>
-        <p:cTn id="1" dur="indefinite" restart="never" nodeType="tmRoot"/>
-      </p:par>
-    </p:tnLst>
-  </p:timing>
 </p:sld>
 </file>
 
@@ -18445,10 +22220,9 @@
           <a:lstStyle/>
           <a:p>
             <a:r>
-              <a:rPr lang="en-US" dirty="0" smtClean="0"/>
+              <a:rPr lang="en-US" dirty="0"/>
               <a:t>Conclusions</a:t>
             </a:r>
-            <a:endParaRPr lang="en-US" dirty="0"/>
           </a:p>
         </p:txBody>
       </p:sp>
@@ -18468,53 +22242,36 @@
           <a:lstStyle/>
           <a:p>
             <a:r>
-              <a:rPr lang="en-US" dirty="0" smtClean="0"/>
-              <a:t>Understand the </a:t>
-            </a:r>
-            <a:r>
-              <a:rPr lang="en-US" dirty="0" smtClean="0"/>
-              <a:t>experimental design and </a:t>
-            </a:r>
-            <a:r>
-              <a:rPr lang="en-US" dirty="0" smtClean="0"/>
-              <a:t>methods before </a:t>
-            </a:r>
-            <a:r>
-              <a:rPr lang="en-US" dirty="0" smtClean="0"/>
-              <a:t>starting any data analysis.</a:t>
-            </a:r>
-          </a:p>
-          <a:p>
-            <a:r>
-              <a:rPr lang="en-US" dirty="0" smtClean="0"/>
-              <a:t>Documentation should be sufficient enough to allow that any other person can be able to understand the analysis workflow and replicate the </a:t>
-            </a:r>
-            <a:r>
-              <a:rPr lang="en-US" dirty="0" smtClean="0"/>
-              <a:t>pipeline</a:t>
+              <a:rPr lang="en-US" dirty="0"/>
+              <a:t>Understand the experimental design and methods before starting any data analysis.</a:t>
+            </a:r>
+          </a:p>
+          <a:p>
+            <a:r>
+              <a:rPr lang="en-US" dirty="0"/>
+              <a:t>Documentation should be sufficient enough to allow that any other person can be able to understand the analysis workflow and replicate the pipeline</a:t>
             </a:r>
           </a:p>
           <a:p>
             <a:pPr lvl="1"/>
             <a:r>
-              <a:rPr lang="en-US" dirty="0" smtClean="0"/>
+              <a:rPr lang="en-US" dirty="0"/>
               <a:t>Include parameters, not just package names!</a:t>
             </a:r>
           </a:p>
           <a:p>
             <a:pPr lvl="1"/>
             <a:r>
-              <a:rPr lang="en-US" dirty="0" smtClean="0"/>
+              <a:rPr lang="en-US" dirty="0"/>
               <a:t>Include intermediate data files, not just raw data</a:t>
             </a:r>
           </a:p>
           <a:p>
             <a:pPr lvl="1"/>
             <a:r>
-              <a:rPr lang="en-US" dirty="0" smtClean="0"/>
+              <a:rPr lang="en-US" dirty="0"/>
               <a:t>Include versions of packages</a:t>
             </a:r>
-            <a:endParaRPr lang="en-US" dirty="0"/>
           </a:p>
         </p:txBody>
       </p:sp>
@@ -18572,10 +22329,9 @@
           <a:p>
             <a:pPr algn="ctr"/>
             <a:r>
-              <a:rPr lang="en-US" sz="6600" dirty="0" smtClean="0"/>
+              <a:rPr lang="en-US" sz="6600" dirty="0"/>
               <a:t>Questions?</a:t>
             </a:r>
-            <a:endParaRPr lang="en-US" sz="6600" dirty="0"/>
           </a:p>
         </p:txBody>
       </p:sp>
@@ -18628,13 +22384,8 @@
           <a:p>
             <a:r>
               <a:rPr lang="en-US" dirty="0"/>
-              <a:t>Why </a:t>
-            </a:r>
-            <a:r>
-              <a:rPr lang="en-US" dirty="0" smtClean="0"/>
-              <a:t>study sex determination in plants?</a:t>
-            </a:r>
-            <a:endParaRPr lang="en-US" dirty="0"/>
+              <a:t>Why study sex determination in plants?</a:t>
+            </a:r>
           </a:p>
         </p:txBody>
       </p:sp>
@@ -18656,89 +22407,68 @@
           <a:lstStyle/>
           <a:p>
             <a:r>
-              <a:rPr lang="es-ES" dirty="0" smtClean="0"/>
-              <a:t>Dioecy</a:t>
-            </a:r>
-            <a:r>
-              <a:rPr lang="es-ES" dirty="0" smtClean="0"/>
-              <a:t> has </a:t>
-            </a:r>
-            <a:r>
-              <a:rPr lang="es-ES" dirty="0" err="1" smtClean="0"/>
+              <a:rPr lang="es-ES" dirty="0"/>
+              <a:t>Dioecy has </a:t>
+            </a:r>
+            <a:r>
+              <a:rPr lang="es-ES" dirty="0" err="1"/>
               <a:t>evolved</a:t>
             </a:r>
             <a:r>
-              <a:rPr lang="es-ES" dirty="0" smtClean="0"/>
+              <a:rPr lang="es-ES" dirty="0"/>
               <a:t> </a:t>
             </a:r>
             <a:r>
-              <a:rPr lang="es-ES" dirty="0" err="1" smtClean="0"/>
+              <a:rPr lang="es-ES" dirty="0" err="1"/>
               <a:t>independently</a:t>
             </a:r>
             <a:r>
-              <a:rPr lang="es-ES" dirty="0" smtClean="0"/>
+              <a:rPr lang="es-ES" dirty="0"/>
               <a:t> </a:t>
             </a:r>
             <a:r>
-              <a:rPr lang="es-ES" dirty="0" err="1" smtClean="0"/>
+              <a:rPr lang="es-ES" dirty="0" err="1"/>
               <a:t>across</a:t>
             </a:r>
             <a:r>
-              <a:rPr lang="es-ES" dirty="0" smtClean="0"/>
+              <a:rPr lang="es-ES" dirty="0"/>
               <a:t> 43% of </a:t>
             </a:r>
             <a:r>
-              <a:rPr lang="es-ES" dirty="0" err="1" smtClean="0"/>
+              <a:rPr lang="es-ES" dirty="0" err="1"/>
               <a:t>angiosperm</a:t>
             </a:r>
             <a:r>
-              <a:rPr lang="es-ES" dirty="0" smtClean="0"/>
+              <a:rPr lang="es-ES" dirty="0"/>
               <a:t> </a:t>
             </a:r>
             <a:r>
-              <a:rPr lang="es-ES" dirty="0" err="1" smtClean="0"/>
+              <a:rPr lang="es-ES" dirty="0" err="1"/>
               <a:t>families</a:t>
             </a:r>
             <a:r>
-              <a:rPr lang="es-ES" dirty="0" smtClean="0"/>
+              <a:rPr lang="es-ES" dirty="0"/>
               <a:t> at </a:t>
             </a:r>
             <a:r>
-              <a:rPr lang="es-ES" dirty="0" err="1" smtClean="0"/>
+              <a:rPr lang="es-ES" dirty="0" err="1"/>
               <a:t>least</a:t>
             </a:r>
             <a:r>
-              <a:rPr lang="es-ES" dirty="0" smtClean="0"/>
+              <a:rPr lang="es-ES" dirty="0"/>
               <a:t> 100 times</a:t>
             </a:r>
-            <a:endParaRPr lang="es-ES" dirty="0" smtClean="0"/>
-          </a:p>
-          <a:p>
-            <a:r>
-              <a:rPr lang="es-ES" dirty="0" smtClean="0"/>
-              <a:t>Understand </a:t>
-            </a:r>
+          </a:p>
+          <a:p>
             <a:r>
               <a:rPr lang="es-ES" dirty="0"/>
-              <a:t>the evolutionary mechanisms that </a:t>
-            </a:r>
-            <a:r>
-              <a:rPr lang="es-ES" dirty="0" smtClean="0"/>
-              <a:t>underlie </a:t>
-            </a:r>
+              <a:t>Understand the evolutionary mechanisms that underlie sexual reproduction as source of genetic diversity</a:t>
+            </a:r>
+          </a:p>
+          <a:p>
             <a:r>
               <a:rPr lang="es-ES" dirty="0"/>
-              <a:t>sexual reproduction as source of genetic diversity</a:t>
-            </a:r>
-          </a:p>
-          <a:p>
-            <a:r>
-              <a:rPr lang="es-ES" dirty="0" smtClean="0"/>
-              <a:t>Improve </a:t>
-            </a:r>
-            <a:r>
-              <a:rPr lang="es-ES" dirty="0"/>
-              <a:t>our understanding of the molecular events that give rise to the sexual differentiation </a:t>
+              <a:t>Improve our understanding of the molecular events that give rise to the sexual differentiation </a:t>
             </a:r>
             <a:endParaRPr lang="en-US" dirty="0"/>
           </a:p>
@@ -18834,30 +22564,22 @@
           </a:p>
           <a:p>
             <a:r>
-              <a:rPr lang="en-US" dirty="0" smtClean="0"/>
-              <a:t>Difficult </a:t>
-            </a:r>
-            <a:r>
-              <a:rPr lang="en-US" dirty="0" smtClean="0"/>
-              <a:t>Identification </a:t>
+              <a:rPr lang="en-US" dirty="0"/>
+              <a:t>Difficult Identification </a:t>
             </a:r>
           </a:p>
           <a:p>
             <a:pPr lvl="1"/>
             <a:r>
-              <a:rPr lang="en-US" dirty="0" smtClean="0"/>
+              <a:rPr lang="en-US" dirty="0"/>
               <a:t>Complexity of floral development</a:t>
             </a:r>
           </a:p>
           <a:p>
             <a:pPr lvl="1"/>
             <a:r>
-              <a:rPr lang="en-US" dirty="0" smtClean="0"/>
-              <a:t>Highly </a:t>
-            </a:r>
-            <a:r>
               <a:rPr lang="en-US" dirty="0"/>
-              <a:t>repetitive</a:t>
+              <a:t>Highly repetitive</a:t>
             </a:r>
           </a:p>
           <a:p>
@@ -18955,24 +22677,19 @@
           <a:p>
             <a:pPr lvl="1"/>
             <a:r>
-              <a:rPr lang="en-US" dirty="0" err="1" smtClean="0"/>
+              <a:rPr lang="en-US" dirty="0" err="1"/>
               <a:t>Cytologically</a:t>
             </a:r>
             <a:r>
-              <a:rPr lang="en-US" dirty="0" smtClean="0"/>
+              <a:rPr lang="en-US" dirty="0"/>
               <a:t> homomorphic</a:t>
             </a:r>
-            <a:endParaRPr lang="en-US" dirty="0"/>
           </a:p>
           <a:p>
             <a:pPr lvl="1"/>
             <a:r>
-              <a:rPr lang="en-US" dirty="0" smtClean="0"/>
-              <a:t>YY </a:t>
-            </a:r>
-            <a:r>
               <a:rPr lang="en-US" dirty="0"/>
-              <a:t>supermale is viable</a:t>
+              <a:t>YY supermale is viable</a:t>
             </a:r>
           </a:p>
         </p:txBody>
@@ -19033,7 +22750,6 @@
               <a:rPr lang="en-US" sz="1400" dirty="0"/>
               <a:t>https://en.wikipedia.org/wiki/Asparagus</a:t>
             </a:r>
-            <a:endParaRPr lang="en-US" sz="1400" dirty="0"/>
           </a:p>
         </p:txBody>
       </p:sp>
@@ -19107,10 +22823,9 @@
           <a:p>
             <a:pPr algn="ctr"/>
             <a:r>
-              <a:rPr lang="en-US" sz="1400" dirty="0" smtClean="0"/>
+              <a:rPr lang="en-US" sz="1400" dirty="0"/>
               <a:t>www.degroot-inc.com/product_info.php?products_id=525</a:t>
             </a:r>
-            <a:endParaRPr lang="en-US" sz="1400" dirty="0"/>
           </a:p>
         </p:txBody>
       </p:sp>
@@ -19252,13 +22967,6 @@
   <p:clrMapOvr>
     <a:masterClrMapping/>
   </p:clrMapOvr>
-  <p:timing>
-    <p:tnLst>
-      <p:par>
-        <p:cTn id="1" dur="indefinite" restart="never" nodeType="tmRoot"/>
-      </p:par>
-    </p:tnLst>
-  </p:timing>
 </p:sld>
 </file>
 
@@ -19295,11 +23003,11 @@
           <a:lstStyle/>
           <a:p>
             <a:r>
-              <a:rPr lang="es-ES" dirty="0" err="1" smtClean="0"/>
+              <a:rPr lang="es-ES" dirty="0" err="1"/>
               <a:t>Paper</a:t>
             </a:r>
             <a:r>
-              <a:rPr lang="es-ES" dirty="0" smtClean="0"/>
+              <a:rPr lang="es-ES" dirty="0"/>
               <a:t> Methods</a:t>
             </a:r>
             <a:endParaRPr lang="en-US" dirty="0"/>
@@ -19399,17 +23107,16 @@
           <a:p>
             <a:pPr algn="ctr"/>
             <a:r>
-              <a:rPr lang="en-US" dirty="0" smtClean="0"/>
+              <a:rPr lang="en-US" dirty="0"/>
               <a:t>Experimental design:</a:t>
             </a:r>
           </a:p>
           <a:p>
             <a:pPr algn="ctr"/>
             <a:r>
-              <a:rPr lang="en-US" dirty="0" smtClean="0"/>
+              <a:rPr lang="en-US" dirty="0"/>
               <a:t>4 lines, 3 sexes</a:t>
             </a:r>
-            <a:endParaRPr lang="en-US" dirty="0"/>
           </a:p>
         </p:txBody>
       </p:sp>
@@ -19459,13 +23166,6 @@
   <p:clrMapOvr>
     <a:masterClrMapping/>
   </p:clrMapOvr>
-  <p:timing>
-    <p:tnLst>
-      <p:par>
-        <p:cTn id="1" dur="indefinite" restart="never" nodeType="tmRoot"/>
-      </p:par>
-    </p:tnLst>
-  </p:timing>
 </p:sld>
 </file>
 
@@ -19526,201 +23226,125 @@
           <a:lstStyle/>
           <a:p>
             <a:r>
-              <a:rPr lang="es-ES" dirty="0" err="1" smtClean="0"/>
+              <a:rPr lang="es-ES" dirty="0" err="1"/>
               <a:t>Overall</a:t>
             </a:r>
             <a:r>
-              <a:rPr lang="es-ES" dirty="0" smtClean="0"/>
+              <a:rPr lang="es-ES" dirty="0"/>
+              <a:t> README.md file</a:t>
+            </a:r>
+          </a:p>
+          <a:p>
+            <a:r>
+              <a:rPr lang="en-US" dirty="0"/>
+              <a:t>Paper, Supplementary tables from paper</a:t>
+            </a:r>
+          </a:p>
+          <a:p>
+            <a:r>
+              <a:rPr lang="es-ES" dirty="0" err="1"/>
+              <a:t>Presentation</a:t>
+            </a:r>
+            <a:endParaRPr lang="es-ES" dirty="0"/>
+          </a:p>
+          <a:p>
+            <a:r>
+              <a:rPr lang="es-ES" dirty="0" err="1"/>
+              <a:t>Trimming</a:t>
+            </a:r>
+            <a:r>
+              <a:rPr lang="es-ES" dirty="0"/>
               <a:t> </a:t>
             </a:r>
             <a:r>
-              <a:rPr lang="es-ES" dirty="0" smtClean="0"/>
-              <a:t>README.md </a:t>
-            </a:r>
-            <a:r>
-              <a:rPr lang="es-ES" dirty="0" smtClean="0"/>
-              <a:t>file</a:t>
-            </a:r>
-            <a:endParaRPr lang="es-ES" dirty="0" smtClean="0"/>
-          </a:p>
-          <a:p>
+              <a:rPr lang="es-ES" dirty="0" err="1"/>
+              <a:t>analysis</a:t>
+            </a:r>
+            <a:r>
+              <a:rPr lang="es-ES" dirty="0"/>
+              <a:t> folder</a:t>
+            </a:r>
+          </a:p>
+          <a:p>
+            <a:pPr lvl="1"/>
+            <a:r>
+              <a:rPr lang="es-ES" dirty="0"/>
+              <a:t>README.md file </a:t>
+            </a:r>
+            <a:r>
+              <a:rPr lang="es-ES" dirty="0" err="1"/>
+              <a:t>with</a:t>
+            </a:r>
+            <a:r>
+              <a:rPr lang="es-ES" dirty="0"/>
+              <a:t> the script</a:t>
+            </a:r>
+          </a:p>
+          <a:p>
+            <a:pPr lvl="1"/>
+            <a:r>
+              <a:rPr lang="es-ES" dirty="0"/>
+              <a:t>Output files</a:t>
+            </a:r>
+            <a:endParaRPr lang="en-US" dirty="0"/>
+          </a:p>
+          <a:p>
+            <a:r>
+              <a:rPr lang="en-US" dirty="0" err="1"/>
+              <a:t>Alignment_counting</a:t>
+            </a:r>
             <a:r>
               <a:rPr lang="en-US" dirty="0"/>
-              <a:t>Paper, Supplementary tables from </a:t>
-            </a:r>
-            <a:r>
-              <a:rPr lang="en-US" dirty="0" smtClean="0"/>
-              <a:t>paper</a:t>
-            </a:r>
-          </a:p>
-          <a:p>
-            <a:r>
-              <a:rPr lang="es-ES" dirty="0" err="1" smtClean="0"/>
-              <a:t>Presentation</a:t>
-            </a:r>
-            <a:endParaRPr lang="es-ES" dirty="0" smtClean="0"/>
-          </a:p>
-          <a:p>
-            <a:r>
-              <a:rPr lang="es-ES" dirty="0" err="1" smtClean="0"/>
-              <a:t>Trimming</a:t>
-            </a:r>
-            <a:r>
-              <a:rPr lang="es-ES" dirty="0" smtClean="0"/>
-              <a:t> </a:t>
-            </a:r>
-            <a:r>
-              <a:rPr lang="es-ES" dirty="0" err="1" smtClean="0"/>
-              <a:t>analysis</a:t>
-            </a:r>
-            <a:r>
-              <a:rPr lang="es-ES" dirty="0" smtClean="0"/>
               <a:t> folder</a:t>
             </a:r>
           </a:p>
           <a:p>
             <a:pPr lvl="1"/>
             <a:r>
-              <a:rPr lang="es-ES" dirty="0" smtClean="0"/>
-              <a:t>README.md </a:t>
-            </a:r>
-            <a:r>
-              <a:rPr lang="es-ES" dirty="0" smtClean="0"/>
-              <a:t>file </a:t>
-            </a:r>
-            <a:r>
-              <a:rPr lang="es-ES" dirty="0" err="1" smtClean="0"/>
-              <a:t>with</a:t>
-            </a:r>
-            <a:r>
-              <a:rPr lang="es-ES" dirty="0" smtClean="0"/>
-              <a:t> the </a:t>
-            </a:r>
-            <a:r>
-              <a:rPr lang="es-ES" dirty="0" smtClean="0"/>
-              <a:t>script</a:t>
+              <a:rPr lang="en-US" dirty="0"/>
+              <a:t>README.md file with the script </a:t>
             </a:r>
           </a:p>
           <a:p>
             <a:pPr lvl="1"/>
             <a:r>
-              <a:rPr lang="es-ES" dirty="0"/>
-              <a:t>O</a:t>
-            </a:r>
-            <a:r>
-              <a:rPr lang="es-ES" dirty="0" smtClean="0"/>
-              <a:t>utput </a:t>
-            </a:r>
-            <a:r>
-              <a:rPr lang="es-ES" dirty="0" smtClean="0"/>
-              <a:t>files</a:t>
-            </a:r>
-            <a:endParaRPr lang="en-US" dirty="0"/>
-          </a:p>
-          <a:p>
-            <a:r>
-              <a:rPr lang="en-US" dirty="0" err="1" smtClean="0"/>
-              <a:t>Alignment_counting</a:t>
-            </a:r>
-            <a:r>
-              <a:rPr lang="en-US" dirty="0" smtClean="0"/>
-              <a:t> folder</a:t>
+              <a:rPr lang="en-US" dirty="0"/>
+              <a:t>Output counting files</a:t>
             </a:r>
           </a:p>
           <a:p>
             <a:pPr lvl="1"/>
             <a:r>
-              <a:rPr lang="en-US" dirty="0" smtClean="0"/>
-              <a:t>README.md </a:t>
-            </a:r>
-            <a:r>
-              <a:rPr lang="en-US" dirty="0" smtClean="0"/>
-              <a:t>file with the script </a:t>
-            </a:r>
-            <a:endParaRPr lang="en-US" dirty="0" smtClean="0"/>
+              <a:rPr lang="en-US" dirty="0"/>
+              <a:t>Summaries of the RSEM statistical models  </a:t>
+            </a:r>
+          </a:p>
+          <a:p>
+            <a:r>
+              <a:rPr lang="en-US" dirty="0"/>
+              <a:t>Expression analysis folder</a:t>
+            </a:r>
           </a:p>
           <a:p>
             <a:pPr lvl="1"/>
             <a:r>
               <a:rPr lang="en-US" dirty="0"/>
-              <a:t>O</a:t>
-            </a:r>
-            <a:r>
-              <a:rPr lang="en-US" dirty="0" smtClean="0"/>
-              <a:t>utput </a:t>
-            </a:r>
-            <a:r>
-              <a:rPr lang="en-US" dirty="0" smtClean="0"/>
-              <a:t>counting </a:t>
-            </a:r>
-            <a:r>
-              <a:rPr lang="en-US" dirty="0" smtClean="0"/>
-              <a:t>files</a:t>
+              <a:t>README file with the description of the notebooks for each figure</a:t>
             </a:r>
           </a:p>
           <a:p>
             <a:pPr lvl="1"/>
             <a:r>
               <a:rPr lang="en-US" dirty="0"/>
-              <a:t>S</a:t>
-            </a:r>
-            <a:r>
-              <a:rPr lang="en-US" dirty="0" smtClean="0"/>
-              <a:t>ummaries </a:t>
-            </a:r>
-            <a:r>
-              <a:rPr lang="en-US" dirty="0" smtClean="0"/>
-              <a:t>of the RSEM statistical models  </a:t>
-            </a:r>
-          </a:p>
-          <a:p>
-            <a:r>
-              <a:rPr lang="en-US" dirty="0" smtClean="0"/>
-              <a:t>Expression </a:t>
-            </a:r>
-            <a:r>
-              <a:rPr lang="en-US" dirty="0" smtClean="0"/>
-              <a:t>analysis folder</a:t>
+              <a:t>Input files </a:t>
             </a:r>
           </a:p>
           <a:p>
             <a:pPr lvl="1"/>
             <a:r>
-              <a:rPr lang="en-US" dirty="0" smtClean="0"/>
-              <a:t>README </a:t>
-            </a:r>
-            <a:r>
-              <a:rPr lang="en-US" dirty="0" smtClean="0"/>
-              <a:t>file with the description of the notebooks for each </a:t>
-            </a:r>
-            <a:r>
-              <a:rPr lang="en-US" dirty="0" smtClean="0"/>
-              <a:t>figure</a:t>
-            </a:r>
-          </a:p>
-          <a:p>
-            <a:pPr lvl="1"/>
-            <a:r>
               <a:rPr lang="en-US" dirty="0"/>
-              <a:t>I</a:t>
-            </a:r>
-            <a:r>
-              <a:rPr lang="en-US" dirty="0" smtClean="0"/>
-              <a:t>nput </a:t>
-            </a:r>
-            <a:r>
-              <a:rPr lang="en-US" dirty="0" smtClean="0"/>
-              <a:t>files </a:t>
-            </a:r>
-            <a:endParaRPr lang="en-US" dirty="0" smtClean="0"/>
-          </a:p>
-          <a:p>
-            <a:pPr lvl="1"/>
-            <a:r>
-              <a:rPr lang="en-US" dirty="0" smtClean="0"/>
               <a:t>README files for figures</a:t>
             </a:r>
-            <a:endParaRPr lang="en-US" dirty="0"/>
           </a:p>
         </p:txBody>
       </p:sp>
@@ -19734,13 +23358,6 @@
   <p:clrMapOvr>
     <a:masterClrMapping/>
   </p:clrMapOvr>
-  <p:timing>
-    <p:tnLst>
-      <p:par>
-        <p:cTn id="1" dur="indefinite" restart="never" nodeType="tmRoot"/>
-      </p:par>
-    </p:tnLst>
-  </p:timing>
 </p:sld>
 </file>
 
@@ -19777,10 +23394,9 @@
           <a:lstStyle/>
           <a:p>
             <a:r>
-              <a:rPr lang="en-US" dirty="0" smtClean="0"/>
+              <a:rPr lang="en-US" dirty="0"/>
               <a:t>Our Workflow</a:t>
             </a:r>
-            <a:endParaRPr lang="en-US" dirty="0"/>
           </a:p>
         </p:txBody>
       </p:sp>
@@ -19819,13 +23435,6 @@
   <p:clrMapOvr>
     <a:masterClrMapping/>
   </p:clrMapOvr>
-  <p:timing>
-    <p:tnLst>
-      <p:par>
-        <p:cTn id="1" dur="indefinite" restart="never" nodeType="tmRoot"/>
-      </p:par>
-    </p:tnLst>
-  </p:timing>
 </p:sld>
 </file>
 
@@ -20524,7 +24133,7 @@
   <a:extraClrSchemeLst/>
   <a:extLst>
     <a:ext uri="{05A4C25C-085E-4340-85A3-A5531E510DB2}">
-      <thm15:themeFamily xmlns:thm15="http://schemas.microsoft.com/office/thememl/2012/main" xmlns="" name="Office Theme" id="{62F939B6-93AF-4DB8-9C6B-D6C7DFDC589F}" vid="{4A3C46E8-61CC-4603-A589-7422A47A8E4A}"/>
+      <thm15:themeFamily xmlns:thm15="http://schemas.microsoft.com/office/thememl/2012/main" name="Office Theme" id="{62F939B6-93AF-4DB8-9C6B-D6C7DFDC589F}" vid="{4A3C46E8-61CC-4603-A589-7422A47A8E4A}"/>
     </a:ext>
   </a:extLst>
 </a:theme>

--- a/asparagus.pptx
+++ b/asparagus.pptx
@@ -5,7 +5,7 @@
     <p:sldMasterId id="2147483696" r:id="rId1"/>
   </p:sldMasterIdLst>
   <p:notesMasterIdLst>
-    <p:notesMasterId r:id="rId30"/>
+    <p:notesMasterId r:id="rId31"/>
   </p:notesMasterIdLst>
   <p:sldIdLst>
     <p:sldId id="256" r:id="rId2"/>
@@ -34,8 +34,9 @@
     <p:sldId id="274" r:id="rId25"/>
     <p:sldId id="292" r:id="rId26"/>
     <p:sldId id="293" r:id="rId27"/>
-    <p:sldId id="276" r:id="rId28"/>
-    <p:sldId id="284" r:id="rId29"/>
+    <p:sldId id="295" r:id="rId28"/>
+    <p:sldId id="276" r:id="rId29"/>
+    <p:sldId id="284" r:id="rId30"/>
   </p:sldIdLst>
   <p:sldSz cx="9144000" cy="6858000" type="screen4x3"/>
   <p:notesSz cx="6858000" cy="9144000"/>
@@ -136,7 +137,7 @@
   </p:defaultTextStyle>
   <p:extLst>
     <p:ext uri="{EFAFB233-063F-42B5-8137-9DF3F51BA10A}">
-      <p15:sldGuideLst xmlns:p15="http://schemas.microsoft.com/office/powerpoint/2012/main">
+      <p15:sldGuideLst xmlns:p15="http://schemas.microsoft.com/office/powerpoint/2012/main" xmlns="">
         <p15:guide id="1" orient="horz" pos="2160">
           <p15:clr>
             <a:srgbClr val="A4A3A4"/>
@@ -3703,6 +3704,10 @@
             <a:rPr lang="en-US" sz="1600" b="0" i="0" dirty="0"/>
             <a:t> 259909</a:t>
           </a:r>
+          <a:r>
+            <a:rPr lang="en-US" sz="1600" dirty="0"/>
+            <a:t/>
+          </a:r>
           <a:br>
             <a:rPr lang="en-US" sz="1600" dirty="0"/>
           </a:br>
@@ -3883,6 +3888,13 @@
         </dgm:presLayoutVars>
       </dgm:prSet>
       <dgm:spPr/>
+      <dgm:t>
+        <a:bodyPr/>
+        <a:lstStyle/>
+        <a:p>
+          <a:endParaRPr lang="en-US"/>
+        </a:p>
+      </dgm:t>
     </dgm:pt>
     <dgm:pt modelId="{BDAA6788-3D12-47BC-9E42-7D38FDE7F399}" type="pres">
       <dgm:prSet presAssocID="{0446C03C-E073-45AB-A9C8-06443FEA1350}" presName="node" presStyleLbl="node1" presStyleIdx="0" presStyleCnt="3">
@@ -3891,14 +3903,35 @@
         </dgm:presLayoutVars>
       </dgm:prSet>
       <dgm:spPr/>
+      <dgm:t>
+        <a:bodyPr/>
+        <a:lstStyle/>
+        <a:p>
+          <a:endParaRPr lang="en-US"/>
+        </a:p>
+      </dgm:t>
     </dgm:pt>
     <dgm:pt modelId="{1F338E8C-445B-4795-9DFA-DDBCD4CD0223}" type="pres">
       <dgm:prSet presAssocID="{DD3773AC-ED19-47CD-9A5C-21D0582A545B}" presName="sibTrans" presStyleLbl="sibTrans2D1" presStyleIdx="0" presStyleCnt="2"/>
       <dgm:spPr/>
+      <dgm:t>
+        <a:bodyPr/>
+        <a:lstStyle/>
+        <a:p>
+          <a:endParaRPr lang="en-US"/>
+        </a:p>
+      </dgm:t>
     </dgm:pt>
     <dgm:pt modelId="{34DEC8FB-8A5E-47CA-96DE-B987907461FF}" type="pres">
       <dgm:prSet presAssocID="{DD3773AC-ED19-47CD-9A5C-21D0582A545B}" presName="connectorText" presStyleLbl="sibTrans2D1" presStyleIdx="0" presStyleCnt="2"/>
       <dgm:spPr/>
+      <dgm:t>
+        <a:bodyPr/>
+        <a:lstStyle/>
+        <a:p>
+          <a:endParaRPr lang="en-US"/>
+        </a:p>
+      </dgm:t>
     </dgm:pt>
     <dgm:pt modelId="{E1C175A5-344B-46C4-A31A-B19B85FB8577}" type="pres">
       <dgm:prSet presAssocID="{DD9D1A19-C042-4241-AC1E-CBC58119E3B1}" presName="node" presStyleLbl="node1" presStyleIdx="1" presStyleCnt="3">
@@ -3907,14 +3940,35 @@
         </dgm:presLayoutVars>
       </dgm:prSet>
       <dgm:spPr/>
+      <dgm:t>
+        <a:bodyPr/>
+        <a:lstStyle/>
+        <a:p>
+          <a:endParaRPr lang="en-US"/>
+        </a:p>
+      </dgm:t>
     </dgm:pt>
     <dgm:pt modelId="{F461BE5B-401D-414A-9175-B95B6C23DC9D}" type="pres">
       <dgm:prSet presAssocID="{2F1FB023-A283-4CF2-AD92-547252EFD921}" presName="sibTrans" presStyleLbl="sibTrans2D1" presStyleIdx="1" presStyleCnt="2"/>
       <dgm:spPr/>
+      <dgm:t>
+        <a:bodyPr/>
+        <a:lstStyle/>
+        <a:p>
+          <a:endParaRPr lang="en-US"/>
+        </a:p>
+      </dgm:t>
     </dgm:pt>
     <dgm:pt modelId="{82CB2603-4A55-4B49-A6E8-B125ED9C9E48}" type="pres">
       <dgm:prSet presAssocID="{2F1FB023-A283-4CF2-AD92-547252EFD921}" presName="connectorText" presStyleLbl="sibTrans2D1" presStyleIdx="1" presStyleCnt="2"/>
       <dgm:spPr/>
+      <dgm:t>
+        <a:bodyPr/>
+        <a:lstStyle/>
+        <a:p>
+          <a:endParaRPr lang="en-US"/>
+        </a:p>
+      </dgm:t>
     </dgm:pt>
     <dgm:pt modelId="{1886C3BF-2DFE-4372-93A8-70DF5AE5B7BB}" type="pres">
       <dgm:prSet presAssocID="{91A65AEF-6A15-4A27-BEF4-E1F29341CAE7}" presName="node" presStyleLbl="node1" presStyleIdx="2" presStyleCnt="3">
@@ -3923,40 +3977,47 @@
         </dgm:presLayoutVars>
       </dgm:prSet>
       <dgm:spPr/>
+      <dgm:t>
+        <a:bodyPr/>
+        <a:lstStyle/>
+        <a:p>
+          <a:endParaRPr lang="en-US"/>
+        </a:p>
+      </dgm:t>
     </dgm:pt>
   </dgm:ptLst>
   <dgm:cxnLst>
+    <dgm:cxn modelId="{E4780FAE-1D30-42E7-AC51-8BA88C8C3936}" srcId="{0446C03C-E073-45AB-A9C8-06443FEA1350}" destId="{C466413A-A54D-4592-9067-4A7632047ADD}" srcOrd="0" destOrd="0" parTransId="{168F6043-1350-4D89-84A3-126F1B46C4D8}" sibTransId="{BBEBD048-CE75-4AEB-8E49-5458336C8650}"/>
+    <dgm:cxn modelId="{79EC4E32-DBFE-4EC9-87D3-E83007DEB976}" srcId="{7F00E8CE-6E56-4F4D-88C9-C0473C61FC8D}" destId="{91A65AEF-6A15-4A27-BEF4-E1F29341CAE7}" srcOrd="2" destOrd="0" parTransId="{73FB7926-F3DC-4072-892E-5CDBC32AC16D}" sibTransId="{26F79743-5592-4A48-AD2F-903A4A3C64B0}"/>
+    <dgm:cxn modelId="{274EF8EA-833F-4500-9EC7-213330933E55}" srcId="{91A65AEF-6A15-4A27-BEF4-E1F29341CAE7}" destId="{5E3E51B3-C034-40DA-8D6B-12A51F79F84F}" srcOrd="1" destOrd="0" parTransId="{655E7F96-779F-49AD-864A-E6F2A6C31883}" sibTransId="{D2A9912C-C23B-4036-9067-0181019705BF}"/>
+    <dgm:cxn modelId="{79AE3E36-3F6D-4B29-A511-5D0B9A6434B9}" type="presOf" srcId="{C466413A-A54D-4592-9067-4A7632047ADD}" destId="{BDAA6788-3D12-47BC-9E42-7D38FDE7F399}" srcOrd="0" destOrd="1" presId="urn:microsoft.com/office/officeart/2005/8/layout/process1"/>
+    <dgm:cxn modelId="{E52E4512-9B52-4829-8292-891CD1605CFA}" type="presOf" srcId="{DD9D1A19-C042-4241-AC1E-CBC58119E3B1}" destId="{E1C175A5-344B-46C4-A31A-B19B85FB8577}" srcOrd="0" destOrd="0" presId="urn:microsoft.com/office/officeart/2005/8/layout/process1"/>
+    <dgm:cxn modelId="{2B471167-3011-4249-B4E4-797FE711F9F1}" srcId="{DD9D1A19-C042-4241-AC1E-CBC58119E3B1}" destId="{169D612B-DA50-42B2-A089-0CD33404C833}" srcOrd="1" destOrd="0" parTransId="{3DBDD095-BAC6-4E38-BFDA-31C50CC1291F}" sibTransId="{D8E076AF-17A9-4432-91BD-D6211BC0EA7C}"/>
+    <dgm:cxn modelId="{089EAF4D-0718-4A95-82BC-C9DC79A61562}" srcId="{DD9D1A19-C042-4241-AC1E-CBC58119E3B1}" destId="{81A854F5-D3EB-49EB-AF5F-B56F6C8F5EC5}" srcOrd="0" destOrd="0" parTransId="{56C0F259-9B7E-421E-8F8E-530B0F5CE873}" sibTransId="{9F016FBE-B21A-4F9E-B770-AF7EB9058F08}"/>
+    <dgm:cxn modelId="{22FC1ECA-E709-46D6-9263-3055451A2D92}" srcId="{DD9D1A19-C042-4241-AC1E-CBC58119E3B1}" destId="{942CFC1C-AA12-4264-A826-2D247FC95085}" srcOrd="2" destOrd="0" parTransId="{7CB0AD2C-A735-4A10-B9FB-A1061338BA5B}" sibTransId="{F0159CE7-914F-482D-8628-34B12113E511}"/>
+    <dgm:cxn modelId="{00CE3C1E-BC5E-4AEE-B410-7750B957FC84}" type="presOf" srcId="{F5351295-5A7B-4686-BA6C-AAD51831210B}" destId="{BDAA6788-3D12-47BC-9E42-7D38FDE7F399}" srcOrd="0" destOrd="2" presId="urn:microsoft.com/office/officeart/2005/8/layout/process1"/>
+    <dgm:cxn modelId="{2E825B25-6EA5-4063-A79B-66B8818EDD05}" type="presOf" srcId="{7F00E8CE-6E56-4F4D-88C9-C0473C61FC8D}" destId="{962DDC3C-372C-41E5-98AF-1BC41210AB0A}" srcOrd="0" destOrd="0" presId="urn:microsoft.com/office/officeart/2005/8/layout/process1"/>
+    <dgm:cxn modelId="{C21346BE-6B39-4AD3-9F67-10CFC4398D3C}" type="presOf" srcId="{91A65AEF-6A15-4A27-BEF4-E1F29341CAE7}" destId="{1886C3BF-2DFE-4372-93A8-70DF5AE5B7BB}" srcOrd="0" destOrd="0" presId="urn:microsoft.com/office/officeart/2005/8/layout/process1"/>
+    <dgm:cxn modelId="{DC9946B6-D564-4A8F-8A08-9E5A6CD74436}" srcId="{91A65AEF-6A15-4A27-BEF4-E1F29341CAE7}" destId="{F1C2D6F1-7C50-4518-AF30-C62830E34870}" srcOrd="0" destOrd="0" parTransId="{00864D43-7BE9-45DA-BAE4-E75E36C45913}" sibTransId="{7AA76297-BF81-4187-8BAD-57F1348D4BB5}"/>
+    <dgm:cxn modelId="{0B7C5417-96E9-4D4D-89AC-6F8D69992060}" type="presOf" srcId="{99DDACEB-7AC2-405D-8C03-62809185729F}" destId="{BDAA6788-3D12-47BC-9E42-7D38FDE7F399}" srcOrd="0" destOrd="3" presId="urn:microsoft.com/office/officeart/2005/8/layout/process1"/>
+    <dgm:cxn modelId="{C1D70DC3-BB6F-4772-8D52-C73C49E18F26}" type="presOf" srcId="{2F1FB023-A283-4CF2-AD92-547252EFD921}" destId="{82CB2603-4A55-4B49-A6E8-B125ED9C9E48}" srcOrd="1" destOrd="0" presId="urn:microsoft.com/office/officeart/2005/8/layout/process1"/>
+    <dgm:cxn modelId="{1C94B997-07FB-4D8B-B2E8-FF341A774F9B}" type="presOf" srcId="{169D612B-DA50-42B2-A089-0CD33404C833}" destId="{E1C175A5-344B-46C4-A31A-B19B85FB8577}" srcOrd="0" destOrd="2" presId="urn:microsoft.com/office/officeart/2005/8/layout/process1"/>
     <dgm:cxn modelId="{B4F95DF4-F8F0-49E1-8506-908FAFE11139}" srcId="{7F00E8CE-6E56-4F4D-88C9-C0473C61FC8D}" destId="{DD9D1A19-C042-4241-AC1E-CBC58119E3B1}" srcOrd="1" destOrd="0" parTransId="{777BD4C7-AAA8-4A81-829D-A0D2FF6AA15F}" sibTransId="{2F1FB023-A283-4CF2-AD92-547252EFD921}"/>
-    <dgm:cxn modelId="{C1D70DC3-BB6F-4772-8D52-C73C49E18F26}" type="presOf" srcId="{2F1FB023-A283-4CF2-AD92-547252EFD921}" destId="{82CB2603-4A55-4B49-A6E8-B125ED9C9E48}" srcOrd="1" destOrd="0" presId="urn:microsoft.com/office/officeart/2005/8/layout/process1"/>
-    <dgm:cxn modelId="{79AE3E36-3F6D-4B29-A511-5D0B9A6434B9}" type="presOf" srcId="{C466413A-A54D-4592-9067-4A7632047ADD}" destId="{BDAA6788-3D12-47BC-9E42-7D38FDE7F399}" srcOrd="0" destOrd="1" presId="urn:microsoft.com/office/officeart/2005/8/layout/process1"/>
-    <dgm:cxn modelId="{00CE3C1E-BC5E-4AEE-B410-7750B957FC84}" type="presOf" srcId="{F5351295-5A7B-4686-BA6C-AAD51831210B}" destId="{BDAA6788-3D12-47BC-9E42-7D38FDE7F399}" srcOrd="0" destOrd="2" presId="urn:microsoft.com/office/officeart/2005/8/layout/process1"/>
-    <dgm:cxn modelId="{E4780FAE-1D30-42E7-AC51-8BA88C8C3936}" srcId="{0446C03C-E073-45AB-A9C8-06443FEA1350}" destId="{C466413A-A54D-4592-9067-4A7632047ADD}" srcOrd="0" destOrd="0" parTransId="{168F6043-1350-4D89-84A3-126F1B46C4D8}" sibTransId="{BBEBD048-CE75-4AEB-8E49-5458336C8650}"/>
     <dgm:cxn modelId="{64F483B0-D56E-4E51-A12A-C615B4470DED}" srcId="{0446C03C-E073-45AB-A9C8-06443FEA1350}" destId="{99DDACEB-7AC2-405D-8C03-62809185729F}" srcOrd="2" destOrd="0" parTransId="{FE885667-BCFC-4070-85A3-7E7661061007}" sibTransId="{3060AE7B-8CF2-467E-AFA3-68FF2185B41A}"/>
-    <dgm:cxn modelId="{0B7C5417-96E9-4D4D-89AC-6F8D69992060}" type="presOf" srcId="{99DDACEB-7AC2-405D-8C03-62809185729F}" destId="{BDAA6788-3D12-47BC-9E42-7D38FDE7F399}" srcOrd="0" destOrd="3" presId="urn:microsoft.com/office/officeart/2005/8/layout/process1"/>
+    <dgm:cxn modelId="{7D477BAE-EA9F-4D3C-AE9E-B69332CB574A}" type="presOf" srcId="{DD3773AC-ED19-47CD-9A5C-21D0582A545B}" destId="{1F338E8C-445B-4795-9DFA-DDBCD4CD0223}" srcOrd="0" destOrd="0" presId="urn:microsoft.com/office/officeart/2005/8/layout/process1"/>
+    <dgm:cxn modelId="{00F6D34C-34A9-4267-BA6D-2341A482C667}" type="presOf" srcId="{DD3773AC-ED19-47CD-9A5C-21D0582A545B}" destId="{34DEC8FB-8A5E-47CA-96DE-B987907461FF}" srcOrd="1" destOrd="0" presId="urn:microsoft.com/office/officeart/2005/8/layout/process1"/>
+    <dgm:cxn modelId="{6CA895F7-DC0B-4666-938A-B116866643B2}" type="presOf" srcId="{7305E311-BA18-4725-86B1-D9DF66556862}" destId="{1886C3BF-2DFE-4372-93A8-70DF5AE5B7BB}" srcOrd="0" destOrd="3" presId="urn:microsoft.com/office/officeart/2005/8/layout/process1"/>
+    <dgm:cxn modelId="{7F065C32-943E-4B45-992C-FEEA645ADE92}" type="presOf" srcId="{0446C03C-E073-45AB-A9C8-06443FEA1350}" destId="{BDAA6788-3D12-47BC-9E42-7D38FDE7F399}" srcOrd="0" destOrd="0" presId="urn:microsoft.com/office/officeart/2005/8/layout/process1"/>
+    <dgm:cxn modelId="{932179C8-46BB-4EBA-B01E-CFBCCFA4DC21}" type="presOf" srcId="{AE78AC46-7E52-44F4-B2B2-7CE10099D6ED}" destId="{E1C175A5-344B-46C4-A31A-B19B85FB8577}" srcOrd="0" destOrd="4" presId="urn:microsoft.com/office/officeart/2005/8/layout/process1"/>
+    <dgm:cxn modelId="{46EEA246-DA9F-4BBB-89F1-BFFE8CD15378}" srcId="{7F00E8CE-6E56-4F4D-88C9-C0473C61FC8D}" destId="{0446C03C-E073-45AB-A9C8-06443FEA1350}" srcOrd="0" destOrd="0" parTransId="{166EBAF9-EA67-41C7-9543-4E7B353618A0}" sibTransId="{DD3773AC-ED19-47CD-9A5C-21D0582A545B}"/>
     <dgm:cxn modelId="{BCA9A3D5-D437-4983-9C4A-142C813CBF20}" srcId="{DD9D1A19-C042-4241-AC1E-CBC58119E3B1}" destId="{AE78AC46-7E52-44F4-B2B2-7CE10099D6ED}" srcOrd="3" destOrd="0" parTransId="{F3154323-2D0F-4AA8-BDA6-3039AF34A32D}" sibTransId="{38B06FD4-3BA9-4425-90CA-E27CB0EB86EA}"/>
-    <dgm:cxn modelId="{2E825B25-6EA5-4063-A79B-66B8818EDD05}" type="presOf" srcId="{7F00E8CE-6E56-4F4D-88C9-C0473C61FC8D}" destId="{962DDC3C-372C-41E5-98AF-1BC41210AB0A}" srcOrd="0" destOrd="0" presId="urn:microsoft.com/office/officeart/2005/8/layout/process1"/>
+    <dgm:cxn modelId="{97963869-47A2-410C-957F-FA9E0ABBA8EA}" type="presOf" srcId="{81A854F5-D3EB-49EB-AF5F-B56F6C8F5EC5}" destId="{E1C175A5-344B-46C4-A31A-B19B85FB8577}" srcOrd="0" destOrd="1" presId="urn:microsoft.com/office/officeart/2005/8/layout/process1"/>
+    <dgm:cxn modelId="{FEE8B482-E279-4E5C-BE13-C7106536C100}" srcId="{0446C03C-E073-45AB-A9C8-06443FEA1350}" destId="{F5351295-5A7B-4686-BA6C-AAD51831210B}" srcOrd="1" destOrd="0" parTransId="{8DB328E6-5015-4445-94EC-9C99E54FD70D}" sibTransId="{C5A711CA-AA1A-4629-BB87-67B93CCD2D61}"/>
+    <dgm:cxn modelId="{70398382-2953-4312-9820-0DB9982CAEDB}" type="presOf" srcId="{2F1FB023-A283-4CF2-AD92-547252EFD921}" destId="{F461BE5B-401D-414A-9175-B95B6C23DC9D}" srcOrd="0" destOrd="0" presId="urn:microsoft.com/office/officeart/2005/8/layout/process1"/>
+    <dgm:cxn modelId="{57DFCDEE-5952-43CC-BCE2-536517B17C25}" type="presOf" srcId="{5E3E51B3-C034-40DA-8D6B-12A51F79F84F}" destId="{1886C3BF-2DFE-4372-93A8-70DF5AE5B7BB}" srcOrd="0" destOrd="2" presId="urn:microsoft.com/office/officeart/2005/8/layout/process1"/>
     <dgm:cxn modelId="{8F4B5199-D290-4C54-BFDB-FAFDE984C92C}" type="presOf" srcId="{942CFC1C-AA12-4264-A826-2D247FC95085}" destId="{E1C175A5-344B-46C4-A31A-B19B85FB8577}" srcOrd="0" destOrd="3" presId="urn:microsoft.com/office/officeart/2005/8/layout/process1"/>
-    <dgm:cxn modelId="{2B471167-3011-4249-B4E4-797FE711F9F1}" srcId="{DD9D1A19-C042-4241-AC1E-CBC58119E3B1}" destId="{169D612B-DA50-42B2-A089-0CD33404C833}" srcOrd="1" destOrd="0" parTransId="{3DBDD095-BAC6-4E38-BFDA-31C50CC1291F}" sibTransId="{D8E076AF-17A9-4432-91BD-D6211BC0EA7C}"/>
-    <dgm:cxn modelId="{46EEA246-DA9F-4BBB-89F1-BFFE8CD15378}" srcId="{7F00E8CE-6E56-4F4D-88C9-C0473C61FC8D}" destId="{0446C03C-E073-45AB-A9C8-06443FEA1350}" srcOrd="0" destOrd="0" parTransId="{166EBAF9-EA67-41C7-9543-4E7B353618A0}" sibTransId="{DD3773AC-ED19-47CD-9A5C-21D0582A545B}"/>
-    <dgm:cxn modelId="{DC9946B6-D564-4A8F-8A08-9E5A6CD74436}" srcId="{91A65AEF-6A15-4A27-BEF4-E1F29341CAE7}" destId="{F1C2D6F1-7C50-4518-AF30-C62830E34870}" srcOrd="0" destOrd="0" parTransId="{00864D43-7BE9-45DA-BAE4-E75E36C45913}" sibTransId="{7AA76297-BF81-4187-8BAD-57F1348D4BB5}"/>
-    <dgm:cxn modelId="{6CA895F7-DC0B-4666-938A-B116866643B2}" type="presOf" srcId="{7305E311-BA18-4725-86B1-D9DF66556862}" destId="{1886C3BF-2DFE-4372-93A8-70DF5AE5B7BB}" srcOrd="0" destOrd="3" presId="urn:microsoft.com/office/officeart/2005/8/layout/process1"/>
-    <dgm:cxn modelId="{70398382-2953-4312-9820-0DB9982CAEDB}" type="presOf" srcId="{2F1FB023-A283-4CF2-AD92-547252EFD921}" destId="{F461BE5B-401D-414A-9175-B95B6C23DC9D}" srcOrd="0" destOrd="0" presId="urn:microsoft.com/office/officeart/2005/8/layout/process1"/>
-    <dgm:cxn modelId="{22FC1ECA-E709-46D6-9263-3055451A2D92}" srcId="{DD9D1A19-C042-4241-AC1E-CBC58119E3B1}" destId="{942CFC1C-AA12-4264-A826-2D247FC95085}" srcOrd="2" destOrd="0" parTransId="{7CB0AD2C-A735-4A10-B9FB-A1061338BA5B}" sibTransId="{F0159CE7-914F-482D-8628-34B12113E511}"/>
-    <dgm:cxn modelId="{1C94B997-07FB-4D8B-B2E8-FF341A774F9B}" type="presOf" srcId="{169D612B-DA50-42B2-A089-0CD33404C833}" destId="{E1C175A5-344B-46C4-A31A-B19B85FB8577}" srcOrd="0" destOrd="2" presId="urn:microsoft.com/office/officeart/2005/8/layout/process1"/>
-    <dgm:cxn modelId="{57DFCDEE-5952-43CC-BCE2-536517B17C25}" type="presOf" srcId="{5E3E51B3-C034-40DA-8D6B-12A51F79F84F}" destId="{1886C3BF-2DFE-4372-93A8-70DF5AE5B7BB}" srcOrd="0" destOrd="2" presId="urn:microsoft.com/office/officeart/2005/8/layout/process1"/>
-    <dgm:cxn modelId="{7D477BAE-EA9F-4D3C-AE9E-B69332CB574A}" type="presOf" srcId="{DD3773AC-ED19-47CD-9A5C-21D0582A545B}" destId="{1F338E8C-445B-4795-9DFA-DDBCD4CD0223}" srcOrd="0" destOrd="0" presId="urn:microsoft.com/office/officeart/2005/8/layout/process1"/>
-    <dgm:cxn modelId="{97963869-47A2-410C-957F-FA9E0ABBA8EA}" type="presOf" srcId="{81A854F5-D3EB-49EB-AF5F-B56F6C8F5EC5}" destId="{E1C175A5-344B-46C4-A31A-B19B85FB8577}" srcOrd="0" destOrd="1" presId="urn:microsoft.com/office/officeart/2005/8/layout/process1"/>
-    <dgm:cxn modelId="{932179C8-46BB-4EBA-B01E-CFBCCFA4DC21}" type="presOf" srcId="{AE78AC46-7E52-44F4-B2B2-7CE10099D6ED}" destId="{E1C175A5-344B-46C4-A31A-B19B85FB8577}" srcOrd="0" destOrd="4" presId="urn:microsoft.com/office/officeart/2005/8/layout/process1"/>
-    <dgm:cxn modelId="{7F065C32-943E-4B45-992C-FEEA645ADE92}" type="presOf" srcId="{0446C03C-E073-45AB-A9C8-06443FEA1350}" destId="{BDAA6788-3D12-47BC-9E42-7D38FDE7F399}" srcOrd="0" destOrd="0" presId="urn:microsoft.com/office/officeart/2005/8/layout/process1"/>
+    <dgm:cxn modelId="{AC0F4E34-1EE9-4B66-99B0-32ECCF3AFCEA}" srcId="{91A65AEF-6A15-4A27-BEF4-E1F29341CAE7}" destId="{7305E311-BA18-4725-86B1-D9DF66556862}" srcOrd="2" destOrd="0" parTransId="{35EE8319-C046-48CC-965F-761964A1A1D8}" sibTransId="{BAA32ABE-2C94-4499-B5F5-1BE81733AACE}"/>
     <dgm:cxn modelId="{A35BA005-231A-4DF5-ACF3-C891B914081F}" type="presOf" srcId="{F1C2D6F1-7C50-4518-AF30-C62830E34870}" destId="{1886C3BF-2DFE-4372-93A8-70DF5AE5B7BB}" srcOrd="0" destOrd="1" presId="urn:microsoft.com/office/officeart/2005/8/layout/process1"/>
-    <dgm:cxn modelId="{C21346BE-6B39-4AD3-9F67-10CFC4398D3C}" type="presOf" srcId="{91A65AEF-6A15-4A27-BEF4-E1F29341CAE7}" destId="{1886C3BF-2DFE-4372-93A8-70DF5AE5B7BB}" srcOrd="0" destOrd="0" presId="urn:microsoft.com/office/officeart/2005/8/layout/process1"/>
-    <dgm:cxn modelId="{00F6D34C-34A9-4267-BA6D-2341A482C667}" type="presOf" srcId="{DD3773AC-ED19-47CD-9A5C-21D0582A545B}" destId="{34DEC8FB-8A5E-47CA-96DE-B987907461FF}" srcOrd="1" destOrd="0" presId="urn:microsoft.com/office/officeart/2005/8/layout/process1"/>
-    <dgm:cxn modelId="{089EAF4D-0718-4A95-82BC-C9DC79A61562}" srcId="{DD9D1A19-C042-4241-AC1E-CBC58119E3B1}" destId="{81A854F5-D3EB-49EB-AF5F-B56F6C8F5EC5}" srcOrd="0" destOrd="0" parTransId="{56C0F259-9B7E-421E-8F8E-530B0F5CE873}" sibTransId="{9F016FBE-B21A-4F9E-B770-AF7EB9058F08}"/>
-    <dgm:cxn modelId="{E52E4512-9B52-4829-8292-891CD1605CFA}" type="presOf" srcId="{DD9D1A19-C042-4241-AC1E-CBC58119E3B1}" destId="{E1C175A5-344B-46C4-A31A-B19B85FB8577}" srcOrd="0" destOrd="0" presId="urn:microsoft.com/office/officeart/2005/8/layout/process1"/>
-    <dgm:cxn modelId="{274EF8EA-833F-4500-9EC7-213330933E55}" srcId="{91A65AEF-6A15-4A27-BEF4-E1F29341CAE7}" destId="{5E3E51B3-C034-40DA-8D6B-12A51F79F84F}" srcOrd="1" destOrd="0" parTransId="{655E7F96-779F-49AD-864A-E6F2A6C31883}" sibTransId="{D2A9912C-C23B-4036-9067-0181019705BF}"/>
-    <dgm:cxn modelId="{79EC4E32-DBFE-4EC9-87D3-E83007DEB976}" srcId="{7F00E8CE-6E56-4F4D-88C9-C0473C61FC8D}" destId="{91A65AEF-6A15-4A27-BEF4-E1F29341CAE7}" srcOrd="2" destOrd="0" parTransId="{73FB7926-F3DC-4072-892E-5CDBC32AC16D}" sibTransId="{26F79743-5592-4A48-AD2F-903A4A3C64B0}"/>
-    <dgm:cxn modelId="{AC0F4E34-1EE9-4B66-99B0-32ECCF3AFCEA}" srcId="{91A65AEF-6A15-4A27-BEF4-E1F29341CAE7}" destId="{7305E311-BA18-4725-86B1-D9DF66556862}" srcOrd="2" destOrd="0" parTransId="{35EE8319-C046-48CC-965F-761964A1A1D8}" sibTransId="{BAA32ABE-2C94-4499-B5F5-1BE81733AACE}"/>
-    <dgm:cxn modelId="{FEE8B482-E279-4E5C-BE13-C7106536C100}" srcId="{0446C03C-E073-45AB-A9C8-06443FEA1350}" destId="{F5351295-5A7B-4686-BA6C-AAD51831210B}" srcOrd="1" destOrd="0" parTransId="{8DB328E6-5015-4445-94EC-9C99E54FD70D}" sibTransId="{C5A711CA-AA1A-4629-BB87-67B93CCD2D61}"/>
     <dgm:cxn modelId="{1384C4A0-1E04-4060-89DC-38ACFD604295}" type="presParOf" srcId="{962DDC3C-372C-41E5-98AF-1BC41210AB0A}" destId="{BDAA6788-3D12-47BC-9E42-7D38FDE7F399}" srcOrd="0" destOrd="0" presId="urn:microsoft.com/office/officeart/2005/8/layout/process1"/>
     <dgm:cxn modelId="{6914B89C-996B-4428-B6D6-4F300640B65E}" type="presParOf" srcId="{962DDC3C-372C-41E5-98AF-1BC41210AB0A}" destId="{1F338E8C-445B-4795-9DFA-DDBCD4CD0223}" srcOrd="1" destOrd="0" presId="urn:microsoft.com/office/officeart/2005/8/layout/process1"/>
     <dgm:cxn modelId="{09391D10-8263-4063-ACCB-80C26E2DCE68}" type="presParOf" srcId="{1F338E8C-445B-4795-9DFA-DDBCD4CD0223}" destId="{34DEC8FB-8A5E-47CA-96DE-B987907461FF}" srcOrd="0" destOrd="0" presId="urn:microsoft.com/office/officeart/2005/8/layout/process1"/>
@@ -4070,14 +4131,35 @@
         </dgm:presLayoutVars>
       </dgm:prSet>
       <dgm:spPr/>
+      <dgm:t>
+        <a:bodyPr/>
+        <a:lstStyle/>
+        <a:p>
+          <a:endParaRPr lang="en-US"/>
+        </a:p>
+      </dgm:t>
     </dgm:pt>
     <dgm:pt modelId="{88EDF64E-35BB-481B-B11A-F08915958068}" type="pres">
       <dgm:prSet presAssocID="{E892C2B4-4244-468D-917A-E776E4200961}" presName="sibTrans" presStyleLbl="sibTrans2D1" presStyleIdx="0" presStyleCnt="1"/>
       <dgm:spPr/>
+      <dgm:t>
+        <a:bodyPr/>
+        <a:lstStyle/>
+        <a:p>
+          <a:endParaRPr lang="en-US"/>
+        </a:p>
+      </dgm:t>
     </dgm:pt>
     <dgm:pt modelId="{F3C8F6A7-EE57-4CE9-92F3-C5249F31F420}" type="pres">
       <dgm:prSet presAssocID="{E892C2B4-4244-468D-917A-E776E4200961}" presName="connectorText" presStyleLbl="sibTrans2D1" presStyleIdx="0" presStyleCnt="1"/>
       <dgm:spPr/>
+      <dgm:t>
+        <a:bodyPr/>
+        <a:lstStyle/>
+        <a:p>
+          <a:endParaRPr lang="en-US"/>
+        </a:p>
+      </dgm:t>
     </dgm:pt>
     <dgm:pt modelId="{174F3DC6-92D1-46F3-BBD6-C834F6469487}" type="pres">
       <dgm:prSet presAssocID="{3E86D3FA-BD3A-4833-9766-85B4B2E840DF}" presName="node" presStyleLbl="node1" presStyleIdx="1" presStyleCnt="2">
@@ -4086,6 +4168,13 @@
         </dgm:presLayoutVars>
       </dgm:prSet>
       <dgm:spPr/>
+      <dgm:t>
+        <a:bodyPr/>
+        <a:lstStyle/>
+        <a:p>
+          <a:endParaRPr lang="en-US"/>
+        </a:p>
+      </dgm:t>
     </dgm:pt>
   </dgm:ptLst>
   <dgm:cxnLst>
@@ -4286,14 +4375,35 @@
         </dgm:presLayoutVars>
       </dgm:prSet>
       <dgm:spPr/>
+      <dgm:t>
+        <a:bodyPr/>
+        <a:lstStyle/>
+        <a:p>
+          <a:endParaRPr lang="en-US"/>
+        </a:p>
+      </dgm:t>
     </dgm:pt>
     <dgm:pt modelId="{F743BBA3-F85A-4955-B22D-74C8A453CDA2}" type="pres">
       <dgm:prSet presAssocID="{652A2CBE-7EEC-43CF-9E13-4590DEBC9582}" presName="sibTrans" presStyleLbl="sibTrans2D1" presStyleIdx="0" presStyleCnt="3"/>
       <dgm:spPr/>
+      <dgm:t>
+        <a:bodyPr/>
+        <a:lstStyle/>
+        <a:p>
+          <a:endParaRPr lang="en-US"/>
+        </a:p>
+      </dgm:t>
     </dgm:pt>
     <dgm:pt modelId="{8B8B4377-0697-45FC-A640-F2CE0A54A7DA}" type="pres">
       <dgm:prSet presAssocID="{652A2CBE-7EEC-43CF-9E13-4590DEBC9582}" presName="connectorText" presStyleLbl="sibTrans2D1" presStyleIdx="0" presStyleCnt="3"/>
       <dgm:spPr/>
+      <dgm:t>
+        <a:bodyPr/>
+        <a:lstStyle/>
+        <a:p>
+          <a:endParaRPr lang="en-US"/>
+        </a:p>
+      </dgm:t>
     </dgm:pt>
     <dgm:pt modelId="{34C7BCB3-04DB-45C7-9A42-320BFF7BC6DD}" type="pres">
       <dgm:prSet presAssocID="{BF1D83B5-B3DF-493F-A256-78F574499C76}" presName="node" presStyleLbl="node1" presStyleIdx="1" presStyleCnt="4">
@@ -4302,14 +4412,35 @@
         </dgm:presLayoutVars>
       </dgm:prSet>
       <dgm:spPr/>
+      <dgm:t>
+        <a:bodyPr/>
+        <a:lstStyle/>
+        <a:p>
+          <a:endParaRPr lang="en-US"/>
+        </a:p>
+      </dgm:t>
     </dgm:pt>
     <dgm:pt modelId="{9C101147-473E-42D2-A0E5-5ABF38B50C73}" type="pres">
       <dgm:prSet presAssocID="{C3C10AC9-1ADB-403C-A703-3E7E7FA57BF8}" presName="sibTrans" presStyleLbl="sibTrans2D1" presStyleIdx="1" presStyleCnt="3"/>
       <dgm:spPr/>
+      <dgm:t>
+        <a:bodyPr/>
+        <a:lstStyle/>
+        <a:p>
+          <a:endParaRPr lang="en-US"/>
+        </a:p>
+      </dgm:t>
     </dgm:pt>
     <dgm:pt modelId="{8DC65580-354A-49B6-A367-B6A9A3244483}" type="pres">
       <dgm:prSet presAssocID="{C3C10AC9-1ADB-403C-A703-3E7E7FA57BF8}" presName="connectorText" presStyleLbl="sibTrans2D1" presStyleIdx="1" presStyleCnt="3"/>
       <dgm:spPr/>
+      <dgm:t>
+        <a:bodyPr/>
+        <a:lstStyle/>
+        <a:p>
+          <a:endParaRPr lang="en-US"/>
+        </a:p>
+      </dgm:t>
     </dgm:pt>
     <dgm:pt modelId="{732646D0-614E-4567-8EB3-FE5BADE041C4}" type="pres">
       <dgm:prSet presAssocID="{9943014D-8C6E-463D-A613-48F23D4519B7}" presName="node" presStyleLbl="node1" presStyleIdx="2" presStyleCnt="4">
@@ -4318,14 +4449,35 @@
         </dgm:presLayoutVars>
       </dgm:prSet>
       <dgm:spPr/>
+      <dgm:t>
+        <a:bodyPr/>
+        <a:lstStyle/>
+        <a:p>
+          <a:endParaRPr lang="en-US"/>
+        </a:p>
+      </dgm:t>
     </dgm:pt>
     <dgm:pt modelId="{C450CEE9-1A94-4A67-8B6D-B4519DBA50F0}" type="pres">
       <dgm:prSet presAssocID="{E1FFF456-3F57-4AA5-801E-995CE96CAF64}" presName="sibTrans" presStyleLbl="sibTrans2D1" presStyleIdx="2" presStyleCnt="3"/>
       <dgm:spPr/>
+      <dgm:t>
+        <a:bodyPr/>
+        <a:lstStyle/>
+        <a:p>
+          <a:endParaRPr lang="en-US"/>
+        </a:p>
+      </dgm:t>
     </dgm:pt>
     <dgm:pt modelId="{42481493-BF49-4D21-914E-E49B566E00C1}" type="pres">
       <dgm:prSet presAssocID="{E1FFF456-3F57-4AA5-801E-995CE96CAF64}" presName="connectorText" presStyleLbl="sibTrans2D1" presStyleIdx="2" presStyleCnt="3"/>
       <dgm:spPr/>
+      <dgm:t>
+        <a:bodyPr/>
+        <a:lstStyle/>
+        <a:p>
+          <a:endParaRPr lang="en-US"/>
+        </a:p>
+      </dgm:t>
     </dgm:pt>
     <dgm:pt modelId="{E1A97CE5-89F8-4DCF-B4DC-A0ABABE32E9B}" type="pres">
       <dgm:prSet presAssocID="{727CD113-AE2A-4DE5-BC4F-9A72EB55259C}" presName="node" presStyleLbl="node1" presStyleIdx="3" presStyleCnt="4">
@@ -4334,6 +4486,13 @@
         </dgm:presLayoutVars>
       </dgm:prSet>
       <dgm:spPr/>
+      <dgm:t>
+        <a:bodyPr/>
+        <a:lstStyle/>
+        <a:p>
+          <a:endParaRPr lang="en-US"/>
+        </a:p>
+      </dgm:t>
     </dgm:pt>
   </dgm:ptLst>
   <dgm:cxnLst>
@@ -4811,6 +4970,13 @@
         </dgm:presLayoutVars>
       </dgm:prSet>
       <dgm:spPr/>
+      <dgm:t>
+        <a:bodyPr/>
+        <a:lstStyle/>
+        <a:p>
+          <a:endParaRPr lang="en-US"/>
+        </a:p>
+      </dgm:t>
     </dgm:pt>
     <dgm:pt modelId="{AB8C601B-4365-4E3A-9CA6-9D06E9BCDD70}" type="pres">
       <dgm:prSet presAssocID="{EC62BD84-3ADA-4D62-A238-5C25F36574A7}" presName="composite" presStyleCnt="0"/>
@@ -4829,6 +4995,13 @@
         </dgm:presLayoutVars>
       </dgm:prSet>
       <dgm:spPr/>
+      <dgm:t>
+        <a:bodyPr/>
+        <a:lstStyle/>
+        <a:p>
+          <a:endParaRPr lang="en-US"/>
+        </a:p>
+      </dgm:t>
     </dgm:pt>
     <dgm:pt modelId="{2B70D009-F13D-44C0-A7BC-54C205FE77FB}" type="pres">
       <dgm:prSet presAssocID="{EC62BD84-3ADA-4D62-A238-5C25F36574A7}" presName="ChildText" presStyleLbl="revTx" presStyleIdx="0" presStyleCnt="6">
@@ -4839,6 +5012,13 @@
         </dgm:presLayoutVars>
       </dgm:prSet>
       <dgm:spPr/>
+      <dgm:t>
+        <a:bodyPr/>
+        <a:lstStyle/>
+        <a:p>
+          <a:endParaRPr lang="en-US"/>
+        </a:p>
+      </dgm:t>
     </dgm:pt>
     <dgm:pt modelId="{281CFAFE-56FC-43A9-BB74-764EA455F547}" type="pres">
       <dgm:prSet presAssocID="{950750D0-60DF-4E9F-A820-AFB7EBB48E58}" presName="sibTrans" presStyleCnt="0"/>
@@ -4861,6 +5041,13 @@
         </dgm:presLayoutVars>
       </dgm:prSet>
       <dgm:spPr/>
+      <dgm:t>
+        <a:bodyPr/>
+        <a:lstStyle/>
+        <a:p>
+          <a:endParaRPr lang="en-US"/>
+        </a:p>
+      </dgm:t>
     </dgm:pt>
     <dgm:pt modelId="{2AAE7345-B9D4-4662-AC19-BCF06F8C49FD}" type="pres">
       <dgm:prSet presAssocID="{67594A18-8BF6-496C-A000-0D9DD1029B4F}" presName="ChildText" presStyleLbl="revTx" presStyleIdx="1" presStyleCnt="6">
@@ -4871,6 +5058,13 @@
         </dgm:presLayoutVars>
       </dgm:prSet>
       <dgm:spPr/>
+      <dgm:t>
+        <a:bodyPr/>
+        <a:lstStyle/>
+        <a:p>
+          <a:endParaRPr lang="en-US"/>
+        </a:p>
+      </dgm:t>
     </dgm:pt>
     <dgm:pt modelId="{77FB48DC-542B-47DA-8F3D-07CABFEA80C6}" type="pres">
       <dgm:prSet presAssocID="{84DB37C6-42F4-416A-B64E-7607627251ED}" presName="sibTrans" presStyleCnt="0"/>
@@ -4893,6 +5087,13 @@
         </dgm:presLayoutVars>
       </dgm:prSet>
       <dgm:spPr/>
+      <dgm:t>
+        <a:bodyPr/>
+        <a:lstStyle/>
+        <a:p>
+          <a:endParaRPr lang="en-US"/>
+        </a:p>
+      </dgm:t>
     </dgm:pt>
     <dgm:pt modelId="{1065B556-C4C5-451F-9E11-5643BF244E6D}" type="pres">
       <dgm:prSet presAssocID="{CB4D03F2-A463-483F-B6E9-E0DF88327D26}" presName="ChildText" presStyleLbl="revTx" presStyleIdx="2" presStyleCnt="6">
@@ -4903,6 +5104,13 @@
         </dgm:presLayoutVars>
       </dgm:prSet>
       <dgm:spPr/>
+      <dgm:t>
+        <a:bodyPr/>
+        <a:lstStyle/>
+        <a:p>
+          <a:endParaRPr lang="en-US"/>
+        </a:p>
+      </dgm:t>
     </dgm:pt>
     <dgm:pt modelId="{FE91066B-826B-4E8F-8F89-65D97E96FD3E}" type="pres">
       <dgm:prSet presAssocID="{45EA78CC-ED60-44A4-B35A-4F4D41AD9074}" presName="sibTrans" presStyleCnt="0"/>
@@ -4925,6 +5133,13 @@
         </dgm:presLayoutVars>
       </dgm:prSet>
       <dgm:spPr/>
+      <dgm:t>
+        <a:bodyPr/>
+        <a:lstStyle/>
+        <a:p>
+          <a:endParaRPr lang="en-US"/>
+        </a:p>
+      </dgm:t>
     </dgm:pt>
     <dgm:pt modelId="{87A88EA6-ADD6-41C7-99DF-6D5B6FCF6A5F}" type="pres">
       <dgm:prSet presAssocID="{92513214-5084-4272-9D93-357D7B9D089E}" presName="ChildText" presStyleLbl="revTx" presStyleIdx="3" presStyleCnt="6">
@@ -4957,6 +5172,13 @@
         </dgm:presLayoutVars>
       </dgm:prSet>
       <dgm:spPr/>
+      <dgm:t>
+        <a:bodyPr/>
+        <a:lstStyle/>
+        <a:p>
+          <a:endParaRPr lang="en-US"/>
+        </a:p>
+      </dgm:t>
     </dgm:pt>
     <dgm:pt modelId="{3B7E9670-7370-4317-AD00-E6DF1B3CDE86}" type="pres">
       <dgm:prSet presAssocID="{74F98B7C-30AE-4741-94A0-EDC036253585}" presName="ChildText" presStyleLbl="revTx" presStyleIdx="4" presStyleCnt="6">
@@ -4967,6 +5189,13 @@
         </dgm:presLayoutVars>
       </dgm:prSet>
       <dgm:spPr/>
+      <dgm:t>
+        <a:bodyPr/>
+        <a:lstStyle/>
+        <a:p>
+          <a:endParaRPr lang="en-US"/>
+        </a:p>
+      </dgm:t>
     </dgm:pt>
     <dgm:pt modelId="{B6AE8FF3-C372-4990-A87E-690E0742B0A0}" type="pres">
       <dgm:prSet presAssocID="{86E1F1B4-C851-4BFE-8C51-011F9845B2E8}" presName="sibTrans" presStyleCnt="0"/>
@@ -4989,6 +5218,13 @@
         </dgm:presLayoutVars>
       </dgm:prSet>
       <dgm:spPr/>
+      <dgm:t>
+        <a:bodyPr/>
+        <a:lstStyle/>
+        <a:p>
+          <a:endParaRPr lang="en-US"/>
+        </a:p>
+      </dgm:t>
     </dgm:pt>
     <dgm:pt modelId="{C428768A-2A30-487B-B09F-FE8B44DAB860}" type="pres">
       <dgm:prSet presAssocID="{B4C33871-7DA1-44A1-BE5E-9A939EA109E0}" presName="ChildText" presStyleLbl="revTx" presStyleIdx="5" presStyleCnt="6">
@@ -4999,6 +5235,13 @@
         </dgm:presLayoutVars>
       </dgm:prSet>
       <dgm:spPr/>
+      <dgm:t>
+        <a:bodyPr/>
+        <a:lstStyle/>
+        <a:p>
+          <a:endParaRPr lang="en-US"/>
+        </a:p>
+      </dgm:t>
     </dgm:pt>
     <dgm:pt modelId="{326EB8E6-AE2C-4F27-B35E-7CA6903149B3}" type="pres">
       <dgm:prSet presAssocID="{D37605B2-7AA9-4548-BD9D-1B13587547B0}" presName="sibTrans" presStyleCnt="0"/>
@@ -5017,34 +5260,41 @@
         </dgm:presLayoutVars>
       </dgm:prSet>
       <dgm:spPr/>
+      <dgm:t>
+        <a:bodyPr/>
+        <a:lstStyle/>
+        <a:p>
+          <a:endParaRPr lang="en-US"/>
+        </a:p>
+      </dgm:t>
     </dgm:pt>
   </dgm:ptLst>
   <dgm:cxnLst>
+    <dgm:cxn modelId="{B3447EB8-51B5-4B58-B80D-EC312FB5D208}" type="presOf" srcId="{BEEE7082-E0E7-40EB-A40B-33E6BC64CCC8}" destId="{039BB48C-F966-4AB5-8439-B89E0B0A360C}" srcOrd="0" destOrd="0" presId="urn:microsoft.com/office/officeart/2005/8/layout/StepDownProcess"/>
+    <dgm:cxn modelId="{C9D6D2B8-257D-43B8-8678-F6A0E41E7134}" srcId="{BEEE7082-E0E7-40EB-A40B-33E6BC64CCC8}" destId="{92513214-5084-4272-9D93-357D7B9D089E}" srcOrd="3" destOrd="0" parTransId="{E2896F5A-8AC9-4E9F-88ED-06C2103DC8EB}" sibTransId="{01819F79-1668-4A37-91DE-3BD5691D58FA}"/>
+    <dgm:cxn modelId="{6F8C65A0-1A1B-474C-9CE2-00F61D9DA842}" type="presOf" srcId="{74F98B7C-30AE-4741-94A0-EDC036253585}" destId="{049C392A-3EDC-49F8-A09C-1DAAF2A97E16}" srcOrd="0" destOrd="0" presId="urn:microsoft.com/office/officeart/2005/8/layout/StepDownProcess"/>
+    <dgm:cxn modelId="{8847C9E2-6AED-4B7F-8B49-F6EBD615DED7}" srcId="{CB4D03F2-A463-483F-B6E9-E0DF88327D26}" destId="{9EE104D1-5DA8-49BF-B7BC-C172B136828F}" srcOrd="0" destOrd="0" parTransId="{C0052ED8-D696-4E7A-BA2D-2CE3DFFE55EA}" sibTransId="{02B471FA-85AB-4CDC-BA43-6E43C34E3FC3}"/>
+    <dgm:cxn modelId="{22CC8098-0925-42CD-9C1D-24887F6D8C85}" srcId="{BEEE7082-E0E7-40EB-A40B-33E6BC64CCC8}" destId="{B4C33871-7DA1-44A1-BE5E-9A939EA109E0}" srcOrd="5" destOrd="0" parTransId="{19FBC463-9349-4F98-911F-EF6F975460F0}" sibTransId="{D37605B2-7AA9-4548-BD9D-1B13587547B0}"/>
+    <dgm:cxn modelId="{0FDEE153-56F9-4E6A-BA60-75A1CF5668E7}" srcId="{67594A18-8BF6-496C-A000-0D9DD1029B4F}" destId="{20A68923-1C47-4CC6-A19F-58CD6B9A8FB1}" srcOrd="0" destOrd="0" parTransId="{436202B4-BB46-4799-8079-780489874E72}" sibTransId="{498DD8B1-DA82-468B-8905-BA9E617BE3B5}"/>
+    <dgm:cxn modelId="{4141A36B-3CEF-4F27-B76B-60A5EB50843E}" srcId="{EC62BD84-3ADA-4D62-A238-5C25F36574A7}" destId="{6F0B59D3-5BB7-480F-A125-289A3626EC6A}" srcOrd="0" destOrd="0" parTransId="{5CED9AA4-78BF-410A-8110-879A5671AFEA}" sibTransId="{E4DFCDFB-CC6D-412D-B9CC-65AFB735C5F8}"/>
+    <dgm:cxn modelId="{310A1EF9-F197-405E-8369-7BE4F64F5A7C}" srcId="{B4C33871-7DA1-44A1-BE5E-9A939EA109E0}" destId="{BF109C1A-D6D2-4A9D-BDE6-C66F4C4884E5}" srcOrd="0" destOrd="0" parTransId="{56C68A0C-AEF5-4BF6-BA1D-544D8918025D}" sibTransId="{FA105F86-8CCD-48E1-AB0A-3B4E4CBFC30C}"/>
+    <dgm:cxn modelId="{68324F57-17F6-4C65-8BE6-9D310FB85F9B}" srcId="{BEEE7082-E0E7-40EB-A40B-33E6BC64CCC8}" destId="{CB4D03F2-A463-483F-B6E9-E0DF88327D26}" srcOrd="2" destOrd="0" parTransId="{748FBDB0-DFBF-4C9C-8486-DB0FE0ED7631}" sibTransId="{45EA78CC-ED60-44A4-B35A-4F4D41AD9074}"/>
+    <dgm:cxn modelId="{391691CA-7162-4A61-B0EC-682A4B213FEB}" type="presOf" srcId="{20A68923-1C47-4CC6-A19F-58CD6B9A8FB1}" destId="{2AAE7345-B9D4-4662-AC19-BCF06F8C49FD}" srcOrd="0" destOrd="0" presId="urn:microsoft.com/office/officeart/2005/8/layout/StepDownProcess"/>
     <dgm:cxn modelId="{68BB09CE-FF81-410D-A3A1-0BB887ADA665}" srcId="{BEEE7082-E0E7-40EB-A40B-33E6BC64CCC8}" destId="{74F98B7C-30AE-4741-94A0-EDC036253585}" srcOrd="4" destOrd="0" parTransId="{01CE2219-8A66-461E-ADF3-A1505FD2746B}" sibTransId="{86E1F1B4-C851-4BFE-8C51-011F9845B2E8}"/>
-    <dgm:cxn modelId="{310A1EF9-F197-405E-8369-7BE4F64F5A7C}" srcId="{B4C33871-7DA1-44A1-BE5E-9A939EA109E0}" destId="{BF109C1A-D6D2-4A9D-BDE6-C66F4C4884E5}" srcOrd="0" destOrd="0" parTransId="{56C68A0C-AEF5-4BF6-BA1D-544D8918025D}" sibTransId="{FA105F86-8CCD-48E1-AB0A-3B4E4CBFC30C}"/>
-    <dgm:cxn modelId="{0FDEE153-56F9-4E6A-BA60-75A1CF5668E7}" srcId="{67594A18-8BF6-496C-A000-0D9DD1029B4F}" destId="{20A68923-1C47-4CC6-A19F-58CD6B9A8FB1}" srcOrd="0" destOrd="0" parTransId="{436202B4-BB46-4799-8079-780489874E72}" sibTransId="{498DD8B1-DA82-468B-8905-BA9E617BE3B5}"/>
+    <dgm:cxn modelId="{CF12E151-27F0-47A7-8845-04C2E9A9B2E7}" type="presOf" srcId="{6F0B59D3-5BB7-480F-A125-289A3626EC6A}" destId="{2B70D009-F13D-44C0-A7BC-54C205FE77FB}" srcOrd="0" destOrd="0" presId="urn:microsoft.com/office/officeart/2005/8/layout/StepDownProcess"/>
+    <dgm:cxn modelId="{0D463458-6C80-4B28-9E7D-92D5E0BA1577}" type="presOf" srcId="{67594A18-8BF6-496C-A000-0D9DD1029B4F}" destId="{D0281AEB-9781-4CF5-A68B-140193D8FB11}" srcOrd="0" destOrd="0" presId="urn:microsoft.com/office/officeart/2005/8/layout/StepDownProcess"/>
+    <dgm:cxn modelId="{50DC6956-8F37-47C6-B9A8-95B2B6755809}" type="presOf" srcId="{B4C33871-7DA1-44A1-BE5E-9A939EA109E0}" destId="{0491FAC1-CACD-4454-93EB-D9DDC44CF63F}" srcOrd="0" destOrd="0" presId="urn:microsoft.com/office/officeart/2005/8/layout/StepDownProcess"/>
+    <dgm:cxn modelId="{C25BD6B6-8260-4605-916A-3E4E176A9B6B}" type="presOf" srcId="{4A4A4B22-2473-41AC-AC6B-02DF09448837}" destId="{3B7E9670-7370-4317-AD00-E6DF1B3CDE86}" srcOrd="0" destOrd="0" presId="urn:microsoft.com/office/officeart/2005/8/layout/StepDownProcess"/>
+    <dgm:cxn modelId="{4471234C-0321-410C-924A-291C497D2A75}" type="presOf" srcId="{2EE1CE90-E28E-4EF8-A0B4-7814672DAF61}" destId="{E809E57C-A1B9-423E-A763-0C6C0464958C}" srcOrd="0" destOrd="0" presId="urn:microsoft.com/office/officeart/2005/8/layout/StepDownProcess"/>
+    <dgm:cxn modelId="{45311948-ECF7-4ADE-BDB0-F3799E3A4807}" srcId="{BEEE7082-E0E7-40EB-A40B-33E6BC64CCC8}" destId="{EC62BD84-3ADA-4D62-A238-5C25F36574A7}" srcOrd="0" destOrd="0" parTransId="{A0C4FF4B-F472-439F-9DBC-2921C156DAF5}" sibTransId="{950750D0-60DF-4E9F-A820-AFB7EBB48E58}"/>
     <dgm:cxn modelId="{31F42AD0-1F6B-43D0-A992-54F09FD0DB93}" type="presOf" srcId="{9EE104D1-5DA8-49BF-B7BC-C172B136828F}" destId="{1065B556-C4C5-451F-9E11-5643BF244E6D}" srcOrd="0" destOrd="0" presId="urn:microsoft.com/office/officeart/2005/8/layout/StepDownProcess"/>
-    <dgm:cxn modelId="{4141A36B-3CEF-4F27-B76B-60A5EB50843E}" srcId="{EC62BD84-3ADA-4D62-A238-5C25F36574A7}" destId="{6F0B59D3-5BB7-480F-A125-289A3626EC6A}" srcOrd="0" destOrd="0" parTransId="{5CED9AA4-78BF-410A-8110-879A5671AFEA}" sibTransId="{E4DFCDFB-CC6D-412D-B9CC-65AFB735C5F8}"/>
-    <dgm:cxn modelId="{4471234C-0321-410C-924A-291C497D2A75}" type="presOf" srcId="{2EE1CE90-E28E-4EF8-A0B4-7814672DAF61}" destId="{E809E57C-A1B9-423E-A763-0C6C0464958C}" srcOrd="0" destOrd="0" presId="urn:microsoft.com/office/officeart/2005/8/layout/StepDownProcess"/>
-    <dgm:cxn modelId="{8847C9E2-6AED-4B7F-8B49-F6EBD615DED7}" srcId="{CB4D03F2-A463-483F-B6E9-E0DF88327D26}" destId="{9EE104D1-5DA8-49BF-B7BC-C172B136828F}" srcOrd="0" destOrd="0" parTransId="{C0052ED8-D696-4E7A-BA2D-2CE3DFFE55EA}" sibTransId="{02B471FA-85AB-4CDC-BA43-6E43C34E3FC3}"/>
+    <dgm:cxn modelId="{4ACA1434-5613-4559-A527-5FF131A7A715}" srcId="{74F98B7C-30AE-4741-94A0-EDC036253585}" destId="{4A4A4B22-2473-41AC-AC6B-02DF09448837}" srcOrd="0" destOrd="0" parTransId="{E2E687BD-6AB7-4903-B22F-D79E4C2F0694}" sibTransId="{4F4FB59D-1B17-4854-B926-F1AFC86A7723}"/>
+    <dgm:cxn modelId="{148A0C63-E93E-4B15-9ABA-D575D138BB72}" type="presOf" srcId="{92513214-5084-4272-9D93-357D7B9D089E}" destId="{B40BB39A-B64D-459C-A098-A4DF6294FF45}" srcOrd="0" destOrd="0" presId="urn:microsoft.com/office/officeart/2005/8/layout/StepDownProcess"/>
+    <dgm:cxn modelId="{43E349EC-368F-446B-A7C1-57C7E0D5C91B}" srcId="{BEEE7082-E0E7-40EB-A40B-33E6BC64CCC8}" destId="{67594A18-8BF6-496C-A000-0D9DD1029B4F}" srcOrd="1" destOrd="0" parTransId="{FEEDBEA9-2BB5-4AD6-BDFF-84995CADACAC}" sibTransId="{84DB37C6-42F4-416A-B64E-7607627251ED}"/>
     <dgm:cxn modelId="{26BEE479-F230-426E-A034-0D052EC45416}" type="presOf" srcId="{CB4D03F2-A463-483F-B6E9-E0DF88327D26}" destId="{7B248748-EE7B-40BE-A4A3-9E8C356278DD}" srcOrd="0" destOrd="0" presId="urn:microsoft.com/office/officeart/2005/8/layout/StepDownProcess"/>
-    <dgm:cxn modelId="{0D463458-6C80-4B28-9E7D-92D5E0BA1577}" type="presOf" srcId="{67594A18-8BF6-496C-A000-0D9DD1029B4F}" destId="{D0281AEB-9781-4CF5-A68B-140193D8FB11}" srcOrd="0" destOrd="0" presId="urn:microsoft.com/office/officeart/2005/8/layout/StepDownProcess"/>
-    <dgm:cxn modelId="{45311948-ECF7-4ADE-BDB0-F3799E3A4807}" srcId="{BEEE7082-E0E7-40EB-A40B-33E6BC64CCC8}" destId="{EC62BD84-3ADA-4D62-A238-5C25F36574A7}" srcOrd="0" destOrd="0" parTransId="{A0C4FF4B-F472-439F-9DBC-2921C156DAF5}" sibTransId="{950750D0-60DF-4E9F-A820-AFB7EBB48E58}"/>
-    <dgm:cxn modelId="{C25BD6B6-8260-4605-916A-3E4E176A9B6B}" type="presOf" srcId="{4A4A4B22-2473-41AC-AC6B-02DF09448837}" destId="{3B7E9670-7370-4317-AD00-E6DF1B3CDE86}" srcOrd="0" destOrd="0" presId="urn:microsoft.com/office/officeart/2005/8/layout/StepDownProcess"/>
-    <dgm:cxn modelId="{43E349EC-368F-446B-A7C1-57C7E0D5C91B}" srcId="{BEEE7082-E0E7-40EB-A40B-33E6BC64CCC8}" destId="{67594A18-8BF6-496C-A000-0D9DD1029B4F}" srcOrd="1" destOrd="0" parTransId="{FEEDBEA9-2BB5-4AD6-BDFF-84995CADACAC}" sibTransId="{84DB37C6-42F4-416A-B64E-7607627251ED}"/>
-    <dgm:cxn modelId="{22CC8098-0925-42CD-9C1D-24887F6D8C85}" srcId="{BEEE7082-E0E7-40EB-A40B-33E6BC64CCC8}" destId="{B4C33871-7DA1-44A1-BE5E-9A939EA109E0}" srcOrd="5" destOrd="0" parTransId="{19FBC463-9349-4F98-911F-EF6F975460F0}" sibTransId="{D37605B2-7AA9-4548-BD9D-1B13587547B0}"/>
+    <dgm:cxn modelId="{46E31681-64D7-436A-A2E9-CAC1CAEA7921}" type="presOf" srcId="{EC62BD84-3ADA-4D62-A238-5C25F36574A7}" destId="{B3D5E33F-A884-4A6B-BA8B-AC7F2E2F3CD9}" srcOrd="0" destOrd="0" presId="urn:microsoft.com/office/officeart/2005/8/layout/StepDownProcess"/>
+    <dgm:cxn modelId="{7A875975-7333-48C4-AA6B-0DB62D763095}" type="presOf" srcId="{BF109C1A-D6D2-4A9D-BDE6-C66F4C4884E5}" destId="{C428768A-2A30-487B-B09F-FE8B44DAB860}" srcOrd="0" destOrd="0" presId="urn:microsoft.com/office/officeart/2005/8/layout/StepDownProcess"/>
     <dgm:cxn modelId="{FC267412-9A2D-4CAE-8519-23FC942C39BA}" srcId="{BEEE7082-E0E7-40EB-A40B-33E6BC64CCC8}" destId="{2EE1CE90-E28E-4EF8-A0B4-7814672DAF61}" srcOrd="6" destOrd="0" parTransId="{68A56683-A6EE-4422-816F-CF2AB43BE4B0}" sibTransId="{9A0C1107-39F3-4C78-89AA-C14D06FA0482}"/>
-    <dgm:cxn modelId="{C9D6D2B8-257D-43B8-8678-F6A0E41E7134}" srcId="{BEEE7082-E0E7-40EB-A40B-33E6BC64CCC8}" destId="{92513214-5084-4272-9D93-357D7B9D089E}" srcOrd="3" destOrd="0" parTransId="{E2896F5A-8AC9-4E9F-88ED-06C2103DC8EB}" sibTransId="{01819F79-1668-4A37-91DE-3BD5691D58FA}"/>
-    <dgm:cxn modelId="{7A875975-7333-48C4-AA6B-0DB62D763095}" type="presOf" srcId="{BF109C1A-D6D2-4A9D-BDE6-C66F4C4884E5}" destId="{C428768A-2A30-487B-B09F-FE8B44DAB860}" srcOrd="0" destOrd="0" presId="urn:microsoft.com/office/officeart/2005/8/layout/StepDownProcess"/>
-    <dgm:cxn modelId="{6F8C65A0-1A1B-474C-9CE2-00F61D9DA842}" type="presOf" srcId="{74F98B7C-30AE-4741-94A0-EDC036253585}" destId="{049C392A-3EDC-49F8-A09C-1DAAF2A97E16}" srcOrd="0" destOrd="0" presId="urn:microsoft.com/office/officeart/2005/8/layout/StepDownProcess"/>
-    <dgm:cxn modelId="{B3447EB8-51B5-4B58-B80D-EC312FB5D208}" type="presOf" srcId="{BEEE7082-E0E7-40EB-A40B-33E6BC64CCC8}" destId="{039BB48C-F966-4AB5-8439-B89E0B0A360C}" srcOrd="0" destOrd="0" presId="urn:microsoft.com/office/officeart/2005/8/layout/StepDownProcess"/>
-    <dgm:cxn modelId="{50DC6956-8F37-47C6-B9A8-95B2B6755809}" type="presOf" srcId="{B4C33871-7DA1-44A1-BE5E-9A939EA109E0}" destId="{0491FAC1-CACD-4454-93EB-D9DDC44CF63F}" srcOrd="0" destOrd="0" presId="urn:microsoft.com/office/officeart/2005/8/layout/StepDownProcess"/>
-    <dgm:cxn modelId="{68324F57-17F6-4C65-8BE6-9D310FB85F9B}" srcId="{BEEE7082-E0E7-40EB-A40B-33E6BC64CCC8}" destId="{CB4D03F2-A463-483F-B6E9-E0DF88327D26}" srcOrd="2" destOrd="0" parTransId="{748FBDB0-DFBF-4C9C-8486-DB0FE0ED7631}" sibTransId="{45EA78CC-ED60-44A4-B35A-4F4D41AD9074}"/>
-    <dgm:cxn modelId="{148A0C63-E93E-4B15-9ABA-D575D138BB72}" type="presOf" srcId="{92513214-5084-4272-9D93-357D7B9D089E}" destId="{B40BB39A-B64D-459C-A098-A4DF6294FF45}" srcOrd="0" destOrd="0" presId="urn:microsoft.com/office/officeart/2005/8/layout/StepDownProcess"/>
-    <dgm:cxn modelId="{391691CA-7162-4A61-B0EC-682A4B213FEB}" type="presOf" srcId="{20A68923-1C47-4CC6-A19F-58CD6B9A8FB1}" destId="{2AAE7345-B9D4-4662-AC19-BCF06F8C49FD}" srcOrd="0" destOrd="0" presId="urn:microsoft.com/office/officeart/2005/8/layout/StepDownProcess"/>
-    <dgm:cxn modelId="{4ACA1434-5613-4559-A527-5FF131A7A715}" srcId="{74F98B7C-30AE-4741-94A0-EDC036253585}" destId="{4A4A4B22-2473-41AC-AC6B-02DF09448837}" srcOrd="0" destOrd="0" parTransId="{E2E687BD-6AB7-4903-B22F-D79E4C2F0694}" sibTransId="{4F4FB59D-1B17-4854-B926-F1AFC86A7723}"/>
-    <dgm:cxn modelId="{CF12E151-27F0-47A7-8845-04C2E9A9B2E7}" type="presOf" srcId="{6F0B59D3-5BB7-480F-A125-289A3626EC6A}" destId="{2B70D009-F13D-44C0-A7BC-54C205FE77FB}" srcOrd="0" destOrd="0" presId="urn:microsoft.com/office/officeart/2005/8/layout/StepDownProcess"/>
-    <dgm:cxn modelId="{46E31681-64D7-436A-A2E9-CAC1CAEA7921}" type="presOf" srcId="{EC62BD84-3ADA-4D62-A238-5C25F36574A7}" destId="{B3D5E33F-A884-4A6B-BA8B-AC7F2E2F3CD9}" srcOrd="0" destOrd="0" presId="urn:microsoft.com/office/officeart/2005/8/layout/StepDownProcess"/>
     <dgm:cxn modelId="{8C5E9E96-61C5-447D-A9EF-067B8155BCC5}" type="presParOf" srcId="{039BB48C-F966-4AB5-8439-B89E0B0A360C}" destId="{AB8C601B-4365-4E3A-9CA6-9D06E9BCDD70}" srcOrd="0" destOrd="0" presId="urn:microsoft.com/office/officeart/2005/8/layout/StepDownProcess"/>
     <dgm:cxn modelId="{183A1C15-1DF0-4883-9696-BADF592B1614}" type="presParOf" srcId="{AB8C601B-4365-4E3A-9CA6-9D06E9BCDD70}" destId="{695C06EB-3839-4851-AAE1-21648D935AE8}" srcOrd="0" destOrd="0" presId="urn:microsoft.com/office/officeart/2005/8/layout/StepDownProcess"/>
     <dgm:cxn modelId="{B6BCC5BE-DE91-43A0-A0B3-988900E02EA4}" type="presParOf" srcId="{AB8C601B-4365-4E3A-9CA6-9D06E9BCDD70}" destId="{B3D5E33F-A884-4A6B-BA8B-AC7F2E2F3CD9}" srcOrd="1" destOrd="0" presId="urn:microsoft.com/office/officeart/2005/8/layout/StepDownProcess"/>
@@ -5153,7 +5403,7 @@
         </a:bodyPr>
         <a:lstStyle/>
         <a:p>
-          <a:pPr marL="0" lvl="0" indent="0" algn="l" defTabSz="889000">
+          <a:pPr lvl="0" algn="l" defTabSz="889000">
             <a:lnSpc>
               <a:spcPct val="90000"/>
             </a:lnSpc>
@@ -5163,7 +5413,6 @@
             <a:spcAft>
               <a:spcPct val="35000"/>
             </a:spcAft>
-            <a:buNone/>
           </a:pPr>
           <a:r>
             <a:rPr lang="es-ES" sz="2000" kern="1200" dirty="0"/>
@@ -5182,7 +5431,7 @@
             <a:spcAft>
               <a:spcPct val="15000"/>
             </a:spcAft>
-            <a:buChar char="•"/>
+            <a:buChar char="••"/>
           </a:pPr>
           <a:r>
             <a:rPr lang="es-ES" sz="1600" kern="1200" dirty="0"/>
@@ -5201,7 +5450,7 @@
             <a:spcAft>
               <a:spcPct val="15000"/>
             </a:spcAft>
-            <a:buChar char="•"/>
+            <a:buChar char="••"/>
           </a:pPr>
           <a:r>
             <a:rPr lang="es-ES" sz="1600" kern="1200" dirty="0"/>
@@ -5236,7 +5485,7 @@
             <a:spcAft>
               <a:spcPct val="15000"/>
             </a:spcAft>
-            <a:buChar char="•"/>
+            <a:buChar char="••"/>
           </a:pPr>
           <a:r>
             <a:rPr lang="en-US" sz="1600" b="0" i="0" kern="1200" dirty="0"/>
@@ -5249,6 +5498,10 @@
           <a:r>
             <a:rPr lang="en-US" sz="1600" b="0" i="0" kern="1200" dirty="0"/>
             <a:t> 259909</a:t>
+          </a:r>
+          <a:r>
+            <a:rPr lang="en-US" sz="1600" kern="1200" dirty="0"/>
+            <a:t/>
           </a:r>
           <a:br>
             <a:rPr lang="en-US" sz="1600" kern="1200" dirty="0"/>
@@ -5311,7 +5564,7 @@
         </a:bodyPr>
         <a:lstStyle/>
         <a:p>
-          <a:pPr marL="0" lvl="0" indent="0" algn="ctr" defTabSz="711200">
+          <a:pPr lvl="0" algn="ctr" defTabSz="711200">
             <a:lnSpc>
               <a:spcPct val="90000"/>
             </a:lnSpc>
@@ -5321,7 +5574,6 @@
             <a:spcAft>
               <a:spcPct val="35000"/>
             </a:spcAft>
-            <a:buNone/>
           </a:pPr>
           <a:endParaRPr lang="en-US" sz="1600" kern="1200"/>
         </a:p>
@@ -5388,7 +5640,7 @@
         </a:bodyPr>
         <a:lstStyle/>
         <a:p>
-          <a:pPr marL="0" lvl="0" indent="0" algn="l" defTabSz="889000">
+          <a:pPr lvl="0" algn="l" defTabSz="889000">
             <a:lnSpc>
               <a:spcPct val="90000"/>
             </a:lnSpc>
@@ -5398,7 +5650,6 @@
             <a:spcAft>
               <a:spcPct val="35000"/>
             </a:spcAft>
-            <a:buNone/>
           </a:pPr>
           <a:r>
             <a:rPr lang="es-ES" sz="2000" i="1" kern="1200" dirty="0"/>
@@ -5433,7 +5684,7 @@
             <a:spcAft>
               <a:spcPct val="15000"/>
             </a:spcAft>
-            <a:buChar char="•"/>
+            <a:buChar char="••"/>
           </a:pPr>
           <a:r>
             <a:rPr lang="es-ES" sz="1600" kern="1200" dirty="0" err="1"/>
@@ -5456,7 +5707,7 @@
             <a:spcAft>
               <a:spcPct val="15000"/>
             </a:spcAft>
-            <a:buChar char="•"/>
+            <a:buChar char="••"/>
           </a:pPr>
           <a:r>
             <a:rPr lang="es-ES" sz="1600" kern="1200" dirty="0" err="1"/>
@@ -5475,7 +5726,7 @@
             <a:spcAft>
               <a:spcPct val="15000"/>
             </a:spcAft>
-            <a:buChar char="•"/>
+            <a:buChar char="••"/>
           </a:pPr>
           <a:r>
             <a:rPr lang="es-ES" sz="1600" kern="1200" dirty="0" err="1"/>
@@ -5502,7 +5753,7 @@
             <a:spcAft>
               <a:spcPct val="15000"/>
             </a:spcAft>
-            <a:buChar char="•"/>
+            <a:buChar char="••"/>
           </a:pPr>
           <a:r>
             <a:rPr lang="es-ES" sz="1600" kern="1200" dirty="0" err="1"/>
@@ -5535,7 +5786,7 @@
         <a:solidFill>
           <a:schemeClr val="accent1">
             <a:shade val="90000"/>
-            <a:hueOff val="-31026"/>
+            <a:hueOff val="-31025"/>
             <a:satOff val="-361"/>
             <a:lumOff val="17617"/>
             <a:alphaOff val="0"/>
@@ -5566,7 +5817,7 @@
         </a:bodyPr>
         <a:lstStyle/>
         <a:p>
-          <a:pPr marL="0" lvl="0" indent="0" algn="ctr" defTabSz="711200">
+          <a:pPr lvl="0" algn="ctr" defTabSz="711200">
             <a:lnSpc>
               <a:spcPct val="90000"/>
             </a:lnSpc>
@@ -5576,7 +5827,6 @@
             <a:spcAft>
               <a:spcPct val="35000"/>
             </a:spcAft>
-            <a:buNone/>
           </a:pPr>
           <a:endParaRPr lang="en-US" sz="1600" kern="1200"/>
         </a:p>
@@ -5643,7 +5893,7 @@
         </a:bodyPr>
         <a:lstStyle/>
         <a:p>
-          <a:pPr marL="0" lvl="0" indent="0" algn="l" defTabSz="889000">
+          <a:pPr lvl="0" algn="l" defTabSz="889000">
             <a:lnSpc>
               <a:spcPct val="90000"/>
             </a:lnSpc>
@@ -5653,7 +5903,6 @@
             <a:spcAft>
               <a:spcPct val="35000"/>
             </a:spcAft>
-            <a:buNone/>
           </a:pPr>
           <a:r>
             <a:rPr lang="es-ES" sz="2000" kern="1200" dirty="0" err="1"/>
@@ -5688,7 +5937,7 @@
             <a:spcAft>
               <a:spcPct val="15000"/>
             </a:spcAft>
-            <a:buChar char="•"/>
+            <a:buChar char="••"/>
           </a:pPr>
           <a:r>
             <a:rPr lang="es-ES" sz="1600" kern="1200" dirty="0" err="1"/>
@@ -5707,7 +5956,7 @@
             <a:spcAft>
               <a:spcPct val="15000"/>
             </a:spcAft>
-            <a:buChar char="•"/>
+            <a:buChar char="••"/>
           </a:pPr>
           <a:r>
             <a:rPr lang="es-ES" sz="1600" kern="1200" dirty="0" err="1"/>
@@ -5742,7 +5991,7 @@
             <a:spcAft>
               <a:spcPct val="15000"/>
             </a:spcAft>
-            <a:buChar char="•"/>
+            <a:buChar char="••"/>
           </a:pPr>
           <a:r>
             <a:rPr lang="es-ES" sz="1600" kern="1200" dirty="0" err="1"/>
@@ -5848,7 +6097,7 @@
         </a:bodyPr>
         <a:lstStyle/>
         <a:p>
-          <a:pPr marL="0" lvl="0" indent="0" algn="ctr" defTabSz="1644650">
+          <a:pPr lvl="0" algn="ctr" defTabSz="1644650">
             <a:lnSpc>
               <a:spcPct val="90000"/>
             </a:lnSpc>
@@ -5858,7 +6107,6 @@
             <a:spcAft>
               <a:spcPct val="35000"/>
             </a:spcAft>
-            <a:buNone/>
           </a:pPr>
           <a:r>
             <a:rPr lang="en-US" sz="3700" kern="1200" dirty="0"/>
@@ -5921,7 +6169,7 @@
         </a:bodyPr>
         <a:lstStyle/>
         <a:p>
-          <a:pPr marL="0" lvl="0" indent="0" algn="ctr" defTabSz="1333500">
+          <a:pPr lvl="0" algn="ctr" defTabSz="1333500">
             <a:lnSpc>
               <a:spcPct val="90000"/>
             </a:lnSpc>
@@ -5931,7 +6179,6 @@
             <a:spcAft>
               <a:spcPct val="35000"/>
             </a:spcAft>
-            <a:buNone/>
           </a:pPr>
           <a:endParaRPr lang="en-US" sz="3000" kern="1200"/>
         </a:p>
@@ -5997,7 +6244,7 @@
         </a:bodyPr>
         <a:lstStyle/>
         <a:p>
-          <a:pPr marL="0" lvl="0" indent="0" algn="ctr" defTabSz="1644650">
+          <a:pPr lvl="0" algn="ctr" defTabSz="1644650">
             <a:lnSpc>
               <a:spcPct val="90000"/>
             </a:lnSpc>
@@ -6007,7 +6254,6 @@
             <a:spcAft>
               <a:spcPct val="35000"/>
             </a:spcAft>
-            <a:buNone/>
           </a:pPr>
           <a:r>
             <a:rPr lang="en-US" sz="3700" kern="1200" dirty="0"/>
@@ -6088,7 +6334,7 @@
         </a:bodyPr>
         <a:lstStyle/>
         <a:p>
-          <a:pPr marL="0" lvl="0" indent="0" algn="ctr" defTabSz="889000">
+          <a:pPr lvl="0" algn="ctr" defTabSz="889000">
             <a:lnSpc>
               <a:spcPct val="90000"/>
             </a:lnSpc>
@@ -6098,7 +6344,6 @@
             <a:spcAft>
               <a:spcPct val="35000"/>
             </a:spcAft>
-            <a:buNone/>
           </a:pPr>
           <a:r>
             <a:rPr lang="en-US" sz="2000" kern="1200" noProof="0" dirty="0"/>
@@ -6161,7 +6406,7 @@
         </a:bodyPr>
         <a:lstStyle/>
         <a:p>
-          <a:pPr marL="0" lvl="0" indent="0" algn="ctr" defTabSz="889000">
+          <a:pPr lvl="0" algn="ctr" defTabSz="889000">
             <a:lnSpc>
               <a:spcPct val="90000"/>
             </a:lnSpc>
@@ -6171,7 +6416,6 @@
             <a:spcAft>
               <a:spcPct val="35000"/>
             </a:spcAft>
-            <a:buNone/>
           </a:pPr>
           <a:endParaRPr lang="en-US" sz="2000" kern="1200" dirty="0"/>
         </a:p>
@@ -6237,7 +6481,7 @@
         </a:bodyPr>
         <a:lstStyle/>
         <a:p>
-          <a:pPr marL="0" lvl="0" indent="0" algn="ctr" defTabSz="889000">
+          <a:pPr lvl="0" algn="ctr" defTabSz="889000">
             <a:lnSpc>
               <a:spcPct val="90000"/>
             </a:lnSpc>
@@ -6247,7 +6491,6 @@
             <a:spcAft>
               <a:spcPct val="35000"/>
             </a:spcAft>
-            <a:buNone/>
           </a:pPr>
           <a:r>
             <a:rPr lang="en-US" sz="2000" kern="1200" noProof="0" dirty="0"/>
@@ -6310,7 +6553,7 @@
         </a:bodyPr>
         <a:lstStyle/>
         <a:p>
-          <a:pPr marL="0" lvl="0" indent="0" algn="ctr" defTabSz="889000">
+          <a:pPr lvl="0" algn="ctr" defTabSz="889000">
             <a:lnSpc>
               <a:spcPct val="90000"/>
             </a:lnSpc>
@@ -6320,7 +6563,6 @@
             <a:spcAft>
               <a:spcPct val="35000"/>
             </a:spcAft>
-            <a:buNone/>
           </a:pPr>
           <a:endParaRPr lang="en-US" sz="2000" kern="1200" dirty="0"/>
         </a:p>
@@ -6386,7 +6628,7 @@
         </a:bodyPr>
         <a:lstStyle/>
         <a:p>
-          <a:pPr marL="0" lvl="0" indent="0" algn="ctr" defTabSz="889000">
+          <a:pPr lvl="0" algn="ctr" defTabSz="889000">
             <a:lnSpc>
               <a:spcPct val="90000"/>
             </a:lnSpc>
@@ -6396,7 +6638,6 @@
             <a:spcAft>
               <a:spcPct val="35000"/>
             </a:spcAft>
-            <a:buNone/>
           </a:pPr>
           <a:r>
             <a:rPr lang="en-US" sz="2000" kern="1200" noProof="0" dirty="0"/>
@@ -6459,7 +6700,7 @@
         </a:bodyPr>
         <a:lstStyle/>
         <a:p>
-          <a:pPr marL="0" lvl="0" indent="0" algn="ctr" defTabSz="889000">
+          <a:pPr lvl="0" algn="ctr" defTabSz="889000">
             <a:lnSpc>
               <a:spcPct val="90000"/>
             </a:lnSpc>
@@ -6469,7 +6710,6 @@
             <a:spcAft>
               <a:spcPct val="35000"/>
             </a:spcAft>
-            <a:buNone/>
           </a:pPr>
           <a:endParaRPr lang="en-US" sz="2000" kern="1200" dirty="0"/>
         </a:p>
@@ -6535,7 +6775,7 @@
         </a:bodyPr>
         <a:lstStyle/>
         <a:p>
-          <a:pPr marL="0" lvl="0" indent="0" algn="ctr" defTabSz="889000">
+          <a:pPr lvl="0" algn="ctr" defTabSz="889000">
             <a:lnSpc>
               <a:spcPct val="90000"/>
             </a:lnSpc>
@@ -6545,7 +6785,6 @@
             <a:spcAft>
               <a:spcPct val="35000"/>
             </a:spcAft>
-            <a:buNone/>
           </a:pPr>
           <a:r>
             <a:rPr lang="en-US" sz="2000" kern="1200" noProof="0" dirty="0"/>
@@ -6686,7 +6925,7 @@
         </a:bodyPr>
         <a:lstStyle/>
         <a:p>
-          <a:pPr marL="0" lvl="0" indent="0" algn="ctr" defTabSz="488950">
+          <a:pPr lvl="0" algn="ctr" defTabSz="488950">
             <a:lnSpc>
               <a:spcPct val="90000"/>
             </a:lnSpc>
@@ -6696,7 +6935,6 @@
             <a:spcAft>
               <a:spcPct val="35000"/>
             </a:spcAft>
-            <a:buNone/>
           </a:pPr>
           <a:r>
             <a:rPr lang="en-US" sz="1100" kern="1200" dirty="0"/>
@@ -6756,7 +6994,7 @@
             <a:spcAft>
               <a:spcPct val="15000"/>
             </a:spcAft>
-            <a:buChar char="•"/>
+            <a:buChar char="••"/>
           </a:pPr>
           <a:r>
             <a:rPr lang="en-US" sz="800" kern="1200" dirty="0" err="1"/>
@@ -6878,7 +7116,7 @@
         </a:bodyPr>
         <a:lstStyle/>
         <a:p>
-          <a:pPr marL="0" lvl="0" indent="0" algn="ctr" defTabSz="488950">
+          <a:pPr lvl="0" algn="ctr" defTabSz="488950">
             <a:lnSpc>
               <a:spcPct val="90000"/>
             </a:lnSpc>
@@ -6888,7 +7126,6 @@
             <a:spcAft>
               <a:spcPct val="35000"/>
             </a:spcAft>
-            <a:buNone/>
           </a:pPr>
           <a:r>
             <a:rPr lang="en-US" sz="1100" kern="1200" dirty="0"/>
@@ -6948,7 +7185,7 @@
             <a:spcAft>
               <a:spcPct val="15000"/>
             </a:spcAft>
-            <a:buChar char="•"/>
+            <a:buChar char="••"/>
           </a:pPr>
           <a:endParaRPr lang="en-US" sz="800" kern="1200" dirty="0"/>
         </a:p>
@@ -7066,7 +7303,7 @@
         </a:bodyPr>
         <a:lstStyle/>
         <a:p>
-          <a:pPr marL="0" lvl="0" indent="0" algn="ctr" defTabSz="488950">
+          <a:pPr lvl="0" algn="ctr" defTabSz="488950">
             <a:lnSpc>
               <a:spcPct val="90000"/>
             </a:lnSpc>
@@ -7076,7 +7313,6 @@
             <a:spcAft>
               <a:spcPct val="35000"/>
             </a:spcAft>
-            <a:buNone/>
           </a:pPr>
           <a:r>
             <a:rPr lang="en-US" sz="1100" kern="1200" dirty="0"/>
@@ -7136,7 +7372,7 @@
             <a:spcAft>
               <a:spcPct val="15000"/>
             </a:spcAft>
-            <a:buChar char="•"/>
+            <a:buChar char="••"/>
           </a:pPr>
           <a:r>
             <a:rPr lang="en-US" sz="800" kern="1200" dirty="0"/>
@@ -7257,7 +7493,7 @@
         </a:bodyPr>
         <a:lstStyle/>
         <a:p>
-          <a:pPr marL="0" lvl="0" indent="0" algn="ctr" defTabSz="488950">
+          <a:pPr lvl="0" algn="ctr" defTabSz="488950">
             <a:lnSpc>
               <a:spcPct val="90000"/>
             </a:lnSpc>
@@ -7267,7 +7503,6 @@
             <a:spcAft>
               <a:spcPct val="35000"/>
             </a:spcAft>
-            <a:buNone/>
           </a:pPr>
           <a:r>
             <a:rPr lang="en-US" sz="1100" kern="1200" dirty="0"/>
@@ -7420,7 +7655,7 @@
         </a:bodyPr>
         <a:lstStyle/>
         <a:p>
-          <a:pPr marL="0" lvl="0" indent="0" algn="ctr" defTabSz="488950">
+          <a:pPr lvl="0" algn="ctr" defTabSz="488950">
             <a:lnSpc>
               <a:spcPct val="90000"/>
             </a:lnSpc>
@@ -7430,7 +7665,6 @@
             <a:spcAft>
               <a:spcPct val="35000"/>
             </a:spcAft>
-            <a:buNone/>
           </a:pPr>
           <a:r>
             <a:rPr lang="en-US" sz="1100" kern="1200" dirty="0"/>
@@ -7490,7 +7724,7 @@
             <a:spcAft>
               <a:spcPct val="15000"/>
             </a:spcAft>
-            <a:buChar char="•"/>
+            <a:buChar char="••"/>
           </a:pPr>
           <a:r>
             <a:rPr lang="en-US" sz="800" kern="1200" dirty="0"/>
@@ -7619,7 +7853,7 @@
         </a:bodyPr>
         <a:lstStyle/>
         <a:p>
-          <a:pPr marL="0" lvl="0" indent="0" algn="ctr" defTabSz="488950">
+          <a:pPr lvl="0" algn="ctr" defTabSz="488950">
             <a:lnSpc>
               <a:spcPct val="90000"/>
             </a:lnSpc>
@@ -7629,7 +7863,6 @@
             <a:spcAft>
               <a:spcPct val="35000"/>
             </a:spcAft>
-            <a:buNone/>
           </a:pPr>
           <a:r>
             <a:rPr lang="en-US" sz="1100" kern="1200" dirty="0"/>
@@ -7689,7 +7922,7 @@
             <a:spcAft>
               <a:spcPct val="15000"/>
             </a:spcAft>
-            <a:buChar char="•"/>
+            <a:buChar char="••"/>
           </a:pPr>
           <a:r>
             <a:rPr lang="en-US" sz="800" kern="1200" dirty="0" err="1"/>
@@ -7762,7 +7995,7 @@
         </a:bodyPr>
         <a:lstStyle/>
         <a:p>
-          <a:pPr marL="0" lvl="0" indent="0" algn="ctr" defTabSz="488950">
+          <a:pPr lvl="0" algn="ctr" defTabSz="488950">
             <a:lnSpc>
               <a:spcPct val="90000"/>
             </a:lnSpc>
@@ -7772,7 +8005,6 @@
             <a:spcAft>
               <a:spcPct val="35000"/>
             </a:spcAft>
-            <a:buNone/>
           </a:pPr>
           <a:r>
             <a:rPr lang="en-US" sz="1100" kern="1200" dirty="0"/>
@@ -21432,35 +21664,35 @@
                 <a:gridCol w="1645920">
                   <a:extLst>
                     <a:ext uri="{9D8B030D-6E8A-4147-A177-3AD203B41FA5}">
-                      <a16:colId xmlns:a16="http://schemas.microsoft.com/office/drawing/2014/main" val="20000"/>
+                      <a16:colId xmlns:a16="http://schemas.microsoft.com/office/drawing/2014/main" xmlns="" val="20000"/>
                     </a:ext>
                   </a:extLst>
                 </a:gridCol>
                 <a:gridCol w="1645920">
                   <a:extLst>
                     <a:ext uri="{9D8B030D-6E8A-4147-A177-3AD203B41FA5}">
-                      <a16:colId xmlns:a16="http://schemas.microsoft.com/office/drawing/2014/main" val="20001"/>
+                      <a16:colId xmlns:a16="http://schemas.microsoft.com/office/drawing/2014/main" xmlns="" val="20001"/>
                     </a:ext>
                   </a:extLst>
                 </a:gridCol>
                 <a:gridCol w="1645920">
                   <a:extLst>
                     <a:ext uri="{9D8B030D-6E8A-4147-A177-3AD203B41FA5}">
-                      <a16:colId xmlns:a16="http://schemas.microsoft.com/office/drawing/2014/main" val="20002"/>
+                      <a16:colId xmlns:a16="http://schemas.microsoft.com/office/drawing/2014/main" xmlns="" val="20002"/>
                     </a:ext>
                   </a:extLst>
                 </a:gridCol>
                 <a:gridCol w="1645920">
                   <a:extLst>
                     <a:ext uri="{9D8B030D-6E8A-4147-A177-3AD203B41FA5}">
-                      <a16:colId xmlns:a16="http://schemas.microsoft.com/office/drawing/2014/main" val="20003"/>
+                      <a16:colId xmlns:a16="http://schemas.microsoft.com/office/drawing/2014/main" xmlns="" val="20003"/>
                     </a:ext>
                   </a:extLst>
                 </a:gridCol>
                 <a:gridCol w="1645920">
                   <a:extLst>
                     <a:ext uri="{9D8B030D-6E8A-4147-A177-3AD203B41FA5}">
-                      <a16:colId xmlns:a16="http://schemas.microsoft.com/office/drawing/2014/main" val="20004"/>
+                      <a16:colId xmlns:a16="http://schemas.microsoft.com/office/drawing/2014/main" xmlns="" val="20004"/>
                     </a:ext>
                   </a:extLst>
                 </a:gridCol>
@@ -21535,7 +21767,7 @@
                 </a:tc>
                 <a:extLst>
                   <a:ext uri="{0D108BD9-81ED-4DB2-BD59-A6C34878D82A}">
-                    <a16:rowId xmlns:a16="http://schemas.microsoft.com/office/drawing/2014/main" val="10000"/>
+                    <a16:rowId xmlns:a16="http://schemas.microsoft.com/office/drawing/2014/main" xmlns="" val="10000"/>
                   </a:ext>
                 </a:extLst>
               </a:tr>
@@ -21607,7 +21839,7 @@
                 </a:tc>
                 <a:extLst>
                   <a:ext uri="{0D108BD9-81ED-4DB2-BD59-A6C34878D82A}">
-                    <a16:rowId xmlns:a16="http://schemas.microsoft.com/office/drawing/2014/main" val="10001"/>
+                    <a16:rowId xmlns:a16="http://schemas.microsoft.com/office/drawing/2014/main" xmlns="" val="10001"/>
                   </a:ext>
                 </a:extLst>
               </a:tr>
@@ -21679,7 +21911,7 @@
                 </a:tc>
                 <a:extLst>
                   <a:ext uri="{0D108BD9-81ED-4DB2-BD59-A6C34878D82A}">
-                    <a16:rowId xmlns:a16="http://schemas.microsoft.com/office/drawing/2014/main" val="10002"/>
+                    <a16:rowId xmlns:a16="http://schemas.microsoft.com/office/drawing/2014/main" xmlns="" val="10002"/>
                   </a:ext>
                 </a:extLst>
               </a:tr>
@@ -21751,7 +21983,7 @@
                 </a:tc>
                 <a:extLst>
                   <a:ext uri="{0D108BD9-81ED-4DB2-BD59-A6C34878D82A}">
-                    <a16:rowId xmlns:a16="http://schemas.microsoft.com/office/drawing/2014/main" val="10003"/>
+                    <a16:rowId xmlns:a16="http://schemas.microsoft.com/office/drawing/2014/main" xmlns="" val="10003"/>
                   </a:ext>
                 </a:extLst>
               </a:tr>
@@ -22220,6 +22452,88 @@
           <a:lstStyle/>
           <a:p>
             <a:r>
+              <a:rPr lang="en-US" dirty="0" smtClean="0"/>
+              <a:t>Figure 4</a:t>
+            </a:r>
+            <a:endParaRPr lang="en-US" dirty="0"/>
+          </a:p>
+        </p:txBody>
+      </p:sp>
+      <p:pic>
+        <p:nvPicPr>
+          <p:cNvPr id="4" name="Content Placeholder 3"/>
+          <p:cNvPicPr>
+            <a:picLocks noGrp="1" noChangeAspect="1"/>
+          </p:cNvPicPr>
+          <p:nvPr>
+            <p:ph idx="1"/>
+          </p:nvPr>
+        </p:nvPicPr>
+        <p:blipFill>
+          <a:blip r:embed="rId2">
+            <a:extLst>
+              <a:ext uri="{28A0092B-C50C-407E-A947-70E740481C1C}">
+                <a14:useLocalDpi xmlns:a14="http://schemas.microsoft.com/office/drawing/2010/main" val="0"/>
+              </a:ext>
+            </a:extLst>
+          </a:blip>
+          <a:stretch>
+            <a:fillRect/>
+          </a:stretch>
+        </p:blipFill>
+        <p:spPr>
+          <a:xfrm>
+            <a:off x="2114550" y="1728787"/>
+            <a:ext cx="4914900" cy="4619625"/>
+          </a:xfrm>
+        </p:spPr>
+      </p:pic>
+    </p:spTree>
+    <p:extLst>
+      <p:ext uri="{BB962C8B-B14F-4D97-AF65-F5344CB8AC3E}">
+        <p14:creationId xmlns:p14="http://schemas.microsoft.com/office/powerpoint/2010/main" val="954718525"/>
+      </p:ext>
+    </p:extLst>
+  </p:cSld>
+  <p:clrMapOvr>
+    <a:masterClrMapping/>
+  </p:clrMapOvr>
+</p:sld>
+</file>
+
+<file path=ppt/slides/slide28.xml><?xml version="1.0" encoding="utf-8"?>
+<p:sld xmlns:a="http://schemas.openxmlformats.org/drawingml/2006/main" xmlns:r="http://schemas.openxmlformats.org/officeDocument/2006/relationships" xmlns:p="http://schemas.openxmlformats.org/presentationml/2006/main">
+  <p:cSld>
+    <p:spTree>
+      <p:nvGrpSpPr>
+        <p:cNvPr id="1" name=""/>
+        <p:cNvGrpSpPr/>
+        <p:nvPr/>
+      </p:nvGrpSpPr>
+      <p:grpSpPr>
+        <a:xfrm>
+          <a:off x="0" y="0"/>
+          <a:ext cx="0" cy="0"/>
+          <a:chOff x="0" y="0"/>
+          <a:chExt cx="0" cy="0"/>
+        </a:xfrm>
+      </p:grpSpPr>
+      <p:sp>
+        <p:nvSpPr>
+          <p:cNvPr id="2" name="Title 1"/>
+          <p:cNvSpPr>
+            <a:spLocks noGrp="1"/>
+          </p:cNvSpPr>
+          <p:nvPr>
+            <p:ph type="title"/>
+          </p:nvPr>
+        </p:nvSpPr>
+        <p:spPr/>
+        <p:txBody>
+          <a:bodyPr/>
+          <a:lstStyle/>
+          <a:p>
+            <a:r>
               <a:rPr lang="en-US" dirty="0"/>
               <a:t>Conclusions</a:t>
             </a:r>
@@ -22288,7 +22602,7 @@
 </p:sld>
 </file>
 
-<file path=ppt/slides/slide28.xml><?xml version="1.0" encoding="utf-8"?>
+<file path=ppt/slides/slide29.xml><?xml version="1.0" encoding="utf-8"?>
 <p:sld xmlns:a="http://schemas.openxmlformats.org/drawingml/2006/main" xmlns:r="http://schemas.openxmlformats.org/officeDocument/2006/relationships" xmlns:p="http://schemas.openxmlformats.org/presentationml/2006/main">
   <p:cSld>
     <p:spTree>
@@ -24133,7 +24447,7 @@
   <a:extraClrSchemeLst/>
   <a:extLst>
     <a:ext uri="{05A4C25C-085E-4340-85A3-A5531E510DB2}">
-      <thm15:themeFamily xmlns:thm15="http://schemas.microsoft.com/office/thememl/2012/main" name="Office Theme" id="{62F939B6-93AF-4DB8-9C6B-D6C7DFDC589F}" vid="{4A3C46E8-61CC-4603-A589-7422A47A8E4A}"/>
+      <thm15:themeFamily xmlns:thm15="http://schemas.microsoft.com/office/thememl/2012/main" xmlns="" name="Office Theme" id="{62F939B6-93AF-4DB8-9C6B-D6C7DFDC589F}" vid="{4A3C46E8-61CC-4603-A589-7422A47A8E4A}"/>
     </a:ext>
   </a:extLst>
 </a:theme>

--- a/asparagus.pptx
+++ b/asparagus.pptx
@@ -4583,17 +4583,17 @@
       </dgm:t>
     </dgm:pt>
     <dgm:pt modelId="{6F0B59D3-5BB7-480F-A125-289A3626EC6A}">
-      <dgm:prSet phldrT="[Text]"/>
+      <dgm:prSet phldrT="[Text]" custT="1"/>
       <dgm:spPr/>
       <dgm:t>
         <a:bodyPr/>
         <a:lstStyle/>
         <a:p>
           <a:r>
-            <a:rPr lang="en-US" dirty="0" err="1"/>
+            <a:rPr lang="en-US" sz="1200" dirty="0" err="1"/>
             <a:t>edgeR</a:t>
           </a:r>
-          <a:endParaRPr lang="en-US" dirty="0"/>
+          <a:endParaRPr lang="en-US" sz="1200" dirty="0"/>
         </a:p>
       </dgm:t>
     </dgm:pt>
@@ -4761,14 +4761,14 @@
       </dgm:t>
     </dgm:pt>
     <dgm:pt modelId="{9EE104D1-5DA8-49BF-B7BC-C172B136828F}">
-      <dgm:prSet phldrT="[Text]"/>
+      <dgm:prSet phldrT="[Text]" custT="1"/>
       <dgm:spPr/>
       <dgm:t>
         <a:bodyPr/>
         <a:lstStyle/>
         <a:p>
           <a:r>
-            <a:rPr lang="en-US" dirty="0"/>
+            <a:rPr lang="en-US" sz="1200" dirty="0"/>
             <a:t>TMM</a:t>
           </a:r>
         </a:p>
@@ -4905,22 +4905,22 @@
       </dgm:t>
     </dgm:pt>
     <dgm:pt modelId="{4A4A4B22-2473-41AC-AC6B-02DF09448837}">
-      <dgm:prSet phldrT="[Text]"/>
+      <dgm:prSet phldrT="[Text]" custT="1"/>
       <dgm:spPr/>
       <dgm:t>
         <a:bodyPr/>
         <a:lstStyle/>
         <a:p>
           <a:r>
-            <a:rPr lang="en-US" dirty="0"/>
+            <a:rPr lang="en-US" sz="1200" dirty="0"/>
             <a:t>(~</a:t>
           </a:r>
           <a:r>
-            <a:rPr lang="en-US" dirty="0" err="1"/>
+            <a:rPr lang="en-US" sz="1200" dirty="0" err="1"/>
             <a:t>line+sex</a:t>
           </a:r>
           <a:r>
-            <a:rPr lang="en-US" dirty="0"/>
+            <a:rPr lang="en-US" sz="1200" dirty="0"/>
             <a:t>)</a:t>
           </a:r>
         </a:p>
@@ -4929,24 +4929,38 @@
     <dgm:pt modelId="{E2E687BD-6AB7-4903-B22F-D79E4C2F0694}" type="parTrans" cxnId="{4ACA1434-5613-4559-A527-5FF131A7A715}">
       <dgm:prSet/>
       <dgm:spPr/>
+      <dgm:t>
+        <a:bodyPr/>
+        <a:lstStyle/>
+        <a:p>
+          <a:endParaRPr lang="en-US"/>
+        </a:p>
+      </dgm:t>
     </dgm:pt>
     <dgm:pt modelId="{4F4FB59D-1B17-4854-B926-F1AFC86A7723}" type="sibTrans" cxnId="{4ACA1434-5613-4559-A527-5FF131A7A715}">
       <dgm:prSet/>
       <dgm:spPr/>
+      <dgm:t>
+        <a:bodyPr/>
+        <a:lstStyle/>
+        <a:p>
+          <a:endParaRPr lang="en-US"/>
+        </a:p>
+      </dgm:t>
     </dgm:pt>
     <dgm:pt modelId="{BF109C1A-D6D2-4A9D-BDE6-C66F4C4884E5}">
-      <dgm:prSet phldrT="[Text]"/>
+      <dgm:prSet phldrT="[Text]" custT="1"/>
       <dgm:spPr/>
       <dgm:t>
         <a:bodyPr/>
         <a:lstStyle/>
         <a:p>
           <a:r>
-            <a:rPr lang="en-US" dirty="0" err="1"/>
+            <a:rPr lang="en-US" sz="1200" dirty="0" err="1"/>
             <a:t>glmLTR</a:t>
           </a:r>
           <a:r>
-            <a:rPr lang="en-US" dirty="0"/>
+            <a:rPr lang="en-US" sz="1200" dirty="0"/>
             <a:t>()</a:t>
           </a:r>
         </a:p>
@@ -4955,10 +4969,24 @@
     <dgm:pt modelId="{56C68A0C-AEF5-4BF6-BA1D-544D8918025D}" type="parTrans" cxnId="{310A1EF9-F197-405E-8369-7BE4F64F5A7C}">
       <dgm:prSet/>
       <dgm:spPr/>
+      <dgm:t>
+        <a:bodyPr/>
+        <a:lstStyle/>
+        <a:p>
+          <a:endParaRPr lang="en-US"/>
+        </a:p>
+      </dgm:t>
     </dgm:pt>
     <dgm:pt modelId="{FA105F86-8CCD-48E1-AB0A-3B4E4CBFC30C}" type="sibTrans" cxnId="{310A1EF9-F197-405E-8369-7BE4F64F5A7C}">
       <dgm:prSet/>
       <dgm:spPr/>
+      <dgm:t>
+        <a:bodyPr/>
+        <a:lstStyle/>
+        <a:p>
+          <a:endParaRPr lang="en-US"/>
+        </a:p>
+      </dgm:t>
     </dgm:pt>
     <dgm:pt modelId="{039BB48C-F966-4AB5-8439-B89E0B0A360C}" type="pres">
       <dgm:prSet presAssocID="{BEEE7082-E0E7-40EB-A40B-33E6BC64CCC8}" presName="rootnode" presStyleCnt="0">
@@ -6979,12 +7007,12 @@
         <a:fontRef idx="minor"/>
       </dsp:style>
       <dsp:txBody>
-        <a:bodyPr spcFirstLastPara="0" vert="horz" wrap="square" lIns="38100" tIns="38100" rIns="38100" bIns="38100" numCol="1" spcCol="1270" anchor="ctr" anchorCtr="0">
+        <a:bodyPr spcFirstLastPara="0" vert="horz" wrap="square" lIns="45720" tIns="45720" rIns="45720" bIns="45720" numCol="1" spcCol="1270" anchor="ctr" anchorCtr="0">
           <a:noAutofit/>
         </a:bodyPr>
         <a:lstStyle/>
         <a:p>
-          <a:pPr marL="57150" lvl="1" indent="-57150" algn="l" defTabSz="355600">
+          <a:pPr marL="114300" lvl="1" indent="-114300" algn="l" defTabSz="533400">
             <a:lnSpc>
               <a:spcPct val="90000"/>
             </a:lnSpc>
@@ -6997,10 +7025,10 @@
             <a:buChar char="••"/>
           </a:pPr>
           <a:r>
-            <a:rPr lang="en-US" sz="800" kern="1200" dirty="0" err="1"/>
+            <a:rPr lang="en-US" sz="1200" kern="1200" dirty="0" err="1"/>
             <a:t>edgeR</a:t>
           </a:r>
-          <a:endParaRPr lang="en-US" sz="800" kern="1200" dirty="0"/>
+          <a:endParaRPr lang="en-US" sz="1200" kern="1200" dirty="0"/>
         </a:p>
       </dsp:txBody>
       <dsp:txXfrm>
@@ -7170,12 +7198,12 @@
         <a:fontRef idx="minor"/>
       </dsp:style>
       <dsp:txBody>
-        <a:bodyPr spcFirstLastPara